--- a/_posts/静态时序分析笔记/静态时序分析笔记pptx.pptx
+++ b/_posts/静态时序分析笔记/静态时序分析笔记pptx.pptx
@@ -6,6 +6,7 @@
   </p:sldMasterIdLst>
   <p:sldIdLst>
     <p:sldId id="256" r:id="rId2"/>
+    <p:sldId id="257" r:id="rId3"/>
   </p:sldIdLst>
   <p:sldSz cx="12192000" cy="6858000"/>
   <p:notesSz cx="6858000" cy="9144000"/>
@@ -104,6 +105,11 @@
       </a:defRPr>
     </a:lvl9pPr>
   </p:defaultTextStyle>
+  <p:extLst>
+    <p:ext uri="{EFAFB233-063F-42B5-8137-9DF3F51BA10A}">
+      <p15:sldGuideLst xmlns:p15="http://schemas.microsoft.com/office/powerpoint/2012/main"/>
+    </p:ext>
+  </p:extLst>
 </p:presentation>
 </file>
 
@@ -4934,8 +4940,8 @@
           </a:p>
         </p:txBody>
       </p:sp>
-      <mc:AlternateContent xmlns:mc="http://schemas.openxmlformats.org/markup-compatibility/2006">
-        <mc:Choice xmlns:a14="http://schemas.microsoft.com/office/drawing/2010/main" Requires="a14">
+      <mc:AlternateContent xmlns:mc="http://schemas.openxmlformats.org/markup-compatibility/2006" xmlns:a14="http://schemas.microsoft.com/office/drawing/2010/main">
+        <mc:Choice Requires="a14">
           <p:sp>
             <p:nvSpPr>
               <p:cNvPr id="105" name="文本框 104">
@@ -4964,6 +4970,918 @@
               </a:bodyPr>
               <a:lstStyle/>
               <a:p>
+                <a:pPr/>
+                <a14:m>
+                  <m:oMathPara xmlns:m="http://schemas.openxmlformats.org/officeDocument/2006/math">
+                    <m:oMathParaPr>
+                      <m:jc m:val="centerGroup"/>
+                    </m:oMathParaPr>
+                    <m:oMath xmlns:m="http://schemas.openxmlformats.org/officeDocument/2006/math">
+                      <m:sSub>
+                        <m:sSubPr>
+                          <m:ctrlPr>
+                            <a:rPr kumimoji="1" lang="en-US" altLang="zh-CN" i="1" smtClean="0">
+                              <a:latin typeface="Cambria Math" panose="02040503050406030204" pitchFamily="18" charset="0"/>
+                            </a:rPr>
+                          </m:ctrlPr>
+                        </m:sSubPr>
+                        <m:e>
+                          <m:r>
+                            <m:rPr>
+                              <m:sty m:val="p"/>
+                            </m:rPr>
+                            <a:rPr kumimoji="1" lang="en-US" altLang="zh-CN" i="1">
+                              <a:latin typeface="Cambria Math" panose="02040503050406030204" pitchFamily="18" charset="0"/>
+                            </a:rPr>
+                            <m:t>T</m:t>
+                          </m:r>
+                        </m:e>
+                        <m:sub>
+                          <m:r>
+                            <m:rPr>
+                              <m:sty m:val="p"/>
+                            </m:rPr>
+                            <a:rPr kumimoji="1" lang="en-US" altLang="zh-CN" i="1">
+                              <a:latin typeface="Cambria Math" panose="02040503050406030204" pitchFamily="18" charset="0"/>
+                            </a:rPr>
+                            <m:t>f</m:t>
+                          </m:r>
+                        </m:sub>
+                      </m:sSub>
+                    </m:oMath>
+                  </m:oMathPara>
+                </a14:m>
+                <a:endParaRPr kumimoji="1" lang="zh-CN" altLang="en-US" dirty="0"/>
+              </a:p>
+            </p:txBody>
+          </p:sp>
+        </mc:Choice>
+        <mc:Fallback xmlns="">
+          <p:sp>
+            <p:nvSpPr>
+              <p:cNvPr id="105" name="文本框 104">
+                <a:extLst>
+                  <a:ext uri="{FF2B5EF4-FFF2-40B4-BE49-F238E27FC236}">
+                    <a16:creationId xmlns:a16="http://schemas.microsoft.com/office/drawing/2014/main" id="{4CFC2965-3D86-DBC7-61B8-145E5096515C}"/>
+                  </a:ext>
+                </a:extLst>
+              </p:cNvPr>
+              <p:cNvSpPr txBox="1">
+                <a:spLocks noRot="1" noChangeAspect="1" noMove="1" noResize="1" noEditPoints="1" noAdjustHandles="1" noChangeArrowheads="1" noChangeShapeType="1" noTextEdit="1"/>
+              </p:cNvSpPr>
+              <p:nvPr/>
+            </p:nvSpPr>
+            <p:spPr>
+              <a:xfrm>
+                <a:off x="4167277" y="3089191"/>
+                <a:ext cx="430694" cy="369332"/>
+              </a:xfrm>
+              <a:prstGeom prst="rect">
+                <a:avLst/>
+              </a:prstGeom>
+              <a:blipFill>
+                <a:blip r:embed="rId2"/>
+                <a:stretch>
+                  <a:fillRect/>
+                </a:stretch>
+              </a:blipFill>
+            </p:spPr>
+            <p:txBody>
+              <a:bodyPr/>
+              <a:lstStyle/>
+              <a:p>
+                <a:r>
+                  <a:rPr lang="zh-CN" altLang="en-US">
+                    <a:noFill/>
+                  </a:rPr>
+                  <a:t> </a:t>
+                </a:r>
+              </a:p>
+            </p:txBody>
+          </p:sp>
+        </mc:Fallback>
+      </mc:AlternateContent>
+      <mc:AlternateContent xmlns:mc="http://schemas.openxmlformats.org/markup-compatibility/2006" xmlns:a14="http://schemas.microsoft.com/office/drawing/2010/main">
+        <mc:Choice Requires="a14">
+          <p:sp>
+            <p:nvSpPr>
+              <p:cNvPr id="106" name="文本框 105">
+                <a:extLst>
+                  <a:ext uri="{FF2B5EF4-FFF2-40B4-BE49-F238E27FC236}">
+                    <a16:creationId xmlns:a16="http://schemas.microsoft.com/office/drawing/2014/main" id="{20AC6F82-21BF-7A34-C8A5-57FAE16183E0}"/>
+                  </a:ext>
+                </a:extLst>
+              </p:cNvPr>
+              <p:cNvSpPr txBox="1"/>
+              <p:nvPr/>
+            </p:nvSpPr>
+            <p:spPr>
+              <a:xfrm>
+                <a:off x="6246494" y="3092425"/>
+                <a:ext cx="451534" cy="369332"/>
+              </a:xfrm>
+              <a:prstGeom prst="rect">
+                <a:avLst/>
+              </a:prstGeom>
+              <a:noFill/>
+            </p:spPr>
+            <p:txBody>
+              <a:bodyPr wrap="none" rtlCol="0">
+                <a:spAutoFit/>
+              </a:bodyPr>
+              <a:lstStyle/>
+              <a:p>
+                <a:pPr/>
+                <a14:m>
+                  <m:oMathPara xmlns:m="http://schemas.openxmlformats.org/officeDocument/2006/math">
+                    <m:oMathParaPr>
+                      <m:jc m:val="centerGroup"/>
+                    </m:oMathParaPr>
+                    <m:oMath xmlns:m="http://schemas.openxmlformats.org/officeDocument/2006/math">
+                      <m:sSub>
+                        <m:sSubPr>
+                          <m:ctrlPr>
+                            <a:rPr kumimoji="1" lang="en-US" altLang="zh-CN" i="1" smtClean="0">
+                              <a:latin typeface="Cambria Math" panose="02040503050406030204" pitchFamily="18" charset="0"/>
+                            </a:rPr>
+                          </m:ctrlPr>
+                        </m:sSubPr>
+                        <m:e>
+                          <m:r>
+                            <m:rPr>
+                              <m:sty m:val="p"/>
+                            </m:rPr>
+                            <a:rPr kumimoji="1" lang="en-US" altLang="zh-CN" i="1">
+                              <a:latin typeface="Cambria Math" panose="02040503050406030204" pitchFamily="18" charset="0"/>
+                            </a:rPr>
+                            <m:t>T</m:t>
+                          </m:r>
+                        </m:e>
+                        <m:sub>
+                          <m:r>
+                            <m:rPr>
+                              <m:sty m:val="p"/>
+                            </m:rPr>
+                            <a:rPr kumimoji="1" lang="en-US" altLang="zh-CN" i="1">
+                              <a:latin typeface="Cambria Math" panose="02040503050406030204" pitchFamily="18" charset="0"/>
+                            </a:rPr>
+                            <m:t>r</m:t>
+                          </m:r>
+                        </m:sub>
+                      </m:sSub>
+                    </m:oMath>
+                  </m:oMathPara>
+                </a14:m>
+                <a:endParaRPr kumimoji="1" lang="zh-CN" altLang="en-US" dirty="0"/>
+              </a:p>
+            </p:txBody>
+          </p:sp>
+        </mc:Choice>
+        <mc:Fallback xmlns="">
+          <p:sp>
+            <p:nvSpPr>
+              <p:cNvPr id="106" name="文本框 105">
+                <a:extLst>
+                  <a:ext uri="{FF2B5EF4-FFF2-40B4-BE49-F238E27FC236}">
+                    <a16:creationId xmlns:a16="http://schemas.microsoft.com/office/drawing/2014/main" id="{20AC6F82-21BF-7A34-C8A5-57FAE16183E0}"/>
+                  </a:ext>
+                </a:extLst>
+              </p:cNvPr>
+              <p:cNvSpPr txBox="1">
+                <a:spLocks noRot="1" noChangeAspect="1" noMove="1" noResize="1" noEditPoints="1" noAdjustHandles="1" noChangeArrowheads="1" noChangeShapeType="1" noTextEdit="1"/>
+              </p:cNvSpPr>
+              <p:nvPr/>
+            </p:nvSpPr>
+            <p:spPr>
+              <a:xfrm>
+                <a:off x="6246494" y="3092425"/>
+                <a:ext cx="451534" cy="369332"/>
+              </a:xfrm>
+              <a:prstGeom prst="rect">
+                <a:avLst/>
+              </a:prstGeom>
+              <a:blipFill>
+                <a:blip r:embed="rId3"/>
+                <a:stretch>
+                  <a:fillRect/>
+                </a:stretch>
+              </a:blipFill>
+            </p:spPr>
+            <p:txBody>
+              <a:bodyPr/>
+              <a:lstStyle/>
+              <a:p>
+                <a:r>
+                  <a:rPr lang="zh-CN" altLang="en-US">
+                    <a:noFill/>
+                  </a:rPr>
+                  <a:t> </a:t>
+                </a:r>
+              </a:p>
+            </p:txBody>
+          </p:sp>
+        </mc:Fallback>
+      </mc:AlternateContent>
+    </p:spTree>
+    <p:extLst>
+      <p:ext uri="{BB962C8B-B14F-4D97-AF65-F5344CB8AC3E}">
+        <p14:creationId xmlns:p14="http://schemas.microsoft.com/office/powerpoint/2010/main" val="1534647839"/>
+      </p:ext>
+    </p:extLst>
+  </p:cSld>
+  <p:clrMapOvr>
+    <a:masterClrMapping/>
+  </p:clrMapOvr>
+</p:sld>
+</file>
+
+<file path=ppt/slides/slide2.xml><?xml version="1.0" encoding="utf-8"?>
+<p:sld xmlns:a="http://schemas.openxmlformats.org/drawingml/2006/main" xmlns:r="http://schemas.openxmlformats.org/officeDocument/2006/relationships" xmlns:p="http://schemas.openxmlformats.org/presentationml/2006/main">
+  <p:cSld>
+    <p:spTree>
+      <p:nvGrpSpPr>
+        <p:cNvPr id="1" name="">
+          <a:extLst>
+            <a:ext uri="{FF2B5EF4-FFF2-40B4-BE49-F238E27FC236}">
+              <a16:creationId xmlns:a16="http://schemas.microsoft.com/office/drawing/2014/main" id="{A8562182-94C0-DF04-7E1D-593D72FE9C40}"/>
+            </a:ext>
+          </a:extLst>
+        </p:cNvPr>
+        <p:cNvGrpSpPr/>
+        <p:nvPr/>
+      </p:nvGrpSpPr>
+      <p:grpSpPr>
+        <a:xfrm>
+          <a:off x="0" y="0"/>
+          <a:ext cx="0" cy="0"/>
+          <a:chOff x="0" y="0"/>
+          <a:chExt cx="0" cy="0"/>
+        </a:xfrm>
+      </p:grpSpPr>
+      <p:sp>
+        <p:nvSpPr>
+          <p:cNvPr id="92" name="文本框 91">
+            <a:extLst>
+              <a:ext uri="{FF2B5EF4-FFF2-40B4-BE49-F238E27FC236}">
+                <a16:creationId xmlns:a16="http://schemas.microsoft.com/office/drawing/2014/main" id="{03E310C7-D99C-0FCD-15FE-07D888044703}"/>
+              </a:ext>
+            </a:extLst>
+          </p:cNvPr>
+          <p:cNvSpPr txBox="1"/>
+          <p:nvPr/>
+        </p:nvSpPr>
+        <p:spPr>
+          <a:xfrm>
+            <a:off x="6796983" y="3788871"/>
+            <a:ext cx="327334" cy="369332"/>
+          </a:xfrm>
+          <a:prstGeom prst="rect">
+            <a:avLst/>
+          </a:prstGeom>
+          <a:noFill/>
+        </p:spPr>
+        <p:txBody>
+          <a:bodyPr wrap="none" rtlCol="0">
+            <a:spAutoFit/>
+          </a:bodyPr>
+          <a:lstStyle/>
+          <a:p>
+            <a:r>
+              <a:rPr kumimoji="1" lang="en-US" altLang="zh-CN" dirty="0"/>
+              <a:t>C</a:t>
+            </a:r>
+            <a:endParaRPr kumimoji="1" lang="zh-CN" altLang="en-US" dirty="0"/>
+          </a:p>
+        </p:txBody>
+      </p:sp>
+      <p:cxnSp>
+        <p:nvCxnSpPr>
+          <p:cNvPr id="24" name="直线连接符 23">
+            <a:extLst>
+              <a:ext uri="{FF2B5EF4-FFF2-40B4-BE49-F238E27FC236}">
+                <a16:creationId xmlns:a16="http://schemas.microsoft.com/office/drawing/2014/main" id="{D453A610-1612-5F82-6B66-7368F258CAC4}"/>
+              </a:ext>
+            </a:extLst>
+          </p:cNvPr>
+          <p:cNvCxnSpPr>
+            <a:cxnSpLocks/>
+          </p:cNvCxnSpPr>
+          <p:nvPr/>
+        </p:nvCxnSpPr>
+        <p:spPr>
+          <a:xfrm>
+            <a:off x="2748152" y="3597653"/>
+            <a:ext cx="1861035" cy="0"/>
+          </a:xfrm>
+          <a:prstGeom prst="line">
+            <a:avLst/>
+          </a:prstGeom>
+        </p:spPr>
+        <p:style>
+          <a:lnRef idx="2">
+            <a:schemeClr val="accent1"/>
+          </a:lnRef>
+          <a:fillRef idx="0">
+            <a:schemeClr val="accent1"/>
+          </a:fillRef>
+          <a:effectRef idx="1">
+            <a:schemeClr val="accent1"/>
+          </a:effectRef>
+          <a:fontRef idx="minor">
+            <a:schemeClr val="tx1"/>
+          </a:fontRef>
+        </p:style>
+      </p:cxnSp>
+      <p:cxnSp>
+        <p:nvCxnSpPr>
+          <p:cNvPr id="25" name="直线连接符 24">
+            <a:extLst>
+              <a:ext uri="{FF2B5EF4-FFF2-40B4-BE49-F238E27FC236}">
+                <a16:creationId xmlns:a16="http://schemas.microsoft.com/office/drawing/2014/main" id="{A23EB78C-237C-CA59-6ACA-C86A9D28E62C}"/>
+              </a:ext>
+            </a:extLst>
+          </p:cNvPr>
+          <p:cNvCxnSpPr>
+            <a:cxnSpLocks/>
+          </p:cNvCxnSpPr>
+          <p:nvPr/>
+        </p:nvCxnSpPr>
+        <p:spPr>
+          <a:xfrm flipH="1">
+            <a:off x="5419290" y="4323795"/>
+            <a:ext cx="1436165" cy="0"/>
+          </a:xfrm>
+          <a:prstGeom prst="line">
+            <a:avLst/>
+          </a:prstGeom>
+        </p:spPr>
+        <p:style>
+          <a:lnRef idx="2">
+            <a:schemeClr val="accent1"/>
+          </a:lnRef>
+          <a:fillRef idx="0">
+            <a:schemeClr val="accent1"/>
+          </a:fillRef>
+          <a:effectRef idx="1">
+            <a:schemeClr val="accent1"/>
+          </a:effectRef>
+          <a:fontRef idx="minor">
+            <a:schemeClr val="tx1"/>
+          </a:fontRef>
+        </p:style>
+      </p:cxnSp>
+      <p:cxnSp>
+        <p:nvCxnSpPr>
+          <p:cNvPr id="26" name="直线连接符 25">
+            <a:extLst>
+              <a:ext uri="{FF2B5EF4-FFF2-40B4-BE49-F238E27FC236}">
+                <a16:creationId xmlns:a16="http://schemas.microsoft.com/office/drawing/2014/main" id="{79F7D13B-93D6-406F-B4FB-410EFCC13232}"/>
+              </a:ext>
+            </a:extLst>
+          </p:cNvPr>
+          <p:cNvCxnSpPr>
+            <a:cxnSpLocks/>
+          </p:cNvCxnSpPr>
+          <p:nvPr/>
+        </p:nvCxnSpPr>
+        <p:spPr>
+          <a:xfrm>
+            <a:off x="7718612" y="3597653"/>
+            <a:ext cx="918454" cy="0"/>
+          </a:xfrm>
+          <a:prstGeom prst="line">
+            <a:avLst/>
+          </a:prstGeom>
+        </p:spPr>
+        <p:style>
+          <a:lnRef idx="2">
+            <a:schemeClr val="accent1"/>
+          </a:lnRef>
+          <a:fillRef idx="0">
+            <a:schemeClr val="accent1"/>
+          </a:fillRef>
+          <a:effectRef idx="1">
+            <a:schemeClr val="accent1"/>
+          </a:effectRef>
+          <a:fontRef idx="minor">
+            <a:schemeClr val="tx1"/>
+          </a:fontRef>
+        </p:style>
+      </p:cxnSp>
+      <p:cxnSp>
+        <p:nvCxnSpPr>
+          <p:cNvPr id="44" name="直线连接符 43">
+            <a:extLst>
+              <a:ext uri="{FF2B5EF4-FFF2-40B4-BE49-F238E27FC236}">
+                <a16:creationId xmlns:a16="http://schemas.microsoft.com/office/drawing/2014/main" id="{19FFA20E-CC85-4E49-632A-58118AA5B314}"/>
+              </a:ext>
+            </a:extLst>
+          </p:cNvPr>
+          <p:cNvCxnSpPr>
+            <a:cxnSpLocks/>
+          </p:cNvCxnSpPr>
+          <p:nvPr/>
+        </p:nvCxnSpPr>
+        <p:spPr>
+          <a:xfrm flipH="1" flipV="1">
+            <a:off x="4609187" y="3593021"/>
+            <a:ext cx="810103" cy="730774"/>
+          </a:xfrm>
+          <a:prstGeom prst="line">
+            <a:avLst/>
+          </a:prstGeom>
+        </p:spPr>
+        <p:style>
+          <a:lnRef idx="2">
+            <a:schemeClr val="accent1"/>
+          </a:lnRef>
+          <a:fillRef idx="0">
+            <a:schemeClr val="accent1"/>
+          </a:fillRef>
+          <a:effectRef idx="1">
+            <a:schemeClr val="accent1"/>
+          </a:effectRef>
+          <a:fontRef idx="minor">
+            <a:schemeClr val="tx1"/>
+          </a:fontRef>
+        </p:style>
+      </p:cxnSp>
+      <p:cxnSp>
+        <p:nvCxnSpPr>
+          <p:cNvPr id="47" name="直线连接符 46">
+            <a:extLst>
+              <a:ext uri="{FF2B5EF4-FFF2-40B4-BE49-F238E27FC236}">
+                <a16:creationId xmlns:a16="http://schemas.microsoft.com/office/drawing/2014/main" id="{261A03F0-FDD2-128A-C9CF-6C6199E25C15}"/>
+              </a:ext>
+            </a:extLst>
+          </p:cNvPr>
+          <p:cNvCxnSpPr>
+            <a:cxnSpLocks/>
+          </p:cNvCxnSpPr>
+          <p:nvPr/>
+        </p:nvCxnSpPr>
+        <p:spPr>
+          <a:xfrm flipH="1">
+            <a:off x="6855455" y="3593021"/>
+            <a:ext cx="863157" cy="730774"/>
+          </a:xfrm>
+          <a:prstGeom prst="line">
+            <a:avLst/>
+          </a:prstGeom>
+        </p:spPr>
+        <p:style>
+          <a:lnRef idx="2">
+            <a:schemeClr val="accent1"/>
+          </a:lnRef>
+          <a:fillRef idx="0">
+            <a:schemeClr val="accent1"/>
+          </a:fillRef>
+          <a:effectRef idx="1">
+            <a:schemeClr val="accent1"/>
+          </a:effectRef>
+          <a:fontRef idx="minor">
+            <a:schemeClr val="tx1"/>
+          </a:fontRef>
+        </p:style>
+      </p:cxnSp>
+      <p:cxnSp>
+        <p:nvCxnSpPr>
+          <p:cNvPr id="56" name="直线连接符 55">
+            <a:extLst>
+              <a:ext uri="{FF2B5EF4-FFF2-40B4-BE49-F238E27FC236}">
+                <a16:creationId xmlns:a16="http://schemas.microsoft.com/office/drawing/2014/main" id="{D93F0D5B-DF2E-D5F5-E60B-0F35F4D95074}"/>
+              </a:ext>
+            </a:extLst>
+          </p:cNvPr>
+          <p:cNvCxnSpPr>
+            <a:cxnSpLocks/>
+          </p:cNvCxnSpPr>
+          <p:nvPr/>
+        </p:nvCxnSpPr>
+        <p:spPr>
+          <a:xfrm>
+            <a:off x="2737859" y="4115447"/>
+            <a:ext cx="5899207" cy="0"/>
+          </a:xfrm>
+          <a:prstGeom prst="line">
+            <a:avLst/>
+          </a:prstGeom>
+          <a:ln>
+            <a:prstDash val="dash"/>
+          </a:ln>
+        </p:spPr>
+        <p:style>
+          <a:lnRef idx="2">
+            <a:schemeClr val="accent1"/>
+          </a:lnRef>
+          <a:fillRef idx="0">
+            <a:schemeClr val="accent1"/>
+          </a:fillRef>
+          <a:effectRef idx="1">
+            <a:schemeClr val="accent1"/>
+          </a:effectRef>
+          <a:fontRef idx="minor">
+            <a:schemeClr val="tx1"/>
+          </a:fontRef>
+        </p:style>
+      </p:cxnSp>
+      <p:cxnSp>
+        <p:nvCxnSpPr>
+          <p:cNvPr id="57" name="直线连接符 56">
+            <a:extLst>
+              <a:ext uri="{FF2B5EF4-FFF2-40B4-BE49-F238E27FC236}">
+                <a16:creationId xmlns:a16="http://schemas.microsoft.com/office/drawing/2014/main" id="{64B4A030-4D7E-5F36-FFEC-72D4DEEF3C25}"/>
+              </a:ext>
+            </a:extLst>
+          </p:cNvPr>
+          <p:cNvCxnSpPr>
+            <a:cxnSpLocks/>
+          </p:cNvCxnSpPr>
+          <p:nvPr/>
+        </p:nvCxnSpPr>
+        <p:spPr>
+          <a:xfrm>
+            <a:off x="4862866" y="3593021"/>
+            <a:ext cx="0" cy="1113991"/>
+          </a:xfrm>
+          <a:prstGeom prst="line">
+            <a:avLst/>
+          </a:prstGeom>
+          <a:ln>
+            <a:prstDash val="dash"/>
+          </a:ln>
+        </p:spPr>
+        <p:style>
+          <a:lnRef idx="2">
+            <a:schemeClr val="accent1"/>
+          </a:lnRef>
+          <a:fillRef idx="0">
+            <a:schemeClr val="accent1"/>
+          </a:fillRef>
+          <a:effectRef idx="1">
+            <a:schemeClr val="accent1"/>
+          </a:effectRef>
+          <a:fontRef idx="minor">
+            <a:schemeClr val="tx1"/>
+          </a:fontRef>
+        </p:style>
+      </p:cxnSp>
+      <p:cxnSp>
+        <p:nvCxnSpPr>
+          <p:cNvPr id="63" name="直线箭头连接符 62">
+            <a:extLst>
+              <a:ext uri="{FF2B5EF4-FFF2-40B4-BE49-F238E27FC236}">
+                <a16:creationId xmlns:a16="http://schemas.microsoft.com/office/drawing/2014/main" id="{070A0528-5724-7091-A1A0-E62D9A09BB95}"/>
+              </a:ext>
+            </a:extLst>
+          </p:cNvPr>
+          <p:cNvCxnSpPr>
+            <a:cxnSpLocks/>
+          </p:cNvCxnSpPr>
+          <p:nvPr/>
+        </p:nvCxnSpPr>
+        <p:spPr>
+          <a:xfrm>
+            <a:off x="4860773" y="4609824"/>
+            <a:ext cx="325146" cy="0"/>
+          </a:xfrm>
+          <a:prstGeom prst="straightConnector1">
+            <a:avLst/>
+          </a:prstGeom>
+          <a:ln>
+            <a:headEnd type="triangle"/>
+            <a:tailEnd type="triangle"/>
+          </a:ln>
+        </p:spPr>
+        <p:style>
+          <a:lnRef idx="2">
+            <a:schemeClr val="accent1"/>
+          </a:lnRef>
+          <a:fillRef idx="0">
+            <a:schemeClr val="accent1"/>
+          </a:fillRef>
+          <a:effectRef idx="1">
+            <a:schemeClr val="accent1"/>
+          </a:effectRef>
+          <a:fontRef idx="minor">
+            <a:schemeClr val="tx1"/>
+          </a:fontRef>
+        </p:style>
+      </p:cxnSp>
+      <p:cxnSp>
+        <p:nvCxnSpPr>
+          <p:cNvPr id="69" name="直线箭头连接符 68">
+            <a:extLst>
+              <a:ext uri="{FF2B5EF4-FFF2-40B4-BE49-F238E27FC236}">
+                <a16:creationId xmlns:a16="http://schemas.microsoft.com/office/drawing/2014/main" id="{B7AD5095-A1EB-99AF-C717-423FDD73872F}"/>
+              </a:ext>
+            </a:extLst>
+          </p:cNvPr>
+          <p:cNvCxnSpPr>
+            <a:cxnSpLocks/>
+          </p:cNvCxnSpPr>
+          <p:nvPr/>
+        </p:nvCxnSpPr>
+        <p:spPr>
+          <a:xfrm>
+            <a:off x="7112887" y="4626103"/>
+            <a:ext cx="350193" cy="0"/>
+          </a:xfrm>
+          <a:prstGeom prst="straightConnector1">
+            <a:avLst/>
+          </a:prstGeom>
+          <a:ln>
+            <a:headEnd type="triangle"/>
+            <a:tailEnd type="triangle"/>
+          </a:ln>
+        </p:spPr>
+        <p:style>
+          <a:lnRef idx="2">
+            <a:schemeClr val="accent1"/>
+          </a:lnRef>
+          <a:fillRef idx="0">
+            <a:schemeClr val="accent1"/>
+          </a:fillRef>
+          <a:effectRef idx="1">
+            <a:schemeClr val="accent1"/>
+          </a:effectRef>
+          <a:fontRef idx="minor">
+            <a:schemeClr val="tx1"/>
+          </a:fontRef>
+        </p:style>
+      </p:cxnSp>
+      <p:cxnSp>
+        <p:nvCxnSpPr>
+          <p:cNvPr id="74" name="直线连接符 73">
+            <a:extLst>
+              <a:ext uri="{FF2B5EF4-FFF2-40B4-BE49-F238E27FC236}">
+                <a16:creationId xmlns:a16="http://schemas.microsoft.com/office/drawing/2014/main" id="{AF2F86B5-13BA-088F-EAEE-9029FE33FF1B}"/>
+              </a:ext>
+            </a:extLst>
+          </p:cNvPr>
+          <p:cNvCxnSpPr>
+            <a:cxnSpLocks/>
+          </p:cNvCxnSpPr>
+          <p:nvPr/>
+        </p:nvCxnSpPr>
+        <p:spPr>
+          <a:xfrm>
+            <a:off x="2741172" y="3802764"/>
+            <a:ext cx="5899207" cy="0"/>
+          </a:xfrm>
+          <a:prstGeom prst="line">
+            <a:avLst/>
+          </a:prstGeom>
+          <a:ln>
+            <a:prstDash val="dash"/>
+          </a:ln>
+        </p:spPr>
+        <p:style>
+          <a:lnRef idx="2">
+            <a:schemeClr val="accent1"/>
+          </a:lnRef>
+          <a:fillRef idx="0">
+            <a:schemeClr val="accent1"/>
+          </a:fillRef>
+          <a:effectRef idx="1">
+            <a:schemeClr val="accent1"/>
+          </a:effectRef>
+          <a:fontRef idx="minor">
+            <a:schemeClr val="tx1"/>
+          </a:fontRef>
+        </p:style>
+      </p:cxnSp>
+      <p:sp>
+        <p:nvSpPr>
+          <p:cNvPr id="84" name="文本框 83">
+            <a:extLst>
+              <a:ext uri="{FF2B5EF4-FFF2-40B4-BE49-F238E27FC236}">
+                <a16:creationId xmlns:a16="http://schemas.microsoft.com/office/drawing/2014/main" id="{889BD9BE-7676-02A4-CF8E-AEDF4690B0DF}"/>
+              </a:ext>
+            </a:extLst>
+          </p:cNvPr>
+          <p:cNvSpPr txBox="1"/>
+          <p:nvPr/>
+        </p:nvSpPr>
+        <p:spPr>
+          <a:xfrm>
+            <a:off x="2312228" y="3667522"/>
+            <a:ext cx="425116" cy="276999"/>
+          </a:xfrm>
+          <a:prstGeom prst="rect">
+            <a:avLst/>
+          </a:prstGeom>
+          <a:noFill/>
+        </p:spPr>
+        <p:txBody>
+          <a:bodyPr wrap="none" rtlCol="0">
+            <a:spAutoFit/>
+          </a:bodyPr>
+          <a:lstStyle/>
+          <a:p>
+            <a:r>
+              <a:rPr kumimoji="1" lang="en-US" altLang="zh-CN" sz="1200" dirty="0"/>
+              <a:t>70%</a:t>
+            </a:r>
+            <a:endParaRPr kumimoji="1" lang="zh-CN" altLang="en-US" sz="1200" dirty="0"/>
+          </a:p>
+        </p:txBody>
+      </p:sp>
+      <p:sp>
+        <p:nvSpPr>
+          <p:cNvPr id="85" name="文本框 84">
+            <a:extLst>
+              <a:ext uri="{FF2B5EF4-FFF2-40B4-BE49-F238E27FC236}">
+                <a16:creationId xmlns:a16="http://schemas.microsoft.com/office/drawing/2014/main" id="{E7571D57-69D8-14B6-71FF-F7AFBB071198}"/>
+              </a:ext>
+            </a:extLst>
+          </p:cNvPr>
+          <p:cNvSpPr txBox="1"/>
+          <p:nvPr/>
+        </p:nvSpPr>
+        <p:spPr>
+          <a:xfrm>
+            <a:off x="2312228" y="3968403"/>
+            <a:ext cx="425116" cy="276999"/>
+          </a:xfrm>
+          <a:prstGeom prst="rect">
+            <a:avLst/>
+          </a:prstGeom>
+          <a:noFill/>
+        </p:spPr>
+        <p:txBody>
+          <a:bodyPr wrap="none" rtlCol="0">
+            <a:spAutoFit/>
+          </a:bodyPr>
+          <a:lstStyle/>
+          <a:p>
+            <a:r>
+              <a:rPr kumimoji="1" lang="en-US" altLang="zh-CN" sz="1200" dirty="0"/>
+              <a:t>30%</a:t>
+            </a:r>
+            <a:endParaRPr kumimoji="1" lang="zh-CN" altLang="en-US" sz="1200" dirty="0"/>
+          </a:p>
+        </p:txBody>
+      </p:sp>
+      <p:sp>
+        <p:nvSpPr>
+          <p:cNvPr id="88" name="椭圆 87">
+            <a:extLst>
+              <a:ext uri="{FF2B5EF4-FFF2-40B4-BE49-F238E27FC236}">
+                <a16:creationId xmlns:a16="http://schemas.microsoft.com/office/drawing/2014/main" id="{7F7B161D-60BC-C1B7-E617-07D0508A62C3}"/>
+              </a:ext>
+            </a:extLst>
+          </p:cNvPr>
+          <p:cNvSpPr/>
+          <p:nvPr/>
+        </p:nvSpPr>
+        <p:spPr>
+          <a:xfrm>
+            <a:off x="4840007" y="3788871"/>
+            <a:ext cx="45719" cy="45719"/>
+          </a:xfrm>
+          <a:prstGeom prst="ellipse">
+            <a:avLst/>
+          </a:prstGeom>
+        </p:spPr>
+        <p:style>
+          <a:lnRef idx="2">
+            <a:schemeClr val="accent1">
+              <a:shade val="15000"/>
+            </a:schemeClr>
+          </a:lnRef>
+          <a:fillRef idx="1">
+            <a:schemeClr val="accent1"/>
+          </a:fillRef>
+          <a:effectRef idx="0">
+            <a:schemeClr val="accent1"/>
+          </a:effectRef>
+          <a:fontRef idx="minor">
+            <a:schemeClr val="lt1"/>
+          </a:fontRef>
+        </p:style>
+        <p:txBody>
+          <a:bodyPr rtlCol="0" anchor="ctr"/>
+          <a:lstStyle/>
+          <a:p>
+            <a:pPr algn="ctr"/>
+            <a:endParaRPr kumimoji="1" lang="zh-CN" altLang="en-US"/>
+          </a:p>
+        </p:txBody>
+      </p:sp>
+      <p:sp>
+        <p:nvSpPr>
+          <p:cNvPr id="89" name="椭圆 88">
+            <a:extLst>
+              <a:ext uri="{FF2B5EF4-FFF2-40B4-BE49-F238E27FC236}">
+                <a16:creationId xmlns:a16="http://schemas.microsoft.com/office/drawing/2014/main" id="{24135F9A-8F85-1421-12DB-5FFB47FB78F7}"/>
+              </a:ext>
+            </a:extLst>
+          </p:cNvPr>
+          <p:cNvSpPr/>
+          <p:nvPr/>
+        </p:nvSpPr>
+        <p:spPr>
+          <a:xfrm>
+            <a:off x="7093254" y="4092296"/>
+            <a:ext cx="45719" cy="45719"/>
+          </a:xfrm>
+          <a:prstGeom prst="ellipse">
+            <a:avLst/>
+          </a:prstGeom>
+        </p:spPr>
+        <p:style>
+          <a:lnRef idx="2">
+            <a:schemeClr val="accent1">
+              <a:shade val="15000"/>
+            </a:schemeClr>
+          </a:lnRef>
+          <a:fillRef idx="1">
+            <a:schemeClr val="accent1"/>
+          </a:fillRef>
+          <a:effectRef idx="0">
+            <a:schemeClr val="accent1"/>
+          </a:effectRef>
+          <a:fontRef idx="minor">
+            <a:schemeClr val="lt1"/>
+          </a:fontRef>
+        </p:style>
+        <p:txBody>
+          <a:bodyPr rtlCol="0" anchor="ctr"/>
+          <a:lstStyle/>
+          <a:p>
+            <a:pPr algn="ctr"/>
+            <a:endParaRPr kumimoji="1" lang="zh-CN" altLang="en-US"/>
+          </a:p>
+        </p:txBody>
+      </p:sp>
+      <p:sp>
+        <p:nvSpPr>
+          <p:cNvPr id="93" name="文本框 92">
+            <a:extLst>
+              <a:ext uri="{FF2B5EF4-FFF2-40B4-BE49-F238E27FC236}">
+                <a16:creationId xmlns:a16="http://schemas.microsoft.com/office/drawing/2014/main" id="{028E8682-97E0-59FC-1401-C97E29736D1A}"/>
+              </a:ext>
+            </a:extLst>
+          </p:cNvPr>
+          <p:cNvSpPr txBox="1"/>
+          <p:nvPr/>
+        </p:nvSpPr>
+        <p:spPr>
+          <a:xfrm>
+            <a:off x="7165573" y="3469129"/>
+            <a:ext cx="343364" cy="369332"/>
+          </a:xfrm>
+          <a:prstGeom prst="rect">
+            <a:avLst/>
+          </a:prstGeom>
+          <a:noFill/>
+        </p:spPr>
+        <p:txBody>
+          <a:bodyPr wrap="none" rtlCol="0">
+            <a:spAutoFit/>
+          </a:bodyPr>
+          <a:lstStyle/>
+          <a:p>
+            <a:r>
+              <a:rPr kumimoji="1" lang="en-US" altLang="zh-CN" dirty="0"/>
+              <a:t>D</a:t>
+            </a:r>
+            <a:endParaRPr kumimoji="1" lang="zh-CN" altLang="en-US" dirty="0"/>
+          </a:p>
+        </p:txBody>
+      </p:sp>
+      <mc:AlternateContent xmlns:mc="http://schemas.openxmlformats.org/markup-compatibility/2006">
+        <mc:Choice xmlns:a14="http://schemas.microsoft.com/office/drawing/2010/main" Requires="a14">
+          <p:sp>
+            <p:nvSpPr>
+              <p:cNvPr id="105" name="文本框 104">
+                <a:extLst>
+                  <a:ext uri="{FF2B5EF4-FFF2-40B4-BE49-F238E27FC236}">
+                    <a16:creationId xmlns:a16="http://schemas.microsoft.com/office/drawing/2014/main" id="{9FC26CF8-49DD-8C36-F432-B770C4886CB4}"/>
+                  </a:ext>
+                </a:extLst>
+              </p:cNvPr>
+              <p:cNvSpPr txBox="1"/>
+              <p:nvPr/>
+            </p:nvSpPr>
+            <p:spPr>
+              <a:xfrm>
+                <a:off x="4829555" y="4626103"/>
+                <a:ext cx="430694" cy="369332"/>
+              </a:xfrm>
+              <a:prstGeom prst="rect">
+                <a:avLst/>
+              </a:prstGeom>
+              <a:noFill/>
+            </p:spPr>
+            <p:txBody>
+              <a:bodyPr wrap="none" rtlCol="0">
+                <a:spAutoFit/>
+              </a:bodyPr>
+              <a:lstStyle/>
+              <a:p>
+                <a:pPr/>
                 <a14:m>
                   <m:oMathPara xmlns:m="http://schemas.openxmlformats.org/officeDocument/2006/math">
                     <m:oMathParaPr>
@@ -5015,7 +5933,7 @@
               <p:cNvPr id="105" name="文本框 104">
                 <a:extLst>
                   <a:ext uri="{FF2B5EF4-FFF2-40B4-BE49-F238E27FC236}">
-                    <a16:creationId xmlns:a16="http://schemas.microsoft.com/office/drawing/2014/main" id="{4CFC2965-3D86-DBC7-61B8-145E5096515C}"/>
+                    <a16:creationId xmlns:a16="http://schemas.microsoft.com/office/drawing/2014/main" id="{9FC26CF8-49DD-8C36-F432-B770C4886CB4}"/>
                   </a:ext>
                 </a:extLst>
               </p:cNvPr>
@@ -5026,7 +5944,7 @@
             </p:nvSpPr>
             <p:spPr>
               <a:xfrm>
-                <a:off x="4167277" y="3089191"/>
+                <a:off x="4829555" y="4626103"/>
                 <a:ext cx="430694" cy="369332"/>
               </a:xfrm>
               <a:prstGeom prst="rect">
@@ -5061,7 +5979,7 @@
               <p:cNvPr id="106" name="文本框 105">
                 <a:extLst>
                   <a:ext uri="{FF2B5EF4-FFF2-40B4-BE49-F238E27FC236}">
-                    <a16:creationId xmlns:a16="http://schemas.microsoft.com/office/drawing/2014/main" id="{20AC6F82-21BF-7A34-C8A5-57FAE16183E0}"/>
+                    <a16:creationId xmlns:a16="http://schemas.microsoft.com/office/drawing/2014/main" id="{21BF9E21-B697-6268-7CDF-94547D1D6902}"/>
                   </a:ext>
                 </a:extLst>
               </p:cNvPr>
@@ -5070,7 +5988,7 @@
             </p:nvSpPr>
             <p:spPr>
               <a:xfrm>
-                <a:off x="6246494" y="3092425"/>
+                <a:off x="7093254" y="4641940"/>
                 <a:ext cx="451534" cy="369332"/>
               </a:xfrm>
               <a:prstGeom prst="rect">
@@ -5084,6 +6002,7 @@
               </a:bodyPr>
               <a:lstStyle/>
               <a:p>
+                <a:pPr/>
                 <a14:m>
                   <m:oMathPara xmlns:m="http://schemas.openxmlformats.org/officeDocument/2006/math">
                     <m:oMathParaPr>
@@ -5135,7 +6054,7 @@
               <p:cNvPr id="106" name="文本框 105">
                 <a:extLst>
                   <a:ext uri="{FF2B5EF4-FFF2-40B4-BE49-F238E27FC236}">
-                    <a16:creationId xmlns:a16="http://schemas.microsoft.com/office/drawing/2014/main" id="{20AC6F82-21BF-7A34-C8A5-57FAE16183E0}"/>
+                    <a16:creationId xmlns:a16="http://schemas.microsoft.com/office/drawing/2014/main" id="{21BF9E21-B697-6268-7CDF-94547D1D6902}"/>
                   </a:ext>
                 </a:extLst>
               </p:cNvPr>
@@ -5146,7 +6065,7 @@
             </p:nvSpPr>
             <p:spPr>
               <a:xfrm>
-                <a:off x="6246494" y="3092425"/>
+                <a:off x="7093254" y="4641940"/>
                 <a:ext cx="451534" cy="369332"/>
               </a:xfrm>
               <a:prstGeom prst="rect">
@@ -5174,10 +6093,297 @@
           </p:sp>
         </mc:Fallback>
       </mc:AlternateContent>
+      <p:sp>
+        <p:nvSpPr>
+          <p:cNvPr id="3" name="椭圆 2">
+            <a:extLst>
+              <a:ext uri="{FF2B5EF4-FFF2-40B4-BE49-F238E27FC236}">
+                <a16:creationId xmlns:a16="http://schemas.microsoft.com/office/drawing/2014/main" id="{832D5ACB-E0EB-DDD7-D59F-489151FD3130}"/>
+              </a:ext>
+            </a:extLst>
+          </p:cNvPr>
+          <p:cNvSpPr/>
+          <p:nvPr/>
+        </p:nvSpPr>
+        <p:spPr>
+          <a:xfrm>
+            <a:off x="5163060" y="4092295"/>
+            <a:ext cx="45719" cy="45719"/>
+          </a:xfrm>
+          <a:prstGeom prst="ellipse">
+            <a:avLst/>
+          </a:prstGeom>
+        </p:spPr>
+        <p:style>
+          <a:lnRef idx="2">
+            <a:schemeClr val="accent1">
+              <a:shade val="15000"/>
+            </a:schemeClr>
+          </a:lnRef>
+          <a:fillRef idx="1">
+            <a:schemeClr val="accent1"/>
+          </a:fillRef>
+          <a:effectRef idx="0">
+            <a:schemeClr val="accent1"/>
+          </a:effectRef>
+          <a:fontRef idx="minor">
+            <a:schemeClr val="lt1"/>
+          </a:fontRef>
+        </p:style>
+        <p:txBody>
+          <a:bodyPr rtlCol="0" anchor="ctr"/>
+          <a:lstStyle/>
+          <a:p>
+            <a:pPr algn="ctr"/>
+            <a:endParaRPr kumimoji="1" lang="zh-CN" altLang="en-US"/>
+          </a:p>
+        </p:txBody>
+      </p:sp>
+      <p:sp>
+        <p:nvSpPr>
+          <p:cNvPr id="7" name="椭圆 6">
+            <a:extLst>
+              <a:ext uri="{FF2B5EF4-FFF2-40B4-BE49-F238E27FC236}">
+                <a16:creationId xmlns:a16="http://schemas.microsoft.com/office/drawing/2014/main" id="{D2ACBE8C-5725-E350-9A4C-71733987850B}"/>
+              </a:ext>
+            </a:extLst>
+          </p:cNvPr>
+          <p:cNvSpPr/>
+          <p:nvPr/>
+        </p:nvSpPr>
+        <p:spPr>
+          <a:xfrm>
+            <a:off x="7440221" y="3779904"/>
+            <a:ext cx="45719" cy="45719"/>
+          </a:xfrm>
+          <a:prstGeom prst="ellipse">
+            <a:avLst/>
+          </a:prstGeom>
+        </p:spPr>
+        <p:style>
+          <a:lnRef idx="2">
+            <a:schemeClr val="accent1">
+              <a:shade val="15000"/>
+            </a:schemeClr>
+          </a:lnRef>
+          <a:fillRef idx="1">
+            <a:schemeClr val="accent1"/>
+          </a:fillRef>
+          <a:effectRef idx="0">
+            <a:schemeClr val="accent1"/>
+          </a:effectRef>
+          <a:fontRef idx="minor">
+            <a:schemeClr val="lt1"/>
+          </a:fontRef>
+        </p:style>
+        <p:txBody>
+          <a:bodyPr rtlCol="0" anchor="ctr"/>
+          <a:lstStyle/>
+          <a:p>
+            <a:pPr algn="ctr"/>
+            <a:endParaRPr kumimoji="1" lang="zh-CN" altLang="en-US"/>
+          </a:p>
+        </p:txBody>
+      </p:sp>
+      <p:cxnSp>
+        <p:nvCxnSpPr>
+          <p:cNvPr id="14" name="直线连接符 13">
+            <a:extLst>
+              <a:ext uri="{FF2B5EF4-FFF2-40B4-BE49-F238E27FC236}">
+                <a16:creationId xmlns:a16="http://schemas.microsoft.com/office/drawing/2014/main" id="{A41EA138-0617-2C5C-CFD3-63D79F63401E}"/>
+              </a:ext>
+            </a:extLst>
+          </p:cNvPr>
+          <p:cNvCxnSpPr>
+            <a:cxnSpLocks/>
+          </p:cNvCxnSpPr>
+          <p:nvPr/>
+        </p:nvCxnSpPr>
+        <p:spPr>
+          <a:xfrm>
+            <a:off x="5185919" y="3593020"/>
+            <a:ext cx="0" cy="1113991"/>
+          </a:xfrm>
+          <a:prstGeom prst="line">
+            <a:avLst/>
+          </a:prstGeom>
+          <a:ln>
+            <a:prstDash val="dash"/>
+          </a:ln>
+        </p:spPr>
+        <p:style>
+          <a:lnRef idx="2">
+            <a:schemeClr val="accent1"/>
+          </a:lnRef>
+          <a:fillRef idx="0">
+            <a:schemeClr val="accent1"/>
+          </a:fillRef>
+          <a:effectRef idx="1">
+            <a:schemeClr val="accent1"/>
+          </a:effectRef>
+          <a:fontRef idx="minor">
+            <a:schemeClr val="tx1"/>
+          </a:fontRef>
+        </p:style>
+      </p:cxnSp>
+      <p:cxnSp>
+        <p:nvCxnSpPr>
+          <p:cNvPr id="16" name="直线连接符 15">
+            <a:extLst>
+              <a:ext uri="{FF2B5EF4-FFF2-40B4-BE49-F238E27FC236}">
+                <a16:creationId xmlns:a16="http://schemas.microsoft.com/office/drawing/2014/main" id="{3C07C3CC-0337-D059-02B5-BF1249591E7F}"/>
+              </a:ext>
+            </a:extLst>
+          </p:cNvPr>
+          <p:cNvCxnSpPr>
+            <a:cxnSpLocks/>
+          </p:cNvCxnSpPr>
+          <p:nvPr/>
+        </p:nvCxnSpPr>
+        <p:spPr>
+          <a:xfrm>
+            <a:off x="7112887" y="3593019"/>
+            <a:ext cx="0" cy="1113991"/>
+          </a:xfrm>
+          <a:prstGeom prst="line">
+            <a:avLst/>
+          </a:prstGeom>
+          <a:ln>
+            <a:prstDash val="dash"/>
+          </a:ln>
+        </p:spPr>
+        <p:style>
+          <a:lnRef idx="2">
+            <a:schemeClr val="accent1"/>
+          </a:lnRef>
+          <a:fillRef idx="0">
+            <a:schemeClr val="accent1"/>
+          </a:fillRef>
+          <a:effectRef idx="1">
+            <a:schemeClr val="accent1"/>
+          </a:effectRef>
+          <a:fontRef idx="minor">
+            <a:schemeClr val="tx1"/>
+          </a:fontRef>
+        </p:style>
+      </p:cxnSp>
+      <p:cxnSp>
+        <p:nvCxnSpPr>
+          <p:cNvPr id="17" name="直线连接符 16">
+            <a:extLst>
+              <a:ext uri="{FF2B5EF4-FFF2-40B4-BE49-F238E27FC236}">
+                <a16:creationId xmlns:a16="http://schemas.microsoft.com/office/drawing/2014/main" id="{BD722BFB-EFF0-37B1-0BB5-AAD7D86D66EA}"/>
+              </a:ext>
+            </a:extLst>
+          </p:cNvPr>
+          <p:cNvCxnSpPr>
+            <a:cxnSpLocks/>
+          </p:cNvCxnSpPr>
+          <p:nvPr/>
+        </p:nvCxnSpPr>
+        <p:spPr>
+          <a:xfrm>
+            <a:off x="7463080" y="3593018"/>
+            <a:ext cx="0" cy="1113991"/>
+          </a:xfrm>
+          <a:prstGeom prst="line">
+            <a:avLst/>
+          </a:prstGeom>
+          <a:ln>
+            <a:prstDash val="dash"/>
+          </a:ln>
+        </p:spPr>
+        <p:style>
+          <a:lnRef idx="2">
+            <a:schemeClr val="accent1"/>
+          </a:lnRef>
+          <a:fillRef idx="0">
+            <a:schemeClr val="accent1"/>
+          </a:fillRef>
+          <a:effectRef idx="1">
+            <a:schemeClr val="accent1"/>
+          </a:effectRef>
+          <a:fontRef idx="minor">
+            <a:schemeClr val="tx1"/>
+          </a:fontRef>
+        </p:style>
+      </p:cxnSp>
+      <p:sp>
+        <p:nvSpPr>
+          <p:cNvPr id="22" name="文本框 21">
+            <a:extLst>
+              <a:ext uri="{FF2B5EF4-FFF2-40B4-BE49-F238E27FC236}">
+                <a16:creationId xmlns:a16="http://schemas.microsoft.com/office/drawing/2014/main" id="{65DDEE2D-4494-22DD-215E-5DC8A75A5F3E}"/>
+              </a:ext>
+            </a:extLst>
+          </p:cNvPr>
+          <p:cNvSpPr txBox="1"/>
+          <p:nvPr/>
+        </p:nvSpPr>
+        <p:spPr>
+          <a:xfrm>
+            <a:off x="4829555" y="3447864"/>
+            <a:ext cx="332142" cy="369332"/>
+          </a:xfrm>
+          <a:prstGeom prst="rect">
+            <a:avLst/>
+          </a:prstGeom>
+          <a:noFill/>
+        </p:spPr>
+        <p:txBody>
+          <a:bodyPr wrap="none" rtlCol="0">
+            <a:spAutoFit/>
+          </a:bodyPr>
+          <a:lstStyle/>
+          <a:p>
+            <a:r>
+              <a:rPr kumimoji="1" lang="en-US" altLang="zh-CN" dirty="0"/>
+              <a:t>A</a:t>
+            </a:r>
+            <a:endParaRPr kumimoji="1" lang="zh-CN" altLang="en-US" dirty="0"/>
+          </a:p>
+        </p:txBody>
+      </p:sp>
+      <p:sp>
+        <p:nvSpPr>
+          <p:cNvPr id="23" name="文本框 22">
+            <a:extLst>
+              <a:ext uri="{FF2B5EF4-FFF2-40B4-BE49-F238E27FC236}">
+                <a16:creationId xmlns:a16="http://schemas.microsoft.com/office/drawing/2014/main" id="{984BEC15-12C1-E4ED-5362-5FB796675361}"/>
+              </a:ext>
+            </a:extLst>
+          </p:cNvPr>
+          <p:cNvSpPr txBox="1"/>
+          <p:nvPr/>
+        </p:nvSpPr>
+        <p:spPr>
+          <a:xfrm>
+            <a:off x="5189522" y="3798889"/>
+            <a:ext cx="312906" cy="369332"/>
+          </a:xfrm>
+          <a:prstGeom prst="rect">
+            <a:avLst/>
+          </a:prstGeom>
+          <a:noFill/>
+        </p:spPr>
+        <p:txBody>
+          <a:bodyPr wrap="none" rtlCol="0">
+            <a:spAutoFit/>
+          </a:bodyPr>
+          <a:lstStyle/>
+          <a:p>
+            <a:r>
+              <a:rPr kumimoji="1" lang="en-US" altLang="zh-CN" dirty="0"/>
+              <a:t>B</a:t>
+            </a:r>
+            <a:endParaRPr kumimoji="1" lang="zh-CN" altLang="en-US" dirty="0"/>
+          </a:p>
+        </p:txBody>
+      </p:sp>
     </p:spTree>
     <p:extLst>
       <p:ext uri="{BB962C8B-B14F-4D97-AF65-F5344CB8AC3E}">
-        <p14:creationId xmlns:p14="http://schemas.microsoft.com/office/powerpoint/2010/main" val="1534647839"/>
+        <p14:creationId xmlns:p14="http://schemas.microsoft.com/office/powerpoint/2010/main" val="2242757145"/>
       </p:ext>
     </p:extLst>
   </p:cSld>

--- a/_posts/静态时序分析笔记/静态时序分析笔记pptx.pptx
+++ b/_posts/静态时序分析笔记/静态时序分析笔记pptx.pptx
@@ -7,6 +7,7 @@
   <p:sldIdLst>
     <p:sldId id="256" r:id="rId2"/>
     <p:sldId id="257" r:id="rId3"/>
+    <p:sldId id="258" r:id="rId4"/>
   </p:sldIdLst>
   <p:sldSz cx="12192000" cy="6858000"/>
   <p:notesSz cx="6858000" cy="9144000"/>
@@ -5851,8 +5852,8 @@
           </a:p>
         </p:txBody>
       </p:sp>
-      <mc:AlternateContent xmlns:mc="http://schemas.openxmlformats.org/markup-compatibility/2006">
-        <mc:Choice xmlns:a14="http://schemas.microsoft.com/office/drawing/2010/main" Requires="a14">
+      <mc:AlternateContent xmlns:mc="http://schemas.openxmlformats.org/markup-compatibility/2006" xmlns:a14="http://schemas.microsoft.com/office/drawing/2010/main">
+        <mc:Choice Requires="a14">
           <p:sp>
             <p:nvSpPr>
               <p:cNvPr id="105" name="文本框 104">
@@ -5927,7 +5928,7 @@
             </p:txBody>
           </p:sp>
         </mc:Choice>
-        <mc:Fallback>
+        <mc:Fallback xmlns="">
           <p:sp>
             <p:nvSpPr>
               <p:cNvPr id="105" name="文本框 104">
@@ -5972,8 +5973,8 @@
           </p:sp>
         </mc:Fallback>
       </mc:AlternateContent>
-      <mc:AlternateContent xmlns:mc="http://schemas.openxmlformats.org/markup-compatibility/2006">
-        <mc:Choice xmlns:a14="http://schemas.microsoft.com/office/drawing/2010/main" Requires="a14">
+      <mc:AlternateContent xmlns:mc="http://schemas.openxmlformats.org/markup-compatibility/2006" xmlns:a14="http://schemas.microsoft.com/office/drawing/2010/main">
+        <mc:Choice Requires="a14">
           <p:sp>
             <p:nvSpPr>
               <p:cNvPr id="106" name="文本框 105">
@@ -6048,7 +6049,7 @@
             </p:txBody>
           </p:sp>
         </mc:Choice>
-        <mc:Fallback>
+        <mc:Fallback xmlns="">
           <p:sp>
             <p:nvSpPr>
               <p:cNvPr id="106" name="文本框 105">
@@ -6384,6 +6385,167 @@
     <p:extLst>
       <p:ext uri="{BB962C8B-B14F-4D97-AF65-F5344CB8AC3E}">
         <p14:creationId xmlns:p14="http://schemas.microsoft.com/office/powerpoint/2010/main" val="2242757145"/>
+      </p:ext>
+    </p:extLst>
+  </p:cSld>
+  <p:clrMapOvr>
+    <a:masterClrMapping/>
+  </p:clrMapOvr>
+</p:sld>
+</file>
+
+<file path=ppt/slides/slide3.xml><?xml version="1.0" encoding="utf-8"?>
+<p:sld xmlns:a="http://schemas.openxmlformats.org/drawingml/2006/main" xmlns:r="http://schemas.openxmlformats.org/officeDocument/2006/relationships" xmlns:p="http://schemas.openxmlformats.org/presentationml/2006/main">
+  <p:cSld>
+    <p:spTree>
+      <p:nvGrpSpPr>
+        <p:cNvPr id="1" name=""/>
+        <p:cNvGrpSpPr/>
+        <p:nvPr/>
+      </p:nvGrpSpPr>
+      <p:grpSpPr>
+        <a:xfrm>
+          <a:off x="0" y="0"/>
+          <a:ext cx="0" cy="0"/>
+          <a:chOff x="0" y="0"/>
+          <a:chExt cx="0" cy="0"/>
+        </a:xfrm>
+      </p:grpSpPr>
+      <p:sp>
+        <p:nvSpPr>
+          <p:cNvPr id="4" name="延迟 3">
+            <a:extLst>
+              <a:ext uri="{FF2B5EF4-FFF2-40B4-BE49-F238E27FC236}">
+                <a16:creationId xmlns:a16="http://schemas.microsoft.com/office/drawing/2014/main" id="{0FEC033B-A172-7C8D-B519-64EB300E3F2D}"/>
+              </a:ext>
+            </a:extLst>
+          </p:cNvPr>
+          <p:cNvSpPr/>
+          <p:nvPr/>
+        </p:nvSpPr>
+        <p:spPr>
+          <a:xfrm>
+            <a:off x="3410465" y="2397211"/>
+            <a:ext cx="612648" cy="612648"/>
+          </a:xfrm>
+          <a:custGeom>
+            <a:avLst/>
+            <a:gdLst>
+              <a:gd name="connsiteX0" fmla="*/ 0 w 612648"/>
+              <a:gd name="connsiteY0" fmla="*/ 0 h 612648"/>
+              <a:gd name="connsiteX1" fmla="*/ 306324 w 612648"/>
+              <a:gd name="connsiteY1" fmla="*/ 0 h 612648"/>
+              <a:gd name="connsiteX2" fmla="*/ 612648 w 612648"/>
+              <a:gd name="connsiteY2" fmla="*/ 306324 h 612648"/>
+              <a:gd name="connsiteX3" fmla="*/ 306324 w 612648"/>
+              <a:gd name="connsiteY3" fmla="*/ 612648 h 612648"/>
+              <a:gd name="connsiteX4" fmla="*/ 0 w 612648"/>
+              <a:gd name="connsiteY4" fmla="*/ 612648 h 612648"/>
+              <a:gd name="connsiteX5" fmla="*/ 0 w 612648"/>
+              <a:gd name="connsiteY5" fmla="*/ 0 h 612648"/>
+              <a:gd name="connsiteX0" fmla="*/ 0 w 612648"/>
+              <a:gd name="connsiteY0" fmla="*/ 0 h 612648"/>
+              <a:gd name="connsiteX1" fmla="*/ 306324 w 612648"/>
+              <a:gd name="connsiteY1" fmla="*/ 0 h 612648"/>
+              <a:gd name="connsiteX2" fmla="*/ 612648 w 612648"/>
+              <a:gd name="connsiteY2" fmla="*/ 306324 h 612648"/>
+              <a:gd name="connsiteX3" fmla="*/ 306324 w 612648"/>
+              <a:gd name="connsiteY3" fmla="*/ 612648 h 612648"/>
+              <a:gd name="connsiteX4" fmla="*/ 0 w 612648"/>
+              <a:gd name="connsiteY4" fmla="*/ 612648 h 612648"/>
+              <a:gd name="connsiteX5" fmla="*/ 148281 w 612648"/>
+              <a:gd name="connsiteY5" fmla="*/ 284205 h 612648"/>
+              <a:gd name="connsiteX6" fmla="*/ 0 w 612648"/>
+              <a:gd name="connsiteY6" fmla="*/ 0 h 612648"/>
+            </a:gdLst>
+            <a:ahLst/>
+            <a:cxnLst>
+              <a:cxn ang="0">
+                <a:pos x="connsiteX0" y="connsiteY0"/>
+              </a:cxn>
+              <a:cxn ang="0">
+                <a:pos x="connsiteX1" y="connsiteY1"/>
+              </a:cxn>
+              <a:cxn ang="0">
+                <a:pos x="connsiteX2" y="connsiteY2"/>
+              </a:cxn>
+              <a:cxn ang="0">
+                <a:pos x="connsiteX3" y="connsiteY3"/>
+              </a:cxn>
+              <a:cxn ang="0">
+                <a:pos x="connsiteX4" y="connsiteY4"/>
+              </a:cxn>
+              <a:cxn ang="0">
+                <a:pos x="connsiteX5" y="connsiteY5"/>
+              </a:cxn>
+              <a:cxn ang="0">
+                <a:pos x="connsiteX6" y="connsiteY6"/>
+              </a:cxn>
+            </a:cxnLst>
+            <a:rect l="l" t="t" r="r" b="b"/>
+            <a:pathLst>
+              <a:path w="612648" h="612648">
+                <a:moveTo>
+                  <a:pt x="0" y="0"/>
+                </a:moveTo>
+                <a:lnTo>
+                  <a:pt x="306324" y="0"/>
+                </a:lnTo>
+                <a:cubicBezTo>
+                  <a:pt x="475502" y="0"/>
+                  <a:pt x="612648" y="137146"/>
+                  <a:pt x="612648" y="306324"/>
+                </a:cubicBezTo>
+                <a:cubicBezTo>
+                  <a:pt x="612648" y="475502"/>
+                  <a:pt x="475502" y="612648"/>
+                  <a:pt x="306324" y="612648"/>
+                </a:cubicBezTo>
+                <a:lnTo>
+                  <a:pt x="0" y="612648"/>
+                </a:lnTo>
+                <a:cubicBezTo>
+                  <a:pt x="0" y="507286"/>
+                  <a:pt x="148281" y="389567"/>
+                  <a:pt x="148281" y="284205"/>
+                </a:cubicBezTo>
+                <a:lnTo>
+                  <a:pt x="0" y="0"/>
+                </a:lnTo>
+                <a:close/>
+              </a:path>
+            </a:pathLst>
+          </a:custGeom>
+        </p:spPr>
+        <p:style>
+          <a:lnRef idx="2">
+            <a:schemeClr val="accent1">
+              <a:shade val="15000"/>
+            </a:schemeClr>
+          </a:lnRef>
+          <a:fillRef idx="1">
+            <a:schemeClr val="accent1"/>
+          </a:fillRef>
+          <a:effectRef idx="0">
+            <a:schemeClr val="accent1"/>
+          </a:effectRef>
+          <a:fontRef idx="minor">
+            <a:schemeClr val="lt1"/>
+          </a:fontRef>
+        </p:style>
+        <p:txBody>
+          <a:bodyPr rtlCol="0" anchor="ctr"/>
+          <a:lstStyle/>
+          <a:p>
+            <a:pPr algn="ctr"/>
+            <a:endParaRPr kumimoji="1" lang="zh-CN" altLang="en-US"/>
+          </a:p>
+        </p:txBody>
+      </p:sp>
+    </p:spTree>
+    <p:extLst>
+      <p:ext uri="{BB962C8B-B14F-4D97-AF65-F5344CB8AC3E}">
+        <p14:creationId xmlns:p14="http://schemas.microsoft.com/office/powerpoint/2010/main" val="3438065401"/>
       </p:ext>
     </p:extLst>
   </p:cSld>

--- a/_posts/静态时序分析笔记/静态时序分析笔记pptx.pptx
+++ b/_posts/静态时序分析笔记/静态时序分析笔记pptx.pptx
@@ -8,6 +8,8 @@
     <p:sldId id="256" r:id="rId2"/>
     <p:sldId id="257" r:id="rId3"/>
     <p:sldId id="258" r:id="rId4"/>
+    <p:sldId id="259" r:id="rId5"/>
+    <p:sldId id="260" r:id="rId6"/>
   </p:sldIdLst>
   <p:sldSz cx="12192000" cy="6858000"/>
   <p:notesSz cx="6858000" cy="9144000"/>
@@ -261,7 +263,7 @@
           <a:p>
             <a:fld id="{756B7610-9FAA-DC43-80F9-3155B1E839C7}" type="datetimeFigureOut">
               <a:rPr kumimoji="1" lang="zh-CN" altLang="en-US" smtClean="0"/>
-              <a:t>2024/12/31</a:t>
+              <a:t>2025/1/5</a:t>
             </a:fld>
             <a:endParaRPr kumimoji="1" lang="zh-CN" altLang="en-US"/>
           </a:p>
@@ -459,7 +461,7 @@
           <a:p>
             <a:fld id="{756B7610-9FAA-DC43-80F9-3155B1E839C7}" type="datetimeFigureOut">
               <a:rPr kumimoji="1" lang="zh-CN" altLang="en-US" smtClean="0"/>
-              <a:t>2024/12/31</a:t>
+              <a:t>2025/1/5</a:t>
             </a:fld>
             <a:endParaRPr kumimoji="1" lang="zh-CN" altLang="en-US"/>
           </a:p>
@@ -667,7 +669,7 @@
           <a:p>
             <a:fld id="{756B7610-9FAA-DC43-80F9-3155B1E839C7}" type="datetimeFigureOut">
               <a:rPr kumimoji="1" lang="zh-CN" altLang="en-US" smtClean="0"/>
-              <a:t>2024/12/31</a:t>
+              <a:t>2025/1/5</a:t>
             </a:fld>
             <a:endParaRPr kumimoji="1" lang="zh-CN" altLang="en-US"/>
           </a:p>
@@ -865,7 +867,7 @@
           <a:p>
             <a:fld id="{756B7610-9FAA-DC43-80F9-3155B1E839C7}" type="datetimeFigureOut">
               <a:rPr kumimoji="1" lang="zh-CN" altLang="en-US" smtClean="0"/>
-              <a:t>2024/12/31</a:t>
+              <a:t>2025/1/5</a:t>
             </a:fld>
             <a:endParaRPr kumimoji="1" lang="zh-CN" altLang="en-US"/>
           </a:p>
@@ -1140,7 +1142,7 @@
           <a:p>
             <a:fld id="{756B7610-9FAA-DC43-80F9-3155B1E839C7}" type="datetimeFigureOut">
               <a:rPr kumimoji="1" lang="zh-CN" altLang="en-US" smtClean="0"/>
-              <a:t>2024/12/31</a:t>
+              <a:t>2025/1/5</a:t>
             </a:fld>
             <a:endParaRPr kumimoji="1" lang="zh-CN" altLang="en-US"/>
           </a:p>
@@ -1405,7 +1407,7 @@
           <a:p>
             <a:fld id="{756B7610-9FAA-DC43-80F9-3155B1E839C7}" type="datetimeFigureOut">
               <a:rPr kumimoji="1" lang="zh-CN" altLang="en-US" smtClean="0"/>
-              <a:t>2024/12/31</a:t>
+              <a:t>2025/1/5</a:t>
             </a:fld>
             <a:endParaRPr kumimoji="1" lang="zh-CN" altLang="en-US"/>
           </a:p>
@@ -1817,7 +1819,7 @@
           <a:p>
             <a:fld id="{756B7610-9FAA-DC43-80F9-3155B1E839C7}" type="datetimeFigureOut">
               <a:rPr kumimoji="1" lang="zh-CN" altLang="en-US" smtClean="0"/>
-              <a:t>2024/12/31</a:t>
+              <a:t>2025/1/5</a:t>
             </a:fld>
             <a:endParaRPr kumimoji="1" lang="zh-CN" altLang="en-US"/>
           </a:p>
@@ -1958,7 +1960,7 @@
           <a:p>
             <a:fld id="{756B7610-9FAA-DC43-80F9-3155B1E839C7}" type="datetimeFigureOut">
               <a:rPr kumimoji="1" lang="zh-CN" altLang="en-US" smtClean="0"/>
-              <a:t>2024/12/31</a:t>
+              <a:t>2025/1/5</a:t>
             </a:fld>
             <a:endParaRPr kumimoji="1" lang="zh-CN" altLang="en-US"/>
           </a:p>
@@ -2071,7 +2073,7 @@
           <a:p>
             <a:fld id="{756B7610-9FAA-DC43-80F9-3155B1E839C7}" type="datetimeFigureOut">
               <a:rPr kumimoji="1" lang="zh-CN" altLang="en-US" smtClean="0"/>
-              <a:t>2024/12/31</a:t>
+              <a:t>2025/1/5</a:t>
             </a:fld>
             <a:endParaRPr kumimoji="1" lang="zh-CN" altLang="en-US"/>
           </a:p>
@@ -2382,7 +2384,7 @@
           <a:p>
             <a:fld id="{756B7610-9FAA-DC43-80F9-3155B1E839C7}" type="datetimeFigureOut">
               <a:rPr kumimoji="1" lang="zh-CN" altLang="en-US" smtClean="0"/>
-              <a:t>2024/12/31</a:t>
+              <a:t>2025/1/5</a:t>
             </a:fld>
             <a:endParaRPr kumimoji="1" lang="zh-CN" altLang="en-US"/>
           </a:p>
@@ -2670,7 +2672,7 @@
           <a:p>
             <a:fld id="{756B7610-9FAA-DC43-80F9-3155B1E839C7}" type="datetimeFigureOut">
               <a:rPr kumimoji="1" lang="zh-CN" altLang="en-US" smtClean="0"/>
-              <a:t>2024/12/31</a:t>
+              <a:t>2025/1/5</a:t>
             </a:fld>
             <a:endParaRPr kumimoji="1" lang="zh-CN" altLang="en-US"/>
           </a:p>
@@ -2911,7 +2913,7 @@
           <a:p>
             <a:fld id="{756B7610-9FAA-DC43-80F9-3155B1E839C7}" type="datetimeFigureOut">
               <a:rPr kumimoji="1" lang="zh-CN" altLang="en-US" smtClean="0"/>
-              <a:t>2024/12/31</a:t>
+              <a:t>2025/1/5</a:t>
             </a:fld>
             <a:endParaRPr kumimoji="1" lang="zh-CN" altLang="en-US"/>
           </a:p>
@@ -6413,10 +6415,2865 @@
       </p:grpSpPr>
       <p:sp>
         <p:nvSpPr>
-          <p:cNvPr id="4" name="延迟 3">
-            <a:extLst>
-              <a:ext uri="{FF2B5EF4-FFF2-40B4-BE49-F238E27FC236}">
-                <a16:creationId xmlns:a16="http://schemas.microsoft.com/office/drawing/2014/main" id="{0FEC033B-A172-7C8D-B519-64EB300E3F2D}"/>
+          <p:cNvPr id="30" name="文本框 29">
+            <a:extLst>
+              <a:ext uri="{FF2B5EF4-FFF2-40B4-BE49-F238E27FC236}">
+                <a16:creationId xmlns:a16="http://schemas.microsoft.com/office/drawing/2014/main" id="{9CA9F26B-B73A-D1E4-63F4-C5C16E04DD27}"/>
+              </a:ext>
+            </a:extLst>
+          </p:cNvPr>
+          <p:cNvSpPr txBox="1"/>
+          <p:nvPr/>
+        </p:nvSpPr>
+        <p:spPr>
+          <a:xfrm>
+            <a:off x="2432432" y="2218944"/>
+            <a:ext cx="1130438" cy="369332"/>
+          </a:xfrm>
+          <a:prstGeom prst="rect">
+            <a:avLst/>
+          </a:prstGeom>
+          <a:noFill/>
+        </p:spPr>
+        <p:txBody>
+          <a:bodyPr wrap="none" rtlCol="0">
+            <a:spAutoFit/>
+          </a:bodyPr>
+          <a:lstStyle/>
+          <a:p>
+            <a:r>
+              <a:rPr kumimoji="1" lang="zh-CN" altLang="en-US" dirty="0"/>
+              <a:t>正单调弧</a:t>
+            </a:r>
+          </a:p>
+        </p:txBody>
+      </p:sp>
+      <p:sp>
+        <p:nvSpPr>
+          <p:cNvPr id="31" name="文本框 30">
+            <a:extLst>
+              <a:ext uri="{FF2B5EF4-FFF2-40B4-BE49-F238E27FC236}">
+                <a16:creationId xmlns:a16="http://schemas.microsoft.com/office/drawing/2014/main" id="{1F822E23-AA46-A3BB-21EC-4B25A4AE9163}"/>
+              </a:ext>
+            </a:extLst>
+          </p:cNvPr>
+          <p:cNvSpPr txBox="1"/>
+          <p:nvPr/>
+        </p:nvSpPr>
+        <p:spPr>
+          <a:xfrm>
+            <a:off x="2432432" y="3683970"/>
+            <a:ext cx="1107996" cy="369332"/>
+          </a:xfrm>
+          <a:prstGeom prst="rect">
+            <a:avLst/>
+          </a:prstGeom>
+          <a:noFill/>
+        </p:spPr>
+        <p:txBody>
+          <a:bodyPr wrap="none" rtlCol="0">
+            <a:spAutoFit/>
+          </a:bodyPr>
+          <a:lstStyle/>
+          <a:p>
+            <a:r>
+              <a:rPr kumimoji="1" lang="zh-CN" altLang="en-US" dirty="0"/>
+              <a:t>负单调弧</a:t>
+            </a:r>
+          </a:p>
+        </p:txBody>
+      </p:sp>
+      <p:sp>
+        <p:nvSpPr>
+          <p:cNvPr id="32" name="文本框 31">
+            <a:extLst>
+              <a:ext uri="{FF2B5EF4-FFF2-40B4-BE49-F238E27FC236}">
+                <a16:creationId xmlns:a16="http://schemas.microsoft.com/office/drawing/2014/main" id="{8973E8CF-1871-0FDE-3977-3679866FBEB3}"/>
+              </a:ext>
+            </a:extLst>
+          </p:cNvPr>
+          <p:cNvSpPr txBox="1"/>
+          <p:nvPr/>
+        </p:nvSpPr>
+        <p:spPr>
+          <a:xfrm>
+            <a:off x="2396748" y="5137872"/>
+            <a:ext cx="1114408" cy="369332"/>
+          </a:xfrm>
+          <a:prstGeom prst="rect">
+            <a:avLst/>
+          </a:prstGeom>
+          <a:noFill/>
+        </p:spPr>
+        <p:txBody>
+          <a:bodyPr wrap="none" rtlCol="0">
+            <a:spAutoFit/>
+          </a:bodyPr>
+          <a:lstStyle/>
+          <a:p>
+            <a:r>
+              <a:rPr kumimoji="1" lang="zh-CN" altLang="en-US" dirty="0"/>
+              <a:t>非单调弧</a:t>
+            </a:r>
+          </a:p>
+        </p:txBody>
+      </p:sp>
+      <p:grpSp>
+        <p:nvGrpSpPr>
+          <p:cNvPr id="37" name="组合 36">
+            <a:extLst>
+              <a:ext uri="{FF2B5EF4-FFF2-40B4-BE49-F238E27FC236}">
+                <a16:creationId xmlns:a16="http://schemas.microsoft.com/office/drawing/2014/main" id="{FF6187B7-2287-1096-30C7-C2CAC0052FA8}"/>
+              </a:ext>
+            </a:extLst>
+          </p:cNvPr>
+          <p:cNvGrpSpPr/>
+          <p:nvPr/>
+        </p:nvGrpSpPr>
+        <p:grpSpPr>
+          <a:xfrm>
+            <a:off x="2432432" y="1477606"/>
+            <a:ext cx="1163614" cy="612648"/>
+            <a:chOff x="2432432" y="1477606"/>
+            <a:chExt cx="1163614" cy="612648"/>
+          </a:xfrm>
+        </p:grpSpPr>
+        <p:sp>
+          <p:nvSpPr>
+            <p:cNvPr id="5" name="延迟 4">
+              <a:extLst>
+                <a:ext uri="{FF2B5EF4-FFF2-40B4-BE49-F238E27FC236}">
+                  <a16:creationId xmlns:a16="http://schemas.microsoft.com/office/drawing/2014/main" id="{D7C74395-A456-B080-5FE8-AAB259BAA605}"/>
+                </a:ext>
+              </a:extLst>
+            </p:cNvPr>
+            <p:cNvSpPr/>
+            <p:nvPr/>
+          </p:nvSpPr>
+          <p:spPr>
+            <a:xfrm>
+              <a:off x="2715023" y="1477606"/>
+              <a:ext cx="612648" cy="612648"/>
+            </a:xfrm>
+            <a:prstGeom prst="flowChartDelay">
+              <a:avLst/>
+            </a:prstGeom>
+          </p:spPr>
+          <p:style>
+            <a:lnRef idx="2">
+              <a:schemeClr val="accent6">
+                <a:shade val="15000"/>
+              </a:schemeClr>
+            </a:lnRef>
+            <a:fillRef idx="1">
+              <a:schemeClr val="accent6"/>
+            </a:fillRef>
+            <a:effectRef idx="0">
+              <a:schemeClr val="accent6"/>
+            </a:effectRef>
+            <a:fontRef idx="minor">
+              <a:schemeClr val="lt1"/>
+            </a:fontRef>
+          </p:style>
+          <p:txBody>
+            <a:bodyPr rtlCol="0" anchor="ctr"/>
+            <a:lstStyle/>
+            <a:p>
+              <a:pPr algn="ctr"/>
+              <a:endParaRPr kumimoji="1" lang="zh-CN" altLang="en-US"/>
+            </a:p>
+          </p:txBody>
+        </p:sp>
+        <p:cxnSp>
+          <p:nvCxnSpPr>
+            <p:cNvPr id="20" name="直线连接符 19">
+              <a:extLst>
+                <a:ext uri="{FF2B5EF4-FFF2-40B4-BE49-F238E27FC236}">
+                  <a16:creationId xmlns:a16="http://schemas.microsoft.com/office/drawing/2014/main" id="{4C789FBB-9390-DB18-60FC-0DA607BC814F}"/>
+                </a:ext>
+              </a:extLst>
+            </p:cNvPr>
+            <p:cNvCxnSpPr>
+              <a:cxnSpLocks/>
+            </p:cNvCxnSpPr>
+            <p:nvPr/>
+          </p:nvCxnSpPr>
+          <p:spPr>
+            <a:xfrm>
+              <a:off x="2442346" y="1609596"/>
+              <a:ext cx="272676" cy="0"/>
+            </a:xfrm>
+            <a:prstGeom prst="line">
+              <a:avLst/>
+            </a:prstGeom>
+          </p:spPr>
+          <p:style>
+            <a:lnRef idx="2">
+              <a:schemeClr val="accent6">
+                <a:shade val="15000"/>
+              </a:schemeClr>
+            </a:lnRef>
+            <a:fillRef idx="1">
+              <a:schemeClr val="accent6"/>
+            </a:fillRef>
+            <a:effectRef idx="0">
+              <a:schemeClr val="accent6"/>
+            </a:effectRef>
+            <a:fontRef idx="minor">
+              <a:schemeClr val="lt1"/>
+            </a:fontRef>
+          </p:style>
+        </p:cxnSp>
+        <p:cxnSp>
+          <p:nvCxnSpPr>
+            <p:cNvPr id="22" name="直线连接符 21">
+              <a:extLst>
+                <a:ext uri="{FF2B5EF4-FFF2-40B4-BE49-F238E27FC236}">
+                  <a16:creationId xmlns:a16="http://schemas.microsoft.com/office/drawing/2014/main" id="{734FCB62-544A-1813-E566-555C8ECE62D5}"/>
+                </a:ext>
+              </a:extLst>
+            </p:cNvPr>
+            <p:cNvCxnSpPr>
+              <a:cxnSpLocks/>
+            </p:cNvCxnSpPr>
+            <p:nvPr/>
+          </p:nvCxnSpPr>
+          <p:spPr>
+            <a:xfrm>
+              <a:off x="2432432" y="1966183"/>
+              <a:ext cx="272676" cy="0"/>
+            </a:xfrm>
+            <a:prstGeom prst="line">
+              <a:avLst/>
+            </a:prstGeom>
+          </p:spPr>
+          <p:style>
+            <a:lnRef idx="2">
+              <a:schemeClr val="accent6">
+                <a:shade val="15000"/>
+              </a:schemeClr>
+            </a:lnRef>
+            <a:fillRef idx="1">
+              <a:schemeClr val="accent6"/>
+            </a:fillRef>
+            <a:effectRef idx="0">
+              <a:schemeClr val="accent6"/>
+            </a:effectRef>
+            <a:fontRef idx="minor">
+              <a:schemeClr val="lt1"/>
+            </a:fontRef>
+          </p:style>
+        </p:cxnSp>
+        <p:cxnSp>
+          <p:nvCxnSpPr>
+            <p:cNvPr id="34" name="直线连接符 33">
+              <a:extLst>
+                <a:ext uri="{FF2B5EF4-FFF2-40B4-BE49-F238E27FC236}">
+                  <a16:creationId xmlns:a16="http://schemas.microsoft.com/office/drawing/2014/main" id="{F5740833-E0B5-A53C-D235-5E2B53BFBDF7}"/>
+                </a:ext>
+              </a:extLst>
+            </p:cNvPr>
+            <p:cNvCxnSpPr>
+              <a:cxnSpLocks/>
+            </p:cNvCxnSpPr>
+            <p:nvPr/>
+          </p:nvCxnSpPr>
+          <p:spPr>
+            <a:xfrm>
+              <a:off x="3323370" y="1783930"/>
+              <a:ext cx="272676" cy="0"/>
+            </a:xfrm>
+            <a:prstGeom prst="line">
+              <a:avLst/>
+            </a:prstGeom>
+          </p:spPr>
+          <p:style>
+            <a:lnRef idx="2">
+              <a:schemeClr val="accent6">
+                <a:shade val="15000"/>
+              </a:schemeClr>
+            </a:lnRef>
+            <a:fillRef idx="1">
+              <a:schemeClr val="accent6"/>
+            </a:fillRef>
+            <a:effectRef idx="0">
+              <a:schemeClr val="accent6"/>
+            </a:effectRef>
+            <a:fontRef idx="minor">
+              <a:schemeClr val="lt1"/>
+            </a:fontRef>
+          </p:style>
+        </p:cxnSp>
+      </p:grpSp>
+      <p:grpSp>
+        <p:nvGrpSpPr>
+          <p:cNvPr id="38" name="组合 37">
+            <a:extLst>
+              <a:ext uri="{FF2B5EF4-FFF2-40B4-BE49-F238E27FC236}">
+                <a16:creationId xmlns:a16="http://schemas.microsoft.com/office/drawing/2014/main" id="{3C9C399D-72DA-9F19-8CE0-13F6D06D01F8}"/>
+              </a:ext>
+            </a:extLst>
+          </p:cNvPr>
+          <p:cNvGrpSpPr/>
+          <p:nvPr/>
+        </p:nvGrpSpPr>
+        <p:grpSpPr>
+          <a:xfrm>
+            <a:off x="2464226" y="2942493"/>
+            <a:ext cx="1253006" cy="612649"/>
+            <a:chOff x="2464226" y="2942493"/>
+            <a:chExt cx="1253006" cy="612649"/>
+          </a:xfrm>
+        </p:grpSpPr>
+        <p:sp>
+          <p:nvSpPr>
+            <p:cNvPr id="3" name="存储的数据 2">
+              <a:extLst>
+                <a:ext uri="{FF2B5EF4-FFF2-40B4-BE49-F238E27FC236}">
+                  <a16:creationId xmlns:a16="http://schemas.microsoft.com/office/drawing/2014/main" id="{13194DDF-7553-9B09-CA9F-67E3A75E8624}"/>
+                </a:ext>
+              </a:extLst>
+            </p:cNvPr>
+            <p:cNvSpPr/>
+            <p:nvPr/>
+          </p:nvSpPr>
+          <p:spPr>
+            <a:xfrm rot="10800000">
+              <a:off x="2600565" y="2942493"/>
+              <a:ext cx="722805" cy="612649"/>
+            </a:xfrm>
+            <a:custGeom>
+              <a:avLst/>
+              <a:gdLst>
+                <a:gd name="connsiteX0" fmla="*/ 1667 w 10000"/>
+                <a:gd name="connsiteY0" fmla="*/ 0 h 10000"/>
+                <a:gd name="connsiteX1" fmla="*/ 10000 w 10000"/>
+                <a:gd name="connsiteY1" fmla="*/ 0 h 10000"/>
+                <a:gd name="connsiteX2" fmla="*/ 8333 w 10000"/>
+                <a:gd name="connsiteY2" fmla="*/ 5000 h 10000"/>
+                <a:gd name="connsiteX3" fmla="*/ 10000 w 10000"/>
+                <a:gd name="connsiteY3" fmla="*/ 10000 h 10000"/>
+                <a:gd name="connsiteX4" fmla="*/ 1667 w 10000"/>
+                <a:gd name="connsiteY4" fmla="*/ 10000 h 10000"/>
+                <a:gd name="connsiteX5" fmla="*/ 0 w 10000"/>
+                <a:gd name="connsiteY5" fmla="*/ 5000 h 10000"/>
+                <a:gd name="connsiteX6" fmla="*/ 1667 w 10000"/>
+                <a:gd name="connsiteY6" fmla="*/ 0 h 10000"/>
+                <a:gd name="connsiteX0" fmla="*/ 1667 w 10000"/>
+                <a:gd name="connsiteY0" fmla="*/ 0 h 10000"/>
+                <a:gd name="connsiteX1" fmla="*/ 10000 w 10000"/>
+                <a:gd name="connsiteY1" fmla="*/ 0 h 10000"/>
+                <a:gd name="connsiteX2" fmla="*/ 7555 w 10000"/>
+                <a:gd name="connsiteY2" fmla="*/ 5000 h 10000"/>
+                <a:gd name="connsiteX3" fmla="*/ 10000 w 10000"/>
+                <a:gd name="connsiteY3" fmla="*/ 10000 h 10000"/>
+                <a:gd name="connsiteX4" fmla="*/ 1667 w 10000"/>
+                <a:gd name="connsiteY4" fmla="*/ 10000 h 10000"/>
+                <a:gd name="connsiteX5" fmla="*/ 0 w 10000"/>
+                <a:gd name="connsiteY5" fmla="*/ 5000 h 10000"/>
+                <a:gd name="connsiteX6" fmla="*/ 1667 w 10000"/>
+                <a:gd name="connsiteY6" fmla="*/ 0 h 10000"/>
+                <a:gd name="connsiteX0" fmla="*/ 2562 w 10895"/>
+                <a:gd name="connsiteY0" fmla="*/ 0 h 10000"/>
+                <a:gd name="connsiteX1" fmla="*/ 10895 w 10895"/>
+                <a:gd name="connsiteY1" fmla="*/ 0 h 10000"/>
+                <a:gd name="connsiteX2" fmla="*/ 8450 w 10895"/>
+                <a:gd name="connsiteY2" fmla="*/ 5000 h 10000"/>
+                <a:gd name="connsiteX3" fmla="*/ 10895 w 10895"/>
+                <a:gd name="connsiteY3" fmla="*/ 10000 h 10000"/>
+                <a:gd name="connsiteX4" fmla="*/ 2562 w 10895"/>
+                <a:gd name="connsiteY4" fmla="*/ 10000 h 10000"/>
+                <a:gd name="connsiteX5" fmla="*/ 0 w 10895"/>
+                <a:gd name="connsiteY5" fmla="*/ 5029 h 10000"/>
+                <a:gd name="connsiteX6" fmla="*/ 2562 w 10895"/>
+                <a:gd name="connsiteY6" fmla="*/ 0 h 10000"/>
+                <a:gd name="connsiteX0" fmla="*/ 2562 w 10895"/>
+                <a:gd name="connsiteY0" fmla="*/ 0 h 10000"/>
+                <a:gd name="connsiteX1" fmla="*/ 10895 w 10895"/>
+                <a:gd name="connsiteY1" fmla="*/ 0 h 10000"/>
+                <a:gd name="connsiteX2" fmla="*/ 7079 w 10895"/>
+                <a:gd name="connsiteY2" fmla="*/ 4640 h 10000"/>
+                <a:gd name="connsiteX3" fmla="*/ 10895 w 10895"/>
+                <a:gd name="connsiteY3" fmla="*/ 10000 h 10000"/>
+                <a:gd name="connsiteX4" fmla="*/ 2562 w 10895"/>
+                <a:gd name="connsiteY4" fmla="*/ 10000 h 10000"/>
+                <a:gd name="connsiteX5" fmla="*/ 0 w 10895"/>
+                <a:gd name="connsiteY5" fmla="*/ 5029 h 10000"/>
+                <a:gd name="connsiteX6" fmla="*/ 2562 w 10895"/>
+                <a:gd name="connsiteY6" fmla="*/ 0 h 10000"/>
+                <a:gd name="connsiteX0" fmla="*/ 4521 w 12854"/>
+                <a:gd name="connsiteY0" fmla="*/ 0 h 10000"/>
+                <a:gd name="connsiteX1" fmla="*/ 12854 w 12854"/>
+                <a:gd name="connsiteY1" fmla="*/ 0 h 10000"/>
+                <a:gd name="connsiteX2" fmla="*/ 9038 w 12854"/>
+                <a:gd name="connsiteY2" fmla="*/ 4640 h 10000"/>
+                <a:gd name="connsiteX3" fmla="*/ 12854 w 12854"/>
+                <a:gd name="connsiteY3" fmla="*/ 10000 h 10000"/>
+                <a:gd name="connsiteX4" fmla="*/ 4521 w 12854"/>
+                <a:gd name="connsiteY4" fmla="*/ 10000 h 10000"/>
+                <a:gd name="connsiteX5" fmla="*/ 0 w 12854"/>
+                <a:gd name="connsiteY5" fmla="*/ 4849 h 10000"/>
+                <a:gd name="connsiteX6" fmla="*/ 4521 w 12854"/>
+                <a:gd name="connsiteY6" fmla="*/ 0 h 10000"/>
+                <a:gd name="connsiteX0" fmla="*/ 4521 w 12854"/>
+                <a:gd name="connsiteY0" fmla="*/ 0 h 10000"/>
+                <a:gd name="connsiteX1" fmla="*/ 12854 w 12854"/>
+                <a:gd name="connsiteY1" fmla="*/ 0 h 10000"/>
+                <a:gd name="connsiteX2" fmla="*/ 9234 w 12854"/>
+                <a:gd name="connsiteY2" fmla="*/ 4820 h 10000"/>
+                <a:gd name="connsiteX3" fmla="*/ 12854 w 12854"/>
+                <a:gd name="connsiteY3" fmla="*/ 10000 h 10000"/>
+                <a:gd name="connsiteX4" fmla="*/ 4521 w 12854"/>
+                <a:gd name="connsiteY4" fmla="*/ 10000 h 10000"/>
+                <a:gd name="connsiteX5" fmla="*/ 0 w 12854"/>
+                <a:gd name="connsiteY5" fmla="*/ 4849 h 10000"/>
+                <a:gd name="connsiteX6" fmla="*/ 4521 w 12854"/>
+                <a:gd name="connsiteY6" fmla="*/ 0 h 10000"/>
+              </a:gdLst>
+              <a:ahLst/>
+              <a:cxnLst>
+                <a:cxn ang="0">
+                  <a:pos x="connsiteX0" y="connsiteY0"/>
+                </a:cxn>
+                <a:cxn ang="0">
+                  <a:pos x="connsiteX1" y="connsiteY1"/>
+                </a:cxn>
+                <a:cxn ang="0">
+                  <a:pos x="connsiteX2" y="connsiteY2"/>
+                </a:cxn>
+                <a:cxn ang="0">
+                  <a:pos x="connsiteX3" y="connsiteY3"/>
+                </a:cxn>
+                <a:cxn ang="0">
+                  <a:pos x="connsiteX4" y="connsiteY4"/>
+                </a:cxn>
+                <a:cxn ang="0">
+                  <a:pos x="connsiteX5" y="connsiteY5"/>
+                </a:cxn>
+                <a:cxn ang="0">
+                  <a:pos x="connsiteX6" y="connsiteY6"/>
+                </a:cxn>
+              </a:cxnLst>
+              <a:rect l="l" t="t" r="r" b="b"/>
+              <a:pathLst>
+                <a:path w="12854" h="10000">
+                  <a:moveTo>
+                    <a:pt x="4521" y="0"/>
+                  </a:moveTo>
+                  <a:lnTo>
+                    <a:pt x="12854" y="0"/>
+                  </a:lnTo>
+                  <a:cubicBezTo>
+                    <a:pt x="11933" y="0"/>
+                    <a:pt x="9234" y="2059"/>
+                    <a:pt x="9234" y="4820"/>
+                  </a:cubicBezTo>
+                  <a:cubicBezTo>
+                    <a:pt x="9234" y="7581"/>
+                    <a:pt x="11933" y="10000"/>
+                    <a:pt x="12854" y="10000"/>
+                  </a:cubicBezTo>
+                  <a:lnTo>
+                    <a:pt x="4521" y="10000"/>
+                  </a:lnTo>
+                  <a:cubicBezTo>
+                    <a:pt x="3600" y="10000"/>
+                    <a:pt x="0" y="7610"/>
+                    <a:pt x="0" y="4849"/>
+                  </a:cubicBezTo>
+                  <a:cubicBezTo>
+                    <a:pt x="0" y="2088"/>
+                    <a:pt x="3600" y="0"/>
+                    <a:pt x="4521" y="0"/>
+                  </a:cubicBezTo>
+                  <a:close/>
+                </a:path>
+              </a:pathLst>
+            </a:custGeom>
+          </p:spPr>
+          <p:style>
+            <a:lnRef idx="2">
+              <a:schemeClr val="accent6">
+                <a:shade val="15000"/>
+              </a:schemeClr>
+            </a:lnRef>
+            <a:fillRef idx="1">
+              <a:schemeClr val="accent6"/>
+            </a:fillRef>
+            <a:effectRef idx="0">
+              <a:schemeClr val="accent6"/>
+            </a:effectRef>
+            <a:fontRef idx="minor">
+              <a:schemeClr val="lt1"/>
+            </a:fontRef>
+          </p:style>
+          <p:txBody>
+            <a:bodyPr rtlCol="0" anchor="ctr"/>
+            <a:lstStyle/>
+            <a:p>
+              <a:pPr algn="ctr"/>
+              <a:endParaRPr kumimoji="1" lang="zh-CN" altLang="en-US"/>
+            </a:p>
+          </p:txBody>
+        </p:sp>
+        <p:sp>
+          <p:nvSpPr>
+            <p:cNvPr id="6" name="椭圆 5">
+              <a:extLst>
+                <a:ext uri="{FF2B5EF4-FFF2-40B4-BE49-F238E27FC236}">
+                  <a16:creationId xmlns:a16="http://schemas.microsoft.com/office/drawing/2014/main" id="{323CB477-CCA5-B53D-559A-E89D60CCD584}"/>
+                </a:ext>
+              </a:extLst>
+            </p:cNvPr>
+            <p:cNvSpPr/>
+            <p:nvPr/>
+          </p:nvSpPr>
+          <p:spPr>
+            <a:xfrm>
+              <a:off x="3323370" y="3188225"/>
+              <a:ext cx="121186" cy="121186"/>
+            </a:xfrm>
+            <a:prstGeom prst="ellipse">
+              <a:avLst/>
+            </a:prstGeom>
+          </p:spPr>
+          <p:style>
+            <a:lnRef idx="2">
+              <a:schemeClr val="accent6">
+                <a:shade val="15000"/>
+              </a:schemeClr>
+            </a:lnRef>
+            <a:fillRef idx="1">
+              <a:schemeClr val="accent6"/>
+            </a:fillRef>
+            <a:effectRef idx="0">
+              <a:schemeClr val="accent6"/>
+            </a:effectRef>
+            <a:fontRef idx="minor">
+              <a:schemeClr val="lt1"/>
+            </a:fontRef>
+          </p:style>
+          <p:txBody>
+            <a:bodyPr rtlCol="0" anchor="ctr"/>
+            <a:lstStyle/>
+            <a:p>
+              <a:pPr algn="ctr"/>
+              <a:endParaRPr kumimoji="1" lang="zh-CN" altLang="en-US"/>
+            </a:p>
+          </p:txBody>
+        </p:sp>
+        <p:cxnSp>
+          <p:nvCxnSpPr>
+            <p:cNvPr id="23" name="直线连接符 22">
+              <a:extLst>
+                <a:ext uri="{FF2B5EF4-FFF2-40B4-BE49-F238E27FC236}">
+                  <a16:creationId xmlns:a16="http://schemas.microsoft.com/office/drawing/2014/main" id="{D0A4104E-BD12-04F9-B60F-21B70969135D}"/>
+                </a:ext>
+              </a:extLst>
+            </p:cNvPr>
+            <p:cNvCxnSpPr>
+              <a:cxnSpLocks/>
+            </p:cNvCxnSpPr>
+            <p:nvPr/>
+          </p:nvCxnSpPr>
+          <p:spPr>
+            <a:xfrm>
+              <a:off x="2474140" y="3075373"/>
+              <a:ext cx="272676" cy="0"/>
+            </a:xfrm>
+            <a:prstGeom prst="line">
+              <a:avLst/>
+            </a:prstGeom>
+          </p:spPr>
+          <p:style>
+            <a:lnRef idx="2">
+              <a:schemeClr val="accent6">
+                <a:shade val="15000"/>
+              </a:schemeClr>
+            </a:lnRef>
+            <a:fillRef idx="1">
+              <a:schemeClr val="accent6"/>
+            </a:fillRef>
+            <a:effectRef idx="0">
+              <a:schemeClr val="accent6"/>
+            </a:effectRef>
+            <a:fontRef idx="minor">
+              <a:schemeClr val="lt1"/>
+            </a:fontRef>
+          </p:style>
+        </p:cxnSp>
+        <p:cxnSp>
+          <p:nvCxnSpPr>
+            <p:cNvPr id="24" name="直线连接符 23">
+              <a:extLst>
+                <a:ext uri="{FF2B5EF4-FFF2-40B4-BE49-F238E27FC236}">
+                  <a16:creationId xmlns:a16="http://schemas.microsoft.com/office/drawing/2014/main" id="{675619BC-AF7B-FB36-63A5-4BADBB9958E7}"/>
+                </a:ext>
+              </a:extLst>
+            </p:cNvPr>
+            <p:cNvCxnSpPr>
+              <a:cxnSpLocks/>
+            </p:cNvCxnSpPr>
+            <p:nvPr/>
+          </p:nvCxnSpPr>
+          <p:spPr>
+            <a:xfrm>
+              <a:off x="2464226" y="3431960"/>
+              <a:ext cx="272676" cy="0"/>
+            </a:xfrm>
+            <a:prstGeom prst="line">
+              <a:avLst/>
+            </a:prstGeom>
+          </p:spPr>
+          <p:style>
+            <a:lnRef idx="2">
+              <a:schemeClr val="accent6">
+                <a:shade val="15000"/>
+              </a:schemeClr>
+            </a:lnRef>
+            <a:fillRef idx="1">
+              <a:schemeClr val="accent6"/>
+            </a:fillRef>
+            <a:effectRef idx="0">
+              <a:schemeClr val="accent6"/>
+            </a:effectRef>
+            <a:fontRef idx="minor">
+              <a:schemeClr val="lt1"/>
+            </a:fontRef>
+          </p:style>
+        </p:cxnSp>
+        <p:cxnSp>
+          <p:nvCxnSpPr>
+            <p:cNvPr id="35" name="直线连接符 34">
+              <a:extLst>
+                <a:ext uri="{FF2B5EF4-FFF2-40B4-BE49-F238E27FC236}">
+                  <a16:creationId xmlns:a16="http://schemas.microsoft.com/office/drawing/2014/main" id="{0C6CBE00-4776-9D8C-DBC1-8CD539173E1D}"/>
+                </a:ext>
+              </a:extLst>
+            </p:cNvPr>
+            <p:cNvCxnSpPr>
+              <a:cxnSpLocks/>
+            </p:cNvCxnSpPr>
+            <p:nvPr/>
+          </p:nvCxnSpPr>
+          <p:spPr>
+            <a:xfrm>
+              <a:off x="3444556" y="3248818"/>
+              <a:ext cx="272676" cy="0"/>
+            </a:xfrm>
+            <a:prstGeom prst="line">
+              <a:avLst/>
+            </a:prstGeom>
+          </p:spPr>
+          <p:style>
+            <a:lnRef idx="2">
+              <a:schemeClr val="accent6">
+                <a:shade val="15000"/>
+              </a:schemeClr>
+            </a:lnRef>
+            <a:fillRef idx="1">
+              <a:schemeClr val="accent6"/>
+            </a:fillRef>
+            <a:effectRef idx="0">
+              <a:schemeClr val="accent6"/>
+            </a:effectRef>
+            <a:fontRef idx="minor">
+              <a:schemeClr val="lt1"/>
+            </a:fontRef>
+          </p:style>
+        </p:cxnSp>
+      </p:grpSp>
+      <p:grpSp>
+        <p:nvGrpSpPr>
+          <p:cNvPr id="39" name="组合 38">
+            <a:extLst>
+              <a:ext uri="{FF2B5EF4-FFF2-40B4-BE49-F238E27FC236}">
+                <a16:creationId xmlns:a16="http://schemas.microsoft.com/office/drawing/2014/main" id="{4F710116-648A-A42C-F34A-11187F3FA1AD}"/>
+              </a:ext>
+            </a:extLst>
+          </p:cNvPr>
+          <p:cNvGrpSpPr/>
+          <p:nvPr/>
+        </p:nvGrpSpPr>
+        <p:grpSpPr>
+          <a:xfrm>
+            <a:off x="2147395" y="4401241"/>
+            <a:ext cx="1602302" cy="612649"/>
+            <a:chOff x="2147395" y="4401241"/>
+            <a:chExt cx="1602302" cy="612649"/>
+          </a:xfrm>
+        </p:grpSpPr>
+        <p:sp>
+          <p:nvSpPr>
+            <p:cNvPr id="7" name="存储的数据 2">
+              <a:extLst>
+                <a:ext uri="{FF2B5EF4-FFF2-40B4-BE49-F238E27FC236}">
+                  <a16:creationId xmlns:a16="http://schemas.microsoft.com/office/drawing/2014/main" id="{0242A67E-2602-5FB1-D8AE-1D8B24AA5FF7}"/>
+                </a:ext>
+              </a:extLst>
+            </p:cNvPr>
+            <p:cNvSpPr/>
+            <p:nvPr/>
+          </p:nvSpPr>
+          <p:spPr>
+            <a:xfrm rot="10800000">
+              <a:off x="2754216" y="4401241"/>
+              <a:ext cx="722805" cy="612649"/>
+            </a:xfrm>
+            <a:custGeom>
+              <a:avLst/>
+              <a:gdLst>
+                <a:gd name="connsiteX0" fmla="*/ 1667 w 10000"/>
+                <a:gd name="connsiteY0" fmla="*/ 0 h 10000"/>
+                <a:gd name="connsiteX1" fmla="*/ 10000 w 10000"/>
+                <a:gd name="connsiteY1" fmla="*/ 0 h 10000"/>
+                <a:gd name="connsiteX2" fmla="*/ 8333 w 10000"/>
+                <a:gd name="connsiteY2" fmla="*/ 5000 h 10000"/>
+                <a:gd name="connsiteX3" fmla="*/ 10000 w 10000"/>
+                <a:gd name="connsiteY3" fmla="*/ 10000 h 10000"/>
+                <a:gd name="connsiteX4" fmla="*/ 1667 w 10000"/>
+                <a:gd name="connsiteY4" fmla="*/ 10000 h 10000"/>
+                <a:gd name="connsiteX5" fmla="*/ 0 w 10000"/>
+                <a:gd name="connsiteY5" fmla="*/ 5000 h 10000"/>
+                <a:gd name="connsiteX6" fmla="*/ 1667 w 10000"/>
+                <a:gd name="connsiteY6" fmla="*/ 0 h 10000"/>
+                <a:gd name="connsiteX0" fmla="*/ 1667 w 10000"/>
+                <a:gd name="connsiteY0" fmla="*/ 0 h 10000"/>
+                <a:gd name="connsiteX1" fmla="*/ 10000 w 10000"/>
+                <a:gd name="connsiteY1" fmla="*/ 0 h 10000"/>
+                <a:gd name="connsiteX2" fmla="*/ 7555 w 10000"/>
+                <a:gd name="connsiteY2" fmla="*/ 5000 h 10000"/>
+                <a:gd name="connsiteX3" fmla="*/ 10000 w 10000"/>
+                <a:gd name="connsiteY3" fmla="*/ 10000 h 10000"/>
+                <a:gd name="connsiteX4" fmla="*/ 1667 w 10000"/>
+                <a:gd name="connsiteY4" fmla="*/ 10000 h 10000"/>
+                <a:gd name="connsiteX5" fmla="*/ 0 w 10000"/>
+                <a:gd name="connsiteY5" fmla="*/ 5000 h 10000"/>
+                <a:gd name="connsiteX6" fmla="*/ 1667 w 10000"/>
+                <a:gd name="connsiteY6" fmla="*/ 0 h 10000"/>
+                <a:gd name="connsiteX0" fmla="*/ 2562 w 10895"/>
+                <a:gd name="connsiteY0" fmla="*/ 0 h 10000"/>
+                <a:gd name="connsiteX1" fmla="*/ 10895 w 10895"/>
+                <a:gd name="connsiteY1" fmla="*/ 0 h 10000"/>
+                <a:gd name="connsiteX2" fmla="*/ 8450 w 10895"/>
+                <a:gd name="connsiteY2" fmla="*/ 5000 h 10000"/>
+                <a:gd name="connsiteX3" fmla="*/ 10895 w 10895"/>
+                <a:gd name="connsiteY3" fmla="*/ 10000 h 10000"/>
+                <a:gd name="connsiteX4" fmla="*/ 2562 w 10895"/>
+                <a:gd name="connsiteY4" fmla="*/ 10000 h 10000"/>
+                <a:gd name="connsiteX5" fmla="*/ 0 w 10895"/>
+                <a:gd name="connsiteY5" fmla="*/ 5029 h 10000"/>
+                <a:gd name="connsiteX6" fmla="*/ 2562 w 10895"/>
+                <a:gd name="connsiteY6" fmla="*/ 0 h 10000"/>
+                <a:gd name="connsiteX0" fmla="*/ 2562 w 10895"/>
+                <a:gd name="connsiteY0" fmla="*/ 0 h 10000"/>
+                <a:gd name="connsiteX1" fmla="*/ 10895 w 10895"/>
+                <a:gd name="connsiteY1" fmla="*/ 0 h 10000"/>
+                <a:gd name="connsiteX2" fmla="*/ 7079 w 10895"/>
+                <a:gd name="connsiteY2" fmla="*/ 4640 h 10000"/>
+                <a:gd name="connsiteX3" fmla="*/ 10895 w 10895"/>
+                <a:gd name="connsiteY3" fmla="*/ 10000 h 10000"/>
+                <a:gd name="connsiteX4" fmla="*/ 2562 w 10895"/>
+                <a:gd name="connsiteY4" fmla="*/ 10000 h 10000"/>
+                <a:gd name="connsiteX5" fmla="*/ 0 w 10895"/>
+                <a:gd name="connsiteY5" fmla="*/ 5029 h 10000"/>
+                <a:gd name="connsiteX6" fmla="*/ 2562 w 10895"/>
+                <a:gd name="connsiteY6" fmla="*/ 0 h 10000"/>
+                <a:gd name="connsiteX0" fmla="*/ 4521 w 12854"/>
+                <a:gd name="connsiteY0" fmla="*/ 0 h 10000"/>
+                <a:gd name="connsiteX1" fmla="*/ 12854 w 12854"/>
+                <a:gd name="connsiteY1" fmla="*/ 0 h 10000"/>
+                <a:gd name="connsiteX2" fmla="*/ 9038 w 12854"/>
+                <a:gd name="connsiteY2" fmla="*/ 4640 h 10000"/>
+                <a:gd name="connsiteX3" fmla="*/ 12854 w 12854"/>
+                <a:gd name="connsiteY3" fmla="*/ 10000 h 10000"/>
+                <a:gd name="connsiteX4" fmla="*/ 4521 w 12854"/>
+                <a:gd name="connsiteY4" fmla="*/ 10000 h 10000"/>
+                <a:gd name="connsiteX5" fmla="*/ 0 w 12854"/>
+                <a:gd name="connsiteY5" fmla="*/ 4849 h 10000"/>
+                <a:gd name="connsiteX6" fmla="*/ 4521 w 12854"/>
+                <a:gd name="connsiteY6" fmla="*/ 0 h 10000"/>
+                <a:gd name="connsiteX0" fmla="*/ 4521 w 12854"/>
+                <a:gd name="connsiteY0" fmla="*/ 0 h 10000"/>
+                <a:gd name="connsiteX1" fmla="*/ 12854 w 12854"/>
+                <a:gd name="connsiteY1" fmla="*/ 0 h 10000"/>
+                <a:gd name="connsiteX2" fmla="*/ 9234 w 12854"/>
+                <a:gd name="connsiteY2" fmla="*/ 4820 h 10000"/>
+                <a:gd name="connsiteX3" fmla="*/ 12854 w 12854"/>
+                <a:gd name="connsiteY3" fmla="*/ 10000 h 10000"/>
+                <a:gd name="connsiteX4" fmla="*/ 4521 w 12854"/>
+                <a:gd name="connsiteY4" fmla="*/ 10000 h 10000"/>
+                <a:gd name="connsiteX5" fmla="*/ 0 w 12854"/>
+                <a:gd name="connsiteY5" fmla="*/ 4849 h 10000"/>
+                <a:gd name="connsiteX6" fmla="*/ 4521 w 12854"/>
+                <a:gd name="connsiteY6" fmla="*/ 0 h 10000"/>
+              </a:gdLst>
+              <a:ahLst/>
+              <a:cxnLst>
+                <a:cxn ang="0">
+                  <a:pos x="connsiteX0" y="connsiteY0"/>
+                </a:cxn>
+                <a:cxn ang="0">
+                  <a:pos x="connsiteX1" y="connsiteY1"/>
+                </a:cxn>
+                <a:cxn ang="0">
+                  <a:pos x="connsiteX2" y="connsiteY2"/>
+                </a:cxn>
+                <a:cxn ang="0">
+                  <a:pos x="connsiteX3" y="connsiteY3"/>
+                </a:cxn>
+                <a:cxn ang="0">
+                  <a:pos x="connsiteX4" y="connsiteY4"/>
+                </a:cxn>
+                <a:cxn ang="0">
+                  <a:pos x="connsiteX5" y="connsiteY5"/>
+                </a:cxn>
+                <a:cxn ang="0">
+                  <a:pos x="connsiteX6" y="connsiteY6"/>
+                </a:cxn>
+              </a:cxnLst>
+              <a:rect l="l" t="t" r="r" b="b"/>
+              <a:pathLst>
+                <a:path w="12854" h="10000">
+                  <a:moveTo>
+                    <a:pt x="4521" y="0"/>
+                  </a:moveTo>
+                  <a:lnTo>
+                    <a:pt x="12854" y="0"/>
+                  </a:lnTo>
+                  <a:cubicBezTo>
+                    <a:pt x="11933" y="0"/>
+                    <a:pt x="9234" y="2059"/>
+                    <a:pt x="9234" y="4820"/>
+                  </a:cubicBezTo>
+                  <a:cubicBezTo>
+                    <a:pt x="9234" y="7581"/>
+                    <a:pt x="11933" y="10000"/>
+                    <a:pt x="12854" y="10000"/>
+                  </a:cubicBezTo>
+                  <a:lnTo>
+                    <a:pt x="4521" y="10000"/>
+                  </a:lnTo>
+                  <a:cubicBezTo>
+                    <a:pt x="3600" y="10000"/>
+                    <a:pt x="0" y="7610"/>
+                    <a:pt x="0" y="4849"/>
+                  </a:cubicBezTo>
+                  <a:cubicBezTo>
+                    <a:pt x="0" y="2088"/>
+                    <a:pt x="3600" y="0"/>
+                    <a:pt x="4521" y="0"/>
+                  </a:cubicBezTo>
+                  <a:close/>
+                </a:path>
+              </a:pathLst>
+            </a:custGeom>
+          </p:spPr>
+          <p:style>
+            <a:lnRef idx="2">
+              <a:schemeClr val="accent6">
+                <a:shade val="15000"/>
+              </a:schemeClr>
+            </a:lnRef>
+            <a:fillRef idx="1">
+              <a:schemeClr val="accent6"/>
+            </a:fillRef>
+            <a:effectRef idx="0">
+              <a:schemeClr val="accent6"/>
+            </a:effectRef>
+            <a:fontRef idx="minor">
+              <a:schemeClr val="lt1"/>
+            </a:fontRef>
+          </p:style>
+          <p:txBody>
+            <a:bodyPr rtlCol="0" anchor="ctr"/>
+            <a:lstStyle/>
+            <a:p>
+              <a:pPr algn="ctr"/>
+              <a:endParaRPr kumimoji="1" lang="zh-CN" altLang="en-US"/>
+            </a:p>
+          </p:txBody>
+        </p:sp>
+        <p:sp>
+          <p:nvSpPr>
+            <p:cNvPr id="16" name="弧 15">
+              <a:extLst>
+                <a:ext uri="{FF2B5EF4-FFF2-40B4-BE49-F238E27FC236}">
+                  <a16:creationId xmlns:a16="http://schemas.microsoft.com/office/drawing/2014/main" id="{32F70967-FFE7-522A-1BBB-75FA5E6FD1EF}"/>
+                </a:ext>
+              </a:extLst>
+            </p:cNvPr>
+            <p:cNvSpPr/>
+            <p:nvPr/>
+          </p:nvSpPr>
+          <p:spPr>
+            <a:xfrm>
+              <a:off x="2147395" y="4401242"/>
+              <a:ext cx="668287" cy="612648"/>
+            </a:xfrm>
+            <a:prstGeom prst="arc">
+              <a:avLst>
+                <a:gd name="adj1" fmla="val 17235441"/>
+                <a:gd name="adj2" fmla="val 4633266"/>
+              </a:avLst>
+            </a:prstGeom>
+          </p:spPr>
+          <p:style>
+            <a:lnRef idx="2">
+              <a:schemeClr val="dk1"/>
+            </a:lnRef>
+            <a:fillRef idx="0">
+              <a:schemeClr val="dk1"/>
+            </a:fillRef>
+            <a:effectRef idx="1">
+              <a:schemeClr val="dk1"/>
+            </a:effectRef>
+            <a:fontRef idx="minor">
+              <a:schemeClr val="tx1"/>
+            </a:fontRef>
+          </p:style>
+          <p:txBody>
+            <a:bodyPr rtlCol="0" anchor="ctr"/>
+            <a:lstStyle/>
+            <a:p>
+              <a:pPr algn="ctr"/>
+              <a:endParaRPr kumimoji="1" lang="zh-CN" altLang="en-US"/>
+            </a:p>
+          </p:txBody>
+        </p:sp>
+        <p:cxnSp>
+          <p:nvCxnSpPr>
+            <p:cNvPr id="25" name="直线连接符 24">
+              <a:extLst>
+                <a:ext uri="{FF2B5EF4-FFF2-40B4-BE49-F238E27FC236}">
+                  <a16:creationId xmlns:a16="http://schemas.microsoft.com/office/drawing/2014/main" id="{67FA57DA-C609-3647-8699-476F779C8637}"/>
+                </a:ext>
+              </a:extLst>
+            </p:cNvPr>
+            <p:cNvCxnSpPr>
+              <a:cxnSpLocks/>
+            </p:cNvCxnSpPr>
+            <p:nvPr/>
+          </p:nvCxnSpPr>
+          <p:spPr>
+            <a:xfrm>
+              <a:off x="2474140" y="4537969"/>
+              <a:ext cx="272676" cy="0"/>
+            </a:xfrm>
+            <a:prstGeom prst="line">
+              <a:avLst/>
+            </a:prstGeom>
+          </p:spPr>
+          <p:style>
+            <a:lnRef idx="2">
+              <a:schemeClr val="dk1"/>
+            </a:lnRef>
+            <a:fillRef idx="0">
+              <a:schemeClr val="dk1"/>
+            </a:fillRef>
+            <a:effectRef idx="1">
+              <a:schemeClr val="dk1"/>
+            </a:effectRef>
+            <a:fontRef idx="minor">
+              <a:schemeClr val="tx1"/>
+            </a:fontRef>
+          </p:style>
+        </p:cxnSp>
+        <p:cxnSp>
+          <p:nvCxnSpPr>
+            <p:cNvPr id="26" name="直线连接符 25">
+              <a:extLst>
+                <a:ext uri="{FF2B5EF4-FFF2-40B4-BE49-F238E27FC236}">
+                  <a16:creationId xmlns:a16="http://schemas.microsoft.com/office/drawing/2014/main" id="{63768271-7A27-F479-F403-0EA1173FF016}"/>
+                </a:ext>
+              </a:extLst>
+            </p:cNvPr>
+            <p:cNvCxnSpPr>
+              <a:cxnSpLocks/>
+            </p:cNvCxnSpPr>
+            <p:nvPr/>
+          </p:nvCxnSpPr>
+          <p:spPr>
+            <a:xfrm>
+              <a:off x="2464226" y="4894556"/>
+              <a:ext cx="272676" cy="0"/>
+            </a:xfrm>
+            <a:prstGeom prst="line">
+              <a:avLst/>
+            </a:prstGeom>
+          </p:spPr>
+          <p:style>
+            <a:lnRef idx="2">
+              <a:schemeClr val="dk1"/>
+            </a:lnRef>
+            <a:fillRef idx="0">
+              <a:schemeClr val="dk1"/>
+            </a:fillRef>
+            <a:effectRef idx="1">
+              <a:schemeClr val="dk1"/>
+            </a:effectRef>
+            <a:fontRef idx="minor">
+              <a:schemeClr val="tx1"/>
+            </a:fontRef>
+          </p:style>
+        </p:cxnSp>
+        <p:cxnSp>
+          <p:nvCxnSpPr>
+            <p:cNvPr id="36" name="直线连接符 35">
+              <a:extLst>
+                <a:ext uri="{FF2B5EF4-FFF2-40B4-BE49-F238E27FC236}">
+                  <a16:creationId xmlns:a16="http://schemas.microsoft.com/office/drawing/2014/main" id="{1E9C9C07-4492-2287-8BF0-122E72138FFB}"/>
+                </a:ext>
+              </a:extLst>
+            </p:cNvPr>
+            <p:cNvCxnSpPr>
+              <a:cxnSpLocks/>
+            </p:cNvCxnSpPr>
+            <p:nvPr/>
+          </p:nvCxnSpPr>
+          <p:spPr>
+            <a:xfrm>
+              <a:off x="3477021" y="4711782"/>
+              <a:ext cx="272676" cy="0"/>
+            </a:xfrm>
+            <a:prstGeom prst="line">
+              <a:avLst/>
+            </a:prstGeom>
+          </p:spPr>
+          <p:style>
+            <a:lnRef idx="2">
+              <a:schemeClr val="accent6">
+                <a:shade val="15000"/>
+              </a:schemeClr>
+            </a:lnRef>
+            <a:fillRef idx="1">
+              <a:schemeClr val="accent6"/>
+            </a:fillRef>
+            <a:effectRef idx="0">
+              <a:schemeClr val="accent6"/>
+            </a:effectRef>
+            <a:fontRef idx="minor">
+              <a:schemeClr val="lt1"/>
+            </a:fontRef>
+          </p:style>
+        </p:cxnSp>
+      </p:grpSp>
+      <p:grpSp>
+        <p:nvGrpSpPr>
+          <p:cNvPr id="50" name="组合 49">
+            <a:extLst>
+              <a:ext uri="{FF2B5EF4-FFF2-40B4-BE49-F238E27FC236}">
+                <a16:creationId xmlns:a16="http://schemas.microsoft.com/office/drawing/2014/main" id="{96D5324A-C3EF-421C-F0F2-6F044862B096}"/>
+              </a:ext>
+            </a:extLst>
+          </p:cNvPr>
+          <p:cNvGrpSpPr/>
+          <p:nvPr/>
+        </p:nvGrpSpPr>
+        <p:grpSpPr>
+          <a:xfrm>
+            <a:off x="1872187" y="1853300"/>
+            <a:ext cx="417251" cy="236954"/>
+            <a:chOff x="4731798" y="1609596"/>
+            <a:chExt cx="978024" cy="480658"/>
+          </a:xfrm>
+        </p:grpSpPr>
+        <p:cxnSp>
+          <p:nvCxnSpPr>
+            <p:cNvPr id="44" name="直线连接符 43">
+              <a:extLst>
+                <a:ext uri="{FF2B5EF4-FFF2-40B4-BE49-F238E27FC236}">
+                  <a16:creationId xmlns:a16="http://schemas.microsoft.com/office/drawing/2014/main" id="{010E8B78-1785-106C-C238-DD6BD4E5F246}"/>
+                </a:ext>
+              </a:extLst>
+            </p:cNvPr>
+            <p:cNvCxnSpPr>
+              <a:cxnSpLocks/>
+            </p:cNvCxnSpPr>
+            <p:nvPr/>
+          </p:nvCxnSpPr>
+          <p:spPr>
+            <a:xfrm>
+              <a:off x="4731798" y="2090254"/>
+              <a:ext cx="408373" cy="0"/>
+            </a:xfrm>
+            <a:prstGeom prst="line">
+              <a:avLst/>
+            </a:prstGeom>
+          </p:spPr>
+          <p:style>
+            <a:lnRef idx="2">
+              <a:schemeClr val="accent1"/>
+            </a:lnRef>
+            <a:fillRef idx="0">
+              <a:schemeClr val="accent1"/>
+            </a:fillRef>
+            <a:effectRef idx="1">
+              <a:schemeClr val="accent1"/>
+            </a:effectRef>
+            <a:fontRef idx="minor">
+              <a:schemeClr val="tx1"/>
+            </a:fontRef>
+          </p:style>
+        </p:cxnSp>
+        <p:cxnSp>
+          <p:nvCxnSpPr>
+            <p:cNvPr id="46" name="直线连接符 45">
+              <a:extLst>
+                <a:ext uri="{FF2B5EF4-FFF2-40B4-BE49-F238E27FC236}">
+                  <a16:creationId xmlns:a16="http://schemas.microsoft.com/office/drawing/2014/main" id="{3EC6C619-3415-4C21-02AB-CB7D1B2F8058}"/>
+                </a:ext>
+              </a:extLst>
+            </p:cNvPr>
+            <p:cNvCxnSpPr>
+              <a:cxnSpLocks/>
+            </p:cNvCxnSpPr>
+            <p:nvPr/>
+          </p:nvCxnSpPr>
+          <p:spPr>
+            <a:xfrm>
+              <a:off x="5301449" y="1609596"/>
+              <a:ext cx="408373" cy="0"/>
+            </a:xfrm>
+            <a:prstGeom prst="line">
+              <a:avLst/>
+            </a:prstGeom>
+          </p:spPr>
+          <p:style>
+            <a:lnRef idx="2">
+              <a:schemeClr val="accent1"/>
+            </a:lnRef>
+            <a:fillRef idx="0">
+              <a:schemeClr val="accent1"/>
+            </a:fillRef>
+            <a:effectRef idx="1">
+              <a:schemeClr val="accent1"/>
+            </a:effectRef>
+            <a:fontRef idx="minor">
+              <a:schemeClr val="tx1"/>
+            </a:fontRef>
+          </p:style>
+        </p:cxnSp>
+        <p:cxnSp>
+          <p:nvCxnSpPr>
+            <p:cNvPr id="47" name="直线连接符 46">
+              <a:extLst>
+                <a:ext uri="{FF2B5EF4-FFF2-40B4-BE49-F238E27FC236}">
+                  <a16:creationId xmlns:a16="http://schemas.microsoft.com/office/drawing/2014/main" id="{6ED9F658-CC05-B2D4-BBEE-207228D0AC98}"/>
+                </a:ext>
+              </a:extLst>
+            </p:cNvPr>
+            <p:cNvCxnSpPr>
+              <a:cxnSpLocks/>
+            </p:cNvCxnSpPr>
+            <p:nvPr/>
+          </p:nvCxnSpPr>
+          <p:spPr>
+            <a:xfrm flipV="1">
+              <a:off x="5140171" y="1609596"/>
+              <a:ext cx="161278" cy="480658"/>
+            </a:xfrm>
+            <a:prstGeom prst="line">
+              <a:avLst/>
+            </a:prstGeom>
+          </p:spPr>
+          <p:style>
+            <a:lnRef idx="2">
+              <a:schemeClr val="accent1"/>
+            </a:lnRef>
+            <a:fillRef idx="0">
+              <a:schemeClr val="accent1"/>
+            </a:fillRef>
+            <a:effectRef idx="1">
+              <a:schemeClr val="accent1"/>
+            </a:effectRef>
+            <a:fontRef idx="minor">
+              <a:schemeClr val="tx1"/>
+            </a:fontRef>
+          </p:style>
+        </p:cxnSp>
+      </p:grpSp>
+      <p:grpSp>
+        <p:nvGrpSpPr>
+          <p:cNvPr id="52" name="组合 51">
+            <a:extLst>
+              <a:ext uri="{FF2B5EF4-FFF2-40B4-BE49-F238E27FC236}">
+                <a16:creationId xmlns:a16="http://schemas.microsoft.com/office/drawing/2014/main" id="{27E9F021-A724-ADBD-6EEA-CB4CB54B66E0}"/>
+              </a:ext>
+            </a:extLst>
+          </p:cNvPr>
+          <p:cNvGrpSpPr>
+            <a:grpSpLocks noChangeAspect="1"/>
+          </p:cNvGrpSpPr>
+          <p:nvPr/>
+        </p:nvGrpSpPr>
+        <p:grpSpPr>
+          <a:xfrm rot="10800000" flipH="1">
+            <a:off x="3838418" y="3130341"/>
+            <a:ext cx="417251" cy="236954"/>
+            <a:chOff x="4731798" y="1609596"/>
+            <a:chExt cx="978024" cy="480658"/>
+          </a:xfrm>
+        </p:grpSpPr>
+        <p:cxnSp>
+          <p:nvCxnSpPr>
+            <p:cNvPr id="53" name="直线连接符 52">
+              <a:extLst>
+                <a:ext uri="{FF2B5EF4-FFF2-40B4-BE49-F238E27FC236}">
+                  <a16:creationId xmlns:a16="http://schemas.microsoft.com/office/drawing/2014/main" id="{DD8D66B5-BCD8-9E98-FBAF-17A40074F4B7}"/>
+                </a:ext>
+              </a:extLst>
+            </p:cNvPr>
+            <p:cNvCxnSpPr>
+              <a:cxnSpLocks/>
+            </p:cNvCxnSpPr>
+            <p:nvPr/>
+          </p:nvCxnSpPr>
+          <p:spPr>
+            <a:xfrm>
+              <a:off x="4731798" y="2090254"/>
+              <a:ext cx="408373" cy="0"/>
+            </a:xfrm>
+            <a:prstGeom prst="line">
+              <a:avLst/>
+            </a:prstGeom>
+          </p:spPr>
+          <p:style>
+            <a:lnRef idx="2">
+              <a:schemeClr val="accent1"/>
+            </a:lnRef>
+            <a:fillRef idx="0">
+              <a:schemeClr val="accent1"/>
+            </a:fillRef>
+            <a:effectRef idx="1">
+              <a:schemeClr val="accent1"/>
+            </a:effectRef>
+            <a:fontRef idx="minor">
+              <a:schemeClr val="tx1"/>
+            </a:fontRef>
+          </p:style>
+        </p:cxnSp>
+        <p:cxnSp>
+          <p:nvCxnSpPr>
+            <p:cNvPr id="54" name="直线连接符 53">
+              <a:extLst>
+                <a:ext uri="{FF2B5EF4-FFF2-40B4-BE49-F238E27FC236}">
+                  <a16:creationId xmlns:a16="http://schemas.microsoft.com/office/drawing/2014/main" id="{F9464652-99CF-29C9-9B1F-53D0DB5A36E9}"/>
+                </a:ext>
+              </a:extLst>
+            </p:cNvPr>
+            <p:cNvCxnSpPr>
+              <a:cxnSpLocks/>
+            </p:cNvCxnSpPr>
+            <p:nvPr/>
+          </p:nvCxnSpPr>
+          <p:spPr>
+            <a:xfrm>
+              <a:off x="5301449" y="1609596"/>
+              <a:ext cx="408373" cy="0"/>
+            </a:xfrm>
+            <a:prstGeom prst="line">
+              <a:avLst/>
+            </a:prstGeom>
+          </p:spPr>
+          <p:style>
+            <a:lnRef idx="2">
+              <a:schemeClr val="accent1"/>
+            </a:lnRef>
+            <a:fillRef idx="0">
+              <a:schemeClr val="accent1"/>
+            </a:fillRef>
+            <a:effectRef idx="1">
+              <a:schemeClr val="accent1"/>
+            </a:effectRef>
+            <a:fontRef idx="minor">
+              <a:schemeClr val="tx1"/>
+            </a:fontRef>
+          </p:style>
+        </p:cxnSp>
+        <p:cxnSp>
+          <p:nvCxnSpPr>
+            <p:cNvPr id="55" name="直线连接符 54">
+              <a:extLst>
+                <a:ext uri="{FF2B5EF4-FFF2-40B4-BE49-F238E27FC236}">
+                  <a16:creationId xmlns:a16="http://schemas.microsoft.com/office/drawing/2014/main" id="{CE178393-2832-0D2A-29AA-83E75861CB1B}"/>
+                </a:ext>
+              </a:extLst>
+            </p:cNvPr>
+            <p:cNvCxnSpPr>
+              <a:cxnSpLocks/>
+            </p:cNvCxnSpPr>
+            <p:nvPr/>
+          </p:nvCxnSpPr>
+          <p:spPr>
+            <a:xfrm flipV="1">
+              <a:off x="5140171" y="1609596"/>
+              <a:ext cx="161278" cy="480658"/>
+            </a:xfrm>
+            <a:prstGeom prst="line">
+              <a:avLst/>
+            </a:prstGeom>
+          </p:spPr>
+          <p:style>
+            <a:lnRef idx="2">
+              <a:schemeClr val="accent1"/>
+            </a:lnRef>
+            <a:fillRef idx="0">
+              <a:schemeClr val="accent1"/>
+            </a:fillRef>
+            <a:effectRef idx="1">
+              <a:schemeClr val="accent1"/>
+            </a:effectRef>
+            <a:fontRef idx="minor">
+              <a:schemeClr val="tx1"/>
+            </a:fontRef>
+          </p:style>
+        </p:cxnSp>
+      </p:grpSp>
+      <p:grpSp>
+        <p:nvGrpSpPr>
+          <p:cNvPr id="56" name="组合 55">
+            <a:extLst>
+              <a:ext uri="{FF2B5EF4-FFF2-40B4-BE49-F238E27FC236}">
+                <a16:creationId xmlns:a16="http://schemas.microsoft.com/office/drawing/2014/main" id="{EE459457-D85F-E3FF-0E4A-3F5D81EB09EB}"/>
+              </a:ext>
+            </a:extLst>
+          </p:cNvPr>
+          <p:cNvGrpSpPr/>
+          <p:nvPr/>
+        </p:nvGrpSpPr>
+        <p:grpSpPr>
+          <a:xfrm>
+            <a:off x="3804848" y="1665453"/>
+            <a:ext cx="417251" cy="236954"/>
+            <a:chOff x="4731798" y="1609596"/>
+            <a:chExt cx="978024" cy="480658"/>
+          </a:xfrm>
+        </p:grpSpPr>
+        <p:cxnSp>
+          <p:nvCxnSpPr>
+            <p:cNvPr id="57" name="直线连接符 56">
+              <a:extLst>
+                <a:ext uri="{FF2B5EF4-FFF2-40B4-BE49-F238E27FC236}">
+                  <a16:creationId xmlns:a16="http://schemas.microsoft.com/office/drawing/2014/main" id="{19B1D987-A3A5-91A2-2414-296587E56395}"/>
+                </a:ext>
+              </a:extLst>
+            </p:cNvPr>
+            <p:cNvCxnSpPr>
+              <a:cxnSpLocks/>
+            </p:cNvCxnSpPr>
+            <p:nvPr/>
+          </p:nvCxnSpPr>
+          <p:spPr>
+            <a:xfrm>
+              <a:off x="4731798" y="2090254"/>
+              <a:ext cx="408373" cy="0"/>
+            </a:xfrm>
+            <a:prstGeom prst="line">
+              <a:avLst/>
+            </a:prstGeom>
+          </p:spPr>
+          <p:style>
+            <a:lnRef idx="2">
+              <a:schemeClr val="accent1"/>
+            </a:lnRef>
+            <a:fillRef idx="0">
+              <a:schemeClr val="accent1"/>
+            </a:fillRef>
+            <a:effectRef idx="1">
+              <a:schemeClr val="accent1"/>
+            </a:effectRef>
+            <a:fontRef idx="minor">
+              <a:schemeClr val="tx1"/>
+            </a:fontRef>
+          </p:style>
+        </p:cxnSp>
+        <p:cxnSp>
+          <p:nvCxnSpPr>
+            <p:cNvPr id="58" name="直线连接符 57">
+              <a:extLst>
+                <a:ext uri="{FF2B5EF4-FFF2-40B4-BE49-F238E27FC236}">
+                  <a16:creationId xmlns:a16="http://schemas.microsoft.com/office/drawing/2014/main" id="{DE0FBEC5-8002-8C70-1CA8-494F7015EC2C}"/>
+                </a:ext>
+              </a:extLst>
+            </p:cNvPr>
+            <p:cNvCxnSpPr>
+              <a:cxnSpLocks/>
+            </p:cNvCxnSpPr>
+            <p:nvPr/>
+          </p:nvCxnSpPr>
+          <p:spPr>
+            <a:xfrm>
+              <a:off x="5301449" y="1609596"/>
+              <a:ext cx="408373" cy="0"/>
+            </a:xfrm>
+            <a:prstGeom prst="line">
+              <a:avLst/>
+            </a:prstGeom>
+          </p:spPr>
+          <p:style>
+            <a:lnRef idx="2">
+              <a:schemeClr val="accent1"/>
+            </a:lnRef>
+            <a:fillRef idx="0">
+              <a:schemeClr val="accent1"/>
+            </a:fillRef>
+            <a:effectRef idx="1">
+              <a:schemeClr val="accent1"/>
+            </a:effectRef>
+            <a:fontRef idx="minor">
+              <a:schemeClr val="tx1"/>
+            </a:fontRef>
+          </p:style>
+        </p:cxnSp>
+        <p:cxnSp>
+          <p:nvCxnSpPr>
+            <p:cNvPr id="59" name="直线连接符 58">
+              <a:extLst>
+                <a:ext uri="{FF2B5EF4-FFF2-40B4-BE49-F238E27FC236}">
+                  <a16:creationId xmlns:a16="http://schemas.microsoft.com/office/drawing/2014/main" id="{B1474219-276A-43C9-7D89-8F9FB270323A}"/>
+                </a:ext>
+              </a:extLst>
+            </p:cNvPr>
+            <p:cNvCxnSpPr>
+              <a:cxnSpLocks/>
+            </p:cNvCxnSpPr>
+            <p:nvPr/>
+          </p:nvCxnSpPr>
+          <p:spPr>
+            <a:xfrm flipV="1">
+              <a:off x="5140171" y="1609596"/>
+              <a:ext cx="161278" cy="480658"/>
+            </a:xfrm>
+            <a:prstGeom prst="line">
+              <a:avLst/>
+            </a:prstGeom>
+          </p:spPr>
+          <p:style>
+            <a:lnRef idx="2">
+              <a:schemeClr val="accent1"/>
+            </a:lnRef>
+            <a:fillRef idx="0">
+              <a:schemeClr val="accent1"/>
+            </a:fillRef>
+            <a:effectRef idx="1">
+              <a:schemeClr val="accent1"/>
+            </a:effectRef>
+            <a:fontRef idx="minor">
+              <a:schemeClr val="tx1"/>
+            </a:fontRef>
+          </p:style>
+        </p:cxnSp>
+      </p:grpSp>
+      <p:sp>
+        <p:nvSpPr>
+          <p:cNvPr id="60" name="文本框 59">
+            <a:extLst>
+              <a:ext uri="{FF2B5EF4-FFF2-40B4-BE49-F238E27FC236}">
+                <a16:creationId xmlns:a16="http://schemas.microsoft.com/office/drawing/2014/main" id="{A0F4E2FB-C212-2E7C-9264-72BE40258092}"/>
+              </a:ext>
+            </a:extLst>
+          </p:cNvPr>
+          <p:cNvSpPr txBox="1"/>
+          <p:nvPr/>
+        </p:nvSpPr>
+        <p:spPr>
+          <a:xfrm>
+            <a:off x="2115215" y="1431681"/>
+            <a:ext cx="306494" cy="369332"/>
+          </a:xfrm>
+          <a:prstGeom prst="rect">
+            <a:avLst/>
+          </a:prstGeom>
+          <a:noFill/>
+        </p:spPr>
+        <p:txBody>
+          <a:bodyPr wrap="none" rtlCol="0">
+            <a:spAutoFit/>
+          </a:bodyPr>
+          <a:lstStyle/>
+          <a:p>
+            <a:r>
+              <a:rPr kumimoji="1" lang="en-US" altLang="zh-CN" dirty="0"/>
+              <a:t>1</a:t>
+            </a:r>
+            <a:endParaRPr kumimoji="1" lang="zh-CN" altLang="en-US" dirty="0"/>
+          </a:p>
+        </p:txBody>
+      </p:sp>
+      <p:sp>
+        <p:nvSpPr>
+          <p:cNvPr id="61" name="文本框 60">
+            <a:extLst>
+              <a:ext uri="{FF2B5EF4-FFF2-40B4-BE49-F238E27FC236}">
+                <a16:creationId xmlns:a16="http://schemas.microsoft.com/office/drawing/2014/main" id="{37B4C4D8-B656-17D0-FD1F-3D6158E7915E}"/>
+              </a:ext>
+            </a:extLst>
+          </p:cNvPr>
+          <p:cNvSpPr txBox="1"/>
+          <p:nvPr/>
+        </p:nvSpPr>
+        <p:spPr>
+          <a:xfrm>
+            <a:off x="2140304" y="2896707"/>
+            <a:ext cx="306494" cy="369332"/>
+          </a:xfrm>
+          <a:prstGeom prst="rect">
+            <a:avLst/>
+          </a:prstGeom>
+          <a:noFill/>
+        </p:spPr>
+        <p:txBody>
+          <a:bodyPr wrap="none" rtlCol="0">
+            <a:spAutoFit/>
+          </a:bodyPr>
+          <a:lstStyle/>
+          <a:p>
+            <a:r>
+              <a:rPr kumimoji="1" lang="en-US" altLang="zh-CN" dirty="0"/>
+              <a:t>0</a:t>
+            </a:r>
+            <a:endParaRPr kumimoji="1" lang="zh-CN" altLang="en-US" dirty="0"/>
+          </a:p>
+        </p:txBody>
+      </p:sp>
+      <p:grpSp>
+        <p:nvGrpSpPr>
+          <p:cNvPr id="62" name="组合 61">
+            <a:extLst>
+              <a:ext uri="{FF2B5EF4-FFF2-40B4-BE49-F238E27FC236}">
+                <a16:creationId xmlns:a16="http://schemas.microsoft.com/office/drawing/2014/main" id="{3FE74EDE-ED81-6543-A6C2-773668D111E1}"/>
+              </a:ext>
+            </a:extLst>
+          </p:cNvPr>
+          <p:cNvGrpSpPr/>
+          <p:nvPr/>
+        </p:nvGrpSpPr>
+        <p:grpSpPr>
+          <a:xfrm>
+            <a:off x="1867313" y="3310523"/>
+            <a:ext cx="417251" cy="236954"/>
+            <a:chOff x="4731798" y="1609596"/>
+            <a:chExt cx="978024" cy="480658"/>
+          </a:xfrm>
+        </p:grpSpPr>
+        <p:cxnSp>
+          <p:nvCxnSpPr>
+            <p:cNvPr id="63" name="直线连接符 62">
+              <a:extLst>
+                <a:ext uri="{FF2B5EF4-FFF2-40B4-BE49-F238E27FC236}">
+                  <a16:creationId xmlns:a16="http://schemas.microsoft.com/office/drawing/2014/main" id="{D85C84B8-BE2C-85CB-7548-DBA89AD7EE43}"/>
+                </a:ext>
+              </a:extLst>
+            </p:cNvPr>
+            <p:cNvCxnSpPr>
+              <a:cxnSpLocks/>
+            </p:cNvCxnSpPr>
+            <p:nvPr/>
+          </p:nvCxnSpPr>
+          <p:spPr>
+            <a:xfrm>
+              <a:off x="4731798" y="2090254"/>
+              <a:ext cx="408373" cy="0"/>
+            </a:xfrm>
+            <a:prstGeom prst="line">
+              <a:avLst/>
+            </a:prstGeom>
+          </p:spPr>
+          <p:style>
+            <a:lnRef idx="2">
+              <a:schemeClr val="accent1"/>
+            </a:lnRef>
+            <a:fillRef idx="0">
+              <a:schemeClr val="accent1"/>
+            </a:fillRef>
+            <a:effectRef idx="1">
+              <a:schemeClr val="accent1"/>
+            </a:effectRef>
+            <a:fontRef idx="minor">
+              <a:schemeClr val="tx1"/>
+            </a:fontRef>
+          </p:style>
+        </p:cxnSp>
+        <p:cxnSp>
+          <p:nvCxnSpPr>
+            <p:cNvPr id="64" name="直线连接符 63">
+              <a:extLst>
+                <a:ext uri="{FF2B5EF4-FFF2-40B4-BE49-F238E27FC236}">
+                  <a16:creationId xmlns:a16="http://schemas.microsoft.com/office/drawing/2014/main" id="{571165C6-4475-82F2-0ED6-3C50051320BE}"/>
+                </a:ext>
+              </a:extLst>
+            </p:cNvPr>
+            <p:cNvCxnSpPr>
+              <a:cxnSpLocks/>
+            </p:cNvCxnSpPr>
+            <p:nvPr/>
+          </p:nvCxnSpPr>
+          <p:spPr>
+            <a:xfrm>
+              <a:off x="5301449" y="1609596"/>
+              <a:ext cx="408373" cy="0"/>
+            </a:xfrm>
+            <a:prstGeom prst="line">
+              <a:avLst/>
+            </a:prstGeom>
+          </p:spPr>
+          <p:style>
+            <a:lnRef idx="2">
+              <a:schemeClr val="accent1"/>
+            </a:lnRef>
+            <a:fillRef idx="0">
+              <a:schemeClr val="accent1"/>
+            </a:fillRef>
+            <a:effectRef idx="1">
+              <a:schemeClr val="accent1"/>
+            </a:effectRef>
+            <a:fontRef idx="minor">
+              <a:schemeClr val="tx1"/>
+            </a:fontRef>
+          </p:style>
+        </p:cxnSp>
+        <p:cxnSp>
+          <p:nvCxnSpPr>
+            <p:cNvPr id="65" name="直线连接符 64">
+              <a:extLst>
+                <a:ext uri="{FF2B5EF4-FFF2-40B4-BE49-F238E27FC236}">
+                  <a16:creationId xmlns:a16="http://schemas.microsoft.com/office/drawing/2014/main" id="{C48199B6-CA2F-909C-932C-F0C16473A971}"/>
+                </a:ext>
+              </a:extLst>
+            </p:cNvPr>
+            <p:cNvCxnSpPr>
+              <a:cxnSpLocks/>
+            </p:cNvCxnSpPr>
+            <p:nvPr/>
+          </p:nvCxnSpPr>
+          <p:spPr>
+            <a:xfrm flipV="1">
+              <a:off x="5140171" y="1609596"/>
+              <a:ext cx="161278" cy="480658"/>
+            </a:xfrm>
+            <a:prstGeom prst="line">
+              <a:avLst/>
+            </a:prstGeom>
+          </p:spPr>
+          <p:style>
+            <a:lnRef idx="2">
+              <a:schemeClr val="accent1"/>
+            </a:lnRef>
+            <a:fillRef idx="0">
+              <a:schemeClr val="accent1"/>
+            </a:fillRef>
+            <a:effectRef idx="1">
+              <a:schemeClr val="accent1"/>
+            </a:effectRef>
+            <a:fontRef idx="minor">
+              <a:schemeClr val="tx1"/>
+            </a:fontRef>
+          </p:style>
+        </p:cxnSp>
+      </p:grpSp>
+      <p:grpSp>
+        <p:nvGrpSpPr>
+          <p:cNvPr id="66" name="组合 65">
+            <a:extLst>
+              <a:ext uri="{FF2B5EF4-FFF2-40B4-BE49-F238E27FC236}">
+                <a16:creationId xmlns:a16="http://schemas.microsoft.com/office/drawing/2014/main" id="{31084D47-C86C-A7C9-20FF-33525FE15E63}"/>
+              </a:ext>
+            </a:extLst>
+          </p:cNvPr>
+          <p:cNvGrpSpPr/>
+          <p:nvPr/>
+        </p:nvGrpSpPr>
+        <p:grpSpPr>
+          <a:xfrm>
+            <a:off x="1876300" y="4445727"/>
+            <a:ext cx="417251" cy="236954"/>
+            <a:chOff x="4731798" y="1609596"/>
+            <a:chExt cx="978024" cy="480658"/>
+          </a:xfrm>
+        </p:grpSpPr>
+        <p:cxnSp>
+          <p:nvCxnSpPr>
+            <p:cNvPr id="67" name="直线连接符 66">
+              <a:extLst>
+                <a:ext uri="{FF2B5EF4-FFF2-40B4-BE49-F238E27FC236}">
+                  <a16:creationId xmlns:a16="http://schemas.microsoft.com/office/drawing/2014/main" id="{8076DBE3-182F-0F29-0DB2-2CEA131B1E45}"/>
+                </a:ext>
+              </a:extLst>
+            </p:cNvPr>
+            <p:cNvCxnSpPr>
+              <a:cxnSpLocks/>
+            </p:cNvCxnSpPr>
+            <p:nvPr/>
+          </p:nvCxnSpPr>
+          <p:spPr>
+            <a:xfrm>
+              <a:off x="4731798" y="2090254"/>
+              <a:ext cx="408373" cy="0"/>
+            </a:xfrm>
+            <a:prstGeom prst="line">
+              <a:avLst/>
+            </a:prstGeom>
+          </p:spPr>
+          <p:style>
+            <a:lnRef idx="2">
+              <a:schemeClr val="accent1"/>
+            </a:lnRef>
+            <a:fillRef idx="0">
+              <a:schemeClr val="accent1"/>
+            </a:fillRef>
+            <a:effectRef idx="1">
+              <a:schemeClr val="accent1"/>
+            </a:effectRef>
+            <a:fontRef idx="minor">
+              <a:schemeClr val="tx1"/>
+            </a:fontRef>
+          </p:style>
+        </p:cxnSp>
+        <p:cxnSp>
+          <p:nvCxnSpPr>
+            <p:cNvPr id="68" name="直线连接符 67">
+              <a:extLst>
+                <a:ext uri="{FF2B5EF4-FFF2-40B4-BE49-F238E27FC236}">
+                  <a16:creationId xmlns:a16="http://schemas.microsoft.com/office/drawing/2014/main" id="{BF6EF9DF-402C-8607-3BDE-B8BA836737FB}"/>
+                </a:ext>
+              </a:extLst>
+            </p:cNvPr>
+            <p:cNvCxnSpPr>
+              <a:cxnSpLocks/>
+            </p:cNvCxnSpPr>
+            <p:nvPr/>
+          </p:nvCxnSpPr>
+          <p:spPr>
+            <a:xfrm>
+              <a:off x="5301449" y="1609596"/>
+              <a:ext cx="408373" cy="0"/>
+            </a:xfrm>
+            <a:prstGeom prst="line">
+              <a:avLst/>
+            </a:prstGeom>
+          </p:spPr>
+          <p:style>
+            <a:lnRef idx="2">
+              <a:schemeClr val="accent1"/>
+            </a:lnRef>
+            <a:fillRef idx="0">
+              <a:schemeClr val="accent1"/>
+            </a:fillRef>
+            <a:effectRef idx="1">
+              <a:schemeClr val="accent1"/>
+            </a:effectRef>
+            <a:fontRef idx="minor">
+              <a:schemeClr val="tx1"/>
+            </a:fontRef>
+          </p:style>
+        </p:cxnSp>
+        <p:cxnSp>
+          <p:nvCxnSpPr>
+            <p:cNvPr id="69" name="直线连接符 68">
+              <a:extLst>
+                <a:ext uri="{FF2B5EF4-FFF2-40B4-BE49-F238E27FC236}">
+                  <a16:creationId xmlns:a16="http://schemas.microsoft.com/office/drawing/2014/main" id="{742E9899-9A54-143E-7F3B-28FBFFDE1DA4}"/>
+                </a:ext>
+              </a:extLst>
+            </p:cNvPr>
+            <p:cNvCxnSpPr>
+              <a:cxnSpLocks/>
+            </p:cNvCxnSpPr>
+            <p:nvPr/>
+          </p:nvCxnSpPr>
+          <p:spPr>
+            <a:xfrm flipV="1">
+              <a:off x="5140171" y="1609596"/>
+              <a:ext cx="161278" cy="480658"/>
+            </a:xfrm>
+            <a:prstGeom prst="line">
+              <a:avLst/>
+            </a:prstGeom>
+          </p:spPr>
+          <p:style>
+            <a:lnRef idx="2">
+              <a:schemeClr val="accent1"/>
+            </a:lnRef>
+            <a:fillRef idx="0">
+              <a:schemeClr val="accent1"/>
+            </a:fillRef>
+            <a:effectRef idx="1">
+              <a:schemeClr val="accent1"/>
+            </a:effectRef>
+            <a:fontRef idx="minor">
+              <a:schemeClr val="tx1"/>
+            </a:fontRef>
+          </p:style>
+        </p:cxnSp>
+      </p:grpSp>
+      <p:grpSp>
+        <p:nvGrpSpPr>
+          <p:cNvPr id="70" name="组合 69">
+            <a:extLst>
+              <a:ext uri="{FF2B5EF4-FFF2-40B4-BE49-F238E27FC236}">
+                <a16:creationId xmlns:a16="http://schemas.microsoft.com/office/drawing/2014/main" id="{25DCA137-D9F4-4104-4D3A-BBC8D0E148DC}"/>
+              </a:ext>
+            </a:extLst>
+          </p:cNvPr>
+          <p:cNvGrpSpPr/>
+          <p:nvPr/>
+        </p:nvGrpSpPr>
+        <p:grpSpPr>
+          <a:xfrm>
+            <a:off x="3838418" y="4585878"/>
+            <a:ext cx="417251" cy="236954"/>
+            <a:chOff x="4731798" y="1609596"/>
+            <a:chExt cx="978024" cy="480658"/>
+          </a:xfrm>
+        </p:grpSpPr>
+        <p:cxnSp>
+          <p:nvCxnSpPr>
+            <p:cNvPr id="71" name="直线连接符 70">
+              <a:extLst>
+                <a:ext uri="{FF2B5EF4-FFF2-40B4-BE49-F238E27FC236}">
+                  <a16:creationId xmlns:a16="http://schemas.microsoft.com/office/drawing/2014/main" id="{CE69DE04-EFB2-4900-951E-69FF019EF23D}"/>
+                </a:ext>
+              </a:extLst>
+            </p:cNvPr>
+            <p:cNvCxnSpPr>
+              <a:cxnSpLocks/>
+            </p:cNvCxnSpPr>
+            <p:nvPr/>
+          </p:nvCxnSpPr>
+          <p:spPr>
+            <a:xfrm>
+              <a:off x="4731798" y="2090254"/>
+              <a:ext cx="408373" cy="0"/>
+            </a:xfrm>
+            <a:prstGeom prst="line">
+              <a:avLst/>
+            </a:prstGeom>
+          </p:spPr>
+          <p:style>
+            <a:lnRef idx="2">
+              <a:schemeClr val="accent1"/>
+            </a:lnRef>
+            <a:fillRef idx="0">
+              <a:schemeClr val="accent1"/>
+            </a:fillRef>
+            <a:effectRef idx="1">
+              <a:schemeClr val="accent1"/>
+            </a:effectRef>
+            <a:fontRef idx="minor">
+              <a:schemeClr val="tx1"/>
+            </a:fontRef>
+          </p:style>
+        </p:cxnSp>
+        <p:cxnSp>
+          <p:nvCxnSpPr>
+            <p:cNvPr id="72" name="直线连接符 71">
+              <a:extLst>
+                <a:ext uri="{FF2B5EF4-FFF2-40B4-BE49-F238E27FC236}">
+                  <a16:creationId xmlns:a16="http://schemas.microsoft.com/office/drawing/2014/main" id="{ED081710-33F7-F2B6-C9B0-7798A8394D65}"/>
+                </a:ext>
+              </a:extLst>
+            </p:cNvPr>
+            <p:cNvCxnSpPr>
+              <a:cxnSpLocks/>
+            </p:cNvCxnSpPr>
+            <p:nvPr/>
+          </p:nvCxnSpPr>
+          <p:spPr>
+            <a:xfrm>
+              <a:off x="5301449" y="1609596"/>
+              <a:ext cx="408373" cy="0"/>
+            </a:xfrm>
+            <a:prstGeom prst="line">
+              <a:avLst/>
+            </a:prstGeom>
+          </p:spPr>
+          <p:style>
+            <a:lnRef idx="2">
+              <a:schemeClr val="accent1"/>
+            </a:lnRef>
+            <a:fillRef idx="0">
+              <a:schemeClr val="accent1"/>
+            </a:fillRef>
+            <a:effectRef idx="1">
+              <a:schemeClr val="accent1"/>
+            </a:effectRef>
+            <a:fontRef idx="minor">
+              <a:schemeClr val="tx1"/>
+            </a:fontRef>
+          </p:style>
+        </p:cxnSp>
+        <p:cxnSp>
+          <p:nvCxnSpPr>
+            <p:cNvPr id="73" name="直线连接符 72">
+              <a:extLst>
+                <a:ext uri="{FF2B5EF4-FFF2-40B4-BE49-F238E27FC236}">
+                  <a16:creationId xmlns:a16="http://schemas.microsoft.com/office/drawing/2014/main" id="{5CA6B525-5A37-6A19-7D18-DFBC1C5CBF29}"/>
+                </a:ext>
+              </a:extLst>
+            </p:cNvPr>
+            <p:cNvCxnSpPr>
+              <a:cxnSpLocks/>
+            </p:cNvCxnSpPr>
+            <p:nvPr/>
+          </p:nvCxnSpPr>
+          <p:spPr>
+            <a:xfrm flipV="1">
+              <a:off x="5140171" y="1609596"/>
+              <a:ext cx="161278" cy="480658"/>
+            </a:xfrm>
+            <a:prstGeom prst="line">
+              <a:avLst/>
+            </a:prstGeom>
+          </p:spPr>
+          <p:style>
+            <a:lnRef idx="2">
+              <a:schemeClr val="accent1"/>
+            </a:lnRef>
+            <a:fillRef idx="0">
+              <a:schemeClr val="accent1"/>
+            </a:fillRef>
+            <a:effectRef idx="1">
+              <a:schemeClr val="accent1"/>
+            </a:effectRef>
+            <a:fontRef idx="minor">
+              <a:schemeClr val="tx1"/>
+            </a:fontRef>
+          </p:style>
+        </p:cxnSp>
+      </p:grpSp>
+      <p:grpSp>
+        <p:nvGrpSpPr>
+          <p:cNvPr id="74" name="组合 73">
+            <a:extLst>
+              <a:ext uri="{FF2B5EF4-FFF2-40B4-BE49-F238E27FC236}">
+                <a16:creationId xmlns:a16="http://schemas.microsoft.com/office/drawing/2014/main" id="{79099DBF-C062-123B-007D-A45634DDA694}"/>
+              </a:ext>
+            </a:extLst>
+          </p:cNvPr>
+          <p:cNvGrpSpPr>
+            <a:grpSpLocks noChangeAspect="1"/>
+          </p:cNvGrpSpPr>
+          <p:nvPr/>
+        </p:nvGrpSpPr>
+        <p:grpSpPr>
+          <a:xfrm rot="10800000" flipH="1">
+            <a:off x="4548261" y="4585878"/>
+            <a:ext cx="417251" cy="236954"/>
+            <a:chOff x="4731798" y="1609596"/>
+            <a:chExt cx="978024" cy="480658"/>
+          </a:xfrm>
+        </p:grpSpPr>
+        <p:cxnSp>
+          <p:nvCxnSpPr>
+            <p:cNvPr id="75" name="直线连接符 74">
+              <a:extLst>
+                <a:ext uri="{FF2B5EF4-FFF2-40B4-BE49-F238E27FC236}">
+                  <a16:creationId xmlns:a16="http://schemas.microsoft.com/office/drawing/2014/main" id="{D8B7F4A3-5989-0B56-7151-DB0553FFADE3}"/>
+                </a:ext>
+              </a:extLst>
+            </p:cNvPr>
+            <p:cNvCxnSpPr>
+              <a:cxnSpLocks/>
+            </p:cNvCxnSpPr>
+            <p:nvPr/>
+          </p:nvCxnSpPr>
+          <p:spPr>
+            <a:xfrm>
+              <a:off x="4731798" y="2090254"/>
+              <a:ext cx="408373" cy="0"/>
+            </a:xfrm>
+            <a:prstGeom prst="line">
+              <a:avLst/>
+            </a:prstGeom>
+          </p:spPr>
+          <p:style>
+            <a:lnRef idx="2">
+              <a:schemeClr val="accent1"/>
+            </a:lnRef>
+            <a:fillRef idx="0">
+              <a:schemeClr val="accent1"/>
+            </a:fillRef>
+            <a:effectRef idx="1">
+              <a:schemeClr val="accent1"/>
+            </a:effectRef>
+            <a:fontRef idx="minor">
+              <a:schemeClr val="tx1"/>
+            </a:fontRef>
+          </p:style>
+        </p:cxnSp>
+        <p:cxnSp>
+          <p:nvCxnSpPr>
+            <p:cNvPr id="76" name="直线连接符 75">
+              <a:extLst>
+                <a:ext uri="{FF2B5EF4-FFF2-40B4-BE49-F238E27FC236}">
+                  <a16:creationId xmlns:a16="http://schemas.microsoft.com/office/drawing/2014/main" id="{EF2A74BD-71A0-496C-952C-E40699A7DB8C}"/>
+                </a:ext>
+              </a:extLst>
+            </p:cNvPr>
+            <p:cNvCxnSpPr>
+              <a:cxnSpLocks/>
+            </p:cNvCxnSpPr>
+            <p:nvPr/>
+          </p:nvCxnSpPr>
+          <p:spPr>
+            <a:xfrm>
+              <a:off x="5301449" y="1609596"/>
+              <a:ext cx="408373" cy="0"/>
+            </a:xfrm>
+            <a:prstGeom prst="line">
+              <a:avLst/>
+            </a:prstGeom>
+          </p:spPr>
+          <p:style>
+            <a:lnRef idx="2">
+              <a:schemeClr val="accent1"/>
+            </a:lnRef>
+            <a:fillRef idx="0">
+              <a:schemeClr val="accent1"/>
+            </a:fillRef>
+            <a:effectRef idx="1">
+              <a:schemeClr val="accent1"/>
+            </a:effectRef>
+            <a:fontRef idx="minor">
+              <a:schemeClr val="tx1"/>
+            </a:fontRef>
+          </p:style>
+        </p:cxnSp>
+        <p:cxnSp>
+          <p:nvCxnSpPr>
+            <p:cNvPr id="77" name="直线连接符 76">
+              <a:extLst>
+                <a:ext uri="{FF2B5EF4-FFF2-40B4-BE49-F238E27FC236}">
+                  <a16:creationId xmlns:a16="http://schemas.microsoft.com/office/drawing/2014/main" id="{E221E3C4-51B0-AECC-7639-A0E9ADC6BD8D}"/>
+                </a:ext>
+              </a:extLst>
+            </p:cNvPr>
+            <p:cNvCxnSpPr>
+              <a:cxnSpLocks/>
+            </p:cNvCxnSpPr>
+            <p:nvPr/>
+          </p:nvCxnSpPr>
+          <p:spPr>
+            <a:xfrm flipV="1">
+              <a:off x="5140171" y="1609596"/>
+              <a:ext cx="161278" cy="480658"/>
+            </a:xfrm>
+            <a:prstGeom prst="line">
+              <a:avLst/>
+            </a:prstGeom>
+          </p:spPr>
+          <p:style>
+            <a:lnRef idx="2">
+              <a:schemeClr val="accent1"/>
+            </a:lnRef>
+            <a:fillRef idx="0">
+              <a:schemeClr val="accent1"/>
+            </a:fillRef>
+            <a:effectRef idx="1">
+              <a:schemeClr val="accent1"/>
+            </a:effectRef>
+            <a:fontRef idx="minor">
+              <a:schemeClr val="tx1"/>
+            </a:fontRef>
+          </p:style>
+        </p:cxnSp>
+      </p:grpSp>
+      <p:sp>
+        <p:nvSpPr>
+          <p:cNvPr id="78" name="文本框 77">
+            <a:extLst>
+              <a:ext uri="{FF2B5EF4-FFF2-40B4-BE49-F238E27FC236}">
+                <a16:creationId xmlns:a16="http://schemas.microsoft.com/office/drawing/2014/main" id="{76AD58D8-4061-7948-8D05-787534A507DE}"/>
+              </a:ext>
+            </a:extLst>
+          </p:cNvPr>
+          <p:cNvSpPr txBox="1"/>
+          <p:nvPr/>
+        </p:nvSpPr>
+        <p:spPr>
+          <a:xfrm>
+            <a:off x="4194215" y="4549409"/>
+            <a:ext cx="415498" cy="369332"/>
+          </a:xfrm>
+          <a:prstGeom prst="rect">
+            <a:avLst/>
+          </a:prstGeom>
+          <a:noFill/>
+        </p:spPr>
+        <p:txBody>
+          <a:bodyPr wrap="none" rtlCol="0">
+            <a:spAutoFit/>
+          </a:bodyPr>
+          <a:lstStyle/>
+          <a:p>
+            <a:r>
+              <a:rPr kumimoji="1" lang="zh-CN" altLang="en-US" dirty="0"/>
+              <a:t>或</a:t>
+            </a:r>
+          </a:p>
+        </p:txBody>
+      </p:sp>
+    </p:spTree>
+    <p:extLst>
+      <p:ext uri="{BB962C8B-B14F-4D97-AF65-F5344CB8AC3E}">
+        <p14:creationId xmlns:p14="http://schemas.microsoft.com/office/powerpoint/2010/main" val="3438065401"/>
+      </p:ext>
+    </p:extLst>
+  </p:cSld>
+  <p:clrMapOvr>
+    <a:masterClrMapping/>
+  </p:clrMapOvr>
+</p:sld>
+</file>
+
+<file path=ppt/slides/slide4.xml><?xml version="1.0" encoding="utf-8"?>
+<p:sld xmlns:a="http://schemas.openxmlformats.org/drawingml/2006/main" xmlns:r="http://schemas.openxmlformats.org/officeDocument/2006/relationships" xmlns:p="http://schemas.openxmlformats.org/presentationml/2006/main">
+  <p:cSld>
+    <p:spTree>
+      <p:nvGrpSpPr>
+        <p:cNvPr id="1" name=""/>
+        <p:cNvGrpSpPr/>
+        <p:nvPr/>
+      </p:nvGrpSpPr>
+      <p:grpSpPr>
+        <a:xfrm>
+          <a:off x="0" y="0"/>
+          <a:ext cx="0" cy="0"/>
+          <a:chOff x="0" y="0"/>
+          <a:chExt cx="0" cy="0"/>
+        </a:xfrm>
+      </p:grpSpPr>
+      <p:grpSp>
+        <p:nvGrpSpPr>
+          <p:cNvPr id="23" name="组合 22">
+            <a:extLst>
+              <a:ext uri="{FF2B5EF4-FFF2-40B4-BE49-F238E27FC236}">
+                <a16:creationId xmlns:a16="http://schemas.microsoft.com/office/drawing/2014/main" id="{8D726513-B946-2134-B8B4-4E019E7C5236}"/>
+              </a:ext>
+            </a:extLst>
+          </p:cNvPr>
+          <p:cNvGrpSpPr/>
+          <p:nvPr/>
+        </p:nvGrpSpPr>
+        <p:grpSpPr>
+          <a:xfrm>
+            <a:off x="3162246" y="862065"/>
+            <a:ext cx="1187867" cy="1033153"/>
+            <a:chOff x="2459115" y="1343921"/>
+            <a:chExt cx="1187867" cy="1033153"/>
+          </a:xfrm>
+        </p:grpSpPr>
+        <p:grpSp>
+          <p:nvGrpSpPr>
+            <p:cNvPr id="10" name="组合 9">
+              <a:extLst>
+                <a:ext uri="{FF2B5EF4-FFF2-40B4-BE49-F238E27FC236}">
+                  <a16:creationId xmlns:a16="http://schemas.microsoft.com/office/drawing/2014/main" id="{3A7F0DA9-6AF1-DBCD-F5D5-083A2C219187}"/>
+                </a:ext>
+              </a:extLst>
+            </p:cNvPr>
+            <p:cNvGrpSpPr/>
+            <p:nvPr/>
+          </p:nvGrpSpPr>
+          <p:grpSpPr>
+            <a:xfrm>
+              <a:off x="2661581" y="1343921"/>
+              <a:ext cx="756004" cy="1033153"/>
+              <a:chOff x="2661581" y="1343921"/>
+              <a:chExt cx="756004" cy="1033153"/>
+            </a:xfrm>
+          </p:grpSpPr>
+          <p:sp>
+            <p:nvSpPr>
+              <p:cNvPr id="5" name="矩形 4">
+                <a:extLst>
+                  <a:ext uri="{FF2B5EF4-FFF2-40B4-BE49-F238E27FC236}">
+                    <a16:creationId xmlns:a16="http://schemas.microsoft.com/office/drawing/2014/main" id="{23B0B9C9-C52D-1108-3512-8369F5B792DF}"/>
+                  </a:ext>
+                </a:extLst>
+              </p:cNvPr>
+              <p:cNvSpPr/>
+              <p:nvPr/>
+            </p:nvSpPr>
+            <p:spPr>
+              <a:xfrm>
+                <a:off x="2765072" y="1343921"/>
+                <a:ext cx="575953" cy="1033153"/>
+              </a:xfrm>
+              <a:prstGeom prst="rect">
+                <a:avLst/>
+              </a:prstGeom>
+              <a:noFill/>
+            </p:spPr>
+            <p:style>
+              <a:lnRef idx="2">
+                <a:schemeClr val="accent1">
+                  <a:shade val="50000"/>
+                </a:schemeClr>
+              </a:lnRef>
+              <a:fillRef idx="1">
+                <a:schemeClr val="accent1"/>
+              </a:fillRef>
+              <a:effectRef idx="0">
+                <a:schemeClr val="accent1"/>
+              </a:effectRef>
+              <a:fontRef idx="minor">
+                <a:schemeClr val="lt1"/>
+              </a:fontRef>
+            </p:style>
+            <p:txBody>
+              <a:bodyPr rtlCol="0" anchor="ctr"/>
+              <a:lstStyle/>
+              <a:p>
+                <a:pPr algn="ctr"/>
+                <a:endParaRPr lang="zh-CN" altLang="en-US" dirty="0">
+                  <a:solidFill>
+                    <a:schemeClr val="tx1"/>
+                  </a:solidFill>
+                </a:endParaRPr>
+              </a:p>
+            </p:txBody>
+          </p:sp>
+          <p:sp>
+            <p:nvSpPr>
+              <p:cNvPr id="6" name="直角三角形 5">
+                <a:extLst>
+                  <a:ext uri="{FF2B5EF4-FFF2-40B4-BE49-F238E27FC236}">
+                    <a16:creationId xmlns:a16="http://schemas.microsoft.com/office/drawing/2014/main" id="{E597D435-1644-C7F3-02B3-A9CA7B03C855}"/>
+                  </a:ext>
+                </a:extLst>
+              </p:cNvPr>
+              <p:cNvSpPr/>
+              <p:nvPr/>
+            </p:nvSpPr>
+            <p:spPr>
+              <a:xfrm rot="13320000">
+                <a:off x="2661581" y="2001597"/>
+                <a:ext cx="206982" cy="226517"/>
+              </a:xfrm>
+              <a:prstGeom prst="rtTriangle">
+                <a:avLst/>
+              </a:prstGeom>
+              <a:noFill/>
+            </p:spPr>
+            <p:style>
+              <a:lnRef idx="2">
+                <a:schemeClr val="accent1">
+                  <a:shade val="50000"/>
+                </a:schemeClr>
+              </a:lnRef>
+              <a:fillRef idx="1">
+                <a:schemeClr val="accent1"/>
+              </a:fillRef>
+              <a:effectRef idx="0">
+                <a:schemeClr val="accent1"/>
+              </a:effectRef>
+              <a:fontRef idx="minor">
+                <a:schemeClr val="lt1"/>
+              </a:fontRef>
+            </p:style>
+            <p:txBody>
+              <a:bodyPr rtlCol="0" anchor="ctr"/>
+              <a:lstStyle/>
+              <a:p>
+                <a:pPr algn="ctr"/>
+                <a:endParaRPr lang="zh-CN" altLang="en-US"/>
+              </a:p>
+            </p:txBody>
+          </p:sp>
+          <p:sp>
+            <p:nvSpPr>
+              <p:cNvPr id="7" name="文本框 6">
+                <a:extLst>
+                  <a:ext uri="{FF2B5EF4-FFF2-40B4-BE49-F238E27FC236}">
+                    <a16:creationId xmlns:a16="http://schemas.microsoft.com/office/drawing/2014/main" id="{11D4A06B-E9BC-B94D-BECE-85309F17074F}"/>
+                  </a:ext>
+                </a:extLst>
+              </p:cNvPr>
+              <p:cNvSpPr txBox="1"/>
+              <p:nvPr/>
+            </p:nvSpPr>
+            <p:spPr>
+              <a:xfrm>
+                <a:off x="2692832" y="1391816"/>
+                <a:ext cx="343364" cy="369332"/>
+              </a:xfrm>
+              <a:prstGeom prst="rect">
+                <a:avLst/>
+              </a:prstGeom>
+              <a:noFill/>
+            </p:spPr>
+            <p:txBody>
+              <a:bodyPr wrap="none" rtlCol="0">
+                <a:spAutoFit/>
+              </a:bodyPr>
+              <a:lstStyle/>
+              <a:p>
+                <a:r>
+                  <a:rPr kumimoji="1" lang="en-US" altLang="zh-CN" dirty="0"/>
+                  <a:t>D</a:t>
+                </a:r>
+                <a:endParaRPr kumimoji="1" lang="zh-CN" altLang="en-US" dirty="0"/>
+              </a:p>
+            </p:txBody>
+          </p:sp>
+          <p:sp>
+            <p:nvSpPr>
+              <p:cNvPr id="8" name="文本框 7">
+                <a:extLst>
+                  <a:ext uri="{FF2B5EF4-FFF2-40B4-BE49-F238E27FC236}">
+                    <a16:creationId xmlns:a16="http://schemas.microsoft.com/office/drawing/2014/main" id="{94838649-8274-B061-8185-1002473387BA}"/>
+                  </a:ext>
+                </a:extLst>
+              </p:cNvPr>
+              <p:cNvSpPr txBox="1"/>
+              <p:nvPr/>
+            </p:nvSpPr>
+            <p:spPr>
+              <a:xfrm>
+                <a:off x="2864514" y="1930189"/>
+                <a:ext cx="455574" cy="369332"/>
+              </a:xfrm>
+              <a:prstGeom prst="rect">
+                <a:avLst/>
+              </a:prstGeom>
+              <a:noFill/>
+            </p:spPr>
+            <p:txBody>
+              <a:bodyPr wrap="none" rtlCol="0">
+                <a:spAutoFit/>
+              </a:bodyPr>
+              <a:lstStyle/>
+              <a:p>
+                <a:r>
+                  <a:rPr kumimoji="1" lang="en-US" altLang="zh-CN" dirty="0"/>
+                  <a:t>CK</a:t>
+                </a:r>
+                <a:endParaRPr kumimoji="1" lang="zh-CN" altLang="en-US" dirty="0"/>
+              </a:p>
+            </p:txBody>
+          </p:sp>
+          <p:sp>
+            <p:nvSpPr>
+              <p:cNvPr id="9" name="文本框 8">
+                <a:extLst>
+                  <a:ext uri="{FF2B5EF4-FFF2-40B4-BE49-F238E27FC236}">
+                    <a16:creationId xmlns:a16="http://schemas.microsoft.com/office/drawing/2014/main" id="{F6CF01D2-AF7C-A988-FE64-14BA0CA9F2DA}"/>
+                  </a:ext>
+                </a:extLst>
+              </p:cNvPr>
+              <p:cNvSpPr txBox="1"/>
+              <p:nvPr/>
+            </p:nvSpPr>
+            <p:spPr>
+              <a:xfrm>
+                <a:off x="3058191" y="1391816"/>
+                <a:ext cx="359394" cy="369332"/>
+              </a:xfrm>
+              <a:prstGeom prst="rect">
+                <a:avLst/>
+              </a:prstGeom>
+              <a:noFill/>
+            </p:spPr>
+            <p:txBody>
+              <a:bodyPr wrap="none" rtlCol="0">
+                <a:spAutoFit/>
+              </a:bodyPr>
+              <a:lstStyle/>
+              <a:p>
+                <a:r>
+                  <a:rPr kumimoji="1" lang="en-US" altLang="zh-CN" dirty="0"/>
+                  <a:t>Q</a:t>
+                </a:r>
+                <a:endParaRPr kumimoji="1" lang="zh-CN" altLang="en-US" dirty="0"/>
+              </a:p>
+            </p:txBody>
+          </p:sp>
+        </p:grpSp>
+        <p:cxnSp>
+          <p:nvCxnSpPr>
+            <p:cNvPr id="18" name="直线连接符 17">
+              <a:extLst>
+                <a:ext uri="{FF2B5EF4-FFF2-40B4-BE49-F238E27FC236}">
+                  <a16:creationId xmlns:a16="http://schemas.microsoft.com/office/drawing/2014/main" id="{CDDBC796-72A2-7B58-9DC2-D02763E4B6ED}"/>
+                </a:ext>
+              </a:extLst>
+            </p:cNvPr>
+            <p:cNvCxnSpPr>
+              <a:cxnSpLocks/>
+            </p:cNvCxnSpPr>
+            <p:nvPr/>
+          </p:nvCxnSpPr>
+          <p:spPr>
+            <a:xfrm>
+              <a:off x="2459115" y="1576482"/>
+              <a:ext cx="305957" cy="0"/>
+            </a:xfrm>
+            <a:prstGeom prst="line">
+              <a:avLst/>
+            </a:prstGeom>
+          </p:spPr>
+          <p:style>
+            <a:lnRef idx="2">
+              <a:schemeClr val="accent1"/>
+            </a:lnRef>
+            <a:fillRef idx="0">
+              <a:schemeClr val="accent1"/>
+            </a:fillRef>
+            <a:effectRef idx="1">
+              <a:schemeClr val="accent1"/>
+            </a:effectRef>
+            <a:fontRef idx="minor">
+              <a:schemeClr val="tx1"/>
+            </a:fontRef>
+          </p:style>
+        </p:cxnSp>
+        <p:cxnSp>
+          <p:nvCxnSpPr>
+            <p:cNvPr id="20" name="直线连接符 19">
+              <a:extLst>
+                <a:ext uri="{FF2B5EF4-FFF2-40B4-BE49-F238E27FC236}">
+                  <a16:creationId xmlns:a16="http://schemas.microsoft.com/office/drawing/2014/main" id="{9891E295-7AC6-048D-0FB2-79B218F35BBC}"/>
+                </a:ext>
+              </a:extLst>
+            </p:cNvPr>
+            <p:cNvCxnSpPr>
+              <a:cxnSpLocks/>
+            </p:cNvCxnSpPr>
+            <p:nvPr/>
+          </p:nvCxnSpPr>
+          <p:spPr>
+            <a:xfrm>
+              <a:off x="3341025" y="1576482"/>
+              <a:ext cx="305957" cy="0"/>
+            </a:xfrm>
+            <a:prstGeom prst="line">
+              <a:avLst/>
+            </a:prstGeom>
+          </p:spPr>
+          <p:style>
+            <a:lnRef idx="2">
+              <a:schemeClr val="accent1"/>
+            </a:lnRef>
+            <a:fillRef idx="0">
+              <a:schemeClr val="accent1"/>
+            </a:fillRef>
+            <a:effectRef idx="1">
+              <a:schemeClr val="accent1"/>
+            </a:effectRef>
+            <a:fontRef idx="minor">
+              <a:schemeClr val="tx1"/>
+            </a:fontRef>
+          </p:style>
+        </p:cxnSp>
+        <p:cxnSp>
+          <p:nvCxnSpPr>
+            <p:cNvPr id="21" name="直线连接符 20">
+              <a:extLst>
+                <a:ext uri="{FF2B5EF4-FFF2-40B4-BE49-F238E27FC236}">
+                  <a16:creationId xmlns:a16="http://schemas.microsoft.com/office/drawing/2014/main" id="{FF3FDDDA-5364-D220-490F-6E79058214F1}"/>
+                </a:ext>
+              </a:extLst>
+            </p:cNvPr>
+            <p:cNvCxnSpPr>
+              <a:cxnSpLocks/>
+            </p:cNvCxnSpPr>
+            <p:nvPr/>
+          </p:nvCxnSpPr>
+          <p:spPr>
+            <a:xfrm>
+              <a:off x="2459115" y="2103714"/>
+              <a:ext cx="305957" cy="0"/>
+            </a:xfrm>
+            <a:prstGeom prst="line">
+              <a:avLst/>
+            </a:prstGeom>
+          </p:spPr>
+          <p:style>
+            <a:lnRef idx="2">
+              <a:schemeClr val="accent1"/>
+            </a:lnRef>
+            <a:fillRef idx="0">
+              <a:schemeClr val="accent1"/>
+            </a:fillRef>
+            <a:effectRef idx="1">
+              <a:schemeClr val="accent1"/>
+            </a:effectRef>
+            <a:fontRef idx="minor">
+              <a:schemeClr val="tx1"/>
+            </a:fontRef>
+          </p:style>
+        </p:cxnSp>
+      </p:grpSp>
+      <p:grpSp>
+        <p:nvGrpSpPr>
+          <p:cNvPr id="24" name="组合 23">
+            <a:extLst>
+              <a:ext uri="{FF2B5EF4-FFF2-40B4-BE49-F238E27FC236}">
+                <a16:creationId xmlns:a16="http://schemas.microsoft.com/office/drawing/2014/main" id="{F5D557E5-1F69-084B-ED05-65D540D404C9}"/>
+              </a:ext>
+            </a:extLst>
+          </p:cNvPr>
+          <p:cNvGrpSpPr/>
+          <p:nvPr/>
+        </p:nvGrpSpPr>
+        <p:grpSpPr>
+          <a:xfrm>
+            <a:off x="7847915" y="862064"/>
+            <a:ext cx="1187867" cy="1033153"/>
+            <a:chOff x="2459115" y="1343921"/>
+            <a:chExt cx="1187867" cy="1033153"/>
+          </a:xfrm>
+        </p:grpSpPr>
+        <p:grpSp>
+          <p:nvGrpSpPr>
+            <p:cNvPr id="25" name="组合 24">
+              <a:extLst>
+                <a:ext uri="{FF2B5EF4-FFF2-40B4-BE49-F238E27FC236}">
+                  <a16:creationId xmlns:a16="http://schemas.microsoft.com/office/drawing/2014/main" id="{DD6EFEFA-684E-10C2-F7EB-2B515DD8AA20}"/>
+                </a:ext>
+              </a:extLst>
+            </p:cNvPr>
+            <p:cNvGrpSpPr/>
+            <p:nvPr/>
+          </p:nvGrpSpPr>
+          <p:grpSpPr>
+            <a:xfrm>
+              <a:off x="2661581" y="1343921"/>
+              <a:ext cx="756004" cy="1033153"/>
+              <a:chOff x="2661581" y="1343921"/>
+              <a:chExt cx="756004" cy="1033153"/>
+            </a:xfrm>
+          </p:grpSpPr>
+          <p:sp>
+            <p:nvSpPr>
+              <p:cNvPr id="29" name="矩形 28">
+                <a:extLst>
+                  <a:ext uri="{FF2B5EF4-FFF2-40B4-BE49-F238E27FC236}">
+                    <a16:creationId xmlns:a16="http://schemas.microsoft.com/office/drawing/2014/main" id="{5A2C81E3-CFE2-28DC-F56E-1615AB1CE2A7}"/>
+                  </a:ext>
+                </a:extLst>
+              </p:cNvPr>
+              <p:cNvSpPr/>
+              <p:nvPr/>
+            </p:nvSpPr>
+            <p:spPr>
+              <a:xfrm>
+                <a:off x="2765072" y="1343921"/>
+                <a:ext cx="575953" cy="1033153"/>
+              </a:xfrm>
+              <a:prstGeom prst="rect">
+                <a:avLst/>
+              </a:prstGeom>
+              <a:noFill/>
+            </p:spPr>
+            <p:style>
+              <a:lnRef idx="2">
+                <a:schemeClr val="accent1">
+                  <a:shade val="50000"/>
+                </a:schemeClr>
+              </a:lnRef>
+              <a:fillRef idx="1">
+                <a:schemeClr val="accent1"/>
+              </a:fillRef>
+              <a:effectRef idx="0">
+                <a:schemeClr val="accent1"/>
+              </a:effectRef>
+              <a:fontRef idx="minor">
+                <a:schemeClr val="lt1"/>
+              </a:fontRef>
+            </p:style>
+            <p:txBody>
+              <a:bodyPr rtlCol="0" anchor="ctr"/>
+              <a:lstStyle/>
+              <a:p>
+                <a:pPr algn="ctr"/>
+                <a:endParaRPr lang="zh-CN" altLang="en-US" dirty="0">
+                  <a:solidFill>
+                    <a:schemeClr val="tx1"/>
+                  </a:solidFill>
+                </a:endParaRPr>
+              </a:p>
+            </p:txBody>
+          </p:sp>
+          <p:sp>
+            <p:nvSpPr>
+              <p:cNvPr id="30" name="直角三角形 29">
+                <a:extLst>
+                  <a:ext uri="{FF2B5EF4-FFF2-40B4-BE49-F238E27FC236}">
+                    <a16:creationId xmlns:a16="http://schemas.microsoft.com/office/drawing/2014/main" id="{9280C91F-AF87-8611-33C7-6A3D4592BFE1}"/>
+                  </a:ext>
+                </a:extLst>
+              </p:cNvPr>
+              <p:cNvSpPr/>
+              <p:nvPr/>
+            </p:nvSpPr>
+            <p:spPr>
+              <a:xfrm rot="13320000">
+                <a:off x="2661581" y="2001597"/>
+                <a:ext cx="206982" cy="226517"/>
+              </a:xfrm>
+              <a:prstGeom prst="rtTriangle">
+                <a:avLst/>
+              </a:prstGeom>
+              <a:noFill/>
+            </p:spPr>
+            <p:style>
+              <a:lnRef idx="2">
+                <a:schemeClr val="accent1">
+                  <a:shade val="50000"/>
+                </a:schemeClr>
+              </a:lnRef>
+              <a:fillRef idx="1">
+                <a:schemeClr val="accent1"/>
+              </a:fillRef>
+              <a:effectRef idx="0">
+                <a:schemeClr val="accent1"/>
+              </a:effectRef>
+              <a:fontRef idx="minor">
+                <a:schemeClr val="lt1"/>
+              </a:fontRef>
+            </p:style>
+            <p:txBody>
+              <a:bodyPr rtlCol="0" anchor="ctr"/>
+              <a:lstStyle/>
+              <a:p>
+                <a:pPr algn="ctr"/>
+                <a:endParaRPr lang="zh-CN" altLang="en-US"/>
+              </a:p>
+            </p:txBody>
+          </p:sp>
+          <p:sp>
+            <p:nvSpPr>
+              <p:cNvPr id="31" name="文本框 30">
+                <a:extLst>
+                  <a:ext uri="{FF2B5EF4-FFF2-40B4-BE49-F238E27FC236}">
+                    <a16:creationId xmlns:a16="http://schemas.microsoft.com/office/drawing/2014/main" id="{ADA6DD2F-89AD-A147-AE26-AF56F79AC6A2}"/>
+                  </a:ext>
+                </a:extLst>
+              </p:cNvPr>
+              <p:cNvSpPr txBox="1"/>
+              <p:nvPr/>
+            </p:nvSpPr>
+            <p:spPr>
+              <a:xfrm>
+                <a:off x="2692832" y="1391816"/>
+                <a:ext cx="343364" cy="369332"/>
+              </a:xfrm>
+              <a:prstGeom prst="rect">
+                <a:avLst/>
+              </a:prstGeom>
+              <a:noFill/>
+            </p:spPr>
+            <p:txBody>
+              <a:bodyPr wrap="none" rtlCol="0">
+                <a:spAutoFit/>
+              </a:bodyPr>
+              <a:lstStyle/>
+              <a:p>
+                <a:r>
+                  <a:rPr kumimoji="1" lang="en-US" altLang="zh-CN" dirty="0"/>
+                  <a:t>D</a:t>
+                </a:r>
+                <a:endParaRPr kumimoji="1" lang="zh-CN" altLang="en-US" dirty="0"/>
+              </a:p>
+            </p:txBody>
+          </p:sp>
+          <p:sp>
+            <p:nvSpPr>
+              <p:cNvPr id="32" name="文本框 31">
+                <a:extLst>
+                  <a:ext uri="{FF2B5EF4-FFF2-40B4-BE49-F238E27FC236}">
+                    <a16:creationId xmlns:a16="http://schemas.microsoft.com/office/drawing/2014/main" id="{82FE67EA-51A0-465D-6368-92AC8265A788}"/>
+                  </a:ext>
+                </a:extLst>
+              </p:cNvPr>
+              <p:cNvSpPr txBox="1"/>
+              <p:nvPr/>
+            </p:nvSpPr>
+            <p:spPr>
+              <a:xfrm>
+                <a:off x="2864514" y="1930189"/>
+                <a:ext cx="455574" cy="369332"/>
+              </a:xfrm>
+              <a:prstGeom prst="rect">
+                <a:avLst/>
+              </a:prstGeom>
+              <a:noFill/>
+            </p:spPr>
+            <p:txBody>
+              <a:bodyPr wrap="none" rtlCol="0">
+                <a:spAutoFit/>
+              </a:bodyPr>
+              <a:lstStyle/>
+              <a:p>
+                <a:r>
+                  <a:rPr kumimoji="1" lang="en-US" altLang="zh-CN" dirty="0"/>
+                  <a:t>CK</a:t>
+                </a:r>
+                <a:endParaRPr kumimoji="1" lang="zh-CN" altLang="en-US" dirty="0"/>
+              </a:p>
+            </p:txBody>
+          </p:sp>
+          <p:sp>
+            <p:nvSpPr>
+              <p:cNvPr id="33" name="文本框 32">
+                <a:extLst>
+                  <a:ext uri="{FF2B5EF4-FFF2-40B4-BE49-F238E27FC236}">
+                    <a16:creationId xmlns:a16="http://schemas.microsoft.com/office/drawing/2014/main" id="{98B12857-973F-7454-B8AF-60090570617B}"/>
+                  </a:ext>
+                </a:extLst>
+              </p:cNvPr>
+              <p:cNvSpPr txBox="1"/>
+              <p:nvPr/>
+            </p:nvSpPr>
+            <p:spPr>
+              <a:xfrm>
+                <a:off x="3058191" y="1391816"/>
+                <a:ext cx="359394" cy="369332"/>
+              </a:xfrm>
+              <a:prstGeom prst="rect">
+                <a:avLst/>
+              </a:prstGeom>
+              <a:noFill/>
+            </p:spPr>
+            <p:txBody>
+              <a:bodyPr wrap="none" rtlCol="0">
+                <a:spAutoFit/>
+              </a:bodyPr>
+              <a:lstStyle/>
+              <a:p>
+                <a:r>
+                  <a:rPr kumimoji="1" lang="en-US" altLang="zh-CN" dirty="0"/>
+                  <a:t>Q</a:t>
+                </a:r>
+                <a:endParaRPr kumimoji="1" lang="zh-CN" altLang="en-US" dirty="0"/>
+              </a:p>
+            </p:txBody>
+          </p:sp>
+        </p:grpSp>
+        <p:cxnSp>
+          <p:nvCxnSpPr>
+            <p:cNvPr id="26" name="直线连接符 25">
+              <a:extLst>
+                <a:ext uri="{FF2B5EF4-FFF2-40B4-BE49-F238E27FC236}">
+                  <a16:creationId xmlns:a16="http://schemas.microsoft.com/office/drawing/2014/main" id="{BDABECBA-7126-D05A-0F03-6DECB7970AC4}"/>
+                </a:ext>
+              </a:extLst>
+            </p:cNvPr>
+            <p:cNvCxnSpPr>
+              <a:cxnSpLocks/>
+            </p:cNvCxnSpPr>
+            <p:nvPr/>
+          </p:nvCxnSpPr>
+          <p:spPr>
+            <a:xfrm>
+              <a:off x="2459115" y="1576482"/>
+              <a:ext cx="305957" cy="0"/>
+            </a:xfrm>
+            <a:prstGeom prst="line">
+              <a:avLst/>
+            </a:prstGeom>
+          </p:spPr>
+          <p:style>
+            <a:lnRef idx="2">
+              <a:schemeClr val="accent1"/>
+            </a:lnRef>
+            <a:fillRef idx="0">
+              <a:schemeClr val="accent1"/>
+            </a:fillRef>
+            <a:effectRef idx="1">
+              <a:schemeClr val="accent1"/>
+            </a:effectRef>
+            <a:fontRef idx="minor">
+              <a:schemeClr val="tx1"/>
+            </a:fontRef>
+          </p:style>
+        </p:cxnSp>
+        <p:cxnSp>
+          <p:nvCxnSpPr>
+            <p:cNvPr id="27" name="直线连接符 26">
+              <a:extLst>
+                <a:ext uri="{FF2B5EF4-FFF2-40B4-BE49-F238E27FC236}">
+                  <a16:creationId xmlns:a16="http://schemas.microsoft.com/office/drawing/2014/main" id="{91662E01-CA9D-1A40-2311-C2E629FF1A74}"/>
+                </a:ext>
+              </a:extLst>
+            </p:cNvPr>
+            <p:cNvCxnSpPr>
+              <a:cxnSpLocks/>
+            </p:cNvCxnSpPr>
+            <p:nvPr/>
+          </p:nvCxnSpPr>
+          <p:spPr>
+            <a:xfrm>
+              <a:off x="3341025" y="1576482"/>
+              <a:ext cx="305957" cy="0"/>
+            </a:xfrm>
+            <a:prstGeom prst="line">
+              <a:avLst/>
+            </a:prstGeom>
+          </p:spPr>
+          <p:style>
+            <a:lnRef idx="2">
+              <a:schemeClr val="accent1"/>
+            </a:lnRef>
+            <a:fillRef idx="0">
+              <a:schemeClr val="accent1"/>
+            </a:fillRef>
+            <a:effectRef idx="1">
+              <a:schemeClr val="accent1"/>
+            </a:effectRef>
+            <a:fontRef idx="minor">
+              <a:schemeClr val="tx1"/>
+            </a:fontRef>
+          </p:style>
+        </p:cxnSp>
+        <p:cxnSp>
+          <p:nvCxnSpPr>
+            <p:cNvPr id="28" name="直线连接符 27">
+              <a:extLst>
+                <a:ext uri="{FF2B5EF4-FFF2-40B4-BE49-F238E27FC236}">
+                  <a16:creationId xmlns:a16="http://schemas.microsoft.com/office/drawing/2014/main" id="{244A6890-76BA-DEF8-1F99-0889D386AC3C}"/>
+                </a:ext>
+              </a:extLst>
+            </p:cNvPr>
+            <p:cNvCxnSpPr>
+              <a:cxnSpLocks/>
+            </p:cNvCxnSpPr>
+            <p:nvPr/>
+          </p:nvCxnSpPr>
+          <p:spPr>
+            <a:xfrm>
+              <a:off x="2459115" y="2103714"/>
+              <a:ext cx="305957" cy="0"/>
+            </a:xfrm>
+            <a:prstGeom prst="line">
+              <a:avLst/>
+            </a:prstGeom>
+          </p:spPr>
+          <p:style>
+            <a:lnRef idx="2">
+              <a:schemeClr val="accent1"/>
+            </a:lnRef>
+            <a:fillRef idx="0">
+              <a:schemeClr val="accent1"/>
+            </a:fillRef>
+            <a:effectRef idx="1">
+              <a:schemeClr val="accent1"/>
+            </a:effectRef>
+            <a:fontRef idx="minor">
+              <a:schemeClr val="tx1"/>
+            </a:fontRef>
+          </p:style>
+        </p:cxnSp>
+      </p:grpSp>
+      <p:sp>
+        <p:nvSpPr>
+          <p:cNvPr id="34" name="椭圆 33">
+            <a:extLst>
+              <a:ext uri="{FF2B5EF4-FFF2-40B4-BE49-F238E27FC236}">
+                <a16:creationId xmlns:a16="http://schemas.microsoft.com/office/drawing/2014/main" id="{957BA218-AFD2-9228-A21D-0CF9D01BF90F}"/>
               </a:ext>
             </a:extLst>
           </p:cNvPr>
@@ -6425,109 +9282,24 @@
         </p:nvSpPr>
         <p:spPr>
           <a:xfrm>
-            <a:off x="3410465" y="2397211"/>
-            <a:ext cx="612648" cy="612648"/>
-          </a:xfrm>
-          <a:custGeom>
+            <a:off x="4350113" y="767261"/>
+            <a:ext cx="3497802" cy="654728"/>
+          </a:xfrm>
+          <a:prstGeom prst="ellipse">
             <a:avLst/>
-            <a:gdLst>
-              <a:gd name="connsiteX0" fmla="*/ 0 w 612648"/>
-              <a:gd name="connsiteY0" fmla="*/ 0 h 612648"/>
-              <a:gd name="connsiteX1" fmla="*/ 306324 w 612648"/>
-              <a:gd name="connsiteY1" fmla="*/ 0 h 612648"/>
-              <a:gd name="connsiteX2" fmla="*/ 612648 w 612648"/>
-              <a:gd name="connsiteY2" fmla="*/ 306324 h 612648"/>
-              <a:gd name="connsiteX3" fmla="*/ 306324 w 612648"/>
-              <a:gd name="connsiteY3" fmla="*/ 612648 h 612648"/>
-              <a:gd name="connsiteX4" fmla="*/ 0 w 612648"/>
-              <a:gd name="connsiteY4" fmla="*/ 612648 h 612648"/>
-              <a:gd name="connsiteX5" fmla="*/ 0 w 612648"/>
-              <a:gd name="connsiteY5" fmla="*/ 0 h 612648"/>
-              <a:gd name="connsiteX0" fmla="*/ 0 w 612648"/>
-              <a:gd name="connsiteY0" fmla="*/ 0 h 612648"/>
-              <a:gd name="connsiteX1" fmla="*/ 306324 w 612648"/>
-              <a:gd name="connsiteY1" fmla="*/ 0 h 612648"/>
-              <a:gd name="connsiteX2" fmla="*/ 612648 w 612648"/>
-              <a:gd name="connsiteY2" fmla="*/ 306324 h 612648"/>
-              <a:gd name="connsiteX3" fmla="*/ 306324 w 612648"/>
-              <a:gd name="connsiteY3" fmla="*/ 612648 h 612648"/>
-              <a:gd name="connsiteX4" fmla="*/ 0 w 612648"/>
-              <a:gd name="connsiteY4" fmla="*/ 612648 h 612648"/>
-              <a:gd name="connsiteX5" fmla="*/ 148281 w 612648"/>
-              <a:gd name="connsiteY5" fmla="*/ 284205 h 612648"/>
-              <a:gd name="connsiteX6" fmla="*/ 0 w 612648"/>
-              <a:gd name="connsiteY6" fmla="*/ 0 h 612648"/>
-            </a:gdLst>
-            <a:ahLst/>
-            <a:cxnLst>
-              <a:cxn ang="0">
-                <a:pos x="connsiteX0" y="connsiteY0"/>
-              </a:cxn>
-              <a:cxn ang="0">
-                <a:pos x="connsiteX1" y="connsiteY1"/>
-              </a:cxn>
-              <a:cxn ang="0">
-                <a:pos x="connsiteX2" y="connsiteY2"/>
-              </a:cxn>
-              <a:cxn ang="0">
-                <a:pos x="connsiteX3" y="connsiteY3"/>
-              </a:cxn>
-              <a:cxn ang="0">
-                <a:pos x="connsiteX4" y="connsiteY4"/>
-              </a:cxn>
-              <a:cxn ang="0">
-                <a:pos x="connsiteX5" y="connsiteY5"/>
-              </a:cxn>
-              <a:cxn ang="0">
-                <a:pos x="connsiteX6" y="connsiteY6"/>
-              </a:cxn>
-            </a:cxnLst>
-            <a:rect l="l" t="t" r="r" b="b"/>
-            <a:pathLst>
-              <a:path w="612648" h="612648">
-                <a:moveTo>
-                  <a:pt x="0" y="0"/>
-                </a:moveTo>
-                <a:lnTo>
-                  <a:pt x="306324" y="0"/>
-                </a:lnTo>
-                <a:cubicBezTo>
-                  <a:pt x="475502" y="0"/>
-                  <a:pt x="612648" y="137146"/>
-                  <a:pt x="612648" y="306324"/>
-                </a:cubicBezTo>
-                <a:cubicBezTo>
-                  <a:pt x="612648" y="475502"/>
-                  <a:pt x="475502" y="612648"/>
-                  <a:pt x="306324" y="612648"/>
-                </a:cubicBezTo>
-                <a:lnTo>
-                  <a:pt x="0" y="612648"/>
-                </a:lnTo>
-                <a:cubicBezTo>
-                  <a:pt x="0" y="507286"/>
-                  <a:pt x="148281" y="389567"/>
-                  <a:pt x="148281" y="284205"/>
-                </a:cubicBezTo>
-                <a:lnTo>
-                  <a:pt x="0" y="0"/>
-                </a:lnTo>
-                <a:close/>
-              </a:path>
-            </a:pathLst>
-          </a:custGeom>
+          </a:prstGeom>
         </p:spPr>
         <p:style>
           <a:lnRef idx="2">
-            <a:schemeClr val="accent1">
+            <a:schemeClr val="accent3">
               <a:shade val="15000"/>
             </a:schemeClr>
           </a:lnRef>
           <a:fillRef idx="1">
-            <a:schemeClr val="accent1"/>
+            <a:schemeClr val="accent3"/>
           </a:fillRef>
           <a:effectRef idx="0">
-            <a:schemeClr val="accent1"/>
+            <a:schemeClr val="accent3"/>
           </a:effectRef>
           <a:fontRef idx="minor">
             <a:schemeClr val="lt1"/>
@@ -6538,14 +9310,2509 @@
           <a:lstStyle/>
           <a:p>
             <a:pPr algn="ctr"/>
+            <a:r>
+              <a:rPr kumimoji="1" lang="zh-CN" altLang="en-US" dirty="0"/>
+              <a:t>可以是时钟同步器逻辑</a:t>
+            </a:r>
+          </a:p>
+        </p:txBody>
+      </p:sp>
+      <p:sp>
+        <p:nvSpPr>
+          <p:cNvPr id="35" name="文本框 34">
+            <a:extLst>
+              <a:ext uri="{FF2B5EF4-FFF2-40B4-BE49-F238E27FC236}">
+                <a16:creationId xmlns:a16="http://schemas.microsoft.com/office/drawing/2014/main" id="{A179F507-1E51-5A19-0E67-444BD15EE014}"/>
+              </a:ext>
+            </a:extLst>
+          </p:cNvPr>
+          <p:cNvSpPr txBox="1"/>
+          <p:nvPr/>
+        </p:nvSpPr>
+        <p:spPr>
+          <a:xfrm>
+            <a:off x="1814744" y="1614948"/>
+            <a:ext cx="963725" cy="369332"/>
+          </a:xfrm>
+          <a:prstGeom prst="rect">
+            <a:avLst/>
+          </a:prstGeom>
+          <a:noFill/>
+        </p:spPr>
+        <p:txBody>
+          <a:bodyPr wrap="none" rtlCol="0">
+            <a:spAutoFit/>
+          </a:bodyPr>
+          <a:lstStyle/>
+          <a:p>
+            <a:r>
+              <a:rPr kumimoji="1" lang="en-US" altLang="zh-CN" dirty="0"/>
+              <a:t>USBCLK</a:t>
+            </a:r>
+            <a:endParaRPr kumimoji="1" lang="zh-CN" altLang="en-US" dirty="0"/>
+          </a:p>
+        </p:txBody>
+      </p:sp>
+      <p:cxnSp>
+        <p:nvCxnSpPr>
+          <p:cNvPr id="37" name="肘形连接符 36">
+            <a:extLst>
+              <a:ext uri="{FF2B5EF4-FFF2-40B4-BE49-F238E27FC236}">
+                <a16:creationId xmlns:a16="http://schemas.microsoft.com/office/drawing/2014/main" id="{A8220C09-24B4-CE20-2BAD-BA895ACDE5CD}"/>
+              </a:ext>
+            </a:extLst>
+          </p:cNvPr>
+          <p:cNvCxnSpPr>
+            <a:cxnSpLocks/>
+          </p:cNvCxnSpPr>
+          <p:nvPr/>
+        </p:nvCxnSpPr>
+        <p:spPr>
+          <a:xfrm flipV="1">
+            <a:off x="1814744" y="1621857"/>
+            <a:ext cx="1347502" cy="362423"/>
+          </a:xfrm>
+          <a:prstGeom prst="bentConnector3">
+            <a:avLst>
+              <a:gd name="adj1" fmla="val 78329"/>
+            </a:avLst>
+          </a:prstGeom>
+        </p:spPr>
+        <p:style>
+          <a:lnRef idx="2">
+            <a:schemeClr val="accent1"/>
+          </a:lnRef>
+          <a:fillRef idx="0">
+            <a:schemeClr val="accent1"/>
+          </a:fillRef>
+          <a:effectRef idx="1">
+            <a:schemeClr val="accent1"/>
+          </a:effectRef>
+          <a:fontRef idx="minor">
+            <a:schemeClr val="tx1"/>
+          </a:fontRef>
+        </p:style>
+      </p:cxnSp>
+      <p:sp>
+        <p:nvSpPr>
+          <p:cNvPr id="43" name="文本框 42">
+            <a:extLst>
+              <a:ext uri="{FF2B5EF4-FFF2-40B4-BE49-F238E27FC236}">
+                <a16:creationId xmlns:a16="http://schemas.microsoft.com/office/drawing/2014/main" id="{61824CBB-8780-7DF5-A934-26E563041FFE}"/>
+              </a:ext>
+            </a:extLst>
+          </p:cNvPr>
+          <p:cNvSpPr txBox="1"/>
+          <p:nvPr/>
+        </p:nvSpPr>
+        <p:spPr>
+          <a:xfrm>
+            <a:off x="6504230" y="1615959"/>
+            <a:ext cx="1079142" cy="369332"/>
+          </a:xfrm>
+          <a:prstGeom prst="rect">
+            <a:avLst/>
+          </a:prstGeom>
+          <a:noFill/>
+        </p:spPr>
+        <p:txBody>
+          <a:bodyPr wrap="none" rtlCol="0">
+            <a:spAutoFit/>
+          </a:bodyPr>
+          <a:lstStyle/>
+          <a:p>
+            <a:r>
+              <a:rPr kumimoji="1" lang="en-US" altLang="zh-CN" dirty="0"/>
+              <a:t>MEMCLK</a:t>
+            </a:r>
+            <a:endParaRPr kumimoji="1" lang="zh-CN" altLang="en-US" dirty="0"/>
+          </a:p>
+        </p:txBody>
+      </p:sp>
+      <p:cxnSp>
+        <p:nvCxnSpPr>
+          <p:cNvPr id="44" name="肘形连接符 43">
+            <a:extLst>
+              <a:ext uri="{FF2B5EF4-FFF2-40B4-BE49-F238E27FC236}">
+                <a16:creationId xmlns:a16="http://schemas.microsoft.com/office/drawing/2014/main" id="{263C798A-28F1-FEF9-7279-01A808EEAE95}"/>
+              </a:ext>
+            </a:extLst>
+          </p:cNvPr>
+          <p:cNvCxnSpPr>
+            <a:cxnSpLocks/>
+          </p:cNvCxnSpPr>
+          <p:nvPr/>
+        </p:nvCxnSpPr>
+        <p:spPr>
+          <a:xfrm flipV="1">
+            <a:off x="6504230" y="1622868"/>
+            <a:ext cx="1347502" cy="362423"/>
+          </a:xfrm>
+          <a:prstGeom prst="bentConnector3">
+            <a:avLst>
+              <a:gd name="adj1" fmla="val 78329"/>
+            </a:avLst>
+          </a:prstGeom>
+        </p:spPr>
+        <p:style>
+          <a:lnRef idx="2">
+            <a:schemeClr val="accent1"/>
+          </a:lnRef>
+          <a:fillRef idx="0">
+            <a:schemeClr val="accent1"/>
+          </a:fillRef>
+          <a:effectRef idx="1">
+            <a:schemeClr val="accent1"/>
+          </a:effectRef>
+          <a:fontRef idx="minor">
+            <a:schemeClr val="tx1"/>
+          </a:fontRef>
+        </p:style>
+      </p:cxnSp>
+      <p:grpSp>
+        <p:nvGrpSpPr>
+          <p:cNvPr id="45" name="组合 44">
+            <a:extLst>
+              <a:ext uri="{FF2B5EF4-FFF2-40B4-BE49-F238E27FC236}">
+                <a16:creationId xmlns:a16="http://schemas.microsoft.com/office/drawing/2014/main" id="{41C1BEA9-4C6B-03C1-9171-D85559EA32BB}"/>
+              </a:ext>
+            </a:extLst>
+          </p:cNvPr>
+          <p:cNvGrpSpPr/>
+          <p:nvPr/>
+        </p:nvGrpSpPr>
+        <p:grpSpPr>
+          <a:xfrm>
+            <a:off x="7487698" y="4243732"/>
+            <a:ext cx="1187867" cy="1033153"/>
+            <a:chOff x="2459115" y="1343921"/>
+            <a:chExt cx="1187867" cy="1033153"/>
+          </a:xfrm>
+        </p:grpSpPr>
+        <p:grpSp>
+          <p:nvGrpSpPr>
+            <p:cNvPr id="46" name="组合 45">
+              <a:extLst>
+                <a:ext uri="{FF2B5EF4-FFF2-40B4-BE49-F238E27FC236}">
+                  <a16:creationId xmlns:a16="http://schemas.microsoft.com/office/drawing/2014/main" id="{7D7ACCCE-A6F7-DC54-88F4-20A45A9F24D3}"/>
+                </a:ext>
+              </a:extLst>
+            </p:cNvPr>
+            <p:cNvGrpSpPr/>
+            <p:nvPr/>
+          </p:nvGrpSpPr>
+          <p:grpSpPr>
+            <a:xfrm>
+              <a:off x="2661581" y="1343921"/>
+              <a:ext cx="756004" cy="1033153"/>
+              <a:chOff x="2661581" y="1343921"/>
+              <a:chExt cx="756004" cy="1033153"/>
+            </a:xfrm>
+          </p:grpSpPr>
+          <p:sp>
+            <p:nvSpPr>
+              <p:cNvPr id="50" name="矩形 49">
+                <a:extLst>
+                  <a:ext uri="{FF2B5EF4-FFF2-40B4-BE49-F238E27FC236}">
+                    <a16:creationId xmlns:a16="http://schemas.microsoft.com/office/drawing/2014/main" id="{D8A98595-CC99-536E-B13F-F36924FFCB0D}"/>
+                  </a:ext>
+                </a:extLst>
+              </p:cNvPr>
+              <p:cNvSpPr/>
+              <p:nvPr/>
+            </p:nvSpPr>
+            <p:spPr>
+              <a:xfrm>
+                <a:off x="2765072" y="1343921"/>
+                <a:ext cx="575953" cy="1033153"/>
+              </a:xfrm>
+              <a:prstGeom prst="rect">
+                <a:avLst/>
+              </a:prstGeom>
+              <a:noFill/>
+            </p:spPr>
+            <p:style>
+              <a:lnRef idx="2">
+                <a:schemeClr val="accent1">
+                  <a:shade val="50000"/>
+                </a:schemeClr>
+              </a:lnRef>
+              <a:fillRef idx="1">
+                <a:schemeClr val="accent1"/>
+              </a:fillRef>
+              <a:effectRef idx="0">
+                <a:schemeClr val="accent1"/>
+              </a:effectRef>
+              <a:fontRef idx="minor">
+                <a:schemeClr val="lt1"/>
+              </a:fontRef>
+            </p:style>
+            <p:txBody>
+              <a:bodyPr rtlCol="0" anchor="ctr"/>
+              <a:lstStyle/>
+              <a:p>
+                <a:pPr algn="ctr"/>
+                <a:endParaRPr lang="zh-CN" altLang="en-US" dirty="0">
+                  <a:solidFill>
+                    <a:schemeClr val="tx1"/>
+                  </a:solidFill>
+                </a:endParaRPr>
+              </a:p>
+            </p:txBody>
+          </p:sp>
+          <p:sp>
+            <p:nvSpPr>
+              <p:cNvPr id="51" name="直角三角形 50">
+                <a:extLst>
+                  <a:ext uri="{FF2B5EF4-FFF2-40B4-BE49-F238E27FC236}">
+                    <a16:creationId xmlns:a16="http://schemas.microsoft.com/office/drawing/2014/main" id="{E8E7DEA8-6CDE-64CC-A4E3-4402E50C514D}"/>
+                  </a:ext>
+                </a:extLst>
+              </p:cNvPr>
+              <p:cNvSpPr/>
+              <p:nvPr/>
+            </p:nvSpPr>
+            <p:spPr>
+              <a:xfrm rot="13320000">
+                <a:off x="2661581" y="2001597"/>
+                <a:ext cx="206982" cy="226517"/>
+              </a:xfrm>
+              <a:prstGeom prst="rtTriangle">
+                <a:avLst/>
+              </a:prstGeom>
+              <a:noFill/>
+            </p:spPr>
+            <p:style>
+              <a:lnRef idx="2">
+                <a:schemeClr val="accent1">
+                  <a:shade val="50000"/>
+                </a:schemeClr>
+              </a:lnRef>
+              <a:fillRef idx="1">
+                <a:schemeClr val="accent1"/>
+              </a:fillRef>
+              <a:effectRef idx="0">
+                <a:schemeClr val="accent1"/>
+              </a:effectRef>
+              <a:fontRef idx="minor">
+                <a:schemeClr val="lt1"/>
+              </a:fontRef>
+            </p:style>
+            <p:txBody>
+              <a:bodyPr rtlCol="0" anchor="ctr"/>
+              <a:lstStyle/>
+              <a:p>
+                <a:pPr algn="ctr"/>
+                <a:endParaRPr lang="zh-CN" altLang="en-US"/>
+              </a:p>
+            </p:txBody>
+          </p:sp>
+          <p:sp>
+            <p:nvSpPr>
+              <p:cNvPr id="52" name="文本框 51">
+                <a:extLst>
+                  <a:ext uri="{FF2B5EF4-FFF2-40B4-BE49-F238E27FC236}">
+                    <a16:creationId xmlns:a16="http://schemas.microsoft.com/office/drawing/2014/main" id="{0B199329-20B4-E410-2F3D-1352289DF221}"/>
+                  </a:ext>
+                </a:extLst>
+              </p:cNvPr>
+              <p:cNvSpPr txBox="1"/>
+              <p:nvPr/>
+            </p:nvSpPr>
+            <p:spPr>
+              <a:xfrm>
+                <a:off x="2692832" y="1391816"/>
+                <a:ext cx="343364" cy="369332"/>
+              </a:xfrm>
+              <a:prstGeom prst="rect">
+                <a:avLst/>
+              </a:prstGeom>
+              <a:noFill/>
+            </p:spPr>
+            <p:txBody>
+              <a:bodyPr wrap="none" rtlCol="0">
+                <a:spAutoFit/>
+              </a:bodyPr>
+              <a:lstStyle/>
+              <a:p>
+                <a:r>
+                  <a:rPr kumimoji="1" lang="en-US" altLang="zh-CN" dirty="0"/>
+                  <a:t>D</a:t>
+                </a:r>
+                <a:endParaRPr kumimoji="1" lang="zh-CN" altLang="en-US" dirty="0"/>
+              </a:p>
+            </p:txBody>
+          </p:sp>
+          <p:sp>
+            <p:nvSpPr>
+              <p:cNvPr id="53" name="文本框 52">
+                <a:extLst>
+                  <a:ext uri="{FF2B5EF4-FFF2-40B4-BE49-F238E27FC236}">
+                    <a16:creationId xmlns:a16="http://schemas.microsoft.com/office/drawing/2014/main" id="{943EF6D6-1265-09C0-E733-12331DE537D5}"/>
+                  </a:ext>
+                </a:extLst>
+              </p:cNvPr>
+              <p:cNvSpPr txBox="1"/>
+              <p:nvPr/>
+            </p:nvSpPr>
+            <p:spPr>
+              <a:xfrm>
+                <a:off x="2864514" y="1930189"/>
+                <a:ext cx="455574" cy="369332"/>
+              </a:xfrm>
+              <a:prstGeom prst="rect">
+                <a:avLst/>
+              </a:prstGeom>
+              <a:noFill/>
+            </p:spPr>
+            <p:txBody>
+              <a:bodyPr wrap="none" rtlCol="0">
+                <a:spAutoFit/>
+              </a:bodyPr>
+              <a:lstStyle/>
+              <a:p>
+                <a:r>
+                  <a:rPr kumimoji="1" lang="en-US" altLang="zh-CN" dirty="0"/>
+                  <a:t>CK</a:t>
+                </a:r>
+                <a:endParaRPr kumimoji="1" lang="zh-CN" altLang="en-US" dirty="0"/>
+              </a:p>
+            </p:txBody>
+          </p:sp>
+          <p:sp>
+            <p:nvSpPr>
+              <p:cNvPr id="54" name="文本框 53">
+                <a:extLst>
+                  <a:ext uri="{FF2B5EF4-FFF2-40B4-BE49-F238E27FC236}">
+                    <a16:creationId xmlns:a16="http://schemas.microsoft.com/office/drawing/2014/main" id="{B115460D-B29A-6638-58AC-1D3C2D8DB62F}"/>
+                  </a:ext>
+                </a:extLst>
+              </p:cNvPr>
+              <p:cNvSpPr txBox="1"/>
+              <p:nvPr/>
+            </p:nvSpPr>
+            <p:spPr>
+              <a:xfrm>
+                <a:off x="3058191" y="1391816"/>
+                <a:ext cx="359394" cy="369332"/>
+              </a:xfrm>
+              <a:prstGeom prst="rect">
+                <a:avLst/>
+              </a:prstGeom>
+              <a:noFill/>
+            </p:spPr>
+            <p:txBody>
+              <a:bodyPr wrap="none" rtlCol="0">
+                <a:spAutoFit/>
+              </a:bodyPr>
+              <a:lstStyle/>
+              <a:p>
+                <a:r>
+                  <a:rPr kumimoji="1" lang="en-US" altLang="zh-CN" dirty="0"/>
+                  <a:t>Q</a:t>
+                </a:r>
+                <a:endParaRPr kumimoji="1" lang="zh-CN" altLang="en-US" dirty="0"/>
+              </a:p>
+            </p:txBody>
+          </p:sp>
+        </p:grpSp>
+        <p:cxnSp>
+          <p:nvCxnSpPr>
+            <p:cNvPr id="47" name="直线连接符 46">
+              <a:extLst>
+                <a:ext uri="{FF2B5EF4-FFF2-40B4-BE49-F238E27FC236}">
+                  <a16:creationId xmlns:a16="http://schemas.microsoft.com/office/drawing/2014/main" id="{A72C3C1A-C41E-163C-AB58-79E4D23D4B6F}"/>
+                </a:ext>
+              </a:extLst>
+            </p:cNvPr>
+            <p:cNvCxnSpPr>
+              <a:cxnSpLocks/>
+            </p:cNvCxnSpPr>
+            <p:nvPr/>
+          </p:nvCxnSpPr>
+          <p:spPr>
+            <a:xfrm>
+              <a:off x="2459115" y="1576482"/>
+              <a:ext cx="305957" cy="0"/>
+            </a:xfrm>
+            <a:prstGeom prst="line">
+              <a:avLst/>
+            </a:prstGeom>
+          </p:spPr>
+          <p:style>
+            <a:lnRef idx="2">
+              <a:schemeClr val="accent1"/>
+            </a:lnRef>
+            <a:fillRef idx="0">
+              <a:schemeClr val="accent1"/>
+            </a:fillRef>
+            <a:effectRef idx="1">
+              <a:schemeClr val="accent1"/>
+            </a:effectRef>
+            <a:fontRef idx="minor">
+              <a:schemeClr val="tx1"/>
+            </a:fontRef>
+          </p:style>
+        </p:cxnSp>
+        <p:cxnSp>
+          <p:nvCxnSpPr>
+            <p:cNvPr id="48" name="直线连接符 47">
+              <a:extLst>
+                <a:ext uri="{FF2B5EF4-FFF2-40B4-BE49-F238E27FC236}">
+                  <a16:creationId xmlns:a16="http://schemas.microsoft.com/office/drawing/2014/main" id="{92E98394-E121-C61A-4B2B-DA402DA6CC05}"/>
+                </a:ext>
+              </a:extLst>
+            </p:cNvPr>
+            <p:cNvCxnSpPr>
+              <a:cxnSpLocks/>
+            </p:cNvCxnSpPr>
+            <p:nvPr/>
+          </p:nvCxnSpPr>
+          <p:spPr>
+            <a:xfrm>
+              <a:off x="3341025" y="1576482"/>
+              <a:ext cx="305957" cy="0"/>
+            </a:xfrm>
+            <a:prstGeom prst="line">
+              <a:avLst/>
+            </a:prstGeom>
+          </p:spPr>
+          <p:style>
+            <a:lnRef idx="2">
+              <a:schemeClr val="accent1"/>
+            </a:lnRef>
+            <a:fillRef idx="0">
+              <a:schemeClr val="accent1"/>
+            </a:fillRef>
+            <a:effectRef idx="1">
+              <a:schemeClr val="accent1"/>
+            </a:effectRef>
+            <a:fontRef idx="minor">
+              <a:schemeClr val="tx1"/>
+            </a:fontRef>
+          </p:style>
+        </p:cxnSp>
+        <p:cxnSp>
+          <p:nvCxnSpPr>
+            <p:cNvPr id="49" name="直线连接符 48">
+              <a:extLst>
+                <a:ext uri="{FF2B5EF4-FFF2-40B4-BE49-F238E27FC236}">
+                  <a16:creationId xmlns:a16="http://schemas.microsoft.com/office/drawing/2014/main" id="{86F5DB2B-94F7-825B-F201-4DA9256627AA}"/>
+                </a:ext>
+              </a:extLst>
+            </p:cNvPr>
+            <p:cNvCxnSpPr>
+              <a:cxnSpLocks/>
+            </p:cNvCxnSpPr>
+            <p:nvPr/>
+          </p:nvCxnSpPr>
+          <p:spPr>
+            <a:xfrm>
+              <a:off x="2459115" y="2103714"/>
+              <a:ext cx="305957" cy="0"/>
+            </a:xfrm>
+            <a:prstGeom prst="line">
+              <a:avLst/>
+            </a:prstGeom>
+          </p:spPr>
+          <p:style>
+            <a:lnRef idx="2">
+              <a:schemeClr val="accent1"/>
+            </a:lnRef>
+            <a:fillRef idx="0">
+              <a:schemeClr val="accent1"/>
+            </a:fillRef>
+            <a:effectRef idx="1">
+              <a:schemeClr val="accent1"/>
+            </a:effectRef>
+            <a:fontRef idx="minor">
+              <a:schemeClr val="tx1"/>
+            </a:fontRef>
+          </p:style>
+        </p:cxnSp>
+      </p:grpSp>
+      <p:sp>
+        <p:nvSpPr>
+          <p:cNvPr id="55" name="梯形 54">
+            <a:extLst>
+              <a:ext uri="{FF2B5EF4-FFF2-40B4-BE49-F238E27FC236}">
+                <a16:creationId xmlns:a16="http://schemas.microsoft.com/office/drawing/2014/main" id="{AE57BF3C-4EF2-7337-F1EA-3039945F65BD}"/>
+              </a:ext>
+            </a:extLst>
+          </p:cNvPr>
+          <p:cNvSpPr/>
+          <p:nvPr/>
+        </p:nvSpPr>
+        <p:spPr>
+          <a:xfrm rot="5400000">
+            <a:off x="3914465" y="4830824"/>
+            <a:ext cx="967606" cy="343365"/>
+          </a:xfrm>
+          <a:prstGeom prst="trapezoid">
+            <a:avLst>
+              <a:gd name="adj" fmla="val 77469"/>
+            </a:avLst>
+          </a:prstGeom>
+          <a:noFill/>
+          <a:ln w="9525" cap="flat" cmpd="sng" algn="ctr">
+            <a:solidFill>
+              <a:schemeClr val="dk1"/>
+            </a:solidFill>
+            <a:prstDash val="solid"/>
+            <a:round/>
+            <a:headEnd type="none" w="med" len="med"/>
+            <a:tailEnd type="none" w="med" len="med"/>
+          </a:ln>
+        </p:spPr>
+        <p:style>
+          <a:lnRef idx="0">
+            <a:scrgbClr r="0" g="0" b="0"/>
+          </a:lnRef>
+          <a:fillRef idx="0">
+            <a:scrgbClr r="0" g="0" b="0"/>
+          </a:fillRef>
+          <a:effectRef idx="0">
+            <a:scrgbClr r="0" g="0" b="0"/>
+          </a:effectRef>
+          <a:fontRef idx="minor">
+            <a:schemeClr val="dk1"/>
+          </a:fontRef>
+        </p:style>
+        <p:txBody>
+          <a:bodyPr rtlCol="0" anchor="ctr"/>
+          <a:lstStyle/>
+          <a:p>
+            <a:pPr algn="ctr"/>
             <a:endParaRPr kumimoji="1" lang="zh-CN" altLang="en-US"/>
+          </a:p>
+        </p:txBody>
+      </p:sp>
+      <p:cxnSp>
+        <p:nvCxnSpPr>
+          <p:cNvPr id="57" name="直线连接符 56">
+            <a:extLst>
+              <a:ext uri="{FF2B5EF4-FFF2-40B4-BE49-F238E27FC236}">
+                <a16:creationId xmlns:a16="http://schemas.microsoft.com/office/drawing/2014/main" id="{E6BCEB91-0CDB-C0DA-8DA5-6D5B7305ED02}"/>
+              </a:ext>
+            </a:extLst>
+          </p:cNvPr>
+          <p:cNvCxnSpPr>
+            <a:stCxn id="55" idx="0"/>
+          </p:cNvCxnSpPr>
+          <p:nvPr/>
+        </p:nvCxnSpPr>
+        <p:spPr>
+          <a:xfrm flipV="1">
+            <a:off x="4569951" y="5002506"/>
+            <a:ext cx="2917747" cy="1"/>
+          </a:xfrm>
+          <a:prstGeom prst="line">
+            <a:avLst/>
+          </a:prstGeom>
+        </p:spPr>
+        <p:style>
+          <a:lnRef idx="2">
+            <a:schemeClr val="accent1"/>
+          </a:lnRef>
+          <a:fillRef idx="0">
+            <a:schemeClr val="accent1"/>
+          </a:fillRef>
+          <a:effectRef idx="1">
+            <a:schemeClr val="accent1"/>
+          </a:effectRef>
+          <a:fontRef idx="minor">
+            <a:schemeClr val="tx1"/>
+          </a:fontRef>
+        </p:style>
+      </p:cxnSp>
+      <p:grpSp>
+        <p:nvGrpSpPr>
+          <p:cNvPr id="58" name="组合 57">
+            <a:extLst>
+              <a:ext uri="{FF2B5EF4-FFF2-40B4-BE49-F238E27FC236}">
+                <a16:creationId xmlns:a16="http://schemas.microsoft.com/office/drawing/2014/main" id="{1E608EA8-2267-1090-0EDD-ABFCF2AF3226}"/>
+              </a:ext>
+            </a:extLst>
+          </p:cNvPr>
+          <p:cNvGrpSpPr/>
+          <p:nvPr/>
+        </p:nvGrpSpPr>
+        <p:grpSpPr>
+          <a:xfrm>
+            <a:off x="6669510" y="3860551"/>
+            <a:ext cx="1187867" cy="1033153"/>
+            <a:chOff x="2459115" y="1343921"/>
+            <a:chExt cx="1187867" cy="1033153"/>
+          </a:xfrm>
+        </p:grpSpPr>
+        <p:grpSp>
+          <p:nvGrpSpPr>
+            <p:cNvPr id="59" name="组合 58">
+              <a:extLst>
+                <a:ext uri="{FF2B5EF4-FFF2-40B4-BE49-F238E27FC236}">
+                  <a16:creationId xmlns:a16="http://schemas.microsoft.com/office/drawing/2014/main" id="{D9EE78CF-91D7-E4D0-994E-88BD8EC1A3D7}"/>
+                </a:ext>
+              </a:extLst>
+            </p:cNvPr>
+            <p:cNvGrpSpPr/>
+            <p:nvPr/>
+          </p:nvGrpSpPr>
+          <p:grpSpPr>
+            <a:xfrm>
+              <a:off x="2661581" y="1343921"/>
+              <a:ext cx="756004" cy="1033153"/>
+              <a:chOff x="2661581" y="1343921"/>
+              <a:chExt cx="756004" cy="1033153"/>
+            </a:xfrm>
+          </p:grpSpPr>
+          <p:sp>
+            <p:nvSpPr>
+              <p:cNvPr id="63" name="矩形 62">
+                <a:extLst>
+                  <a:ext uri="{FF2B5EF4-FFF2-40B4-BE49-F238E27FC236}">
+                    <a16:creationId xmlns:a16="http://schemas.microsoft.com/office/drawing/2014/main" id="{47647118-CDBE-689B-2F06-7B9EBE11BE49}"/>
+                  </a:ext>
+                </a:extLst>
+              </p:cNvPr>
+              <p:cNvSpPr/>
+              <p:nvPr/>
+            </p:nvSpPr>
+            <p:spPr>
+              <a:xfrm>
+                <a:off x="2765072" y="1343921"/>
+                <a:ext cx="575953" cy="1033153"/>
+              </a:xfrm>
+              <a:prstGeom prst="rect">
+                <a:avLst/>
+              </a:prstGeom>
+              <a:noFill/>
+            </p:spPr>
+            <p:style>
+              <a:lnRef idx="2">
+                <a:schemeClr val="accent1">
+                  <a:shade val="50000"/>
+                </a:schemeClr>
+              </a:lnRef>
+              <a:fillRef idx="1">
+                <a:schemeClr val="accent1"/>
+              </a:fillRef>
+              <a:effectRef idx="0">
+                <a:schemeClr val="accent1"/>
+              </a:effectRef>
+              <a:fontRef idx="minor">
+                <a:schemeClr val="lt1"/>
+              </a:fontRef>
+            </p:style>
+            <p:txBody>
+              <a:bodyPr rtlCol="0" anchor="ctr"/>
+              <a:lstStyle/>
+              <a:p>
+                <a:pPr algn="ctr"/>
+                <a:endParaRPr lang="zh-CN" altLang="en-US" dirty="0">
+                  <a:solidFill>
+                    <a:schemeClr val="tx1"/>
+                  </a:solidFill>
+                </a:endParaRPr>
+              </a:p>
+            </p:txBody>
+          </p:sp>
+          <p:sp>
+            <p:nvSpPr>
+              <p:cNvPr id="64" name="直角三角形 63">
+                <a:extLst>
+                  <a:ext uri="{FF2B5EF4-FFF2-40B4-BE49-F238E27FC236}">
+                    <a16:creationId xmlns:a16="http://schemas.microsoft.com/office/drawing/2014/main" id="{39B9B28B-A75B-D1D6-E7F6-FD49AAEC96D9}"/>
+                  </a:ext>
+                </a:extLst>
+              </p:cNvPr>
+              <p:cNvSpPr/>
+              <p:nvPr/>
+            </p:nvSpPr>
+            <p:spPr>
+              <a:xfrm rot="13320000">
+                <a:off x="2661581" y="2001597"/>
+                <a:ext cx="206982" cy="226517"/>
+              </a:xfrm>
+              <a:prstGeom prst="rtTriangle">
+                <a:avLst/>
+              </a:prstGeom>
+              <a:noFill/>
+            </p:spPr>
+            <p:style>
+              <a:lnRef idx="2">
+                <a:schemeClr val="accent1">
+                  <a:shade val="50000"/>
+                </a:schemeClr>
+              </a:lnRef>
+              <a:fillRef idx="1">
+                <a:schemeClr val="accent1"/>
+              </a:fillRef>
+              <a:effectRef idx="0">
+                <a:schemeClr val="accent1"/>
+              </a:effectRef>
+              <a:fontRef idx="minor">
+                <a:schemeClr val="lt1"/>
+              </a:fontRef>
+            </p:style>
+            <p:txBody>
+              <a:bodyPr rtlCol="0" anchor="ctr"/>
+              <a:lstStyle/>
+              <a:p>
+                <a:pPr algn="ctr"/>
+                <a:endParaRPr lang="zh-CN" altLang="en-US"/>
+              </a:p>
+            </p:txBody>
+          </p:sp>
+          <p:sp>
+            <p:nvSpPr>
+              <p:cNvPr id="65" name="文本框 64">
+                <a:extLst>
+                  <a:ext uri="{FF2B5EF4-FFF2-40B4-BE49-F238E27FC236}">
+                    <a16:creationId xmlns:a16="http://schemas.microsoft.com/office/drawing/2014/main" id="{1165EBC6-F57A-F7DA-58E5-CE7A20ECE767}"/>
+                  </a:ext>
+                </a:extLst>
+              </p:cNvPr>
+              <p:cNvSpPr txBox="1"/>
+              <p:nvPr/>
+            </p:nvSpPr>
+            <p:spPr>
+              <a:xfrm>
+                <a:off x="2692832" y="1391816"/>
+                <a:ext cx="343364" cy="369332"/>
+              </a:xfrm>
+              <a:prstGeom prst="rect">
+                <a:avLst/>
+              </a:prstGeom>
+              <a:noFill/>
+            </p:spPr>
+            <p:txBody>
+              <a:bodyPr wrap="none" rtlCol="0">
+                <a:spAutoFit/>
+              </a:bodyPr>
+              <a:lstStyle/>
+              <a:p>
+                <a:r>
+                  <a:rPr kumimoji="1" lang="en-US" altLang="zh-CN" dirty="0"/>
+                  <a:t>D</a:t>
+                </a:r>
+                <a:endParaRPr kumimoji="1" lang="zh-CN" altLang="en-US" dirty="0"/>
+              </a:p>
+            </p:txBody>
+          </p:sp>
+          <p:sp>
+            <p:nvSpPr>
+              <p:cNvPr id="66" name="文本框 65">
+                <a:extLst>
+                  <a:ext uri="{FF2B5EF4-FFF2-40B4-BE49-F238E27FC236}">
+                    <a16:creationId xmlns:a16="http://schemas.microsoft.com/office/drawing/2014/main" id="{C7722103-85B5-9093-1A25-2201BFD86C18}"/>
+                  </a:ext>
+                </a:extLst>
+              </p:cNvPr>
+              <p:cNvSpPr txBox="1"/>
+              <p:nvPr/>
+            </p:nvSpPr>
+            <p:spPr>
+              <a:xfrm>
+                <a:off x="2864514" y="1930189"/>
+                <a:ext cx="455574" cy="369332"/>
+              </a:xfrm>
+              <a:prstGeom prst="rect">
+                <a:avLst/>
+              </a:prstGeom>
+              <a:noFill/>
+            </p:spPr>
+            <p:txBody>
+              <a:bodyPr wrap="none" rtlCol="0">
+                <a:spAutoFit/>
+              </a:bodyPr>
+              <a:lstStyle/>
+              <a:p>
+                <a:r>
+                  <a:rPr kumimoji="1" lang="en-US" altLang="zh-CN" dirty="0"/>
+                  <a:t>CK</a:t>
+                </a:r>
+                <a:endParaRPr kumimoji="1" lang="zh-CN" altLang="en-US" dirty="0"/>
+              </a:p>
+            </p:txBody>
+          </p:sp>
+          <p:sp>
+            <p:nvSpPr>
+              <p:cNvPr id="67" name="文本框 66">
+                <a:extLst>
+                  <a:ext uri="{FF2B5EF4-FFF2-40B4-BE49-F238E27FC236}">
+                    <a16:creationId xmlns:a16="http://schemas.microsoft.com/office/drawing/2014/main" id="{E9CD2560-5515-C688-DE54-C742029089FC}"/>
+                  </a:ext>
+                </a:extLst>
+              </p:cNvPr>
+              <p:cNvSpPr txBox="1"/>
+              <p:nvPr/>
+            </p:nvSpPr>
+            <p:spPr>
+              <a:xfrm>
+                <a:off x="3058191" y="1391816"/>
+                <a:ext cx="359394" cy="369332"/>
+              </a:xfrm>
+              <a:prstGeom prst="rect">
+                <a:avLst/>
+              </a:prstGeom>
+              <a:noFill/>
+            </p:spPr>
+            <p:txBody>
+              <a:bodyPr wrap="none" rtlCol="0">
+                <a:spAutoFit/>
+              </a:bodyPr>
+              <a:lstStyle/>
+              <a:p>
+                <a:r>
+                  <a:rPr kumimoji="1" lang="en-US" altLang="zh-CN" dirty="0"/>
+                  <a:t>Q</a:t>
+                </a:r>
+                <a:endParaRPr kumimoji="1" lang="zh-CN" altLang="en-US" dirty="0"/>
+              </a:p>
+            </p:txBody>
+          </p:sp>
+        </p:grpSp>
+        <p:cxnSp>
+          <p:nvCxnSpPr>
+            <p:cNvPr id="60" name="直线连接符 59">
+              <a:extLst>
+                <a:ext uri="{FF2B5EF4-FFF2-40B4-BE49-F238E27FC236}">
+                  <a16:creationId xmlns:a16="http://schemas.microsoft.com/office/drawing/2014/main" id="{4587796A-6585-760A-BFDE-85DB7F1EA281}"/>
+                </a:ext>
+              </a:extLst>
+            </p:cNvPr>
+            <p:cNvCxnSpPr>
+              <a:cxnSpLocks/>
+            </p:cNvCxnSpPr>
+            <p:nvPr/>
+          </p:nvCxnSpPr>
+          <p:spPr>
+            <a:xfrm>
+              <a:off x="2459115" y="1576482"/>
+              <a:ext cx="305957" cy="0"/>
+            </a:xfrm>
+            <a:prstGeom prst="line">
+              <a:avLst/>
+            </a:prstGeom>
+          </p:spPr>
+          <p:style>
+            <a:lnRef idx="2">
+              <a:schemeClr val="accent1"/>
+            </a:lnRef>
+            <a:fillRef idx="0">
+              <a:schemeClr val="accent1"/>
+            </a:fillRef>
+            <a:effectRef idx="1">
+              <a:schemeClr val="accent1"/>
+            </a:effectRef>
+            <a:fontRef idx="minor">
+              <a:schemeClr val="tx1"/>
+            </a:fontRef>
+          </p:style>
+        </p:cxnSp>
+        <p:cxnSp>
+          <p:nvCxnSpPr>
+            <p:cNvPr id="61" name="直线连接符 60">
+              <a:extLst>
+                <a:ext uri="{FF2B5EF4-FFF2-40B4-BE49-F238E27FC236}">
+                  <a16:creationId xmlns:a16="http://schemas.microsoft.com/office/drawing/2014/main" id="{DF2D082D-6423-5D55-986F-0CA6DEEE63E9}"/>
+                </a:ext>
+              </a:extLst>
+            </p:cNvPr>
+            <p:cNvCxnSpPr>
+              <a:cxnSpLocks/>
+            </p:cNvCxnSpPr>
+            <p:nvPr/>
+          </p:nvCxnSpPr>
+          <p:spPr>
+            <a:xfrm>
+              <a:off x="3341025" y="1576482"/>
+              <a:ext cx="305957" cy="0"/>
+            </a:xfrm>
+            <a:prstGeom prst="line">
+              <a:avLst/>
+            </a:prstGeom>
+          </p:spPr>
+          <p:style>
+            <a:lnRef idx="2">
+              <a:schemeClr val="accent1"/>
+            </a:lnRef>
+            <a:fillRef idx="0">
+              <a:schemeClr val="accent1"/>
+            </a:fillRef>
+            <a:effectRef idx="1">
+              <a:schemeClr val="accent1"/>
+            </a:effectRef>
+            <a:fontRef idx="minor">
+              <a:schemeClr val="tx1"/>
+            </a:fontRef>
+          </p:style>
+        </p:cxnSp>
+        <p:cxnSp>
+          <p:nvCxnSpPr>
+            <p:cNvPr id="62" name="直线连接符 61">
+              <a:extLst>
+                <a:ext uri="{FF2B5EF4-FFF2-40B4-BE49-F238E27FC236}">
+                  <a16:creationId xmlns:a16="http://schemas.microsoft.com/office/drawing/2014/main" id="{F99E2D0D-E442-9C89-AC7A-E6D3ABBDE706}"/>
+                </a:ext>
+              </a:extLst>
+            </p:cNvPr>
+            <p:cNvCxnSpPr>
+              <a:cxnSpLocks/>
+            </p:cNvCxnSpPr>
+            <p:nvPr/>
+          </p:nvCxnSpPr>
+          <p:spPr>
+            <a:xfrm>
+              <a:off x="2459115" y="2103714"/>
+              <a:ext cx="305957" cy="0"/>
+            </a:xfrm>
+            <a:prstGeom prst="line">
+              <a:avLst/>
+            </a:prstGeom>
+          </p:spPr>
+          <p:style>
+            <a:lnRef idx="2">
+              <a:schemeClr val="accent1"/>
+            </a:lnRef>
+            <a:fillRef idx="0">
+              <a:schemeClr val="accent1"/>
+            </a:fillRef>
+            <a:effectRef idx="1">
+              <a:schemeClr val="accent1"/>
+            </a:effectRef>
+            <a:fontRef idx="minor">
+              <a:schemeClr val="tx1"/>
+            </a:fontRef>
+          </p:style>
+        </p:cxnSp>
+      </p:grpSp>
+      <p:grpSp>
+        <p:nvGrpSpPr>
+          <p:cNvPr id="68" name="组合 67">
+            <a:extLst>
+              <a:ext uri="{FF2B5EF4-FFF2-40B4-BE49-F238E27FC236}">
+                <a16:creationId xmlns:a16="http://schemas.microsoft.com/office/drawing/2014/main" id="{0012127A-0BAF-BC71-6CD5-B02EBA125289}"/>
+              </a:ext>
+            </a:extLst>
+          </p:cNvPr>
+          <p:cNvGrpSpPr/>
+          <p:nvPr/>
+        </p:nvGrpSpPr>
+        <p:grpSpPr>
+          <a:xfrm>
+            <a:off x="5838484" y="3453287"/>
+            <a:ext cx="1187867" cy="1033153"/>
+            <a:chOff x="2459115" y="1343921"/>
+            <a:chExt cx="1187867" cy="1033153"/>
+          </a:xfrm>
+        </p:grpSpPr>
+        <p:grpSp>
+          <p:nvGrpSpPr>
+            <p:cNvPr id="69" name="组合 68">
+              <a:extLst>
+                <a:ext uri="{FF2B5EF4-FFF2-40B4-BE49-F238E27FC236}">
+                  <a16:creationId xmlns:a16="http://schemas.microsoft.com/office/drawing/2014/main" id="{BC49E09B-68EF-2296-6FEF-FE070D0DC2BE}"/>
+                </a:ext>
+              </a:extLst>
+            </p:cNvPr>
+            <p:cNvGrpSpPr/>
+            <p:nvPr/>
+          </p:nvGrpSpPr>
+          <p:grpSpPr>
+            <a:xfrm>
+              <a:off x="2661581" y="1343921"/>
+              <a:ext cx="756004" cy="1033153"/>
+              <a:chOff x="2661581" y="1343921"/>
+              <a:chExt cx="756004" cy="1033153"/>
+            </a:xfrm>
+          </p:grpSpPr>
+          <p:sp>
+            <p:nvSpPr>
+              <p:cNvPr id="73" name="矩形 72">
+                <a:extLst>
+                  <a:ext uri="{FF2B5EF4-FFF2-40B4-BE49-F238E27FC236}">
+                    <a16:creationId xmlns:a16="http://schemas.microsoft.com/office/drawing/2014/main" id="{3A42ECB1-19F5-5528-11CE-779582EFA094}"/>
+                  </a:ext>
+                </a:extLst>
+              </p:cNvPr>
+              <p:cNvSpPr/>
+              <p:nvPr/>
+            </p:nvSpPr>
+            <p:spPr>
+              <a:xfrm>
+                <a:off x="2765072" y="1343921"/>
+                <a:ext cx="575953" cy="1033153"/>
+              </a:xfrm>
+              <a:prstGeom prst="rect">
+                <a:avLst/>
+              </a:prstGeom>
+              <a:noFill/>
+            </p:spPr>
+            <p:style>
+              <a:lnRef idx="2">
+                <a:schemeClr val="accent1">
+                  <a:shade val="50000"/>
+                </a:schemeClr>
+              </a:lnRef>
+              <a:fillRef idx="1">
+                <a:schemeClr val="accent1"/>
+              </a:fillRef>
+              <a:effectRef idx="0">
+                <a:schemeClr val="accent1"/>
+              </a:effectRef>
+              <a:fontRef idx="minor">
+                <a:schemeClr val="lt1"/>
+              </a:fontRef>
+            </p:style>
+            <p:txBody>
+              <a:bodyPr rtlCol="0" anchor="ctr"/>
+              <a:lstStyle/>
+              <a:p>
+                <a:pPr algn="ctr"/>
+                <a:endParaRPr lang="zh-CN" altLang="en-US" dirty="0">
+                  <a:solidFill>
+                    <a:schemeClr val="tx1"/>
+                  </a:solidFill>
+                </a:endParaRPr>
+              </a:p>
+            </p:txBody>
+          </p:sp>
+          <p:sp>
+            <p:nvSpPr>
+              <p:cNvPr id="74" name="直角三角形 73">
+                <a:extLst>
+                  <a:ext uri="{FF2B5EF4-FFF2-40B4-BE49-F238E27FC236}">
+                    <a16:creationId xmlns:a16="http://schemas.microsoft.com/office/drawing/2014/main" id="{4A94998F-954A-3CA2-8B57-EEE939230737}"/>
+                  </a:ext>
+                </a:extLst>
+              </p:cNvPr>
+              <p:cNvSpPr/>
+              <p:nvPr/>
+            </p:nvSpPr>
+            <p:spPr>
+              <a:xfrm rot="13320000">
+                <a:off x="2661581" y="2001597"/>
+                <a:ext cx="206982" cy="226517"/>
+              </a:xfrm>
+              <a:prstGeom prst="rtTriangle">
+                <a:avLst/>
+              </a:prstGeom>
+              <a:noFill/>
+            </p:spPr>
+            <p:style>
+              <a:lnRef idx="2">
+                <a:schemeClr val="accent1">
+                  <a:shade val="50000"/>
+                </a:schemeClr>
+              </a:lnRef>
+              <a:fillRef idx="1">
+                <a:schemeClr val="accent1"/>
+              </a:fillRef>
+              <a:effectRef idx="0">
+                <a:schemeClr val="accent1"/>
+              </a:effectRef>
+              <a:fontRef idx="minor">
+                <a:schemeClr val="lt1"/>
+              </a:fontRef>
+            </p:style>
+            <p:txBody>
+              <a:bodyPr rtlCol="0" anchor="ctr"/>
+              <a:lstStyle/>
+              <a:p>
+                <a:pPr algn="ctr"/>
+                <a:endParaRPr lang="zh-CN" altLang="en-US"/>
+              </a:p>
+            </p:txBody>
+          </p:sp>
+          <p:sp>
+            <p:nvSpPr>
+              <p:cNvPr id="75" name="文本框 74">
+                <a:extLst>
+                  <a:ext uri="{FF2B5EF4-FFF2-40B4-BE49-F238E27FC236}">
+                    <a16:creationId xmlns:a16="http://schemas.microsoft.com/office/drawing/2014/main" id="{A15B8455-5439-4807-B2A4-C7AD9DEDF2ED}"/>
+                  </a:ext>
+                </a:extLst>
+              </p:cNvPr>
+              <p:cNvSpPr txBox="1"/>
+              <p:nvPr/>
+            </p:nvSpPr>
+            <p:spPr>
+              <a:xfrm>
+                <a:off x="2692832" y="1391816"/>
+                <a:ext cx="343364" cy="369332"/>
+              </a:xfrm>
+              <a:prstGeom prst="rect">
+                <a:avLst/>
+              </a:prstGeom>
+              <a:noFill/>
+            </p:spPr>
+            <p:txBody>
+              <a:bodyPr wrap="none" rtlCol="0">
+                <a:spAutoFit/>
+              </a:bodyPr>
+              <a:lstStyle/>
+              <a:p>
+                <a:r>
+                  <a:rPr kumimoji="1" lang="en-US" altLang="zh-CN" dirty="0"/>
+                  <a:t>D</a:t>
+                </a:r>
+                <a:endParaRPr kumimoji="1" lang="zh-CN" altLang="en-US" dirty="0"/>
+              </a:p>
+            </p:txBody>
+          </p:sp>
+          <p:sp>
+            <p:nvSpPr>
+              <p:cNvPr id="76" name="文本框 75">
+                <a:extLst>
+                  <a:ext uri="{FF2B5EF4-FFF2-40B4-BE49-F238E27FC236}">
+                    <a16:creationId xmlns:a16="http://schemas.microsoft.com/office/drawing/2014/main" id="{C92401DF-320A-F924-4F6D-440C8AED1C47}"/>
+                  </a:ext>
+                </a:extLst>
+              </p:cNvPr>
+              <p:cNvSpPr txBox="1"/>
+              <p:nvPr/>
+            </p:nvSpPr>
+            <p:spPr>
+              <a:xfrm>
+                <a:off x="2864514" y="1930189"/>
+                <a:ext cx="455574" cy="369332"/>
+              </a:xfrm>
+              <a:prstGeom prst="rect">
+                <a:avLst/>
+              </a:prstGeom>
+              <a:noFill/>
+            </p:spPr>
+            <p:txBody>
+              <a:bodyPr wrap="none" rtlCol="0">
+                <a:spAutoFit/>
+              </a:bodyPr>
+              <a:lstStyle/>
+              <a:p>
+                <a:r>
+                  <a:rPr kumimoji="1" lang="en-US" altLang="zh-CN" dirty="0"/>
+                  <a:t>CK</a:t>
+                </a:r>
+                <a:endParaRPr kumimoji="1" lang="zh-CN" altLang="en-US" dirty="0"/>
+              </a:p>
+            </p:txBody>
+          </p:sp>
+          <p:sp>
+            <p:nvSpPr>
+              <p:cNvPr id="77" name="文本框 76">
+                <a:extLst>
+                  <a:ext uri="{FF2B5EF4-FFF2-40B4-BE49-F238E27FC236}">
+                    <a16:creationId xmlns:a16="http://schemas.microsoft.com/office/drawing/2014/main" id="{8E1A4950-F396-89B9-48DA-8B6E33783D80}"/>
+                  </a:ext>
+                </a:extLst>
+              </p:cNvPr>
+              <p:cNvSpPr txBox="1"/>
+              <p:nvPr/>
+            </p:nvSpPr>
+            <p:spPr>
+              <a:xfrm>
+                <a:off x="3058191" y="1391816"/>
+                <a:ext cx="359394" cy="369332"/>
+              </a:xfrm>
+              <a:prstGeom prst="rect">
+                <a:avLst/>
+              </a:prstGeom>
+              <a:noFill/>
+            </p:spPr>
+            <p:txBody>
+              <a:bodyPr wrap="none" rtlCol="0">
+                <a:spAutoFit/>
+              </a:bodyPr>
+              <a:lstStyle/>
+              <a:p>
+                <a:r>
+                  <a:rPr kumimoji="1" lang="en-US" altLang="zh-CN" dirty="0"/>
+                  <a:t>Q</a:t>
+                </a:r>
+                <a:endParaRPr kumimoji="1" lang="zh-CN" altLang="en-US" dirty="0"/>
+              </a:p>
+            </p:txBody>
+          </p:sp>
+        </p:grpSp>
+        <p:cxnSp>
+          <p:nvCxnSpPr>
+            <p:cNvPr id="70" name="直线连接符 69">
+              <a:extLst>
+                <a:ext uri="{FF2B5EF4-FFF2-40B4-BE49-F238E27FC236}">
+                  <a16:creationId xmlns:a16="http://schemas.microsoft.com/office/drawing/2014/main" id="{F3A66DC6-365C-47E8-57D4-951FA23DFC09}"/>
+                </a:ext>
+              </a:extLst>
+            </p:cNvPr>
+            <p:cNvCxnSpPr>
+              <a:cxnSpLocks/>
+            </p:cNvCxnSpPr>
+            <p:nvPr/>
+          </p:nvCxnSpPr>
+          <p:spPr>
+            <a:xfrm>
+              <a:off x="2459115" y="1576482"/>
+              <a:ext cx="305957" cy="0"/>
+            </a:xfrm>
+            <a:prstGeom prst="line">
+              <a:avLst/>
+            </a:prstGeom>
+          </p:spPr>
+          <p:style>
+            <a:lnRef idx="2">
+              <a:schemeClr val="accent1"/>
+            </a:lnRef>
+            <a:fillRef idx="0">
+              <a:schemeClr val="accent1"/>
+            </a:fillRef>
+            <a:effectRef idx="1">
+              <a:schemeClr val="accent1"/>
+            </a:effectRef>
+            <a:fontRef idx="minor">
+              <a:schemeClr val="tx1"/>
+            </a:fontRef>
+          </p:style>
+        </p:cxnSp>
+        <p:cxnSp>
+          <p:nvCxnSpPr>
+            <p:cNvPr id="71" name="直线连接符 70">
+              <a:extLst>
+                <a:ext uri="{FF2B5EF4-FFF2-40B4-BE49-F238E27FC236}">
+                  <a16:creationId xmlns:a16="http://schemas.microsoft.com/office/drawing/2014/main" id="{DCD236B5-408A-E30F-B5CD-6D9829300162}"/>
+                </a:ext>
+              </a:extLst>
+            </p:cNvPr>
+            <p:cNvCxnSpPr>
+              <a:cxnSpLocks/>
+            </p:cNvCxnSpPr>
+            <p:nvPr/>
+          </p:nvCxnSpPr>
+          <p:spPr>
+            <a:xfrm>
+              <a:off x="3341025" y="1576482"/>
+              <a:ext cx="305957" cy="0"/>
+            </a:xfrm>
+            <a:prstGeom prst="line">
+              <a:avLst/>
+            </a:prstGeom>
+          </p:spPr>
+          <p:style>
+            <a:lnRef idx="2">
+              <a:schemeClr val="accent1"/>
+            </a:lnRef>
+            <a:fillRef idx="0">
+              <a:schemeClr val="accent1"/>
+            </a:fillRef>
+            <a:effectRef idx="1">
+              <a:schemeClr val="accent1"/>
+            </a:effectRef>
+            <a:fontRef idx="minor">
+              <a:schemeClr val="tx1"/>
+            </a:fontRef>
+          </p:style>
+        </p:cxnSp>
+        <p:cxnSp>
+          <p:nvCxnSpPr>
+            <p:cNvPr id="72" name="直线连接符 71">
+              <a:extLst>
+                <a:ext uri="{FF2B5EF4-FFF2-40B4-BE49-F238E27FC236}">
+                  <a16:creationId xmlns:a16="http://schemas.microsoft.com/office/drawing/2014/main" id="{8EDB63EB-DB86-FDF8-1BEA-BBA228B76F7F}"/>
+                </a:ext>
+              </a:extLst>
+            </p:cNvPr>
+            <p:cNvCxnSpPr>
+              <a:cxnSpLocks/>
+            </p:cNvCxnSpPr>
+            <p:nvPr/>
+          </p:nvCxnSpPr>
+          <p:spPr>
+            <a:xfrm>
+              <a:off x="2459115" y="2103714"/>
+              <a:ext cx="305957" cy="0"/>
+            </a:xfrm>
+            <a:prstGeom prst="line">
+              <a:avLst/>
+            </a:prstGeom>
+          </p:spPr>
+          <p:style>
+            <a:lnRef idx="2">
+              <a:schemeClr val="accent1"/>
+            </a:lnRef>
+            <a:fillRef idx="0">
+              <a:schemeClr val="accent1"/>
+            </a:fillRef>
+            <a:effectRef idx="1">
+              <a:schemeClr val="accent1"/>
+            </a:effectRef>
+            <a:fontRef idx="minor">
+              <a:schemeClr val="tx1"/>
+            </a:fontRef>
+          </p:style>
+        </p:cxnSp>
+      </p:grpSp>
+      <p:cxnSp>
+        <p:nvCxnSpPr>
+          <p:cNvPr id="79" name="直线连接符 78">
+            <a:extLst>
+              <a:ext uri="{FF2B5EF4-FFF2-40B4-BE49-F238E27FC236}">
+                <a16:creationId xmlns:a16="http://schemas.microsoft.com/office/drawing/2014/main" id="{388A01F8-846A-8718-2C4D-79D865B1D9BC}"/>
+              </a:ext>
+            </a:extLst>
+          </p:cNvPr>
+          <p:cNvCxnSpPr>
+            <a:cxnSpLocks/>
+          </p:cNvCxnSpPr>
+          <p:nvPr/>
+        </p:nvCxnSpPr>
+        <p:spPr>
+          <a:xfrm>
+            <a:off x="6680196" y="4620344"/>
+            <a:ext cx="0" cy="393327"/>
+          </a:xfrm>
+          <a:prstGeom prst="line">
+            <a:avLst/>
+          </a:prstGeom>
+        </p:spPr>
+        <p:style>
+          <a:lnRef idx="2">
+            <a:schemeClr val="accent1"/>
+          </a:lnRef>
+          <a:fillRef idx="0">
+            <a:schemeClr val="accent1"/>
+          </a:fillRef>
+          <a:effectRef idx="1">
+            <a:schemeClr val="accent1"/>
+          </a:effectRef>
+          <a:fontRef idx="minor">
+            <a:schemeClr val="tx1"/>
+          </a:fontRef>
+        </p:style>
+      </p:cxnSp>
+      <p:cxnSp>
+        <p:nvCxnSpPr>
+          <p:cNvPr id="91" name="直线连接符 90">
+            <a:extLst>
+              <a:ext uri="{FF2B5EF4-FFF2-40B4-BE49-F238E27FC236}">
+                <a16:creationId xmlns:a16="http://schemas.microsoft.com/office/drawing/2014/main" id="{C21ED239-72AA-8816-CD86-30A914BE0F5E}"/>
+              </a:ext>
+            </a:extLst>
+          </p:cNvPr>
+          <p:cNvCxnSpPr>
+            <a:cxnSpLocks/>
+          </p:cNvCxnSpPr>
+          <p:nvPr/>
+        </p:nvCxnSpPr>
+        <p:spPr>
+          <a:xfrm>
+            <a:off x="5838484" y="4213080"/>
+            <a:ext cx="0" cy="789426"/>
+          </a:xfrm>
+          <a:prstGeom prst="line">
+            <a:avLst/>
+          </a:prstGeom>
+        </p:spPr>
+        <p:style>
+          <a:lnRef idx="2">
+            <a:schemeClr val="accent1"/>
+          </a:lnRef>
+          <a:fillRef idx="0">
+            <a:schemeClr val="accent1"/>
+          </a:fillRef>
+          <a:effectRef idx="1">
+            <a:schemeClr val="accent1"/>
+          </a:effectRef>
+          <a:fontRef idx="minor">
+            <a:schemeClr val="tx1"/>
+          </a:fontRef>
+        </p:style>
+      </p:cxnSp>
+      <p:sp>
+        <p:nvSpPr>
+          <p:cNvPr id="93" name="椭圆 92">
+            <a:extLst>
+              <a:ext uri="{FF2B5EF4-FFF2-40B4-BE49-F238E27FC236}">
+                <a16:creationId xmlns:a16="http://schemas.microsoft.com/office/drawing/2014/main" id="{51A56F2C-C069-FD66-6EB6-874CFE081BC9}"/>
+              </a:ext>
+            </a:extLst>
+          </p:cNvPr>
+          <p:cNvSpPr/>
+          <p:nvPr/>
+        </p:nvSpPr>
+        <p:spPr>
+          <a:xfrm>
+            <a:off x="5815624" y="4967952"/>
+            <a:ext cx="45719" cy="45719"/>
+          </a:xfrm>
+          <a:prstGeom prst="ellipse">
+            <a:avLst/>
+          </a:prstGeom>
+        </p:spPr>
+        <p:style>
+          <a:lnRef idx="2">
+            <a:schemeClr val="accent1">
+              <a:shade val="15000"/>
+            </a:schemeClr>
+          </a:lnRef>
+          <a:fillRef idx="1">
+            <a:schemeClr val="accent1"/>
+          </a:fillRef>
+          <a:effectRef idx="0">
+            <a:schemeClr val="accent1"/>
+          </a:effectRef>
+          <a:fontRef idx="minor">
+            <a:schemeClr val="lt1"/>
+          </a:fontRef>
+        </p:style>
+        <p:txBody>
+          <a:bodyPr rtlCol="0" anchor="ctr"/>
+          <a:lstStyle/>
+          <a:p>
+            <a:pPr algn="ctr"/>
+            <a:endParaRPr kumimoji="1" lang="zh-CN" altLang="en-US"/>
+          </a:p>
+        </p:txBody>
+      </p:sp>
+      <p:sp>
+        <p:nvSpPr>
+          <p:cNvPr id="94" name="椭圆 93">
+            <a:extLst>
+              <a:ext uri="{FF2B5EF4-FFF2-40B4-BE49-F238E27FC236}">
+                <a16:creationId xmlns:a16="http://schemas.microsoft.com/office/drawing/2014/main" id="{5EC4F717-FE73-59F5-1038-4AF1272965CF}"/>
+              </a:ext>
+            </a:extLst>
+          </p:cNvPr>
+          <p:cNvSpPr/>
+          <p:nvPr/>
+        </p:nvSpPr>
+        <p:spPr>
+          <a:xfrm>
+            <a:off x="6652373" y="4979646"/>
+            <a:ext cx="45719" cy="45719"/>
+          </a:xfrm>
+          <a:prstGeom prst="ellipse">
+            <a:avLst/>
+          </a:prstGeom>
+        </p:spPr>
+        <p:style>
+          <a:lnRef idx="2">
+            <a:schemeClr val="accent1">
+              <a:shade val="15000"/>
+            </a:schemeClr>
+          </a:lnRef>
+          <a:fillRef idx="1">
+            <a:schemeClr val="accent1"/>
+          </a:fillRef>
+          <a:effectRef idx="0">
+            <a:schemeClr val="accent1"/>
+          </a:effectRef>
+          <a:fontRef idx="minor">
+            <a:schemeClr val="lt1"/>
+          </a:fontRef>
+        </p:style>
+        <p:txBody>
+          <a:bodyPr rtlCol="0" anchor="ctr"/>
+          <a:lstStyle/>
+          <a:p>
+            <a:pPr algn="ctr"/>
+            <a:endParaRPr kumimoji="1" lang="zh-CN" altLang="en-US"/>
+          </a:p>
+        </p:txBody>
+      </p:sp>
+      <p:cxnSp>
+        <p:nvCxnSpPr>
+          <p:cNvPr id="96" name="直线连接符 95">
+            <a:extLst>
+              <a:ext uri="{FF2B5EF4-FFF2-40B4-BE49-F238E27FC236}">
+                <a16:creationId xmlns:a16="http://schemas.microsoft.com/office/drawing/2014/main" id="{B6FB8867-7737-C437-E7F2-03193BDDF2D1}"/>
+              </a:ext>
+            </a:extLst>
+          </p:cNvPr>
+          <p:cNvCxnSpPr>
+            <a:cxnSpLocks/>
+          </p:cNvCxnSpPr>
+          <p:nvPr/>
+        </p:nvCxnSpPr>
+        <p:spPr>
+          <a:xfrm>
+            <a:off x="3862297" y="4760308"/>
+            <a:ext cx="364288" cy="0"/>
+          </a:xfrm>
+          <a:prstGeom prst="line">
+            <a:avLst/>
+          </a:prstGeom>
+        </p:spPr>
+        <p:style>
+          <a:lnRef idx="2">
+            <a:schemeClr val="accent1"/>
+          </a:lnRef>
+          <a:fillRef idx="0">
+            <a:schemeClr val="accent1"/>
+          </a:fillRef>
+          <a:effectRef idx="1">
+            <a:schemeClr val="accent1"/>
+          </a:effectRef>
+          <a:fontRef idx="minor">
+            <a:schemeClr val="tx1"/>
+          </a:fontRef>
+        </p:style>
+      </p:cxnSp>
+      <p:cxnSp>
+        <p:nvCxnSpPr>
+          <p:cNvPr id="99" name="直线连接符 98">
+            <a:extLst>
+              <a:ext uri="{FF2B5EF4-FFF2-40B4-BE49-F238E27FC236}">
+                <a16:creationId xmlns:a16="http://schemas.microsoft.com/office/drawing/2014/main" id="{EA546959-AE95-71B2-78FA-6DB3F550C121}"/>
+              </a:ext>
+            </a:extLst>
+          </p:cNvPr>
+          <p:cNvCxnSpPr>
+            <a:cxnSpLocks/>
+          </p:cNvCxnSpPr>
+          <p:nvPr/>
+        </p:nvCxnSpPr>
+        <p:spPr>
+          <a:xfrm>
+            <a:off x="3862297" y="5276885"/>
+            <a:ext cx="364288" cy="0"/>
+          </a:xfrm>
+          <a:prstGeom prst="line">
+            <a:avLst/>
+          </a:prstGeom>
+        </p:spPr>
+        <p:style>
+          <a:lnRef idx="2">
+            <a:schemeClr val="accent1"/>
+          </a:lnRef>
+          <a:fillRef idx="0">
+            <a:schemeClr val="accent1"/>
+          </a:fillRef>
+          <a:effectRef idx="1">
+            <a:schemeClr val="accent1"/>
+          </a:effectRef>
+          <a:fontRef idx="minor">
+            <a:schemeClr val="tx1"/>
+          </a:fontRef>
+        </p:style>
+      </p:cxnSp>
+      <p:cxnSp>
+        <p:nvCxnSpPr>
+          <p:cNvPr id="100" name="直线连接符 99">
+            <a:extLst>
+              <a:ext uri="{FF2B5EF4-FFF2-40B4-BE49-F238E27FC236}">
+                <a16:creationId xmlns:a16="http://schemas.microsoft.com/office/drawing/2014/main" id="{A213053C-87C1-314E-36D3-AE79B3E663AF}"/>
+              </a:ext>
+            </a:extLst>
+          </p:cNvPr>
+          <p:cNvCxnSpPr>
+            <a:cxnSpLocks/>
+            <a:endCxn id="55" idx="3"/>
+          </p:cNvCxnSpPr>
+          <p:nvPr/>
+        </p:nvCxnSpPr>
+        <p:spPr>
+          <a:xfrm flipV="1">
+            <a:off x="4398268" y="5353309"/>
+            <a:ext cx="0" cy="274414"/>
+          </a:xfrm>
+          <a:prstGeom prst="line">
+            <a:avLst/>
+          </a:prstGeom>
+        </p:spPr>
+        <p:style>
+          <a:lnRef idx="2">
+            <a:schemeClr val="accent1"/>
+          </a:lnRef>
+          <a:fillRef idx="0">
+            <a:schemeClr val="accent1"/>
+          </a:fillRef>
+          <a:effectRef idx="1">
+            <a:schemeClr val="accent1"/>
+          </a:effectRef>
+          <a:fontRef idx="minor">
+            <a:schemeClr val="tx1"/>
+          </a:fontRef>
+        </p:style>
+      </p:cxnSp>
+      <p:sp>
+        <p:nvSpPr>
+          <p:cNvPr id="103" name="文本框 102">
+            <a:extLst>
+              <a:ext uri="{FF2B5EF4-FFF2-40B4-BE49-F238E27FC236}">
+                <a16:creationId xmlns:a16="http://schemas.microsoft.com/office/drawing/2014/main" id="{6A7E6FB2-23A3-C2B2-6512-4A0EF5365392}"/>
+              </a:ext>
+            </a:extLst>
+          </p:cNvPr>
+          <p:cNvSpPr txBox="1"/>
+          <p:nvPr/>
+        </p:nvSpPr>
+        <p:spPr>
+          <a:xfrm>
+            <a:off x="2919494" y="4575642"/>
+            <a:ext cx="963725" cy="369332"/>
+          </a:xfrm>
+          <a:prstGeom prst="rect">
+            <a:avLst/>
+          </a:prstGeom>
+          <a:noFill/>
+        </p:spPr>
+        <p:txBody>
+          <a:bodyPr wrap="none" rtlCol="0">
+            <a:spAutoFit/>
+          </a:bodyPr>
+          <a:lstStyle/>
+          <a:p>
+            <a:r>
+              <a:rPr kumimoji="1" lang="en-US" altLang="zh-CN" dirty="0"/>
+              <a:t>USBCLK</a:t>
+            </a:r>
+            <a:endParaRPr kumimoji="1" lang="zh-CN" altLang="en-US" dirty="0"/>
+          </a:p>
+        </p:txBody>
+      </p:sp>
+      <p:sp>
+        <p:nvSpPr>
+          <p:cNvPr id="104" name="文本框 103">
+            <a:extLst>
+              <a:ext uri="{FF2B5EF4-FFF2-40B4-BE49-F238E27FC236}">
+                <a16:creationId xmlns:a16="http://schemas.microsoft.com/office/drawing/2014/main" id="{AE3A4DD8-1FF6-4C38-7C90-13BC817B7C47}"/>
+              </a:ext>
+            </a:extLst>
+          </p:cNvPr>
+          <p:cNvSpPr txBox="1"/>
+          <p:nvPr/>
+        </p:nvSpPr>
+        <p:spPr>
+          <a:xfrm>
+            <a:off x="2731343" y="5092219"/>
+            <a:ext cx="1186543" cy="369332"/>
+          </a:xfrm>
+          <a:prstGeom prst="rect">
+            <a:avLst/>
+          </a:prstGeom>
+          <a:noFill/>
+        </p:spPr>
+        <p:txBody>
+          <a:bodyPr wrap="none" rtlCol="0">
+            <a:spAutoFit/>
+          </a:bodyPr>
+          <a:lstStyle/>
+          <a:p>
+            <a:r>
+              <a:rPr kumimoji="1" lang="en-US" altLang="zh-CN" dirty="0"/>
+              <a:t>USBCLKx2</a:t>
+            </a:r>
+            <a:endParaRPr kumimoji="1" lang="zh-CN" altLang="en-US" dirty="0"/>
+          </a:p>
+        </p:txBody>
+      </p:sp>
+      <p:sp>
+        <p:nvSpPr>
+          <p:cNvPr id="105" name="文本框 104">
+            <a:extLst>
+              <a:ext uri="{FF2B5EF4-FFF2-40B4-BE49-F238E27FC236}">
+                <a16:creationId xmlns:a16="http://schemas.microsoft.com/office/drawing/2014/main" id="{32A27757-C3B0-BB5E-AA12-CCF25BEDF687}"/>
+              </a:ext>
+            </a:extLst>
+          </p:cNvPr>
+          <p:cNvSpPr txBox="1"/>
+          <p:nvPr/>
+        </p:nvSpPr>
+        <p:spPr>
+          <a:xfrm>
+            <a:off x="3753898" y="5580278"/>
+            <a:ext cx="1271502" cy="369332"/>
+          </a:xfrm>
+          <a:prstGeom prst="rect">
+            <a:avLst/>
+          </a:prstGeom>
+          <a:noFill/>
+        </p:spPr>
+        <p:txBody>
+          <a:bodyPr wrap="none" rtlCol="0">
+            <a:spAutoFit/>
+          </a:bodyPr>
+          <a:lstStyle/>
+          <a:p>
+            <a:r>
+              <a:rPr kumimoji="1" lang="en-US" altLang="zh-CN" dirty="0"/>
+              <a:t>FAST_LOW</a:t>
+            </a:r>
+            <a:endParaRPr kumimoji="1" lang="zh-CN" altLang="en-US" dirty="0"/>
           </a:p>
         </p:txBody>
       </p:sp>
     </p:spTree>
     <p:extLst>
       <p:ext uri="{BB962C8B-B14F-4D97-AF65-F5344CB8AC3E}">
-        <p14:creationId xmlns:p14="http://schemas.microsoft.com/office/powerpoint/2010/main" val="3438065401"/>
+        <p14:creationId xmlns:p14="http://schemas.microsoft.com/office/powerpoint/2010/main" val="2443450410"/>
+      </p:ext>
+    </p:extLst>
+  </p:cSld>
+  <p:clrMapOvr>
+    <a:masterClrMapping/>
+  </p:clrMapOvr>
+</p:sld>
+</file>
+
+<file path=ppt/slides/slide5.xml><?xml version="1.0" encoding="utf-8"?>
+<p:sld xmlns:a="http://schemas.openxmlformats.org/drawingml/2006/main" xmlns:r="http://schemas.openxmlformats.org/officeDocument/2006/relationships" xmlns:p="http://schemas.openxmlformats.org/presentationml/2006/main">
+  <p:cSld>
+    <p:spTree>
+      <p:nvGrpSpPr>
+        <p:cNvPr id="1" name=""/>
+        <p:cNvGrpSpPr/>
+        <p:nvPr/>
+      </p:nvGrpSpPr>
+      <p:grpSpPr>
+        <a:xfrm>
+          <a:off x="0" y="0"/>
+          <a:ext cx="0" cy="0"/>
+          <a:chOff x="0" y="0"/>
+          <a:chExt cx="0" cy="0"/>
+        </a:xfrm>
+      </p:grpSpPr>
+      <p:sp>
+        <p:nvSpPr>
+          <p:cNvPr id="4" name="矩形 3">
+            <a:extLst>
+              <a:ext uri="{FF2B5EF4-FFF2-40B4-BE49-F238E27FC236}">
+                <a16:creationId xmlns:a16="http://schemas.microsoft.com/office/drawing/2014/main" id="{B691FAC2-278F-ABC6-AB37-DE2447C8D19C}"/>
+              </a:ext>
+            </a:extLst>
+          </p:cNvPr>
+          <p:cNvSpPr/>
+          <p:nvPr/>
+        </p:nvSpPr>
+        <p:spPr>
+          <a:xfrm>
+            <a:off x="1528550" y="1340892"/>
+            <a:ext cx="2975212" cy="4176215"/>
+          </a:xfrm>
+          <a:prstGeom prst="rect">
+            <a:avLst/>
+          </a:prstGeom>
+        </p:spPr>
+        <p:style>
+          <a:lnRef idx="2">
+            <a:schemeClr val="accent6">
+              <a:shade val="15000"/>
+            </a:schemeClr>
+          </a:lnRef>
+          <a:fillRef idx="1">
+            <a:schemeClr val="accent6"/>
+          </a:fillRef>
+          <a:effectRef idx="0">
+            <a:schemeClr val="accent6"/>
+          </a:effectRef>
+          <a:fontRef idx="minor">
+            <a:schemeClr val="lt1"/>
+          </a:fontRef>
+        </p:style>
+        <p:txBody>
+          <a:bodyPr rtlCol="0" anchor="ctr"/>
+          <a:lstStyle/>
+          <a:p>
+            <a:pPr algn="ctr"/>
+            <a:endParaRPr kumimoji="1" lang="zh-CN" altLang="en-US"/>
+          </a:p>
+        </p:txBody>
+      </p:sp>
+      <p:cxnSp>
+        <p:nvCxnSpPr>
+          <p:cNvPr id="6" name="直线连接符 5">
+            <a:extLst>
+              <a:ext uri="{FF2B5EF4-FFF2-40B4-BE49-F238E27FC236}">
+                <a16:creationId xmlns:a16="http://schemas.microsoft.com/office/drawing/2014/main" id="{62C57415-E0B5-4CE1-A4A3-AD0E8C898877}"/>
+              </a:ext>
+            </a:extLst>
+          </p:cNvPr>
+          <p:cNvCxnSpPr>
+            <a:cxnSpLocks/>
+          </p:cNvCxnSpPr>
+          <p:nvPr/>
+        </p:nvCxnSpPr>
+        <p:spPr>
+          <a:xfrm>
+            <a:off x="996287" y="1774209"/>
+            <a:ext cx="532263" cy="0"/>
+          </a:xfrm>
+          <a:prstGeom prst="line">
+            <a:avLst/>
+          </a:prstGeom>
+        </p:spPr>
+        <p:style>
+          <a:lnRef idx="2">
+            <a:schemeClr val="accent1"/>
+          </a:lnRef>
+          <a:fillRef idx="0">
+            <a:schemeClr val="accent1"/>
+          </a:fillRef>
+          <a:effectRef idx="1">
+            <a:schemeClr val="accent1"/>
+          </a:effectRef>
+          <a:fontRef idx="minor">
+            <a:schemeClr val="tx1"/>
+          </a:fontRef>
+        </p:style>
+      </p:cxnSp>
+      <p:cxnSp>
+        <p:nvCxnSpPr>
+          <p:cNvPr id="9" name="直线连接符 8">
+            <a:extLst>
+              <a:ext uri="{FF2B5EF4-FFF2-40B4-BE49-F238E27FC236}">
+                <a16:creationId xmlns:a16="http://schemas.microsoft.com/office/drawing/2014/main" id="{9A8B7435-0715-CCB9-799A-36AA0BBD398A}"/>
+              </a:ext>
+            </a:extLst>
+          </p:cNvPr>
+          <p:cNvCxnSpPr>
+            <a:cxnSpLocks/>
+          </p:cNvCxnSpPr>
+          <p:nvPr/>
+        </p:nvCxnSpPr>
+        <p:spPr>
+          <a:xfrm>
+            <a:off x="996286" y="2662879"/>
+            <a:ext cx="532263" cy="0"/>
+          </a:xfrm>
+          <a:prstGeom prst="line">
+            <a:avLst/>
+          </a:prstGeom>
+        </p:spPr>
+        <p:style>
+          <a:lnRef idx="2">
+            <a:schemeClr val="accent1"/>
+          </a:lnRef>
+          <a:fillRef idx="0">
+            <a:schemeClr val="accent1"/>
+          </a:fillRef>
+          <a:effectRef idx="1">
+            <a:schemeClr val="accent1"/>
+          </a:effectRef>
+          <a:fontRef idx="minor">
+            <a:schemeClr val="tx1"/>
+          </a:fontRef>
+        </p:style>
+      </p:cxnSp>
+      <p:cxnSp>
+        <p:nvCxnSpPr>
+          <p:cNvPr id="10" name="直线连接符 9">
+            <a:extLst>
+              <a:ext uri="{FF2B5EF4-FFF2-40B4-BE49-F238E27FC236}">
+                <a16:creationId xmlns:a16="http://schemas.microsoft.com/office/drawing/2014/main" id="{D714E3F5-5CEC-2297-665E-822DAF14238F}"/>
+              </a:ext>
+            </a:extLst>
+          </p:cNvPr>
+          <p:cNvCxnSpPr>
+            <a:cxnSpLocks/>
+          </p:cNvCxnSpPr>
+          <p:nvPr/>
+        </p:nvCxnSpPr>
+        <p:spPr>
+          <a:xfrm>
+            <a:off x="996286" y="5121072"/>
+            <a:ext cx="532263" cy="0"/>
+          </a:xfrm>
+          <a:prstGeom prst="line">
+            <a:avLst/>
+          </a:prstGeom>
+        </p:spPr>
+        <p:style>
+          <a:lnRef idx="2">
+            <a:schemeClr val="accent1"/>
+          </a:lnRef>
+          <a:fillRef idx="0">
+            <a:schemeClr val="accent1"/>
+          </a:fillRef>
+          <a:effectRef idx="1">
+            <a:schemeClr val="accent1"/>
+          </a:effectRef>
+          <a:fontRef idx="minor">
+            <a:schemeClr val="tx1"/>
+          </a:fontRef>
+        </p:style>
+      </p:cxnSp>
+      <p:cxnSp>
+        <p:nvCxnSpPr>
+          <p:cNvPr id="11" name="直线连接符 10">
+            <a:extLst>
+              <a:ext uri="{FF2B5EF4-FFF2-40B4-BE49-F238E27FC236}">
+                <a16:creationId xmlns:a16="http://schemas.microsoft.com/office/drawing/2014/main" id="{85622FC2-B3B8-564F-80CE-2018EA3085CF}"/>
+              </a:ext>
+            </a:extLst>
+          </p:cNvPr>
+          <p:cNvCxnSpPr>
+            <a:cxnSpLocks/>
+          </p:cNvCxnSpPr>
+          <p:nvPr/>
+        </p:nvCxnSpPr>
+        <p:spPr>
+          <a:xfrm>
+            <a:off x="4503762" y="1777015"/>
+            <a:ext cx="532263" cy="0"/>
+          </a:xfrm>
+          <a:prstGeom prst="line">
+            <a:avLst/>
+          </a:prstGeom>
+        </p:spPr>
+        <p:style>
+          <a:lnRef idx="2">
+            <a:schemeClr val="accent1"/>
+          </a:lnRef>
+          <a:fillRef idx="0">
+            <a:schemeClr val="accent1"/>
+          </a:fillRef>
+          <a:effectRef idx="1">
+            <a:schemeClr val="accent1"/>
+          </a:effectRef>
+          <a:fontRef idx="minor">
+            <a:schemeClr val="tx1"/>
+          </a:fontRef>
+        </p:style>
+      </p:cxnSp>
+      <p:cxnSp>
+        <p:nvCxnSpPr>
+          <p:cNvPr id="12" name="直线连接符 11">
+            <a:extLst>
+              <a:ext uri="{FF2B5EF4-FFF2-40B4-BE49-F238E27FC236}">
+                <a16:creationId xmlns:a16="http://schemas.microsoft.com/office/drawing/2014/main" id="{12DE21B9-B1A3-AB66-FA75-07A11B36E649}"/>
+              </a:ext>
+            </a:extLst>
+          </p:cNvPr>
+          <p:cNvCxnSpPr>
+            <a:cxnSpLocks/>
+          </p:cNvCxnSpPr>
+          <p:nvPr/>
+        </p:nvCxnSpPr>
+        <p:spPr>
+          <a:xfrm>
+            <a:off x="4503762" y="4467928"/>
+            <a:ext cx="532263" cy="0"/>
+          </a:xfrm>
+          <a:prstGeom prst="line">
+            <a:avLst/>
+          </a:prstGeom>
+        </p:spPr>
+        <p:style>
+          <a:lnRef idx="2">
+            <a:schemeClr val="accent1"/>
+          </a:lnRef>
+          <a:fillRef idx="0">
+            <a:schemeClr val="accent1"/>
+          </a:fillRef>
+          <a:effectRef idx="1">
+            <a:schemeClr val="accent1"/>
+          </a:effectRef>
+          <a:fontRef idx="minor">
+            <a:schemeClr val="tx1"/>
+          </a:fontRef>
+        </p:style>
+      </p:cxnSp>
+      <p:cxnSp>
+        <p:nvCxnSpPr>
+          <p:cNvPr id="13" name="直线连接符 12">
+            <a:extLst>
+              <a:ext uri="{FF2B5EF4-FFF2-40B4-BE49-F238E27FC236}">
+                <a16:creationId xmlns:a16="http://schemas.microsoft.com/office/drawing/2014/main" id="{DF34CF55-A72C-5515-9E55-9A73C0FE56A5}"/>
+              </a:ext>
+            </a:extLst>
+          </p:cNvPr>
+          <p:cNvCxnSpPr>
+            <a:cxnSpLocks/>
+          </p:cNvCxnSpPr>
+          <p:nvPr/>
+        </p:nvCxnSpPr>
+        <p:spPr>
+          <a:xfrm flipV="1">
+            <a:off x="3016156" y="898699"/>
+            <a:ext cx="0" cy="442193"/>
+          </a:xfrm>
+          <a:prstGeom prst="line">
+            <a:avLst/>
+          </a:prstGeom>
+        </p:spPr>
+        <p:style>
+          <a:lnRef idx="2">
+            <a:schemeClr val="accent1"/>
+          </a:lnRef>
+          <a:fillRef idx="0">
+            <a:schemeClr val="accent1"/>
+          </a:fillRef>
+          <a:effectRef idx="1">
+            <a:schemeClr val="accent1"/>
+          </a:effectRef>
+          <a:fontRef idx="minor">
+            <a:schemeClr val="tx1"/>
+          </a:fontRef>
+        </p:style>
+      </p:cxnSp>
+      <p:cxnSp>
+        <p:nvCxnSpPr>
+          <p:cNvPr id="16" name="直线连接符 15">
+            <a:extLst>
+              <a:ext uri="{FF2B5EF4-FFF2-40B4-BE49-F238E27FC236}">
+                <a16:creationId xmlns:a16="http://schemas.microsoft.com/office/drawing/2014/main" id="{EBED0614-9A05-E6FD-40BA-612B88D7B925}"/>
+              </a:ext>
+            </a:extLst>
+          </p:cNvPr>
+          <p:cNvCxnSpPr>
+            <a:cxnSpLocks/>
+          </p:cNvCxnSpPr>
+          <p:nvPr/>
+        </p:nvCxnSpPr>
+        <p:spPr>
+          <a:xfrm flipV="1">
+            <a:off x="3002125" y="5517107"/>
+            <a:ext cx="0" cy="442193"/>
+          </a:xfrm>
+          <a:prstGeom prst="line">
+            <a:avLst/>
+          </a:prstGeom>
+        </p:spPr>
+        <p:style>
+          <a:lnRef idx="2">
+            <a:schemeClr val="accent1"/>
+          </a:lnRef>
+          <a:fillRef idx="0">
+            <a:schemeClr val="accent1"/>
+          </a:fillRef>
+          <a:effectRef idx="1">
+            <a:schemeClr val="accent1"/>
+          </a:effectRef>
+          <a:fontRef idx="minor">
+            <a:schemeClr val="tx1"/>
+          </a:fontRef>
+        </p:style>
+      </p:cxnSp>
+      <p:sp>
+        <p:nvSpPr>
+          <p:cNvPr id="17" name="文本框 16">
+            <a:extLst>
+              <a:ext uri="{FF2B5EF4-FFF2-40B4-BE49-F238E27FC236}">
+                <a16:creationId xmlns:a16="http://schemas.microsoft.com/office/drawing/2014/main" id="{FCA799F0-546A-EBC1-65C2-14570C039DC3}"/>
+              </a:ext>
+            </a:extLst>
+          </p:cNvPr>
+          <p:cNvSpPr txBox="1"/>
+          <p:nvPr/>
+        </p:nvSpPr>
+        <p:spPr>
+          <a:xfrm>
+            <a:off x="1528549" y="1589543"/>
+            <a:ext cx="343364" cy="369332"/>
+          </a:xfrm>
+          <a:prstGeom prst="rect">
+            <a:avLst/>
+          </a:prstGeom>
+          <a:noFill/>
+        </p:spPr>
+        <p:txBody>
+          <a:bodyPr wrap="none" rtlCol="0">
+            <a:spAutoFit/>
+          </a:bodyPr>
+          <a:lstStyle/>
+          <a:p>
+            <a:r>
+              <a:rPr kumimoji="1" lang="en-US" altLang="zh-CN" dirty="0"/>
+              <a:t>D</a:t>
+            </a:r>
+            <a:endParaRPr kumimoji="1" lang="zh-CN" altLang="en-US" dirty="0"/>
+          </a:p>
+        </p:txBody>
+      </p:sp>
+      <p:sp>
+        <p:nvSpPr>
+          <p:cNvPr id="18" name="文本框 17">
+            <a:extLst>
+              <a:ext uri="{FF2B5EF4-FFF2-40B4-BE49-F238E27FC236}">
+                <a16:creationId xmlns:a16="http://schemas.microsoft.com/office/drawing/2014/main" id="{70440439-3A91-81F3-0E02-311B94E190BF}"/>
+              </a:ext>
+            </a:extLst>
+          </p:cNvPr>
+          <p:cNvSpPr txBox="1"/>
+          <p:nvPr/>
+        </p:nvSpPr>
+        <p:spPr>
+          <a:xfrm>
+            <a:off x="1528549" y="2478213"/>
+            <a:ext cx="360996" cy="369332"/>
+          </a:xfrm>
+          <a:prstGeom prst="rect">
+            <a:avLst/>
+          </a:prstGeom>
+          <a:noFill/>
+        </p:spPr>
+        <p:txBody>
+          <a:bodyPr wrap="none" rtlCol="0">
+            <a:spAutoFit/>
+          </a:bodyPr>
+          <a:lstStyle/>
+          <a:p>
+            <a:r>
+              <a:rPr kumimoji="1" lang="en-US" altLang="zh-CN" dirty="0"/>
+              <a:t>SI</a:t>
+            </a:r>
+            <a:endParaRPr kumimoji="1" lang="zh-CN" altLang="en-US" dirty="0"/>
+          </a:p>
+        </p:txBody>
+      </p:sp>
+      <p:sp>
+        <p:nvSpPr>
+          <p:cNvPr id="19" name="文本框 18">
+            <a:extLst>
+              <a:ext uri="{FF2B5EF4-FFF2-40B4-BE49-F238E27FC236}">
+                <a16:creationId xmlns:a16="http://schemas.microsoft.com/office/drawing/2014/main" id="{E23C56B2-5E33-643D-79AA-F4498F4BBA3A}"/>
+              </a:ext>
+            </a:extLst>
+          </p:cNvPr>
+          <p:cNvSpPr txBox="1"/>
+          <p:nvPr/>
+        </p:nvSpPr>
+        <p:spPr>
+          <a:xfrm>
+            <a:off x="1709047" y="4936406"/>
+            <a:ext cx="455574" cy="369332"/>
+          </a:xfrm>
+          <a:prstGeom prst="rect">
+            <a:avLst/>
+          </a:prstGeom>
+          <a:noFill/>
+        </p:spPr>
+        <p:txBody>
+          <a:bodyPr wrap="none" rtlCol="0">
+            <a:spAutoFit/>
+          </a:bodyPr>
+          <a:lstStyle/>
+          <a:p>
+            <a:r>
+              <a:rPr kumimoji="1" lang="en-US" altLang="zh-CN" dirty="0"/>
+              <a:t>CK</a:t>
+            </a:r>
+            <a:endParaRPr kumimoji="1" lang="zh-CN" altLang="en-US" dirty="0"/>
+          </a:p>
+        </p:txBody>
+      </p:sp>
+      <p:sp>
+        <p:nvSpPr>
+          <p:cNvPr id="20" name="三角形 19">
+            <a:extLst>
+              <a:ext uri="{FF2B5EF4-FFF2-40B4-BE49-F238E27FC236}">
+                <a16:creationId xmlns:a16="http://schemas.microsoft.com/office/drawing/2014/main" id="{318471AE-41DC-7CFA-756B-795D8906F840}"/>
+              </a:ext>
+            </a:extLst>
+          </p:cNvPr>
+          <p:cNvSpPr/>
+          <p:nvPr/>
+        </p:nvSpPr>
+        <p:spPr>
+          <a:xfrm rot="5400000">
+            <a:off x="1454367" y="5016174"/>
+            <a:ext cx="358160" cy="209797"/>
+          </a:xfrm>
+          <a:prstGeom prst="triangle">
+            <a:avLst/>
+          </a:prstGeom>
+        </p:spPr>
+        <p:style>
+          <a:lnRef idx="2">
+            <a:schemeClr val="accent3">
+              <a:shade val="15000"/>
+            </a:schemeClr>
+          </a:lnRef>
+          <a:fillRef idx="1">
+            <a:schemeClr val="accent3"/>
+          </a:fillRef>
+          <a:effectRef idx="0">
+            <a:schemeClr val="accent3"/>
+          </a:effectRef>
+          <a:fontRef idx="minor">
+            <a:schemeClr val="lt1"/>
+          </a:fontRef>
+        </p:style>
+        <p:txBody>
+          <a:bodyPr rtlCol="0" anchor="ctr"/>
+          <a:lstStyle/>
+          <a:p>
+            <a:pPr algn="ctr"/>
+            <a:endParaRPr kumimoji="1" lang="zh-CN" altLang="en-US"/>
+          </a:p>
+        </p:txBody>
+      </p:sp>
+      <p:sp>
+        <p:nvSpPr>
+          <p:cNvPr id="21" name="文本框 20">
+            <a:extLst>
+              <a:ext uri="{FF2B5EF4-FFF2-40B4-BE49-F238E27FC236}">
+                <a16:creationId xmlns:a16="http://schemas.microsoft.com/office/drawing/2014/main" id="{780CC33A-ADF7-F6F7-8A6C-AADFD20D3476}"/>
+              </a:ext>
+            </a:extLst>
+          </p:cNvPr>
+          <p:cNvSpPr txBox="1"/>
+          <p:nvPr/>
+        </p:nvSpPr>
+        <p:spPr>
+          <a:xfrm>
+            <a:off x="2674952" y="5121072"/>
+            <a:ext cx="654346" cy="369332"/>
+          </a:xfrm>
+          <a:prstGeom prst="rect">
+            <a:avLst/>
+          </a:prstGeom>
+          <a:noFill/>
+        </p:spPr>
+        <p:txBody>
+          <a:bodyPr wrap="none" rtlCol="0">
+            <a:spAutoFit/>
+          </a:bodyPr>
+          <a:lstStyle/>
+          <a:p>
+            <a:r>
+              <a:rPr kumimoji="1" lang="en-US" altLang="zh-CN" dirty="0"/>
+              <a:t>CDN</a:t>
+            </a:r>
+            <a:endParaRPr kumimoji="1" lang="zh-CN" altLang="en-US" dirty="0"/>
+          </a:p>
+        </p:txBody>
+      </p:sp>
+      <p:sp>
+        <p:nvSpPr>
+          <p:cNvPr id="22" name="文本框 21">
+            <a:extLst>
+              <a:ext uri="{FF2B5EF4-FFF2-40B4-BE49-F238E27FC236}">
+                <a16:creationId xmlns:a16="http://schemas.microsoft.com/office/drawing/2014/main" id="{38582144-B11E-E714-E196-C94CCAAAA1A6}"/>
+              </a:ext>
+            </a:extLst>
+          </p:cNvPr>
+          <p:cNvSpPr txBox="1"/>
+          <p:nvPr/>
+        </p:nvSpPr>
+        <p:spPr>
+          <a:xfrm>
+            <a:off x="3976053" y="4283262"/>
+            <a:ext cx="527709" cy="369332"/>
+          </a:xfrm>
+          <a:prstGeom prst="rect">
+            <a:avLst/>
+          </a:prstGeom>
+          <a:noFill/>
+        </p:spPr>
+        <p:txBody>
+          <a:bodyPr wrap="none" rtlCol="0">
+            <a:spAutoFit/>
+          </a:bodyPr>
+          <a:lstStyle/>
+          <a:p>
+            <a:r>
+              <a:rPr kumimoji="1" lang="en-US" altLang="zh-CN" dirty="0"/>
+              <a:t>QN</a:t>
+            </a:r>
+            <a:endParaRPr kumimoji="1" lang="zh-CN" altLang="en-US" dirty="0"/>
+          </a:p>
+        </p:txBody>
+      </p:sp>
+      <p:sp>
+        <p:nvSpPr>
+          <p:cNvPr id="23" name="文本框 22">
+            <a:extLst>
+              <a:ext uri="{FF2B5EF4-FFF2-40B4-BE49-F238E27FC236}">
+                <a16:creationId xmlns:a16="http://schemas.microsoft.com/office/drawing/2014/main" id="{3ECF9A01-BB10-0853-AAC7-4AAF33D38B9C}"/>
+              </a:ext>
+            </a:extLst>
+          </p:cNvPr>
+          <p:cNvSpPr txBox="1"/>
+          <p:nvPr/>
+        </p:nvSpPr>
+        <p:spPr>
+          <a:xfrm>
+            <a:off x="4144368" y="1589543"/>
+            <a:ext cx="359394" cy="369332"/>
+          </a:xfrm>
+          <a:prstGeom prst="rect">
+            <a:avLst/>
+          </a:prstGeom>
+          <a:noFill/>
+        </p:spPr>
+        <p:txBody>
+          <a:bodyPr wrap="none" rtlCol="0">
+            <a:spAutoFit/>
+          </a:bodyPr>
+          <a:lstStyle/>
+          <a:p>
+            <a:r>
+              <a:rPr kumimoji="1" lang="en-US" altLang="zh-CN" dirty="0"/>
+              <a:t>Q</a:t>
+            </a:r>
+            <a:endParaRPr kumimoji="1" lang="zh-CN" altLang="en-US" dirty="0"/>
+          </a:p>
+        </p:txBody>
+      </p:sp>
+      <p:sp>
+        <p:nvSpPr>
+          <p:cNvPr id="24" name="文本框 23">
+            <a:extLst>
+              <a:ext uri="{FF2B5EF4-FFF2-40B4-BE49-F238E27FC236}">
+                <a16:creationId xmlns:a16="http://schemas.microsoft.com/office/drawing/2014/main" id="{C911352E-06DD-D308-7E1D-83B6E00975BC}"/>
+              </a:ext>
+            </a:extLst>
+          </p:cNvPr>
+          <p:cNvSpPr txBox="1"/>
+          <p:nvPr/>
+        </p:nvSpPr>
+        <p:spPr>
+          <a:xfrm>
+            <a:off x="2788369" y="1340892"/>
+            <a:ext cx="418704" cy="369332"/>
+          </a:xfrm>
+          <a:prstGeom prst="rect">
+            <a:avLst/>
+          </a:prstGeom>
+          <a:noFill/>
+        </p:spPr>
+        <p:txBody>
+          <a:bodyPr wrap="none" rtlCol="0">
+            <a:spAutoFit/>
+          </a:bodyPr>
+          <a:lstStyle/>
+          <a:p>
+            <a:r>
+              <a:rPr kumimoji="1" lang="en-US" altLang="zh-CN" dirty="0"/>
+              <a:t>SE</a:t>
+            </a:r>
+            <a:endParaRPr kumimoji="1" lang="zh-CN" altLang="en-US" dirty="0"/>
+          </a:p>
+        </p:txBody>
+      </p:sp>
+      <p:cxnSp>
+        <p:nvCxnSpPr>
+          <p:cNvPr id="26" name="曲线连接符 25">
+            <a:extLst>
+              <a:ext uri="{FF2B5EF4-FFF2-40B4-BE49-F238E27FC236}">
+                <a16:creationId xmlns:a16="http://schemas.microsoft.com/office/drawing/2014/main" id="{5C6F6614-F546-6EBB-4F8D-120176CD44A1}"/>
+              </a:ext>
+            </a:extLst>
+          </p:cNvPr>
+          <p:cNvCxnSpPr>
+            <a:endCxn id="17" idx="3"/>
+          </p:cNvCxnSpPr>
+          <p:nvPr/>
+        </p:nvCxnSpPr>
+        <p:spPr>
+          <a:xfrm rot="16200000" flipV="1">
+            <a:off x="437169" y="3208954"/>
+            <a:ext cx="3162197" cy="292708"/>
+          </a:xfrm>
+          <a:prstGeom prst="curvedConnector2">
+            <a:avLst/>
+          </a:prstGeom>
+          <a:ln>
+            <a:tailEnd type="triangle"/>
+          </a:ln>
+        </p:spPr>
+        <p:style>
+          <a:lnRef idx="2">
+            <a:schemeClr val="accent1"/>
+          </a:lnRef>
+          <a:fillRef idx="0">
+            <a:schemeClr val="accent1"/>
+          </a:fillRef>
+          <a:effectRef idx="1">
+            <a:schemeClr val="accent1"/>
+          </a:effectRef>
+          <a:fontRef idx="minor">
+            <a:schemeClr val="tx1"/>
+          </a:fontRef>
+        </p:style>
+      </p:cxnSp>
+      <p:cxnSp>
+        <p:nvCxnSpPr>
+          <p:cNvPr id="28" name="曲线连接符 27">
+            <a:extLst>
+              <a:ext uri="{FF2B5EF4-FFF2-40B4-BE49-F238E27FC236}">
+                <a16:creationId xmlns:a16="http://schemas.microsoft.com/office/drawing/2014/main" id="{BFF8846F-B8DD-01C7-7994-CB9D28F7D4DB}"/>
+              </a:ext>
+            </a:extLst>
+          </p:cNvPr>
+          <p:cNvCxnSpPr>
+            <a:cxnSpLocks/>
+            <a:endCxn id="23" idx="1"/>
+          </p:cNvCxnSpPr>
+          <p:nvPr/>
+        </p:nvCxnSpPr>
+        <p:spPr>
+          <a:xfrm rot="5400000" flipH="1" flipV="1">
+            <a:off x="1481062" y="2457767"/>
+            <a:ext cx="3346864" cy="1979748"/>
+          </a:xfrm>
+          <a:prstGeom prst="curvedConnector2">
+            <a:avLst/>
+          </a:prstGeom>
+          <a:ln>
+            <a:tailEnd type="triangle"/>
+          </a:ln>
+        </p:spPr>
+        <p:style>
+          <a:lnRef idx="2">
+            <a:schemeClr val="accent1"/>
+          </a:lnRef>
+          <a:fillRef idx="0">
+            <a:schemeClr val="accent1"/>
+          </a:fillRef>
+          <a:effectRef idx="1">
+            <a:schemeClr val="accent1"/>
+          </a:effectRef>
+          <a:fontRef idx="minor">
+            <a:schemeClr val="tx1"/>
+          </a:fontRef>
+        </p:style>
+      </p:cxnSp>
+      <p:cxnSp>
+        <p:nvCxnSpPr>
+          <p:cNvPr id="31" name="曲线连接符 30">
+            <a:extLst>
+              <a:ext uri="{FF2B5EF4-FFF2-40B4-BE49-F238E27FC236}">
+                <a16:creationId xmlns:a16="http://schemas.microsoft.com/office/drawing/2014/main" id="{79B754CC-1F10-7ABF-E017-4943358C517C}"/>
+              </a:ext>
+            </a:extLst>
+          </p:cNvPr>
+          <p:cNvCxnSpPr>
+            <a:cxnSpLocks/>
+            <a:endCxn id="21" idx="3"/>
+          </p:cNvCxnSpPr>
+          <p:nvPr/>
+        </p:nvCxnSpPr>
+        <p:spPr>
+          <a:xfrm>
+            <a:off x="2164620" y="5121072"/>
+            <a:ext cx="1164678" cy="184666"/>
+          </a:xfrm>
+          <a:prstGeom prst="curvedConnector5">
+            <a:avLst>
+              <a:gd name="adj1" fmla="val 497"/>
+              <a:gd name="adj2" fmla="val -123791"/>
+              <a:gd name="adj3" fmla="val 119628"/>
+            </a:avLst>
+          </a:prstGeom>
+          <a:ln>
+            <a:tailEnd type="triangle"/>
+          </a:ln>
+        </p:spPr>
+        <p:style>
+          <a:lnRef idx="2">
+            <a:schemeClr val="accent1"/>
+          </a:lnRef>
+          <a:fillRef idx="0">
+            <a:schemeClr val="accent1"/>
+          </a:fillRef>
+          <a:effectRef idx="1">
+            <a:schemeClr val="accent1"/>
+          </a:effectRef>
+          <a:fontRef idx="minor">
+            <a:schemeClr val="tx1"/>
+          </a:fontRef>
+        </p:style>
+      </p:cxnSp>
+    </p:spTree>
+    <p:extLst>
+      <p:ext uri="{BB962C8B-B14F-4D97-AF65-F5344CB8AC3E}">
+        <p14:creationId xmlns:p14="http://schemas.microsoft.com/office/powerpoint/2010/main" val="1416130734"/>
       </p:ext>
     </p:extLst>
   </p:cSld>

--- a/_posts/静态时序分析笔记/静态时序分析笔记pptx.pptx
+++ b/_posts/静态时序分析笔记/静态时序分析笔记pptx.pptx
@@ -11072,6 +11072,318 @@
       </p:grpSpPr>
       <p:sp>
         <p:nvSpPr>
+          <p:cNvPr id="102" name="矩形 101">
+            <a:extLst>
+              <a:ext uri="{FF2B5EF4-FFF2-40B4-BE49-F238E27FC236}">
+                <a16:creationId xmlns:a16="http://schemas.microsoft.com/office/drawing/2014/main" id="{94229F9E-513A-2B4E-0929-F408232EF023}"/>
+              </a:ext>
+            </a:extLst>
+          </p:cNvPr>
+          <p:cNvSpPr/>
+          <p:nvPr/>
+        </p:nvSpPr>
+        <p:spPr>
+          <a:xfrm>
+            <a:off x="9382156" y="5081889"/>
+            <a:ext cx="2124108" cy="534216"/>
+          </a:xfrm>
+          <a:prstGeom prst="rect">
+            <a:avLst/>
+          </a:prstGeom>
+          <a:solidFill>
+            <a:schemeClr val="bg1">
+              <a:lumMod val="85000"/>
+            </a:schemeClr>
+          </a:solidFill>
+          <a:ln>
+            <a:noFill/>
+          </a:ln>
+        </p:spPr>
+        <p:style>
+          <a:lnRef idx="1">
+            <a:schemeClr val="dk1"/>
+          </a:lnRef>
+          <a:fillRef idx="2">
+            <a:schemeClr val="dk1"/>
+          </a:fillRef>
+          <a:effectRef idx="1">
+            <a:schemeClr val="dk1"/>
+          </a:effectRef>
+          <a:fontRef idx="minor">
+            <a:schemeClr val="dk1"/>
+          </a:fontRef>
+        </p:style>
+        <p:txBody>
+          <a:bodyPr rtlCol="0" anchor="ctr"/>
+          <a:lstStyle/>
+          <a:p>
+            <a:pPr algn="ctr"/>
+            <a:endParaRPr kumimoji="1" lang="zh-CN" altLang="en-US"/>
+          </a:p>
+        </p:txBody>
+      </p:sp>
+      <p:sp>
+        <p:nvSpPr>
+          <p:cNvPr id="101" name="矩形 100">
+            <a:extLst>
+              <a:ext uri="{FF2B5EF4-FFF2-40B4-BE49-F238E27FC236}">
+                <a16:creationId xmlns:a16="http://schemas.microsoft.com/office/drawing/2014/main" id="{99E46BE9-1845-847A-BFD2-F6B6A2D1CF4F}"/>
+              </a:ext>
+            </a:extLst>
+          </p:cNvPr>
+          <p:cNvSpPr/>
+          <p:nvPr/>
+        </p:nvSpPr>
+        <p:spPr>
+          <a:xfrm>
+            <a:off x="6316926" y="5081889"/>
+            <a:ext cx="931631" cy="534216"/>
+          </a:xfrm>
+          <a:prstGeom prst="rect">
+            <a:avLst/>
+          </a:prstGeom>
+          <a:solidFill>
+            <a:schemeClr val="bg1">
+              <a:lumMod val="85000"/>
+            </a:schemeClr>
+          </a:solidFill>
+          <a:ln>
+            <a:noFill/>
+          </a:ln>
+        </p:spPr>
+        <p:style>
+          <a:lnRef idx="1">
+            <a:schemeClr val="dk1"/>
+          </a:lnRef>
+          <a:fillRef idx="2">
+            <a:schemeClr val="dk1"/>
+          </a:fillRef>
+          <a:effectRef idx="1">
+            <a:schemeClr val="dk1"/>
+          </a:effectRef>
+          <a:fontRef idx="minor">
+            <a:schemeClr val="dk1"/>
+          </a:fontRef>
+        </p:style>
+        <p:txBody>
+          <a:bodyPr rtlCol="0" anchor="ctr"/>
+          <a:lstStyle/>
+          <a:p>
+            <a:pPr algn="ctr"/>
+            <a:endParaRPr kumimoji="1" lang="zh-CN" altLang="en-US"/>
+          </a:p>
+        </p:txBody>
+      </p:sp>
+      <p:sp>
+        <p:nvSpPr>
+          <p:cNvPr id="100" name="矩形 99">
+            <a:extLst>
+              <a:ext uri="{FF2B5EF4-FFF2-40B4-BE49-F238E27FC236}">
+                <a16:creationId xmlns:a16="http://schemas.microsoft.com/office/drawing/2014/main" id="{B4FBC152-4C6E-158E-62D1-244EBAF58C31}"/>
+              </a:ext>
+            </a:extLst>
+          </p:cNvPr>
+          <p:cNvSpPr/>
+          <p:nvPr/>
+        </p:nvSpPr>
+        <p:spPr>
+          <a:xfrm>
+            <a:off x="10985671" y="3798362"/>
+            <a:ext cx="529567" cy="534216"/>
+          </a:xfrm>
+          <a:prstGeom prst="rect">
+            <a:avLst/>
+          </a:prstGeom>
+          <a:solidFill>
+            <a:schemeClr val="bg1">
+              <a:lumMod val="85000"/>
+            </a:schemeClr>
+          </a:solidFill>
+          <a:ln>
+            <a:noFill/>
+          </a:ln>
+        </p:spPr>
+        <p:style>
+          <a:lnRef idx="1">
+            <a:schemeClr val="dk1"/>
+          </a:lnRef>
+          <a:fillRef idx="2">
+            <a:schemeClr val="dk1"/>
+          </a:fillRef>
+          <a:effectRef idx="1">
+            <a:schemeClr val="dk1"/>
+          </a:effectRef>
+          <a:fontRef idx="minor">
+            <a:schemeClr val="dk1"/>
+          </a:fontRef>
+        </p:style>
+        <p:txBody>
+          <a:bodyPr rtlCol="0" anchor="ctr"/>
+          <a:lstStyle/>
+          <a:p>
+            <a:pPr algn="ctr"/>
+            <a:endParaRPr kumimoji="1" lang="zh-CN" altLang="en-US"/>
+          </a:p>
+        </p:txBody>
+      </p:sp>
+      <p:sp>
+        <p:nvSpPr>
+          <p:cNvPr id="99" name="矩形 98">
+            <a:extLst>
+              <a:ext uri="{FF2B5EF4-FFF2-40B4-BE49-F238E27FC236}">
+                <a16:creationId xmlns:a16="http://schemas.microsoft.com/office/drawing/2014/main" id="{5A1602D7-156F-CF09-071F-BF3FF9A26511}"/>
+              </a:ext>
+            </a:extLst>
+          </p:cNvPr>
+          <p:cNvSpPr/>
+          <p:nvPr/>
+        </p:nvSpPr>
+        <p:spPr>
+          <a:xfrm>
+            <a:off x="6316926" y="3809341"/>
+            <a:ext cx="1849193" cy="534216"/>
+          </a:xfrm>
+          <a:prstGeom prst="rect">
+            <a:avLst/>
+          </a:prstGeom>
+          <a:solidFill>
+            <a:schemeClr val="bg1">
+              <a:lumMod val="85000"/>
+            </a:schemeClr>
+          </a:solidFill>
+          <a:ln>
+            <a:noFill/>
+          </a:ln>
+        </p:spPr>
+        <p:style>
+          <a:lnRef idx="1">
+            <a:schemeClr val="dk1"/>
+          </a:lnRef>
+          <a:fillRef idx="2">
+            <a:schemeClr val="dk1"/>
+          </a:fillRef>
+          <a:effectRef idx="1">
+            <a:schemeClr val="dk1"/>
+          </a:effectRef>
+          <a:fontRef idx="minor">
+            <a:schemeClr val="dk1"/>
+          </a:fontRef>
+        </p:style>
+        <p:txBody>
+          <a:bodyPr rtlCol="0" anchor="ctr"/>
+          <a:lstStyle/>
+          <a:p>
+            <a:pPr algn="ctr"/>
+            <a:endParaRPr kumimoji="1" lang="zh-CN" altLang="en-US"/>
+          </a:p>
+        </p:txBody>
+      </p:sp>
+      <p:sp>
+        <p:nvSpPr>
+          <p:cNvPr id="98" name="矩形 97">
+            <a:extLst>
+              <a:ext uri="{FF2B5EF4-FFF2-40B4-BE49-F238E27FC236}">
+                <a16:creationId xmlns:a16="http://schemas.microsoft.com/office/drawing/2014/main" id="{150EAEFA-ECC3-D6FA-85D8-66D9971107FB}"/>
+              </a:ext>
+            </a:extLst>
+          </p:cNvPr>
+          <p:cNvSpPr/>
+          <p:nvPr/>
+        </p:nvSpPr>
+        <p:spPr>
+          <a:xfrm>
+            <a:off x="9095503" y="2570039"/>
+            <a:ext cx="2419735" cy="521137"/>
+          </a:xfrm>
+          <a:prstGeom prst="rect">
+            <a:avLst/>
+          </a:prstGeom>
+          <a:solidFill>
+            <a:schemeClr val="bg1">
+              <a:lumMod val="85000"/>
+            </a:schemeClr>
+          </a:solidFill>
+          <a:ln>
+            <a:noFill/>
+          </a:ln>
+        </p:spPr>
+        <p:style>
+          <a:lnRef idx="1">
+            <a:schemeClr val="dk1"/>
+          </a:lnRef>
+          <a:fillRef idx="2">
+            <a:schemeClr val="dk1"/>
+          </a:fillRef>
+          <a:effectRef idx="1">
+            <a:schemeClr val="dk1"/>
+          </a:effectRef>
+          <a:fontRef idx="minor">
+            <a:schemeClr val="dk1"/>
+          </a:fontRef>
+        </p:style>
+        <p:txBody>
+          <a:bodyPr rtlCol="0" anchor="ctr"/>
+          <a:lstStyle/>
+          <a:p>
+            <a:pPr algn="ctr"/>
+            <a:endParaRPr kumimoji="1" lang="zh-CN" altLang="en-US"/>
+          </a:p>
+        </p:txBody>
+      </p:sp>
+      <p:sp>
+        <p:nvSpPr>
+          <p:cNvPr id="97" name="矩形 96">
+            <a:extLst>
+              <a:ext uri="{FF2B5EF4-FFF2-40B4-BE49-F238E27FC236}">
+                <a16:creationId xmlns:a16="http://schemas.microsoft.com/office/drawing/2014/main" id="{7F0BBBCF-DA64-36A4-33CA-53B25A022EF2}"/>
+              </a:ext>
+            </a:extLst>
+          </p:cNvPr>
+          <p:cNvSpPr/>
+          <p:nvPr/>
+        </p:nvSpPr>
+        <p:spPr>
+          <a:xfrm>
+            <a:off x="6316927" y="2559002"/>
+            <a:ext cx="746099" cy="534216"/>
+          </a:xfrm>
+          <a:prstGeom prst="rect">
+            <a:avLst/>
+          </a:prstGeom>
+          <a:solidFill>
+            <a:schemeClr val="bg1">
+              <a:lumMod val="85000"/>
+            </a:schemeClr>
+          </a:solidFill>
+          <a:ln>
+            <a:noFill/>
+          </a:ln>
+        </p:spPr>
+        <p:style>
+          <a:lnRef idx="1">
+            <a:schemeClr val="dk1"/>
+          </a:lnRef>
+          <a:fillRef idx="2">
+            <a:schemeClr val="dk1"/>
+          </a:fillRef>
+          <a:effectRef idx="1">
+            <a:schemeClr val="dk1"/>
+          </a:effectRef>
+          <a:fontRef idx="minor">
+            <a:schemeClr val="dk1"/>
+          </a:fontRef>
+        </p:style>
+        <p:txBody>
+          <a:bodyPr rtlCol="0" anchor="ctr"/>
+          <a:lstStyle/>
+          <a:p>
+            <a:pPr algn="ctr"/>
+            <a:endParaRPr kumimoji="1" lang="zh-CN" altLang="en-US"/>
+          </a:p>
+        </p:txBody>
+      </p:sp>
+      <p:sp>
+        <p:nvSpPr>
           <p:cNvPr id="4" name="矩形 3">
             <a:extLst>
               <a:ext uri="{FF2B5EF4-FFF2-40B4-BE49-F238E27FC236}">
@@ -11084,7 +11396,7 @@
         </p:nvSpPr>
         <p:spPr>
           <a:xfrm>
-            <a:off x="1528550" y="1340892"/>
+            <a:off x="1156591" y="1263400"/>
             <a:ext cx="2975212" cy="4176215"/>
           </a:xfrm>
           <a:prstGeom prst="rect">
@@ -11112,7 +11424,7 @@
           <a:lstStyle/>
           <a:p>
             <a:pPr algn="ctr"/>
-            <a:endParaRPr kumimoji="1" lang="zh-CN" altLang="en-US"/>
+            <a:endParaRPr kumimoji="1" lang="zh-CN" altLang="en-US" dirty="0"/>
           </a:p>
         </p:txBody>
       </p:sp>
@@ -11132,7 +11444,7 @@
         </p:nvCxnSpPr>
         <p:spPr>
           <a:xfrm>
-            <a:off x="996287" y="1774209"/>
+            <a:off x="624328" y="1696717"/>
             <a:ext cx="532263" cy="0"/>
           </a:xfrm>
           <a:prstGeom prst="line">
@@ -11170,7 +11482,7 @@
         </p:nvCxnSpPr>
         <p:spPr>
           <a:xfrm>
-            <a:off x="996286" y="2662879"/>
+            <a:off x="624327" y="2585387"/>
             <a:ext cx="532263" cy="0"/>
           </a:xfrm>
           <a:prstGeom prst="line">
@@ -11208,7 +11520,7 @@
         </p:nvCxnSpPr>
         <p:spPr>
           <a:xfrm>
-            <a:off x="996286" y="5121072"/>
+            <a:off x="624327" y="5043580"/>
             <a:ext cx="532263" cy="0"/>
           </a:xfrm>
           <a:prstGeom prst="line">
@@ -11246,7 +11558,7 @@
         </p:nvCxnSpPr>
         <p:spPr>
           <a:xfrm>
-            <a:off x="4503762" y="1777015"/>
+            <a:off x="4131803" y="1699523"/>
             <a:ext cx="532263" cy="0"/>
           </a:xfrm>
           <a:prstGeom prst="line">
@@ -11284,7 +11596,7 @@
         </p:nvCxnSpPr>
         <p:spPr>
           <a:xfrm>
-            <a:off x="4503762" y="4467928"/>
+            <a:off x="4131803" y="4390436"/>
             <a:ext cx="532263" cy="0"/>
           </a:xfrm>
           <a:prstGeom prst="line">
@@ -11322,7 +11634,7 @@
         </p:nvCxnSpPr>
         <p:spPr>
           <a:xfrm flipV="1">
-            <a:off x="3016156" y="898699"/>
+            <a:off x="2644197" y="821207"/>
             <a:ext cx="0" cy="442193"/>
           </a:xfrm>
           <a:prstGeom prst="line">
@@ -11360,7 +11672,7 @@
         </p:nvCxnSpPr>
         <p:spPr>
           <a:xfrm flipV="1">
-            <a:off x="3002125" y="5517107"/>
+            <a:off x="2630166" y="5439615"/>
             <a:ext cx="0" cy="442193"/>
           </a:xfrm>
           <a:prstGeom prst="line">
@@ -11396,7 +11708,7 @@
         </p:nvSpPr>
         <p:spPr>
           <a:xfrm>
-            <a:off x="1528549" y="1589543"/>
+            <a:off x="1156590" y="1512051"/>
             <a:ext cx="343364" cy="369332"/>
           </a:xfrm>
           <a:prstGeom prst="rect">
@@ -11432,7 +11744,7 @@
         </p:nvSpPr>
         <p:spPr>
           <a:xfrm>
-            <a:off x="1528549" y="2478213"/>
+            <a:off x="1156590" y="2400721"/>
             <a:ext cx="360996" cy="369332"/>
           </a:xfrm>
           <a:prstGeom prst="rect">
@@ -11468,7 +11780,7 @@
         </p:nvSpPr>
         <p:spPr>
           <a:xfrm>
-            <a:off x="1709047" y="4936406"/>
+            <a:off x="1337088" y="4858914"/>
             <a:ext cx="455574" cy="369332"/>
           </a:xfrm>
           <a:prstGeom prst="rect">
@@ -11504,7 +11816,7 @@
         </p:nvSpPr>
         <p:spPr>
           <a:xfrm rot="5400000">
-            <a:off x="1454367" y="5016174"/>
+            <a:off x="1082408" y="4938682"/>
             <a:ext cx="358160" cy="209797"/>
           </a:xfrm>
           <a:prstGeom prst="triangle">
@@ -11550,7 +11862,7 @@
         </p:nvSpPr>
         <p:spPr>
           <a:xfrm>
-            <a:off x="2674952" y="5121072"/>
+            <a:off x="2302993" y="5043580"/>
             <a:ext cx="654346" cy="369332"/>
           </a:xfrm>
           <a:prstGeom prst="rect">
@@ -11586,7 +11898,7 @@
         </p:nvSpPr>
         <p:spPr>
           <a:xfrm>
-            <a:off x="3976053" y="4283262"/>
+            <a:off x="3604094" y="4205770"/>
             <a:ext cx="527709" cy="369332"/>
           </a:xfrm>
           <a:prstGeom prst="rect">
@@ -11622,7 +11934,7 @@
         </p:nvSpPr>
         <p:spPr>
           <a:xfrm>
-            <a:off x="4144368" y="1589543"/>
+            <a:off x="3772409" y="1512051"/>
             <a:ext cx="359394" cy="369332"/>
           </a:xfrm>
           <a:prstGeom prst="rect">
@@ -11658,7 +11970,7 @@
         </p:nvSpPr>
         <p:spPr>
           <a:xfrm>
-            <a:off x="2788369" y="1340892"/>
+            <a:off x="2416410" y="1263400"/>
             <a:ext cx="418704" cy="369332"/>
           </a:xfrm>
           <a:prstGeom prst="rect">
@@ -11696,7 +12008,7 @@
         </p:nvCxnSpPr>
         <p:spPr>
           <a:xfrm rot="16200000" flipV="1">
-            <a:off x="437169" y="3208954"/>
+            <a:off x="65210" y="3131462"/>
             <a:ext cx="3162197" cy="292708"/>
           </a:xfrm>
           <a:prstGeom prst="curvedConnector2">
@@ -11738,7 +12050,7 @@
         </p:nvCxnSpPr>
         <p:spPr>
           <a:xfrm rot="5400000" flipH="1" flipV="1">
-            <a:off x="1481062" y="2457767"/>
+            <a:off x="1109103" y="2380275"/>
             <a:ext cx="3346864" cy="1979748"/>
           </a:xfrm>
           <a:prstGeom prst="curvedConnector2">
@@ -11780,7 +12092,7 @@
         </p:nvCxnSpPr>
         <p:spPr>
           <a:xfrm>
-            <a:off x="2164620" y="5121072"/>
+            <a:off x="1792661" y="5043580"/>
             <a:ext cx="1164678" cy="184666"/>
           </a:xfrm>
           <a:prstGeom prst="curvedConnector5">
@@ -11809,6 +12121,1399 @@
           </a:fontRef>
         </p:style>
       </p:cxnSp>
+      <p:sp>
+        <p:nvSpPr>
+          <p:cNvPr id="37" name="文本框 36">
+            <a:extLst>
+              <a:ext uri="{FF2B5EF4-FFF2-40B4-BE49-F238E27FC236}">
+                <a16:creationId xmlns:a16="http://schemas.microsoft.com/office/drawing/2014/main" id="{A3939320-9945-587D-51EB-CFD1152AAFC2}"/>
+              </a:ext>
+            </a:extLst>
+          </p:cNvPr>
+          <p:cNvSpPr txBox="1"/>
+          <p:nvPr/>
+        </p:nvSpPr>
+        <p:spPr>
+          <a:xfrm>
+            <a:off x="1469908" y="1707666"/>
+            <a:ext cx="976549" cy="646331"/>
+          </a:xfrm>
+          <a:prstGeom prst="rect">
+            <a:avLst/>
+          </a:prstGeom>
+          <a:noFill/>
+        </p:spPr>
+        <p:txBody>
+          <a:bodyPr wrap="none" rtlCol="0">
+            <a:spAutoFit/>
+          </a:bodyPr>
+          <a:lstStyle/>
+          <a:p>
+            <a:r>
+              <a:rPr kumimoji="1" lang="zh-CN" altLang="en-US" dirty="0"/>
+              <a:t>   建立</a:t>
+            </a:r>
+            <a:endParaRPr kumimoji="1" lang="en-US" altLang="zh-CN" dirty="0"/>
+          </a:p>
+          <a:p>
+            <a:r>
+              <a:rPr kumimoji="1" lang="zh-CN" altLang="en-US" dirty="0"/>
+              <a:t>（</a:t>
+            </a:r>
+            <a:r>
+              <a:rPr kumimoji="1" lang="en-US" altLang="zh-CN" dirty="0"/>
+              <a:t>R/F</a:t>
+            </a:r>
+            <a:r>
+              <a:rPr kumimoji="1" lang="zh-CN" altLang="en-US" dirty="0"/>
+              <a:t>）</a:t>
+            </a:r>
+          </a:p>
+        </p:txBody>
+      </p:sp>
+      <p:sp>
+        <p:nvSpPr>
+          <p:cNvPr id="38" name="文本框 37">
+            <a:extLst>
+              <a:ext uri="{FF2B5EF4-FFF2-40B4-BE49-F238E27FC236}">
+                <a16:creationId xmlns:a16="http://schemas.microsoft.com/office/drawing/2014/main" id="{8C9CEBC6-AD79-895A-7F47-11F2EC149F84}"/>
+              </a:ext>
+            </a:extLst>
+          </p:cNvPr>
+          <p:cNvSpPr txBox="1"/>
+          <p:nvPr/>
+        </p:nvSpPr>
+        <p:spPr>
+          <a:xfrm>
+            <a:off x="944993" y="3081405"/>
+            <a:ext cx="976549" cy="646331"/>
+          </a:xfrm>
+          <a:prstGeom prst="rect">
+            <a:avLst/>
+          </a:prstGeom>
+          <a:noFill/>
+        </p:spPr>
+        <p:txBody>
+          <a:bodyPr wrap="none" rtlCol="0">
+            <a:spAutoFit/>
+          </a:bodyPr>
+          <a:lstStyle/>
+          <a:p>
+            <a:r>
+              <a:rPr kumimoji="1" lang="zh-CN" altLang="en-US" dirty="0"/>
+              <a:t>   保持</a:t>
+            </a:r>
+            <a:endParaRPr kumimoji="1" lang="en-US" altLang="zh-CN" dirty="0"/>
+          </a:p>
+          <a:p>
+            <a:r>
+              <a:rPr kumimoji="1" lang="zh-CN" altLang="en-US" dirty="0"/>
+              <a:t>（</a:t>
+            </a:r>
+            <a:r>
+              <a:rPr kumimoji="1" lang="en-US" altLang="zh-CN" dirty="0"/>
+              <a:t>R/F</a:t>
+            </a:r>
+            <a:r>
+              <a:rPr kumimoji="1" lang="zh-CN" altLang="en-US" dirty="0"/>
+              <a:t>）</a:t>
+            </a:r>
+          </a:p>
+        </p:txBody>
+      </p:sp>
+      <p:sp>
+        <p:nvSpPr>
+          <p:cNvPr id="39" name="文本框 38">
+            <a:extLst>
+              <a:ext uri="{FF2B5EF4-FFF2-40B4-BE49-F238E27FC236}">
+                <a16:creationId xmlns:a16="http://schemas.microsoft.com/office/drawing/2014/main" id="{348DBEC4-BDFC-963A-112A-F95F02C827CE}"/>
+              </a:ext>
+            </a:extLst>
+          </p:cNvPr>
+          <p:cNvSpPr txBox="1"/>
+          <p:nvPr/>
+        </p:nvSpPr>
+        <p:spPr>
+          <a:xfrm>
+            <a:off x="2292978" y="2770053"/>
+            <a:ext cx="1107996" cy="646331"/>
+          </a:xfrm>
+          <a:prstGeom prst="rect">
+            <a:avLst/>
+          </a:prstGeom>
+          <a:noFill/>
+        </p:spPr>
+        <p:txBody>
+          <a:bodyPr wrap="none" rtlCol="0">
+            <a:spAutoFit/>
+          </a:bodyPr>
+          <a:lstStyle/>
+          <a:p>
+            <a:r>
+              <a:rPr kumimoji="1" lang="zh-CN" altLang="en-US" dirty="0"/>
+              <a:t>传播延迟</a:t>
+            </a:r>
+            <a:endParaRPr kumimoji="1" lang="en-US" altLang="zh-CN" dirty="0"/>
+          </a:p>
+          <a:p>
+            <a:r>
+              <a:rPr kumimoji="1" lang="zh-CN" altLang="en-US" dirty="0"/>
+              <a:t>（</a:t>
+            </a:r>
+            <a:r>
+              <a:rPr kumimoji="1" lang="en-US" altLang="zh-CN" dirty="0"/>
+              <a:t>R/F</a:t>
+            </a:r>
+            <a:r>
+              <a:rPr kumimoji="1" lang="zh-CN" altLang="en-US" dirty="0"/>
+              <a:t>）</a:t>
+            </a:r>
+          </a:p>
+        </p:txBody>
+      </p:sp>
+      <p:sp>
+        <p:nvSpPr>
+          <p:cNvPr id="40" name="文本框 39">
+            <a:extLst>
+              <a:ext uri="{FF2B5EF4-FFF2-40B4-BE49-F238E27FC236}">
+                <a16:creationId xmlns:a16="http://schemas.microsoft.com/office/drawing/2014/main" id="{6EF1B9D1-A5FF-2C8E-14AC-10ED6B29A877}"/>
+              </a:ext>
+            </a:extLst>
+          </p:cNvPr>
+          <p:cNvSpPr txBox="1"/>
+          <p:nvPr/>
+        </p:nvSpPr>
+        <p:spPr>
+          <a:xfrm>
+            <a:off x="2302993" y="4476231"/>
+            <a:ext cx="1107996" cy="369332"/>
+          </a:xfrm>
+          <a:prstGeom prst="rect">
+            <a:avLst/>
+          </a:prstGeom>
+          <a:noFill/>
+        </p:spPr>
+        <p:txBody>
+          <a:bodyPr wrap="none" rtlCol="0">
+            <a:spAutoFit/>
+          </a:bodyPr>
+          <a:lstStyle/>
+          <a:p>
+            <a:r>
+              <a:rPr kumimoji="1" lang="zh-CN" altLang="en-US" dirty="0"/>
+              <a:t>恢复移除</a:t>
+            </a:r>
+          </a:p>
+        </p:txBody>
+      </p:sp>
+      <p:cxnSp>
+        <p:nvCxnSpPr>
+          <p:cNvPr id="42" name="肘形连接符 41">
+            <a:extLst>
+              <a:ext uri="{FF2B5EF4-FFF2-40B4-BE49-F238E27FC236}">
+                <a16:creationId xmlns:a16="http://schemas.microsoft.com/office/drawing/2014/main" id="{00179EDD-60D3-7D47-E823-A74242AD7314}"/>
+              </a:ext>
+            </a:extLst>
+          </p:cNvPr>
+          <p:cNvCxnSpPr>
+            <a:cxnSpLocks/>
+          </p:cNvCxnSpPr>
+          <p:nvPr/>
+        </p:nvCxnSpPr>
+        <p:spPr>
+          <a:xfrm>
+            <a:off x="8534535" y="1365626"/>
+            <a:ext cx="2980706" cy="534213"/>
+          </a:xfrm>
+          <a:prstGeom prst="bentConnector3">
+            <a:avLst/>
+          </a:prstGeom>
+        </p:spPr>
+        <p:style>
+          <a:lnRef idx="2">
+            <a:schemeClr val="accent1"/>
+          </a:lnRef>
+          <a:fillRef idx="0">
+            <a:schemeClr val="accent1"/>
+          </a:fillRef>
+          <a:effectRef idx="1">
+            <a:schemeClr val="accent1"/>
+          </a:effectRef>
+          <a:fontRef idx="minor">
+            <a:schemeClr val="tx1"/>
+          </a:fontRef>
+        </p:style>
+      </p:cxnSp>
+      <p:cxnSp>
+        <p:nvCxnSpPr>
+          <p:cNvPr id="44" name="肘形连接符 43">
+            <a:extLst>
+              <a:ext uri="{FF2B5EF4-FFF2-40B4-BE49-F238E27FC236}">
+                <a16:creationId xmlns:a16="http://schemas.microsoft.com/office/drawing/2014/main" id="{D908F1F3-9FEF-9D0B-7132-F60F63F627AC}"/>
+              </a:ext>
+            </a:extLst>
+          </p:cNvPr>
+          <p:cNvCxnSpPr>
+            <a:cxnSpLocks/>
+          </p:cNvCxnSpPr>
+          <p:nvPr/>
+        </p:nvCxnSpPr>
+        <p:spPr>
+          <a:xfrm rot="10800000" flipV="1">
+            <a:off x="6316927" y="1365623"/>
+            <a:ext cx="2217613" cy="534215"/>
+          </a:xfrm>
+          <a:prstGeom prst="bentConnector3">
+            <a:avLst>
+              <a:gd name="adj1" fmla="val 15938"/>
+            </a:avLst>
+          </a:prstGeom>
+        </p:spPr>
+        <p:style>
+          <a:lnRef idx="2">
+            <a:schemeClr val="accent1"/>
+          </a:lnRef>
+          <a:fillRef idx="0">
+            <a:schemeClr val="accent1"/>
+          </a:fillRef>
+          <a:effectRef idx="1">
+            <a:schemeClr val="accent1"/>
+          </a:effectRef>
+          <a:fontRef idx="minor">
+            <a:schemeClr val="tx1"/>
+          </a:fontRef>
+        </p:style>
+      </p:cxnSp>
+      <p:cxnSp>
+        <p:nvCxnSpPr>
+          <p:cNvPr id="53" name="直线连接符 52">
+            <a:extLst>
+              <a:ext uri="{FF2B5EF4-FFF2-40B4-BE49-F238E27FC236}">
+                <a16:creationId xmlns:a16="http://schemas.microsoft.com/office/drawing/2014/main" id="{5D0A9191-981F-8005-6A2C-98582ECB0951}"/>
+              </a:ext>
+            </a:extLst>
+          </p:cNvPr>
+          <p:cNvCxnSpPr>
+            <a:cxnSpLocks/>
+          </p:cNvCxnSpPr>
+          <p:nvPr/>
+        </p:nvCxnSpPr>
+        <p:spPr>
+          <a:xfrm>
+            <a:off x="6316927" y="2559002"/>
+            <a:ext cx="5198314" cy="0"/>
+          </a:xfrm>
+          <a:prstGeom prst="line">
+            <a:avLst/>
+          </a:prstGeom>
+        </p:spPr>
+        <p:style>
+          <a:lnRef idx="2">
+            <a:schemeClr val="accent1"/>
+          </a:lnRef>
+          <a:fillRef idx="0">
+            <a:schemeClr val="accent1"/>
+          </a:fillRef>
+          <a:effectRef idx="1">
+            <a:schemeClr val="accent1"/>
+          </a:effectRef>
+          <a:fontRef idx="minor">
+            <a:schemeClr val="tx1"/>
+          </a:fontRef>
+        </p:style>
+      </p:cxnSp>
+      <p:cxnSp>
+        <p:nvCxnSpPr>
+          <p:cNvPr id="55" name="直线连接符 54">
+            <a:extLst>
+              <a:ext uri="{FF2B5EF4-FFF2-40B4-BE49-F238E27FC236}">
+                <a16:creationId xmlns:a16="http://schemas.microsoft.com/office/drawing/2014/main" id="{E24778B2-5F8C-7DF4-9D0A-DC0DA36B5DC1}"/>
+              </a:ext>
+            </a:extLst>
+          </p:cNvPr>
+          <p:cNvCxnSpPr>
+            <a:cxnSpLocks/>
+          </p:cNvCxnSpPr>
+          <p:nvPr/>
+        </p:nvCxnSpPr>
+        <p:spPr>
+          <a:xfrm>
+            <a:off x="6316927" y="3093218"/>
+            <a:ext cx="5198314" cy="0"/>
+          </a:xfrm>
+          <a:prstGeom prst="line">
+            <a:avLst/>
+          </a:prstGeom>
+        </p:spPr>
+        <p:style>
+          <a:lnRef idx="2">
+            <a:schemeClr val="accent1"/>
+          </a:lnRef>
+          <a:fillRef idx="0">
+            <a:schemeClr val="accent1"/>
+          </a:fillRef>
+          <a:effectRef idx="1">
+            <a:schemeClr val="accent1"/>
+          </a:effectRef>
+          <a:fontRef idx="minor">
+            <a:schemeClr val="tx1"/>
+          </a:fontRef>
+        </p:style>
+      </p:cxnSp>
+      <p:cxnSp>
+        <p:nvCxnSpPr>
+          <p:cNvPr id="59" name="直线连接符 58">
+            <a:extLst>
+              <a:ext uri="{FF2B5EF4-FFF2-40B4-BE49-F238E27FC236}">
+                <a16:creationId xmlns:a16="http://schemas.microsoft.com/office/drawing/2014/main" id="{6C49502D-32C7-5A25-9B31-9E6251DE6460}"/>
+              </a:ext>
+            </a:extLst>
+          </p:cNvPr>
+          <p:cNvCxnSpPr>
+            <a:cxnSpLocks/>
+          </p:cNvCxnSpPr>
+          <p:nvPr/>
+        </p:nvCxnSpPr>
+        <p:spPr>
+          <a:xfrm>
+            <a:off x="6316927" y="3800026"/>
+            <a:ext cx="5198314" cy="0"/>
+          </a:xfrm>
+          <a:prstGeom prst="line">
+            <a:avLst/>
+          </a:prstGeom>
+        </p:spPr>
+        <p:style>
+          <a:lnRef idx="2">
+            <a:schemeClr val="accent1"/>
+          </a:lnRef>
+          <a:fillRef idx="0">
+            <a:schemeClr val="accent1"/>
+          </a:fillRef>
+          <a:effectRef idx="1">
+            <a:schemeClr val="accent1"/>
+          </a:effectRef>
+          <a:fontRef idx="minor">
+            <a:schemeClr val="tx1"/>
+          </a:fontRef>
+        </p:style>
+      </p:cxnSp>
+      <p:cxnSp>
+        <p:nvCxnSpPr>
+          <p:cNvPr id="60" name="直线连接符 59">
+            <a:extLst>
+              <a:ext uri="{FF2B5EF4-FFF2-40B4-BE49-F238E27FC236}">
+                <a16:creationId xmlns:a16="http://schemas.microsoft.com/office/drawing/2014/main" id="{43A1F88A-3275-25FF-4B81-29D24C897882}"/>
+              </a:ext>
+            </a:extLst>
+          </p:cNvPr>
+          <p:cNvCxnSpPr>
+            <a:cxnSpLocks/>
+          </p:cNvCxnSpPr>
+          <p:nvPr/>
+        </p:nvCxnSpPr>
+        <p:spPr>
+          <a:xfrm>
+            <a:off x="6316927" y="4334242"/>
+            <a:ext cx="5198314" cy="0"/>
+          </a:xfrm>
+          <a:prstGeom prst="line">
+            <a:avLst/>
+          </a:prstGeom>
+        </p:spPr>
+        <p:style>
+          <a:lnRef idx="2">
+            <a:schemeClr val="accent1"/>
+          </a:lnRef>
+          <a:fillRef idx="0">
+            <a:schemeClr val="accent1"/>
+          </a:fillRef>
+          <a:effectRef idx="1">
+            <a:schemeClr val="accent1"/>
+          </a:effectRef>
+          <a:fontRef idx="minor">
+            <a:schemeClr val="tx1"/>
+          </a:fontRef>
+        </p:style>
+      </p:cxnSp>
+      <p:cxnSp>
+        <p:nvCxnSpPr>
+          <p:cNvPr id="61" name="直线连接符 60">
+            <a:extLst>
+              <a:ext uri="{FF2B5EF4-FFF2-40B4-BE49-F238E27FC236}">
+                <a16:creationId xmlns:a16="http://schemas.microsoft.com/office/drawing/2014/main" id="{A8684259-3CA8-CF2F-370E-6C1D9CD4A62F}"/>
+              </a:ext>
+            </a:extLst>
+          </p:cNvPr>
+          <p:cNvCxnSpPr>
+            <a:cxnSpLocks/>
+          </p:cNvCxnSpPr>
+          <p:nvPr/>
+        </p:nvCxnSpPr>
+        <p:spPr>
+          <a:xfrm>
+            <a:off x="6316927" y="5083553"/>
+            <a:ext cx="5198314" cy="0"/>
+          </a:xfrm>
+          <a:prstGeom prst="line">
+            <a:avLst/>
+          </a:prstGeom>
+        </p:spPr>
+        <p:style>
+          <a:lnRef idx="2">
+            <a:schemeClr val="accent1"/>
+          </a:lnRef>
+          <a:fillRef idx="0">
+            <a:schemeClr val="accent1"/>
+          </a:fillRef>
+          <a:effectRef idx="1">
+            <a:schemeClr val="accent1"/>
+          </a:effectRef>
+          <a:fontRef idx="minor">
+            <a:schemeClr val="tx1"/>
+          </a:fontRef>
+        </p:style>
+      </p:cxnSp>
+      <p:cxnSp>
+        <p:nvCxnSpPr>
+          <p:cNvPr id="62" name="直线连接符 61">
+            <a:extLst>
+              <a:ext uri="{FF2B5EF4-FFF2-40B4-BE49-F238E27FC236}">
+                <a16:creationId xmlns:a16="http://schemas.microsoft.com/office/drawing/2014/main" id="{AFEB1022-9BC7-642C-86D0-543FD553492A}"/>
+              </a:ext>
+            </a:extLst>
+          </p:cNvPr>
+          <p:cNvCxnSpPr>
+            <a:cxnSpLocks/>
+          </p:cNvCxnSpPr>
+          <p:nvPr/>
+        </p:nvCxnSpPr>
+        <p:spPr>
+          <a:xfrm>
+            <a:off x="6316927" y="5617769"/>
+            <a:ext cx="5198314" cy="0"/>
+          </a:xfrm>
+          <a:prstGeom prst="line">
+            <a:avLst/>
+          </a:prstGeom>
+        </p:spPr>
+        <p:style>
+          <a:lnRef idx="2">
+            <a:schemeClr val="accent1"/>
+          </a:lnRef>
+          <a:fillRef idx="0">
+            <a:schemeClr val="accent1"/>
+          </a:fillRef>
+          <a:effectRef idx="1">
+            <a:schemeClr val="accent1"/>
+          </a:effectRef>
+          <a:fontRef idx="minor">
+            <a:schemeClr val="tx1"/>
+          </a:fontRef>
+        </p:style>
+      </p:cxnSp>
+      <p:sp>
+        <p:nvSpPr>
+          <p:cNvPr id="63" name="文本框 62">
+            <a:extLst>
+              <a:ext uri="{FF2B5EF4-FFF2-40B4-BE49-F238E27FC236}">
+                <a16:creationId xmlns:a16="http://schemas.microsoft.com/office/drawing/2014/main" id="{1B84B921-1CD1-8B1D-C141-E9FDDE62CD8D}"/>
+              </a:ext>
+            </a:extLst>
+          </p:cNvPr>
+          <p:cNvSpPr txBox="1"/>
+          <p:nvPr/>
+        </p:nvSpPr>
+        <p:spPr>
+          <a:xfrm>
+            <a:off x="5684926" y="1485506"/>
+            <a:ext cx="455574" cy="369332"/>
+          </a:xfrm>
+          <a:prstGeom prst="rect">
+            <a:avLst/>
+          </a:prstGeom>
+          <a:noFill/>
+        </p:spPr>
+        <p:txBody>
+          <a:bodyPr wrap="none" rtlCol="0">
+            <a:spAutoFit/>
+          </a:bodyPr>
+          <a:lstStyle/>
+          <a:p>
+            <a:r>
+              <a:rPr kumimoji="1" lang="en-US" altLang="zh-CN" dirty="0"/>
+              <a:t>CK</a:t>
+            </a:r>
+            <a:endParaRPr kumimoji="1" lang="zh-CN" altLang="en-US" dirty="0"/>
+          </a:p>
+        </p:txBody>
+      </p:sp>
+      <p:sp>
+        <p:nvSpPr>
+          <p:cNvPr id="64" name="文本框 63">
+            <a:extLst>
+              <a:ext uri="{FF2B5EF4-FFF2-40B4-BE49-F238E27FC236}">
+                <a16:creationId xmlns:a16="http://schemas.microsoft.com/office/drawing/2014/main" id="{7EA4A07B-2D55-C7E6-A156-6E926B82CF7A}"/>
+              </a:ext>
+            </a:extLst>
+          </p:cNvPr>
+          <p:cNvSpPr txBox="1"/>
+          <p:nvPr/>
+        </p:nvSpPr>
+        <p:spPr>
+          <a:xfrm>
+            <a:off x="5691128" y="2616964"/>
+            <a:ext cx="343364" cy="369332"/>
+          </a:xfrm>
+          <a:prstGeom prst="rect">
+            <a:avLst/>
+          </a:prstGeom>
+          <a:noFill/>
+        </p:spPr>
+        <p:txBody>
+          <a:bodyPr wrap="none" rtlCol="0">
+            <a:spAutoFit/>
+          </a:bodyPr>
+          <a:lstStyle/>
+          <a:p>
+            <a:r>
+              <a:rPr kumimoji="1" lang="en-US" altLang="zh-CN" dirty="0"/>
+              <a:t>D</a:t>
+            </a:r>
+            <a:endParaRPr kumimoji="1" lang="zh-CN" altLang="en-US" dirty="0"/>
+          </a:p>
+        </p:txBody>
+      </p:sp>
+      <p:sp>
+        <p:nvSpPr>
+          <p:cNvPr id="65" name="文本框 64">
+            <a:extLst>
+              <a:ext uri="{FF2B5EF4-FFF2-40B4-BE49-F238E27FC236}">
+                <a16:creationId xmlns:a16="http://schemas.microsoft.com/office/drawing/2014/main" id="{B5AF670B-2F3A-8D4E-F8D1-3D6496406CE2}"/>
+              </a:ext>
+            </a:extLst>
+          </p:cNvPr>
+          <p:cNvSpPr txBox="1"/>
+          <p:nvPr/>
+        </p:nvSpPr>
+        <p:spPr>
+          <a:xfrm>
+            <a:off x="5684926" y="3868015"/>
+            <a:ext cx="359394" cy="369332"/>
+          </a:xfrm>
+          <a:prstGeom prst="rect">
+            <a:avLst/>
+          </a:prstGeom>
+          <a:noFill/>
+        </p:spPr>
+        <p:txBody>
+          <a:bodyPr wrap="none" rtlCol="0">
+            <a:spAutoFit/>
+          </a:bodyPr>
+          <a:lstStyle/>
+          <a:p>
+            <a:r>
+              <a:rPr kumimoji="1" lang="en-US" altLang="zh-CN" dirty="0"/>
+              <a:t>Q</a:t>
+            </a:r>
+            <a:endParaRPr kumimoji="1" lang="zh-CN" altLang="en-US" dirty="0"/>
+          </a:p>
+        </p:txBody>
+      </p:sp>
+      <p:sp>
+        <p:nvSpPr>
+          <p:cNvPr id="66" name="文本框 65">
+            <a:extLst>
+              <a:ext uri="{FF2B5EF4-FFF2-40B4-BE49-F238E27FC236}">
+                <a16:creationId xmlns:a16="http://schemas.microsoft.com/office/drawing/2014/main" id="{EE2ABB7D-5C1A-59A0-9E03-7C80E82709B7}"/>
+              </a:ext>
+            </a:extLst>
+          </p:cNvPr>
+          <p:cNvSpPr txBox="1"/>
+          <p:nvPr/>
+        </p:nvSpPr>
+        <p:spPr>
+          <a:xfrm>
+            <a:off x="5676263" y="5152727"/>
+            <a:ext cx="654346" cy="369332"/>
+          </a:xfrm>
+          <a:prstGeom prst="rect">
+            <a:avLst/>
+          </a:prstGeom>
+          <a:noFill/>
+        </p:spPr>
+        <p:txBody>
+          <a:bodyPr wrap="none" rtlCol="0">
+            <a:spAutoFit/>
+          </a:bodyPr>
+          <a:lstStyle/>
+          <a:p>
+            <a:r>
+              <a:rPr kumimoji="1" lang="en-US" altLang="zh-CN" dirty="0"/>
+              <a:t>CDN</a:t>
+            </a:r>
+            <a:endParaRPr kumimoji="1" lang="zh-CN" altLang="en-US" dirty="0"/>
+          </a:p>
+        </p:txBody>
+      </p:sp>
+      <p:cxnSp>
+        <p:nvCxnSpPr>
+          <p:cNvPr id="68" name="直线连接符 67">
+            <a:extLst>
+              <a:ext uri="{FF2B5EF4-FFF2-40B4-BE49-F238E27FC236}">
+                <a16:creationId xmlns:a16="http://schemas.microsoft.com/office/drawing/2014/main" id="{5AB46E93-DE94-1DEA-D01B-E51BE9639CB9}"/>
+              </a:ext>
+            </a:extLst>
+          </p:cNvPr>
+          <p:cNvCxnSpPr>
+            <a:cxnSpLocks/>
+          </p:cNvCxnSpPr>
+          <p:nvPr/>
+        </p:nvCxnSpPr>
+        <p:spPr>
+          <a:xfrm>
+            <a:off x="8175693" y="905083"/>
+            <a:ext cx="0" cy="4475911"/>
+          </a:xfrm>
+          <a:prstGeom prst="line">
+            <a:avLst/>
+          </a:prstGeom>
+          <a:ln>
+            <a:prstDash val="dash"/>
+          </a:ln>
+        </p:spPr>
+        <p:style>
+          <a:lnRef idx="2">
+            <a:schemeClr val="accent1"/>
+          </a:lnRef>
+          <a:fillRef idx="0">
+            <a:schemeClr val="accent1"/>
+          </a:fillRef>
+          <a:effectRef idx="1">
+            <a:schemeClr val="accent1"/>
+          </a:effectRef>
+          <a:fontRef idx="minor">
+            <a:schemeClr val="tx1"/>
+          </a:fontRef>
+        </p:style>
+      </p:cxnSp>
+      <p:cxnSp>
+        <p:nvCxnSpPr>
+          <p:cNvPr id="70" name="直线连接符 69">
+            <a:extLst>
+              <a:ext uri="{FF2B5EF4-FFF2-40B4-BE49-F238E27FC236}">
+                <a16:creationId xmlns:a16="http://schemas.microsoft.com/office/drawing/2014/main" id="{8EBE348B-B2D4-84B6-95F6-7896E0695C86}"/>
+              </a:ext>
+            </a:extLst>
+          </p:cNvPr>
+          <p:cNvCxnSpPr>
+            <a:cxnSpLocks/>
+          </p:cNvCxnSpPr>
+          <p:nvPr/>
+        </p:nvCxnSpPr>
+        <p:spPr>
+          <a:xfrm>
+            <a:off x="10024888" y="905082"/>
+            <a:ext cx="0" cy="976301"/>
+          </a:xfrm>
+          <a:prstGeom prst="line">
+            <a:avLst/>
+          </a:prstGeom>
+          <a:ln>
+            <a:prstDash val="dash"/>
+          </a:ln>
+        </p:spPr>
+        <p:style>
+          <a:lnRef idx="2">
+            <a:schemeClr val="accent1"/>
+          </a:lnRef>
+          <a:fillRef idx="0">
+            <a:schemeClr val="accent1"/>
+          </a:fillRef>
+          <a:effectRef idx="1">
+            <a:schemeClr val="accent1"/>
+          </a:effectRef>
+          <a:fontRef idx="minor">
+            <a:schemeClr val="tx1"/>
+          </a:fontRef>
+        </p:style>
+      </p:cxnSp>
+      <p:cxnSp>
+        <p:nvCxnSpPr>
+          <p:cNvPr id="73" name="直线箭头连接符 72">
+            <a:extLst>
+              <a:ext uri="{FF2B5EF4-FFF2-40B4-BE49-F238E27FC236}">
+                <a16:creationId xmlns:a16="http://schemas.microsoft.com/office/drawing/2014/main" id="{8782FD81-3878-B747-A0E2-FDCBA361545A}"/>
+              </a:ext>
+            </a:extLst>
+          </p:cNvPr>
+          <p:cNvCxnSpPr>
+            <a:cxnSpLocks/>
+          </p:cNvCxnSpPr>
+          <p:nvPr/>
+        </p:nvCxnSpPr>
+        <p:spPr>
+          <a:xfrm>
+            <a:off x="8166120" y="1205581"/>
+            <a:ext cx="1858767" cy="0"/>
+          </a:xfrm>
+          <a:prstGeom prst="straightConnector1">
+            <a:avLst/>
+          </a:prstGeom>
+          <a:ln>
+            <a:headEnd type="triangle"/>
+            <a:tailEnd type="triangle"/>
+          </a:ln>
+        </p:spPr>
+        <p:style>
+          <a:lnRef idx="2">
+            <a:schemeClr val="accent1"/>
+          </a:lnRef>
+          <a:fillRef idx="0">
+            <a:schemeClr val="accent1"/>
+          </a:fillRef>
+          <a:effectRef idx="1">
+            <a:schemeClr val="accent1"/>
+          </a:effectRef>
+          <a:fontRef idx="minor">
+            <a:schemeClr val="tx1"/>
+          </a:fontRef>
+        </p:style>
+      </p:cxnSp>
+      <p:cxnSp>
+        <p:nvCxnSpPr>
+          <p:cNvPr id="76" name="直线连接符 75">
+            <a:extLst>
+              <a:ext uri="{FF2B5EF4-FFF2-40B4-BE49-F238E27FC236}">
+                <a16:creationId xmlns:a16="http://schemas.microsoft.com/office/drawing/2014/main" id="{3E891CC9-B499-ED74-0378-834F361B0017}"/>
+              </a:ext>
+            </a:extLst>
+          </p:cNvPr>
+          <p:cNvCxnSpPr>
+            <a:cxnSpLocks/>
+          </p:cNvCxnSpPr>
+          <p:nvPr/>
+        </p:nvCxnSpPr>
+        <p:spPr>
+          <a:xfrm>
+            <a:off x="7063027" y="2281902"/>
+            <a:ext cx="0" cy="976301"/>
+          </a:xfrm>
+          <a:prstGeom prst="line">
+            <a:avLst/>
+          </a:prstGeom>
+          <a:ln>
+            <a:prstDash val="dash"/>
+          </a:ln>
+        </p:spPr>
+        <p:style>
+          <a:lnRef idx="2">
+            <a:schemeClr val="accent1"/>
+          </a:lnRef>
+          <a:fillRef idx="0">
+            <a:schemeClr val="accent1"/>
+          </a:fillRef>
+          <a:effectRef idx="1">
+            <a:schemeClr val="accent1"/>
+          </a:effectRef>
+          <a:fontRef idx="minor">
+            <a:schemeClr val="tx1"/>
+          </a:fontRef>
+        </p:style>
+      </p:cxnSp>
+      <p:cxnSp>
+        <p:nvCxnSpPr>
+          <p:cNvPr id="77" name="直线连接符 76">
+            <a:extLst>
+              <a:ext uri="{FF2B5EF4-FFF2-40B4-BE49-F238E27FC236}">
+                <a16:creationId xmlns:a16="http://schemas.microsoft.com/office/drawing/2014/main" id="{2A64B703-567A-F54A-4673-CC76478095A4}"/>
+              </a:ext>
+            </a:extLst>
+          </p:cNvPr>
+          <p:cNvCxnSpPr>
+            <a:cxnSpLocks/>
+          </p:cNvCxnSpPr>
+          <p:nvPr/>
+        </p:nvCxnSpPr>
+        <p:spPr>
+          <a:xfrm>
+            <a:off x="9095504" y="2281901"/>
+            <a:ext cx="0" cy="976301"/>
+          </a:xfrm>
+          <a:prstGeom prst="line">
+            <a:avLst/>
+          </a:prstGeom>
+          <a:ln>
+            <a:prstDash val="dash"/>
+          </a:ln>
+        </p:spPr>
+        <p:style>
+          <a:lnRef idx="2">
+            <a:schemeClr val="accent1"/>
+          </a:lnRef>
+          <a:fillRef idx="0">
+            <a:schemeClr val="accent1"/>
+          </a:fillRef>
+          <a:effectRef idx="1">
+            <a:schemeClr val="accent1"/>
+          </a:effectRef>
+          <a:fontRef idx="minor">
+            <a:schemeClr val="tx1"/>
+          </a:fontRef>
+        </p:style>
+      </p:cxnSp>
+      <p:cxnSp>
+        <p:nvCxnSpPr>
+          <p:cNvPr id="78" name="直线连接符 77">
+            <a:extLst>
+              <a:ext uri="{FF2B5EF4-FFF2-40B4-BE49-F238E27FC236}">
+                <a16:creationId xmlns:a16="http://schemas.microsoft.com/office/drawing/2014/main" id="{ED70B3E6-BC31-1B84-4827-5B2BACB956D6}"/>
+              </a:ext>
+            </a:extLst>
+          </p:cNvPr>
+          <p:cNvCxnSpPr>
+            <a:cxnSpLocks/>
+          </p:cNvCxnSpPr>
+          <p:nvPr/>
+        </p:nvCxnSpPr>
+        <p:spPr>
+          <a:xfrm>
+            <a:off x="10985671" y="3501648"/>
+            <a:ext cx="0" cy="976301"/>
+          </a:xfrm>
+          <a:prstGeom prst="line">
+            <a:avLst/>
+          </a:prstGeom>
+          <a:ln>
+            <a:prstDash val="dash"/>
+          </a:ln>
+        </p:spPr>
+        <p:style>
+          <a:lnRef idx="2">
+            <a:schemeClr val="accent1"/>
+          </a:lnRef>
+          <a:fillRef idx="0">
+            <a:schemeClr val="accent1"/>
+          </a:fillRef>
+          <a:effectRef idx="1">
+            <a:schemeClr val="accent1"/>
+          </a:effectRef>
+          <a:fontRef idx="minor">
+            <a:schemeClr val="tx1"/>
+          </a:fontRef>
+        </p:style>
+      </p:cxnSp>
+      <p:cxnSp>
+        <p:nvCxnSpPr>
+          <p:cNvPr id="79" name="直线连接符 78">
+            <a:extLst>
+              <a:ext uri="{FF2B5EF4-FFF2-40B4-BE49-F238E27FC236}">
+                <a16:creationId xmlns:a16="http://schemas.microsoft.com/office/drawing/2014/main" id="{420FE31F-6C90-0A8B-D298-F13A7D47F66B}"/>
+              </a:ext>
+            </a:extLst>
+          </p:cNvPr>
+          <p:cNvCxnSpPr>
+            <a:cxnSpLocks/>
+          </p:cNvCxnSpPr>
+          <p:nvPr/>
+        </p:nvCxnSpPr>
+        <p:spPr>
+          <a:xfrm>
+            <a:off x="7248558" y="4807131"/>
+            <a:ext cx="0" cy="976301"/>
+          </a:xfrm>
+          <a:prstGeom prst="line">
+            <a:avLst/>
+          </a:prstGeom>
+          <a:ln>
+            <a:prstDash val="dash"/>
+          </a:ln>
+        </p:spPr>
+        <p:style>
+          <a:lnRef idx="2">
+            <a:schemeClr val="accent1"/>
+          </a:lnRef>
+          <a:fillRef idx="0">
+            <a:schemeClr val="accent1"/>
+          </a:fillRef>
+          <a:effectRef idx="1">
+            <a:schemeClr val="accent1"/>
+          </a:effectRef>
+          <a:fontRef idx="minor">
+            <a:schemeClr val="tx1"/>
+          </a:fontRef>
+        </p:style>
+      </p:cxnSp>
+      <p:cxnSp>
+        <p:nvCxnSpPr>
+          <p:cNvPr id="80" name="直线连接符 79">
+            <a:extLst>
+              <a:ext uri="{FF2B5EF4-FFF2-40B4-BE49-F238E27FC236}">
+                <a16:creationId xmlns:a16="http://schemas.microsoft.com/office/drawing/2014/main" id="{19D4D05C-5AFB-31BE-D758-F5581DD3943C}"/>
+              </a:ext>
+            </a:extLst>
+          </p:cNvPr>
+          <p:cNvCxnSpPr>
+            <a:cxnSpLocks/>
+          </p:cNvCxnSpPr>
+          <p:nvPr/>
+        </p:nvCxnSpPr>
+        <p:spPr>
+          <a:xfrm>
+            <a:off x="9382157" y="4807131"/>
+            <a:ext cx="0" cy="976301"/>
+          </a:xfrm>
+          <a:prstGeom prst="line">
+            <a:avLst/>
+          </a:prstGeom>
+          <a:ln>
+            <a:prstDash val="dash"/>
+          </a:ln>
+        </p:spPr>
+        <p:style>
+          <a:lnRef idx="2">
+            <a:schemeClr val="accent1"/>
+          </a:lnRef>
+          <a:fillRef idx="0">
+            <a:schemeClr val="accent1"/>
+          </a:fillRef>
+          <a:effectRef idx="1">
+            <a:schemeClr val="accent1"/>
+          </a:effectRef>
+          <a:fontRef idx="minor">
+            <a:schemeClr val="tx1"/>
+          </a:fontRef>
+        </p:style>
+      </p:cxnSp>
+      <p:cxnSp>
+        <p:nvCxnSpPr>
+          <p:cNvPr id="81" name="直线箭头连接符 80">
+            <a:extLst>
+              <a:ext uri="{FF2B5EF4-FFF2-40B4-BE49-F238E27FC236}">
+                <a16:creationId xmlns:a16="http://schemas.microsoft.com/office/drawing/2014/main" id="{6D388317-CDD7-1642-A228-AC6139AEA758}"/>
+              </a:ext>
+            </a:extLst>
+          </p:cNvPr>
+          <p:cNvCxnSpPr>
+            <a:cxnSpLocks/>
+          </p:cNvCxnSpPr>
+          <p:nvPr/>
+        </p:nvCxnSpPr>
+        <p:spPr>
+          <a:xfrm>
+            <a:off x="7063027" y="2417146"/>
+            <a:ext cx="1112666" cy="0"/>
+          </a:xfrm>
+          <a:prstGeom prst="straightConnector1">
+            <a:avLst/>
+          </a:prstGeom>
+          <a:ln>
+            <a:headEnd type="triangle"/>
+            <a:tailEnd type="triangle"/>
+          </a:ln>
+        </p:spPr>
+        <p:style>
+          <a:lnRef idx="2">
+            <a:schemeClr val="accent1"/>
+          </a:lnRef>
+          <a:fillRef idx="0">
+            <a:schemeClr val="accent1"/>
+          </a:fillRef>
+          <a:effectRef idx="1">
+            <a:schemeClr val="accent1"/>
+          </a:effectRef>
+          <a:fontRef idx="minor">
+            <a:schemeClr val="tx1"/>
+          </a:fontRef>
+        </p:style>
+      </p:cxnSp>
+      <p:cxnSp>
+        <p:nvCxnSpPr>
+          <p:cNvPr id="83" name="直线箭头连接符 82">
+            <a:extLst>
+              <a:ext uri="{FF2B5EF4-FFF2-40B4-BE49-F238E27FC236}">
+                <a16:creationId xmlns:a16="http://schemas.microsoft.com/office/drawing/2014/main" id="{71ACAD66-89E4-AE34-A847-CD5235561FA1}"/>
+              </a:ext>
+            </a:extLst>
+          </p:cNvPr>
+          <p:cNvCxnSpPr>
+            <a:cxnSpLocks/>
+          </p:cNvCxnSpPr>
+          <p:nvPr/>
+        </p:nvCxnSpPr>
+        <p:spPr>
+          <a:xfrm>
+            <a:off x="8175693" y="2417146"/>
+            <a:ext cx="919811" cy="0"/>
+          </a:xfrm>
+          <a:prstGeom prst="straightConnector1">
+            <a:avLst/>
+          </a:prstGeom>
+          <a:ln>
+            <a:headEnd type="triangle"/>
+            <a:tailEnd type="triangle"/>
+          </a:ln>
+        </p:spPr>
+        <p:style>
+          <a:lnRef idx="2">
+            <a:schemeClr val="accent1"/>
+          </a:lnRef>
+          <a:fillRef idx="0">
+            <a:schemeClr val="accent1"/>
+          </a:fillRef>
+          <a:effectRef idx="1">
+            <a:schemeClr val="accent1"/>
+          </a:effectRef>
+          <a:fontRef idx="minor">
+            <a:schemeClr val="tx1"/>
+          </a:fontRef>
+        </p:style>
+      </p:cxnSp>
+      <p:cxnSp>
+        <p:nvCxnSpPr>
+          <p:cNvPr id="85" name="直线箭头连接符 84">
+            <a:extLst>
+              <a:ext uri="{FF2B5EF4-FFF2-40B4-BE49-F238E27FC236}">
+                <a16:creationId xmlns:a16="http://schemas.microsoft.com/office/drawing/2014/main" id="{3143DF27-470D-F903-0C21-AAE42C2D956C}"/>
+              </a:ext>
+            </a:extLst>
+          </p:cNvPr>
+          <p:cNvCxnSpPr>
+            <a:cxnSpLocks/>
+          </p:cNvCxnSpPr>
+          <p:nvPr/>
+        </p:nvCxnSpPr>
+        <p:spPr>
+          <a:xfrm>
+            <a:off x="8175693" y="3634971"/>
+            <a:ext cx="2809978" cy="0"/>
+          </a:xfrm>
+          <a:prstGeom prst="straightConnector1">
+            <a:avLst/>
+          </a:prstGeom>
+          <a:ln>
+            <a:headEnd type="triangle"/>
+            <a:tailEnd type="triangle"/>
+          </a:ln>
+        </p:spPr>
+        <p:style>
+          <a:lnRef idx="2">
+            <a:schemeClr val="accent1"/>
+          </a:lnRef>
+          <a:fillRef idx="0">
+            <a:schemeClr val="accent1"/>
+          </a:fillRef>
+          <a:effectRef idx="1">
+            <a:schemeClr val="accent1"/>
+          </a:effectRef>
+          <a:fontRef idx="minor">
+            <a:schemeClr val="tx1"/>
+          </a:fontRef>
+        </p:style>
+      </p:cxnSp>
+      <p:cxnSp>
+        <p:nvCxnSpPr>
+          <p:cNvPr id="87" name="直线箭头连接符 86">
+            <a:extLst>
+              <a:ext uri="{FF2B5EF4-FFF2-40B4-BE49-F238E27FC236}">
+                <a16:creationId xmlns:a16="http://schemas.microsoft.com/office/drawing/2014/main" id="{E103B4ED-6E77-3D21-962D-4CC9C9AD7CCE}"/>
+              </a:ext>
+            </a:extLst>
+          </p:cNvPr>
+          <p:cNvCxnSpPr>
+            <a:cxnSpLocks/>
+          </p:cNvCxnSpPr>
+          <p:nvPr/>
+        </p:nvCxnSpPr>
+        <p:spPr>
+          <a:xfrm>
+            <a:off x="7255206" y="4960023"/>
+            <a:ext cx="920487" cy="0"/>
+          </a:xfrm>
+          <a:prstGeom prst="straightConnector1">
+            <a:avLst/>
+          </a:prstGeom>
+          <a:ln>
+            <a:headEnd type="triangle"/>
+            <a:tailEnd type="triangle"/>
+          </a:ln>
+        </p:spPr>
+        <p:style>
+          <a:lnRef idx="2">
+            <a:schemeClr val="accent1"/>
+          </a:lnRef>
+          <a:fillRef idx="0">
+            <a:schemeClr val="accent1"/>
+          </a:fillRef>
+          <a:effectRef idx="1">
+            <a:schemeClr val="accent1"/>
+          </a:effectRef>
+          <a:fontRef idx="minor">
+            <a:schemeClr val="tx1"/>
+          </a:fontRef>
+        </p:style>
+      </p:cxnSp>
+      <p:cxnSp>
+        <p:nvCxnSpPr>
+          <p:cNvPr id="89" name="直线箭头连接符 88">
+            <a:extLst>
+              <a:ext uri="{FF2B5EF4-FFF2-40B4-BE49-F238E27FC236}">
+                <a16:creationId xmlns:a16="http://schemas.microsoft.com/office/drawing/2014/main" id="{656A7E9D-ACD8-E884-E52C-20F6BC5FA060}"/>
+              </a:ext>
+            </a:extLst>
+          </p:cNvPr>
+          <p:cNvCxnSpPr>
+            <a:cxnSpLocks/>
+          </p:cNvCxnSpPr>
+          <p:nvPr/>
+        </p:nvCxnSpPr>
+        <p:spPr>
+          <a:xfrm>
+            <a:off x="8175693" y="4960023"/>
+            <a:ext cx="1206464" cy="0"/>
+          </a:xfrm>
+          <a:prstGeom prst="straightConnector1">
+            <a:avLst/>
+          </a:prstGeom>
+          <a:ln>
+            <a:headEnd type="triangle"/>
+            <a:tailEnd type="triangle"/>
+          </a:ln>
+        </p:spPr>
+        <p:style>
+          <a:lnRef idx="2">
+            <a:schemeClr val="accent1"/>
+          </a:lnRef>
+          <a:fillRef idx="0">
+            <a:schemeClr val="accent1"/>
+          </a:fillRef>
+          <a:effectRef idx="1">
+            <a:schemeClr val="accent1"/>
+          </a:effectRef>
+          <a:fontRef idx="minor">
+            <a:schemeClr val="tx1"/>
+          </a:fontRef>
+        </p:style>
+      </p:cxnSp>
+      <p:sp>
+        <p:nvSpPr>
+          <p:cNvPr id="91" name="文本框 90">
+            <a:extLst>
+              <a:ext uri="{FF2B5EF4-FFF2-40B4-BE49-F238E27FC236}">
+                <a16:creationId xmlns:a16="http://schemas.microsoft.com/office/drawing/2014/main" id="{3F028295-E614-1287-332E-B54EE16AEDC7}"/>
+              </a:ext>
+            </a:extLst>
+          </p:cNvPr>
+          <p:cNvSpPr txBox="1"/>
+          <p:nvPr/>
+        </p:nvSpPr>
+        <p:spPr>
+          <a:xfrm>
+            <a:off x="8779662" y="869135"/>
+            <a:ext cx="646331" cy="369332"/>
+          </a:xfrm>
+          <a:prstGeom prst="rect">
+            <a:avLst/>
+          </a:prstGeom>
+          <a:noFill/>
+        </p:spPr>
+        <p:txBody>
+          <a:bodyPr wrap="none" rtlCol="0">
+            <a:spAutoFit/>
+          </a:bodyPr>
+          <a:lstStyle/>
+          <a:p>
+            <a:r>
+              <a:rPr kumimoji="1" lang="zh-CN" altLang="en-US" dirty="0"/>
+              <a:t>检查</a:t>
+            </a:r>
+          </a:p>
+        </p:txBody>
+      </p:sp>
+      <p:sp>
+        <p:nvSpPr>
+          <p:cNvPr id="92" name="文本框 91">
+            <a:extLst>
+              <a:ext uri="{FF2B5EF4-FFF2-40B4-BE49-F238E27FC236}">
+                <a16:creationId xmlns:a16="http://schemas.microsoft.com/office/drawing/2014/main" id="{B6752DDD-BDB8-D8B9-11AC-B942CFCC69FC}"/>
+              </a:ext>
+            </a:extLst>
+          </p:cNvPr>
+          <p:cNvSpPr txBox="1"/>
+          <p:nvPr/>
+        </p:nvSpPr>
+        <p:spPr>
+          <a:xfrm>
+            <a:off x="7296194" y="2079002"/>
+            <a:ext cx="646331" cy="369332"/>
+          </a:xfrm>
+          <a:prstGeom prst="rect">
+            <a:avLst/>
+          </a:prstGeom>
+          <a:noFill/>
+        </p:spPr>
+        <p:txBody>
+          <a:bodyPr wrap="none" rtlCol="0">
+            <a:spAutoFit/>
+          </a:bodyPr>
+          <a:lstStyle/>
+          <a:p>
+            <a:r>
+              <a:rPr kumimoji="1" lang="zh-CN" altLang="en-US" dirty="0"/>
+              <a:t>建立</a:t>
+            </a:r>
+          </a:p>
+        </p:txBody>
+      </p:sp>
+      <p:sp>
+        <p:nvSpPr>
+          <p:cNvPr id="93" name="文本框 92">
+            <a:extLst>
+              <a:ext uri="{FF2B5EF4-FFF2-40B4-BE49-F238E27FC236}">
+                <a16:creationId xmlns:a16="http://schemas.microsoft.com/office/drawing/2014/main" id="{46524A79-8EEA-458D-C166-F15A6F35ABFC}"/>
+              </a:ext>
+            </a:extLst>
+          </p:cNvPr>
+          <p:cNvSpPr txBox="1"/>
+          <p:nvPr/>
+        </p:nvSpPr>
+        <p:spPr>
+          <a:xfrm>
+            <a:off x="8320632" y="2065147"/>
+            <a:ext cx="646331" cy="369332"/>
+          </a:xfrm>
+          <a:prstGeom prst="rect">
+            <a:avLst/>
+          </a:prstGeom>
+          <a:noFill/>
+        </p:spPr>
+        <p:txBody>
+          <a:bodyPr wrap="none" rtlCol="0">
+            <a:spAutoFit/>
+          </a:bodyPr>
+          <a:lstStyle/>
+          <a:p>
+            <a:r>
+              <a:rPr kumimoji="1" lang="zh-CN" altLang="en-US" dirty="0"/>
+              <a:t>保持</a:t>
+            </a:r>
+          </a:p>
+        </p:txBody>
+      </p:sp>
+      <p:sp>
+        <p:nvSpPr>
+          <p:cNvPr id="94" name="文本框 93">
+            <a:extLst>
+              <a:ext uri="{FF2B5EF4-FFF2-40B4-BE49-F238E27FC236}">
+                <a16:creationId xmlns:a16="http://schemas.microsoft.com/office/drawing/2014/main" id="{328D7315-C48C-8088-F10F-A03B12423DAE}"/>
+              </a:ext>
+            </a:extLst>
+          </p:cNvPr>
+          <p:cNvSpPr txBox="1"/>
+          <p:nvPr/>
+        </p:nvSpPr>
+        <p:spPr>
+          <a:xfrm>
+            <a:off x="9173327" y="3267681"/>
+            <a:ext cx="861133" cy="369332"/>
+          </a:xfrm>
+          <a:prstGeom prst="rect">
+            <a:avLst/>
+          </a:prstGeom>
+          <a:noFill/>
+        </p:spPr>
+        <p:txBody>
+          <a:bodyPr wrap="none" rtlCol="0">
+            <a:spAutoFit/>
+          </a:bodyPr>
+          <a:lstStyle/>
+          <a:p>
+            <a:r>
+              <a:rPr kumimoji="1" lang="en-US" altLang="zh-CN" dirty="0"/>
+              <a:t>CK</a:t>
+            </a:r>
+            <a:r>
+              <a:rPr kumimoji="1" lang="zh-CN" altLang="en-US" dirty="0"/>
+              <a:t>到</a:t>
+            </a:r>
+            <a:r>
+              <a:rPr kumimoji="1" lang="en-US" altLang="zh-CN" dirty="0"/>
+              <a:t>Q</a:t>
+            </a:r>
+            <a:endParaRPr kumimoji="1" lang="zh-CN" altLang="en-US" dirty="0"/>
+          </a:p>
+        </p:txBody>
+      </p:sp>
+      <p:sp>
+        <p:nvSpPr>
+          <p:cNvPr id="95" name="文本框 94">
+            <a:extLst>
+              <a:ext uri="{FF2B5EF4-FFF2-40B4-BE49-F238E27FC236}">
+                <a16:creationId xmlns:a16="http://schemas.microsoft.com/office/drawing/2014/main" id="{D36DE4A0-6644-D1C9-454D-ABE4DFB18FC6}"/>
+              </a:ext>
+            </a:extLst>
+          </p:cNvPr>
+          <p:cNvSpPr txBox="1"/>
+          <p:nvPr/>
+        </p:nvSpPr>
+        <p:spPr>
+          <a:xfrm>
+            <a:off x="7412778" y="4610665"/>
+            <a:ext cx="646331" cy="369332"/>
+          </a:xfrm>
+          <a:prstGeom prst="rect">
+            <a:avLst/>
+          </a:prstGeom>
+          <a:noFill/>
+        </p:spPr>
+        <p:txBody>
+          <a:bodyPr wrap="none" rtlCol="0">
+            <a:spAutoFit/>
+          </a:bodyPr>
+          <a:lstStyle/>
+          <a:p>
+            <a:r>
+              <a:rPr kumimoji="1" lang="zh-CN" altLang="en-US" dirty="0"/>
+              <a:t>恢复</a:t>
+            </a:r>
+          </a:p>
+        </p:txBody>
+      </p:sp>
+      <p:sp>
+        <p:nvSpPr>
+          <p:cNvPr id="96" name="文本框 95">
+            <a:extLst>
+              <a:ext uri="{FF2B5EF4-FFF2-40B4-BE49-F238E27FC236}">
+                <a16:creationId xmlns:a16="http://schemas.microsoft.com/office/drawing/2014/main" id="{F8CEA7D3-E5F6-73B9-3467-ED456DC5B696}"/>
+              </a:ext>
+            </a:extLst>
+          </p:cNvPr>
+          <p:cNvSpPr txBox="1"/>
+          <p:nvPr/>
+        </p:nvSpPr>
+        <p:spPr>
+          <a:xfrm>
+            <a:off x="8453958" y="4622095"/>
+            <a:ext cx="646331" cy="369332"/>
+          </a:xfrm>
+          <a:prstGeom prst="rect">
+            <a:avLst/>
+          </a:prstGeom>
+          <a:noFill/>
+        </p:spPr>
+        <p:txBody>
+          <a:bodyPr wrap="none" rtlCol="0">
+            <a:spAutoFit/>
+          </a:bodyPr>
+          <a:lstStyle/>
+          <a:p>
+            <a:r>
+              <a:rPr kumimoji="1" lang="zh-CN" altLang="en-US" dirty="0"/>
+              <a:t>移除</a:t>
+            </a:r>
+          </a:p>
+        </p:txBody>
+      </p:sp>
     </p:spTree>
     <p:extLst>
       <p:ext uri="{BB962C8B-B14F-4D97-AF65-F5344CB8AC3E}">

--- a/_posts/静态时序分析笔记/静态时序分析笔记pptx.pptx
+++ b/_posts/静态时序分析笔记/静态时序分析笔记pptx.pptx
@@ -10,6 +10,7 @@
     <p:sldId id="258" r:id="rId4"/>
     <p:sldId id="259" r:id="rId5"/>
     <p:sldId id="260" r:id="rId6"/>
+    <p:sldId id="261" r:id="rId7"/>
   </p:sldIdLst>
   <p:sldSz cx="12192000" cy="6858000"/>
   <p:notesSz cx="6858000" cy="9144000"/>
@@ -116,6 +117,635 @@
 </p:presentation>
 </file>
 
+<file path=ppt/revisionInfo.xml><?xml version="1.0" encoding="utf-8"?>
+<p1510:revInfo xmlns:a="http://schemas.openxmlformats.org/drawingml/2006/main" xmlns:r="http://schemas.openxmlformats.org/officeDocument/2006/relationships" xmlns:p1510="http://schemas.microsoft.com/office/powerpoint/2015/10/main">
+  <p1510:revLst>
+    <p1510:client id="{FF26C555-752D-4004-A979-9228B3A43E4C}" v="23" dt="2025-01-08T09:31:18.686"/>
+  </p1510:revLst>
+</p1510:revInfo>
+</file>
+
+<file path=ppt/changesInfos/changesInfo1.xml><?xml version="1.0" encoding="utf-8"?>
+<pc:chgInfo xmlns:a="http://schemas.openxmlformats.org/drawingml/2006/main" xmlns:r="http://schemas.openxmlformats.org/officeDocument/2006/relationships" xmlns:ac="http://schemas.microsoft.com/office/drawing/2013/main/command" xmlns:pc="http://schemas.microsoft.com/office/powerpoint/2013/main/command">
+  <pc:docChgLst>
+    <pc:chgData name="Jinyin Yan" userId="7d7b1cac-fbbc-4678-8cfc-23ca66a374ce" providerId="ADAL" clId="{FF26C555-752D-4004-A979-9228B3A43E4C}"/>
+    <pc:docChg chg="custSel addSld modSld">
+      <pc:chgData name="Jinyin Yan" userId="7d7b1cac-fbbc-4678-8cfc-23ca66a374ce" providerId="ADAL" clId="{FF26C555-752D-4004-A979-9228B3A43E4C}" dt="2025-01-08T09:38:37.812" v="140" actId="20577"/>
+      <pc:docMkLst>
+        <pc:docMk/>
+      </pc:docMkLst>
+      <pc:sldChg chg="addSp delSp modSp new mod">
+        <pc:chgData name="Jinyin Yan" userId="7d7b1cac-fbbc-4678-8cfc-23ca66a374ce" providerId="ADAL" clId="{FF26C555-752D-4004-A979-9228B3A43E4C}" dt="2025-01-08T09:38:37.812" v="140" actId="20577"/>
+        <pc:sldMkLst>
+          <pc:docMk/>
+          <pc:sldMk cId="1423548731" sldId="261"/>
+        </pc:sldMkLst>
+        <pc:spChg chg="del">
+          <ac:chgData name="Jinyin Yan" userId="7d7b1cac-fbbc-4678-8cfc-23ca66a374ce" providerId="ADAL" clId="{FF26C555-752D-4004-A979-9228B3A43E4C}" dt="2025-01-08T02:11:37.306" v="1" actId="478"/>
+          <ac:spMkLst>
+            <pc:docMk/>
+            <pc:sldMk cId="1423548731" sldId="261"/>
+            <ac:spMk id="2" creationId="{11487EA7-9D0F-448A-EDB2-EC66D9F8B85D}"/>
+          </ac:spMkLst>
+        </pc:spChg>
+        <pc:spChg chg="del">
+          <ac:chgData name="Jinyin Yan" userId="7d7b1cac-fbbc-4678-8cfc-23ca66a374ce" providerId="ADAL" clId="{FF26C555-752D-4004-A979-9228B3A43E4C}" dt="2025-01-08T02:11:38.751" v="2" actId="478"/>
+          <ac:spMkLst>
+            <pc:docMk/>
+            <pc:sldMk cId="1423548731" sldId="261"/>
+            <ac:spMk id="3" creationId="{93506E59-FE24-D61D-2F00-0DF8B4630986}"/>
+          </ac:spMkLst>
+        </pc:spChg>
+        <pc:spChg chg="mod">
+          <ac:chgData name="Jinyin Yan" userId="7d7b1cac-fbbc-4678-8cfc-23ca66a374ce" providerId="ADAL" clId="{FF26C555-752D-4004-A979-9228B3A43E4C}" dt="2025-01-08T02:11:49.622" v="3"/>
+          <ac:spMkLst>
+            <pc:docMk/>
+            <pc:sldMk cId="1423548731" sldId="261"/>
+            <ac:spMk id="9" creationId="{5A27AF33-279C-B4AB-7A65-F43AE78996B5}"/>
+          </ac:spMkLst>
+        </pc:spChg>
+        <pc:spChg chg="mod">
+          <ac:chgData name="Jinyin Yan" userId="7d7b1cac-fbbc-4678-8cfc-23ca66a374ce" providerId="ADAL" clId="{FF26C555-752D-4004-A979-9228B3A43E4C}" dt="2025-01-08T02:11:49.622" v="3"/>
+          <ac:spMkLst>
+            <pc:docMk/>
+            <pc:sldMk cId="1423548731" sldId="261"/>
+            <ac:spMk id="10" creationId="{13D08FA7-E840-0CE2-6212-E5FE5A96D20B}"/>
+          </ac:spMkLst>
+        </pc:spChg>
+        <pc:spChg chg="mod">
+          <ac:chgData name="Jinyin Yan" userId="7d7b1cac-fbbc-4678-8cfc-23ca66a374ce" providerId="ADAL" clId="{FF26C555-752D-4004-A979-9228B3A43E4C}" dt="2025-01-08T02:11:49.622" v="3"/>
+          <ac:spMkLst>
+            <pc:docMk/>
+            <pc:sldMk cId="1423548731" sldId="261"/>
+            <ac:spMk id="11" creationId="{7E5DC3BE-141F-8A04-2BAD-EF12F4DAD7A7}"/>
+          </ac:spMkLst>
+        </pc:spChg>
+        <pc:spChg chg="mod">
+          <ac:chgData name="Jinyin Yan" userId="7d7b1cac-fbbc-4678-8cfc-23ca66a374ce" providerId="ADAL" clId="{FF26C555-752D-4004-A979-9228B3A43E4C}" dt="2025-01-08T02:11:49.622" v="3"/>
+          <ac:spMkLst>
+            <pc:docMk/>
+            <pc:sldMk cId="1423548731" sldId="261"/>
+            <ac:spMk id="12" creationId="{497D2C66-1F39-3298-B500-BA34E890278C}"/>
+          </ac:spMkLst>
+        </pc:spChg>
+        <pc:spChg chg="mod">
+          <ac:chgData name="Jinyin Yan" userId="7d7b1cac-fbbc-4678-8cfc-23ca66a374ce" providerId="ADAL" clId="{FF26C555-752D-4004-A979-9228B3A43E4C}" dt="2025-01-08T02:11:49.622" v="3"/>
+          <ac:spMkLst>
+            <pc:docMk/>
+            <pc:sldMk cId="1423548731" sldId="261"/>
+            <ac:spMk id="13" creationId="{DDAF3E61-ABF8-EA27-99B0-242EE98731C5}"/>
+          </ac:spMkLst>
+        </pc:spChg>
+        <pc:spChg chg="mod">
+          <ac:chgData name="Jinyin Yan" userId="7d7b1cac-fbbc-4678-8cfc-23ca66a374ce" providerId="ADAL" clId="{FF26C555-752D-4004-A979-9228B3A43E4C}" dt="2025-01-08T02:11:50.723" v="4"/>
+          <ac:spMkLst>
+            <pc:docMk/>
+            <pc:sldMk cId="1423548731" sldId="261"/>
+            <ac:spMk id="19" creationId="{76981B50-FA74-423A-B3CB-DEDB3F250D13}"/>
+          </ac:spMkLst>
+        </pc:spChg>
+        <pc:spChg chg="mod">
+          <ac:chgData name="Jinyin Yan" userId="7d7b1cac-fbbc-4678-8cfc-23ca66a374ce" providerId="ADAL" clId="{FF26C555-752D-4004-A979-9228B3A43E4C}" dt="2025-01-08T02:11:50.723" v="4"/>
+          <ac:spMkLst>
+            <pc:docMk/>
+            <pc:sldMk cId="1423548731" sldId="261"/>
+            <ac:spMk id="20" creationId="{11722F2F-CB9F-29C5-78C2-3CD84A799D1F}"/>
+          </ac:spMkLst>
+        </pc:spChg>
+        <pc:spChg chg="mod">
+          <ac:chgData name="Jinyin Yan" userId="7d7b1cac-fbbc-4678-8cfc-23ca66a374ce" providerId="ADAL" clId="{FF26C555-752D-4004-A979-9228B3A43E4C}" dt="2025-01-08T02:11:50.723" v="4"/>
+          <ac:spMkLst>
+            <pc:docMk/>
+            <pc:sldMk cId="1423548731" sldId="261"/>
+            <ac:spMk id="21" creationId="{EFEEE42B-01A4-CBA9-51A6-77129FF92862}"/>
+          </ac:spMkLst>
+        </pc:spChg>
+        <pc:spChg chg="mod">
+          <ac:chgData name="Jinyin Yan" userId="7d7b1cac-fbbc-4678-8cfc-23ca66a374ce" providerId="ADAL" clId="{FF26C555-752D-4004-A979-9228B3A43E4C}" dt="2025-01-08T02:11:50.723" v="4"/>
+          <ac:spMkLst>
+            <pc:docMk/>
+            <pc:sldMk cId="1423548731" sldId="261"/>
+            <ac:spMk id="22" creationId="{8F027852-2F4E-0047-58F8-F2D2C2466453}"/>
+          </ac:spMkLst>
+        </pc:spChg>
+        <pc:spChg chg="mod">
+          <ac:chgData name="Jinyin Yan" userId="7d7b1cac-fbbc-4678-8cfc-23ca66a374ce" providerId="ADAL" clId="{FF26C555-752D-4004-A979-9228B3A43E4C}" dt="2025-01-08T02:11:50.723" v="4"/>
+          <ac:spMkLst>
+            <pc:docMk/>
+            <pc:sldMk cId="1423548731" sldId="261"/>
+            <ac:spMk id="23" creationId="{782A8BBE-8FD1-AD45-C7B5-71821FD3F39B}"/>
+          </ac:spMkLst>
+        </pc:spChg>
+        <pc:spChg chg="add mod">
+          <ac:chgData name="Jinyin Yan" userId="7d7b1cac-fbbc-4678-8cfc-23ca66a374ce" providerId="ADAL" clId="{FF26C555-752D-4004-A979-9228B3A43E4C}" dt="2025-01-08T09:31:39.335" v="120" actId="1076"/>
+          <ac:spMkLst>
+            <pc:docMk/>
+            <pc:sldMk cId="1423548731" sldId="261"/>
+            <ac:spMk id="24" creationId="{8182DA0E-80DD-5161-118A-8A25689BECCD}"/>
+          </ac:spMkLst>
+        </pc:spChg>
+        <pc:spChg chg="add mod">
+          <ac:chgData name="Jinyin Yan" userId="7d7b1cac-fbbc-4678-8cfc-23ca66a374ce" providerId="ADAL" clId="{FF26C555-752D-4004-A979-9228B3A43E4C}" dt="2025-01-08T09:31:39.335" v="120" actId="1076"/>
+          <ac:spMkLst>
+            <pc:docMk/>
+            <pc:sldMk cId="1423548731" sldId="261"/>
+            <ac:spMk id="41" creationId="{AFE6354B-A614-3953-4C45-F9BD8071314B}"/>
+          </ac:spMkLst>
+        </pc:spChg>
+        <pc:spChg chg="add mod">
+          <ac:chgData name="Jinyin Yan" userId="7d7b1cac-fbbc-4678-8cfc-23ca66a374ce" providerId="ADAL" clId="{FF26C555-752D-4004-A979-9228B3A43E4C}" dt="2025-01-08T09:31:39.335" v="120" actId="1076"/>
+          <ac:spMkLst>
+            <pc:docMk/>
+            <pc:sldMk cId="1423548731" sldId="261"/>
+            <ac:spMk id="42" creationId="{CAAA86D8-68D5-F5E5-1EF5-A59A8D4915D8}"/>
+          </ac:spMkLst>
+        </pc:spChg>
+        <pc:spChg chg="add mod">
+          <ac:chgData name="Jinyin Yan" userId="7d7b1cac-fbbc-4678-8cfc-23ca66a374ce" providerId="ADAL" clId="{FF26C555-752D-4004-A979-9228B3A43E4C}" dt="2025-01-08T09:31:45.475" v="121" actId="1076"/>
+          <ac:spMkLst>
+            <pc:docMk/>
+            <pc:sldMk cId="1423548731" sldId="261"/>
+            <ac:spMk id="48" creationId="{B0F4EAD8-1495-ADAF-E75F-4A775DC86FA1}"/>
+          </ac:spMkLst>
+        </pc:spChg>
+        <pc:spChg chg="add mod">
+          <ac:chgData name="Jinyin Yan" userId="7d7b1cac-fbbc-4678-8cfc-23ca66a374ce" providerId="ADAL" clId="{FF26C555-752D-4004-A979-9228B3A43E4C}" dt="2025-01-08T09:31:45.475" v="121" actId="1076"/>
+          <ac:spMkLst>
+            <pc:docMk/>
+            <pc:sldMk cId="1423548731" sldId="261"/>
+            <ac:spMk id="80" creationId="{89B6DCDD-0307-CBF8-D934-6EB493952EC6}"/>
+          </ac:spMkLst>
+        </pc:spChg>
+        <pc:spChg chg="add mod">
+          <ac:chgData name="Jinyin Yan" userId="7d7b1cac-fbbc-4678-8cfc-23ca66a374ce" providerId="ADAL" clId="{FF26C555-752D-4004-A979-9228B3A43E4C}" dt="2025-01-08T09:31:45.475" v="121" actId="1076"/>
+          <ac:spMkLst>
+            <pc:docMk/>
+            <pc:sldMk cId="1423548731" sldId="261"/>
+            <ac:spMk id="81" creationId="{3ED8D87E-4BDF-6238-5FEF-87B1E5A04DFF}"/>
+          </ac:spMkLst>
+        </pc:spChg>
+        <pc:spChg chg="add mod">
+          <ac:chgData name="Jinyin Yan" userId="7d7b1cac-fbbc-4678-8cfc-23ca66a374ce" providerId="ADAL" clId="{FF26C555-752D-4004-A979-9228B3A43E4C}" dt="2025-01-08T09:34:29.610" v="136" actId="1076"/>
+          <ac:spMkLst>
+            <pc:docMk/>
+            <pc:sldMk cId="1423548731" sldId="261"/>
+            <ac:spMk id="84" creationId="{D6951B02-9140-12FC-ACD3-DCCFB13D1511}"/>
+          </ac:spMkLst>
+        </pc:spChg>
+        <pc:spChg chg="add mod">
+          <ac:chgData name="Jinyin Yan" userId="7d7b1cac-fbbc-4678-8cfc-23ca66a374ce" providerId="ADAL" clId="{FF26C555-752D-4004-A979-9228B3A43E4C}" dt="2025-01-08T09:34:23.022" v="135" actId="1076"/>
+          <ac:spMkLst>
+            <pc:docMk/>
+            <pc:sldMk cId="1423548731" sldId="261"/>
+            <ac:spMk id="96" creationId="{ABB1F171-09F3-90A4-2FF7-50C30AFC072A}"/>
+          </ac:spMkLst>
+        </pc:spChg>
+        <pc:spChg chg="add mod">
+          <ac:chgData name="Jinyin Yan" userId="7d7b1cac-fbbc-4678-8cfc-23ca66a374ce" providerId="ADAL" clId="{FF26C555-752D-4004-A979-9228B3A43E4C}" dt="2025-01-08T09:38:16.312" v="138" actId="20577"/>
+          <ac:spMkLst>
+            <pc:docMk/>
+            <pc:sldMk cId="1423548731" sldId="261"/>
+            <ac:spMk id="97" creationId="{ECD47E78-9DD2-FD19-EE02-0DA34BFBD010}"/>
+          </ac:spMkLst>
+        </pc:spChg>
+        <pc:spChg chg="add mod">
+          <ac:chgData name="Jinyin Yan" userId="7d7b1cac-fbbc-4678-8cfc-23ca66a374ce" providerId="ADAL" clId="{FF26C555-752D-4004-A979-9228B3A43E4C}" dt="2025-01-08T09:38:37.812" v="140" actId="20577"/>
+          <ac:spMkLst>
+            <pc:docMk/>
+            <pc:sldMk cId="1423548731" sldId="261"/>
+            <ac:spMk id="100" creationId="{4F97A145-DC4A-13B1-49DE-F396C5DC7836}"/>
+          </ac:spMkLst>
+        </pc:spChg>
+        <pc:grpChg chg="add mod">
+          <ac:chgData name="Jinyin Yan" userId="7d7b1cac-fbbc-4678-8cfc-23ca66a374ce" providerId="ADAL" clId="{FF26C555-752D-4004-A979-9228B3A43E4C}" dt="2025-01-08T09:31:39.335" v="120" actId="1076"/>
+          <ac:grpSpMkLst>
+            <pc:docMk/>
+            <pc:sldMk cId="1423548731" sldId="261"/>
+            <ac:grpSpMk id="4" creationId="{F69D420C-EA36-AAD6-429D-866E72A1B79E}"/>
+          </ac:grpSpMkLst>
+        </pc:grpChg>
+        <pc:grpChg chg="mod">
+          <ac:chgData name="Jinyin Yan" userId="7d7b1cac-fbbc-4678-8cfc-23ca66a374ce" providerId="ADAL" clId="{FF26C555-752D-4004-A979-9228B3A43E4C}" dt="2025-01-08T02:11:49.622" v="3"/>
+          <ac:grpSpMkLst>
+            <pc:docMk/>
+            <pc:sldMk cId="1423548731" sldId="261"/>
+            <ac:grpSpMk id="5" creationId="{6AAD99B1-9D25-0321-D859-E66647303C44}"/>
+          </ac:grpSpMkLst>
+        </pc:grpChg>
+        <pc:grpChg chg="add mod">
+          <ac:chgData name="Jinyin Yan" userId="7d7b1cac-fbbc-4678-8cfc-23ca66a374ce" providerId="ADAL" clId="{FF26C555-752D-4004-A979-9228B3A43E4C}" dt="2025-01-08T09:31:39.335" v="120" actId="1076"/>
+          <ac:grpSpMkLst>
+            <pc:docMk/>
+            <pc:sldMk cId="1423548731" sldId="261"/>
+            <ac:grpSpMk id="14" creationId="{2FD86EFC-11AD-6665-11D4-33DB2041A925}"/>
+          </ac:grpSpMkLst>
+        </pc:grpChg>
+        <pc:grpChg chg="mod">
+          <ac:chgData name="Jinyin Yan" userId="7d7b1cac-fbbc-4678-8cfc-23ca66a374ce" providerId="ADAL" clId="{FF26C555-752D-4004-A979-9228B3A43E4C}" dt="2025-01-08T02:11:50.723" v="4"/>
+          <ac:grpSpMkLst>
+            <pc:docMk/>
+            <pc:sldMk cId="1423548731" sldId="261"/>
+            <ac:grpSpMk id="15" creationId="{AA24EECD-D42A-0F7C-C9D7-60A0EBB6D2C1}"/>
+          </ac:grpSpMkLst>
+        </pc:grpChg>
+        <pc:cxnChg chg="mod">
+          <ac:chgData name="Jinyin Yan" userId="7d7b1cac-fbbc-4678-8cfc-23ca66a374ce" providerId="ADAL" clId="{FF26C555-752D-4004-A979-9228B3A43E4C}" dt="2025-01-08T02:11:49.622" v="3"/>
+          <ac:cxnSpMkLst>
+            <pc:docMk/>
+            <pc:sldMk cId="1423548731" sldId="261"/>
+            <ac:cxnSpMk id="6" creationId="{E37A9B7F-5D57-4D13-6236-154BA89BC25F}"/>
+          </ac:cxnSpMkLst>
+        </pc:cxnChg>
+        <pc:cxnChg chg="mod">
+          <ac:chgData name="Jinyin Yan" userId="7d7b1cac-fbbc-4678-8cfc-23ca66a374ce" providerId="ADAL" clId="{FF26C555-752D-4004-A979-9228B3A43E4C}" dt="2025-01-08T02:11:49.622" v="3"/>
+          <ac:cxnSpMkLst>
+            <pc:docMk/>
+            <pc:sldMk cId="1423548731" sldId="261"/>
+            <ac:cxnSpMk id="7" creationId="{DD69388E-6D0E-3F34-4CEF-D677D38FC5CC}"/>
+          </ac:cxnSpMkLst>
+        </pc:cxnChg>
+        <pc:cxnChg chg="mod">
+          <ac:chgData name="Jinyin Yan" userId="7d7b1cac-fbbc-4678-8cfc-23ca66a374ce" providerId="ADAL" clId="{FF26C555-752D-4004-A979-9228B3A43E4C}" dt="2025-01-08T02:11:49.622" v="3"/>
+          <ac:cxnSpMkLst>
+            <pc:docMk/>
+            <pc:sldMk cId="1423548731" sldId="261"/>
+            <ac:cxnSpMk id="8" creationId="{15467BAC-55A5-7BC4-A24D-EF28755B371A}"/>
+          </ac:cxnSpMkLst>
+        </pc:cxnChg>
+        <pc:cxnChg chg="mod">
+          <ac:chgData name="Jinyin Yan" userId="7d7b1cac-fbbc-4678-8cfc-23ca66a374ce" providerId="ADAL" clId="{FF26C555-752D-4004-A979-9228B3A43E4C}" dt="2025-01-08T02:11:50.723" v="4"/>
+          <ac:cxnSpMkLst>
+            <pc:docMk/>
+            <pc:sldMk cId="1423548731" sldId="261"/>
+            <ac:cxnSpMk id="16" creationId="{CFED4742-647C-1CD5-4C16-F6A7E2FC9190}"/>
+          </ac:cxnSpMkLst>
+        </pc:cxnChg>
+        <pc:cxnChg chg="mod">
+          <ac:chgData name="Jinyin Yan" userId="7d7b1cac-fbbc-4678-8cfc-23ca66a374ce" providerId="ADAL" clId="{FF26C555-752D-4004-A979-9228B3A43E4C}" dt="2025-01-08T02:11:50.723" v="4"/>
+          <ac:cxnSpMkLst>
+            <pc:docMk/>
+            <pc:sldMk cId="1423548731" sldId="261"/>
+            <ac:cxnSpMk id="17" creationId="{BF7B77B5-61AF-C801-14AE-F2E1E9E94672}"/>
+          </ac:cxnSpMkLst>
+        </pc:cxnChg>
+        <pc:cxnChg chg="mod">
+          <ac:chgData name="Jinyin Yan" userId="7d7b1cac-fbbc-4678-8cfc-23ca66a374ce" providerId="ADAL" clId="{FF26C555-752D-4004-A979-9228B3A43E4C}" dt="2025-01-08T02:11:50.723" v="4"/>
+          <ac:cxnSpMkLst>
+            <pc:docMk/>
+            <pc:sldMk cId="1423548731" sldId="261"/>
+            <ac:cxnSpMk id="18" creationId="{4787D122-5C9A-A8E6-96BA-FF21A4C6C70F}"/>
+          </ac:cxnSpMkLst>
+        </pc:cxnChg>
+        <pc:cxnChg chg="add mod">
+          <ac:chgData name="Jinyin Yan" userId="7d7b1cac-fbbc-4678-8cfc-23ca66a374ce" providerId="ADAL" clId="{FF26C555-752D-4004-A979-9228B3A43E4C}" dt="2025-01-08T09:31:39.335" v="120" actId="1076"/>
+          <ac:cxnSpMkLst>
+            <pc:docMk/>
+            <pc:sldMk cId="1423548731" sldId="261"/>
+            <ac:cxnSpMk id="26" creationId="{C8938BE2-92A7-4F80-EE53-813C520320C2}"/>
+          </ac:cxnSpMkLst>
+        </pc:cxnChg>
+        <pc:cxnChg chg="add mod">
+          <ac:chgData name="Jinyin Yan" userId="7d7b1cac-fbbc-4678-8cfc-23ca66a374ce" providerId="ADAL" clId="{FF26C555-752D-4004-A979-9228B3A43E4C}" dt="2025-01-08T09:31:39.335" v="120" actId="1076"/>
+          <ac:cxnSpMkLst>
+            <pc:docMk/>
+            <pc:sldMk cId="1423548731" sldId="261"/>
+            <ac:cxnSpMk id="29" creationId="{BAE9DC7C-62F6-4614-B1E1-CF12C51061EF}"/>
+          </ac:cxnSpMkLst>
+        </pc:cxnChg>
+        <pc:cxnChg chg="add mod">
+          <ac:chgData name="Jinyin Yan" userId="7d7b1cac-fbbc-4678-8cfc-23ca66a374ce" providerId="ADAL" clId="{FF26C555-752D-4004-A979-9228B3A43E4C}" dt="2025-01-08T09:31:39.335" v="120" actId="1076"/>
+          <ac:cxnSpMkLst>
+            <pc:docMk/>
+            <pc:sldMk cId="1423548731" sldId="261"/>
+            <ac:cxnSpMk id="31" creationId="{244A052A-8CF4-43BF-9371-08EE218538D5}"/>
+          </ac:cxnSpMkLst>
+        </pc:cxnChg>
+        <pc:cxnChg chg="add mod">
+          <ac:chgData name="Jinyin Yan" userId="7d7b1cac-fbbc-4678-8cfc-23ca66a374ce" providerId="ADAL" clId="{FF26C555-752D-4004-A979-9228B3A43E4C}" dt="2025-01-08T09:31:39.335" v="120" actId="1076"/>
+          <ac:cxnSpMkLst>
+            <pc:docMk/>
+            <pc:sldMk cId="1423548731" sldId="261"/>
+            <ac:cxnSpMk id="33" creationId="{B85A6772-E7D1-2A3A-884F-15B5C3630766}"/>
+          </ac:cxnSpMkLst>
+        </pc:cxnChg>
+        <pc:cxnChg chg="add mod">
+          <ac:chgData name="Jinyin Yan" userId="7d7b1cac-fbbc-4678-8cfc-23ca66a374ce" providerId="ADAL" clId="{FF26C555-752D-4004-A979-9228B3A43E4C}" dt="2025-01-08T09:31:39.335" v="120" actId="1076"/>
+          <ac:cxnSpMkLst>
+            <pc:docMk/>
+            <pc:sldMk cId="1423548731" sldId="261"/>
+            <ac:cxnSpMk id="37" creationId="{E3A3733B-7FFB-F930-778C-DB2109E161E8}"/>
+          </ac:cxnSpMkLst>
+        </pc:cxnChg>
+        <pc:cxnChg chg="add mod">
+          <ac:chgData name="Jinyin Yan" userId="7d7b1cac-fbbc-4678-8cfc-23ca66a374ce" providerId="ADAL" clId="{FF26C555-752D-4004-A979-9228B3A43E4C}" dt="2025-01-08T09:31:39.335" v="120" actId="1076"/>
+          <ac:cxnSpMkLst>
+            <pc:docMk/>
+            <pc:sldMk cId="1423548731" sldId="261"/>
+            <ac:cxnSpMk id="43" creationId="{799A14A5-A54F-2402-E8C9-73D31046A679}"/>
+          </ac:cxnSpMkLst>
+        </pc:cxnChg>
+        <pc:cxnChg chg="add del mod">
+          <ac:chgData name="Jinyin Yan" userId="7d7b1cac-fbbc-4678-8cfc-23ca66a374ce" providerId="ADAL" clId="{FF26C555-752D-4004-A979-9228B3A43E4C}" dt="2025-01-08T08:13:51.020" v="64" actId="478"/>
+          <ac:cxnSpMkLst>
+            <pc:docMk/>
+            <pc:sldMk cId="1423548731" sldId="261"/>
+            <ac:cxnSpMk id="46" creationId="{CBD5D7A7-E03E-28AA-1457-666B062384CA}"/>
+          </ac:cxnSpMkLst>
+        </pc:cxnChg>
+        <pc:cxnChg chg="add del mod">
+          <ac:chgData name="Jinyin Yan" userId="7d7b1cac-fbbc-4678-8cfc-23ca66a374ce" providerId="ADAL" clId="{FF26C555-752D-4004-A979-9228B3A43E4C}" dt="2025-01-08T08:13:52.243" v="65" actId="478"/>
+          <ac:cxnSpMkLst>
+            <pc:docMk/>
+            <pc:sldMk cId="1423548731" sldId="261"/>
+            <ac:cxnSpMk id="47" creationId="{E5E042AA-4DDD-6335-2176-96639DAF4808}"/>
+          </ac:cxnSpMkLst>
+        </pc:cxnChg>
+        <pc:cxnChg chg="add mod">
+          <ac:chgData name="Jinyin Yan" userId="7d7b1cac-fbbc-4678-8cfc-23ca66a374ce" providerId="ADAL" clId="{FF26C555-752D-4004-A979-9228B3A43E4C}" dt="2025-01-08T09:31:45.475" v="121" actId="1076"/>
+          <ac:cxnSpMkLst>
+            <pc:docMk/>
+            <pc:sldMk cId="1423548731" sldId="261"/>
+            <ac:cxnSpMk id="50" creationId="{757E5CC3-C4C9-D33E-AFAB-9B227C766C82}"/>
+          </ac:cxnSpMkLst>
+        </pc:cxnChg>
+        <pc:cxnChg chg="add mod">
+          <ac:chgData name="Jinyin Yan" userId="7d7b1cac-fbbc-4678-8cfc-23ca66a374ce" providerId="ADAL" clId="{FF26C555-752D-4004-A979-9228B3A43E4C}" dt="2025-01-08T09:31:45.475" v="121" actId="1076"/>
+          <ac:cxnSpMkLst>
+            <pc:docMk/>
+            <pc:sldMk cId="1423548731" sldId="261"/>
+            <ac:cxnSpMk id="52" creationId="{BFFFFDD6-F871-909E-C4EC-7619625F9FB9}"/>
+          </ac:cxnSpMkLst>
+        </pc:cxnChg>
+        <pc:cxnChg chg="add mod">
+          <ac:chgData name="Jinyin Yan" userId="7d7b1cac-fbbc-4678-8cfc-23ca66a374ce" providerId="ADAL" clId="{FF26C555-752D-4004-A979-9228B3A43E4C}" dt="2025-01-08T09:31:45.475" v="121" actId="1076"/>
+          <ac:cxnSpMkLst>
+            <pc:docMk/>
+            <pc:sldMk cId="1423548731" sldId="261"/>
+            <ac:cxnSpMk id="54" creationId="{CCE81DFB-E9C9-4FE7-5816-4613EA4910BE}"/>
+          </ac:cxnSpMkLst>
+        </pc:cxnChg>
+        <pc:cxnChg chg="add mod">
+          <ac:chgData name="Jinyin Yan" userId="7d7b1cac-fbbc-4678-8cfc-23ca66a374ce" providerId="ADAL" clId="{FF26C555-752D-4004-A979-9228B3A43E4C}" dt="2025-01-08T09:31:45.475" v="121" actId="1076"/>
+          <ac:cxnSpMkLst>
+            <pc:docMk/>
+            <pc:sldMk cId="1423548731" sldId="261"/>
+            <ac:cxnSpMk id="55" creationId="{A48634F2-4DD3-603D-F4F5-6BB116444E66}"/>
+          </ac:cxnSpMkLst>
+        </pc:cxnChg>
+        <pc:cxnChg chg="add mod">
+          <ac:chgData name="Jinyin Yan" userId="7d7b1cac-fbbc-4678-8cfc-23ca66a374ce" providerId="ADAL" clId="{FF26C555-752D-4004-A979-9228B3A43E4C}" dt="2025-01-08T09:31:45.475" v="121" actId="1076"/>
+          <ac:cxnSpMkLst>
+            <pc:docMk/>
+            <pc:sldMk cId="1423548731" sldId="261"/>
+            <ac:cxnSpMk id="56" creationId="{2C4C3F49-627E-DF65-BC2B-E8FF8B7907FD}"/>
+          </ac:cxnSpMkLst>
+        </pc:cxnChg>
+        <pc:cxnChg chg="add mod">
+          <ac:chgData name="Jinyin Yan" userId="7d7b1cac-fbbc-4678-8cfc-23ca66a374ce" providerId="ADAL" clId="{FF26C555-752D-4004-A979-9228B3A43E4C}" dt="2025-01-08T09:31:45.475" v="121" actId="1076"/>
+          <ac:cxnSpMkLst>
+            <pc:docMk/>
+            <pc:sldMk cId="1423548731" sldId="261"/>
+            <ac:cxnSpMk id="57" creationId="{C2D02A35-C7EA-7157-0E77-6266EF27A503}"/>
+          </ac:cxnSpMkLst>
+        </pc:cxnChg>
+        <pc:cxnChg chg="add mod">
+          <ac:chgData name="Jinyin Yan" userId="7d7b1cac-fbbc-4678-8cfc-23ca66a374ce" providerId="ADAL" clId="{FF26C555-752D-4004-A979-9228B3A43E4C}" dt="2025-01-08T09:31:45.475" v="121" actId="1076"/>
+          <ac:cxnSpMkLst>
+            <pc:docMk/>
+            <pc:sldMk cId="1423548731" sldId="261"/>
+            <ac:cxnSpMk id="58" creationId="{9FA30052-70C8-DD9C-8F2F-2CB81940EC83}"/>
+          </ac:cxnSpMkLst>
+        </pc:cxnChg>
+        <pc:cxnChg chg="add mod">
+          <ac:chgData name="Jinyin Yan" userId="7d7b1cac-fbbc-4678-8cfc-23ca66a374ce" providerId="ADAL" clId="{FF26C555-752D-4004-A979-9228B3A43E4C}" dt="2025-01-08T09:31:45.475" v="121" actId="1076"/>
+          <ac:cxnSpMkLst>
+            <pc:docMk/>
+            <pc:sldMk cId="1423548731" sldId="261"/>
+            <ac:cxnSpMk id="59" creationId="{C69B05BE-E89E-2D43-C16D-66BE292157B6}"/>
+          </ac:cxnSpMkLst>
+        </pc:cxnChg>
+        <pc:cxnChg chg="add mod">
+          <ac:chgData name="Jinyin Yan" userId="7d7b1cac-fbbc-4678-8cfc-23ca66a374ce" providerId="ADAL" clId="{FF26C555-752D-4004-A979-9228B3A43E4C}" dt="2025-01-08T09:31:45.475" v="121" actId="1076"/>
+          <ac:cxnSpMkLst>
+            <pc:docMk/>
+            <pc:sldMk cId="1423548731" sldId="261"/>
+            <ac:cxnSpMk id="60" creationId="{25866AF6-3E33-3F17-093C-236AE42F3C01}"/>
+          </ac:cxnSpMkLst>
+        </pc:cxnChg>
+        <pc:cxnChg chg="add mod">
+          <ac:chgData name="Jinyin Yan" userId="7d7b1cac-fbbc-4678-8cfc-23ca66a374ce" providerId="ADAL" clId="{FF26C555-752D-4004-A979-9228B3A43E4C}" dt="2025-01-08T09:31:45.475" v="121" actId="1076"/>
+          <ac:cxnSpMkLst>
+            <pc:docMk/>
+            <pc:sldMk cId="1423548731" sldId="261"/>
+            <ac:cxnSpMk id="61" creationId="{CC8984CC-E08D-E03F-DCDE-EE1DAE6C112F}"/>
+          </ac:cxnSpMkLst>
+        </pc:cxnChg>
+        <pc:cxnChg chg="add mod">
+          <ac:chgData name="Jinyin Yan" userId="7d7b1cac-fbbc-4678-8cfc-23ca66a374ce" providerId="ADAL" clId="{FF26C555-752D-4004-A979-9228B3A43E4C}" dt="2025-01-08T09:31:45.475" v="121" actId="1076"/>
+          <ac:cxnSpMkLst>
+            <pc:docMk/>
+            <pc:sldMk cId="1423548731" sldId="261"/>
+            <ac:cxnSpMk id="62" creationId="{7D6909C0-DD90-8333-0384-6449BAC47ED2}"/>
+          </ac:cxnSpMkLst>
+        </pc:cxnChg>
+        <pc:cxnChg chg="add mod">
+          <ac:chgData name="Jinyin Yan" userId="7d7b1cac-fbbc-4678-8cfc-23ca66a374ce" providerId="ADAL" clId="{FF26C555-752D-4004-A979-9228B3A43E4C}" dt="2025-01-08T09:31:45.475" v="121" actId="1076"/>
+          <ac:cxnSpMkLst>
+            <pc:docMk/>
+            <pc:sldMk cId="1423548731" sldId="261"/>
+            <ac:cxnSpMk id="69" creationId="{EAD0943A-0EE6-E3C7-28E7-12B4E5CD0195}"/>
+          </ac:cxnSpMkLst>
+        </pc:cxnChg>
+        <pc:cxnChg chg="add mod">
+          <ac:chgData name="Jinyin Yan" userId="7d7b1cac-fbbc-4678-8cfc-23ca66a374ce" providerId="ADAL" clId="{FF26C555-752D-4004-A979-9228B3A43E4C}" dt="2025-01-08T09:31:45.475" v="121" actId="1076"/>
+          <ac:cxnSpMkLst>
+            <pc:docMk/>
+            <pc:sldMk cId="1423548731" sldId="261"/>
+            <ac:cxnSpMk id="70" creationId="{6136BA73-207A-4044-C608-C2CC145F7340}"/>
+          </ac:cxnSpMkLst>
+        </pc:cxnChg>
+        <pc:cxnChg chg="add mod">
+          <ac:chgData name="Jinyin Yan" userId="7d7b1cac-fbbc-4678-8cfc-23ca66a374ce" providerId="ADAL" clId="{FF26C555-752D-4004-A979-9228B3A43E4C}" dt="2025-01-08T09:31:45.475" v="121" actId="1076"/>
+          <ac:cxnSpMkLst>
+            <pc:docMk/>
+            <pc:sldMk cId="1423548731" sldId="261"/>
+            <ac:cxnSpMk id="71" creationId="{F7799E8E-8EFA-1F67-88F4-86179FA8D855}"/>
+          </ac:cxnSpMkLst>
+        </pc:cxnChg>
+        <pc:cxnChg chg="add mod">
+          <ac:chgData name="Jinyin Yan" userId="7d7b1cac-fbbc-4678-8cfc-23ca66a374ce" providerId="ADAL" clId="{FF26C555-752D-4004-A979-9228B3A43E4C}" dt="2025-01-08T09:31:45.475" v="121" actId="1076"/>
+          <ac:cxnSpMkLst>
+            <pc:docMk/>
+            <pc:sldMk cId="1423548731" sldId="261"/>
+            <ac:cxnSpMk id="72" creationId="{9AEA94D3-887D-9FC1-D351-79E15150B9AC}"/>
+          </ac:cxnSpMkLst>
+        </pc:cxnChg>
+        <pc:cxnChg chg="add mod">
+          <ac:chgData name="Jinyin Yan" userId="7d7b1cac-fbbc-4678-8cfc-23ca66a374ce" providerId="ADAL" clId="{FF26C555-752D-4004-A979-9228B3A43E4C}" dt="2025-01-08T09:31:45.475" v="121" actId="1076"/>
+          <ac:cxnSpMkLst>
+            <pc:docMk/>
+            <pc:sldMk cId="1423548731" sldId="261"/>
+            <ac:cxnSpMk id="73" creationId="{310BFD6B-CAA7-0D3F-2FD7-398D60C5D83A}"/>
+          </ac:cxnSpMkLst>
+        </pc:cxnChg>
+        <pc:cxnChg chg="add mod">
+          <ac:chgData name="Jinyin Yan" userId="7d7b1cac-fbbc-4678-8cfc-23ca66a374ce" providerId="ADAL" clId="{FF26C555-752D-4004-A979-9228B3A43E4C}" dt="2025-01-08T09:31:45.475" v="121" actId="1076"/>
+          <ac:cxnSpMkLst>
+            <pc:docMk/>
+            <pc:sldMk cId="1423548731" sldId="261"/>
+            <ac:cxnSpMk id="74" creationId="{271928BA-48FC-A36F-E70D-67B12AB2B1E3}"/>
+          </ac:cxnSpMkLst>
+        </pc:cxnChg>
+        <pc:cxnChg chg="add mod">
+          <ac:chgData name="Jinyin Yan" userId="7d7b1cac-fbbc-4678-8cfc-23ca66a374ce" providerId="ADAL" clId="{FF26C555-752D-4004-A979-9228B3A43E4C}" dt="2025-01-08T09:31:45.475" v="121" actId="1076"/>
+          <ac:cxnSpMkLst>
+            <pc:docMk/>
+            <pc:sldMk cId="1423548731" sldId="261"/>
+            <ac:cxnSpMk id="75" creationId="{2D21F7A5-6302-EA10-FA1A-ED8E950A70AE}"/>
+          </ac:cxnSpMkLst>
+        </pc:cxnChg>
+        <pc:cxnChg chg="add mod">
+          <ac:chgData name="Jinyin Yan" userId="7d7b1cac-fbbc-4678-8cfc-23ca66a374ce" providerId="ADAL" clId="{FF26C555-752D-4004-A979-9228B3A43E4C}" dt="2025-01-08T09:31:45.475" v="121" actId="1076"/>
+          <ac:cxnSpMkLst>
+            <pc:docMk/>
+            <pc:sldMk cId="1423548731" sldId="261"/>
+            <ac:cxnSpMk id="76" creationId="{73A2D295-B07E-9B53-04CE-48D849BA419B}"/>
+          </ac:cxnSpMkLst>
+        </pc:cxnChg>
+        <pc:cxnChg chg="add mod">
+          <ac:chgData name="Jinyin Yan" userId="7d7b1cac-fbbc-4678-8cfc-23ca66a374ce" providerId="ADAL" clId="{FF26C555-752D-4004-A979-9228B3A43E4C}" dt="2025-01-08T09:31:45.475" v="121" actId="1076"/>
+          <ac:cxnSpMkLst>
+            <pc:docMk/>
+            <pc:sldMk cId="1423548731" sldId="261"/>
+            <ac:cxnSpMk id="77" creationId="{000F231F-A665-4EA8-6162-9254E7DB8D1F}"/>
+          </ac:cxnSpMkLst>
+        </pc:cxnChg>
+        <pc:cxnChg chg="add mod">
+          <ac:chgData name="Jinyin Yan" userId="7d7b1cac-fbbc-4678-8cfc-23ca66a374ce" providerId="ADAL" clId="{FF26C555-752D-4004-A979-9228B3A43E4C}" dt="2025-01-08T09:31:45.475" v="121" actId="1076"/>
+          <ac:cxnSpMkLst>
+            <pc:docMk/>
+            <pc:sldMk cId="1423548731" sldId="261"/>
+            <ac:cxnSpMk id="82" creationId="{F821AE44-AD82-BA71-030B-7F2BC6682877}"/>
+          </ac:cxnSpMkLst>
+        </pc:cxnChg>
+        <pc:cxnChg chg="add mod">
+          <ac:chgData name="Jinyin Yan" userId="7d7b1cac-fbbc-4678-8cfc-23ca66a374ce" providerId="ADAL" clId="{FF26C555-752D-4004-A979-9228B3A43E4C}" dt="2025-01-08T09:31:45.475" v="121" actId="1076"/>
+          <ac:cxnSpMkLst>
+            <pc:docMk/>
+            <pc:sldMk cId="1423548731" sldId="261"/>
+            <ac:cxnSpMk id="83" creationId="{C0A3E94F-07D2-CDD4-DB4C-75D8D3E08F37}"/>
+          </ac:cxnSpMkLst>
+        </pc:cxnChg>
+        <pc:cxnChg chg="add mod">
+          <ac:chgData name="Jinyin Yan" userId="7d7b1cac-fbbc-4678-8cfc-23ca66a374ce" providerId="ADAL" clId="{FF26C555-752D-4004-A979-9228B3A43E4C}" dt="2025-01-08T09:31:45.475" v="121" actId="1076"/>
+          <ac:cxnSpMkLst>
+            <pc:docMk/>
+            <pc:sldMk cId="1423548731" sldId="261"/>
+            <ac:cxnSpMk id="85" creationId="{7692848D-2D12-0D81-2A2C-E845A07601FF}"/>
+          </ac:cxnSpMkLst>
+        </pc:cxnChg>
+        <pc:cxnChg chg="add mod">
+          <ac:chgData name="Jinyin Yan" userId="7d7b1cac-fbbc-4678-8cfc-23ca66a374ce" providerId="ADAL" clId="{FF26C555-752D-4004-A979-9228B3A43E4C}" dt="2025-01-08T09:31:45.475" v="121" actId="1076"/>
+          <ac:cxnSpMkLst>
+            <pc:docMk/>
+            <pc:sldMk cId="1423548731" sldId="261"/>
+            <ac:cxnSpMk id="86" creationId="{34581614-7528-A934-7211-DFE1E2621736}"/>
+          </ac:cxnSpMkLst>
+        </pc:cxnChg>
+        <pc:cxnChg chg="add mod">
+          <ac:chgData name="Jinyin Yan" userId="7d7b1cac-fbbc-4678-8cfc-23ca66a374ce" providerId="ADAL" clId="{FF26C555-752D-4004-A979-9228B3A43E4C}" dt="2025-01-08T09:31:57.839" v="123" actId="14100"/>
+          <ac:cxnSpMkLst>
+            <pc:docMk/>
+            <pc:sldMk cId="1423548731" sldId="261"/>
+            <ac:cxnSpMk id="87" creationId="{E83868EC-E17F-E3F3-8142-B2B9E97B8376}"/>
+          </ac:cxnSpMkLst>
+        </pc:cxnChg>
+        <pc:cxnChg chg="add mod">
+          <ac:chgData name="Jinyin Yan" userId="7d7b1cac-fbbc-4678-8cfc-23ca66a374ce" providerId="ADAL" clId="{FF26C555-752D-4004-A979-9228B3A43E4C}" dt="2025-01-08T09:31:55.076" v="122" actId="1076"/>
+          <ac:cxnSpMkLst>
+            <pc:docMk/>
+            <pc:sldMk cId="1423548731" sldId="261"/>
+            <ac:cxnSpMk id="88" creationId="{730B2C9E-4353-5EE8-AAC8-DC9BFA74A537}"/>
+          </ac:cxnSpMkLst>
+        </pc:cxnChg>
+        <pc:cxnChg chg="add mod">
+          <ac:chgData name="Jinyin Yan" userId="7d7b1cac-fbbc-4678-8cfc-23ca66a374ce" providerId="ADAL" clId="{FF26C555-752D-4004-A979-9228B3A43E4C}" dt="2025-01-08T09:31:55.076" v="122" actId="1076"/>
+          <ac:cxnSpMkLst>
+            <pc:docMk/>
+            <pc:sldMk cId="1423548731" sldId="261"/>
+            <ac:cxnSpMk id="89" creationId="{AA0437B7-44C5-371B-B61B-82CF058A74A3}"/>
+          </ac:cxnSpMkLst>
+        </pc:cxnChg>
+        <pc:cxnChg chg="add mod">
+          <ac:chgData name="Jinyin Yan" userId="7d7b1cac-fbbc-4678-8cfc-23ca66a374ce" providerId="ADAL" clId="{FF26C555-752D-4004-A979-9228B3A43E4C}" dt="2025-01-08T09:31:55.076" v="122" actId="1076"/>
+          <ac:cxnSpMkLst>
+            <pc:docMk/>
+            <pc:sldMk cId="1423548731" sldId="261"/>
+            <ac:cxnSpMk id="90" creationId="{31EAE85D-AC58-7699-4FDC-43832711473A}"/>
+          </ac:cxnSpMkLst>
+        </pc:cxnChg>
+        <pc:cxnChg chg="add mod">
+          <ac:chgData name="Jinyin Yan" userId="7d7b1cac-fbbc-4678-8cfc-23ca66a374ce" providerId="ADAL" clId="{FF26C555-752D-4004-A979-9228B3A43E4C}" dt="2025-01-08T09:31:55.076" v="122" actId="1076"/>
+          <ac:cxnSpMkLst>
+            <pc:docMk/>
+            <pc:sldMk cId="1423548731" sldId="261"/>
+            <ac:cxnSpMk id="91" creationId="{A73FFADE-6DCB-EFBA-E4D4-58C0AB500E00}"/>
+          </ac:cxnSpMkLst>
+        </pc:cxnChg>
+        <pc:cxnChg chg="add mod">
+          <ac:chgData name="Jinyin Yan" userId="7d7b1cac-fbbc-4678-8cfc-23ca66a374ce" providerId="ADAL" clId="{FF26C555-752D-4004-A979-9228B3A43E4C}" dt="2025-01-08T09:31:55.076" v="122" actId="1076"/>
+          <ac:cxnSpMkLst>
+            <pc:docMk/>
+            <pc:sldMk cId="1423548731" sldId="261"/>
+            <ac:cxnSpMk id="92" creationId="{CA0C39E8-B3DB-B707-31D2-71FF3E0742B7}"/>
+          </ac:cxnSpMkLst>
+        </pc:cxnChg>
+        <pc:cxnChg chg="add mod">
+          <ac:chgData name="Jinyin Yan" userId="7d7b1cac-fbbc-4678-8cfc-23ca66a374ce" providerId="ADAL" clId="{FF26C555-752D-4004-A979-9228B3A43E4C}" dt="2025-01-08T09:31:55.076" v="122" actId="1076"/>
+          <ac:cxnSpMkLst>
+            <pc:docMk/>
+            <pc:sldMk cId="1423548731" sldId="261"/>
+            <ac:cxnSpMk id="93" creationId="{59E57344-BB7B-D884-2406-0EF247EB8B40}"/>
+          </ac:cxnSpMkLst>
+        </pc:cxnChg>
+        <pc:cxnChg chg="add mod">
+          <ac:chgData name="Jinyin Yan" userId="7d7b1cac-fbbc-4678-8cfc-23ca66a374ce" providerId="ADAL" clId="{FF26C555-752D-4004-A979-9228B3A43E4C}" dt="2025-01-08T09:32:00.989" v="124" actId="14100"/>
+          <ac:cxnSpMkLst>
+            <pc:docMk/>
+            <pc:sldMk cId="1423548731" sldId="261"/>
+            <ac:cxnSpMk id="94" creationId="{119E87C6-F8F2-4E1F-6765-5A865AC67AB3}"/>
+          </ac:cxnSpMkLst>
+        </pc:cxnChg>
+        <pc:cxnChg chg="add mod">
+          <ac:chgData name="Jinyin Yan" userId="7d7b1cac-fbbc-4678-8cfc-23ca66a374ce" providerId="ADAL" clId="{FF26C555-752D-4004-A979-9228B3A43E4C}" dt="2025-01-08T09:31:55.076" v="122" actId="1076"/>
+          <ac:cxnSpMkLst>
+            <pc:docMk/>
+            <pc:sldMk cId="1423548731" sldId="261"/>
+            <ac:cxnSpMk id="95" creationId="{1F089EF7-D00D-5157-CEA6-D6BC476D01CB}"/>
+          </ac:cxnSpMkLst>
+        </pc:cxnChg>
+        <pc:cxnChg chg="add mod">
+          <ac:chgData name="Jinyin Yan" userId="7d7b1cac-fbbc-4678-8cfc-23ca66a374ce" providerId="ADAL" clId="{FF26C555-752D-4004-A979-9228B3A43E4C}" dt="2025-01-08T09:31:45.475" v="121" actId="1076"/>
+          <ac:cxnSpMkLst>
+            <pc:docMk/>
+            <pc:sldMk cId="1423548731" sldId="261"/>
+            <ac:cxnSpMk id="98" creationId="{92DA7609-FB7B-4DA1-F928-7DB6241B6CB8}"/>
+          </ac:cxnSpMkLst>
+        </pc:cxnChg>
+        <pc:cxnChg chg="add mod">
+          <ac:chgData name="Jinyin Yan" userId="7d7b1cac-fbbc-4678-8cfc-23ca66a374ce" providerId="ADAL" clId="{FF26C555-752D-4004-A979-9228B3A43E4C}" dt="2025-01-08T09:31:45.475" v="121" actId="1076"/>
+          <ac:cxnSpMkLst>
+            <pc:docMk/>
+            <pc:sldMk cId="1423548731" sldId="261"/>
+            <ac:cxnSpMk id="99" creationId="{05F80329-658F-B65B-B6D8-E5623D9BCAE3}"/>
+          </ac:cxnSpMkLst>
+        </pc:cxnChg>
+      </pc:sldChg>
+    </pc:docChg>
+  </pc:docChgLst>
+</pc:chgInfo>
+</file>
+
 <file path=ppt/slideLayouts/slideLayout1.xml><?xml version="1.0" encoding="utf-8"?>
 <p:sldLayout xmlns:a="http://schemas.openxmlformats.org/drawingml/2006/main" xmlns:r="http://schemas.openxmlformats.org/officeDocument/2006/relationships" xmlns:p="http://schemas.openxmlformats.org/presentationml/2006/main" type="title" preserve="1">
   <p:cSld name="标题幻灯片">
@@ -263,7 +893,7 @@
           <a:p>
             <a:fld id="{756B7610-9FAA-DC43-80F9-3155B1E839C7}" type="datetimeFigureOut">
               <a:rPr kumimoji="1" lang="zh-CN" altLang="en-US" smtClean="0"/>
-              <a:t>2025/1/5</a:t>
+              <a:t>2025/1/8</a:t>
             </a:fld>
             <a:endParaRPr kumimoji="1" lang="zh-CN" altLang="en-US"/>
           </a:p>
@@ -461,7 +1091,7 @@
           <a:p>
             <a:fld id="{756B7610-9FAA-DC43-80F9-3155B1E839C7}" type="datetimeFigureOut">
               <a:rPr kumimoji="1" lang="zh-CN" altLang="en-US" smtClean="0"/>
-              <a:t>2025/1/5</a:t>
+              <a:t>2025/1/8</a:t>
             </a:fld>
             <a:endParaRPr kumimoji="1" lang="zh-CN" altLang="en-US"/>
           </a:p>
@@ -669,7 +1299,7 @@
           <a:p>
             <a:fld id="{756B7610-9FAA-DC43-80F9-3155B1E839C7}" type="datetimeFigureOut">
               <a:rPr kumimoji="1" lang="zh-CN" altLang="en-US" smtClean="0"/>
-              <a:t>2025/1/5</a:t>
+              <a:t>2025/1/8</a:t>
             </a:fld>
             <a:endParaRPr kumimoji="1" lang="zh-CN" altLang="en-US"/>
           </a:p>
@@ -867,7 +1497,7 @@
           <a:p>
             <a:fld id="{756B7610-9FAA-DC43-80F9-3155B1E839C7}" type="datetimeFigureOut">
               <a:rPr kumimoji="1" lang="zh-CN" altLang="en-US" smtClean="0"/>
-              <a:t>2025/1/5</a:t>
+              <a:t>2025/1/8</a:t>
             </a:fld>
             <a:endParaRPr kumimoji="1" lang="zh-CN" altLang="en-US"/>
           </a:p>
@@ -1142,7 +1772,7 @@
           <a:p>
             <a:fld id="{756B7610-9FAA-DC43-80F9-3155B1E839C7}" type="datetimeFigureOut">
               <a:rPr kumimoji="1" lang="zh-CN" altLang="en-US" smtClean="0"/>
-              <a:t>2025/1/5</a:t>
+              <a:t>2025/1/8</a:t>
             </a:fld>
             <a:endParaRPr kumimoji="1" lang="zh-CN" altLang="en-US"/>
           </a:p>
@@ -1407,7 +2037,7 @@
           <a:p>
             <a:fld id="{756B7610-9FAA-DC43-80F9-3155B1E839C7}" type="datetimeFigureOut">
               <a:rPr kumimoji="1" lang="zh-CN" altLang="en-US" smtClean="0"/>
-              <a:t>2025/1/5</a:t>
+              <a:t>2025/1/8</a:t>
             </a:fld>
             <a:endParaRPr kumimoji="1" lang="zh-CN" altLang="en-US"/>
           </a:p>
@@ -1819,7 +2449,7 @@
           <a:p>
             <a:fld id="{756B7610-9FAA-DC43-80F9-3155B1E839C7}" type="datetimeFigureOut">
               <a:rPr kumimoji="1" lang="zh-CN" altLang="en-US" smtClean="0"/>
-              <a:t>2025/1/5</a:t>
+              <a:t>2025/1/8</a:t>
             </a:fld>
             <a:endParaRPr kumimoji="1" lang="zh-CN" altLang="en-US"/>
           </a:p>
@@ -1960,7 +2590,7 @@
           <a:p>
             <a:fld id="{756B7610-9FAA-DC43-80F9-3155B1E839C7}" type="datetimeFigureOut">
               <a:rPr kumimoji="1" lang="zh-CN" altLang="en-US" smtClean="0"/>
-              <a:t>2025/1/5</a:t>
+              <a:t>2025/1/8</a:t>
             </a:fld>
             <a:endParaRPr kumimoji="1" lang="zh-CN" altLang="en-US"/>
           </a:p>
@@ -2073,7 +2703,7 @@
           <a:p>
             <a:fld id="{756B7610-9FAA-DC43-80F9-3155B1E839C7}" type="datetimeFigureOut">
               <a:rPr kumimoji="1" lang="zh-CN" altLang="en-US" smtClean="0"/>
-              <a:t>2025/1/5</a:t>
+              <a:t>2025/1/8</a:t>
             </a:fld>
             <a:endParaRPr kumimoji="1" lang="zh-CN" altLang="en-US"/>
           </a:p>
@@ -2384,7 +3014,7 @@
           <a:p>
             <a:fld id="{756B7610-9FAA-DC43-80F9-3155B1E839C7}" type="datetimeFigureOut">
               <a:rPr kumimoji="1" lang="zh-CN" altLang="en-US" smtClean="0"/>
-              <a:t>2025/1/5</a:t>
+              <a:t>2025/1/8</a:t>
             </a:fld>
             <a:endParaRPr kumimoji="1" lang="zh-CN" altLang="en-US"/>
           </a:p>
@@ -2672,7 +3302,7 @@
           <a:p>
             <a:fld id="{756B7610-9FAA-DC43-80F9-3155B1E839C7}" type="datetimeFigureOut">
               <a:rPr kumimoji="1" lang="zh-CN" altLang="en-US" smtClean="0"/>
-              <a:t>2025/1/5</a:t>
+              <a:t>2025/1/8</a:t>
             </a:fld>
             <a:endParaRPr kumimoji="1" lang="zh-CN" altLang="en-US"/>
           </a:p>
@@ -2913,7 +3543,7 @@
           <a:p>
             <a:fld id="{756B7610-9FAA-DC43-80F9-3155B1E839C7}" type="datetimeFigureOut">
               <a:rPr kumimoji="1" lang="zh-CN" altLang="en-US" smtClean="0"/>
-              <a:t>2025/1/5</a:t>
+              <a:t>2025/1/8</a:t>
             </a:fld>
             <a:endParaRPr kumimoji="1" lang="zh-CN" altLang="en-US"/>
           </a:p>
@@ -13527,6 +14157,2728 @@
 </p:sld>
 </file>
 
+<file path=ppt/slides/slide6.xml><?xml version="1.0" encoding="utf-8"?>
+<p:sld xmlns:a="http://schemas.openxmlformats.org/drawingml/2006/main" xmlns:r="http://schemas.openxmlformats.org/officeDocument/2006/relationships" xmlns:p="http://schemas.openxmlformats.org/presentationml/2006/main">
+  <p:cSld>
+    <p:spTree>
+      <p:nvGrpSpPr>
+        <p:cNvPr id="1" name=""/>
+        <p:cNvGrpSpPr/>
+        <p:nvPr/>
+      </p:nvGrpSpPr>
+      <p:grpSpPr>
+        <a:xfrm>
+          <a:off x="0" y="0"/>
+          <a:ext cx="0" cy="0"/>
+          <a:chOff x="0" y="0"/>
+          <a:chExt cx="0" cy="0"/>
+        </a:xfrm>
+      </p:grpSpPr>
+      <p:grpSp>
+        <p:nvGrpSpPr>
+          <p:cNvPr id="4" name="组合 22">
+            <a:extLst>
+              <a:ext uri="{FF2B5EF4-FFF2-40B4-BE49-F238E27FC236}">
+                <a16:creationId xmlns:a16="http://schemas.microsoft.com/office/drawing/2014/main" id="{F69D420C-EA36-AAD6-429D-866E72A1B79E}"/>
+              </a:ext>
+            </a:extLst>
+          </p:cNvPr>
+          <p:cNvGrpSpPr/>
+          <p:nvPr/>
+        </p:nvGrpSpPr>
+        <p:grpSpPr>
+          <a:xfrm>
+            <a:off x="4289008" y="374167"/>
+            <a:ext cx="1187867" cy="1033153"/>
+            <a:chOff x="2459115" y="1343921"/>
+            <a:chExt cx="1187867" cy="1033153"/>
+          </a:xfrm>
+        </p:grpSpPr>
+        <p:grpSp>
+          <p:nvGrpSpPr>
+            <p:cNvPr id="5" name="组合 9">
+              <a:extLst>
+                <a:ext uri="{FF2B5EF4-FFF2-40B4-BE49-F238E27FC236}">
+                  <a16:creationId xmlns:a16="http://schemas.microsoft.com/office/drawing/2014/main" id="{6AAD99B1-9D25-0321-D859-E66647303C44}"/>
+                </a:ext>
+              </a:extLst>
+            </p:cNvPr>
+            <p:cNvGrpSpPr/>
+            <p:nvPr/>
+          </p:nvGrpSpPr>
+          <p:grpSpPr>
+            <a:xfrm>
+              <a:off x="2661581" y="1343921"/>
+              <a:ext cx="756004" cy="1033153"/>
+              <a:chOff x="2661581" y="1343921"/>
+              <a:chExt cx="756004" cy="1033153"/>
+            </a:xfrm>
+          </p:grpSpPr>
+          <p:sp>
+            <p:nvSpPr>
+              <p:cNvPr id="9" name="矩形 4">
+                <a:extLst>
+                  <a:ext uri="{FF2B5EF4-FFF2-40B4-BE49-F238E27FC236}">
+                    <a16:creationId xmlns:a16="http://schemas.microsoft.com/office/drawing/2014/main" id="{5A27AF33-279C-B4AB-7A65-F43AE78996B5}"/>
+                  </a:ext>
+                </a:extLst>
+              </p:cNvPr>
+              <p:cNvSpPr/>
+              <p:nvPr/>
+            </p:nvSpPr>
+            <p:spPr>
+              <a:xfrm>
+                <a:off x="2765072" y="1343921"/>
+                <a:ext cx="575953" cy="1033153"/>
+              </a:xfrm>
+              <a:prstGeom prst="rect">
+                <a:avLst/>
+              </a:prstGeom>
+              <a:noFill/>
+            </p:spPr>
+            <p:style>
+              <a:lnRef idx="2">
+                <a:schemeClr val="accent1">
+                  <a:shade val="50000"/>
+                </a:schemeClr>
+              </a:lnRef>
+              <a:fillRef idx="1">
+                <a:schemeClr val="accent1"/>
+              </a:fillRef>
+              <a:effectRef idx="0">
+                <a:schemeClr val="accent1"/>
+              </a:effectRef>
+              <a:fontRef idx="minor">
+                <a:schemeClr val="lt1"/>
+              </a:fontRef>
+            </p:style>
+            <p:txBody>
+              <a:bodyPr rtlCol="0" anchor="ctr"/>
+              <a:lstStyle/>
+              <a:p>
+                <a:pPr algn="ctr"/>
+                <a:endParaRPr lang="zh-CN" altLang="en-US" dirty="0">
+                  <a:solidFill>
+                    <a:schemeClr val="tx1"/>
+                  </a:solidFill>
+                </a:endParaRPr>
+              </a:p>
+            </p:txBody>
+          </p:sp>
+          <p:sp>
+            <p:nvSpPr>
+              <p:cNvPr id="10" name="直角三角形 5">
+                <a:extLst>
+                  <a:ext uri="{FF2B5EF4-FFF2-40B4-BE49-F238E27FC236}">
+                    <a16:creationId xmlns:a16="http://schemas.microsoft.com/office/drawing/2014/main" id="{13D08FA7-E840-0CE2-6212-E5FE5A96D20B}"/>
+                  </a:ext>
+                </a:extLst>
+              </p:cNvPr>
+              <p:cNvSpPr/>
+              <p:nvPr/>
+            </p:nvSpPr>
+            <p:spPr>
+              <a:xfrm rot="13320000">
+                <a:off x="2661581" y="2001597"/>
+                <a:ext cx="206982" cy="226517"/>
+              </a:xfrm>
+              <a:prstGeom prst="rtTriangle">
+                <a:avLst/>
+              </a:prstGeom>
+              <a:noFill/>
+            </p:spPr>
+            <p:style>
+              <a:lnRef idx="2">
+                <a:schemeClr val="accent1">
+                  <a:shade val="50000"/>
+                </a:schemeClr>
+              </a:lnRef>
+              <a:fillRef idx="1">
+                <a:schemeClr val="accent1"/>
+              </a:fillRef>
+              <a:effectRef idx="0">
+                <a:schemeClr val="accent1"/>
+              </a:effectRef>
+              <a:fontRef idx="minor">
+                <a:schemeClr val="lt1"/>
+              </a:fontRef>
+            </p:style>
+            <p:txBody>
+              <a:bodyPr rtlCol="0" anchor="ctr"/>
+              <a:lstStyle/>
+              <a:p>
+                <a:pPr algn="ctr"/>
+                <a:endParaRPr lang="zh-CN" altLang="en-US"/>
+              </a:p>
+            </p:txBody>
+          </p:sp>
+          <p:sp>
+            <p:nvSpPr>
+              <p:cNvPr id="11" name="文本框 6">
+                <a:extLst>
+                  <a:ext uri="{FF2B5EF4-FFF2-40B4-BE49-F238E27FC236}">
+                    <a16:creationId xmlns:a16="http://schemas.microsoft.com/office/drawing/2014/main" id="{7E5DC3BE-141F-8A04-2BAD-EF12F4DAD7A7}"/>
+                  </a:ext>
+                </a:extLst>
+              </p:cNvPr>
+              <p:cNvSpPr txBox="1"/>
+              <p:nvPr/>
+            </p:nvSpPr>
+            <p:spPr>
+              <a:xfrm>
+                <a:off x="2692832" y="1391816"/>
+                <a:ext cx="343364" cy="369332"/>
+              </a:xfrm>
+              <a:prstGeom prst="rect">
+                <a:avLst/>
+              </a:prstGeom>
+              <a:noFill/>
+            </p:spPr>
+            <p:txBody>
+              <a:bodyPr wrap="none" rtlCol="0">
+                <a:spAutoFit/>
+              </a:bodyPr>
+              <a:lstStyle/>
+              <a:p>
+                <a:r>
+                  <a:rPr kumimoji="1" lang="en-US" altLang="zh-CN" dirty="0"/>
+                  <a:t>D</a:t>
+                </a:r>
+                <a:endParaRPr kumimoji="1" lang="zh-CN" altLang="en-US" dirty="0"/>
+              </a:p>
+            </p:txBody>
+          </p:sp>
+          <p:sp>
+            <p:nvSpPr>
+              <p:cNvPr id="12" name="文本框 7">
+                <a:extLst>
+                  <a:ext uri="{FF2B5EF4-FFF2-40B4-BE49-F238E27FC236}">
+                    <a16:creationId xmlns:a16="http://schemas.microsoft.com/office/drawing/2014/main" id="{497D2C66-1F39-3298-B500-BA34E890278C}"/>
+                  </a:ext>
+                </a:extLst>
+              </p:cNvPr>
+              <p:cNvSpPr txBox="1"/>
+              <p:nvPr/>
+            </p:nvSpPr>
+            <p:spPr>
+              <a:xfrm>
+                <a:off x="2864514" y="1930189"/>
+                <a:ext cx="455574" cy="369332"/>
+              </a:xfrm>
+              <a:prstGeom prst="rect">
+                <a:avLst/>
+              </a:prstGeom>
+              <a:noFill/>
+            </p:spPr>
+            <p:txBody>
+              <a:bodyPr wrap="none" rtlCol="0">
+                <a:spAutoFit/>
+              </a:bodyPr>
+              <a:lstStyle/>
+              <a:p>
+                <a:r>
+                  <a:rPr kumimoji="1" lang="en-US" altLang="zh-CN" dirty="0"/>
+                  <a:t>CK</a:t>
+                </a:r>
+                <a:endParaRPr kumimoji="1" lang="zh-CN" altLang="en-US" dirty="0"/>
+              </a:p>
+            </p:txBody>
+          </p:sp>
+          <p:sp>
+            <p:nvSpPr>
+              <p:cNvPr id="13" name="文本框 8">
+                <a:extLst>
+                  <a:ext uri="{FF2B5EF4-FFF2-40B4-BE49-F238E27FC236}">
+                    <a16:creationId xmlns:a16="http://schemas.microsoft.com/office/drawing/2014/main" id="{DDAF3E61-ABF8-EA27-99B0-242EE98731C5}"/>
+                  </a:ext>
+                </a:extLst>
+              </p:cNvPr>
+              <p:cNvSpPr txBox="1"/>
+              <p:nvPr/>
+            </p:nvSpPr>
+            <p:spPr>
+              <a:xfrm>
+                <a:off x="3058191" y="1391816"/>
+                <a:ext cx="359394" cy="369332"/>
+              </a:xfrm>
+              <a:prstGeom prst="rect">
+                <a:avLst/>
+              </a:prstGeom>
+              <a:noFill/>
+            </p:spPr>
+            <p:txBody>
+              <a:bodyPr wrap="none" rtlCol="0">
+                <a:spAutoFit/>
+              </a:bodyPr>
+              <a:lstStyle/>
+              <a:p>
+                <a:r>
+                  <a:rPr kumimoji="1" lang="en-US" altLang="zh-CN" dirty="0"/>
+                  <a:t>Q</a:t>
+                </a:r>
+                <a:endParaRPr kumimoji="1" lang="zh-CN" altLang="en-US" dirty="0"/>
+              </a:p>
+            </p:txBody>
+          </p:sp>
+        </p:grpSp>
+        <p:cxnSp>
+          <p:nvCxnSpPr>
+            <p:cNvPr id="6" name="直线连接符 17">
+              <a:extLst>
+                <a:ext uri="{FF2B5EF4-FFF2-40B4-BE49-F238E27FC236}">
+                  <a16:creationId xmlns:a16="http://schemas.microsoft.com/office/drawing/2014/main" id="{E37A9B7F-5D57-4D13-6236-154BA89BC25F}"/>
+                </a:ext>
+              </a:extLst>
+            </p:cNvPr>
+            <p:cNvCxnSpPr>
+              <a:cxnSpLocks/>
+            </p:cNvCxnSpPr>
+            <p:nvPr/>
+          </p:nvCxnSpPr>
+          <p:spPr>
+            <a:xfrm>
+              <a:off x="2459115" y="1576482"/>
+              <a:ext cx="305957" cy="0"/>
+            </a:xfrm>
+            <a:prstGeom prst="line">
+              <a:avLst/>
+            </a:prstGeom>
+          </p:spPr>
+          <p:style>
+            <a:lnRef idx="2">
+              <a:schemeClr val="accent1"/>
+            </a:lnRef>
+            <a:fillRef idx="0">
+              <a:schemeClr val="accent1"/>
+            </a:fillRef>
+            <a:effectRef idx="1">
+              <a:schemeClr val="accent1"/>
+            </a:effectRef>
+            <a:fontRef idx="minor">
+              <a:schemeClr val="tx1"/>
+            </a:fontRef>
+          </p:style>
+        </p:cxnSp>
+        <p:cxnSp>
+          <p:nvCxnSpPr>
+            <p:cNvPr id="7" name="直线连接符 19">
+              <a:extLst>
+                <a:ext uri="{FF2B5EF4-FFF2-40B4-BE49-F238E27FC236}">
+                  <a16:creationId xmlns:a16="http://schemas.microsoft.com/office/drawing/2014/main" id="{DD69388E-6D0E-3F34-4CEF-D677D38FC5CC}"/>
+                </a:ext>
+              </a:extLst>
+            </p:cNvPr>
+            <p:cNvCxnSpPr>
+              <a:cxnSpLocks/>
+            </p:cNvCxnSpPr>
+            <p:nvPr/>
+          </p:nvCxnSpPr>
+          <p:spPr>
+            <a:xfrm>
+              <a:off x="3341025" y="1576482"/>
+              <a:ext cx="305957" cy="0"/>
+            </a:xfrm>
+            <a:prstGeom prst="line">
+              <a:avLst/>
+            </a:prstGeom>
+          </p:spPr>
+          <p:style>
+            <a:lnRef idx="2">
+              <a:schemeClr val="accent1"/>
+            </a:lnRef>
+            <a:fillRef idx="0">
+              <a:schemeClr val="accent1"/>
+            </a:fillRef>
+            <a:effectRef idx="1">
+              <a:schemeClr val="accent1"/>
+            </a:effectRef>
+            <a:fontRef idx="minor">
+              <a:schemeClr val="tx1"/>
+            </a:fontRef>
+          </p:style>
+        </p:cxnSp>
+        <p:cxnSp>
+          <p:nvCxnSpPr>
+            <p:cNvPr id="8" name="直线连接符 20">
+              <a:extLst>
+                <a:ext uri="{FF2B5EF4-FFF2-40B4-BE49-F238E27FC236}">
+                  <a16:creationId xmlns:a16="http://schemas.microsoft.com/office/drawing/2014/main" id="{15467BAC-55A5-7BC4-A24D-EF28755B371A}"/>
+                </a:ext>
+              </a:extLst>
+            </p:cNvPr>
+            <p:cNvCxnSpPr>
+              <a:cxnSpLocks/>
+            </p:cNvCxnSpPr>
+            <p:nvPr/>
+          </p:nvCxnSpPr>
+          <p:spPr>
+            <a:xfrm>
+              <a:off x="2459115" y="2103714"/>
+              <a:ext cx="305957" cy="0"/>
+            </a:xfrm>
+            <a:prstGeom prst="line">
+              <a:avLst/>
+            </a:prstGeom>
+          </p:spPr>
+          <p:style>
+            <a:lnRef idx="2">
+              <a:schemeClr val="accent1"/>
+            </a:lnRef>
+            <a:fillRef idx="0">
+              <a:schemeClr val="accent1"/>
+            </a:fillRef>
+            <a:effectRef idx="1">
+              <a:schemeClr val="accent1"/>
+            </a:effectRef>
+            <a:fontRef idx="minor">
+              <a:schemeClr val="tx1"/>
+            </a:fontRef>
+          </p:style>
+        </p:cxnSp>
+      </p:grpSp>
+      <p:grpSp>
+        <p:nvGrpSpPr>
+          <p:cNvPr id="14" name="组合 22">
+            <a:extLst>
+              <a:ext uri="{FF2B5EF4-FFF2-40B4-BE49-F238E27FC236}">
+                <a16:creationId xmlns:a16="http://schemas.microsoft.com/office/drawing/2014/main" id="{2FD86EFC-11AD-6665-11D4-33DB2041A925}"/>
+              </a:ext>
+            </a:extLst>
+          </p:cNvPr>
+          <p:cNvGrpSpPr/>
+          <p:nvPr/>
+        </p:nvGrpSpPr>
+        <p:grpSpPr>
+          <a:xfrm>
+            <a:off x="7340915" y="374166"/>
+            <a:ext cx="1187867" cy="1033153"/>
+            <a:chOff x="2459115" y="1343921"/>
+            <a:chExt cx="1187867" cy="1033153"/>
+          </a:xfrm>
+        </p:grpSpPr>
+        <p:grpSp>
+          <p:nvGrpSpPr>
+            <p:cNvPr id="15" name="组合 9">
+              <a:extLst>
+                <a:ext uri="{FF2B5EF4-FFF2-40B4-BE49-F238E27FC236}">
+                  <a16:creationId xmlns:a16="http://schemas.microsoft.com/office/drawing/2014/main" id="{AA24EECD-D42A-0F7C-C9D7-60A0EBB6D2C1}"/>
+                </a:ext>
+              </a:extLst>
+            </p:cNvPr>
+            <p:cNvGrpSpPr/>
+            <p:nvPr/>
+          </p:nvGrpSpPr>
+          <p:grpSpPr>
+            <a:xfrm>
+              <a:off x="2661581" y="1343921"/>
+              <a:ext cx="756004" cy="1033153"/>
+              <a:chOff x="2661581" y="1343921"/>
+              <a:chExt cx="756004" cy="1033153"/>
+            </a:xfrm>
+          </p:grpSpPr>
+          <p:sp>
+            <p:nvSpPr>
+              <p:cNvPr id="19" name="矩形 4">
+                <a:extLst>
+                  <a:ext uri="{FF2B5EF4-FFF2-40B4-BE49-F238E27FC236}">
+                    <a16:creationId xmlns:a16="http://schemas.microsoft.com/office/drawing/2014/main" id="{76981B50-FA74-423A-B3CB-DEDB3F250D13}"/>
+                  </a:ext>
+                </a:extLst>
+              </p:cNvPr>
+              <p:cNvSpPr/>
+              <p:nvPr/>
+            </p:nvSpPr>
+            <p:spPr>
+              <a:xfrm>
+                <a:off x="2765072" y="1343921"/>
+                <a:ext cx="575953" cy="1033153"/>
+              </a:xfrm>
+              <a:prstGeom prst="rect">
+                <a:avLst/>
+              </a:prstGeom>
+              <a:noFill/>
+            </p:spPr>
+            <p:style>
+              <a:lnRef idx="2">
+                <a:schemeClr val="accent1">
+                  <a:shade val="50000"/>
+                </a:schemeClr>
+              </a:lnRef>
+              <a:fillRef idx="1">
+                <a:schemeClr val="accent1"/>
+              </a:fillRef>
+              <a:effectRef idx="0">
+                <a:schemeClr val="accent1"/>
+              </a:effectRef>
+              <a:fontRef idx="minor">
+                <a:schemeClr val="lt1"/>
+              </a:fontRef>
+            </p:style>
+            <p:txBody>
+              <a:bodyPr rtlCol="0" anchor="ctr"/>
+              <a:lstStyle/>
+              <a:p>
+                <a:pPr algn="ctr"/>
+                <a:endParaRPr lang="zh-CN" altLang="en-US" dirty="0">
+                  <a:solidFill>
+                    <a:schemeClr val="tx1"/>
+                  </a:solidFill>
+                </a:endParaRPr>
+              </a:p>
+            </p:txBody>
+          </p:sp>
+          <p:sp>
+            <p:nvSpPr>
+              <p:cNvPr id="20" name="直角三角形 5">
+                <a:extLst>
+                  <a:ext uri="{FF2B5EF4-FFF2-40B4-BE49-F238E27FC236}">
+                    <a16:creationId xmlns:a16="http://schemas.microsoft.com/office/drawing/2014/main" id="{11722F2F-CB9F-29C5-78C2-3CD84A799D1F}"/>
+                  </a:ext>
+                </a:extLst>
+              </p:cNvPr>
+              <p:cNvSpPr/>
+              <p:nvPr/>
+            </p:nvSpPr>
+            <p:spPr>
+              <a:xfrm rot="13320000">
+                <a:off x="2661581" y="2001597"/>
+                <a:ext cx="206982" cy="226517"/>
+              </a:xfrm>
+              <a:prstGeom prst="rtTriangle">
+                <a:avLst/>
+              </a:prstGeom>
+              <a:noFill/>
+            </p:spPr>
+            <p:style>
+              <a:lnRef idx="2">
+                <a:schemeClr val="accent1">
+                  <a:shade val="50000"/>
+                </a:schemeClr>
+              </a:lnRef>
+              <a:fillRef idx="1">
+                <a:schemeClr val="accent1"/>
+              </a:fillRef>
+              <a:effectRef idx="0">
+                <a:schemeClr val="accent1"/>
+              </a:effectRef>
+              <a:fontRef idx="minor">
+                <a:schemeClr val="lt1"/>
+              </a:fontRef>
+            </p:style>
+            <p:txBody>
+              <a:bodyPr rtlCol="0" anchor="ctr"/>
+              <a:lstStyle/>
+              <a:p>
+                <a:pPr algn="ctr"/>
+                <a:endParaRPr lang="zh-CN" altLang="en-US"/>
+              </a:p>
+            </p:txBody>
+          </p:sp>
+          <p:sp>
+            <p:nvSpPr>
+              <p:cNvPr id="21" name="文本框 6">
+                <a:extLst>
+                  <a:ext uri="{FF2B5EF4-FFF2-40B4-BE49-F238E27FC236}">
+                    <a16:creationId xmlns:a16="http://schemas.microsoft.com/office/drawing/2014/main" id="{EFEEE42B-01A4-CBA9-51A6-77129FF92862}"/>
+                  </a:ext>
+                </a:extLst>
+              </p:cNvPr>
+              <p:cNvSpPr txBox="1"/>
+              <p:nvPr/>
+            </p:nvSpPr>
+            <p:spPr>
+              <a:xfrm>
+                <a:off x="2692832" y="1391816"/>
+                <a:ext cx="343364" cy="369332"/>
+              </a:xfrm>
+              <a:prstGeom prst="rect">
+                <a:avLst/>
+              </a:prstGeom>
+              <a:noFill/>
+            </p:spPr>
+            <p:txBody>
+              <a:bodyPr wrap="none" rtlCol="0">
+                <a:spAutoFit/>
+              </a:bodyPr>
+              <a:lstStyle/>
+              <a:p>
+                <a:r>
+                  <a:rPr kumimoji="1" lang="en-US" altLang="zh-CN" dirty="0"/>
+                  <a:t>D</a:t>
+                </a:r>
+                <a:endParaRPr kumimoji="1" lang="zh-CN" altLang="en-US" dirty="0"/>
+              </a:p>
+            </p:txBody>
+          </p:sp>
+          <p:sp>
+            <p:nvSpPr>
+              <p:cNvPr id="22" name="文本框 7">
+                <a:extLst>
+                  <a:ext uri="{FF2B5EF4-FFF2-40B4-BE49-F238E27FC236}">
+                    <a16:creationId xmlns:a16="http://schemas.microsoft.com/office/drawing/2014/main" id="{8F027852-2F4E-0047-58F8-F2D2C2466453}"/>
+                  </a:ext>
+                </a:extLst>
+              </p:cNvPr>
+              <p:cNvSpPr txBox="1"/>
+              <p:nvPr/>
+            </p:nvSpPr>
+            <p:spPr>
+              <a:xfrm>
+                <a:off x="2864514" y="1930189"/>
+                <a:ext cx="455574" cy="369332"/>
+              </a:xfrm>
+              <a:prstGeom prst="rect">
+                <a:avLst/>
+              </a:prstGeom>
+              <a:noFill/>
+            </p:spPr>
+            <p:txBody>
+              <a:bodyPr wrap="none" rtlCol="0">
+                <a:spAutoFit/>
+              </a:bodyPr>
+              <a:lstStyle/>
+              <a:p>
+                <a:r>
+                  <a:rPr kumimoji="1" lang="en-US" altLang="zh-CN" dirty="0"/>
+                  <a:t>CK</a:t>
+                </a:r>
+                <a:endParaRPr kumimoji="1" lang="zh-CN" altLang="en-US" dirty="0"/>
+              </a:p>
+            </p:txBody>
+          </p:sp>
+          <p:sp>
+            <p:nvSpPr>
+              <p:cNvPr id="23" name="文本框 8">
+                <a:extLst>
+                  <a:ext uri="{FF2B5EF4-FFF2-40B4-BE49-F238E27FC236}">
+                    <a16:creationId xmlns:a16="http://schemas.microsoft.com/office/drawing/2014/main" id="{782A8BBE-8FD1-AD45-C7B5-71821FD3F39B}"/>
+                  </a:ext>
+                </a:extLst>
+              </p:cNvPr>
+              <p:cNvSpPr txBox="1"/>
+              <p:nvPr/>
+            </p:nvSpPr>
+            <p:spPr>
+              <a:xfrm>
+                <a:off x="3058191" y="1391816"/>
+                <a:ext cx="359394" cy="369332"/>
+              </a:xfrm>
+              <a:prstGeom prst="rect">
+                <a:avLst/>
+              </a:prstGeom>
+              <a:noFill/>
+            </p:spPr>
+            <p:txBody>
+              <a:bodyPr wrap="none" rtlCol="0">
+                <a:spAutoFit/>
+              </a:bodyPr>
+              <a:lstStyle/>
+              <a:p>
+                <a:r>
+                  <a:rPr kumimoji="1" lang="en-US" altLang="zh-CN" dirty="0"/>
+                  <a:t>Q</a:t>
+                </a:r>
+                <a:endParaRPr kumimoji="1" lang="zh-CN" altLang="en-US" dirty="0"/>
+              </a:p>
+            </p:txBody>
+          </p:sp>
+        </p:grpSp>
+        <p:cxnSp>
+          <p:nvCxnSpPr>
+            <p:cNvPr id="16" name="直线连接符 17">
+              <a:extLst>
+                <a:ext uri="{FF2B5EF4-FFF2-40B4-BE49-F238E27FC236}">
+                  <a16:creationId xmlns:a16="http://schemas.microsoft.com/office/drawing/2014/main" id="{CFED4742-647C-1CD5-4C16-F6A7E2FC9190}"/>
+                </a:ext>
+              </a:extLst>
+            </p:cNvPr>
+            <p:cNvCxnSpPr>
+              <a:cxnSpLocks/>
+            </p:cNvCxnSpPr>
+            <p:nvPr/>
+          </p:nvCxnSpPr>
+          <p:spPr>
+            <a:xfrm>
+              <a:off x="2459115" y="1576482"/>
+              <a:ext cx="305957" cy="0"/>
+            </a:xfrm>
+            <a:prstGeom prst="line">
+              <a:avLst/>
+            </a:prstGeom>
+          </p:spPr>
+          <p:style>
+            <a:lnRef idx="2">
+              <a:schemeClr val="accent1"/>
+            </a:lnRef>
+            <a:fillRef idx="0">
+              <a:schemeClr val="accent1"/>
+            </a:fillRef>
+            <a:effectRef idx="1">
+              <a:schemeClr val="accent1"/>
+            </a:effectRef>
+            <a:fontRef idx="minor">
+              <a:schemeClr val="tx1"/>
+            </a:fontRef>
+          </p:style>
+        </p:cxnSp>
+        <p:cxnSp>
+          <p:nvCxnSpPr>
+            <p:cNvPr id="17" name="直线连接符 19">
+              <a:extLst>
+                <a:ext uri="{FF2B5EF4-FFF2-40B4-BE49-F238E27FC236}">
+                  <a16:creationId xmlns:a16="http://schemas.microsoft.com/office/drawing/2014/main" id="{BF7B77B5-61AF-C801-14AE-F2E1E9E94672}"/>
+                </a:ext>
+              </a:extLst>
+            </p:cNvPr>
+            <p:cNvCxnSpPr>
+              <a:cxnSpLocks/>
+            </p:cNvCxnSpPr>
+            <p:nvPr/>
+          </p:nvCxnSpPr>
+          <p:spPr>
+            <a:xfrm>
+              <a:off x="3341025" y="1576482"/>
+              <a:ext cx="305957" cy="0"/>
+            </a:xfrm>
+            <a:prstGeom prst="line">
+              <a:avLst/>
+            </a:prstGeom>
+          </p:spPr>
+          <p:style>
+            <a:lnRef idx="2">
+              <a:schemeClr val="accent1"/>
+            </a:lnRef>
+            <a:fillRef idx="0">
+              <a:schemeClr val="accent1"/>
+            </a:fillRef>
+            <a:effectRef idx="1">
+              <a:schemeClr val="accent1"/>
+            </a:effectRef>
+            <a:fontRef idx="minor">
+              <a:schemeClr val="tx1"/>
+            </a:fontRef>
+          </p:style>
+        </p:cxnSp>
+        <p:cxnSp>
+          <p:nvCxnSpPr>
+            <p:cNvPr id="18" name="直线连接符 20">
+              <a:extLst>
+                <a:ext uri="{FF2B5EF4-FFF2-40B4-BE49-F238E27FC236}">
+                  <a16:creationId xmlns:a16="http://schemas.microsoft.com/office/drawing/2014/main" id="{4787D122-5C9A-A8E6-96BA-FF21A4C6C70F}"/>
+                </a:ext>
+              </a:extLst>
+            </p:cNvPr>
+            <p:cNvCxnSpPr>
+              <a:cxnSpLocks/>
+            </p:cNvCxnSpPr>
+            <p:nvPr/>
+          </p:nvCxnSpPr>
+          <p:spPr>
+            <a:xfrm>
+              <a:off x="2459115" y="2103714"/>
+              <a:ext cx="305957" cy="0"/>
+            </a:xfrm>
+            <a:prstGeom prst="line">
+              <a:avLst/>
+            </a:prstGeom>
+          </p:spPr>
+          <p:style>
+            <a:lnRef idx="2">
+              <a:schemeClr val="accent1"/>
+            </a:lnRef>
+            <a:fillRef idx="0">
+              <a:schemeClr val="accent1"/>
+            </a:fillRef>
+            <a:effectRef idx="1">
+              <a:schemeClr val="accent1"/>
+            </a:effectRef>
+            <a:fontRef idx="minor">
+              <a:schemeClr val="tx1"/>
+            </a:fontRef>
+          </p:style>
+        </p:cxnSp>
+      </p:grpSp>
+      <p:sp>
+        <p:nvSpPr>
+          <p:cNvPr id="24" name="Cloud 23">
+            <a:extLst>
+              <a:ext uri="{FF2B5EF4-FFF2-40B4-BE49-F238E27FC236}">
+                <a16:creationId xmlns:a16="http://schemas.microsoft.com/office/drawing/2014/main" id="{8182DA0E-80DD-5161-118A-8A25689BECCD}"/>
+              </a:ext>
+            </a:extLst>
+          </p:cNvPr>
+          <p:cNvSpPr/>
+          <p:nvPr/>
+        </p:nvSpPr>
+        <p:spPr>
+          <a:xfrm>
+            <a:off x="5610302" y="149527"/>
+            <a:ext cx="1602075" cy="914400"/>
+          </a:xfrm>
+          <a:prstGeom prst="cloud">
+            <a:avLst/>
+          </a:prstGeom>
+        </p:spPr>
+        <p:style>
+          <a:lnRef idx="2">
+            <a:schemeClr val="accent6">
+              <a:shade val="15000"/>
+            </a:schemeClr>
+          </a:lnRef>
+          <a:fillRef idx="1">
+            <a:schemeClr val="accent6"/>
+          </a:fillRef>
+          <a:effectRef idx="0">
+            <a:schemeClr val="accent6"/>
+          </a:effectRef>
+          <a:fontRef idx="minor">
+            <a:schemeClr val="lt1"/>
+          </a:fontRef>
+        </p:style>
+        <p:txBody>
+          <a:bodyPr rtlCol="0" anchor="ctr"/>
+          <a:lstStyle/>
+          <a:p>
+            <a:pPr algn="ctr"/>
+            <a:r>
+              <a:rPr lang="en-US" dirty="0"/>
+              <a:t>C</a:t>
+            </a:r>
+            <a:r>
+              <a:rPr lang="en-US" altLang="zh-CN" dirty="0"/>
+              <a:t>omb Logic</a:t>
+            </a:r>
+            <a:endParaRPr lang="en-US" dirty="0"/>
+          </a:p>
+        </p:txBody>
+      </p:sp>
+      <p:cxnSp>
+        <p:nvCxnSpPr>
+          <p:cNvPr id="26" name="Straight Connector 25">
+            <a:extLst>
+              <a:ext uri="{FF2B5EF4-FFF2-40B4-BE49-F238E27FC236}">
+                <a16:creationId xmlns:a16="http://schemas.microsoft.com/office/drawing/2014/main" id="{C8938BE2-92A7-4F80-EE53-813C520320C2}"/>
+              </a:ext>
+            </a:extLst>
+          </p:cNvPr>
+          <p:cNvCxnSpPr>
+            <a:cxnSpLocks/>
+            <a:endCxn id="24" idx="2"/>
+          </p:cNvCxnSpPr>
+          <p:nvPr/>
+        </p:nvCxnSpPr>
+        <p:spPr>
+          <a:xfrm>
+            <a:off x="5417408" y="606727"/>
+            <a:ext cx="197863" cy="0"/>
+          </a:xfrm>
+          <a:prstGeom prst="line">
+            <a:avLst/>
+          </a:prstGeom>
+        </p:spPr>
+        <p:style>
+          <a:lnRef idx="2">
+            <a:schemeClr val="dk1"/>
+          </a:lnRef>
+          <a:fillRef idx="0">
+            <a:schemeClr val="dk1"/>
+          </a:fillRef>
+          <a:effectRef idx="1">
+            <a:schemeClr val="dk1"/>
+          </a:effectRef>
+          <a:fontRef idx="minor">
+            <a:schemeClr val="tx1"/>
+          </a:fontRef>
+        </p:style>
+      </p:cxnSp>
+      <p:cxnSp>
+        <p:nvCxnSpPr>
+          <p:cNvPr id="29" name="Straight Connector 28">
+            <a:extLst>
+              <a:ext uri="{FF2B5EF4-FFF2-40B4-BE49-F238E27FC236}">
+                <a16:creationId xmlns:a16="http://schemas.microsoft.com/office/drawing/2014/main" id="{BAE9DC7C-62F6-4614-B1E1-CF12C51061EF}"/>
+              </a:ext>
+            </a:extLst>
+          </p:cNvPr>
+          <p:cNvCxnSpPr>
+            <a:cxnSpLocks/>
+          </p:cNvCxnSpPr>
+          <p:nvPr/>
+        </p:nvCxnSpPr>
+        <p:spPr>
+          <a:xfrm>
+            <a:off x="7222762" y="606727"/>
+            <a:ext cx="138396" cy="0"/>
+          </a:xfrm>
+          <a:prstGeom prst="line">
+            <a:avLst/>
+          </a:prstGeom>
+        </p:spPr>
+        <p:style>
+          <a:lnRef idx="2">
+            <a:schemeClr val="dk1"/>
+          </a:lnRef>
+          <a:fillRef idx="0">
+            <a:schemeClr val="dk1"/>
+          </a:fillRef>
+          <a:effectRef idx="1">
+            <a:schemeClr val="dk1"/>
+          </a:effectRef>
+          <a:fontRef idx="minor">
+            <a:schemeClr val="tx1"/>
+          </a:fontRef>
+        </p:style>
+      </p:cxnSp>
+      <p:cxnSp>
+        <p:nvCxnSpPr>
+          <p:cNvPr id="31" name="Straight Connector 30">
+            <a:extLst>
+              <a:ext uri="{FF2B5EF4-FFF2-40B4-BE49-F238E27FC236}">
+                <a16:creationId xmlns:a16="http://schemas.microsoft.com/office/drawing/2014/main" id="{244A052A-8CF4-43BF-9371-08EE218538D5}"/>
+              </a:ext>
+            </a:extLst>
+          </p:cNvPr>
+          <p:cNvCxnSpPr>
+            <a:cxnSpLocks/>
+          </p:cNvCxnSpPr>
+          <p:nvPr/>
+        </p:nvCxnSpPr>
+        <p:spPr>
+          <a:xfrm>
+            <a:off x="3424485" y="1716511"/>
+            <a:ext cx="3914149" cy="0"/>
+          </a:xfrm>
+          <a:prstGeom prst="line">
+            <a:avLst/>
+          </a:prstGeom>
+        </p:spPr>
+        <p:style>
+          <a:lnRef idx="2">
+            <a:schemeClr val="dk1"/>
+          </a:lnRef>
+          <a:fillRef idx="0">
+            <a:schemeClr val="dk1"/>
+          </a:fillRef>
+          <a:effectRef idx="1">
+            <a:schemeClr val="dk1"/>
+          </a:effectRef>
+          <a:fontRef idx="minor">
+            <a:schemeClr val="tx1"/>
+          </a:fontRef>
+        </p:style>
+      </p:cxnSp>
+      <p:cxnSp>
+        <p:nvCxnSpPr>
+          <p:cNvPr id="33" name="Straight Connector 32">
+            <a:extLst>
+              <a:ext uri="{FF2B5EF4-FFF2-40B4-BE49-F238E27FC236}">
+                <a16:creationId xmlns:a16="http://schemas.microsoft.com/office/drawing/2014/main" id="{B85A6772-E7D1-2A3A-884F-15B5C3630766}"/>
+              </a:ext>
+            </a:extLst>
+          </p:cNvPr>
+          <p:cNvCxnSpPr>
+            <a:cxnSpLocks/>
+          </p:cNvCxnSpPr>
+          <p:nvPr/>
+        </p:nvCxnSpPr>
+        <p:spPr>
+          <a:xfrm flipV="1">
+            <a:off x="7338634" y="1133959"/>
+            <a:ext cx="0" cy="582552"/>
+          </a:xfrm>
+          <a:prstGeom prst="line">
+            <a:avLst/>
+          </a:prstGeom>
+        </p:spPr>
+        <p:style>
+          <a:lnRef idx="2">
+            <a:schemeClr val="dk1"/>
+          </a:lnRef>
+          <a:fillRef idx="0">
+            <a:schemeClr val="dk1"/>
+          </a:fillRef>
+          <a:effectRef idx="1">
+            <a:schemeClr val="dk1"/>
+          </a:effectRef>
+          <a:fontRef idx="minor">
+            <a:schemeClr val="tx1"/>
+          </a:fontRef>
+        </p:style>
+      </p:cxnSp>
+      <p:cxnSp>
+        <p:nvCxnSpPr>
+          <p:cNvPr id="37" name="Straight Connector 36">
+            <a:extLst>
+              <a:ext uri="{FF2B5EF4-FFF2-40B4-BE49-F238E27FC236}">
+                <a16:creationId xmlns:a16="http://schemas.microsoft.com/office/drawing/2014/main" id="{E3A3733B-7FFB-F930-778C-DB2109E161E8}"/>
+              </a:ext>
+            </a:extLst>
+          </p:cNvPr>
+          <p:cNvCxnSpPr>
+            <a:cxnSpLocks/>
+          </p:cNvCxnSpPr>
+          <p:nvPr/>
+        </p:nvCxnSpPr>
+        <p:spPr>
+          <a:xfrm>
+            <a:off x="4289008" y="1133959"/>
+            <a:ext cx="0" cy="582552"/>
+          </a:xfrm>
+          <a:prstGeom prst="line">
+            <a:avLst/>
+          </a:prstGeom>
+        </p:spPr>
+        <p:style>
+          <a:lnRef idx="2">
+            <a:schemeClr val="dk1"/>
+          </a:lnRef>
+          <a:fillRef idx="0">
+            <a:schemeClr val="dk1"/>
+          </a:fillRef>
+          <a:effectRef idx="1">
+            <a:schemeClr val="dk1"/>
+          </a:effectRef>
+          <a:fontRef idx="minor">
+            <a:schemeClr val="tx1"/>
+          </a:fontRef>
+        </p:style>
+      </p:cxnSp>
+      <p:sp>
+        <p:nvSpPr>
+          <p:cNvPr id="41" name="Arrow: Pentagon 40">
+            <a:extLst>
+              <a:ext uri="{FF2B5EF4-FFF2-40B4-BE49-F238E27FC236}">
+                <a16:creationId xmlns:a16="http://schemas.microsoft.com/office/drawing/2014/main" id="{AFE6354B-A614-3953-4C45-F9BD8071314B}"/>
+              </a:ext>
+            </a:extLst>
+          </p:cNvPr>
+          <p:cNvSpPr/>
+          <p:nvPr/>
+        </p:nvSpPr>
+        <p:spPr>
+          <a:xfrm>
+            <a:off x="2443797" y="1603189"/>
+            <a:ext cx="978408" cy="226643"/>
+          </a:xfrm>
+          <a:prstGeom prst="homePlate">
+            <a:avLst/>
+          </a:prstGeom>
+        </p:spPr>
+        <p:style>
+          <a:lnRef idx="2">
+            <a:schemeClr val="accent6">
+              <a:shade val="15000"/>
+            </a:schemeClr>
+          </a:lnRef>
+          <a:fillRef idx="1">
+            <a:schemeClr val="accent6"/>
+          </a:fillRef>
+          <a:effectRef idx="0">
+            <a:schemeClr val="accent6"/>
+          </a:effectRef>
+          <a:fontRef idx="minor">
+            <a:schemeClr val="lt1"/>
+          </a:fontRef>
+        </p:style>
+        <p:txBody>
+          <a:bodyPr rtlCol="0" anchor="ctr"/>
+          <a:lstStyle/>
+          <a:p>
+            <a:pPr algn="ctr"/>
+            <a:r>
+              <a:rPr lang="en-US" dirty="0"/>
+              <a:t>CLK</a:t>
+            </a:r>
+          </a:p>
+        </p:txBody>
+      </p:sp>
+      <p:sp>
+        <p:nvSpPr>
+          <p:cNvPr id="42" name="Arrow: Pentagon 41">
+            <a:extLst>
+              <a:ext uri="{FF2B5EF4-FFF2-40B4-BE49-F238E27FC236}">
+                <a16:creationId xmlns:a16="http://schemas.microsoft.com/office/drawing/2014/main" id="{CAAA86D8-68D5-F5E5-1EF5-A59A8D4915D8}"/>
+              </a:ext>
+            </a:extLst>
+          </p:cNvPr>
+          <p:cNvSpPr/>
+          <p:nvPr/>
+        </p:nvSpPr>
+        <p:spPr>
+          <a:xfrm>
+            <a:off x="2443797" y="493405"/>
+            <a:ext cx="978408" cy="226643"/>
+          </a:xfrm>
+          <a:prstGeom prst="homePlate">
+            <a:avLst/>
+          </a:prstGeom>
+        </p:spPr>
+        <p:style>
+          <a:lnRef idx="2">
+            <a:schemeClr val="accent6">
+              <a:shade val="15000"/>
+            </a:schemeClr>
+          </a:lnRef>
+          <a:fillRef idx="1">
+            <a:schemeClr val="accent6"/>
+          </a:fillRef>
+          <a:effectRef idx="0">
+            <a:schemeClr val="accent6"/>
+          </a:effectRef>
+          <a:fontRef idx="minor">
+            <a:schemeClr val="lt1"/>
+          </a:fontRef>
+        </p:style>
+        <p:txBody>
+          <a:bodyPr rtlCol="0" anchor="ctr"/>
+          <a:lstStyle/>
+          <a:p>
+            <a:pPr algn="ctr"/>
+            <a:r>
+              <a:rPr lang="en-US" dirty="0"/>
+              <a:t>DATA</a:t>
+            </a:r>
+          </a:p>
+        </p:txBody>
+      </p:sp>
+      <p:cxnSp>
+        <p:nvCxnSpPr>
+          <p:cNvPr id="43" name="Straight Connector 42">
+            <a:extLst>
+              <a:ext uri="{FF2B5EF4-FFF2-40B4-BE49-F238E27FC236}">
+                <a16:creationId xmlns:a16="http://schemas.microsoft.com/office/drawing/2014/main" id="{799A14A5-A54F-2402-E8C9-73D31046A679}"/>
+              </a:ext>
+            </a:extLst>
+          </p:cNvPr>
+          <p:cNvCxnSpPr>
+            <a:cxnSpLocks/>
+            <a:stCxn id="42" idx="3"/>
+          </p:cNvCxnSpPr>
+          <p:nvPr/>
+        </p:nvCxnSpPr>
+        <p:spPr>
+          <a:xfrm>
+            <a:off x="3422205" y="606727"/>
+            <a:ext cx="866803" cy="0"/>
+          </a:xfrm>
+          <a:prstGeom prst="line">
+            <a:avLst/>
+          </a:prstGeom>
+        </p:spPr>
+        <p:style>
+          <a:lnRef idx="2">
+            <a:schemeClr val="dk1"/>
+          </a:lnRef>
+          <a:fillRef idx="0">
+            <a:schemeClr val="dk1"/>
+          </a:fillRef>
+          <a:effectRef idx="1">
+            <a:schemeClr val="dk1"/>
+          </a:effectRef>
+          <a:fontRef idx="minor">
+            <a:schemeClr val="tx1"/>
+          </a:fontRef>
+        </p:style>
+      </p:cxnSp>
+      <p:sp>
+        <p:nvSpPr>
+          <p:cNvPr id="48" name="文本框 62">
+            <a:extLst>
+              <a:ext uri="{FF2B5EF4-FFF2-40B4-BE49-F238E27FC236}">
+                <a16:creationId xmlns:a16="http://schemas.microsoft.com/office/drawing/2014/main" id="{B0F4EAD8-1495-ADAF-E75F-4A775DC86FA1}"/>
+              </a:ext>
+            </a:extLst>
+          </p:cNvPr>
+          <p:cNvSpPr txBox="1"/>
+          <p:nvPr/>
+        </p:nvSpPr>
+        <p:spPr>
+          <a:xfrm>
+            <a:off x="2326928" y="2181659"/>
+            <a:ext cx="562975" cy="369332"/>
+          </a:xfrm>
+          <a:prstGeom prst="rect">
+            <a:avLst/>
+          </a:prstGeom>
+          <a:noFill/>
+        </p:spPr>
+        <p:txBody>
+          <a:bodyPr wrap="none" rtlCol="0">
+            <a:spAutoFit/>
+          </a:bodyPr>
+          <a:lstStyle/>
+          <a:p>
+            <a:r>
+              <a:rPr kumimoji="1" lang="en-US" altLang="zh-CN" dirty="0"/>
+              <a:t>CLK</a:t>
+            </a:r>
+            <a:endParaRPr kumimoji="1" lang="zh-CN" altLang="en-US" dirty="0"/>
+          </a:p>
+        </p:txBody>
+      </p:sp>
+      <p:cxnSp>
+        <p:nvCxnSpPr>
+          <p:cNvPr id="50" name="Straight Connector 49">
+            <a:extLst>
+              <a:ext uri="{FF2B5EF4-FFF2-40B4-BE49-F238E27FC236}">
+                <a16:creationId xmlns:a16="http://schemas.microsoft.com/office/drawing/2014/main" id="{757E5CC3-C4C9-D33E-AFAB-9B227C766C82}"/>
+              </a:ext>
+            </a:extLst>
+          </p:cNvPr>
+          <p:cNvCxnSpPr>
+            <a:cxnSpLocks/>
+          </p:cNvCxnSpPr>
+          <p:nvPr/>
+        </p:nvCxnSpPr>
+        <p:spPr>
+          <a:xfrm>
+            <a:off x="3054347" y="2554829"/>
+            <a:ext cx="1238250" cy="0"/>
+          </a:xfrm>
+          <a:prstGeom prst="line">
+            <a:avLst/>
+          </a:prstGeom>
+        </p:spPr>
+        <p:style>
+          <a:lnRef idx="2">
+            <a:schemeClr val="accent1"/>
+          </a:lnRef>
+          <a:fillRef idx="0">
+            <a:schemeClr val="accent1"/>
+          </a:fillRef>
+          <a:effectRef idx="1">
+            <a:schemeClr val="accent1"/>
+          </a:effectRef>
+          <a:fontRef idx="minor">
+            <a:schemeClr val="tx1"/>
+          </a:fontRef>
+        </p:style>
+      </p:cxnSp>
+      <p:cxnSp>
+        <p:nvCxnSpPr>
+          <p:cNvPr id="52" name="Straight Connector 51">
+            <a:extLst>
+              <a:ext uri="{FF2B5EF4-FFF2-40B4-BE49-F238E27FC236}">
+                <a16:creationId xmlns:a16="http://schemas.microsoft.com/office/drawing/2014/main" id="{BFFFFDD6-F871-909E-C4EC-7619625F9FB9}"/>
+              </a:ext>
+            </a:extLst>
+          </p:cNvPr>
+          <p:cNvCxnSpPr>
+            <a:cxnSpLocks/>
+          </p:cNvCxnSpPr>
+          <p:nvPr/>
+        </p:nvCxnSpPr>
+        <p:spPr>
+          <a:xfrm flipV="1">
+            <a:off x="4292597" y="2157251"/>
+            <a:ext cx="0" cy="397578"/>
+          </a:xfrm>
+          <a:prstGeom prst="line">
+            <a:avLst/>
+          </a:prstGeom>
+        </p:spPr>
+        <p:style>
+          <a:lnRef idx="2">
+            <a:schemeClr val="accent1"/>
+          </a:lnRef>
+          <a:fillRef idx="0">
+            <a:schemeClr val="accent1"/>
+          </a:fillRef>
+          <a:effectRef idx="1">
+            <a:schemeClr val="accent1"/>
+          </a:effectRef>
+          <a:fontRef idx="minor">
+            <a:schemeClr val="tx1"/>
+          </a:fontRef>
+        </p:style>
+      </p:cxnSp>
+      <p:cxnSp>
+        <p:nvCxnSpPr>
+          <p:cNvPr id="54" name="Straight Connector 53">
+            <a:extLst>
+              <a:ext uri="{FF2B5EF4-FFF2-40B4-BE49-F238E27FC236}">
+                <a16:creationId xmlns:a16="http://schemas.microsoft.com/office/drawing/2014/main" id="{CCE81DFB-E9C9-4FE7-5816-4613EA4910BE}"/>
+              </a:ext>
+            </a:extLst>
+          </p:cNvPr>
+          <p:cNvCxnSpPr>
+            <a:cxnSpLocks/>
+          </p:cNvCxnSpPr>
+          <p:nvPr/>
+        </p:nvCxnSpPr>
+        <p:spPr>
+          <a:xfrm>
+            <a:off x="4292597" y="2164304"/>
+            <a:ext cx="1238250" cy="0"/>
+          </a:xfrm>
+          <a:prstGeom prst="line">
+            <a:avLst/>
+          </a:prstGeom>
+        </p:spPr>
+        <p:style>
+          <a:lnRef idx="2">
+            <a:schemeClr val="accent1"/>
+          </a:lnRef>
+          <a:fillRef idx="0">
+            <a:schemeClr val="accent1"/>
+          </a:fillRef>
+          <a:effectRef idx="1">
+            <a:schemeClr val="accent1"/>
+          </a:effectRef>
+          <a:fontRef idx="minor">
+            <a:schemeClr val="tx1"/>
+          </a:fontRef>
+        </p:style>
+      </p:cxnSp>
+      <p:cxnSp>
+        <p:nvCxnSpPr>
+          <p:cNvPr id="55" name="Straight Connector 54">
+            <a:extLst>
+              <a:ext uri="{FF2B5EF4-FFF2-40B4-BE49-F238E27FC236}">
+                <a16:creationId xmlns:a16="http://schemas.microsoft.com/office/drawing/2014/main" id="{A48634F2-4DD3-603D-F4F5-6BB116444E66}"/>
+              </a:ext>
+            </a:extLst>
+          </p:cNvPr>
+          <p:cNvCxnSpPr>
+            <a:cxnSpLocks/>
+          </p:cNvCxnSpPr>
+          <p:nvPr/>
+        </p:nvCxnSpPr>
+        <p:spPr>
+          <a:xfrm>
+            <a:off x="5526206" y="2552357"/>
+            <a:ext cx="1238250" cy="0"/>
+          </a:xfrm>
+          <a:prstGeom prst="line">
+            <a:avLst/>
+          </a:prstGeom>
+        </p:spPr>
+        <p:style>
+          <a:lnRef idx="2">
+            <a:schemeClr val="accent1"/>
+          </a:lnRef>
+          <a:fillRef idx="0">
+            <a:schemeClr val="accent1"/>
+          </a:fillRef>
+          <a:effectRef idx="1">
+            <a:schemeClr val="accent1"/>
+          </a:effectRef>
+          <a:fontRef idx="minor">
+            <a:schemeClr val="tx1"/>
+          </a:fontRef>
+        </p:style>
+      </p:cxnSp>
+      <p:cxnSp>
+        <p:nvCxnSpPr>
+          <p:cNvPr id="56" name="Straight Connector 55">
+            <a:extLst>
+              <a:ext uri="{FF2B5EF4-FFF2-40B4-BE49-F238E27FC236}">
+                <a16:creationId xmlns:a16="http://schemas.microsoft.com/office/drawing/2014/main" id="{2C4C3F49-627E-DF65-BC2B-E8FF8B7907FD}"/>
+              </a:ext>
+            </a:extLst>
+          </p:cNvPr>
+          <p:cNvCxnSpPr>
+            <a:cxnSpLocks/>
+          </p:cNvCxnSpPr>
+          <p:nvPr/>
+        </p:nvCxnSpPr>
+        <p:spPr>
+          <a:xfrm flipV="1">
+            <a:off x="5530847" y="2157251"/>
+            <a:ext cx="0" cy="397578"/>
+          </a:xfrm>
+          <a:prstGeom prst="line">
+            <a:avLst/>
+          </a:prstGeom>
+        </p:spPr>
+        <p:style>
+          <a:lnRef idx="2">
+            <a:schemeClr val="accent1"/>
+          </a:lnRef>
+          <a:fillRef idx="0">
+            <a:schemeClr val="accent1"/>
+          </a:fillRef>
+          <a:effectRef idx="1">
+            <a:schemeClr val="accent1"/>
+          </a:effectRef>
+          <a:fontRef idx="minor">
+            <a:schemeClr val="tx1"/>
+          </a:fontRef>
+        </p:style>
+      </p:cxnSp>
+      <p:cxnSp>
+        <p:nvCxnSpPr>
+          <p:cNvPr id="57" name="Straight Connector 56">
+            <a:extLst>
+              <a:ext uri="{FF2B5EF4-FFF2-40B4-BE49-F238E27FC236}">
+                <a16:creationId xmlns:a16="http://schemas.microsoft.com/office/drawing/2014/main" id="{C2D02A35-C7EA-7157-0E77-6266EF27A503}"/>
+              </a:ext>
+            </a:extLst>
+          </p:cNvPr>
+          <p:cNvCxnSpPr>
+            <a:cxnSpLocks/>
+          </p:cNvCxnSpPr>
+          <p:nvPr/>
+        </p:nvCxnSpPr>
+        <p:spPr>
+          <a:xfrm flipV="1">
+            <a:off x="6773981" y="2154779"/>
+            <a:ext cx="0" cy="397578"/>
+          </a:xfrm>
+          <a:prstGeom prst="line">
+            <a:avLst/>
+          </a:prstGeom>
+        </p:spPr>
+        <p:style>
+          <a:lnRef idx="2">
+            <a:schemeClr val="accent1"/>
+          </a:lnRef>
+          <a:fillRef idx="0">
+            <a:schemeClr val="accent1"/>
+          </a:fillRef>
+          <a:effectRef idx="1">
+            <a:schemeClr val="accent1"/>
+          </a:effectRef>
+          <a:fontRef idx="minor">
+            <a:schemeClr val="tx1"/>
+          </a:fontRef>
+        </p:style>
+      </p:cxnSp>
+      <p:cxnSp>
+        <p:nvCxnSpPr>
+          <p:cNvPr id="58" name="Straight Connector 57">
+            <a:extLst>
+              <a:ext uri="{FF2B5EF4-FFF2-40B4-BE49-F238E27FC236}">
+                <a16:creationId xmlns:a16="http://schemas.microsoft.com/office/drawing/2014/main" id="{9FA30052-70C8-DD9C-8F2F-2CB81940EC83}"/>
+              </a:ext>
+            </a:extLst>
+          </p:cNvPr>
+          <p:cNvCxnSpPr>
+            <a:cxnSpLocks/>
+          </p:cNvCxnSpPr>
+          <p:nvPr/>
+        </p:nvCxnSpPr>
+        <p:spPr>
+          <a:xfrm>
+            <a:off x="6773981" y="2161832"/>
+            <a:ext cx="1238250" cy="0"/>
+          </a:xfrm>
+          <a:prstGeom prst="line">
+            <a:avLst/>
+          </a:prstGeom>
+        </p:spPr>
+        <p:style>
+          <a:lnRef idx="2">
+            <a:schemeClr val="accent1"/>
+          </a:lnRef>
+          <a:fillRef idx="0">
+            <a:schemeClr val="accent1"/>
+          </a:fillRef>
+          <a:effectRef idx="1">
+            <a:schemeClr val="accent1"/>
+          </a:effectRef>
+          <a:fontRef idx="minor">
+            <a:schemeClr val="tx1"/>
+          </a:fontRef>
+        </p:style>
+      </p:cxnSp>
+      <p:cxnSp>
+        <p:nvCxnSpPr>
+          <p:cNvPr id="59" name="Straight Connector 58">
+            <a:extLst>
+              <a:ext uri="{FF2B5EF4-FFF2-40B4-BE49-F238E27FC236}">
+                <a16:creationId xmlns:a16="http://schemas.microsoft.com/office/drawing/2014/main" id="{C69B05BE-E89E-2D43-C16D-66BE292157B6}"/>
+              </a:ext>
+            </a:extLst>
+          </p:cNvPr>
+          <p:cNvCxnSpPr>
+            <a:cxnSpLocks/>
+          </p:cNvCxnSpPr>
+          <p:nvPr/>
+        </p:nvCxnSpPr>
+        <p:spPr>
+          <a:xfrm>
+            <a:off x="8007590" y="2549885"/>
+            <a:ext cx="1238250" cy="0"/>
+          </a:xfrm>
+          <a:prstGeom prst="line">
+            <a:avLst/>
+          </a:prstGeom>
+        </p:spPr>
+        <p:style>
+          <a:lnRef idx="2">
+            <a:schemeClr val="accent1"/>
+          </a:lnRef>
+          <a:fillRef idx="0">
+            <a:schemeClr val="accent1"/>
+          </a:fillRef>
+          <a:effectRef idx="1">
+            <a:schemeClr val="accent1"/>
+          </a:effectRef>
+          <a:fontRef idx="minor">
+            <a:schemeClr val="tx1"/>
+          </a:fontRef>
+        </p:style>
+      </p:cxnSp>
+      <p:cxnSp>
+        <p:nvCxnSpPr>
+          <p:cNvPr id="60" name="Straight Connector 59">
+            <a:extLst>
+              <a:ext uri="{FF2B5EF4-FFF2-40B4-BE49-F238E27FC236}">
+                <a16:creationId xmlns:a16="http://schemas.microsoft.com/office/drawing/2014/main" id="{25866AF6-3E33-3F17-093C-236AE42F3C01}"/>
+              </a:ext>
+            </a:extLst>
+          </p:cNvPr>
+          <p:cNvCxnSpPr>
+            <a:cxnSpLocks/>
+          </p:cNvCxnSpPr>
+          <p:nvPr/>
+        </p:nvCxnSpPr>
+        <p:spPr>
+          <a:xfrm flipV="1">
+            <a:off x="8012231" y="2154779"/>
+            <a:ext cx="0" cy="397578"/>
+          </a:xfrm>
+          <a:prstGeom prst="line">
+            <a:avLst/>
+          </a:prstGeom>
+        </p:spPr>
+        <p:style>
+          <a:lnRef idx="2">
+            <a:schemeClr val="accent1"/>
+          </a:lnRef>
+          <a:fillRef idx="0">
+            <a:schemeClr val="accent1"/>
+          </a:fillRef>
+          <a:effectRef idx="1">
+            <a:schemeClr val="accent1"/>
+          </a:effectRef>
+          <a:fontRef idx="minor">
+            <a:schemeClr val="tx1"/>
+          </a:fontRef>
+        </p:style>
+      </p:cxnSp>
+      <p:cxnSp>
+        <p:nvCxnSpPr>
+          <p:cNvPr id="61" name="Straight Connector 60">
+            <a:extLst>
+              <a:ext uri="{FF2B5EF4-FFF2-40B4-BE49-F238E27FC236}">
+                <a16:creationId xmlns:a16="http://schemas.microsoft.com/office/drawing/2014/main" id="{CC8984CC-E08D-E03F-DCDE-EE1DAE6C112F}"/>
+              </a:ext>
+            </a:extLst>
+          </p:cNvPr>
+          <p:cNvCxnSpPr>
+            <a:cxnSpLocks/>
+          </p:cNvCxnSpPr>
+          <p:nvPr/>
+        </p:nvCxnSpPr>
+        <p:spPr>
+          <a:xfrm>
+            <a:off x="3054347" y="3250154"/>
+            <a:ext cx="6191493" cy="0"/>
+          </a:xfrm>
+          <a:prstGeom prst="line">
+            <a:avLst/>
+          </a:prstGeom>
+        </p:spPr>
+        <p:style>
+          <a:lnRef idx="2">
+            <a:schemeClr val="accent1"/>
+          </a:lnRef>
+          <a:fillRef idx="0">
+            <a:schemeClr val="accent1"/>
+          </a:fillRef>
+          <a:effectRef idx="1">
+            <a:schemeClr val="accent1"/>
+          </a:effectRef>
+          <a:fontRef idx="minor">
+            <a:schemeClr val="tx1"/>
+          </a:fontRef>
+        </p:style>
+      </p:cxnSp>
+      <p:cxnSp>
+        <p:nvCxnSpPr>
+          <p:cNvPr id="62" name="Straight Connector 61">
+            <a:extLst>
+              <a:ext uri="{FF2B5EF4-FFF2-40B4-BE49-F238E27FC236}">
+                <a16:creationId xmlns:a16="http://schemas.microsoft.com/office/drawing/2014/main" id="{7D6909C0-DD90-8333-0384-6449BAC47ED2}"/>
+              </a:ext>
+            </a:extLst>
+          </p:cNvPr>
+          <p:cNvCxnSpPr>
+            <a:cxnSpLocks/>
+          </p:cNvCxnSpPr>
+          <p:nvPr/>
+        </p:nvCxnSpPr>
+        <p:spPr>
+          <a:xfrm>
+            <a:off x="3054347" y="2859629"/>
+            <a:ext cx="6191493" cy="0"/>
+          </a:xfrm>
+          <a:prstGeom prst="line">
+            <a:avLst/>
+          </a:prstGeom>
+        </p:spPr>
+        <p:style>
+          <a:lnRef idx="2">
+            <a:schemeClr val="accent1"/>
+          </a:lnRef>
+          <a:fillRef idx="0">
+            <a:schemeClr val="accent1"/>
+          </a:fillRef>
+          <a:effectRef idx="1">
+            <a:schemeClr val="accent1"/>
+          </a:effectRef>
+          <a:fontRef idx="minor">
+            <a:schemeClr val="tx1"/>
+          </a:fontRef>
+        </p:style>
+      </p:cxnSp>
+      <p:cxnSp>
+        <p:nvCxnSpPr>
+          <p:cNvPr id="69" name="Straight Connector 68">
+            <a:extLst>
+              <a:ext uri="{FF2B5EF4-FFF2-40B4-BE49-F238E27FC236}">
+                <a16:creationId xmlns:a16="http://schemas.microsoft.com/office/drawing/2014/main" id="{EAD0943A-0EE6-E3C7-28E7-12B4E5CD0195}"/>
+              </a:ext>
+            </a:extLst>
+          </p:cNvPr>
+          <p:cNvCxnSpPr>
+            <a:cxnSpLocks/>
+          </p:cNvCxnSpPr>
+          <p:nvPr/>
+        </p:nvCxnSpPr>
+        <p:spPr>
+          <a:xfrm>
+            <a:off x="3054347" y="3940535"/>
+            <a:ext cx="1540618" cy="4944"/>
+          </a:xfrm>
+          <a:prstGeom prst="line">
+            <a:avLst/>
+          </a:prstGeom>
+        </p:spPr>
+        <p:style>
+          <a:lnRef idx="2">
+            <a:schemeClr val="accent1"/>
+          </a:lnRef>
+          <a:fillRef idx="0">
+            <a:schemeClr val="accent1"/>
+          </a:fillRef>
+          <a:effectRef idx="1">
+            <a:schemeClr val="accent1"/>
+          </a:effectRef>
+          <a:fontRef idx="minor">
+            <a:schemeClr val="tx1"/>
+          </a:fontRef>
+        </p:style>
+      </p:cxnSp>
+      <p:cxnSp>
+        <p:nvCxnSpPr>
+          <p:cNvPr id="70" name="Straight Connector 69">
+            <a:extLst>
+              <a:ext uri="{FF2B5EF4-FFF2-40B4-BE49-F238E27FC236}">
+                <a16:creationId xmlns:a16="http://schemas.microsoft.com/office/drawing/2014/main" id="{6136BA73-207A-4044-C608-C2CC145F7340}"/>
+              </a:ext>
+            </a:extLst>
+          </p:cNvPr>
+          <p:cNvCxnSpPr>
+            <a:cxnSpLocks/>
+          </p:cNvCxnSpPr>
+          <p:nvPr/>
+        </p:nvCxnSpPr>
+        <p:spPr>
+          <a:xfrm flipV="1">
+            <a:off x="4594965" y="3547901"/>
+            <a:ext cx="0" cy="397578"/>
+          </a:xfrm>
+          <a:prstGeom prst="line">
+            <a:avLst/>
+          </a:prstGeom>
+        </p:spPr>
+        <p:style>
+          <a:lnRef idx="2">
+            <a:schemeClr val="accent1"/>
+          </a:lnRef>
+          <a:fillRef idx="0">
+            <a:schemeClr val="accent1"/>
+          </a:fillRef>
+          <a:effectRef idx="1">
+            <a:schemeClr val="accent1"/>
+          </a:effectRef>
+          <a:fontRef idx="minor">
+            <a:schemeClr val="tx1"/>
+          </a:fontRef>
+        </p:style>
+      </p:cxnSp>
+      <p:cxnSp>
+        <p:nvCxnSpPr>
+          <p:cNvPr id="71" name="Straight Connector 70">
+            <a:extLst>
+              <a:ext uri="{FF2B5EF4-FFF2-40B4-BE49-F238E27FC236}">
+                <a16:creationId xmlns:a16="http://schemas.microsoft.com/office/drawing/2014/main" id="{F7799E8E-8EFA-1F67-88F4-86179FA8D855}"/>
+              </a:ext>
+            </a:extLst>
+          </p:cNvPr>
+          <p:cNvCxnSpPr>
+            <a:cxnSpLocks/>
+          </p:cNvCxnSpPr>
+          <p:nvPr/>
+        </p:nvCxnSpPr>
+        <p:spPr>
+          <a:xfrm>
+            <a:off x="4594965" y="3554954"/>
+            <a:ext cx="1238250" cy="0"/>
+          </a:xfrm>
+          <a:prstGeom prst="line">
+            <a:avLst/>
+          </a:prstGeom>
+        </p:spPr>
+        <p:style>
+          <a:lnRef idx="2">
+            <a:schemeClr val="accent1"/>
+          </a:lnRef>
+          <a:fillRef idx="0">
+            <a:schemeClr val="accent1"/>
+          </a:fillRef>
+          <a:effectRef idx="1">
+            <a:schemeClr val="accent1"/>
+          </a:effectRef>
+          <a:fontRef idx="minor">
+            <a:schemeClr val="tx1"/>
+          </a:fontRef>
+        </p:style>
+      </p:cxnSp>
+      <p:cxnSp>
+        <p:nvCxnSpPr>
+          <p:cNvPr id="72" name="Straight Connector 71">
+            <a:extLst>
+              <a:ext uri="{FF2B5EF4-FFF2-40B4-BE49-F238E27FC236}">
+                <a16:creationId xmlns:a16="http://schemas.microsoft.com/office/drawing/2014/main" id="{9AEA94D3-887D-9FC1-D351-79E15150B9AC}"/>
+              </a:ext>
+            </a:extLst>
+          </p:cNvPr>
+          <p:cNvCxnSpPr>
+            <a:cxnSpLocks/>
+          </p:cNvCxnSpPr>
+          <p:nvPr/>
+        </p:nvCxnSpPr>
+        <p:spPr>
+          <a:xfrm>
+            <a:off x="5828574" y="3943007"/>
+            <a:ext cx="1238250" cy="0"/>
+          </a:xfrm>
+          <a:prstGeom prst="line">
+            <a:avLst/>
+          </a:prstGeom>
+        </p:spPr>
+        <p:style>
+          <a:lnRef idx="2">
+            <a:schemeClr val="accent1"/>
+          </a:lnRef>
+          <a:fillRef idx="0">
+            <a:schemeClr val="accent1"/>
+          </a:fillRef>
+          <a:effectRef idx="1">
+            <a:schemeClr val="accent1"/>
+          </a:effectRef>
+          <a:fontRef idx="minor">
+            <a:schemeClr val="tx1"/>
+          </a:fontRef>
+        </p:style>
+      </p:cxnSp>
+      <p:cxnSp>
+        <p:nvCxnSpPr>
+          <p:cNvPr id="73" name="Straight Connector 72">
+            <a:extLst>
+              <a:ext uri="{FF2B5EF4-FFF2-40B4-BE49-F238E27FC236}">
+                <a16:creationId xmlns:a16="http://schemas.microsoft.com/office/drawing/2014/main" id="{310BFD6B-CAA7-0D3F-2FD7-398D60C5D83A}"/>
+              </a:ext>
+            </a:extLst>
+          </p:cNvPr>
+          <p:cNvCxnSpPr>
+            <a:cxnSpLocks/>
+          </p:cNvCxnSpPr>
+          <p:nvPr/>
+        </p:nvCxnSpPr>
+        <p:spPr>
+          <a:xfrm flipV="1">
+            <a:off x="5833215" y="3547901"/>
+            <a:ext cx="0" cy="397578"/>
+          </a:xfrm>
+          <a:prstGeom prst="line">
+            <a:avLst/>
+          </a:prstGeom>
+        </p:spPr>
+        <p:style>
+          <a:lnRef idx="2">
+            <a:schemeClr val="accent1"/>
+          </a:lnRef>
+          <a:fillRef idx="0">
+            <a:schemeClr val="accent1"/>
+          </a:fillRef>
+          <a:effectRef idx="1">
+            <a:schemeClr val="accent1"/>
+          </a:effectRef>
+          <a:fontRef idx="minor">
+            <a:schemeClr val="tx1"/>
+          </a:fontRef>
+        </p:style>
+      </p:cxnSp>
+      <p:cxnSp>
+        <p:nvCxnSpPr>
+          <p:cNvPr id="74" name="Straight Connector 73">
+            <a:extLst>
+              <a:ext uri="{FF2B5EF4-FFF2-40B4-BE49-F238E27FC236}">
+                <a16:creationId xmlns:a16="http://schemas.microsoft.com/office/drawing/2014/main" id="{271928BA-48FC-A36F-E70D-67B12AB2B1E3}"/>
+              </a:ext>
+            </a:extLst>
+          </p:cNvPr>
+          <p:cNvCxnSpPr>
+            <a:cxnSpLocks/>
+          </p:cNvCxnSpPr>
+          <p:nvPr/>
+        </p:nvCxnSpPr>
+        <p:spPr>
+          <a:xfrm flipV="1">
+            <a:off x="7076349" y="3545429"/>
+            <a:ext cx="0" cy="397578"/>
+          </a:xfrm>
+          <a:prstGeom prst="line">
+            <a:avLst/>
+          </a:prstGeom>
+        </p:spPr>
+        <p:style>
+          <a:lnRef idx="2">
+            <a:schemeClr val="accent1"/>
+          </a:lnRef>
+          <a:fillRef idx="0">
+            <a:schemeClr val="accent1"/>
+          </a:fillRef>
+          <a:effectRef idx="1">
+            <a:schemeClr val="accent1"/>
+          </a:effectRef>
+          <a:fontRef idx="minor">
+            <a:schemeClr val="tx1"/>
+          </a:fontRef>
+        </p:style>
+      </p:cxnSp>
+      <p:cxnSp>
+        <p:nvCxnSpPr>
+          <p:cNvPr id="75" name="Straight Connector 74">
+            <a:extLst>
+              <a:ext uri="{FF2B5EF4-FFF2-40B4-BE49-F238E27FC236}">
+                <a16:creationId xmlns:a16="http://schemas.microsoft.com/office/drawing/2014/main" id="{2D21F7A5-6302-EA10-FA1A-ED8E950A70AE}"/>
+              </a:ext>
+            </a:extLst>
+          </p:cNvPr>
+          <p:cNvCxnSpPr>
+            <a:cxnSpLocks/>
+          </p:cNvCxnSpPr>
+          <p:nvPr/>
+        </p:nvCxnSpPr>
+        <p:spPr>
+          <a:xfrm>
+            <a:off x="7076349" y="3552482"/>
+            <a:ext cx="1238250" cy="0"/>
+          </a:xfrm>
+          <a:prstGeom prst="line">
+            <a:avLst/>
+          </a:prstGeom>
+        </p:spPr>
+        <p:style>
+          <a:lnRef idx="2">
+            <a:schemeClr val="accent1"/>
+          </a:lnRef>
+          <a:fillRef idx="0">
+            <a:schemeClr val="accent1"/>
+          </a:fillRef>
+          <a:effectRef idx="1">
+            <a:schemeClr val="accent1"/>
+          </a:effectRef>
+          <a:fontRef idx="minor">
+            <a:schemeClr val="tx1"/>
+          </a:fontRef>
+        </p:style>
+      </p:cxnSp>
+      <p:cxnSp>
+        <p:nvCxnSpPr>
+          <p:cNvPr id="76" name="Straight Connector 75">
+            <a:extLst>
+              <a:ext uri="{FF2B5EF4-FFF2-40B4-BE49-F238E27FC236}">
+                <a16:creationId xmlns:a16="http://schemas.microsoft.com/office/drawing/2014/main" id="{73A2D295-B07E-9B53-04CE-48D849BA419B}"/>
+              </a:ext>
+            </a:extLst>
+          </p:cNvPr>
+          <p:cNvCxnSpPr>
+            <a:cxnSpLocks/>
+          </p:cNvCxnSpPr>
+          <p:nvPr/>
+        </p:nvCxnSpPr>
+        <p:spPr>
+          <a:xfrm>
+            <a:off x="8309958" y="3940535"/>
+            <a:ext cx="935882" cy="0"/>
+          </a:xfrm>
+          <a:prstGeom prst="line">
+            <a:avLst/>
+          </a:prstGeom>
+        </p:spPr>
+        <p:style>
+          <a:lnRef idx="2">
+            <a:schemeClr val="accent1"/>
+          </a:lnRef>
+          <a:fillRef idx="0">
+            <a:schemeClr val="accent1"/>
+          </a:fillRef>
+          <a:effectRef idx="1">
+            <a:schemeClr val="accent1"/>
+          </a:effectRef>
+          <a:fontRef idx="minor">
+            <a:schemeClr val="tx1"/>
+          </a:fontRef>
+        </p:style>
+      </p:cxnSp>
+      <p:cxnSp>
+        <p:nvCxnSpPr>
+          <p:cNvPr id="77" name="Straight Connector 76">
+            <a:extLst>
+              <a:ext uri="{FF2B5EF4-FFF2-40B4-BE49-F238E27FC236}">
+                <a16:creationId xmlns:a16="http://schemas.microsoft.com/office/drawing/2014/main" id="{000F231F-A665-4EA8-6162-9254E7DB8D1F}"/>
+              </a:ext>
+            </a:extLst>
+          </p:cNvPr>
+          <p:cNvCxnSpPr>
+            <a:cxnSpLocks/>
+          </p:cNvCxnSpPr>
+          <p:nvPr/>
+        </p:nvCxnSpPr>
+        <p:spPr>
+          <a:xfrm flipV="1">
+            <a:off x="8314599" y="3545429"/>
+            <a:ext cx="0" cy="397578"/>
+          </a:xfrm>
+          <a:prstGeom prst="line">
+            <a:avLst/>
+          </a:prstGeom>
+        </p:spPr>
+        <p:style>
+          <a:lnRef idx="2">
+            <a:schemeClr val="accent1"/>
+          </a:lnRef>
+          <a:fillRef idx="0">
+            <a:schemeClr val="accent1"/>
+          </a:fillRef>
+          <a:effectRef idx="1">
+            <a:schemeClr val="accent1"/>
+          </a:effectRef>
+          <a:fontRef idx="minor">
+            <a:schemeClr val="tx1"/>
+          </a:fontRef>
+        </p:style>
+      </p:cxnSp>
+      <p:sp>
+        <p:nvSpPr>
+          <p:cNvPr id="80" name="文本框 62">
+            <a:extLst>
+              <a:ext uri="{FF2B5EF4-FFF2-40B4-BE49-F238E27FC236}">
+                <a16:creationId xmlns:a16="http://schemas.microsoft.com/office/drawing/2014/main" id="{89B6DCDD-0307-CBF8-D934-6EB493952EC6}"/>
+              </a:ext>
+            </a:extLst>
+          </p:cNvPr>
+          <p:cNvSpPr txBox="1"/>
+          <p:nvPr/>
+        </p:nvSpPr>
+        <p:spPr>
+          <a:xfrm>
+            <a:off x="2131362" y="2880822"/>
+            <a:ext cx="758541" cy="369332"/>
+          </a:xfrm>
+          <a:prstGeom prst="rect">
+            <a:avLst/>
+          </a:prstGeom>
+          <a:noFill/>
+        </p:spPr>
+        <p:txBody>
+          <a:bodyPr wrap="none" rtlCol="0">
+            <a:spAutoFit/>
+          </a:bodyPr>
+          <a:lstStyle/>
+          <a:p>
+            <a:r>
+              <a:rPr kumimoji="1" lang="en-US" altLang="zh-CN" dirty="0"/>
+              <a:t>DATA</a:t>
+            </a:r>
+            <a:endParaRPr kumimoji="1" lang="zh-CN" altLang="en-US" dirty="0"/>
+          </a:p>
+        </p:txBody>
+      </p:sp>
+      <p:sp>
+        <p:nvSpPr>
+          <p:cNvPr id="81" name="文本框 62">
+            <a:extLst>
+              <a:ext uri="{FF2B5EF4-FFF2-40B4-BE49-F238E27FC236}">
+                <a16:creationId xmlns:a16="http://schemas.microsoft.com/office/drawing/2014/main" id="{3ED8D87E-4BDF-6238-5FEF-87B1E5A04DFF}"/>
+              </a:ext>
+            </a:extLst>
+          </p:cNvPr>
+          <p:cNvSpPr txBox="1"/>
+          <p:nvPr/>
+        </p:nvSpPr>
+        <p:spPr>
+          <a:xfrm>
+            <a:off x="1762395" y="3545429"/>
+            <a:ext cx="1140056" cy="369332"/>
+          </a:xfrm>
+          <a:prstGeom prst="rect">
+            <a:avLst/>
+          </a:prstGeom>
+          <a:noFill/>
+        </p:spPr>
+        <p:txBody>
+          <a:bodyPr wrap="none" rtlCol="0">
+            <a:spAutoFit/>
+          </a:bodyPr>
+          <a:lstStyle/>
+          <a:p>
+            <a:r>
+              <a:rPr kumimoji="1" lang="en-US" altLang="zh-CN" dirty="0"/>
+              <a:t>REG1.CLK</a:t>
+            </a:r>
+            <a:endParaRPr kumimoji="1" lang="zh-CN" altLang="en-US" dirty="0"/>
+          </a:p>
+        </p:txBody>
+      </p:sp>
+      <p:cxnSp>
+        <p:nvCxnSpPr>
+          <p:cNvPr id="82" name="Straight Connector 81">
+            <a:extLst>
+              <a:ext uri="{FF2B5EF4-FFF2-40B4-BE49-F238E27FC236}">
+                <a16:creationId xmlns:a16="http://schemas.microsoft.com/office/drawing/2014/main" id="{F821AE44-AD82-BA71-030B-7F2BC6682877}"/>
+              </a:ext>
+            </a:extLst>
+          </p:cNvPr>
+          <p:cNvCxnSpPr>
+            <a:cxnSpLocks/>
+          </p:cNvCxnSpPr>
+          <p:nvPr/>
+        </p:nvCxnSpPr>
+        <p:spPr>
+          <a:xfrm>
+            <a:off x="3049584" y="4669379"/>
+            <a:ext cx="6191493" cy="0"/>
+          </a:xfrm>
+          <a:prstGeom prst="line">
+            <a:avLst/>
+          </a:prstGeom>
+        </p:spPr>
+        <p:style>
+          <a:lnRef idx="2">
+            <a:schemeClr val="accent1"/>
+          </a:lnRef>
+          <a:fillRef idx="0">
+            <a:schemeClr val="accent1"/>
+          </a:fillRef>
+          <a:effectRef idx="1">
+            <a:schemeClr val="accent1"/>
+          </a:effectRef>
+          <a:fontRef idx="minor">
+            <a:schemeClr val="tx1"/>
+          </a:fontRef>
+        </p:style>
+      </p:cxnSp>
+      <p:cxnSp>
+        <p:nvCxnSpPr>
+          <p:cNvPr id="83" name="Straight Connector 82">
+            <a:extLst>
+              <a:ext uri="{FF2B5EF4-FFF2-40B4-BE49-F238E27FC236}">
+                <a16:creationId xmlns:a16="http://schemas.microsoft.com/office/drawing/2014/main" id="{C0A3E94F-07D2-CDD4-DB4C-75D8D3E08F37}"/>
+              </a:ext>
+            </a:extLst>
+          </p:cNvPr>
+          <p:cNvCxnSpPr>
+            <a:cxnSpLocks/>
+          </p:cNvCxnSpPr>
+          <p:nvPr/>
+        </p:nvCxnSpPr>
+        <p:spPr>
+          <a:xfrm>
+            <a:off x="3049584" y="4278854"/>
+            <a:ext cx="6191493" cy="0"/>
+          </a:xfrm>
+          <a:prstGeom prst="line">
+            <a:avLst/>
+          </a:prstGeom>
+        </p:spPr>
+        <p:style>
+          <a:lnRef idx="2">
+            <a:schemeClr val="accent1"/>
+          </a:lnRef>
+          <a:fillRef idx="0">
+            <a:schemeClr val="accent1"/>
+          </a:fillRef>
+          <a:effectRef idx="1">
+            <a:schemeClr val="accent1"/>
+          </a:effectRef>
+          <a:fontRef idx="minor">
+            <a:schemeClr val="tx1"/>
+          </a:fontRef>
+        </p:style>
+      </p:cxnSp>
+      <p:sp>
+        <p:nvSpPr>
+          <p:cNvPr id="84" name="文本框 62">
+            <a:extLst>
+              <a:ext uri="{FF2B5EF4-FFF2-40B4-BE49-F238E27FC236}">
+                <a16:creationId xmlns:a16="http://schemas.microsoft.com/office/drawing/2014/main" id="{D6951B02-9140-12FC-ACD3-DCCFB13D1511}"/>
+              </a:ext>
+            </a:extLst>
+          </p:cNvPr>
+          <p:cNvSpPr txBox="1"/>
+          <p:nvPr/>
+        </p:nvSpPr>
+        <p:spPr>
+          <a:xfrm>
+            <a:off x="1947731" y="4255590"/>
+            <a:ext cx="936475" cy="369332"/>
+          </a:xfrm>
+          <a:prstGeom prst="rect">
+            <a:avLst/>
+          </a:prstGeom>
+          <a:noFill/>
+        </p:spPr>
+        <p:txBody>
+          <a:bodyPr wrap="none" rtlCol="0">
+            <a:spAutoFit/>
+          </a:bodyPr>
+          <a:lstStyle/>
+          <a:p>
+            <a:r>
+              <a:rPr kumimoji="1" lang="en-US" altLang="zh-CN" dirty="0"/>
+              <a:t>REG1.Q</a:t>
+            </a:r>
+            <a:endParaRPr kumimoji="1" lang="zh-CN" altLang="en-US" dirty="0"/>
+          </a:p>
+        </p:txBody>
+      </p:sp>
+      <p:cxnSp>
+        <p:nvCxnSpPr>
+          <p:cNvPr id="85" name="Straight Connector 84">
+            <a:extLst>
+              <a:ext uri="{FF2B5EF4-FFF2-40B4-BE49-F238E27FC236}">
+                <a16:creationId xmlns:a16="http://schemas.microsoft.com/office/drawing/2014/main" id="{7692848D-2D12-0D81-2A2C-E845A07601FF}"/>
+              </a:ext>
+            </a:extLst>
+          </p:cNvPr>
+          <p:cNvCxnSpPr>
+            <a:cxnSpLocks/>
+          </p:cNvCxnSpPr>
+          <p:nvPr/>
+        </p:nvCxnSpPr>
+        <p:spPr>
+          <a:xfrm>
+            <a:off x="3054347" y="5359158"/>
+            <a:ext cx="6191493" cy="0"/>
+          </a:xfrm>
+          <a:prstGeom prst="line">
+            <a:avLst/>
+          </a:prstGeom>
+        </p:spPr>
+        <p:style>
+          <a:lnRef idx="2">
+            <a:schemeClr val="accent1"/>
+          </a:lnRef>
+          <a:fillRef idx="0">
+            <a:schemeClr val="accent1"/>
+          </a:fillRef>
+          <a:effectRef idx="1">
+            <a:schemeClr val="accent1"/>
+          </a:effectRef>
+          <a:fontRef idx="minor">
+            <a:schemeClr val="tx1"/>
+          </a:fontRef>
+        </p:style>
+      </p:cxnSp>
+      <p:cxnSp>
+        <p:nvCxnSpPr>
+          <p:cNvPr id="86" name="Straight Connector 85">
+            <a:extLst>
+              <a:ext uri="{FF2B5EF4-FFF2-40B4-BE49-F238E27FC236}">
+                <a16:creationId xmlns:a16="http://schemas.microsoft.com/office/drawing/2014/main" id="{34581614-7528-A934-7211-DFE1E2621736}"/>
+              </a:ext>
+            </a:extLst>
+          </p:cNvPr>
+          <p:cNvCxnSpPr>
+            <a:cxnSpLocks/>
+          </p:cNvCxnSpPr>
+          <p:nvPr/>
+        </p:nvCxnSpPr>
+        <p:spPr>
+          <a:xfrm>
+            <a:off x="3054347" y="4968633"/>
+            <a:ext cx="6191493" cy="0"/>
+          </a:xfrm>
+          <a:prstGeom prst="line">
+            <a:avLst/>
+          </a:prstGeom>
+        </p:spPr>
+        <p:style>
+          <a:lnRef idx="2">
+            <a:schemeClr val="accent1"/>
+          </a:lnRef>
+          <a:fillRef idx="0">
+            <a:schemeClr val="accent1"/>
+          </a:fillRef>
+          <a:effectRef idx="1">
+            <a:schemeClr val="accent1"/>
+          </a:effectRef>
+          <a:fontRef idx="minor">
+            <a:schemeClr val="tx1"/>
+          </a:fontRef>
+        </p:style>
+      </p:cxnSp>
+      <p:cxnSp>
+        <p:nvCxnSpPr>
+          <p:cNvPr id="87" name="Straight Connector 86">
+            <a:extLst>
+              <a:ext uri="{FF2B5EF4-FFF2-40B4-BE49-F238E27FC236}">
+                <a16:creationId xmlns:a16="http://schemas.microsoft.com/office/drawing/2014/main" id="{E83868EC-E17F-E3F3-8142-B2B9E97B8376}"/>
+              </a:ext>
+            </a:extLst>
+          </p:cNvPr>
+          <p:cNvCxnSpPr>
+            <a:cxnSpLocks/>
+          </p:cNvCxnSpPr>
+          <p:nvPr/>
+        </p:nvCxnSpPr>
+        <p:spPr>
+          <a:xfrm>
+            <a:off x="3049584" y="6023765"/>
+            <a:ext cx="1838500" cy="17924"/>
+          </a:xfrm>
+          <a:prstGeom prst="line">
+            <a:avLst/>
+          </a:prstGeom>
+        </p:spPr>
+        <p:style>
+          <a:lnRef idx="2">
+            <a:schemeClr val="accent1"/>
+          </a:lnRef>
+          <a:fillRef idx="0">
+            <a:schemeClr val="accent1"/>
+          </a:fillRef>
+          <a:effectRef idx="1">
+            <a:schemeClr val="accent1"/>
+          </a:effectRef>
+          <a:fontRef idx="minor">
+            <a:schemeClr val="tx1"/>
+          </a:fontRef>
+        </p:style>
+      </p:cxnSp>
+      <p:cxnSp>
+        <p:nvCxnSpPr>
+          <p:cNvPr id="88" name="Straight Connector 87">
+            <a:extLst>
+              <a:ext uri="{FF2B5EF4-FFF2-40B4-BE49-F238E27FC236}">
+                <a16:creationId xmlns:a16="http://schemas.microsoft.com/office/drawing/2014/main" id="{730B2C9E-4353-5EE8-AAC8-DC9BFA74A537}"/>
+              </a:ext>
+            </a:extLst>
+          </p:cNvPr>
+          <p:cNvCxnSpPr>
+            <a:cxnSpLocks/>
+          </p:cNvCxnSpPr>
+          <p:nvPr/>
+        </p:nvCxnSpPr>
+        <p:spPr>
+          <a:xfrm flipV="1">
+            <a:off x="4888084" y="5644111"/>
+            <a:ext cx="0" cy="397578"/>
+          </a:xfrm>
+          <a:prstGeom prst="line">
+            <a:avLst/>
+          </a:prstGeom>
+        </p:spPr>
+        <p:style>
+          <a:lnRef idx="2">
+            <a:schemeClr val="accent1"/>
+          </a:lnRef>
+          <a:fillRef idx="0">
+            <a:schemeClr val="accent1"/>
+          </a:fillRef>
+          <a:effectRef idx="1">
+            <a:schemeClr val="accent1"/>
+          </a:effectRef>
+          <a:fontRef idx="minor">
+            <a:schemeClr val="tx1"/>
+          </a:fontRef>
+        </p:style>
+      </p:cxnSp>
+      <p:cxnSp>
+        <p:nvCxnSpPr>
+          <p:cNvPr id="89" name="Straight Connector 88">
+            <a:extLst>
+              <a:ext uri="{FF2B5EF4-FFF2-40B4-BE49-F238E27FC236}">
+                <a16:creationId xmlns:a16="http://schemas.microsoft.com/office/drawing/2014/main" id="{AA0437B7-44C5-371B-B61B-82CF058A74A3}"/>
+              </a:ext>
+            </a:extLst>
+          </p:cNvPr>
+          <p:cNvCxnSpPr>
+            <a:cxnSpLocks/>
+          </p:cNvCxnSpPr>
+          <p:nvPr/>
+        </p:nvCxnSpPr>
+        <p:spPr>
+          <a:xfrm>
+            <a:off x="4888084" y="5651164"/>
+            <a:ext cx="1238250" cy="0"/>
+          </a:xfrm>
+          <a:prstGeom prst="line">
+            <a:avLst/>
+          </a:prstGeom>
+        </p:spPr>
+        <p:style>
+          <a:lnRef idx="2">
+            <a:schemeClr val="accent1"/>
+          </a:lnRef>
+          <a:fillRef idx="0">
+            <a:schemeClr val="accent1"/>
+          </a:fillRef>
+          <a:effectRef idx="1">
+            <a:schemeClr val="accent1"/>
+          </a:effectRef>
+          <a:fontRef idx="minor">
+            <a:schemeClr val="tx1"/>
+          </a:fontRef>
+        </p:style>
+      </p:cxnSp>
+      <p:cxnSp>
+        <p:nvCxnSpPr>
+          <p:cNvPr id="90" name="Straight Connector 89">
+            <a:extLst>
+              <a:ext uri="{FF2B5EF4-FFF2-40B4-BE49-F238E27FC236}">
+                <a16:creationId xmlns:a16="http://schemas.microsoft.com/office/drawing/2014/main" id="{31EAE85D-AC58-7699-4FDC-43832711473A}"/>
+              </a:ext>
+            </a:extLst>
+          </p:cNvPr>
+          <p:cNvCxnSpPr>
+            <a:cxnSpLocks/>
+          </p:cNvCxnSpPr>
+          <p:nvPr/>
+        </p:nvCxnSpPr>
+        <p:spPr>
+          <a:xfrm>
+            <a:off x="6121693" y="6039217"/>
+            <a:ext cx="1238250" cy="0"/>
+          </a:xfrm>
+          <a:prstGeom prst="line">
+            <a:avLst/>
+          </a:prstGeom>
+        </p:spPr>
+        <p:style>
+          <a:lnRef idx="2">
+            <a:schemeClr val="accent1"/>
+          </a:lnRef>
+          <a:fillRef idx="0">
+            <a:schemeClr val="accent1"/>
+          </a:fillRef>
+          <a:effectRef idx="1">
+            <a:schemeClr val="accent1"/>
+          </a:effectRef>
+          <a:fontRef idx="minor">
+            <a:schemeClr val="tx1"/>
+          </a:fontRef>
+        </p:style>
+      </p:cxnSp>
+      <p:cxnSp>
+        <p:nvCxnSpPr>
+          <p:cNvPr id="91" name="Straight Connector 90">
+            <a:extLst>
+              <a:ext uri="{FF2B5EF4-FFF2-40B4-BE49-F238E27FC236}">
+                <a16:creationId xmlns:a16="http://schemas.microsoft.com/office/drawing/2014/main" id="{A73FFADE-6DCB-EFBA-E4D4-58C0AB500E00}"/>
+              </a:ext>
+            </a:extLst>
+          </p:cNvPr>
+          <p:cNvCxnSpPr>
+            <a:cxnSpLocks/>
+          </p:cNvCxnSpPr>
+          <p:nvPr/>
+        </p:nvCxnSpPr>
+        <p:spPr>
+          <a:xfrm flipV="1">
+            <a:off x="6126334" y="5644111"/>
+            <a:ext cx="0" cy="397578"/>
+          </a:xfrm>
+          <a:prstGeom prst="line">
+            <a:avLst/>
+          </a:prstGeom>
+        </p:spPr>
+        <p:style>
+          <a:lnRef idx="2">
+            <a:schemeClr val="accent1"/>
+          </a:lnRef>
+          <a:fillRef idx="0">
+            <a:schemeClr val="accent1"/>
+          </a:fillRef>
+          <a:effectRef idx="1">
+            <a:schemeClr val="accent1"/>
+          </a:effectRef>
+          <a:fontRef idx="minor">
+            <a:schemeClr val="tx1"/>
+          </a:fontRef>
+        </p:style>
+      </p:cxnSp>
+      <p:cxnSp>
+        <p:nvCxnSpPr>
+          <p:cNvPr id="92" name="Straight Connector 91">
+            <a:extLst>
+              <a:ext uri="{FF2B5EF4-FFF2-40B4-BE49-F238E27FC236}">
+                <a16:creationId xmlns:a16="http://schemas.microsoft.com/office/drawing/2014/main" id="{CA0C39E8-B3DB-B707-31D2-71FF3E0742B7}"/>
+              </a:ext>
+            </a:extLst>
+          </p:cNvPr>
+          <p:cNvCxnSpPr>
+            <a:cxnSpLocks/>
+          </p:cNvCxnSpPr>
+          <p:nvPr/>
+        </p:nvCxnSpPr>
+        <p:spPr>
+          <a:xfrm flipV="1">
+            <a:off x="7369468" y="5641639"/>
+            <a:ext cx="0" cy="397578"/>
+          </a:xfrm>
+          <a:prstGeom prst="line">
+            <a:avLst/>
+          </a:prstGeom>
+        </p:spPr>
+        <p:style>
+          <a:lnRef idx="2">
+            <a:schemeClr val="accent1"/>
+          </a:lnRef>
+          <a:fillRef idx="0">
+            <a:schemeClr val="accent1"/>
+          </a:fillRef>
+          <a:effectRef idx="1">
+            <a:schemeClr val="accent1"/>
+          </a:effectRef>
+          <a:fontRef idx="minor">
+            <a:schemeClr val="tx1"/>
+          </a:fontRef>
+        </p:style>
+      </p:cxnSp>
+      <p:cxnSp>
+        <p:nvCxnSpPr>
+          <p:cNvPr id="93" name="Straight Connector 92">
+            <a:extLst>
+              <a:ext uri="{FF2B5EF4-FFF2-40B4-BE49-F238E27FC236}">
+                <a16:creationId xmlns:a16="http://schemas.microsoft.com/office/drawing/2014/main" id="{59E57344-BB7B-D884-2406-0EF247EB8B40}"/>
+              </a:ext>
+            </a:extLst>
+          </p:cNvPr>
+          <p:cNvCxnSpPr>
+            <a:cxnSpLocks/>
+          </p:cNvCxnSpPr>
+          <p:nvPr/>
+        </p:nvCxnSpPr>
+        <p:spPr>
+          <a:xfrm>
+            <a:off x="7369468" y="5648692"/>
+            <a:ext cx="1238250" cy="0"/>
+          </a:xfrm>
+          <a:prstGeom prst="line">
+            <a:avLst/>
+          </a:prstGeom>
+        </p:spPr>
+        <p:style>
+          <a:lnRef idx="2">
+            <a:schemeClr val="accent1"/>
+          </a:lnRef>
+          <a:fillRef idx="0">
+            <a:schemeClr val="accent1"/>
+          </a:fillRef>
+          <a:effectRef idx="1">
+            <a:schemeClr val="accent1"/>
+          </a:effectRef>
+          <a:fontRef idx="minor">
+            <a:schemeClr val="tx1"/>
+          </a:fontRef>
+        </p:style>
+      </p:cxnSp>
+      <p:cxnSp>
+        <p:nvCxnSpPr>
+          <p:cNvPr id="94" name="Straight Connector 93">
+            <a:extLst>
+              <a:ext uri="{FF2B5EF4-FFF2-40B4-BE49-F238E27FC236}">
+                <a16:creationId xmlns:a16="http://schemas.microsoft.com/office/drawing/2014/main" id="{119E87C6-F8F2-4E1F-6765-5A865AC67AB3}"/>
+              </a:ext>
+            </a:extLst>
+          </p:cNvPr>
+          <p:cNvCxnSpPr>
+            <a:cxnSpLocks/>
+          </p:cNvCxnSpPr>
+          <p:nvPr/>
+        </p:nvCxnSpPr>
+        <p:spPr>
+          <a:xfrm>
+            <a:off x="8603077" y="6036745"/>
+            <a:ext cx="638000" cy="2472"/>
+          </a:xfrm>
+          <a:prstGeom prst="line">
+            <a:avLst/>
+          </a:prstGeom>
+        </p:spPr>
+        <p:style>
+          <a:lnRef idx="2">
+            <a:schemeClr val="accent1"/>
+          </a:lnRef>
+          <a:fillRef idx="0">
+            <a:schemeClr val="accent1"/>
+          </a:fillRef>
+          <a:effectRef idx="1">
+            <a:schemeClr val="accent1"/>
+          </a:effectRef>
+          <a:fontRef idx="minor">
+            <a:schemeClr val="tx1"/>
+          </a:fontRef>
+        </p:style>
+      </p:cxnSp>
+      <p:cxnSp>
+        <p:nvCxnSpPr>
+          <p:cNvPr id="95" name="Straight Connector 94">
+            <a:extLst>
+              <a:ext uri="{FF2B5EF4-FFF2-40B4-BE49-F238E27FC236}">
+                <a16:creationId xmlns:a16="http://schemas.microsoft.com/office/drawing/2014/main" id="{1F089EF7-D00D-5157-CEA6-D6BC476D01CB}"/>
+              </a:ext>
+            </a:extLst>
+          </p:cNvPr>
+          <p:cNvCxnSpPr>
+            <a:cxnSpLocks/>
+          </p:cNvCxnSpPr>
+          <p:nvPr/>
+        </p:nvCxnSpPr>
+        <p:spPr>
+          <a:xfrm flipV="1">
+            <a:off x="8607718" y="5641639"/>
+            <a:ext cx="0" cy="397578"/>
+          </a:xfrm>
+          <a:prstGeom prst="line">
+            <a:avLst/>
+          </a:prstGeom>
+        </p:spPr>
+        <p:style>
+          <a:lnRef idx="2">
+            <a:schemeClr val="accent1"/>
+          </a:lnRef>
+          <a:fillRef idx="0">
+            <a:schemeClr val="accent1"/>
+          </a:fillRef>
+          <a:effectRef idx="1">
+            <a:schemeClr val="accent1"/>
+          </a:effectRef>
+          <a:fontRef idx="minor">
+            <a:schemeClr val="tx1"/>
+          </a:fontRef>
+        </p:style>
+      </p:cxnSp>
+      <p:sp>
+        <p:nvSpPr>
+          <p:cNvPr id="96" name="文本框 62">
+            <a:extLst>
+              <a:ext uri="{FF2B5EF4-FFF2-40B4-BE49-F238E27FC236}">
+                <a16:creationId xmlns:a16="http://schemas.microsoft.com/office/drawing/2014/main" id="{ABB1F171-09F3-90A4-2FF7-50C30AFC072A}"/>
+              </a:ext>
+            </a:extLst>
+          </p:cNvPr>
+          <p:cNvSpPr txBox="1"/>
+          <p:nvPr/>
+        </p:nvSpPr>
+        <p:spPr>
+          <a:xfrm>
+            <a:off x="1963761" y="4965751"/>
+            <a:ext cx="920445" cy="369332"/>
+          </a:xfrm>
+          <a:prstGeom prst="rect">
+            <a:avLst/>
+          </a:prstGeom>
+          <a:noFill/>
+        </p:spPr>
+        <p:txBody>
+          <a:bodyPr wrap="none" rtlCol="0">
+            <a:spAutoFit/>
+          </a:bodyPr>
+          <a:lstStyle/>
+          <a:p>
+            <a:r>
+              <a:rPr kumimoji="1" lang="en-US" altLang="zh-CN" dirty="0"/>
+              <a:t>REG2.D</a:t>
+            </a:r>
+            <a:endParaRPr kumimoji="1" lang="zh-CN" altLang="en-US" dirty="0"/>
+          </a:p>
+        </p:txBody>
+      </p:sp>
+      <p:sp>
+        <p:nvSpPr>
+          <p:cNvPr id="97" name="文本框 62">
+            <a:extLst>
+              <a:ext uri="{FF2B5EF4-FFF2-40B4-BE49-F238E27FC236}">
+                <a16:creationId xmlns:a16="http://schemas.microsoft.com/office/drawing/2014/main" id="{ECD47E78-9DD2-FD19-EE02-0DA34BFBD010}"/>
+              </a:ext>
+            </a:extLst>
+          </p:cNvPr>
+          <p:cNvSpPr txBox="1"/>
+          <p:nvPr/>
+        </p:nvSpPr>
+        <p:spPr>
+          <a:xfrm>
+            <a:off x="1762395" y="5654433"/>
+            <a:ext cx="1140056" cy="369332"/>
+          </a:xfrm>
+          <a:prstGeom prst="rect">
+            <a:avLst/>
+          </a:prstGeom>
+          <a:noFill/>
+        </p:spPr>
+        <p:txBody>
+          <a:bodyPr wrap="none" rtlCol="0">
+            <a:spAutoFit/>
+          </a:bodyPr>
+          <a:lstStyle/>
+          <a:p>
+            <a:r>
+              <a:rPr kumimoji="1" lang="en-US" altLang="zh-CN" dirty="0"/>
+              <a:t>REG2.CLK</a:t>
+            </a:r>
+            <a:endParaRPr kumimoji="1" lang="zh-CN" altLang="en-US" dirty="0"/>
+          </a:p>
+        </p:txBody>
+      </p:sp>
+      <p:cxnSp>
+        <p:nvCxnSpPr>
+          <p:cNvPr id="98" name="Straight Connector 97">
+            <a:extLst>
+              <a:ext uri="{FF2B5EF4-FFF2-40B4-BE49-F238E27FC236}">
+                <a16:creationId xmlns:a16="http://schemas.microsoft.com/office/drawing/2014/main" id="{92DA7609-FB7B-4DA1-F928-7DB6241B6CB8}"/>
+              </a:ext>
+            </a:extLst>
+          </p:cNvPr>
+          <p:cNvCxnSpPr>
+            <a:cxnSpLocks/>
+          </p:cNvCxnSpPr>
+          <p:nvPr/>
+        </p:nvCxnSpPr>
+        <p:spPr>
+          <a:xfrm>
+            <a:off x="3049584" y="6778383"/>
+            <a:ext cx="6191493" cy="0"/>
+          </a:xfrm>
+          <a:prstGeom prst="line">
+            <a:avLst/>
+          </a:prstGeom>
+        </p:spPr>
+        <p:style>
+          <a:lnRef idx="2">
+            <a:schemeClr val="accent1"/>
+          </a:lnRef>
+          <a:fillRef idx="0">
+            <a:schemeClr val="accent1"/>
+          </a:fillRef>
+          <a:effectRef idx="1">
+            <a:schemeClr val="accent1"/>
+          </a:effectRef>
+          <a:fontRef idx="minor">
+            <a:schemeClr val="tx1"/>
+          </a:fontRef>
+        </p:style>
+      </p:cxnSp>
+      <p:cxnSp>
+        <p:nvCxnSpPr>
+          <p:cNvPr id="99" name="Straight Connector 98">
+            <a:extLst>
+              <a:ext uri="{FF2B5EF4-FFF2-40B4-BE49-F238E27FC236}">
+                <a16:creationId xmlns:a16="http://schemas.microsoft.com/office/drawing/2014/main" id="{05F80329-658F-B65B-B6D8-E5623D9BCAE3}"/>
+              </a:ext>
+            </a:extLst>
+          </p:cNvPr>
+          <p:cNvCxnSpPr>
+            <a:cxnSpLocks/>
+          </p:cNvCxnSpPr>
+          <p:nvPr/>
+        </p:nvCxnSpPr>
+        <p:spPr>
+          <a:xfrm>
+            <a:off x="3049584" y="6387858"/>
+            <a:ext cx="6191493" cy="0"/>
+          </a:xfrm>
+          <a:prstGeom prst="line">
+            <a:avLst/>
+          </a:prstGeom>
+        </p:spPr>
+        <p:style>
+          <a:lnRef idx="2">
+            <a:schemeClr val="accent1"/>
+          </a:lnRef>
+          <a:fillRef idx="0">
+            <a:schemeClr val="accent1"/>
+          </a:fillRef>
+          <a:effectRef idx="1">
+            <a:schemeClr val="accent1"/>
+          </a:effectRef>
+          <a:fontRef idx="minor">
+            <a:schemeClr val="tx1"/>
+          </a:fontRef>
+        </p:style>
+      </p:cxnSp>
+      <p:sp>
+        <p:nvSpPr>
+          <p:cNvPr id="100" name="文本框 62">
+            <a:extLst>
+              <a:ext uri="{FF2B5EF4-FFF2-40B4-BE49-F238E27FC236}">
+                <a16:creationId xmlns:a16="http://schemas.microsoft.com/office/drawing/2014/main" id="{4F97A145-DC4A-13B1-49DE-F396C5DC7836}"/>
+              </a:ext>
+            </a:extLst>
+          </p:cNvPr>
+          <p:cNvSpPr txBox="1"/>
+          <p:nvPr/>
+        </p:nvSpPr>
+        <p:spPr>
+          <a:xfrm>
+            <a:off x="1803518" y="6353596"/>
+            <a:ext cx="936475" cy="369332"/>
+          </a:xfrm>
+          <a:prstGeom prst="rect">
+            <a:avLst/>
+          </a:prstGeom>
+          <a:noFill/>
+        </p:spPr>
+        <p:txBody>
+          <a:bodyPr wrap="none" rtlCol="0">
+            <a:spAutoFit/>
+          </a:bodyPr>
+          <a:lstStyle/>
+          <a:p>
+            <a:r>
+              <a:rPr kumimoji="1" lang="en-US" altLang="zh-CN"/>
+              <a:t>REG2.</a:t>
+            </a:r>
+            <a:r>
+              <a:rPr kumimoji="1" lang="en-US" altLang="zh-CN" dirty="0"/>
+              <a:t>Q</a:t>
+            </a:r>
+            <a:endParaRPr kumimoji="1" lang="zh-CN" altLang="en-US" dirty="0"/>
+          </a:p>
+        </p:txBody>
+      </p:sp>
+    </p:spTree>
+    <p:extLst>
+      <p:ext uri="{BB962C8B-B14F-4D97-AF65-F5344CB8AC3E}">
+        <p14:creationId xmlns:p14="http://schemas.microsoft.com/office/powerpoint/2010/main" val="1423548731"/>
+      </p:ext>
+    </p:extLst>
+  </p:cSld>
+  <p:clrMapOvr>
+    <a:masterClrMapping/>
+  </p:clrMapOvr>
+</p:sld>
+</file>
+
 <file path=ppt/theme/theme1.xml><?xml version="1.0" encoding="utf-8"?>
 <a:theme xmlns:a="http://schemas.openxmlformats.org/drawingml/2006/main" name="Office 主题​​">
   <a:themeElements>
@@ -13840,4 +17192,10 @@
     </a:ext>
   </a:extLst>
 </a:theme>
+</file>
+
+<file path=docMetadata/LabelInfo.xml><?xml version="1.0" encoding="utf-8"?>
+<clbl:labelList xmlns:clbl="http://schemas.microsoft.com/office/2020/mipLabelMetadata">
+  <clbl:label id="{08f6f869-1ed0-46b3-a227-1d3e52347e28}" enabled="1" method="Standard" siteId="{98e9ba89-e1a1-4e38-9007-8bdabc25de1d}" removed="0"/>
+</clbl:labelList>
 </file>
--- a/_posts/静态时序分析笔记/静态时序分析笔记pptx.pptx
+++ b/_posts/静态时序分析笔记/静态时序分析笔记pptx.pptx
@@ -16866,6 +16866,92 @@
           </a:p>
         </p:txBody>
       </p:sp>
+      <p:cxnSp>
+        <p:nvCxnSpPr>
+          <p:cNvPr id="3" name="肘形连接符 2">
+            <a:extLst>
+              <a:ext uri="{FF2B5EF4-FFF2-40B4-BE49-F238E27FC236}">
+                <a16:creationId xmlns:a16="http://schemas.microsoft.com/office/drawing/2014/main" id="{0334BCF2-3980-821E-8EF4-B896D2AE6536}"/>
+              </a:ext>
+            </a:extLst>
+          </p:cNvPr>
+          <p:cNvCxnSpPr>
+            <a:cxnSpLocks/>
+          </p:cNvCxnSpPr>
+          <p:nvPr/>
+        </p:nvCxnSpPr>
+        <p:spPr>
+          <a:xfrm flipV="1">
+            <a:off x="3584772" y="991684"/>
+            <a:ext cx="937953" cy="611505"/>
+          </a:xfrm>
+          <a:prstGeom prst="bentConnector3">
+            <a:avLst>
+              <a:gd name="adj1" fmla="val 57765"/>
+            </a:avLst>
+          </a:prstGeom>
+          <a:ln>
+            <a:tailEnd type="triangle"/>
+          </a:ln>
+        </p:spPr>
+        <p:style>
+          <a:lnRef idx="2">
+            <a:schemeClr val="accent1"/>
+          </a:lnRef>
+          <a:fillRef idx="0">
+            <a:schemeClr val="accent1"/>
+          </a:fillRef>
+          <a:effectRef idx="1">
+            <a:schemeClr val="accent1"/>
+          </a:effectRef>
+          <a:fontRef idx="minor">
+            <a:schemeClr val="tx1"/>
+          </a:fontRef>
+        </p:style>
+      </p:cxnSp>
+      <p:cxnSp>
+        <p:nvCxnSpPr>
+          <p:cNvPr id="35" name="肘形连接符 34">
+            <a:extLst>
+              <a:ext uri="{FF2B5EF4-FFF2-40B4-BE49-F238E27FC236}">
+                <a16:creationId xmlns:a16="http://schemas.microsoft.com/office/drawing/2014/main" id="{2EC7A2DB-0D95-C012-8A28-DA19EC81BA17}"/>
+              </a:ext>
+            </a:extLst>
+          </p:cNvPr>
+          <p:cNvCxnSpPr>
+            <a:cxnSpLocks/>
+          </p:cNvCxnSpPr>
+          <p:nvPr/>
+        </p:nvCxnSpPr>
+        <p:spPr>
+          <a:xfrm flipV="1">
+            <a:off x="4459810" y="990753"/>
+            <a:ext cx="3110502" cy="594326"/>
+          </a:xfrm>
+          <a:prstGeom prst="bentConnector3">
+            <a:avLst>
+              <a:gd name="adj1" fmla="val 87722"/>
+            </a:avLst>
+          </a:prstGeom>
+          <a:ln>
+            <a:tailEnd type="triangle"/>
+          </a:ln>
+        </p:spPr>
+        <p:style>
+          <a:lnRef idx="2">
+            <a:schemeClr val="accent1"/>
+          </a:lnRef>
+          <a:fillRef idx="0">
+            <a:schemeClr val="accent1"/>
+          </a:fillRef>
+          <a:effectRef idx="1">
+            <a:schemeClr val="accent1"/>
+          </a:effectRef>
+          <a:fontRef idx="minor">
+            <a:schemeClr val="tx1"/>
+          </a:fontRef>
+        </p:style>
+      </p:cxnSp>
     </p:spTree>
     <p:extLst>
       <p:ext uri="{BB962C8B-B14F-4D97-AF65-F5344CB8AC3E}">

--- a/_posts/静态时序分析笔记/静态时序分析笔记pptx.pptx
+++ b/_posts/静态时序分析笔记/静态时序分析笔记pptx.pptx
@@ -8,10 +8,11 @@
     <p:sldId id="256" r:id="rId2"/>
     <p:sldId id="257" r:id="rId3"/>
     <p:sldId id="258" r:id="rId4"/>
-    <p:sldId id="262" r:id="rId5"/>
-    <p:sldId id="261" r:id="rId6"/>
-    <p:sldId id="259" r:id="rId7"/>
-    <p:sldId id="260" r:id="rId8"/>
+    <p:sldId id="263" r:id="rId5"/>
+    <p:sldId id="262" r:id="rId6"/>
+    <p:sldId id="261" r:id="rId7"/>
+    <p:sldId id="259" r:id="rId8"/>
+    <p:sldId id="260" r:id="rId9"/>
   </p:sldIdLst>
   <p:sldSz cx="12192000" cy="6858000"/>
   <p:notesSz cx="6858000" cy="9144000"/>
@@ -121,7 +122,7 @@
 <file path=ppt/revisionInfo.xml><?xml version="1.0" encoding="utf-8"?>
 <p1510:revInfo xmlns:a="http://schemas.openxmlformats.org/drawingml/2006/main" xmlns:r="http://schemas.openxmlformats.org/officeDocument/2006/relationships" xmlns:p1510="http://schemas.microsoft.com/office/powerpoint/2015/10/main">
   <p1510:revLst>
-    <p1510:client id="{FF26C555-752D-4004-A979-9228B3A43E4C}" v="143" dt="2025-01-09T09:10:31.821"/>
+    <p1510:client id="{FF26C555-752D-4004-A979-9228B3A43E4C}" v="164" dt="2025-01-09T10:01:07.790"/>
   </p1510:revLst>
 </p1510:revInfo>
 </file>
@@ -131,7 +132,7 @@
   <pc:docChgLst>
     <pc:chgData name="Jinyin Yan" userId="7d7b1cac-fbbc-4678-8cfc-23ca66a374ce" providerId="ADAL" clId="{FF26C555-752D-4004-A979-9228B3A43E4C}"/>
     <pc:docChg chg="undo custSel addSld delSld modSld sldOrd">
-      <pc:chgData name="Jinyin Yan" userId="7d7b1cac-fbbc-4678-8cfc-23ca66a374ce" providerId="ADAL" clId="{FF26C555-752D-4004-A979-9228B3A43E4C}" dt="2025-01-09T09:19:57.173" v="680" actId="1076"/>
+      <pc:chgData name="Jinyin Yan" userId="7d7b1cac-fbbc-4678-8cfc-23ca66a374ce" providerId="ADAL" clId="{FF26C555-752D-4004-A979-9228B3A43E4C}" dt="2025-01-09T10:01:11.391" v="828" actId="13822"/>
       <pc:docMkLst>
         <pc:docMk/>
       </pc:docMkLst>
@@ -2066,6 +2067,1245 @@
             <pc:docMk/>
             <pc:sldMk cId="851681197" sldId="262"/>
             <ac:cxnSpMk id="142" creationId="{964D6403-07D1-8437-FEE1-15DA10D6E979}"/>
+          </ac:cxnSpMkLst>
+        </pc:cxnChg>
+      </pc:sldChg>
+      <pc:sldChg chg="addSp delSp modSp add mod">
+        <pc:chgData name="Jinyin Yan" userId="7d7b1cac-fbbc-4678-8cfc-23ca66a374ce" providerId="ADAL" clId="{FF26C555-752D-4004-A979-9228B3A43E4C}" dt="2025-01-09T10:01:11.391" v="828" actId="13822"/>
+        <pc:sldMkLst>
+          <pc:docMk/>
+          <pc:sldMk cId="3403091211" sldId="263"/>
+        </pc:sldMkLst>
+        <pc:spChg chg="del">
+          <ac:chgData name="Jinyin Yan" userId="7d7b1cac-fbbc-4678-8cfc-23ca66a374ce" providerId="ADAL" clId="{FF26C555-752D-4004-A979-9228B3A43E4C}" dt="2025-01-09T09:38:46.161" v="682" actId="478"/>
+          <ac:spMkLst>
+            <pc:docMk/>
+            <pc:sldMk cId="3403091211" sldId="263"/>
+            <ac:spMk id="2" creationId="{0B47D55D-8A83-BDBC-4A09-52932EEC9ED5}"/>
+          </ac:spMkLst>
+        </pc:spChg>
+        <pc:spChg chg="mod">
+          <ac:chgData name="Jinyin Yan" userId="7d7b1cac-fbbc-4678-8cfc-23ca66a374ce" providerId="ADAL" clId="{FF26C555-752D-4004-A979-9228B3A43E4C}" dt="2025-01-09T09:40:22.882" v="704" actId="1076"/>
+          <ac:spMkLst>
+            <pc:docMk/>
+            <pc:sldMk cId="3403091211" sldId="263"/>
+            <ac:spMk id="24" creationId="{314B7A8F-14EA-3FF9-B104-215C65E9C5FF}"/>
+          </ac:spMkLst>
+        </pc:spChg>
+        <pc:spChg chg="add mod">
+          <ac:chgData name="Jinyin Yan" userId="7d7b1cac-fbbc-4678-8cfc-23ca66a374ce" providerId="ADAL" clId="{FF26C555-752D-4004-A979-9228B3A43E4C}" dt="2025-01-09T09:41:56.002" v="724" actId="1076"/>
+          <ac:spMkLst>
+            <pc:docMk/>
+            <pc:sldMk cId="3403091211" sldId="263"/>
+            <ac:spMk id="25" creationId="{43181863-2C03-C213-F95C-9C0C6A847E2A}"/>
+          </ac:spMkLst>
+        </pc:spChg>
+        <pc:spChg chg="del">
+          <ac:chgData name="Jinyin Yan" userId="7d7b1cac-fbbc-4678-8cfc-23ca66a374ce" providerId="ADAL" clId="{FF26C555-752D-4004-A979-9228B3A43E4C}" dt="2025-01-09T09:38:46.161" v="682" actId="478"/>
+          <ac:spMkLst>
+            <pc:docMk/>
+            <pc:sldMk cId="3403091211" sldId="263"/>
+            <ac:spMk id="27" creationId="{03FD8341-0B7F-306C-C0B0-A2770B8C8482}"/>
+          </ac:spMkLst>
+        </pc:spChg>
+        <pc:spChg chg="add mod">
+          <ac:chgData name="Jinyin Yan" userId="7d7b1cac-fbbc-4678-8cfc-23ca66a374ce" providerId="ADAL" clId="{FF26C555-752D-4004-A979-9228B3A43E4C}" dt="2025-01-09T09:40:22.882" v="704" actId="1076"/>
+          <ac:spMkLst>
+            <pc:docMk/>
+            <pc:sldMk cId="3403091211" sldId="263"/>
+            <ac:spMk id="30" creationId="{21774C65-1C77-AF36-5F3E-0B53D06E71F2}"/>
+          </ac:spMkLst>
+        </pc:spChg>
+        <pc:spChg chg="del">
+          <ac:chgData name="Jinyin Yan" userId="7d7b1cac-fbbc-4678-8cfc-23ca66a374ce" providerId="ADAL" clId="{FF26C555-752D-4004-A979-9228B3A43E4C}" dt="2025-01-09T09:38:46.161" v="682" actId="478"/>
+          <ac:spMkLst>
+            <pc:docMk/>
+            <pc:sldMk cId="3403091211" sldId="263"/>
+            <ac:spMk id="36" creationId="{08D84F86-E06A-8DEE-EF78-AD7C61DF0AB4}"/>
+          </ac:spMkLst>
+        </pc:spChg>
+        <pc:spChg chg="del mod">
+          <ac:chgData name="Jinyin Yan" userId="7d7b1cac-fbbc-4678-8cfc-23ca66a374ce" providerId="ADAL" clId="{FF26C555-752D-4004-A979-9228B3A43E4C}" dt="2025-01-09T09:40:35.586" v="707" actId="478"/>
+          <ac:spMkLst>
+            <pc:docMk/>
+            <pc:sldMk cId="3403091211" sldId="263"/>
+            <ac:spMk id="41" creationId="{15262B60-CC00-3959-414F-CC56124BDB64}"/>
+          </ac:spMkLst>
+        </pc:spChg>
+        <pc:spChg chg="del mod">
+          <ac:chgData name="Jinyin Yan" userId="7d7b1cac-fbbc-4678-8cfc-23ca66a374ce" providerId="ADAL" clId="{FF26C555-752D-4004-A979-9228B3A43E4C}" dt="2025-01-09T09:40:35.586" v="707" actId="478"/>
+          <ac:spMkLst>
+            <pc:docMk/>
+            <pc:sldMk cId="3403091211" sldId="263"/>
+            <ac:spMk id="42" creationId="{63F868D6-EE4B-F9AE-B992-30480AB32D8E}"/>
+          </ac:spMkLst>
+        </pc:spChg>
+        <pc:spChg chg="del">
+          <ac:chgData name="Jinyin Yan" userId="7d7b1cac-fbbc-4678-8cfc-23ca66a374ce" providerId="ADAL" clId="{FF26C555-752D-4004-A979-9228B3A43E4C}" dt="2025-01-09T09:38:46.161" v="682" actId="478"/>
+          <ac:spMkLst>
+            <pc:docMk/>
+            <pc:sldMk cId="3403091211" sldId="263"/>
+            <ac:spMk id="46" creationId="{3F7F368C-1673-6672-DD7D-16E3C2D16009}"/>
+          </ac:spMkLst>
+        </pc:spChg>
+        <pc:spChg chg="del">
+          <ac:chgData name="Jinyin Yan" userId="7d7b1cac-fbbc-4678-8cfc-23ca66a374ce" providerId="ADAL" clId="{FF26C555-752D-4004-A979-9228B3A43E4C}" dt="2025-01-09T09:38:46.161" v="682" actId="478"/>
+          <ac:spMkLst>
+            <pc:docMk/>
+            <pc:sldMk cId="3403091211" sldId="263"/>
+            <ac:spMk id="47" creationId="{84DD92FD-EF36-6A66-0F53-7898C52C9820}"/>
+          </ac:spMkLst>
+        </pc:spChg>
+        <pc:spChg chg="del">
+          <ac:chgData name="Jinyin Yan" userId="7d7b1cac-fbbc-4678-8cfc-23ca66a374ce" providerId="ADAL" clId="{FF26C555-752D-4004-A979-9228B3A43E4C}" dt="2025-01-09T09:38:46.161" v="682" actId="478"/>
+          <ac:spMkLst>
+            <pc:docMk/>
+            <pc:sldMk cId="3403091211" sldId="263"/>
+            <ac:spMk id="48" creationId="{41DA6E41-D5B3-6B53-684F-81166D6A325C}"/>
+          </ac:spMkLst>
+        </pc:spChg>
+        <pc:spChg chg="del">
+          <ac:chgData name="Jinyin Yan" userId="7d7b1cac-fbbc-4678-8cfc-23ca66a374ce" providerId="ADAL" clId="{FF26C555-752D-4004-A979-9228B3A43E4C}" dt="2025-01-09T09:39:16.419" v="692" actId="478"/>
+          <ac:spMkLst>
+            <pc:docMk/>
+            <pc:sldMk cId="3403091211" sldId="263"/>
+            <ac:spMk id="66" creationId="{3FC6AAD9-91FD-04F4-A746-E78703DB6014}"/>
+          </ac:spMkLst>
+        </pc:spChg>
+        <pc:spChg chg="del">
+          <ac:chgData name="Jinyin Yan" userId="7d7b1cac-fbbc-4678-8cfc-23ca66a374ce" providerId="ADAL" clId="{FF26C555-752D-4004-A979-9228B3A43E4C}" dt="2025-01-09T09:39:08.519" v="689" actId="478"/>
+          <ac:spMkLst>
+            <pc:docMk/>
+            <pc:sldMk cId="3403091211" sldId="263"/>
+            <ac:spMk id="67" creationId="{2FF1A6E6-175E-1015-E4F9-E7CB2BE278CE}"/>
+          </ac:spMkLst>
+        </pc:spChg>
+        <pc:spChg chg="del">
+          <ac:chgData name="Jinyin Yan" userId="7d7b1cac-fbbc-4678-8cfc-23ca66a374ce" providerId="ADAL" clId="{FF26C555-752D-4004-A979-9228B3A43E4C}" dt="2025-01-09T09:39:02.688" v="684" actId="478"/>
+          <ac:spMkLst>
+            <pc:docMk/>
+            <pc:sldMk cId="3403091211" sldId="263"/>
+            <ac:spMk id="68" creationId="{7C09202A-E45A-2825-731D-4BE93EE536ED}"/>
+          </ac:spMkLst>
+        </pc:spChg>
+        <pc:spChg chg="del">
+          <ac:chgData name="Jinyin Yan" userId="7d7b1cac-fbbc-4678-8cfc-23ca66a374ce" providerId="ADAL" clId="{FF26C555-752D-4004-A979-9228B3A43E4C}" dt="2025-01-09T09:38:46.161" v="682" actId="478"/>
+          <ac:spMkLst>
+            <pc:docMk/>
+            <pc:sldMk cId="3403091211" sldId="263"/>
+            <ac:spMk id="81" creationId="{A84AC616-53A6-CCF3-9567-A684AB753E19}"/>
+          </ac:spMkLst>
+        </pc:spChg>
+        <pc:spChg chg="del">
+          <ac:chgData name="Jinyin Yan" userId="7d7b1cac-fbbc-4678-8cfc-23ca66a374ce" providerId="ADAL" clId="{FF26C555-752D-4004-A979-9228B3A43E4C}" dt="2025-01-09T09:38:46.161" v="682" actId="478"/>
+          <ac:spMkLst>
+            <pc:docMk/>
+            <pc:sldMk cId="3403091211" sldId="263"/>
+            <ac:spMk id="84" creationId="{37D5C93F-4599-19B7-B72F-216638EEF544}"/>
+          </ac:spMkLst>
+        </pc:spChg>
+        <pc:spChg chg="del">
+          <ac:chgData name="Jinyin Yan" userId="7d7b1cac-fbbc-4678-8cfc-23ca66a374ce" providerId="ADAL" clId="{FF26C555-752D-4004-A979-9228B3A43E4C}" dt="2025-01-09T09:38:46.161" v="682" actId="478"/>
+          <ac:spMkLst>
+            <pc:docMk/>
+            <pc:sldMk cId="3403091211" sldId="263"/>
+            <ac:spMk id="96" creationId="{3D5B8C36-4063-C14B-373C-70850168686D}"/>
+          </ac:spMkLst>
+        </pc:spChg>
+        <pc:spChg chg="del">
+          <ac:chgData name="Jinyin Yan" userId="7d7b1cac-fbbc-4678-8cfc-23ca66a374ce" providerId="ADAL" clId="{FF26C555-752D-4004-A979-9228B3A43E4C}" dt="2025-01-09T09:38:46.161" v="682" actId="478"/>
+          <ac:spMkLst>
+            <pc:docMk/>
+            <pc:sldMk cId="3403091211" sldId="263"/>
+            <ac:spMk id="97" creationId="{119D6E72-D5EB-FAF3-B207-CA149DCC0DD9}"/>
+          </ac:spMkLst>
+        </pc:spChg>
+        <pc:spChg chg="mod">
+          <ac:chgData name="Jinyin Yan" userId="7d7b1cac-fbbc-4678-8cfc-23ca66a374ce" providerId="ADAL" clId="{FF26C555-752D-4004-A979-9228B3A43E4C}" dt="2025-01-09T09:39:52.298" v="699"/>
+          <ac:spMkLst>
+            <pc:docMk/>
+            <pc:sldMk cId="3403091211" sldId="263"/>
+            <ac:spMk id="98" creationId="{78882B2B-F9E3-BC20-EB0E-433484DF57E5}"/>
+          </ac:spMkLst>
+        </pc:spChg>
+        <pc:spChg chg="mod">
+          <ac:chgData name="Jinyin Yan" userId="7d7b1cac-fbbc-4678-8cfc-23ca66a374ce" providerId="ADAL" clId="{FF26C555-752D-4004-A979-9228B3A43E4C}" dt="2025-01-09T09:39:52.298" v="699"/>
+          <ac:spMkLst>
+            <pc:docMk/>
+            <pc:sldMk cId="3403091211" sldId="263"/>
+            <ac:spMk id="99" creationId="{F59E4F2D-E0B0-9D75-6A13-A63A40F19A8F}"/>
+          </ac:spMkLst>
+        </pc:spChg>
+        <pc:spChg chg="mod">
+          <ac:chgData name="Jinyin Yan" userId="7d7b1cac-fbbc-4678-8cfc-23ca66a374ce" providerId="ADAL" clId="{FF26C555-752D-4004-A979-9228B3A43E4C}" dt="2025-01-09T09:39:52.298" v="699"/>
+          <ac:spMkLst>
+            <pc:docMk/>
+            <pc:sldMk cId="3403091211" sldId="263"/>
+            <ac:spMk id="100" creationId="{9925DC0F-A3C7-024B-0A51-1DFB1D9BB76C}"/>
+          </ac:spMkLst>
+        </pc:spChg>
+        <pc:spChg chg="mod">
+          <ac:chgData name="Jinyin Yan" userId="7d7b1cac-fbbc-4678-8cfc-23ca66a374ce" providerId="ADAL" clId="{FF26C555-752D-4004-A979-9228B3A43E4C}" dt="2025-01-09T09:39:52.298" v="699"/>
+          <ac:spMkLst>
+            <pc:docMk/>
+            <pc:sldMk cId="3403091211" sldId="263"/>
+            <ac:spMk id="101" creationId="{A03CA56C-6E88-02A4-EC88-A0542C615705}"/>
+          </ac:spMkLst>
+        </pc:spChg>
+        <pc:spChg chg="mod">
+          <ac:chgData name="Jinyin Yan" userId="7d7b1cac-fbbc-4678-8cfc-23ca66a374ce" providerId="ADAL" clId="{FF26C555-752D-4004-A979-9228B3A43E4C}" dt="2025-01-09T09:39:52.298" v="699"/>
+          <ac:spMkLst>
+            <pc:docMk/>
+            <pc:sldMk cId="3403091211" sldId="263"/>
+            <ac:spMk id="103" creationId="{FFA7C22C-2726-204B-666C-3FD074826D45}"/>
+          </ac:spMkLst>
+        </pc:spChg>
+        <pc:spChg chg="del">
+          <ac:chgData name="Jinyin Yan" userId="7d7b1cac-fbbc-4678-8cfc-23ca66a374ce" providerId="ADAL" clId="{FF26C555-752D-4004-A979-9228B3A43E4C}" dt="2025-01-09T09:39:04.431" v="685" actId="478"/>
+          <ac:spMkLst>
+            <pc:docMk/>
+            <pc:sldMk cId="3403091211" sldId="263"/>
+            <ac:spMk id="104" creationId="{9B41EAB3-FEB9-F9D8-9C31-A7BA2D8770CF}"/>
+          </ac:spMkLst>
+        </pc:spChg>
+        <pc:spChg chg="del">
+          <ac:chgData name="Jinyin Yan" userId="7d7b1cac-fbbc-4678-8cfc-23ca66a374ce" providerId="ADAL" clId="{FF26C555-752D-4004-A979-9228B3A43E4C}" dt="2025-01-09T09:38:46.161" v="682" actId="478"/>
+          <ac:spMkLst>
+            <pc:docMk/>
+            <pc:sldMk cId="3403091211" sldId="263"/>
+            <ac:spMk id="111" creationId="{6C2A2242-AA21-05C9-84DD-0431B43129E9}"/>
+          </ac:spMkLst>
+        </pc:spChg>
+        <pc:spChg chg="del">
+          <ac:chgData name="Jinyin Yan" userId="7d7b1cac-fbbc-4678-8cfc-23ca66a374ce" providerId="ADAL" clId="{FF26C555-752D-4004-A979-9228B3A43E4C}" dt="2025-01-09T09:38:46.161" v="682" actId="478"/>
+          <ac:spMkLst>
+            <pc:docMk/>
+            <pc:sldMk cId="3403091211" sldId="263"/>
+            <ac:spMk id="115" creationId="{1B2E93DB-E2AD-AE9D-C5ED-5ABB23B3F0F4}"/>
+          </ac:spMkLst>
+        </pc:spChg>
+        <pc:spChg chg="del">
+          <ac:chgData name="Jinyin Yan" userId="7d7b1cac-fbbc-4678-8cfc-23ca66a374ce" providerId="ADAL" clId="{FF26C555-752D-4004-A979-9228B3A43E4C}" dt="2025-01-09T09:38:46.161" v="682" actId="478"/>
+          <ac:spMkLst>
+            <pc:docMk/>
+            <pc:sldMk cId="3403091211" sldId="263"/>
+            <ac:spMk id="118" creationId="{70EA89B2-3516-B5EA-8384-C310342A3EF7}"/>
+          </ac:spMkLst>
+        </pc:spChg>
+        <pc:spChg chg="del">
+          <ac:chgData name="Jinyin Yan" userId="7d7b1cac-fbbc-4678-8cfc-23ca66a374ce" providerId="ADAL" clId="{FF26C555-752D-4004-A979-9228B3A43E4C}" dt="2025-01-09T09:38:46.161" v="682" actId="478"/>
+          <ac:spMkLst>
+            <pc:docMk/>
+            <pc:sldMk cId="3403091211" sldId="263"/>
+            <ac:spMk id="119" creationId="{2086A413-8648-D6C2-C423-2C32E972A3C2}"/>
+          </ac:spMkLst>
+        </pc:spChg>
+        <pc:spChg chg="mod">
+          <ac:chgData name="Jinyin Yan" userId="7d7b1cac-fbbc-4678-8cfc-23ca66a374ce" providerId="ADAL" clId="{FF26C555-752D-4004-A979-9228B3A43E4C}" dt="2025-01-09T09:40:01.610" v="701"/>
+          <ac:spMkLst>
+            <pc:docMk/>
+            <pc:sldMk cId="3403091211" sldId="263"/>
+            <ac:spMk id="121" creationId="{35B987B4-D3A1-D8ED-6AB8-2D826F108B3C}"/>
+          </ac:spMkLst>
+        </pc:spChg>
+        <pc:spChg chg="mod">
+          <ac:chgData name="Jinyin Yan" userId="7d7b1cac-fbbc-4678-8cfc-23ca66a374ce" providerId="ADAL" clId="{FF26C555-752D-4004-A979-9228B3A43E4C}" dt="2025-01-09T09:40:01.610" v="701"/>
+          <ac:spMkLst>
+            <pc:docMk/>
+            <pc:sldMk cId="3403091211" sldId="263"/>
+            <ac:spMk id="122" creationId="{5334B3A7-4290-5A20-5B33-2962BFEFD6F7}"/>
+          </ac:spMkLst>
+        </pc:spChg>
+        <pc:spChg chg="mod">
+          <ac:chgData name="Jinyin Yan" userId="7d7b1cac-fbbc-4678-8cfc-23ca66a374ce" providerId="ADAL" clId="{FF26C555-752D-4004-A979-9228B3A43E4C}" dt="2025-01-09T09:40:01.610" v="701"/>
+          <ac:spMkLst>
+            <pc:docMk/>
+            <pc:sldMk cId="3403091211" sldId="263"/>
+            <ac:spMk id="124" creationId="{56DA0B42-7220-4BF2-DC77-2359F6B75AD5}"/>
+          </ac:spMkLst>
+        </pc:spChg>
+        <pc:spChg chg="del">
+          <ac:chgData name="Jinyin Yan" userId="7d7b1cac-fbbc-4678-8cfc-23ca66a374ce" providerId="ADAL" clId="{FF26C555-752D-4004-A979-9228B3A43E4C}" dt="2025-01-09T09:38:46.161" v="682" actId="478"/>
+          <ac:spMkLst>
+            <pc:docMk/>
+            <pc:sldMk cId="3403091211" sldId="263"/>
+            <ac:spMk id="125" creationId="{28701DC7-906D-D520-1852-63ADD494C234}"/>
+          </ac:spMkLst>
+        </pc:spChg>
+        <pc:spChg chg="mod">
+          <ac:chgData name="Jinyin Yan" userId="7d7b1cac-fbbc-4678-8cfc-23ca66a374ce" providerId="ADAL" clId="{FF26C555-752D-4004-A979-9228B3A43E4C}" dt="2025-01-09T09:40:01.610" v="701"/>
+          <ac:spMkLst>
+            <pc:docMk/>
+            <pc:sldMk cId="3403091211" sldId="263"/>
+            <ac:spMk id="126" creationId="{0CC5471E-CDCF-282C-E024-FCD2334F9F47}"/>
+          </ac:spMkLst>
+        </pc:spChg>
+        <pc:spChg chg="mod">
+          <ac:chgData name="Jinyin Yan" userId="7d7b1cac-fbbc-4678-8cfc-23ca66a374ce" providerId="ADAL" clId="{FF26C555-752D-4004-A979-9228B3A43E4C}" dt="2025-01-09T09:40:01.610" v="701"/>
+          <ac:spMkLst>
+            <pc:docMk/>
+            <pc:sldMk cId="3403091211" sldId="263"/>
+            <ac:spMk id="129" creationId="{1D991D38-EC41-470F-05B2-EC70F55CDD07}"/>
+          </ac:spMkLst>
+        </pc:spChg>
+        <pc:spChg chg="del">
+          <ac:chgData name="Jinyin Yan" userId="7d7b1cac-fbbc-4678-8cfc-23ca66a374ce" providerId="ADAL" clId="{FF26C555-752D-4004-A979-9228B3A43E4C}" dt="2025-01-09T09:38:46.161" v="682" actId="478"/>
+          <ac:spMkLst>
+            <pc:docMk/>
+            <pc:sldMk cId="3403091211" sldId="263"/>
+            <ac:spMk id="130" creationId="{299CDD81-7B41-B9AB-CDFB-83BD884CB107}"/>
+          </ac:spMkLst>
+        </pc:spChg>
+        <pc:spChg chg="del">
+          <ac:chgData name="Jinyin Yan" userId="7d7b1cac-fbbc-4678-8cfc-23ca66a374ce" providerId="ADAL" clId="{FF26C555-752D-4004-A979-9228B3A43E4C}" dt="2025-01-09T09:38:46.161" v="682" actId="478"/>
+          <ac:spMkLst>
+            <pc:docMk/>
+            <pc:sldMk cId="3403091211" sldId="263"/>
+            <ac:spMk id="131" creationId="{2CBB58FF-291A-CFB0-A4FC-232A7326A1C5}"/>
+          </ac:spMkLst>
+        </pc:spChg>
+        <pc:spChg chg="add mod">
+          <ac:chgData name="Jinyin Yan" userId="7d7b1cac-fbbc-4678-8cfc-23ca66a374ce" providerId="ADAL" clId="{FF26C555-752D-4004-A979-9228B3A43E4C}" dt="2025-01-09T09:41:17.277" v="714" actId="14100"/>
+          <ac:spMkLst>
+            <pc:docMk/>
+            <pc:sldMk cId="3403091211" sldId="263"/>
+            <ac:spMk id="133" creationId="{C525E765-B244-74AF-715E-E8E72948BBE6}"/>
+          </ac:spMkLst>
+        </pc:spChg>
+        <pc:spChg chg="del">
+          <ac:chgData name="Jinyin Yan" userId="7d7b1cac-fbbc-4678-8cfc-23ca66a374ce" providerId="ADAL" clId="{FF26C555-752D-4004-A979-9228B3A43E4C}" dt="2025-01-09T09:38:46.161" v="682" actId="478"/>
+          <ac:spMkLst>
+            <pc:docMk/>
+            <pc:sldMk cId="3403091211" sldId="263"/>
+            <ac:spMk id="135" creationId="{1BDDB62F-8CEA-5A03-DC4C-92EC5E3B412D}"/>
+          </ac:spMkLst>
+        </pc:spChg>
+        <pc:spChg chg="del">
+          <ac:chgData name="Jinyin Yan" userId="7d7b1cac-fbbc-4678-8cfc-23ca66a374ce" providerId="ADAL" clId="{FF26C555-752D-4004-A979-9228B3A43E4C}" dt="2025-01-09T09:38:46.161" v="682" actId="478"/>
+          <ac:spMkLst>
+            <pc:docMk/>
+            <pc:sldMk cId="3403091211" sldId="263"/>
+            <ac:spMk id="136" creationId="{EA4D9DE0-38B8-D9E5-8272-065D4477F098}"/>
+          </ac:spMkLst>
+        </pc:spChg>
+        <pc:spChg chg="add del mod">
+          <ac:chgData name="Jinyin Yan" userId="7d7b1cac-fbbc-4678-8cfc-23ca66a374ce" providerId="ADAL" clId="{FF26C555-752D-4004-A979-9228B3A43E4C}" dt="2025-01-09T09:44:28.875" v="746" actId="478"/>
+          <ac:spMkLst>
+            <pc:docMk/>
+            <pc:sldMk cId="3403091211" sldId="263"/>
+            <ac:spMk id="146" creationId="{7F8BEC4E-9A57-7E74-6EFC-BC586E0C3A7F}"/>
+          </ac:spMkLst>
+        </pc:spChg>
+        <pc:spChg chg="del">
+          <ac:chgData name="Jinyin Yan" userId="7d7b1cac-fbbc-4678-8cfc-23ca66a374ce" providerId="ADAL" clId="{FF26C555-752D-4004-A979-9228B3A43E4C}" dt="2025-01-09T09:38:46.161" v="682" actId="478"/>
+          <ac:spMkLst>
+            <pc:docMk/>
+            <pc:sldMk cId="3403091211" sldId="263"/>
+            <ac:spMk id="149" creationId="{171178FB-791C-DD06-89FA-C27502EF755F}"/>
+          </ac:spMkLst>
+        </pc:spChg>
+        <pc:spChg chg="del">
+          <ac:chgData name="Jinyin Yan" userId="7d7b1cac-fbbc-4678-8cfc-23ca66a374ce" providerId="ADAL" clId="{FF26C555-752D-4004-A979-9228B3A43E4C}" dt="2025-01-09T09:38:46.161" v="682" actId="478"/>
+          <ac:spMkLst>
+            <pc:docMk/>
+            <pc:sldMk cId="3403091211" sldId="263"/>
+            <ac:spMk id="150" creationId="{FE3290C7-DB2B-2029-F4DB-84E754389CB1}"/>
+          </ac:spMkLst>
+        </pc:spChg>
+        <pc:spChg chg="del">
+          <ac:chgData name="Jinyin Yan" userId="7d7b1cac-fbbc-4678-8cfc-23ca66a374ce" providerId="ADAL" clId="{FF26C555-752D-4004-A979-9228B3A43E4C}" dt="2025-01-09T09:38:46.161" v="682" actId="478"/>
+          <ac:spMkLst>
+            <pc:docMk/>
+            <pc:sldMk cId="3403091211" sldId="263"/>
+            <ac:spMk id="151" creationId="{99A0A9CE-F3BD-D5B6-3A3E-31FB6C88DAEB}"/>
+          </ac:spMkLst>
+        </pc:spChg>
+        <pc:spChg chg="del">
+          <ac:chgData name="Jinyin Yan" userId="7d7b1cac-fbbc-4678-8cfc-23ca66a374ce" providerId="ADAL" clId="{FF26C555-752D-4004-A979-9228B3A43E4C}" dt="2025-01-09T09:38:46.161" v="682" actId="478"/>
+          <ac:spMkLst>
+            <pc:docMk/>
+            <pc:sldMk cId="3403091211" sldId="263"/>
+            <ac:spMk id="152" creationId="{BAF38BEC-D680-A04D-B9DC-C528DBF6D3F2}"/>
+          </ac:spMkLst>
+        </pc:spChg>
+        <pc:spChg chg="del">
+          <ac:chgData name="Jinyin Yan" userId="7d7b1cac-fbbc-4678-8cfc-23ca66a374ce" providerId="ADAL" clId="{FF26C555-752D-4004-A979-9228B3A43E4C}" dt="2025-01-09T09:38:46.161" v="682" actId="478"/>
+          <ac:spMkLst>
+            <pc:docMk/>
+            <pc:sldMk cId="3403091211" sldId="263"/>
+            <ac:spMk id="153" creationId="{C8A64D95-8329-CD10-F185-080D02A0D850}"/>
+          </ac:spMkLst>
+        </pc:spChg>
+        <pc:spChg chg="del">
+          <ac:chgData name="Jinyin Yan" userId="7d7b1cac-fbbc-4678-8cfc-23ca66a374ce" providerId="ADAL" clId="{FF26C555-752D-4004-A979-9228B3A43E4C}" dt="2025-01-09T09:38:46.161" v="682" actId="478"/>
+          <ac:spMkLst>
+            <pc:docMk/>
+            <pc:sldMk cId="3403091211" sldId="263"/>
+            <ac:spMk id="154" creationId="{98EE74F6-9E33-A88A-101A-647598B2C7E7}"/>
+          </ac:spMkLst>
+        </pc:spChg>
+        <pc:spChg chg="del">
+          <ac:chgData name="Jinyin Yan" userId="7d7b1cac-fbbc-4678-8cfc-23ca66a374ce" providerId="ADAL" clId="{FF26C555-752D-4004-A979-9228B3A43E4C}" dt="2025-01-09T09:38:46.161" v="682" actId="478"/>
+          <ac:spMkLst>
+            <pc:docMk/>
+            <pc:sldMk cId="3403091211" sldId="263"/>
+            <ac:spMk id="155" creationId="{17D0D435-DD51-32B3-A769-18EA3C8A4981}"/>
+          </ac:spMkLst>
+        </pc:spChg>
+        <pc:spChg chg="del">
+          <ac:chgData name="Jinyin Yan" userId="7d7b1cac-fbbc-4678-8cfc-23ca66a374ce" providerId="ADAL" clId="{FF26C555-752D-4004-A979-9228B3A43E4C}" dt="2025-01-09T09:38:46.161" v="682" actId="478"/>
+          <ac:spMkLst>
+            <pc:docMk/>
+            <pc:sldMk cId="3403091211" sldId="263"/>
+            <ac:spMk id="160" creationId="{23777B39-A729-698C-BDFB-EC2E300E8F83}"/>
+          </ac:spMkLst>
+        </pc:spChg>
+        <pc:spChg chg="del">
+          <ac:chgData name="Jinyin Yan" userId="7d7b1cac-fbbc-4678-8cfc-23ca66a374ce" providerId="ADAL" clId="{FF26C555-752D-4004-A979-9228B3A43E4C}" dt="2025-01-09T09:38:46.161" v="682" actId="478"/>
+          <ac:spMkLst>
+            <pc:docMk/>
+            <pc:sldMk cId="3403091211" sldId="263"/>
+            <ac:spMk id="162" creationId="{8D720EBB-3B38-C0EA-0460-7F518A5B4BC7}"/>
+          </ac:spMkLst>
+        </pc:spChg>
+        <pc:spChg chg="del">
+          <ac:chgData name="Jinyin Yan" userId="7d7b1cac-fbbc-4678-8cfc-23ca66a374ce" providerId="ADAL" clId="{FF26C555-752D-4004-A979-9228B3A43E4C}" dt="2025-01-09T09:38:46.161" v="682" actId="478"/>
+          <ac:spMkLst>
+            <pc:docMk/>
+            <pc:sldMk cId="3403091211" sldId="263"/>
+            <ac:spMk id="163" creationId="{BE1D3899-2BEE-FC9F-C8C7-6C0FE511169E}"/>
+          </ac:spMkLst>
+        </pc:spChg>
+        <pc:spChg chg="del">
+          <ac:chgData name="Jinyin Yan" userId="7d7b1cac-fbbc-4678-8cfc-23ca66a374ce" providerId="ADAL" clId="{FF26C555-752D-4004-A979-9228B3A43E4C}" dt="2025-01-09T09:38:46.161" v="682" actId="478"/>
+          <ac:spMkLst>
+            <pc:docMk/>
+            <pc:sldMk cId="3403091211" sldId="263"/>
+            <ac:spMk id="164" creationId="{4CCA0035-26BE-82A7-919A-457D11E036E8}"/>
+          </ac:spMkLst>
+        </pc:spChg>
+        <pc:spChg chg="del">
+          <ac:chgData name="Jinyin Yan" userId="7d7b1cac-fbbc-4678-8cfc-23ca66a374ce" providerId="ADAL" clId="{FF26C555-752D-4004-A979-9228B3A43E4C}" dt="2025-01-09T09:38:46.161" v="682" actId="478"/>
+          <ac:spMkLst>
+            <pc:docMk/>
+            <pc:sldMk cId="3403091211" sldId="263"/>
+            <ac:spMk id="165" creationId="{D57A7CC8-E501-800D-70E5-6B979F8B84E7}"/>
+          </ac:spMkLst>
+        </pc:spChg>
+        <pc:spChg chg="add mod">
+          <ac:chgData name="Jinyin Yan" userId="7d7b1cac-fbbc-4678-8cfc-23ca66a374ce" providerId="ADAL" clId="{FF26C555-752D-4004-A979-9228B3A43E4C}" dt="2025-01-09T09:44:50.737" v="751" actId="1076"/>
+          <ac:spMkLst>
+            <pc:docMk/>
+            <pc:sldMk cId="3403091211" sldId="263"/>
+            <ac:spMk id="168" creationId="{4929E9C5-F45B-7450-04B3-45FB51416287}"/>
+          </ac:spMkLst>
+        </pc:spChg>
+        <pc:spChg chg="add mod">
+          <ac:chgData name="Jinyin Yan" userId="7d7b1cac-fbbc-4678-8cfc-23ca66a374ce" providerId="ADAL" clId="{FF26C555-752D-4004-A979-9228B3A43E4C}" dt="2025-01-09T09:44:58.705" v="753" actId="1076"/>
+          <ac:spMkLst>
+            <pc:docMk/>
+            <pc:sldMk cId="3403091211" sldId="263"/>
+            <ac:spMk id="169" creationId="{0E95B290-9CAD-C95D-2F19-C2EBA5CF6D31}"/>
+          </ac:spMkLst>
+        </pc:spChg>
+        <pc:spChg chg="add mod">
+          <ac:chgData name="Jinyin Yan" userId="7d7b1cac-fbbc-4678-8cfc-23ca66a374ce" providerId="ADAL" clId="{FF26C555-752D-4004-A979-9228B3A43E4C}" dt="2025-01-09T09:48:29.245" v="758" actId="1076"/>
+          <ac:spMkLst>
+            <pc:docMk/>
+            <pc:sldMk cId="3403091211" sldId="263"/>
+            <ac:spMk id="170" creationId="{84590C10-03D3-9577-64D7-6FBB355364A9}"/>
+          </ac:spMkLst>
+        </pc:spChg>
+        <pc:spChg chg="add mod">
+          <ac:chgData name="Jinyin Yan" userId="7d7b1cac-fbbc-4678-8cfc-23ca66a374ce" providerId="ADAL" clId="{FF26C555-752D-4004-A979-9228B3A43E4C}" dt="2025-01-09T09:49:21.244" v="762" actId="1076"/>
+          <ac:spMkLst>
+            <pc:docMk/>
+            <pc:sldMk cId="3403091211" sldId="263"/>
+            <ac:spMk id="174" creationId="{A3FF9CB0-79B6-A07B-82C7-39035E0C659D}"/>
+          </ac:spMkLst>
+        </pc:spChg>
+        <pc:spChg chg="add mod">
+          <ac:chgData name="Jinyin Yan" userId="7d7b1cac-fbbc-4678-8cfc-23ca66a374ce" providerId="ADAL" clId="{FF26C555-752D-4004-A979-9228B3A43E4C}" dt="2025-01-09T09:49:59.016" v="765" actId="1076"/>
+          <ac:spMkLst>
+            <pc:docMk/>
+            <pc:sldMk cId="3403091211" sldId="263"/>
+            <ac:spMk id="175" creationId="{481A4F8F-845A-6D7C-FB8E-13E662497FB6}"/>
+          </ac:spMkLst>
+        </pc:spChg>
+        <pc:spChg chg="add mod">
+          <ac:chgData name="Jinyin Yan" userId="7d7b1cac-fbbc-4678-8cfc-23ca66a374ce" providerId="ADAL" clId="{FF26C555-752D-4004-A979-9228B3A43E4C}" dt="2025-01-09T09:50:25.866" v="773" actId="1076"/>
+          <ac:spMkLst>
+            <pc:docMk/>
+            <pc:sldMk cId="3403091211" sldId="263"/>
+            <ac:spMk id="182" creationId="{D4F64ED4-426E-F0B4-BCE2-BB6DC9585E80}"/>
+          </ac:spMkLst>
+        </pc:spChg>
+        <pc:spChg chg="add mod">
+          <ac:chgData name="Jinyin Yan" userId="7d7b1cac-fbbc-4678-8cfc-23ca66a374ce" providerId="ADAL" clId="{FF26C555-752D-4004-A979-9228B3A43E4C}" dt="2025-01-09T09:50:35.420" v="776" actId="1076"/>
+          <ac:spMkLst>
+            <pc:docMk/>
+            <pc:sldMk cId="3403091211" sldId="263"/>
+            <ac:spMk id="183" creationId="{0CCE01E9-2A21-1D3C-300C-4A65D6548C02}"/>
+          </ac:spMkLst>
+        </pc:spChg>
+        <pc:spChg chg="add mod">
+          <ac:chgData name="Jinyin Yan" userId="7d7b1cac-fbbc-4678-8cfc-23ca66a374ce" providerId="ADAL" clId="{FF26C555-752D-4004-A979-9228B3A43E4C}" dt="2025-01-09T09:58:22.082" v="803" actId="1076"/>
+          <ac:spMkLst>
+            <pc:docMk/>
+            <pc:sldMk cId="3403091211" sldId="263"/>
+            <ac:spMk id="184" creationId="{D0DC24EA-819B-15CA-6239-42D87E4B78E8}"/>
+          </ac:spMkLst>
+        </pc:spChg>
+        <pc:spChg chg="add mod">
+          <ac:chgData name="Jinyin Yan" userId="7d7b1cac-fbbc-4678-8cfc-23ca66a374ce" providerId="ADAL" clId="{FF26C555-752D-4004-A979-9228B3A43E4C}" dt="2025-01-09T09:58:24.978" v="804" actId="1076"/>
+          <ac:spMkLst>
+            <pc:docMk/>
+            <pc:sldMk cId="3403091211" sldId="263"/>
+            <ac:spMk id="185" creationId="{E18C5C0C-7141-E3DD-7535-48D064AE7EE0}"/>
+          </ac:spMkLst>
+        </pc:spChg>
+        <pc:spChg chg="add del mod">
+          <ac:chgData name="Jinyin Yan" userId="7d7b1cac-fbbc-4678-8cfc-23ca66a374ce" providerId="ADAL" clId="{FF26C555-752D-4004-A979-9228B3A43E4C}" dt="2025-01-09T09:57:40.384" v="792"/>
+          <ac:spMkLst>
+            <pc:docMk/>
+            <pc:sldMk cId="3403091211" sldId="263"/>
+            <ac:spMk id="186" creationId="{BA69917E-ACEE-8D2B-7187-CF1457330F82}"/>
+          </ac:spMkLst>
+        </pc:spChg>
+        <pc:spChg chg="add mod">
+          <ac:chgData name="Jinyin Yan" userId="7d7b1cac-fbbc-4678-8cfc-23ca66a374ce" providerId="ADAL" clId="{FF26C555-752D-4004-A979-9228B3A43E4C}" dt="2025-01-09T09:58:08.755" v="802" actId="1076"/>
+          <ac:spMkLst>
+            <pc:docMk/>
+            <pc:sldMk cId="3403091211" sldId="263"/>
+            <ac:spMk id="187" creationId="{AFFB24E4-3DF1-6121-EC70-C26EA579D78B}"/>
+          </ac:spMkLst>
+        </pc:spChg>
+        <pc:spChg chg="add del">
+          <ac:chgData name="Jinyin Yan" userId="7d7b1cac-fbbc-4678-8cfc-23ca66a374ce" providerId="ADAL" clId="{FF26C555-752D-4004-A979-9228B3A43E4C}" dt="2025-01-09T10:00:39.932" v="823" actId="478"/>
+          <ac:spMkLst>
+            <pc:docMk/>
+            <pc:sldMk cId="3403091211" sldId="263"/>
+            <ac:spMk id="201" creationId="{4368C150-3CB7-E860-AF16-CF0EED351CE6}"/>
+          </ac:spMkLst>
+        </pc:spChg>
+        <pc:spChg chg="add mod">
+          <ac:chgData name="Jinyin Yan" userId="7d7b1cac-fbbc-4678-8cfc-23ca66a374ce" providerId="ADAL" clId="{FF26C555-752D-4004-A979-9228B3A43E4C}" dt="2025-01-09T10:01:11.391" v="828" actId="13822"/>
+          <ac:spMkLst>
+            <pc:docMk/>
+            <pc:sldMk cId="3403091211" sldId="263"/>
+            <ac:spMk id="202" creationId="{81F3917C-2B3C-930F-434C-629746A93960}"/>
+          </ac:spMkLst>
+        </pc:spChg>
+        <pc:grpChg chg="mod">
+          <ac:chgData name="Jinyin Yan" userId="7d7b1cac-fbbc-4678-8cfc-23ca66a374ce" providerId="ADAL" clId="{FF26C555-752D-4004-A979-9228B3A43E4C}" dt="2025-01-09T09:40:22.882" v="704" actId="1076"/>
+          <ac:grpSpMkLst>
+            <pc:docMk/>
+            <pc:sldMk cId="3403091211" sldId="263"/>
+            <ac:grpSpMk id="4" creationId="{9932FC9D-75FC-1875-06A3-B096BD12033F}"/>
+          </ac:grpSpMkLst>
+        </pc:grpChg>
+        <pc:grpChg chg="mod">
+          <ac:chgData name="Jinyin Yan" userId="7d7b1cac-fbbc-4678-8cfc-23ca66a374ce" providerId="ADAL" clId="{FF26C555-752D-4004-A979-9228B3A43E4C}" dt="2025-01-09T09:40:22.882" v="704" actId="1076"/>
+          <ac:grpSpMkLst>
+            <pc:docMk/>
+            <pc:sldMk cId="3403091211" sldId="263"/>
+            <ac:grpSpMk id="14" creationId="{CB674F9D-7072-2B7F-83D8-F6024A3D8848}"/>
+          </ac:grpSpMkLst>
+        </pc:grpChg>
+        <pc:grpChg chg="add mod">
+          <ac:chgData name="Jinyin Yan" userId="7d7b1cac-fbbc-4678-8cfc-23ca66a374ce" providerId="ADAL" clId="{FF26C555-752D-4004-A979-9228B3A43E4C}" dt="2025-01-09T09:41:59.834" v="725" actId="1076"/>
+          <ac:grpSpMkLst>
+            <pc:docMk/>
+            <pc:sldMk cId="3403091211" sldId="263"/>
+            <ac:grpSpMk id="44" creationId="{4612748E-1106-0F2B-FB8E-18A63A91641B}"/>
+          </ac:grpSpMkLst>
+        </pc:grpChg>
+        <pc:grpChg chg="mod">
+          <ac:chgData name="Jinyin Yan" userId="7d7b1cac-fbbc-4678-8cfc-23ca66a374ce" providerId="ADAL" clId="{FF26C555-752D-4004-A979-9228B3A43E4C}" dt="2025-01-09T09:39:52.298" v="699"/>
+          <ac:grpSpMkLst>
+            <pc:docMk/>
+            <pc:sldMk cId="3403091211" sldId="263"/>
+            <ac:grpSpMk id="45" creationId="{76F6DA49-D526-F851-6DF8-13EB6DAC629D}"/>
+          </ac:grpSpMkLst>
+        </pc:grpChg>
+        <pc:grpChg chg="add mod">
+          <ac:chgData name="Jinyin Yan" userId="7d7b1cac-fbbc-4678-8cfc-23ca66a374ce" providerId="ADAL" clId="{FF26C555-752D-4004-A979-9228B3A43E4C}" dt="2025-01-09T09:44:18.029" v="745" actId="1076"/>
+          <ac:grpSpMkLst>
+            <pc:docMk/>
+            <pc:sldMk cId="3403091211" sldId="263"/>
+            <ac:grpSpMk id="105" creationId="{1381E233-5A31-08B4-58E3-9C850A26D6E4}"/>
+          </ac:grpSpMkLst>
+        </pc:grpChg>
+        <pc:grpChg chg="mod">
+          <ac:chgData name="Jinyin Yan" userId="7d7b1cac-fbbc-4678-8cfc-23ca66a374ce" providerId="ADAL" clId="{FF26C555-752D-4004-A979-9228B3A43E4C}" dt="2025-01-09T09:40:01.610" v="701"/>
+          <ac:grpSpMkLst>
+            <pc:docMk/>
+            <pc:sldMk cId="3403091211" sldId="263"/>
+            <ac:grpSpMk id="108" creationId="{0BC269F0-357A-E9CE-EF07-C000C8CD3715}"/>
+          </ac:grpSpMkLst>
+        </pc:grpChg>
+        <pc:cxnChg chg="del">
+          <ac:chgData name="Jinyin Yan" userId="7d7b1cac-fbbc-4678-8cfc-23ca66a374ce" providerId="ADAL" clId="{FF26C555-752D-4004-A979-9228B3A43E4C}" dt="2025-01-09T09:39:05.699" v="687" actId="478"/>
+          <ac:cxnSpMkLst>
+            <pc:docMk/>
+            <pc:sldMk cId="3403091211" sldId="263"/>
+            <ac:cxnSpMk id="3" creationId="{44893E58-88D6-0D3A-5776-1B998431D6AD}"/>
+          </ac:cxnSpMkLst>
+        </pc:cxnChg>
+        <pc:cxnChg chg="mod">
+          <ac:chgData name="Jinyin Yan" userId="7d7b1cac-fbbc-4678-8cfc-23ca66a374ce" providerId="ADAL" clId="{FF26C555-752D-4004-A979-9228B3A43E4C}" dt="2025-01-09T09:40:22.882" v="704" actId="1076"/>
+          <ac:cxnSpMkLst>
+            <pc:docMk/>
+            <pc:sldMk cId="3403091211" sldId="263"/>
+            <ac:cxnSpMk id="26" creationId="{6235CFAE-44D4-4BF1-9429-D13337DFC809}"/>
+          </ac:cxnSpMkLst>
+        </pc:cxnChg>
+        <pc:cxnChg chg="del">
+          <ac:chgData name="Jinyin Yan" userId="7d7b1cac-fbbc-4678-8cfc-23ca66a374ce" providerId="ADAL" clId="{FF26C555-752D-4004-A979-9228B3A43E4C}" dt="2025-01-09T09:38:46.161" v="682" actId="478"/>
+          <ac:cxnSpMkLst>
+            <pc:docMk/>
+            <pc:sldMk cId="3403091211" sldId="263"/>
+            <ac:cxnSpMk id="28" creationId="{B8C32F2E-F9F7-CB06-CD91-35FBEC20D8D6}"/>
+          </ac:cxnSpMkLst>
+        </pc:cxnChg>
+        <pc:cxnChg chg="mod">
+          <ac:chgData name="Jinyin Yan" userId="7d7b1cac-fbbc-4678-8cfc-23ca66a374ce" providerId="ADAL" clId="{FF26C555-752D-4004-A979-9228B3A43E4C}" dt="2025-01-09T09:40:22.882" v="704" actId="1076"/>
+          <ac:cxnSpMkLst>
+            <pc:docMk/>
+            <pc:sldMk cId="3403091211" sldId="263"/>
+            <ac:cxnSpMk id="29" creationId="{5590D4C5-44AA-4A7F-3DA7-BB14249B9D23}"/>
+          </ac:cxnSpMkLst>
+        </pc:cxnChg>
+        <pc:cxnChg chg="mod">
+          <ac:chgData name="Jinyin Yan" userId="7d7b1cac-fbbc-4678-8cfc-23ca66a374ce" providerId="ADAL" clId="{FF26C555-752D-4004-A979-9228B3A43E4C}" dt="2025-01-09T09:40:22.882" v="704" actId="1076"/>
+          <ac:cxnSpMkLst>
+            <pc:docMk/>
+            <pc:sldMk cId="3403091211" sldId="263"/>
+            <ac:cxnSpMk id="31" creationId="{BBA72449-1785-948D-1798-B91277B8907B}"/>
+          </ac:cxnSpMkLst>
+        </pc:cxnChg>
+        <pc:cxnChg chg="del">
+          <ac:chgData name="Jinyin Yan" userId="7d7b1cac-fbbc-4678-8cfc-23ca66a374ce" providerId="ADAL" clId="{FF26C555-752D-4004-A979-9228B3A43E4C}" dt="2025-01-09T09:38:46.161" v="682" actId="478"/>
+          <ac:cxnSpMkLst>
+            <pc:docMk/>
+            <pc:sldMk cId="3403091211" sldId="263"/>
+            <ac:cxnSpMk id="32" creationId="{61FBE97B-EA51-2892-4503-87F50D19BA3C}"/>
+          </ac:cxnSpMkLst>
+        </pc:cxnChg>
+        <pc:cxnChg chg="mod">
+          <ac:chgData name="Jinyin Yan" userId="7d7b1cac-fbbc-4678-8cfc-23ca66a374ce" providerId="ADAL" clId="{FF26C555-752D-4004-A979-9228B3A43E4C}" dt="2025-01-09T09:40:22.882" v="704" actId="1076"/>
+          <ac:cxnSpMkLst>
+            <pc:docMk/>
+            <pc:sldMk cId="3403091211" sldId="263"/>
+            <ac:cxnSpMk id="33" creationId="{C3BA80C1-E4B4-9848-A9FB-3512FDE533F1}"/>
+          </ac:cxnSpMkLst>
+        </pc:cxnChg>
+        <pc:cxnChg chg="del">
+          <ac:chgData name="Jinyin Yan" userId="7d7b1cac-fbbc-4678-8cfc-23ca66a374ce" providerId="ADAL" clId="{FF26C555-752D-4004-A979-9228B3A43E4C}" dt="2025-01-09T09:38:46.161" v="682" actId="478"/>
+          <ac:cxnSpMkLst>
+            <pc:docMk/>
+            <pc:sldMk cId="3403091211" sldId="263"/>
+            <ac:cxnSpMk id="34" creationId="{D03BF38E-B916-7C03-358A-1F99A6A35958}"/>
+          </ac:cxnSpMkLst>
+        </pc:cxnChg>
+        <pc:cxnChg chg="del">
+          <ac:chgData name="Jinyin Yan" userId="7d7b1cac-fbbc-4678-8cfc-23ca66a374ce" providerId="ADAL" clId="{FF26C555-752D-4004-A979-9228B3A43E4C}" dt="2025-01-09T09:39:07.029" v="688" actId="478"/>
+          <ac:cxnSpMkLst>
+            <pc:docMk/>
+            <pc:sldMk cId="3403091211" sldId="263"/>
+            <ac:cxnSpMk id="35" creationId="{AC46FF68-DB59-0B61-CD3C-23A717A7EF4A}"/>
+          </ac:cxnSpMkLst>
+        </pc:cxnChg>
+        <pc:cxnChg chg="mod">
+          <ac:chgData name="Jinyin Yan" userId="7d7b1cac-fbbc-4678-8cfc-23ca66a374ce" providerId="ADAL" clId="{FF26C555-752D-4004-A979-9228B3A43E4C}" dt="2025-01-09T09:40:22.882" v="704" actId="1076"/>
+          <ac:cxnSpMkLst>
+            <pc:docMk/>
+            <pc:sldMk cId="3403091211" sldId="263"/>
+            <ac:cxnSpMk id="37" creationId="{AA27D928-D061-B5BF-EE07-51EE8CF06957}"/>
+          </ac:cxnSpMkLst>
+        </pc:cxnChg>
+        <pc:cxnChg chg="del">
+          <ac:chgData name="Jinyin Yan" userId="7d7b1cac-fbbc-4678-8cfc-23ca66a374ce" providerId="ADAL" clId="{FF26C555-752D-4004-A979-9228B3A43E4C}" dt="2025-01-09T09:38:46.161" v="682" actId="478"/>
+          <ac:cxnSpMkLst>
+            <pc:docMk/>
+            <pc:sldMk cId="3403091211" sldId="263"/>
+            <ac:cxnSpMk id="38" creationId="{A36ECAE2-D2D1-387D-CFF1-94C7780FC44C}"/>
+          </ac:cxnSpMkLst>
+        </pc:cxnChg>
+        <pc:cxnChg chg="del">
+          <ac:chgData name="Jinyin Yan" userId="7d7b1cac-fbbc-4678-8cfc-23ca66a374ce" providerId="ADAL" clId="{FF26C555-752D-4004-A979-9228B3A43E4C}" dt="2025-01-09T09:38:46.161" v="682" actId="478"/>
+          <ac:cxnSpMkLst>
+            <pc:docMk/>
+            <pc:sldMk cId="3403091211" sldId="263"/>
+            <ac:cxnSpMk id="39" creationId="{B4FD76C3-C8CA-216C-7191-33B9AF9AC01A}"/>
+          </ac:cxnSpMkLst>
+        </pc:cxnChg>
+        <pc:cxnChg chg="del">
+          <ac:chgData name="Jinyin Yan" userId="7d7b1cac-fbbc-4678-8cfc-23ca66a374ce" providerId="ADAL" clId="{FF26C555-752D-4004-A979-9228B3A43E4C}" dt="2025-01-09T09:38:46.161" v="682" actId="478"/>
+          <ac:cxnSpMkLst>
+            <pc:docMk/>
+            <pc:sldMk cId="3403091211" sldId="263"/>
+            <ac:cxnSpMk id="40" creationId="{87D25CDA-5A5B-459F-D4F7-01535C1DDAD6}"/>
+          </ac:cxnSpMkLst>
+        </pc:cxnChg>
+        <pc:cxnChg chg="del mod">
+          <ac:chgData name="Jinyin Yan" userId="7d7b1cac-fbbc-4678-8cfc-23ca66a374ce" providerId="ADAL" clId="{FF26C555-752D-4004-A979-9228B3A43E4C}" dt="2025-01-09T09:40:35.586" v="707" actId="478"/>
+          <ac:cxnSpMkLst>
+            <pc:docMk/>
+            <pc:sldMk cId="3403091211" sldId="263"/>
+            <ac:cxnSpMk id="43" creationId="{4D1E9924-5B82-6EA5-689D-E764321F88A6}"/>
+          </ac:cxnSpMkLst>
+        </pc:cxnChg>
+        <pc:cxnChg chg="del">
+          <ac:chgData name="Jinyin Yan" userId="7d7b1cac-fbbc-4678-8cfc-23ca66a374ce" providerId="ADAL" clId="{FF26C555-752D-4004-A979-9228B3A43E4C}" dt="2025-01-09T09:38:46.161" v="682" actId="478"/>
+          <ac:cxnSpMkLst>
+            <pc:docMk/>
+            <pc:sldMk cId="3403091211" sldId="263"/>
+            <ac:cxnSpMk id="49" creationId="{A5797B61-F90A-EF63-7539-83BDF13B1294}"/>
+          </ac:cxnSpMkLst>
+        </pc:cxnChg>
+        <pc:cxnChg chg="del">
+          <ac:chgData name="Jinyin Yan" userId="7d7b1cac-fbbc-4678-8cfc-23ca66a374ce" providerId="ADAL" clId="{FF26C555-752D-4004-A979-9228B3A43E4C}" dt="2025-01-09T09:38:46.161" v="682" actId="478"/>
+          <ac:cxnSpMkLst>
+            <pc:docMk/>
+            <pc:sldMk cId="3403091211" sldId="263"/>
+            <ac:cxnSpMk id="50" creationId="{7252838D-213D-1769-F1E5-8DAAB1A69DB1}"/>
+          </ac:cxnSpMkLst>
+        </pc:cxnChg>
+        <pc:cxnChg chg="del">
+          <ac:chgData name="Jinyin Yan" userId="7d7b1cac-fbbc-4678-8cfc-23ca66a374ce" providerId="ADAL" clId="{FF26C555-752D-4004-A979-9228B3A43E4C}" dt="2025-01-09T09:38:46.161" v="682" actId="478"/>
+          <ac:cxnSpMkLst>
+            <pc:docMk/>
+            <pc:sldMk cId="3403091211" sldId="263"/>
+            <ac:cxnSpMk id="51" creationId="{FE2EB4E9-6437-D1EC-AFFE-CE04438D7C2D}"/>
+          </ac:cxnSpMkLst>
+        </pc:cxnChg>
+        <pc:cxnChg chg="del">
+          <ac:chgData name="Jinyin Yan" userId="7d7b1cac-fbbc-4678-8cfc-23ca66a374ce" providerId="ADAL" clId="{FF26C555-752D-4004-A979-9228B3A43E4C}" dt="2025-01-09T09:38:46.161" v="682" actId="478"/>
+          <ac:cxnSpMkLst>
+            <pc:docMk/>
+            <pc:sldMk cId="3403091211" sldId="263"/>
+            <ac:cxnSpMk id="52" creationId="{2EEA66D5-ACFF-EBEE-4012-F5AD7E7F146E}"/>
+          </ac:cxnSpMkLst>
+        </pc:cxnChg>
+        <pc:cxnChg chg="del">
+          <ac:chgData name="Jinyin Yan" userId="7d7b1cac-fbbc-4678-8cfc-23ca66a374ce" providerId="ADAL" clId="{FF26C555-752D-4004-A979-9228B3A43E4C}" dt="2025-01-09T09:38:46.161" v="682" actId="478"/>
+          <ac:cxnSpMkLst>
+            <pc:docMk/>
+            <pc:sldMk cId="3403091211" sldId="263"/>
+            <ac:cxnSpMk id="53" creationId="{5C10C143-E7A0-F80B-557E-EA2A2B26DE0F}"/>
+          </ac:cxnSpMkLst>
+        </pc:cxnChg>
+        <pc:cxnChg chg="del">
+          <ac:chgData name="Jinyin Yan" userId="7d7b1cac-fbbc-4678-8cfc-23ca66a374ce" providerId="ADAL" clId="{FF26C555-752D-4004-A979-9228B3A43E4C}" dt="2025-01-09T09:38:46.161" v="682" actId="478"/>
+          <ac:cxnSpMkLst>
+            <pc:docMk/>
+            <pc:sldMk cId="3403091211" sldId="263"/>
+            <ac:cxnSpMk id="54" creationId="{7D2DB500-38E3-13F8-B81B-8CA82453F70C}"/>
+          </ac:cxnSpMkLst>
+        </pc:cxnChg>
+        <pc:cxnChg chg="del">
+          <ac:chgData name="Jinyin Yan" userId="7d7b1cac-fbbc-4678-8cfc-23ca66a374ce" providerId="ADAL" clId="{FF26C555-752D-4004-A979-9228B3A43E4C}" dt="2025-01-09T09:38:46.161" v="682" actId="478"/>
+          <ac:cxnSpMkLst>
+            <pc:docMk/>
+            <pc:sldMk cId="3403091211" sldId="263"/>
+            <ac:cxnSpMk id="55" creationId="{CE823D85-0968-D055-C597-70D1E7FDA856}"/>
+          </ac:cxnSpMkLst>
+        </pc:cxnChg>
+        <pc:cxnChg chg="del">
+          <ac:chgData name="Jinyin Yan" userId="7d7b1cac-fbbc-4678-8cfc-23ca66a374ce" providerId="ADAL" clId="{FF26C555-752D-4004-A979-9228B3A43E4C}" dt="2025-01-09T09:38:46.161" v="682" actId="478"/>
+          <ac:cxnSpMkLst>
+            <pc:docMk/>
+            <pc:sldMk cId="3403091211" sldId="263"/>
+            <ac:cxnSpMk id="56" creationId="{CA257237-3AFF-B08E-22DC-229E8FDE5890}"/>
+          </ac:cxnSpMkLst>
+        </pc:cxnChg>
+        <pc:cxnChg chg="del">
+          <ac:chgData name="Jinyin Yan" userId="7d7b1cac-fbbc-4678-8cfc-23ca66a374ce" providerId="ADAL" clId="{FF26C555-752D-4004-A979-9228B3A43E4C}" dt="2025-01-09T09:38:46.161" v="682" actId="478"/>
+          <ac:cxnSpMkLst>
+            <pc:docMk/>
+            <pc:sldMk cId="3403091211" sldId="263"/>
+            <ac:cxnSpMk id="57" creationId="{8D0214CD-2668-00A8-7E56-0A918F91A31B}"/>
+          </ac:cxnSpMkLst>
+        </pc:cxnChg>
+        <pc:cxnChg chg="del">
+          <ac:chgData name="Jinyin Yan" userId="7d7b1cac-fbbc-4678-8cfc-23ca66a374ce" providerId="ADAL" clId="{FF26C555-752D-4004-A979-9228B3A43E4C}" dt="2025-01-09T09:38:46.161" v="682" actId="478"/>
+          <ac:cxnSpMkLst>
+            <pc:docMk/>
+            <pc:sldMk cId="3403091211" sldId="263"/>
+            <ac:cxnSpMk id="58" creationId="{6D2E4ABA-DA63-0026-AC42-EE93DB2CF64C}"/>
+          </ac:cxnSpMkLst>
+        </pc:cxnChg>
+        <pc:cxnChg chg="del">
+          <ac:chgData name="Jinyin Yan" userId="7d7b1cac-fbbc-4678-8cfc-23ca66a374ce" providerId="ADAL" clId="{FF26C555-752D-4004-A979-9228B3A43E4C}" dt="2025-01-09T09:38:46.161" v="682" actId="478"/>
+          <ac:cxnSpMkLst>
+            <pc:docMk/>
+            <pc:sldMk cId="3403091211" sldId="263"/>
+            <ac:cxnSpMk id="59" creationId="{446AE911-FBE4-58BD-304F-9743C515CDC0}"/>
+          </ac:cxnSpMkLst>
+        </pc:cxnChg>
+        <pc:cxnChg chg="del">
+          <ac:chgData name="Jinyin Yan" userId="7d7b1cac-fbbc-4678-8cfc-23ca66a374ce" providerId="ADAL" clId="{FF26C555-752D-4004-A979-9228B3A43E4C}" dt="2025-01-09T09:38:46.161" v="682" actId="478"/>
+          <ac:cxnSpMkLst>
+            <pc:docMk/>
+            <pc:sldMk cId="3403091211" sldId="263"/>
+            <ac:cxnSpMk id="60" creationId="{058F70ED-44C1-0A96-8C74-EE10CEC8A2D9}"/>
+          </ac:cxnSpMkLst>
+        </pc:cxnChg>
+        <pc:cxnChg chg="del">
+          <ac:chgData name="Jinyin Yan" userId="7d7b1cac-fbbc-4678-8cfc-23ca66a374ce" providerId="ADAL" clId="{FF26C555-752D-4004-A979-9228B3A43E4C}" dt="2025-01-09T09:38:46.161" v="682" actId="478"/>
+          <ac:cxnSpMkLst>
+            <pc:docMk/>
+            <pc:sldMk cId="3403091211" sldId="263"/>
+            <ac:cxnSpMk id="61" creationId="{B20957A1-BB83-4A0D-7A2F-B60DA4BD0405}"/>
+          </ac:cxnSpMkLst>
+        </pc:cxnChg>
+        <pc:cxnChg chg="del">
+          <ac:chgData name="Jinyin Yan" userId="7d7b1cac-fbbc-4678-8cfc-23ca66a374ce" providerId="ADAL" clId="{FF26C555-752D-4004-A979-9228B3A43E4C}" dt="2025-01-09T09:38:46.161" v="682" actId="478"/>
+          <ac:cxnSpMkLst>
+            <pc:docMk/>
+            <pc:sldMk cId="3403091211" sldId="263"/>
+            <ac:cxnSpMk id="62" creationId="{FDB4DAD7-174F-956A-35F7-D0FA35056723}"/>
+          </ac:cxnSpMkLst>
+        </pc:cxnChg>
+        <pc:cxnChg chg="del">
+          <ac:chgData name="Jinyin Yan" userId="7d7b1cac-fbbc-4678-8cfc-23ca66a374ce" providerId="ADAL" clId="{FF26C555-752D-4004-A979-9228B3A43E4C}" dt="2025-01-09T09:38:46.161" v="682" actId="478"/>
+          <ac:cxnSpMkLst>
+            <pc:docMk/>
+            <pc:sldMk cId="3403091211" sldId="263"/>
+            <ac:cxnSpMk id="63" creationId="{BDD9AFEE-50DC-BB1E-CF2C-5367405EDCE1}"/>
+          </ac:cxnSpMkLst>
+        </pc:cxnChg>
+        <pc:cxnChg chg="mod">
+          <ac:chgData name="Jinyin Yan" userId="7d7b1cac-fbbc-4678-8cfc-23ca66a374ce" providerId="ADAL" clId="{FF26C555-752D-4004-A979-9228B3A43E4C}" dt="2025-01-09T09:39:52.298" v="699"/>
+          <ac:cxnSpMkLst>
+            <pc:docMk/>
+            <pc:sldMk cId="3403091211" sldId="263"/>
+            <ac:cxnSpMk id="64" creationId="{1B50D4A6-DEB3-4D50-ED85-39AEC1467007}"/>
+          </ac:cxnSpMkLst>
+        </pc:cxnChg>
+        <pc:cxnChg chg="mod">
+          <ac:chgData name="Jinyin Yan" userId="7d7b1cac-fbbc-4678-8cfc-23ca66a374ce" providerId="ADAL" clId="{FF26C555-752D-4004-A979-9228B3A43E4C}" dt="2025-01-09T09:39:52.298" v="699"/>
+          <ac:cxnSpMkLst>
+            <pc:docMk/>
+            <pc:sldMk cId="3403091211" sldId="263"/>
+            <ac:cxnSpMk id="65" creationId="{D1D3C80B-A6D0-3785-233F-23E7E97207D0}"/>
+          </ac:cxnSpMkLst>
+        </pc:cxnChg>
+        <pc:cxnChg chg="del">
+          <ac:chgData name="Jinyin Yan" userId="7d7b1cac-fbbc-4678-8cfc-23ca66a374ce" providerId="ADAL" clId="{FF26C555-752D-4004-A979-9228B3A43E4C}" dt="2025-01-09T09:38:46.161" v="682" actId="478"/>
+          <ac:cxnSpMkLst>
+            <pc:docMk/>
+            <pc:sldMk cId="3403091211" sldId="263"/>
+            <ac:cxnSpMk id="69" creationId="{3D34C080-8F17-7AFA-A748-2D9FF290617F}"/>
+          </ac:cxnSpMkLst>
+        </pc:cxnChg>
+        <pc:cxnChg chg="del">
+          <ac:chgData name="Jinyin Yan" userId="7d7b1cac-fbbc-4678-8cfc-23ca66a374ce" providerId="ADAL" clId="{FF26C555-752D-4004-A979-9228B3A43E4C}" dt="2025-01-09T09:38:46.161" v="682" actId="478"/>
+          <ac:cxnSpMkLst>
+            <pc:docMk/>
+            <pc:sldMk cId="3403091211" sldId="263"/>
+            <ac:cxnSpMk id="70" creationId="{B4DDED07-9479-0437-274F-F3ED2C76F263}"/>
+          </ac:cxnSpMkLst>
+        </pc:cxnChg>
+        <pc:cxnChg chg="del">
+          <ac:chgData name="Jinyin Yan" userId="7d7b1cac-fbbc-4678-8cfc-23ca66a374ce" providerId="ADAL" clId="{FF26C555-752D-4004-A979-9228B3A43E4C}" dt="2025-01-09T09:38:46.161" v="682" actId="478"/>
+          <ac:cxnSpMkLst>
+            <pc:docMk/>
+            <pc:sldMk cId="3403091211" sldId="263"/>
+            <ac:cxnSpMk id="71" creationId="{3C9FC58E-4565-1A96-2F51-DA17EE665108}"/>
+          </ac:cxnSpMkLst>
+        </pc:cxnChg>
+        <pc:cxnChg chg="del">
+          <ac:chgData name="Jinyin Yan" userId="7d7b1cac-fbbc-4678-8cfc-23ca66a374ce" providerId="ADAL" clId="{FF26C555-752D-4004-A979-9228B3A43E4C}" dt="2025-01-09T09:38:46.161" v="682" actId="478"/>
+          <ac:cxnSpMkLst>
+            <pc:docMk/>
+            <pc:sldMk cId="3403091211" sldId="263"/>
+            <ac:cxnSpMk id="72" creationId="{36F46AD3-823A-0012-135C-12ADB5811014}"/>
+          </ac:cxnSpMkLst>
+        </pc:cxnChg>
+        <pc:cxnChg chg="del">
+          <ac:chgData name="Jinyin Yan" userId="7d7b1cac-fbbc-4678-8cfc-23ca66a374ce" providerId="ADAL" clId="{FF26C555-752D-4004-A979-9228B3A43E4C}" dt="2025-01-09T09:38:46.161" v="682" actId="478"/>
+          <ac:cxnSpMkLst>
+            <pc:docMk/>
+            <pc:sldMk cId="3403091211" sldId="263"/>
+            <ac:cxnSpMk id="73" creationId="{1E561F2A-BBCB-1D71-742A-694504A4DAD4}"/>
+          </ac:cxnSpMkLst>
+        </pc:cxnChg>
+        <pc:cxnChg chg="del">
+          <ac:chgData name="Jinyin Yan" userId="7d7b1cac-fbbc-4678-8cfc-23ca66a374ce" providerId="ADAL" clId="{FF26C555-752D-4004-A979-9228B3A43E4C}" dt="2025-01-09T09:38:46.161" v="682" actId="478"/>
+          <ac:cxnSpMkLst>
+            <pc:docMk/>
+            <pc:sldMk cId="3403091211" sldId="263"/>
+            <ac:cxnSpMk id="74" creationId="{728C7E35-0A58-ED1C-614E-7BD437951A04}"/>
+          </ac:cxnSpMkLst>
+        </pc:cxnChg>
+        <pc:cxnChg chg="del">
+          <ac:chgData name="Jinyin Yan" userId="7d7b1cac-fbbc-4678-8cfc-23ca66a374ce" providerId="ADAL" clId="{FF26C555-752D-4004-A979-9228B3A43E4C}" dt="2025-01-09T09:38:46.161" v="682" actId="478"/>
+          <ac:cxnSpMkLst>
+            <pc:docMk/>
+            <pc:sldMk cId="3403091211" sldId="263"/>
+            <ac:cxnSpMk id="75" creationId="{44817833-FA2F-661F-399C-74D6C6F5B785}"/>
+          </ac:cxnSpMkLst>
+        </pc:cxnChg>
+        <pc:cxnChg chg="del">
+          <ac:chgData name="Jinyin Yan" userId="7d7b1cac-fbbc-4678-8cfc-23ca66a374ce" providerId="ADAL" clId="{FF26C555-752D-4004-A979-9228B3A43E4C}" dt="2025-01-09T09:38:46.161" v="682" actId="478"/>
+          <ac:cxnSpMkLst>
+            <pc:docMk/>
+            <pc:sldMk cId="3403091211" sldId="263"/>
+            <ac:cxnSpMk id="76" creationId="{8F8CCFA9-45B4-3005-B755-D1B163FC70B6}"/>
+          </ac:cxnSpMkLst>
+        </pc:cxnChg>
+        <pc:cxnChg chg="del">
+          <ac:chgData name="Jinyin Yan" userId="7d7b1cac-fbbc-4678-8cfc-23ca66a374ce" providerId="ADAL" clId="{FF26C555-752D-4004-A979-9228B3A43E4C}" dt="2025-01-09T09:38:46.161" v="682" actId="478"/>
+          <ac:cxnSpMkLst>
+            <pc:docMk/>
+            <pc:sldMk cId="3403091211" sldId="263"/>
+            <ac:cxnSpMk id="77" creationId="{0E44333D-AF61-134B-3640-2A0D78DB84FB}"/>
+          </ac:cxnSpMkLst>
+        </pc:cxnChg>
+        <pc:cxnChg chg="mod">
+          <ac:chgData name="Jinyin Yan" userId="7d7b1cac-fbbc-4678-8cfc-23ca66a374ce" providerId="ADAL" clId="{FF26C555-752D-4004-A979-9228B3A43E4C}" dt="2025-01-09T09:39:52.298" v="699"/>
+          <ac:cxnSpMkLst>
+            <pc:docMk/>
+            <pc:sldMk cId="3403091211" sldId="263"/>
+            <ac:cxnSpMk id="78" creationId="{6A737B39-728C-F305-70DA-EE7EC6269F5E}"/>
+          </ac:cxnSpMkLst>
+        </pc:cxnChg>
+        <pc:cxnChg chg="del">
+          <ac:chgData name="Jinyin Yan" userId="7d7b1cac-fbbc-4678-8cfc-23ca66a374ce" providerId="ADAL" clId="{FF26C555-752D-4004-A979-9228B3A43E4C}" dt="2025-01-09T09:39:01.354" v="683" actId="478"/>
+          <ac:cxnSpMkLst>
+            <pc:docMk/>
+            <pc:sldMk cId="3403091211" sldId="263"/>
+            <ac:cxnSpMk id="79" creationId="{3F4A9EE6-D28B-4618-EA71-96111DF18E15}"/>
+          </ac:cxnSpMkLst>
+        </pc:cxnChg>
+        <pc:cxnChg chg="del">
+          <ac:chgData name="Jinyin Yan" userId="7d7b1cac-fbbc-4678-8cfc-23ca66a374ce" providerId="ADAL" clId="{FF26C555-752D-4004-A979-9228B3A43E4C}" dt="2025-01-09T09:38:46.161" v="682" actId="478"/>
+          <ac:cxnSpMkLst>
+            <pc:docMk/>
+            <pc:sldMk cId="3403091211" sldId="263"/>
+            <ac:cxnSpMk id="80" creationId="{2C2BE351-2610-2D73-0C19-27610C80C384}"/>
+          </ac:cxnSpMkLst>
+        </pc:cxnChg>
+        <pc:cxnChg chg="del">
+          <ac:chgData name="Jinyin Yan" userId="7d7b1cac-fbbc-4678-8cfc-23ca66a374ce" providerId="ADAL" clId="{FF26C555-752D-4004-A979-9228B3A43E4C}" dt="2025-01-09T09:38:46.161" v="682" actId="478"/>
+          <ac:cxnSpMkLst>
+            <pc:docMk/>
+            <pc:sldMk cId="3403091211" sldId="263"/>
+            <ac:cxnSpMk id="82" creationId="{40179E2F-F9F8-1587-1650-E76B0163D1B0}"/>
+          </ac:cxnSpMkLst>
+        </pc:cxnChg>
+        <pc:cxnChg chg="del">
+          <ac:chgData name="Jinyin Yan" userId="7d7b1cac-fbbc-4678-8cfc-23ca66a374ce" providerId="ADAL" clId="{FF26C555-752D-4004-A979-9228B3A43E4C}" dt="2025-01-09T09:38:46.161" v="682" actId="478"/>
+          <ac:cxnSpMkLst>
+            <pc:docMk/>
+            <pc:sldMk cId="3403091211" sldId="263"/>
+            <ac:cxnSpMk id="83" creationId="{C8C1A9F8-6F11-08CC-7293-40B29F0824B5}"/>
+          </ac:cxnSpMkLst>
+        </pc:cxnChg>
+        <pc:cxnChg chg="del">
+          <ac:chgData name="Jinyin Yan" userId="7d7b1cac-fbbc-4678-8cfc-23ca66a374ce" providerId="ADAL" clId="{FF26C555-752D-4004-A979-9228B3A43E4C}" dt="2025-01-09T09:38:46.161" v="682" actId="478"/>
+          <ac:cxnSpMkLst>
+            <pc:docMk/>
+            <pc:sldMk cId="3403091211" sldId="263"/>
+            <ac:cxnSpMk id="85" creationId="{4FC10080-C8DD-2B03-BFF3-B2FDCDAA8E10}"/>
+          </ac:cxnSpMkLst>
+        </pc:cxnChg>
+        <pc:cxnChg chg="del">
+          <ac:chgData name="Jinyin Yan" userId="7d7b1cac-fbbc-4678-8cfc-23ca66a374ce" providerId="ADAL" clId="{FF26C555-752D-4004-A979-9228B3A43E4C}" dt="2025-01-09T09:38:46.161" v="682" actId="478"/>
+          <ac:cxnSpMkLst>
+            <pc:docMk/>
+            <pc:sldMk cId="3403091211" sldId="263"/>
+            <ac:cxnSpMk id="86" creationId="{8877AE9E-A794-C137-D62A-FD22665B40BD}"/>
+          </ac:cxnSpMkLst>
+        </pc:cxnChg>
+        <pc:cxnChg chg="del">
+          <ac:chgData name="Jinyin Yan" userId="7d7b1cac-fbbc-4678-8cfc-23ca66a374ce" providerId="ADAL" clId="{FF26C555-752D-4004-A979-9228B3A43E4C}" dt="2025-01-09T09:38:46.161" v="682" actId="478"/>
+          <ac:cxnSpMkLst>
+            <pc:docMk/>
+            <pc:sldMk cId="3403091211" sldId="263"/>
+            <ac:cxnSpMk id="87" creationId="{91E0A760-39D8-8B39-F906-3B3AD680DB74}"/>
+          </ac:cxnSpMkLst>
+        </pc:cxnChg>
+        <pc:cxnChg chg="del">
+          <ac:chgData name="Jinyin Yan" userId="7d7b1cac-fbbc-4678-8cfc-23ca66a374ce" providerId="ADAL" clId="{FF26C555-752D-4004-A979-9228B3A43E4C}" dt="2025-01-09T09:38:46.161" v="682" actId="478"/>
+          <ac:cxnSpMkLst>
+            <pc:docMk/>
+            <pc:sldMk cId="3403091211" sldId="263"/>
+            <ac:cxnSpMk id="88" creationId="{70B9C846-3F8A-36BA-BEE6-232B070F0A31}"/>
+          </ac:cxnSpMkLst>
+        </pc:cxnChg>
+        <pc:cxnChg chg="del">
+          <ac:chgData name="Jinyin Yan" userId="7d7b1cac-fbbc-4678-8cfc-23ca66a374ce" providerId="ADAL" clId="{FF26C555-752D-4004-A979-9228B3A43E4C}" dt="2025-01-09T09:38:46.161" v="682" actId="478"/>
+          <ac:cxnSpMkLst>
+            <pc:docMk/>
+            <pc:sldMk cId="3403091211" sldId="263"/>
+            <ac:cxnSpMk id="89" creationId="{9B7578C6-9941-1C85-2237-6BC302D10103}"/>
+          </ac:cxnSpMkLst>
+        </pc:cxnChg>
+        <pc:cxnChg chg="del">
+          <ac:chgData name="Jinyin Yan" userId="7d7b1cac-fbbc-4678-8cfc-23ca66a374ce" providerId="ADAL" clId="{FF26C555-752D-4004-A979-9228B3A43E4C}" dt="2025-01-09T09:38:46.161" v="682" actId="478"/>
+          <ac:cxnSpMkLst>
+            <pc:docMk/>
+            <pc:sldMk cId="3403091211" sldId="263"/>
+            <ac:cxnSpMk id="90" creationId="{E7FE1ABA-4A2C-32CB-9B27-13E67CE4AC03}"/>
+          </ac:cxnSpMkLst>
+        </pc:cxnChg>
+        <pc:cxnChg chg="del">
+          <ac:chgData name="Jinyin Yan" userId="7d7b1cac-fbbc-4678-8cfc-23ca66a374ce" providerId="ADAL" clId="{FF26C555-752D-4004-A979-9228B3A43E4C}" dt="2025-01-09T09:38:46.161" v="682" actId="478"/>
+          <ac:cxnSpMkLst>
+            <pc:docMk/>
+            <pc:sldMk cId="3403091211" sldId="263"/>
+            <ac:cxnSpMk id="91" creationId="{FF3CEE37-EF64-66AC-5F3C-8A9CC9749E59}"/>
+          </ac:cxnSpMkLst>
+        </pc:cxnChg>
+        <pc:cxnChg chg="del">
+          <ac:chgData name="Jinyin Yan" userId="7d7b1cac-fbbc-4678-8cfc-23ca66a374ce" providerId="ADAL" clId="{FF26C555-752D-4004-A979-9228B3A43E4C}" dt="2025-01-09T09:38:46.161" v="682" actId="478"/>
+          <ac:cxnSpMkLst>
+            <pc:docMk/>
+            <pc:sldMk cId="3403091211" sldId="263"/>
+            <ac:cxnSpMk id="92" creationId="{AB8C3294-9A82-6B02-8FC6-4448B32B37A5}"/>
+          </ac:cxnSpMkLst>
+        </pc:cxnChg>
+        <pc:cxnChg chg="del">
+          <ac:chgData name="Jinyin Yan" userId="7d7b1cac-fbbc-4678-8cfc-23ca66a374ce" providerId="ADAL" clId="{FF26C555-752D-4004-A979-9228B3A43E4C}" dt="2025-01-09T09:38:46.161" v="682" actId="478"/>
+          <ac:cxnSpMkLst>
+            <pc:docMk/>
+            <pc:sldMk cId="3403091211" sldId="263"/>
+            <ac:cxnSpMk id="93" creationId="{08F2114D-1D03-C93C-8225-0537A41660D6}"/>
+          </ac:cxnSpMkLst>
+        </pc:cxnChg>
+        <pc:cxnChg chg="del">
+          <ac:chgData name="Jinyin Yan" userId="7d7b1cac-fbbc-4678-8cfc-23ca66a374ce" providerId="ADAL" clId="{FF26C555-752D-4004-A979-9228B3A43E4C}" dt="2025-01-09T09:38:46.161" v="682" actId="478"/>
+          <ac:cxnSpMkLst>
+            <pc:docMk/>
+            <pc:sldMk cId="3403091211" sldId="263"/>
+            <ac:cxnSpMk id="94" creationId="{231491CA-8E0A-839B-3A84-74CCF1B376FA}"/>
+          </ac:cxnSpMkLst>
+        </pc:cxnChg>
+        <pc:cxnChg chg="del">
+          <ac:chgData name="Jinyin Yan" userId="7d7b1cac-fbbc-4678-8cfc-23ca66a374ce" providerId="ADAL" clId="{FF26C555-752D-4004-A979-9228B3A43E4C}" dt="2025-01-09T09:38:46.161" v="682" actId="478"/>
+          <ac:cxnSpMkLst>
+            <pc:docMk/>
+            <pc:sldMk cId="3403091211" sldId="263"/>
+            <ac:cxnSpMk id="95" creationId="{5F2363D0-9021-7679-3D7F-7F599A8E3B26}"/>
+          </ac:cxnSpMkLst>
+        </pc:cxnChg>
+        <pc:cxnChg chg="del mod">
+          <ac:chgData name="Jinyin Yan" userId="7d7b1cac-fbbc-4678-8cfc-23ca66a374ce" providerId="ADAL" clId="{FF26C555-752D-4004-A979-9228B3A43E4C}" dt="2025-01-09T09:39:05.106" v="686" actId="478"/>
+          <ac:cxnSpMkLst>
+            <pc:docMk/>
+            <pc:sldMk cId="3403091211" sldId="263"/>
+            <ac:cxnSpMk id="102" creationId="{37EDBC57-6157-A34D-C18D-01CDE078B5CE}"/>
+          </ac:cxnSpMkLst>
+        </pc:cxnChg>
+        <pc:cxnChg chg="del">
+          <ac:chgData name="Jinyin Yan" userId="7d7b1cac-fbbc-4678-8cfc-23ca66a374ce" providerId="ADAL" clId="{FF26C555-752D-4004-A979-9228B3A43E4C}" dt="2025-01-09T09:38:46.161" v="682" actId="478"/>
+          <ac:cxnSpMkLst>
+            <pc:docMk/>
+            <pc:sldMk cId="3403091211" sldId="263"/>
+            <ac:cxnSpMk id="106" creationId="{8C35E98A-CDC6-315F-891B-26583B9F4736}"/>
+          </ac:cxnSpMkLst>
+        </pc:cxnChg>
+        <pc:cxnChg chg="del">
+          <ac:chgData name="Jinyin Yan" userId="7d7b1cac-fbbc-4678-8cfc-23ca66a374ce" providerId="ADAL" clId="{FF26C555-752D-4004-A979-9228B3A43E4C}" dt="2025-01-09T09:38:46.161" v="682" actId="478"/>
+          <ac:cxnSpMkLst>
+            <pc:docMk/>
+            <pc:sldMk cId="3403091211" sldId="263"/>
+            <ac:cxnSpMk id="107" creationId="{6938294A-02EF-3905-4BF7-A56837197B47}"/>
+          </ac:cxnSpMkLst>
+        </pc:cxnChg>
+        <pc:cxnChg chg="mod">
+          <ac:chgData name="Jinyin Yan" userId="7d7b1cac-fbbc-4678-8cfc-23ca66a374ce" providerId="ADAL" clId="{FF26C555-752D-4004-A979-9228B3A43E4C}" dt="2025-01-09T09:40:01.610" v="701"/>
+          <ac:cxnSpMkLst>
+            <pc:docMk/>
+            <pc:sldMk cId="3403091211" sldId="263"/>
+            <ac:cxnSpMk id="109" creationId="{065B3246-C40D-0695-817E-8E71142C34CF}"/>
+          </ac:cxnSpMkLst>
+        </pc:cxnChg>
+        <pc:cxnChg chg="del">
+          <ac:chgData name="Jinyin Yan" userId="7d7b1cac-fbbc-4678-8cfc-23ca66a374ce" providerId="ADAL" clId="{FF26C555-752D-4004-A979-9228B3A43E4C}" dt="2025-01-09T09:38:46.161" v="682" actId="478"/>
+          <ac:cxnSpMkLst>
+            <pc:docMk/>
+            <pc:sldMk cId="3403091211" sldId="263"/>
+            <ac:cxnSpMk id="110" creationId="{C3F770B2-B03B-978E-3EE5-E3324537962E}"/>
+          </ac:cxnSpMkLst>
+        </pc:cxnChg>
+        <pc:cxnChg chg="del">
+          <ac:chgData name="Jinyin Yan" userId="7d7b1cac-fbbc-4678-8cfc-23ca66a374ce" providerId="ADAL" clId="{FF26C555-752D-4004-A979-9228B3A43E4C}" dt="2025-01-09T09:38:46.161" v="682" actId="478"/>
+          <ac:cxnSpMkLst>
+            <pc:docMk/>
+            <pc:sldMk cId="3403091211" sldId="263"/>
+            <ac:cxnSpMk id="112" creationId="{AFC7DA37-44EE-8CD7-9537-F6534E2EB7B5}"/>
+          </ac:cxnSpMkLst>
+        </pc:cxnChg>
+        <pc:cxnChg chg="mod">
+          <ac:chgData name="Jinyin Yan" userId="7d7b1cac-fbbc-4678-8cfc-23ca66a374ce" providerId="ADAL" clId="{FF26C555-752D-4004-A979-9228B3A43E4C}" dt="2025-01-09T09:40:01.610" v="701"/>
+          <ac:cxnSpMkLst>
+            <pc:docMk/>
+            <pc:sldMk cId="3403091211" sldId="263"/>
+            <ac:cxnSpMk id="113" creationId="{7B976035-F1D0-8F79-5D35-3FD973675329}"/>
+          </ac:cxnSpMkLst>
+        </pc:cxnChg>
+        <pc:cxnChg chg="mod">
+          <ac:chgData name="Jinyin Yan" userId="7d7b1cac-fbbc-4678-8cfc-23ca66a374ce" providerId="ADAL" clId="{FF26C555-752D-4004-A979-9228B3A43E4C}" dt="2025-01-09T09:40:01.610" v="701"/>
+          <ac:cxnSpMkLst>
+            <pc:docMk/>
+            <pc:sldMk cId="3403091211" sldId="263"/>
+            <ac:cxnSpMk id="114" creationId="{73618EDC-C29A-8029-AEFE-4F098406F4EF}"/>
+          </ac:cxnSpMkLst>
+        </pc:cxnChg>
+        <pc:cxnChg chg="del">
+          <ac:chgData name="Jinyin Yan" userId="7d7b1cac-fbbc-4678-8cfc-23ca66a374ce" providerId="ADAL" clId="{FF26C555-752D-4004-A979-9228B3A43E4C}" dt="2025-01-09T09:38:46.161" v="682" actId="478"/>
+          <ac:cxnSpMkLst>
+            <pc:docMk/>
+            <pc:sldMk cId="3403091211" sldId="263"/>
+            <ac:cxnSpMk id="116" creationId="{8A515100-F301-C21A-7E62-9F773C2E26EE}"/>
+          </ac:cxnSpMkLst>
+        </pc:cxnChg>
+        <pc:cxnChg chg="del">
+          <ac:chgData name="Jinyin Yan" userId="7d7b1cac-fbbc-4678-8cfc-23ca66a374ce" providerId="ADAL" clId="{FF26C555-752D-4004-A979-9228B3A43E4C}" dt="2025-01-09T09:38:46.161" v="682" actId="478"/>
+          <ac:cxnSpMkLst>
+            <pc:docMk/>
+            <pc:sldMk cId="3403091211" sldId="263"/>
+            <ac:cxnSpMk id="117" creationId="{0CA49E45-685B-9588-C767-809AEF03A808}"/>
+          </ac:cxnSpMkLst>
+        </pc:cxnChg>
+        <pc:cxnChg chg="del">
+          <ac:chgData name="Jinyin Yan" userId="7d7b1cac-fbbc-4678-8cfc-23ca66a374ce" providerId="ADAL" clId="{FF26C555-752D-4004-A979-9228B3A43E4C}" dt="2025-01-09T09:38:46.161" v="682" actId="478"/>
+          <ac:cxnSpMkLst>
+            <pc:docMk/>
+            <pc:sldMk cId="3403091211" sldId="263"/>
+            <ac:cxnSpMk id="120" creationId="{6F109F6D-5AD4-094D-3743-3BB0D87CD83C}"/>
+          </ac:cxnSpMkLst>
+        </pc:cxnChg>
+        <pc:cxnChg chg="del">
+          <ac:chgData name="Jinyin Yan" userId="7d7b1cac-fbbc-4678-8cfc-23ca66a374ce" providerId="ADAL" clId="{FF26C555-752D-4004-A979-9228B3A43E4C}" dt="2025-01-09T09:38:46.161" v="682" actId="478"/>
+          <ac:cxnSpMkLst>
+            <pc:docMk/>
+            <pc:sldMk cId="3403091211" sldId="263"/>
+            <ac:cxnSpMk id="123" creationId="{BF95581E-ED6A-FB36-098B-12E2353A7934}"/>
+          </ac:cxnSpMkLst>
+        </pc:cxnChg>
+        <pc:cxnChg chg="del">
+          <ac:chgData name="Jinyin Yan" userId="7d7b1cac-fbbc-4678-8cfc-23ca66a374ce" providerId="ADAL" clId="{FF26C555-752D-4004-A979-9228B3A43E4C}" dt="2025-01-09T09:38:46.161" v="682" actId="478"/>
+          <ac:cxnSpMkLst>
+            <pc:docMk/>
+            <pc:sldMk cId="3403091211" sldId="263"/>
+            <ac:cxnSpMk id="127" creationId="{422F33A0-FFAC-5297-EF66-CB215CF315BE}"/>
+          </ac:cxnSpMkLst>
+        </pc:cxnChg>
+        <pc:cxnChg chg="del">
+          <ac:chgData name="Jinyin Yan" userId="7d7b1cac-fbbc-4678-8cfc-23ca66a374ce" providerId="ADAL" clId="{FF26C555-752D-4004-A979-9228B3A43E4C}" dt="2025-01-09T09:38:46.161" v="682" actId="478"/>
+          <ac:cxnSpMkLst>
+            <pc:docMk/>
+            <pc:sldMk cId="3403091211" sldId="263"/>
+            <ac:cxnSpMk id="128" creationId="{AC6F5208-C00E-CA2C-2F28-B6B4177C05D1}"/>
+          </ac:cxnSpMkLst>
+        </pc:cxnChg>
+        <pc:cxnChg chg="del">
+          <ac:chgData name="Jinyin Yan" userId="7d7b1cac-fbbc-4678-8cfc-23ca66a374ce" providerId="ADAL" clId="{FF26C555-752D-4004-A979-9228B3A43E4C}" dt="2025-01-09T09:38:46.161" v="682" actId="478"/>
+          <ac:cxnSpMkLst>
+            <pc:docMk/>
+            <pc:sldMk cId="3403091211" sldId="263"/>
+            <ac:cxnSpMk id="132" creationId="{B4415E91-D975-6460-431F-872CFFB61DED}"/>
+          </ac:cxnSpMkLst>
+        </pc:cxnChg>
+        <pc:cxnChg chg="add mod">
+          <ac:chgData name="Jinyin Yan" userId="7d7b1cac-fbbc-4678-8cfc-23ca66a374ce" providerId="ADAL" clId="{FF26C555-752D-4004-A979-9228B3A43E4C}" dt="2025-01-09T09:41:34.926" v="718" actId="14100"/>
+          <ac:cxnSpMkLst>
+            <pc:docMk/>
+            <pc:sldMk cId="3403091211" sldId="263"/>
+            <ac:cxnSpMk id="137" creationId="{043A6C25-F3C6-CDF6-0970-BA6835FD8B31}"/>
+          </ac:cxnSpMkLst>
+        </pc:cxnChg>
+        <pc:cxnChg chg="add mod">
+          <ac:chgData name="Jinyin Yan" userId="7d7b1cac-fbbc-4678-8cfc-23ca66a374ce" providerId="ADAL" clId="{FF26C555-752D-4004-A979-9228B3A43E4C}" dt="2025-01-09T09:42:02.236" v="726" actId="14100"/>
+          <ac:cxnSpMkLst>
+            <pc:docMk/>
+            <pc:sldMk cId="3403091211" sldId="263"/>
+            <ac:cxnSpMk id="141" creationId="{207E179C-A456-B6FC-081F-DE4A94840493}"/>
+          </ac:cxnSpMkLst>
+        </pc:cxnChg>
+        <pc:cxnChg chg="del">
+          <ac:chgData name="Jinyin Yan" userId="7d7b1cac-fbbc-4678-8cfc-23ca66a374ce" providerId="ADAL" clId="{FF26C555-752D-4004-A979-9228B3A43E4C}" dt="2025-01-09T09:38:46.161" v="682" actId="478"/>
+          <ac:cxnSpMkLst>
+            <pc:docMk/>
+            <pc:sldMk cId="3403091211" sldId="263"/>
+            <ac:cxnSpMk id="142" creationId="{5683193E-C1AF-075A-B860-03D85C1AE363}"/>
+          </ac:cxnSpMkLst>
+        </pc:cxnChg>
+        <pc:cxnChg chg="add del mod">
+          <ac:chgData name="Jinyin Yan" userId="7d7b1cac-fbbc-4678-8cfc-23ca66a374ce" providerId="ADAL" clId="{FF26C555-752D-4004-A979-9228B3A43E4C}" dt="2025-01-09T09:43:03.323" v="737" actId="478"/>
+          <ac:cxnSpMkLst>
+            <pc:docMk/>
+            <pc:sldMk cId="3403091211" sldId="263"/>
+            <ac:cxnSpMk id="148" creationId="{FC0463DF-DE7A-CC0D-040F-980A6167B46D}"/>
+          </ac:cxnSpMkLst>
+        </pc:cxnChg>
+        <pc:cxnChg chg="del">
+          <ac:chgData name="Jinyin Yan" userId="7d7b1cac-fbbc-4678-8cfc-23ca66a374ce" providerId="ADAL" clId="{FF26C555-752D-4004-A979-9228B3A43E4C}" dt="2025-01-09T09:38:46.161" v="682" actId="478"/>
+          <ac:cxnSpMkLst>
+            <pc:docMk/>
+            <pc:sldMk cId="3403091211" sldId="263"/>
+            <ac:cxnSpMk id="156" creationId="{931F10BD-C553-21E1-6C7B-46F98BC6A2EA}"/>
+          </ac:cxnSpMkLst>
+        </pc:cxnChg>
+        <pc:cxnChg chg="del">
+          <ac:chgData name="Jinyin Yan" userId="7d7b1cac-fbbc-4678-8cfc-23ca66a374ce" providerId="ADAL" clId="{FF26C555-752D-4004-A979-9228B3A43E4C}" dt="2025-01-09T09:38:46.161" v="682" actId="478"/>
+          <ac:cxnSpMkLst>
+            <pc:docMk/>
+            <pc:sldMk cId="3403091211" sldId="263"/>
+            <ac:cxnSpMk id="157" creationId="{2D69FB08-979B-83A7-C827-2F01CB7A1431}"/>
+          </ac:cxnSpMkLst>
+        </pc:cxnChg>
+        <pc:cxnChg chg="add mod">
+          <ac:chgData name="Jinyin Yan" userId="7d7b1cac-fbbc-4678-8cfc-23ca66a374ce" providerId="ADAL" clId="{FF26C555-752D-4004-A979-9228B3A43E4C}" dt="2025-01-09T09:49:24.727" v="763" actId="13822"/>
+          <ac:cxnSpMkLst>
+            <pc:docMk/>
+            <pc:sldMk cId="3403091211" sldId="263"/>
+            <ac:cxnSpMk id="172" creationId="{FF06E354-1F1B-1DC9-B00D-A0395F2C12BF}"/>
+          </ac:cxnSpMkLst>
+        </pc:cxnChg>
+        <pc:cxnChg chg="add mod">
+          <ac:chgData name="Jinyin Yan" userId="7d7b1cac-fbbc-4678-8cfc-23ca66a374ce" providerId="ADAL" clId="{FF26C555-752D-4004-A979-9228B3A43E4C}" dt="2025-01-09T09:50:07.631" v="768" actId="14100"/>
+          <ac:cxnSpMkLst>
+            <pc:docMk/>
+            <pc:sldMk cId="3403091211" sldId="263"/>
+            <ac:cxnSpMk id="176" creationId="{6F1CB588-6EC1-B011-0CFB-5EE5A388DF12}"/>
+          </ac:cxnSpMkLst>
+        </pc:cxnChg>
+        <pc:cxnChg chg="add mod">
+          <ac:chgData name="Jinyin Yan" userId="7d7b1cac-fbbc-4678-8cfc-23ca66a374ce" providerId="ADAL" clId="{FF26C555-752D-4004-A979-9228B3A43E4C}" dt="2025-01-09T09:50:19.646" v="771" actId="14100"/>
+          <ac:cxnSpMkLst>
+            <pc:docMk/>
+            <pc:sldMk cId="3403091211" sldId="263"/>
+            <ac:cxnSpMk id="179" creationId="{DDEBFA44-0B46-1E80-3AD7-7EB5828D20AE}"/>
+          </ac:cxnSpMkLst>
+        </pc:cxnChg>
+        <pc:cxnChg chg="add mod">
+          <ac:chgData name="Jinyin Yan" userId="7d7b1cac-fbbc-4678-8cfc-23ca66a374ce" providerId="ADAL" clId="{FF26C555-752D-4004-A979-9228B3A43E4C}" dt="2025-01-09T09:59:31.565" v="812" actId="13822"/>
+          <ac:cxnSpMkLst>
+            <pc:docMk/>
+            <pc:sldMk cId="3403091211" sldId="263"/>
+            <ac:cxnSpMk id="189" creationId="{F9FB5622-0273-0106-50E0-9970AAFF713F}"/>
+          </ac:cxnSpMkLst>
+        </pc:cxnChg>
+        <pc:cxnChg chg="add mod">
+          <ac:chgData name="Jinyin Yan" userId="7d7b1cac-fbbc-4678-8cfc-23ca66a374ce" providerId="ADAL" clId="{FF26C555-752D-4004-A979-9228B3A43E4C}" dt="2025-01-09T09:59:41.888" v="813" actId="208"/>
+          <ac:cxnSpMkLst>
+            <pc:docMk/>
+            <pc:sldMk cId="3403091211" sldId="263"/>
+            <ac:cxnSpMk id="191" creationId="{4A71AFAB-9A0A-30D3-47E7-043F84498CBE}"/>
+          </ac:cxnSpMkLst>
+        </pc:cxnChg>
+        <pc:cxnChg chg="add del mod">
+          <ac:chgData name="Jinyin Yan" userId="7d7b1cac-fbbc-4678-8cfc-23ca66a374ce" providerId="ADAL" clId="{FF26C555-752D-4004-A979-9228B3A43E4C}" dt="2025-01-09T10:00:16.466" v="821" actId="478"/>
+          <ac:cxnSpMkLst>
+            <pc:docMk/>
+            <pc:sldMk cId="3403091211" sldId="263"/>
+            <ac:cxnSpMk id="195" creationId="{593F8F7A-95AB-552F-742E-08FAA399E7B5}"/>
           </ac:cxnSpMkLst>
         </pc:cxnChg>
       </pc:sldChg>
@@ -10652,6 +11892,2811 @@
         <p:cNvPr id="1" name="">
           <a:extLst>
             <a:ext uri="{FF2B5EF4-FFF2-40B4-BE49-F238E27FC236}">
+              <a16:creationId xmlns:a16="http://schemas.microsoft.com/office/drawing/2014/main" id="{5967C68F-4B56-2364-3DB9-10468F70C2F5}"/>
+            </a:ext>
+          </a:extLst>
+        </p:cNvPr>
+        <p:cNvGrpSpPr/>
+        <p:nvPr/>
+      </p:nvGrpSpPr>
+      <p:grpSpPr>
+        <a:xfrm>
+          <a:off x="0" y="0"/>
+          <a:ext cx="0" cy="0"/>
+          <a:chOff x="0" y="0"/>
+          <a:chExt cx="0" cy="0"/>
+        </a:xfrm>
+      </p:grpSpPr>
+      <p:grpSp>
+        <p:nvGrpSpPr>
+          <p:cNvPr id="4" name="组合 22">
+            <a:extLst>
+              <a:ext uri="{FF2B5EF4-FFF2-40B4-BE49-F238E27FC236}">
+                <a16:creationId xmlns:a16="http://schemas.microsoft.com/office/drawing/2014/main" id="{9932FC9D-75FC-1875-06A3-B096BD12033F}"/>
+              </a:ext>
+            </a:extLst>
+          </p:cNvPr>
+          <p:cNvGrpSpPr/>
+          <p:nvPr/>
+        </p:nvGrpSpPr>
+        <p:grpSpPr>
+          <a:xfrm>
+            <a:off x="4012523" y="2384999"/>
+            <a:ext cx="1187867" cy="1033153"/>
+            <a:chOff x="2459115" y="1343921"/>
+            <a:chExt cx="1187867" cy="1033153"/>
+          </a:xfrm>
+        </p:grpSpPr>
+        <p:grpSp>
+          <p:nvGrpSpPr>
+            <p:cNvPr id="5" name="组合 9">
+              <a:extLst>
+                <a:ext uri="{FF2B5EF4-FFF2-40B4-BE49-F238E27FC236}">
+                  <a16:creationId xmlns:a16="http://schemas.microsoft.com/office/drawing/2014/main" id="{1E05F767-ECF4-84DF-4FD4-7B3E3C6DE3C8}"/>
+                </a:ext>
+              </a:extLst>
+            </p:cNvPr>
+            <p:cNvGrpSpPr/>
+            <p:nvPr/>
+          </p:nvGrpSpPr>
+          <p:grpSpPr>
+            <a:xfrm>
+              <a:off x="2661581" y="1343921"/>
+              <a:ext cx="756004" cy="1033153"/>
+              <a:chOff x="2661581" y="1343921"/>
+              <a:chExt cx="756004" cy="1033153"/>
+            </a:xfrm>
+          </p:grpSpPr>
+          <p:sp>
+            <p:nvSpPr>
+              <p:cNvPr id="9" name="矩形 4">
+                <a:extLst>
+                  <a:ext uri="{FF2B5EF4-FFF2-40B4-BE49-F238E27FC236}">
+                    <a16:creationId xmlns:a16="http://schemas.microsoft.com/office/drawing/2014/main" id="{BC1C57C3-7CD8-F204-D770-BEC6FD9A019F}"/>
+                  </a:ext>
+                </a:extLst>
+              </p:cNvPr>
+              <p:cNvSpPr/>
+              <p:nvPr/>
+            </p:nvSpPr>
+            <p:spPr>
+              <a:xfrm>
+                <a:off x="2765072" y="1343921"/>
+                <a:ext cx="575953" cy="1033153"/>
+              </a:xfrm>
+              <a:prstGeom prst="rect">
+                <a:avLst/>
+              </a:prstGeom>
+              <a:noFill/>
+            </p:spPr>
+            <p:style>
+              <a:lnRef idx="2">
+                <a:schemeClr val="accent1">
+                  <a:shade val="50000"/>
+                </a:schemeClr>
+              </a:lnRef>
+              <a:fillRef idx="1">
+                <a:schemeClr val="accent1"/>
+              </a:fillRef>
+              <a:effectRef idx="0">
+                <a:schemeClr val="accent1"/>
+              </a:effectRef>
+              <a:fontRef idx="minor">
+                <a:schemeClr val="lt1"/>
+              </a:fontRef>
+            </p:style>
+            <p:txBody>
+              <a:bodyPr rtlCol="0" anchor="ctr"/>
+              <a:lstStyle/>
+              <a:p>
+                <a:pPr algn="ctr"/>
+                <a:endParaRPr lang="zh-CN" altLang="en-US" dirty="0">
+                  <a:solidFill>
+                    <a:schemeClr val="tx1"/>
+                  </a:solidFill>
+                </a:endParaRPr>
+              </a:p>
+            </p:txBody>
+          </p:sp>
+          <p:sp>
+            <p:nvSpPr>
+              <p:cNvPr id="10" name="直角三角形 5">
+                <a:extLst>
+                  <a:ext uri="{FF2B5EF4-FFF2-40B4-BE49-F238E27FC236}">
+                    <a16:creationId xmlns:a16="http://schemas.microsoft.com/office/drawing/2014/main" id="{5AA90923-3EEF-94FD-D773-3F604EDFD3D3}"/>
+                  </a:ext>
+                </a:extLst>
+              </p:cNvPr>
+              <p:cNvSpPr/>
+              <p:nvPr/>
+            </p:nvSpPr>
+            <p:spPr>
+              <a:xfrm rot="13320000">
+                <a:off x="2661581" y="2001597"/>
+                <a:ext cx="206982" cy="226517"/>
+              </a:xfrm>
+              <a:prstGeom prst="rtTriangle">
+                <a:avLst/>
+              </a:prstGeom>
+              <a:noFill/>
+            </p:spPr>
+            <p:style>
+              <a:lnRef idx="2">
+                <a:schemeClr val="accent1">
+                  <a:shade val="50000"/>
+                </a:schemeClr>
+              </a:lnRef>
+              <a:fillRef idx="1">
+                <a:schemeClr val="accent1"/>
+              </a:fillRef>
+              <a:effectRef idx="0">
+                <a:schemeClr val="accent1"/>
+              </a:effectRef>
+              <a:fontRef idx="minor">
+                <a:schemeClr val="lt1"/>
+              </a:fontRef>
+            </p:style>
+            <p:txBody>
+              <a:bodyPr rtlCol="0" anchor="ctr"/>
+              <a:lstStyle/>
+              <a:p>
+                <a:pPr algn="ctr"/>
+                <a:endParaRPr lang="zh-CN" altLang="en-US"/>
+              </a:p>
+            </p:txBody>
+          </p:sp>
+          <p:sp>
+            <p:nvSpPr>
+              <p:cNvPr id="11" name="文本框 6">
+                <a:extLst>
+                  <a:ext uri="{FF2B5EF4-FFF2-40B4-BE49-F238E27FC236}">
+                    <a16:creationId xmlns:a16="http://schemas.microsoft.com/office/drawing/2014/main" id="{958162BC-D7C1-65D7-32D3-4967B639C267}"/>
+                  </a:ext>
+                </a:extLst>
+              </p:cNvPr>
+              <p:cNvSpPr txBox="1"/>
+              <p:nvPr/>
+            </p:nvSpPr>
+            <p:spPr>
+              <a:xfrm>
+                <a:off x="2692832" y="1391816"/>
+                <a:ext cx="343364" cy="369332"/>
+              </a:xfrm>
+              <a:prstGeom prst="rect">
+                <a:avLst/>
+              </a:prstGeom>
+              <a:noFill/>
+            </p:spPr>
+            <p:txBody>
+              <a:bodyPr wrap="none" rtlCol="0">
+                <a:spAutoFit/>
+              </a:bodyPr>
+              <a:lstStyle/>
+              <a:p>
+                <a:r>
+                  <a:rPr kumimoji="1" lang="en-US" altLang="zh-CN" dirty="0"/>
+                  <a:t>D</a:t>
+                </a:r>
+                <a:endParaRPr kumimoji="1" lang="zh-CN" altLang="en-US" dirty="0"/>
+              </a:p>
+            </p:txBody>
+          </p:sp>
+          <p:sp>
+            <p:nvSpPr>
+              <p:cNvPr id="12" name="文本框 7">
+                <a:extLst>
+                  <a:ext uri="{FF2B5EF4-FFF2-40B4-BE49-F238E27FC236}">
+                    <a16:creationId xmlns:a16="http://schemas.microsoft.com/office/drawing/2014/main" id="{1EC22856-CF02-8BA8-4456-922F2DCCE5DC}"/>
+                  </a:ext>
+                </a:extLst>
+              </p:cNvPr>
+              <p:cNvSpPr txBox="1"/>
+              <p:nvPr/>
+            </p:nvSpPr>
+            <p:spPr>
+              <a:xfrm>
+                <a:off x="2864514" y="1930189"/>
+                <a:ext cx="455574" cy="369332"/>
+              </a:xfrm>
+              <a:prstGeom prst="rect">
+                <a:avLst/>
+              </a:prstGeom>
+              <a:noFill/>
+            </p:spPr>
+            <p:txBody>
+              <a:bodyPr wrap="none" rtlCol="0">
+                <a:spAutoFit/>
+              </a:bodyPr>
+              <a:lstStyle/>
+              <a:p>
+                <a:r>
+                  <a:rPr kumimoji="1" lang="en-US" altLang="zh-CN" dirty="0"/>
+                  <a:t>CK</a:t>
+                </a:r>
+                <a:endParaRPr kumimoji="1" lang="zh-CN" altLang="en-US" dirty="0"/>
+              </a:p>
+            </p:txBody>
+          </p:sp>
+          <p:sp>
+            <p:nvSpPr>
+              <p:cNvPr id="13" name="文本框 8">
+                <a:extLst>
+                  <a:ext uri="{FF2B5EF4-FFF2-40B4-BE49-F238E27FC236}">
+                    <a16:creationId xmlns:a16="http://schemas.microsoft.com/office/drawing/2014/main" id="{45476404-70A7-398A-6D4C-26581FF1CB47}"/>
+                  </a:ext>
+                </a:extLst>
+              </p:cNvPr>
+              <p:cNvSpPr txBox="1"/>
+              <p:nvPr/>
+            </p:nvSpPr>
+            <p:spPr>
+              <a:xfrm>
+                <a:off x="3058191" y="1391816"/>
+                <a:ext cx="359394" cy="369332"/>
+              </a:xfrm>
+              <a:prstGeom prst="rect">
+                <a:avLst/>
+              </a:prstGeom>
+              <a:noFill/>
+            </p:spPr>
+            <p:txBody>
+              <a:bodyPr wrap="none" rtlCol="0">
+                <a:spAutoFit/>
+              </a:bodyPr>
+              <a:lstStyle/>
+              <a:p>
+                <a:r>
+                  <a:rPr kumimoji="1" lang="en-US" altLang="zh-CN" dirty="0"/>
+                  <a:t>Q</a:t>
+                </a:r>
+                <a:endParaRPr kumimoji="1" lang="zh-CN" altLang="en-US" dirty="0"/>
+              </a:p>
+            </p:txBody>
+          </p:sp>
+        </p:grpSp>
+        <p:cxnSp>
+          <p:nvCxnSpPr>
+            <p:cNvPr id="6" name="直线连接符 17">
+              <a:extLst>
+                <a:ext uri="{FF2B5EF4-FFF2-40B4-BE49-F238E27FC236}">
+                  <a16:creationId xmlns:a16="http://schemas.microsoft.com/office/drawing/2014/main" id="{59E28C24-070A-DC99-8DBA-E7702CE66E6D}"/>
+                </a:ext>
+              </a:extLst>
+            </p:cNvPr>
+            <p:cNvCxnSpPr>
+              <a:cxnSpLocks/>
+            </p:cNvCxnSpPr>
+            <p:nvPr/>
+          </p:nvCxnSpPr>
+          <p:spPr>
+            <a:xfrm>
+              <a:off x="2459115" y="1576482"/>
+              <a:ext cx="305957" cy="0"/>
+            </a:xfrm>
+            <a:prstGeom prst="line">
+              <a:avLst/>
+            </a:prstGeom>
+          </p:spPr>
+          <p:style>
+            <a:lnRef idx="2">
+              <a:schemeClr val="accent1"/>
+            </a:lnRef>
+            <a:fillRef idx="0">
+              <a:schemeClr val="accent1"/>
+            </a:fillRef>
+            <a:effectRef idx="1">
+              <a:schemeClr val="accent1"/>
+            </a:effectRef>
+            <a:fontRef idx="minor">
+              <a:schemeClr val="tx1"/>
+            </a:fontRef>
+          </p:style>
+        </p:cxnSp>
+        <p:cxnSp>
+          <p:nvCxnSpPr>
+            <p:cNvPr id="7" name="直线连接符 19">
+              <a:extLst>
+                <a:ext uri="{FF2B5EF4-FFF2-40B4-BE49-F238E27FC236}">
+                  <a16:creationId xmlns:a16="http://schemas.microsoft.com/office/drawing/2014/main" id="{8505D43A-0F47-1D4C-3C88-0674DBBA19BA}"/>
+                </a:ext>
+              </a:extLst>
+            </p:cNvPr>
+            <p:cNvCxnSpPr>
+              <a:cxnSpLocks/>
+            </p:cNvCxnSpPr>
+            <p:nvPr/>
+          </p:nvCxnSpPr>
+          <p:spPr>
+            <a:xfrm>
+              <a:off x="3341025" y="1576482"/>
+              <a:ext cx="305957" cy="0"/>
+            </a:xfrm>
+            <a:prstGeom prst="line">
+              <a:avLst/>
+            </a:prstGeom>
+          </p:spPr>
+          <p:style>
+            <a:lnRef idx="2">
+              <a:schemeClr val="accent1"/>
+            </a:lnRef>
+            <a:fillRef idx="0">
+              <a:schemeClr val="accent1"/>
+            </a:fillRef>
+            <a:effectRef idx="1">
+              <a:schemeClr val="accent1"/>
+            </a:effectRef>
+            <a:fontRef idx="minor">
+              <a:schemeClr val="tx1"/>
+            </a:fontRef>
+          </p:style>
+        </p:cxnSp>
+        <p:cxnSp>
+          <p:nvCxnSpPr>
+            <p:cNvPr id="8" name="直线连接符 20">
+              <a:extLst>
+                <a:ext uri="{FF2B5EF4-FFF2-40B4-BE49-F238E27FC236}">
+                  <a16:creationId xmlns:a16="http://schemas.microsoft.com/office/drawing/2014/main" id="{184C7173-8410-2738-98CD-670D2F975848}"/>
+                </a:ext>
+              </a:extLst>
+            </p:cNvPr>
+            <p:cNvCxnSpPr>
+              <a:cxnSpLocks/>
+            </p:cNvCxnSpPr>
+            <p:nvPr/>
+          </p:nvCxnSpPr>
+          <p:spPr>
+            <a:xfrm>
+              <a:off x="2459115" y="2103714"/>
+              <a:ext cx="305957" cy="0"/>
+            </a:xfrm>
+            <a:prstGeom prst="line">
+              <a:avLst/>
+            </a:prstGeom>
+          </p:spPr>
+          <p:style>
+            <a:lnRef idx="2">
+              <a:schemeClr val="accent1"/>
+            </a:lnRef>
+            <a:fillRef idx="0">
+              <a:schemeClr val="accent1"/>
+            </a:fillRef>
+            <a:effectRef idx="1">
+              <a:schemeClr val="accent1"/>
+            </a:effectRef>
+            <a:fontRef idx="minor">
+              <a:schemeClr val="tx1"/>
+            </a:fontRef>
+          </p:style>
+        </p:cxnSp>
+      </p:grpSp>
+      <p:grpSp>
+        <p:nvGrpSpPr>
+          <p:cNvPr id="14" name="组合 22">
+            <a:extLst>
+              <a:ext uri="{FF2B5EF4-FFF2-40B4-BE49-F238E27FC236}">
+                <a16:creationId xmlns:a16="http://schemas.microsoft.com/office/drawing/2014/main" id="{CB674F9D-7072-2B7F-83D8-F6024A3D8848}"/>
+              </a:ext>
+            </a:extLst>
+          </p:cNvPr>
+          <p:cNvGrpSpPr/>
+          <p:nvPr/>
+        </p:nvGrpSpPr>
+        <p:grpSpPr>
+          <a:xfrm>
+            <a:off x="7064430" y="2384998"/>
+            <a:ext cx="1187867" cy="1033153"/>
+            <a:chOff x="2459115" y="1343921"/>
+            <a:chExt cx="1187867" cy="1033153"/>
+          </a:xfrm>
+        </p:grpSpPr>
+        <p:grpSp>
+          <p:nvGrpSpPr>
+            <p:cNvPr id="15" name="组合 9">
+              <a:extLst>
+                <a:ext uri="{FF2B5EF4-FFF2-40B4-BE49-F238E27FC236}">
+                  <a16:creationId xmlns:a16="http://schemas.microsoft.com/office/drawing/2014/main" id="{7989C443-43D3-8A1C-F02C-7E308E206970}"/>
+                </a:ext>
+              </a:extLst>
+            </p:cNvPr>
+            <p:cNvGrpSpPr/>
+            <p:nvPr/>
+          </p:nvGrpSpPr>
+          <p:grpSpPr>
+            <a:xfrm>
+              <a:off x="2661581" y="1343921"/>
+              <a:ext cx="756004" cy="1033153"/>
+              <a:chOff x="2661581" y="1343921"/>
+              <a:chExt cx="756004" cy="1033153"/>
+            </a:xfrm>
+          </p:grpSpPr>
+          <p:sp>
+            <p:nvSpPr>
+              <p:cNvPr id="19" name="矩形 4">
+                <a:extLst>
+                  <a:ext uri="{FF2B5EF4-FFF2-40B4-BE49-F238E27FC236}">
+                    <a16:creationId xmlns:a16="http://schemas.microsoft.com/office/drawing/2014/main" id="{B57EB2A1-63F3-B16C-7DF2-80E988BF4BC8}"/>
+                  </a:ext>
+                </a:extLst>
+              </p:cNvPr>
+              <p:cNvSpPr/>
+              <p:nvPr/>
+            </p:nvSpPr>
+            <p:spPr>
+              <a:xfrm>
+                <a:off x="2765072" y="1343921"/>
+                <a:ext cx="575953" cy="1033153"/>
+              </a:xfrm>
+              <a:prstGeom prst="rect">
+                <a:avLst/>
+              </a:prstGeom>
+              <a:noFill/>
+            </p:spPr>
+            <p:style>
+              <a:lnRef idx="2">
+                <a:schemeClr val="accent1">
+                  <a:shade val="50000"/>
+                </a:schemeClr>
+              </a:lnRef>
+              <a:fillRef idx="1">
+                <a:schemeClr val="accent1"/>
+              </a:fillRef>
+              <a:effectRef idx="0">
+                <a:schemeClr val="accent1"/>
+              </a:effectRef>
+              <a:fontRef idx="minor">
+                <a:schemeClr val="lt1"/>
+              </a:fontRef>
+            </p:style>
+            <p:txBody>
+              <a:bodyPr rtlCol="0" anchor="ctr"/>
+              <a:lstStyle/>
+              <a:p>
+                <a:pPr algn="ctr"/>
+                <a:endParaRPr lang="zh-CN" altLang="en-US" dirty="0">
+                  <a:solidFill>
+                    <a:schemeClr val="tx1"/>
+                  </a:solidFill>
+                </a:endParaRPr>
+              </a:p>
+            </p:txBody>
+          </p:sp>
+          <p:sp>
+            <p:nvSpPr>
+              <p:cNvPr id="20" name="直角三角形 5">
+                <a:extLst>
+                  <a:ext uri="{FF2B5EF4-FFF2-40B4-BE49-F238E27FC236}">
+                    <a16:creationId xmlns:a16="http://schemas.microsoft.com/office/drawing/2014/main" id="{992CD2AE-AF1A-1E37-D554-90983BE35F6D}"/>
+                  </a:ext>
+                </a:extLst>
+              </p:cNvPr>
+              <p:cNvSpPr/>
+              <p:nvPr/>
+            </p:nvSpPr>
+            <p:spPr>
+              <a:xfrm rot="13320000">
+                <a:off x="2661581" y="2001597"/>
+                <a:ext cx="206982" cy="226517"/>
+              </a:xfrm>
+              <a:prstGeom prst="rtTriangle">
+                <a:avLst/>
+              </a:prstGeom>
+              <a:noFill/>
+            </p:spPr>
+            <p:style>
+              <a:lnRef idx="2">
+                <a:schemeClr val="accent1">
+                  <a:shade val="50000"/>
+                </a:schemeClr>
+              </a:lnRef>
+              <a:fillRef idx="1">
+                <a:schemeClr val="accent1"/>
+              </a:fillRef>
+              <a:effectRef idx="0">
+                <a:schemeClr val="accent1"/>
+              </a:effectRef>
+              <a:fontRef idx="minor">
+                <a:schemeClr val="lt1"/>
+              </a:fontRef>
+            </p:style>
+            <p:txBody>
+              <a:bodyPr rtlCol="0" anchor="ctr"/>
+              <a:lstStyle/>
+              <a:p>
+                <a:pPr algn="ctr"/>
+                <a:endParaRPr lang="zh-CN" altLang="en-US"/>
+              </a:p>
+            </p:txBody>
+          </p:sp>
+          <p:sp>
+            <p:nvSpPr>
+              <p:cNvPr id="21" name="文本框 6">
+                <a:extLst>
+                  <a:ext uri="{FF2B5EF4-FFF2-40B4-BE49-F238E27FC236}">
+                    <a16:creationId xmlns:a16="http://schemas.microsoft.com/office/drawing/2014/main" id="{7AB93702-AC80-76EB-B209-DB2E38F6B81A}"/>
+                  </a:ext>
+                </a:extLst>
+              </p:cNvPr>
+              <p:cNvSpPr txBox="1"/>
+              <p:nvPr/>
+            </p:nvSpPr>
+            <p:spPr>
+              <a:xfrm>
+                <a:off x="2692832" y="1391816"/>
+                <a:ext cx="343364" cy="369332"/>
+              </a:xfrm>
+              <a:prstGeom prst="rect">
+                <a:avLst/>
+              </a:prstGeom>
+              <a:noFill/>
+            </p:spPr>
+            <p:txBody>
+              <a:bodyPr wrap="none" rtlCol="0">
+                <a:spAutoFit/>
+              </a:bodyPr>
+              <a:lstStyle/>
+              <a:p>
+                <a:r>
+                  <a:rPr kumimoji="1" lang="en-US" altLang="zh-CN" dirty="0"/>
+                  <a:t>D</a:t>
+                </a:r>
+                <a:endParaRPr kumimoji="1" lang="zh-CN" altLang="en-US" dirty="0"/>
+              </a:p>
+            </p:txBody>
+          </p:sp>
+          <p:sp>
+            <p:nvSpPr>
+              <p:cNvPr id="22" name="文本框 7">
+                <a:extLst>
+                  <a:ext uri="{FF2B5EF4-FFF2-40B4-BE49-F238E27FC236}">
+                    <a16:creationId xmlns:a16="http://schemas.microsoft.com/office/drawing/2014/main" id="{8DB65CB7-F73E-64CD-2878-BE1367E9F636}"/>
+                  </a:ext>
+                </a:extLst>
+              </p:cNvPr>
+              <p:cNvSpPr txBox="1"/>
+              <p:nvPr/>
+            </p:nvSpPr>
+            <p:spPr>
+              <a:xfrm>
+                <a:off x="2864514" y="1930189"/>
+                <a:ext cx="455574" cy="369332"/>
+              </a:xfrm>
+              <a:prstGeom prst="rect">
+                <a:avLst/>
+              </a:prstGeom>
+              <a:noFill/>
+            </p:spPr>
+            <p:txBody>
+              <a:bodyPr wrap="none" rtlCol="0">
+                <a:spAutoFit/>
+              </a:bodyPr>
+              <a:lstStyle/>
+              <a:p>
+                <a:r>
+                  <a:rPr kumimoji="1" lang="en-US" altLang="zh-CN" dirty="0"/>
+                  <a:t>CK</a:t>
+                </a:r>
+                <a:endParaRPr kumimoji="1" lang="zh-CN" altLang="en-US" dirty="0"/>
+              </a:p>
+            </p:txBody>
+          </p:sp>
+          <p:sp>
+            <p:nvSpPr>
+              <p:cNvPr id="23" name="文本框 8">
+                <a:extLst>
+                  <a:ext uri="{FF2B5EF4-FFF2-40B4-BE49-F238E27FC236}">
+                    <a16:creationId xmlns:a16="http://schemas.microsoft.com/office/drawing/2014/main" id="{4F4E30D9-82EB-491B-6C33-B78EB8AAB084}"/>
+                  </a:ext>
+                </a:extLst>
+              </p:cNvPr>
+              <p:cNvSpPr txBox="1"/>
+              <p:nvPr/>
+            </p:nvSpPr>
+            <p:spPr>
+              <a:xfrm>
+                <a:off x="3058191" y="1391816"/>
+                <a:ext cx="359394" cy="369332"/>
+              </a:xfrm>
+              <a:prstGeom prst="rect">
+                <a:avLst/>
+              </a:prstGeom>
+              <a:noFill/>
+            </p:spPr>
+            <p:txBody>
+              <a:bodyPr wrap="none" rtlCol="0">
+                <a:spAutoFit/>
+              </a:bodyPr>
+              <a:lstStyle/>
+              <a:p>
+                <a:r>
+                  <a:rPr kumimoji="1" lang="en-US" altLang="zh-CN" dirty="0"/>
+                  <a:t>Q</a:t>
+                </a:r>
+                <a:endParaRPr kumimoji="1" lang="zh-CN" altLang="en-US" dirty="0"/>
+              </a:p>
+            </p:txBody>
+          </p:sp>
+        </p:grpSp>
+        <p:cxnSp>
+          <p:nvCxnSpPr>
+            <p:cNvPr id="16" name="直线连接符 17">
+              <a:extLst>
+                <a:ext uri="{FF2B5EF4-FFF2-40B4-BE49-F238E27FC236}">
+                  <a16:creationId xmlns:a16="http://schemas.microsoft.com/office/drawing/2014/main" id="{FA559C80-71EE-BD8E-F374-AF1F908F1D2B}"/>
+                </a:ext>
+              </a:extLst>
+            </p:cNvPr>
+            <p:cNvCxnSpPr>
+              <a:cxnSpLocks/>
+            </p:cNvCxnSpPr>
+            <p:nvPr/>
+          </p:nvCxnSpPr>
+          <p:spPr>
+            <a:xfrm>
+              <a:off x="2459115" y="1576482"/>
+              <a:ext cx="305957" cy="0"/>
+            </a:xfrm>
+            <a:prstGeom prst="line">
+              <a:avLst/>
+            </a:prstGeom>
+          </p:spPr>
+          <p:style>
+            <a:lnRef idx="2">
+              <a:schemeClr val="accent1"/>
+            </a:lnRef>
+            <a:fillRef idx="0">
+              <a:schemeClr val="accent1"/>
+            </a:fillRef>
+            <a:effectRef idx="1">
+              <a:schemeClr val="accent1"/>
+            </a:effectRef>
+            <a:fontRef idx="minor">
+              <a:schemeClr val="tx1"/>
+            </a:fontRef>
+          </p:style>
+        </p:cxnSp>
+        <p:cxnSp>
+          <p:nvCxnSpPr>
+            <p:cNvPr id="17" name="直线连接符 19">
+              <a:extLst>
+                <a:ext uri="{FF2B5EF4-FFF2-40B4-BE49-F238E27FC236}">
+                  <a16:creationId xmlns:a16="http://schemas.microsoft.com/office/drawing/2014/main" id="{AC6F3612-D078-9492-1A86-83043BE39021}"/>
+                </a:ext>
+              </a:extLst>
+            </p:cNvPr>
+            <p:cNvCxnSpPr>
+              <a:cxnSpLocks/>
+            </p:cNvCxnSpPr>
+            <p:nvPr/>
+          </p:nvCxnSpPr>
+          <p:spPr>
+            <a:xfrm>
+              <a:off x="3341025" y="1576482"/>
+              <a:ext cx="305957" cy="0"/>
+            </a:xfrm>
+            <a:prstGeom prst="line">
+              <a:avLst/>
+            </a:prstGeom>
+          </p:spPr>
+          <p:style>
+            <a:lnRef idx="2">
+              <a:schemeClr val="accent1"/>
+            </a:lnRef>
+            <a:fillRef idx="0">
+              <a:schemeClr val="accent1"/>
+            </a:fillRef>
+            <a:effectRef idx="1">
+              <a:schemeClr val="accent1"/>
+            </a:effectRef>
+            <a:fontRef idx="minor">
+              <a:schemeClr val="tx1"/>
+            </a:fontRef>
+          </p:style>
+        </p:cxnSp>
+        <p:cxnSp>
+          <p:nvCxnSpPr>
+            <p:cNvPr id="18" name="直线连接符 20">
+              <a:extLst>
+                <a:ext uri="{FF2B5EF4-FFF2-40B4-BE49-F238E27FC236}">
+                  <a16:creationId xmlns:a16="http://schemas.microsoft.com/office/drawing/2014/main" id="{7388E4F1-F2AD-1B09-8B34-6AD41E299508}"/>
+                </a:ext>
+              </a:extLst>
+            </p:cNvPr>
+            <p:cNvCxnSpPr>
+              <a:cxnSpLocks/>
+            </p:cNvCxnSpPr>
+            <p:nvPr/>
+          </p:nvCxnSpPr>
+          <p:spPr>
+            <a:xfrm>
+              <a:off x="2459115" y="2103714"/>
+              <a:ext cx="305957" cy="0"/>
+            </a:xfrm>
+            <a:prstGeom prst="line">
+              <a:avLst/>
+            </a:prstGeom>
+          </p:spPr>
+          <p:style>
+            <a:lnRef idx="2">
+              <a:schemeClr val="accent1"/>
+            </a:lnRef>
+            <a:fillRef idx="0">
+              <a:schemeClr val="accent1"/>
+            </a:fillRef>
+            <a:effectRef idx="1">
+              <a:schemeClr val="accent1"/>
+            </a:effectRef>
+            <a:fontRef idx="minor">
+              <a:schemeClr val="tx1"/>
+            </a:fontRef>
+          </p:style>
+        </p:cxnSp>
+      </p:grpSp>
+      <p:sp>
+        <p:nvSpPr>
+          <p:cNvPr id="24" name="Cloud 23">
+            <a:extLst>
+              <a:ext uri="{FF2B5EF4-FFF2-40B4-BE49-F238E27FC236}">
+                <a16:creationId xmlns:a16="http://schemas.microsoft.com/office/drawing/2014/main" id="{314B7A8F-14EA-3FF9-B104-215C65E9C5FF}"/>
+              </a:ext>
+            </a:extLst>
+          </p:cNvPr>
+          <p:cNvSpPr/>
+          <p:nvPr/>
+        </p:nvSpPr>
+        <p:spPr>
+          <a:xfrm>
+            <a:off x="5333817" y="2160359"/>
+            <a:ext cx="1602075" cy="914400"/>
+          </a:xfrm>
+          <a:prstGeom prst="cloud">
+            <a:avLst/>
+          </a:prstGeom>
+          <a:noFill/>
+          <a:ln>
+            <a:solidFill>
+              <a:schemeClr val="tx1"/>
+            </a:solidFill>
+          </a:ln>
+        </p:spPr>
+        <p:style>
+          <a:lnRef idx="2">
+            <a:schemeClr val="accent6">
+              <a:shade val="15000"/>
+            </a:schemeClr>
+          </a:lnRef>
+          <a:fillRef idx="1">
+            <a:schemeClr val="accent6"/>
+          </a:fillRef>
+          <a:effectRef idx="0">
+            <a:schemeClr val="accent6"/>
+          </a:effectRef>
+          <a:fontRef idx="minor">
+            <a:schemeClr val="lt1"/>
+          </a:fontRef>
+        </p:style>
+        <p:txBody>
+          <a:bodyPr rtlCol="0" anchor="ctr"/>
+          <a:lstStyle/>
+          <a:p>
+            <a:pPr algn="ctr"/>
+            <a:r>
+              <a:rPr lang="en-US" dirty="0">
+                <a:solidFill>
+                  <a:schemeClr val="tx1"/>
+                </a:solidFill>
+              </a:rPr>
+              <a:t>C</a:t>
+            </a:r>
+            <a:r>
+              <a:rPr lang="en-US" altLang="zh-CN" dirty="0">
+                <a:solidFill>
+                  <a:schemeClr val="tx1"/>
+                </a:solidFill>
+              </a:rPr>
+              <a:t>omb Logic</a:t>
+            </a:r>
+            <a:endParaRPr lang="en-US" dirty="0">
+              <a:solidFill>
+                <a:schemeClr val="tx1"/>
+              </a:solidFill>
+            </a:endParaRPr>
+          </a:p>
+        </p:txBody>
+      </p:sp>
+      <p:cxnSp>
+        <p:nvCxnSpPr>
+          <p:cNvPr id="26" name="Straight Connector 25">
+            <a:extLst>
+              <a:ext uri="{FF2B5EF4-FFF2-40B4-BE49-F238E27FC236}">
+                <a16:creationId xmlns:a16="http://schemas.microsoft.com/office/drawing/2014/main" id="{6235CFAE-44D4-4BF1-9429-D13337DFC809}"/>
+              </a:ext>
+            </a:extLst>
+          </p:cNvPr>
+          <p:cNvCxnSpPr>
+            <a:cxnSpLocks/>
+            <a:endCxn id="24" idx="2"/>
+          </p:cNvCxnSpPr>
+          <p:nvPr/>
+        </p:nvCxnSpPr>
+        <p:spPr>
+          <a:xfrm>
+            <a:off x="5140923" y="2617559"/>
+            <a:ext cx="197863" cy="0"/>
+          </a:xfrm>
+          <a:prstGeom prst="line">
+            <a:avLst/>
+          </a:prstGeom>
+        </p:spPr>
+        <p:style>
+          <a:lnRef idx="2">
+            <a:schemeClr val="dk1"/>
+          </a:lnRef>
+          <a:fillRef idx="0">
+            <a:schemeClr val="dk1"/>
+          </a:fillRef>
+          <a:effectRef idx="1">
+            <a:schemeClr val="dk1"/>
+          </a:effectRef>
+          <a:fontRef idx="minor">
+            <a:schemeClr val="tx1"/>
+          </a:fontRef>
+        </p:style>
+      </p:cxnSp>
+      <p:cxnSp>
+        <p:nvCxnSpPr>
+          <p:cNvPr id="29" name="Straight Connector 28">
+            <a:extLst>
+              <a:ext uri="{FF2B5EF4-FFF2-40B4-BE49-F238E27FC236}">
+                <a16:creationId xmlns:a16="http://schemas.microsoft.com/office/drawing/2014/main" id="{5590D4C5-44AA-4A7F-3DA7-BB14249B9D23}"/>
+              </a:ext>
+            </a:extLst>
+          </p:cNvPr>
+          <p:cNvCxnSpPr>
+            <a:cxnSpLocks/>
+          </p:cNvCxnSpPr>
+          <p:nvPr/>
+        </p:nvCxnSpPr>
+        <p:spPr>
+          <a:xfrm>
+            <a:off x="6946277" y="2617559"/>
+            <a:ext cx="138396" cy="0"/>
+          </a:xfrm>
+          <a:prstGeom prst="line">
+            <a:avLst/>
+          </a:prstGeom>
+        </p:spPr>
+        <p:style>
+          <a:lnRef idx="2">
+            <a:schemeClr val="dk1"/>
+          </a:lnRef>
+          <a:fillRef idx="0">
+            <a:schemeClr val="dk1"/>
+          </a:fillRef>
+          <a:effectRef idx="1">
+            <a:schemeClr val="dk1"/>
+          </a:effectRef>
+          <a:fontRef idx="minor">
+            <a:schemeClr val="tx1"/>
+          </a:fontRef>
+        </p:style>
+      </p:cxnSp>
+      <p:cxnSp>
+        <p:nvCxnSpPr>
+          <p:cNvPr id="31" name="Straight Connector 30">
+            <a:extLst>
+              <a:ext uri="{FF2B5EF4-FFF2-40B4-BE49-F238E27FC236}">
+                <a16:creationId xmlns:a16="http://schemas.microsoft.com/office/drawing/2014/main" id="{BBA72449-1785-948D-1798-B91277B8907B}"/>
+              </a:ext>
+            </a:extLst>
+          </p:cNvPr>
+          <p:cNvCxnSpPr>
+            <a:cxnSpLocks/>
+          </p:cNvCxnSpPr>
+          <p:nvPr/>
+        </p:nvCxnSpPr>
+        <p:spPr>
+          <a:xfrm>
+            <a:off x="3148000" y="3727343"/>
+            <a:ext cx="3914149" cy="0"/>
+          </a:xfrm>
+          <a:prstGeom prst="line">
+            <a:avLst/>
+          </a:prstGeom>
+        </p:spPr>
+        <p:style>
+          <a:lnRef idx="2">
+            <a:schemeClr val="dk1"/>
+          </a:lnRef>
+          <a:fillRef idx="0">
+            <a:schemeClr val="dk1"/>
+          </a:fillRef>
+          <a:effectRef idx="1">
+            <a:schemeClr val="dk1"/>
+          </a:effectRef>
+          <a:fontRef idx="minor">
+            <a:schemeClr val="tx1"/>
+          </a:fontRef>
+        </p:style>
+      </p:cxnSp>
+      <p:cxnSp>
+        <p:nvCxnSpPr>
+          <p:cNvPr id="33" name="Straight Connector 32">
+            <a:extLst>
+              <a:ext uri="{FF2B5EF4-FFF2-40B4-BE49-F238E27FC236}">
+                <a16:creationId xmlns:a16="http://schemas.microsoft.com/office/drawing/2014/main" id="{C3BA80C1-E4B4-9848-A9FB-3512FDE533F1}"/>
+              </a:ext>
+            </a:extLst>
+          </p:cNvPr>
+          <p:cNvCxnSpPr>
+            <a:cxnSpLocks/>
+          </p:cNvCxnSpPr>
+          <p:nvPr/>
+        </p:nvCxnSpPr>
+        <p:spPr>
+          <a:xfrm flipV="1">
+            <a:off x="7062149" y="3144791"/>
+            <a:ext cx="0" cy="582552"/>
+          </a:xfrm>
+          <a:prstGeom prst="line">
+            <a:avLst/>
+          </a:prstGeom>
+        </p:spPr>
+        <p:style>
+          <a:lnRef idx="2">
+            <a:schemeClr val="dk1"/>
+          </a:lnRef>
+          <a:fillRef idx="0">
+            <a:schemeClr val="dk1"/>
+          </a:fillRef>
+          <a:effectRef idx="1">
+            <a:schemeClr val="dk1"/>
+          </a:effectRef>
+          <a:fontRef idx="minor">
+            <a:schemeClr val="tx1"/>
+          </a:fontRef>
+        </p:style>
+      </p:cxnSp>
+      <p:cxnSp>
+        <p:nvCxnSpPr>
+          <p:cNvPr id="37" name="Straight Connector 36">
+            <a:extLst>
+              <a:ext uri="{FF2B5EF4-FFF2-40B4-BE49-F238E27FC236}">
+                <a16:creationId xmlns:a16="http://schemas.microsoft.com/office/drawing/2014/main" id="{AA27D928-D061-B5BF-EE07-51EE8CF06957}"/>
+              </a:ext>
+            </a:extLst>
+          </p:cNvPr>
+          <p:cNvCxnSpPr>
+            <a:cxnSpLocks/>
+          </p:cNvCxnSpPr>
+          <p:nvPr/>
+        </p:nvCxnSpPr>
+        <p:spPr>
+          <a:xfrm>
+            <a:off x="4012523" y="3144791"/>
+            <a:ext cx="0" cy="582552"/>
+          </a:xfrm>
+          <a:prstGeom prst="line">
+            <a:avLst/>
+          </a:prstGeom>
+        </p:spPr>
+        <p:style>
+          <a:lnRef idx="2">
+            <a:schemeClr val="dk1"/>
+          </a:lnRef>
+          <a:fillRef idx="0">
+            <a:schemeClr val="dk1"/>
+          </a:fillRef>
+          <a:effectRef idx="1">
+            <a:schemeClr val="dk1"/>
+          </a:effectRef>
+          <a:fontRef idx="minor">
+            <a:schemeClr val="tx1"/>
+          </a:fontRef>
+        </p:style>
+      </p:cxnSp>
+      <p:sp>
+        <p:nvSpPr>
+          <p:cNvPr id="25" name="Cloud 24">
+            <a:extLst>
+              <a:ext uri="{FF2B5EF4-FFF2-40B4-BE49-F238E27FC236}">
+                <a16:creationId xmlns:a16="http://schemas.microsoft.com/office/drawing/2014/main" id="{43181863-2C03-C213-F95C-9C0C6A847E2A}"/>
+              </a:ext>
+            </a:extLst>
+          </p:cNvPr>
+          <p:cNvSpPr/>
+          <p:nvPr/>
+        </p:nvSpPr>
+        <p:spPr>
+          <a:xfrm>
+            <a:off x="8259431" y="2159254"/>
+            <a:ext cx="1602075" cy="914400"/>
+          </a:xfrm>
+          <a:prstGeom prst="cloud">
+            <a:avLst/>
+          </a:prstGeom>
+          <a:noFill/>
+          <a:ln>
+            <a:solidFill>
+              <a:schemeClr val="tx1"/>
+            </a:solidFill>
+          </a:ln>
+        </p:spPr>
+        <p:style>
+          <a:lnRef idx="2">
+            <a:schemeClr val="accent6">
+              <a:shade val="15000"/>
+            </a:schemeClr>
+          </a:lnRef>
+          <a:fillRef idx="1">
+            <a:schemeClr val="accent6"/>
+          </a:fillRef>
+          <a:effectRef idx="0">
+            <a:schemeClr val="accent6"/>
+          </a:effectRef>
+          <a:fontRef idx="minor">
+            <a:schemeClr val="lt1"/>
+          </a:fontRef>
+        </p:style>
+        <p:txBody>
+          <a:bodyPr rtlCol="0" anchor="ctr"/>
+          <a:lstStyle/>
+          <a:p>
+            <a:pPr algn="ctr"/>
+            <a:r>
+              <a:rPr lang="en-US" dirty="0">
+                <a:solidFill>
+                  <a:schemeClr val="tx1"/>
+                </a:solidFill>
+              </a:rPr>
+              <a:t>C</a:t>
+            </a:r>
+            <a:r>
+              <a:rPr lang="en-US" altLang="zh-CN" dirty="0">
+                <a:solidFill>
+                  <a:schemeClr val="tx1"/>
+                </a:solidFill>
+              </a:rPr>
+              <a:t>omb Logic</a:t>
+            </a:r>
+            <a:endParaRPr lang="en-US" dirty="0">
+              <a:solidFill>
+                <a:schemeClr val="tx1"/>
+              </a:solidFill>
+            </a:endParaRPr>
+          </a:p>
+        </p:txBody>
+      </p:sp>
+      <p:sp>
+        <p:nvSpPr>
+          <p:cNvPr id="30" name="Cloud 29">
+            <a:extLst>
+              <a:ext uri="{FF2B5EF4-FFF2-40B4-BE49-F238E27FC236}">
+                <a16:creationId xmlns:a16="http://schemas.microsoft.com/office/drawing/2014/main" id="{21774C65-1C77-AF36-5F3E-0B53D06E71F2}"/>
+              </a:ext>
+            </a:extLst>
+          </p:cNvPr>
+          <p:cNvSpPr/>
+          <p:nvPr/>
+        </p:nvSpPr>
+        <p:spPr>
+          <a:xfrm>
+            <a:off x="2416952" y="2159254"/>
+            <a:ext cx="1602075" cy="914400"/>
+          </a:xfrm>
+          <a:prstGeom prst="cloud">
+            <a:avLst/>
+          </a:prstGeom>
+          <a:noFill/>
+          <a:ln>
+            <a:solidFill>
+              <a:schemeClr val="tx1"/>
+            </a:solidFill>
+          </a:ln>
+        </p:spPr>
+        <p:style>
+          <a:lnRef idx="2">
+            <a:schemeClr val="accent6">
+              <a:shade val="15000"/>
+            </a:schemeClr>
+          </a:lnRef>
+          <a:fillRef idx="1">
+            <a:schemeClr val="accent6"/>
+          </a:fillRef>
+          <a:effectRef idx="0">
+            <a:schemeClr val="accent6"/>
+          </a:effectRef>
+          <a:fontRef idx="minor">
+            <a:schemeClr val="lt1"/>
+          </a:fontRef>
+        </p:style>
+        <p:txBody>
+          <a:bodyPr rtlCol="0" anchor="ctr"/>
+          <a:lstStyle/>
+          <a:p>
+            <a:pPr algn="ctr"/>
+            <a:r>
+              <a:rPr lang="en-US" dirty="0">
+                <a:solidFill>
+                  <a:schemeClr val="tx1"/>
+                </a:solidFill>
+              </a:rPr>
+              <a:t>C</a:t>
+            </a:r>
+            <a:r>
+              <a:rPr lang="en-US" altLang="zh-CN" dirty="0">
+                <a:solidFill>
+                  <a:schemeClr val="tx1"/>
+                </a:solidFill>
+              </a:rPr>
+              <a:t>omb Logic</a:t>
+            </a:r>
+            <a:endParaRPr lang="en-US" dirty="0">
+              <a:solidFill>
+                <a:schemeClr val="tx1"/>
+              </a:solidFill>
+            </a:endParaRPr>
+          </a:p>
+        </p:txBody>
+      </p:sp>
+      <p:grpSp>
+        <p:nvGrpSpPr>
+          <p:cNvPr id="44" name="组合 22">
+            <a:extLst>
+              <a:ext uri="{FF2B5EF4-FFF2-40B4-BE49-F238E27FC236}">
+                <a16:creationId xmlns:a16="http://schemas.microsoft.com/office/drawing/2014/main" id="{4612748E-1106-0F2B-FB8E-18A63A91641B}"/>
+              </a:ext>
+            </a:extLst>
+          </p:cNvPr>
+          <p:cNvGrpSpPr/>
+          <p:nvPr/>
+        </p:nvGrpSpPr>
+        <p:grpSpPr>
+          <a:xfrm>
+            <a:off x="10582362" y="2384996"/>
+            <a:ext cx="1187867" cy="1033153"/>
+            <a:chOff x="2459115" y="1343921"/>
+            <a:chExt cx="1187867" cy="1033153"/>
+          </a:xfrm>
+        </p:grpSpPr>
+        <p:grpSp>
+          <p:nvGrpSpPr>
+            <p:cNvPr id="45" name="组合 9">
+              <a:extLst>
+                <a:ext uri="{FF2B5EF4-FFF2-40B4-BE49-F238E27FC236}">
+                  <a16:creationId xmlns:a16="http://schemas.microsoft.com/office/drawing/2014/main" id="{76F6DA49-D526-F851-6DF8-13EB6DAC629D}"/>
+                </a:ext>
+              </a:extLst>
+            </p:cNvPr>
+            <p:cNvGrpSpPr/>
+            <p:nvPr/>
+          </p:nvGrpSpPr>
+          <p:grpSpPr>
+            <a:xfrm>
+              <a:off x="2661581" y="1343921"/>
+              <a:ext cx="756004" cy="1033153"/>
+              <a:chOff x="2661581" y="1343921"/>
+              <a:chExt cx="756004" cy="1033153"/>
+            </a:xfrm>
+          </p:grpSpPr>
+          <p:sp>
+            <p:nvSpPr>
+              <p:cNvPr id="98" name="矩形 4">
+                <a:extLst>
+                  <a:ext uri="{FF2B5EF4-FFF2-40B4-BE49-F238E27FC236}">
+                    <a16:creationId xmlns:a16="http://schemas.microsoft.com/office/drawing/2014/main" id="{78882B2B-F9E3-BC20-EB0E-433484DF57E5}"/>
+                  </a:ext>
+                </a:extLst>
+              </p:cNvPr>
+              <p:cNvSpPr/>
+              <p:nvPr/>
+            </p:nvSpPr>
+            <p:spPr>
+              <a:xfrm>
+                <a:off x="2765072" y="1343921"/>
+                <a:ext cx="575953" cy="1033153"/>
+              </a:xfrm>
+              <a:prstGeom prst="rect">
+                <a:avLst/>
+              </a:prstGeom>
+              <a:noFill/>
+            </p:spPr>
+            <p:style>
+              <a:lnRef idx="2">
+                <a:schemeClr val="accent1">
+                  <a:shade val="50000"/>
+                </a:schemeClr>
+              </a:lnRef>
+              <a:fillRef idx="1">
+                <a:schemeClr val="accent1"/>
+              </a:fillRef>
+              <a:effectRef idx="0">
+                <a:schemeClr val="accent1"/>
+              </a:effectRef>
+              <a:fontRef idx="minor">
+                <a:schemeClr val="lt1"/>
+              </a:fontRef>
+            </p:style>
+            <p:txBody>
+              <a:bodyPr rtlCol="0" anchor="ctr"/>
+              <a:lstStyle/>
+              <a:p>
+                <a:pPr algn="ctr"/>
+                <a:endParaRPr lang="zh-CN" altLang="en-US" dirty="0">
+                  <a:solidFill>
+                    <a:schemeClr val="tx1"/>
+                  </a:solidFill>
+                </a:endParaRPr>
+              </a:p>
+            </p:txBody>
+          </p:sp>
+          <p:sp>
+            <p:nvSpPr>
+              <p:cNvPr id="99" name="直角三角形 5">
+                <a:extLst>
+                  <a:ext uri="{FF2B5EF4-FFF2-40B4-BE49-F238E27FC236}">
+                    <a16:creationId xmlns:a16="http://schemas.microsoft.com/office/drawing/2014/main" id="{F59E4F2D-E0B0-9D75-6A13-A63A40F19A8F}"/>
+                  </a:ext>
+                </a:extLst>
+              </p:cNvPr>
+              <p:cNvSpPr/>
+              <p:nvPr/>
+            </p:nvSpPr>
+            <p:spPr>
+              <a:xfrm rot="13320000">
+                <a:off x="2661581" y="2001597"/>
+                <a:ext cx="206982" cy="226517"/>
+              </a:xfrm>
+              <a:prstGeom prst="rtTriangle">
+                <a:avLst/>
+              </a:prstGeom>
+              <a:noFill/>
+            </p:spPr>
+            <p:style>
+              <a:lnRef idx="2">
+                <a:schemeClr val="accent1">
+                  <a:shade val="50000"/>
+                </a:schemeClr>
+              </a:lnRef>
+              <a:fillRef idx="1">
+                <a:schemeClr val="accent1"/>
+              </a:fillRef>
+              <a:effectRef idx="0">
+                <a:schemeClr val="accent1"/>
+              </a:effectRef>
+              <a:fontRef idx="minor">
+                <a:schemeClr val="lt1"/>
+              </a:fontRef>
+            </p:style>
+            <p:txBody>
+              <a:bodyPr rtlCol="0" anchor="ctr"/>
+              <a:lstStyle/>
+              <a:p>
+                <a:pPr algn="ctr"/>
+                <a:endParaRPr lang="zh-CN" altLang="en-US"/>
+              </a:p>
+            </p:txBody>
+          </p:sp>
+          <p:sp>
+            <p:nvSpPr>
+              <p:cNvPr id="100" name="文本框 6">
+                <a:extLst>
+                  <a:ext uri="{FF2B5EF4-FFF2-40B4-BE49-F238E27FC236}">
+                    <a16:creationId xmlns:a16="http://schemas.microsoft.com/office/drawing/2014/main" id="{9925DC0F-A3C7-024B-0A51-1DFB1D9BB76C}"/>
+                  </a:ext>
+                </a:extLst>
+              </p:cNvPr>
+              <p:cNvSpPr txBox="1"/>
+              <p:nvPr/>
+            </p:nvSpPr>
+            <p:spPr>
+              <a:xfrm>
+                <a:off x="2692832" y="1391816"/>
+                <a:ext cx="343364" cy="369332"/>
+              </a:xfrm>
+              <a:prstGeom prst="rect">
+                <a:avLst/>
+              </a:prstGeom>
+              <a:noFill/>
+            </p:spPr>
+            <p:txBody>
+              <a:bodyPr wrap="none" rtlCol="0">
+                <a:spAutoFit/>
+              </a:bodyPr>
+              <a:lstStyle/>
+              <a:p>
+                <a:r>
+                  <a:rPr kumimoji="1" lang="en-US" altLang="zh-CN" dirty="0"/>
+                  <a:t>D</a:t>
+                </a:r>
+                <a:endParaRPr kumimoji="1" lang="zh-CN" altLang="en-US" dirty="0"/>
+              </a:p>
+            </p:txBody>
+          </p:sp>
+          <p:sp>
+            <p:nvSpPr>
+              <p:cNvPr id="101" name="文本框 7">
+                <a:extLst>
+                  <a:ext uri="{FF2B5EF4-FFF2-40B4-BE49-F238E27FC236}">
+                    <a16:creationId xmlns:a16="http://schemas.microsoft.com/office/drawing/2014/main" id="{A03CA56C-6E88-02A4-EC88-A0542C615705}"/>
+                  </a:ext>
+                </a:extLst>
+              </p:cNvPr>
+              <p:cNvSpPr txBox="1"/>
+              <p:nvPr/>
+            </p:nvSpPr>
+            <p:spPr>
+              <a:xfrm>
+                <a:off x="2864514" y="1930189"/>
+                <a:ext cx="455574" cy="369332"/>
+              </a:xfrm>
+              <a:prstGeom prst="rect">
+                <a:avLst/>
+              </a:prstGeom>
+              <a:noFill/>
+            </p:spPr>
+            <p:txBody>
+              <a:bodyPr wrap="none" rtlCol="0">
+                <a:spAutoFit/>
+              </a:bodyPr>
+              <a:lstStyle/>
+              <a:p>
+                <a:r>
+                  <a:rPr kumimoji="1" lang="en-US" altLang="zh-CN" dirty="0"/>
+                  <a:t>CK</a:t>
+                </a:r>
+                <a:endParaRPr kumimoji="1" lang="zh-CN" altLang="en-US" dirty="0"/>
+              </a:p>
+            </p:txBody>
+          </p:sp>
+          <p:sp>
+            <p:nvSpPr>
+              <p:cNvPr id="103" name="文本框 8">
+                <a:extLst>
+                  <a:ext uri="{FF2B5EF4-FFF2-40B4-BE49-F238E27FC236}">
+                    <a16:creationId xmlns:a16="http://schemas.microsoft.com/office/drawing/2014/main" id="{FFA7C22C-2726-204B-666C-3FD074826D45}"/>
+                  </a:ext>
+                </a:extLst>
+              </p:cNvPr>
+              <p:cNvSpPr txBox="1"/>
+              <p:nvPr/>
+            </p:nvSpPr>
+            <p:spPr>
+              <a:xfrm>
+                <a:off x="3058191" y="1391816"/>
+                <a:ext cx="359394" cy="369332"/>
+              </a:xfrm>
+              <a:prstGeom prst="rect">
+                <a:avLst/>
+              </a:prstGeom>
+              <a:noFill/>
+            </p:spPr>
+            <p:txBody>
+              <a:bodyPr wrap="none" rtlCol="0">
+                <a:spAutoFit/>
+              </a:bodyPr>
+              <a:lstStyle/>
+              <a:p>
+                <a:r>
+                  <a:rPr kumimoji="1" lang="en-US" altLang="zh-CN" dirty="0"/>
+                  <a:t>Q</a:t>
+                </a:r>
+                <a:endParaRPr kumimoji="1" lang="zh-CN" altLang="en-US" dirty="0"/>
+              </a:p>
+            </p:txBody>
+          </p:sp>
+        </p:grpSp>
+        <p:cxnSp>
+          <p:nvCxnSpPr>
+            <p:cNvPr id="64" name="直线连接符 17">
+              <a:extLst>
+                <a:ext uri="{FF2B5EF4-FFF2-40B4-BE49-F238E27FC236}">
+                  <a16:creationId xmlns:a16="http://schemas.microsoft.com/office/drawing/2014/main" id="{1B50D4A6-DEB3-4D50-ED85-39AEC1467007}"/>
+                </a:ext>
+              </a:extLst>
+            </p:cNvPr>
+            <p:cNvCxnSpPr>
+              <a:cxnSpLocks/>
+            </p:cNvCxnSpPr>
+            <p:nvPr/>
+          </p:nvCxnSpPr>
+          <p:spPr>
+            <a:xfrm>
+              <a:off x="2459115" y="1576482"/>
+              <a:ext cx="305957" cy="0"/>
+            </a:xfrm>
+            <a:prstGeom prst="line">
+              <a:avLst/>
+            </a:prstGeom>
+          </p:spPr>
+          <p:style>
+            <a:lnRef idx="2">
+              <a:schemeClr val="accent1"/>
+            </a:lnRef>
+            <a:fillRef idx="0">
+              <a:schemeClr val="accent1"/>
+            </a:fillRef>
+            <a:effectRef idx="1">
+              <a:schemeClr val="accent1"/>
+            </a:effectRef>
+            <a:fontRef idx="minor">
+              <a:schemeClr val="tx1"/>
+            </a:fontRef>
+          </p:style>
+        </p:cxnSp>
+        <p:cxnSp>
+          <p:nvCxnSpPr>
+            <p:cNvPr id="65" name="直线连接符 19">
+              <a:extLst>
+                <a:ext uri="{FF2B5EF4-FFF2-40B4-BE49-F238E27FC236}">
+                  <a16:creationId xmlns:a16="http://schemas.microsoft.com/office/drawing/2014/main" id="{D1D3C80B-A6D0-3785-233F-23E7E97207D0}"/>
+                </a:ext>
+              </a:extLst>
+            </p:cNvPr>
+            <p:cNvCxnSpPr>
+              <a:cxnSpLocks/>
+            </p:cNvCxnSpPr>
+            <p:nvPr/>
+          </p:nvCxnSpPr>
+          <p:spPr>
+            <a:xfrm>
+              <a:off x="3341025" y="1576482"/>
+              <a:ext cx="305957" cy="0"/>
+            </a:xfrm>
+            <a:prstGeom prst="line">
+              <a:avLst/>
+            </a:prstGeom>
+          </p:spPr>
+          <p:style>
+            <a:lnRef idx="2">
+              <a:schemeClr val="accent1"/>
+            </a:lnRef>
+            <a:fillRef idx="0">
+              <a:schemeClr val="accent1"/>
+            </a:fillRef>
+            <a:effectRef idx="1">
+              <a:schemeClr val="accent1"/>
+            </a:effectRef>
+            <a:fontRef idx="minor">
+              <a:schemeClr val="tx1"/>
+            </a:fontRef>
+          </p:style>
+        </p:cxnSp>
+        <p:cxnSp>
+          <p:nvCxnSpPr>
+            <p:cNvPr id="78" name="直线连接符 20">
+              <a:extLst>
+                <a:ext uri="{FF2B5EF4-FFF2-40B4-BE49-F238E27FC236}">
+                  <a16:creationId xmlns:a16="http://schemas.microsoft.com/office/drawing/2014/main" id="{6A737B39-728C-F305-70DA-EE7EC6269F5E}"/>
+                </a:ext>
+              </a:extLst>
+            </p:cNvPr>
+            <p:cNvCxnSpPr>
+              <a:cxnSpLocks/>
+            </p:cNvCxnSpPr>
+            <p:nvPr/>
+          </p:nvCxnSpPr>
+          <p:spPr>
+            <a:xfrm>
+              <a:off x="2459115" y="2103714"/>
+              <a:ext cx="305957" cy="0"/>
+            </a:xfrm>
+            <a:prstGeom prst="line">
+              <a:avLst/>
+            </a:prstGeom>
+          </p:spPr>
+          <p:style>
+            <a:lnRef idx="2">
+              <a:schemeClr val="accent1"/>
+            </a:lnRef>
+            <a:fillRef idx="0">
+              <a:schemeClr val="accent1"/>
+            </a:fillRef>
+            <a:effectRef idx="1">
+              <a:schemeClr val="accent1"/>
+            </a:effectRef>
+            <a:fontRef idx="minor">
+              <a:schemeClr val="tx1"/>
+            </a:fontRef>
+          </p:style>
+        </p:cxnSp>
+      </p:grpSp>
+      <p:grpSp>
+        <p:nvGrpSpPr>
+          <p:cNvPr id="105" name="组合 22">
+            <a:extLst>
+              <a:ext uri="{FF2B5EF4-FFF2-40B4-BE49-F238E27FC236}">
+                <a16:creationId xmlns:a16="http://schemas.microsoft.com/office/drawing/2014/main" id="{1381E233-5A31-08B4-58E3-9C850A26D6E4}"/>
+              </a:ext>
+            </a:extLst>
+          </p:cNvPr>
+          <p:cNvGrpSpPr/>
+          <p:nvPr/>
+        </p:nvGrpSpPr>
+        <p:grpSpPr>
+          <a:xfrm>
+            <a:off x="469521" y="2384995"/>
+            <a:ext cx="1187867" cy="1033153"/>
+            <a:chOff x="2459115" y="1343921"/>
+            <a:chExt cx="1187867" cy="1033153"/>
+          </a:xfrm>
+        </p:grpSpPr>
+        <p:grpSp>
+          <p:nvGrpSpPr>
+            <p:cNvPr id="108" name="组合 9">
+              <a:extLst>
+                <a:ext uri="{FF2B5EF4-FFF2-40B4-BE49-F238E27FC236}">
+                  <a16:creationId xmlns:a16="http://schemas.microsoft.com/office/drawing/2014/main" id="{0BC269F0-357A-E9CE-EF07-C000C8CD3715}"/>
+                </a:ext>
+              </a:extLst>
+            </p:cNvPr>
+            <p:cNvGrpSpPr/>
+            <p:nvPr/>
+          </p:nvGrpSpPr>
+          <p:grpSpPr>
+            <a:xfrm>
+              <a:off x="2661581" y="1343921"/>
+              <a:ext cx="756004" cy="1033153"/>
+              <a:chOff x="2661581" y="1343921"/>
+              <a:chExt cx="756004" cy="1033153"/>
+            </a:xfrm>
+          </p:grpSpPr>
+          <p:sp>
+            <p:nvSpPr>
+              <p:cNvPr id="121" name="矩形 4">
+                <a:extLst>
+                  <a:ext uri="{FF2B5EF4-FFF2-40B4-BE49-F238E27FC236}">
+                    <a16:creationId xmlns:a16="http://schemas.microsoft.com/office/drawing/2014/main" id="{35B987B4-D3A1-D8ED-6AB8-2D826F108B3C}"/>
+                  </a:ext>
+                </a:extLst>
+              </p:cNvPr>
+              <p:cNvSpPr/>
+              <p:nvPr/>
+            </p:nvSpPr>
+            <p:spPr>
+              <a:xfrm>
+                <a:off x="2765072" y="1343921"/>
+                <a:ext cx="575953" cy="1033153"/>
+              </a:xfrm>
+              <a:prstGeom prst="rect">
+                <a:avLst/>
+              </a:prstGeom>
+              <a:noFill/>
+            </p:spPr>
+            <p:style>
+              <a:lnRef idx="2">
+                <a:schemeClr val="accent1">
+                  <a:shade val="50000"/>
+                </a:schemeClr>
+              </a:lnRef>
+              <a:fillRef idx="1">
+                <a:schemeClr val="accent1"/>
+              </a:fillRef>
+              <a:effectRef idx="0">
+                <a:schemeClr val="accent1"/>
+              </a:effectRef>
+              <a:fontRef idx="minor">
+                <a:schemeClr val="lt1"/>
+              </a:fontRef>
+            </p:style>
+            <p:txBody>
+              <a:bodyPr rtlCol="0" anchor="ctr"/>
+              <a:lstStyle/>
+              <a:p>
+                <a:pPr algn="ctr"/>
+                <a:endParaRPr lang="zh-CN" altLang="en-US" dirty="0">
+                  <a:solidFill>
+                    <a:schemeClr val="tx1"/>
+                  </a:solidFill>
+                </a:endParaRPr>
+              </a:p>
+            </p:txBody>
+          </p:sp>
+          <p:sp>
+            <p:nvSpPr>
+              <p:cNvPr id="122" name="直角三角形 5">
+                <a:extLst>
+                  <a:ext uri="{FF2B5EF4-FFF2-40B4-BE49-F238E27FC236}">
+                    <a16:creationId xmlns:a16="http://schemas.microsoft.com/office/drawing/2014/main" id="{5334B3A7-4290-5A20-5B33-2962BFEFD6F7}"/>
+                  </a:ext>
+                </a:extLst>
+              </p:cNvPr>
+              <p:cNvSpPr/>
+              <p:nvPr/>
+            </p:nvSpPr>
+            <p:spPr>
+              <a:xfrm rot="13320000">
+                <a:off x="2661581" y="2001597"/>
+                <a:ext cx="206982" cy="226517"/>
+              </a:xfrm>
+              <a:prstGeom prst="rtTriangle">
+                <a:avLst/>
+              </a:prstGeom>
+              <a:noFill/>
+            </p:spPr>
+            <p:style>
+              <a:lnRef idx="2">
+                <a:schemeClr val="accent1">
+                  <a:shade val="50000"/>
+                </a:schemeClr>
+              </a:lnRef>
+              <a:fillRef idx="1">
+                <a:schemeClr val="accent1"/>
+              </a:fillRef>
+              <a:effectRef idx="0">
+                <a:schemeClr val="accent1"/>
+              </a:effectRef>
+              <a:fontRef idx="minor">
+                <a:schemeClr val="lt1"/>
+              </a:fontRef>
+            </p:style>
+            <p:txBody>
+              <a:bodyPr rtlCol="0" anchor="ctr"/>
+              <a:lstStyle/>
+              <a:p>
+                <a:pPr algn="ctr"/>
+                <a:endParaRPr lang="zh-CN" altLang="en-US"/>
+              </a:p>
+            </p:txBody>
+          </p:sp>
+          <p:sp>
+            <p:nvSpPr>
+              <p:cNvPr id="124" name="文本框 6">
+                <a:extLst>
+                  <a:ext uri="{FF2B5EF4-FFF2-40B4-BE49-F238E27FC236}">
+                    <a16:creationId xmlns:a16="http://schemas.microsoft.com/office/drawing/2014/main" id="{56DA0B42-7220-4BF2-DC77-2359F6B75AD5}"/>
+                  </a:ext>
+                </a:extLst>
+              </p:cNvPr>
+              <p:cNvSpPr txBox="1"/>
+              <p:nvPr/>
+            </p:nvSpPr>
+            <p:spPr>
+              <a:xfrm>
+                <a:off x="2692832" y="1391816"/>
+                <a:ext cx="343364" cy="369332"/>
+              </a:xfrm>
+              <a:prstGeom prst="rect">
+                <a:avLst/>
+              </a:prstGeom>
+              <a:noFill/>
+            </p:spPr>
+            <p:txBody>
+              <a:bodyPr wrap="none" rtlCol="0">
+                <a:spAutoFit/>
+              </a:bodyPr>
+              <a:lstStyle/>
+              <a:p>
+                <a:r>
+                  <a:rPr kumimoji="1" lang="en-US" altLang="zh-CN" dirty="0"/>
+                  <a:t>D</a:t>
+                </a:r>
+                <a:endParaRPr kumimoji="1" lang="zh-CN" altLang="en-US" dirty="0"/>
+              </a:p>
+            </p:txBody>
+          </p:sp>
+          <p:sp>
+            <p:nvSpPr>
+              <p:cNvPr id="126" name="文本框 7">
+                <a:extLst>
+                  <a:ext uri="{FF2B5EF4-FFF2-40B4-BE49-F238E27FC236}">
+                    <a16:creationId xmlns:a16="http://schemas.microsoft.com/office/drawing/2014/main" id="{0CC5471E-CDCF-282C-E024-FCD2334F9F47}"/>
+                  </a:ext>
+                </a:extLst>
+              </p:cNvPr>
+              <p:cNvSpPr txBox="1"/>
+              <p:nvPr/>
+            </p:nvSpPr>
+            <p:spPr>
+              <a:xfrm>
+                <a:off x="2864514" y="1930189"/>
+                <a:ext cx="455574" cy="369332"/>
+              </a:xfrm>
+              <a:prstGeom prst="rect">
+                <a:avLst/>
+              </a:prstGeom>
+              <a:noFill/>
+            </p:spPr>
+            <p:txBody>
+              <a:bodyPr wrap="none" rtlCol="0">
+                <a:spAutoFit/>
+              </a:bodyPr>
+              <a:lstStyle/>
+              <a:p>
+                <a:r>
+                  <a:rPr kumimoji="1" lang="en-US" altLang="zh-CN" dirty="0"/>
+                  <a:t>CK</a:t>
+                </a:r>
+                <a:endParaRPr kumimoji="1" lang="zh-CN" altLang="en-US" dirty="0"/>
+              </a:p>
+            </p:txBody>
+          </p:sp>
+          <p:sp>
+            <p:nvSpPr>
+              <p:cNvPr id="129" name="文本框 8">
+                <a:extLst>
+                  <a:ext uri="{FF2B5EF4-FFF2-40B4-BE49-F238E27FC236}">
+                    <a16:creationId xmlns:a16="http://schemas.microsoft.com/office/drawing/2014/main" id="{1D991D38-EC41-470F-05B2-EC70F55CDD07}"/>
+                  </a:ext>
+                </a:extLst>
+              </p:cNvPr>
+              <p:cNvSpPr txBox="1"/>
+              <p:nvPr/>
+            </p:nvSpPr>
+            <p:spPr>
+              <a:xfrm>
+                <a:off x="3058191" y="1391816"/>
+                <a:ext cx="359394" cy="369332"/>
+              </a:xfrm>
+              <a:prstGeom prst="rect">
+                <a:avLst/>
+              </a:prstGeom>
+              <a:noFill/>
+            </p:spPr>
+            <p:txBody>
+              <a:bodyPr wrap="none" rtlCol="0">
+                <a:spAutoFit/>
+              </a:bodyPr>
+              <a:lstStyle/>
+              <a:p>
+                <a:r>
+                  <a:rPr kumimoji="1" lang="en-US" altLang="zh-CN" dirty="0"/>
+                  <a:t>Q</a:t>
+                </a:r>
+                <a:endParaRPr kumimoji="1" lang="zh-CN" altLang="en-US" dirty="0"/>
+              </a:p>
+            </p:txBody>
+          </p:sp>
+        </p:grpSp>
+        <p:cxnSp>
+          <p:nvCxnSpPr>
+            <p:cNvPr id="109" name="直线连接符 17">
+              <a:extLst>
+                <a:ext uri="{FF2B5EF4-FFF2-40B4-BE49-F238E27FC236}">
+                  <a16:creationId xmlns:a16="http://schemas.microsoft.com/office/drawing/2014/main" id="{065B3246-C40D-0695-817E-8E71142C34CF}"/>
+                </a:ext>
+              </a:extLst>
+            </p:cNvPr>
+            <p:cNvCxnSpPr>
+              <a:cxnSpLocks/>
+            </p:cNvCxnSpPr>
+            <p:nvPr/>
+          </p:nvCxnSpPr>
+          <p:spPr>
+            <a:xfrm>
+              <a:off x="2459115" y="1576482"/>
+              <a:ext cx="305957" cy="0"/>
+            </a:xfrm>
+            <a:prstGeom prst="line">
+              <a:avLst/>
+            </a:prstGeom>
+          </p:spPr>
+          <p:style>
+            <a:lnRef idx="2">
+              <a:schemeClr val="accent1"/>
+            </a:lnRef>
+            <a:fillRef idx="0">
+              <a:schemeClr val="accent1"/>
+            </a:fillRef>
+            <a:effectRef idx="1">
+              <a:schemeClr val="accent1"/>
+            </a:effectRef>
+            <a:fontRef idx="minor">
+              <a:schemeClr val="tx1"/>
+            </a:fontRef>
+          </p:style>
+        </p:cxnSp>
+        <p:cxnSp>
+          <p:nvCxnSpPr>
+            <p:cNvPr id="113" name="直线连接符 19">
+              <a:extLst>
+                <a:ext uri="{FF2B5EF4-FFF2-40B4-BE49-F238E27FC236}">
+                  <a16:creationId xmlns:a16="http://schemas.microsoft.com/office/drawing/2014/main" id="{7B976035-F1D0-8F79-5D35-3FD973675329}"/>
+                </a:ext>
+              </a:extLst>
+            </p:cNvPr>
+            <p:cNvCxnSpPr>
+              <a:cxnSpLocks/>
+            </p:cNvCxnSpPr>
+            <p:nvPr/>
+          </p:nvCxnSpPr>
+          <p:spPr>
+            <a:xfrm>
+              <a:off x="3341025" y="1576482"/>
+              <a:ext cx="305957" cy="0"/>
+            </a:xfrm>
+            <a:prstGeom prst="line">
+              <a:avLst/>
+            </a:prstGeom>
+          </p:spPr>
+          <p:style>
+            <a:lnRef idx="2">
+              <a:schemeClr val="accent1"/>
+            </a:lnRef>
+            <a:fillRef idx="0">
+              <a:schemeClr val="accent1"/>
+            </a:fillRef>
+            <a:effectRef idx="1">
+              <a:schemeClr val="accent1"/>
+            </a:effectRef>
+            <a:fontRef idx="minor">
+              <a:schemeClr val="tx1"/>
+            </a:fontRef>
+          </p:style>
+        </p:cxnSp>
+        <p:cxnSp>
+          <p:nvCxnSpPr>
+            <p:cNvPr id="114" name="直线连接符 20">
+              <a:extLst>
+                <a:ext uri="{FF2B5EF4-FFF2-40B4-BE49-F238E27FC236}">
+                  <a16:creationId xmlns:a16="http://schemas.microsoft.com/office/drawing/2014/main" id="{73618EDC-C29A-8029-AEFE-4F098406F4EF}"/>
+                </a:ext>
+              </a:extLst>
+            </p:cNvPr>
+            <p:cNvCxnSpPr>
+              <a:cxnSpLocks/>
+            </p:cNvCxnSpPr>
+            <p:nvPr/>
+          </p:nvCxnSpPr>
+          <p:spPr>
+            <a:xfrm>
+              <a:off x="2459115" y="2103714"/>
+              <a:ext cx="305957" cy="0"/>
+            </a:xfrm>
+            <a:prstGeom prst="line">
+              <a:avLst/>
+            </a:prstGeom>
+          </p:spPr>
+          <p:style>
+            <a:lnRef idx="2">
+              <a:schemeClr val="accent1"/>
+            </a:lnRef>
+            <a:fillRef idx="0">
+              <a:schemeClr val="accent1"/>
+            </a:fillRef>
+            <a:effectRef idx="1">
+              <a:schemeClr val="accent1"/>
+            </a:effectRef>
+            <a:fontRef idx="minor">
+              <a:schemeClr val="tx1"/>
+            </a:fontRef>
+          </p:style>
+        </p:cxnSp>
+      </p:grpSp>
+      <p:sp>
+        <p:nvSpPr>
+          <p:cNvPr id="133" name="Rectangle 132">
+            <a:extLst>
+              <a:ext uri="{FF2B5EF4-FFF2-40B4-BE49-F238E27FC236}">
+                <a16:creationId xmlns:a16="http://schemas.microsoft.com/office/drawing/2014/main" id="{C525E765-B244-74AF-715E-E8E72948BBE6}"/>
+              </a:ext>
+            </a:extLst>
+          </p:cNvPr>
+          <p:cNvSpPr/>
+          <p:nvPr/>
+        </p:nvSpPr>
+        <p:spPr>
+          <a:xfrm>
+            <a:off x="2032380" y="1405156"/>
+            <a:ext cx="8191120" cy="4047687"/>
+          </a:xfrm>
+          <a:prstGeom prst="rect">
+            <a:avLst/>
+          </a:prstGeom>
+          <a:noFill/>
+          <a:ln>
+            <a:prstDash val="dash"/>
+          </a:ln>
+        </p:spPr>
+        <p:style>
+          <a:lnRef idx="2">
+            <a:schemeClr val="accent1">
+              <a:shade val="15000"/>
+            </a:schemeClr>
+          </a:lnRef>
+          <a:fillRef idx="1">
+            <a:schemeClr val="accent1"/>
+          </a:fillRef>
+          <a:effectRef idx="0">
+            <a:schemeClr val="accent1"/>
+          </a:effectRef>
+          <a:fontRef idx="minor">
+            <a:schemeClr val="lt1"/>
+          </a:fontRef>
+        </p:style>
+        <p:txBody>
+          <a:bodyPr rtlCol="0" anchor="ctr"/>
+          <a:lstStyle/>
+          <a:p>
+            <a:pPr algn="ctr"/>
+            <a:endParaRPr lang="en-US"/>
+          </a:p>
+        </p:txBody>
+      </p:sp>
+      <p:cxnSp>
+        <p:nvCxnSpPr>
+          <p:cNvPr id="137" name="Straight Connector 136">
+            <a:extLst>
+              <a:ext uri="{FF2B5EF4-FFF2-40B4-BE49-F238E27FC236}">
+                <a16:creationId xmlns:a16="http://schemas.microsoft.com/office/drawing/2014/main" id="{043A6C25-F3C6-CDF6-0970-BA6835FD8B31}"/>
+              </a:ext>
+            </a:extLst>
+          </p:cNvPr>
+          <p:cNvCxnSpPr>
+            <a:cxnSpLocks/>
+            <a:endCxn id="30" idx="2"/>
+          </p:cNvCxnSpPr>
+          <p:nvPr/>
+        </p:nvCxnSpPr>
+        <p:spPr>
+          <a:xfrm>
+            <a:off x="1619724" y="2616454"/>
+            <a:ext cx="802197" cy="0"/>
+          </a:xfrm>
+          <a:prstGeom prst="line">
+            <a:avLst/>
+          </a:prstGeom>
+        </p:spPr>
+        <p:style>
+          <a:lnRef idx="2">
+            <a:schemeClr val="accent1"/>
+          </a:lnRef>
+          <a:fillRef idx="0">
+            <a:schemeClr val="accent1"/>
+          </a:fillRef>
+          <a:effectRef idx="1">
+            <a:schemeClr val="accent1"/>
+          </a:effectRef>
+          <a:fontRef idx="minor">
+            <a:schemeClr val="tx1"/>
+          </a:fontRef>
+        </p:style>
+      </p:cxnSp>
+      <p:cxnSp>
+        <p:nvCxnSpPr>
+          <p:cNvPr id="141" name="Straight Connector 140">
+            <a:extLst>
+              <a:ext uri="{FF2B5EF4-FFF2-40B4-BE49-F238E27FC236}">
+                <a16:creationId xmlns:a16="http://schemas.microsoft.com/office/drawing/2014/main" id="{207E179C-A456-B6FC-081F-DE4A94840493}"/>
+              </a:ext>
+            </a:extLst>
+          </p:cNvPr>
+          <p:cNvCxnSpPr>
+            <a:cxnSpLocks/>
+            <a:stCxn id="25" idx="0"/>
+          </p:cNvCxnSpPr>
+          <p:nvPr/>
+        </p:nvCxnSpPr>
+        <p:spPr>
+          <a:xfrm>
+            <a:off x="9860171" y="2616454"/>
+            <a:ext cx="774143" cy="0"/>
+          </a:xfrm>
+          <a:prstGeom prst="line">
+            <a:avLst/>
+          </a:prstGeom>
+        </p:spPr>
+        <p:style>
+          <a:lnRef idx="2">
+            <a:schemeClr val="accent1"/>
+          </a:lnRef>
+          <a:fillRef idx="0">
+            <a:schemeClr val="accent1"/>
+          </a:fillRef>
+          <a:effectRef idx="1">
+            <a:schemeClr val="accent1"/>
+          </a:effectRef>
+          <a:fontRef idx="minor">
+            <a:schemeClr val="tx1"/>
+          </a:fontRef>
+        </p:style>
+      </p:cxnSp>
+      <p:sp>
+        <p:nvSpPr>
+          <p:cNvPr id="168" name="Flowchart: Summing Junction 167">
+            <a:extLst>
+              <a:ext uri="{FF2B5EF4-FFF2-40B4-BE49-F238E27FC236}">
+                <a16:creationId xmlns:a16="http://schemas.microsoft.com/office/drawing/2014/main" id="{4929E9C5-F45B-7450-04B3-45FB51416287}"/>
+              </a:ext>
+            </a:extLst>
+          </p:cNvPr>
+          <p:cNvSpPr/>
+          <p:nvPr/>
+        </p:nvSpPr>
+        <p:spPr>
+          <a:xfrm>
+            <a:off x="1959758" y="2544454"/>
+            <a:ext cx="144000" cy="144000"/>
+          </a:xfrm>
+          <a:prstGeom prst="flowChartSummingJunction">
+            <a:avLst/>
+          </a:prstGeom>
+          <a:solidFill>
+            <a:schemeClr val="bg1"/>
+          </a:solidFill>
+        </p:spPr>
+        <p:style>
+          <a:lnRef idx="2">
+            <a:schemeClr val="accent1">
+              <a:shade val="15000"/>
+            </a:schemeClr>
+          </a:lnRef>
+          <a:fillRef idx="1">
+            <a:schemeClr val="accent1"/>
+          </a:fillRef>
+          <a:effectRef idx="0">
+            <a:schemeClr val="accent1"/>
+          </a:effectRef>
+          <a:fontRef idx="minor">
+            <a:schemeClr val="lt1"/>
+          </a:fontRef>
+        </p:style>
+        <p:txBody>
+          <a:bodyPr rtlCol="0" anchor="ctr"/>
+          <a:lstStyle/>
+          <a:p>
+            <a:pPr algn="ctr"/>
+            <a:endParaRPr lang="en-US"/>
+          </a:p>
+        </p:txBody>
+      </p:sp>
+      <p:sp>
+        <p:nvSpPr>
+          <p:cNvPr id="169" name="Flowchart: Summing Junction 168">
+            <a:extLst>
+              <a:ext uri="{FF2B5EF4-FFF2-40B4-BE49-F238E27FC236}">
+                <a16:creationId xmlns:a16="http://schemas.microsoft.com/office/drawing/2014/main" id="{0E95B290-9CAD-C95D-2F19-C2EBA5CF6D31}"/>
+              </a:ext>
+            </a:extLst>
+          </p:cNvPr>
+          <p:cNvSpPr/>
+          <p:nvPr/>
+        </p:nvSpPr>
+        <p:spPr>
+          <a:xfrm>
+            <a:off x="10151500" y="2544454"/>
+            <a:ext cx="144000" cy="144000"/>
+          </a:xfrm>
+          <a:prstGeom prst="flowChartSummingJunction">
+            <a:avLst/>
+          </a:prstGeom>
+          <a:solidFill>
+            <a:schemeClr val="bg1"/>
+          </a:solidFill>
+        </p:spPr>
+        <p:style>
+          <a:lnRef idx="2">
+            <a:schemeClr val="accent1">
+              <a:shade val="15000"/>
+            </a:schemeClr>
+          </a:lnRef>
+          <a:fillRef idx="1">
+            <a:schemeClr val="accent1"/>
+          </a:fillRef>
+          <a:effectRef idx="0">
+            <a:schemeClr val="accent1"/>
+          </a:effectRef>
+          <a:fontRef idx="minor">
+            <a:schemeClr val="lt1"/>
+          </a:fontRef>
+        </p:style>
+        <p:txBody>
+          <a:bodyPr rtlCol="0" anchor="ctr"/>
+          <a:lstStyle/>
+          <a:p>
+            <a:pPr algn="ctr"/>
+            <a:endParaRPr lang="en-US"/>
+          </a:p>
+        </p:txBody>
+      </p:sp>
+      <p:sp>
+        <p:nvSpPr>
+          <p:cNvPr id="170" name="Isosceles Triangle 169">
+            <a:extLst>
+              <a:ext uri="{FF2B5EF4-FFF2-40B4-BE49-F238E27FC236}">
+                <a16:creationId xmlns:a16="http://schemas.microsoft.com/office/drawing/2014/main" id="{84590C10-03D3-9577-64D7-6FBB355364A9}"/>
+              </a:ext>
+            </a:extLst>
+          </p:cNvPr>
+          <p:cNvSpPr/>
+          <p:nvPr/>
+        </p:nvSpPr>
+        <p:spPr>
+          <a:xfrm rot="5400000">
+            <a:off x="2736044" y="3555661"/>
+            <a:ext cx="475988" cy="343364"/>
+          </a:xfrm>
+          <a:prstGeom prst="triangle">
+            <a:avLst/>
+          </a:prstGeom>
+          <a:solidFill>
+            <a:schemeClr val="bg1"/>
+          </a:solidFill>
+        </p:spPr>
+        <p:style>
+          <a:lnRef idx="2">
+            <a:schemeClr val="accent1">
+              <a:shade val="15000"/>
+            </a:schemeClr>
+          </a:lnRef>
+          <a:fillRef idx="1">
+            <a:schemeClr val="accent1"/>
+          </a:fillRef>
+          <a:effectRef idx="0">
+            <a:schemeClr val="accent1"/>
+          </a:effectRef>
+          <a:fontRef idx="minor">
+            <a:schemeClr val="lt1"/>
+          </a:fontRef>
+        </p:style>
+        <p:txBody>
+          <a:bodyPr rtlCol="0" anchor="ctr"/>
+          <a:lstStyle/>
+          <a:p>
+            <a:pPr algn="ctr"/>
+            <a:endParaRPr lang="en-US"/>
+          </a:p>
+        </p:txBody>
+      </p:sp>
+      <p:cxnSp>
+        <p:nvCxnSpPr>
+          <p:cNvPr id="172" name="Straight Connector 171">
+            <a:extLst>
+              <a:ext uri="{FF2B5EF4-FFF2-40B4-BE49-F238E27FC236}">
+                <a16:creationId xmlns:a16="http://schemas.microsoft.com/office/drawing/2014/main" id="{FF06E354-1F1B-1DC9-B00D-A0395F2C12BF}"/>
+              </a:ext>
+            </a:extLst>
+          </p:cNvPr>
+          <p:cNvCxnSpPr>
+            <a:cxnSpLocks/>
+            <a:stCxn id="170" idx="3"/>
+          </p:cNvCxnSpPr>
+          <p:nvPr/>
+        </p:nvCxnSpPr>
+        <p:spPr>
+          <a:xfrm flipH="1">
+            <a:off x="2032380" y="3727343"/>
+            <a:ext cx="769976" cy="0"/>
+          </a:xfrm>
+          <a:prstGeom prst="line">
+            <a:avLst/>
+          </a:prstGeom>
+        </p:spPr>
+        <p:style>
+          <a:lnRef idx="2">
+            <a:schemeClr val="dk1"/>
+          </a:lnRef>
+          <a:fillRef idx="0">
+            <a:schemeClr val="dk1"/>
+          </a:fillRef>
+          <a:effectRef idx="1">
+            <a:schemeClr val="dk1"/>
+          </a:effectRef>
+          <a:fontRef idx="minor">
+            <a:schemeClr val="tx1"/>
+          </a:fontRef>
+        </p:style>
+      </p:cxnSp>
+      <p:sp>
+        <p:nvSpPr>
+          <p:cNvPr id="174" name="Flowchart: Summing Junction 173">
+            <a:extLst>
+              <a:ext uri="{FF2B5EF4-FFF2-40B4-BE49-F238E27FC236}">
+                <a16:creationId xmlns:a16="http://schemas.microsoft.com/office/drawing/2014/main" id="{A3FF9CB0-79B6-A07B-82C7-39035E0C659D}"/>
+              </a:ext>
+            </a:extLst>
+          </p:cNvPr>
+          <p:cNvSpPr/>
+          <p:nvPr/>
+        </p:nvSpPr>
+        <p:spPr>
+          <a:xfrm>
+            <a:off x="1968500" y="3655343"/>
+            <a:ext cx="144000" cy="144000"/>
+          </a:xfrm>
+          <a:prstGeom prst="flowChartSummingJunction">
+            <a:avLst/>
+          </a:prstGeom>
+          <a:solidFill>
+            <a:schemeClr val="bg1"/>
+          </a:solidFill>
+        </p:spPr>
+        <p:style>
+          <a:lnRef idx="2">
+            <a:schemeClr val="accent1">
+              <a:shade val="15000"/>
+            </a:schemeClr>
+          </a:lnRef>
+          <a:fillRef idx="1">
+            <a:schemeClr val="accent1"/>
+          </a:fillRef>
+          <a:effectRef idx="0">
+            <a:schemeClr val="accent1"/>
+          </a:effectRef>
+          <a:fontRef idx="minor">
+            <a:schemeClr val="lt1"/>
+          </a:fontRef>
+        </p:style>
+        <p:txBody>
+          <a:bodyPr rtlCol="0" anchor="ctr"/>
+          <a:lstStyle/>
+          <a:p>
+            <a:pPr algn="ctr"/>
+            <a:endParaRPr lang="en-US"/>
+          </a:p>
+        </p:txBody>
+      </p:sp>
+      <p:sp>
+        <p:nvSpPr>
+          <p:cNvPr id="175" name="Cloud 174">
+            <a:extLst>
+              <a:ext uri="{FF2B5EF4-FFF2-40B4-BE49-F238E27FC236}">
+                <a16:creationId xmlns:a16="http://schemas.microsoft.com/office/drawing/2014/main" id="{481A4F8F-845A-6D7C-FB8E-13E662497FB6}"/>
+              </a:ext>
+            </a:extLst>
+          </p:cNvPr>
+          <p:cNvSpPr/>
+          <p:nvPr/>
+        </p:nvSpPr>
+        <p:spPr>
+          <a:xfrm>
+            <a:off x="5326902" y="4081244"/>
+            <a:ext cx="1602075" cy="914400"/>
+          </a:xfrm>
+          <a:prstGeom prst="cloud">
+            <a:avLst/>
+          </a:prstGeom>
+          <a:noFill/>
+          <a:ln>
+            <a:solidFill>
+              <a:schemeClr val="tx1"/>
+            </a:solidFill>
+          </a:ln>
+        </p:spPr>
+        <p:style>
+          <a:lnRef idx="2">
+            <a:schemeClr val="accent6">
+              <a:shade val="15000"/>
+            </a:schemeClr>
+          </a:lnRef>
+          <a:fillRef idx="1">
+            <a:schemeClr val="accent6"/>
+          </a:fillRef>
+          <a:effectRef idx="0">
+            <a:schemeClr val="accent6"/>
+          </a:effectRef>
+          <a:fontRef idx="minor">
+            <a:schemeClr val="lt1"/>
+          </a:fontRef>
+        </p:style>
+        <p:txBody>
+          <a:bodyPr rtlCol="0" anchor="ctr"/>
+          <a:lstStyle/>
+          <a:p>
+            <a:pPr algn="ctr"/>
+            <a:r>
+              <a:rPr lang="en-US" dirty="0">
+                <a:solidFill>
+                  <a:schemeClr val="tx1"/>
+                </a:solidFill>
+              </a:rPr>
+              <a:t>C</a:t>
+            </a:r>
+            <a:r>
+              <a:rPr lang="en-US" altLang="zh-CN" dirty="0">
+                <a:solidFill>
+                  <a:schemeClr val="tx1"/>
+                </a:solidFill>
+              </a:rPr>
+              <a:t>omb Logic</a:t>
+            </a:r>
+            <a:endParaRPr lang="en-US" dirty="0">
+              <a:solidFill>
+                <a:schemeClr val="tx1"/>
+              </a:solidFill>
+            </a:endParaRPr>
+          </a:p>
+        </p:txBody>
+      </p:sp>
+      <p:cxnSp>
+        <p:nvCxnSpPr>
+          <p:cNvPr id="176" name="Straight Connector 175">
+            <a:extLst>
+              <a:ext uri="{FF2B5EF4-FFF2-40B4-BE49-F238E27FC236}">
+                <a16:creationId xmlns:a16="http://schemas.microsoft.com/office/drawing/2014/main" id="{6F1CB588-6EC1-B011-0CFB-5EE5A388DF12}"/>
+              </a:ext>
+            </a:extLst>
+          </p:cNvPr>
+          <p:cNvCxnSpPr>
+            <a:cxnSpLocks/>
+            <a:stCxn id="175" idx="2"/>
+          </p:cNvCxnSpPr>
+          <p:nvPr/>
+        </p:nvCxnSpPr>
+        <p:spPr>
+          <a:xfrm flipH="1">
+            <a:off x="2040500" y="4538444"/>
+            <a:ext cx="3291371" cy="0"/>
+          </a:xfrm>
+          <a:prstGeom prst="line">
+            <a:avLst/>
+          </a:prstGeom>
+        </p:spPr>
+        <p:style>
+          <a:lnRef idx="2">
+            <a:schemeClr val="dk1"/>
+          </a:lnRef>
+          <a:fillRef idx="0">
+            <a:schemeClr val="dk1"/>
+          </a:fillRef>
+          <a:effectRef idx="1">
+            <a:schemeClr val="dk1"/>
+          </a:effectRef>
+          <a:fontRef idx="minor">
+            <a:schemeClr val="tx1"/>
+          </a:fontRef>
+        </p:style>
+      </p:cxnSp>
+      <p:cxnSp>
+        <p:nvCxnSpPr>
+          <p:cNvPr id="179" name="Straight Connector 178">
+            <a:extLst>
+              <a:ext uri="{FF2B5EF4-FFF2-40B4-BE49-F238E27FC236}">
+                <a16:creationId xmlns:a16="http://schemas.microsoft.com/office/drawing/2014/main" id="{DDEBFA44-0B46-1E80-3AD7-7EB5828D20AE}"/>
+              </a:ext>
+            </a:extLst>
+          </p:cNvPr>
+          <p:cNvCxnSpPr>
+            <a:cxnSpLocks/>
+            <a:endCxn id="175" idx="0"/>
+          </p:cNvCxnSpPr>
+          <p:nvPr/>
+        </p:nvCxnSpPr>
+        <p:spPr>
+          <a:xfrm flipH="1">
+            <a:off x="6927642" y="4538444"/>
+            <a:ext cx="3295857" cy="0"/>
+          </a:xfrm>
+          <a:prstGeom prst="line">
+            <a:avLst/>
+          </a:prstGeom>
+        </p:spPr>
+        <p:style>
+          <a:lnRef idx="2">
+            <a:schemeClr val="dk1"/>
+          </a:lnRef>
+          <a:fillRef idx="0">
+            <a:schemeClr val="dk1"/>
+          </a:fillRef>
+          <a:effectRef idx="1">
+            <a:schemeClr val="dk1"/>
+          </a:effectRef>
+          <a:fontRef idx="minor">
+            <a:schemeClr val="tx1"/>
+          </a:fontRef>
+        </p:style>
+      </p:cxnSp>
+      <p:sp>
+        <p:nvSpPr>
+          <p:cNvPr id="182" name="Flowchart: Summing Junction 181">
+            <a:extLst>
+              <a:ext uri="{FF2B5EF4-FFF2-40B4-BE49-F238E27FC236}">
+                <a16:creationId xmlns:a16="http://schemas.microsoft.com/office/drawing/2014/main" id="{D4F64ED4-426E-F0B4-BCE2-BB6DC9585E80}"/>
+              </a:ext>
+            </a:extLst>
+          </p:cNvPr>
+          <p:cNvSpPr/>
+          <p:nvPr/>
+        </p:nvSpPr>
+        <p:spPr>
+          <a:xfrm>
+            <a:off x="1959758" y="4466444"/>
+            <a:ext cx="144000" cy="144000"/>
+          </a:xfrm>
+          <a:prstGeom prst="flowChartSummingJunction">
+            <a:avLst/>
+          </a:prstGeom>
+          <a:solidFill>
+            <a:schemeClr val="bg1"/>
+          </a:solidFill>
+        </p:spPr>
+        <p:style>
+          <a:lnRef idx="2">
+            <a:schemeClr val="accent1">
+              <a:shade val="15000"/>
+            </a:schemeClr>
+          </a:lnRef>
+          <a:fillRef idx="1">
+            <a:schemeClr val="accent1"/>
+          </a:fillRef>
+          <a:effectRef idx="0">
+            <a:schemeClr val="accent1"/>
+          </a:effectRef>
+          <a:fontRef idx="minor">
+            <a:schemeClr val="lt1"/>
+          </a:fontRef>
+        </p:style>
+        <p:txBody>
+          <a:bodyPr rtlCol="0" anchor="ctr"/>
+          <a:lstStyle/>
+          <a:p>
+            <a:pPr algn="ctr"/>
+            <a:endParaRPr lang="en-US"/>
+          </a:p>
+        </p:txBody>
+      </p:sp>
+      <p:sp>
+        <p:nvSpPr>
+          <p:cNvPr id="183" name="Flowchart: Summing Junction 182">
+            <a:extLst>
+              <a:ext uri="{FF2B5EF4-FFF2-40B4-BE49-F238E27FC236}">
+                <a16:creationId xmlns:a16="http://schemas.microsoft.com/office/drawing/2014/main" id="{0CCE01E9-2A21-1D3C-300C-4A65D6548C02}"/>
+              </a:ext>
+            </a:extLst>
+          </p:cNvPr>
+          <p:cNvSpPr/>
+          <p:nvPr/>
+        </p:nvSpPr>
+        <p:spPr>
+          <a:xfrm>
+            <a:off x="10151500" y="4466444"/>
+            <a:ext cx="144000" cy="144000"/>
+          </a:xfrm>
+          <a:prstGeom prst="flowChartSummingJunction">
+            <a:avLst/>
+          </a:prstGeom>
+          <a:solidFill>
+            <a:schemeClr val="bg1"/>
+          </a:solidFill>
+        </p:spPr>
+        <p:style>
+          <a:lnRef idx="2">
+            <a:schemeClr val="accent1">
+              <a:shade val="15000"/>
+            </a:schemeClr>
+          </a:lnRef>
+          <a:fillRef idx="1">
+            <a:schemeClr val="accent1"/>
+          </a:fillRef>
+          <a:effectRef idx="0">
+            <a:schemeClr val="accent1"/>
+          </a:effectRef>
+          <a:fontRef idx="minor">
+            <a:schemeClr val="lt1"/>
+          </a:fontRef>
+        </p:style>
+        <p:txBody>
+          <a:bodyPr rtlCol="0" anchor="ctr"/>
+          <a:lstStyle/>
+          <a:p>
+            <a:pPr algn="ctr"/>
+            <a:endParaRPr lang="en-US"/>
+          </a:p>
+        </p:txBody>
+      </p:sp>
+      <p:sp>
+        <p:nvSpPr>
+          <p:cNvPr id="184" name="TextBox 183">
+            <a:extLst>
+              <a:ext uri="{FF2B5EF4-FFF2-40B4-BE49-F238E27FC236}">
+                <a16:creationId xmlns:a16="http://schemas.microsoft.com/office/drawing/2014/main" id="{D0DC24EA-819B-15CA-6239-42D87E4B78E8}"/>
+              </a:ext>
+            </a:extLst>
+          </p:cNvPr>
+          <p:cNvSpPr txBox="1"/>
+          <p:nvPr/>
+        </p:nvSpPr>
+        <p:spPr>
+          <a:xfrm>
+            <a:off x="1496158" y="2225090"/>
+            <a:ext cx="569387" cy="369332"/>
+          </a:xfrm>
+          <a:prstGeom prst="rect">
+            <a:avLst/>
+          </a:prstGeom>
+          <a:noFill/>
+        </p:spPr>
+        <p:txBody>
+          <a:bodyPr wrap="none" rtlCol="0">
+            <a:spAutoFit/>
+          </a:bodyPr>
+          <a:lstStyle/>
+          <a:p>
+            <a:r>
+              <a:rPr lang="en-US" dirty="0"/>
+              <a:t>DIN</a:t>
+            </a:r>
+          </a:p>
+        </p:txBody>
+      </p:sp>
+      <p:sp>
+        <p:nvSpPr>
+          <p:cNvPr id="185" name="TextBox 184">
+            <a:extLst>
+              <a:ext uri="{FF2B5EF4-FFF2-40B4-BE49-F238E27FC236}">
+                <a16:creationId xmlns:a16="http://schemas.microsoft.com/office/drawing/2014/main" id="{E18C5C0C-7141-E3DD-7535-48D064AE7EE0}"/>
+              </a:ext>
+            </a:extLst>
+          </p:cNvPr>
+          <p:cNvSpPr txBox="1"/>
+          <p:nvPr/>
+        </p:nvSpPr>
+        <p:spPr>
+          <a:xfrm>
+            <a:off x="1482782" y="3378971"/>
+            <a:ext cx="562975" cy="369332"/>
+          </a:xfrm>
+          <a:prstGeom prst="rect">
+            <a:avLst/>
+          </a:prstGeom>
+          <a:noFill/>
+        </p:spPr>
+        <p:txBody>
+          <a:bodyPr wrap="none" rtlCol="0">
+            <a:spAutoFit/>
+          </a:bodyPr>
+          <a:lstStyle/>
+          <a:p>
+            <a:r>
+              <a:rPr lang="en-US" dirty="0"/>
+              <a:t>CLK</a:t>
+            </a:r>
+          </a:p>
+        </p:txBody>
+      </p:sp>
+      <p:sp>
+        <p:nvSpPr>
+          <p:cNvPr id="187" name="TextBox 186">
+            <a:extLst>
+              <a:ext uri="{FF2B5EF4-FFF2-40B4-BE49-F238E27FC236}">
+                <a16:creationId xmlns:a16="http://schemas.microsoft.com/office/drawing/2014/main" id="{AFFB24E4-3DF1-6121-EC70-C26EA579D78B}"/>
+              </a:ext>
+            </a:extLst>
+          </p:cNvPr>
+          <p:cNvSpPr txBox="1"/>
+          <p:nvPr/>
+        </p:nvSpPr>
+        <p:spPr>
+          <a:xfrm>
+            <a:off x="10173548" y="2218298"/>
+            <a:ext cx="792205" cy="369332"/>
+          </a:xfrm>
+          <a:prstGeom prst="rect">
+            <a:avLst/>
+          </a:prstGeom>
+          <a:noFill/>
+        </p:spPr>
+        <p:txBody>
+          <a:bodyPr wrap="none" rtlCol="0">
+            <a:spAutoFit/>
+          </a:bodyPr>
+          <a:lstStyle/>
+          <a:p>
+            <a:r>
+              <a:rPr lang="en-US" dirty="0"/>
+              <a:t>DOUT</a:t>
+            </a:r>
+          </a:p>
+        </p:txBody>
+      </p:sp>
+      <p:cxnSp>
+        <p:nvCxnSpPr>
+          <p:cNvPr id="189" name="Connector: Curved 188">
+            <a:extLst>
+              <a:ext uri="{FF2B5EF4-FFF2-40B4-BE49-F238E27FC236}">
+                <a16:creationId xmlns:a16="http://schemas.microsoft.com/office/drawing/2014/main" id="{F9FB5622-0273-0106-50E0-9970AAFF713F}"/>
+              </a:ext>
+            </a:extLst>
+          </p:cNvPr>
+          <p:cNvCxnSpPr>
+            <a:cxnSpLocks/>
+            <a:stCxn id="174" idx="6"/>
+            <a:endCxn id="10" idx="0"/>
+          </p:cNvCxnSpPr>
+          <p:nvPr/>
+        </p:nvCxnSpPr>
+        <p:spPr>
+          <a:xfrm flipV="1">
+            <a:off x="2112500" y="3309350"/>
+            <a:ext cx="2207104" cy="417993"/>
+          </a:xfrm>
+          <a:prstGeom prst="curvedConnector2">
+            <a:avLst/>
+          </a:prstGeom>
+          <a:ln>
+            <a:tailEnd type="triangle"/>
+          </a:ln>
+        </p:spPr>
+        <p:style>
+          <a:lnRef idx="2">
+            <a:schemeClr val="accent2"/>
+          </a:lnRef>
+          <a:fillRef idx="0">
+            <a:schemeClr val="accent2"/>
+          </a:fillRef>
+          <a:effectRef idx="1">
+            <a:schemeClr val="accent2"/>
+          </a:effectRef>
+          <a:fontRef idx="minor">
+            <a:schemeClr val="tx1"/>
+          </a:fontRef>
+        </p:style>
+      </p:cxnSp>
+      <p:cxnSp>
+        <p:nvCxnSpPr>
+          <p:cNvPr id="191" name="Connector: Curved 190">
+            <a:extLst>
+              <a:ext uri="{FF2B5EF4-FFF2-40B4-BE49-F238E27FC236}">
+                <a16:creationId xmlns:a16="http://schemas.microsoft.com/office/drawing/2014/main" id="{4A71AFAB-9A0A-30D3-47E7-043F84498CBE}"/>
+              </a:ext>
+            </a:extLst>
+          </p:cNvPr>
+          <p:cNvCxnSpPr>
+            <a:cxnSpLocks/>
+            <a:stCxn id="174" idx="6"/>
+            <a:endCxn id="20" idx="0"/>
+          </p:cNvCxnSpPr>
+          <p:nvPr/>
+        </p:nvCxnSpPr>
+        <p:spPr>
+          <a:xfrm flipV="1">
+            <a:off x="2112500" y="3309349"/>
+            <a:ext cx="5259011" cy="417994"/>
+          </a:xfrm>
+          <a:prstGeom prst="curvedConnector2">
+            <a:avLst/>
+          </a:prstGeom>
+          <a:ln>
+            <a:solidFill>
+              <a:schemeClr val="accent5">
+                <a:lumMod val="60000"/>
+                <a:lumOff val="40000"/>
+              </a:schemeClr>
+            </a:solidFill>
+            <a:tailEnd type="triangle"/>
+          </a:ln>
+        </p:spPr>
+        <p:style>
+          <a:lnRef idx="2">
+            <a:schemeClr val="accent1"/>
+          </a:lnRef>
+          <a:fillRef idx="0">
+            <a:schemeClr val="accent1"/>
+          </a:fillRef>
+          <a:effectRef idx="1">
+            <a:schemeClr val="accent1"/>
+          </a:effectRef>
+          <a:fontRef idx="minor">
+            <a:schemeClr val="tx1"/>
+          </a:fontRef>
+        </p:style>
+      </p:cxnSp>
+      <p:sp>
+        <p:nvSpPr>
+          <p:cNvPr id="202" name="Freeform: Shape 201">
+            <a:extLst>
+              <a:ext uri="{FF2B5EF4-FFF2-40B4-BE49-F238E27FC236}">
+                <a16:creationId xmlns:a16="http://schemas.microsoft.com/office/drawing/2014/main" id="{81F3917C-2B3C-930F-434C-629746A93960}"/>
+              </a:ext>
+            </a:extLst>
+          </p:cNvPr>
+          <p:cNvSpPr/>
+          <p:nvPr/>
+        </p:nvSpPr>
+        <p:spPr>
+          <a:xfrm>
+            <a:off x="4978400" y="1942670"/>
+            <a:ext cx="2311400" cy="514780"/>
+          </a:xfrm>
+          <a:custGeom>
+            <a:avLst/>
+            <a:gdLst>
+              <a:gd name="connsiteX0" fmla="*/ 0 w 2311400"/>
+              <a:gd name="connsiteY0" fmla="*/ 470330 h 514780"/>
+              <a:gd name="connsiteX1" fmla="*/ 501650 w 2311400"/>
+              <a:gd name="connsiteY1" fmla="*/ 114730 h 514780"/>
+              <a:gd name="connsiteX2" fmla="*/ 1136650 w 2311400"/>
+              <a:gd name="connsiteY2" fmla="*/ 430 h 514780"/>
+              <a:gd name="connsiteX3" fmla="*/ 1797050 w 2311400"/>
+              <a:gd name="connsiteY3" fmla="*/ 95680 h 514780"/>
+              <a:gd name="connsiteX4" fmla="*/ 2311400 w 2311400"/>
+              <a:gd name="connsiteY4" fmla="*/ 514780 h 514780"/>
+            </a:gdLst>
+            <a:ahLst/>
+            <a:cxnLst>
+              <a:cxn ang="0">
+                <a:pos x="connsiteX0" y="connsiteY0"/>
+              </a:cxn>
+              <a:cxn ang="0">
+                <a:pos x="connsiteX1" y="connsiteY1"/>
+              </a:cxn>
+              <a:cxn ang="0">
+                <a:pos x="connsiteX2" y="connsiteY2"/>
+              </a:cxn>
+              <a:cxn ang="0">
+                <a:pos x="connsiteX3" y="connsiteY3"/>
+              </a:cxn>
+              <a:cxn ang="0">
+                <a:pos x="connsiteX4" y="connsiteY4"/>
+              </a:cxn>
+            </a:cxnLst>
+            <a:rect l="l" t="t" r="r" b="b"/>
+            <a:pathLst>
+              <a:path w="2311400" h="514780">
+                <a:moveTo>
+                  <a:pt x="0" y="470330"/>
+                </a:moveTo>
+                <a:cubicBezTo>
+                  <a:pt x="156104" y="331688"/>
+                  <a:pt x="312208" y="193047"/>
+                  <a:pt x="501650" y="114730"/>
+                </a:cubicBezTo>
+                <a:cubicBezTo>
+                  <a:pt x="691092" y="36413"/>
+                  <a:pt x="920750" y="3605"/>
+                  <a:pt x="1136650" y="430"/>
+                </a:cubicBezTo>
+                <a:cubicBezTo>
+                  <a:pt x="1352550" y="-2745"/>
+                  <a:pt x="1601258" y="9955"/>
+                  <a:pt x="1797050" y="95680"/>
+                </a:cubicBezTo>
+                <a:cubicBezTo>
+                  <a:pt x="1992842" y="181405"/>
+                  <a:pt x="2152121" y="348092"/>
+                  <a:pt x="2311400" y="514780"/>
+                </a:cubicBezTo>
+              </a:path>
+            </a:pathLst>
+          </a:custGeom>
+          <a:ln>
+            <a:headEnd type="none" w="med" len="med"/>
+            <a:tailEnd type="triangle" w="med" len="med"/>
+          </a:ln>
+        </p:spPr>
+        <p:style>
+          <a:lnRef idx="2">
+            <a:schemeClr val="accent4"/>
+          </a:lnRef>
+          <a:fillRef idx="0">
+            <a:schemeClr val="accent4"/>
+          </a:fillRef>
+          <a:effectRef idx="1">
+            <a:schemeClr val="accent4"/>
+          </a:effectRef>
+          <a:fontRef idx="minor">
+            <a:schemeClr val="tx1"/>
+          </a:fontRef>
+        </p:style>
+        <p:txBody>
+          <a:bodyPr rtlCol="0" anchor="ctr"/>
+          <a:lstStyle/>
+          <a:p>
+            <a:pPr algn="ctr"/>
+            <a:endParaRPr lang="en-US"/>
+          </a:p>
+        </p:txBody>
+      </p:sp>
+    </p:spTree>
+    <p:extLst>
+      <p:ext uri="{BB962C8B-B14F-4D97-AF65-F5344CB8AC3E}">
+        <p14:creationId xmlns:p14="http://schemas.microsoft.com/office/powerpoint/2010/main" val="3403091211"/>
+      </p:ext>
+    </p:extLst>
+  </p:cSld>
+  <p:clrMapOvr>
+    <a:masterClrMapping/>
+  </p:clrMapOvr>
+</p:sld>
+</file>
+
+<file path=ppt/slides/slide5.xml><?xml version="1.0" encoding="utf-8"?>
+<p:sld xmlns:a="http://schemas.openxmlformats.org/drawingml/2006/main" xmlns:r="http://schemas.openxmlformats.org/officeDocument/2006/relationships" xmlns:p="http://schemas.openxmlformats.org/presentationml/2006/main">
+  <p:cSld>
+    <p:spTree>
+      <p:nvGrpSpPr>
+        <p:cNvPr id="1" name="">
+          <a:extLst>
+            <a:ext uri="{FF2B5EF4-FFF2-40B4-BE49-F238E27FC236}">
               <a16:creationId xmlns:a16="http://schemas.microsoft.com/office/drawing/2014/main" id="{CFE1004E-9B28-08DB-BA48-8C2BD126ACAF}"/>
             </a:ext>
           </a:extLst>
@@ -11594,7 +15639,7 @@
 </p:sld>
 </file>
 
-<file path=ppt/slides/slide5.xml><?xml version="1.0" encoding="utf-8"?>
+<file path=ppt/slides/slide6.xml><?xml version="1.0" encoding="utf-8"?>
 <p:sld xmlns:a="http://schemas.openxmlformats.org/drawingml/2006/main" xmlns:r="http://schemas.openxmlformats.org/officeDocument/2006/relationships" xmlns:p="http://schemas.openxmlformats.org/presentationml/2006/main">
   <p:cSld>
     <p:spTree>
@@ -11894,8 +15939,8 @@
           </a:p>
         </p:txBody>
       </p:sp>
-      <mc:AlternateContent xmlns:mc="http://schemas.openxmlformats.org/markup-compatibility/2006">
-        <mc:Choice xmlns:a14="http://schemas.microsoft.com/office/drawing/2010/main" Requires="a14">
+      <mc:AlternateContent xmlns:mc="http://schemas.openxmlformats.org/markup-compatibility/2006" xmlns:a14="http://schemas.microsoft.com/office/drawing/2010/main">
+        <mc:Choice Requires="a14">
           <p:sp>
             <p:nvSpPr>
               <p:cNvPr id="36" name="TextBox 35">
@@ -11997,7 +16042,7 @@
             </p:txBody>
           </p:sp>
         </mc:Choice>
-        <mc:Fallback>
+        <mc:Fallback xmlns="">
           <p:sp>
             <p:nvSpPr>
               <p:cNvPr id="36" name="TextBox 35">
@@ -12196,8 +16241,8 @@
           </a:fontRef>
         </p:style>
       </p:cxnSp>
-      <mc:AlternateContent xmlns:mc="http://schemas.openxmlformats.org/markup-compatibility/2006">
-        <mc:Choice xmlns:a14="http://schemas.microsoft.com/office/drawing/2010/main" Requires="a14">
+      <mc:AlternateContent xmlns:mc="http://schemas.openxmlformats.org/markup-compatibility/2006" xmlns:a14="http://schemas.microsoft.com/office/drawing/2010/main">
+        <mc:Choice Requires="a14">
           <p:sp>
             <p:nvSpPr>
               <p:cNvPr id="115" name="TextBox 114">
@@ -12287,7 +16332,7 @@
             </p:txBody>
           </p:sp>
         </mc:Choice>
-        <mc:Fallback>
+        <mc:Fallback xmlns="">
           <p:sp>
             <p:nvSpPr>
               <p:cNvPr id="115" name="TextBox 114">
@@ -15318,8 +19363,8 @@
           </a:fontRef>
         </p:style>
       </p:cxnSp>
-      <mc:AlternateContent xmlns:mc="http://schemas.openxmlformats.org/markup-compatibility/2006">
-        <mc:Choice xmlns:a14="http://schemas.microsoft.com/office/drawing/2010/main" Requires="a14">
+      <mc:AlternateContent xmlns:mc="http://schemas.openxmlformats.org/markup-compatibility/2006" xmlns:a14="http://schemas.microsoft.com/office/drawing/2010/main">
+        <mc:Choice Requires="a14">
           <p:sp>
             <p:nvSpPr>
               <p:cNvPr id="66" name="TextBox 65">
@@ -15409,7 +19454,7 @@
             </p:txBody>
           </p:sp>
         </mc:Choice>
-        <mc:Fallback>
+        <mc:Fallback xmlns="">
           <p:sp>
             <p:nvSpPr>
               <p:cNvPr id="66" name="TextBox 65">
@@ -15454,8 +19499,8 @@
           </p:sp>
         </mc:Fallback>
       </mc:AlternateContent>
-      <mc:AlternateContent xmlns:mc="http://schemas.openxmlformats.org/markup-compatibility/2006">
-        <mc:Choice xmlns:a14="http://schemas.microsoft.com/office/drawing/2010/main" Requires="a14">
+      <mc:AlternateContent xmlns:mc="http://schemas.openxmlformats.org/markup-compatibility/2006" xmlns:a14="http://schemas.microsoft.com/office/drawing/2010/main">
+        <mc:Choice Requires="a14">
           <p:sp>
             <p:nvSpPr>
               <p:cNvPr id="67" name="TextBox 66">
@@ -15557,7 +19602,7 @@
             </p:txBody>
           </p:sp>
         </mc:Choice>
-        <mc:Fallback>
+        <mc:Fallback xmlns="">
           <p:sp>
             <p:nvSpPr>
               <p:cNvPr id="67" name="TextBox 66">
@@ -15602,8 +19647,8 @@
           </p:sp>
         </mc:Fallback>
       </mc:AlternateContent>
-      <mc:AlternateContent xmlns:mc="http://schemas.openxmlformats.org/markup-compatibility/2006">
-        <mc:Choice xmlns:a14="http://schemas.microsoft.com/office/drawing/2010/main" Requires="a14">
+      <mc:AlternateContent xmlns:mc="http://schemas.openxmlformats.org/markup-compatibility/2006" xmlns:a14="http://schemas.microsoft.com/office/drawing/2010/main">
+        <mc:Choice Requires="a14">
           <p:sp>
             <p:nvSpPr>
               <p:cNvPr id="68" name="TextBox 67">
@@ -15693,7 +19738,7 @@
             </p:txBody>
           </p:sp>
         </mc:Choice>
-        <mc:Fallback>
+        <mc:Fallback xmlns="">
           <p:sp>
             <p:nvSpPr>
               <p:cNvPr id="68" name="TextBox 67">
@@ -15828,8 +19873,8 @@
           </a:fontRef>
         </p:style>
       </p:cxnSp>
-      <mc:AlternateContent xmlns:mc="http://schemas.openxmlformats.org/markup-compatibility/2006">
-        <mc:Choice xmlns:a14="http://schemas.microsoft.com/office/drawing/2010/main" Requires="a14">
+      <mc:AlternateContent xmlns:mc="http://schemas.openxmlformats.org/markup-compatibility/2006" xmlns:a14="http://schemas.microsoft.com/office/drawing/2010/main">
+        <mc:Choice Requires="a14">
           <p:sp>
             <p:nvSpPr>
               <p:cNvPr id="104" name="TextBox 103">
@@ -15910,7 +19955,7 @@
             </p:txBody>
           </p:sp>
         </mc:Choice>
-        <mc:Fallback>
+        <mc:Fallback xmlns="">
           <p:sp>
             <p:nvSpPr>
               <p:cNvPr id="104" name="TextBox 103">
@@ -16129,8 +20174,8 @@
           </a:fontRef>
         </p:style>
       </p:cxnSp>
-      <mc:AlternateContent xmlns:mc="http://schemas.openxmlformats.org/markup-compatibility/2006">
-        <mc:Choice xmlns:a14="http://schemas.microsoft.com/office/drawing/2010/main" Requires="a14">
+      <mc:AlternateContent xmlns:mc="http://schemas.openxmlformats.org/markup-compatibility/2006" xmlns:a14="http://schemas.microsoft.com/office/drawing/2010/main">
+        <mc:Choice Requires="a14">
           <p:sp>
             <p:nvSpPr>
               <p:cNvPr id="119" name="TextBox 118">
@@ -16211,7 +20256,7 @@
             </p:txBody>
           </p:sp>
         </mc:Choice>
-        <mc:Fallback>
+        <mc:Fallback xmlns="">
           <p:sp>
             <p:nvSpPr>
               <p:cNvPr id="119" name="TextBox 118">
@@ -16437,8 +20482,8 @@
           </a:fontRef>
         </p:style>
       </p:cxnSp>
-      <mc:AlternateContent xmlns:mc="http://schemas.openxmlformats.org/markup-compatibility/2006">
-        <mc:Choice xmlns:a14="http://schemas.microsoft.com/office/drawing/2010/main" Requires="a14">
+      <mc:AlternateContent xmlns:mc="http://schemas.openxmlformats.org/markup-compatibility/2006" xmlns:a14="http://schemas.microsoft.com/office/drawing/2010/main">
+        <mc:Choice Requires="a14">
           <p:sp>
             <p:nvSpPr>
               <p:cNvPr id="130" name="TextBox 129">
@@ -16540,7 +20585,7 @@
             </p:txBody>
           </p:sp>
         </mc:Choice>
-        <mc:Fallback>
+        <mc:Fallback xmlns="">
           <p:sp>
             <p:nvSpPr>
               <p:cNvPr id="130" name="TextBox 129">
@@ -16585,8 +20630,8 @@
           </p:sp>
         </mc:Fallback>
       </mc:AlternateContent>
-      <mc:AlternateContent xmlns:mc="http://schemas.openxmlformats.org/markup-compatibility/2006">
-        <mc:Choice xmlns:a14="http://schemas.microsoft.com/office/drawing/2010/main" Requires="a14">
+      <mc:AlternateContent xmlns:mc="http://schemas.openxmlformats.org/markup-compatibility/2006" xmlns:a14="http://schemas.microsoft.com/office/drawing/2010/main">
+        <mc:Choice Requires="a14">
           <p:sp>
             <p:nvSpPr>
               <p:cNvPr id="131" name="TextBox 130">
@@ -16676,7 +20721,7 @@
             </p:txBody>
           </p:sp>
         </mc:Choice>
-        <mc:Fallback>
+        <mc:Fallback xmlns="">
           <p:sp>
             <p:nvSpPr>
               <p:cNvPr id="131" name="TextBox 130">
@@ -16813,8 +20858,8 @@
           </a:fontRef>
         </p:style>
       </p:cxnSp>
-      <mc:AlternateContent xmlns:mc="http://schemas.openxmlformats.org/markup-compatibility/2006">
-        <mc:Choice xmlns:a14="http://schemas.microsoft.com/office/drawing/2010/main" Requires="a14">
+      <mc:AlternateContent xmlns:mc="http://schemas.openxmlformats.org/markup-compatibility/2006" xmlns:a14="http://schemas.microsoft.com/office/drawing/2010/main">
+        <mc:Choice Requires="a14">
           <p:sp>
             <p:nvSpPr>
               <p:cNvPr id="2" name="TextBox 1">
@@ -16895,7 +20940,7 @@
             </p:txBody>
           </p:sp>
         </mc:Choice>
-        <mc:Fallback>
+        <mc:Fallback xmlns="">
           <p:sp>
             <p:nvSpPr>
               <p:cNvPr id="2" name="TextBox 1">
@@ -16940,8 +20985,8 @@
           </p:sp>
         </mc:Fallback>
       </mc:AlternateContent>
-      <mc:AlternateContent xmlns:mc="http://schemas.openxmlformats.org/markup-compatibility/2006">
-        <mc:Choice xmlns:a14="http://schemas.microsoft.com/office/drawing/2010/main" Requires="a14">
+      <mc:AlternateContent xmlns:mc="http://schemas.openxmlformats.org/markup-compatibility/2006" xmlns:a14="http://schemas.microsoft.com/office/drawing/2010/main">
+        <mc:Choice Requires="a14">
           <p:sp>
             <p:nvSpPr>
               <p:cNvPr id="27" name="TextBox 26">
@@ -17022,7 +21067,7 @@
             </p:txBody>
           </p:sp>
         </mc:Choice>
-        <mc:Fallback>
+        <mc:Fallback xmlns="">
           <p:sp>
             <p:nvSpPr>
               <p:cNvPr id="27" name="TextBox 26">
@@ -17831,7 +21876,7 @@
 </p:sld>
 </file>
 
-<file path=ppt/slides/slide6.xml><?xml version="1.0" encoding="utf-8"?>
+<file path=ppt/slides/slide7.xml><?xml version="1.0" encoding="utf-8"?>
 <p:sld xmlns:a="http://schemas.openxmlformats.org/drawingml/2006/main" xmlns:r="http://schemas.openxmlformats.org/officeDocument/2006/relationships" xmlns:p="http://schemas.openxmlformats.org/presentationml/2006/main">
   <p:cSld>
     <p:spTree>
@@ -20357,7 +24402,7 @@
 </p:sld>
 </file>
 
-<file path=ppt/slides/slide7.xml><?xml version="1.0" encoding="utf-8"?>
+<file path=ppt/slides/slide8.xml><?xml version="1.0" encoding="utf-8"?>
 <p:sld xmlns:a="http://schemas.openxmlformats.org/drawingml/2006/main" xmlns:r="http://schemas.openxmlformats.org/officeDocument/2006/relationships" xmlns:p="http://schemas.openxmlformats.org/presentationml/2006/main">
   <p:cSld>
     <p:spTree>

--- a/_posts/静态时序分析笔记/静态时序分析笔记pptx.pptx
+++ b/_posts/静态时序分析笔记/静态时序分析笔记pptx.pptx
@@ -122,7 +122,7 @@
 <file path=ppt/revisionInfo.xml><?xml version="1.0" encoding="utf-8"?>
 <p1510:revInfo xmlns:a="http://schemas.openxmlformats.org/drawingml/2006/main" xmlns:r="http://schemas.openxmlformats.org/officeDocument/2006/relationships" xmlns:p1510="http://schemas.microsoft.com/office/powerpoint/2015/10/main">
   <p1510:revLst>
-    <p1510:client id="{FF26C555-752D-4004-A979-9228B3A43E4C}" v="164" dt="2025-01-09T10:01:07.790"/>
+    <p1510:client id="{FF26C555-752D-4004-A979-9228B3A43E4C}" v="183" dt="2025-01-10T09:31:52.120"/>
   </p1510:revLst>
 </p1510:revInfo>
 </file>
@@ -132,7 +132,7 @@
   <pc:docChgLst>
     <pc:chgData name="Jinyin Yan" userId="7d7b1cac-fbbc-4678-8cfc-23ca66a374ce" providerId="ADAL" clId="{FF26C555-752D-4004-A979-9228B3A43E4C}"/>
     <pc:docChg chg="undo custSel addSld delSld modSld sldOrd">
-      <pc:chgData name="Jinyin Yan" userId="7d7b1cac-fbbc-4678-8cfc-23ca66a374ce" providerId="ADAL" clId="{FF26C555-752D-4004-A979-9228B3A43E4C}" dt="2025-01-09T10:01:11.391" v="828" actId="13822"/>
+      <pc:chgData name="Jinyin Yan" userId="7d7b1cac-fbbc-4678-8cfc-23ca66a374ce" providerId="ADAL" clId="{FF26C555-752D-4004-A979-9228B3A43E4C}" dt="2025-01-10T09:31:57.534" v="923" actId="1076"/>
       <pc:docMkLst>
         <pc:docMk/>
       </pc:docMkLst>
@@ -2071,7 +2071,7 @@
         </pc:cxnChg>
       </pc:sldChg>
       <pc:sldChg chg="addSp delSp modSp add mod">
-        <pc:chgData name="Jinyin Yan" userId="7d7b1cac-fbbc-4678-8cfc-23ca66a374ce" providerId="ADAL" clId="{FF26C555-752D-4004-A979-9228B3A43E4C}" dt="2025-01-09T10:01:11.391" v="828" actId="13822"/>
+        <pc:chgData name="Jinyin Yan" userId="7d7b1cac-fbbc-4678-8cfc-23ca66a374ce" providerId="ADAL" clId="{FF26C555-752D-4004-A979-9228B3A43E4C}" dt="2025-01-10T09:31:57.534" v="923" actId="1076"/>
         <pc:sldMkLst>
           <pc:docMk/>
           <pc:sldMk cId="3403091211" sldId="263"/>
@@ -2124,12 +2124,12 @@
             <ac:spMk id="36" creationId="{08D84F86-E06A-8DEE-EF78-AD7C61DF0AB4}"/>
           </ac:spMkLst>
         </pc:spChg>
-        <pc:spChg chg="del mod">
-          <ac:chgData name="Jinyin Yan" userId="7d7b1cac-fbbc-4678-8cfc-23ca66a374ce" providerId="ADAL" clId="{FF26C555-752D-4004-A979-9228B3A43E4C}" dt="2025-01-09T09:40:35.586" v="707" actId="478"/>
+        <pc:spChg chg="add mod">
+          <ac:chgData name="Jinyin Yan" userId="7d7b1cac-fbbc-4678-8cfc-23ca66a374ce" providerId="ADAL" clId="{FF26C555-752D-4004-A979-9228B3A43E4C}" dt="2025-01-10T02:37:10.047" v="848" actId="208"/>
           <ac:spMkLst>
             <pc:docMk/>
             <pc:sldMk cId="3403091211" sldId="263"/>
-            <ac:spMk id="41" creationId="{15262B60-CC00-3959-414F-CC56124BDB64}"/>
+            <ac:spMk id="40" creationId="{A54ACA11-7556-0A40-D334-2E597F43051F}"/>
           </ac:spMkLst>
         </pc:spChg>
         <pc:spChg chg="del mod">
@@ -2137,7 +2137,47 @@
           <ac:spMkLst>
             <pc:docMk/>
             <pc:sldMk cId="3403091211" sldId="263"/>
+            <ac:spMk id="41" creationId="{15262B60-CC00-3959-414F-CC56124BDB64}"/>
+          </ac:spMkLst>
+        </pc:spChg>
+        <pc:spChg chg="add mod">
+          <ac:chgData name="Jinyin Yan" userId="7d7b1cac-fbbc-4678-8cfc-23ca66a374ce" providerId="ADAL" clId="{FF26C555-752D-4004-A979-9228B3A43E4C}" dt="2025-01-10T02:37:35.099" v="849" actId="208"/>
+          <ac:spMkLst>
+            <pc:docMk/>
+            <pc:sldMk cId="3403091211" sldId="263"/>
+            <ac:spMk id="41" creationId="{BF09C188-E907-F565-52EC-FA8B14E14B56}"/>
+          </ac:spMkLst>
+        </pc:spChg>
+        <pc:spChg chg="del mod">
+          <ac:chgData name="Jinyin Yan" userId="7d7b1cac-fbbc-4678-8cfc-23ca66a374ce" providerId="ADAL" clId="{FF26C555-752D-4004-A979-9228B3A43E4C}" dt="2025-01-09T09:40:35.586" v="707" actId="478"/>
+          <ac:spMkLst>
+            <pc:docMk/>
+            <pc:sldMk cId="3403091211" sldId="263"/>
             <ac:spMk id="42" creationId="{63F868D6-EE4B-F9AE-B992-30480AB32D8E}"/>
+          </ac:spMkLst>
+        </pc:spChg>
+        <pc:spChg chg="add mod">
+          <ac:chgData name="Jinyin Yan" userId="7d7b1cac-fbbc-4678-8cfc-23ca66a374ce" providerId="ADAL" clId="{FF26C555-752D-4004-A979-9228B3A43E4C}" dt="2025-01-10T02:40:56.436" v="857" actId="207"/>
+          <ac:spMkLst>
+            <pc:docMk/>
+            <pc:sldMk cId="3403091211" sldId="263"/>
+            <ac:spMk id="42" creationId="{D6A9A137-F403-D995-FCB0-C5A25F8C4F20}"/>
+          </ac:spMkLst>
+        </pc:spChg>
+        <pc:spChg chg="add mod">
+          <ac:chgData name="Jinyin Yan" userId="7d7b1cac-fbbc-4678-8cfc-23ca66a374ce" providerId="ADAL" clId="{FF26C555-752D-4004-A979-9228B3A43E4C}" dt="2025-01-10T02:41:22.787" v="864" actId="1076"/>
+          <ac:spMkLst>
+            <pc:docMk/>
+            <pc:sldMk cId="3403091211" sldId="263"/>
+            <ac:spMk id="43" creationId="{16FE44A8-8531-F115-1055-686924820582}"/>
+          </ac:spMkLst>
+        </pc:spChg>
+        <pc:spChg chg="add mod">
+          <ac:chgData name="Jinyin Yan" userId="7d7b1cac-fbbc-4678-8cfc-23ca66a374ce" providerId="ADAL" clId="{FF26C555-752D-4004-A979-9228B3A43E4C}" dt="2025-01-10T02:41:54.069" v="876" actId="207"/>
+          <ac:spMkLst>
+            <pc:docMk/>
+            <pc:sldMk cId="3403091211" sldId="263"/>
+            <ac:spMk id="46" creationId="{390B6311-9FC7-8A2D-A54C-D6D072987B80}"/>
           </ac:spMkLst>
         </pc:spChg>
         <pc:spChg chg="del">
@@ -2156,12 +2196,52 @@
             <ac:spMk id="47" creationId="{84DD92FD-EF36-6A66-0F53-7898C52C9820}"/>
           </ac:spMkLst>
         </pc:spChg>
+        <pc:spChg chg="add mod">
+          <ac:chgData name="Jinyin Yan" userId="7d7b1cac-fbbc-4678-8cfc-23ca66a374ce" providerId="ADAL" clId="{FF26C555-752D-4004-A979-9228B3A43E4C}" dt="2025-01-10T03:02:25.915" v="894" actId="207"/>
+          <ac:spMkLst>
+            <pc:docMk/>
+            <pc:sldMk cId="3403091211" sldId="263"/>
+            <ac:spMk id="47" creationId="{D4FB24B7-4D2E-8E4E-7FCF-9C1E1F53D00C}"/>
+          </ac:spMkLst>
+        </pc:spChg>
         <pc:spChg chg="del">
           <ac:chgData name="Jinyin Yan" userId="7d7b1cac-fbbc-4678-8cfc-23ca66a374ce" providerId="ADAL" clId="{FF26C555-752D-4004-A979-9228B3A43E4C}" dt="2025-01-09T09:38:46.161" v="682" actId="478"/>
           <ac:spMkLst>
             <pc:docMk/>
             <pc:sldMk cId="3403091211" sldId="263"/>
             <ac:spMk id="48" creationId="{41DA6E41-D5B3-6B53-684F-81166D6A325C}"/>
+          </ac:spMkLst>
+        </pc:spChg>
+        <pc:spChg chg="add mod">
+          <ac:chgData name="Jinyin Yan" userId="7d7b1cac-fbbc-4678-8cfc-23ca66a374ce" providerId="ADAL" clId="{FF26C555-752D-4004-A979-9228B3A43E4C}" dt="2025-01-10T06:39:02.546" v="899" actId="1076"/>
+          <ac:spMkLst>
+            <pc:docMk/>
+            <pc:sldMk cId="3403091211" sldId="263"/>
+            <ac:spMk id="48" creationId="{FDACCCA1-55B5-A097-048F-411949DCC2B3}"/>
+          </ac:spMkLst>
+        </pc:spChg>
+        <pc:spChg chg="add mod">
+          <ac:chgData name="Jinyin Yan" userId="7d7b1cac-fbbc-4678-8cfc-23ca66a374ce" providerId="ADAL" clId="{FF26C555-752D-4004-A979-9228B3A43E4C}" dt="2025-01-10T06:39:46.736" v="906" actId="1076"/>
+          <ac:spMkLst>
+            <pc:docMk/>
+            <pc:sldMk cId="3403091211" sldId="263"/>
+            <ac:spMk id="49" creationId="{5DEF443C-51A8-4B26-B07C-84BD0C9AAF1F}"/>
+          </ac:spMkLst>
+        </pc:spChg>
+        <pc:spChg chg="add mod">
+          <ac:chgData name="Jinyin Yan" userId="7d7b1cac-fbbc-4678-8cfc-23ca66a374ce" providerId="ADAL" clId="{FF26C555-752D-4004-A979-9228B3A43E4C}" dt="2025-01-10T06:40:05.188" v="918" actId="1076"/>
+          <ac:spMkLst>
+            <pc:docMk/>
+            <pc:sldMk cId="3403091211" sldId="263"/>
+            <ac:spMk id="50" creationId="{43D322DA-0CA7-00AC-5309-6EE12FC57434}"/>
+          </ac:spMkLst>
+        </pc:spChg>
+        <pc:spChg chg="add mod">
+          <ac:chgData name="Jinyin Yan" userId="7d7b1cac-fbbc-4678-8cfc-23ca66a374ce" providerId="ADAL" clId="{FF26C555-752D-4004-A979-9228B3A43E4C}" dt="2025-01-10T09:31:57.534" v="923" actId="1076"/>
+          <ac:spMkLst>
+            <pc:docMk/>
+            <pc:sldMk cId="3403091211" sldId="263"/>
+            <ac:spMk id="51" creationId="{16B0E410-09B3-EED9-F51B-81EA11B44475}"/>
           </ac:spMkLst>
         </pc:spChg>
         <pc:spChg chg="del">
@@ -2644,6 +2724,14 @@
             <ac:grpSpMk id="108" creationId="{0BC269F0-357A-E9CE-EF07-C000C8CD3715}"/>
           </ac:grpSpMkLst>
         </pc:grpChg>
+        <pc:cxnChg chg="add mod">
+          <ac:chgData name="Jinyin Yan" userId="7d7b1cac-fbbc-4678-8cfc-23ca66a374ce" providerId="ADAL" clId="{FF26C555-752D-4004-A979-9228B3A43E4C}" dt="2025-01-10T02:34:44.316" v="834" actId="14100"/>
+          <ac:cxnSpMkLst>
+            <pc:docMk/>
+            <pc:sldMk cId="3403091211" sldId="263"/>
+            <ac:cxnSpMk id="2" creationId="{6637EB17-EA2D-D945-1AD3-9C85220588CF}"/>
+          </ac:cxnSpMkLst>
+        </pc:cxnChg>
         <pc:cxnChg chg="del">
           <ac:chgData name="Jinyin Yan" userId="7d7b1cac-fbbc-4678-8cfc-23ca66a374ce" providerId="ADAL" clId="{FF26C555-752D-4004-A979-9228B3A43E4C}" dt="2025-01-09T09:39:05.699" v="687" actId="478"/>
           <ac:cxnSpMkLst>
@@ -2690,6 +2778,14 @@
             <pc:docMk/>
             <pc:sldMk cId="3403091211" sldId="263"/>
             <ac:cxnSpMk id="32" creationId="{61FBE97B-EA51-2892-4503-87F50D19BA3C}"/>
+          </ac:cxnSpMkLst>
+        </pc:cxnChg>
+        <pc:cxnChg chg="add del mod">
+          <ac:chgData name="Jinyin Yan" userId="7d7b1cac-fbbc-4678-8cfc-23ca66a374ce" providerId="ADAL" clId="{FF26C555-752D-4004-A979-9228B3A43E4C}" dt="2025-01-10T02:36:30.773" v="841" actId="478"/>
+          <ac:cxnSpMkLst>
+            <pc:docMk/>
+            <pc:sldMk cId="3403091211" sldId="263"/>
+            <ac:cxnSpMk id="32" creationId="{676CC441-61EC-66EB-278B-A7A0BB5BFDE3}"/>
           </ac:cxnSpMkLst>
         </pc:cxnChg>
         <pc:cxnChg chg="mod">
@@ -3620,7 +3716,7 @@
           <a:p>
             <a:fld id="{756B7610-9FAA-DC43-80F9-3155B1E839C7}" type="datetimeFigureOut">
               <a:rPr kumimoji="1" lang="zh-CN" altLang="en-US" smtClean="0"/>
-              <a:t>2025/1/9</a:t>
+              <a:t>2025/1/10</a:t>
             </a:fld>
             <a:endParaRPr kumimoji="1" lang="zh-CN" altLang="en-US"/>
           </a:p>
@@ -3818,7 +3914,7 @@
           <a:p>
             <a:fld id="{756B7610-9FAA-DC43-80F9-3155B1E839C7}" type="datetimeFigureOut">
               <a:rPr kumimoji="1" lang="zh-CN" altLang="en-US" smtClean="0"/>
-              <a:t>2025/1/9</a:t>
+              <a:t>2025/1/10</a:t>
             </a:fld>
             <a:endParaRPr kumimoji="1" lang="zh-CN" altLang="en-US"/>
           </a:p>
@@ -4026,7 +4122,7 @@
           <a:p>
             <a:fld id="{756B7610-9FAA-DC43-80F9-3155B1E839C7}" type="datetimeFigureOut">
               <a:rPr kumimoji="1" lang="zh-CN" altLang="en-US" smtClean="0"/>
-              <a:t>2025/1/9</a:t>
+              <a:t>2025/1/10</a:t>
             </a:fld>
             <a:endParaRPr kumimoji="1" lang="zh-CN" altLang="en-US"/>
           </a:p>
@@ -4224,7 +4320,7 @@
           <a:p>
             <a:fld id="{756B7610-9FAA-DC43-80F9-3155B1E839C7}" type="datetimeFigureOut">
               <a:rPr kumimoji="1" lang="zh-CN" altLang="en-US" smtClean="0"/>
-              <a:t>2025/1/9</a:t>
+              <a:t>2025/1/10</a:t>
             </a:fld>
             <a:endParaRPr kumimoji="1" lang="zh-CN" altLang="en-US"/>
           </a:p>
@@ -4499,7 +4595,7 @@
           <a:p>
             <a:fld id="{756B7610-9FAA-DC43-80F9-3155B1E839C7}" type="datetimeFigureOut">
               <a:rPr kumimoji="1" lang="zh-CN" altLang="en-US" smtClean="0"/>
-              <a:t>2025/1/9</a:t>
+              <a:t>2025/1/10</a:t>
             </a:fld>
             <a:endParaRPr kumimoji="1" lang="zh-CN" altLang="en-US"/>
           </a:p>
@@ -4764,7 +4860,7 @@
           <a:p>
             <a:fld id="{756B7610-9FAA-DC43-80F9-3155B1E839C7}" type="datetimeFigureOut">
               <a:rPr kumimoji="1" lang="zh-CN" altLang="en-US" smtClean="0"/>
-              <a:t>2025/1/9</a:t>
+              <a:t>2025/1/10</a:t>
             </a:fld>
             <a:endParaRPr kumimoji="1" lang="zh-CN" altLang="en-US"/>
           </a:p>
@@ -5176,7 +5272,7 @@
           <a:p>
             <a:fld id="{756B7610-9FAA-DC43-80F9-3155B1E839C7}" type="datetimeFigureOut">
               <a:rPr kumimoji="1" lang="zh-CN" altLang="en-US" smtClean="0"/>
-              <a:t>2025/1/9</a:t>
+              <a:t>2025/1/10</a:t>
             </a:fld>
             <a:endParaRPr kumimoji="1" lang="zh-CN" altLang="en-US"/>
           </a:p>
@@ -5317,7 +5413,7 @@
           <a:p>
             <a:fld id="{756B7610-9FAA-DC43-80F9-3155B1E839C7}" type="datetimeFigureOut">
               <a:rPr kumimoji="1" lang="zh-CN" altLang="en-US" smtClean="0"/>
-              <a:t>2025/1/9</a:t>
+              <a:t>2025/1/10</a:t>
             </a:fld>
             <a:endParaRPr kumimoji="1" lang="zh-CN" altLang="en-US"/>
           </a:p>
@@ -5430,7 +5526,7 @@
           <a:p>
             <a:fld id="{756B7610-9FAA-DC43-80F9-3155B1E839C7}" type="datetimeFigureOut">
               <a:rPr kumimoji="1" lang="zh-CN" altLang="en-US" smtClean="0"/>
-              <a:t>2025/1/9</a:t>
+              <a:t>2025/1/10</a:t>
             </a:fld>
             <a:endParaRPr kumimoji="1" lang="zh-CN" altLang="en-US"/>
           </a:p>
@@ -5741,7 +5837,7 @@
           <a:p>
             <a:fld id="{756B7610-9FAA-DC43-80F9-3155B1E839C7}" type="datetimeFigureOut">
               <a:rPr kumimoji="1" lang="zh-CN" altLang="en-US" smtClean="0"/>
-              <a:t>2025/1/9</a:t>
+              <a:t>2025/1/10</a:t>
             </a:fld>
             <a:endParaRPr kumimoji="1" lang="zh-CN" altLang="en-US"/>
           </a:p>
@@ -6029,7 +6125,7 @@
           <a:p>
             <a:fld id="{756B7610-9FAA-DC43-80F9-3155B1E839C7}" type="datetimeFigureOut">
               <a:rPr kumimoji="1" lang="zh-CN" altLang="en-US" smtClean="0"/>
-              <a:t>2025/1/9</a:t>
+              <a:t>2025/1/10</a:t>
             </a:fld>
             <a:endParaRPr kumimoji="1" lang="zh-CN" altLang="en-US"/>
           </a:p>
@@ -6270,7 +6366,7 @@
           <a:p>
             <a:fld id="{756B7610-9FAA-DC43-80F9-3155B1E839C7}" type="datetimeFigureOut">
               <a:rPr kumimoji="1" lang="zh-CN" altLang="en-US" smtClean="0"/>
-              <a:t>2025/1/9</a:t>
+              <a:t>2025/1/10</a:t>
             </a:fld>
             <a:endParaRPr kumimoji="1" lang="zh-CN" altLang="en-US"/>
           </a:p>
@@ -14673,6 +14769,621 @@
           <a:p>
             <a:pPr algn="ctr"/>
             <a:endParaRPr lang="en-US"/>
+          </a:p>
+        </p:txBody>
+      </p:sp>
+      <p:cxnSp>
+        <p:nvCxnSpPr>
+          <p:cNvPr id="2" name="Connector: Curved 1">
+            <a:extLst>
+              <a:ext uri="{FF2B5EF4-FFF2-40B4-BE49-F238E27FC236}">
+                <a16:creationId xmlns:a16="http://schemas.microsoft.com/office/drawing/2014/main" id="{6637EB17-EA2D-D945-1AD3-9C85220588CF}"/>
+              </a:ext>
+            </a:extLst>
+          </p:cNvPr>
+          <p:cNvCxnSpPr>
+            <a:cxnSpLocks/>
+            <a:stCxn id="182" idx="5"/>
+            <a:endCxn id="183" idx="4"/>
+          </p:cNvCxnSpPr>
+          <p:nvPr/>
+        </p:nvCxnSpPr>
+        <p:spPr>
+          <a:xfrm rot="16200000" flipH="1">
+            <a:off x="6142541" y="529485"/>
+            <a:ext cx="21088" cy="8140830"/>
+          </a:xfrm>
+          <a:prstGeom prst="curvedConnector3">
+            <a:avLst>
+              <a:gd name="adj1" fmla="val 2448729"/>
+            </a:avLst>
+          </a:prstGeom>
+          <a:ln>
+            <a:solidFill>
+              <a:srgbClr val="00B050"/>
+            </a:solidFill>
+            <a:tailEnd type="triangle"/>
+          </a:ln>
+        </p:spPr>
+        <p:style>
+          <a:lnRef idx="2">
+            <a:schemeClr val="accent1"/>
+          </a:lnRef>
+          <a:fillRef idx="0">
+            <a:schemeClr val="accent1"/>
+          </a:fillRef>
+          <a:effectRef idx="1">
+            <a:schemeClr val="accent1"/>
+          </a:effectRef>
+          <a:fontRef idx="minor">
+            <a:schemeClr val="tx1"/>
+          </a:fontRef>
+        </p:style>
+      </p:cxnSp>
+      <p:sp>
+        <p:nvSpPr>
+          <p:cNvPr id="40" name="Freeform: Shape 39">
+            <a:extLst>
+              <a:ext uri="{FF2B5EF4-FFF2-40B4-BE49-F238E27FC236}">
+                <a16:creationId xmlns:a16="http://schemas.microsoft.com/office/drawing/2014/main" id="{A54ACA11-7556-0A40-D334-2E597F43051F}"/>
+              </a:ext>
+            </a:extLst>
+          </p:cNvPr>
+          <p:cNvSpPr/>
+          <p:nvPr/>
+        </p:nvSpPr>
+        <p:spPr>
+          <a:xfrm>
+            <a:off x="2132081" y="2056507"/>
+            <a:ext cx="2139044" cy="514780"/>
+          </a:xfrm>
+          <a:custGeom>
+            <a:avLst/>
+            <a:gdLst>
+              <a:gd name="connsiteX0" fmla="*/ 0 w 2311400"/>
+              <a:gd name="connsiteY0" fmla="*/ 470330 h 514780"/>
+              <a:gd name="connsiteX1" fmla="*/ 501650 w 2311400"/>
+              <a:gd name="connsiteY1" fmla="*/ 114730 h 514780"/>
+              <a:gd name="connsiteX2" fmla="*/ 1136650 w 2311400"/>
+              <a:gd name="connsiteY2" fmla="*/ 430 h 514780"/>
+              <a:gd name="connsiteX3" fmla="*/ 1797050 w 2311400"/>
+              <a:gd name="connsiteY3" fmla="*/ 95680 h 514780"/>
+              <a:gd name="connsiteX4" fmla="*/ 2311400 w 2311400"/>
+              <a:gd name="connsiteY4" fmla="*/ 514780 h 514780"/>
+            </a:gdLst>
+            <a:ahLst/>
+            <a:cxnLst>
+              <a:cxn ang="0">
+                <a:pos x="connsiteX0" y="connsiteY0"/>
+              </a:cxn>
+              <a:cxn ang="0">
+                <a:pos x="connsiteX1" y="connsiteY1"/>
+              </a:cxn>
+              <a:cxn ang="0">
+                <a:pos x="connsiteX2" y="connsiteY2"/>
+              </a:cxn>
+              <a:cxn ang="0">
+                <a:pos x="connsiteX3" y="connsiteY3"/>
+              </a:cxn>
+              <a:cxn ang="0">
+                <a:pos x="connsiteX4" y="connsiteY4"/>
+              </a:cxn>
+            </a:cxnLst>
+            <a:rect l="l" t="t" r="r" b="b"/>
+            <a:pathLst>
+              <a:path w="2311400" h="514780">
+                <a:moveTo>
+                  <a:pt x="0" y="470330"/>
+                </a:moveTo>
+                <a:cubicBezTo>
+                  <a:pt x="156104" y="331688"/>
+                  <a:pt x="312208" y="193047"/>
+                  <a:pt x="501650" y="114730"/>
+                </a:cubicBezTo>
+                <a:cubicBezTo>
+                  <a:pt x="691092" y="36413"/>
+                  <a:pt x="920750" y="3605"/>
+                  <a:pt x="1136650" y="430"/>
+                </a:cubicBezTo>
+                <a:cubicBezTo>
+                  <a:pt x="1352550" y="-2745"/>
+                  <a:pt x="1601258" y="9955"/>
+                  <a:pt x="1797050" y="95680"/>
+                </a:cubicBezTo>
+                <a:cubicBezTo>
+                  <a:pt x="1992842" y="181405"/>
+                  <a:pt x="2152121" y="348092"/>
+                  <a:pt x="2311400" y="514780"/>
+                </a:cubicBezTo>
+              </a:path>
+            </a:pathLst>
+          </a:custGeom>
+          <a:ln>
+            <a:solidFill>
+              <a:srgbClr val="663300"/>
+            </a:solidFill>
+            <a:headEnd type="none" w="med" len="med"/>
+            <a:tailEnd type="triangle" w="med" len="med"/>
+          </a:ln>
+        </p:spPr>
+        <p:style>
+          <a:lnRef idx="2">
+            <a:schemeClr val="accent4"/>
+          </a:lnRef>
+          <a:fillRef idx="0">
+            <a:schemeClr val="accent4"/>
+          </a:fillRef>
+          <a:effectRef idx="1">
+            <a:schemeClr val="accent4"/>
+          </a:effectRef>
+          <a:fontRef idx="minor">
+            <a:schemeClr val="tx1"/>
+          </a:fontRef>
+        </p:style>
+        <p:txBody>
+          <a:bodyPr rtlCol="0" anchor="ctr"/>
+          <a:lstStyle/>
+          <a:p>
+            <a:pPr algn="ctr"/>
+            <a:endParaRPr lang="en-US"/>
+          </a:p>
+        </p:txBody>
+      </p:sp>
+      <p:sp>
+        <p:nvSpPr>
+          <p:cNvPr id="41" name="Freeform: Shape 40">
+            <a:extLst>
+              <a:ext uri="{FF2B5EF4-FFF2-40B4-BE49-F238E27FC236}">
+                <a16:creationId xmlns:a16="http://schemas.microsoft.com/office/drawing/2014/main" id="{BF09C188-E907-F565-52EC-FA8B14E14B56}"/>
+              </a:ext>
+            </a:extLst>
+          </p:cNvPr>
+          <p:cNvSpPr/>
+          <p:nvPr/>
+        </p:nvSpPr>
+        <p:spPr>
+          <a:xfrm>
+            <a:off x="7998193" y="2045035"/>
+            <a:ext cx="2139044" cy="514780"/>
+          </a:xfrm>
+          <a:custGeom>
+            <a:avLst/>
+            <a:gdLst>
+              <a:gd name="connsiteX0" fmla="*/ 0 w 2311400"/>
+              <a:gd name="connsiteY0" fmla="*/ 470330 h 514780"/>
+              <a:gd name="connsiteX1" fmla="*/ 501650 w 2311400"/>
+              <a:gd name="connsiteY1" fmla="*/ 114730 h 514780"/>
+              <a:gd name="connsiteX2" fmla="*/ 1136650 w 2311400"/>
+              <a:gd name="connsiteY2" fmla="*/ 430 h 514780"/>
+              <a:gd name="connsiteX3" fmla="*/ 1797050 w 2311400"/>
+              <a:gd name="connsiteY3" fmla="*/ 95680 h 514780"/>
+              <a:gd name="connsiteX4" fmla="*/ 2311400 w 2311400"/>
+              <a:gd name="connsiteY4" fmla="*/ 514780 h 514780"/>
+            </a:gdLst>
+            <a:ahLst/>
+            <a:cxnLst>
+              <a:cxn ang="0">
+                <a:pos x="connsiteX0" y="connsiteY0"/>
+              </a:cxn>
+              <a:cxn ang="0">
+                <a:pos x="connsiteX1" y="connsiteY1"/>
+              </a:cxn>
+              <a:cxn ang="0">
+                <a:pos x="connsiteX2" y="connsiteY2"/>
+              </a:cxn>
+              <a:cxn ang="0">
+                <a:pos x="connsiteX3" y="connsiteY3"/>
+              </a:cxn>
+              <a:cxn ang="0">
+                <a:pos x="connsiteX4" y="connsiteY4"/>
+              </a:cxn>
+            </a:cxnLst>
+            <a:rect l="l" t="t" r="r" b="b"/>
+            <a:pathLst>
+              <a:path w="2311400" h="514780">
+                <a:moveTo>
+                  <a:pt x="0" y="470330"/>
+                </a:moveTo>
+                <a:cubicBezTo>
+                  <a:pt x="156104" y="331688"/>
+                  <a:pt x="312208" y="193047"/>
+                  <a:pt x="501650" y="114730"/>
+                </a:cubicBezTo>
+                <a:cubicBezTo>
+                  <a:pt x="691092" y="36413"/>
+                  <a:pt x="920750" y="3605"/>
+                  <a:pt x="1136650" y="430"/>
+                </a:cubicBezTo>
+                <a:cubicBezTo>
+                  <a:pt x="1352550" y="-2745"/>
+                  <a:pt x="1601258" y="9955"/>
+                  <a:pt x="1797050" y="95680"/>
+                </a:cubicBezTo>
+                <a:cubicBezTo>
+                  <a:pt x="1992842" y="181405"/>
+                  <a:pt x="2152121" y="348092"/>
+                  <a:pt x="2311400" y="514780"/>
+                </a:cubicBezTo>
+              </a:path>
+            </a:pathLst>
+          </a:custGeom>
+          <a:ln>
+            <a:solidFill>
+              <a:srgbClr val="FF0000"/>
+            </a:solidFill>
+            <a:headEnd type="none" w="med" len="med"/>
+            <a:tailEnd type="triangle" w="med" len="med"/>
+          </a:ln>
+        </p:spPr>
+        <p:style>
+          <a:lnRef idx="2">
+            <a:schemeClr val="accent4"/>
+          </a:lnRef>
+          <a:fillRef idx="0">
+            <a:schemeClr val="accent4"/>
+          </a:fillRef>
+          <a:effectRef idx="1">
+            <a:schemeClr val="accent4"/>
+          </a:effectRef>
+          <a:fontRef idx="minor">
+            <a:schemeClr val="tx1"/>
+          </a:fontRef>
+        </p:style>
+        <p:txBody>
+          <a:bodyPr rtlCol="0" anchor="ctr"/>
+          <a:lstStyle/>
+          <a:p>
+            <a:pPr algn="ctr"/>
+            <a:endParaRPr lang="en-US"/>
+          </a:p>
+        </p:txBody>
+      </p:sp>
+      <p:sp>
+        <p:nvSpPr>
+          <p:cNvPr id="42" name="TextBox 41">
+            <a:extLst>
+              <a:ext uri="{FF2B5EF4-FFF2-40B4-BE49-F238E27FC236}">
+                <a16:creationId xmlns:a16="http://schemas.microsoft.com/office/drawing/2014/main" id="{D6A9A137-F403-D995-FCB0-C5A25F8C4F20}"/>
+              </a:ext>
+            </a:extLst>
+          </p:cNvPr>
+          <p:cNvSpPr txBox="1"/>
+          <p:nvPr/>
+        </p:nvSpPr>
+        <p:spPr>
+          <a:xfrm>
+            <a:off x="2824133" y="1739012"/>
+            <a:ext cx="814647" cy="369332"/>
+          </a:xfrm>
+          <a:prstGeom prst="rect">
+            <a:avLst/>
+          </a:prstGeom>
+          <a:noFill/>
+        </p:spPr>
+        <p:txBody>
+          <a:bodyPr wrap="none" rtlCol="0">
+            <a:spAutoFit/>
+          </a:bodyPr>
+          <a:lstStyle/>
+          <a:p>
+            <a:r>
+              <a:rPr lang="en-US" altLang="zh-CN" dirty="0">
+                <a:solidFill>
+                  <a:srgbClr val="663300"/>
+                </a:solidFill>
+              </a:rPr>
+              <a:t>in2reg</a:t>
+            </a:r>
+            <a:endParaRPr lang="en-US" dirty="0">
+              <a:solidFill>
+                <a:srgbClr val="663300"/>
+              </a:solidFill>
+            </a:endParaRPr>
+          </a:p>
+        </p:txBody>
+      </p:sp>
+      <p:sp>
+        <p:nvSpPr>
+          <p:cNvPr id="43" name="TextBox 42">
+            <a:extLst>
+              <a:ext uri="{FF2B5EF4-FFF2-40B4-BE49-F238E27FC236}">
+                <a16:creationId xmlns:a16="http://schemas.microsoft.com/office/drawing/2014/main" id="{16FE44A8-8531-F115-1055-686924820582}"/>
+              </a:ext>
+            </a:extLst>
+          </p:cNvPr>
+          <p:cNvSpPr txBox="1"/>
+          <p:nvPr/>
+        </p:nvSpPr>
+        <p:spPr>
+          <a:xfrm>
+            <a:off x="5669618" y="1614077"/>
+            <a:ext cx="966931" cy="369332"/>
+          </a:xfrm>
+          <a:prstGeom prst="rect">
+            <a:avLst/>
+          </a:prstGeom>
+          <a:noFill/>
+        </p:spPr>
+        <p:txBody>
+          <a:bodyPr wrap="none" rtlCol="0">
+            <a:spAutoFit/>
+          </a:bodyPr>
+          <a:lstStyle/>
+          <a:p>
+            <a:r>
+              <a:rPr lang="en-US" altLang="zh-CN" dirty="0">
+                <a:solidFill>
+                  <a:srgbClr val="00B0F0"/>
+                </a:solidFill>
+              </a:rPr>
+              <a:t>reg2reg</a:t>
+            </a:r>
+            <a:endParaRPr lang="en-US" dirty="0">
+              <a:solidFill>
+                <a:srgbClr val="00B0F0"/>
+              </a:solidFill>
+            </a:endParaRPr>
+          </a:p>
+        </p:txBody>
+      </p:sp>
+      <p:sp>
+        <p:nvSpPr>
+          <p:cNvPr id="46" name="TextBox 45">
+            <a:extLst>
+              <a:ext uri="{FF2B5EF4-FFF2-40B4-BE49-F238E27FC236}">
+                <a16:creationId xmlns:a16="http://schemas.microsoft.com/office/drawing/2014/main" id="{390B6311-9FC7-8A2D-A54C-D6D072987B80}"/>
+              </a:ext>
+            </a:extLst>
+          </p:cNvPr>
+          <p:cNvSpPr txBox="1"/>
+          <p:nvPr/>
+        </p:nvSpPr>
+        <p:spPr>
+          <a:xfrm>
+            <a:off x="8629420" y="1687175"/>
+            <a:ext cx="970137" cy="369332"/>
+          </a:xfrm>
+          <a:prstGeom prst="rect">
+            <a:avLst/>
+          </a:prstGeom>
+          <a:noFill/>
+        </p:spPr>
+        <p:txBody>
+          <a:bodyPr wrap="none" rtlCol="0">
+            <a:spAutoFit/>
+          </a:bodyPr>
+          <a:lstStyle/>
+          <a:p>
+            <a:r>
+              <a:rPr lang="en-US" altLang="zh-CN" dirty="0">
+                <a:solidFill>
+                  <a:srgbClr val="FF0000"/>
+                </a:solidFill>
+              </a:rPr>
+              <a:t>reg2out</a:t>
+            </a:r>
+            <a:endParaRPr lang="en-US" dirty="0">
+              <a:solidFill>
+                <a:srgbClr val="FF0000"/>
+              </a:solidFill>
+            </a:endParaRPr>
+          </a:p>
+        </p:txBody>
+      </p:sp>
+      <p:sp>
+        <p:nvSpPr>
+          <p:cNvPr id="47" name="TextBox 46">
+            <a:extLst>
+              <a:ext uri="{FF2B5EF4-FFF2-40B4-BE49-F238E27FC236}">
+                <a16:creationId xmlns:a16="http://schemas.microsoft.com/office/drawing/2014/main" id="{D4FB24B7-4D2E-8E4E-7FCF-9C1E1F53D00C}"/>
+              </a:ext>
+            </a:extLst>
+          </p:cNvPr>
+          <p:cNvSpPr txBox="1"/>
+          <p:nvPr/>
+        </p:nvSpPr>
+        <p:spPr>
+          <a:xfrm>
+            <a:off x="5662896" y="5033618"/>
+            <a:ext cx="817853" cy="369332"/>
+          </a:xfrm>
+          <a:prstGeom prst="rect">
+            <a:avLst/>
+          </a:prstGeom>
+          <a:noFill/>
+        </p:spPr>
+        <p:txBody>
+          <a:bodyPr wrap="none" rtlCol="0">
+            <a:spAutoFit/>
+          </a:bodyPr>
+          <a:lstStyle/>
+          <a:p>
+            <a:r>
+              <a:rPr lang="en-US" altLang="zh-CN" dirty="0">
+                <a:solidFill>
+                  <a:srgbClr val="00B050"/>
+                </a:solidFill>
+              </a:rPr>
+              <a:t>in2out</a:t>
+            </a:r>
+            <a:endParaRPr lang="en-US" dirty="0">
+              <a:solidFill>
+                <a:srgbClr val="00B050"/>
+              </a:solidFill>
+            </a:endParaRPr>
+          </a:p>
+        </p:txBody>
+      </p:sp>
+      <p:sp>
+        <p:nvSpPr>
+          <p:cNvPr id="48" name="TextBox 47">
+            <a:extLst>
+              <a:ext uri="{FF2B5EF4-FFF2-40B4-BE49-F238E27FC236}">
+                <a16:creationId xmlns:a16="http://schemas.microsoft.com/office/drawing/2014/main" id="{FDACCCA1-55B5-A097-048F-411949DCC2B3}"/>
+              </a:ext>
+            </a:extLst>
+          </p:cNvPr>
+          <p:cNvSpPr txBox="1"/>
+          <p:nvPr/>
+        </p:nvSpPr>
+        <p:spPr>
+          <a:xfrm>
+            <a:off x="2078354" y="3199920"/>
+            <a:ext cx="1972015" cy="369332"/>
+          </a:xfrm>
+          <a:prstGeom prst="rect">
+            <a:avLst/>
+          </a:prstGeom>
+          <a:noFill/>
+        </p:spPr>
+        <p:txBody>
+          <a:bodyPr wrap="none" rtlCol="0">
+            <a:spAutoFit/>
+          </a:bodyPr>
+          <a:lstStyle/>
+          <a:p>
+            <a:r>
+              <a:rPr lang="en-US" altLang="zh-CN" dirty="0">
+                <a:solidFill>
+                  <a:schemeClr val="accent2"/>
+                </a:solidFill>
+              </a:rPr>
+              <a:t>Source Clock Path</a:t>
+            </a:r>
+            <a:endParaRPr lang="en-US" dirty="0">
+              <a:solidFill>
+                <a:schemeClr val="accent2"/>
+              </a:solidFill>
+            </a:endParaRPr>
+          </a:p>
+        </p:txBody>
+      </p:sp>
+      <p:sp>
+        <p:nvSpPr>
+          <p:cNvPr id="49" name="TextBox 48">
+            <a:extLst>
+              <a:ext uri="{FF2B5EF4-FFF2-40B4-BE49-F238E27FC236}">
+                <a16:creationId xmlns:a16="http://schemas.microsoft.com/office/drawing/2014/main" id="{5DEF443C-51A8-4B26-B07C-84BD0C9AAF1F}"/>
+              </a:ext>
+            </a:extLst>
+          </p:cNvPr>
+          <p:cNvSpPr txBox="1"/>
+          <p:nvPr/>
+        </p:nvSpPr>
+        <p:spPr>
+          <a:xfrm>
+            <a:off x="3861772" y="3645298"/>
+            <a:ext cx="2416046" cy="369332"/>
+          </a:xfrm>
+          <a:prstGeom prst="rect">
+            <a:avLst/>
+          </a:prstGeom>
+          <a:noFill/>
+        </p:spPr>
+        <p:txBody>
+          <a:bodyPr wrap="none" rtlCol="0">
+            <a:spAutoFit/>
+          </a:bodyPr>
+          <a:lstStyle/>
+          <a:p>
+            <a:r>
+              <a:rPr lang="en-US" altLang="zh-CN" dirty="0">
+                <a:solidFill>
+                  <a:schemeClr val="accent5">
+                    <a:lumMod val="60000"/>
+                    <a:lumOff val="40000"/>
+                  </a:schemeClr>
+                </a:solidFill>
+              </a:rPr>
+              <a:t>Destination Clock Path</a:t>
+            </a:r>
+            <a:endParaRPr lang="en-US" dirty="0">
+              <a:solidFill>
+                <a:schemeClr val="accent5">
+                  <a:lumMod val="60000"/>
+                  <a:lumOff val="40000"/>
+                </a:schemeClr>
+              </a:solidFill>
+            </a:endParaRPr>
+          </a:p>
+        </p:txBody>
+      </p:sp>
+      <p:sp>
+        <p:nvSpPr>
+          <p:cNvPr id="50" name="TextBox 49">
+            <a:extLst>
+              <a:ext uri="{FF2B5EF4-FFF2-40B4-BE49-F238E27FC236}">
+                <a16:creationId xmlns:a16="http://schemas.microsoft.com/office/drawing/2014/main" id="{43D322DA-0CA7-00AC-5309-6EE12FC57434}"/>
+              </a:ext>
+            </a:extLst>
+          </p:cNvPr>
+          <p:cNvSpPr txBox="1"/>
+          <p:nvPr/>
+        </p:nvSpPr>
+        <p:spPr>
+          <a:xfrm>
+            <a:off x="5576643" y="1396388"/>
+            <a:ext cx="1152880" cy="369332"/>
+          </a:xfrm>
+          <a:prstGeom prst="rect">
+            <a:avLst/>
+          </a:prstGeom>
+          <a:noFill/>
+        </p:spPr>
+        <p:txBody>
+          <a:bodyPr wrap="none" rtlCol="0">
+            <a:spAutoFit/>
+          </a:bodyPr>
+          <a:lstStyle/>
+          <a:p>
+            <a:r>
+              <a:rPr lang="en-US" altLang="zh-CN" dirty="0">
+                <a:solidFill>
+                  <a:srgbClr val="00B0F0"/>
+                </a:solidFill>
+              </a:rPr>
+              <a:t>Data Path</a:t>
+            </a:r>
+            <a:endParaRPr lang="en-US" dirty="0">
+              <a:solidFill>
+                <a:srgbClr val="00B0F0"/>
+              </a:solidFill>
+            </a:endParaRPr>
+          </a:p>
+        </p:txBody>
+      </p:sp>
+      <p:sp>
+        <p:nvSpPr>
+          <p:cNvPr id="51" name="TextBox 50">
+            <a:extLst>
+              <a:ext uri="{FF2B5EF4-FFF2-40B4-BE49-F238E27FC236}">
+                <a16:creationId xmlns:a16="http://schemas.microsoft.com/office/drawing/2014/main" id="{16B0E410-09B3-EED9-F51B-81EA11B44475}"/>
+              </a:ext>
+            </a:extLst>
+          </p:cNvPr>
+          <p:cNvSpPr txBox="1"/>
+          <p:nvPr/>
+        </p:nvSpPr>
+        <p:spPr>
+          <a:xfrm>
+            <a:off x="1968500" y="1073535"/>
+            <a:ext cx="617477" cy="369332"/>
+          </a:xfrm>
+          <a:prstGeom prst="rect">
+            <a:avLst/>
+          </a:prstGeom>
+          <a:noFill/>
+        </p:spPr>
+        <p:txBody>
+          <a:bodyPr wrap="none" rtlCol="0">
+            <a:spAutoFit/>
+          </a:bodyPr>
+          <a:lstStyle/>
+          <a:p>
+            <a:r>
+              <a:rPr lang="en-US" dirty="0"/>
+              <a:t>DUT</a:t>
+            </a:r>
           </a:p>
         </p:txBody>
       </p:sp>

--- a/_posts/静态时序分析笔记/静态时序分析笔记pptx.pptx
+++ b/_posts/静态时序分析笔记/静态时序分析笔记pptx.pptx
@@ -13,6 +13,7 @@
     <p:sldId id="261" r:id="rId7"/>
     <p:sldId id="259" r:id="rId8"/>
     <p:sldId id="260" r:id="rId9"/>
+    <p:sldId id="264" r:id="rId10"/>
   </p:sldIdLst>
   <p:sldSz cx="12192000" cy="6858000"/>
   <p:notesSz cx="6858000" cy="9144000"/>
@@ -122,7 +123,7 @@
 <file path=ppt/revisionInfo.xml><?xml version="1.0" encoding="utf-8"?>
 <p1510:revInfo xmlns:a="http://schemas.openxmlformats.org/drawingml/2006/main" xmlns:r="http://schemas.openxmlformats.org/officeDocument/2006/relationships" xmlns:p1510="http://schemas.microsoft.com/office/powerpoint/2015/10/main">
   <p1510:revLst>
-    <p1510:client id="{FF26C555-752D-4004-A979-9228B3A43E4C}" v="183" dt="2025-01-10T09:31:52.120"/>
+    <p1510:client id="{FF26C555-752D-4004-A979-9228B3A43E4C}" v="184" dt="2025-01-14T09:18:42.292"/>
   </p1510:revLst>
 </p1510:revInfo>
 </file>
@@ -132,7 +133,7 @@
   <pc:docChgLst>
     <pc:chgData name="Jinyin Yan" userId="7d7b1cac-fbbc-4678-8cfc-23ca66a374ce" providerId="ADAL" clId="{FF26C555-752D-4004-A979-9228B3A43E4C}"/>
     <pc:docChg chg="undo custSel addSld delSld modSld sldOrd">
-      <pc:chgData name="Jinyin Yan" userId="7d7b1cac-fbbc-4678-8cfc-23ca66a374ce" providerId="ADAL" clId="{FF26C555-752D-4004-A979-9228B3A43E4C}" dt="2025-01-10T09:31:57.534" v="923" actId="1076"/>
+      <pc:chgData name="Jinyin Yan" userId="7d7b1cac-fbbc-4678-8cfc-23ca66a374ce" providerId="ADAL" clId="{FF26C555-752D-4004-A979-9228B3A43E4C}" dt="2025-01-14T09:21:46.776" v="941" actId="14100"/>
       <pc:docMkLst>
         <pc:docMk/>
       </pc:docMkLst>
@@ -3561,6 +3562,133 @@
             <pc:docMk/>
             <pc:sldMk cId="3587743416" sldId="263"/>
             <ac:cxnSpMk id="142" creationId="{F0303996-80DE-0FA3-45A2-11D3DA045D95}"/>
+          </ac:cxnSpMkLst>
+        </pc:cxnChg>
+      </pc:sldChg>
+      <pc:sldChg chg="addSp delSp modSp new mod">
+        <pc:chgData name="Jinyin Yan" userId="7d7b1cac-fbbc-4678-8cfc-23ca66a374ce" providerId="ADAL" clId="{FF26C555-752D-4004-A979-9228B3A43E4C}" dt="2025-01-14T09:21:46.776" v="941" actId="14100"/>
+        <pc:sldMkLst>
+          <pc:docMk/>
+          <pc:sldMk cId="801923521" sldId="264"/>
+        </pc:sldMkLst>
+        <pc:spChg chg="del">
+          <ac:chgData name="Jinyin Yan" userId="7d7b1cac-fbbc-4678-8cfc-23ca66a374ce" providerId="ADAL" clId="{FF26C555-752D-4004-A979-9228B3A43E4C}" dt="2025-01-14T08:29:41.017" v="926" actId="478"/>
+          <ac:spMkLst>
+            <pc:docMk/>
+            <pc:sldMk cId="801923521" sldId="264"/>
+            <ac:spMk id="2" creationId="{ADA579F2-E9A0-9A3F-394F-0AD1D031F8D5}"/>
+          </ac:spMkLst>
+        </pc:spChg>
+        <pc:spChg chg="del">
+          <ac:chgData name="Jinyin Yan" userId="7d7b1cac-fbbc-4678-8cfc-23ca66a374ce" providerId="ADAL" clId="{FF26C555-752D-4004-A979-9228B3A43E4C}" dt="2025-01-14T08:29:39.970" v="925" actId="478"/>
+          <ac:spMkLst>
+            <pc:docMk/>
+            <pc:sldMk cId="801923521" sldId="264"/>
+            <ac:spMk id="3" creationId="{3E9C40FB-B3E5-C1FE-B699-EB7F35D6DAEB}"/>
+          </ac:spMkLst>
+        </pc:spChg>
+        <pc:spChg chg="mod">
+          <ac:chgData name="Jinyin Yan" userId="7d7b1cac-fbbc-4678-8cfc-23ca66a374ce" providerId="ADAL" clId="{FF26C555-752D-4004-A979-9228B3A43E4C}" dt="2025-01-14T09:18:42.292" v="927"/>
+          <ac:spMkLst>
+            <pc:docMk/>
+            <pc:sldMk cId="801923521" sldId="264"/>
+            <ac:spMk id="9" creationId="{890F83C6-C13B-4EDC-DD5D-15965A84B687}"/>
+          </ac:spMkLst>
+        </pc:spChg>
+        <pc:spChg chg="mod">
+          <ac:chgData name="Jinyin Yan" userId="7d7b1cac-fbbc-4678-8cfc-23ca66a374ce" providerId="ADAL" clId="{FF26C555-752D-4004-A979-9228B3A43E4C}" dt="2025-01-14T09:18:42.292" v="927"/>
+          <ac:spMkLst>
+            <pc:docMk/>
+            <pc:sldMk cId="801923521" sldId="264"/>
+            <ac:spMk id="10" creationId="{84C4176E-046D-07B4-4E0A-8B7DD99F40EB}"/>
+          </ac:spMkLst>
+        </pc:spChg>
+        <pc:spChg chg="mod">
+          <ac:chgData name="Jinyin Yan" userId="7d7b1cac-fbbc-4678-8cfc-23ca66a374ce" providerId="ADAL" clId="{FF26C555-752D-4004-A979-9228B3A43E4C}" dt="2025-01-14T09:18:42.292" v="927"/>
+          <ac:spMkLst>
+            <pc:docMk/>
+            <pc:sldMk cId="801923521" sldId="264"/>
+            <ac:spMk id="11" creationId="{810FE417-7B58-49AB-EEB0-B50598EE3002}"/>
+          </ac:spMkLst>
+        </pc:spChg>
+        <pc:spChg chg="mod">
+          <ac:chgData name="Jinyin Yan" userId="7d7b1cac-fbbc-4678-8cfc-23ca66a374ce" providerId="ADAL" clId="{FF26C555-752D-4004-A979-9228B3A43E4C}" dt="2025-01-14T09:18:42.292" v="927"/>
+          <ac:spMkLst>
+            <pc:docMk/>
+            <pc:sldMk cId="801923521" sldId="264"/>
+            <ac:spMk id="12" creationId="{075A1A4B-5377-5F3B-199F-3C44BBCCEFB6}"/>
+          </ac:spMkLst>
+        </pc:spChg>
+        <pc:spChg chg="mod">
+          <ac:chgData name="Jinyin Yan" userId="7d7b1cac-fbbc-4678-8cfc-23ca66a374ce" providerId="ADAL" clId="{FF26C555-752D-4004-A979-9228B3A43E4C}" dt="2025-01-14T09:18:42.292" v="927"/>
+          <ac:spMkLst>
+            <pc:docMk/>
+            <pc:sldMk cId="801923521" sldId="264"/>
+            <ac:spMk id="13" creationId="{617133A4-2016-3CC9-7877-9FAD93936AAA}"/>
+          </ac:spMkLst>
+        </pc:spChg>
+        <pc:spChg chg="add mod">
+          <ac:chgData name="Jinyin Yan" userId="7d7b1cac-fbbc-4678-8cfc-23ca66a374ce" providerId="ADAL" clId="{FF26C555-752D-4004-A979-9228B3A43E4C}" dt="2025-01-14T09:21:44.048" v="940" actId="1076"/>
+          <ac:spMkLst>
+            <pc:docMk/>
+            <pc:sldMk cId="801923521" sldId="264"/>
+            <ac:spMk id="14" creationId="{81558191-B860-140B-0F46-2FA2FCA6E3B4}"/>
+          </ac:spMkLst>
+        </pc:spChg>
+        <pc:grpChg chg="add mod">
+          <ac:chgData name="Jinyin Yan" userId="7d7b1cac-fbbc-4678-8cfc-23ca66a374ce" providerId="ADAL" clId="{FF26C555-752D-4004-A979-9228B3A43E4C}" dt="2025-01-14T09:21:33.848" v="937" actId="1076"/>
+          <ac:grpSpMkLst>
+            <pc:docMk/>
+            <pc:sldMk cId="801923521" sldId="264"/>
+            <ac:grpSpMk id="4" creationId="{29A23B29-8B5C-5C14-3356-B17A48C57ACD}"/>
+          </ac:grpSpMkLst>
+        </pc:grpChg>
+        <pc:grpChg chg="mod">
+          <ac:chgData name="Jinyin Yan" userId="7d7b1cac-fbbc-4678-8cfc-23ca66a374ce" providerId="ADAL" clId="{FF26C555-752D-4004-A979-9228B3A43E4C}" dt="2025-01-14T09:18:42.292" v="927"/>
+          <ac:grpSpMkLst>
+            <pc:docMk/>
+            <pc:sldMk cId="801923521" sldId="264"/>
+            <ac:grpSpMk id="5" creationId="{ACAED515-7236-5120-4D9E-A56834FD277D}"/>
+          </ac:grpSpMkLst>
+        </pc:grpChg>
+        <pc:cxnChg chg="mod">
+          <ac:chgData name="Jinyin Yan" userId="7d7b1cac-fbbc-4678-8cfc-23ca66a374ce" providerId="ADAL" clId="{FF26C555-752D-4004-A979-9228B3A43E4C}" dt="2025-01-14T09:18:42.292" v="927"/>
+          <ac:cxnSpMkLst>
+            <pc:docMk/>
+            <pc:sldMk cId="801923521" sldId="264"/>
+            <ac:cxnSpMk id="6" creationId="{023F12C9-9881-A1A3-91C6-63EFAB93E6EE}"/>
+          </ac:cxnSpMkLst>
+        </pc:cxnChg>
+        <pc:cxnChg chg="mod">
+          <ac:chgData name="Jinyin Yan" userId="7d7b1cac-fbbc-4678-8cfc-23ca66a374ce" providerId="ADAL" clId="{FF26C555-752D-4004-A979-9228B3A43E4C}" dt="2025-01-14T09:18:42.292" v="927"/>
+          <ac:cxnSpMkLst>
+            <pc:docMk/>
+            <pc:sldMk cId="801923521" sldId="264"/>
+            <ac:cxnSpMk id="7" creationId="{A4456CC7-9702-6790-16E7-C660EE0396A5}"/>
+          </ac:cxnSpMkLst>
+        </pc:cxnChg>
+        <pc:cxnChg chg="mod">
+          <ac:chgData name="Jinyin Yan" userId="7d7b1cac-fbbc-4678-8cfc-23ca66a374ce" providerId="ADAL" clId="{FF26C555-752D-4004-A979-9228B3A43E4C}" dt="2025-01-14T09:18:42.292" v="927"/>
+          <ac:cxnSpMkLst>
+            <pc:docMk/>
+            <pc:sldMk cId="801923521" sldId="264"/>
+            <ac:cxnSpMk id="8" creationId="{DC05F367-1AF7-A6FA-E379-B791AE98B1AF}"/>
+          </ac:cxnSpMkLst>
+        </pc:cxnChg>
+        <pc:cxnChg chg="add del mod">
+          <ac:chgData name="Jinyin Yan" userId="7d7b1cac-fbbc-4678-8cfc-23ca66a374ce" providerId="ADAL" clId="{FF26C555-752D-4004-A979-9228B3A43E4C}" dt="2025-01-14T09:21:18.269" v="933" actId="478"/>
+          <ac:cxnSpMkLst>
+            <pc:docMk/>
+            <pc:sldMk cId="801923521" sldId="264"/>
+            <ac:cxnSpMk id="16" creationId="{09C00761-4E52-5C9F-7392-B2BB11822E2F}"/>
+          </ac:cxnSpMkLst>
+        </pc:cxnChg>
+        <pc:cxnChg chg="add mod">
+          <ac:chgData name="Jinyin Yan" userId="7d7b1cac-fbbc-4678-8cfc-23ca66a374ce" providerId="ADAL" clId="{FF26C555-752D-4004-A979-9228B3A43E4C}" dt="2025-01-14T09:21:46.776" v="941" actId="14100"/>
+          <ac:cxnSpMkLst>
+            <pc:docMk/>
+            <pc:sldMk cId="801923521" sldId="264"/>
+            <ac:cxnSpMk id="20" creationId="{6E2C58E3-58C0-9861-2CF6-1C55E4F82F94}"/>
           </ac:cxnSpMkLst>
         </pc:cxnChg>
       </pc:sldChg>
@@ -3716,7 +3844,7 @@
           <a:p>
             <a:fld id="{756B7610-9FAA-DC43-80F9-3155B1E839C7}" type="datetimeFigureOut">
               <a:rPr kumimoji="1" lang="zh-CN" altLang="en-US" smtClean="0"/>
-              <a:t>2025/1/10</a:t>
+              <a:t>2025/1/14</a:t>
             </a:fld>
             <a:endParaRPr kumimoji="1" lang="zh-CN" altLang="en-US"/>
           </a:p>
@@ -3914,7 +4042,7 @@
           <a:p>
             <a:fld id="{756B7610-9FAA-DC43-80F9-3155B1E839C7}" type="datetimeFigureOut">
               <a:rPr kumimoji="1" lang="zh-CN" altLang="en-US" smtClean="0"/>
-              <a:t>2025/1/10</a:t>
+              <a:t>2025/1/14</a:t>
             </a:fld>
             <a:endParaRPr kumimoji="1" lang="zh-CN" altLang="en-US"/>
           </a:p>
@@ -4122,7 +4250,7 @@
           <a:p>
             <a:fld id="{756B7610-9FAA-DC43-80F9-3155B1E839C7}" type="datetimeFigureOut">
               <a:rPr kumimoji="1" lang="zh-CN" altLang="en-US" smtClean="0"/>
-              <a:t>2025/1/10</a:t>
+              <a:t>2025/1/14</a:t>
             </a:fld>
             <a:endParaRPr kumimoji="1" lang="zh-CN" altLang="en-US"/>
           </a:p>
@@ -4320,7 +4448,7 @@
           <a:p>
             <a:fld id="{756B7610-9FAA-DC43-80F9-3155B1E839C7}" type="datetimeFigureOut">
               <a:rPr kumimoji="1" lang="zh-CN" altLang="en-US" smtClean="0"/>
-              <a:t>2025/1/10</a:t>
+              <a:t>2025/1/14</a:t>
             </a:fld>
             <a:endParaRPr kumimoji="1" lang="zh-CN" altLang="en-US"/>
           </a:p>
@@ -4595,7 +4723,7 @@
           <a:p>
             <a:fld id="{756B7610-9FAA-DC43-80F9-3155B1E839C7}" type="datetimeFigureOut">
               <a:rPr kumimoji="1" lang="zh-CN" altLang="en-US" smtClean="0"/>
-              <a:t>2025/1/10</a:t>
+              <a:t>2025/1/14</a:t>
             </a:fld>
             <a:endParaRPr kumimoji="1" lang="zh-CN" altLang="en-US"/>
           </a:p>
@@ -4860,7 +4988,7 @@
           <a:p>
             <a:fld id="{756B7610-9FAA-DC43-80F9-3155B1E839C7}" type="datetimeFigureOut">
               <a:rPr kumimoji="1" lang="zh-CN" altLang="en-US" smtClean="0"/>
-              <a:t>2025/1/10</a:t>
+              <a:t>2025/1/14</a:t>
             </a:fld>
             <a:endParaRPr kumimoji="1" lang="zh-CN" altLang="en-US"/>
           </a:p>
@@ -5272,7 +5400,7 @@
           <a:p>
             <a:fld id="{756B7610-9FAA-DC43-80F9-3155B1E839C7}" type="datetimeFigureOut">
               <a:rPr kumimoji="1" lang="zh-CN" altLang="en-US" smtClean="0"/>
-              <a:t>2025/1/10</a:t>
+              <a:t>2025/1/14</a:t>
             </a:fld>
             <a:endParaRPr kumimoji="1" lang="zh-CN" altLang="en-US"/>
           </a:p>
@@ -5413,7 +5541,7 @@
           <a:p>
             <a:fld id="{756B7610-9FAA-DC43-80F9-3155B1E839C7}" type="datetimeFigureOut">
               <a:rPr kumimoji="1" lang="zh-CN" altLang="en-US" smtClean="0"/>
-              <a:t>2025/1/10</a:t>
+              <a:t>2025/1/14</a:t>
             </a:fld>
             <a:endParaRPr kumimoji="1" lang="zh-CN" altLang="en-US"/>
           </a:p>
@@ -5526,7 +5654,7 @@
           <a:p>
             <a:fld id="{756B7610-9FAA-DC43-80F9-3155B1E839C7}" type="datetimeFigureOut">
               <a:rPr kumimoji="1" lang="zh-CN" altLang="en-US" smtClean="0"/>
-              <a:t>2025/1/10</a:t>
+              <a:t>2025/1/14</a:t>
             </a:fld>
             <a:endParaRPr kumimoji="1" lang="zh-CN" altLang="en-US"/>
           </a:p>
@@ -5837,7 +5965,7 @@
           <a:p>
             <a:fld id="{756B7610-9FAA-DC43-80F9-3155B1E839C7}" type="datetimeFigureOut">
               <a:rPr kumimoji="1" lang="zh-CN" altLang="en-US" smtClean="0"/>
-              <a:t>2025/1/10</a:t>
+              <a:t>2025/1/14</a:t>
             </a:fld>
             <a:endParaRPr kumimoji="1" lang="zh-CN" altLang="en-US"/>
           </a:p>
@@ -6125,7 +6253,7 @@
           <a:p>
             <a:fld id="{756B7610-9FAA-DC43-80F9-3155B1E839C7}" type="datetimeFigureOut">
               <a:rPr kumimoji="1" lang="zh-CN" altLang="en-US" smtClean="0"/>
-              <a:t>2025/1/10</a:t>
+              <a:t>2025/1/14</a:t>
             </a:fld>
             <a:endParaRPr kumimoji="1" lang="zh-CN" altLang="en-US"/>
           </a:p>
@@ -6366,7 +6494,7 @@
           <a:p>
             <a:fld id="{756B7610-9FAA-DC43-80F9-3155B1E839C7}" type="datetimeFigureOut">
               <a:rPr kumimoji="1" lang="zh-CN" altLang="en-US" smtClean="0"/>
-              <a:t>2025/1/10</a:t>
+              <a:t>2025/1/14</a:t>
             </a:fld>
             <a:endParaRPr kumimoji="1" lang="zh-CN" altLang="en-US"/>
           </a:p>
@@ -27587,6 +27715,486 @@
 </p:sld>
 </file>
 
+<file path=ppt/slides/slide9.xml><?xml version="1.0" encoding="utf-8"?>
+<p:sld xmlns:a="http://schemas.openxmlformats.org/drawingml/2006/main" xmlns:r="http://schemas.openxmlformats.org/officeDocument/2006/relationships" xmlns:p="http://schemas.openxmlformats.org/presentationml/2006/main">
+  <p:cSld>
+    <p:spTree>
+      <p:nvGrpSpPr>
+        <p:cNvPr id="1" name=""/>
+        <p:cNvGrpSpPr/>
+        <p:nvPr/>
+      </p:nvGrpSpPr>
+      <p:grpSpPr>
+        <a:xfrm>
+          <a:off x="0" y="0"/>
+          <a:ext cx="0" cy="0"/>
+          <a:chOff x="0" y="0"/>
+          <a:chExt cx="0" cy="0"/>
+        </a:xfrm>
+      </p:grpSpPr>
+      <p:grpSp>
+        <p:nvGrpSpPr>
+          <p:cNvPr id="4" name="组合 22">
+            <a:extLst>
+              <a:ext uri="{FF2B5EF4-FFF2-40B4-BE49-F238E27FC236}">
+                <a16:creationId xmlns:a16="http://schemas.microsoft.com/office/drawing/2014/main" id="{29A23B29-8B5C-5C14-3356-B17A48C57ACD}"/>
+              </a:ext>
+            </a:extLst>
+          </p:cNvPr>
+          <p:cNvGrpSpPr/>
+          <p:nvPr/>
+        </p:nvGrpSpPr>
+        <p:grpSpPr>
+          <a:xfrm>
+            <a:off x="4551785" y="3022778"/>
+            <a:ext cx="1187867" cy="1033153"/>
+            <a:chOff x="2459115" y="1343921"/>
+            <a:chExt cx="1187867" cy="1033153"/>
+          </a:xfrm>
+        </p:grpSpPr>
+        <p:grpSp>
+          <p:nvGrpSpPr>
+            <p:cNvPr id="5" name="组合 9">
+              <a:extLst>
+                <a:ext uri="{FF2B5EF4-FFF2-40B4-BE49-F238E27FC236}">
+                  <a16:creationId xmlns:a16="http://schemas.microsoft.com/office/drawing/2014/main" id="{ACAED515-7236-5120-4D9E-A56834FD277D}"/>
+                </a:ext>
+              </a:extLst>
+            </p:cNvPr>
+            <p:cNvGrpSpPr/>
+            <p:nvPr/>
+          </p:nvGrpSpPr>
+          <p:grpSpPr>
+            <a:xfrm>
+              <a:off x="2661581" y="1343921"/>
+              <a:ext cx="756004" cy="1033153"/>
+              <a:chOff x="2661581" y="1343921"/>
+              <a:chExt cx="756004" cy="1033153"/>
+            </a:xfrm>
+          </p:grpSpPr>
+          <p:sp>
+            <p:nvSpPr>
+              <p:cNvPr id="9" name="矩形 4">
+                <a:extLst>
+                  <a:ext uri="{FF2B5EF4-FFF2-40B4-BE49-F238E27FC236}">
+                    <a16:creationId xmlns:a16="http://schemas.microsoft.com/office/drawing/2014/main" id="{890F83C6-C13B-4EDC-DD5D-15965A84B687}"/>
+                  </a:ext>
+                </a:extLst>
+              </p:cNvPr>
+              <p:cNvSpPr/>
+              <p:nvPr/>
+            </p:nvSpPr>
+            <p:spPr>
+              <a:xfrm>
+                <a:off x="2765072" y="1343921"/>
+                <a:ext cx="575953" cy="1033153"/>
+              </a:xfrm>
+              <a:prstGeom prst="rect">
+                <a:avLst/>
+              </a:prstGeom>
+              <a:noFill/>
+            </p:spPr>
+            <p:style>
+              <a:lnRef idx="2">
+                <a:schemeClr val="accent1">
+                  <a:shade val="50000"/>
+                </a:schemeClr>
+              </a:lnRef>
+              <a:fillRef idx="1">
+                <a:schemeClr val="accent1"/>
+              </a:fillRef>
+              <a:effectRef idx="0">
+                <a:schemeClr val="accent1"/>
+              </a:effectRef>
+              <a:fontRef idx="minor">
+                <a:schemeClr val="lt1"/>
+              </a:fontRef>
+            </p:style>
+            <p:txBody>
+              <a:bodyPr rtlCol="0" anchor="ctr"/>
+              <a:lstStyle/>
+              <a:p>
+                <a:pPr algn="ctr"/>
+                <a:endParaRPr lang="zh-CN" altLang="en-US" dirty="0">
+                  <a:solidFill>
+                    <a:schemeClr val="tx1"/>
+                  </a:solidFill>
+                </a:endParaRPr>
+              </a:p>
+            </p:txBody>
+          </p:sp>
+          <p:sp>
+            <p:nvSpPr>
+              <p:cNvPr id="10" name="直角三角形 5">
+                <a:extLst>
+                  <a:ext uri="{FF2B5EF4-FFF2-40B4-BE49-F238E27FC236}">
+                    <a16:creationId xmlns:a16="http://schemas.microsoft.com/office/drawing/2014/main" id="{84C4176E-046D-07B4-4E0A-8B7DD99F40EB}"/>
+                  </a:ext>
+                </a:extLst>
+              </p:cNvPr>
+              <p:cNvSpPr/>
+              <p:nvPr/>
+            </p:nvSpPr>
+            <p:spPr>
+              <a:xfrm rot="13320000">
+                <a:off x="2661581" y="2001597"/>
+                <a:ext cx="206982" cy="226517"/>
+              </a:xfrm>
+              <a:prstGeom prst="rtTriangle">
+                <a:avLst/>
+              </a:prstGeom>
+              <a:noFill/>
+            </p:spPr>
+            <p:style>
+              <a:lnRef idx="2">
+                <a:schemeClr val="accent1">
+                  <a:shade val="50000"/>
+                </a:schemeClr>
+              </a:lnRef>
+              <a:fillRef idx="1">
+                <a:schemeClr val="accent1"/>
+              </a:fillRef>
+              <a:effectRef idx="0">
+                <a:schemeClr val="accent1"/>
+              </a:effectRef>
+              <a:fontRef idx="minor">
+                <a:schemeClr val="lt1"/>
+              </a:fontRef>
+            </p:style>
+            <p:txBody>
+              <a:bodyPr rtlCol="0" anchor="ctr"/>
+              <a:lstStyle/>
+              <a:p>
+                <a:pPr algn="ctr"/>
+                <a:endParaRPr lang="zh-CN" altLang="en-US"/>
+              </a:p>
+            </p:txBody>
+          </p:sp>
+          <p:sp>
+            <p:nvSpPr>
+              <p:cNvPr id="11" name="文本框 6">
+                <a:extLst>
+                  <a:ext uri="{FF2B5EF4-FFF2-40B4-BE49-F238E27FC236}">
+                    <a16:creationId xmlns:a16="http://schemas.microsoft.com/office/drawing/2014/main" id="{810FE417-7B58-49AB-EEB0-B50598EE3002}"/>
+                  </a:ext>
+                </a:extLst>
+              </p:cNvPr>
+              <p:cNvSpPr txBox="1"/>
+              <p:nvPr/>
+            </p:nvSpPr>
+            <p:spPr>
+              <a:xfrm>
+                <a:off x="2692832" y="1391816"/>
+                <a:ext cx="343364" cy="369332"/>
+              </a:xfrm>
+              <a:prstGeom prst="rect">
+                <a:avLst/>
+              </a:prstGeom>
+              <a:noFill/>
+            </p:spPr>
+            <p:txBody>
+              <a:bodyPr wrap="none" rtlCol="0">
+                <a:spAutoFit/>
+              </a:bodyPr>
+              <a:lstStyle/>
+              <a:p>
+                <a:r>
+                  <a:rPr kumimoji="1" lang="en-US" altLang="zh-CN" dirty="0"/>
+                  <a:t>D</a:t>
+                </a:r>
+                <a:endParaRPr kumimoji="1" lang="zh-CN" altLang="en-US" dirty="0"/>
+              </a:p>
+            </p:txBody>
+          </p:sp>
+          <p:sp>
+            <p:nvSpPr>
+              <p:cNvPr id="12" name="文本框 7">
+                <a:extLst>
+                  <a:ext uri="{FF2B5EF4-FFF2-40B4-BE49-F238E27FC236}">
+                    <a16:creationId xmlns:a16="http://schemas.microsoft.com/office/drawing/2014/main" id="{075A1A4B-5377-5F3B-199F-3C44BBCCEFB6}"/>
+                  </a:ext>
+                </a:extLst>
+              </p:cNvPr>
+              <p:cNvSpPr txBox="1"/>
+              <p:nvPr/>
+            </p:nvSpPr>
+            <p:spPr>
+              <a:xfrm>
+                <a:off x="2864514" y="1930189"/>
+                <a:ext cx="455574" cy="369332"/>
+              </a:xfrm>
+              <a:prstGeom prst="rect">
+                <a:avLst/>
+              </a:prstGeom>
+              <a:noFill/>
+            </p:spPr>
+            <p:txBody>
+              <a:bodyPr wrap="none" rtlCol="0">
+                <a:spAutoFit/>
+              </a:bodyPr>
+              <a:lstStyle/>
+              <a:p>
+                <a:r>
+                  <a:rPr kumimoji="1" lang="en-US" altLang="zh-CN" dirty="0"/>
+                  <a:t>CK</a:t>
+                </a:r>
+                <a:endParaRPr kumimoji="1" lang="zh-CN" altLang="en-US" dirty="0"/>
+              </a:p>
+            </p:txBody>
+          </p:sp>
+          <p:sp>
+            <p:nvSpPr>
+              <p:cNvPr id="13" name="文本框 8">
+                <a:extLst>
+                  <a:ext uri="{FF2B5EF4-FFF2-40B4-BE49-F238E27FC236}">
+                    <a16:creationId xmlns:a16="http://schemas.microsoft.com/office/drawing/2014/main" id="{617133A4-2016-3CC9-7877-9FAD93936AAA}"/>
+                  </a:ext>
+                </a:extLst>
+              </p:cNvPr>
+              <p:cNvSpPr txBox="1"/>
+              <p:nvPr/>
+            </p:nvSpPr>
+            <p:spPr>
+              <a:xfrm>
+                <a:off x="3058191" y="1391816"/>
+                <a:ext cx="359394" cy="369332"/>
+              </a:xfrm>
+              <a:prstGeom prst="rect">
+                <a:avLst/>
+              </a:prstGeom>
+              <a:noFill/>
+            </p:spPr>
+            <p:txBody>
+              <a:bodyPr wrap="none" rtlCol="0">
+                <a:spAutoFit/>
+              </a:bodyPr>
+              <a:lstStyle/>
+              <a:p>
+                <a:r>
+                  <a:rPr kumimoji="1" lang="en-US" altLang="zh-CN" dirty="0"/>
+                  <a:t>Q</a:t>
+                </a:r>
+                <a:endParaRPr kumimoji="1" lang="zh-CN" altLang="en-US" dirty="0"/>
+              </a:p>
+            </p:txBody>
+          </p:sp>
+        </p:grpSp>
+        <p:cxnSp>
+          <p:nvCxnSpPr>
+            <p:cNvPr id="6" name="直线连接符 17">
+              <a:extLst>
+                <a:ext uri="{FF2B5EF4-FFF2-40B4-BE49-F238E27FC236}">
+                  <a16:creationId xmlns:a16="http://schemas.microsoft.com/office/drawing/2014/main" id="{023F12C9-9881-A1A3-91C6-63EFAB93E6EE}"/>
+                </a:ext>
+              </a:extLst>
+            </p:cNvPr>
+            <p:cNvCxnSpPr>
+              <a:cxnSpLocks/>
+            </p:cNvCxnSpPr>
+            <p:nvPr/>
+          </p:nvCxnSpPr>
+          <p:spPr>
+            <a:xfrm>
+              <a:off x="2459115" y="1576482"/>
+              <a:ext cx="305957" cy="0"/>
+            </a:xfrm>
+            <a:prstGeom prst="line">
+              <a:avLst/>
+            </a:prstGeom>
+          </p:spPr>
+          <p:style>
+            <a:lnRef idx="2">
+              <a:schemeClr val="accent1"/>
+            </a:lnRef>
+            <a:fillRef idx="0">
+              <a:schemeClr val="accent1"/>
+            </a:fillRef>
+            <a:effectRef idx="1">
+              <a:schemeClr val="accent1"/>
+            </a:effectRef>
+            <a:fontRef idx="minor">
+              <a:schemeClr val="tx1"/>
+            </a:fontRef>
+          </p:style>
+        </p:cxnSp>
+        <p:cxnSp>
+          <p:nvCxnSpPr>
+            <p:cNvPr id="7" name="直线连接符 19">
+              <a:extLst>
+                <a:ext uri="{FF2B5EF4-FFF2-40B4-BE49-F238E27FC236}">
+                  <a16:creationId xmlns:a16="http://schemas.microsoft.com/office/drawing/2014/main" id="{A4456CC7-9702-6790-16E7-C660EE0396A5}"/>
+                </a:ext>
+              </a:extLst>
+            </p:cNvPr>
+            <p:cNvCxnSpPr>
+              <a:cxnSpLocks/>
+            </p:cNvCxnSpPr>
+            <p:nvPr/>
+          </p:nvCxnSpPr>
+          <p:spPr>
+            <a:xfrm>
+              <a:off x="3341025" y="1576482"/>
+              <a:ext cx="305957" cy="0"/>
+            </a:xfrm>
+            <a:prstGeom prst="line">
+              <a:avLst/>
+            </a:prstGeom>
+          </p:spPr>
+          <p:style>
+            <a:lnRef idx="2">
+              <a:schemeClr val="accent1"/>
+            </a:lnRef>
+            <a:fillRef idx="0">
+              <a:schemeClr val="accent1"/>
+            </a:fillRef>
+            <a:effectRef idx="1">
+              <a:schemeClr val="accent1"/>
+            </a:effectRef>
+            <a:fontRef idx="minor">
+              <a:schemeClr val="tx1"/>
+            </a:fontRef>
+          </p:style>
+        </p:cxnSp>
+        <p:cxnSp>
+          <p:nvCxnSpPr>
+            <p:cNvPr id="8" name="直线连接符 20">
+              <a:extLst>
+                <a:ext uri="{FF2B5EF4-FFF2-40B4-BE49-F238E27FC236}">
+                  <a16:creationId xmlns:a16="http://schemas.microsoft.com/office/drawing/2014/main" id="{DC05F367-1AF7-A6FA-E379-B791AE98B1AF}"/>
+                </a:ext>
+              </a:extLst>
+            </p:cNvPr>
+            <p:cNvCxnSpPr>
+              <a:cxnSpLocks/>
+            </p:cNvCxnSpPr>
+            <p:nvPr/>
+          </p:nvCxnSpPr>
+          <p:spPr>
+            <a:xfrm>
+              <a:off x="2459115" y="2103714"/>
+              <a:ext cx="305957" cy="0"/>
+            </a:xfrm>
+            <a:prstGeom prst="line">
+              <a:avLst/>
+            </a:prstGeom>
+          </p:spPr>
+          <p:style>
+            <a:lnRef idx="2">
+              <a:schemeClr val="accent1"/>
+            </a:lnRef>
+            <a:fillRef idx="0">
+              <a:schemeClr val="accent1"/>
+            </a:fillRef>
+            <a:effectRef idx="1">
+              <a:schemeClr val="accent1"/>
+            </a:effectRef>
+            <a:fontRef idx="minor">
+              <a:schemeClr val="tx1"/>
+            </a:fontRef>
+          </p:style>
+        </p:cxnSp>
+      </p:grpSp>
+      <p:sp>
+        <p:nvSpPr>
+          <p:cNvPr id="14" name="Isosceles Triangle 13">
+            <a:extLst>
+              <a:ext uri="{FF2B5EF4-FFF2-40B4-BE49-F238E27FC236}">
+                <a16:creationId xmlns:a16="http://schemas.microsoft.com/office/drawing/2014/main" id="{81558191-B860-140B-0F46-2FA2FCA6E3B4}"/>
+              </a:ext>
+            </a:extLst>
+          </p:cNvPr>
+          <p:cNvSpPr/>
+          <p:nvPr/>
+        </p:nvSpPr>
+        <p:spPr>
+          <a:xfrm rot="5400000">
+            <a:off x="3248275" y="3605666"/>
+            <a:ext cx="475988" cy="343364"/>
+          </a:xfrm>
+          <a:prstGeom prst="triangle">
+            <a:avLst/>
+          </a:prstGeom>
+          <a:solidFill>
+            <a:schemeClr val="bg1"/>
+          </a:solidFill>
+        </p:spPr>
+        <p:style>
+          <a:lnRef idx="2">
+            <a:schemeClr val="accent1">
+              <a:shade val="15000"/>
+            </a:schemeClr>
+          </a:lnRef>
+          <a:fillRef idx="1">
+            <a:schemeClr val="accent1"/>
+          </a:fillRef>
+          <a:effectRef idx="0">
+            <a:schemeClr val="accent1"/>
+          </a:effectRef>
+          <a:fontRef idx="minor">
+            <a:schemeClr val="lt1"/>
+          </a:fontRef>
+        </p:style>
+        <p:txBody>
+          <a:bodyPr rtlCol="0" anchor="ctr"/>
+          <a:lstStyle/>
+          <a:p>
+            <a:pPr algn="ctr"/>
+            <a:endParaRPr lang="en-US"/>
+          </a:p>
+        </p:txBody>
+      </p:sp>
+      <p:cxnSp>
+        <p:nvCxnSpPr>
+          <p:cNvPr id="20" name="Straight Connector 19">
+            <a:extLst>
+              <a:ext uri="{FF2B5EF4-FFF2-40B4-BE49-F238E27FC236}">
+                <a16:creationId xmlns:a16="http://schemas.microsoft.com/office/drawing/2014/main" id="{6E2C58E3-58C0-9861-2CF6-1C55E4F82F94}"/>
+              </a:ext>
+            </a:extLst>
+          </p:cNvPr>
+          <p:cNvCxnSpPr>
+            <a:cxnSpLocks/>
+            <a:endCxn id="14" idx="0"/>
+          </p:cNvCxnSpPr>
+          <p:nvPr/>
+        </p:nvCxnSpPr>
+        <p:spPr>
+          <a:xfrm flipH="1" flipV="1">
+            <a:off x="3657951" y="3777348"/>
+            <a:ext cx="907765" cy="5223"/>
+          </a:xfrm>
+          <a:prstGeom prst="line">
+            <a:avLst/>
+          </a:prstGeom>
+        </p:spPr>
+        <p:style>
+          <a:lnRef idx="2">
+            <a:schemeClr val="accent1"/>
+          </a:lnRef>
+          <a:fillRef idx="0">
+            <a:schemeClr val="accent1"/>
+          </a:fillRef>
+          <a:effectRef idx="1">
+            <a:schemeClr val="accent1"/>
+          </a:effectRef>
+          <a:fontRef idx="minor">
+            <a:schemeClr val="tx1"/>
+          </a:fontRef>
+        </p:style>
+      </p:cxnSp>
+    </p:spTree>
+    <p:extLst>
+      <p:ext uri="{BB962C8B-B14F-4D97-AF65-F5344CB8AC3E}">
+        <p14:creationId xmlns:p14="http://schemas.microsoft.com/office/powerpoint/2010/main" val="801923521"/>
+      </p:ext>
+    </p:extLst>
+  </p:cSld>
+  <p:clrMapOvr>
+    <a:masterClrMapping/>
+  </p:clrMapOvr>
+</p:sld>
+</file>
+
 <file path=ppt/theme/theme1.xml><?xml version="1.0" encoding="utf-8"?>
 <a:theme xmlns:a="http://schemas.openxmlformats.org/drawingml/2006/main" name="Office 主题​​">
   <a:themeElements>

--- a/_posts/静态时序分析笔记/静态时序分析笔记pptx.pptx
+++ b/_posts/静态时序分析笔记/静态时序分析笔记pptx.pptx
@@ -123,7 +123,7 @@
 <file path=ppt/revisionInfo.xml><?xml version="1.0" encoding="utf-8"?>
 <p1510:revInfo xmlns:a="http://schemas.openxmlformats.org/drawingml/2006/main" xmlns:r="http://schemas.openxmlformats.org/officeDocument/2006/relationships" xmlns:p1510="http://schemas.microsoft.com/office/powerpoint/2015/10/main">
   <p1510:revLst>
-    <p1510:client id="{FF26C555-752D-4004-A979-9228B3A43E4C}" v="184" dt="2025-01-14T09:18:42.292"/>
+    <p1510:client id="{FF26C555-752D-4004-A979-9228B3A43E4C}" v="209" dt="2025-01-14T10:04:46.719"/>
   </p1510:revLst>
 </p1510:revInfo>
 </file>
@@ -133,7 +133,7 @@
   <pc:docChgLst>
     <pc:chgData name="Jinyin Yan" userId="7d7b1cac-fbbc-4678-8cfc-23ca66a374ce" providerId="ADAL" clId="{FF26C555-752D-4004-A979-9228B3A43E4C}"/>
     <pc:docChg chg="undo custSel addSld delSld modSld sldOrd">
-      <pc:chgData name="Jinyin Yan" userId="7d7b1cac-fbbc-4678-8cfc-23ca66a374ce" providerId="ADAL" clId="{FF26C555-752D-4004-A979-9228B3A43E4C}" dt="2025-01-14T09:21:46.776" v="941" actId="14100"/>
+      <pc:chgData name="Jinyin Yan" userId="7d7b1cac-fbbc-4678-8cfc-23ca66a374ce" providerId="ADAL" clId="{FF26C555-752D-4004-A979-9228B3A43E4C}" dt="2025-01-14T10:04:51.751" v="1132" actId="20577"/>
       <pc:docMkLst>
         <pc:docMk/>
       </pc:docMkLst>
@@ -3566,7 +3566,7 @@
         </pc:cxnChg>
       </pc:sldChg>
       <pc:sldChg chg="addSp delSp modSp new mod">
-        <pc:chgData name="Jinyin Yan" userId="7d7b1cac-fbbc-4678-8cfc-23ca66a374ce" providerId="ADAL" clId="{FF26C555-752D-4004-A979-9228B3A43E4C}" dt="2025-01-14T09:21:46.776" v="941" actId="14100"/>
+        <pc:chgData name="Jinyin Yan" userId="7d7b1cac-fbbc-4678-8cfc-23ca66a374ce" providerId="ADAL" clId="{FF26C555-752D-4004-A979-9228B3A43E4C}" dt="2025-01-14T10:04:51.751" v="1132" actId="20577"/>
         <pc:sldMkLst>
           <pc:docMk/>
           <pc:sldMk cId="801923521" sldId="264"/>
@@ -3588,7 +3588,7 @@
           </ac:spMkLst>
         </pc:spChg>
         <pc:spChg chg="mod">
-          <ac:chgData name="Jinyin Yan" userId="7d7b1cac-fbbc-4678-8cfc-23ca66a374ce" providerId="ADAL" clId="{FF26C555-752D-4004-A979-9228B3A43E4C}" dt="2025-01-14T09:18:42.292" v="927"/>
+          <ac:chgData name="Jinyin Yan" userId="7d7b1cac-fbbc-4678-8cfc-23ca66a374ce" providerId="ADAL" clId="{FF26C555-752D-4004-A979-9228B3A43E4C}" dt="2025-01-14T09:43:49.966" v="945" actId="165"/>
           <ac:spMkLst>
             <pc:docMk/>
             <pc:sldMk cId="801923521" sldId="264"/>
@@ -3596,7 +3596,7 @@
           </ac:spMkLst>
         </pc:spChg>
         <pc:spChg chg="mod">
-          <ac:chgData name="Jinyin Yan" userId="7d7b1cac-fbbc-4678-8cfc-23ca66a374ce" providerId="ADAL" clId="{FF26C555-752D-4004-A979-9228B3A43E4C}" dt="2025-01-14T09:18:42.292" v="927"/>
+          <ac:chgData name="Jinyin Yan" userId="7d7b1cac-fbbc-4678-8cfc-23ca66a374ce" providerId="ADAL" clId="{FF26C555-752D-4004-A979-9228B3A43E4C}" dt="2025-01-14T09:43:49.966" v="945" actId="165"/>
           <ac:spMkLst>
             <pc:docMk/>
             <pc:sldMk cId="801923521" sldId="264"/>
@@ -3604,7 +3604,7 @@
           </ac:spMkLst>
         </pc:spChg>
         <pc:spChg chg="mod">
-          <ac:chgData name="Jinyin Yan" userId="7d7b1cac-fbbc-4678-8cfc-23ca66a374ce" providerId="ADAL" clId="{FF26C555-752D-4004-A979-9228B3A43E4C}" dt="2025-01-14T09:18:42.292" v="927"/>
+          <ac:chgData name="Jinyin Yan" userId="7d7b1cac-fbbc-4678-8cfc-23ca66a374ce" providerId="ADAL" clId="{FF26C555-752D-4004-A979-9228B3A43E4C}" dt="2025-01-14T09:43:49.966" v="945" actId="165"/>
           <ac:spMkLst>
             <pc:docMk/>
             <pc:sldMk cId="801923521" sldId="264"/>
@@ -3612,7 +3612,7 @@
           </ac:spMkLst>
         </pc:spChg>
         <pc:spChg chg="mod">
-          <ac:chgData name="Jinyin Yan" userId="7d7b1cac-fbbc-4678-8cfc-23ca66a374ce" providerId="ADAL" clId="{FF26C555-752D-4004-A979-9228B3A43E4C}" dt="2025-01-14T09:18:42.292" v="927"/>
+          <ac:chgData name="Jinyin Yan" userId="7d7b1cac-fbbc-4678-8cfc-23ca66a374ce" providerId="ADAL" clId="{FF26C555-752D-4004-A979-9228B3A43E4C}" dt="2025-01-14T09:43:49.966" v="945" actId="165"/>
           <ac:spMkLst>
             <pc:docMk/>
             <pc:sldMk cId="801923521" sldId="264"/>
@@ -3620,7 +3620,7 @@
           </ac:spMkLst>
         </pc:spChg>
         <pc:spChg chg="mod">
-          <ac:chgData name="Jinyin Yan" userId="7d7b1cac-fbbc-4678-8cfc-23ca66a374ce" providerId="ADAL" clId="{FF26C555-752D-4004-A979-9228B3A43E4C}" dt="2025-01-14T09:18:42.292" v="927"/>
+          <ac:chgData name="Jinyin Yan" userId="7d7b1cac-fbbc-4678-8cfc-23ca66a374ce" providerId="ADAL" clId="{FF26C555-752D-4004-A979-9228B3A43E4C}" dt="2025-01-14T09:43:49.966" v="945" actId="165"/>
           <ac:spMkLst>
             <pc:docMk/>
             <pc:sldMk cId="801923521" sldId="264"/>
@@ -3628,47 +3628,223 @@
           </ac:spMkLst>
         </pc:spChg>
         <pc:spChg chg="add mod">
-          <ac:chgData name="Jinyin Yan" userId="7d7b1cac-fbbc-4678-8cfc-23ca66a374ce" providerId="ADAL" clId="{FF26C555-752D-4004-A979-9228B3A43E4C}" dt="2025-01-14T09:21:44.048" v="940" actId="1076"/>
+          <ac:chgData name="Jinyin Yan" userId="7d7b1cac-fbbc-4678-8cfc-23ca66a374ce" providerId="ADAL" clId="{FF26C555-752D-4004-A979-9228B3A43E4C}" dt="2025-01-14T10:03:56.362" v="1066" actId="1076"/>
           <ac:spMkLst>
             <pc:docMk/>
             <pc:sldMk cId="801923521" sldId="264"/>
             <ac:spMk id="14" creationId="{81558191-B860-140B-0F46-2FA2FCA6E3B4}"/>
           </ac:spMkLst>
         </pc:spChg>
-        <pc:grpChg chg="add mod">
-          <ac:chgData name="Jinyin Yan" userId="7d7b1cac-fbbc-4678-8cfc-23ca66a374ce" providerId="ADAL" clId="{FF26C555-752D-4004-A979-9228B3A43E4C}" dt="2025-01-14T09:21:33.848" v="937" actId="1076"/>
+        <pc:spChg chg="add mod">
+          <ac:chgData name="Jinyin Yan" userId="7d7b1cac-fbbc-4678-8cfc-23ca66a374ce" providerId="ADAL" clId="{FF26C555-752D-4004-A979-9228B3A43E4C}" dt="2025-01-14T10:03:56.362" v="1066" actId="1076"/>
+          <ac:spMkLst>
+            <pc:docMk/>
+            <pc:sldMk cId="801923521" sldId="264"/>
+            <ac:spMk id="21" creationId="{F709D34B-72BC-C642-64F0-76E9F9CBFCE8}"/>
+          </ac:spMkLst>
+        </pc:spChg>
+        <pc:spChg chg="mod">
+          <ac:chgData name="Jinyin Yan" userId="7d7b1cac-fbbc-4678-8cfc-23ca66a374ce" providerId="ADAL" clId="{FF26C555-752D-4004-A979-9228B3A43E4C}" dt="2025-01-14T09:45:04.490" v="971"/>
+          <ac:spMkLst>
+            <pc:docMk/>
+            <pc:sldMk cId="801923521" sldId="264"/>
+            <ac:spMk id="24" creationId="{2BFB6180-A618-3DB0-BFAD-04E583F9591E}"/>
+          </ac:spMkLst>
+        </pc:spChg>
+        <pc:spChg chg="mod">
+          <ac:chgData name="Jinyin Yan" userId="7d7b1cac-fbbc-4678-8cfc-23ca66a374ce" providerId="ADAL" clId="{FF26C555-752D-4004-A979-9228B3A43E4C}" dt="2025-01-14T09:45:04.490" v="971"/>
+          <ac:spMkLst>
+            <pc:docMk/>
+            <pc:sldMk cId="801923521" sldId="264"/>
+            <ac:spMk id="25" creationId="{FF56A3F0-2555-1F0E-B943-588D237C63E0}"/>
+          </ac:spMkLst>
+        </pc:spChg>
+        <pc:spChg chg="mod">
+          <ac:chgData name="Jinyin Yan" userId="7d7b1cac-fbbc-4678-8cfc-23ca66a374ce" providerId="ADAL" clId="{FF26C555-752D-4004-A979-9228B3A43E4C}" dt="2025-01-14T09:45:04.490" v="971"/>
+          <ac:spMkLst>
+            <pc:docMk/>
+            <pc:sldMk cId="801923521" sldId="264"/>
+            <ac:spMk id="26" creationId="{B1271510-570E-19E0-234D-1CC138D31BA5}"/>
+          </ac:spMkLst>
+        </pc:spChg>
+        <pc:spChg chg="mod">
+          <ac:chgData name="Jinyin Yan" userId="7d7b1cac-fbbc-4678-8cfc-23ca66a374ce" providerId="ADAL" clId="{FF26C555-752D-4004-A979-9228B3A43E4C}" dt="2025-01-14T09:45:04.490" v="971"/>
+          <ac:spMkLst>
+            <pc:docMk/>
+            <pc:sldMk cId="801923521" sldId="264"/>
+            <ac:spMk id="27" creationId="{966D6138-BEFB-B083-5C37-CD544B53D204}"/>
+          </ac:spMkLst>
+        </pc:spChg>
+        <pc:spChg chg="mod">
+          <ac:chgData name="Jinyin Yan" userId="7d7b1cac-fbbc-4678-8cfc-23ca66a374ce" providerId="ADAL" clId="{FF26C555-752D-4004-A979-9228B3A43E4C}" dt="2025-01-14T09:45:04.490" v="971"/>
+          <ac:spMkLst>
+            <pc:docMk/>
+            <pc:sldMk cId="801923521" sldId="264"/>
+            <ac:spMk id="28" creationId="{24A9E0BF-3D61-C233-7AA1-4F14FB1EF850}"/>
+          </ac:spMkLst>
+        </pc:spChg>
+        <pc:spChg chg="add mod">
+          <ac:chgData name="Jinyin Yan" userId="7d7b1cac-fbbc-4678-8cfc-23ca66a374ce" providerId="ADAL" clId="{FF26C555-752D-4004-A979-9228B3A43E4C}" dt="2025-01-14T10:04:01.710" v="1067" actId="1076"/>
+          <ac:spMkLst>
+            <pc:docMk/>
+            <pc:sldMk cId="801923521" sldId="264"/>
+            <ac:spMk id="32" creationId="{00093ECF-4A64-8A76-D812-F1A70A8C36DA}"/>
+          </ac:spMkLst>
+        </pc:spChg>
+        <pc:spChg chg="add mod">
+          <ac:chgData name="Jinyin Yan" userId="7d7b1cac-fbbc-4678-8cfc-23ca66a374ce" providerId="ADAL" clId="{FF26C555-752D-4004-A979-9228B3A43E4C}" dt="2025-01-14T10:03:56.362" v="1066" actId="1076"/>
+          <ac:spMkLst>
+            <pc:docMk/>
+            <pc:sldMk cId="801923521" sldId="264"/>
+            <ac:spMk id="33" creationId="{76B82438-ACDF-5FFB-567C-212AC3B11A5B}"/>
+          </ac:spMkLst>
+        </pc:spChg>
+        <pc:spChg chg="add mod">
+          <ac:chgData name="Jinyin Yan" userId="7d7b1cac-fbbc-4678-8cfc-23ca66a374ce" providerId="ADAL" clId="{FF26C555-752D-4004-A979-9228B3A43E4C}" dt="2025-01-14T10:04:01.710" v="1067" actId="1076"/>
+          <ac:spMkLst>
+            <pc:docMk/>
+            <pc:sldMk cId="801923521" sldId="264"/>
+            <ac:spMk id="34" creationId="{0C76603B-4495-ECFB-80E0-4AE8A4BF9170}"/>
+          </ac:spMkLst>
+        </pc:spChg>
+        <pc:spChg chg="add mod">
+          <ac:chgData name="Jinyin Yan" userId="7d7b1cac-fbbc-4678-8cfc-23ca66a374ce" providerId="ADAL" clId="{FF26C555-752D-4004-A979-9228B3A43E4C}" dt="2025-01-14T10:04:01.710" v="1067" actId="1076"/>
+          <ac:spMkLst>
+            <pc:docMk/>
+            <pc:sldMk cId="801923521" sldId="264"/>
+            <ac:spMk id="35" creationId="{B4939B1A-EA00-A31C-BD68-33D359E3F1F8}"/>
+          </ac:spMkLst>
+        </pc:spChg>
+        <pc:spChg chg="add mod">
+          <ac:chgData name="Jinyin Yan" userId="7d7b1cac-fbbc-4678-8cfc-23ca66a374ce" providerId="ADAL" clId="{FF26C555-752D-4004-A979-9228B3A43E4C}" dt="2025-01-14T10:04:01.710" v="1067" actId="1076"/>
+          <ac:spMkLst>
+            <pc:docMk/>
+            <pc:sldMk cId="801923521" sldId="264"/>
+            <ac:spMk id="39" creationId="{8552F8E5-83EC-3B32-40F4-70E877A771D9}"/>
+          </ac:spMkLst>
+        </pc:spChg>
+        <pc:spChg chg="add del">
+          <ac:chgData name="Jinyin Yan" userId="7d7b1cac-fbbc-4678-8cfc-23ca66a374ce" providerId="ADAL" clId="{FF26C555-752D-4004-A979-9228B3A43E4C}" dt="2025-01-14T10:00:53.793" v="1025" actId="11529"/>
+          <ac:spMkLst>
+            <pc:docMk/>
+            <pc:sldMk cId="801923521" sldId="264"/>
+            <ac:spMk id="63" creationId="{87BDF5FB-AAFF-4D35-0499-2654BFB0A106}"/>
+          </ac:spMkLst>
+        </pc:spChg>
+        <pc:spChg chg="add del mod">
+          <ac:chgData name="Jinyin Yan" userId="7d7b1cac-fbbc-4678-8cfc-23ca66a374ce" providerId="ADAL" clId="{FF26C555-752D-4004-A979-9228B3A43E4C}" dt="2025-01-14T10:01:23.949" v="1049"/>
+          <ac:spMkLst>
+            <pc:docMk/>
+            <pc:sldMk cId="801923521" sldId="264"/>
+            <ac:spMk id="64" creationId="{BA12105B-CA48-722D-EF1E-02D841FFDB45}"/>
+          </ac:spMkLst>
+        </pc:spChg>
+        <pc:spChg chg="add mod">
+          <ac:chgData name="Jinyin Yan" userId="7d7b1cac-fbbc-4678-8cfc-23ca66a374ce" providerId="ADAL" clId="{FF26C555-752D-4004-A979-9228B3A43E4C}" dt="2025-01-14T10:03:56.362" v="1066" actId="1076"/>
+          <ac:spMkLst>
+            <pc:docMk/>
+            <pc:sldMk cId="801923521" sldId="264"/>
+            <ac:spMk id="65" creationId="{31F039A9-519A-8888-7713-F6FF92533F03}"/>
+          </ac:spMkLst>
+        </pc:spChg>
+        <pc:spChg chg="add mod">
+          <ac:chgData name="Jinyin Yan" userId="7d7b1cac-fbbc-4678-8cfc-23ca66a374ce" providerId="ADAL" clId="{FF26C555-752D-4004-A979-9228B3A43E4C}" dt="2025-01-14T10:03:56.362" v="1066" actId="1076"/>
+          <ac:spMkLst>
+            <pc:docMk/>
+            <pc:sldMk cId="801923521" sldId="264"/>
+            <ac:spMk id="66" creationId="{B174B8DB-6872-DC7C-94F3-1A725A315D49}"/>
+          </ac:spMkLst>
+        </pc:spChg>
+        <pc:spChg chg="add mod">
+          <ac:chgData name="Jinyin Yan" userId="7d7b1cac-fbbc-4678-8cfc-23ca66a374ce" providerId="ADAL" clId="{FF26C555-752D-4004-A979-9228B3A43E4C}" dt="2025-01-14T10:04:01.710" v="1067" actId="1076"/>
+          <ac:spMkLst>
+            <pc:docMk/>
+            <pc:sldMk cId="801923521" sldId="264"/>
+            <ac:spMk id="67" creationId="{934CACC5-BE66-B2A2-62E7-C8AF8D99A3A6}"/>
+          </ac:spMkLst>
+        </pc:spChg>
+        <pc:spChg chg="add mod">
+          <ac:chgData name="Jinyin Yan" userId="7d7b1cac-fbbc-4678-8cfc-23ca66a374ce" providerId="ADAL" clId="{FF26C555-752D-4004-A979-9228B3A43E4C}" dt="2025-01-14T10:04:01.710" v="1067" actId="1076"/>
+          <ac:spMkLst>
+            <pc:docMk/>
+            <pc:sldMk cId="801923521" sldId="264"/>
+            <ac:spMk id="68" creationId="{C771C7D3-EDDA-5D2B-832E-EC531F4FC7A7}"/>
+          </ac:spMkLst>
+        </pc:spChg>
+        <pc:spChg chg="add mod">
+          <ac:chgData name="Jinyin Yan" userId="7d7b1cac-fbbc-4678-8cfc-23ca66a374ce" providerId="ADAL" clId="{FF26C555-752D-4004-A979-9228B3A43E4C}" dt="2025-01-14T10:04:18.959" v="1080" actId="1076"/>
+          <ac:spMkLst>
+            <pc:docMk/>
+            <pc:sldMk cId="801923521" sldId="264"/>
+            <ac:spMk id="69" creationId="{115C250B-DF63-A33C-9613-00724CE3581C}"/>
+          </ac:spMkLst>
+        </pc:spChg>
+        <pc:spChg chg="add mod">
+          <ac:chgData name="Jinyin Yan" userId="7d7b1cac-fbbc-4678-8cfc-23ca66a374ce" providerId="ADAL" clId="{FF26C555-752D-4004-A979-9228B3A43E4C}" dt="2025-01-14T10:04:25.238" v="1082" actId="1076"/>
+          <ac:spMkLst>
+            <pc:docMk/>
+            <pc:sldMk cId="801923521" sldId="264"/>
+            <ac:spMk id="70" creationId="{BC5ED1A8-BABF-B06B-E112-F77DCFCADCFC}"/>
+          </ac:spMkLst>
+        </pc:spChg>
+        <pc:spChg chg="add mod">
+          <ac:chgData name="Jinyin Yan" userId="7d7b1cac-fbbc-4678-8cfc-23ca66a374ce" providerId="ADAL" clId="{FF26C555-752D-4004-A979-9228B3A43E4C}" dt="2025-01-14T10:04:45.472" v="1125" actId="1076"/>
+          <ac:spMkLst>
+            <pc:docMk/>
+            <pc:sldMk cId="801923521" sldId="264"/>
+            <ac:spMk id="71" creationId="{6CF21370-0444-007D-00EA-F629CC6797AE}"/>
+          </ac:spMkLst>
+        </pc:spChg>
+        <pc:spChg chg="add mod">
+          <ac:chgData name="Jinyin Yan" userId="7d7b1cac-fbbc-4678-8cfc-23ca66a374ce" providerId="ADAL" clId="{FF26C555-752D-4004-A979-9228B3A43E4C}" dt="2025-01-14T10:04:51.751" v="1132" actId="20577"/>
+          <ac:spMkLst>
+            <pc:docMk/>
+            <pc:sldMk cId="801923521" sldId="264"/>
+            <ac:spMk id="72" creationId="{8167B6DB-51D4-DBB0-71E8-CF5E18C0F7B6}"/>
+          </ac:spMkLst>
+        </pc:spChg>
+        <pc:grpChg chg="add del mod">
+          <ac:chgData name="Jinyin Yan" userId="7d7b1cac-fbbc-4678-8cfc-23ca66a374ce" providerId="ADAL" clId="{FF26C555-752D-4004-A979-9228B3A43E4C}" dt="2025-01-14T09:43:49.966" v="945" actId="165"/>
           <ac:grpSpMkLst>
             <pc:docMk/>
             <pc:sldMk cId="801923521" sldId="264"/>
             <ac:grpSpMk id="4" creationId="{29A23B29-8B5C-5C14-3356-B17A48C57ACD}"/>
           </ac:grpSpMkLst>
         </pc:grpChg>
-        <pc:grpChg chg="mod">
-          <ac:chgData name="Jinyin Yan" userId="7d7b1cac-fbbc-4678-8cfc-23ca66a374ce" providerId="ADAL" clId="{FF26C555-752D-4004-A979-9228B3A43E4C}" dt="2025-01-14T09:18:42.292" v="927"/>
+        <pc:grpChg chg="mod topLvl">
+          <ac:chgData name="Jinyin Yan" userId="7d7b1cac-fbbc-4678-8cfc-23ca66a374ce" providerId="ADAL" clId="{FF26C555-752D-4004-A979-9228B3A43E4C}" dt="2025-01-14T10:03:56.362" v="1066" actId="1076"/>
           <ac:grpSpMkLst>
             <pc:docMk/>
             <pc:sldMk cId="801923521" sldId="264"/>
             <ac:grpSpMk id="5" creationId="{ACAED515-7236-5120-4D9E-A56834FD277D}"/>
           </ac:grpSpMkLst>
         </pc:grpChg>
-        <pc:cxnChg chg="mod">
-          <ac:chgData name="Jinyin Yan" userId="7d7b1cac-fbbc-4678-8cfc-23ca66a374ce" providerId="ADAL" clId="{FF26C555-752D-4004-A979-9228B3A43E4C}" dt="2025-01-14T09:18:42.292" v="927"/>
+        <pc:grpChg chg="add mod">
+          <ac:chgData name="Jinyin Yan" userId="7d7b1cac-fbbc-4678-8cfc-23ca66a374ce" providerId="ADAL" clId="{FF26C555-752D-4004-A979-9228B3A43E4C}" dt="2025-01-14T10:04:01.710" v="1067" actId="1076"/>
+          <ac:grpSpMkLst>
+            <pc:docMk/>
+            <pc:sldMk cId="801923521" sldId="264"/>
+            <ac:grpSpMk id="23" creationId="{605B1B1D-5FDD-79C1-49CE-494B6F64CC11}"/>
+          </ac:grpSpMkLst>
+        </pc:grpChg>
+        <pc:cxnChg chg="mod topLvl">
+          <ac:chgData name="Jinyin Yan" userId="7d7b1cac-fbbc-4678-8cfc-23ca66a374ce" providerId="ADAL" clId="{FF26C555-752D-4004-A979-9228B3A43E4C}" dt="2025-01-14T10:03:56.362" v="1066" actId="1076"/>
           <ac:cxnSpMkLst>
             <pc:docMk/>
             <pc:sldMk cId="801923521" sldId="264"/>
             <ac:cxnSpMk id="6" creationId="{023F12C9-9881-A1A3-91C6-63EFAB93E6EE}"/>
           </ac:cxnSpMkLst>
         </pc:cxnChg>
-        <pc:cxnChg chg="mod">
-          <ac:chgData name="Jinyin Yan" userId="7d7b1cac-fbbc-4678-8cfc-23ca66a374ce" providerId="ADAL" clId="{FF26C555-752D-4004-A979-9228B3A43E4C}" dt="2025-01-14T09:18:42.292" v="927"/>
+        <pc:cxnChg chg="mod topLvl">
+          <ac:chgData name="Jinyin Yan" userId="7d7b1cac-fbbc-4678-8cfc-23ca66a374ce" providerId="ADAL" clId="{FF26C555-752D-4004-A979-9228B3A43E4C}" dt="2025-01-14T10:03:56.362" v="1066" actId="1076"/>
           <ac:cxnSpMkLst>
             <pc:docMk/>
             <pc:sldMk cId="801923521" sldId="264"/>
             <ac:cxnSpMk id="7" creationId="{A4456CC7-9702-6790-16E7-C660EE0396A5}"/>
           </ac:cxnSpMkLst>
         </pc:cxnChg>
-        <pc:cxnChg chg="mod">
-          <ac:chgData name="Jinyin Yan" userId="7d7b1cac-fbbc-4678-8cfc-23ca66a374ce" providerId="ADAL" clId="{FF26C555-752D-4004-A979-9228B3A43E4C}" dt="2025-01-14T09:18:42.292" v="927"/>
+        <pc:cxnChg chg="mod topLvl">
+          <ac:chgData name="Jinyin Yan" userId="7d7b1cac-fbbc-4678-8cfc-23ca66a374ce" providerId="ADAL" clId="{FF26C555-752D-4004-A979-9228B3A43E4C}" dt="2025-01-14T10:03:56.362" v="1066" actId="1076"/>
           <ac:cxnSpMkLst>
             <pc:docMk/>
             <pc:sldMk cId="801923521" sldId="264"/>
@@ -3684,11 +3860,139 @@
           </ac:cxnSpMkLst>
         </pc:cxnChg>
         <pc:cxnChg chg="add mod">
-          <ac:chgData name="Jinyin Yan" userId="7d7b1cac-fbbc-4678-8cfc-23ca66a374ce" providerId="ADAL" clId="{FF26C555-752D-4004-A979-9228B3A43E4C}" dt="2025-01-14T09:21:46.776" v="941" actId="14100"/>
+          <ac:chgData name="Jinyin Yan" userId="7d7b1cac-fbbc-4678-8cfc-23ca66a374ce" providerId="ADAL" clId="{FF26C555-752D-4004-A979-9228B3A43E4C}" dt="2025-01-14T10:03:56.362" v="1066" actId="1076"/>
+          <ac:cxnSpMkLst>
+            <pc:docMk/>
+            <pc:sldMk cId="801923521" sldId="264"/>
+            <ac:cxnSpMk id="18" creationId="{CE0A6AE0-1D81-DD79-986A-48E86267F404}"/>
+          </ac:cxnSpMkLst>
+        </pc:cxnChg>
+        <pc:cxnChg chg="add del mod">
+          <ac:chgData name="Jinyin Yan" userId="7d7b1cac-fbbc-4678-8cfc-23ca66a374ce" providerId="ADAL" clId="{FF26C555-752D-4004-A979-9228B3A43E4C}" dt="2025-01-14T09:43:52.490" v="946" actId="478"/>
           <ac:cxnSpMkLst>
             <pc:docMk/>
             <pc:sldMk cId="801923521" sldId="264"/>
             <ac:cxnSpMk id="20" creationId="{6E2C58E3-58C0-9861-2CF6-1C55E4F82F94}"/>
+          </ac:cxnSpMkLst>
+        </pc:cxnChg>
+        <pc:cxnChg chg="add mod">
+          <ac:chgData name="Jinyin Yan" userId="7d7b1cac-fbbc-4678-8cfc-23ca66a374ce" providerId="ADAL" clId="{FF26C555-752D-4004-A979-9228B3A43E4C}" dt="2025-01-14T10:04:01.710" v="1067" actId="1076"/>
+          <ac:cxnSpMkLst>
+            <pc:docMk/>
+            <pc:sldMk cId="801923521" sldId="264"/>
+            <ac:cxnSpMk id="29" creationId="{CA1547C4-D08C-4F86-F2EC-4230AF782B36}"/>
+          </ac:cxnSpMkLst>
+        </pc:cxnChg>
+        <pc:cxnChg chg="add mod">
+          <ac:chgData name="Jinyin Yan" userId="7d7b1cac-fbbc-4678-8cfc-23ca66a374ce" providerId="ADAL" clId="{FF26C555-752D-4004-A979-9228B3A43E4C}" dt="2025-01-14T10:04:01.710" v="1067" actId="1076"/>
+          <ac:cxnSpMkLst>
+            <pc:docMk/>
+            <pc:sldMk cId="801923521" sldId="264"/>
+            <ac:cxnSpMk id="30" creationId="{44939E0D-633D-E4D9-87F2-E522D5086B31}"/>
+          </ac:cxnSpMkLst>
+        </pc:cxnChg>
+        <pc:cxnChg chg="add mod">
+          <ac:chgData name="Jinyin Yan" userId="7d7b1cac-fbbc-4678-8cfc-23ca66a374ce" providerId="ADAL" clId="{FF26C555-752D-4004-A979-9228B3A43E4C}" dt="2025-01-14T10:04:01.710" v="1067" actId="1076"/>
+          <ac:cxnSpMkLst>
+            <pc:docMk/>
+            <pc:sldMk cId="801923521" sldId="264"/>
+            <ac:cxnSpMk id="31" creationId="{6F8E6FF9-C7AB-1227-4750-36D0161931E9}"/>
+          </ac:cxnSpMkLst>
+        </pc:cxnChg>
+        <pc:cxnChg chg="add mod">
+          <ac:chgData name="Jinyin Yan" userId="7d7b1cac-fbbc-4678-8cfc-23ca66a374ce" providerId="ADAL" clId="{FF26C555-752D-4004-A979-9228B3A43E4C}" dt="2025-01-14T10:04:01.710" v="1067" actId="1076"/>
+          <ac:cxnSpMkLst>
+            <pc:docMk/>
+            <pc:sldMk cId="801923521" sldId="264"/>
+            <ac:cxnSpMk id="36" creationId="{0B098A84-9616-14F5-047F-23684C383E96}"/>
+          </ac:cxnSpMkLst>
+        </pc:cxnChg>
+        <pc:cxnChg chg="add mod">
+          <ac:chgData name="Jinyin Yan" userId="7d7b1cac-fbbc-4678-8cfc-23ca66a374ce" providerId="ADAL" clId="{FF26C555-752D-4004-A979-9228B3A43E4C}" dt="2025-01-14T10:04:01.710" v="1067" actId="1076"/>
+          <ac:cxnSpMkLst>
+            <pc:docMk/>
+            <pc:sldMk cId="801923521" sldId="264"/>
+            <ac:cxnSpMk id="40" creationId="{D4900C59-71DC-8C99-4034-E27943102288}"/>
+          </ac:cxnSpMkLst>
+        </pc:cxnChg>
+        <pc:cxnChg chg="add mod">
+          <ac:chgData name="Jinyin Yan" userId="7d7b1cac-fbbc-4678-8cfc-23ca66a374ce" providerId="ADAL" clId="{FF26C555-752D-4004-A979-9228B3A43E4C}" dt="2025-01-14T10:03:56.362" v="1066" actId="1076"/>
+          <ac:cxnSpMkLst>
+            <pc:docMk/>
+            <pc:sldMk cId="801923521" sldId="264"/>
+            <ac:cxnSpMk id="44" creationId="{055E8E42-192D-3484-5558-BA2FA8B128CF}"/>
+          </ac:cxnSpMkLst>
+        </pc:cxnChg>
+        <pc:cxnChg chg="add mod">
+          <ac:chgData name="Jinyin Yan" userId="7d7b1cac-fbbc-4678-8cfc-23ca66a374ce" providerId="ADAL" clId="{FF26C555-752D-4004-A979-9228B3A43E4C}" dt="2025-01-14T10:03:56.362" v="1066" actId="1076"/>
+          <ac:cxnSpMkLst>
+            <pc:docMk/>
+            <pc:sldMk cId="801923521" sldId="264"/>
+            <ac:cxnSpMk id="47" creationId="{1532D23E-9DA2-0174-3534-FD431304D3C9}"/>
+          </ac:cxnSpMkLst>
+        </pc:cxnChg>
+        <pc:cxnChg chg="add mod">
+          <ac:chgData name="Jinyin Yan" userId="7d7b1cac-fbbc-4678-8cfc-23ca66a374ce" providerId="ADAL" clId="{FF26C555-752D-4004-A979-9228B3A43E4C}" dt="2025-01-14T10:03:56.362" v="1066" actId="1076"/>
+          <ac:cxnSpMkLst>
+            <pc:docMk/>
+            <pc:sldMk cId="801923521" sldId="264"/>
+            <ac:cxnSpMk id="48" creationId="{E43E8535-4309-F074-F2BC-2CDEF4D15A85}"/>
+          </ac:cxnSpMkLst>
+        </pc:cxnChg>
+        <pc:cxnChg chg="add mod">
+          <ac:chgData name="Jinyin Yan" userId="7d7b1cac-fbbc-4678-8cfc-23ca66a374ce" providerId="ADAL" clId="{FF26C555-752D-4004-A979-9228B3A43E4C}" dt="2025-01-14T10:03:56.362" v="1066" actId="1076"/>
+          <ac:cxnSpMkLst>
+            <pc:docMk/>
+            <pc:sldMk cId="801923521" sldId="264"/>
+            <ac:cxnSpMk id="50" creationId="{1FA2DB67-E269-DAA9-DA68-4AC66BCDEEE4}"/>
+          </ac:cxnSpMkLst>
+        </pc:cxnChg>
+        <pc:cxnChg chg="add mod">
+          <ac:chgData name="Jinyin Yan" userId="7d7b1cac-fbbc-4678-8cfc-23ca66a374ce" providerId="ADAL" clId="{FF26C555-752D-4004-A979-9228B3A43E4C}" dt="2025-01-14T10:03:56.362" v="1066" actId="1076"/>
+          <ac:cxnSpMkLst>
+            <pc:docMk/>
+            <pc:sldMk cId="801923521" sldId="264"/>
+            <ac:cxnSpMk id="53" creationId="{1F29EBCB-D494-8690-2620-F0088DE6FC4F}"/>
+          </ac:cxnSpMkLst>
+        </pc:cxnChg>
+        <pc:cxnChg chg="add mod">
+          <ac:chgData name="Jinyin Yan" userId="7d7b1cac-fbbc-4678-8cfc-23ca66a374ce" providerId="ADAL" clId="{FF26C555-752D-4004-A979-9228B3A43E4C}" dt="2025-01-14T10:04:01.710" v="1067" actId="1076"/>
+          <ac:cxnSpMkLst>
+            <pc:docMk/>
+            <pc:sldMk cId="801923521" sldId="264"/>
+            <ac:cxnSpMk id="56" creationId="{225C530C-01D2-116E-FB91-FC1B904CE666}"/>
+          </ac:cxnSpMkLst>
+        </pc:cxnChg>
+        <pc:cxnChg chg="add mod">
+          <ac:chgData name="Jinyin Yan" userId="7d7b1cac-fbbc-4678-8cfc-23ca66a374ce" providerId="ADAL" clId="{FF26C555-752D-4004-A979-9228B3A43E4C}" dt="2025-01-14T10:04:01.710" v="1067" actId="1076"/>
+          <ac:cxnSpMkLst>
+            <pc:docMk/>
+            <pc:sldMk cId="801923521" sldId="264"/>
+            <ac:cxnSpMk id="57" creationId="{561C6990-C7E8-0284-13A8-3FF137BA8BCF}"/>
+          </ac:cxnSpMkLst>
+        </pc:cxnChg>
+        <pc:cxnChg chg="add mod">
+          <ac:chgData name="Jinyin Yan" userId="7d7b1cac-fbbc-4678-8cfc-23ca66a374ce" providerId="ADAL" clId="{FF26C555-752D-4004-A979-9228B3A43E4C}" dt="2025-01-14T10:04:01.710" v="1067" actId="1076"/>
+          <ac:cxnSpMkLst>
+            <pc:docMk/>
+            <pc:sldMk cId="801923521" sldId="264"/>
+            <ac:cxnSpMk id="58" creationId="{1F066463-55A4-FC96-45E0-7910BD1D8C0E}"/>
+          </ac:cxnSpMkLst>
+        </pc:cxnChg>
+        <pc:cxnChg chg="add mod">
+          <ac:chgData name="Jinyin Yan" userId="7d7b1cac-fbbc-4678-8cfc-23ca66a374ce" providerId="ADAL" clId="{FF26C555-752D-4004-A979-9228B3A43E4C}" dt="2025-01-14T10:04:01.710" v="1067" actId="1076"/>
+          <ac:cxnSpMkLst>
+            <pc:docMk/>
+            <pc:sldMk cId="801923521" sldId="264"/>
+            <ac:cxnSpMk id="59" creationId="{83FA82A9-9F9E-1627-1A82-176090F3152D}"/>
+          </ac:cxnSpMkLst>
+        </pc:cxnChg>
+        <pc:cxnChg chg="add mod">
+          <ac:chgData name="Jinyin Yan" userId="7d7b1cac-fbbc-4678-8cfc-23ca66a374ce" providerId="ADAL" clId="{FF26C555-752D-4004-A979-9228B3A43E4C}" dt="2025-01-14T10:04:01.710" v="1067" actId="1076"/>
+          <ac:cxnSpMkLst>
+            <pc:docMk/>
+            <pc:sldMk cId="801923521" sldId="264"/>
+            <ac:cxnSpMk id="61" creationId="{4322B9E7-A2B4-C1DA-02A8-E865FD0DCBF2}"/>
           </ac:cxnSpMkLst>
         </pc:cxnChg>
       </pc:sldChg>
@@ -27734,10 +28038,10 @@
       </p:grpSpPr>
       <p:grpSp>
         <p:nvGrpSpPr>
-          <p:cNvPr id="4" name="组合 22">
-            <a:extLst>
-              <a:ext uri="{FF2B5EF4-FFF2-40B4-BE49-F238E27FC236}">
-                <a16:creationId xmlns:a16="http://schemas.microsoft.com/office/drawing/2014/main" id="{29A23B29-8B5C-5C14-3356-B17A48C57ACD}"/>
+          <p:cNvPr id="5" name="组合 9">
+            <a:extLst>
+              <a:ext uri="{FF2B5EF4-FFF2-40B4-BE49-F238E27FC236}">
+                <a16:creationId xmlns:a16="http://schemas.microsoft.com/office/drawing/2014/main" id="{ACAED515-7236-5120-4D9E-A56834FD277D}"/>
               </a:ext>
             </a:extLst>
           </p:cNvPr>
@@ -27746,354 +28050,334 @@
         </p:nvGrpSpPr>
         <p:grpSpPr>
           <a:xfrm>
-            <a:off x="4551785" y="3022778"/>
-            <a:ext cx="1187867" cy="1033153"/>
-            <a:chOff x="2459115" y="1343921"/>
-            <a:chExt cx="1187867" cy="1033153"/>
+            <a:off x="7525635" y="891506"/>
+            <a:ext cx="756004" cy="1033153"/>
+            <a:chOff x="2661581" y="1343921"/>
+            <a:chExt cx="756004" cy="1033153"/>
           </a:xfrm>
         </p:grpSpPr>
-        <p:grpSp>
-          <p:nvGrpSpPr>
-            <p:cNvPr id="5" name="组合 9">
+        <p:sp>
+          <p:nvSpPr>
+            <p:cNvPr id="9" name="矩形 4">
               <a:extLst>
                 <a:ext uri="{FF2B5EF4-FFF2-40B4-BE49-F238E27FC236}">
-                  <a16:creationId xmlns:a16="http://schemas.microsoft.com/office/drawing/2014/main" id="{ACAED515-7236-5120-4D9E-A56834FD277D}"/>
+                  <a16:creationId xmlns:a16="http://schemas.microsoft.com/office/drawing/2014/main" id="{890F83C6-C13B-4EDC-DD5D-15965A84B687}"/>
                 </a:ext>
               </a:extLst>
             </p:cNvPr>
-            <p:cNvGrpSpPr/>
+            <p:cNvSpPr/>
             <p:nvPr/>
-          </p:nvGrpSpPr>
-          <p:grpSpPr>
+          </p:nvSpPr>
+          <p:spPr>
             <a:xfrm>
-              <a:off x="2661581" y="1343921"/>
-              <a:ext cx="756004" cy="1033153"/>
-              <a:chOff x="2661581" y="1343921"/>
-              <a:chExt cx="756004" cy="1033153"/>
+              <a:off x="2765072" y="1343921"/>
+              <a:ext cx="575953" cy="1033153"/>
             </a:xfrm>
-          </p:grpSpPr>
-          <p:sp>
-            <p:nvSpPr>
-              <p:cNvPr id="9" name="矩形 4">
-                <a:extLst>
-                  <a:ext uri="{FF2B5EF4-FFF2-40B4-BE49-F238E27FC236}">
-                    <a16:creationId xmlns:a16="http://schemas.microsoft.com/office/drawing/2014/main" id="{890F83C6-C13B-4EDC-DD5D-15965A84B687}"/>
-                  </a:ext>
-                </a:extLst>
-              </p:cNvPr>
-              <p:cNvSpPr/>
-              <p:nvPr/>
-            </p:nvSpPr>
-            <p:spPr>
-              <a:xfrm>
-                <a:off x="2765072" y="1343921"/>
-                <a:ext cx="575953" cy="1033153"/>
-              </a:xfrm>
-              <a:prstGeom prst="rect">
-                <a:avLst/>
-              </a:prstGeom>
-              <a:noFill/>
-            </p:spPr>
-            <p:style>
-              <a:lnRef idx="2">
-                <a:schemeClr val="accent1">
-                  <a:shade val="50000"/>
-                </a:schemeClr>
-              </a:lnRef>
-              <a:fillRef idx="1">
-                <a:schemeClr val="accent1"/>
-              </a:fillRef>
-              <a:effectRef idx="0">
-                <a:schemeClr val="accent1"/>
-              </a:effectRef>
-              <a:fontRef idx="minor">
-                <a:schemeClr val="lt1"/>
-              </a:fontRef>
-            </p:style>
-            <p:txBody>
-              <a:bodyPr rtlCol="0" anchor="ctr"/>
-              <a:lstStyle/>
-              <a:p>
-                <a:pPr algn="ctr"/>
-                <a:endParaRPr lang="zh-CN" altLang="en-US" dirty="0">
-                  <a:solidFill>
-                    <a:schemeClr val="tx1"/>
-                  </a:solidFill>
-                </a:endParaRPr>
-              </a:p>
-            </p:txBody>
-          </p:sp>
-          <p:sp>
-            <p:nvSpPr>
-              <p:cNvPr id="10" name="直角三角形 5">
-                <a:extLst>
-                  <a:ext uri="{FF2B5EF4-FFF2-40B4-BE49-F238E27FC236}">
-                    <a16:creationId xmlns:a16="http://schemas.microsoft.com/office/drawing/2014/main" id="{84C4176E-046D-07B4-4E0A-8B7DD99F40EB}"/>
-                  </a:ext>
-                </a:extLst>
-              </p:cNvPr>
-              <p:cNvSpPr/>
-              <p:nvPr/>
-            </p:nvSpPr>
-            <p:spPr>
-              <a:xfrm rot="13320000">
-                <a:off x="2661581" y="2001597"/>
-                <a:ext cx="206982" cy="226517"/>
-              </a:xfrm>
-              <a:prstGeom prst="rtTriangle">
-                <a:avLst/>
-              </a:prstGeom>
-              <a:noFill/>
-            </p:spPr>
-            <p:style>
-              <a:lnRef idx="2">
-                <a:schemeClr val="accent1">
-                  <a:shade val="50000"/>
-                </a:schemeClr>
-              </a:lnRef>
-              <a:fillRef idx="1">
-                <a:schemeClr val="accent1"/>
-              </a:fillRef>
-              <a:effectRef idx="0">
-                <a:schemeClr val="accent1"/>
-              </a:effectRef>
-              <a:fontRef idx="minor">
-                <a:schemeClr val="lt1"/>
-              </a:fontRef>
-            </p:style>
-            <p:txBody>
-              <a:bodyPr rtlCol="0" anchor="ctr"/>
-              <a:lstStyle/>
-              <a:p>
-                <a:pPr algn="ctr"/>
-                <a:endParaRPr lang="zh-CN" altLang="en-US"/>
-              </a:p>
-            </p:txBody>
-          </p:sp>
-          <p:sp>
-            <p:nvSpPr>
-              <p:cNvPr id="11" name="文本框 6">
-                <a:extLst>
-                  <a:ext uri="{FF2B5EF4-FFF2-40B4-BE49-F238E27FC236}">
-                    <a16:creationId xmlns:a16="http://schemas.microsoft.com/office/drawing/2014/main" id="{810FE417-7B58-49AB-EEB0-B50598EE3002}"/>
-                  </a:ext>
-                </a:extLst>
-              </p:cNvPr>
-              <p:cNvSpPr txBox="1"/>
-              <p:nvPr/>
-            </p:nvSpPr>
-            <p:spPr>
-              <a:xfrm>
-                <a:off x="2692832" y="1391816"/>
-                <a:ext cx="343364" cy="369332"/>
-              </a:xfrm>
-              <a:prstGeom prst="rect">
-                <a:avLst/>
-              </a:prstGeom>
-              <a:noFill/>
-            </p:spPr>
-            <p:txBody>
-              <a:bodyPr wrap="none" rtlCol="0">
-                <a:spAutoFit/>
-              </a:bodyPr>
-              <a:lstStyle/>
-              <a:p>
-                <a:r>
-                  <a:rPr kumimoji="1" lang="en-US" altLang="zh-CN" dirty="0"/>
-                  <a:t>D</a:t>
-                </a:r>
-                <a:endParaRPr kumimoji="1" lang="zh-CN" altLang="en-US" dirty="0"/>
-              </a:p>
-            </p:txBody>
-          </p:sp>
-          <p:sp>
-            <p:nvSpPr>
-              <p:cNvPr id="12" name="文本框 7">
-                <a:extLst>
-                  <a:ext uri="{FF2B5EF4-FFF2-40B4-BE49-F238E27FC236}">
-                    <a16:creationId xmlns:a16="http://schemas.microsoft.com/office/drawing/2014/main" id="{075A1A4B-5377-5F3B-199F-3C44BBCCEFB6}"/>
-                  </a:ext>
-                </a:extLst>
-              </p:cNvPr>
-              <p:cNvSpPr txBox="1"/>
-              <p:nvPr/>
-            </p:nvSpPr>
-            <p:spPr>
-              <a:xfrm>
-                <a:off x="2864514" y="1930189"/>
-                <a:ext cx="455574" cy="369332"/>
-              </a:xfrm>
-              <a:prstGeom prst="rect">
-                <a:avLst/>
-              </a:prstGeom>
-              <a:noFill/>
-            </p:spPr>
-            <p:txBody>
-              <a:bodyPr wrap="none" rtlCol="0">
-                <a:spAutoFit/>
-              </a:bodyPr>
-              <a:lstStyle/>
-              <a:p>
-                <a:r>
-                  <a:rPr kumimoji="1" lang="en-US" altLang="zh-CN" dirty="0"/>
-                  <a:t>CK</a:t>
-                </a:r>
-                <a:endParaRPr kumimoji="1" lang="zh-CN" altLang="en-US" dirty="0"/>
-              </a:p>
-            </p:txBody>
-          </p:sp>
-          <p:sp>
-            <p:nvSpPr>
-              <p:cNvPr id="13" name="文本框 8">
-                <a:extLst>
-                  <a:ext uri="{FF2B5EF4-FFF2-40B4-BE49-F238E27FC236}">
-                    <a16:creationId xmlns:a16="http://schemas.microsoft.com/office/drawing/2014/main" id="{617133A4-2016-3CC9-7877-9FAD93936AAA}"/>
-                  </a:ext>
-                </a:extLst>
-              </p:cNvPr>
-              <p:cNvSpPr txBox="1"/>
-              <p:nvPr/>
-            </p:nvSpPr>
-            <p:spPr>
-              <a:xfrm>
-                <a:off x="3058191" y="1391816"/>
-                <a:ext cx="359394" cy="369332"/>
-              </a:xfrm>
-              <a:prstGeom prst="rect">
-                <a:avLst/>
-              </a:prstGeom>
-              <a:noFill/>
-            </p:spPr>
-            <p:txBody>
-              <a:bodyPr wrap="none" rtlCol="0">
-                <a:spAutoFit/>
-              </a:bodyPr>
-              <a:lstStyle/>
-              <a:p>
-                <a:r>
-                  <a:rPr kumimoji="1" lang="en-US" altLang="zh-CN" dirty="0"/>
-                  <a:t>Q</a:t>
-                </a:r>
-                <a:endParaRPr kumimoji="1" lang="zh-CN" altLang="en-US" dirty="0"/>
-              </a:p>
-            </p:txBody>
-          </p:sp>
-        </p:grpSp>
-        <p:cxnSp>
-          <p:nvCxnSpPr>
-            <p:cNvPr id="6" name="直线连接符 17">
+            <a:prstGeom prst="rect">
+              <a:avLst/>
+            </a:prstGeom>
+            <a:noFill/>
+          </p:spPr>
+          <p:style>
+            <a:lnRef idx="2">
+              <a:schemeClr val="accent1">
+                <a:shade val="50000"/>
+              </a:schemeClr>
+            </a:lnRef>
+            <a:fillRef idx="1">
+              <a:schemeClr val="accent1"/>
+            </a:fillRef>
+            <a:effectRef idx="0">
+              <a:schemeClr val="accent1"/>
+            </a:effectRef>
+            <a:fontRef idx="minor">
+              <a:schemeClr val="lt1"/>
+            </a:fontRef>
+          </p:style>
+          <p:txBody>
+            <a:bodyPr rtlCol="0" anchor="ctr"/>
+            <a:lstStyle/>
+            <a:p>
+              <a:pPr algn="ctr"/>
+              <a:endParaRPr lang="zh-CN" altLang="en-US" dirty="0">
+                <a:solidFill>
+                  <a:schemeClr val="tx1"/>
+                </a:solidFill>
+              </a:endParaRPr>
+            </a:p>
+          </p:txBody>
+        </p:sp>
+        <p:sp>
+          <p:nvSpPr>
+            <p:cNvPr id="10" name="直角三角形 5">
               <a:extLst>
                 <a:ext uri="{FF2B5EF4-FFF2-40B4-BE49-F238E27FC236}">
-                  <a16:creationId xmlns:a16="http://schemas.microsoft.com/office/drawing/2014/main" id="{023F12C9-9881-A1A3-91C6-63EFAB93E6EE}"/>
+                  <a16:creationId xmlns:a16="http://schemas.microsoft.com/office/drawing/2014/main" id="{84C4176E-046D-07B4-4E0A-8B7DD99F40EB}"/>
                 </a:ext>
               </a:extLst>
             </p:cNvPr>
-            <p:cNvCxnSpPr>
-              <a:cxnSpLocks/>
-            </p:cNvCxnSpPr>
+            <p:cNvSpPr/>
             <p:nvPr/>
-          </p:nvCxnSpPr>
+          </p:nvSpPr>
           <p:spPr>
-            <a:xfrm>
-              <a:off x="2459115" y="1576482"/>
-              <a:ext cx="305957" cy="0"/>
+            <a:xfrm rot="13320000">
+              <a:off x="2661581" y="2001597"/>
+              <a:ext cx="206982" cy="226517"/>
             </a:xfrm>
-            <a:prstGeom prst="line">
+            <a:prstGeom prst="rtTriangle">
               <a:avLst/>
             </a:prstGeom>
+            <a:noFill/>
           </p:spPr>
           <p:style>
             <a:lnRef idx="2">
-              <a:schemeClr val="accent1"/>
+              <a:schemeClr val="accent1">
+                <a:shade val="50000"/>
+              </a:schemeClr>
             </a:lnRef>
-            <a:fillRef idx="0">
+            <a:fillRef idx="1">
               <a:schemeClr val="accent1"/>
             </a:fillRef>
-            <a:effectRef idx="1">
+            <a:effectRef idx="0">
               <a:schemeClr val="accent1"/>
             </a:effectRef>
             <a:fontRef idx="minor">
-              <a:schemeClr val="tx1"/>
+              <a:schemeClr val="lt1"/>
             </a:fontRef>
           </p:style>
-        </p:cxnSp>
-        <p:cxnSp>
-          <p:nvCxnSpPr>
-            <p:cNvPr id="7" name="直线连接符 19">
+          <p:txBody>
+            <a:bodyPr rtlCol="0" anchor="ctr"/>
+            <a:lstStyle/>
+            <a:p>
+              <a:pPr algn="ctr"/>
+              <a:endParaRPr lang="zh-CN" altLang="en-US"/>
+            </a:p>
+          </p:txBody>
+        </p:sp>
+        <p:sp>
+          <p:nvSpPr>
+            <p:cNvPr id="11" name="文本框 6">
               <a:extLst>
                 <a:ext uri="{FF2B5EF4-FFF2-40B4-BE49-F238E27FC236}">
-                  <a16:creationId xmlns:a16="http://schemas.microsoft.com/office/drawing/2014/main" id="{A4456CC7-9702-6790-16E7-C660EE0396A5}"/>
+                  <a16:creationId xmlns:a16="http://schemas.microsoft.com/office/drawing/2014/main" id="{810FE417-7B58-49AB-EEB0-B50598EE3002}"/>
                 </a:ext>
               </a:extLst>
             </p:cNvPr>
-            <p:cNvCxnSpPr>
-              <a:cxnSpLocks/>
-            </p:cNvCxnSpPr>
+            <p:cNvSpPr txBox="1"/>
             <p:nvPr/>
-          </p:nvCxnSpPr>
+          </p:nvSpPr>
           <p:spPr>
             <a:xfrm>
-              <a:off x="3341025" y="1576482"/>
-              <a:ext cx="305957" cy="0"/>
+              <a:off x="2692832" y="1391816"/>
+              <a:ext cx="343364" cy="369332"/>
             </a:xfrm>
-            <a:prstGeom prst="line">
+            <a:prstGeom prst="rect">
               <a:avLst/>
             </a:prstGeom>
+            <a:noFill/>
           </p:spPr>
-          <p:style>
-            <a:lnRef idx="2">
-              <a:schemeClr val="accent1"/>
-            </a:lnRef>
-            <a:fillRef idx="0">
-              <a:schemeClr val="accent1"/>
-            </a:fillRef>
-            <a:effectRef idx="1">
-              <a:schemeClr val="accent1"/>
-            </a:effectRef>
-            <a:fontRef idx="minor">
-              <a:schemeClr val="tx1"/>
-            </a:fontRef>
-          </p:style>
-        </p:cxnSp>
-        <p:cxnSp>
-          <p:nvCxnSpPr>
-            <p:cNvPr id="8" name="直线连接符 20">
+          <p:txBody>
+            <a:bodyPr wrap="none" rtlCol="0">
+              <a:spAutoFit/>
+            </a:bodyPr>
+            <a:lstStyle/>
+            <a:p>
+              <a:r>
+                <a:rPr kumimoji="1" lang="en-US" altLang="zh-CN" dirty="0"/>
+                <a:t>D</a:t>
+              </a:r>
+              <a:endParaRPr kumimoji="1" lang="zh-CN" altLang="en-US" dirty="0"/>
+            </a:p>
+          </p:txBody>
+        </p:sp>
+        <p:sp>
+          <p:nvSpPr>
+            <p:cNvPr id="12" name="文本框 7">
               <a:extLst>
                 <a:ext uri="{FF2B5EF4-FFF2-40B4-BE49-F238E27FC236}">
-                  <a16:creationId xmlns:a16="http://schemas.microsoft.com/office/drawing/2014/main" id="{DC05F367-1AF7-A6FA-E379-B791AE98B1AF}"/>
+                  <a16:creationId xmlns:a16="http://schemas.microsoft.com/office/drawing/2014/main" id="{075A1A4B-5377-5F3B-199F-3C44BBCCEFB6}"/>
                 </a:ext>
               </a:extLst>
             </p:cNvPr>
-            <p:cNvCxnSpPr>
-              <a:cxnSpLocks/>
-            </p:cNvCxnSpPr>
+            <p:cNvSpPr txBox="1"/>
             <p:nvPr/>
-          </p:nvCxnSpPr>
+          </p:nvSpPr>
           <p:spPr>
             <a:xfrm>
-              <a:off x="2459115" y="2103714"/>
-              <a:ext cx="305957" cy="0"/>
+              <a:off x="2864514" y="1930189"/>
+              <a:ext cx="455574" cy="369332"/>
             </a:xfrm>
-            <a:prstGeom prst="line">
+            <a:prstGeom prst="rect">
               <a:avLst/>
             </a:prstGeom>
+            <a:noFill/>
           </p:spPr>
-          <p:style>
-            <a:lnRef idx="2">
-              <a:schemeClr val="accent1"/>
-            </a:lnRef>
-            <a:fillRef idx="0">
-              <a:schemeClr val="accent1"/>
-            </a:fillRef>
-            <a:effectRef idx="1">
-              <a:schemeClr val="accent1"/>
-            </a:effectRef>
-            <a:fontRef idx="minor">
-              <a:schemeClr val="tx1"/>
-            </a:fontRef>
-          </p:style>
-        </p:cxnSp>
+          <p:txBody>
+            <a:bodyPr wrap="none" rtlCol="0">
+              <a:spAutoFit/>
+            </a:bodyPr>
+            <a:lstStyle/>
+            <a:p>
+              <a:r>
+                <a:rPr kumimoji="1" lang="en-US" altLang="zh-CN" dirty="0"/>
+                <a:t>CK</a:t>
+              </a:r>
+              <a:endParaRPr kumimoji="1" lang="zh-CN" altLang="en-US" dirty="0"/>
+            </a:p>
+          </p:txBody>
+        </p:sp>
+        <p:sp>
+          <p:nvSpPr>
+            <p:cNvPr id="13" name="文本框 8">
+              <a:extLst>
+                <a:ext uri="{FF2B5EF4-FFF2-40B4-BE49-F238E27FC236}">
+                  <a16:creationId xmlns:a16="http://schemas.microsoft.com/office/drawing/2014/main" id="{617133A4-2016-3CC9-7877-9FAD93936AAA}"/>
+                </a:ext>
+              </a:extLst>
+            </p:cNvPr>
+            <p:cNvSpPr txBox="1"/>
+            <p:nvPr/>
+          </p:nvSpPr>
+          <p:spPr>
+            <a:xfrm>
+              <a:off x="3058191" y="1391816"/>
+              <a:ext cx="359394" cy="369332"/>
+            </a:xfrm>
+            <a:prstGeom prst="rect">
+              <a:avLst/>
+            </a:prstGeom>
+            <a:noFill/>
+          </p:spPr>
+          <p:txBody>
+            <a:bodyPr wrap="none" rtlCol="0">
+              <a:spAutoFit/>
+            </a:bodyPr>
+            <a:lstStyle/>
+            <a:p>
+              <a:r>
+                <a:rPr kumimoji="1" lang="en-US" altLang="zh-CN" dirty="0"/>
+                <a:t>Q</a:t>
+              </a:r>
+              <a:endParaRPr kumimoji="1" lang="zh-CN" altLang="en-US" dirty="0"/>
+            </a:p>
+          </p:txBody>
+        </p:sp>
       </p:grpSp>
+      <p:cxnSp>
+        <p:nvCxnSpPr>
+          <p:cNvPr id="6" name="直线连接符 17">
+            <a:extLst>
+              <a:ext uri="{FF2B5EF4-FFF2-40B4-BE49-F238E27FC236}">
+                <a16:creationId xmlns:a16="http://schemas.microsoft.com/office/drawing/2014/main" id="{023F12C9-9881-A1A3-91C6-63EFAB93E6EE}"/>
+              </a:ext>
+            </a:extLst>
+          </p:cNvPr>
+          <p:cNvCxnSpPr>
+            <a:cxnSpLocks/>
+          </p:cNvCxnSpPr>
+          <p:nvPr/>
+        </p:nvCxnSpPr>
+        <p:spPr>
+          <a:xfrm>
+            <a:off x="7323169" y="1124067"/>
+            <a:ext cx="305957" cy="0"/>
+          </a:xfrm>
+          <a:prstGeom prst="line">
+            <a:avLst/>
+          </a:prstGeom>
+        </p:spPr>
+        <p:style>
+          <a:lnRef idx="2">
+            <a:schemeClr val="accent1"/>
+          </a:lnRef>
+          <a:fillRef idx="0">
+            <a:schemeClr val="accent1"/>
+          </a:fillRef>
+          <a:effectRef idx="1">
+            <a:schemeClr val="accent1"/>
+          </a:effectRef>
+          <a:fontRef idx="minor">
+            <a:schemeClr val="tx1"/>
+          </a:fontRef>
+        </p:style>
+      </p:cxnSp>
+      <p:cxnSp>
+        <p:nvCxnSpPr>
+          <p:cNvPr id="7" name="直线连接符 19">
+            <a:extLst>
+              <a:ext uri="{FF2B5EF4-FFF2-40B4-BE49-F238E27FC236}">
+                <a16:creationId xmlns:a16="http://schemas.microsoft.com/office/drawing/2014/main" id="{A4456CC7-9702-6790-16E7-C660EE0396A5}"/>
+              </a:ext>
+            </a:extLst>
+          </p:cNvPr>
+          <p:cNvCxnSpPr>
+            <a:cxnSpLocks/>
+          </p:cNvCxnSpPr>
+          <p:nvPr/>
+        </p:nvCxnSpPr>
+        <p:spPr>
+          <a:xfrm>
+            <a:off x="8205079" y="1124067"/>
+            <a:ext cx="305957" cy="0"/>
+          </a:xfrm>
+          <a:prstGeom prst="line">
+            <a:avLst/>
+          </a:prstGeom>
+        </p:spPr>
+        <p:style>
+          <a:lnRef idx="2">
+            <a:schemeClr val="accent1"/>
+          </a:lnRef>
+          <a:fillRef idx="0">
+            <a:schemeClr val="accent1"/>
+          </a:fillRef>
+          <a:effectRef idx="1">
+            <a:schemeClr val="accent1"/>
+          </a:effectRef>
+          <a:fontRef idx="minor">
+            <a:schemeClr val="tx1"/>
+          </a:fontRef>
+        </p:style>
+      </p:cxnSp>
+      <p:cxnSp>
+        <p:nvCxnSpPr>
+          <p:cNvPr id="8" name="直线连接符 20">
+            <a:extLst>
+              <a:ext uri="{FF2B5EF4-FFF2-40B4-BE49-F238E27FC236}">
+                <a16:creationId xmlns:a16="http://schemas.microsoft.com/office/drawing/2014/main" id="{DC05F367-1AF7-A6FA-E379-B791AE98B1AF}"/>
+              </a:ext>
+            </a:extLst>
+          </p:cNvPr>
+          <p:cNvCxnSpPr>
+            <a:cxnSpLocks/>
+            <a:endCxn id="10" idx="5"/>
+          </p:cNvCxnSpPr>
+          <p:nvPr/>
+        </p:nvCxnSpPr>
+        <p:spPr>
+          <a:xfrm>
+            <a:off x="6536140" y="1662440"/>
+            <a:ext cx="1092986" cy="0"/>
+          </a:xfrm>
+          <a:prstGeom prst="line">
+            <a:avLst/>
+          </a:prstGeom>
+        </p:spPr>
+        <p:style>
+          <a:lnRef idx="2">
+            <a:schemeClr val="accent1"/>
+          </a:lnRef>
+          <a:fillRef idx="0">
+            <a:schemeClr val="accent1"/>
+          </a:fillRef>
+          <a:effectRef idx="1">
+            <a:schemeClr val="accent1"/>
+          </a:effectRef>
+          <a:fontRef idx="minor">
+            <a:schemeClr val="tx1"/>
+          </a:fontRef>
+        </p:style>
+      </p:cxnSp>
       <p:sp>
         <p:nvSpPr>
           <p:cNvPr id="14" name="Isosceles Triangle 13">
@@ -28108,7 +28392,7 @@
         </p:nvSpPr>
         <p:spPr>
           <a:xfrm rot="5400000">
-            <a:off x="3248275" y="3605666"/>
+            <a:off x="6126464" y="1490758"/>
             <a:ext cx="475988" cy="343364"/>
           </a:xfrm>
           <a:prstGeom prst="triangle">
@@ -28145,23 +28429,24 @@
       </p:sp>
       <p:cxnSp>
         <p:nvCxnSpPr>
-          <p:cNvPr id="20" name="Straight Connector 19">
-            <a:extLst>
-              <a:ext uri="{FF2B5EF4-FFF2-40B4-BE49-F238E27FC236}">
-                <a16:creationId xmlns:a16="http://schemas.microsoft.com/office/drawing/2014/main" id="{6E2C58E3-58C0-9861-2CF6-1C55E4F82F94}"/>
+          <p:cNvPr id="18" name="直线连接符 20">
+            <a:extLst>
+              <a:ext uri="{FF2B5EF4-FFF2-40B4-BE49-F238E27FC236}">
+                <a16:creationId xmlns:a16="http://schemas.microsoft.com/office/drawing/2014/main" id="{CE0A6AE0-1D81-DD79-986A-48E86267F404}"/>
               </a:ext>
             </a:extLst>
           </p:cNvPr>
           <p:cNvCxnSpPr>
             <a:cxnSpLocks/>
-            <a:endCxn id="14" idx="0"/>
+            <a:stCxn id="21" idx="3"/>
+            <a:endCxn id="14" idx="3"/>
           </p:cNvCxnSpPr>
           <p:nvPr/>
         </p:nvCxnSpPr>
         <p:spPr>
-          <a:xfrm flipH="1" flipV="1">
-            <a:off x="3657951" y="3777348"/>
-            <a:ext cx="907765" cy="5223"/>
+          <a:xfrm>
+            <a:off x="3942966" y="1662440"/>
+            <a:ext cx="2249810" cy="0"/>
           </a:xfrm>
           <a:prstGeom prst="line">
             <a:avLst/>
@@ -28182,6 +28467,1440 @@
           </a:fontRef>
         </p:style>
       </p:cxnSp>
+      <p:sp>
+        <p:nvSpPr>
+          <p:cNvPr id="21" name="Rectangle 20">
+            <a:extLst>
+              <a:ext uri="{FF2B5EF4-FFF2-40B4-BE49-F238E27FC236}">
+                <a16:creationId xmlns:a16="http://schemas.microsoft.com/office/drawing/2014/main" id="{F709D34B-72BC-C642-64F0-76E9F9CBFCE8}"/>
+              </a:ext>
+            </a:extLst>
+          </p:cNvPr>
+          <p:cNvSpPr/>
+          <p:nvPr/>
+        </p:nvSpPr>
+        <p:spPr>
+          <a:xfrm>
+            <a:off x="3028566" y="1424445"/>
+            <a:ext cx="914400" cy="475989"/>
+          </a:xfrm>
+          <a:prstGeom prst="rect">
+            <a:avLst/>
+          </a:prstGeom>
+        </p:spPr>
+        <p:style>
+          <a:lnRef idx="2">
+            <a:schemeClr val="accent6">
+              <a:shade val="15000"/>
+            </a:schemeClr>
+          </a:lnRef>
+          <a:fillRef idx="1">
+            <a:schemeClr val="accent6"/>
+          </a:fillRef>
+          <a:effectRef idx="0">
+            <a:schemeClr val="accent6"/>
+          </a:effectRef>
+          <a:fontRef idx="minor">
+            <a:schemeClr val="lt1"/>
+          </a:fontRef>
+        </p:style>
+        <p:txBody>
+          <a:bodyPr rtlCol="0" anchor="ctr"/>
+          <a:lstStyle/>
+          <a:p>
+            <a:pPr algn="ctr"/>
+            <a:r>
+              <a:rPr lang="en-US" dirty="0"/>
+              <a:t>PLL</a:t>
+            </a:r>
+          </a:p>
+        </p:txBody>
+      </p:sp>
+      <p:grpSp>
+        <p:nvGrpSpPr>
+          <p:cNvPr id="23" name="组合 9">
+            <a:extLst>
+              <a:ext uri="{FF2B5EF4-FFF2-40B4-BE49-F238E27FC236}">
+                <a16:creationId xmlns:a16="http://schemas.microsoft.com/office/drawing/2014/main" id="{605B1B1D-5FDD-79C1-49CE-494B6F64CC11}"/>
+              </a:ext>
+            </a:extLst>
+          </p:cNvPr>
+          <p:cNvGrpSpPr/>
+          <p:nvPr/>
+        </p:nvGrpSpPr>
+        <p:grpSpPr>
+          <a:xfrm>
+            <a:off x="7097633" y="3831552"/>
+            <a:ext cx="756004" cy="1033153"/>
+            <a:chOff x="2661581" y="1343921"/>
+            <a:chExt cx="756004" cy="1033153"/>
+          </a:xfrm>
+        </p:grpSpPr>
+        <p:sp>
+          <p:nvSpPr>
+            <p:cNvPr id="24" name="矩形 4">
+              <a:extLst>
+                <a:ext uri="{FF2B5EF4-FFF2-40B4-BE49-F238E27FC236}">
+                  <a16:creationId xmlns:a16="http://schemas.microsoft.com/office/drawing/2014/main" id="{2BFB6180-A618-3DB0-BFAD-04E583F9591E}"/>
+                </a:ext>
+              </a:extLst>
+            </p:cNvPr>
+            <p:cNvSpPr/>
+            <p:nvPr/>
+          </p:nvSpPr>
+          <p:spPr>
+            <a:xfrm>
+              <a:off x="2765072" y="1343921"/>
+              <a:ext cx="575953" cy="1033153"/>
+            </a:xfrm>
+            <a:prstGeom prst="rect">
+              <a:avLst/>
+            </a:prstGeom>
+            <a:noFill/>
+          </p:spPr>
+          <p:style>
+            <a:lnRef idx="2">
+              <a:schemeClr val="accent1">
+                <a:shade val="50000"/>
+              </a:schemeClr>
+            </a:lnRef>
+            <a:fillRef idx="1">
+              <a:schemeClr val="accent1"/>
+            </a:fillRef>
+            <a:effectRef idx="0">
+              <a:schemeClr val="accent1"/>
+            </a:effectRef>
+            <a:fontRef idx="minor">
+              <a:schemeClr val="lt1"/>
+            </a:fontRef>
+          </p:style>
+          <p:txBody>
+            <a:bodyPr rtlCol="0" anchor="ctr"/>
+            <a:lstStyle/>
+            <a:p>
+              <a:pPr algn="ctr"/>
+              <a:endParaRPr lang="zh-CN" altLang="en-US" dirty="0">
+                <a:solidFill>
+                  <a:schemeClr val="tx1"/>
+                </a:solidFill>
+              </a:endParaRPr>
+            </a:p>
+          </p:txBody>
+        </p:sp>
+        <p:sp>
+          <p:nvSpPr>
+            <p:cNvPr id="25" name="直角三角形 5">
+              <a:extLst>
+                <a:ext uri="{FF2B5EF4-FFF2-40B4-BE49-F238E27FC236}">
+                  <a16:creationId xmlns:a16="http://schemas.microsoft.com/office/drawing/2014/main" id="{FF56A3F0-2555-1F0E-B943-588D237C63E0}"/>
+                </a:ext>
+              </a:extLst>
+            </p:cNvPr>
+            <p:cNvSpPr/>
+            <p:nvPr/>
+          </p:nvSpPr>
+          <p:spPr>
+            <a:xfrm rot="13320000">
+              <a:off x="2661581" y="2001597"/>
+              <a:ext cx="206982" cy="226517"/>
+            </a:xfrm>
+            <a:prstGeom prst="rtTriangle">
+              <a:avLst/>
+            </a:prstGeom>
+            <a:noFill/>
+          </p:spPr>
+          <p:style>
+            <a:lnRef idx="2">
+              <a:schemeClr val="accent1">
+                <a:shade val="50000"/>
+              </a:schemeClr>
+            </a:lnRef>
+            <a:fillRef idx="1">
+              <a:schemeClr val="accent1"/>
+            </a:fillRef>
+            <a:effectRef idx="0">
+              <a:schemeClr val="accent1"/>
+            </a:effectRef>
+            <a:fontRef idx="minor">
+              <a:schemeClr val="lt1"/>
+            </a:fontRef>
+          </p:style>
+          <p:txBody>
+            <a:bodyPr rtlCol="0" anchor="ctr"/>
+            <a:lstStyle/>
+            <a:p>
+              <a:pPr algn="ctr"/>
+              <a:endParaRPr lang="zh-CN" altLang="en-US"/>
+            </a:p>
+          </p:txBody>
+        </p:sp>
+        <p:sp>
+          <p:nvSpPr>
+            <p:cNvPr id="26" name="文本框 6">
+              <a:extLst>
+                <a:ext uri="{FF2B5EF4-FFF2-40B4-BE49-F238E27FC236}">
+                  <a16:creationId xmlns:a16="http://schemas.microsoft.com/office/drawing/2014/main" id="{B1271510-570E-19E0-234D-1CC138D31BA5}"/>
+                </a:ext>
+              </a:extLst>
+            </p:cNvPr>
+            <p:cNvSpPr txBox="1"/>
+            <p:nvPr/>
+          </p:nvSpPr>
+          <p:spPr>
+            <a:xfrm>
+              <a:off x="2692832" y="1391816"/>
+              <a:ext cx="343364" cy="369332"/>
+            </a:xfrm>
+            <a:prstGeom prst="rect">
+              <a:avLst/>
+            </a:prstGeom>
+            <a:noFill/>
+          </p:spPr>
+          <p:txBody>
+            <a:bodyPr wrap="none" rtlCol="0">
+              <a:spAutoFit/>
+            </a:bodyPr>
+            <a:lstStyle/>
+            <a:p>
+              <a:r>
+                <a:rPr kumimoji="1" lang="en-US" altLang="zh-CN" dirty="0"/>
+                <a:t>D</a:t>
+              </a:r>
+              <a:endParaRPr kumimoji="1" lang="zh-CN" altLang="en-US" dirty="0"/>
+            </a:p>
+          </p:txBody>
+        </p:sp>
+        <p:sp>
+          <p:nvSpPr>
+            <p:cNvPr id="27" name="文本框 7">
+              <a:extLst>
+                <a:ext uri="{FF2B5EF4-FFF2-40B4-BE49-F238E27FC236}">
+                  <a16:creationId xmlns:a16="http://schemas.microsoft.com/office/drawing/2014/main" id="{966D6138-BEFB-B083-5C37-CD544B53D204}"/>
+                </a:ext>
+              </a:extLst>
+            </p:cNvPr>
+            <p:cNvSpPr txBox="1"/>
+            <p:nvPr/>
+          </p:nvSpPr>
+          <p:spPr>
+            <a:xfrm>
+              <a:off x="2864514" y="1930189"/>
+              <a:ext cx="455574" cy="369332"/>
+            </a:xfrm>
+            <a:prstGeom prst="rect">
+              <a:avLst/>
+            </a:prstGeom>
+            <a:noFill/>
+          </p:spPr>
+          <p:txBody>
+            <a:bodyPr wrap="none" rtlCol="0">
+              <a:spAutoFit/>
+            </a:bodyPr>
+            <a:lstStyle/>
+            <a:p>
+              <a:r>
+                <a:rPr kumimoji="1" lang="en-US" altLang="zh-CN" dirty="0"/>
+                <a:t>CK</a:t>
+              </a:r>
+              <a:endParaRPr kumimoji="1" lang="zh-CN" altLang="en-US" dirty="0"/>
+            </a:p>
+          </p:txBody>
+        </p:sp>
+        <p:sp>
+          <p:nvSpPr>
+            <p:cNvPr id="28" name="文本框 8">
+              <a:extLst>
+                <a:ext uri="{FF2B5EF4-FFF2-40B4-BE49-F238E27FC236}">
+                  <a16:creationId xmlns:a16="http://schemas.microsoft.com/office/drawing/2014/main" id="{24A9E0BF-3D61-C233-7AA1-4F14FB1EF850}"/>
+                </a:ext>
+              </a:extLst>
+            </p:cNvPr>
+            <p:cNvSpPr txBox="1"/>
+            <p:nvPr/>
+          </p:nvSpPr>
+          <p:spPr>
+            <a:xfrm>
+              <a:off x="3058191" y="1391816"/>
+              <a:ext cx="359394" cy="369332"/>
+            </a:xfrm>
+            <a:prstGeom prst="rect">
+              <a:avLst/>
+            </a:prstGeom>
+            <a:noFill/>
+          </p:spPr>
+          <p:txBody>
+            <a:bodyPr wrap="none" rtlCol="0">
+              <a:spAutoFit/>
+            </a:bodyPr>
+            <a:lstStyle/>
+            <a:p>
+              <a:r>
+                <a:rPr kumimoji="1" lang="en-US" altLang="zh-CN" dirty="0"/>
+                <a:t>Q</a:t>
+              </a:r>
+              <a:endParaRPr kumimoji="1" lang="zh-CN" altLang="en-US" dirty="0"/>
+            </a:p>
+          </p:txBody>
+        </p:sp>
+      </p:grpSp>
+      <p:cxnSp>
+        <p:nvCxnSpPr>
+          <p:cNvPr id="29" name="直线连接符 17">
+            <a:extLst>
+              <a:ext uri="{FF2B5EF4-FFF2-40B4-BE49-F238E27FC236}">
+                <a16:creationId xmlns:a16="http://schemas.microsoft.com/office/drawing/2014/main" id="{CA1547C4-D08C-4F86-F2EC-4230AF782B36}"/>
+              </a:ext>
+            </a:extLst>
+          </p:cNvPr>
+          <p:cNvCxnSpPr>
+            <a:cxnSpLocks/>
+          </p:cNvCxnSpPr>
+          <p:nvPr/>
+        </p:nvCxnSpPr>
+        <p:spPr>
+          <a:xfrm>
+            <a:off x="6895167" y="4064113"/>
+            <a:ext cx="305957" cy="0"/>
+          </a:xfrm>
+          <a:prstGeom prst="line">
+            <a:avLst/>
+          </a:prstGeom>
+        </p:spPr>
+        <p:style>
+          <a:lnRef idx="2">
+            <a:schemeClr val="accent1"/>
+          </a:lnRef>
+          <a:fillRef idx="0">
+            <a:schemeClr val="accent1"/>
+          </a:fillRef>
+          <a:effectRef idx="1">
+            <a:schemeClr val="accent1"/>
+          </a:effectRef>
+          <a:fontRef idx="minor">
+            <a:schemeClr val="tx1"/>
+          </a:fontRef>
+        </p:style>
+      </p:cxnSp>
+      <p:cxnSp>
+        <p:nvCxnSpPr>
+          <p:cNvPr id="30" name="直线连接符 19">
+            <a:extLst>
+              <a:ext uri="{FF2B5EF4-FFF2-40B4-BE49-F238E27FC236}">
+                <a16:creationId xmlns:a16="http://schemas.microsoft.com/office/drawing/2014/main" id="{44939E0D-633D-E4D9-87F2-E522D5086B31}"/>
+              </a:ext>
+            </a:extLst>
+          </p:cNvPr>
+          <p:cNvCxnSpPr>
+            <a:cxnSpLocks/>
+          </p:cNvCxnSpPr>
+          <p:nvPr/>
+        </p:nvCxnSpPr>
+        <p:spPr>
+          <a:xfrm>
+            <a:off x="7777077" y="4064113"/>
+            <a:ext cx="305957" cy="0"/>
+          </a:xfrm>
+          <a:prstGeom prst="line">
+            <a:avLst/>
+          </a:prstGeom>
+        </p:spPr>
+        <p:style>
+          <a:lnRef idx="2">
+            <a:schemeClr val="accent1"/>
+          </a:lnRef>
+          <a:fillRef idx="0">
+            <a:schemeClr val="accent1"/>
+          </a:fillRef>
+          <a:effectRef idx="1">
+            <a:schemeClr val="accent1"/>
+          </a:effectRef>
+          <a:fontRef idx="minor">
+            <a:schemeClr val="tx1"/>
+          </a:fontRef>
+        </p:style>
+      </p:cxnSp>
+      <p:cxnSp>
+        <p:nvCxnSpPr>
+          <p:cNvPr id="31" name="直线连接符 20">
+            <a:extLst>
+              <a:ext uri="{FF2B5EF4-FFF2-40B4-BE49-F238E27FC236}">
+                <a16:creationId xmlns:a16="http://schemas.microsoft.com/office/drawing/2014/main" id="{6F8E6FF9-C7AB-1227-4750-36D0161931E9}"/>
+              </a:ext>
+            </a:extLst>
+          </p:cNvPr>
+          <p:cNvCxnSpPr>
+            <a:cxnSpLocks/>
+            <a:endCxn id="25" idx="5"/>
+          </p:cNvCxnSpPr>
+          <p:nvPr/>
+        </p:nvCxnSpPr>
+        <p:spPr>
+          <a:xfrm>
+            <a:off x="6108138" y="4602486"/>
+            <a:ext cx="1092986" cy="0"/>
+          </a:xfrm>
+          <a:prstGeom prst="line">
+            <a:avLst/>
+          </a:prstGeom>
+        </p:spPr>
+        <p:style>
+          <a:lnRef idx="2">
+            <a:schemeClr val="accent1"/>
+          </a:lnRef>
+          <a:fillRef idx="0">
+            <a:schemeClr val="accent1"/>
+          </a:fillRef>
+          <a:effectRef idx="1">
+            <a:schemeClr val="accent1"/>
+          </a:effectRef>
+          <a:fontRef idx="minor">
+            <a:schemeClr val="tx1"/>
+          </a:fontRef>
+        </p:style>
+      </p:cxnSp>
+      <p:sp>
+        <p:nvSpPr>
+          <p:cNvPr id="32" name="Isosceles Triangle 31">
+            <a:extLst>
+              <a:ext uri="{FF2B5EF4-FFF2-40B4-BE49-F238E27FC236}">
+                <a16:creationId xmlns:a16="http://schemas.microsoft.com/office/drawing/2014/main" id="{00093ECF-4A64-8A76-D812-F1A70A8C36DA}"/>
+              </a:ext>
+            </a:extLst>
+          </p:cNvPr>
+          <p:cNvSpPr/>
+          <p:nvPr/>
+        </p:nvSpPr>
+        <p:spPr>
+          <a:xfrm rot="5400000">
+            <a:off x="5698462" y="4430804"/>
+            <a:ext cx="475988" cy="343364"/>
+          </a:xfrm>
+          <a:prstGeom prst="triangle">
+            <a:avLst/>
+          </a:prstGeom>
+          <a:solidFill>
+            <a:schemeClr val="bg1"/>
+          </a:solidFill>
+        </p:spPr>
+        <p:style>
+          <a:lnRef idx="2">
+            <a:schemeClr val="accent1">
+              <a:shade val="15000"/>
+            </a:schemeClr>
+          </a:lnRef>
+          <a:fillRef idx="1">
+            <a:schemeClr val="accent1"/>
+          </a:fillRef>
+          <a:effectRef idx="0">
+            <a:schemeClr val="accent1"/>
+          </a:effectRef>
+          <a:fontRef idx="minor">
+            <a:schemeClr val="lt1"/>
+          </a:fontRef>
+        </p:style>
+        <p:txBody>
+          <a:bodyPr rtlCol="0" anchor="ctr"/>
+          <a:lstStyle/>
+          <a:p>
+            <a:pPr algn="ctr"/>
+            <a:endParaRPr lang="en-US"/>
+          </a:p>
+        </p:txBody>
+      </p:sp>
+      <p:sp>
+        <p:nvSpPr>
+          <p:cNvPr id="33" name="Rectangle 32">
+            <a:extLst>
+              <a:ext uri="{FF2B5EF4-FFF2-40B4-BE49-F238E27FC236}">
+                <a16:creationId xmlns:a16="http://schemas.microsoft.com/office/drawing/2014/main" id="{76B82438-ACDF-5FFB-567C-212AC3B11A5B}"/>
+              </a:ext>
+            </a:extLst>
+          </p:cNvPr>
+          <p:cNvSpPr/>
+          <p:nvPr/>
+        </p:nvSpPr>
+        <p:spPr>
+          <a:xfrm>
+            <a:off x="2519924" y="240417"/>
+            <a:ext cx="6489700" cy="2586665"/>
+          </a:xfrm>
+          <a:prstGeom prst="rect">
+            <a:avLst/>
+          </a:prstGeom>
+          <a:noFill/>
+          <a:ln>
+            <a:prstDash val="dash"/>
+          </a:ln>
+        </p:spPr>
+        <p:style>
+          <a:lnRef idx="2">
+            <a:schemeClr val="accent1">
+              <a:shade val="15000"/>
+            </a:schemeClr>
+          </a:lnRef>
+          <a:fillRef idx="1">
+            <a:schemeClr val="accent1"/>
+          </a:fillRef>
+          <a:effectRef idx="0">
+            <a:schemeClr val="accent1"/>
+          </a:effectRef>
+          <a:fontRef idx="minor">
+            <a:schemeClr val="lt1"/>
+          </a:fontRef>
+        </p:style>
+        <p:txBody>
+          <a:bodyPr rtlCol="0" anchor="ctr"/>
+          <a:lstStyle/>
+          <a:p>
+            <a:pPr algn="ctr"/>
+            <a:endParaRPr lang="en-US"/>
+          </a:p>
+        </p:txBody>
+      </p:sp>
+      <p:sp>
+        <p:nvSpPr>
+          <p:cNvPr id="34" name="Rectangle 33">
+            <a:extLst>
+              <a:ext uri="{FF2B5EF4-FFF2-40B4-BE49-F238E27FC236}">
+                <a16:creationId xmlns:a16="http://schemas.microsoft.com/office/drawing/2014/main" id="{0C76603B-4495-ECFB-80E0-4AE8A4BF9170}"/>
+              </a:ext>
+            </a:extLst>
+          </p:cNvPr>
+          <p:cNvSpPr/>
+          <p:nvPr/>
+        </p:nvSpPr>
+        <p:spPr>
+          <a:xfrm>
+            <a:off x="4791307" y="3568396"/>
+            <a:ext cx="4218317" cy="1675351"/>
+          </a:xfrm>
+          <a:prstGeom prst="rect">
+            <a:avLst/>
+          </a:prstGeom>
+          <a:noFill/>
+          <a:ln>
+            <a:prstDash val="dash"/>
+          </a:ln>
+        </p:spPr>
+        <p:style>
+          <a:lnRef idx="2">
+            <a:schemeClr val="accent1">
+              <a:shade val="15000"/>
+            </a:schemeClr>
+          </a:lnRef>
+          <a:fillRef idx="1">
+            <a:schemeClr val="accent1"/>
+          </a:fillRef>
+          <a:effectRef idx="0">
+            <a:schemeClr val="accent1"/>
+          </a:effectRef>
+          <a:fontRef idx="minor">
+            <a:schemeClr val="lt1"/>
+          </a:fontRef>
+        </p:style>
+        <p:txBody>
+          <a:bodyPr rtlCol="0" anchor="ctr"/>
+          <a:lstStyle/>
+          <a:p>
+            <a:pPr algn="ctr"/>
+            <a:endParaRPr lang="en-US"/>
+          </a:p>
+        </p:txBody>
+      </p:sp>
+      <p:sp>
+        <p:nvSpPr>
+          <p:cNvPr id="35" name="Flowchart: Summing Junction 34">
+            <a:extLst>
+              <a:ext uri="{FF2B5EF4-FFF2-40B4-BE49-F238E27FC236}">
+                <a16:creationId xmlns:a16="http://schemas.microsoft.com/office/drawing/2014/main" id="{B4939B1A-EA00-A31C-BD68-33D359E3F1F8}"/>
+              </a:ext>
+            </a:extLst>
+          </p:cNvPr>
+          <p:cNvSpPr/>
+          <p:nvPr/>
+        </p:nvSpPr>
+        <p:spPr>
+          <a:xfrm>
+            <a:off x="4719307" y="4530486"/>
+            <a:ext cx="144000" cy="144000"/>
+          </a:xfrm>
+          <a:prstGeom prst="flowChartSummingJunction">
+            <a:avLst/>
+          </a:prstGeom>
+          <a:solidFill>
+            <a:schemeClr val="bg1"/>
+          </a:solidFill>
+        </p:spPr>
+        <p:style>
+          <a:lnRef idx="2">
+            <a:schemeClr val="accent1">
+              <a:shade val="15000"/>
+            </a:schemeClr>
+          </a:lnRef>
+          <a:fillRef idx="1">
+            <a:schemeClr val="accent1"/>
+          </a:fillRef>
+          <a:effectRef idx="0">
+            <a:schemeClr val="accent1"/>
+          </a:effectRef>
+          <a:fontRef idx="minor">
+            <a:schemeClr val="lt1"/>
+          </a:fontRef>
+        </p:style>
+        <p:txBody>
+          <a:bodyPr rtlCol="0" anchor="ctr"/>
+          <a:lstStyle/>
+          <a:p>
+            <a:pPr algn="ctr"/>
+            <a:endParaRPr lang="en-US"/>
+          </a:p>
+        </p:txBody>
+      </p:sp>
+      <p:cxnSp>
+        <p:nvCxnSpPr>
+          <p:cNvPr id="36" name="直线连接符 20">
+            <a:extLst>
+              <a:ext uri="{FF2B5EF4-FFF2-40B4-BE49-F238E27FC236}">
+                <a16:creationId xmlns:a16="http://schemas.microsoft.com/office/drawing/2014/main" id="{0B098A84-9616-14F5-047F-23684C383E96}"/>
+              </a:ext>
+            </a:extLst>
+          </p:cNvPr>
+          <p:cNvCxnSpPr>
+            <a:cxnSpLocks/>
+            <a:stCxn id="32" idx="3"/>
+            <a:endCxn id="35" idx="6"/>
+          </p:cNvCxnSpPr>
+          <p:nvPr/>
+        </p:nvCxnSpPr>
+        <p:spPr>
+          <a:xfrm flipH="1">
+            <a:off x="4863307" y="4602486"/>
+            <a:ext cx="901467" cy="0"/>
+          </a:xfrm>
+          <a:prstGeom prst="line">
+            <a:avLst/>
+          </a:prstGeom>
+        </p:spPr>
+        <p:style>
+          <a:lnRef idx="2">
+            <a:schemeClr val="accent1"/>
+          </a:lnRef>
+          <a:fillRef idx="0">
+            <a:schemeClr val="accent1"/>
+          </a:fillRef>
+          <a:effectRef idx="1">
+            <a:schemeClr val="accent1"/>
+          </a:effectRef>
+          <a:fontRef idx="minor">
+            <a:schemeClr val="tx1"/>
+          </a:fontRef>
+        </p:style>
+      </p:cxnSp>
+      <p:sp>
+        <p:nvSpPr>
+          <p:cNvPr id="39" name="Flowchart: Summing Junction 38">
+            <a:extLst>
+              <a:ext uri="{FF2B5EF4-FFF2-40B4-BE49-F238E27FC236}">
+                <a16:creationId xmlns:a16="http://schemas.microsoft.com/office/drawing/2014/main" id="{8552F8E5-83EC-3B32-40F4-70E877A771D9}"/>
+              </a:ext>
+            </a:extLst>
+          </p:cNvPr>
+          <p:cNvSpPr/>
+          <p:nvPr/>
+        </p:nvSpPr>
+        <p:spPr>
+          <a:xfrm>
+            <a:off x="3096247" y="4530486"/>
+            <a:ext cx="144000" cy="144000"/>
+          </a:xfrm>
+          <a:prstGeom prst="flowChartSummingJunction">
+            <a:avLst/>
+          </a:prstGeom>
+          <a:solidFill>
+            <a:schemeClr val="bg1"/>
+          </a:solidFill>
+        </p:spPr>
+        <p:style>
+          <a:lnRef idx="2">
+            <a:schemeClr val="accent1">
+              <a:shade val="15000"/>
+            </a:schemeClr>
+          </a:lnRef>
+          <a:fillRef idx="1">
+            <a:schemeClr val="accent1"/>
+          </a:fillRef>
+          <a:effectRef idx="0">
+            <a:schemeClr val="accent1"/>
+          </a:effectRef>
+          <a:fontRef idx="minor">
+            <a:schemeClr val="lt1"/>
+          </a:fontRef>
+        </p:style>
+        <p:txBody>
+          <a:bodyPr rtlCol="0" anchor="ctr"/>
+          <a:lstStyle/>
+          <a:p>
+            <a:pPr algn="ctr"/>
+            <a:endParaRPr lang="en-US"/>
+          </a:p>
+        </p:txBody>
+      </p:sp>
+      <p:cxnSp>
+        <p:nvCxnSpPr>
+          <p:cNvPr id="40" name="直线连接符 20">
+            <a:extLst>
+              <a:ext uri="{FF2B5EF4-FFF2-40B4-BE49-F238E27FC236}">
+                <a16:creationId xmlns:a16="http://schemas.microsoft.com/office/drawing/2014/main" id="{D4900C59-71DC-8C99-4034-E27943102288}"/>
+              </a:ext>
+            </a:extLst>
+          </p:cNvPr>
+          <p:cNvCxnSpPr>
+            <a:cxnSpLocks/>
+            <a:stCxn id="35" idx="2"/>
+            <a:endCxn id="39" idx="6"/>
+          </p:cNvCxnSpPr>
+          <p:nvPr/>
+        </p:nvCxnSpPr>
+        <p:spPr>
+          <a:xfrm flipH="1">
+            <a:off x="3240247" y="4602486"/>
+            <a:ext cx="1479060" cy="0"/>
+          </a:xfrm>
+          <a:prstGeom prst="line">
+            <a:avLst/>
+          </a:prstGeom>
+        </p:spPr>
+        <p:style>
+          <a:lnRef idx="2">
+            <a:schemeClr val="accent1"/>
+          </a:lnRef>
+          <a:fillRef idx="0">
+            <a:schemeClr val="accent1"/>
+          </a:fillRef>
+          <a:effectRef idx="1">
+            <a:schemeClr val="accent1"/>
+          </a:effectRef>
+          <a:fontRef idx="minor">
+            <a:schemeClr val="tx1"/>
+          </a:fontRef>
+        </p:style>
+      </p:cxnSp>
+      <p:cxnSp>
+        <p:nvCxnSpPr>
+          <p:cNvPr id="44" name="Straight Connector 43">
+            <a:extLst>
+              <a:ext uri="{FF2B5EF4-FFF2-40B4-BE49-F238E27FC236}">
+                <a16:creationId xmlns:a16="http://schemas.microsoft.com/office/drawing/2014/main" id="{055E8E42-192D-3484-5558-BA2FA8B128CF}"/>
+              </a:ext>
+            </a:extLst>
+          </p:cNvPr>
+          <p:cNvCxnSpPr>
+            <a:cxnSpLocks/>
+          </p:cNvCxnSpPr>
+          <p:nvPr/>
+        </p:nvCxnSpPr>
+        <p:spPr>
+          <a:xfrm>
+            <a:off x="3942966" y="1985964"/>
+            <a:ext cx="0" cy="525780"/>
+          </a:xfrm>
+          <a:prstGeom prst="line">
+            <a:avLst/>
+          </a:prstGeom>
+          <a:ln>
+            <a:prstDash val="dash"/>
+          </a:ln>
+        </p:spPr>
+        <p:style>
+          <a:lnRef idx="2">
+            <a:schemeClr val="accent1"/>
+          </a:lnRef>
+          <a:fillRef idx="0">
+            <a:schemeClr val="accent1"/>
+          </a:fillRef>
+          <a:effectRef idx="1">
+            <a:schemeClr val="accent1"/>
+          </a:effectRef>
+          <a:fontRef idx="minor">
+            <a:schemeClr val="tx1"/>
+          </a:fontRef>
+        </p:style>
+      </p:cxnSp>
+      <p:cxnSp>
+        <p:nvCxnSpPr>
+          <p:cNvPr id="47" name="Straight Connector 46">
+            <a:extLst>
+              <a:ext uri="{FF2B5EF4-FFF2-40B4-BE49-F238E27FC236}">
+                <a16:creationId xmlns:a16="http://schemas.microsoft.com/office/drawing/2014/main" id="{1532D23E-9DA2-0174-3534-FD431304D3C9}"/>
+              </a:ext>
+            </a:extLst>
+          </p:cNvPr>
+          <p:cNvCxnSpPr>
+            <a:cxnSpLocks/>
+          </p:cNvCxnSpPr>
+          <p:nvPr/>
+        </p:nvCxnSpPr>
+        <p:spPr>
+          <a:xfrm>
+            <a:off x="6536140" y="1985964"/>
+            <a:ext cx="0" cy="525780"/>
+          </a:xfrm>
+          <a:prstGeom prst="line">
+            <a:avLst/>
+          </a:prstGeom>
+          <a:ln>
+            <a:prstDash val="dash"/>
+          </a:ln>
+        </p:spPr>
+        <p:style>
+          <a:lnRef idx="2">
+            <a:schemeClr val="accent1"/>
+          </a:lnRef>
+          <a:fillRef idx="0">
+            <a:schemeClr val="accent1"/>
+          </a:fillRef>
+          <a:effectRef idx="1">
+            <a:schemeClr val="accent1"/>
+          </a:effectRef>
+          <a:fontRef idx="minor">
+            <a:schemeClr val="tx1"/>
+          </a:fontRef>
+        </p:style>
+      </p:cxnSp>
+      <p:cxnSp>
+        <p:nvCxnSpPr>
+          <p:cNvPr id="48" name="Straight Connector 47">
+            <a:extLst>
+              <a:ext uri="{FF2B5EF4-FFF2-40B4-BE49-F238E27FC236}">
+                <a16:creationId xmlns:a16="http://schemas.microsoft.com/office/drawing/2014/main" id="{E43E8535-4309-F074-F2BC-2CDEF4D15A85}"/>
+              </a:ext>
+            </a:extLst>
+          </p:cNvPr>
+          <p:cNvCxnSpPr>
+            <a:cxnSpLocks/>
+          </p:cNvCxnSpPr>
+          <p:nvPr/>
+        </p:nvCxnSpPr>
+        <p:spPr>
+          <a:xfrm>
+            <a:off x="7628510" y="1985964"/>
+            <a:ext cx="0" cy="525780"/>
+          </a:xfrm>
+          <a:prstGeom prst="line">
+            <a:avLst/>
+          </a:prstGeom>
+          <a:ln>
+            <a:prstDash val="dash"/>
+          </a:ln>
+        </p:spPr>
+        <p:style>
+          <a:lnRef idx="2">
+            <a:schemeClr val="accent1"/>
+          </a:lnRef>
+          <a:fillRef idx="0">
+            <a:schemeClr val="accent1"/>
+          </a:fillRef>
+          <a:effectRef idx="1">
+            <a:schemeClr val="accent1"/>
+          </a:effectRef>
+          <a:fontRef idx="minor">
+            <a:schemeClr val="tx1"/>
+          </a:fontRef>
+        </p:style>
+      </p:cxnSp>
+      <p:cxnSp>
+        <p:nvCxnSpPr>
+          <p:cNvPr id="50" name="Straight Arrow Connector 49">
+            <a:extLst>
+              <a:ext uri="{FF2B5EF4-FFF2-40B4-BE49-F238E27FC236}">
+                <a16:creationId xmlns:a16="http://schemas.microsoft.com/office/drawing/2014/main" id="{1FA2DB67-E269-DAA9-DA68-4AC66BCDEEE4}"/>
+              </a:ext>
+            </a:extLst>
+          </p:cNvPr>
+          <p:cNvCxnSpPr>
+            <a:cxnSpLocks/>
+          </p:cNvCxnSpPr>
+          <p:nvPr/>
+        </p:nvCxnSpPr>
+        <p:spPr>
+          <a:xfrm>
+            <a:off x="3942966" y="2260284"/>
+            <a:ext cx="2593174" cy="0"/>
+          </a:xfrm>
+          <a:prstGeom prst="straightConnector1">
+            <a:avLst/>
+          </a:prstGeom>
+          <a:ln>
+            <a:headEnd type="triangle"/>
+            <a:tailEnd type="triangle"/>
+          </a:ln>
+        </p:spPr>
+        <p:style>
+          <a:lnRef idx="2">
+            <a:schemeClr val="accent1"/>
+          </a:lnRef>
+          <a:fillRef idx="0">
+            <a:schemeClr val="accent1"/>
+          </a:fillRef>
+          <a:effectRef idx="1">
+            <a:schemeClr val="accent1"/>
+          </a:effectRef>
+          <a:fontRef idx="minor">
+            <a:schemeClr val="tx1"/>
+          </a:fontRef>
+        </p:style>
+      </p:cxnSp>
+      <p:cxnSp>
+        <p:nvCxnSpPr>
+          <p:cNvPr id="53" name="Straight Arrow Connector 52">
+            <a:extLst>
+              <a:ext uri="{FF2B5EF4-FFF2-40B4-BE49-F238E27FC236}">
+                <a16:creationId xmlns:a16="http://schemas.microsoft.com/office/drawing/2014/main" id="{1F29EBCB-D494-8690-2620-F0088DE6FC4F}"/>
+              </a:ext>
+            </a:extLst>
+          </p:cNvPr>
+          <p:cNvCxnSpPr>
+            <a:cxnSpLocks/>
+          </p:cNvCxnSpPr>
+          <p:nvPr/>
+        </p:nvCxnSpPr>
+        <p:spPr>
+          <a:xfrm>
+            <a:off x="6536140" y="2260284"/>
+            <a:ext cx="1092370" cy="0"/>
+          </a:xfrm>
+          <a:prstGeom prst="straightConnector1">
+            <a:avLst/>
+          </a:prstGeom>
+          <a:ln>
+            <a:headEnd type="triangle"/>
+            <a:tailEnd type="triangle"/>
+          </a:ln>
+        </p:spPr>
+        <p:style>
+          <a:lnRef idx="2">
+            <a:schemeClr val="accent1"/>
+          </a:lnRef>
+          <a:fillRef idx="0">
+            <a:schemeClr val="accent1"/>
+          </a:fillRef>
+          <a:effectRef idx="1">
+            <a:schemeClr val="accent1"/>
+          </a:effectRef>
+          <a:fontRef idx="minor">
+            <a:schemeClr val="tx1"/>
+          </a:fontRef>
+        </p:style>
+      </p:cxnSp>
+      <p:cxnSp>
+        <p:nvCxnSpPr>
+          <p:cNvPr id="56" name="Straight Connector 55">
+            <a:extLst>
+              <a:ext uri="{FF2B5EF4-FFF2-40B4-BE49-F238E27FC236}">
+                <a16:creationId xmlns:a16="http://schemas.microsoft.com/office/drawing/2014/main" id="{225C530C-01D2-116E-FB91-FC1B904CE666}"/>
+              </a:ext>
+            </a:extLst>
+          </p:cNvPr>
+          <p:cNvCxnSpPr>
+            <a:cxnSpLocks/>
+          </p:cNvCxnSpPr>
+          <p:nvPr/>
+        </p:nvCxnSpPr>
+        <p:spPr>
+          <a:xfrm>
+            <a:off x="3150486" y="5390889"/>
+            <a:ext cx="0" cy="525780"/>
+          </a:xfrm>
+          <a:prstGeom prst="line">
+            <a:avLst/>
+          </a:prstGeom>
+          <a:ln>
+            <a:prstDash val="dash"/>
+          </a:ln>
+        </p:spPr>
+        <p:style>
+          <a:lnRef idx="2">
+            <a:schemeClr val="accent1"/>
+          </a:lnRef>
+          <a:fillRef idx="0">
+            <a:schemeClr val="accent1"/>
+          </a:fillRef>
+          <a:effectRef idx="1">
+            <a:schemeClr val="accent1"/>
+          </a:effectRef>
+          <a:fontRef idx="minor">
+            <a:schemeClr val="tx1"/>
+          </a:fontRef>
+        </p:style>
+      </p:cxnSp>
+      <p:cxnSp>
+        <p:nvCxnSpPr>
+          <p:cNvPr id="57" name="Straight Connector 56">
+            <a:extLst>
+              <a:ext uri="{FF2B5EF4-FFF2-40B4-BE49-F238E27FC236}">
+                <a16:creationId xmlns:a16="http://schemas.microsoft.com/office/drawing/2014/main" id="{561C6990-C7E8-0284-13A8-3FF137BA8BCF}"/>
+              </a:ext>
+            </a:extLst>
+          </p:cNvPr>
+          <p:cNvCxnSpPr>
+            <a:cxnSpLocks/>
+          </p:cNvCxnSpPr>
+          <p:nvPr/>
+        </p:nvCxnSpPr>
+        <p:spPr>
+          <a:xfrm>
+            <a:off x="4791307" y="5390889"/>
+            <a:ext cx="0" cy="525780"/>
+          </a:xfrm>
+          <a:prstGeom prst="line">
+            <a:avLst/>
+          </a:prstGeom>
+          <a:ln>
+            <a:prstDash val="dash"/>
+          </a:ln>
+        </p:spPr>
+        <p:style>
+          <a:lnRef idx="2">
+            <a:schemeClr val="accent1"/>
+          </a:lnRef>
+          <a:fillRef idx="0">
+            <a:schemeClr val="accent1"/>
+          </a:fillRef>
+          <a:effectRef idx="1">
+            <a:schemeClr val="accent1"/>
+          </a:effectRef>
+          <a:fontRef idx="minor">
+            <a:schemeClr val="tx1"/>
+          </a:fontRef>
+        </p:style>
+      </p:cxnSp>
+      <p:cxnSp>
+        <p:nvCxnSpPr>
+          <p:cNvPr id="58" name="Straight Connector 57">
+            <a:extLst>
+              <a:ext uri="{FF2B5EF4-FFF2-40B4-BE49-F238E27FC236}">
+                <a16:creationId xmlns:a16="http://schemas.microsoft.com/office/drawing/2014/main" id="{1F066463-55A4-FC96-45E0-7910BD1D8C0E}"/>
+              </a:ext>
+            </a:extLst>
+          </p:cNvPr>
+          <p:cNvCxnSpPr>
+            <a:cxnSpLocks/>
+          </p:cNvCxnSpPr>
+          <p:nvPr/>
+        </p:nvCxnSpPr>
+        <p:spPr>
+          <a:xfrm>
+            <a:off x="7201124" y="5390889"/>
+            <a:ext cx="0" cy="525780"/>
+          </a:xfrm>
+          <a:prstGeom prst="line">
+            <a:avLst/>
+          </a:prstGeom>
+          <a:ln>
+            <a:prstDash val="dash"/>
+          </a:ln>
+        </p:spPr>
+        <p:style>
+          <a:lnRef idx="2">
+            <a:schemeClr val="accent1"/>
+          </a:lnRef>
+          <a:fillRef idx="0">
+            <a:schemeClr val="accent1"/>
+          </a:fillRef>
+          <a:effectRef idx="1">
+            <a:schemeClr val="accent1"/>
+          </a:effectRef>
+          <a:fontRef idx="minor">
+            <a:schemeClr val="tx1"/>
+          </a:fontRef>
+        </p:style>
+      </p:cxnSp>
+      <p:cxnSp>
+        <p:nvCxnSpPr>
+          <p:cNvPr id="59" name="Straight Arrow Connector 58">
+            <a:extLst>
+              <a:ext uri="{FF2B5EF4-FFF2-40B4-BE49-F238E27FC236}">
+                <a16:creationId xmlns:a16="http://schemas.microsoft.com/office/drawing/2014/main" id="{83FA82A9-9F9E-1627-1A82-176090F3152D}"/>
+              </a:ext>
+            </a:extLst>
+          </p:cNvPr>
+          <p:cNvCxnSpPr>
+            <a:cxnSpLocks/>
+          </p:cNvCxnSpPr>
+          <p:nvPr/>
+        </p:nvCxnSpPr>
+        <p:spPr>
+          <a:xfrm>
+            <a:off x="3150486" y="5716009"/>
+            <a:ext cx="1640821" cy="0"/>
+          </a:xfrm>
+          <a:prstGeom prst="straightConnector1">
+            <a:avLst/>
+          </a:prstGeom>
+          <a:ln>
+            <a:headEnd type="triangle"/>
+            <a:tailEnd type="triangle"/>
+          </a:ln>
+        </p:spPr>
+        <p:style>
+          <a:lnRef idx="2">
+            <a:schemeClr val="accent1"/>
+          </a:lnRef>
+          <a:fillRef idx="0">
+            <a:schemeClr val="accent1"/>
+          </a:fillRef>
+          <a:effectRef idx="1">
+            <a:schemeClr val="accent1"/>
+          </a:effectRef>
+          <a:fontRef idx="minor">
+            <a:schemeClr val="tx1"/>
+          </a:fontRef>
+        </p:style>
+      </p:cxnSp>
+      <p:cxnSp>
+        <p:nvCxnSpPr>
+          <p:cNvPr id="61" name="Straight Arrow Connector 60">
+            <a:extLst>
+              <a:ext uri="{FF2B5EF4-FFF2-40B4-BE49-F238E27FC236}">
+                <a16:creationId xmlns:a16="http://schemas.microsoft.com/office/drawing/2014/main" id="{4322B9E7-A2B4-C1DA-02A8-E865FD0DCBF2}"/>
+              </a:ext>
+            </a:extLst>
+          </p:cNvPr>
+          <p:cNvCxnSpPr>
+            <a:cxnSpLocks/>
+          </p:cNvCxnSpPr>
+          <p:nvPr/>
+        </p:nvCxnSpPr>
+        <p:spPr>
+          <a:xfrm>
+            <a:off x="4791307" y="5716009"/>
+            <a:ext cx="2409817" cy="0"/>
+          </a:xfrm>
+          <a:prstGeom prst="straightConnector1">
+            <a:avLst/>
+          </a:prstGeom>
+          <a:ln>
+            <a:headEnd type="triangle"/>
+            <a:tailEnd type="triangle"/>
+          </a:ln>
+        </p:spPr>
+        <p:style>
+          <a:lnRef idx="2">
+            <a:schemeClr val="accent1"/>
+          </a:lnRef>
+          <a:fillRef idx="0">
+            <a:schemeClr val="accent1"/>
+          </a:fillRef>
+          <a:effectRef idx="1">
+            <a:schemeClr val="accent1"/>
+          </a:effectRef>
+          <a:fontRef idx="minor">
+            <a:schemeClr val="tx1"/>
+          </a:fontRef>
+        </p:style>
+      </p:cxnSp>
+      <p:sp>
+        <p:nvSpPr>
+          <p:cNvPr id="65" name="TextBox 64">
+            <a:extLst>
+              <a:ext uri="{FF2B5EF4-FFF2-40B4-BE49-F238E27FC236}">
+                <a16:creationId xmlns:a16="http://schemas.microsoft.com/office/drawing/2014/main" id="{31F039A9-519A-8888-7713-F6FF92533F03}"/>
+              </a:ext>
+            </a:extLst>
+          </p:cNvPr>
+          <p:cNvSpPr txBox="1"/>
+          <p:nvPr/>
+        </p:nvSpPr>
+        <p:spPr>
+          <a:xfrm>
+            <a:off x="4399419" y="2411634"/>
+            <a:ext cx="1680268" cy="369332"/>
+          </a:xfrm>
+          <a:prstGeom prst="rect">
+            <a:avLst/>
+          </a:prstGeom>
+          <a:noFill/>
+        </p:spPr>
+        <p:txBody>
+          <a:bodyPr wrap="none" rtlCol="0">
+            <a:spAutoFit/>
+          </a:bodyPr>
+          <a:lstStyle/>
+          <a:p>
+            <a:r>
+              <a:rPr lang="en-US" dirty="0"/>
+              <a:t>S</a:t>
+            </a:r>
+            <a:r>
+              <a:rPr lang="en-US" altLang="zh-CN" dirty="0"/>
+              <a:t>ource Latency</a:t>
+            </a:r>
+            <a:endParaRPr lang="en-US" dirty="0"/>
+          </a:p>
+        </p:txBody>
+      </p:sp>
+      <p:sp>
+        <p:nvSpPr>
+          <p:cNvPr id="66" name="TextBox 65">
+            <a:extLst>
+              <a:ext uri="{FF2B5EF4-FFF2-40B4-BE49-F238E27FC236}">
+                <a16:creationId xmlns:a16="http://schemas.microsoft.com/office/drawing/2014/main" id="{B174B8DB-6872-DC7C-94F3-1A725A315D49}"/>
+              </a:ext>
+            </a:extLst>
+          </p:cNvPr>
+          <p:cNvSpPr txBox="1"/>
+          <p:nvPr/>
+        </p:nvSpPr>
+        <p:spPr>
+          <a:xfrm>
+            <a:off x="6192776" y="2411634"/>
+            <a:ext cx="1843774" cy="369332"/>
+          </a:xfrm>
+          <a:prstGeom prst="rect">
+            <a:avLst/>
+          </a:prstGeom>
+          <a:noFill/>
+        </p:spPr>
+        <p:txBody>
+          <a:bodyPr wrap="none" rtlCol="0">
+            <a:spAutoFit/>
+          </a:bodyPr>
+          <a:lstStyle/>
+          <a:p>
+            <a:r>
+              <a:rPr lang="en-US" dirty="0"/>
+              <a:t>N</a:t>
+            </a:r>
+            <a:r>
+              <a:rPr lang="en-US" altLang="zh-CN" dirty="0"/>
+              <a:t>etwork Latency</a:t>
+            </a:r>
+            <a:endParaRPr lang="en-US" dirty="0"/>
+          </a:p>
+        </p:txBody>
+      </p:sp>
+      <p:sp>
+        <p:nvSpPr>
+          <p:cNvPr id="67" name="TextBox 66">
+            <a:extLst>
+              <a:ext uri="{FF2B5EF4-FFF2-40B4-BE49-F238E27FC236}">
+                <a16:creationId xmlns:a16="http://schemas.microsoft.com/office/drawing/2014/main" id="{934CACC5-BE66-B2A2-62E7-C8AF8D99A3A6}"/>
+              </a:ext>
+            </a:extLst>
+          </p:cNvPr>
+          <p:cNvSpPr txBox="1"/>
+          <p:nvPr/>
+        </p:nvSpPr>
+        <p:spPr>
+          <a:xfrm>
+            <a:off x="3141426" y="5832333"/>
+            <a:ext cx="1680268" cy="369332"/>
+          </a:xfrm>
+          <a:prstGeom prst="rect">
+            <a:avLst/>
+          </a:prstGeom>
+          <a:noFill/>
+        </p:spPr>
+        <p:txBody>
+          <a:bodyPr wrap="none" rtlCol="0">
+            <a:spAutoFit/>
+          </a:bodyPr>
+          <a:lstStyle/>
+          <a:p>
+            <a:r>
+              <a:rPr lang="en-US" dirty="0"/>
+              <a:t>S</a:t>
+            </a:r>
+            <a:r>
+              <a:rPr lang="en-US" altLang="zh-CN" dirty="0"/>
+              <a:t>ource Latency</a:t>
+            </a:r>
+            <a:endParaRPr lang="en-US" dirty="0"/>
+          </a:p>
+        </p:txBody>
+      </p:sp>
+      <p:sp>
+        <p:nvSpPr>
+          <p:cNvPr id="68" name="TextBox 67">
+            <a:extLst>
+              <a:ext uri="{FF2B5EF4-FFF2-40B4-BE49-F238E27FC236}">
+                <a16:creationId xmlns:a16="http://schemas.microsoft.com/office/drawing/2014/main" id="{C771C7D3-EDDA-5D2B-832E-EC531F4FC7A7}"/>
+              </a:ext>
+            </a:extLst>
+          </p:cNvPr>
+          <p:cNvSpPr txBox="1"/>
+          <p:nvPr/>
+        </p:nvSpPr>
+        <p:spPr>
+          <a:xfrm>
+            <a:off x="5089522" y="5832333"/>
+            <a:ext cx="1843774" cy="369332"/>
+          </a:xfrm>
+          <a:prstGeom prst="rect">
+            <a:avLst/>
+          </a:prstGeom>
+          <a:noFill/>
+        </p:spPr>
+        <p:txBody>
+          <a:bodyPr wrap="none" rtlCol="0">
+            <a:spAutoFit/>
+          </a:bodyPr>
+          <a:lstStyle/>
+          <a:p>
+            <a:r>
+              <a:rPr lang="en-US" dirty="0"/>
+              <a:t>N</a:t>
+            </a:r>
+            <a:r>
+              <a:rPr lang="en-US" altLang="zh-CN" dirty="0"/>
+              <a:t>etwork Latency</a:t>
+            </a:r>
+            <a:endParaRPr lang="en-US" dirty="0"/>
+          </a:p>
+        </p:txBody>
+      </p:sp>
+      <p:sp>
+        <p:nvSpPr>
+          <p:cNvPr id="69" name="TextBox 68">
+            <a:extLst>
+              <a:ext uri="{FF2B5EF4-FFF2-40B4-BE49-F238E27FC236}">
+                <a16:creationId xmlns:a16="http://schemas.microsoft.com/office/drawing/2014/main" id="{115C250B-DF63-A33C-9613-00724CE3581C}"/>
+              </a:ext>
+            </a:extLst>
+          </p:cNvPr>
+          <p:cNvSpPr txBox="1"/>
+          <p:nvPr/>
+        </p:nvSpPr>
+        <p:spPr>
+          <a:xfrm>
+            <a:off x="8392147" y="240417"/>
+            <a:ext cx="617477" cy="369332"/>
+          </a:xfrm>
+          <a:prstGeom prst="rect">
+            <a:avLst/>
+          </a:prstGeom>
+          <a:noFill/>
+        </p:spPr>
+        <p:txBody>
+          <a:bodyPr wrap="none" rtlCol="0">
+            <a:spAutoFit/>
+          </a:bodyPr>
+          <a:lstStyle/>
+          <a:p>
+            <a:r>
+              <a:rPr lang="en-US" dirty="0"/>
+              <a:t>DUT</a:t>
+            </a:r>
+          </a:p>
+        </p:txBody>
+      </p:sp>
+      <p:sp>
+        <p:nvSpPr>
+          <p:cNvPr id="70" name="TextBox 69">
+            <a:extLst>
+              <a:ext uri="{FF2B5EF4-FFF2-40B4-BE49-F238E27FC236}">
+                <a16:creationId xmlns:a16="http://schemas.microsoft.com/office/drawing/2014/main" id="{BC5ED1A8-BABF-B06B-E112-F77DCFCADCFC}"/>
+              </a:ext>
+            </a:extLst>
+          </p:cNvPr>
+          <p:cNvSpPr txBox="1"/>
+          <p:nvPr/>
+        </p:nvSpPr>
+        <p:spPr>
+          <a:xfrm>
+            <a:off x="8392147" y="3566416"/>
+            <a:ext cx="617477" cy="369332"/>
+          </a:xfrm>
+          <a:prstGeom prst="rect">
+            <a:avLst/>
+          </a:prstGeom>
+          <a:noFill/>
+        </p:spPr>
+        <p:txBody>
+          <a:bodyPr wrap="none" rtlCol="0">
+            <a:spAutoFit/>
+          </a:bodyPr>
+          <a:lstStyle/>
+          <a:p>
+            <a:r>
+              <a:rPr lang="en-US" dirty="0"/>
+              <a:t>DUT</a:t>
+            </a:r>
+          </a:p>
+        </p:txBody>
+      </p:sp>
+      <p:sp>
+        <p:nvSpPr>
+          <p:cNvPr id="71" name="TextBox 70">
+            <a:extLst>
+              <a:ext uri="{FF2B5EF4-FFF2-40B4-BE49-F238E27FC236}">
+                <a16:creationId xmlns:a16="http://schemas.microsoft.com/office/drawing/2014/main" id="{6CF21370-0444-007D-00EA-F629CC6797AE}"/>
+              </a:ext>
+            </a:extLst>
+          </p:cNvPr>
+          <p:cNvSpPr txBox="1"/>
+          <p:nvPr/>
+        </p:nvSpPr>
+        <p:spPr>
+          <a:xfrm>
+            <a:off x="5438724" y="2938609"/>
+            <a:ext cx="1338828" cy="369332"/>
+          </a:xfrm>
+          <a:prstGeom prst="rect">
+            <a:avLst/>
+          </a:prstGeom>
+          <a:noFill/>
+        </p:spPr>
+        <p:txBody>
+          <a:bodyPr wrap="none" rtlCol="0">
+            <a:spAutoFit/>
+          </a:bodyPr>
+          <a:lstStyle/>
+          <a:p>
+            <a:r>
+              <a:rPr lang="zh-CN" altLang="en-US" dirty="0"/>
+              <a:t>片上时钟源</a:t>
+            </a:r>
+            <a:endParaRPr lang="en-US" dirty="0"/>
+          </a:p>
+        </p:txBody>
+      </p:sp>
+      <p:sp>
+        <p:nvSpPr>
+          <p:cNvPr id="72" name="TextBox 71">
+            <a:extLst>
+              <a:ext uri="{FF2B5EF4-FFF2-40B4-BE49-F238E27FC236}">
+                <a16:creationId xmlns:a16="http://schemas.microsoft.com/office/drawing/2014/main" id="{8167B6DB-51D4-DBB0-71E8-CF5E18C0F7B6}"/>
+              </a:ext>
+            </a:extLst>
+          </p:cNvPr>
+          <p:cNvSpPr txBox="1"/>
+          <p:nvPr/>
+        </p:nvSpPr>
+        <p:spPr>
+          <a:xfrm>
+            <a:off x="5426586" y="6277837"/>
+            <a:ext cx="1338828" cy="369332"/>
+          </a:xfrm>
+          <a:prstGeom prst="rect">
+            <a:avLst/>
+          </a:prstGeom>
+          <a:noFill/>
+        </p:spPr>
+        <p:txBody>
+          <a:bodyPr wrap="none" rtlCol="0">
+            <a:spAutoFit/>
+          </a:bodyPr>
+          <a:lstStyle/>
+          <a:p>
+            <a:r>
+              <a:rPr lang="zh-CN" altLang="en-US" dirty="0"/>
+              <a:t>片外时钟源</a:t>
+            </a:r>
+            <a:endParaRPr lang="en-US" dirty="0"/>
+          </a:p>
+        </p:txBody>
+      </p:sp>
     </p:spTree>
     <p:extLst>
       <p:ext uri="{BB962C8B-B14F-4D97-AF65-F5344CB8AC3E}">

--- a/_posts/静态时序分析笔记/静态时序分析笔记pptx.pptx
+++ b/_posts/静态时序分析笔记/静态时序分析笔记pptx.pptx
@@ -14,6 +14,7 @@
     <p:sldId id="259" r:id="rId8"/>
     <p:sldId id="260" r:id="rId9"/>
     <p:sldId id="264" r:id="rId10"/>
+    <p:sldId id="265" r:id="rId11"/>
   </p:sldIdLst>
   <p:sldSz cx="12192000" cy="6858000"/>
   <p:notesSz cx="6858000" cy="9144000"/>
@@ -123,7 +124,7 @@
 <file path=ppt/revisionInfo.xml><?xml version="1.0" encoding="utf-8"?>
 <p1510:revInfo xmlns:a="http://schemas.openxmlformats.org/drawingml/2006/main" xmlns:r="http://schemas.openxmlformats.org/officeDocument/2006/relationships" xmlns:p1510="http://schemas.microsoft.com/office/powerpoint/2015/10/main">
   <p1510:revLst>
-    <p1510:client id="{FF26C555-752D-4004-A979-9228B3A43E4C}" v="209" dt="2025-01-14T10:04:46.719"/>
+    <p1510:client id="{FF26C555-752D-4004-A979-9228B3A43E4C}" v="218" dt="2025-01-15T09:27:59.641"/>
   </p1510:revLst>
 </p1510:revInfo>
 </file>
@@ -133,7 +134,7 @@
   <pc:docChgLst>
     <pc:chgData name="Jinyin Yan" userId="7d7b1cac-fbbc-4678-8cfc-23ca66a374ce" providerId="ADAL" clId="{FF26C555-752D-4004-A979-9228B3A43E4C}"/>
     <pc:docChg chg="undo custSel addSld delSld modSld sldOrd">
-      <pc:chgData name="Jinyin Yan" userId="7d7b1cac-fbbc-4678-8cfc-23ca66a374ce" providerId="ADAL" clId="{FF26C555-752D-4004-A979-9228B3A43E4C}" dt="2025-01-14T10:04:51.751" v="1132" actId="20577"/>
+      <pc:chgData name="Jinyin Yan" userId="7d7b1cac-fbbc-4678-8cfc-23ca66a374ce" providerId="ADAL" clId="{FF26C555-752D-4004-A979-9228B3A43E4C}" dt="2025-01-15T09:28:09.908" v="1233" actId="1076"/>
       <pc:docMkLst>
         <pc:docMk/>
       </pc:docMkLst>
@@ -3566,11 +3567,19 @@
         </pc:cxnChg>
       </pc:sldChg>
       <pc:sldChg chg="addSp delSp modSp new mod">
-        <pc:chgData name="Jinyin Yan" userId="7d7b1cac-fbbc-4678-8cfc-23ca66a374ce" providerId="ADAL" clId="{FF26C555-752D-4004-A979-9228B3A43E4C}" dt="2025-01-14T10:04:51.751" v="1132" actId="20577"/>
+        <pc:chgData name="Jinyin Yan" userId="7d7b1cac-fbbc-4678-8cfc-23ca66a374ce" providerId="ADAL" clId="{FF26C555-752D-4004-A979-9228B3A43E4C}" dt="2025-01-15T07:01:17.313" v="1217" actId="14100"/>
         <pc:sldMkLst>
           <pc:docMk/>
           <pc:sldMk cId="801923521" sldId="264"/>
         </pc:sldMkLst>
+        <pc:spChg chg="add mod">
+          <ac:chgData name="Jinyin Yan" userId="7d7b1cac-fbbc-4678-8cfc-23ca66a374ce" providerId="ADAL" clId="{FF26C555-752D-4004-A979-9228B3A43E4C}" dt="2025-01-15T07:00:47.832" v="1187" actId="20577"/>
+          <ac:spMkLst>
+            <pc:docMk/>
+            <pc:sldMk cId="801923521" sldId="264"/>
+            <ac:spMk id="2" creationId="{11A2B918-FC86-4FCD-B2FD-F4BA2905760F}"/>
+          </ac:spMkLst>
+        </pc:spChg>
         <pc:spChg chg="del">
           <ac:chgData name="Jinyin Yan" userId="7d7b1cac-fbbc-4678-8cfc-23ca66a374ce" providerId="ADAL" clId="{FF26C555-752D-4004-A979-9228B3A43E4C}" dt="2025-01-14T08:29:41.017" v="926" actId="478"/>
           <ac:spMkLst>
@@ -3587,6 +3596,22 @@
             <ac:spMk id="3" creationId="{3E9C40FB-B3E5-C1FE-B699-EB7F35D6DAEB}"/>
           </ac:spMkLst>
         </pc:spChg>
+        <pc:spChg chg="add mod">
+          <ac:chgData name="Jinyin Yan" userId="7d7b1cac-fbbc-4678-8cfc-23ca66a374ce" providerId="ADAL" clId="{FF26C555-752D-4004-A979-9228B3A43E4C}" dt="2025-01-15T07:01:05.230" v="1214" actId="14100"/>
+          <ac:spMkLst>
+            <pc:docMk/>
+            <pc:sldMk cId="801923521" sldId="264"/>
+            <ac:spMk id="3" creationId="{AF2D7ED2-7230-6473-5D6E-0CE4A12527A6}"/>
+          </ac:spMkLst>
+        </pc:spChg>
+        <pc:spChg chg="add mod">
+          <ac:chgData name="Jinyin Yan" userId="7d7b1cac-fbbc-4678-8cfc-23ca66a374ce" providerId="ADAL" clId="{FF26C555-752D-4004-A979-9228B3A43E4C}" dt="2025-01-15T07:01:01.037" v="1213" actId="20577"/>
+          <ac:spMkLst>
+            <pc:docMk/>
+            <pc:sldMk cId="801923521" sldId="264"/>
+            <ac:spMk id="4" creationId="{0E89C44B-2F2C-281E-7D93-1DD2DC7C377F}"/>
+          </ac:spMkLst>
+        </pc:spChg>
         <pc:spChg chg="mod">
           <ac:chgData name="Jinyin Yan" userId="7d7b1cac-fbbc-4678-8cfc-23ca66a374ce" providerId="ADAL" clId="{FF26C555-752D-4004-A979-9228B3A43E4C}" dt="2025-01-14T09:43:49.966" v="945" actId="165"/>
           <ac:spMkLst>
@@ -3636,6 +3661,14 @@
           </ac:spMkLst>
         </pc:spChg>
         <pc:spChg chg="add mod">
+          <ac:chgData name="Jinyin Yan" userId="7d7b1cac-fbbc-4678-8cfc-23ca66a374ce" providerId="ADAL" clId="{FF26C555-752D-4004-A979-9228B3A43E4C}" dt="2025-01-15T07:01:17.313" v="1217" actId="14100"/>
+          <ac:spMkLst>
+            <pc:docMk/>
+            <pc:sldMk cId="801923521" sldId="264"/>
+            <ac:spMk id="15" creationId="{442CC00C-FFED-4DFC-A05B-627BF9A86E0D}"/>
+          </ac:spMkLst>
+        </pc:spChg>
+        <pc:spChg chg="add mod">
           <ac:chgData name="Jinyin Yan" userId="7d7b1cac-fbbc-4678-8cfc-23ca66a374ce" providerId="ADAL" clId="{FF26C555-752D-4004-A979-9228B3A43E4C}" dt="2025-01-14T10:03:56.362" v="1066" actId="1076"/>
           <ac:spMkLst>
             <pc:docMk/>
@@ -3993,6 +4026,125 @@
             <pc:docMk/>
             <pc:sldMk cId="801923521" sldId="264"/>
             <ac:cxnSpMk id="61" creationId="{4322B9E7-A2B4-C1DA-02A8-E865FD0DCBF2}"/>
+          </ac:cxnSpMkLst>
+        </pc:cxnChg>
+      </pc:sldChg>
+      <pc:sldChg chg="addSp delSp modSp new mod">
+        <pc:chgData name="Jinyin Yan" userId="7d7b1cac-fbbc-4678-8cfc-23ca66a374ce" providerId="ADAL" clId="{FF26C555-752D-4004-A979-9228B3A43E4C}" dt="2025-01-15T09:28:09.908" v="1233" actId="1076"/>
+        <pc:sldMkLst>
+          <pc:docMk/>
+          <pc:sldMk cId="3857928627" sldId="265"/>
+        </pc:sldMkLst>
+        <pc:spChg chg="del">
+          <ac:chgData name="Jinyin Yan" userId="7d7b1cac-fbbc-4678-8cfc-23ca66a374ce" providerId="ADAL" clId="{FF26C555-752D-4004-A979-9228B3A43E4C}" dt="2025-01-15T09:17:45.687" v="1219" actId="478"/>
+          <ac:spMkLst>
+            <pc:docMk/>
+            <pc:sldMk cId="3857928627" sldId="265"/>
+            <ac:spMk id="2" creationId="{11B50D65-6EB3-A743-E056-E1E558A41C4A}"/>
+          </ac:spMkLst>
+        </pc:spChg>
+        <pc:spChg chg="del">
+          <ac:chgData name="Jinyin Yan" userId="7d7b1cac-fbbc-4678-8cfc-23ca66a374ce" providerId="ADAL" clId="{FF26C555-752D-4004-A979-9228B3A43E4C}" dt="2025-01-15T09:17:47.406" v="1220" actId="478"/>
+          <ac:spMkLst>
+            <pc:docMk/>
+            <pc:sldMk cId="3857928627" sldId="265"/>
+            <ac:spMk id="3" creationId="{5A4ECF61-6CEC-148B-334E-77038BF29204}"/>
+          </ac:spMkLst>
+        </pc:spChg>
+        <pc:spChg chg="mod">
+          <ac:chgData name="Jinyin Yan" userId="7d7b1cac-fbbc-4678-8cfc-23ca66a374ce" providerId="ADAL" clId="{FF26C555-752D-4004-A979-9228B3A43E4C}" dt="2025-01-15T09:27:37.155" v="1226" actId="165"/>
+          <ac:spMkLst>
+            <pc:docMk/>
+            <pc:sldMk cId="3857928627" sldId="265"/>
+            <ac:spMk id="9" creationId="{4765344A-8BC5-E633-4AD5-E7638C7E8240}"/>
+          </ac:spMkLst>
+        </pc:spChg>
+        <pc:spChg chg="mod">
+          <ac:chgData name="Jinyin Yan" userId="7d7b1cac-fbbc-4678-8cfc-23ca66a374ce" providerId="ADAL" clId="{FF26C555-752D-4004-A979-9228B3A43E4C}" dt="2025-01-15T09:27:37.155" v="1226" actId="165"/>
+          <ac:spMkLst>
+            <pc:docMk/>
+            <pc:sldMk cId="3857928627" sldId="265"/>
+            <ac:spMk id="10" creationId="{AC941D60-31CF-D657-C1FE-A0F96787B861}"/>
+          </ac:spMkLst>
+        </pc:spChg>
+        <pc:spChg chg="mod">
+          <ac:chgData name="Jinyin Yan" userId="7d7b1cac-fbbc-4678-8cfc-23ca66a374ce" providerId="ADAL" clId="{FF26C555-752D-4004-A979-9228B3A43E4C}" dt="2025-01-15T09:27:37.155" v="1226" actId="165"/>
+          <ac:spMkLst>
+            <pc:docMk/>
+            <pc:sldMk cId="3857928627" sldId="265"/>
+            <ac:spMk id="11" creationId="{15F1619B-434F-3C9C-AD52-F3E878025469}"/>
+          </ac:spMkLst>
+        </pc:spChg>
+        <pc:spChg chg="mod">
+          <ac:chgData name="Jinyin Yan" userId="7d7b1cac-fbbc-4678-8cfc-23ca66a374ce" providerId="ADAL" clId="{FF26C555-752D-4004-A979-9228B3A43E4C}" dt="2025-01-15T09:27:37.155" v="1226" actId="165"/>
+          <ac:spMkLst>
+            <pc:docMk/>
+            <pc:sldMk cId="3857928627" sldId="265"/>
+            <ac:spMk id="12" creationId="{0A865F48-CD11-7317-6E1E-59ECDA164471}"/>
+          </ac:spMkLst>
+        </pc:spChg>
+        <pc:spChg chg="mod">
+          <ac:chgData name="Jinyin Yan" userId="7d7b1cac-fbbc-4678-8cfc-23ca66a374ce" providerId="ADAL" clId="{FF26C555-752D-4004-A979-9228B3A43E4C}" dt="2025-01-15T09:27:37.155" v="1226" actId="165"/>
+          <ac:spMkLst>
+            <pc:docMk/>
+            <pc:sldMk cId="3857928627" sldId="265"/>
+            <ac:spMk id="13" creationId="{FD22A491-B239-B995-5949-7D7CC12F5DF7}"/>
+          </ac:spMkLst>
+        </pc:spChg>
+        <pc:spChg chg="add mod">
+          <ac:chgData name="Jinyin Yan" userId="7d7b1cac-fbbc-4678-8cfc-23ca66a374ce" providerId="ADAL" clId="{FF26C555-752D-4004-A979-9228B3A43E4C}" dt="2025-01-15T09:27:49.468" v="1229" actId="1076"/>
+          <ac:spMkLst>
+            <pc:docMk/>
+            <pc:sldMk cId="3857928627" sldId="265"/>
+            <ac:spMk id="14" creationId="{552FE986-62D3-A60F-BBF7-70CD7D8957AD}"/>
+          </ac:spMkLst>
+        </pc:spChg>
+        <pc:spChg chg="add mod">
+          <ac:chgData name="Jinyin Yan" userId="7d7b1cac-fbbc-4678-8cfc-23ca66a374ce" providerId="ADAL" clId="{FF26C555-752D-4004-A979-9228B3A43E4C}" dt="2025-01-15T09:28:09.908" v="1233" actId="1076"/>
+          <ac:spMkLst>
+            <pc:docMk/>
+            <pc:sldMk cId="3857928627" sldId="265"/>
+            <ac:spMk id="16" creationId="{A750B639-BC10-2B9E-663A-66197D369938}"/>
+          </ac:spMkLst>
+        </pc:spChg>
+        <pc:grpChg chg="add del mod">
+          <ac:chgData name="Jinyin Yan" userId="7d7b1cac-fbbc-4678-8cfc-23ca66a374ce" providerId="ADAL" clId="{FF26C555-752D-4004-A979-9228B3A43E4C}" dt="2025-01-15T09:27:37.155" v="1226" actId="165"/>
+          <ac:grpSpMkLst>
+            <pc:docMk/>
+            <pc:sldMk cId="3857928627" sldId="265"/>
+            <ac:grpSpMk id="4" creationId="{7F1B49C8-F55E-B1D3-07CE-8C5FA8A68305}"/>
+          </ac:grpSpMkLst>
+        </pc:grpChg>
+        <pc:grpChg chg="mod topLvl">
+          <ac:chgData name="Jinyin Yan" userId="7d7b1cac-fbbc-4678-8cfc-23ca66a374ce" providerId="ADAL" clId="{FF26C555-752D-4004-A979-9228B3A43E4C}" dt="2025-01-15T09:27:37.155" v="1226" actId="165"/>
+          <ac:grpSpMkLst>
+            <pc:docMk/>
+            <pc:sldMk cId="3857928627" sldId="265"/>
+            <ac:grpSpMk id="5" creationId="{9BE2822E-ED5F-B7F9-C77F-67DFA04E798E}"/>
+          </ac:grpSpMkLst>
+        </pc:grpChg>
+        <pc:cxnChg chg="mod topLvl">
+          <ac:chgData name="Jinyin Yan" userId="7d7b1cac-fbbc-4678-8cfc-23ca66a374ce" providerId="ADAL" clId="{FF26C555-752D-4004-A979-9228B3A43E4C}" dt="2025-01-15T09:27:37.155" v="1226" actId="165"/>
+          <ac:cxnSpMkLst>
+            <pc:docMk/>
+            <pc:sldMk cId="3857928627" sldId="265"/>
+            <ac:cxnSpMk id="6" creationId="{5A564421-8D32-B751-C52D-68A13F1300D5}"/>
+          </ac:cxnSpMkLst>
+        </pc:cxnChg>
+        <pc:cxnChg chg="mod topLvl">
+          <ac:chgData name="Jinyin Yan" userId="7d7b1cac-fbbc-4678-8cfc-23ca66a374ce" providerId="ADAL" clId="{FF26C555-752D-4004-A979-9228B3A43E4C}" dt="2025-01-15T09:27:37.155" v="1226" actId="165"/>
+          <ac:cxnSpMkLst>
+            <pc:docMk/>
+            <pc:sldMk cId="3857928627" sldId="265"/>
+            <ac:cxnSpMk id="7" creationId="{E471CBCC-47A4-FF43-6F64-E29DA26B96FB}"/>
+          </ac:cxnSpMkLst>
+        </pc:cxnChg>
+        <pc:cxnChg chg="mod topLvl">
+          <ac:chgData name="Jinyin Yan" userId="7d7b1cac-fbbc-4678-8cfc-23ca66a374ce" providerId="ADAL" clId="{FF26C555-752D-4004-A979-9228B3A43E4C}" dt="2025-01-15T09:27:42.037" v="1227" actId="14100"/>
+          <ac:cxnSpMkLst>
+            <pc:docMk/>
+            <pc:sldMk cId="3857928627" sldId="265"/>
+            <ac:cxnSpMk id="8" creationId="{32730F64-620E-28AF-E71D-4AA9712B6F2F}"/>
           </ac:cxnSpMkLst>
         </pc:cxnChg>
       </pc:sldChg>
@@ -4148,7 +4300,7 @@
           <a:p>
             <a:fld id="{756B7610-9FAA-DC43-80F9-3155B1E839C7}" type="datetimeFigureOut">
               <a:rPr kumimoji="1" lang="zh-CN" altLang="en-US" smtClean="0"/>
-              <a:t>2025/1/14</a:t>
+              <a:t>2025/1/15</a:t>
             </a:fld>
             <a:endParaRPr kumimoji="1" lang="zh-CN" altLang="en-US"/>
           </a:p>
@@ -4346,7 +4498,7 @@
           <a:p>
             <a:fld id="{756B7610-9FAA-DC43-80F9-3155B1E839C7}" type="datetimeFigureOut">
               <a:rPr kumimoji="1" lang="zh-CN" altLang="en-US" smtClean="0"/>
-              <a:t>2025/1/14</a:t>
+              <a:t>2025/1/15</a:t>
             </a:fld>
             <a:endParaRPr kumimoji="1" lang="zh-CN" altLang="en-US"/>
           </a:p>
@@ -4554,7 +4706,7 @@
           <a:p>
             <a:fld id="{756B7610-9FAA-DC43-80F9-3155B1E839C7}" type="datetimeFigureOut">
               <a:rPr kumimoji="1" lang="zh-CN" altLang="en-US" smtClean="0"/>
-              <a:t>2025/1/14</a:t>
+              <a:t>2025/1/15</a:t>
             </a:fld>
             <a:endParaRPr kumimoji="1" lang="zh-CN" altLang="en-US"/>
           </a:p>
@@ -4752,7 +4904,7 @@
           <a:p>
             <a:fld id="{756B7610-9FAA-DC43-80F9-3155B1E839C7}" type="datetimeFigureOut">
               <a:rPr kumimoji="1" lang="zh-CN" altLang="en-US" smtClean="0"/>
-              <a:t>2025/1/14</a:t>
+              <a:t>2025/1/15</a:t>
             </a:fld>
             <a:endParaRPr kumimoji="1" lang="zh-CN" altLang="en-US"/>
           </a:p>
@@ -5027,7 +5179,7 @@
           <a:p>
             <a:fld id="{756B7610-9FAA-DC43-80F9-3155B1E839C7}" type="datetimeFigureOut">
               <a:rPr kumimoji="1" lang="zh-CN" altLang="en-US" smtClean="0"/>
-              <a:t>2025/1/14</a:t>
+              <a:t>2025/1/15</a:t>
             </a:fld>
             <a:endParaRPr kumimoji="1" lang="zh-CN" altLang="en-US"/>
           </a:p>
@@ -5292,7 +5444,7 @@
           <a:p>
             <a:fld id="{756B7610-9FAA-DC43-80F9-3155B1E839C7}" type="datetimeFigureOut">
               <a:rPr kumimoji="1" lang="zh-CN" altLang="en-US" smtClean="0"/>
-              <a:t>2025/1/14</a:t>
+              <a:t>2025/1/15</a:t>
             </a:fld>
             <a:endParaRPr kumimoji="1" lang="zh-CN" altLang="en-US"/>
           </a:p>
@@ -5704,7 +5856,7 @@
           <a:p>
             <a:fld id="{756B7610-9FAA-DC43-80F9-3155B1E839C7}" type="datetimeFigureOut">
               <a:rPr kumimoji="1" lang="zh-CN" altLang="en-US" smtClean="0"/>
-              <a:t>2025/1/14</a:t>
+              <a:t>2025/1/15</a:t>
             </a:fld>
             <a:endParaRPr kumimoji="1" lang="zh-CN" altLang="en-US"/>
           </a:p>
@@ -5845,7 +5997,7 @@
           <a:p>
             <a:fld id="{756B7610-9FAA-DC43-80F9-3155B1E839C7}" type="datetimeFigureOut">
               <a:rPr kumimoji="1" lang="zh-CN" altLang="en-US" smtClean="0"/>
-              <a:t>2025/1/14</a:t>
+              <a:t>2025/1/15</a:t>
             </a:fld>
             <a:endParaRPr kumimoji="1" lang="zh-CN" altLang="en-US"/>
           </a:p>
@@ -5958,7 +6110,7 @@
           <a:p>
             <a:fld id="{756B7610-9FAA-DC43-80F9-3155B1E839C7}" type="datetimeFigureOut">
               <a:rPr kumimoji="1" lang="zh-CN" altLang="en-US" smtClean="0"/>
-              <a:t>2025/1/14</a:t>
+              <a:t>2025/1/15</a:t>
             </a:fld>
             <a:endParaRPr kumimoji="1" lang="zh-CN" altLang="en-US"/>
           </a:p>
@@ -6269,7 +6421,7 @@
           <a:p>
             <a:fld id="{756B7610-9FAA-DC43-80F9-3155B1E839C7}" type="datetimeFigureOut">
               <a:rPr kumimoji="1" lang="zh-CN" altLang="en-US" smtClean="0"/>
-              <a:t>2025/1/14</a:t>
+              <a:t>2025/1/15</a:t>
             </a:fld>
             <a:endParaRPr kumimoji="1" lang="zh-CN" altLang="en-US"/>
           </a:p>
@@ -6557,7 +6709,7 @@
           <a:p>
             <a:fld id="{756B7610-9FAA-DC43-80F9-3155B1E839C7}" type="datetimeFigureOut">
               <a:rPr kumimoji="1" lang="zh-CN" altLang="en-US" smtClean="0"/>
-              <a:t>2025/1/14</a:t>
+              <a:t>2025/1/15</a:t>
             </a:fld>
             <a:endParaRPr kumimoji="1" lang="zh-CN" altLang="en-US"/>
           </a:p>
@@ -6798,7 +6950,7 @@
           <a:p>
             <a:fld id="{756B7610-9FAA-DC43-80F9-3155B1E839C7}" type="datetimeFigureOut">
               <a:rPr kumimoji="1" lang="zh-CN" altLang="en-US" smtClean="0"/>
-              <a:t>2025/1/14</a:t>
+              <a:t>2025/1/15</a:t>
             </a:fld>
             <a:endParaRPr kumimoji="1" lang="zh-CN" altLang="en-US"/>
           </a:p>
@@ -9074,6 +9226,462 @@
     <p:extLst>
       <p:ext uri="{BB962C8B-B14F-4D97-AF65-F5344CB8AC3E}">
         <p14:creationId xmlns:p14="http://schemas.microsoft.com/office/powerpoint/2010/main" val="1534647839"/>
+      </p:ext>
+    </p:extLst>
+  </p:cSld>
+  <p:clrMapOvr>
+    <a:masterClrMapping/>
+  </p:clrMapOvr>
+</p:sld>
+</file>
+
+<file path=ppt/slides/slide10.xml><?xml version="1.0" encoding="utf-8"?>
+<p:sld xmlns:a="http://schemas.openxmlformats.org/drawingml/2006/main" xmlns:r="http://schemas.openxmlformats.org/officeDocument/2006/relationships" xmlns:p="http://schemas.openxmlformats.org/presentationml/2006/main">
+  <p:cSld>
+    <p:spTree>
+      <p:nvGrpSpPr>
+        <p:cNvPr id="1" name=""/>
+        <p:cNvGrpSpPr/>
+        <p:nvPr/>
+      </p:nvGrpSpPr>
+      <p:grpSpPr>
+        <a:xfrm>
+          <a:off x="0" y="0"/>
+          <a:ext cx="0" cy="0"/>
+          <a:chOff x="0" y="0"/>
+          <a:chExt cx="0" cy="0"/>
+        </a:xfrm>
+      </p:grpSpPr>
+      <p:grpSp>
+        <p:nvGrpSpPr>
+          <p:cNvPr id="5" name="组合 9">
+            <a:extLst>
+              <a:ext uri="{FF2B5EF4-FFF2-40B4-BE49-F238E27FC236}">
+                <a16:creationId xmlns:a16="http://schemas.microsoft.com/office/drawing/2014/main" id="{9BE2822E-ED5F-B7F9-C77F-67DFA04E798E}"/>
+              </a:ext>
+            </a:extLst>
+          </p:cNvPr>
+          <p:cNvGrpSpPr/>
+          <p:nvPr/>
+        </p:nvGrpSpPr>
+        <p:grpSpPr>
+          <a:xfrm>
+            <a:off x="5979941" y="1829669"/>
+            <a:ext cx="756004" cy="1033153"/>
+            <a:chOff x="2661581" y="1343921"/>
+            <a:chExt cx="756004" cy="1033153"/>
+          </a:xfrm>
+        </p:grpSpPr>
+        <p:sp>
+          <p:nvSpPr>
+            <p:cNvPr id="9" name="矩形 4">
+              <a:extLst>
+                <a:ext uri="{FF2B5EF4-FFF2-40B4-BE49-F238E27FC236}">
+                  <a16:creationId xmlns:a16="http://schemas.microsoft.com/office/drawing/2014/main" id="{4765344A-8BC5-E633-4AD5-E7638C7E8240}"/>
+                </a:ext>
+              </a:extLst>
+            </p:cNvPr>
+            <p:cNvSpPr/>
+            <p:nvPr/>
+          </p:nvSpPr>
+          <p:spPr>
+            <a:xfrm>
+              <a:off x="2765072" y="1343921"/>
+              <a:ext cx="575953" cy="1033153"/>
+            </a:xfrm>
+            <a:prstGeom prst="rect">
+              <a:avLst/>
+            </a:prstGeom>
+            <a:noFill/>
+          </p:spPr>
+          <p:style>
+            <a:lnRef idx="2">
+              <a:schemeClr val="accent1">
+                <a:shade val="50000"/>
+              </a:schemeClr>
+            </a:lnRef>
+            <a:fillRef idx="1">
+              <a:schemeClr val="accent1"/>
+            </a:fillRef>
+            <a:effectRef idx="0">
+              <a:schemeClr val="accent1"/>
+            </a:effectRef>
+            <a:fontRef idx="minor">
+              <a:schemeClr val="lt1"/>
+            </a:fontRef>
+          </p:style>
+          <p:txBody>
+            <a:bodyPr rtlCol="0" anchor="ctr"/>
+            <a:lstStyle/>
+            <a:p>
+              <a:pPr algn="ctr"/>
+              <a:endParaRPr lang="zh-CN" altLang="en-US" dirty="0">
+                <a:solidFill>
+                  <a:schemeClr val="tx1"/>
+                </a:solidFill>
+              </a:endParaRPr>
+            </a:p>
+          </p:txBody>
+        </p:sp>
+        <p:sp>
+          <p:nvSpPr>
+            <p:cNvPr id="10" name="直角三角形 5">
+              <a:extLst>
+                <a:ext uri="{FF2B5EF4-FFF2-40B4-BE49-F238E27FC236}">
+                  <a16:creationId xmlns:a16="http://schemas.microsoft.com/office/drawing/2014/main" id="{AC941D60-31CF-D657-C1FE-A0F96787B861}"/>
+                </a:ext>
+              </a:extLst>
+            </p:cNvPr>
+            <p:cNvSpPr/>
+            <p:nvPr/>
+          </p:nvSpPr>
+          <p:spPr>
+            <a:xfrm rot="13320000">
+              <a:off x="2661581" y="2001597"/>
+              <a:ext cx="206982" cy="226517"/>
+            </a:xfrm>
+            <a:prstGeom prst="rtTriangle">
+              <a:avLst/>
+            </a:prstGeom>
+            <a:noFill/>
+          </p:spPr>
+          <p:style>
+            <a:lnRef idx="2">
+              <a:schemeClr val="accent1">
+                <a:shade val="50000"/>
+              </a:schemeClr>
+            </a:lnRef>
+            <a:fillRef idx="1">
+              <a:schemeClr val="accent1"/>
+            </a:fillRef>
+            <a:effectRef idx="0">
+              <a:schemeClr val="accent1"/>
+            </a:effectRef>
+            <a:fontRef idx="minor">
+              <a:schemeClr val="lt1"/>
+            </a:fontRef>
+          </p:style>
+          <p:txBody>
+            <a:bodyPr rtlCol="0" anchor="ctr"/>
+            <a:lstStyle/>
+            <a:p>
+              <a:pPr algn="ctr"/>
+              <a:endParaRPr lang="zh-CN" altLang="en-US"/>
+            </a:p>
+          </p:txBody>
+        </p:sp>
+        <p:sp>
+          <p:nvSpPr>
+            <p:cNvPr id="11" name="文本框 6">
+              <a:extLst>
+                <a:ext uri="{FF2B5EF4-FFF2-40B4-BE49-F238E27FC236}">
+                  <a16:creationId xmlns:a16="http://schemas.microsoft.com/office/drawing/2014/main" id="{15F1619B-434F-3C9C-AD52-F3E878025469}"/>
+                </a:ext>
+              </a:extLst>
+            </p:cNvPr>
+            <p:cNvSpPr txBox="1"/>
+            <p:nvPr/>
+          </p:nvSpPr>
+          <p:spPr>
+            <a:xfrm>
+              <a:off x="2692832" y="1391816"/>
+              <a:ext cx="343364" cy="369332"/>
+            </a:xfrm>
+            <a:prstGeom prst="rect">
+              <a:avLst/>
+            </a:prstGeom>
+            <a:noFill/>
+          </p:spPr>
+          <p:txBody>
+            <a:bodyPr wrap="none" rtlCol="0">
+              <a:spAutoFit/>
+            </a:bodyPr>
+            <a:lstStyle/>
+            <a:p>
+              <a:r>
+                <a:rPr kumimoji="1" lang="en-US" altLang="zh-CN" dirty="0"/>
+                <a:t>D</a:t>
+              </a:r>
+              <a:endParaRPr kumimoji="1" lang="zh-CN" altLang="en-US" dirty="0"/>
+            </a:p>
+          </p:txBody>
+        </p:sp>
+        <p:sp>
+          <p:nvSpPr>
+            <p:cNvPr id="12" name="文本框 7">
+              <a:extLst>
+                <a:ext uri="{FF2B5EF4-FFF2-40B4-BE49-F238E27FC236}">
+                  <a16:creationId xmlns:a16="http://schemas.microsoft.com/office/drawing/2014/main" id="{0A865F48-CD11-7317-6E1E-59ECDA164471}"/>
+                </a:ext>
+              </a:extLst>
+            </p:cNvPr>
+            <p:cNvSpPr txBox="1"/>
+            <p:nvPr/>
+          </p:nvSpPr>
+          <p:spPr>
+            <a:xfrm>
+              <a:off x="2864514" y="1930189"/>
+              <a:ext cx="455574" cy="369332"/>
+            </a:xfrm>
+            <a:prstGeom prst="rect">
+              <a:avLst/>
+            </a:prstGeom>
+            <a:noFill/>
+          </p:spPr>
+          <p:txBody>
+            <a:bodyPr wrap="none" rtlCol="0">
+              <a:spAutoFit/>
+            </a:bodyPr>
+            <a:lstStyle/>
+            <a:p>
+              <a:r>
+                <a:rPr kumimoji="1" lang="en-US" altLang="zh-CN" dirty="0"/>
+                <a:t>CK</a:t>
+              </a:r>
+              <a:endParaRPr kumimoji="1" lang="zh-CN" altLang="en-US" dirty="0"/>
+            </a:p>
+          </p:txBody>
+        </p:sp>
+        <p:sp>
+          <p:nvSpPr>
+            <p:cNvPr id="13" name="文本框 8">
+              <a:extLst>
+                <a:ext uri="{FF2B5EF4-FFF2-40B4-BE49-F238E27FC236}">
+                  <a16:creationId xmlns:a16="http://schemas.microsoft.com/office/drawing/2014/main" id="{FD22A491-B239-B995-5949-7D7CC12F5DF7}"/>
+                </a:ext>
+              </a:extLst>
+            </p:cNvPr>
+            <p:cNvSpPr txBox="1"/>
+            <p:nvPr/>
+          </p:nvSpPr>
+          <p:spPr>
+            <a:xfrm>
+              <a:off x="3058191" y="1391816"/>
+              <a:ext cx="359394" cy="369332"/>
+            </a:xfrm>
+            <a:prstGeom prst="rect">
+              <a:avLst/>
+            </a:prstGeom>
+            <a:noFill/>
+          </p:spPr>
+          <p:txBody>
+            <a:bodyPr wrap="none" rtlCol="0">
+              <a:spAutoFit/>
+            </a:bodyPr>
+            <a:lstStyle/>
+            <a:p>
+              <a:r>
+                <a:rPr kumimoji="1" lang="en-US" altLang="zh-CN" dirty="0"/>
+                <a:t>Q</a:t>
+              </a:r>
+              <a:endParaRPr kumimoji="1" lang="zh-CN" altLang="en-US" dirty="0"/>
+            </a:p>
+          </p:txBody>
+        </p:sp>
+      </p:grpSp>
+      <p:cxnSp>
+        <p:nvCxnSpPr>
+          <p:cNvPr id="6" name="直线连接符 17">
+            <a:extLst>
+              <a:ext uri="{FF2B5EF4-FFF2-40B4-BE49-F238E27FC236}">
+                <a16:creationId xmlns:a16="http://schemas.microsoft.com/office/drawing/2014/main" id="{5A564421-8D32-B751-C52D-68A13F1300D5}"/>
+              </a:ext>
+            </a:extLst>
+          </p:cNvPr>
+          <p:cNvCxnSpPr>
+            <a:cxnSpLocks/>
+          </p:cNvCxnSpPr>
+          <p:nvPr/>
+        </p:nvCxnSpPr>
+        <p:spPr>
+          <a:xfrm>
+            <a:off x="5777475" y="2062230"/>
+            <a:ext cx="305957" cy="0"/>
+          </a:xfrm>
+          <a:prstGeom prst="line">
+            <a:avLst/>
+          </a:prstGeom>
+        </p:spPr>
+        <p:style>
+          <a:lnRef idx="2">
+            <a:schemeClr val="accent1"/>
+          </a:lnRef>
+          <a:fillRef idx="0">
+            <a:schemeClr val="accent1"/>
+          </a:fillRef>
+          <a:effectRef idx="1">
+            <a:schemeClr val="accent1"/>
+          </a:effectRef>
+          <a:fontRef idx="minor">
+            <a:schemeClr val="tx1"/>
+          </a:fontRef>
+        </p:style>
+      </p:cxnSp>
+      <p:cxnSp>
+        <p:nvCxnSpPr>
+          <p:cNvPr id="7" name="直线连接符 19">
+            <a:extLst>
+              <a:ext uri="{FF2B5EF4-FFF2-40B4-BE49-F238E27FC236}">
+                <a16:creationId xmlns:a16="http://schemas.microsoft.com/office/drawing/2014/main" id="{E471CBCC-47A4-FF43-6F64-E29DA26B96FB}"/>
+              </a:ext>
+            </a:extLst>
+          </p:cNvPr>
+          <p:cNvCxnSpPr>
+            <a:cxnSpLocks/>
+          </p:cNvCxnSpPr>
+          <p:nvPr/>
+        </p:nvCxnSpPr>
+        <p:spPr>
+          <a:xfrm>
+            <a:off x="6659385" y="2062230"/>
+            <a:ext cx="305957" cy="0"/>
+          </a:xfrm>
+          <a:prstGeom prst="line">
+            <a:avLst/>
+          </a:prstGeom>
+        </p:spPr>
+        <p:style>
+          <a:lnRef idx="2">
+            <a:schemeClr val="accent1"/>
+          </a:lnRef>
+          <a:fillRef idx="0">
+            <a:schemeClr val="accent1"/>
+          </a:fillRef>
+          <a:effectRef idx="1">
+            <a:schemeClr val="accent1"/>
+          </a:effectRef>
+          <a:fontRef idx="minor">
+            <a:schemeClr val="tx1"/>
+          </a:fontRef>
+        </p:style>
+      </p:cxnSp>
+      <p:cxnSp>
+        <p:nvCxnSpPr>
+          <p:cNvPr id="8" name="直线连接符 20">
+            <a:extLst>
+              <a:ext uri="{FF2B5EF4-FFF2-40B4-BE49-F238E27FC236}">
+                <a16:creationId xmlns:a16="http://schemas.microsoft.com/office/drawing/2014/main" id="{32730F64-620E-28AF-E71D-4AA9712B6F2F}"/>
+              </a:ext>
+            </a:extLst>
+          </p:cNvPr>
+          <p:cNvCxnSpPr>
+            <a:cxnSpLocks/>
+          </p:cNvCxnSpPr>
+          <p:nvPr/>
+        </p:nvCxnSpPr>
+        <p:spPr>
+          <a:xfrm>
+            <a:off x="3784600" y="2589462"/>
+            <a:ext cx="2298832" cy="0"/>
+          </a:xfrm>
+          <a:prstGeom prst="line">
+            <a:avLst/>
+          </a:prstGeom>
+        </p:spPr>
+        <p:style>
+          <a:lnRef idx="2">
+            <a:schemeClr val="accent1"/>
+          </a:lnRef>
+          <a:fillRef idx="0">
+            <a:schemeClr val="accent1"/>
+          </a:fillRef>
+          <a:effectRef idx="1">
+            <a:schemeClr val="accent1"/>
+          </a:effectRef>
+          <a:fontRef idx="minor">
+            <a:schemeClr val="tx1"/>
+          </a:fontRef>
+        </p:style>
+      </p:cxnSp>
+      <p:sp>
+        <p:nvSpPr>
+          <p:cNvPr id="14" name="Rectangle 13">
+            <a:extLst>
+              <a:ext uri="{FF2B5EF4-FFF2-40B4-BE49-F238E27FC236}">
+                <a16:creationId xmlns:a16="http://schemas.microsoft.com/office/drawing/2014/main" id="{552FE986-62D3-A60F-BBF7-70CD7D8957AD}"/>
+              </a:ext>
+            </a:extLst>
+          </p:cNvPr>
+          <p:cNvSpPr/>
+          <p:nvPr/>
+        </p:nvSpPr>
+        <p:spPr>
+          <a:xfrm>
+            <a:off x="2866426" y="2351467"/>
+            <a:ext cx="914400" cy="475989"/>
+          </a:xfrm>
+          <a:prstGeom prst="rect">
+            <a:avLst/>
+          </a:prstGeom>
+        </p:spPr>
+        <p:style>
+          <a:lnRef idx="2">
+            <a:schemeClr val="accent6">
+              <a:shade val="15000"/>
+            </a:schemeClr>
+          </a:lnRef>
+          <a:fillRef idx="1">
+            <a:schemeClr val="accent6"/>
+          </a:fillRef>
+          <a:effectRef idx="0">
+            <a:schemeClr val="accent6"/>
+          </a:effectRef>
+          <a:fontRef idx="minor">
+            <a:schemeClr val="lt1"/>
+          </a:fontRef>
+        </p:style>
+        <p:txBody>
+          <a:bodyPr rtlCol="0" anchor="ctr"/>
+          <a:lstStyle/>
+          <a:p>
+            <a:pPr algn="ctr"/>
+            <a:r>
+              <a:rPr lang="en-US" dirty="0"/>
+              <a:t>PLL</a:t>
+            </a:r>
+          </a:p>
+        </p:txBody>
+      </p:sp>
+      <p:sp>
+        <p:nvSpPr>
+          <p:cNvPr id="16" name="文本框 8">
+            <a:extLst>
+              <a:ext uri="{FF2B5EF4-FFF2-40B4-BE49-F238E27FC236}">
+                <a16:creationId xmlns:a16="http://schemas.microsoft.com/office/drawing/2014/main" id="{A750B639-BC10-2B9E-663A-66197D369938}"/>
+              </a:ext>
+            </a:extLst>
+          </p:cNvPr>
+          <p:cNvSpPr txBox="1"/>
+          <p:nvPr/>
+        </p:nvSpPr>
+        <p:spPr>
+          <a:xfrm>
+            <a:off x="6205988" y="2153718"/>
+            <a:ext cx="527709" cy="369332"/>
+          </a:xfrm>
+          <a:prstGeom prst="rect">
+            <a:avLst/>
+          </a:prstGeom>
+          <a:noFill/>
+        </p:spPr>
+        <p:txBody>
+          <a:bodyPr wrap="none" rtlCol="0">
+            <a:spAutoFit/>
+          </a:bodyPr>
+          <a:lstStyle/>
+          <a:p>
+            <a:r>
+              <a:rPr kumimoji="1" lang="en-US" altLang="zh-CN" dirty="0"/>
+              <a:t>QN</a:t>
+            </a:r>
+            <a:endParaRPr kumimoji="1" lang="zh-CN" altLang="en-US" dirty="0"/>
+          </a:p>
+        </p:txBody>
+      </p:sp>
+    </p:spTree>
+    <p:extLst>
+      <p:ext uri="{BB962C8B-B14F-4D97-AF65-F5344CB8AC3E}">
+        <p14:creationId xmlns:p14="http://schemas.microsoft.com/office/powerpoint/2010/main" val="3857928627"/>
       </p:ext>
     </p:extLst>
   </p:cSld>
@@ -29901,6 +30509,218 @@
           </a:p>
         </p:txBody>
       </p:sp>
+      <p:sp>
+        <p:nvSpPr>
+          <p:cNvPr id="2" name="Speech Bubble: Rectangle 1">
+            <a:extLst>
+              <a:ext uri="{FF2B5EF4-FFF2-40B4-BE49-F238E27FC236}">
+                <a16:creationId xmlns:a16="http://schemas.microsoft.com/office/drawing/2014/main" id="{11A2B918-FC86-4FCD-B2FD-F4BA2905760F}"/>
+              </a:ext>
+            </a:extLst>
+          </p:cNvPr>
+          <p:cNvSpPr/>
+          <p:nvPr/>
+        </p:nvSpPr>
+        <p:spPr>
+          <a:xfrm>
+            <a:off x="4562875" y="697029"/>
+            <a:ext cx="994003" cy="612648"/>
+          </a:xfrm>
+          <a:prstGeom prst="wedgeRectCallout">
+            <a:avLst>
+              <a:gd name="adj1" fmla="val -110466"/>
+              <a:gd name="adj2" fmla="val 103322"/>
+            </a:avLst>
+          </a:prstGeom>
+        </p:spPr>
+        <p:style>
+          <a:lnRef idx="2">
+            <a:schemeClr val="accent1">
+              <a:shade val="15000"/>
+            </a:schemeClr>
+          </a:lnRef>
+          <a:fillRef idx="1">
+            <a:schemeClr val="accent1"/>
+          </a:fillRef>
+          <a:effectRef idx="0">
+            <a:schemeClr val="accent1"/>
+          </a:effectRef>
+          <a:fontRef idx="minor">
+            <a:schemeClr val="lt1"/>
+          </a:fontRef>
+        </p:style>
+        <p:txBody>
+          <a:bodyPr rtlCol="0" anchor="ctr"/>
+          <a:lstStyle/>
+          <a:p>
+            <a:pPr algn="ctr"/>
+            <a:r>
+              <a:rPr lang="zh-CN" altLang="en-US" dirty="0"/>
+              <a:t>时钟源</a:t>
+            </a:r>
+            <a:endParaRPr lang="en-US" dirty="0"/>
+          </a:p>
+        </p:txBody>
+      </p:sp>
+      <p:sp>
+        <p:nvSpPr>
+          <p:cNvPr id="3" name="Speech Bubble: Rectangle 2">
+            <a:extLst>
+              <a:ext uri="{FF2B5EF4-FFF2-40B4-BE49-F238E27FC236}">
+                <a16:creationId xmlns:a16="http://schemas.microsoft.com/office/drawing/2014/main" id="{AF2D7ED2-7230-6473-5D6E-0CE4A12527A6}"/>
+              </a:ext>
+            </a:extLst>
+          </p:cNvPr>
+          <p:cNvSpPr/>
+          <p:nvPr/>
+        </p:nvSpPr>
+        <p:spPr>
+          <a:xfrm>
+            <a:off x="5821167" y="697899"/>
+            <a:ext cx="1379957" cy="612648"/>
+          </a:xfrm>
+          <a:prstGeom prst="wedgeRectCallout">
+            <a:avLst>
+              <a:gd name="adj1" fmla="val 3249"/>
+              <a:gd name="adj2" fmla="val 104597"/>
+            </a:avLst>
+          </a:prstGeom>
+        </p:spPr>
+        <p:style>
+          <a:lnRef idx="2">
+            <a:schemeClr val="accent1">
+              <a:shade val="15000"/>
+            </a:schemeClr>
+          </a:lnRef>
+          <a:fillRef idx="1">
+            <a:schemeClr val="accent1"/>
+          </a:fillRef>
+          <a:effectRef idx="0">
+            <a:schemeClr val="accent1"/>
+          </a:effectRef>
+          <a:fontRef idx="minor">
+            <a:schemeClr val="lt1"/>
+          </a:fontRef>
+        </p:style>
+        <p:txBody>
+          <a:bodyPr rtlCol="0" anchor="ctr"/>
+          <a:lstStyle/>
+          <a:p>
+            <a:pPr algn="ctr"/>
+            <a:r>
+              <a:rPr lang="zh-CN" altLang="en-US" dirty="0"/>
+              <a:t>时钟定义点</a:t>
+            </a:r>
+            <a:endParaRPr lang="en-US" dirty="0"/>
+          </a:p>
+        </p:txBody>
+      </p:sp>
+      <p:sp>
+        <p:nvSpPr>
+          <p:cNvPr id="4" name="Speech Bubble: Rectangle 3">
+            <a:extLst>
+              <a:ext uri="{FF2B5EF4-FFF2-40B4-BE49-F238E27FC236}">
+                <a16:creationId xmlns:a16="http://schemas.microsoft.com/office/drawing/2014/main" id="{0E89C44B-2F2C-281E-7D93-1DD2DC7C377F}"/>
+              </a:ext>
+            </a:extLst>
+          </p:cNvPr>
+          <p:cNvSpPr/>
+          <p:nvPr/>
+        </p:nvSpPr>
+        <p:spPr>
+          <a:xfrm>
+            <a:off x="3552256" y="3660660"/>
+            <a:ext cx="994003" cy="612648"/>
+          </a:xfrm>
+          <a:prstGeom prst="wedgeRectCallout">
+            <a:avLst>
+              <a:gd name="adj1" fmla="val -79802"/>
+              <a:gd name="adj2" fmla="val 99495"/>
+            </a:avLst>
+          </a:prstGeom>
+        </p:spPr>
+        <p:style>
+          <a:lnRef idx="2">
+            <a:schemeClr val="accent1">
+              <a:shade val="15000"/>
+            </a:schemeClr>
+          </a:lnRef>
+          <a:fillRef idx="1">
+            <a:schemeClr val="accent1"/>
+          </a:fillRef>
+          <a:effectRef idx="0">
+            <a:schemeClr val="accent1"/>
+          </a:effectRef>
+          <a:fontRef idx="minor">
+            <a:schemeClr val="lt1"/>
+          </a:fontRef>
+        </p:style>
+        <p:txBody>
+          <a:bodyPr rtlCol="0" anchor="ctr"/>
+          <a:lstStyle/>
+          <a:p>
+            <a:pPr algn="ctr"/>
+            <a:r>
+              <a:rPr lang="zh-CN" altLang="en-US" dirty="0"/>
+              <a:t>时钟源</a:t>
+            </a:r>
+            <a:endParaRPr lang="en-US" dirty="0"/>
+          </a:p>
+        </p:txBody>
+      </p:sp>
+      <p:sp>
+        <p:nvSpPr>
+          <p:cNvPr id="15" name="Speech Bubble: Rectangle 14">
+            <a:extLst>
+              <a:ext uri="{FF2B5EF4-FFF2-40B4-BE49-F238E27FC236}">
+                <a16:creationId xmlns:a16="http://schemas.microsoft.com/office/drawing/2014/main" id="{442CC00C-FFED-4DFC-A05B-627BF9A86E0D}"/>
+              </a:ext>
+            </a:extLst>
+          </p:cNvPr>
+          <p:cNvSpPr/>
+          <p:nvPr/>
+        </p:nvSpPr>
+        <p:spPr>
+          <a:xfrm>
+            <a:off x="4866899" y="3657365"/>
+            <a:ext cx="1379957" cy="612648"/>
+          </a:xfrm>
+          <a:prstGeom prst="wedgeRectCallout">
+            <a:avLst>
+              <a:gd name="adj1" fmla="val -49988"/>
+              <a:gd name="adj2" fmla="val 93116"/>
+            </a:avLst>
+          </a:prstGeom>
+        </p:spPr>
+        <p:style>
+          <a:lnRef idx="2">
+            <a:schemeClr val="accent1">
+              <a:shade val="15000"/>
+            </a:schemeClr>
+          </a:lnRef>
+          <a:fillRef idx="1">
+            <a:schemeClr val="accent1"/>
+          </a:fillRef>
+          <a:effectRef idx="0">
+            <a:schemeClr val="accent1"/>
+          </a:effectRef>
+          <a:fontRef idx="minor">
+            <a:schemeClr val="lt1"/>
+          </a:fontRef>
+        </p:style>
+        <p:txBody>
+          <a:bodyPr rtlCol="0" anchor="ctr"/>
+          <a:lstStyle/>
+          <a:p>
+            <a:pPr algn="ctr"/>
+            <a:r>
+              <a:rPr lang="zh-CN" altLang="en-US" dirty="0"/>
+              <a:t>时钟定义点</a:t>
+            </a:r>
+            <a:endParaRPr lang="en-US" dirty="0"/>
+          </a:p>
+        </p:txBody>
+      </p:sp>
     </p:spTree>
     <p:extLst>
       <p:ext uri="{BB962C8B-B14F-4D97-AF65-F5344CB8AC3E}">

--- a/_posts/静态时序分析笔记/静态时序分析笔记pptx.pptx
+++ b/_posts/静态时序分析笔记/静态时序分析笔记pptx.pptx
@@ -124,7 +124,7 @@
 <file path=ppt/revisionInfo.xml><?xml version="1.0" encoding="utf-8"?>
 <p1510:revInfo xmlns:a="http://schemas.openxmlformats.org/drawingml/2006/main" xmlns:r="http://schemas.openxmlformats.org/officeDocument/2006/relationships" xmlns:p1510="http://schemas.microsoft.com/office/powerpoint/2015/10/main">
   <p1510:revLst>
-    <p1510:client id="{FF26C555-752D-4004-A979-9228B3A43E4C}" v="218" dt="2025-01-15T09:27:59.641"/>
+    <p1510:client id="{FF26C555-752D-4004-A979-9228B3A43E4C}" v="227" dt="2025-01-17T05:48:42.212"/>
   </p1510:revLst>
 </p1510:revInfo>
 </file>
@@ -134,7 +134,7 @@
   <pc:docChgLst>
     <pc:chgData name="Jinyin Yan" userId="7d7b1cac-fbbc-4678-8cfc-23ca66a374ce" providerId="ADAL" clId="{FF26C555-752D-4004-A979-9228B3A43E4C}"/>
     <pc:docChg chg="undo custSel addSld delSld modSld sldOrd">
-      <pc:chgData name="Jinyin Yan" userId="7d7b1cac-fbbc-4678-8cfc-23ca66a374ce" providerId="ADAL" clId="{FF26C555-752D-4004-A979-9228B3A43E4C}" dt="2025-01-15T09:28:09.908" v="1233" actId="1076"/>
+      <pc:chgData name="Jinyin Yan" userId="7d7b1cac-fbbc-4678-8cfc-23ca66a374ce" providerId="ADAL" clId="{FF26C555-752D-4004-A979-9228B3A43E4C}" dt="2025-01-17T05:49:04.926" v="1378" actId="1076"/>
       <pc:docMkLst>
         <pc:docMk/>
       </pc:docMkLst>
@@ -4030,7 +4030,7 @@
         </pc:cxnChg>
       </pc:sldChg>
       <pc:sldChg chg="addSp delSp modSp new mod">
-        <pc:chgData name="Jinyin Yan" userId="7d7b1cac-fbbc-4678-8cfc-23ca66a374ce" providerId="ADAL" clId="{FF26C555-752D-4004-A979-9228B3A43E4C}" dt="2025-01-15T09:28:09.908" v="1233" actId="1076"/>
+        <pc:chgData name="Jinyin Yan" userId="7d7b1cac-fbbc-4678-8cfc-23ca66a374ce" providerId="ADAL" clId="{FF26C555-752D-4004-A979-9228B3A43E4C}" dt="2025-01-17T05:49:04.926" v="1378" actId="1076"/>
         <pc:sldMkLst>
           <pc:docMk/>
           <pc:sldMk cId="3857928627" sldId="265"/>
@@ -4051,40 +4051,40 @@
             <ac:spMk id="3" creationId="{5A4ECF61-6CEC-148B-334E-77038BF29204}"/>
           </ac:spMkLst>
         </pc:spChg>
-        <pc:spChg chg="mod">
-          <ac:chgData name="Jinyin Yan" userId="7d7b1cac-fbbc-4678-8cfc-23ca66a374ce" providerId="ADAL" clId="{FF26C555-752D-4004-A979-9228B3A43E4C}" dt="2025-01-15T09:27:37.155" v="1226" actId="165"/>
+        <pc:spChg chg="mod topLvl">
+          <ac:chgData name="Jinyin Yan" userId="7d7b1cac-fbbc-4678-8cfc-23ca66a374ce" providerId="ADAL" clId="{FF26C555-752D-4004-A979-9228B3A43E4C}" dt="2025-01-17T05:49:04.926" v="1378" actId="1076"/>
           <ac:spMkLst>
             <pc:docMk/>
             <pc:sldMk cId="3857928627" sldId="265"/>
             <ac:spMk id="9" creationId="{4765344A-8BC5-E633-4AD5-E7638C7E8240}"/>
           </ac:spMkLst>
         </pc:spChg>
-        <pc:spChg chg="mod">
-          <ac:chgData name="Jinyin Yan" userId="7d7b1cac-fbbc-4678-8cfc-23ca66a374ce" providerId="ADAL" clId="{FF26C555-752D-4004-A979-9228B3A43E4C}" dt="2025-01-15T09:27:37.155" v="1226" actId="165"/>
+        <pc:spChg chg="mod topLvl">
+          <ac:chgData name="Jinyin Yan" userId="7d7b1cac-fbbc-4678-8cfc-23ca66a374ce" providerId="ADAL" clId="{FF26C555-752D-4004-A979-9228B3A43E4C}" dt="2025-01-17T05:49:04.926" v="1378" actId="1076"/>
           <ac:spMkLst>
             <pc:docMk/>
             <pc:sldMk cId="3857928627" sldId="265"/>
             <ac:spMk id="10" creationId="{AC941D60-31CF-D657-C1FE-A0F96787B861}"/>
           </ac:spMkLst>
         </pc:spChg>
-        <pc:spChg chg="mod">
-          <ac:chgData name="Jinyin Yan" userId="7d7b1cac-fbbc-4678-8cfc-23ca66a374ce" providerId="ADAL" clId="{FF26C555-752D-4004-A979-9228B3A43E4C}" dt="2025-01-15T09:27:37.155" v="1226" actId="165"/>
+        <pc:spChg chg="mod topLvl">
+          <ac:chgData name="Jinyin Yan" userId="7d7b1cac-fbbc-4678-8cfc-23ca66a374ce" providerId="ADAL" clId="{FF26C555-752D-4004-A979-9228B3A43E4C}" dt="2025-01-17T05:49:04.926" v="1378" actId="1076"/>
           <ac:spMkLst>
             <pc:docMk/>
             <pc:sldMk cId="3857928627" sldId="265"/>
             <ac:spMk id="11" creationId="{15F1619B-434F-3C9C-AD52-F3E878025469}"/>
           </ac:spMkLst>
         </pc:spChg>
-        <pc:spChg chg="mod">
-          <ac:chgData name="Jinyin Yan" userId="7d7b1cac-fbbc-4678-8cfc-23ca66a374ce" providerId="ADAL" clId="{FF26C555-752D-4004-A979-9228B3A43E4C}" dt="2025-01-15T09:27:37.155" v="1226" actId="165"/>
+        <pc:spChg chg="mod topLvl">
+          <ac:chgData name="Jinyin Yan" userId="7d7b1cac-fbbc-4678-8cfc-23ca66a374ce" providerId="ADAL" clId="{FF26C555-752D-4004-A979-9228B3A43E4C}" dt="2025-01-17T05:49:04.926" v="1378" actId="1076"/>
           <ac:spMkLst>
             <pc:docMk/>
             <pc:sldMk cId="3857928627" sldId="265"/>
             <ac:spMk id="12" creationId="{0A865F48-CD11-7317-6E1E-59ECDA164471}"/>
           </ac:spMkLst>
         </pc:spChg>
-        <pc:spChg chg="mod">
-          <ac:chgData name="Jinyin Yan" userId="7d7b1cac-fbbc-4678-8cfc-23ca66a374ce" providerId="ADAL" clId="{FF26C555-752D-4004-A979-9228B3A43E4C}" dt="2025-01-15T09:27:37.155" v="1226" actId="165"/>
+        <pc:spChg chg="mod topLvl">
+          <ac:chgData name="Jinyin Yan" userId="7d7b1cac-fbbc-4678-8cfc-23ca66a374ce" providerId="ADAL" clId="{FF26C555-752D-4004-A979-9228B3A43E4C}" dt="2025-01-17T05:49:04.926" v="1378" actId="1076"/>
           <ac:spMkLst>
             <pc:docMk/>
             <pc:sldMk cId="3857928627" sldId="265"/>
@@ -4092,7 +4092,7 @@
           </ac:spMkLst>
         </pc:spChg>
         <pc:spChg chg="add mod">
-          <ac:chgData name="Jinyin Yan" userId="7d7b1cac-fbbc-4678-8cfc-23ca66a374ce" providerId="ADAL" clId="{FF26C555-752D-4004-A979-9228B3A43E4C}" dt="2025-01-15T09:27:49.468" v="1229" actId="1076"/>
+          <ac:chgData name="Jinyin Yan" userId="7d7b1cac-fbbc-4678-8cfc-23ca66a374ce" providerId="ADAL" clId="{FF26C555-752D-4004-A979-9228B3A43E4C}" dt="2025-01-17T05:49:04.926" v="1378" actId="1076"/>
           <ac:spMkLst>
             <pc:docMk/>
             <pc:sldMk cId="3857928627" sldId="265"/>
@@ -4100,11 +4100,147 @@
           </ac:spMkLst>
         </pc:spChg>
         <pc:spChg chg="add mod">
-          <ac:chgData name="Jinyin Yan" userId="7d7b1cac-fbbc-4678-8cfc-23ca66a374ce" providerId="ADAL" clId="{FF26C555-752D-4004-A979-9228B3A43E4C}" dt="2025-01-15T09:28:09.908" v="1233" actId="1076"/>
+          <ac:chgData name="Jinyin Yan" userId="7d7b1cac-fbbc-4678-8cfc-23ca66a374ce" providerId="ADAL" clId="{FF26C555-752D-4004-A979-9228B3A43E4C}" dt="2025-01-17T05:49:04.926" v="1378" actId="1076"/>
+          <ac:spMkLst>
+            <pc:docMk/>
+            <pc:sldMk cId="3857928627" sldId="265"/>
+            <ac:spMk id="15" creationId="{E5296286-014A-C616-72B6-59CA9E75E682}"/>
+          </ac:spMkLst>
+        </pc:spChg>
+        <pc:spChg chg="add mod">
+          <ac:chgData name="Jinyin Yan" userId="7d7b1cac-fbbc-4678-8cfc-23ca66a374ce" providerId="ADAL" clId="{FF26C555-752D-4004-A979-9228B3A43E4C}" dt="2025-01-17T05:49:04.926" v="1378" actId="1076"/>
           <ac:spMkLst>
             <pc:docMk/>
             <pc:sldMk cId="3857928627" sldId="265"/>
             <ac:spMk id="16" creationId="{A750B639-BC10-2B9E-663A-66197D369938}"/>
+          </ac:spMkLst>
+        </pc:spChg>
+        <pc:spChg chg="add mod">
+          <ac:chgData name="Jinyin Yan" userId="7d7b1cac-fbbc-4678-8cfc-23ca66a374ce" providerId="ADAL" clId="{FF26C555-752D-4004-A979-9228B3A43E4C}" dt="2025-01-17T05:49:04.926" v="1378" actId="1076"/>
+          <ac:spMkLst>
+            <pc:docMk/>
+            <pc:sldMk cId="3857928627" sldId="265"/>
+            <ac:spMk id="17" creationId="{6A2C6174-7E31-5EDA-262D-6DEFC6DE49CA}"/>
+          </ac:spMkLst>
+        </pc:spChg>
+        <pc:spChg chg="add mod">
+          <ac:chgData name="Jinyin Yan" userId="7d7b1cac-fbbc-4678-8cfc-23ca66a374ce" providerId="ADAL" clId="{FF26C555-752D-4004-A979-9228B3A43E4C}" dt="2025-01-17T05:49:04.926" v="1378" actId="1076"/>
+          <ac:spMkLst>
+            <pc:docMk/>
+            <pc:sldMk cId="3857928627" sldId="265"/>
+            <ac:spMk id="18" creationId="{431F5879-8E5F-5F19-7549-96CD08060A08}"/>
+          </ac:spMkLst>
+        </pc:spChg>
+        <pc:spChg chg="add mod">
+          <ac:chgData name="Jinyin Yan" userId="7d7b1cac-fbbc-4678-8cfc-23ca66a374ce" providerId="ADAL" clId="{FF26C555-752D-4004-A979-9228B3A43E4C}" dt="2025-01-17T05:49:04.926" v="1378" actId="1076"/>
+          <ac:spMkLst>
+            <pc:docMk/>
+            <pc:sldMk cId="3857928627" sldId="265"/>
+            <ac:spMk id="19" creationId="{DD5E0882-C350-BD87-46A9-31C0A67D6B77}"/>
+          </ac:spMkLst>
+        </pc:spChg>
+        <pc:spChg chg="add mod">
+          <ac:chgData name="Jinyin Yan" userId="7d7b1cac-fbbc-4678-8cfc-23ca66a374ce" providerId="ADAL" clId="{FF26C555-752D-4004-A979-9228B3A43E4C}" dt="2025-01-17T05:49:04.926" v="1378" actId="1076"/>
+          <ac:spMkLst>
+            <pc:docMk/>
+            <pc:sldMk cId="3857928627" sldId="265"/>
+            <ac:spMk id="20" creationId="{5E9AB238-DC3C-FE6C-02FC-3F77701DC4EF}"/>
+          </ac:spMkLst>
+        </pc:spChg>
+        <pc:spChg chg="add mod">
+          <ac:chgData name="Jinyin Yan" userId="7d7b1cac-fbbc-4678-8cfc-23ca66a374ce" providerId="ADAL" clId="{FF26C555-752D-4004-A979-9228B3A43E4C}" dt="2025-01-17T05:49:04.926" v="1378" actId="1076"/>
+          <ac:spMkLst>
+            <pc:docMk/>
+            <pc:sldMk cId="3857928627" sldId="265"/>
+            <ac:spMk id="21" creationId="{38C68C91-1700-A433-E84D-E86CB12D2881}"/>
+          </ac:spMkLst>
+        </pc:spChg>
+        <pc:spChg chg="add mod">
+          <ac:chgData name="Jinyin Yan" userId="7d7b1cac-fbbc-4678-8cfc-23ca66a374ce" providerId="ADAL" clId="{FF26C555-752D-4004-A979-9228B3A43E4C}" dt="2025-01-17T05:49:04.926" v="1378" actId="1076"/>
+          <ac:spMkLst>
+            <pc:docMk/>
+            <pc:sldMk cId="3857928627" sldId="265"/>
+            <ac:spMk id="22" creationId="{83AF20AA-E48C-A639-DBEE-089EBB6797C2}"/>
+          </ac:spMkLst>
+        </pc:spChg>
+        <pc:spChg chg="mod">
+          <ac:chgData name="Jinyin Yan" userId="7d7b1cac-fbbc-4678-8cfc-23ca66a374ce" providerId="ADAL" clId="{FF26C555-752D-4004-A979-9228B3A43E4C}" dt="2025-01-17T02:52:46.453" v="1264"/>
+          <ac:spMkLst>
+            <pc:docMk/>
+            <pc:sldMk cId="3857928627" sldId="265"/>
+            <ac:spMk id="41" creationId="{48585F8A-AD9E-44F1-F5EF-D9760C73B760}"/>
+          </ac:spMkLst>
+        </pc:spChg>
+        <pc:spChg chg="mod">
+          <ac:chgData name="Jinyin Yan" userId="7d7b1cac-fbbc-4678-8cfc-23ca66a374ce" providerId="ADAL" clId="{FF26C555-752D-4004-A979-9228B3A43E4C}" dt="2025-01-17T02:52:46.453" v="1264"/>
+          <ac:spMkLst>
+            <pc:docMk/>
+            <pc:sldMk cId="3857928627" sldId="265"/>
+            <ac:spMk id="42" creationId="{C8DC0D0F-0868-59BB-7AE9-FB56D6075A39}"/>
+          </ac:spMkLst>
+        </pc:spChg>
+        <pc:spChg chg="mod">
+          <ac:chgData name="Jinyin Yan" userId="7d7b1cac-fbbc-4678-8cfc-23ca66a374ce" providerId="ADAL" clId="{FF26C555-752D-4004-A979-9228B3A43E4C}" dt="2025-01-17T02:52:46.453" v="1264"/>
+          <ac:spMkLst>
+            <pc:docMk/>
+            <pc:sldMk cId="3857928627" sldId="265"/>
+            <ac:spMk id="43" creationId="{EDB5AB5D-877B-78B3-9D00-F5BFCEF11E4F}"/>
+          </ac:spMkLst>
+        </pc:spChg>
+        <pc:spChg chg="mod">
+          <ac:chgData name="Jinyin Yan" userId="7d7b1cac-fbbc-4678-8cfc-23ca66a374ce" providerId="ADAL" clId="{FF26C555-752D-4004-A979-9228B3A43E4C}" dt="2025-01-17T02:52:46.453" v="1264"/>
+          <ac:spMkLst>
+            <pc:docMk/>
+            <pc:sldMk cId="3857928627" sldId="265"/>
+            <ac:spMk id="44" creationId="{A0477AEE-9185-D8AC-F1D4-7F00E91F0E12}"/>
+          </ac:spMkLst>
+        </pc:spChg>
+        <pc:spChg chg="mod">
+          <ac:chgData name="Jinyin Yan" userId="7d7b1cac-fbbc-4678-8cfc-23ca66a374ce" providerId="ADAL" clId="{FF26C555-752D-4004-A979-9228B3A43E4C}" dt="2025-01-17T02:52:46.453" v="1264"/>
+          <ac:spMkLst>
+            <pc:docMk/>
+            <pc:sldMk cId="3857928627" sldId="265"/>
+            <ac:spMk id="45" creationId="{F4F66A54-3D6F-08A4-3B89-A289DAA5C42F}"/>
+          </ac:spMkLst>
+        </pc:spChg>
+        <pc:spChg chg="mod">
+          <ac:chgData name="Jinyin Yan" userId="7d7b1cac-fbbc-4678-8cfc-23ca66a374ce" providerId="ADAL" clId="{FF26C555-752D-4004-A979-9228B3A43E4C}" dt="2025-01-17T02:52:46.453" v="1264"/>
+          <ac:spMkLst>
+            <pc:docMk/>
+            <pc:sldMk cId="3857928627" sldId="265"/>
+            <ac:spMk id="51" creationId="{6A3D4FB0-058C-C17E-F095-0BB9116A0C6F}"/>
+          </ac:spMkLst>
+        </pc:spChg>
+        <pc:spChg chg="mod">
+          <ac:chgData name="Jinyin Yan" userId="7d7b1cac-fbbc-4678-8cfc-23ca66a374ce" providerId="ADAL" clId="{FF26C555-752D-4004-A979-9228B3A43E4C}" dt="2025-01-17T02:52:46.453" v="1264"/>
+          <ac:spMkLst>
+            <pc:docMk/>
+            <pc:sldMk cId="3857928627" sldId="265"/>
+            <ac:spMk id="52" creationId="{17805AD2-E59E-BCBB-0F8F-556B97FE0E9E}"/>
+          </ac:spMkLst>
+        </pc:spChg>
+        <pc:spChg chg="mod">
+          <ac:chgData name="Jinyin Yan" userId="7d7b1cac-fbbc-4678-8cfc-23ca66a374ce" providerId="ADAL" clId="{FF26C555-752D-4004-A979-9228B3A43E4C}" dt="2025-01-17T02:52:46.453" v="1264"/>
+          <ac:spMkLst>
+            <pc:docMk/>
+            <pc:sldMk cId="3857928627" sldId="265"/>
+            <ac:spMk id="53" creationId="{3587FCA1-31CB-DB39-65BF-50E36A8ED878}"/>
+          </ac:spMkLst>
+        </pc:spChg>
+        <pc:spChg chg="mod">
+          <ac:chgData name="Jinyin Yan" userId="7d7b1cac-fbbc-4678-8cfc-23ca66a374ce" providerId="ADAL" clId="{FF26C555-752D-4004-A979-9228B3A43E4C}" dt="2025-01-17T02:52:46.453" v="1264"/>
+          <ac:spMkLst>
+            <pc:docMk/>
+            <pc:sldMk cId="3857928627" sldId="265"/>
+            <ac:spMk id="54" creationId="{7D72DD39-A6D6-7DD0-43D1-C38EA95CD48C}"/>
+          </ac:spMkLst>
+        </pc:spChg>
+        <pc:spChg chg="mod">
+          <ac:chgData name="Jinyin Yan" userId="7d7b1cac-fbbc-4678-8cfc-23ca66a374ce" providerId="ADAL" clId="{FF26C555-752D-4004-A979-9228B3A43E4C}" dt="2025-01-17T02:52:46.453" v="1264"/>
+          <ac:spMkLst>
+            <pc:docMk/>
+            <pc:sldMk cId="3857928627" sldId="265"/>
+            <ac:spMk id="55" creationId="{EFA23532-8609-7FF3-1E21-3F4DDD77B5D9}"/>
           </ac:spMkLst>
         </pc:spChg>
         <pc:grpChg chg="add del mod">
@@ -4115,16 +4251,64 @@
             <ac:grpSpMk id="4" creationId="{7F1B49C8-F55E-B1D3-07CE-8C5FA8A68305}"/>
           </ac:grpSpMkLst>
         </pc:grpChg>
-        <pc:grpChg chg="mod topLvl">
-          <ac:chgData name="Jinyin Yan" userId="7d7b1cac-fbbc-4678-8cfc-23ca66a374ce" providerId="ADAL" clId="{FF26C555-752D-4004-A979-9228B3A43E4C}" dt="2025-01-15T09:27:37.155" v="1226" actId="165"/>
+        <pc:grpChg chg="del mod topLvl">
+          <ac:chgData name="Jinyin Yan" userId="7d7b1cac-fbbc-4678-8cfc-23ca66a374ce" providerId="ADAL" clId="{FF26C555-752D-4004-A979-9228B3A43E4C}" dt="2025-01-17T02:51:39.365" v="1252" actId="165"/>
           <ac:grpSpMkLst>
             <pc:docMk/>
             <pc:sldMk cId="3857928627" sldId="265"/>
             <ac:grpSpMk id="5" creationId="{9BE2822E-ED5F-B7F9-C77F-67DFA04E798E}"/>
           </ac:grpSpMkLst>
         </pc:grpChg>
+        <pc:grpChg chg="add mod">
+          <ac:chgData name="Jinyin Yan" userId="7d7b1cac-fbbc-4678-8cfc-23ca66a374ce" providerId="ADAL" clId="{FF26C555-752D-4004-A979-9228B3A43E4C}" dt="2025-01-17T05:49:04.926" v="1378" actId="1076"/>
+          <ac:grpSpMkLst>
+            <pc:docMk/>
+            <pc:sldMk cId="3857928627" sldId="265"/>
+            <ac:grpSpMk id="36" creationId="{9903F490-C263-8472-F9FA-AB1D614E5A49}"/>
+          </ac:grpSpMkLst>
+        </pc:grpChg>
+        <pc:grpChg chg="mod">
+          <ac:chgData name="Jinyin Yan" userId="7d7b1cac-fbbc-4678-8cfc-23ca66a374ce" providerId="ADAL" clId="{FF26C555-752D-4004-A979-9228B3A43E4C}" dt="2025-01-17T02:52:46.453" v="1264"/>
+          <ac:grpSpMkLst>
+            <pc:docMk/>
+            <pc:sldMk cId="3857928627" sldId="265"/>
+            <ac:grpSpMk id="37" creationId="{D44A0816-8D5C-8901-850D-86F65C56F4BF}"/>
+          </ac:grpSpMkLst>
+        </pc:grpChg>
+        <pc:grpChg chg="add mod">
+          <ac:chgData name="Jinyin Yan" userId="7d7b1cac-fbbc-4678-8cfc-23ca66a374ce" providerId="ADAL" clId="{FF26C555-752D-4004-A979-9228B3A43E4C}" dt="2025-01-17T05:49:04.926" v="1378" actId="1076"/>
+          <ac:grpSpMkLst>
+            <pc:docMk/>
+            <pc:sldMk cId="3857928627" sldId="265"/>
+            <ac:grpSpMk id="46" creationId="{072E5318-1EBA-25CF-1932-B65C59424589}"/>
+          </ac:grpSpMkLst>
+        </pc:grpChg>
+        <pc:grpChg chg="mod">
+          <ac:chgData name="Jinyin Yan" userId="7d7b1cac-fbbc-4678-8cfc-23ca66a374ce" providerId="ADAL" clId="{FF26C555-752D-4004-A979-9228B3A43E4C}" dt="2025-01-17T02:52:46.453" v="1264"/>
+          <ac:grpSpMkLst>
+            <pc:docMk/>
+            <pc:sldMk cId="3857928627" sldId="265"/>
+            <ac:grpSpMk id="47" creationId="{EEA3DF24-F07D-4E9B-7B58-04F8C2374FE9}"/>
+          </ac:grpSpMkLst>
+        </pc:grpChg>
+        <pc:cxnChg chg="add mod">
+          <ac:chgData name="Jinyin Yan" userId="7d7b1cac-fbbc-4678-8cfc-23ca66a374ce" providerId="ADAL" clId="{FF26C555-752D-4004-A979-9228B3A43E4C}" dt="2025-01-17T05:49:04.926" v="1378" actId="1076"/>
+          <ac:cxnSpMkLst>
+            <pc:docMk/>
+            <pc:sldMk cId="3857928627" sldId="265"/>
+            <ac:cxnSpMk id="3" creationId="{4F7D1E03-56A1-5051-885D-91F92B6D32D9}"/>
+          </ac:cxnSpMkLst>
+        </pc:cxnChg>
+        <pc:cxnChg chg="add mod">
+          <ac:chgData name="Jinyin Yan" userId="7d7b1cac-fbbc-4678-8cfc-23ca66a374ce" providerId="ADAL" clId="{FF26C555-752D-4004-A979-9228B3A43E4C}" dt="2025-01-17T05:49:04.926" v="1378" actId="1076"/>
+          <ac:cxnSpMkLst>
+            <pc:docMk/>
+            <pc:sldMk cId="3857928627" sldId="265"/>
+            <ac:cxnSpMk id="4" creationId="{D8A44243-556F-7D5E-494C-D64BEF14ED88}"/>
+          </ac:cxnSpMkLst>
+        </pc:cxnChg>
         <pc:cxnChg chg="mod topLvl">
-          <ac:chgData name="Jinyin Yan" userId="7d7b1cac-fbbc-4678-8cfc-23ca66a374ce" providerId="ADAL" clId="{FF26C555-752D-4004-A979-9228B3A43E4C}" dt="2025-01-15T09:27:37.155" v="1226" actId="165"/>
+          <ac:chgData name="Jinyin Yan" userId="7d7b1cac-fbbc-4678-8cfc-23ca66a374ce" providerId="ADAL" clId="{FF26C555-752D-4004-A979-9228B3A43E4C}" dt="2025-01-17T05:49:04.926" v="1378" actId="1076"/>
           <ac:cxnSpMkLst>
             <pc:docMk/>
             <pc:sldMk cId="3857928627" sldId="265"/>
@@ -4132,7 +4316,7 @@
           </ac:cxnSpMkLst>
         </pc:cxnChg>
         <pc:cxnChg chg="mod topLvl">
-          <ac:chgData name="Jinyin Yan" userId="7d7b1cac-fbbc-4678-8cfc-23ca66a374ce" providerId="ADAL" clId="{FF26C555-752D-4004-A979-9228B3A43E4C}" dt="2025-01-15T09:27:37.155" v="1226" actId="165"/>
+          <ac:chgData name="Jinyin Yan" userId="7d7b1cac-fbbc-4678-8cfc-23ca66a374ce" providerId="ADAL" clId="{FF26C555-752D-4004-A979-9228B3A43E4C}" dt="2025-01-17T05:49:04.926" v="1378" actId="1076"/>
           <ac:cxnSpMkLst>
             <pc:docMk/>
             <pc:sldMk cId="3857928627" sldId="265"/>
@@ -4140,11 +4324,67 @@
           </ac:cxnSpMkLst>
         </pc:cxnChg>
         <pc:cxnChg chg="mod topLvl">
-          <ac:chgData name="Jinyin Yan" userId="7d7b1cac-fbbc-4678-8cfc-23ca66a374ce" providerId="ADAL" clId="{FF26C555-752D-4004-A979-9228B3A43E4C}" dt="2025-01-15T09:27:42.037" v="1227" actId="14100"/>
+          <ac:chgData name="Jinyin Yan" userId="7d7b1cac-fbbc-4678-8cfc-23ca66a374ce" providerId="ADAL" clId="{FF26C555-752D-4004-A979-9228B3A43E4C}" dt="2025-01-17T05:49:04.926" v="1378" actId="1076"/>
           <ac:cxnSpMkLst>
             <pc:docMk/>
             <pc:sldMk cId="3857928627" sldId="265"/>
             <ac:cxnSpMk id="8" creationId="{32730F64-620E-28AF-E71D-4AA9712B6F2F}"/>
+          </ac:cxnSpMkLst>
+        </pc:cxnChg>
+        <pc:cxnChg chg="mod">
+          <ac:chgData name="Jinyin Yan" userId="7d7b1cac-fbbc-4678-8cfc-23ca66a374ce" providerId="ADAL" clId="{FF26C555-752D-4004-A979-9228B3A43E4C}" dt="2025-01-17T02:52:46.453" v="1264"/>
+          <ac:cxnSpMkLst>
+            <pc:docMk/>
+            <pc:sldMk cId="3857928627" sldId="265"/>
+            <ac:cxnSpMk id="38" creationId="{69372BA6-2946-1846-989B-E5B69780F3EF}"/>
+          </ac:cxnSpMkLst>
+        </pc:cxnChg>
+        <pc:cxnChg chg="mod">
+          <ac:chgData name="Jinyin Yan" userId="7d7b1cac-fbbc-4678-8cfc-23ca66a374ce" providerId="ADAL" clId="{FF26C555-752D-4004-A979-9228B3A43E4C}" dt="2025-01-17T02:52:46.453" v="1264"/>
+          <ac:cxnSpMkLst>
+            <pc:docMk/>
+            <pc:sldMk cId="3857928627" sldId="265"/>
+            <ac:cxnSpMk id="39" creationId="{5AE20F8C-8F02-B1A9-9A6F-BF9A846952D7}"/>
+          </ac:cxnSpMkLst>
+        </pc:cxnChg>
+        <pc:cxnChg chg="mod">
+          <ac:chgData name="Jinyin Yan" userId="7d7b1cac-fbbc-4678-8cfc-23ca66a374ce" providerId="ADAL" clId="{FF26C555-752D-4004-A979-9228B3A43E4C}" dt="2025-01-17T02:52:46.453" v="1264"/>
+          <ac:cxnSpMkLst>
+            <pc:docMk/>
+            <pc:sldMk cId="3857928627" sldId="265"/>
+            <ac:cxnSpMk id="40" creationId="{6A070AD1-83FB-1844-E394-1710E72493FB}"/>
+          </ac:cxnSpMkLst>
+        </pc:cxnChg>
+        <pc:cxnChg chg="mod">
+          <ac:chgData name="Jinyin Yan" userId="7d7b1cac-fbbc-4678-8cfc-23ca66a374ce" providerId="ADAL" clId="{FF26C555-752D-4004-A979-9228B3A43E4C}" dt="2025-01-17T02:52:46.453" v="1264"/>
+          <ac:cxnSpMkLst>
+            <pc:docMk/>
+            <pc:sldMk cId="3857928627" sldId="265"/>
+            <ac:cxnSpMk id="48" creationId="{F05109BE-7D9D-A814-DE01-6818E0A764FE}"/>
+          </ac:cxnSpMkLst>
+        </pc:cxnChg>
+        <pc:cxnChg chg="mod">
+          <ac:chgData name="Jinyin Yan" userId="7d7b1cac-fbbc-4678-8cfc-23ca66a374ce" providerId="ADAL" clId="{FF26C555-752D-4004-A979-9228B3A43E4C}" dt="2025-01-17T02:52:46.453" v="1264"/>
+          <ac:cxnSpMkLst>
+            <pc:docMk/>
+            <pc:sldMk cId="3857928627" sldId="265"/>
+            <ac:cxnSpMk id="49" creationId="{F689B548-F38A-B5D5-5EDE-43C6D9D39E81}"/>
+          </ac:cxnSpMkLst>
+        </pc:cxnChg>
+        <pc:cxnChg chg="mod">
+          <ac:chgData name="Jinyin Yan" userId="7d7b1cac-fbbc-4678-8cfc-23ca66a374ce" providerId="ADAL" clId="{FF26C555-752D-4004-A979-9228B3A43E4C}" dt="2025-01-17T02:52:46.453" v="1264"/>
+          <ac:cxnSpMkLst>
+            <pc:docMk/>
+            <pc:sldMk cId="3857928627" sldId="265"/>
+            <ac:cxnSpMk id="50" creationId="{D36FD1AB-802A-740B-2210-D9ED5D9DF4F0}"/>
+          </ac:cxnSpMkLst>
+        </pc:cxnChg>
+        <pc:cxnChg chg="add mod">
+          <ac:chgData name="Jinyin Yan" userId="7d7b1cac-fbbc-4678-8cfc-23ca66a374ce" providerId="ADAL" clId="{FF26C555-752D-4004-A979-9228B3A43E4C}" dt="2025-01-17T05:49:04.926" v="1378" actId="1076"/>
+          <ac:cxnSpMkLst>
+            <pc:docMk/>
+            <pc:sldMk cId="3857928627" sldId="265"/>
+            <ac:cxnSpMk id="57" creationId="{C1782D8B-6E7B-6C9E-0FBF-9A9B4C511BB0}"/>
           </ac:cxnSpMkLst>
         </pc:cxnChg>
       </pc:sldChg>
@@ -4300,7 +4540,7 @@
           <a:p>
             <a:fld id="{756B7610-9FAA-DC43-80F9-3155B1E839C7}" type="datetimeFigureOut">
               <a:rPr kumimoji="1" lang="zh-CN" altLang="en-US" smtClean="0"/>
-              <a:t>2025/1/15</a:t>
+              <a:t>2025/1/17</a:t>
             </a:fld>
             <a:endParaRPr kumimoji="1" lang="zh-CN" altLang="en-US"/>
           </a:p>
@@ -4498,7 +4738,7 @@
           <a:p>
             <a:fld id="{756B7610-9FAA-DC43-80F9-3155B1E839C7}" type="datetimeFigureOut">
               <a:rPr kumimoji="1" lang="zh-CN" altLang="en-US" smtClean="0"/>
-              <a:t>2025/1/15</a:t>
+              <a:t>2025/1/17</a:t>
             </a:fld>
             <a:endParaRPr kumimoji="1" lang="zh-CN" altLang="en-US"/>
           </a:p>
@@ -4706,7 +4946,7 @@
           <a:p>
             <a:fld id="{756B7610-9FAA-DC43-80F9-3155B1E839C7}" type="datetimeFigureOut">
               <a:rPr kumimoji="1" lang="zh-CN" altLang="en-US" smtClean="0"/>
-              <a:t>2025/1/15</a:t>
+              <a:t>2025/1/17</a:t>
             </a:fld>
             <a:endParaRPr kumimoji="1" lang="zh-CN" altLang="en-US"/>
           </a:p>
@@ -4904,7 +5144,7 @@
           <a:p>
             <a:fld id="{756B7610-9FAA-DC43-80F9-3155B1E839C7}" type="datetimeFigureOut">
               <a:rPr kumimoji="1" lang="zh-CN" altLang="en-US" smtClean="0"/>
-              <a:t>2025/1/15</a:t>
+              <a:t>2025/1/17</a:t>
             </a:fld>
             <a:endParaRPr kumimoji="1" lang="zh-CN" altLang="en-US"/>
           </a:p>
@@ -5179,7 +5419,7 @@
           <a:p>
             <a:fld id="{756B7610-9FAA-DC43-80F9-3155B1E839C7}" type="datetimeFigureOut">
               <a:rPr kumimoji="1" lang="zh-CN" altLang="en-US" smtClean="0"/>
-              <a:t>2025/1/15</a:t>
+              <a:t>2025/1/17</a:t>
             </a:fld>
             <a:endParaRPr kumimoji="1" lang="zh-CN" altLang="en-US"/>
           </a:p>
@@ -5444,7 +5684,7 @@
           <a:p>
             <a:fld id="{756B7610-9FAA-DC43-80F9-3155B1E839C7}" type="datetimeFigureOut">
               <a:rPr kumimoji="1" lang="zh-CN" altLang="en-US" smtClean="0"/>
-              <a:t>2025/1/15</a:t>
+              <a:t>2025/1/17</a:t>
             </a:fld>
             <a:endParaRPr kumimoji="1" lang="zh-CN" altLang="en-US"/>
           </a:p>
@@ -5856,7 +6096,7 @@
           <a:p>
             <a:fld id="{756B7610-9FAA-DC43-80F9-3155B1E839C7}" type="datetimeFigureOut">
               <a:rPr kumimoji="1" lang="zh-CN" altLang="en-US" smtClean="0"/>
-              <a:t>2025/1/15</a:t>
+              <a:t>2025/1/17</a:t>
             </a:fld>
             <a:endParaRPr kumimoji="1" lang="zh-CN" altLang="en-US"/>
           </a:p>
@@ -5997,7 +6237,7 @@
           <a:p>
             <a:fld id="{756B7610-9FAA-DC43-80F9-3155B1E839C7}" type="datetimeFigureOut">
               <a:rPr kumimoji="1" lang="zh-CN" altLang="en-US" smtClean="0"/>
-              <a:t>2025/1/15</a:t>
+              <a:t>2025/1/17</a:t>
             </a:fld>
             <a:endParaRPr kumimoji="1" lang="zh-CN" altLang="en-US"/>
           </a:p>
@@ -6110,7 +6350,7 @@
           <a:p>
             <a:fld id="{756B7610-9FAA-DC43-80F9-3155B1E839C7}" type="datetimeFigureOut">
               <a:rPr kumimoji="1" lang="zh-CN" altLang="en-US" smtClean="0"/>
-              <a:t>2025/1/15</a:t>
+              <a:t>2025/1/17</a:t>
             </a:fld>
             <a:endParaRPr kumimoji="1" lang="zh-CN" altLang="en-US"/>
           </a:p>
@@ -6421,7 +6661,7 @@
           <a:p>
             <a:fld id="{756B7610-9FAA-DC43-80F9-3155B1E839C7}" type="datetimeFigureOut">
               <a:rPr kumimoji="1" lang="zh-CN" altLang="en-US" smtClean="0"/>
-              <a:t>2025/1/15</a:t>
+              <a:t>2025/1/17</a:t>
             </a:fld>
             <a:endParaRPr kumimoji="1" lang="zh-CN" altLang="en-US"/>
           </a:p>
@@ -6709,7 +6949,7 @@
           <a:p>
             <a:fld id="{756B7610-9FAA-DC43-80F9-3155B1E839C7}" type="datetimeFigureOut">
               <a:rPr kumimoji="1" lang="zh-CN" altLang="en-US" smtClean="0"/>
-              <a:t>2025/1/15</a:t>
+              <a:t>2025/1/17</a:t>
             </a:fld>
             <a:endParaRPr kumimoji="1" lang="zh-CN" altLang="en-US"/>
           </a:p>
@@ -6950,7 +7190,7 @@
           <a:p>
             <a:fld id="{756B7610-9FAA-DC43-80F9-3155B1E839C7}" type="datetimeFigureOut">
               <a:rPr kumimoji="1" lang="zh-CN" altLang="en-US" smtClean="0"/>
-              <a:t>2025/1/15</a:t>
+              <a:t>2025/1/17</a:t>
             </a:fld>
             <a:endParaRPr kumimoji="1" lang="zh-CN" altLang="en-US"/>
           </a:p>
@@ -9252,233 +9492,212 @@
           <a:chExt cx="0" cy="0"/>
         </a:xfrm>
       </p:grpSpPr>
-      <p:grpSp>
-        <p:nvGrpSpPr>
-          <p:cNvPr id="5" name="组合 9">
-            <a:extLst>
-              <a:ext uri="{FF2B5EF4-FFF2-40B4-BE49-F238E27FC236}">
-                <a16:creationId xmlns:a16="http://schemas.microsoft.com/office/drawing/2014/main" id="{9BE2822E-ED5F-B7F9-C77F-67DFA04E798E}"/>
-              </a:ext>
-            </a:extLst>
-          </p:cNvPr>
-          <p:cNvGrpSpPr/>
-          <p:nvPr/>
-        </p:nvGrpSpPr>
-        <p:grpSpPr>
-          <a:xfrm>
-            <a:off x="5979941" y="1829669"/>
-            <a:ext cx="756004" cy="1033153"/>
-            <a:chOff x="2661581" y="1343921"/>
-            <a:chExt cx="756004" cy="1033153"/>
-          </a:xfrm>
-        </p:grpSpPr>
-        <p:sp>
-          <p:nvSpPr>
-            <p:cNvPr id="9" name="矩形 4">
-              <a:extLst>
-                <a:ext uri="{FF2B5EF4-FFF2-40B4-BE49-F238E27FC236}">
-                  <a16:creationId xmlns:a16="http://schemas.microsoft.com/office/drawing/2014/main" id="{4765344A-8BC5-E633-4AD5-E7638C7E8240}"/>
-                </a:ext>
-              </a:extLst>
-            </p:cNvPr>
-            <p:cNvSpPr/>
-            <p:nvPr/>
-          </p:nvSpPr>
-          <p:spPr>
-            <a:xfrm>
-              <a:off x="2765072" y="1343921"/>
-              <a:ext cx="575953" cy="1033153"/>
-            </a:xfrm>
-            <a:prstGeom prst="rect">
-              <a:avLst/>
-            </a:prstGeom>
-            <a:noFill/>
-          </p:spPr>
-          <p:style>
-            <a:lnRef idx="2">
-              <a:schemeClr val="accent1">
-                <a:shade val="50000"/>
-              </a:schemeClr>
-            </a:lnRef>
-            <a:fillRef idx="1">
-              <a:schemeClr val="accent1"/>
-            </a:fillRef>
-            <a:effectRef idx="0">
-              <a:schemeClr val="accent1"/>
-            </a:effectRef>
-            <a:fontRef idx="minor">
-              <a:schemeClr val="lt1"/>
-            </a:fontRef>
-          </p:style>
-          <p:txBody>
-            <a:bodyPr rtlCol="0" anchor="ctr"/>
-            <a:lstStyle/>
-            <a:p>
-              <a:pPr algn="ctr"/>
-              <a:endParaRPr lang="zh-CN" altLang="en-US" dirty="0">
-                <a:solidFill>
-                  <a:schemeClr val="tx1"/>
-                </a:solidFill>
-              </a:endParaRPr>
-            </a:p>
-          </p:txBody>
-        </p:sp>
-        <p:sp>
-          <p:nvSpPr>
-            <p:cNvPr id="10" name="直角三角形 5">
-              <a:extLst>
-                <a:ext uri="{FF2B5EF4-FFF2-40B4-BE49-F238E27FC236}">
-                  <a16:creationId xmlns:a16="http://schemas.microsoft.com/office/drawing/2014/main" id="{AC941D60-31CF-D657-C1FE-A0F96787B861}"/>
-                </a:ext>
-              </a:extLst>
-            </p:cNvPr>
-            <p:cNvSpPr/>
-            <p:nvPr/>
-          </p:nvSpPr>
-          <p:spPr>
-            <a:xfrm rot="13320000">
-              <a:off x="2661581" y="2001597"/>
-              <a:ext cx="206982" cy="226517"/>
-            </a:xfrm>
-            <a:prstGeom prst="rtTriangle">
-              <a:avLst/>
-            </a:prstGeom>
-            <a:noFill/>
-          </p:spPr>
-          <p:style>
-            <a:lnRef idx="2">
-              <a:schemeClr val="accent1">
-                <a:shade val="50000"/>
-              </a:schemeClr>
-            </a:lnRef>
-            <a:fillRef idx="1">
-              <a:schemeClr val="accent1"/>
-            </a:fillRef>
-            <a:effectRef idx="0">
-              <a:schemeClr val="accent1"/>
-            </a:effectRef>
-            <a:fontRef idx="minor">
-              <a:schemeClr val="lt1"/>
-            </a:fontRef>
-          </p:style>
-          <p:txBody>
-            <a:bodyPr rtlCol="0" anchor="ctr"/>
-            <a:lstStyle/>
-            <a:p>
-              <a:pPr algn="ctr"/>
-              <a:endParaRPr lang="zh-CN" altLang="en-US"/>
-            </a:p>
-          </p:txBody>
-        </p:sp>
-        <p:sp>
-          <p:nvSpPr>
-            <p:cNvPr id="11" name="文本框 6">
-              <a:extLst>
-                <a:ext uri="{FF2B5EF4-FFF2-40B4-BE49-F238E27FC236}">
-                  <a16:creationId xmlns:a16="http://schemas.microsoft.com/office/drawing/2014/main" id="{15F1619B-434F-3C9C-AD52-F3E878025469}"/>
-                </a:ext>
-              </a:extLst>
-            </p:cNvPr>
-            <p:cNvSpPr txBox="1"/>
-            <p:nvPr/>
-          </p:nvSpPr>
-          <p:spPr>
-            <a:xfrm>
-              <a:off x="2692832" y="1391816"/>
-              <a:ext cx="343364" cy="369332"/>
-            </a:xfrm>
-            <a:prstGeom prst="rect">
-              <a:avLst/>
-            </a:prstGeom>
-            <a:noFill/>
-          </p:spPr>
-          <p:txBody>
-            <a:bodyPr wrap="none" rtlCol="0">
-              <a:spAutoFit/>
-            </a:bodyPr>
-            <a:lstStyle/>
-            <a:p>
-              <a:r>
-                <a:rPr kumimoji="1" lang="en-US" altLang="zh-CN" dirty="0"/>
-                <a:t>D</a:t>
-              </a:r>
-              <a:endParaRPr kumimoji="1" lang="zh-CN" altLang="en-US" dirty="0"/>
-            </a:p>
-          </p:txBody>
-        </p:sp>
-        <p:sp>
-          <p:nvSpPr>
-            <p:cNvPr id="12" name="文本框 7">
-              <a:extLst>
-                <a:ext uri="{FF2B5EF4-FFF2-40B4-BE49-F238E27FC236}">
-                  <a16:creationId xmlns:a16="http://schemas.microsoft.com/office/drawing/2014/main" id="{0A865F48-CD11-7317-6E1E-59ECDA164471}"/>
-                </a:ext>
-              </a:extLst>
-            </p:cNvPr>
-            <p:cNvSpPr txBox="1"/>
-            <p:nvPr/>
-          </p:nvSpPr>
-          <p:spPr>
-            <a:xfrm>
-              <a:off x="2864514" y="1930189"/>
-              <a:ext cx="455574" cy="369332"/>
-            </a:xfrm>
-            <a:prstGeom prst="rect">
-              <a:avLst/>
-            </a:prstGeom>
-            <a:noFill/>
-          </p:spPr>
-          <p:txBody>
-            <a:bodyPr wrap="none" rtlCol="0">
-              <a:spAutoFit/>
-            </a:bodyPr>
-            <a:lstStyle/>
-            <a:p>
-              <a:r>
-                <a:rPr kumimoji="1" lang="en-US" altLang="zh-CN" dirty="0"/>
-                <a:t>CK</a:t>
-              </a:r>
-              <a:endParaRPr kumimoji="1" lang="zh-CN" altLang="en-US" dirty="0"/>
-            </a:p>
-          </p:txBody>
-        </p:sp>
-        <p:sp>
-          <p:nvSpPr>
-            <p:cNvPr id="13" name="文本框 8">
-              <a:extLst>
-                <a:ext uri="{FF2B5EF4-FFF2-40B4-BE49-F238E27FC236}">
-                  <a16:creationId xmlns:a16="http://schemas.microsoft.com/office/drawing/2014/main" id="{FD22A491-B239-B995-5949-7D7CC12F5DF7}"/>
-                </a:ext>
-              </a:extLst>
-            </p:cNvPr>
-            <p:cNvSpPr txBox="1"/>
-            <p:nvPr/>
-          </p:nvSpPr>
-          <p:spPr>
-            <a:xfrm>
-              <a:off x="3058191" y="1391816"/>
-              <a:ext cx="359394" cy="369332"/>
-            </a:xfrm>
-            <a:prstGeom prst="rect">
-              <a:avLst/>
-            </a:prstGeom>
-            <a:noFill/>
-          </p:spPr>
-          <p:txBody>
-            <a:bodyPr wrap="none" rtlCol="0">
-              <a:spAutoFit/>
-            </a:bodyPr>
-            <a:lstStyle/>
-            <a:p>
-              <a:r>
-                <a:rPr kumimoji="1" lang="en-US" altLang="zh-CN" dirty="0"/>
-                <a:t>Q</a:t>
-              </a:r>
-              <a:endParaRPr kumimoji="1" lang="zh-CN" altLang="en-US" dirty="0"/>
-            </a:p>
-          </p:txBody>
-        </p:sp>
-      </p:grpSp>
+      <p:sp>
+        <p:nvSpPr>
+          <p:cNvPr id="9" name="矩形 4">
+            <a:extLst>
+              <a:ext uri="{FF2B5EF4-FFF2-40B4-BE49-F238E27FC236}">
+                <a16:creationId xmlns:a16="http://schemas.microsoft.com/office/drawing/2014/main" id="{4765344A-8BC5-E633-4AD5-E7638C7E8240}"/>
+              </a:ext>
+            </a:extLst>
+          </p:cNvPr>
+          <p:cNvSpPr/>
+          <p:nvPr/>
+        </p:nvSpPr>
+        <p:spPr>
+          <a:xfrm>
+            <a:off x="5633852" y="3018389"/>
+            <a:ext cx="575953" cy="1033153"/>
+          </a:xfrm>
+          <a:prstGeom prst="rect">
+            <a:avLst/>
+          </a:prstGeom>
+          <a:noFill/>
+        </p:spPr>
+        <p:style>
+          <a:lnRef idx="2">
+            <a:schemeClr val="accent1">
+              <a:shade val="50000"/>
+            </a:schemeClr>
+          </a:lnRef>
+          <a:fillRef idx="1">
+            <a:schemeClr val="accent1"/>
+          </a:fillRef>
+          <a:effectRef idx="0">
+            <a:schemeClr val="accent1"/>
+          </a:effectRef>
+          <a:fontRef idx="minor">
+            <a:schemeClr val="lt1"/>
+          </a:fontRef>
+        </p:style>
+        <p:txBody>
+          <a:bodyPr rtlCol="0" anchor="ctr"/>
+          <a:lstStyle/>
+          <a:p>
+            <a:pPr algn="ctr"/>
+            <a:endParaRPr lang="zh-CN" altLang="en-US" dirty="0">
+              <a:solidFill>
+                <a:schemeClr val="tx1"/>
+              </a:solidFill>
+            </a:endParaRPr>
+          </a:p>
+        </p:txBody>
+      </p:sp>
+      <p:sp>
+        <p:nvSpPr>
+          <p:cNvPr id="10" name="直角三角形 5">
+            <a:extLst>
+              <a:ext uri="{FF2B5EF4-FFF2-40B4-BE49-F238E27FC236}">
+                <a16:creationId xmlns:a16="http://schemas.microsoft.com/office/drawing/2014/main" id="{AC941D60-31CF-D657-C1FE-A0F96787B861}"/>
+              </a:ext>
+            </a:extLst>
+          </p:cNvPr>
+          <p:cNvSpPr/>
+          <p:nvPr/>
+        </p:nvSpPr>
+        <p:spPr>
+          <a:xfrm rot="13320000">
+            <a:off x="5530361" y="3676065"/>
+            <a:ext cx="206982" cy="226517"/>
+          </a:xfrm>
+          <a:prstGeom prst="rtTriangle">
+            <a:avLst/>
+          </a:prstGeom>
+          <a:noFill/>
+        </p:spPr>
+        <p:style>
+          <a:lnRef idx="2">
+            <a:schemeClr val="accent1">
+              <a:shade val="50000"/>
+            </a:schemeClr>
+          </a:lnRef>
+          <a:fillRef idx="1">
+            <a:schemeClr val="accent1"/>
+          </a:fillRef>
+          <a:effectRef idx="0">
+            <a:schemeClr val="accent1"/>
+          </a:effectRef>
+          <a:fontRef idx="minor">
+            <a:schemeClr val="lt1"/>
+          </a:fontRef>
+        </p:style>
+        <p:txBody>
+          <a:bodyPr rtlCol="0" anchor="ctr"/>
+          <a:lstStyle/>
+          <a:p>
+            <a:pPr algn="ctr"/>
+            <a:endParaRPr lang="zh-CN" altLang="en-US"/>
+          </a:p>
+        </p:txBody>
+      </p:sp>
+      <p:sp>
+        <p:nvSpPr>
+          <p:cNvPr id="11" name="文本框 6">
+            <a:extLst>
+              <a:ext uri="{FF2B5EF4-FFF2-40B4-BE49-F238E27FC236}">
+                <a16:creationId xmlns:a16="http://schemas.microsoft.com/office/drawing/2014/main" id="{15F1619B-434F-3C9C-AD52-F3E878025469}"/>
+              </a:ext>
+            </a:extLst>
+          </p:cNvPr>
+          <p:cNvSpPr txBox="1"/>
+          <p:nvPr/>
+        </p:nvSpPr>
+        <p:spPr>
+          <a:xfrm>
+            <a:off x="5561612" y="3066284"/>
+            <a:ext cx="343364" cy="369332"/>
+          </a:xfrm>
+          <a:prstGeom prst="rect">
+            <a:avLst/>
+          </a:prstGeom>
+          <a:noFill/>
+        </p:spPr>
+        <p:txBody>
+          <a:bodyPr wrap="none" rtlCol="0">
+            <a:spAutoFit/>
+          </a:bodyPr>
+          <a:lstStyle/>
+          <a:p>
+            <a:r>
+              <a:rPr kumimoji="1" lang="en-US" altLang="zh-CN" dirty="0"/>
+              <a:t>D</a:t>
+            </a:r>
+            <a:endParaRPr kumimoji="1" lang="zh-CN" altLang="en-US" dirty="0"/>
+          </a:p>
+        </p:txBody>
+      </p:sp>
+      <p:sp>
+        <p:nvSpPr>
+          <p:cNvPr id="12" name="文本框 7">
+            <a:extLst>
+              <a:ext uri="{FF2B5EF4-FFF2-40B4-BE49-F238E27FC236}">
+                <a16:creationId xmlns:a16="http://schemas.microsoft.com/office/drawing/2014/main" id="{0A865F48-CD11-7317-6E1E-59ECDA164471}"/>
+              </a:ext>
+            </a:extLst>
+          </p:cNvPr>
+          <p:cNvSpPr txBox="1"/>
+          <p:nvPr/>
+        </p:nvSpPr>
+        <p:spPr>
+          <a:xfrm>
+            <a:off x="5733294" y="3604657"/>
+            <a:ext cx="455574" cy="369332"/>
+          </a:xfrm>
+          <a:prstGeom prst="rect">
+            <a:avLst/>
+          </a:prstGeom>
+          <a:noFill/>
+        </p:spPr>
+        <p:txBody>
+          <a:bodyPr wrap="none" rtlCol="0">
+            <a:spAutoFit/>
+          </a:bodyPr>
+          <a:lstStyle/>
+          <a:p>
+            <a:r>
+              <a:rPr kumimoji="1" lang="en-US" altLang="zh-CN" dirty="0"/>
+              <a:t>CK</a:t>
+            </a:r>
+            <a:endParaRPr kumimoji="1" lang="zh-CN" altLang="en-US" dirty="0"/>
+          </a:p>
+        </p:txBody>
+      </p:sp>
+      <p:sp>
+        <p:nvSpPr>
+          <p:cNvPr id="13" name="文本框 8">
+            <a:extLst>
+              <a:ext uri="{FF2B5EF4-FFF2-40B4-BE49-F238E27FC236}">
+                <a16:creationId xmlns:a16="http://schemas.microsoft.com/office/drawing/2014/main" id="{FD22A491-B239-B995-5949-7D7CC12F5DF7}"/>
+              </a:ext>
+            </a:extLst>
+          </p:cNvPr>
+          <p:cNvSpPr txBox="1"/>
+          <p:nvPr/>
+        </p:nvSpPr>
+        <p:spPr>
+          <a:xfrm>
+            <a:off x="5926971" y="3066284"/>
+            <a:ext cx="359394" cy="369332"/>
+          </a:xfrm>
+          <a:prstGeom prst="rect">
+            <a:avLst/>
+          </a:prstGeom>
+          <a:noFill/>
+        </p:spPr>
+        <p:txBody>
+          <a:bodyPr wrap="none" rtlCol="0">
+            <a:spAutoFit/>
+          </a:bodyPr>
+          <a:lstStyle/>
+          <a:p>
+            <a:r>
+              <a:rPr kumimoji="1" lang="en-US" altLang="zh-CN" dirty="0"/>
+              <a:t>Q</a:t>
+            </a:r>
+            <a:endParaRPr kumimoji="1" lang="zh-CN" altLang="en-US" dirty="0"/>
+          </a:p>
+        </p:txBody>
+      </p:sp>
       <p:cxnSp>
         <p:nvCxnSpPr>
           <p:cNvPr id="6" name="直线连接符 17">
@@ -9495,7 +9714,7 @@
         </p:nvCxnSpPr>
         <p:spPr>
           <a:xfrm>
-            <a:off x="5777475" y="2062230"/>
+            <a:off x="5327895" y="3250950"/>
             <a:ext cx="305957" cy="0"/>
           </a:xfrm>
           <a:prstGeom prst="line">
@@ -9533,7 +9752,7 @@
         </p:nvCxnSpPr>
         <p:spPr>
           <a:xfrm>
-            <a:off x="6659385" y="2062230"/>
+            <a:off x="6209805" y="3250950"/>
             <a:ext cx="305957" cy="0"/>
           </a:xfrm>
           <a:prstGeom prst="line">
@@ -9571,7 +9790,7 @@
         </p:nvCxnSpPr>
         <p:spPr>
           <a:xfrm>
-            <a:off x="3784600" y="2589462"/>
+            <a:off x="3335020" y="3778182"/>
             <a:ext cx="2298832" cy="0"/>
           </a:xfrm>
           <a:prstGeom prst="line">
@@ -9607,8 +9826,8 @@
         </p:nvSpPr>
         <p:spPr>
           <a:xfrm>
-            <a:off x="2866426" y="2351467"/>
-            <a:ext cx="914400" cy="475989"/>
+            <a:off x="1981201" y="3426163"/>
+            <a:ext cx="1350046" cy="719118"/>
           </a:xfrm>
           <a:prstGeom prst="rect">
             <a:avLst/>
@@ -9637,7 +9856,7 @@
             <a:pPr algn="ctr"/>
             <a:r>
               <a:rPr lang="en-US" dirty="0"/>
-              <a:t>PLL</a:t>
+              <a:t>     CLKOUT</a:t>
             </a:r>
           </a:p>
         </p:txBody>
@@ -9656,8 +9875,8 @@
         </p:nvSpPr>
         <p:spPr>
           <a:xfrm>
-            <a:off x="6205988" y="2153718"/>
-            <a:ext cx="527709" cy="369332"/>
+            <a:off x="5755239" y="3350299"/>
+            <a:ext cx="530048" cy="369332"/>
           </a:xfrm>
           <a:prstGeom prst="rect">
             <a:avLst/>
@@ -9665,7 +9884,7 @@
           <a:noFill/>
         </p:spPr>
         <p:txBody>
-          <a:bodyPr wrap="none" rtlCol="0">
+          <a:bodyPr wrap="square" rtlCol="0">
             <a:spAutoFit/>
           </a:bodyPr>
           <a:lstStyle/>
@@ -9675,6 +9894,1142 @@
               <a:t>QN</a:t>
             </a:r>
             <a:endParaRPr kumimoji="1" lang="zh-CN" altLang="en-US" dirty="0"/>
+          </a:p>
+        </p:txBody>
+      </p:sp>
+      <p:cxnSp>
+        <p:nvCxnSpPr>
+          <p:cNvPr id="3" name="Connector: Elbow 2">
+            <a:extLst>
+              <a:ext uri="{FF2B5EF4-FFF2-40B4-BE49-F238E27FC236}">
+                <a16:creationId xmlns:a16="http://schemas.microsoft.com/office/drawing/2014/main" id="{4F7D1E03-56A1-5051-885D-91F92B6D32D9}"/>
+              </a:ext>
+            </a:extLst>
+          </p:cNvPr>
+          <p:cNvCxnSpPr>
+            <a:cxnSpLocks/>
+            <a:stCxn id="9" idx="3"/>
+            <a:endCxn id="11" idx="1"/>
+          </p:cNvCxnSpPr>
+          <p:nvPr/>
+        </p:nvCxnSpPr>
+        <p:spPr>
+          <a:xfrm flipH="1" flipV="1">
+            <a:off x="5561612" y="3250950"/>
+            <a:ext cx="648193" cy="284016"/>
+          </a:xfrm>
+          <a:prstGeom prst="bentConnector5">
+            <a:avLst>
+              <a:gd name="adj1" fmla="val -35267"/>
+              <a:gd name="adj2" fmla="val 286518"/>
+              <a:gd name="adj3" fmla="val 135267"/>
+            </a:avLst>
+          </a:prstGeom>
+        </p:spPr>
+        <p:style>
+          <a:lnRef idx="2">
+            <a:schemeClr val="accent1"/>
+          </a:lnRef>
+          <a:fillRef idx="0">
+            <a:schemeClr val="accent1"/>
+          </a:fillRef>
+          <a:effectRef idx="1">
+            <a:schemeClr val="accent1"/>
+          </a:effectRef>
+          <a:fontRef idx="minor">
+            <a:schemeClr val="tx1"/>
+          </a:fontRef>
+        </p:style>
+      </p:cxnSp>
+      <p:grpSp>
+        <p:nvGrpSpPr>
+          <p:cNvPr id="36" name="组合 57">
+            <a:extLst>
+              <a:ext uri="{FF2B5EF4-FFF2-40B4-BE49-F238E27FC236}">
+                <a16:creationId xmlns:a16="http://schemas.microsoft.com/office/drawing/2014/main" id="{9903F490-C263-8472-F9FA-AB1D614E5A49}"/>
+              </a:ext>
+            </a:extLst>
+          </p:cNvPr>
+          <p:cNvGrpSpPr/>
+          <p:nvPr/>
+        </p:nvGrpSpPr>
+        <p:grpSpPr>
+          <a:xfrm>
+            <a:off x="8148645" y="2501812"/>
+            <a:ext cx="1187867" cy="1033153"/>
+            <a:chOff x="2459115" y="1343921"/>
+            <a:chExt cx="1187867" cy="1033153"/>
+          </a:xfrm>
+        </p:grpSpPr>
+        <p:grpSp>
+          <p:nvGrpSpPr>
+            <p:cNvPr id="37" name="组合 58">
+              <a:extLst>
+                <a:ext uri="{FF2B5EF4-FFF2-40B4-BE49-F238E27FC236}">
+                  <a16:creationId xmlns:a16="http://schemas.microsoft.com/office/drawing/2014/main" id="{D44A0816-8D5C-8901-850D-86F65C56F4BF}"/>
+                </a:ext>
+              </a:extLst>
+            </p:cNvPr>
+            <p:cNvGrpSpPr/>
+            <p:nvPr/>
+          </p:nvGrpSpPr>
+          <p:grpSpPr>
+            <a:xfrm>
+              <a:off x="2661581" y="1343921"/>
+              <a:ext cx="756004" cy="1033153"/>
+              <a:chOff x="2661581" y="1343921"/>
+              <a:chExt cx="756004" cy="1033153"/>
+            </a:xfrm>
+          </p:grpSpPr>
+          <p:sp>
+            <p:nvSpPr>
+              <p:cNvPr id="41" name="矩形 62">
+                <a:extLst>
+                  <a:ext uri="{FF2B5EF4-FFF2-40B4-BE49-F238E27FC236}">
+                    <a16:creationId xmlns:a16="http://schemas.microsoft.com/office/drawing/2014/main" id="{48585F8A-AD9E-44F1-F5EF-D9760C73B760}"/>
+                  </a:ext>
+                </a:extLst>
+              </p:cNvPr>
+              <p:cNvSpPr/>
+              <p:nvPr/>
+            </p:nvSpPr>
+            <p:spPr>
+              <a:xfrm>
+                <a:off x="2765072" y="1343921"/>
+                <a:ext cx="575953" cy="1033153"/>
+              </a:xfrm>
+              <a:prstGeom prst="rect">
+                <a:avLst/>
+              </a:prstGeom>
+              <a:noFill/>
+            </p:spPr>
+            <p:style>
+              <a:lnRef idx="2">
+                <a:schemeClr val="accent1">
+                  <a:shade val="50000"/>
+                </a:schemeClr>
+              </a:lnRef>
+              <a:fillRef idx="1">
+                <a:schemeClr val="accent1"/>
+              </a:fillRef>
+              <a:effectRef idx="0">
+                <a:schemeClr val="accent1"/>
+              </a:effectRef>
+              <a:fontRef idx="minor">
+                <a:schemeClr val="lt1"/>
+              </a:fontRef>
+            </p:style>
+            <p:txBody>
+              <a:bodyPr rtlCol="0" anchor="ctr"/>
+              <a:lstStyle/>
+              <a:p>
+                <a:pPr algn="ctr"/>
+                <a:endParaRPr lang="zh-CN" altLang="en-US" dirty="0">
+                  <a:solidFill>
+                    <a:schemeClr val="tx1"/>
+                  </a:solidFill>
+                </a:endParaRPr>
+              </a:p>
+            </p:txBody>
+          </p:sp>
+          <p:sp>
+            <p:nvSpPr>
+              <p:cNvPr id="42" name="直角三角形 63">
+                <a:extLst>
+                  <a:ext uri="{FF2B5EF4-FFF2-40B4-BE49-F238E27FC236}">
+                    <a16:creationId xmlns:a16="http://schemas.microsoft.com/office/drawing/2014/main" id="{C8DC0D0F-0868-59BB-7AE9-FB56D6075A39}"/>
+                  </a:ext>
+                </a:extLst>
+              </p:cNvPr>
+              <p:cNvSpPr/>
+              <p:nvPr/>
+            </p:nvSpPr>
+            <p:spPr>
+              <a:xfrm rot="13320000">
+                <a:off x="2661581" y="2001597"/>
+                <a:ext cx="206982" cy="226517"/>
+              </a:xfrm>
+              <a:prstGeom prst="rtTriangle">
+                <a:avLst/>
+              </a:prstGeom>
+              <a:noFill/>
+            </p:spPr>
+            <p:style>
+              <a:lnRef idx="2">
+                <a:schemeClr val="accent1">
+                  <a:shade val="50000"/>
+                </a:schemeClr>
+              </a:lnRef>
+              <a:fillRef idx="1">
+                <a:schemeClr val="accent1"/>
+              </a:fillRef>
+              <a:effectRef idx="0">
+                <a:schemeClr val="accent1"/>
+              </a:effectRef>
+              <a:fontRef idx="minor">
+                <a:schemeClr val="lt1"/>
+              </a:fontRef>
+            </p:style>
+            <p:txBody>
+              <a:bodyPr rtlCol="0" anchor="ctr"/>
+              <a:lstStyle/>
+              <a:p>
+                <a:pPr algn="ctr"/>
+                <a:endParaRPr lang="zh-CN" altLang="en-US"/>
+              </a:p>
+            </p:txBody>
+          </p:sp>
+          <p:sp>
+            <p:nvSpPr>
+              <p:cNvPr id="43" name="文本框 64">
+                <a:extLst>
+                  <a:ext uri="{FF2B5EF4-FFF2-40B4-BE49-F238E27FC236}">
+                    <a16:creationId xmlns:a16="http://schemas.microsoft.com/office/drawing/2014/main" id="{EDB5AB5D-877B-78B3-9D00-F5BFCEF11E4F}"/>
+                  </a:ext>
+                </a:extLst>
+              </p:cNvPr>
+              <p:cNvSpPr txBox="1"/>
+              <p:nvPr/>
+            </p:nvSpPr>
+            <p:spPr>
+              <a:xfrm>
+                <a:off x="2692832" y="1391816"/>
+                <a:ext cx="343364" cy="369332"/>
+              </a:xfrm>
+              <a:prstGeom prst="rect">
+                <a:avLst/>
+              </a:prstGeom>
+              <a:noFill/>
+            </p:spPr>
+            <p:txBody>
+              <a:bodyPr wrap="none" rtlCol="0">
+                <a:spAutoFit/>
+              </a:bodyPr>
+              <a:lstStyle/>
+              <a:p>
+                <a:r>
+                  <a:rPr kumimoji="1" lang="en-US" altLang="zh-CN" dirty="0"/>
+                  <a:t>D</a:t>
+                </a:r>
+                <a:endParaRPr kumimoji="1" lang="zh-CN" altLang="en-US" dirty="0"/>
+              </a:p>
+            </p:txBody>
+          </p:sp>
+          <p:sp>
+            <p:nvSpPr>
+              <p:cNvPr id="44" name="文本框 65">
+                <a:extLst>
+                  <a:ext uri="{FF2B5EF4-FFF2-40B4-BE49-F238E27FC236}">
+                    <a16:creationId xmlns:a16="http://schemas.microsoft.com/office/drawing/2014/main" id="{A0477AEE-9185-D8AC-F1D4-7F00E91F0E12}"/>
+                  </a:ext>
+                </a:extLst>
+              </p:cNvPr>
+              <p:cNvSpPr txBox="1"/>
+              <p:nvPr/>
+            </p:nvSpPr>
+            <p:spPr>
+              <a:xfrm>
+                <a:off x="2864514" y="1930189"/>
+                <a:ext cx="455574" cy="369332"/>
+              </a:xfrm>
+              <a:prstGeom prst="rect">
+                <a:avLst/>
+              </a:prstGeom>
+              <a:noFill/>
+            </p:spPr>
+            <p:txBody>
+              <a:bodyPr wrap="none" rtlCol="0">
+                <a:spAutoFit/>
+              </a:bodyPr>
+              <a:lstStyle/>
+              <a:p>
+                <a:r>
+                  <a:rPr kumimoji="1" lang="en-US" altLang="zh-CN" dirty="0"/>
+                  <a:t>CK</a:t>
+                </a:r>
+                <a:endParaRPr kumimoji="1" lang="zh-CN" altLang="en-US" dirty="0"/>
+              </a:p>
+            </p:txBody>
+          </p:sp>
+          <p:sp>
+            <p:nvSpPr>
+              <p:cNvPr id="45" name="文本框 66">
+                <a:extLst>
+                  <a:ext uri="{FF2B5EF4-FFF2-40B4-BE49-F238E27FC236}">
+                    <a16:creationId xmlns:a16="http://schemas.microsoft.com/office/drawing/2014/main" id="{F4F66A54-3D6F-08A4-3B89-A289DAA5C42F}"/>
+                  </a:ext>
+                </a:extLst>
+              </p:cNvPr>
+              <p:cNvSpPr txBox="1"/>
+              <p:nvPr/>
+            </p:nvSpPr>
+            <p:spPr>
+              <a:xfrm>
+                <a:off x="3058191" y="1391816"/>
+                <a:ext cx="359394" cy="369332"/>
+              </a:xfrm>
+              <a:prstGeom prst="rect">
+                <a:avLst/>
+              </a:prstGeom>
+              <a:noFill/>
+            </p:spPr>
+            <p:txBody>
+              <a:bodyPr wrap="none" rtlCol="0">
+                <a:spAutoFit/>
+              </a:bodyPr>
+              <a:lstStyle/>
+              <a:p>
+                <a:r>
+                  <a:rPr kumimoji="1" lang="en-US" altLang="zh-CN" dirty="0"/>
+                  <a:t>Q</a:t>
+                </a:r>
+                <a:endParaRPr kumimoji="1" lang="zh-CN" altLang="en-US" dirty="0"/>
+              </a:p>
+            </p:txBody>
+          </p:sp>
+        </p:grpSp>
+        <p:cxnSp>
+          <p:nvCxnSpPr>
+            <p:cNvPr id="38" name="直线连接符 59">
+              <a:extLst>
+                <a:ext uri="{FF2B5EF4-FFF2-40B4-BE49-F238E27FC236}">
+                  <a16:creationId xmlns:a16="http://schemas.microsoft.com/office/drawing/2014/main" id="{69372BA6-2946-1846-989B-E5B69780F3EF}"/>
+                </a:ext>
+              </a:extLst>
+            </p:cNvPr>
+            <p:cNvCxnSpPr>
+              <a:cxnSpLocks/>
+            </p:cNvCxnSpPr>
+            <p:nvPr/>
+          </p:nvCxnSpPr>
+          <p:spPr>
+            <a:xfrm>
+              <a:off x="2459115" y="1576482"/>
+              <a:ext cx="305957" cy="0"/>
+            </a:xfrm>
+            <a:prstGeom prst="line">
+              <a:avLst/>
+            </a:prstGeom>
+          </p:spPr>
+          <p:style>
+            <a:lnRef idx="2">
+              <a:schemeClr val="accent1"/>
+            </a:lnRef>
+            <a:fillRef idx="0">
+              <a:schemeClr val="accent1"/>
+            </a:fillRef>
+            <a:effectRef idx="1">
+              <a:schemeClr val="accent1"/>
+            </a:effectRef>
+            <a:fontRef idx="minor">
+              <a:schemeClr val="tx1"/>
+            </a:fontRef>
+          </p:style>
+        </p:cxnSp>
+        <p:cxnSp>
+          <p:nvCxnSpPr>
+            <p:cNvPr id="39" name="直线连接符 60">
+              <a:extLst>
+                <a:ext uri="{FF2B5EF4-FFF2-40B4-BE49-F238E27FC236}">
+                  <a16:creationId xmlns:a16="http://schemas.microsoft.com/office/drawing/2014/main" id="{5AE20F8C-8F02-B1A9-9A6F-BF9A846952D7}"/>
+                </a:ext>
+              </a:extLst>
+            </p:cNvPr>
+            <p:cNvCxnSpPr>
+              <a:cxnSpLocks/>
+            </p:cNvCxnSpPr>
+            <p:nvPr/>
+          </p:nvCxnSpPr>
+          <p:spPr>
+            <a:xfrm>
+              <a:off x="3341025" y="1576482"/>
+              <a:ext cx="305957" cy="0"/>
+            </a:xfrm>
+            <a:prstGeom prst="line">
+              <a:avLst/>
+            </a:prstGeom>
+          </p:spPr>
+          <p:style>
+            <a:lnRef idx="2">
+              <a:schemeClr val="accent1"/>
+            </a:lnRef>
+            <a:fillRef idx="0">
+              <a:schemeClr val="accent1"/>
+            </a:fillRef>
+            <a:effectRef idx="1">
+              <a:schemeClr val="accent1"/>
+            </a:effectRef>
+            <a:fontRef idx="minor">
+              <a:schemeClr val="tx1"/>
+            </a:fontRef>
+          </p:style>
+        </p:cxnSp>
+        <p:cxnSp>
+          <p:nvCxnSpPr>
+            <p:cNvPr id="40" name="直线连接符 61">
+              <a:extLst>
+                <a:ext uri="{FF2B5EF4-FFF2-40B4-BE49-F238E27FC236}">
+                  <a16:creationId xmlns:a16="http://schemas.microsoft.com/office/drawing/2014/main" id="{6A070AD1-83FB-1844-E394-1710E72493FB}"/>
+                </a:ext>
+              </a:extLst>
+            </p:cNvPr>
+            <p:cNvCxnSpPr>
+              <a:cxnSpLocks/>
+            </p:cNvCxnSpPr>
+            <p:nvPr/>
+          </p:nvCxnSpPr>
+          <p:spPr>
+            <a:xfrm>
+              <a:off x="2459115" y="2103714"/>
+              <a:ext cx="305957" cy="0"/>
+            </a:xfrm>
+            <a:prstGeom prst="line">
+              <a:avLst/>
+            </a:prstGeom>
+          </p:spPr>
+          <p:style>
+            <a:lnRef idx="2">
+              <a:schemeClr val="accent1"/>
+            </a:lnRef>
+            <a:fillRef idx="0">
+              <a:schemeClr val="accent1"/>
+            </a:fillRef>
+            <a:effectRef idx="1">
+              <a:schemeClr val="accent1"/>
+            </a:effectRef>
+            <a:fontRef idx="minor">
+              <a:schemeClr val="tx1"/>
+            </a:fontRef>
+          </p:style>
+        </p:cxnSp>
+      </p:grpSp>
+      <p:grpSp>
+        <p:nvGrpSpPr>
+          <p:cNvPr id="46" name="组合 67">
+            <a:extLst>
+              <a:ext uri="{FF2B5EF4-FFF2-40B4-BE49-F238E27FC236}">
+                <a16:creationId xmlns:a16="http://schemas.microsoft.com/office/drawing/2014/main" id="{072E5318-1EBA-25CF-1932-B65C59424589}"/>
+              </a:ext>
+            </a:extLst>
+          </p:cNvPr>
+          <p:cNvGrpSpPr/>
+          <p:nvPr/>
+        </p:nvGrpSpPr>
+        <p:grpSpPr>
+          <a:xfrm>
+            <a:off x="7304316" y="2094548"/>
+            <a:ext cx="1187867" cy="1033153"/>
+            <a:chOff x="2459115" y="1343921"/>
+            <a:chExt cx="1187867" cy="1033153"/>
+          </a:xfrm>
+        </p:grpSpPr>
+        <p:grpSp>
+          <p:nvGrpSpPr>
+            <p:cNvPr id="47" name="组合 68">
+              <a:extLst>
+                <a:ext uri="{FF2B5EF4-FFF2-40B4-BE49-F238E27FC236}">
+                  <a16:creationId xmlns:a16="http://schemas.microsoft.com/office/drawing/2014/main" id="{EEA3DF24-F07D-4E9B-7B58-04F8C2374FE9}"/>
+                </a:ext>
+              </a:extLst>
+            </p:cNvPr>
+            <p:cNvGrpSpPr/>
+            <p:nvPr/>
+          </p:nvGrpSpPr>
+          <p:grpSpPr>
+            <a:xfrm>
+              <a:off x="2661581" y="1343921"/>
+              <a:ext cx="756004" cy="1033153"/>
+              <a:chOff x="2661581" y="1343921"/>
+              <a:chExt cx="756004" cy="1033153"/>
+            </a:xfrm>
+          </p:grpSpPr>
+          <p:sp>
+            <p:nvSpPr>
+              <p:cNvPr id="51" name="矩形 72">
+                <a:extLst>
+                  <a:ext uri="{FF2B5EF4-FFF2-40B4-BE49-F238E27FC236}">
+                    <a16:creationId xmlns:a16="http://schemas.microsoft.com/office/drawing/2014/main" id="{6A3D4FB0-058C-C17E-F095-0BB9116A0C6F}"/>
+                  </a:ext>
+                </a:extLst>
+              </p:cNvPr>
+              <p:cNvSpPr/>
+              <p:nvPr/>
+            </p:nvSpPr>
+            <p:spPr>
+              <a:xfrm>
+                <a:off x="2765072" y="1343921"/>
+                <a:ext cx="575953" cy="1033153"/>
+              </a:xfrm>
+              <a:prstGeom prst="rect">
+                <a:avLst/>
+              </a:prstGeom>
+              <a:noFill/>
+            </p:spPr>
+            <p:style>
+              <a:lnRef idx="2">
+                <a:schemeClr val="accent1">
+                  <a:shade val="50000"/>
+                </a:schemeClr>
+              </a:lnRef>
+              <a:fillRef idx="1">
+                <a:schemeClr val="accent1"/>
+              </a:fillRef>
+              <a:effectRef idx="0">
+                <a:schemeClr val="accent1"/>
+              </a:effectRef>
+              <a:fontRef idx="minor">
+                <a:schemeClr val="lt1"/>
+              </a:fontRef>
+            </p:style>
+            <p:txBody>
+              <a:bodyPr rtlCol="0" anchor="ctr"/>
+              <a:lstStyle/>
+              <a:p>
+                <a:pPr algn="ctr"/>
+                <a:endParaRPr lang="zh-CN" altLang="en-US" dirty="0">
+                  <a:solidFill>
+                    <a:schemeClr val="tx1"/>
+                  </a:solidFill>
+                </a:endParaRPr>
+              </a:p>
+            </p:txBody>
+          </p:sp>
+          <p:sp>
+            <p:nvSpPr>
+              <p:cNvPr id="52" name="直角三角形 73">
+                <a:extLst>
+                  <a:ext uri="{FF2B5EF4-FFF2-40B4-BE49-F238E27FC236}">
+                    <a16:creationId xmlns:a16="http://schemas.microsoft.com/office/drawing/2014/main" id="{17805AD2-E59E-BCBB-0F8F-556B97FE0E9E}"/>
+                  </a:ext>
+                </a:extLst>
+              </p:cNvPr>
+              <p:cNvSpPr/>
+              <p:nvPr/>
+            </p:nvSpPr>
+            <p:spPr>
+              <a:xfrm rot="13320000">
+                <a:off x="2661581" y="2001597"/>
+                <a:ext cx="206982" cy="226517"/>
+              </a:xfrm>
+              <a:prstGeom prst="rtTriangle">
+                <a:avLst/>
+              </a:prstGeom>
+              <a:noFill/>
+            </p:spPr>
+            <p:style>
+              <a:lnRef idx="2">
+                <a:schemeClr val="accent1">
+                  <a:shade val="50000"/>
+                </a:schemeClr>
+              </a:lnRef>
+              <a:fillRef idx="1">
+                <a:schemeClr val="accent1"/>
+              </a:fillRef>
+              <a:effectRef idx="0">
+                <a:schemeClr val="accent1"/>
+              </a:effectRef>
+              <a:fontRef idx="minor">
+                <a:schemeClr val="lt1"/>
+              </a:fontRef>
+            </p:style>
+            <p:txBody>
+              <a:bodyPr rtlCol="0" anchor="ctr"/>
+              <a:lstStyle/>
+              <a:p>
+                <a:pPr algn="ctr"/>
+                <a:endParaRPr lang="zh-CN" altLang="en-US"/>
+              </a:p>
+            </p:txBody>
+          </p:sp>
+          <p:sp>
+            <p:nvSpPr>
+              <p:cNvPr id="53" name="文本框 74">
+                <a:extLst>
+                  <a:ext uri="{FF2B5EF4-FFF2-40B4-BE49-F238E27FC236}">
+                    <a16:creationId xmlns:a16="http://schemas.microsoft.com/office/drawing/2014/main" id="{3587FCA1-31CB-DB39-65BF-50E36A8ED878}"/>
+                  </a:ext>
+                </a:extLst>
+              </p:cNvPr>
+              <p:cNvSpPr txBox="1"/>
+              <p:nvPr/>
+            </p:nvSpPr>
+            <p:spPr>
+              <a:xfrm>
+                <a:off x="2692832" y="1391816"/>
+                <a:ext cx="343364" cy="369332"/>
+              </a:xfrm>
+              <a:prstGeom prst="rect">
+                <a:avLst/>
+              </a:prstGeom>
+              <a:noFill/>
+            </p:spPr>
+            <p:txBody>
+              <a:bodyPr wrap="none" rtlCol="0">
+                <a:spAutoFit/>
+              </a:bodyPr>
+              <a:lstStyle/>
+              <a:p>
+                <a:r>
+                  <a:rPr kumimoji="1" lang="en-US" altLang="zh-CN" dirty="0"/>
+                  <a:t>D</a:t>
+                </a:r>
+                <a:endParaRPr kumimoji="1" lang="zh-CN" altLang="en-US" dirty="0"/>
+              </a:p>
+            </p:txBody>
+          </p:sp>
+          <p:sp>
+            <p:nvSpPr>
+              <p:cNvPr id="54" name="文本框 75">
+                <a:extLst>
+                  <a:ext uri="{FF2B5EF4-FFF2-40B4-BE49-F238E27FC236}">
+                    <a16:creationId xmlns:a16="http://schemas.microsoft.com/office/drawing/2014/main" id="{7D72DD39-A6D6-7DD0-43D1-C38EA95CD48C}"/>
+                  </a:ext>
+                </a:extLst>
+              </p:cNvPr>
+              <p:cNvSpPr txBox="1"/>
+              <p:nvPr/>
+            </p:nvSpPr>
+            <p:spPr>
+              <a:xfrm>
+                <a:off x="2864514" y="1930189"/>
+                <a:ext cx="455574" cy="369332"/>
+              </a:xfrm>
+              <a:prstGeom prst="rect">
+                <a:avLst/>
+              </a:prstGeom>
+              <a:noFill/>
+            </p:spPr>
+            <p:txBody>
+              <a:bodyPr wrap="none" rtlCol="0">
+                <a:spAutoFit/>
+              </a:bodyPr>
+              <a:lstStyle/>
+              <a:p>
+                <a:r>
+                  <a:rPr kumimoji="1" lang="en-US" altLang="zh-CN" dirty="0"/>
+                  <a:t>CK</a:t>
+                </a:r>
+                <a:endParaRPr kumimoji="1" lang="zh-CN" altLang="en-US" dirty="0"/>
+              </a:p>
+            </p:txBody>
+          </p:sp>
+          <p:sp>
+            <p:nvSpPr>
+              <p:cNvPr id="55" name="文本框 76">
+                <a:extLst>
+                  <a:ext uri="{FF2B5EF4-FFF2-40B4-BE49-F238E27FC236}">
+                    <a16:creationId xmlns:a16="http://schemas.microsoft.com/office/drawing/2014/main" id="{EFA23532-8609-7FF3-1E21-3F4DDD77B5D9}"/>
+                  </a:ext>
+                </a:extLst>
+              </p:cNvPr>
+              <p:cNvSpPr txBox="1"/>
+              <p:nvPr/>
+            </p:nvSpPr>
+            <p:spPr>
+              <a:xfrm>
+                <a:off x="3058191" y="1391816"/>
+                <a:ext cx="359394" cy="369332"/>
+              </a:xfrm>
+              <a:prstGeom prst="rect">
+                <a:avLst/>
+              </a:prstGeom>
+              <a:noFill/>
+            </p:spPr>
+            <p:txBody>
+              <a:bodyPr wrap="none" rtlCol="0">
+                <a:spAutoFit/>
+              </a:bodyPr>
+              <a:lstStyle/>
+              <a:p>
+                <a:r>
+                  <a:rPr kumimoji="1" lang="en-US" altLang="zh-CN" dirty="0"/>
+                  <a:t>Q</a:t>
+                </a:r>
+                <a:endParaRPr kumimoji="1" lang="zh-CN" altLang="en-US" dirty="0"/>
+              </a:p>
+            </p:txBody>
+          </p:sp>
+        </p:grpSp>
+        <p:cxnSp>
+          <p:nvCxnSpPr>
+            <p:cNvPr id="48" name="直线连接符 69">
+              <a:extLst>
+                <a:ext uri="{FF2B5EF4-FFF2-40B4-BE49-F238E27FC236}">
+                  <a16:creationId xmlns:a16="http://schemas.microsoft.com/office/drawing/2014/main" id="{F05109BE-7D9D-A814-DE01-6818E0A764FE}"/>
+                </a:ext>
+              </a:extLst>
+            </p:cNvPr>
+            <p:cNvCxnSpPr>
+              <a:cxnSpLocks/>
+            </p:cNvCxnSpPr>
+            <p:nvPr/>
+          </p:nvCxnSpPr>
+          <p:spPr>
+            <a:xfrm>
+              <a:off x="2459115" y="1576482"/>
+              <a:ext cx="305957" cy="0"/>
+            </a:xfrm>
+            <a:prstGeom prst="line">
+              <a:avLst/>
+            </a:prstGeom>
+          </p:spPr>
+          <p:style>
+            <a:lnRef idx="2">
+              <a:schemeClr val="accent1"/>
+            </a:lnRef>
+            <a:fillRef idx="0">
+              <a:schemeClr val="accent1"/>
+            </a:fillRef>
+            <a:effectRef idx="1">
+              <a:schemeClr val="accent1"/>
+            </a:effectRef>
+            <a:fontRef idx="minor">
+              <a:schemeClr val="tx1"/>
+            </a:fontRef>
+          </p:style>
+        </p:cxnSp>
+        <p:cxnSp>
+          <p:nvCxnSpPr>
+            <p:cNvPr id="49" name="直线连接符 70">
+              <a:extLst>
+                <a:ext uri="{FF2B5EF4-FFF2-40B4-BE49-F238E27FC236}">
+                  <a16:creationId xmlns:a16="http://schemas.microsoft.com/office/drawing/2014/main" id="{F689B548-F38A-B5D5-5EDE-43C6D9D39E81}"/>
+                </a:ext>
+              </a:extLst>
+            </p:cNvPr>
+            <p:cNvCxnSpPr>
+              <a:cxnSpLocks/>
+            </p:cNvCxnSpPr>
+            <p:nvPr/>
+          </p:nvCxnSpPr>
+          <p:spPr>
+            <a:xfrm>
+              <a:off x="3341025" y="1576482"/>
+              <a:ext cx="305957" cy="0"/>
+            </a:xfrm>
+            <a:prstGeom prst="line">
+              <a:avLst/>
+            </a:prstGeom>
+          </p:spPr>
+          <p:style>
+            <a:lnRef idx="2">
+              <a:schemeClr val="accent1"/>
+            </a:lnRef>
+            <a:fillRef idx="0">
+              <a:schemeClr val="accent1"/>
+            </a:fillRef>
+            <a:effectRef idx="1">
+              <a:schemeClr val="accent1"/>
+            </a:effectRef>
+            <a:fontRef idx="minor">
+              <a:schemeClr val="tx1"/>
+            </a:fontRef>
+          </p:style>
+        </p:cxnSp>
+        <p:cxnSp>
+          <p:nvCxnSpPr>
+            <p:cNvPr id="50" name="直线连接符 71">
+              <a:extLst>
+                <a:ext uri="{FF2B5EF4-FFF2-40B4-BE49-F238E27FC236}">
+                  <a16:creationId xmlns:a16="http://schemas.microsoft.com/office/drawing/2014/main" id="{D36FD1AB-802A-740B-2210-D9ED5D9DF4F0}"/>
+                </a:ext>
+              </a:extLst>
+            </p:cNvPr>
+            <p:cNvCxnSpPr>
+              <a:cxnSpLocks/>
+            </p:cNvCxnSpPr>
+            <p:nvPr/>
+          </p:nvCxnSpPr>
+          <p:spPr>
+            <a:xfrm>
+              <a:off x="2459115" y="2103714"/>
+              <a:ext cx="305957" cy="0"/>
+            </a:xfrm>
+            <a:prstGeom prst="line">
+              <a:avLst/>
+            </a:prstGeom>
+          </p:spPr>
+          <p:style>
+            <a:lnRef idx="2">
+              <a:schemeClr val="accent1"/>
+            </a:lnRef>
+            <a:fillRef idx="0">
+              <a:schemeClr val="accent1"/>
+            </a:fillRef>
+            <a:effectRef idx="1">
+              <a:schemeClr val="accent1"/>
+            </a:effectRef>
+            <a:fontRef idx="minor">
+              <a:schemeClr val="tx1"/>
+            </a:fontRef>
+          </p:style>
+        </p:cxnSp>
+      </p:grpSp>
+      <p:cxnSp>
+        <p:nvCxnSpPr>
+          <p:cNvPr id="57" name="Straight Connector 56">
+            <a:extLst>
+              <a:ext uri="{FF2B5EF4-FFF2-40B4-BE49-F238E27FC236}">
+                <a16:creationId xmlns:a16="http://schemas.microsoft.com/office/drawing/2014/main" id="{C1782D8B-6E7B-6C9E-0FBF-9A9B4C511BB0}"/>
+              </a:ext>
+            </a:extLst>
+          </p:cNvPr>
+          <p:cNvCxnSpPr>
+            <a:cxnSpLocks/>
+          </p:cNvCxnSpPr>
+          <p:nvPr/>
+        </p:nvCxnSpPr>
+        <p:spPr>
+          <a:xfrm>
+            <a:off x="6515762" y="3250950"/>
+            <a:ext cx="1691820" cy="10655"/>
+          </a:xfrm>
+          <a:prstGeom prst="line">
+            <a:avLst/>
+          </a:prstGeom>
+        </p:spPr>
+        <p:style>
+          <a:lnRef idx="2">
+            <a:schemeClr val="accent1"/>
+          </a:lnRef>
+          <a:fillRef idx="0">
+            <a:schemeClr val="accent1"/>
+          </a:fillRef>
+          <a:effectRef idx="1">
+            <a:schemeClr val="accent1"/>
+          </a:effectRef>
+          <a:fontRef idx="minor">
+            <a:schemeClr val="tx1"/>
+          </a:fontRef>
+        </p:style>
+      </p:cxnSp>
+      <p:cxnSp>
+        <p:nvCxnSpPr>
+          <p:cNvPr id="4" name="Straight Connector 3">
+            <a:extLst>
+              <a:ext uri="{FF2B5EF4-FFF2-40B4-BE49-F238E27FC236}">
+                <a16:creationId xmlns:a16="http://schemas.microsoft.com/office/drawing/2014/main" id="{D8A44243-556F-7D5E-494C-D64BEF14ED88}"/>
+              </a:ext>
+            </a:extLst>
+          </p:cNvPr>
+          <p:cNvCxnSpPr>
+            <a:cxnSpLocks/>
+          </p:cNvCxnSpPr>
+          <p:nvPr/>
+        </p:nvCxnSpPr>
+        <p:spPr>
+          <a:xfrm>
+            <a:off x="7304316" y="2854341"/>
+            <a:ext cx="0" cy="407264"/>
+          </a:xfrm>
+          <a:prstGeom prst="line">
+            <a:avLst/>
+          </a:prstGeom>
+        </p:spPr>
+        <p:style>
+          <a:lnRef idx="2">
+            <a:schemeClr val="accent1"/>
+          </a:lnRef>
+          <a:fillRef idx="0">
+            <a:schemeClr val="accent1"/>
+          </a:fillRef>
+          <a:effectRef idx="1">
+            <a:schemeClr val="accent1"/>
+          </a:effectRef>
+          <a:fontRef idx="minor">
+            <a:schemeClr val="tx1"/>
+          </a:fontRef>
+        </p:style>
+      </p:cxnSp>
+      <p:sp>
+        <p:nvSpPr>
+          <p:cNvPr id="15" name="椭圆 93">
+            <a:extLst>
+              <a:ext uri="{FF2B5EF4-FFF2-40B4-BE49-F238E27FC236}">
+                <a16:creationId xmlns:a16="http://schemas.microsoft.com/office/drawing/2014/main" id="{E5296286-014A-C616-72B6-59CA9E75E682}"/>
+              </a:ext>
+            </a:extLst>
+          </p:cNvPr>
+          <p:cNvSpPr/>
+          <p:nvPr/>
+        </p:nvSpPr>
+        <p:spPr>
+          <a:xfrm>
+            <a:off x="7281456" y="3238745"/>
+            <a:ext cx="45719" cy="45719"/>
+          </a:xfrm>
+          <a:prstGeom prst="ellipse">
+            <a:avLst/>
+          </a:prstGeom>
+        </p:spPr>
+        <p:style>
+          <a:lnRef idx="2">
+            <a:schemeClr val="accent1">
+              <a:shade val="15000"/>
+            </a:schemeClr>
+          </a:lnRef>
+          <a:fillRef idx="1">
+            <a:schemeClr val="accent1"/>
+          </a:fillRef>
+          <a:effectRef idx="0">
+            <a:schemeClr val="accent1"/>
+          </a:effectRef>
+          <a:fontRef idx="minor">
+            <a:schemeClr val="lt1"/>
+          </a:fontRef>
+        </p:style>
+        <p:txBody>
+          <a:bodyPr rtlCol="0" anchor="ctr"/>
+          <a:lstStyle/>
+          <a:p>
+            <a:pPr algn="ctr"/>
+            <a:endParaRPr kumimoji="1" lang="zh-CN" altLang="en-US"/>
+          </a:p>
+        </p:txBody>
+      </p:sp>
+      <p:sp>
+        <p:nvSpPr>
+          <p:cNvPr id="17" name="Speech Bubble: Rectangle 16">
+            <a:extLst>
+              <a:ext uri="{FF2B5EF4-FFF2-40B4-BE49-F238E27FC236}">
+                <a16:creationId xmlns:a16="http://schemas.microsoft.com/office/drawing/2014/main" id="{6A2C6174-7E31-5EDA-262D-6DEFC6DE49CA}"/>
+              </a:ext>
+            </a:extLst>
+          </p:cNvPr>
+          <p:cNvSpPr/>
+          <p:nvPr/>
+        </p:nvSpPr>
+        <p:spPr>
+          <a:xfrm>
+            <a:off x="3421072" y="2831725"/>
+            <a:ext cx="980711" cy="612648"/>
+          </a:xfrm>
+          <a:prstGeom prst="wedgeRectCallout">
+            <a:avLst>
+              <a:gd name="adj1" fmla="val -49988"/>
+              <a:gd name="adj2" fmla="val 93116"/>
+            </a:avLst>
+          </a:prstGeom>
+        </p:spPr>
+        <p:style>
+          <a:lnRef idx="2">
+            <a:schemeClr val="accent1">
+              <a:shade val="15000"/>
+            </a:schemeClr>
+          </a:lnRef>
+          <a:fillRef idx="1">
+            <a:schemeClr val="accent1"/>
+          </a:fillRef>
+          <a:effectRef idx="0">
+            <a:schemeClr val="accent1"/>
+          </a:effectRef>
+          <a:fontRef idx="minor">
+            <a:schemeClr val="lt1"/>
+          </a:fontRef>
+        </p:style>
+        <p:txBody>
+          <a:bodyPr rtlCol="0" anchor="ctr"/>
+          <a:lstStyle/>
+          <a:p>
+            <a:pPr algn="ctr"/>
+            <a:r>
+              <a:rPr lang="zh-CN" altLang="en-US" dirty="0"/>
+              <a:t>主时钟定义点</a:t>
+            </a:r>
+            <a:endParaRPr lang="en-US" dirty="0"/>
+          </a:p>
+        </p:txBody>
+      </p:sp>
+      <p:sp>
+        <p:nvSpPr>
+          <p:cNvPr id="18" name="Speech Bubble: Rectangle 17">
+            <a:extLst>
+              <a:ext uri="{FF2B5EF4-FFF2-40B4-BE49-F238E27FC236}">
+                <a16:creationId xmlns:a16="http://schemas.microsoft.com/office/drawing/2014/main" id="{431F5879-8E5F-5F19-7549-96CD08060A08}"/>
+              </a:ext>
+            </a:extLst>
+          </p:cNvPr>
+          <p:cNvSpPr/>
+          <p:nvPr/>
+        </p:nvSpPr>
+        <p:spPr>
+          <a:xfrm>
+            <a:off x="6045181" y="1994780"/>
+            <a:ext cx="1117718" cy="612648"/>
+          </a:xfrm>
+          <a:prstGeom prst="wedgeRectCallout">
+            <a:avLst>
+              <a:gd name="adj1" fmla="val -30217"/>
+              <a:gd name="adj2" fmla="val 145355"/>
+            </a:avLst>
+          </a:prstGeom>
+        </p:spPr>
+        <p:style>
+          <a:lnRef idx="2">
+            <a:schemeClr val="accent1">
+              <a:shade val="15000"/>
+            </a:schemeClr>
+          </a:lnRef>
+          <a:fillRef idx="1">
+            <a:schemeClr val="accent1"/>
+          </a:fillRef>
+          <a:effectRef idx="0">
+            <a:schemeClr val="accent1"/>
+          </a:effectRef>
+          <a:fontRef idx="minor">
+            <a:schemeClr val="lt1"/>
+          </a:fontRef>
+        </p:style>
+        <p:txBody>
+          <a:bodyPr rtlCol="0" anchor="ctr"/>
+          <a:lstStyle/>
+          <a:p>
+            <a:pPr algn="ctr"/>
+            <a:r>
+              <a:rPr lang="zh-CN" altLang="en-US" dirty="0"/>
+              <a:t>生成时钟定义点</a:t>
+            </a:r>
+            <a:endParaRPr lang="en-US" dirty="0"/>
+          </a:p>
+        </p:txBody>
+      </p:sp>
+      <p:sp>
+        <p:nvSpPr>
+          <p:cNvPr id="19" name="TextBox 18">
+            <a:extLst>
+              <a:ext uri="{FF2B5EF4-FFF2-40B4-BE49-F238E27FC236}">
+                <a16:creationId xmlns:a16="http://schemas.microsoft.com/office/drawing/2014/main" id="{DD5E0882-C350-BD87-46A9-31C0A67D6B77}"/>
+              </a:ext>
+            </a:extLst>
+          </p:cNvPr>
+          <p:cNvSpPr txBox="1"/>
+          <p:nvPr/>
+        </p:nvSpPr>
+        <p:spPr>
+          <a:xfrm>
+            <a:off x="3295437" y="3719631"/>
+            <a:ext cx="689612" cy="369332"/>
+          </a:xfrm>
+          <a:prstGeom prst="rect">
+            <a:avLst/>
+          </a:prstGeom>
+          <a:noFill/>
+        </p:spPr>
+        <p:txBody>
+          <a:bodyPr wrap="none" rtlCol="0">
+            <a:spAutoFit/>
+          </a:bodyPr>
+          <a:lstStyle/>
+          <a:p>
+            <a:r>
+              <a:rPr lang="en-US" dirty="0"/>
+              <a:t>CLKP</a:t>
+            </a:r>
+          </a:p>
+        </p:txBody>
+      </p:sp>
+      <p:sp>
+        <p:nvSpPr>
+          <p:cNvPr id="20" name="TextBox 19">
+            <a:extLst>
+              <a:ext uri="{FF2B5EF4-FFF2-40B4-BE49-F238E27FC236}">
+                <a16:creationId xmlns:a16="http://schemas.microsoft.com/office/drawing/2014/main" id="{5E9AB238-DC3C-FE6C-02FC-3F77701DC4EF}"/>
+              </a:ext>
+            </a:extLst>
+          </p:cNvPr>
+          <p:cNvSpPr txBox="1"/>
+          <p:nvPr/>
+        </p:nvSpPr>
+        <p:spPr>
+          <a:xfrm>
+            <a:off x="1887859" y="3066284"/>
+            <a:ext cx="801823" cy="369332"/>
+          </a:xfrm>
+          <a:prstGeom prst="rect">
+            <a:avLst/>
+          </a:prstGeom>
+          <a:noFill/>
+        </p:spPr>
+        <p:txBody>
+          <a:bodyPr wrap="none" rtlCol="0">
+            <a:spAutoFit/>
+          </a:bodyPr>
+          <a:lstStyle/>
+          <a:p>
+            <a:r>
+              <a:rPr lang="en-US" dirty="0"/>
+              <a:t>UPLL0</a:t>
+            </a:r>
+          </a:p>
+        </p:txBody>
+      </p:sp>
+      <p:sp>
+        <p:nvSpPr>
+          <p:cNvPr id="21" name="TextBox 20">
+            <a:extLst>
+              <a:ext uri="{FF2B5EF4-FFF2-40B4-BE49-F238E27FC236}">
+                <a16:creationId xmlns:a16="http://schemas.microsoft.com/office/drawing/2014/main" id="{38C68C91-1700-A433-E84D-E86CB12D2881}"/>
+              </a:ext>
+            </a:extLst>
+          </p:cNvPr>
+          <p:cNvSpPr txBox="1"/>
+          <p:nvPr/>
+        </p:nvSpPr>
+        <p:spPr>
+          <a:xfrm>
+            <a:off x="6439332" y="3208292"/>
+            <a:ext cx="1168910" cy="369332"/>
+          </a:xfrm>
+          <a:prstGeom prst="rect">
+            <a:avLst/>
+          </a:prstGeom>
+          <a:noFill/>
+        </p:spPr>
+        <p:txBody>
+          <a:bodyPr wrap="none" rtlCol="0">
+            <a:spAutoFit/>
+          </a:bodyPr>
+          <a:lstStyle/>
+          <a:p>
+            <a:r>
+              <a:rPr lang="en-US" dirty="0"/>
+              <a:t>CLKPDIV2</a:t>
+            </a:r>
+          </a:p>
+        </p:txBody>
+      </p:sp>
+      <p:sp>
+        <p:nvSpPr>
+          <p:cNvPr id="22" name="TextBox 21">
+            <a:extLst>
+              <a:ext uri="{FF2B5EF4-FFF2-40B4-BE49-F238E27FC236}">
+                <a16:creationId xmlns:a16="http://schemas.microsoft.com/office/drawing/2014/main" id="{83AF20AA-E48C-A639-DBEE-089EBB6797C2}"/>
+              </a:ext>
+            </a:extLst>
+          </p:cNvPr>
+          <p:cNvSpPr txBox="1"/>
+          <p:nvPr/>
+        </p:nvSpPr>
+        <p:spPr>
+          <a:xfrm>
+            <a:off x="5520916" y="2686298"/>
+            <a:ext cx="681597" cy="369332"/>
+          </a:xfrm>
+          <a:prstGeom prst="rect">
+            <a:avLst/>
+          </a:prstGeom>
+          <a:noFill/>
+        </p:spPr>
+        <p:txBody>
+          <a:bodyPr wrap="none" rtlCol="0">
+            <a:spAutoFit/>
+          </a:bodyPr>
+          <a:lstStyle/>
+          <a:p>
+            <a:r>
+              <a:rPr lang="en-US" dirty="0"/>
+              <a:t>UFF0</a:t>
+            </a:r>
           </a:p>
         </p:txBody>
       </p:sp>

--- a/_posts/静态时序分析笔记/静态时序分析笔记pptx.pptx
+++ b/_posts/静态时序分析笔记/静态时序分析笔记pptx.pptx
@@ -15,6 +15,9 @@
     <p:sldId id="260" r:id="rId9"/>
     <p:sldId id="264" r:id="rId10"/>
     <p:sldId id="265" r:id="rId11"/>
+    <p:sldId id="266" r:id="rId12"/>
+    <p:sldId id="267" r:id="rId13"/>
+    <p:sldId id="268" r:id="rId14"/>
   </p:sldIdLst>
   <p:sldSz cx="12192000" cy="6858000"/>
   <p:notesSz cx="6858000" cy="9144000"/>
@@ -124,7 +127,7 @@
 <file path=ppt/revisionInfo.xml><?xml version="1.0" encoding="utf-8"?>
 <p1510:revInfo xmlns:a="http://schemas.openxmlformats.org/drawingml/2006/main" xmlns:r="http://schemas.openxmlformats.org/officeDocument/2006/relationships" xmlns:p1510="http://schemas.microsoft.com/office/powerpoint/2015/10/main">
   <p1510:revLst>
-    <p1510:client id="{FF26C555-752D-4004-A979-9228B3A43E4C}" v="227" dt="2025-01-17T05:48:42.212"/>
+    <p1510:client id="{FF26C555-752D-4004-A979-9228B3A43E4C}" v="248" dt="2025-01-17T06:53:35.815"/>
   </p1510:revLst>
 </p1510:revInfo>
 </file>
@@ -134,7 +137,7 @@
   <pc:docChgLst>
     <pc:chgData name="Jinyin Yan" userId="7d7b1cac-fbbc-4678-8cfc-23ca66a374ce" providerId="ADAL" clId="{FF26C555-752D-4004-A979-9228B3A43E4C}"/>
     <pc:docChg chg="undo custSel addSld delSld modSld sldOrd">
-      <pc:chgData name="Jinyin Yan" userId="7d7b1cac-fbbc-4678-8cfc-23ca66a374ce" providerId="ADAL" clId="{FF26C555-752D-4004-A979-9228B3A43E4C}" dt="2025-01-17T05:49:04.926" v="1378" actId="1076"/>
+      <pc:chgData name="Jinyin Yan" userId="7d7b1cac-fbbc-4678-8cfc-23ca66a374ce" providerId="ADAL" clId="{FF26C555-752D-4004-A979-9228B3A43E4C}" dt="2025-01-17T06:57:25.791" v="1567" actId="1076"/>
       <pc:docMkLst>
         <pc:docMk/>
       </pc:docMkLst>
@@ -4385,6 +4388,1131 @@
             <pc:docMk/>
             <pc:sldMk cId="3857928627" sldId="265"/>
             <ac:cxnSpMk id="57" creationId="{C1782D8B-6E7B-6C9E-0FBF-9A9B4C511BB0}"/>
+          </ac:cxnSpMkLst>
+        </pc:cxnChg>
+      </pc:sldChg>
+      <pc:sldChg chg="addSp delSp modSp new mod">
+        <pc:chgData name="Jinyin Yan" userId="7d7b1cac-fbbc-4678-8cfc-23ca66a374ce" providerId="ADAL" clId="{FF26C555-752D-4004-A979-9228B3A43E4C}" dt="2025-01-17T06:10:34.897" v="1428" actId="20577"/>
+        <pc:sldMkLst>
+          <pc:docMk/>
+          <pc:sldMk cId="1937969014" sldId="266"/>
+        </pc:sldMkLst>
+        <pc:spChg chg="del">
+          <ac:chgData name="Jinyin Yan" userId="7d7b1cac-fbbc-4678-8cfc-23ca66a374ce" providerId="ADAL" clId="{FF26C555-752D-4004-A979-9228B3A43E4C}" dt="2025-01-17T06:05:40.568" v="1380" actId="478"/>
+          <ac:spMkLst>
+            <pc:docMk/>
+            <pc:sldMk cId="1937969014" sldId="266"/>
+            <ac:spMk id="2" creationId="{7FE31128-2B62-8B99-8643-148AEE764564}"/>
+          </ac:spMkLst>
+        </pc:spChg>
+        <pc:spChg chg="del">
+          <ac:chgData name="Jinyin Yan" userId="7d7b1cac-fbbc-4678-8cfc-23ca66a374ce" providerId="ADAL" clId="{FF26C555-752D-4004-A979-9228B3A43E4C}" dt="2025-01-17T06:05:42.002" v="1381" actId="478"/>
+          <ac:spMkLst>
+            <pc:docMk/>
+            <pc:sldMk cId="1937969014" sldId="266"/>
+            <ac:spMk id="3" creationId="{555EE99C-AF8F-9E26-3F59-5369BD432F1A}"/>
+          </ac:spMkLst>
+        </pc:spChg>
+        <pc:spChg chg="mod">
+          <ac:chgData name="Jinyin Yan" userId="7d7b1cac-fbbc-4678-8cfc-23ca66a374ce" providerId="ADAL" clId="{FF26C555-752D-4004-A979-9228B3A43E4C}" dt="2025-01-17T06:07:44.491" v="1382"/>
+          <ac:spMkLst>
+            <pc:docMk/>
+            <pc:sldMk cId="1937969014" sldId="266"/>
+            <ac:spMk id="9" creationId="{73131CFB-F710-DF18-0CB0-A3FC2B22736F}"/>
+          </ac:spMkLst>
+        </pc:spChg>
+        <pc:spChg chg="mod">
+          <ac:chgData name="Jinyin Yan" userId="7d7b1cac-fbbc-4678-8cfc-23ca66a374ce" providerId="ADAL" clId="{FF26C555-752D-4004-A979-9228B3A43E4C}" dt="2025-01-17T06:07:44.491" v="1382"/>
+          <ac:spMkLst>
+            <pc:docMk/>
+            <pc:sldMk cId="1937969014" sldId="266"/>
+            <ac:spMk id="10" creationId="{EDD8EDEB-47A9-D5F6-E0B2-3319E5B49D73}"/>
+          </ac:spMkLst>
+        </pc:spChg>
+        <pc:spChg chg="mod">
+          <ac:chgData name="Jinyin Yan" userId="7d7b1cac-fbbc-4678-8cfc-23ca66a374ce" providerId="ADAL" clId="{FF26C555-752D-4004-A979-9228B3A43E4C}" dt="2025-01-17T06:07:44.491" v="1382"/>
+          <ac:spMkLst>
+            <pc:docMk/>
+            <pc:sldMk cId="1937969014" sldId="266"/>
+            <ac:spMk id="11" creationId="{751829FD-D6EC-0E29-596E-4C54AE3C1996}"/>
+          </ac:spMkLst>
+        </pc:spChg>
+        <pc:spChg chg="mod">
+          <ac:chgData name="Jinyin Yan" userId="7d7b1cac-fbbc-4678-8cfc-23ca66a374ce" providerId="ADAL" clId="{FF26C555-752D-4004-A979-9228B3A43E4C}" dt="2025-01-17T06:07:44.491" v="1382"/>
+          <ac:spMkLst>
+            <pc:docMk/>
+            <pc:sldMk cId="1937969014" sldId="266"/>
+            <ac:spMk id="12" creationId="{34C204D0-9E02-EA17-09E6-DC87C2F2413F}"/>
+          </ac:spMkLst>
+        </pc:spChg>
+        <pc:spChg chg="mod">
+          <ac:chgData name="Jinyin Yan" userId="7d7b1cac-fbbc-4678-8cfc-23ca66a374ce" providerId="ADAL" clId="{FF26C555-752D-4004-A979-9228B3A43E4C}" dt="2025-01-17T06:07:44.491" v="1382"/>
+          <ac:spMkLst>
+            <pc:docMk/>
+            <pc:sldMk cId="1937969014" sldId="266"/>
+            <ac:spMk id="13" creationId="{D6D53775-3BFC-ADB2-2B79-C80BF93683B6}"/>
+          </ac:spMkLst>
+        </pc:spChg>
+        <pc:spChg chg="add mod">
+          <ac:chgData name="Jinyin Yan" userId="7d7b1cac-fbbc-4678-8cfc-23ca66a374ce" providerId="ADAL" clId="{FF26C555-752D-4004-A979-9228B3A43E4C}" dt="2025-01-17T06:07:47.347" v="1383" actId="1076"/>
+          <ac:spMkLst>
+            <pc:docMk/>
+            <pc:sldMk cId="1937969014" sldId="266"/>
+            <ac:spMk id="14" creationId="{6AAF8D72-A98A-00FF-830E-46CE8228128B}"/>
+          </ac:spMkLst>
+        </pc:spChg>
+        <pc:spChg chg="mod">
+          <ac:chgData name="Jinyin Yan" userId="7d7b1cac-fbbc-4678-8cfc-23ca66a374ce" providerId="ADAL" clId="{FF26C555-752D-4004-A979-9228B3A43E4C}" dt="2025-01-17T06:07:44.491" v="1382"/>
+          <ac:spMkLst>
+            <pc:docMk/>
+            <pc:sldMk cId="1937969014" sldId="266"/>
+            <ac:spMk id="21" creationId="{3BAB2477-3EAB-01DC-B4EF-F48957FE535E}"/>
+          </ac:spMkLst>
+        </pc:spChg>
+        <pc:spChg chg="mod">
+          <ac:chgData name="Jinyin Yan" userId="7d7b1cac-fbbc-4678-8cfc-23ca66a374ce" providerId="ADAL" clId="{FF26C555-752D-4004-A979-9228B3A43E4C}" dt="2025-01-17T06:07:44.491" v="1382"/>
+          <ac:spMkLst>
+            <pc:docMk/>
+            <pc:sldMk cId="1937969014" sldId="266"/>
+            <ac:spMk id="22" creationId="{CF762D2C-D404-E0B4-2B88-A8ECBAFCC659}"/>
+          </ac:spMkLst>
+        </pc:spChg>
+        <pc:spChg chg="mod">
+          <ac:chgData name="Jinyin Yan" userId="7d7b1cac-fbbc-4678-8cfc-23ca66a374ce" providerId="ADAL" clId="{FF26C555-752D-4004-A979-9228B3A43E4C}" dt="2025-01-17T06:07:44.491" v="1382"/>
+          <ac:spMkLst>
+            <pc:docMk/>
+            <pc:sldMk cId="1937969014" sldId="266"/>
+            <ac:spMk id="23" creationId="{3FF33346-69CB-A228-5824-02FB538EFA10}"/>
+          </ac:spMkLst>
+        </pc:spChg>
+        <pc:spChg chg="mod">
+          <ac:chgData name="Jinyin Yan" userId="7d7b1cac-fbbc-4678-8cfc-23ca66a374ce" providerId="ADAL" clId="{FF26C555-752D-4004-A979-9228B3A43E4C}" dt="2025-01-17T06:07:44.491" v="1382"/>
+          <ac:spMkLst>
+            <pc:docMk/>
+            <pc:sldMk cId="1937969014" sldId="266"/>
+            <ac:spMk id="24" creationId="{A5352FB3-C609-B5CD-4A70-738C02D6BCC3}"/>
+          </ac:spMkLst>
+        </pc:spChg>
+        <pc:spChg chg="mod">
+          <ac:chgData name="Jinyin Yan" userId="7d7b1cac-fbbc-4678-8cfc-23ca66a374ce" providerId="ADAL" clId="{FF26C555-752D-4004-A979-9228B3A43E4C}" dt="2025-01-17T06:07:44.491" v="1382"/>
+          <ac:spMkLst>
+            <pc:docMk/>
+            <pc:sldMk cId="1937969014" sldId="266"/>
+            <ac:spMk id="25" creationId="{925544FB-596A-77C9-C0BB-BAB4EFAC5C65}"/>
+          </ac:spMkLst>
+        </pc:spChg>
+        <pc:spChg chg="add del mod">
+          <ac:chgData name="Jinyin Yan" userId="7d7b1cac-fbbc-4678-8cfc-23ca66a374ce" providerId="ADAL" clId="{FF26C555-752D-4004-A979-9228B3A43E4C}" dt="2025-01-17T06:07:50.190" v="1384" actId="478"/>
+          <ac:spMkLst>
+            <pc:docMk/>
+            <pc:sldMk cId="1937969014" sldId="266"/>
+            <ac:spMk id="27" creationId="{83B5EBD5-3414-4820-BCC7-79AA94609D1C}"/>
+          </ac:spMkLst>
+        </pc:spChg>
+        <pc:spChg chg="add mod">
+          <ac:chgData name="Jinyin Yan" userId="7d7b1cac-fbbc-4678-8cfc-23ca66a374ce" providerId="ADAL" clId="{FF26C555-752D-4004-A979-9228B3A43E4C}" dt="2025-01-17T06:07:47.347" v="1383" actId="1076"/>
+          <ac:spMkLst>
+            <pc:docMk/>
+            <pc:sldMk cId="1937969014" sldId="266"/>
+            <ac:spMk id="28" creationId="{3B569358-B777-6353-086A-6D10DBD87E01}"/>
+          </ac:spMkLst>
+        </pc:spChg>
+        <pc:spChg chg="add mod">
+          <ac:chgData name="Jinyin Yan" userId="7d7b1cac-fbbc-4678-8cfc-23ca66a374ce" providerId="ADAL" clId="{FF26C555-752D-4004-A979-9228B3A43E4C}" dt="2025-01-17T06:08:26.654" v="1395" actId="1076"/>
+          <ac:spMkLst>
+            <pc:docMk/>
+            <pc:sldMk cId="1937969014" sldId="266"/>
+            <ac:spMk id="32" creationId="{C169B935-AF73-9B01-4201-FD0798AFFA15}"/>
+          </ac:spMkLst>
+        </pc:spChg>
+        <pc:spChg chg="add mod">
+          <ac:chgData name="Jinyin Yan" userId="7d7b1cac-fbbc-4678-8cfc-23ca66a374ce" providerId="ADAL" clId="{FF26C555-752D-4004-A979-9228B3A43E4C}" dt="2025-01-17T06:08:41.106" v="1402" actId="1076"/>
+          <ac:spMkLst>
+            <pc:docMk/>
+            <pc:sldMk cId="1937969014" sldId="266"/>
+            <ac:spMk id="33" creationId="{83416F08-FAC9-C4E3-6C0C-BE3A75FC814E}"/>
+          </ac:spMkLst>
+        </pc:spChg>
+        <pc:spChg chg="add mod">
+          <ac:chgData name="Jinyin Yan" userId="7d7b1cac-fbbc-4678-8cfc-23ca66a374ce" providerId="ADAL" clId="{FF26C555-752D-4004-A979-9228B3A43E4C}" dt="2025-01-17T06:10:14.093" v="1418" actId="1076"/>
+          <ac:spMkLst>
+            <pc:docMk/>
+            <pc:sldMk cId="1937969014" sldId="266"/>
+            <ac:spMk id="34" creationId="{B6BCFAAC-B836-BA6E-BDD7-1C6AB3AE4B1F}"/>
+          </ac:spMkLst>
+        </pc:spChg>
+        <pc:spChg chg="add mod">
+          <ac:chgData name="Jinyin Yan" userId="7d7b1cac-fbbc-4678-8cfc-23ca66a374ce" providerId="ADAL" clId="{FF26C555-752D-4004-A979-9228B3A43E4C}" dt="2025-01-17T06:10:34.897" v="1428" actId="20577"/>
+          <ac:spMkLst>
+            <pc:docMk/>
+            <pc:sldMk cId="1937969014" sldId="266"/>
+            <ac:spMk id="35" creationId="{AA8D19EB-4EE8-BC41-BB79-C9847E202D34}"/>
+          </ac:spMkLst>
+        </pc:spChg>
+        <pc:grpChg chg="add mod">
+          <ac:chgData name="Jinyin Yan" userId="7d7b1cac-fbbc-4678-8cfc-23ca66a374ce" providerId="ADAL" clId="{FF26C555-752D-4004-A979-9228B3A43E4C}" dt="2025-01-17T06:07:47.347" v="1383" actId="1076"/>
+          <ac:grpSpMkLst>
+            <pc:docMk/>
+            <pc:sldMk cId="1937969014" sldId="266"/>
+            <ac:grpSpMk id="4" creationId="{55465DDE-4DF7-4FE1-8B99-903583876340}"/>
+          </ac:grpSpMkLst>
+        </pc:grpChg>
+        <pc:grpChg chg="mod">
+          <ac:chgData name="Jinyin Yan" userId="7d7b1cac-fbbc-4678-8cfc-23ca66a374ce" providerId="ADAL" clId="{FF26C555-752D-4004-A979-9228B3A43E4C}" dt="2025-01-17T06:07:44.491" v="1382"/>
+          <ac:grpSpMkLst>
+            <pc:docMk/>
+            <pc:sldMk cId="1937969014" sldId="266"/>
+            <ac:grpSpMk id="5" creationId="{5983CF07-EEC6-0D8D-6001-D60E41895316}"/>
+          </ac:grpSpMkLst>
+        </pc:grpChg>
+        <pc:grpChg chg="add mod">
+          <ac:chgData name="Jinyin Yan" userId="7d7b1cac-fbbc-4678-8cfc-23ca66a374ce" providerId="ADAL" clId="{FF26C555-752D-4004-A979-9228B3A43E4C}" dt="2025-01-17T06:07:47.347" v="1383" actId="1076"/>
+          <ac:grpSpMkLst>
+            <pc:docMk/>
+            <pc:sldMk cId="1937969014" sldId="266"/>
+            <ac:grpSpMk id="16" creationId="{622D6ACB-1849-AE05-3AFF-267263779DF6}"/>
+          </ac:grpSpMkLst>
+        </pc:grpChg>
+        <pc:grpChg chg="mod">
+          <ac:chgData name="Jinyin Yan" userId="7d7b1cac-fbbc-4678-8cfc-23ca66a374ce" providerId="ADAL" clId="{FF26C555-752D-4004-A979-9228B3A43E4C}" dt="2025-01-17T06:07:44.491" v="1382"/>
+          <ac:grpSpMkLst>
+            <pc:docMk/>
+            <pc:sldMk cId="1937969014" sldId="266"/>
+            <ac:grpSpMk id="17" creationId="{4BBC1D85-852C-AC5F-F770-E80BCC42E368}"/>
+          </ac:grpSpMkLst>
+        </pc:grpChg>
+        <pc:cxnChg chg="mod">
+          <ac:chgData name="Jinyin Yan" userId="7d7b1cac-fbbc-4678-8cfc-23ca66a374ce" providerId="ADAL" clId="{FF26C555-752D-4004-A979-9228B3A43E4C}" dt="2025-01-17T06:07:44.491" v="1382"/>
+          <ac:cxnSpMkLst>
+            <pc:docMk/>
+            <pc:sldMk cId="1937969014" sldId="266"/>
+            <ac:cxnSpMk id="6" creationId="{242B1120-5F42-AD1F-6AB1-6CE0C60B3CDC}"/>
+          </ac:cxnSpMkLst>
+        </pc:cxnChg>
+        <pc:cxnChg chg="mod">
+          <ac:chgData name="Jinyin Yan" userId="7d7b1cac-fbbc-4678-8cfc-23ca66a374ce" providerId="ADAL" clId="{FF26C555-752D-4004-A979-9228B3A43E4C}" dt="2025-01-17T06:07:44.491" v="1382"/>
+          <ac:cxnSpMkLst>
+            <pc:docMk/>
+            <pc:sldMk cId="1937969014" sldId="266"/>
+            <ac:cxnSpMk id="7" creationId="{F68665A8-68C5-A470-DFBC-672A6C7E8305}"/>
+          </ac:cxnSpMkLst>
+        </pc:cxnChg>
+        <pc:cxnChg chg="mod">
+          <ac:chgData name="Jinyin Yan" userId="7d7b1cac-fbbc-4678-8cfc-23ca66a374ce" providerId="ADAL" clId="{FF26C555-752D-4004-A979-9228B3A43E4C}" dt="2025-01-17T06:07:44.491" v="1382"/>
+          <ac:cxnSpMkLst>
+            <pc:docMk/>
+            <pc:sldMk cId="1937969014" sldId="266"/>
+            <ac:cxnSpMk id="8" creationId="{10CF082B-B0F3-53B5-A6E3-E16CA51BB133}"/>
+          </ac:cxnSpMkLst>
+        </pc:cxnChg>
+        <pc:cxnChg chg="add mod">
+          <ac:chgData name="Jinyin Yan" userId="7d7b1cac-fbbc-4678-8cfc-23ca66a374ce" providerId="ADAL" clId="{FF26C555-752D-4004-A979-9228B3A43E4C}" dt="2025-01-17T06:07:47.347" v="1383" actId="1076"/>
+          <ac:cxnSpMkLst>
+            <pc:docMk/>
+            <pc:sldMk cId="1937969014" sldId="266"/>
+            <ac:cxnSpMk id="15" creationId="{5F4172EB-7759-72EB-6CDD-C16D151A2134}"/>
+          </ac:cxnSpMkLst>
+        </pc:cxnChg>
+        <pc:cxnChg chg="mod">
+          <ac:chgData name="Jinyin Yan" userId="7d7b1cac-fbbc-4678-8cfc-23ca66a374ce" providerId="ADAL" clId="{FF26C555-752D-4004-A979-9228B3A43E4C}" dt="2025-01-17T06:07:44.491" v="1382"/>
+          <ac:cxnSpMkLst>
+            <pc:docMk/>
+            <pc:sldMk cId="1937969014" sldId="266"/>
+            <ac:cxnSpMk id="18" creationId="{DF18F021-3B57-DD83-ECE7-8548F97E93A3}"/>
+          </ac:cxnSpMkLst>
+        </pc:cxnChg>
+        <pc:cxnChg chg="mod">
+          <ac:chgData name="Jinyin Yan" userId="7d7b1cac-fbbc-4678-8cfc-23ca66a374ce" providerId="ADAL" clId="{FF26C555-752D-4004-A979-9228B3A43E4C}" dt="2025-01-17T06:07:44.491" v="1382"/>
+          <ac:cxnSpMkLst>
+            <pc:docMk/>
+            <pc:sldMk cId="1937969014" sldId="266"/>
+            <ac:cxnSpMk id="19" creationId="{09984474-31B1-B453-1872-D6455B661829}"/>
+          </ac:cxnSpMkLst>
+        </pc:cxnChg>
+        <pc:cxnChg chg="mod">
+          <ac:chgData name="Jinyin Yan" userId="7d7b1cac-fbbc-4678-8cfc-23ca66a374ce" providerId="ADAL" clId="{FF26C555-752D-4004-A979-9228B3A43E4C}" dt="2025-01-17T06:07:44.491" v="1382"/>
+          <ac:cxnSpMkLst>
+            <pc:docMk/>
+            <pc:sldMk cId="1937969014" sldId="266"/>
+            <ac:cxnSpMk id="20" creationId="{1A9D1C9B-CD7F-5435-E657-9251056C0EDD}"/>
+          </ac:cxnSpMkLst>
+        </pc:cxnChg>
+        <pc:cxnChg chg="add mod">
+          <ac:chgData name="Jinyin Yan" userId="7d7b1cac-fbbc-4678-8cfc-23ca66a374ce" providerId="ADAL" clId="{FF26C555-752D-4004-A979-9228B3A43E4C}" dt="2025-01-17T06:07:47.347" v="1383" actId="1076"/>
+          <ac:cxnSpMkLst>
+            <pc:docMk/>
+            <pc:sldMk cId="1937969014" sldId="266"/>
+            <ac:cxnSpMk id="26" creationId="{8390E160-2B70-9D81-E1D7-476596C09F7D}"/>
+          </ac:cxnSpMkLst>
+        </pc:cxnChg>
+        <pc:cxnChg chg="add mod">
+          <ac:chgData name="Jinyin Yan" userId="7d7b1cac-fbbc-4678-8cfc-23ca66a374ce" providerId="ADAL" clId="{FF26C555-752D-4004-A979-9228B3A43E4C}" dt="2025-01-17T06:07:47.347" v="1383" actId="1076"/>
+          <ac:cxnSpMkLst>
+            <pc:docMk/>
+            <pc:sldMk cId="1937969014" sldId="266"/>
+            <ac:cxnSpMk id="29" creationId="{FD153F4C-DAAD-0451-A031-5E12F713D26B}"/>
+          </ac:cxnSpMkLst>
+        </pc:cxnChg>
+        <pc:cxnChg chg="add mod">
+          <ac:chgData name="Jinyin Yan" userId="7d7b1cac-fbbc-4678-8cfc-23ca66a374ce" providerId="ADAL" clId="{FF26C555-752D-4004-A979-9228B3A43E4C}" dt="2025-01-17T06:07:47.347" v="1383" actId="1076"/>
+          <ac:cxnSpMkLst>
+            <pc:docMk/>
+            <pc:sldMk cId="1937969014" sldId="266"/>
+            <ac:cxnSpMk id="30" creationId="{E4E531C0-0D4E-6691-A764-D60DEE61FA60}"/>
+          </ac:cxnSpMkLst>
+        </pc:cxnChg>
+        <pc:cxnChg chg="add mod">
+          <ac:chgData name="Jinyin Yan" userId="7d7b1cac-fbbc-4678-8cfc-23ca66a374ce" providerId="ADAL" clId="{FF26C555-752D-4004-A979-9228B3A43E4C}" dt="2025-01-17T06:07:47.347" v="1383" actId="1076"/>
+          <ac:cxnSpMkLst>
+            <pc:docMk/>
+            <pc:sldMk cId="1937969014" sldId="266"/>
+            <ac:cxnSpMk id="31" creationId="{7058A781-16E5-2121-ED83-1CEB6BE0BA72}"/>
+          </ac:cxnSpMkLst>
+        </pc:cxnChg>
+      </pc:sldChg>
+      <pc:sldChg chg="addSp delSp modSp new mod">
+        <pc:chgData name="Jinyin Yan" userId="7d7b1cac-fbbc-4678-8cfc-23ca66a374ce" providerId="ADAL" clId="{FF26C555-752D-4004-A979-9228B3A43E4C}" dt="2025-01-17T06:35:32.274" v="1521" actId="1076"/>
+        <pc:sldMkLst>
+          <pc:docMk/>
+          <pc:sldMk cId="2374530566" sldId="267"/>
+        </pc:sldMkLst>
+        <pc:spChg chg="del">
+          <ac:chgData name="Jinyin Yan" userId="7d7b1cac-fbbc-4678-8cfc-23ca66a374ce" providerId="ADAL" clId="{FF26C555-752D-4004-A979-9228B3A43E4C}" dt="2025-01-17T06:25:29.250" v="1430" actId="478"/>
+          <ac:spMkLst>
+            <pc:docMk/>
+            <pc:sldMk cId="2374530566" sldId="267"/>
+            <ac:spMk id="2" creationId="{4FB1D852-744E-FAE0-4473-91297619E6E8}"/>
+          </ac:spMkLst>
+        </pc:spChg>
+        <pc:spChg chg="del">
+          <ac:chgData name="Jinyin Yan" userId="7d7b1cac-fbbc-4678-8cfc-23ca66a374ce" providerId="ADAL" clId="{FF26C555-752D-4004-A979-9228B3A43E4C}" dt="2025-01-17T06:25:30.623" v="1431" actId="478"/>
+          <ac:spMkLst>
+            <pc:docMk/>
+            <pc:sldMk cId="2374530566" sldId="267"/>
+            <ac:spMk id="3" creationId="{E9EC273A-DBAE-7E77-9869-C1F563C0288D}"/>
+          </ac:spMkLst>
+        </pc:spChg>
+        <pc:spChg chg="mod">
+          <ac:chgData name="Jinyin Yan" userId="7d7b1cac-fbbc-4678-8cfc-23ca66a374ce" providerId="ADAL" clId="{FF26C555-752D-4004-A979-9228B3A43E4C}" dt="2025-01-17T06:26:08.761" v="1437" actId="165"/>
+          <ac:spMkLst>
+            <pc:docMk/>
+            <pc:sldMk cId="2374530566" sldId="267"/>
+            <ac:spMk id="9" creationId="{CF024A77-2939-913A-D80E-D41CB441AACC}"/>
+          </ac:spMkLst>
+        </pc:spChg>
+        <pc:spChg chg="mod">
+          <ac:chgData name="Jinyin Yan" userId="7d7b1cac-fbbc-4678-8cfc-23ca66a374ce" providerId="ADAL" clId="{FF26C555-752D-4004-A979-9228B3A43E4C}" dt="2025-01-17T06:26:08.761" v="1437" actId="165"/>
+          <ac:spMkLst>
+            <pc:docMk/>
+            <pc:sldMk cId="2374530566" sldId="267"/>
+            <ac:spMk id="10" creationId="{6F953DB1-6334-C2BB-2F34-DEC6251971F9}"/>
+          </ac:spMkLst>
+        </pc:spChg>
+        <pc:spChg chg="mod">
+          <ac:chgData name="Jinyin Yan" userId="7d7b1cac-fbbc-4678-8cfc-23ca66a374ce" providerId="ADAL" clId="{FF26C555-752D-4004-A979-9228B3A43E4C}" dt="2025-01-17T06:26:08.761" v="1437" actId="165"/>
+          <ac:spMkLst>
+            <pc:docMk/>
+            <pc:sldMk cId="2374530566" sldId="267"/>
+            <ac:spMk id="11" creationId="{B8246912-3151-3116-4271-1C76695DBAD1}"/>
+          </ac:spMkLst>
+        </pc:spChg>
+        <pc:spChg chg="mod">
+          <ac:chgData name="Jinyin Yan" userId="7d7b1cac-fbbc-4678-8cfc-23ca66a374ce" providerId="ADAL" clId="{FF26C555-752D-4004-A979-9228B3A43E4C}" dt="2025-01-17T06:26:08.761" v="1437" actId="165"/>
+          <ac:spMkLst>
+            <pc:docMk/>
+            <pc:sldMk cId="2374530566" sldId="267"/>
+            <ac:spMk id="12" creationId="{C8CBD692-81C7-B295-3CAC-909BB14E339D}"/>
+          </ac:spMkLst>
+        </pc:spChg>
+        <pc:spChg chg="mod">
+          <ac:chgData name="Jinyin Yan" userId="7d7b1cac-fbbc-4678-8cfc-23ca66a374ce" providerId="ADAL" clId="{FF26C555-752D-4004-A979-9228B3A43E4C}" dt="2025-01-17T06:26:08.761" v="1437" actId="165"/>
+          <ac:spMkLst>
+            <pc:docMk/>
+            <pc:sldMk cId="2374530566" sldId="267"/>
+            <ac:spMk id="13" creationId="{2D0A6B27-EB51-7C64-DD1A-6270D1E6AFF0}"/>
+          </ac:spMkLst>
+        </pc:spChg>
+        <pc:spChg chg="mod">
+          <ac:chgData name="Jinyin Yan" userId="7d7b1cac-fbbc-4678-8cfc-23ca66a374ce" providerId="ADAL" clId="{FF26C555-752D-4004-A979-9228B3A43E4C}" dt="2025-01-17T06:25:36.782" v="1432"/>
+          <ac:spMkLst>
+            <pc:docMk/>
+            <pc:sldMk cId="2374530566" sldId="267"/>
+            <ac:spMk id="20" creationId="{3C76B569-34A7-9AA0-881F-46F2BC17C65B}"/>
+          </ac:spMkLst>
+        </pc:spChg>
+        <pc:spChg chg="mod">
+          <ac:chgData name="Jinyin Yan" userId="7d7b1cac-fbbc-4678-8cfc-23ca66a374ce" providerId="ADAL" clId="{FF26C555-752D-4004-A979-9228B3A43E4C}" dt="2025-01-17T06:25:36.782" v="1432"/>
+          <ac:spMkLst>
+            <pc:docMk/>
+            <pc:sldMk cId="2374530566" sldId="267"/>
+            <ac:spMk id="21" creationId="{E2C8834F-1059-BCCB-3E35-EC38180DBFD6}"/>
+          </ac:spMkLst>
+        </pc:spChg>
+        <pc:spChg chg="mod">
+          <ac:chgData name="Jinyin Yan" userId="7d7b1cac-fbbc-4678-8cfc-23ca66a374ce" providerId="ADAL" clId="{FF26C555-752D-4004-A979-9228B3A43E4C}" dt="2025-01-17T06:25:36.782" v="1432"/>
+          <ac:spMkLst>
+            <pc:docMk/>
+            <pc:sldMk cId="2374530566" sldId="267"/>
+            <ac:spMk id="22" creationId="{E39FB69D-BD0A-C9F3-C659-DE134CB421AD}"/>
+          </ac:spMkLst>
+        </pc:spChg>
+        <pc:spChg chg="mod">
+          <ac:chgData name="Jinyin Yan" userId="7d7b1cac-fbbc-4678-8cfc-23ca66a374ce" providerId="ADAL" clId="{FF26C555-752D-4004-A979-9228B3A43E4C}" dt="2025-01-17T06:25:36.782" v="1432"/>
+          <ac:spMkLst>
+            <pc:docMk/>
+            <pc:sldMk cId="2374530566" sldId="267"/>
+            <ac:spMk id="23" creationId="{D97C170A-4365-C6BB-BABE-346D48B629AE}"/>
+          </ac:spMkLst>
+        </pc:spChg>
+        <pc:spChg chg="mod">
+          <ac:chgData name="Jinyin Yan" userId="7d7b1cac-fbbc-4678-8cfc-23ca66a374ce" providerId="ADAL" clId="{FF26C555-752D-4004-A979-9228B3A43E4C}" dt="2025-01-17T06:25:36.782" v="1432"/>
+          <ac:spMkLst>
+            <pc:docMk/>
+            <pc:sldMk cId="2374530566" sldId="267"/>
+            <ac:spMk id="24" creationId="{6F57439C-E108-707F-AE81-7EFBEDED2309}"/>
+          </ac:spMkLst>
+        </pc:spChg>
+        <pc:spChg chg="add mod">
+          <ac:chgData name="Jinyin Yan" userId="7d7b1cac-fbbc-4678-8cfc-23ca66a374ce" providerId="ADAL" clId="{FF26C555-752D-4004-A979-9228B3A43E4C}" dt="2025-01-17T06:31:56.227" v="1501" actId="1076"/>
+          <ac:spMkLst>
+            <pc:docMk/>
+            <pc:sldMk cId="2374530566" sldId="267"/>
+            <ac:spMk id="26" creationId="{1DEA0820-DEA1-435B-835E-6D551C6B3E49}"/>
+          </ac:spMkLst>
+        </pc:spChg>
+        <pc:spChg chg="add del mod">
+          <ac:chgData name="Jinyin Yan" userId="7d7b1cac-fbbc-4678-8cfc-23ca66a374ce" providerId="ADAL" clId="{FF26C555-752D-4004-A979-9228B3A43E4C}" dt="2025-01-17T06:25:39.903" v="1433" actId="478"/>
+          <ac:spMkLst>
+            <pc:docMk/>
+            <pc:sldMk cId="2374530566" sldId="267"/>
+            <ac:spMk id="27" creationId="{C672D6F9-5E68-C964-1A8B-C042FEA7B954}"/>
+          </ac:spMkLst>
+        </pc:spChg>
+        <pc:spChg chg="add mod">
+          <ac:chgData name="Jinyin Yan" userId="7d7b1cac-fbbc-4678-8cfc-23ca66a374ce" providerId="ADAL" clId="{FF26C555-752D-4004-A979-9228B3A43E4C}" dt="2025-01-17T06:35:19.194" v="1513" actId="20577"/>
+          <ac:spMkLst>
+            <pc:docMk/>
+            <pc:sldMk cId="2374530566" sldId="267"/>
+            <ac:spMk id="32" creationId="{F74E0D89-DFE9-9B69-F2B5-15530C605968}"/>
+          </ac:spMkLst>
+        </pc:spChg>
+        <pc:spChg chg="mod">
+          <ac:chgData name="Jinyin Yan" userId="7d7b1cac-fbbc-4678-8cfc-23ca66a374ce" providerId="ADAL" clId="{FF26C555-752D-4004-A979-9228B3A43E4C}" dt="2025-01-17T06:26:53.483" v="1447"/>
+          <ac:spMkLst>
+            <pc:docMk/>
+            <pc:sldMk cId="2374530566" sldId="267"/>
+            <ac:spMk id="38" creationId="{105DF79A-2B96-0B69-1E16-A93C9F894BA6}"/>
+          </ac:spMkLst>
+        </pc:spChg>
+        <pc:spChg chg="mod">
+          <ac:chgData name="Jinyin Yan" userId="7d7b1cac-fbbc-4678-8cfc-23ca66a374ce" providerId="ADAL" clId="{FF26C555-752D-4004-A979-9228B3A43E4C}" dt="2025-01-17T06:26:53.483" v="1447"/>
+          <ac:spMkLst>
+            <pc:docMk/>
+            <pc:sldMk cId="2374530566" sldId="267"/>
+            <ac:spMk id="39" creationId="{1BC34F30-BDEA-EB2D-ACC2-1FEBC067269D}"/>
+          </ac:spMkLst>
+        </pc:spChg>
+        <pc:spChg chg="mod">
+          <ac:chgData name="Jinyin Yan" userId="7d7b1cac-fbbc-4678-8cfc-23ca66a374ce" providerId="ADAL" clId="{FF26C555-752D-4004-A979-9228B3A43E4C}" dt="2025-01-17T06:26:53.483" v="1447"/>
+          <ac:spMkLst>
+            <pc:docMk/>
+            <pc:sldMk cId="2374530566" sldId="267"/>
+            <ac:spMk id="40" creationId="{43D4849D-D524-9EC8-D34E-22B2023F357E}"/>
+          </ac:spMkLst>
+        </pc:spChg>
+        <pc:spChg chg="mod">
+          <ac:chgData name="Jinyin Yan" userId="7d7b1cac-fbbc-4678-8cfc-23ca66a374ce" providerId="ADAL" clId="{FF26C555-752D-4004-A979-9228B3A43E4C}" dt="2025-01-17T06:26:53.483" v="1447"/>
+          <ac:spMkLst>
+            <pc:docMk/>
+            <pc:sldMk cId="2374530566" sldId="267"/>
+            <ac:spMk id="41" creationId="{DDA1A911-DE7F-DC9E-70F4-3CFA9889A4EF}"/>
+          </ac:spMkLst>
+        </pc:spChg>
+        <pc:spChg chg="mod">
+          <ac:chgData name="Jinyin Yan" userId="7d7b1cac-fbbc-4678-8cfc-23ca66a374ce" providerId="ADAL" clId="{FF26C555-752D-4004-A979-9228B3A43E4C}" dt="2025-01-17T06:26:53.483" v="1447"/>
+          <ac:spMkLst>
+            <pc:docMk/>
+            <pc:sldMk cId="2374530566" sldId="267"/>
+            <ac:spMk id="42" creationId="{63FCCE22-7596-A7F2-E41B-16776F08B241}"/>
+          </ac:spMkLst>
+        </pc:spChg>
+        <pc:spChg chg="add mod">
+          <ac:chgData name="Jinyin Yan" userId="7d7b1cac-fbbc-4678-8cfc-23ca66a374ce" providerId="ADAL" clId="{FF26C555-752D-4004-A979-9228B3A43E4C}" dt="2025-01-17T06:31:56.227" v="1501" actId="1076"/>
+          <ac:spMkLst>
+            <pc:docMk/>
+            <pc:sldMk cId="2374530566" sldId="267"/>
+            <ac:spMk id="62" creationId="{FC3ECCB3-8210-AD0C-4A19-E4E2144BD0D9}"/>
+          </ac:spMkLst>
+        </pc:spChg>
+        <pc:spChg chg="add mod">
+          <ac:chgData name="Jinyin Yan" userId="7d7b1cac-fbbc-4678-8cfc-23ca66a374ce" providerId="ADAL" clId="{FF26C555-752D-4004-A979-9228B3A43E4C}" dt="2025-01-17T06:31:56.227" v="1501" actId="1076"/>
+          <ac:spMkLst>
+            <pc:docMk/>
+            <pc:sldMk cId="2374530566" sldId="267"/>
+            <ac:spMk id="63" creationId="{307F33B1-4D68-9EC6-37F2-F29259112654}"/>
+          </ac:spMkLst>
+        </pc:spChg>
+        <pc:spChg chg="add mod">
+          <ac:chgData name="Jinyin Yan" userId="7d7b1cac-fbbc-4678-8cfc-23ca66a374ce" providerId="ADAL" clId="{FF26C555-752D-4004-A979-9228B3A43E4C}" dt="2025-01-17T06:31:56.227" v="1501" actId="1076"/>
+          <ac:spMkLst>
+            <pc:docMk/>
+            <pc:sldMk cId="2374530566" sldId="267"/>
+            <ac:spMk id="65" creationId="{3A2F222C-B6A6-A17D-E1B9-66F46A9F9A2A}"/>
+          </ac:spMkLst>
+        </pc:spChg>
+        <pc:spChg chg="add mod">
+          <ac:chgData name="Jinyin Yan" userId="7d7b1cac-fbbc-4678-8cfc-23ca66a374ce" providerId="ADAL" clId="{FF26C555-752D-4004-A979-9228B3A43E4C}" dt="2025-01-17T06:31:56.227" v="1501" actId="1076"/>
+          <ac:spMkLst>
+            <pc:docMk/>
+            <pc:sldMk cId="2374530566" sldId="267"/>
+            <ac:spMk id="66" creationId="{E4C88A11-6C3A-CFBA-B5DF-3E7B0E51E98B}"/>
+          </ac:spMkLst>
+        </pc:spChg>
+        <pc:spChg chg="add mod">
+          <ac:chgData name="Jinyin Yan" userId="7d7b1cac-fbbc-4678-8cfc-23ca66a374ce" providerId="ADAL" clId="{FF26C555-752D-4004-A979-9228B3A43E4C}" dt="2025-01-17T06:35:32.274" v="1521" actId="1076"/>
+          <ac:spMkLst>
+            <pc:docMk/>
+            <pc:sldMk cId="2374530566" sldId="267"/>
+            <ac:spMk id="67" creationId="{B50CF3A3-B707-F264-B6A1-19DCA20219BE}"/>
+          </ac:spMkLst>
+        </pc:spChg>
+        <pc:grpChg chg="add del mod">
+          <ac:chgData name="Jinyin Yan" userId="7d7b1cac-fbbc-4678-8cfc-23ca66a374ce" providerId="ADAL" clId="{FF26C555-752D-4004-A979-9228B3A43E4C}" dt="2025-01-17T06:26:08.761" v="1437" actId="165"/>
+          <ac:grpSpMkLst>
+            <pc:docMk/>
+            <pc:sldMk cId="2374530566" sldId="267"/>
+            <ac:grpSpMk id="4" creationId="{6A262A7C-6F6F-79DA-2FC2-90034141F8DA}"/>
+          </ac:grpSpMkLst>
+        </pc:grpChg>
+        <pc:grpChg chg="mod topLvl">
+          <ac:chgData name="Jinyin Yan" userId="7d7b1cac-fbbc-4678-8cfc-23ca66a374ce" providerId="ADAL" clId="{FF26C555-752D-4004-A979-9228B3A43E4C}" dt="2025-01-17T06:31:56.227" v="1501" actId="1076"/>
+          <ac:grpSpMkLst>
+            <pc:docMk/>
+            <pc:sldMk cId="2374530566" sldId="267"/>
+            <ac:grpSpMk id="5" creationId="{E3619086-8D00-A518-B326-019BCB4E139D}"/>
+          </ac:grpSpMkLst>
+        </pc:grpChg>
+        <pc:grpChg chg="add mod">
+          <ac:chgData name="Jinyin Yan" userId="7d7b1cac-fbbc-4678-8cfc-23ca66a374ce" providerId="ADAL" clId="{FF26C555-752D-4004-A979-9228B3A43E4C}" dt="2025-01-17T06:31:56.227" v="1501" actId="1076"/>
+          <ac:grpSpMkLst>
+            <pc:docMk/>
+            <pc:sldMk cId="2374530566" sldId="267"/>
+            <ac:grpSpMk id="15" creationId="{F7C08AA6-E9A5-681F-BDFE-6C867DB1A940}"/>
+          </ac:grpSpMkLst>
+        </pc:grpChg>
+        <pc:grpChg chg="mod">
+          <ac:chgData name="Jinyin Yan" userId="7d7b1cac-fbbc-4678-8cfc-23ca66a374ce" providerId="ADAL" clId="{FF26C555-752D-4004-A979-9228B3A43E4C}" dt="2025-01-17T06:25:36.782" v="1432"/>
+          <ac:grpSpMkLst>
+            <pc:docMk/>
+            <pc:sldMk cId="2374530566" sldId="267"/>
+            <ac:grpSpMk id="16" creationId="{45468A22-6BE5-C0F4-8485-643ADE46E53F}"/>
+          </ac:grpSpMkLst>
+        </pc:grpChg>
+        <pc:grpChg chg="add mod">
+          <ac:chgData name="Jinyin Yan" userId="7d7b1cac-fbbc-4678-8cfc-23ca66a374ce" providerId="ADAL" clId="{FF26C555-752D-4004-A979-9228B3A43E4C}" dt="2025-01-17T06:31:56.227" v="1501" actId="1076"/>
+          <ac:grpSpMkLst>
+            <pc:docMk/>
+            <pc:sldMk cId="2374530566" sldId="267"/>
+            <ac:grpSpMk id="33" creationId="{2D75F195-594F-1AE6-3DD3-743A444BC0C7}"/>
+          </ac:grpSpMkLst>
+        </pc:grpChg>
+        <pc:grpChg chg="mod">
+          <ac:chgData name="Jinyin Yan" userId="7d7b1cac-fbbc-4678-8cfc-23ca66a374ce" providerId="ADAL" clId="{FF26C555-752D-4004-A979-9228B3A43E4C}" dt="2025-01-17T06:26:53.483" v="1447"/>
+          <ac:grpSpMkLst>
+            <pc:docMk/>
+            <pc:sldMk cId="2374530566" sldId="267"/>
+            <ac:grpSpMk id="34" creationId="{DE2BED0F-365A-07C4-30BD-D69C6652BE04}"/>
+          </ac:grpSpMkLst>
+        </pc:grpChg>
+        <pc:cxnChg chg="mod topLvl">
+          <ac:chgData name="Jinyin Yan" userId="7d7b1cac-fbbc-4678-8cfc-23ca66a374ce" providerId="ADAL" clId="{FF26C555-752D-4004-A979-9228B3A43E4C}" dt="2025-01-17T06:31:56.227" v="1501" actId="1076"/>
+          <ac:cxnSpMkLst>
+            <pc:docMk/>
+            <pc:sldMk cId="2374530566" sldId="267"/>
+            <ac:cxnSpMk id="6" creationId="{8642588F-614F-6C32-9D61-AACF64002023}"/>
+          </ac:cxnSpMkLst>
+        </pc:cxnChg>
+        <pc:cxnChg chg="mod topLvl">
+          <ac:chgData name="Jinyin Yan" userId="7d7b1cac-fbbc-4678-8cfc-23ca66a374ce" providerId="ADAL" clId="{FF26C555-752D-4004-A979-9228B3A43E4C}" dt="2025-01-17T06:31:56.227" v="1501" actId="1076"/>
+          <ac:cxnSpMkLst>
+            <pc:docMk/>
+            <pc:sldMk cId="2374530566" sldId="267"/>
+            <ac:cxnSpMk id="7" creationId="{EEE3DAF7-1922-487B-8B72-1E10A1906109}"/>
+          </ac:cxnSpMkLst>
+        </pc:cxnChg>
+        <pc:cxnChg chg="del mod topLvl">
+          <ac:chgData name="Jinyin Yan" userId="7d7b1cac-fbbc-4678-8cfc-23ca66a374ce" providerId="ADAL" clId="{FF26C555-752D-4004-A979-9228B3A43E4C}" dt="2025-01-17T06:26:12.724" v="1438" actId="478"/>
+          <ac:cxnSpMkLst>
+            <pc:docMk/>
+            <pc:sldMk cId="2374530566" sldId="267"/>
+            <ac:cxnSpMk id="8" creationId="{9CA4BE20-86E2-94AE-F02D-0F5DAA0A8D96}"/>
+          </ac:cxnSpMkLst>
+        </pc:cxnChg>
+        <pc:cxnChg chg="add mod">
+          <ac:chgData name="Jinyin Yan" userId="7d7b1cac-fbbc-4678-8cfc-23ca66a374ce" providerId="ADAL" clId="{FF26C555-752D-4004-A979-9228B3A43E4C}" dt="2025-01-17T06:31:56.227" v="1501" actId="1076"/>
+          <ac:cxnSpMkLst>
+            <pc:docMk/>
+            <pc:sldMk cId="2374530566" sldId="267"/>
+            <ac:cxnSpMk id="14" creationId="{CF5E6E52-ECC0-CB52-80BD-225801E0684A}"/>
+          </ac:cxnSpMkLst>
+        </pc:cxnChg>
+        <pc:cxnChg chg="mod">
+          <ac:chgData name="Jinyin Yan" userId="7d7b1cac-fbbc-4678-8cfc-23ca66a374ce" providerId="ADAL" clId="{FF26C555-752D-4004-A979-9228B3A43E4C}" dt="2025-01-17T06:25:36.782" v="1432"/>
+          <ac:cxnSpMkLst>
+            <pc:docMk/>
+            <pc:sldMk cId="2374530566" sldId="267"/>
+            <ac:cxnSpMk id="17" creationId="{E0697D2A-ECD6-1E4F-C77A-FCCF26ABE7FC}"/>
+          </ac:cxnSpMkLst>
+        </pc:cxnChg>
+        <pc:cxnChg chg="mod">
+          <ac:chgData name="Jinyin Yan" userId="7d7b1cac-fbbc-4678-8cfc-23ca66a374ce" providerId="ADAL" clId="{FF26C555-752D-4004-A979-9228B3A43E4C}" dt="2025-01-17T06:25:36.782" v="1432"/>
+          <ac:cxnSpMkLst>
+            <pc:docMk/>
+            <pc:sldMk cId="2374530566" sldId="267"/>
+            <ac:cxnSpMk id="18" creationId="{D8465745-07F4-F7CD-AFE3-5E8967E6DCDF}"/>
+          </ac:cxnSpMkLst>
+        </pc:cxnChg>
+        <pc:cxnChg chg="mod">
+          <ac:chgData name="Jinyin Yan" userId="7d7b1cac-fbbc-4678-8cfc-23ca66a374ce" providerId="ADAL" clId="{FF26C555-752D-4004-A979-9228B3A43E4C}" dt="2025-01-17T06:25:36.782" v="1432"/>
+          <ac:cxnSpMkLst>
+            <pc:docMk/>
+            <pc:sldMk cId="2374530566" sldId="267"/>
+            <ac:cxnSpMk id="19" creationId="{BD5785F2-3F48-9474-6728-F61A91DD2800}"/>
+          </ac:cxnSpMkLst>
+        </pc:cxnChg>
+        <pc:cxnChg chg="add mod">
+          <ac:chgData name="Jinyin Yan" userId="7d7b1cac-fbbc-4678-8cfc-23ca66a374ce" providerId="ADAL" clId="{FF26C555-752D-4004-A979-9228B3A43E4C}" dt="2025-01-17T06:31:56.227" v="1501" actId="1076"/>
+          <ac:cxnSpMkLst>
+            <pc:docMk/>
+            <pc:sldMk cId="2374530566" sldId="267"/>
+            <ac:cxnSpMk id="25" creationId="{5E272C9D-9DE6-9EBA-DA03-3D4CFCE7A2C4}"/>
+          </ac:cxnSpMkLst>
+        </pc:cxnChg>
+        <pc:cxnChg chg="mod">
+          <ac:chgData name="Jinyin Yan" userId="7d7b1cac-fbbc-4678-8cfc-23ca66a374ce" providerId="ADAL" clId="{FF26C555-752D-4004-A979-9228B3A43E4C}" dt="2025-01-17T06:26:53.483" v="1447"/>
+          <ac:cxnSpMkLst>
+            <pc:docMk/>
+            <pc:sldMk cId="2374530566" sldId="267"/>
+            <ac:cxnSpMk id="35" creationId="{467235A9-68B1-2DD7-56FC-1405B440AB09}"/>
+          </ac:cxnSpMkLst>
+        </pc:cxnChg>
+        <pc:cxnChg chg="mod">
+          <ac:chgData name="Jinyin Yan" userId="7d7b1cac-fbbc-4678-8cfc-23ca66a374ce" providerId="ADAL" clId="{FF26C555-752D-4004-A979-9228B3A43E4C}" dt="2025-01-17T06:26:53.483" v="1447"/>
+          <ac:cxnSpMkLst>
+            <pc:docMk/>
+            <pc:sldMk cId="2374530566" sldId="267"/>
+            <ac:cxnSpMk id="36" creationId="{78F7C5D6-5C7F-18DB-FFB9-B5152C0D3077}"/>
+          </ac:cxnSpMkLst>
+        </pc:cxnChg>
+        <pc:cxnChg chg="mod">
+          <ac:chgData name="Jinyin Yan" userId="7d7b1cac-fbbc-4678-8cfc-23ca66a374ce" providerId="ADAL" clId="{FF26C555-752D-4004-A979-9228B3A43E4C}" dt="2025-01-17T06:26:53.483" v="1447"/>
+          <ac:cxnSpMkLst>
+            <pc:docMk/>
+            <pc:sldMk cId="2374530566" sldId="267"/>
+            <ac:cxnSpMk id="37" creationId="{2B784840-2594-3A67-3F13-550B541EE650}"/>
+          </ac:cxnSpMkLst>
+        </pc:cxnChg>
+        <pc:cxnChg chg="add mod">
+          <ac:chgData name="Jinyin Yan" userId="7d7b1cac-fbbc-4678-8cfc-23ca66a374ce" providerId="ADAL" clId="{FF26C555-752D-4004-A979-9228B3A43E4C}" dt="2025-01-17T06:31:56.227" v="1501" actId="1076"/>
+          <ac:cxnSpMkLst>
+            <pc:docMk/>
+            <pc:sldMk cId="2374530566" sldId="267"/>
+            <ac:cxnSpMk id="44" creationId="{3DAC8B22-4901-F87D-FA90-B35B78204317}"/>
+          </ac:cxnSpMkLst>
+        </pc:cxnChg>
+        <pc:cxnChg chg="add mod">
+          <ac:chgData name="Jinyin Yan" userId="7d7b1cac-fbbc-4678-8cfc-23ca66a374ce" providerId="ADAL" clId="{FF26C555-752D-4004-A979-9228B3A43E4C}" dt="2025-01-17T06:31:56.227" v="1501" actId="1076"/>
+          <ac:cxnSpMkLst>
+            <pc:docMk/>
+            <pc:sldMk cId="2374530566" sldId="267"/>
+            <ac:cxnSpMk id="46" creationId="{BC90CBB7-1168-E6E4-289F-A43E3DCE78D2}"/>
+          </ac:cxnSpMkLst>
+        </pc:cxnChg>
+        <pc:cxnChg chg="add mod">
+          <ac:chgData name="Jinyin Yan" userId="7d7b1cac-fbbc-4678-8cfc-23ca66a374ce" providerId="ADAL" clId="{FF26C555-752D-4004-A979-9228B3A43E4C}" dt="2025-01-17T06:31:56.227" v="1501" actId="1076"/>
+          <ac:cxnSpMkLst>
+            <pc:docMk/>
+            <pc:sldMk cId="2374530566" sldId="267"/>
+            <ac:cxnSpMk id="49" creationId="{D5F76CA6-C91E-CA8E-B47C-2B7BD5EC9766}"/>
+          </ac:cxnSpMkLst>
+        </pc:cxnChg>
+        <pc:cxnChg chg="add mod">
+          <ac:chgData name="Jinyin Yan" userId="7d7b1cac-fbbc-4678-8cfc-23ca66a374ce" providerId="ADAL" clId="{FF26C555-752D-4004-A979-9228B3A43E4C}" dt="2025-01-17T06:31:56.227" v="1501" actId="1076"/>
+          <ac:cxnSpMkLst>
+            <pc:docMk/>
+            <pc:sldMk cId="2374530566" sldId="267"/>
+            <ac:cxnSpMk id="53" creationId="{BEA38070-2BCB-B04A-7BFC-1FB260E4684F}"/>
+          </ac:cxnSpMkLst>
+        </pc:cxnChg>
+        <pc:cxnChg chg="add mod">
+          <ac:chgData name="Jinyin Yan" userId="7d7b1cac-fbbc-4678-8cfc-23ca66a374ce" providerId="ADAL" clId="{FF26C555-752D-4004-A979-9228B3A43E4C}" dt="2025-01-17T06:31:56.227" v="1501" actId="1076"/>
+          <ac:cxnSpMkLst>
+            <pc:docMk/>
+            <pc:sldMk cId="2374530566" sldId="267"/>
+            <ac:cxnSpMk id="59" creationId="{C8F854FA-6EE9-37B4-D9AB-9CCFE7B5839A}"/>
+          </ac:cxnSpMkLst>
+        </pc:cxnChg>
+      </pc:sldChg>
+      <pc:sldChg chg="addSp delSp modSp new mod">
+        <pc:chgData name="Jinyin Yan" userId="7d7b1cac-fbbc-4678-8cfc-23ca66a374ce" providerId="ADAL" clId="{FF26C555-752D-4004-A979-9228B3A43E4C}" dt="2025-01-17T06:57:25.791" v="1567" actId="1076"/>
+        <pc:sldMkLst>
+          <pc:docMk/>
+          <pc:sldMk cId="3270565089" sldId="268"/>
+        </pc:sldMkLst>
+        <pc:spChg chg="del">
+          <ac:chgData name="Jinyin Yan" userId="7d7b1cac-fbbc-4678-8cfc-23ca66a374ce" providerId="ADAL" clId="{FF26C555-752D-4004-A979-9228B3A43E4C}" dt="2025-01-17T06:49:11.415" v="1524" actId="478"/>
+          <ac:spMkLst>
+            <pc:docMk/>
+            <pc:sldMk cId="3270565089" sldId="268"/>
+            <ac:spMk id="2" creationId="{33318DEE-BBD9-DBAC-AC6D-3B9C5F68E118}"/>
+          </ac:spMkLst>
+        </pc:spChg>
+        <pc:spChg chg="del">
+          <ac:chgData name="Jinyin Yan" userId="7d7b1cac-fbbc-4678-8cfc-23ca66a374ce" providerId="ADAL" clId="{FF26C555-752D-4004-A979-9228B3A43E4C}" dt="2025-01-17T06:49:09.499" v="1523" actId="478"/>
+          <ac:spMkLst>
+            <pc:docMk/>
+            <pc:sldMk cId="3270565089" sldId="268"/>
+            <ac:spMk id="3" creationId="{D3E2F257-5A43-5CBB-F5CD-63B997BA47C9}"/>
+          </ac:spMkLst>
+        </pc:spChg>
+        <pc:spChg chg="mod">
+          <ac:chgData name="Jinyin Yan" userId="7d7b1cac-fbbc-4678-8cfc-23ca66a374ce" providerId="ADAL" clId="{FF26C555-752D-4004-A979-9228B3A43E4C}" dt="2025-01-17T06:49:29.818" v="1525"/>
+          <ac:spMkLst>
+            <pc:docMk/>
+            <pc:sldMk cId="3270565089" sldId="268"/>
+            <ac:spMk id="5" creationId="{99612AF7-B881-11AB-93A0-3F5F9AC48BC2}"/>
+          </ac:spMkLst>
+        </pc:spChg>
+        <pc:spChg chg="mod">
+          <ac:chgData name="Jinyin Yan" userId="7d7b1cac-fbbc-4678-8cfc-23ca66a374ce" providerId="ADAL" clId="{FF26C555-752D-4004-A979-9228B3A43E4C}" dt="2025-01-17T06:49:29.818" v="1525"/>
+          <ac:spMkLst>
+            <pc:docMk/>
+            <pc:sldMk cId="3270565089" sldId="268"/>
+            <ac:spMk id="6" creationId="{56ADC805-5A54-EFE7-B4D9-B4DA83F76AA3}"/>
+          </ac:spMkLst>
+        </pc:spChg>
+        <pc:spChg chg="mod">
+          <ac:chgData name="Jinyin Yan" userId="7d7b1cac-fbbc-4678-8cfc-23ca66a374ce" providerId="ADAL" clId="{FF26C555-752D-4004-A979-9228B3A43E4C}" dt="2025-01-17T06:49:29.818" v="1525"/>
+          <ac:spMkLst>
+            <pc:docMk/>
+            <pc:sldMk cId="3270565089" sldId="268"/>
+            <ac:spMk id="7" creationId="{5D675132-EF09-8591-69EF-9D0F58D55A2F}"/>
+          </ac:spMkLst>
+        </pc:spChg>
+        <pc:spChg chg="mod">
+          <ac:chgData name="Jinyin Yan" userId="7d7b1cac-fbbc-4678-8cfc-23ca66a374ce" providerId="ADAL" clId="{FF26C555-752D-4004-A979-9228B3A43E4C}" dt="2025-01-17T06:49:29.818" v="1525"/>
+          <ac:spMkLst>
+            <pc:docMk/>
+            <pc:sldMk cId="3270565089" sldId="268"/>
+            <ac:spMk id="8" creationId="{B6EA236C-C231-22D7-AE1C-3345E33901A4}"/>
+          </ac:spMkLst>
+        </pc:spChg>
+        <pc:spChg chg="mod">
+          <ac:chgData name="Jinyin Yan" userId="7d7b1cac-fbbc-4678-8cfc-23ca66a374ce" providerId="ADAL" clId="{FF26C555-752D-4004-A979-9228B3A43E4C}" dt="2025-01-17T06:49:29.818" v="1525"/>
+          <ac:spMkLst>
+            <pc:docMk/>
+            <pc:sldMk cId="3270565089" sldId="268"/>
+            <ac:spMk id="9" creationId="{AB4978DE-1E3D-B1A4-EB79-4C46F71A6C3A}"/>
+          </ac:spMkLst>
+        </pc:spChg>
+        <pc:spChg chg="mod">
+          <ac:chgData name="Jinyin Yan" userId="7d7b1cac-fbbc-4678-8cfc-23ca66a374ce" providerId="ADAL" clId="{FF26C555-752D-4004-A979-9228B3A43E4C}" dt="2025-01-17T06:49:29.818" v="1525"/>
+          <ac:spMkLst>
+            <pc:docMk/>
+            <pc:sldMk cId="3270565089" sldId="268"/>
+            <ac:spMk id="18" creationId="{163B851D-C298-657F-4C15-33F92F4030B4}"/>
+          </ac:spMkLst>
+        </pc:spChg>
+        <pc:spChg chg="mod">
+          <ac:chgData name="Jinyin Yan" userId="7d7b1cac-fbbc-4678-8cfc-23ca66a374ce" providerId="ADAL" clId="{FF26C555-752D-4004-A979-9228B3A43E4C}" dt="2025-01-17T06:49:29.818" v="1525"/>
+          <ac:spMkLst>
+            <pc:docMk/>
+            <pc:sldMk cId="3270565089" sldId="268"/>
+            <ac:spMk id="19" creationId="{481299EA-AB78-753D-E8C6-752AFD5C5DC6}"/>
+          </ac:spMkLst>
+        </pc:spChg>
+        <pc:spChg chg="mod">
+          <ac:chgData name="Jinyin Yan" userId="7d7b1cac-fbbc-4678-8cfc-23ca66a374ce" providerId="ADAL" clId="{FF26C555-752D-4004-A979-9228B3A43E4C}" dt="2025-01-17T06:49:29.818" v="1525"/>
+          <ac:spMkLst>
+            <pc:docMk/>
+            <pc:sldMk cId="3270565089" sldId="268"/>
+            <ac:spMk id="20" creationId="{F381D412-20DE-2880-9298-BD30E8ACB17D}"/>
+          </ac:spMkLst>
+        </pc:spChg>
+        <pc:spChg chg="mod">
+          <ac:chgData name="Jinyin Yan" userId="7d7b1cac-fbbc-4678-8cfc-23ca66a374ce" providerId="ADAL" clId="{FF26C555-752D-4004-A979-9228B3A43E4C}" dt="2025-01-17T06:49:29.818" v="1525"/>
+          <ac:spMkLst>
+            <pc:docMk/>
+            <pc:sldMk cId="3270565089" sldId="268"/>
+            <ac:spMk id="21" creationId="{50D64A92-AE20-D25D-9836-881B1EB03E4E}"/>
+          </ac:spMkLst>
+        </pc:spChg>
+        <pc:spChg chg="mod">
+          <ac:chgData name="Jinyin Yan" userId="7d7b1cac-fbbc-4678-8cfc-23ca66a374ce" providerId="ADAL" clId="{FF26C555-752D-4004-A979-9228B3A43E4C}" dt="2025-01-17T06:49:29.818" v="1525"/>
+          <ac:spMkLst>
+            <pc:docMk/>
+            <pc:sldMk cId="3270565089" sldId="268"/>
+            <ac:spMk id="22" creationId="{62E5AECE-D300-F514-28A2-4C77C4D6F0CE}"/>
+          </ac:spMkLst>
+        </pc:spChg>
+        <pc:spChg chg="add mod">
+          <ac:chgData name="Jinyin Yan" userId="7d7b1cac-fbbc-4678-8cfc-23ca66a374ce" providerId="ADAL" clId="{FF26C555-752D-4004-A979-9228B3A43E4C}" dt="2025-01-17T06:57:25.791" v="1567" actId="1076"/>
+          <ac:spMkLst>
+            <pc:docMk/>
+            <pc:sldMk cId="3270565089" sldId="268"/>
+            <ac:spMk id="24" creationId="{4E08C9EB-2F0D-DD7D-8BFC-7843009088F2}"/>
+          </ac:spMkLst>
+        </pc:spChg>
+        <pc:spChg chg="add mod">
+          <ac:chgData name="Jinyin Yan" userId="7d7b1cac-fbbc-4678-8cfc-23ca66a374ce" providerId="ADAL" clId="{FF26C555-752D-4004-A979-9228B3A43E4C}" dt="2025-01-17T06:57:25.791" v="1567" actId="1076"/>
+          <ac:spMkLst>
+            <pc:docMk/>
+            <pc:sldMk cId="3270565089" sldId="268"/>
+            <ac:spMk id="25" creationId="{2F2D0BBE-5498-8018-9EAB-CAE5C4EC570E}"/>
+          </ac:spMkLst>
+        </pc:spChg>
+        <pc:spChg chg="mod">
+          <ac:chgData name="Jinyin Yan" userId="7d7b1cac-fbbc-4678-8cfc-23ca66a374ce" providerId="ADAL" clId="{FF26C555-752D-4004-A979-9228B3A43E4C}" dt="2025-01-17T06:49:29.818" v="1525"/>
+          <ac:spMkLst>
+            <pc:docMk/>
+            <pc:sldMk cId="3270565089" sldId="268"/>
+            <ac:spMk id="31" creationId="{6386413D-C20E-E249-8E64-0311D910FD24}"/>
+          </ac:spMkLst>
+        </pc:spChg>
+        <pc:spChg chg="mod">
+          <ac:chgData name="Jinyin Yan" userId="7d7b1cac-fbbc-4678-8cfc-23ca66a374ce" providerId="ADAL" clId="{FF26C555-752D-4004-A979-9228B3A43E4C}" dt="2025-01-17T06:49:29.818" v="1525"/>
+          <ac:spMkLst>
+            <pc:docMk/>
+            <pc:sldMk cId="3270565089" sldId="268"/>
+            <ac:spMk id="32" creationId="{AE488588-6E8C-BDBB-D757-AD5C3AF65EF6}"/>
+          </ac:spMkLst>
+        </pc:spChg>
+        <pc:spChg chg="mod">
+          <ac:chgData name="Jinyin Yan" userId="7d7b1cac-fbbc-4678-8cfc-23ca66a374ce" providerId="ADAL" clId="{FF26C555-752D-4004-A979-9228B3A43E4C}" dt="2025-01-17T06:49:29.818" v="1525"/>
+          <ac:spMkLst>
+            <pc:docMk/>
+            <pc:sldMk cId="3270565089" sldId="268"/>
+            <ac:spMk id="33" creationId="{4077E94B-A993-F43C-E234-C83B8A888164}"/>
+          </ac:spMkLst>
+        </pc:spChg>
+        <pc:spChg chg="mod">
+          <ac:chgData name="Jinyin Yan" userId="7d7b1cac-fbbc-4678-8cfc-23ca66a374ce" providerId="ADAL" clId="{FF26C555-752D-4004-A979-9228B3A43E4C}" dt="2025-01-17T06:49:29.818" v="1525"/>
+          <ac:spMkLst>
+            <pc:docMk/>
+            <pc:sldMk cId="3270565089" sldId="268"/>
+            <ac:spMk id="34" creationId="{2AC85F0B-16F6-2F99-5678-9776D1C93594}"/>
+          </ac:spMkLst>
+        </pc:spChg>
+        <pc:spChg chg="mod">
+          <ac:chgData name="Jinyin Yan" userId="7d7b1cac-fbbc-4678-8cfc-23ca66a374ce" providerId="ADAL" clId="{FF26C555-752D-4004-A979-9228B3A43E4C}" dt="2025-01-17T06:49:29.818" v="1525"/>
+          <ac:spMkLst>
+            <pc:docMk/>
+            <pc:sldMk cId="3270565089" sldId="268"/>
+            <ac:spMk id="35" creationId="{DCCFD5C2-3E39-EB5E-2F1F-A28F00A119F5}"/>
+          </ac:spMkLst>
+        </pc:spChg>
+        <pc:spChg chg="add del mod">
+          <ac:chgData name="Jinyin Yan" userId="7d7b1cac-fbbc-4678-8cfc-23ca66a374ce" providerId="ADAL" clId="{FF26C555-752D-4004-A979-9228B3A43E4C}" dt="2025-01-17T06:49:54.188" v="1528" actId="478"/>
+          <ac:spMkLst>
+            <pc:docMk/>
+            <pc:sldMk cId="3270565089" sldId="268"/>
+            <ac:spMk id="41" creationId="{11AB0AA4-7EC7-A469-1C16-CB16195A2395}"/>
+          </ac:spMkLst>
+        </pc:spChg>
+        <pc:spChg chg="add mod">
+          <ac:chgData name="Jinyin Yan" userId="7d7b1cac-fbbc-4678-8cfc-23ca66a374ce" providerId="ADAL" clId="{FF26C555-752D-4004-A979-9228B3A43E4C}" dt="2025-01-17T06:57:25.791" v="1567" actId="1076"/>
+          <ac:spMkLst>
+            <pc:docMk/>
+            <pc:sldMk cId="3270565089" sldId="268"/>
+            <ac:spMk id="42" creationId="{93D679AA-59CF-5607-3FD9-F60D1FABFDBA}"/>
+          </ac:spMkLst>
+        </pc:spChg>
+        <pc:spChg chg="add mod">
+          <ac:chgData name="Jinyin Yan" userId="7d7b1cac-fbbc-4678-8cfc-23ca66a374ce" providerId="ADAL" clId="{FF26C555-752D-4004-A979-9228B3A43E4C}" dt="2025-01-17T06:57:25.791" v="1567" actId="1076"/>
+          <ac:spMkLst>
+            <pc:docMk/>
+            <pc:sldMk cId="3270565089" sldId="268"/>
+            <ac:spMk id="43" creationId="{0BC280E8-3D5C-D263-A584-B6A62AB2B31D}"/>
+          </ac:spMkLst>
+        </pc:spChg>
+        <pc:spChg chg="add mod">
+          <ac:chgData name="Jinyin Yan" userId="7d7b1cac-fbbc-4678-8cfc-23ca66a374ce" providerId="ADAL" clId="{FF26C555-752D-4004-A979-9228B3A43E4C}" dt="2025-01-17T06:57:25.791" v="1567" actId="1076"/>
+          <ac:spMkLst>
+            <pc:docMk/>
+            <pc:sldMk cId="3270565089" sldId="268"/>
+            <ac:spMk id="44" creationId="{E7E6F046-91B3-464A-3573-4B4244DF9862}"/>
+          </ac:spMkLst>
+        </pc:spChg>
+        <pc:spChg chg="add mod">
+          <ac:chgData name="Jinyin Yan" userId="7d7b1cac-fbbc-4678-8cfc-23ca66a374ce" providerId="ADAL" clId="{FF26C555-752D-4004-A979-9228B3A43E4C}" dt="2025-01-17T06:57:25.791" v="1567" actId="1076"/>
+          <ac:spMkLst>
+            <pc:docMk/>
+            <pc:sldMk cId="3270565089" sldId="268"/>
+            <ac:spMk id="45" creationId="{5E9EB599-8C20-1585-5C09-A8AF95B6B65C}"/>
+          </ac:spMkLst>
+        </pc:spChg>
+        <pc:spChg chg="mod">
+          <ac:chgData name="Jinyin Yan" userId="7d7b1cac-fbbc-4678-8cfc-23ca66a374ce" providerId="ADAL" clId="{FF26C555-752D-4004-A979-9228B3A43E4C}" dt="2025-01-17T06:49:58.960" v="1529"/>
+          <ac:spMkLst>
+            <pc:docMk/>
+            <pc:sldMk cId="3270565089" sldId="268"/>
+            <ac:spMk id="51" creationId="{B4EBED2F-0B02-67E0-748A-6628E27851C9}"/>
+          </ac:spMkLst>
+        </pc:spChg>
+        <pc:spChg chg="mod">
+          <ac:chgData name="Jinyin Yan" userId="7d7b1cac-fbbc-4678-8cfc-23ca66a374ce" providerId="ADAL" clId="{FF26C555-752D-4004-A979-9228B3A43E4C}" dt="2025-01-17T06:49:58.960" v="1529"/>
+          <ac:spMkLst>
+            <pc:docMk/>
+            <pc:sldMk cId="3270565089" sldId="268"/>
+            <ac:spMk id="52" creationId="{469ABA29-95C5-80DE-9464-5FB5300F6AB3}"/>
+          </ac:spMkLst>
+        </pc:spChg>
+        <pc:spChg chg="mod">
+          <ac:chgData name="Jinyin Yan" userId="7d7b1cac-fbbc-4678-8cfc-23ca66a374ce" providerId="ADAL" clId="{FF26C555-752D-4004-A979-9228B3A43E4C}" dt="2025-01-17T06:49:58.960" v="1529"/>
+          <ac:spMkLst>
+            <pc:docMk/>
+            <pc:sldMk cId="3270565089" sldId="268"/>
+            <ac:spMk id="53" creationId="{B5D5EFBD-C0D1-1E4B-81A1-0C5948F3A6EB}"/>
+          </ac:spMkLst>
+        </pc:spChg>
+        <pc:spChg chg="mod">
+          <ac:chgData name="Jinyin Yan" userId="7d7b1cac-fbbc-4678-8cfc-23ca66a374ce" providerId="ADAL" clId="{FF26C555-752D-4004-A979-9228B3A43E4C}" dt="2025-01-17T06:49:58.960" v="1529"/>
+          <ac:spMkLst>
+            <pc:docMk/>
+            <pc:sldMk cId="3270565089" sldId="268"/>
+            <ac:spMk id="54" creationId="{AB399D45-F208-057E-09D9-566F623BE782}"/>
+          </ac:spMkLst>
+        </pc:spChg>
+        <pc:spChg chg="mod">
+          <ac:chgData name="Jinyin Yan" userId="7d7b1cac-fbbc-4678-8cfc-23ca66a374ce" providerId="ADAL" clId="{FF26C555-752D-4004-A979-9228B3A43E4C}" dt="2025-01-17T06:49:58.960" v="1529"/>
+          <ac:spMkLst>
+            <pc:docMk/>
+            <pc:sldMk cId="3270565089" sldId="268"/>
+            <ac:spMk id="55" creationId="{FB7F8364-4A86-AC7B-83A0-5A0F1F2AFF9A}"/>
+          </ac:spMkLst>
+        </pc:spChg>
+        <pc:spChg chg="add mod">
+          <ac:chgData name="Jinyin Yan" userId="7d7b1cac-fbbc-4678-8cfc-23ca66a374ce" providerId="ADAL" clId="{FF26C555-752D-4004-A979-9228B3A43E4C}" dt="2025-01-17T06:57:25.791" v="1567" actId="1076"/>
+          <ac:spMkLst>
+            <pc:docMk/>
+            <pc:sldMk cId="3270565089" sldId="268"/>
+            <ac:spMk id="60" creationId="{CC53E093-1196-3558-37D8-7E1876CFB45E}"/>
+          </ac:spMkLst>
+        </pc:spChg>
+        <pc:spChg chg="add mod">
+          <ac:chgData name="Jinyin Yan" userId="7d7b1cac-fbbc-4678-8cfc-23ca66a374ce" providerId="ADAL" clId="{FF26C555-752D-4004-A979-9228B3A43E4C}" dt="2025-01-17T06:57:25.791" v="1567" actId="1076"/>
+          <ac:spMkLst>
+            <pc:docMk/>
+            <pc:sldMk cId="3270565089" sldId="268"/>
+            <ac:spMk id="61" creationId="{D35862A4-9E43-F8E9-8718-867BC721D066}"/>
+          </ac:spMkLst>
+        </pc:spChg>
+        <pc:grpChg chg="add mod">
+          <ac:chgData name="Jinyin Yan" userId="7d7b1cac-fbbc-4678-8cfc-23ca66a374ce" providerId="ADAL" clId="{FF26C555-752D-4004-A979-9228B3A43E4C}" dt="2025-01-17T06:57:25.791" v="1567" actId="1076"/>
+          <ac:grpSpMkLst>
+            <pc:docMk/>
+            <pc:sldMk cId="3270565089" sldId="268"/>
+            <ac:grpSpMk id="4" creationId="{71DC9DAB-6BD2-391A-5D1D-83B228DDBA9C}"/>
+          </ac:grpSpMkLst>
+        </pc:grpChg>
+        <pc:grpChg chg="add mod">
+          <ac:chgData name="Jinyin Yan" userId="7d7b1cac-fbbc-4678-8cfc-23ca66a374ce" providerId="ADAL" clId="{FF26C555-752D-4004-A979-9228B3A43E4C}" dt="2025-01-17T06:57:25.791" v="1567" actId="1076"/>
+          <ac:grpSpMkLst>
+            <pc:docMk/>
+            <pc:sldMk cId="3270565089" sldId="268"/>
+            <ac:grpSpMk id="13" creationId="{77DD046B-1DA5-4AB2-A5AE-8281F7F910BA}"/>
+          </ac:grpSpMkLst>
+        </pc:grpChg>
+        <pc:grpChg chg="mod">
+          <ac:chgData name="Jinyin Yan" userId="7d7b1cac-fbbc-4678-8cfc-23ca66a374ce" providerId="ADAL" clId="{FF26C555-752D-4004-A979-9228B3A43E4C}" dt="2025-01-17T06:49:29.818" v="1525"/>
+          <ac:grpSpMkLst>
+            <pc:docMk/>
+            <pc:sldMk cId="3270565089" sldId="268"/>
+            <ac:grpSpMk id="14" creationId="{35A2117A-DB86-ABD1-2D2A-53CB788CF319}"/>
+          </ac:grpSpMkLst>
+        </pc:grpChg>
+        <pc:grpChg chg="add mod">
+          <ac:chgData name="Jinyin Yan" userId="7d7b1cac-fbbc-4678-8cfc-23ca66a374ce" providerId="ADAL" clId="{FF26C555-752D-4004-A979-9228B3A43E4C}" dt="2025-01-17T06:57:25.791" v="1567" actId="1076"/>
+          <ac:grpSpMkLst>
+            <pc:docMk/>
+            <pc:sldMk cId="3270565089" sldId="268"/>
+            <ac:grpSpMk id="26" creationId="{3FE76BE9-CD1E-A24E-EDF4-33537767DF3B}"/>
+          </ac:grpSpMkLst>
+        </pc:grpChg>
+        <pc:grpChg chg="mod">
+          <ac:chgData name="Jinyin Yan" userId="7d7b1cac-fbbc-4678-8cfc-23ca66a374ce" providerId="ADAL" clId="{FF26C555-752D-4004-A979-9228B3A43E4C}" dt="2025-01-17T06:49:29.818" v="1525"/>
+          <ac:grpSpMkLst>
+            <pc:docMk/>
+            <pc:sldMk cId="3270565089" sldId="268"/>
+            <ac:grpSpMk id="27" creationId="{0EA43BD6-2965-4596-452E-462A5CE88B7B}"/>
+          </ac:grpSpMkLst>
+        </pc:grpChg>
+        <pc:grpChg chg="add mod">
+          <ac:chgData name="Jinyin Yan" userId="7d7b1cac-fbbc-4678-8cfc-23ca66a374ce" providerId="ADAL" clId="{FF26C555-752D-4004-A979-9228B3A43E4C}" dt="2025-01-17T06:57:25.791" v="1567" actId="1076"/>
+          <ac:grpSpMkLst>
+            <pc:docMk/>
+            <pc:sldMk cId="3270565089" sldId="268"/>
+            <ac:grpSpMk id="46" creationId="{A82923A6-C9D5-E585-89A3-1D351026E507}"/>
+          </ac:grpSpMkLst>
+        </pc:grpChg>
+        <pc:grpChg chg="mod">
+          <ac:chgData name="Jinyin Yan" userId="7d7b1cac-fbbc-4678-8cfc-23ca66a374ce" providerId="ADAL" clId="{FF26C555-752D-4004-A979-9228B3A43E4C}" dt="2025-01-17T06:49:58.960" v="1529"/>
+          <ac:grpSpMkLst>
+            <pc:docMk/>
+            <pc:sldMk cId="3270565089" sldId="268"/>
+            <ac:grpSpMk id="47" creationId="{39992EBA-BAAF-B15B-7548-D4B763BC906A}"/>
+          </ac:grpSpMkLst>
+        </pc:grpChg>
+        <pc:cxnChg chg="add mod">
+          <ac:chgData name="Jinyin Yan" userId="7d7b1cac-fbbc-4678-8cfc-23ca66a374ce" providerId="ADAL" clId="{FF26C555-752D-4004-A979-9228B3A43E4C}" dt="2025-01-17T06:57:25.791" v="1567" actId="1076"/>
+          <ac:cxnSpMkLst>
+            <pc:docMk/>
+            <pc:sldMk cId="3270565089" sldId="268"/>
+            <ac:cxnSpMk id="10" creationId="{88547ABA-CBE2-D276-2896-6480622E7723}"/>
+          </ac:cxnSpMkLst>
+        </pc:cxnChg>
+        <pc:cxnChg chg="add mod">
+          <ac:chgData name="Jinyin Yan" userId="7d7b1cac-fbbc-4678-8cfc-23ca66a374ce" providerId="ADAL" clId="{FF26C555-752D-4004-A979-9228B3A43E4C}" dt="2025-01-17T06:57:25.791" v="1567" actId="1076"/>
+          <ac:cxnSpMkLst>
+            <pc:docMk/>
+            <pc:sldMk cId="3270565089" sldId="268"/>
+            <ac:cxnSpMk id="11" creationId="{F84BC17E-862C-CD28-8493-9A0897047FD9}"/>
+          </ac:cxnSpMkLst>
+        </pc:cxnChg>
+        <pc:cxnChg chg="add mod">
+          <ac:chgData name="Jinyin Yan" userId="7d7b1cac-fbbc-4678-8cfc-23ca66a374ce" providerId="ADAL" clId="{FF26C555-752D-4004-A979-9228B3A43E4C}" dt="2025-01-17T06:57:25.791" v="1567" actId="1076"/>
+          <ac:cxnSpMkLst>
+            <pc:docMk/>
+            <pc:sldMk cId="3270565089" sldId="268"/>
+            <ac:cxnSpMk id="12" creationId="{5815E5E8-6C17-58EF-B27C-8394956D1599}"/>
+          </ac:cxnSpMkLst>
+        </pc:cxnChg>
+        <pc:cxnChg chg="mod">
+          <ac:chgData name="Jinyin Yan" userId="7d7b1cac-fbbc-4678-8cfc-23ca66a374ce" providerId="ADAL" clId="{FF26C555-752D-4004-A979-9228B3A43E4C}" dt="2025-01-17T06:49:29.818" v="1525"/>
+          <ac:cxnSpMkLst>
+            <pc:docMk/>
+            <pc:sldMk cId="3270565089" sldId="268"/>
+            <ac:cxnSpMk id="15" creationId="{EA161C6A-5BA6-6768-AB9C-2C55D876AECA}"/>
+          </ac:cxnSpMkLst>
+        </pc:cxnChg>
+        <pc:cxnChg chg="mod">
+          <ac:chgData name="Jinyin Yan" userId="7d7b1cac-fbbc-4678-8cfc-23ca66a374ce" providerId="ADAL" clId="{FF26C555-752D-4004-A979-9228B3A43E4C}" dt="2025-01-17T06:49:29.818" v="1525"/>
+          <ac:cxnSpMkLst>
+            <pc:docMk/>
+            <pc:sldMk cId="3270565089" sldId="268"/>
+            <ac:cxnSpMk id="16" creationId="{E9AA0865-8C67-C013-217A-C5EAA542EF74}"/>
+          </ac:cxnSpMkLst>
+        </pc:cxnChg>
+        <pc:cxnChg chg="mod">
+          <ac:chgData name="Jinyin Yan" userId="7d7b1cac-fbbc-4678-8cfc-23ca66a374ce" providerId="ADAL" clId="{FF26C555-752D-4004-A979-9228B3A43E4C}" dt="2025-01-17T06:49:29.818" v="1525"/>
+          <ac:cxnSpMkLst>
+            <pc:docMk/>
+            <pc:sldMk cId="3270565089" sldId="268"/>
+            <ac:cxnSpMk id="17" creationId="{589DF085-32D7-DF51-4A39-20F366F9B621}"/>
+          </ac:cxnSpMkLst>
+        </pc:cxnChg>
+        <pc:cxnChg chg="add mod">
+          <ac:chgData name="Jinyin Yan" userId="7d7b1cac-fbbc-4678-8cfc-23ca66a374ce" providerId="ADAL" clId="{FF26C555-752D-4004-A979-9228B3A43E4C}" dt="2025-01-17T06:57:25.791" v="1567" actId="1076"/>
+          <ac:cxnSpMkLst>
+            <pc:docMk/>
+            <pc:sldMk cId="3270565089" sldId="268"/>
+            <ac:cxnSpMk id="23" creationId="{E3242472-3979-0B20-1D9A-A9D6A3276DA1}"/>
+          </ac:cxnSpMkLst>
+        </pc:cxnChg>
+        <pc:cxnChg chg="mod">
+          <ac:chgData name="Jinyin Yan" userId="7d7b1cac-fbbc-4678-8cfc-23ca66a374ce" providerId="ADAL" clId="{FF26C555-752D-4004-A979-9228B3A43E4C}" dt="2025-01-17T06:49:29.818" v="1525"/>
+          <ac:cxnSpMkLst>
+            <pc:docMk/>
+            <pc:sldMk cId="3270565089" sldId="268"/>
+            <ac:cxnSpMk id="28" creationId="{300407A8-3C32-9EF0-8100-29B57E1EC357}"/>
+          </ac:cxnSpMkLst>
+        </pc:cxnChg>
+        <pc:cxnChg chg="mod">
+          <ac:chgData name="Jinyin Yan" userId="7d7b1cac-fbbc-4678-8cfc-23ca66a374ce" providerId="ADAL" clId="{FF26C555-752D-4004-A979-9228B3A43E4C}" dt="2025-01-17T06:49:29.818" v="1525"/>
+          <ac:cxnSpMkLst>
+            <pc:docMk/>
+            <pc:sldMk cId="3270565089" sldId="268"/>
+            <ac:cxnSpMk id="29" creationId="{40AADE55-9757-AAA1-1524-1D7190E5CA02}"/>
+          </ac:cxnSpMkLst>
+        </pc:cxnChg>
+        <pc:cxnChg chg="mod">
+          <ac:chgData name="Jinyin Yan" userId="7d7b1cac-fbbc-4678-8cfc-23ca66a374ce" providerId="ADAL" clId="{FF26C555-752D-4004-A979-9228B3A43E4C}" dt="2025-01-17T06:49:29.818" v="1525"/>
+          <ac:cxnSpMkLst>
+            <pc:docMk/>
+            <pc:sldMk cId="3270565089" sldId="268"/>
+            <ac:cxnSpMk id="30" creationId="{F9D4AC9A-128B-0AFE-493B-F268156FC009}"/>
+          </ac:cxnSpMkLst>
+        </pc:cxnChg>
+        <pc:cxnChg chg="add mod">
+          <ac:chgData name="Jinyin Yan" userId="7d7b1cac-fbbc-4678-8cfc-23ca66a374ce" providerId="ADAL" clId="{FF26C555-752D-4004-A979-9228B3A43E4C}" dt="2025-01-17T06:57:25.791" v="1567" actId="1076"/>
+          <ac:cxnSpMkLst>
+            <pc:docMk/>
+            <pc:sldMk cId="3270565089" sldId="268"/>
+            <ac:cxnSpMk id="36" creationId="{97A9E6D2-1D3A-EAB9-CEE7-2AD737C88634}"/>
+          </ac:cxnSpMkLst>
+        </pc:cxnChg>
+        <pc:cxnChg chg="add mod">
+          <ac:chgData name="Jinyin Yan" userId="7d7b1cac-fbbc-4678-8cfc-23ca66a374ce" providerId="ADAL" clId="{FF26C555-752D-4004-A979-9228B3A43E4C}" dt="2025-01-17T06:57:25.791" v="1567" actId="1076"/>
+          <ac:cxnSpMkLst>
+            <pc:docMk/>
+            <pc:sldMk cId="3270565089" sldId="268"/>
+            <ac:cxnSpMk id="37" creationId="{B52C572E-1160-949F-9CF7-6BC67B479928}"/>
+          </ac:cxnSpMkLst>
+        </pc:cxnChg>
+        <pc:cxnChg chg="add mod">
+          <ac:chgData name="Jinyin Yan" userId="7d7b1cac-fbbc-4678-8cfc-23ca66a374ce" providerId="ADAL" clId="{FF26C555-752D-4004-A979-9228B3A43E4C}" dt="2025-01-17T06:57:25.791" v="1567" actId="1076"/>
+          <ac:cxnSpMkLst>
+            <pc:docMk/>
+            <pc:sldMk cId="3270565089" sldId="268"/>
+            <ac:cxnSpMk id="38" creationId="{42F7B96D-663B-E818-C77B-B8209F6A85EE}"/>
+          </ac:cxnSpMkLst>
+        </pc:cxnChg>
+        <pc:cxnChg chg="add del mod">
+          <ac:chgData name="Jinyin Yan" userId="7d7b1cac-fbbc-4678-8cfc-23ca66a374ce" providerId="ADAL" clId="{FF26C555-752D-4004-A979-9228B3A43E4C}" dt="2025-01-17T06:49:50.639" v="1526" actId="478"/>
+          <ac:cxnSpMkLst>
+            <pc:docMk/>
+            <pc:sldMk cId="3270565089" sldId="268"/>
+            <ac:cxnSpMk id="39" creationId="{1ABFBD50-919E-5B9F-AD61-6AD68D2E26A2}"/>
+          </ac:cxnSpMkLst>
+        </pc:cxnChg>
+        <pc:cxnChg chg="add del mod">
+          <ac:chgData name="Jinyin Yan" userId="7d7b1cac-fbbc-4678-8cfc-23ca66a374ce" providerId="ADAL" clId="{FF26C555-752D-4004-A979-9228B3A43E4C}" dt="2025-01-17T06:49:52.075" v="1527" actId="478"/>
+          <ac:cxnSpMkLst>
+            <pc:docMk/>
+            <pc:sldMk cId="3270565089" sldId="268"/>
+            <ac:cxnSpMk id="40" creationId="{D3B1137A-B83F-7DD4-07B0-0AAF58897E46}"/>
+          </ac:cxnSpMkLst>
+        </pc:cxnChg>
+        <pc:cxnChg chg="mod">
+          <ac:chgData name="Jinyin Yan" userId="7d7b1cac-fbbc-4678-8cfc-23ca66a374ce" providerId="ADAL" clId="{FF26C555-752D-4004-A979-9228B3A43E4C}" dt="2025-01-17T06:49:58.960" v="1529"/>
+          <ac:cxnSpMkLst>
+            <pc:docMk/>
+            <pc:sldMk cId="3270565089" sldId="268"/>
+            <ac:cxnSpMk id="48" creationId="{851165C8-6134-BFA9-E0C0-99964F5FB076}"/>
+          </ac:cxnSpMkLst>
+        </pc:cxnChg>
+        <pc:cxnChg chg="mod">
+          <ac:chgData name="Jinyin Yan" userId="7d7b1cac-fbbc-4678-8cfc-23ca66a374ce" providerId="ADAL" clId="{FF26C555-752D-4004-A979-9228B3A43E4C}" dt="2025-01-17T06:49:58.960" v="1529"/>
+          <ac:cxnSpMkLst>
+            <pc:docMk/>
+            <pc:sldMk cId="3270565089" sldId="268"/>
+            <ac:cxnSpMk id="49" creationId="{BBBEF0D0-48F4-28AE-C887-93F86F44C44D}"/>
+          </ac:cxnSpMkLst>
+        </pc:cxnChg>
+        <pc:cxnChg chg="mod">
+          <ac:chgData name="Jinyin Yan" userId="7d7b1cac-fbbc-4678-8cfc-23ca66a374ce" providerId="ADAL" clId="{FF26C555-752D-4004-A979-9228B3A43E4C}" dt="2025-01-17T06:49:58.960" v="1529"/>
+          <ac:cxnSpMkLst>
+            <pc:docMk/>
+            <pc:sldMk cId="3270565089" sldId="268"/>
+            <ac:cxnSpMk id="50" creationId="{FF22B2B5-A3AD-D50C-FC8E-091D16A3A7F8}"/>
+          </ac:cxnSpMkLst>
+        </pc:cxnChg>
+        <pc:cxnChg chg="add mod">
+          <ac:chgData name="Jinyin Yan" userId="7d7b1cac-fbbc-4678-8cfc-23ca66a374ce" providerId="ADAL" clId="{FF26C555-752D-4004-A979-9228B3A43E4C}" dt="2025-01-17T06:57:25.791" v="1567" actId="1076"/>
+          <ac:cxnSpMkLst>
+            <pc:docMk/>
+            <pc:sldMk cId="3270565089" sldId="268"/>
+            <ac:cxnSpMk id="57" creationId="{096897CD-B0AE-703C-6DD8-C4450DD8F045}"/>
           </ac:cxnSpMkLst>
         </pc:cxnChg>
       </pc:sldChg>
@@ -11037,6 +12165,4751 @@
     <p:extLst>
       <p:ext uri="{BB962C8B-B14F-4D97-AF65-F5344CB8AC3E}">
         <p14:creationId xmlns:p14="http://schemas.microsoft.com/office/powerpoint/2010/main" val="3857928627"/>
+      </p:ext>
+    </p:extLst>
+  </p:cSld>
+  <p:clrMapOvr>
+    <a:masterClrMapping/>
+  </p:clrMapOvr>
+</p:sld>
+</file>
+
+<file path=ppt/slides/slide11.xml><?xml version="1.0" encoding="utf-8"?>
+<p:sld xmlns:a="http://schemas.openxmlformats.org/drawingml/2006/main" xmlns:r="http://schemas.openxmlformats.org/officeDocument/2006/relationships" xmlns:p="http://schemas.openxmlformats.org/presentationml/2006/main">
+  <p:cSld>
+    <p:spTree>
+      <p:nvGrpSpPr>
+        <p:cNvPr id="1" name=""/>
+        <p:cNvGrpSpPr/>
+        <p:nvPr/>
+      </p:nvGrpSpPr>
+      <p:grpSpPr>
+        <a:xfrm>
+          <a:off x="0" y="0"/>
+          <a:ext cx="0" cy="0"/>
+          <a:chOff x="0" y="0"/>
+          <a:chExt cx="0" cy="0"/>
+        </a:xfrm>
+      </p:grpSpPr>
+      <p:grpSp>
+        <p:nvGrpSpPr>
+          <p:cNvPr id="4" name="组合 44">
+            <a:extLst>
+              <a:ext uri="{FF2B5EF4-FFF2-40B4-BE49-F238E27FC236}">
+                <a16:creationId xmlns:a16="http://schemas.microsoft.com/office/drawing/2014/main" id="{55465DDE-4DF7-4FE1-8B99-903583876340}"/>
+              </a:ext>
+            </a:extLst>
+          </p:cNvPr>
+          <p:cNvGrpSpPr/>
+          <p:nvPr/>
+        </p:nvGrpSpPr>
+        <p:grpSpPr>
+          <a:xfrm>
+            <a:off x="7316248" y="2912423"/>
+            <a:ext cx="1187867" cy="1033153"/>
+            <a:chOff x="2459115" y="1343921"/>
+            <a:chExt cx="1187867" cy="1033153"/>
+          </a:xfrm>
+        </p:grpSpPr>
+        <p:grpSp>
+          <p:nvGrpSpPr>
+            <p:cNvPr id="5" name="组合 45">
+              <a:extLst>
+                <a:ext uri="{FF2B5EF4-FFF2-40B4-BE49-F238E27FC236}">
+                  <a16:creationId xmlns:a16="http://schemas.microsoft.com/office/drawing/2014/main" id="{5983CF07-EEC6-0D8D-6001-D60E41895316}"/>
+                </a:ext>
+              </a:extLst>
+            </p:cNvPr>
+            <p:cNvGrpSpPr/>
+            <p:nvPr/>
+          </p:nvGrpSpPr>
+          <p:grpSpPr>
+            <a:xfrm>
+              <a:off x="2661581" y="1343921"/>
+              <a:ext cx="756004" cy="1033153"/>
+              <a:chOff x="2661581" y="1343921"/>
+              <a:chExt cx="756004" cy="1033153"/>
+            </a:xfrm>
+          </p:grpSpPr>
+          <p:sp>
+            <p:nvSpPr>
+              <p:cNvPr id="9" name="矩形 49">
+                <a:extLst>
+                  <a:ext uri="{FF2B5EF4-FFF2-40B4-BE49-F238E27FC236}">
+                    <a16:creationId xmlns:a16="http://schemas.microsoft.com/office/drawing/2014/main" id="{73131CFB-F710-DF18-0CB0-A3FC2B22736F}"/>
+                  </a:ext>
+                </a:extLst>
+              </p:cNvPr>
+              <p:cNvSpPr/>
+              <p:nvPr/>
+            </p:nvSpPr>
+            <p:spPr>
+              <a:xfrm>
+                <a:off x="2765072" y="1343921"/>
+                <a:ext cx="575953" cy="1033153"/>
+              </a:xfrm>
+              <a:prstGeom prst="rect">
+                <a:avLst/>
+              </a:prstGeom>
+              <a:noFill/>
+            </p:spPr>
+            <p:style>
+              <a:lnRef idx="2">
+                <a:schemeClr val="accent1">
+                  <a:shade val="50000"/>
+                </a:schemeClr>
+              </a:lnRef>
+              <a:fillRef idx="1">
+                <a:schemeClr val="accent1"/>
+              </a:fillRef>
+              <a:effectRef idx="0">
+                <a:schemeClr val="accent1"/>
+              </a:effectRef>
+              <a:fontRef idx="minor">
+                <a:schemeClr val="lt1"/>
+              </a:fontRef>
+            </p:style>
+            <p:txBody>
+              <a:bodyPr rtlCol="0" anchor="ctr"/>
+              <a:lstStyle/>
+              <a:p>
+                <a:pPr algn="ctr"/>
+                <a:endParaRPr lang="zh-CN" altLang="en-US" dirty="0">
+                  <a:solidFill>
+                    <a:schemeClr val="tx1"/>
+                  </a:solidFill>
+                </a:endParaRPr>
+              </a:p>
+            </p:txBody>
+          </p:sp>
+          <p:sp>
+            <p:nvSpPr>
+              <p:cNvPr id="10" name="直角三角形 50">
+                <a:extLst>
+                  <a:ext uri="{FF2B5EF4-FFF2-40B4-BE49-F238E27FC236}">
+                    <a16:creationId xmlns:a16="http://schemas.microsoft.com/office/drawing/2014/main" id="{EDD8EDEB-47A9-D5F6-E0B2-3319E5B49D73}"/>
+                  </a:ext>
+                </a:extLst>
+              </p:cNvPr>
+              <p:cNvSpPr/>
+              <p:nvPr/>
+            </p:nvSpPr>
+            <p:spPr>
+              <a:xfrm rot="13320000">
+                <a:off x="2661581" y="2001597"/>
+                <a:ext cx="206982" cy="226517"/>
+              </a:xfrm>
+              <a:prstGeom prst="rtTriangle">
+                <a:avLst/>
+              </a:prstGeom>
+              <a:noFill/>
+            </p:spPr>
+            <p:style>
+              <a:lnRef idx="2">
+                <a:schemeClr val="accent1">
+                  <a:shade val="50000"/>
+                </a:schemeClr>
+              </a:lnRef>
+              <a:fillRef idx="1">
+                <a:schemeClr val="accent1"/>
+              </a:fillRef>
+              <a:effectRef idx="0">
+                <a:schemeClr val="accent1"/>
+              </a:effectRef>
+              <a:fontRef idx="minor">
+                <a:schemeClr val="lt1"/>
+              </a:fontRef>
+            </p:style>
+            <p:txBody>
+              <a:bodyPr rtlCol="0" anchor="ctr"/>
+              <a:lstStyle/>
+              <a:p>
+                <a:pPr algn="ctr"/>
+                <a:endParaRPr lang="zh-CN" altLang="en-US"/>
+              </a:p>
+            </p:txBody>
+          </p:sp>
+          <p:sp>
+            <p:nvSpPr>
+              <p:cNvPr id="11" name="文本框 51">
+                <a:extLst>
+                  <a:ext uri="{FF2B5EF4-FFF2-40B4-BE49-F238E27FC236}">
+                    <a16:creationId xmlns:a16="http://schemas.microsoft.com/office/drawing/2014/main" id="{751829FD-D6EC-0E29-596E-4C54AE3C1996}"/>
+                  </a:ext>
+                </a:extLst>
+              </p:cNvPr>
+              <p:cNvSpPr txBox="1"/>
+              <p:nvPr/>
+            </p:nvSpPr>
+            <p:spPr>
+              <a:xfrm>
+                <a:off x="2692832" y="1391816"/>
+                <a:ext cx="343364" cy="369332"/>
+              </a:xfrm>
+              <a:prstGeom prst="rect">
+                <a:avLst/>
+              </a:prstGeom>
+              <a:noFill/>
+            </p:spPr>
+            <p:txBody>
+              <a:bodyPr wrap="none" rtlCol="0">
+                <a:spAutoFit/>
+              </a:bodyPr>
+              <a:lstStyle/>
+              <a:p>
+                <a:r>
+                  <a:rPr kumimoji="1" lang="en-US" altLang="zh-CN" dirty="0"/>
+                  <a:t>D</a:t>
+                </a:r>
+                <a:endParaRPr kumimoji="1" lang="zh-CN" altLang="en-US" dirty="0"/>
+              </a:p>
+            </p:txBody>
+          </p:sp>
+          <p:sp>
+            <p:nvSpPr>
+              <p:cNvPr id="12" name="文本框 52">
+                <a:extLst>
+                  <a:ext uri="{FF2B5EF4-FFF2-40B4-BE49-F238E27FC236}">
+                    <a16:creationId xmlns:a16="http://schemas.microsoft.com/office/drawing/2014/main" id="{34C204D0-9E02-EA17-09E6-DC87C2F2413F}"/>
+                  </a:ext>
+                </a:extLst>
+              </p:cNvPr>
+              <p:cNvSpPr txBox="1"/>
+              <p:nvPr/>
+            </p:nvSpPr>
+            <p:spPr>
+              <a:xfrm>
+                <a:off x="2864514" y="1930189"/>
+                <a:ext cx="455574" cy="369332"/>
+              </a:xfrm>
+              <a:prstGeom prst="rect">
+                <a:avLst/>
+              </a:prstGeom>
+              <a:noFill/>
+            </p:spPr>
+            <p:txBody>
+              <a:bodyPr wrap="none" rtlCol="0">
+                <a:spAutoFit/>
+              </a:bodyPr>
+              <a:lstStyle/>
+              <a:p>
+                <a:r>
+                  <a:rPr kumimoji="1" lang="en-US" altLang="zh-CN" dirty="0"/>
+                  <a:t>CK</a:t>
+                </a:r>
+                <a:endParaRPr kumimoji="1" lang="zh-CN" altLang="en-US" dirty="0"/>
+              </a:p>
+            </p:txBody>
+          </p:sp>
+          <p:sp>
+            <p:nvSpPr>
+              <p:cNvPr id="13" name="文本框 53">
+                <a:extLst>
+                  <a:ext uri="{FF2B5EF4-FFF2-40B4-BE49-F238E27FC236}">
+                    <a16:creationId xmlns:a16="http://schemas.microsoft.com/office/drawing/2014/main" id="{D6D53775-3BFC-ADB2-2B79-C80BF93683B6}"/>
+                  </a:ext>
+                </a:extLst>
+              </p:cNvPr>
+              <p:cNvSpPr txBox="1"/>
+              <p:nvPr/>
+            </p:nvSpPr>
+            <p:spPr>
+              <a:xfrm>
+                <a:off x="3058191" y="1391816"/>
+                <a:ext cx="359394" cy="369332"/>
+              </a:xfrm>
+              <a:prstGeom prst="rect">
+                <a:avLst/>
+              </a:prstGeom>
+              <a:noFill/>
+            </p:spPr>
+            <p:txBody>
+              <a:bodyPr wrap="none" rtlCol="0">
+                <a:spAutoFit/>
+              </a:bodyPr>
+              <a:lstStyle/>
+              <a:p>
+                <a:r>
+                  <a:rPr kumimoji="1" lang="en-US" altLang="zh-CN" dirty="0"/>
+                  <a:t>Q</a:t>
+                </a:r>
+                <a:endParaRPr kumimoji="1" lang="zh-CN" altLang="en-US" dirty="0"/>
+              </a:p>
+            </p:txBody>
+          </p:sp>
+        </p:grpSp>
+        <p:cxnSp>
+          <p:nvCxnSpPr>
+            <p:cNvPr id="6" name="直线连接符 46">
+              <a:extLst>
+                <a:ext uri="{FF2B5EF4-FFF2-40B4-BE49-F238E27FC236}">
+                  <a16:creationId xmlns:a16="http://schemas.microsoft.com/office/drawing/2014/main" id="{242B1120-5F42-AD1F-6AB1-6CE0C60B3CDC}"/>
+                </a:ext>
+              </a:extLst>
+            </p:cNvPr>
+            <p:cNvCxnSpPr>
+              <a:cxnSpLocks/>
+            </p:cNvCxnSpPr>
+            <p:nvPr/>
+          </p:nvCxnSpPr>
+          <p:spPr>
+            <a:xfrm>
+              <a:off x="2459115" y="1576482"/>
+              <a:ext cx="305957" cy="0"/>
+            </a:xfrm>
+            <a:prstGeom prst="line">
+              <a:avLst/>
+            </a:prstGeom>
+          </p:spPr>
+          <p:style>
+            <a:lnRef idx="2">
+              <a:schemeClr val="accent1"/>
+            </a:lnRef>
+            <a:fillRef idx="0">
+              <a:schemeClr val="accent1"/>
+            </a:fillRef>
+            <a:effectRef idx="1">
+              <a:schemeClr val="accent1"/>
+            </a:effectRef>
+            <a:fontRef idx="minor">
+              <a:schemeClr val="tx1"/>
+            </a:fontRef>
+          </p:style>
+        </p:cxnSp>
+        <p:cxnSp>
+          <p:nvCxnSpPr>
+            <p:cNvPr id="7" name="直线连接符 47">
+              <a:extLst>
+                <a:ext uri="{FF2B5EF4-FFF2-40B4-BE49-F238E27FC236}">
+                  <a16:creationId xmlns:a16="http://schemas.microsoft.com/office/drawing/2014/main" id="{F68665A8-68C5-A470-DFBC-672A6C7E8305}"/>
+                </a:ext>
+              </a:extLst>
+            </p:cNvPr>
+            <p:cNvCxnSpPr>
+              <a:cxnSpLocks/>
+            </p:cNvCxnSpPr>
+            <p:nvPr/>
+          </p:nvCxnSpPr>
+          <p:spPr>
+            <a:xfrm>
+              <a:off x="3341025" y="1576482"/>
+              <a:ext cx="305957" cy="0"/>
+            </a:xfrm>
+            <a:prstGeom prst="line">
+              <a:avLst/>
+            </a:prstGeom>
+          </p:spPr>
+          <p:style>
+            <a:lnRef idx="2">
+              <a:schemeClr val="accent1"/>
+            </a:lnRef>
+            <a:fillRef idx="0">
+              <a:schemeClr val="accent1"/>
+            </a:fillRef>
+            <a:effectRef idx="1">
+              <a:schemeClr val="accent1"/>
+            </a:effectRef>
+            <a:fontRef idx="minor">
+              <a:schemeClr val="tx1"/>
+            </a:fontRef>
+          </p:style>
+        </p:cxnSp>
+        <p:cxnSp>
+          <p:nvCxnSpPr>
+            <p:cNvPr id="8" name="直线连接符 48">
+              <a:extLst>
+                <a:ext uri="{FF2B5EF4-FFF2-40B4-BE49-F238E27FC236}">
+                  <a16:creationId xmlns:a16="http://schemas.microsoft.com/office/drawing/2014/main" id="{10CF082B-B0F3-53B5-A6E3-E16CA51BB133}"/>
+                </a:ext>
+              </a:extLst>
+            </p:cNvPr>
+            <p:cNvCxnSpPr>
+              <a:cxnSpLocks/>
+            </p:cNvCxnSpPr>
+            <p:nvPr/>
+          </p:nvCxnSpPr>
+          <p:spPr>
+            <a:xfrm>
+              <a:off x="2459115" y="2103714"/>
+              <a:ext cx="305957" cy="0"/>
+            </a:xfrm>
+            <a:prstGeom prst="line">
+              <a:avLst/>
+            </a:prstGeom>
+          </p:spPr>
+          <p:style>
+            <a:lnRef idx="2">
+              <a:schemeClr val="accent1"/>
+            </a:lnRef>
+            <a:fillRef idx="0">
+              <a:schemeClr val="accent1"/>
+            </a:fillRef>
+            <a:effectRef idx="1">
+              <a:schemeClr val="accent1"/>
+            </a:effectRef>
+            <a:fontRef idx="minor">
+              <a:schemeClr val="tx1"/>
+            </a:fontRef>
+          </p:style>
+        </p:cxnSp>
+      </p:grpSp>
+      <p:sp>
+        <p:nvSpPr>
+          <p:cNvPr id="14" name="梯形 54">
+            <a:extLst>
+              <a:ext uri="{FF2B5EF4-FFF2-40B4-BE49-F238E27FC236}">
+                <a16:creationId xmlns:a16="http://schemas.microsoft.com/office/drawing/2014/main" id="{6AAF8D72-A98A-00FF-830E-46CE8228128B}"/>
+              </a:ext>
+            </a:extLst>
+          </p:cNvPr>
+          <p:cNvSpPr/>
+          <p:nvPr/>
+        </p:nvSpPr>
+        <p:spPr>
+          <a:xfrm rot="5400000">
+            <a:off x="3743015" y="3499515"/>
+            <a:ext cx="967606" cy="343365"/>
+          </a:xfrm>
+          <a:prstGeom prst="trapezoid">
+            <a:avLst>
+              <a:gd name="adj" fmla="val 77469"/>
+            </a:avLst>
+          </a:prstGeom>
+          <a:noFill/>
+          <a:ln w="9525" cap="flat" cmpd="sng" algn="ctr">
+            <a:solidFill>
+              <a:schemeClr val="dk1"/>
+            </a:solidFill>
+            <a:prstDash val="solid"/>
+            <a:round/>
+            <a:headEnd type="none" w="med" len="med"/>
+            <a:tailEnd type="none" w="med" len="med"/>
+          </a:ln>
+        </p:spPr>
+        <p:style>
+          <a:lnRef idx="0">
+            <a:scrgbClr r="0" g="0" b="0"/>
+          </a:lnRef>
+          <a:fillRef idx="0">
+            <a:scrgbClr r="0" g="0" b="0"/>
+          </a:fillRef>
+          <a:effectRef idx="0">
+            <a:scrgbClr r="0" g="0" b="0"/>
+          </a:effectRef>
+          <a:fontRef idx="minor">
+            <a:schemeClr val="dk1"/>
+          </a:fontRef>
+        </p:style>
+        <p:txBody>
+          <a:bodyPr rtlCol="0" anchor="ctr"/>
+          <a:lstStyle/>
+          <a:p>
+            <a:pPr algn="ctr"/>
+            <a:endParaRPr kumimoji="1" lang="zh-CN" altLang="en-US"/>
+          </a:p>
+        </p:txBody>
+      </p:sp>
+      <p:cxnSp>
+        <p:nvCxnSpPr>
+          <p:cNvPr id="15" name="直线连接符 56">
+            <a:extLst>
+              <a:ext uri="{FF2B5EF4-FFF2-40B4-BE49-F238E27FC236}">
+                <a16:creationId xmlns:a16="http://schemas.microsoft.com/office/drawing/2014/main" id="{5F4172EB-7759-72EB-6CDD-C16D151A2134}"/>
+              </a:ext>
+            </a:extLst>
+          </p:cNvPr>
+          <p:cNvCxnSpPr>
+            <a:stCxn id="14" idx="0"/>
+          </p:cNvCxnSpPr>
+          <p:nvPr/>
+        </p:nvCxnSpPr>
+        <p:spPr>
+          <a:xfrm flipV="1">
+            <a:off x="4398501" y="3671197"/>
+            <a:ext cx="2917747" cy="1"/>
+          </a:xfrm>
+          <a:prstGeom prst="line">
+            <a:avLst/>
+          </a:prstGeom>
+        </p:spPr>
+        <p:style>
+          <a:lnRef idx="2">
+            <a:schemeClr val="accent1"/>
+          </a:lnRef>
+          <a:fillRef idx="0">
+            <a:schemeClr val="accent1"/>
+          </a:fillRef>
+          <a:effectRef idx="1">
+            <a:schemeClr val="accent1"/>
+          </a:effectRef>
+          <a:fontRef idx="minor">
+            <a:schemeClr val="tx1"/>
+          </a:fontRef>
+        </p:style>
+      </p:cxnSp>
+      <p:grpSp>
+        <p:nvGrpSpPr>
+          <p:cNvPr id="16" name="组合 57">
+            <a:extLst>
+              <a:ext uri="{FF2B5EF4-FFF2-40B4-BE49-F238E27FC236}">
+                <a16:creationId xmlns:a16="http://schemas.microsoft.com/office/drawing/2014/main" id="{622D6ACB-1849-AE05-3AFF-267263779DF6}"/>
+              </a:ext>
+            </a:extLst>
+          </p:cNvPr>
+          <p:cNvGrpSpPr/>
+          <p:nvPr/>
+        </p:nvGrpSpPr>
+        <p:grpSpPr>
+          <a:xfrm>
+            <a:off x="6498060" y="2529242"/>
+            <a:ext cx="1187867" cy="1033153"/>
+            <a:chOff x="2459115" y="1343921"/>
+            <a:chExt cx="1187867" cy="1033153"/>
+          </a:xfrm>
+        </p:grpSpPr>
+        <p:grpSp>
+          <p:nvGrpSpPr>
+            <p:cNvPr id="17" name="组合 58">
+              <a:extLst>
+                <a:ext uri="{FF2B5EF4-FFF2-40B4-BE49-F238E27FC236}">
+                  <a16:creationId xmlns:a16="http://schemas.microsoft.com/office/drawing/2014/main" id="{4BBC1D85-852C-AC5F-F770-E80BCC42E368}"/>
+                </a:ext>
+              </a:extLst>
+            </p:cNvPr>
+            <p:cNvGrpSpPr/>
+            <p:nvPr/>
+          </p:nvGrpSpPr>
+          <p:grpSpPr>
+            <a:xfrm>
+              <a:off x="2661581" y="1343921"/>
+              <a:ext cx="756004" cy="1033153"/>
+              <a:chOff x="2661581" y="1343921"/>
+              <a:chExt cx="756004" cy="1033153"/>
+            </a:xfrm>
+          </p:grpSpPr>
+          <p:sp>
+            <p:nvSpPr>
+              <p:cNvPr id="21" name="矩形 62">
+                <a:extLst>
+                  <a:ext uri="{FF2B5EF4-FFF2-40B4-BE49-F238E27FC236}">
+                    <a16:creationId xmlns:a16="http://schemas.microsoft.com/office/drawing/2014/main" id="{3BAB2477-3EAB-01DC-B4EF-F48957FE535E}"/>
+                  </a:ext>
+                </a:extLst>
+              </p:cNvPr>
+              <p:cNvSpPr/>
+              <p:nvPr/>
+            </p:nvSpPr>
+            <p:spPr>
+              <a:xfrm>
+                <a:off x="2765072" y="1343921"/>
+                <a:ext cx="575953" cy="1033153"/>
+              </a:xfrm>
+              <a:prstGeom prst="rect">
+                <a:avLst/>
+              </a:prstGeom>
+              <a:noFill/>
+            </p:spPr>
+            <p:style>
+              <a:lnRef idx="2">
+                <a:schemeClr val="accent1">
+                  <a:shade val="50000"/>
+                </a:schemeClr>
+              </a:lnRef>
+              <a:fillRef idx="1">
+                <a:schemeClr val="accent1"/>
+              </a:fillRef>
+              <a:effectRef idx="0">
+                <a:schemeClr val="accent1"/>
+              </a:effectRef>
+              <a:fontRef idx="minor">
+                <a:schemeClr val="lt1"/>
+              </a:fontRef>
+            </p:style>
+            <p:txBody>
+              <a:bodyPr rtlCol="0" anchor="ctr"/>
+              <a:lstStyle/>
+              <a:p>
+                <a:pPr algn="ctr"/>
+                <a:endParaRPr lang="zh-CN" altLang="en-US" dirty="0">
+                  <a:solidFill>
+                    <a:schemeClr val="tx1"/>
+                  </a:solidFill>
+                </a:endParaRPr>
+              </a:p>
+            </p:txBody>
+          </p:sp>
+          <p:sp>
+            <p:nvSpPr>
+              <p:cNvPr id="22" name="直角三角形 63">
+                <a:extLst>
+                  <a:ext uri="{FF2B5EF4-FFF2-40B4-BE49-F238E27FC236}">
+                    <a16:creationId xmlns:a16="http://schemas.microsoft.com/office/drawing/2014/main" id="{CF762D2C-D404-E0B4-2B88-A8ECBAFCC659}"/>
+                  </a:ext>
+                </a:extLst>
+              </p:cNvPr>
+              <p:cNvSpPr/>
+              <p:nvPr/>
+            </p:nvSpPr>
+            <p:spPr>
+              <a:xfrm rot="13320000">
+                <a:off x="2661581" y="2001597"/>
+                <a:ext cx="206982" cy="226517"/>
+              </a:xfrm>
+              <a:prstGeom prst="rtTriangle">
+                <a:avLst/>
+              </a:prstGeom>
+              <a:noFill/>
+            </p:spPr>
+            <p:style>
+              <a:lnRef idx="2">
+                <a:schemeClr val="accent1">
+                  <a:shade val="50000"/>
+                </a:schemeClr>
+              </a:lnRef>
+              <a:fillRef idx="1">
+                <a:schemeClr val="accent1"/>
+              </a:fillRef>
+              <a:effectRef idx="0">
+                <a:schemeClr val="accent1"/>
+              </a:effectRef>
+              <a:fontRef idx="minor">
+                <a:schemeClr val="lt1"/>
+              </a:fontRef>
+            </p:style>
+            <p:txBody>
+              <a:bodyPr rtlCol="0" anchor="ctr"/>
+              <a:lstStyle/>
+              <a:p>
+                <a:pPr algn="ctr"/>
+                <a:endParaRPr lang="zh-CN" altLang="en-US"/>
+              </a:p>
+            </p:txBody>
+          </p:sp>
+          <p:sp>
+            <p:nvSpPr>
+              <p:cNvPr id="23" name="文本框 64">
+                <a:extLst>
+                  <a:ext uri="{FF2B5EF4-FFF2-40B4-BE49-F238E27FC236}">
+                    <a16:creationId xmlns:a16="http://schemas.microsoft.com/office/drawing/2014/main" id="{3FF33346-69CB-A228-5824-02FB538EFA10}"/>
+                  </a:ext>
+                </a:extLst>
+              </p:cNvPr>
+              <p:cNvSpPr txBox="1"/>
+              <p:nvPr/>
+            </p:nvSpPr>
+            <p:spPr>
+              <a:xfrm>
+                <a:off x="2692832" y="1391816"/>
+                <a:ext cx="343364" cy="369332"/>
+              </a:xfrm>
+              <a:prstGeom prst="rect">
+                <a:avLst/>
+              </a:prstGeom>
+              <a:noFill/>
+            </p:spPr>
+            <p:txBody>
+              <a:bodyPr wrap="none" rtlCol="0">
+                <a:spAutoFit/>
+              </a:bodyPr>
+              <a:lstStyle/>
+              <a:p>
+                <a:r>
+                  <a:rPr kumimoji="1" lang="en-US" altLang="zh-CN" dirty="0"/>
+                  <a:t>D</a:t>
+                </a:r>
+                <a:endParaRPr kumimoji="1" lang="zh-CN" altLang="en-US" dirty="0"/>
+              </a:p>
+            </p:txBody>
+          </p:sp>
+          <p:sp>
+            <p:nvSpPr>
+              <p:cNvPr id="24" name="文本框 65">
+                <a:extLst>
+                  <a:ext uri="{FF2B5EF4-FFF2-40B4-BE49-F238E27FC236}">
+                    <a16:creationId xmlns:a16="http://schemas.microsoft.com/office/drawing/2014/main" id="{A5352FB3-C609-B5CD-4A70-738C02D6BCC3}"/>
+                  </a:ext>
+                </a:extLst>
+              </p:cNvPr>
+              <p:cNvSpPr txBox="1"/>
+              <p:nvPr/>
+            </p:nvSpPr>
+            <p:spPr>
+              <a:xfrm>
+                <a:off x="2864514" y="1930189"/>
+                <a:ext cx="455574" cy="369332"/>
+              </a:xfrm>
+              <a:prstGeom prst="rect">
+                <a:avLst/>
+              </a:prstGeom>
+              <a:noFill/>
+            </p:spPr>
+            <p:txBody>
+              <a:bodyPr wrap="none" rtlCol="0">
+                <a:spAutoFit/>
+              </a:bodyPr>
+              <a:lstStyle/>
+              <a:p>
+                <a:r>
+                  <a:rPr kumimoji="1" lang="en-US" altLang="zh-CN" dirty="0"/>
+                  <a:t>CK</a:t>
+                </a:r>
+                <a:endParaRPr kumimoji="1" lang="zh-CN" altLang="en-US" dirty="0"/>
+              </a:p>
+            </p:txBody>
+          </p:sp>
+          <p:sp>
+            <p:nvSpPr>
+              <p:cNvPr id="25" name="文本框 66">
+                <a:extLst>
+                  <a:ext uri="{FF2B5EF4-FFF2-40B4-BE49-F238E27FC236}">
+                    <a16:creationId xmlns:a16="http://schemas.microsoft.com/office/drawing/2014/main" id="{925544FB-596A-77C9-C0BB-BAB4EFAC5C65}"/>
+                  </a:ext>
+                </a:extLst>
+              </p:cNvPr>
+              <p:cNvSpPr txBox="1"/>
+              <p:nvPr/>
+            </p:nvSpPr>
+            <p:spPr>
+              <a:xfrm>
+                <a:off x="3058191" y="1391816"/>
+                <a:ext cx="359394" cy="369332"/>
+              </a:xfrm>
+              <a:prstGeom prst="rect">
+                <a:avLst/>
+              </a:prstGeom>
+              <a:noFill/>
+            </p:spPr>
+            <p:txBody>
+              <a:bodyPr wrap="none" rtlCol="0">
+                <a:spAutoFit/>
+              </a:bodyPr>
+              <a:lstStyle/>
+              <a:p>
+                <a:r>
+                  <a:rPr kumimoji="1" lang="en-US" altLang="zh-CN" dirty="0"/>
+                  <a:t>Q</a:t>
+                </a:r>
+                <a:endParaRPr kumimoji="1" lang="zh-CN" altLang="en-US" dirty="0"/>
+              </a:p>
+            </p:txBody>
+          </p:sp>
+        </p:grpSp>
+        <p:cxnSp>
+          <p:nvCxnSpPr>
+            <p:cNvPr id="18" name="直线连接符 59">
+              <a:extLst>
+                <a:ext uri="{FF2B5EF4-FFF2-40B4-BE49-F238E27FC236}">
+                  <a16:creationId xmlns:a16="http://schemas.microsoft.com/office/drawing/2014/main" id="{DF18F021-3B57-DD83-ECE7-8548F97E93A3}"/>
+                </a:ext>
+              </a:extLst>
+            </p:cNvPr>
+            <p:cNvCxnSpPr>
+              <a:cxnSpLocks/>
+            </p:cNvCxnSpPr>
+            <p:nvPr/>
+          </p:nvCxnSpPr>
+          <p:spPr>
+            <a:xfrm>
+              <a:off x="2459115" y="1576482"/>
+              <a:ext cx="305957" cy="0"/>
+            </a:xfrm>
+            <a:prstGeom prst="line">
+              <a:avLst/>
+            </a:prstGeom>
+          </p:spPr>
+          <p:style>
+            <a:lnRef idx="2">
+              <a:schemeClr val="accent1"/>
+            </a:lnRef>
+            <a:fillRef idx="0">
+              <a:schemeClr val="accent1"/>
+            </a:fillRef>
+            <a:effectRef idx="1">
+              <a:schemeClr val="accent1"/>
+            </a:effectRef>
+            <a:fontRef idx="minor">
+              <a:schemeClr val="tx1"/>
+            </a:fontRef>
+          </p:style>
+        </p:cxnSp>
+        <p:cxnSp>
+          <p:nvCxnSpPr>
+            <p:cNvPr id="19" name="直线连接符 60">
+              <a:extLst>
+                <a:ext uri="{FF2B5EF4-FFF2-40B4-BE49-F238E27FC236}">
+                  <a16:creationId xmlns:a16="http://schemas.microsoft.com/office/drawing/2014/main" id="{09984474-31B1-B453-1872-D6455B661829}"/>
+                </a:ext>
+              </a:extLst>
+            </p:cNvPr>
+            <p:cNvCxnSpPr>
+              <a:cxnSpLocks/>
+            </p:cNvCxnSpPr>
+            <p:nvPr/>
+          </p:nvCxnSpPr>
+          <p:spPr>
+            <a:xfrm>
+              <a:off x="3341025" y="1576482"/>
+              <a:ext cx="305957" cy="0"/>
+            </a:xfrm>
+            <a:prstGeom prst="line">
+              <a:avLst/>
+            </a:prstGeom>
+          </p:spPr>
+          <p:style>
+            <a:lnRef idx="2">
+              <a:schemeClr val="accent1"/>
+            </a:lnRef>
+            <a:fillRef idx="0">
+              <a:schemeClr val="accent1"/>
+            </a:fillRef>
+            <a:effectRef idx="1">
+              <a:schemeClr val="accent1"/>
+            </a:effectRef>
+            <a:fontRef idx="minor">
+              <a:schemeClr val="tx1"/>
+            </a:fontRef>
+          </p:style>
+        </p:cxnSp>
+        <p:cxnSp>
+          <p:nvCxnSpPr>
+            <p:cNvPr id="20" name="直线连接符 61">
+              <a:extLst>
+                <a:ext uri="{FF2B5EF4-FFF2-40B4-BE49-F238E27FC236}">
+                  <a16:creationId xmlns:a16="http://schemas.microsoft.com/office/drawing/2014/main" id="{1A9D1C9B-CD7F-5435-E657-9251056C0EDD}"/>
+                </a:ext>
+              </a:extLst>
+            </p:cNvPr>
+            <p:cNvCxnSpPr>
+              <a:cxnSpLocks/>
+            </p:cNvCxnSpPr>
+            <p:nvPr/>
+          </p:nvCxnSpPr>
+          <p:spPr>
+            <a:xfrm>
+              <a:off x="2459115" y="2103714"/>
+              <a:ext cx="305957" cy="0"/>
+            </a:xfrm>
+            <a:prstGeom prst="line">
+              <a:avLst/>
+            </a:prstGeom>
+          </p:spPr>
+          <p:style>
+            <a:lnRef idx="2">
+              <a:schemeClr val="accent1"/>
+            </a:lnRef>
+            <a:fillRef idx="0">
+              <a:schemeClr val="accent1"/>
+            </a:fillRef>
+            <a:effectRef idx="1">
+              <a:schemeClr val="accent1"/>
+            </a:effectRef>
+            <a:fontRef idx="minor">
+              <a:schemeClr val="tx1"/>
+            </a:fontRef>
+          </p:style>
+        </p:cxnSp>
+      </p:grpSp>
+      <p:cxnSp>
+        <p:nvCxnSpPr>
+          <p:cNvPr id="26" name="直线连接符 78">
+            <a:extLst>
+              <a:ext uri="{FF2B5EF4-FFF2-40B4-BE49-F238E27FC236}">
+                <a16:creationId xmlns:a16="http://schemas.microsoft.com/office/drawing/2014/main" id="{8390E160-2B70-9D81-E1D7-476596C09F7D}"/>
+              </a:ext>
+            </a:extLst>
+          </p:cNvPr>
+          <p:cNvCxnSpPr>
+            <a:cxnSpLocks/>
+          </p:cNvCxnSpPr>
+          <p:nvPr/>
+        </p:nvCxnSpPr>
+        <p:spPr>
+          <a:xfrm>
+            <a:off x="6508746" y="3289035"/>
+            <a:ext cx="0" cy="393327"/>
+          </a:xfrm>
+          <a:prstGeom prst="line">
+            <a:avLst/>
+          </a:prstGeom>
+        </p:spPr>
+        <p:style>
+          <a:lnRef idx="2">
+            <a:schemeClr val="accent1"/>
+          </a:lnRef>
+          <a:fillRef idx="0">
+            <a:schemeClr val="accent1"/>
+          </a:fillRef>
+          <a:effectRef idx="1">
+            <a:schemeClr val="accent1"/>
+          </a:effectRef>
+          <a:fontRef idx="minor">
+            <a:schemeClr val="tx1"/>
+          </a:fontRef>
+        </p:style>
+      </p:cxnSp>
+      <p:sp>
+        <p:nvSpPr>
+          <p:cNvPr id="28" name="椭圆 93">
+            <a:extLst>
+              <a:ext uri="{FF2B5EF4-FFF2-40B4-BE49-F238E27FC236}">
+                <a16:creationId xmlns:a16="http://schemas.microsoft.com/office/drawing/2014/main" id="{3B569358-B777-6353-086A-6D10DBD87E01}"/>
+              </a:ext>
+            </a:extLst>
+          </p:cNvPr>
+          <p:cNvSpPr/>
+          <p:nvPr/>
+        </p:nvSpPr>
+        <p:spPr>
+          <a:xfrm>
+            <a:off x="6480923" y="3648337"/>
+            <a:ext cx="45719" cy="45719"/>
+          </a:xfrm>
+          <a:prstGeom prst="ellipse">
+            <a:avLst/>
+          </a:prstGeom>
+        </p:spPr>
+        <p:style>
+          <a:lnRef idx="2">
+            <a:schemeClr val="accent1">
+              <a:shade val="15000"/>
+            </a:schemeClr>
+          </a:lnRef>
+          <a:fillRef idx="1">
+            <a:schemeClr val="accent1"/>
+          </a:fillRef>
+          <a:effectRef idx="0">
+            <a:schemeClr val="accent1"/>
+          </a:effectRef>
+          <a:fontRef idx="minor">
+            <a:schemeClr val="lt1"/>
+          </a:fontRef>
+        </p:style>
+        <p:txBody>
+          <a:bodyPr rtlCol="0" anchor="ctr"/>
+          <a:lstStyle/>
+          <a:p>
+            <a:pPr algn="ctr"/>
+            <a:endParaRPr kumimoji="1" lang="zh-CN" altLang="en-US"/>
+          </a:p>
+        </p:txBody>
+      </p:sp>
+      <p:cxnSp>
+        <p:nvCxnSpPr>
+          <p:cNvPr id="29" name="直线连接符 95">
+            <a:extLst>
+              <a:ext uri="{FF2B5EF4-FFF2-40B4-BE49-F238E27FC236}">
+                <a16:creationId xmlns:a16="http://schemas.microsoft.com/office/drawing/2014/main" id="{FD153F4C-DAAD-0451-A031-5E12F713D26B}"/>
+              </a:ext>
+            </a:extLst>
+          </p:cNvPr>
+          <p:cNvCxnSpPr>
+            <a:cxnSpLocks/>
+          </p:cNvCxnSpPr>
+          <p:nvPr/>
+        </p:nvCxnSpPr>
+        <p:spPr>
+          <a:xfrm>
+            <a:off x="3690847" y="3428999"/>
+            <a:ext cx="364288" cy="0"/>
+          </a:xfrm>
+          <a:prstGeom prst="line">
+            <a:avLst/>
+          </a:prstGeom>
+        </p:spPr>
+        <p:style>
+          <a:lnRef idx="2">
+            <a:schemeClr val="accent1"/>
+          </a:lnRef>
+          <a:fillRef idx="0">
+            <a:schemeClr val="accent1"/>
+          </a:fillRef>
+          <a:effectRef idx="1">
+            <a:schemeClr val="accent1"/>
+          </a:effectRef>
+          <a:fontRef idx="minor">
+            <a:schemeClr val="tx1"/>
+          </a:fontRef>
+        </p:style>
+      </p:cxnSp>
+      <p:cxnSp>
+        <p:nvCxnSpPr>
+          <p:cNvPr id="30" name="直线连接符 98">
+            <a:extLst>
+              <a:ext uri="{FF2B5EF4-FFF2-40B4-BE49-F238E27FC236}">
+                <a16:creationId xmlns:a16="http://schemas.microsoft.com/office/drawing/2014/main" id="{E4E531C0-0D4E-6691-A764-D60DEE61FA60}"/>
+              </a:ext>
+            </a:extLst>
+          </p:cNvPr>
+          <p:cNvCxnSpPr>
+            <a:cxnSpLocks/>
+          </p:cNvCxnSpPr>
+          <p:nvPr/>
+        </p:nvCxnSpPr>
+        <p:spPr>
+          <a:xfrm>
+            <a:off x="3690847" y="3945576"/>
+            <a:ext cx="364288" cy="0"/>
+          </a:xfrm>
+          <a:prstGeom prst="line">
+            <a:avLst/>
+          </a:prstGeom>
+        </p:spPr>
+        <p:style>
+          <a:lnRef idx="2">
+            <a:schemeClr val="accent1"/>
+          </a:lnRef>
+          <a:fillRef idx="0">
+            <a:schemeClr val="accent1"/>
+          </a:fillRef>
+          <a:effectRef idx="1">
+            <a:schemeClr val="accent1"/>
+          </a:effectRef>
+          <a:fontRef idx="minor">
+            <a:schemeClr val="tx1"/>
+          </a:fontRef>
+        </p:style>
+      </p:cxnSp>
+      <p:cxnSp>
+        <p:nvCxnSpPr>
+          <p:cNvPr id="31" name="直线连接符 99">
+            <a:extLst>
+              <a:ext uri="{FF2B5EF4-FFF2-40B4-BE49-F238E27FC236}">
+                <a16:creationId xmlns:a16="http://schemas.microsoft.com/office/drawing/2014/main" id="{7058A781-16E5-2121-ED83-1CEB6BE0BA72}"/>
+              </a:ext>
+            </a:extLst>
+          </p:cNvPr>
+          <p:cNvCxnSpPr>
+            <a:cxnSpLocks/>
+            <a:endCxn id="14" idx="3"/>
+          </p:cNvCxnSpPr>
+          <p:nvPr/>
+        </p:nvCxnSpPr>
+        <p:spPr>
+          <a:xfrm flipV="1">
+            <a:off x="4226818" y="4022000"/>
+            <a:ext cx="0" cy="274414"/>
+          </a:xfrm>
+          <a:prstGeom prst="line">
+            <a:avLst/>
+          </a:prstGeom>
+        </p:spPr>
+        <p:style>
+          <a:lnRef idx="2">
+            <a:schemeClr val="accent1"/>
+          </a:lnRef>
+          <a:fillRef idx="0">
+            <a:schemeClr val="accent1"/>
+          </a:fillRef>
+          <a:effectRef idx="1">
+            <a:schemeClr val="accent1"/>
+          </a:effectRef>
+          <a:fontRef idx="minor">
+            <a:schemeClr val="tx1"/>
+          </a:fontRef>
+        </p:style>
+      </p:cxnSp>
+      <p:sp>
+        <p:nvSpPr>
+          <p:cNvPr id="32" name="文本框 102">
+            <a:extLst>
+              <a:ext uri="{FF2B5EF4-FFF2-40B4-BE49-F238E27FC236}">
+                <a16:creationId xmlns:a16="http://schemas.microsoft.com/office/drawing/2014/main" id="{C169B935-AF73-9B01-4201-FD0798AFFA15}"/>
+              </a:ext>
+            </a:extLst>
+          </p:cNvPr>
+          <p:cNvSpPr txBox="1"/>
+          <p:nvPr/>
+        </p:nvSpPr>
+        <p:spPr>
+          <a:xfrm>
+            <a:off x="2528349" y="3760910"/>
+            <a:ext cx="1162498" cy="369332"/>
+          </a:xfrm>
+          <a:prstGeom prst="rect">
+            <a:avLst/>
+          </a:prstGeom>
+          <a:noFill/>
+        </p:spPr>
+        <p:txBody>
+          <a:bodyPr wrap="none" rtlCol="0">
+            <a:spAutoFit/>
+          </a:bodyPr>
+          <a:lstStyle/>
+          <a:p>
+            <a:r>
+              <a:rPr kumimoji="1" lang="en-US" altLang="zh-CN" dirty="0"/>
+              <a:t>TCLKDIV5</a:t>
+            </a:r>
+            <a:endParaRPr kumimoji="1" lang="zh-CN" altLang="en-US" dirty="0"/>
+          </a:p>
+        </p:txBody>
+      </p:sp>
+      <p:sp>
+        <p:nvSpPr>
+          <p:cNvPr id="33" name="文本框 102">
+            <a:extLst>
+              <a:ext uri="{FF2B5EF4-FFF2-40B4-BE49-F238E27FC236}">
+                <a16:creationId xmlns:a16="http://schemas.microsoft.com/office/drawing/2014/main" id="{83416F08-FAC9-C4E3-6C0C-BE3A75FC814E}"/>
+              </a:ext>
+            </a:extLst>
+          </p:cNvPr>
+          <p:cNvSpPr txBox="1"/>
+          <p:nvPr/>
+        </p:nvSpPr>
+        <p:spPr>
+          <a:xfrm>
+            <a:off x="3016424" y="3244333"/>
+            <a:ext cx="683200" cy="369332"/>
+          </a:xfrm>
+          <a:prstGeom prst="rect">
+            <a:avLst/>
+          </a:prstGeom>
+          <a:noFill/>
+        </p:spPr>
+        <p:txBody>
+          <a:bodyPr wrap="none" rtlCol="0">
+            <a:spAutoFit/>
+          </a:bodyPr>
+          <a:lstStyle/>
+          <a:p>
+            <a:r>
+              <a:rPr kumimoji="1" lang="en-US" altLang="zh-CN" dirty="0"/>
+              <a:t>TCLK</a:t>
+            </a:r>
+            <a:endParaRPr kumimoji="1" lang="zh-CN" altLang="en-US" dirty="0"/>
+          </a:p>
+        </p:txBody>
+      </p:sp>
+      <p:sp>
+        <p:nvSpPr>
+          <p:cNvPr id="34" name="文本框 102">
+            <a:extLst>
+              <a:ext uri="{FF2B5EF4-FFF2-40B4-BE49-F238E27FC236}">
+                <a16:creationId xmlns:a16="http://schemas.microsoft.com/office/drawing/2014/main" id="{B6BCFAAC-B836-BA6E-BDD7-1C6AB3AE4B1F}"/>
+              </a:ext>
+            </a:extLst>
+          </p:cNvPr>
+          <p:cNvSpPr txBox="1"/>
+          <p:nvPr/>
+        </p:nvSpPr>
+        <p:spPr>
+          <a:xfrm>
+            <a:off x="3537366" y="4296414"/>
+            <a:ext cx="1378904" cy="369332"/>
+          </a:xfrm>
+          <a:prstGeom prst="rect">
+            <a:avLst/>
+          </a:prstGeom>
+          <a:noFill/>
+        </p:spPr>
+        <p:txBody>
+          <a:bodyPr wrap="none" rtlCol="0">
+            <a:spAutoFit/>
+          </a:bodyPr>
+          <a:lstStyle/>
+          <a:p>
+            <a:r>
+              <a:rPr kumimoji="1" lang="en-US" altLang="zh-CN" dirty="0"/>
+              <a:t>CLK_SELECT</a:t>
+            </a:r>
+            <a:endParaRPr kumimoji="1" lang="zh-CN" altLang="en-US" dirty="0"/>
+          </a:p>
+        </p:txBody>
+      </p:sp>
+      <p:sp>
+        <p:nvSpPr>
+          <p:cNvPr id="35" name="文本框 102">
+            <a:extLst>
+              <a:ext uri="{FF2B5EF4-FFF2-40B4-BE49-F238E27FC236}">
+                <a16:creationId xmlns:a16="http://schemas.microsoft.com/office/drawing/2014/main" id="{AA8D19EB-4EE8-BC41-BB79-C9847E202D34}"/>
+              </a:ext>
+            </a:extLst>
+          </p:cNvPr>
+          <p:cNvSpPr txBox="1"/>
+          <p:nvPr/>
+        </p:nvSpPr>
+        <p:spPr>
+          <a:xfrm>
+            <a:off x="4390669" y="3324724"/>
+            <a:ext cx="1228221" cy="369332"/>
+          </a:xfrm>
+          <a:prstGeom prst="rect">
+            <a:avLst/>
+          </a:prstGeom>
+          <a:noFill/>
+        </p:spPr>
+        <p:txBody>
+          <a:bodyPr wrap="none" rtlCol="0">
+            <a:spAutoFit/>
+          </a:bodyPr>
+          <a:lstStyle/>
+          <a:p>
+            <a:r>
+              <a:rPr kumimoji="1" lang="en-US" altLang="zh-CN" dirty="0"/>
+              <a:t>TCLK_OUT</a:t>
+            </a:r>
+            <a:endParaRPr kumimoji="1" lang="zh-CN" altLang="en-US" dirty="0"/>
+          </a:p>
+        </p:txBody>
+      </p:sp>
+    </p:spTree>
+    <p:extLst>
+      <p:ext uri="{BB962C8B-B14F-4D97-AF65-F5344CB8AC3E}">
+        <p14:creationId xmlns:p14="http://schemas.microsoft.com/office/powerpoint/2010/main" val="1937969014"/>
+      </p:ext>
+    </p:extLst>
+  </p:cSld>
+  <p:clrMapOvr>
+    <a:masterClrMapping/>
+  </p:clrMapOvr>
+</p:sld>
+</file>
+
+<file path=ppt/slides/slide12.xml><?xml version="1.0" encoding="utf-8"?>
+<p:sld xmlns:a="http://schemas.openxmlformats.org/drawingml/2006/main" xmlns:r="http://schemas.openxmlformats.org/officeDocument/2006/relationships" xmlns:p="http://schemas.openxmlformats.org/presentationml/2006/main">
+  <p:cSld>
+    <p:spTree>
+      <p:nvGrpSpPr>
+        <p:cNvPr id="1" name=""/>
+        <p:cNvGrpSpPr/>
+        <p:nvPr/>
+      </p:nvGrpSpPr>
+      <p:grpSpPr>
+        <a:xfrm>
+          <a:off x="0" y="0"/>
+          <a:ext cx="0" cy="0"/>
+          <a:chOff x="0" y="0"/>
+          <a:chExt cx="0" cy="0"/>
+        </a:xfrm>
+      </p:grpSpPr>
+      <p:grpSp>
+        <p:nvGrpSpPr>
+          <p:cNvPr id="5" name="组合 45">
+            <a:extLst>
+              <a:ext uri="{FF2B5EF4-FFF2-40B4-BE49-F238E27FC236}">
+                <a16:creationId xmlns:a16="http://schemas.microsoft.com/office/drawing/2014/main" id="{E3619086-8D00-A518-B326-019BCB4E139D}"/>
+              </a:ext>
+            </a:extLst>
+          </p:cNvPr>
+          <p:cNvGrpSpPr/>
+          <p:nvPr/>
+        </p:nvGrpSpPr>
+        <p:grpSpPr>
+          <a:xfrm>
+            <a:off x="8175939" y="2912423"/>
+            <a:ext cx="756004" cy="1033153"/>
+            <a:chOff x="2661581" y="1343921"/>
+            <a:chExt cx="756004" cy="1033153"/>
+          </a:xfrm>
+        </p:grpSpPr>
+        <p:sp>
+          <p:nvSpPr>
+            <p:cNvPr id="9" name="矩形 49">
+              <a:extLst>
+                <a:ext uri="{FF2B5EF4-FFF2-40B4-BE49-F238E27FC236}">
+                  <a16:creationId xmlns:a16="http://schemas.microsoft.com/office/drawing/2014/main" id="{CF024A77-2939-913A-D80E-D41CB441AACC}"/>
+                </a:ext>
+              </a:extLst>
+            </p:cNvPr>
+            <p:cNvSpPr/>
+            <p:nvPr/>
+          </p:nvSpPr>
+          <p:spPr>
+            <a:xfrm>
+              <a:off x="2765072" y="1343921"/>
+              <a:ext cx="575953" cy="1033153"/>
+            </a:xfrm>
+            <a:prstGeom prst="rect">
+              <a:avLst/>
+            </a:prstGeom>
+            <a:noFill/>
+          </p:spPr>
+          <p:style>
+            <a:lnRef idx="2">
+              <a:schemeClr val="accent1">
+                <a:shade val="50000"/>
+              </a:schemeClr>
+            </a:lnRef>
+            <a:fillRef idx="1">
+              <a:schemeClr val="accent1"/>
+            </a:fillRef>
+            <a:effectRef idx="0">
+              <a:schemeClr val="accent1"/>
+            </a:effectRef>
+            <a:fontRef idx="minor">
+              <a:schemeClr val="lt1"/>
+            </a:fontRef>
+          </p:style>
+          <p:txBody>
+            <a:bodyPr rtlCol="0" anchor="ctr"/>
+            <a:lstStyle/>
+            <a:p>
+              <a:pPr algn="ctr"/>
+              <a:endParaRPr lang="zh-CN" altLang="en-US" dirty="0">
+                <a:solidFill>
+                  <a:schemeClr val="tx1"/>
+                </a:solidFill>
+              </a:endParaRPr>
+            </a:p>
+          </p:txBody>
+        </p:sp>
+        <p:sp>
+          <p:nvSpPr>
+            <p:cNvPr id="10" name="直角三角形 50">
+              <a:extLst>
+                <a:ext uri="{FF2B5EF4-FFF2-40B4-BE49-F238E27FC236}">
+                  <a16:creationId xmlns:a16="http://schemas.microsoft.com/office/drawing/2014/main" id="{6F953DB1-6334-C2BB-2F34-DEC6251971F9}"/>
+                </a:ext>
+              </a:extLst>
+            </p:cNvPr>
+            <p:cNvSpPr/>
+            <p:nvPr/>
+          </p:nvSpPr>
+          <p:spPr>
+            <a:xfrm rot="13320000">
+              <a:off x="2661581" y="2001597"/>
+              <a:ext cx="206982" cy="226517"/>
+            </a:xfrm>
+            <a:prstGeom prst="rtTriangle">
+              <a:avLst/>
+            </a:prstGeom>
+            <a:noFill/>
+          </p:spPr>
+          <p:style>
+            <a:lnRef idx="2">
+              <a:schemeClr val="accent1">
+                <a:shade val="50000"/>
+              </a:schemeClr>
+            </a:lnRef>
+            <a:fillRef idx="1">
+              <a:schemeClr val="accent1"/>
+            </a:fillRef>
+            <a:effectRef idx="0">
+              <a:schemeClr val="accent1"/>
+            </a:effectRef>
+            <a:fontRef idx="minor">
+              <a:schemeClr val="lt1"/>
+            </a:fontRef>
+          </p:style>
+          <p:txBody>
+            <a:bodyPr rtlCol="0" anchor="ctr"/>
+            <a:lstStyle/>
+            <a:p>
+              <a:pPr algn="ctr"/>
+              <a:endParaRPr lang="zh-CN" altLang="en-US"/>
+            </a:p>
+          </p:txBody>
+        </p:sp>
+        <p:sp>
+          <p:nvSpPr>
+            <p:cNvPr id="11" name="文本框 51">
+              <a:extLst>
+                <a:ext uri="{FF2B5EF4-FFF2-40B4-BE49-F238E27FC236}">
+                  <a16:creationId xmlns:a16="http://schemas.microsoft.com/office/drawing/2014/main" id="{B8246912-3151-3116-4271-1C76695DBAD1}"/>
+                </a:ext>
+              </a:extLst>
+            </p:cNvPr>
+            <p:cNvSpPr txBox="1"/>
+            <p:nvPr/>
+          </p:nvSpPr>
+          <p:spPr>
+            <a:xfrm>
+              <a:off x="2692832" y="1391816"/>
+              <a:ext cx="343364" cy="369332"/>
+            </a:xfrm>
+            <a:prstGeom prst="rect">
+              <a:avLst/>
+            </a:prstGeom>
+            <a:noFill/>
+          </p:spPr>
+          <p:txBody>
+            <a:bodyPr wrap="none" rtlCol="0">
+              <a:spAutoFit/>
+            </a:bodyPr>
+            <a:lstStyle/>
+            <a:p>
+              <a:r>
+                <a:rPr kumimoji="1" lang="en-US" altLang="zh-CN" dirty="0"/>
+                <a:t>D</a:t>
+              </a:r>
+              <a:endParaRPr kumimoji="1" lang="zh-CN" altLang="en-US" dirty="0"/>
+            </a:p>
+          </p:txBody>
+        </p:sp>
+        <p:sp>
+          <p:nvSpPr>
+            <p:cNvPr id="12" name="文本框 52">
+              <a:extLst>
+                <a:ext uri="{FF2B5EF4-FFF2-40B4-BE49-F238E27FC236}">
+                  <a16:creationId xmlns:a16="http://schemas.microsoft.com/office/drawing/2014/main" id="{C8CBD692-81C7-B295-3CAC-909BB14E339D}"/>
+                </a:ext>
+              </a:extLst>
+            </p:cNvPr>
+            <p:cNvSpPr txBox="1"/>
+            <p:nvPr/>
+          </p:nvSpPr>
+          <p:spPr>
+            <a:xfrm>
+              <a:off x="2864514" y="1930189"/>
+              <a:ext cx="455574" cy="369332"/>
+            </a:xfrm>
+            <a:prstGeom prst="rect">
+              <a:avLst/>
+            </a:prstGeom>
+            <a:noFill/>
+          </p:spPr>
+          <p:txBody>
+            <a:bodyPr wrap="none" rtlCol="0">
+              <a:spAutoFit/>
+            </a:bodyPr>
+            <a:lstStyle/>
+            <a:p>
+              <a:r>
+                <a:rPr kumimoji="1" lang="en-US" altLang="zh-CN" dirty="0"/>
+                <a:t>CK</a:t>
+              </a:r>
+              <a:endParaRPr kumimoji="1" lang="zh-CN" altLang="en-US" dirty="0"/>
+            </a:p>
+          </p:txBody>
+        </p:sp>
+        <p:sp>
+          <p:nvSpPr>
+            <p:cNvPr id="13" name="文本框 53">
+              <a:extLst>
+                <a:ext uri="{FF2B5EF4-FFF2-40B4-BE49-F238E27FC236}">
+                  <a16:creationId xmlns:a16="http://schemas.microsoft.com/office/drawing/2014/main" id="{2D0A6B27-EB51-7C64-DD1A-6270D1E6AFF0}"/>
+                </a:ext>
+              </a:extLst>
+            </p:cNvPr>
+            <p:cNvSpPr txBox="1"/>
+            <p:nvPr/>
+          </p:nvSpPr>
+          <p:spPr>
+            <a:xfrm>
+              <a:off x="3058191" y="1391816"/>
+              <a:ext cx="359394" cy="369332"/>
+            </a:xfrm>
+            <a:prstGeom prst="rect">
+              <a:avLst/>
+            </a:prstGeom>
+            <a:noFill/>
+          </p:spPr>
+          <p:txBody>
+            <a:bodyPr wrap="none" rtlCol="0">
+              <a:spAutoFit/>
+            </a:bodyPr>
+            <a:lstStyle/>
+            <a:p>
+              <a:r>
+                <a:rPr kumimoji="1" lang="en-US" altLang="zh-CN" dirty="0"/>
+                <a:t>Q</a:t>
+              </a:r>
+              <a:endParaRPr kumimoji="1" lang="zh-CN" altLang="en-US" dirty="0"/>
+            </a:p>
+          </p:txBody>
+        </p:sp>
+      </p:grpSp>
+      <p:cxnSp>
+        <p:nvCxnSpPr>
+          <p:cNvPr id="6" name="直线连接符 46">
+            <a:extLst>
+              <a:ext uri="{FF2B5EF4-FFF2-40B4-BE49-F238E27FC236}">
+                <a16:creationId xmlns:a16="http://schemas.microsoft.com/office/drawing/2014/main" id="{8642588F-614F-6C32-9D61-AACF64002023}"/>
+              </a:ext>
+            </a:extLst>
+          </p:cNvPr>
+          <p:cNvCxnSpPr>
+            <a:cxnSpLocks/>
+          </p:cNvCxnSpPr>
+          <p:nvPr/>
+        </p:nvCxnSpPr>
+        <p:spPr>
+          <a:xfrm>
+            <a:off x="7973473" y="3144984"/>
+            <a:ext cx="305957" cy="0"/>
+          </a:xfrm>
+          <a:prstGeom prst="line">
+            <a:avLst/>
+          </a:prstGeom>
+        </p:spPr>
+        <p:style>
+          <a:lnRef idx="2">
+            <a:schemeClr val="accent1"/>
+          </a:lnRef>
+          <a:fillRef idx="0">
+            <a:schemeClr val="accent1"/>
+          </a:fillRef>
+          <a:effectRef idx="1">
+            <a:schemeClr val="accent1"/>
+          </a:effectRef>
+          <a:fontRef idx="minor">
+            <a:schemeClr val="tx1"/>
+          </a:fontRef>
+        </p:style>
+      </p:cxnSp>
+      <p:cxnSp>
+        <p:nvCxnSpPr>
+          <p:cNvPr id="7" name="直线连接符 47">
+            <a:extLst>
+              <a:ext uri="{FF2B5EF4-FFF2-40B4-BE49-F238E27FC236}">
+                <a16:creationId xmlns:a16="http://schemas.microsoft.com/office/drawing/2014/main" id="{EEE3DAF7-1922-487B-8B72-1E10A1906109}"/>
+              </a:ext>
+            </a:extLst>
+          </p:cNvPr>
+          <p:cNvCxnSpPr>
+            <a:cxnSpLocks/>
+          </p:cNvCxnSpPr>
+          <p:nvPr/>
+        </p:nvCxnSpPr>
+        <p:spPr>
+          <a:xfrm>
+            <a:off x="8855383" y="3144984"/>
+            <a:ext cx="305957" cy="0"/>
+          </a:xfrm>
+          <a:prstGeom prst="line">
+            <a:avLst/>
+          </a:prstGeom>
+        </p:spPr>
+        <p:style>
+          <a:lnRef idx="2">
+            <a:schemeClr val="accent1"/>
+          </a:lnRef>
+          <a:fillRef idx="0">
+            <a:schemeClr val="accent1"/>
+          </a:fillRef>
+          <a:effectRef idx="1">
+            <a:schemeClr val="accent1"/>
+          </a:effectRef>
+          <a:fontRef idx="minor">
+            <a:schemeClr val="tx1"/>
+          </a:fontRef>
+        </p:style>
+      </p:cxnSp>
+      <p:cxnSp>
+        <p:nvCxnSpPr>
+          <p:cNvPr id="14" name="直线连接符 56">
+            <a:extLst>
+              <a:ext uri="{FF2B5EF4-FFF2-40B4-BE49-F238E27FC236}">
+                <a16:creationId xmlns:a16="http://schemas.microsoft.com/office/drawing/2014/main" id="{CF5E6E52-ECC0-CB52-80BD-225801E0684A}"/>
+              </a:ext>
+            </a:extLst>
+          </p:cNvPr>
+          <p:cNvCxnSpPr>
+            <a:cxnSpLocks/>
+            <a:endCxn id="10" idx="5"/>
+          </p:cNvCxnSpPr>
+          <p:nvPr/>
+        </p:nvCxnSpPr>
+        <p:spPr>
+          <a:xfrm>
+            <a:off x="5972175" y="3683357"/>
+            <a:ext cx="2307255" cy="0"/>
+          </a:xfrm>
+          <a:prstGeom prst="line">
+            <a:avLst/>
+          </a:prstGeom>
+        </p:spPr>
+        <p:style>
+          <a:lnRef idx="2">
+            <a:schemeClr val="accent1"/>
+          </a:lnRef>
+          <a:fillRef idx="0">
+            <a:schemeClr val="accent1"/>
+          </a:fillRef>
+          <a:effectRef idx="1">
+            <a:schemeClr val="accent1"/>
+          </a:effectRef>
+          <a:fontRef idx="minor">
+            <a:schemeClr val="tx1"/>
+          </a:fontRef>
+        </p:style>
+      </p:cxnSp>
+      <p:grpSp>
+        <p:nvGrpSpPr>
+          <p:cNvPr id="15" name="组合 57">
+            <a:extLst>
+              <a:ext uri="{FF2B5EF4-FFF2-40B4-BE49-F238E27FC236}">
+                <a16:creationId xmlns:a16="http://schemas.microsoft.com/office/drawing/2014/main" id="{F7C08AA6-E9A5-681F-BDFE-6C867DB1A940}"/>
+              </a:ext>
+            </a:extLst>
+          </p:cNvPr>
+          <p:cNvGrpSpPr/>
+          <p:nvPr/>
+        </p:nvGrpSpPr>
+        <p:grpSpPr>
+          <a:xfrm>
+            <a:off x="7155285" y="2529242"/>
+            <a:ext cx="1187867" cy="1033153"/>
+            <a:chOff x="2459115" y="1343921"/>
+            <a:chExt cx="1187867" cy="1033153"/>
+          </a:xfrm>
+        </p:grpSpPr>
+        <p:grpSp>
+          <p:nvGrpSpPr>
+            <p:cNvPr id="16" name="组合 58">
+              <a:extLst>
+                <a:ext uri="{FF2B5EF4-FFF2-40B4-BE49-F238E27FC236}">
+                  <a16:creationId xmlns:a16="http://schemas.microsoft.com/office/drawing/2014/main" id="{45468A22-6BE5-C0F4-8485-643ADE46E53F}"/>
+                </a:ext>
+              </a:extLst>
+            </p:cNvPr>
+            <p:cNvGrpSpPr/>
+            <p:nvPr/>
+          </p:nvGrpSpPr>
+          <p:grpSpPr>
+            <a:xfrm>
+              <a:off x="2661581" y="1343921"/>
+              <a:ext cx="756004" cy="1033153"/>
+              <a:chOff x="2661581" y="1343921"/>
+              <a:chExt cx="756004" cy="1033153"/>
+            </a:xfrm>
+          </p:grpSpPr>
+          <p:sp>
+            <p:nvSpPr>
+              <p:cNvPr id="20" name="矩形 62">
+                <a:extLst>
+                  <a:ext uri="{FF2B5EF4-FFF2-40B4-BE49-F238E27FC236}">
+                    <a16:creationId xmlns:a16="http://schemas.microsoft.com/office/drawing/2014/main" id="{3C76B569-34A7-9AA0-881F-46F2BC17C65B}"/>
+                  </a:ext>
+                </a:extLst>
+              </p:cNvPr>
+              <p:cNvSpPr/>
+              <p:nvPr/>
+            </p:nvSpPr>
+            <p:spPr>
+              <a:xfrm>
+                <a:off x="2765072" y="1343921"/>
+                <a:ext cx="575953" cy="1033153"/>
+              </a:xfrm>
+              <a:prstGeom prst="rect">
+                <a:avLst/>
+              </a:prstGeom>
+              <a:noFill/>
+            </p:spPr>
+            <p:style>
+              <a:lnRef idx="2">
+                <a:schemeClr val="accent1">
+                  <a:shade val="50000"/>
+                </a:schemeClr>
+              </a:lnRef>
+              <a:fillRef idx="1">
+                <a:schemeClr val="accent1"/>
+              </a:fillRef>
+              <a:effectRef idx="0">
+                <a:schemeClr val="accent1"/>
+              </a:effectRef>
+              <a:fontRef idx="minor">
+                <a:schemeClr val="lt1"/>
+              </a:fontRef>
+            </p:style>
+            <p:txBody>
+              <a:bodyPr rtlCol="0" anchor="ctr"/>
+              <a:lstStyle/>
+              <a:p>
+                <a:pPr algn="ctr"/>
+                <a:endParaRPr lang="zh-CN" altLang="en-US" dirty="0">
+                  <a:solidFill>
+                    <a:schemeClr val="tx1"/>
+                  </a:solidFill>
+                </a:endParaRPr>
+              </a:p>
+            </p:txBody>
+          </p:sp>
+          <p:sp>
+            <p:nvSpPr>
+              <p:cNvPr id="21" name="直角三角形 63">
+                <a:extLst>
+                  <a:ext uri="{FF2B5EF4-FFF2-40B4-BE49-F238E27FC236}">
+                    <a16:creationId xmlns:a16="http://schemas.microsoft.com/office/drawing/2014/main" id="{E2C8834F-1059-BCCB-3E35-EC38180DBFD6}"/>
+                  </a:ext>
+                </a:extLst>
+              </p:cNvPr>
+              <p:cNvSpPr/>
+              <p:nvPr/>
+            </p:nvSpPr>
+            <p:spPr>
+              <a:xfrm rot="13320000">
+                <a:off x="2661581" y="2001597"/>
+                <a:ext cx="206982" cy="226517"/>
+              </a:xfrm>
+              <a:prstGeom prst="rtTriangle">
+                <a:avLst/>
+              </a:prstGeom>
+              <a:noFill/>
+            </p:spPr>
+            <p:style>
+              <a:lnRef idx="2">
+                <a:schemeClr val="accent1">
+                  <a:shade val="50000"/>
+                </a:schemeClr>
+              </a:lnRef>
+              <a:fillRef idx="1">
+                <a:schemeClr val="accent1"/>
+              </a:fillRef>
+              <a:effectRef idx="0">
+                <a:schemeClr val="accent1"/>
+              </a:effectRef>
+              <a:fontRef idx="minor">
+                <a:schemeClr val="lt1"/>
+              </a:fontRef>
+            </p:style>
+            <p:txBody>
+              <a:bodyPr rtlCol="0" anchor="ctr"/>
+              <a:lstStyle/>
+              <a:p>
+                <a:pPr algn="ctr"/>
+                <a:endParaRPr lang="zh-CN" altLang="en-US"/>
+              </a:p>
+            </p:txBody>
+          </p:sp>
+          <p:sp>
+            <p:nvSpPr>
+              <p:cNvPr id="22" name="文本框 64">
+                <a:extLst>
+                  <a:ext uri="{FF2B5EF4-FFF2-40B4-BE49-F238E27FC236}">
+                    <a16:creationId xmlns:a16="http://schemas.microsoft.com/office/drawing/2014/main" id="{E39FB69D-BD0A-C9F3-C659-DE134CB421AD}"/>
+                  </a:ext>
+                </a:extLst>
+              </p:cNvPr>
+              <p:cNvSpPr txBox="1"/>
+              <p:nvPr/>
+            </p:nvSpPr>
+            <p:spPr>
+              <a:xfrm>
+                <a:off x="2692832" y="1391816"/>
+                <a:ext cx="343364" cy="369332"/>
+              </a:xfrm>
+              <a:prstGeom prst="rect">
+                <a:avLst/>
+              </a:prstGeom>
+              <a:noFill/>
+            </p:spPr>
+            <p:txBody>
+              <a:bodyPr wrap="none" rtlCol="0">
+                <a:spAutoFit/>
+              </a:bodyPr>
+              <a:lstStyle/>
+              <a:p>
+                <a:r>
+                  <a:rPr kumimoji="1" lang="en-US" altLang="zh-CN" dirty="0"/>
+                  <a:t>D</a:t>
+                </a:r>
+                <a:endParaRPr kumimoji="1" lang="zh-CN" altLang="en-US" dirty="0"/>
+              </a:p>
+            </p:txBody>
+          </p:sp>
+          <p:sp>
+            <p:nvSpPr>
+              <p:cNvPr id="23" name="文本框 65">
+                <a:extLst>
+                  <a:ext uri="{FF2B5EF4-FFF2-40B4-BE49-F238E27FC236}">
+                    <a16:creationId xmlns:a16="http://schemas.microsoft.com/office/drawing/2014/main" id="{D97C170A-4365-C6BB-BABE-346D48B629AE}"/>
+                  </a:ext>
+                </a:extLst>
+              </p:cNvPr>
+              <p:cNvSpPr txBox="1"/>
+              <p:nvPr/>
+            </p:nvSpPr>
+            <p:spPr>
+              <a:xfrm>
+                <a:off x="2864514" y="1930189"/>
+                <a:ext cx="455574" cy="369332"/>
+              </a:xfrm>
+              <a:prstGeom prst="rect">
+                <a:avLst/>
+              </a:prstGeom>
+              <a:noFill/>
+            </p:spPr>
+            <p:txBody>
+              <a:bodyPr wrap="none" rtlCol="0">
+                <a:spAutoFit/>
+              </a:bodyPr>
+              <a:lstStyle/>
+              <a:p>
+                <a:r>
+                  <a:rPr kumimoji="1" lang="en-US" altLang="zh-CN" dirty="0"/>
+                  <a:t>CK</a:t>
+                </a:r>
+                <a:endParaRPr kumimoji="1" lang="zh-CN" altLang="en-US" dirty="0"/>
+              </a:p>
+            </p:txBody>
+          </p:sp>
+          <p:sp>
+            <p:nvSpPr>
+              <p:cNvPr id="24" name="文本框 66">
+                <a:extLst>
+                  <a:ext uri="{FF2B5EF4-FFF2-40B4-BE49-F238E27FC236}">
+                    <a16:creationId xmlns:a16="http://schemas.microsoft.com/office/drawing/2014/main" id="{6F57439C-E108-707F-AE81-7EFBEDED2309}"/>
+                  </a:ext>
+                </a:extLst>
+              </p:cNvPr>
+              <p:cNvSpPr txBox="1"/>
+              <p:nvPr/>
+            </p:nvSpPr>
+            <p:spPr>
+              <a:xfrm>
+                <a:off x="3058191" y="1391816"/>
+                <a:ext cx="359394" cy="369332"/>
+              </a:xfrm>
+              <a:prstGeom prst="rect">
+                <a:avLst/>
+              </a:prstGeom>
+              <a:noFill/>
+            </p:spPr>
+            <p:txBody>
+              <a:bodyPr wrap="none" rtlCol="0">
+                <a:spAutoFit/>
+              </a:bodyPr>
+              <a:lstStyle/>
+              <a:p>
+                <a:r>
+                  <a:rPr kumimoji="1" lang="en-US" altLang="zh-CN" dirty="0"/>
+                  <a:t>Q</a:t>
+                </a:r>
+                <a:endParaRPr kumimoji="1" lang="zh-CN" altLang="en-US" dirty="0"/>
+              </a:p>
+            </p:txBody>
+          </p:sp>
+        </p:grpSp>
+        <p:cxnSp>
+          <p:nvCxnSpPr>
+            <p:cNvPr id="17" name="直线连接符 59">
+              <a:extLst>
+                <a:ext uri="{FF2B5EF4-FFF2-40B4-BE49-F238E27FC236}">
+                  <a16:creationId xmlns:a16="http://schemas.microsoft.com/office/drawing/2014/main" id="{E0697D2A-ECD6-1E4F-C77A-FCCF26ABE7FC}"/>
+                </a:ext>
+              </a:extLst>
+            </p:cNvPr>
+            <p:cNvCxnSpPr>
+              <a:cxnSpLocks/>
+            </p:cNvCxnSpPr>
+            <p:nvPr/>
+          </p:nvCxnSpPr>
+          <p:spPr>
+            <a:xfrm>
+              <a:off x="2459115" y="1576482"/>
+              <a:ext cx="305957" cy="0"/>
+            </a:xfrm>
+            <a:prstGeom prst="line">
+              <a:avLst/>
+            </a:prstGeom>
+          </p:spPr>
+          <p:style>
+            <a:lnRef idx="2">
+              <a:schemeClr val="accent1"/>
+            </a:lnRef>
+            <a:fillRef idx="0">
+              <a:schemeClr val="accent1"/>
+            </a:fillRef>
+            <a:effectRef idx="1">
+              <a:schemeClr val="accent1"/>
+            </a:effectRef>
+            <a:fontRef idx="minor">
+              <a:schemeClr val="tx1"/>
+            </a:fontRef>
+          </p:style>
+        </p:cxnSp>
+        <p:cxnSp>
+          <p:nvCxnSpPr>
+            <p:cNvPr id="18" name="直线连接符 60">
+              <a:extLst>
+                <a:ext uri="{FF2B5EF4-FFF2-40B4-BE49-F238E27FC236}">
+                  <a16:creationId xmlns:a16="http://schemas.microsoft.com/office/drawing/2014/main" id="{D8465745-07F4-F7CD-AFE3-5E8967E6DCDF}"/>
+                </a:ext>
+              </a:extLst>
+            </p:cNvPr>
+            <p:cNvCxnSpPr>
+              <a:cxnSpLocks/>
+            </p:cNvCxnSpPr>
+            <p:nvPr/>
+          </p:nvCxnSpPr>
+          <p:spPr>
+            <a:xfrm>
+              <a:off x="3341025" y="1576482"/>
+              <a:ext cx="305957" cy="0"/>
+            </a:xfrm>
+            <a:prstGeom prst="line">
+              <a:avLst/>
+            </a:prstGeom>
+          </p:spPr>
+          <p:style>
+            <a:lnRef idx="2">
+              <a:schemeClr val="accent1"/>
+            </a:lnRef>
+            <a:fillRef idx="0">
+              <a:schemeClr val="accent1"/>
+            </a:fillRef>
+            <a:effectRef idx="1">
+              <a:schemeClr val="accent1"/>
+            </a:effectRef>
+            <a:fontRef idx="minor">
+              <a:schemeClr val="tx1"/>
+            </a:fontRef>
+          </p:style>
+        </p:cxnSp>
+        <p:cxnSp>
+          <p:nvCxnSpPr>
+            <p:cNvPr id="19" name="直线连接符 61">
+              <a:extLst>
+                <a:ext uri="{FF2B5EF4-FFF2-40B4-BE49-F238E27FC236}">
+                  <a16:creationId xmlns:a16="http://schemas.microsoft.com/office/drawing/2014/main" id="{BD5785F2-3F48-9474-6728-F61A91DD2800}"/>
+                </a:ext>
+              </a:extLst>
+            </p:cNvPr>
+            <p:cNvCxnSpPr>
+              <a:cxnSpLocks/>
+            </p:cNvCxnSpPr>
+            <p:nvPr/>
+          </p:nvCxnSpPr>
+          <p:spPr>
+            <a:xfrm>
+              <a:off x="2459115" y="2103714"/>
+              <a:ext cx="305957" cy="0"/>
+            </a:xfrm>
+            <a:prstGeom prst="line">
+              <a:avLst/>
+            </a:prstGeom>
+          </p:spPr>
+          <p:style>
+            <a:lnRef idx="2">
+              <a:schemeClr val="accent1"/>
+            </a:lnRef>
+            <a:fillRef idx="0">
+              <a:schemeClr val="accent1"/>
+            </a:fillRef>
+            <a:effectRef idx="1">
+              <a:schemeClr val="accent1"/>
+            </a:effectRef>
+            <a:fontRef idx="minor">
+              <a:schemeClr val="tx1"/>
+            </a:fontRef>
+          </p:style>
+        </p:cxnSp>
+      </p:grpSp>
+      <p:cxnSp>
+        <p:nvCxnSpPr>
+          <p:cNvPr id="25" name="直线连接符 78">
+            <a:extLst>
+              <a:ext uri="{FF2B5EF4-FFF2-40B4-BE49-F238E27FC236}">
+                <a16:creationId xmlns:a16="http://schemas.microsoft.com/office/drawing/2014/main" id="{5E272C9D-9DE6-9EBA-DA03-3D4CFCE7A2C4}"/>
+              </a:ext>
+            </a:extLst>
+          </p:cNvPr>
+          <p:cNvCxnSpPr>
+            <a:cxnSpLocks/>
+          </p:cNvCxnSpPr>
+          <p:nvPr/>
+        </p:nvCxnSpPr>
+        <p:spPr>
+          <a:xfrm>
+            <a:off x="7165971" y="3289035"/>
+            <a:ext cx="0" cy="393327"/>
+          </a:xfrm>
+          <a:prstGeom prst="line">
+            <a:avLst/>
+          </a:prstGeom>
+        </p:spPr>
+        <p:style>
+          <a:lnRef idx="2">
+            <a:schemeClr val="accent1"/>
+          </a:lnRef>
+          <a:fillRef idx="0">
+            <a:schemeClr val="accent1"/>
+          </a:fillRef>
+          <a:effectRef idx="1">
+            <a:schemeClr val="accent1"/>
+          </a:effectRef>
+          <a:fontRef idx="minor">
+            <a:schemeClr val="tx1"/>
+          </a:fontRef>
+        </p:style>
+      </p:cxnSp>
+      <p:sp>
+        <p:nvSpPr>
+          <p:cNvPr id="26" name="椭圆 93">
+            <a:extLst>
+              <a:ext uri="{FF2B5EF4-FFF2-40B4-BE49-F238E27FC236}">
+                <a16:creationId xmlns:a16="http://schemas.microsoft.com/office/drawing/2014/main" id="{1DEA0820-DEA1-435B-835E-6D551C6B3E49}"/>
+              </a:ext>
+            </a:extLst>
+          </p:cNvPr>
+          <p:cNvSpPr/>
+          <p:nvPr/>
+        </p:nvSpPr>
+        <p:spPr>
+          <a:xfrm>
+            <a:off x="7143111" y="3655690"/>
+            <a:ext cx="45719" cy="45719"/>
+          </a:xfrm>
+          <a:prstGeom prst="ellipse">
+            <a:avLst/>
+          </a:prstGeom>
+        </p:spPr>
+        <p:style>
+          <a:lnRef idx="2">
+            <a:schemeClr val="accent1">
+              <a:shade val="15000"/>
+            </a:schemeClr>
+          </a:lnRef>
+          <a:fillRef idx="1">
+            <a:schemeClr val="accent1"/>
+          </a:fillRef>
+          <a:effectRef idx="0">
+            <a:schemeClr val="accent1"/>
+          </a:effectRef>
+          <a:fontRef idx="minor">
+            <a:schemeClr val="lt1"/>
+          </a:fontRef>
+        </p:style>
+        <p:txBody>
+          <a:bodyPr rtlCol="0" anchor="ctr"/>
+          <a:lstStyle/>
+          <a:p>
+            <a:pPr algn="ctr"/>
+            <a:endParaRPr kumimoji="1" lang="zh-CN" altLang="en-US"/>
+          </a:p>
+        </p:txBody>
+      </p:sp>
+      <p:sp>
+        <p:nvSpPr>
+          <p:cNvPr id="32" name="Flowchart: Delay 31">
+            <a:extLst>
+              <a:ext uri="{FF2B5EF4-FFF2-40B4-BE49-F238E27FC236}">
+                <a16:creationId xmlns:a16="http://schemas.microsoft.com/office/drawing/2014/main" id="{F74E0D89-DFE9-9B69-F2B5-15530C605968}"/>
+              </a:ext>
+            </a:extLst>
+          </p:cNvPr>
+          <p:cNvSpPr/>
+          <p:nvPr/>
+        </p:nvSpPr>
+        <p:spPr>
+          <a:xfrm>
+            <a:off x="5432108" y="3467995"/>
+            <a:ext cx="528637" cy="431564"/>
+          </a:xfrm>
+          <a:prstGeom prst="flowChartDelay">
+            <a:avLst/>
+          </a:prstGeom>
+        </p:spPr>
+        <p:style>
+          <a:lnRef idx="2">
+            <a:schemeClr val="accent6">
+              <a:shade val="15000"/>
+            </a:schemeClr>
+          </a:lnRef>
+          <a:fillRef idx="1">
+            <a:schemeClr val="accent6"/>
+          </a:fillRef>
+          <a:effectRef idx="0">
+            <a:schemeClr val="accent6"/>
+          </a:effectRef>
+          <a:fontRef idx="minor">
+            <a:schemeClr val="lt1"/>
+          </a:fontRef>
+        </p:style>
+        <p:txBody>
+          <a:bodyPr rtlCol="0" anchor="ctr"/>
+          <a:lstStyle/>
+          <a:p>
+            <a:pPr algn="ctr"/>
+            <a:endParaRPr lang="en-US" dirty="0"/>
+          </a:p>
+        </p:txBody>
+      </p:sp>
+      <p:grpSp>
+        <p:nvGrpSpPr>
+          <p:cNvPr id="33" name="组合 57">
+            <a:extLst>
+              <a:ext uri="{FF2B5EF4-FFF2-40B4-BE49-F238E27FC236}">
+                <a16:creationId xmlns:a16="http://schemas.microsoft.com/office/drawing/2014/main" id="{2D75F195-594F-1AE6-3DD3-743A444BC0C7}"/>
+              </a:ext>
+            </a:extLst>
+          </p:cNvPr>
+          <p:cNvGrpSpPr/>
+          <p:nvPr/>
+        </p:nvGrpSpPr>
+        <p:grpSpPr>
+          <a:xfrm>
+            <a:off x="3614188" y="2529241"/>
+            <a:ext cx="1187867" cy="1033153"/>
+            <a:chOff x="2459115" y="1343921"/>
+            <a:chExt cx="1187867" cy="1033153"/>
+          </a:xfrm>
+        </p:grpSpPr>
+        <p:grpSp>
+          <p:nvGrpSpPr>
+            <p:cNvPr id="34" name="组合 58">
+              <a:extLst>
+                <a:ext uri="{FF2B5EF4-FFF2-40B4-BE49-F238E27FC236}">
+                  <a16:creationId xmlns:a16="http://schemas.microsoft.com/office/drawing/2014/main" id="{DE2BED0F-365A-07C4-30BD-D69C6652BE04}"/>
+                </a:ext>
+              </a:extLst>
+            </p:cNvPr>
+            <p:cNvGrpSpPr/>
+            <p:nvPr/>
+          </p:nvGrpSpPr>
+          <p:grpSpPr>
+            <a:xfrm>
+              <a:off x="2661581" y="1343921"/>
+              <a:ext cx="756004" cy="1033153"/>
+              <a:chOff x="2661581" y="1343921"/>
+              <a:chExt cx="756004" cy="1033153"/>
+            </a:xfrm>
+          </p:grpSpPr>
+          <p:sp>
+            <p:nvSpPr>
+              <p:cNvPr id="38" name="矩形 62">
+                <a:extLst>
+                  <a:ext uri="{FF2B5EF4-FFF2-40B4-BE49-F238E27FC236}">
+                    <a16:creationId xmlns:a16="http://schemas.microsoft.com/office/drawing/2014/main" id="{105DF79A-2B96-0B69-1E16-A93C9F894BA6}"/>
+                  </a:ext>
+                </a:extLst>
+              </p:cNvPr>
+              <p:cNvSpPr/>
+              <p:nvPr/>
+            </p:nvSpPr>
+            <p:spPr>
+              <a:xfrm>
+                <a:off x="2765072" y="1343921"/>
+                <a:ext cx="575953" cy="1033153"/>
+              </a:xfrm>
+              <a:prstGeom prst="rect">
+                <a:avLst/>
+              </a:prstGeom>
+              <a:noFill/>
+            </p:spPr>
+            <p:style>
+              <a:lnRef idx="2">
+                <a:schemeClr val="accent1">
+                  <a:shade val="50000"/>
+                </a:schemeClr>
+              </a:lnRef>
+              <a:fillRef idx="1">
+                <a:schemeClr val="accent1"/>
+              </a:fillRef>
+              <a:effectRef idx="0">
+                <a:schemeClr val="accent1"/>
+              </a:effectRef>
+              <a:fontRef idx="minor">
+                <a:schemeClr val="lt1"/>
+              </a:fontRef>
+            </p:style>
+            <p:txBody>
+              <a:bodyPr rtlCol="0" anchor="ctr"/>
+              <a:lstStyle/>
+              <a:p>
+                <a:pPr algn="ctr"/>
+                <a:endParaRPr lang="zh-CN" altLang="en-US" dirty="0">
+                  <a:solidFill>
+                    <a:schemeClr val="tx1"/>
+                  </a:solidFill>
+                </a:endParaRPr>
+              </a:p>
+            </p:txBody>
+          </p:sp>
+          <p:sp>
+            <p:nvSpPr>
+              <p:cNvPr id="39" name="直角三角形 63">
+                <a:extLst>
+                  <a:ext uri="{FF2B5EF4-FFF2-40B4-BE49-F238E27FC236}">
+                    <a16:creationId xmlns:a16="http://schemas.microsoft.com/office/drawing/2014/main" id="{1BC34F30-BDEA-EB2D-ACC2-1FEBC067269D}"/>
+                  </a:ext>
+                </a:extLst>
+              </p:cNvPr>
+              <p:cNvSpPr/>
+              <p:nvPr/>
+            </p:nvSpPr>
+            <p:spPr>
+              <a:xfrm rot="13320000">
+                <a:off x="2661581" y="2001597"/>
+                <a:ext cx="206982" cy="226517"/>
+              </a:xfrm>
+              <a:prstGeom prst="rtTriangle">
+                <a:avLst/>
+              </a:prstGeom>
+              <a:noFill/>
+            </p:spPr>
+            <p:style>
+              <a:lnRef idx="2">
+                <a:schemeClr val="accent1">
+                  <a:shade val="50000"/>
+                </a:schemeClr>
+              </a:lnRef>
+              <a:fillRef idx="1">
+                <a:schemeClr val="accent1"/>
+              </a:fillRef>
+              <a:effectRef idx="0">
+                <a:schemeClr val="accent1"/>
+              </a:effectRef>
+              <a:fontRef idx="minor">
+                <a:schemeClr val="lt1"/>
+              </a:fontRef>
+            </p:style>
+            <p:txBody>
+              <a:bodyPr rtlCol="0" anchor="ctr"/>
+              <a:lstStyle/>
+              <a:p>
+                <a:pPr algn="ctr"/>
+                <a:endParaRPr lang="zh-CN" altLang="en-US"/>
+              </a:p>
+            </p:txBody>
+          </p:sp>
+          <p:sp>
+            <p:nvSpPr>
+              <p:cNvPr id="40" name="文本框 64">
+                <a:extLst>
+                  <a:ext uri="{FF2B5EF4-FFF2-40B4-BE49-F238E27FC236}">
+                    <a16:creationId xmlns:a16="http://schemas.microsoft.com/office/drawing/2014/main" id="{43D4849D-D524-9EC8-D34E-22B2023F357E}"/>
+                  </a:ext>
+                </a:extLst>
+              </p:cNvPr>
+              <p:cNvSpPr txBox="1"/>
+              <p:nvPr/>
+            </p:nvSpPr>
+            <p:spPr>
+              <a:xfrm>
+                <a:off x="2692832" y="1391816"/>
+                <a:ext cx="343364" cy="369332"/>
+              </a:xfrm>
+              <a:prstGeom prst="rect">
+                <a:avLst/>
+              </a:prstGeom>
+              <a:noFill/>
+            </p:spPr>
+            <p:txBody>
+              <a:bodyPr wrap="none" rtlCol="0">
+                <a:spAutoFit/>
+              </a:bodyPr>
+              <a:lstStyle/>
+              <a:p>
+                <a:r>
+                  <a:rPr kumimoji="1" lang="en-US" altLang="zh-CN" dirty="0"/>
+                  <a:t>D</a:t>
+                </a:r>
+                <a:endParaRPr kumimoji="1" lang="zh-CN" altLang="en-US" dirty="0"/>
+              </a:p>
+            </p:txBody>
+          </p:sp>
+          <p:sp>
+            <p:nvSpPr>
+              <p:cNvPr id="41" name="文本框 65">
+                <a:extLst>
+                  <a:ext uri="{FF2B5EF4-FFF2-40B4-BE49-F238E27FC236}">
+                    <a16:creationId xmlns:a16="http://schemas.microsoft.com/office/drawing/2014/main" id="{DDA1A911-DE7F-DC9E-70F4-3CFA9889A4EF}"/>
+                  </a:ext>
+                </a:extLst>
+              </p:cNvPr>
+              <p:cNvSpPr txBox="1"/>
+              <p:nvPr/>
+            </p:nvSpPr>
+            <p:spPr>
+              <a:xfrm>
+                <a:off x="2864514" y="1930189"/>
+                <a:ext cx="455574" cy="369332"/>
+              </a:xfrm>
+              <a:prstGeom prst="rect">
+                <a:avLst/>
+              </a:prstGeom>
+              <a:noFill/>
+            </p:spPr>
+            <p:txBody>
+              <a:bodyPr wrap="none" rtlCol="0">
+                <a:spAutoFit/>
+              </a:bodyPr>
+              <a:lstStyle/>
+              <a:p>
+                <a:r>
+                  <a:rPr kumimoji="1" lang="en-US" altLang="zh-CN" dirty="0"/>
+                  <a:t>CK</a:t>
+                </a:r>
+                <a:endParaRPr kumimoji="1" lang="zh-CN" altLang="en-US" dirty="0"/>
+              </a:p>
+            </p:txBody>
+          </p:sp>
+          <p:sp>
+            <p:nvSpPr>
+              <p:cNvPr id="42" name="文本框 66">
+                <a:extLst>
+                  <a:ext uri="{FF2B5EF4-FFF2-40B4-BE49-F238E27FC236}">
+                    <a16:creationId xmlns:a16="http://schemas.microsoft.com/office/drawing/2014/main" id="{63FCCE22-7596-A7F2-E41B-16776F08B241}"/>
+                  </a:ext>
+                </a:extLst>
+              </p:cNvPr>
+              <p:cNvSpPr txBox="1"/>
+              <p:nvPr/>
+            </p:nvSpPr>
+            <p:spPr>
+              <a:xfrm>
+                <a:off x="3058191" y="1391816"/>
+                <a:ext cx="359394" cy="369332"/>
+              </a:xfrm>
+              <a:prstGeom prst="rect">
+                <a:avLst/>
+              </a:prstGeom>
+              <a:noFill/>
+            </p:spPr>
+            <p:txBody>
+              <a:bodyPr wrap="none" rtlCol="0">
+                <a:spAutoFit/>
+              </a:bodyPr>
+              <a:lstStyle/>
+              <a:p>
+                <a:r>
+                  <a:rPr kumimoji="1" lang="en-US" altLang="zh-CN" dirty="0"/>
+                  <a:t>Q</a:t>
+                </a:r>
+                <a:endParaRPr kumimoji="1" lang="zh-CN" altLang="en-US" dirty="0"/>
+              </a:p>
+            </p:txBody>
+          </p:sp>
+        </p:grpSp>
+        <p:cxnSp>
+          <p:nvCxnSpPr>
+            <p:cNvPr id="35" name="直线连接符 59">
+              <a:extLst>
+                <a:ext uri="{FF2B5EF4-FFF2-40B4-BE49-F238E27FC236}">
+                  <a16:creationId xmlns:a16="http://schemas.microsoft.com/office/drawing/2014/main" id="{467235A9-68B1-2DD7-56FC-1405B440AB09}"/>
+                </a:ext>
+              </a:extLst>
+            </p:cNvPr>
+            <p:cNvCxnSpPr>
+              <a:cxnSpLocks/>
+            </p:cNvCxnSpPr>
+            <p:nvPr/>
+          </p:nvCxnSpPr>
+          <p:spPr>
+            <a:xfrm>
+              <a:off x="2459115" y="1576482"/>
+              <a:ext cx="305957" cy="0"/>
+            </a:xfrm>
+            <a:prstGeom prst="line">
+              <a:avLst/>
+            </a:prstGeom>
+          </p:spPr>
+          <p:style>
+            <a:lnRef idx="2">
+              <a:schemeClr val="accent1"/>
+            </a:lnRef>
+            <a:fillRef idx="0">
+              <a:schemeClr val="accent1"/>
+            </a:fillRef>
+            <a:effectRef idx="1">
+              <a:schemeClr val="accent1"/>
+            </a:effectRef>
+            <a:fontRef idx="minor">
+              <a:schemeClr val="tx1"/>
+            </a:fontRef>
+          </p:style>
+        </p:cxnSp>
+        <p:cxnSp>
+          <p:nvCxnSpPr>
+            <p:cNvPr id="36" name="直线连接符 60">
+              <a:extLst>
+                <a:ext uri="{FF2B5EF4-FFF2-40B4-BE49-F238E27FC236}">
+                  <a16:creationId xmlns:a16="http://schemas.microsoft.com/office/drawing/2014/main" id="{78F7C5D6-5C7F-18DB-FFB9-B5152C0D3077}"/>
+                </a:ext>
+              </a:extLst>
+            </p:cNvPr>
+            <p:cNvCxnSpPr>
+              <a:cxnSpLocks/>
+            </p:cNvCxnSpPr>
+            <p:nvPr/>
+          </p:nvCxnSpPr>
+          <p:spPr>
+            <a:xfrm>
+              <a:off x="3341025" y="1576482"/>
+              <a:ext cx="305957" cy="0"/>
+            </a:xfrm>
+            <a:prstGeom prst="line">
+              <a:avLst/>
+            </a:prstGeom>
+          </p:spPr>
+          <p:style>
+            <a:lnRef idx="2">
+              <a:schemeClr val="accent1"/>
+            </a:lnRef>
+            <a:fillRef idx="0">
+              <a:schemeClr val="accent1"/>
+            </a:fillRef>
+            <a:effectRef idx="1">
+              <a:schemeClr val="accent1"/>
+            </a:effectRef>
+            <a:fontRef idx="minor">
+              <a:schemeClr val="tx1"/>
+            </a:fontRef>
+          </p:style>
+        </p:cxnSp>
+        <p:cxnSp>
+          <p:nvCxnSpPr>
+            <p:cNvPr id="37" name="直线连接符 61">
+              <a:extLst>
+                <a:ext uri="{FF2B5EF4-FFF2-40B4-BE49-F238E27FC236}">
+                  <a16:creationId xmlns:a16="http://schemas.microsoft.com/office/drawing/2014/main" id="{2B784840-2594-3A67-3F13-550B541EE650}"/>
+                </a:ext>
+              </a:extLst>
+            </p:cNvPr>
+            <p:cNvCxnSpPr>
+              <a:cxnSpLocks/>
+            </p:cNvCxnSpPr>
+            <p:nvPr/>
+          </p:nvCxnSpPr>
+          <p:spPr>
+            <a:xfrm>
+              <a:off x="2459115" y="2103714"/>
+              <a:ext cx="305957" cy="0"/>
+            </a:xfrm>
+            <a:prstGeom prst="line">
+              <a:avLst/>
+            </a:prstGeom>
+          </p:spPr>
+          <p:style>
+            <a:lnRef idx="2">
+              <a:schemeClr val="accent1"/>
+            </a:lnRef>
+            <a:fillRef idx="0">
+              <a:schemeClr val="accent1"/>
+            </a:fillRef>
+            <a:effectRef idx="1">
+              <a:schemeClr val="accent1"/>
+            </a:effectRef>
+            <a:fontRef idx="minor">
+              <a:schemeClr val="tx1"/>
+            </a:fontRef>
+          </p:style>
+        </p:cxnSp>
+      </p:grpSp>
+      <p:cxnSp>
+        <p:nvCxnSpPr>
+          <p:cNvPr id="44" name="Straight Connector 43">
+            <a:extLst>
+              <a:ext uri="{FF2B5EF4-FFF2-40B4-BE49-F238E27FC236}">
+                <a16:creationId xmlns:a16="http://schemas.microsoft.com/office/drawing/2014/main" id="{3DAC8B22-4901-F87D-FA90-B35B78204317}"/>
+              </a:ext>
+            </a:extLst>
+          </p:cNvPr>
+          <p:cNvCxnSpPr>
+            <a:cxnSpLocks/>
+          </p:cNvCxnSpPr>
+          <p:nvPr/>
+        </p:nvCxnSpPr>
+        <p:spPr>
+          <a:xfrm>
+            <a:off x="4802055" y="2761802"/>
+            <a:ext cx="242235" cy="0"/>
+          </a:xfrm>
+          <a:prstGeom prst="line">
+            <a:avLst/>
+          </a:prstGeom>
+        </p:spPr>
+        <p:style>
+          <a:lnRef idx="2">
+            <a:schemeClr val="accent1"/>
+          </a:lnRef>
+          <a:fillRef idx="0">
+            <a:schemeClr val="accent1"/>
+          </a:fillRef>
+          <a:effectRef idx="1">
+            <a:schemeClr val="accent1"/>
+          </a:effectRef>
+          <a:fontRef idx="minor">
+            <a:schemeClr val="tx1"/>
+          </a:fontRef>
+        </p:style>
+      </p:cxnSp>
+      <p:cxnSp>
+        <p:nvCxnSpPr>
+          <p:cNvPr id="46" name="Straight Connector 45">
+            <a:extLst>
+              <a:ext uri="{FF2B5EF4-FFF2-40B4-BE49-F238E27FC236}">
+                <a16:creationId xmlns:a16="http://schemas.microsoft.com/office/drawing/2014/main" id="{BC90CBB7-1168-E6E4-289F-A43E3DCE78D2}"/>
+              </a:ext>
+            </a:extLst>
+          </p:cNvPr>
+          <p:cNvCxnSpPr>
+            <a:cxnSpLocks/>
+          </p:cNvCxnSpPr>
+          <p:nvPr/>
+        </p:nvCxnSpPr>
+        <p:spPr>
+          <a:xfrm flipV="1">
+            <a:off x="5044290" y="2761802"/>
+            <a:ext cx="0" cy="800592"/>
+          </a:xfrm>
+          <a:prstGeom prst="line">
+            <a:avLst/>
+          </a:prstGeom>
+        </p:spPr>
+        <p:style>
+          <a:lnRef idx="2">
+            <a:schemeClr val="accent1"/>
+          </a:lnRef>
+          <a:fillRef idx="0">
+            <a:schemeClr val="accent1"/>
+          </a:fillRef>
+          <a:effectRef idx="1">
+            <a:schemeClr val="accent1"/>
+          </a:effectRef>
+          <a:fontRef idx="minor">
+            <a:schemeClr val="tx1"/>
+          </a:fontRef>
+        </p:style>
+      </p:cxnSp>
+      <p:cxnSp>
+        <p:nvCxnSpPr>
+          <p:cNvPr id="49" name="Straight Connector 48">
+            <a:extLst>
+              <a:ext uri="{FF2B5EF4-FFF2-40B4-BE49-F238E27FC236}">
+                <a16:creationId xmlns:a16="http://schemas.microsoft.com/office/drawing/2014/main" id="{D5F76CA6-C91E-CA8E-B47C-2B7BD5EC9766}"/>
+              </a:ext>
+            </a:extLst>
+          </p:cNvPr>
+          <p:cNvCxnSpPr>
+            <a:cxnSpLocks/>
+          </p:cNvCxnSpPr>
+          <p:nvPr/>
+        </p:nvCxnSpPr>
+        <p:spPr>
+          <a:xfrm flipH="1">
+            <a:off x="5044290" y="3562394"/>
+            <a:ext cx="387818" cy="0"/>
+          </a:xfrm>
+          <a:prstGeom prst="line">
+            <a:avLst/>
+          </a:prstGeom>
+        </p:spPr>
+        <p:style>
+          <a:lnRef idx="2">
+            <a:schemeClr val="accent1"/>
+          </a:lnRef>
+          <a:fillRef idx="0">
+            <a:schemeClr val="accent1"/>
+          </a:fillRef>
+          <a:effectRef idx="1">
+            <a:schemeClr val="accent1"/>
+          </a:effectRef>
+          <a:fontRef idx="minor">
+            <a:schemeClr val="tx1"/>
+          </a:fontRef>
+        </p:style>
+      </p:cxnSp>
+      <p:cxnSp>
+        <p:nvCxnSpPr>
+          <p:cNvPr id="53" name="Straight Connector 52">
+            <a:extLst>
+              <a:ext uri="{FF2B5EF4-FFF2-40B4-BE49-F238E27FC236}">
+                <a16:creationId xmlns:a16="http://schemas.microsoft.com/office/drawing/2014/main" id="{BEA38070-2BCB-B04A-7BFC-1FB260E4684F}"/>
+              </a:ext>
+            </a:extLst>
+          </p:cNvPr>
+          <p:cNvCxnSpPr>
+            <a:cxnSpLocks/>
+          </p:cNvCxnSpPr>
+          <p:nvPr/>
+        </p:nvCxnSpPr>
+        <p:spPr>
+          <a:xfrm flipH="1">
+            <a:off x="2508184" y="3800475"/>
+            <a:ext cx="2923924" cy="0"/>
+          </a:xfrm>
+          <a:prstGeom prst="line">
+            <a:avLst/>
+          </a:prstGeom>
+        </p:spPr>
+        <p:style>
+          <a:lnRef idx="2">
+            <a:schemeClr val="accent1"/>
+          </a:lnRef>
+          <a:fillRef idx="0">
+            <a:schemeClr val="accent1"/>
+          </a:fillRef>
+          <a:effectRef idx="1">
+            <a:schemeClr val="accent1"/>
+          </a:effectRef>
+          <a:fontRef idx="minor">
+            <a:schemeClr val="tx1"/>
+          </a:fontRef>
+        </p:style>
+      </p:cxnSp>
+      <p:cxnSp>
+        <p:nvCxnSpPr>
+          <p:cNvPr id="59" name="Straight Connector 58">
+            <a:extLst>
+              <a:ext uri="{FF2B5EF4-FFF2-40B4-BE49-F238E27FC236}">
+                <a16:creationId xmlns:a16="http://schemas.microsoft.com/office/drawing/2014/main" id="{C8F854FA-6EE9-37B4-D9AB-9CCFE7B5839A}"/>
+              </a:ext>
+            </a:extLst>
+          </p:cNvPr>
+          <p:cNvCxnSpPr>
+            <a:cxnSpLocks/>
+          </p:cNvCxnSpPr>
+          <p:nvPr/>
+        </p:nvCxnSpPr>
+        <p:spPr>
+          <a:xfrm flipV="1">
+            <a:off x="3614188" y="3289034"/>
+            <a:ext cx="0" cy="511440"/>
+          </a:xfrm>
+          <a:prstGeom prst="line">
+            <a:avLst/>
+          </a:prstGeom>
+        </p:spPr>
+        <p:style>
+          <a:lnRef idx="2">
+            <a:schemeClr val="accent1"/>
+          </a:lnRef>
+          <a:fillRef idx="0">
+            <a:schemeClr val="accent1"/>
+          </a:fillRef>
+          <a:effectRef idx="1">
+            <a:schemeClr val="accent1"/>
+          </a:effectRef>
+          <a:fontRef idx="minor">
+            <a:schemeClr val="tx1"/>
+          </a:fontRef>
+        </p:style>
+      </p:cxnSp>
+      <p:sp>
+        <p:nvSpPr>
+          <p:cNvPr id="62" name="椭圆 93">
+            <a:extLst>
+              <a:ext uri="{FF2B5EF4-FFF2-40B4-BE49-F238E27FC236}">
+                <a16:creationId xmlns:a16="http://schemas.microsoft.com/office/drawing/2014/main" id="{FC3ECCB3-8210-AD0C-4A19-E4E2144BD0D9}"/>
+              </a:ext>
+            </a:extLst>
+          </p:cNvPr>
+          <p:cNvSpPr/>
+          <p:nvPr/>
+        </p:nvSpPr>
+        <p:spPr>
+          <a:xfrm>
+            <a:off x="3591328" y="3777614"/>
+            <a:ext cx="45719" cy="45719"/>
+          </a:xfrm>
+          <a:prstGeom prst="ellipse">
+            <a:avLst/>
+          </a:prstGeom>
+        </p:spPr>
+        <p:style>
+          <a:lnRef idx="2">
+            <a:schemeClr val="accent1">
+              <a:shade val="15000"/>
+            </a:schemeClr>
+          </a:lnRef>
+          <a:fillRef idx="1">
+            <a:schemeClr val="accent1"/>
+          </a:fillRef>
+          <a:effectRef idx="0">
+            <a:schemeClr val="accent1"/>
+          </a:effectRef>
+          <a:fontRef idx="minor">
+            <a:schemeClr val="lt1"/>
+          </a:fontRef>
+        </p:style>
+        <p:txBody>
+          <a:bodyPr rtlCol="0" anchor="ctr"/>
+          <a:lstStyle/>
+          <a:p>
+            <a:pPr algn="ctr"/>
+            <a:endParaRPr kumimoji="1" lang="zh-CN" altLang="en-US"/>
+          </a:p>
+        </p:txBody>
+      </p:sp>
+      <p:sp>
+        <p:nvSpPr>
+          <p:cNvPr id="63" name="TextBox 62">
+            <a:extLst>
+              <a:ext uri="{FF2B5EF4-FFF2-40B4-BE49-F238E27FC236}">
+                <a16:creationId xmlns:a16="http://schemas.microsoft.com/office/drawing/2014/main" id="{307F33B1-4D68-9EC6-37F2-F29259112654}"/>
+              </a:ext>
+            </a:extLst>
+          </p:cNvPr>
+          <p:cNvSpPr txBox="1"/>
+          <p:nvPr/>
+        </p:nvSpPr>
+        <p:spPr>
+          <a:xfrm>
+            <a:off x="2445096" y="3484841"/>
+            <a:ext cx="926857" cy="369332"/>
+          </a:xfrm>
+          <a:prstGeom prst="rect">
+            <a:avLst/>
+          </a:prstGeom>
+          <a:noFill/>
+        </p:spPr>
+        <p:txBody>
+          <a:bodyPr wrap="none" rtlCol="0">
+            <a:spAutoFit/>
+          </a:bodyPr>
+          <a:lstStyle/>
+          <a:p>
+            <a:r>
+              <a:rPr lang="en-US" dirty="0"/>
+              <a:t>SYSCLK</a:t>
+            </a:r>
+          </a:p>
+        </p:txBody>
+      </p:sp>
+      <p:sp>
+        <p:nvSpPr>
+          <p:cNvPr id="65" name="TextBox 64">
+            <a:extLst>
+              <a:ext uri="{FF2B5EF4-FFF2-40B4-BE49-F238E27FC236}">
+                <a16:creationId xmlns:a16="http://schemas.microsoft.com/office/drawing/2014/main" id="{3A2F222C-B6A6-A17D-E1B9-66F46A9F9A2A}"/>
+              </a:ext>
+            </a:extLst>
+          </p:cNvPr>
+          <p:cNvSpPr txBox="1"/>
+          <p:nvPr/>
+        </p:nvSpPr>
+        <p:spPr>
+          <a:xfrm>
+            <a:off x="4456780" y="2442012"/>
+            <a:ext cx="806631" cy="369332"/>
+          </a:xfrm>
+          <a:prstGeom prst="rect">
+            <a:avLst/>
+          </a:prstGeom>
+          <a:noFill/>
+        </p:spPr>
+        <p:txBody>
+          <a:bodyPr wrap="none" rtlCol="0">
+            <a:spAutoFit/>
+          </a:bodyPr>
+          <a:lstStyle/>
+          <a:p>
+            <a:r>
+              <a:rPr lang="en-US" dirty="0"/>
+              <a:t>SCTRL</a:t>
+            </a:r>
+          </a:p>
+        </p:txBody>
+      </p:sp>
+      <p:sp>
+        <p:nvSpPr>
+          <p:cNvPr id="66" name="TextBox 65">
+            <a:extLst>
+              <a:ext uri="{FF2B5EF4-FFF2-40B4-BE49-F238E27FC236}">
+                <a16:creationId xmlns:a16="http://schemas.microsoft.com/office/drawing/2014/main" id="{E4C88A11-6C3A-CFBA-B5DF-3E7B0E51E98B}"/>
+              </a:ext>
+            </a:extLst>
+          </p:cNvPr>
+          <p:cNvSpPr txBox="1"/>
+          <p:nvPr/>
+        </p:nvSpPr>
+        <p:spPr>
+          <a:xfrm>
+            <a:off x="5893257" y="3360088"/>
+            <a:ext cx="1225015" cy="369332"/>
+          </a:xfrm>
+          <a:prstGeom prst="rect">
+            <a:avLst/>
+          </a:prstGeom>
+          <a:noFill/>
+        </p:spPr>
+        <p:txBody>
+          <a:bodyPr wrap="none" rtlCol="0">
+            <a:spAutoFit/>
+          </a:bodyPr>
+          <a:lstStyle/>
+          <a:p>
+            <a:r>
+              <a:rPr lang="en-US" dirty="0"/>
+              <a:t>CORE_CLK</a:t>
+            </a:r>
+          </a:p>
+        </p:txBody>
+      </p:sp>
+      <p:sp>
+        <p:nvSpPr>
+          <p:cNvPr id="67" name="TextBox 66">
+            <a:extLst>
+              <a:ext uri="{FF2B5EF4-FFF2-40B4-BE49-F238E27FC236}">
+                <a16:creationId xmlns:a16="http://schemas.microsoft.com/office/drawing/2014/main" id="{B50CF3A3-B707-F264-B6A1-19DCA20219BE}"/>
+              </a:ext>
+            </a:extLst>
+          </p:cNvPr>
+          <p:cNvSpPr txBox="1"/>
+          <p:nvPr/>
+        </p:nvSpPr>
+        <p:spPr>
+          <a:xfrm>
+            <a:off x="5223202" y="3841353"/>
+            <a:ext cx="934871" cy="369332"/>
+          </a:xfrm>
+          <a:prstGeom prst="rect">
+            <a:avLst/>
+          </a:prstGeom>
+          <a:noFill/>
+        </p:spPr>
+        <p:txBody>
+          <a:bodyPr wrap="none" rtlCol="0">
+            <a:spAutoFit/>
+          </a:bodyPr>
+          <a:lstStyle/>
+          <a:p>
+            <a:r>
+              <a:rPr lang="en-US" dirty="0"/>
+              <a:t>UAND1</a:t>
+            </a:r>
+          </a:p>
+        </p:txBody>
+      </p:sp>
+    </p:spTree>
+    <p:extLst>
+      <p:ext uri="{BB962C8B-B14F-4D97-AF65-F5344CB8AC3E}">
+        <p14:creationId xmlns:p14="http://schemas.microsoft.com/office/powerpoint/2010/main" val="2374530566"/>
+      </p:ext>
+    </p:extLst>
+  </p:cSld>
+  <p:clrMapOvr>
+    <a:masterClrMapping/>
+  </p:clrMapOvr>
+</p:sld>
+</file>
+
+<file path=ppt/slides/slide13.xml><?xml version="1.0" encoding="utf-8"?>
+<p:sld xmlns:a="http://schemas.openxmlformats.org/drawingml/2006/main" xmlns:r="http://schemas.openxmlformats.org/officeDocument/2006/relationships" xmlns:p="http://schemas.openxmlformats.org/presentationml/2006/main">
+  <p:cSld>
+    <p:spTree>
+      <p:nvGrpSpPr>
+        <p:cNvPr id="1" name=""/>
+        <p:cNvGrpSpPr/>
+        <p:nvPr/>
+      </p:nvGrpSpPr>
+      <p:grpSpPr>
+        <a:xfrm>
+          <a:off x="0" y="0"/>
+          <a:ext cx="0" cy="0"/>
+          <a:chOff x="0" y="0"/>
+          <a:chExt cx="0" cy="0"/>
+        </a:xfrm>
+      </p:grpSpPr>
+      <p:grpSp>
+        <p:nvGrpSpPr>
+          <p:cNvPr id="4" name="组合 45">
+            <a:extLst>
+              <a:ext uri="{FF2B5EF4-FFF2-40B4-BE49-F238E27FC236}">
+                <a16:creationId xmlns:a16="http://schemas.microsoft.com/office/drawing/2014/main" id="{71DC9DAB-6BD2-391A-5D1D-83B228DDBA9C}"/>
+              </a:ext>
+            </a:extLst>
+          </p:cNvPr>
+          <p:cNvGrpSpPr/>
+          <p:nvPr/>
+        </p:nvGrpSpPr>
+        <p:grpSpPr>
+          <a:xfrm>
+            <a:off x="8160699" y="2653343"/>
+            <a:ext cx="756004" cy="1033153"/>
+            <a:chOff x="2661581" y="1343921"/>
+            <a:chExt cx="756004" cy="1033153"/>
+          </a:xfrm>
+        </p:grpSpPr>
+        <p:sp>
+          <p:nvSpPr>
+            <p:cNvPr id="5" name="矩形 49">
+              <a:extLst>
+                <a:ext uri="{FF2B5EF4-FFF2-40B4-BE49-F238E27FC236}">
+                  <a16:creationId xmlns:a16="http://schemas.microsoft.com/office/drawing/2014/main" id="{99612AF7-B881-11AB-93A0-3F5F9AC48BC2}"/>
+                </a:ext>
+              </a:extLst>
+            </p:cNvPr>
+            <p:cNvSpPr/>
+            <p:nvPr/>
+          </p:nvSpPr>
+          <p:spPr>
+            <a:xfrm>
+              <a:off x="2765072" y="1343921"/>
+              <a:ext cx="575953" cy="1033153"/>
+            </a:xfrm>
+            <a:prstGeom prst="rect">
+              <a:avLst/>
+            </a:prstGeom>
+            <a:noFill/>
+          </p:spPr>
+          <p:style>
+            <a:lnRef idx="2">
+              <a:schemeClr val="accent1">
+                <a:shade val="50000"/>
+              </a:schemeClr>
+            </a:lnRef>
+            <a:fillRef idx="1">
+              <a:schemeClr val="accent1"/>
+            </a:fillRef>
+            <a:effectRef idx="0">
+              <a:schemeClr val="accent1"/>
+            </a:effectRef>
+            <a:fontRef idx="minor">
+              <a:schemeClr val="lt1"/>
+            </a:fontRef>
+          </p:style>
+          <p:txBody>
+            <a:bodyPr rtlCol="0" anchor="ctr"/>
+            <a:lstStyle/>
+            <a:p>
+              <a:pPr algn="ctr"/>
+              <a:endParaRPr lang="zh-CN" altLang="en-US" dirty="0">
+                <a:solidFill>
+                  <a:schemeClr val="tx1"/>
+                </a:solidFill>
+              </a:endParaRPr>
+            </a:p>
+          </p:txBody>
+        </p:sp>
+        <p:sp>
+          <p:nvSpPr>
+            <p:cNvPr id="6" name="直角三角形 50">
+              <a:extLst>
+                <a:ext uri="{FF2B5EF4-FFF2-40B4-BE49-F238E27FC236}">
+                  <a16:creationId xmlns:a16="http://schemas.microsoft.com/office/drawing/2014/main" id="{56ADC805-5A54-EFE7-B4D9-B4DA83F76AA3}"/>
+                </a:ext>
+              </a:extLst>
+            </p:cNvPr>
+            <p:cNvSpPr/>
+            <p:nvPr/>
+          </p:nvSpPr>
+          <p:spPr>
+            <a:xfrm rot="13320000">
+              <a:off x="2661581" y="2001597"/>
+              <a:ext cx="206982" cy="226517"/>
+            </a:xfrm>
+            <a:prstGeom prst="rtTriangle">
+              <a:avLst/>
+            </a:prstGeom>
+            <a:noFill/>
+          </p:spPr>
+          <p:style>
+            <a:lnRef idx="2">
+              <a:schemeClr val="accent1">
+                <a:shade val="50000"/>
+              </a:schemeClr>
+            </a:lnRef>
+            <a:fillRef idx="1">
+              <a:schemeClr val="accent1"/>
+            </a:fillRef>
+            <a:effectRef idx="0">
+              <a:schemeClr val="accent1"/>
+            </a:effectRef>
+            <a:fontRef idx="minor">
+              <a:schemeClr val="lt1"/>
+            </a:fontRef>
+          </p:style>
+          <p:txBody>
+            <a:bodyPr rtlCol="0" anchor="ctr"/>
+            <a:lstStyle/>
+            <a:p>
+              <a:pPr algn="ctr"/>
+              <a:endParaRPr lang="zh-CN" altLang="en-US"/>
+            </a:p>
+          </p:txBody>
+        </p:sp>
+        <p:sp>
+          <p:nvSpPr>
+            <p:cNvPr id="7" name="文本框 51">
+              <a:extLst>
+                <a:ext uri="{FF2B5EF4-FFF2-40B4-BE49-F238E27FC236}">
+                  <a16:creationId xmlns:a16="http://schemas.microsoft.com/office/drawing/2014/main" id="{5D675132-EF09-8591-69EF-9D0F58D55A2F}"/>
+                </a:ext>
+              </a:extLst>
+            </p:cNvPr>
+            <p:cNvSpPr txBox="1"/>
+            <p:nvPr/>
+          </p:nvSpPr>
+          <p:spPr>
+            <a:xfrm>
+              <a:off x="2692832" y="1391816"/>
+              <a:ext cx="343364" cy="369332"/>
+            </a:xfrm>
+            <a:prstGeom prst="rect">
+              <a:avLst/>
+            </a:prstGeom>
+            <a:noFill/>
+          </p:spPr>
+          <p:txBody>
+            <a:bodyPr wrap="none" rtlCol="0">
+              <a:spAutoFit/>
+            </a:bodyPr>
+            <a:lstStyle/>
+            <a:p>
+              <a:r>
+                <a:rPr kumimoji="1" lang="en-US" altLang="zh-CN" dirty="0"/>
+                <a:t>D</a:t>
+              </a:r>
+              <a:endParaRPr kumimoji="1" lang="zh-CN" altLang="en-US" dirty="0"/>
+            </a:p>
+          </p:txBody>
+        </p:sp>
+        <p:sp>
+          <p:nvSpPr>
+            <p:cNvPr id="8" name="文本框 52">
+              <a:extLst>
+                <a:ext uri="{FF2B5EF4-FFF2-40B4-BE49-F238E27FC236}">
+                  <a16:creationId xmlns:a16="http://schemas.microsoft.com/office/drawing/2014/main" id="{B6EA236C-C231-22D7-AE1C-3345E33901A4}"/>
+                </a:ext>
+              </a:extLst>
+            </p:cNvPr>
+            <p:cNvSpPr txBox="1"/>
+            <p:nvPr/>
+          </p:nvSpPr>
+          <p:spPr>
+            <a:xfrm>
+              <a:off x="2864514" y="1930189"/>
+              <a:ext cx="455574" cy="369332"/>
+            </a:xfrm>
+            <a:prstGeom prst="rect">
+              <a:avLst/>
+            </a:prstGeom>
+            <a:noFill/>
+          </p:spPr>
+          <p:txBody>
+            <a:bodyPr wrap="none" rtlCol="0">
+              <a:spAutoFit/>
+            </a:bodyPr>
+            <a:lstStyle/>
+            <a:p>
+              <a:r>
+                <a:rPr kumimoji="1" lang="en-US" altLang="zh-CN" dirty="0"/>
+                <a:t>CK</a:t>
+              </a:r>
+              <a:endParaRPr kumimoji="1" lang="zh-CN" altLang="en-US" dirty="0"/>
+            </a:p>
+          </p:txBody>
+        </p:sp>
+        <p:sp>
+          <p:nvSpPr>
+            <p:cNvPr id="9" name="文本框 53">
+              <a:extLst>
+                <a:ext uri="{FF2B5EF4-FFF2-40B4-BE49-F238E27FC236}">
+                  <a16:creationId xmlns:a16="http://schemas.microsoft.com/office/drawing/2014/main" id="{AB4978DE-1E3D-B1A4-EB79-4C46F71A6C3A}"/>
+                </a:ext>
+              </a:extLst>
+            </p:cNvPr>
+            <p:cNvSpPr txBox="1"/>
+            <p:nvPr/>
+          </p:nvSpPr>
+          <p:spPr>
+            <a:xfrm>
+              <a:off x="3058191" y="1391816"/>
+              <a:ext cx="359394" cy="369332"/>
+            </a:xfrm>
+            <a:prstGeom prst="rect">
+              <a:avLst/>
+            </a:prstGeom>
+            <a:noFill/>
+          </p:spPr>
+          <p:txBody>
+            <a:bodyPr wrap="none" rtlCol="0">
+              <a:spAutoFit/>
+            </a:bodyPr>
+            <a:lstStyle/>
+            <a:p>
+              <a:r>
+                <a:rPr kumimoji="1" lang="en-US" altLang="zh-CN" dirty="0"/>
+                <a:t>Q</a:t>
+              </a:r>
+              <a:endParaRPr kumimoji="1" lang="zh-CN" altLang="en-US" dirty="0"/>
+            </a:p>
+          </p:txBody>
+        </p:sp>
+      </p:grpSp>
+      <p:cxnSp>
+        <p:nvCxnSpPr>
+          <p:cNvPr id="10" name="直线连接符 46">
+            <a:extLst>
+              <a:ext uri="{FF2B5EF4-FFF2-40B4-BE49-F238E27FC236}">
+                <a16:creationId xmlns:a16="http://schemas.microsoft.com/office/drawing/2014/main" id="{88547ABA-CBE2-D276-2896-6480622E7723}"/>
+              </a:ext>
+            </a:extLst>
+          </p:cNvPr>
+          <p:cNvCxnSpPr>
+            <a:cxnSpLocks/>
+          </p:cNvCxnSpPr>
+          <p:nvPr/>
+        </p:nvCxnSpPr>
+        <p:spPr>
+          <a:xfrm>
+            <a:off x="7958233" y="2885904"/>
+            <a:ext cx="305957" cy="0"/>
+          </a:xfrm>
+          <a:prstGeom prst="line">
+            <a:avLst/>
+          </a:prstGeom>
+        </p:spPr>
+        <p:style>
+          <a:lnRef idx="2">
+            <a:schemeClr val="accent1"/>
+          </a:lnRef>
+          <a:fillRef idx="0">
+            <a:schemeClr val="accent1"/>
+          </a:fillRef>
+          <a:effectRef idx="1">
+            <a:schemeClr val="accent1"/>
+          </a:effectRef>
+          <a:fontRef idx="minor">
+            <a:schemeClr val="tx1"/>
+          </a:fontRef>
+        </p:style>
+      </p:cxnSp>
+      <p:cxnSp>
+        <p:nvCxnSpPr>
+          <p:cNvPr id="11" name="直线连接符 47">
+            <a:extLst>
+              <a:ext uri="{FF2B5EF4-FFF2-40B4-BE49-F238E27FC236}">
+                <a16:creationId xmlns:a16="http://schemas.microsoft.com/office/drawing/2014/main" id="{F84BC17E-862C-CD28-8493-9A0897047FD9}"/>
+              </a:ext>
+            </a:extLst>
+          </p:cNvPr>
+          <p:cNvCxnSpPr>
+            <a:cxnSpLocks/>
+          </p:cNvCxnSpPr>
+          <p:nvPr/>
+        </p:nvCxnSpPr>
+        <p:spPr>
+          <a:xfrm>
+            <a:off x="8840143" y="2885904"/>
+            <a:ext cx="305957" cy="0"/>
+          </a:xfrm>
+          <a:prstGeom prst="line">
+            <a:avLst/>
+          </a:prstGeom>
+        </p:spPr>
+        <p:style>
+          <a:lnRef idx="2">
+            <a:schemeClr val="accent1"/>
+          </a:lnRef>
+          <a:fillRef idx="0">
+            <a:schemeClr val="accent1"/>
+          </a:fillRef>
+          <a:effectRef idx="1">
+            <a:schemeClr val="accent1"/>
+          </a:effectRef>
+          <a:fontRef idx="minor">
+            <a:schemeClr val="tx1"/>
+          </a:fontRef>
+        </p:style>
+      </p:cxnSp>
+      <p:cxnSp>
+        <p:nvCxnSpPr>
+          <p:cNvPr id="12" name="直线连接符 56">
+            <a:extLst>
+              <a:ext uri="{FF2B5EF4-FFF2-40B4-BE49-F238E27FC236}">
+                <a16:creationId xmlns:a16="http://schemas.microsoft.com/office/drawing/2014/main" id="{5815E5E8-6C17-58EF-B27C-8394956D1599}"/>
+              </a:ext>
+            </a:extLst>
+          </p:cNvPr>
+          <p:cNvCxnSpPr>
+            <a:cxnSpLocks/>
+            <a:endCxn id="6" idx="5"/>
+          </p:cNvCxnSpPr>
+          <p:nvPr/>
+        </p:nvCxnSpPr>
+        <p:spPr>
+          <a:xfrm>
+            <a:off x="5956935" y="3424277"/>
+            <a:ext cx="2307255" cy="0"/>
+          </a:xfrm>
+          <a:prstGeom prst="line">
+            <a:avLst/>
+          </a:prstGeom>
+        </p:spPr>
+        <p:style>
+          <a:lnRef idx="2">
+            <a:schemeClr val="accent1"/>
+          </a:lnRef>
+          <a:fillRef idx="0">
+            <a:schemeClr val="accent1"/>
+          </a:fillRef>
+          <a:effectRef idx="1">
+            <a:schemeClr val="accent1"/>
+          </a:effectRef>
+          <a:fontRef idx="minor">
+            <a:schemeClr val="tx1"/>
+          </a:fontRef>
+        </p:style>
+      </p:cxnSp>
+      <p:grpSp>
+        <p:nvGrpSpPr>
+          <p:cNvPr id="13" name="组合 57">
+            <a:extLst>
+              <a:ext uri="{FF2B5EF4-FFF2-40B4-BE49-F238E27FC236}">
+                <a16:creationId xmlns:a16="http://schemas.microsoft.com/office/drawing/2014/main" id="{77DD046B-1DA5-4AB2-A5AE-8281F7F910BA}"/>
+              </a:ext>
+            </a:extLst>
+          </p:cNvPr>
+          <p:cNvGrpSpPr/>
+          <p:nvPr/>
+        </p:nvGrpSpPr>
+        <p:grpSpPr>
+          <a:xfrm>
+            <a:off x="7140045" y="2270162"/>
+            <a:ext cx="1187867" cy="1033153"/>
+            <a:chOff x="2459115" y="1343921"/>
+            <a:chExt cx="1187867" cy="1033153"/>
+          </a:xfrm>
+        </p:grpSpPr>
+        <p:grpSp>
+          <p:nvGrpSpPr>
+            <p:cNvPr id="14" name="组合 58">
+              <a:extLst>
+                <a:ext uri="{FF2B5EF4-FFF2-40B4-BE49-F238E27FC236}">
+                  <a16:creationId xmlns:a16="http://schemas.microsoft.com/office/drawing/2014/main" id="{35A2117A-DB86-ABD1-2D2A-53CB788CF319}"/>
+                </a:ext>
+              </a:extLst>
+            </p:cNvPr>
+            <p:cNvGrpSpPr/>
+            <p:nvPr/>
+          </p:nvGrpSpPr>
+          <p:grpSpPr>
+            <a:xfrm>
+              <a:off x="2661581" y="1343921"/>
+              <a:ext cx="756004" cy="1033153"/>
+              <a:chOff x="2661581" y="1343921"/>
+              <a:chExt cx="756004" cy="1033153"/>
+            </a:xfrm>
+          </p:grpSpPr>
+          <p:sp>
+            <p:nvSpPr>
+              <p:cNvPr id="18" name="矩形 62">
+                <a:extLst>
+                  <a:ext uri="{FF2B5EF4-FFF2-40B4-BE49-F238E27FC236}">
+                    <a16:creationId xmlns:a16="http://schemas.microsoft.com/office/drawing/2014/main" id="{163B851D-C298-657F-4C15-33F92F4030B4}"/>
+                  </a:ext>
+                </a:extLst>
+              </p:cNvPr>
+              <p:cNvSpPr/>
+              <p:nvPr/>
+            </p:nvSpPr>
+            <p:spPr>
+              <a:xfrm>
+                <a:off x="2765072" y="1343921"/>
+                <a:ext cx="575953" cy="1033153"/>
+              </a:xfrm>
+              <a:prstGeom prst="rect">
+                <a:avLst/>
+              </a:prstGeom>
+              <a:noFill/>
+            </p:spPr>
+            <p:style>
+              <a:lnRef idx="2">
+                <a:schemeClr val="accent1">
+                  <a:shade val="50000"/>
+                </a:schemeClr>
+              </a:lnRef>
+              <a:fillRef idx="1">
+                <a:schemeClr val="accent1"/>
+              </a:fillRef>
+              <a:effectRef idx="0">
+                <a:schemeClr val="accent1"/>
+              </a:effectRef>
+              <a:fontRef idx="minor">
+                <a:schemeClr val="lt1"/>
+              </a:fontRef>
+            </p:style>
+            <p:txBody>
+              <a:bodyPr rtlCol="0" anchor="ctr"/>
+              <a:lstStyle/>
+              <a:p>
+                <a:pPr algn="ctr"/>
+                <a:endParaRPr lang="zh-CN" altLang="en-US" dirty="0">
+                  <a:solidFill>
+                    <a:schemeClr val="tx1"/>
+                  </a:solidFill>
+                </a:endParaRPr>
+              </a:p>
+            </p:txBody>
+          </p:sp>
+          <p:sp>
+            <p:nvSpPr>
+              <p:cNvPr id="19" name="直角三角形 63">
+                <a:extLst>
+                  <a:ext uri="{FF2B5EF4-FFF2-40B4-BE49-F238E27FC236}">
+                    <a16:creationId xmlns:a16="http://schemas.microsoft.com/office/drawing/2014/main" id="{481299EA-AB78-753D-E8C6-752AFD5C5DC6}"/>
+                  </a:ext>
+                </a:extLst>
+              </p:cNvPr>
+              <p:cNvSpPr/>
+              <p:nvPr/>
+            </p:nvSpPr>
+            <p:spPr>
+              <a:xfrm rot="13320000">
+                <a:off x="2661581" y="2001597"/>
+                <a:ext cx="206982" cy="226517"/>
+              </a:xfrm>
+              <a:prstGeom prst="rtTriangle">
+                <a:avLst/>
+              </a:prstGeom>
+              <a:noFill/>
+            </p:spPr>
+            <p:style>
+              <a:lnRef idx="2">
+                <a:schemeClr val="accent1">
+                  <a:shade val="50000"/>
+                </a:schemeClr>
+              </a:lnRef>
+              <a:fillRef idx="1">
+                <a:schemeClr val="accent1"/>
+              </a:fillRef>
+              <a:effectRef idx="0">
+                <a:schemeClr val="accent1"/>
+              </a:effectRef>
+              <a:fontRef idx="minor">
+                <a:schemeClr val="lt1"/>
+              </a:fontRef>
+            </p:style>
+            <p:txBody>
+              <a:bodyPr rtlCol="0" anchor="ctr"/>
+              <a:lstStyle/>
+              <a:p>
+                <a:pPr algn="ctr"/>
+                <a:endParaRPr lang="zh-CN" altLang="en-US"/>
+              </a:p>
+            </p:txBody>
+          </p:sp>
+          <p:sp>
+            <p:nvSpPr>
+              <p:cNvPr id="20" name="文本框 64">
+                <a:extLst>
+                  <a:ext uri="{FF2B5EF4-FFF2-40B4-BE49-F238E27FC236}">
+                    <a16:creationId xmlns:a16="http://schemas.microsoft.com/office/drawing/2014/main" id="{F381D412-20DE-2880-9298-BD30E8ACB17D}"/>
+                  </a:ext>
+                </a:extLst>
+              </p:cNvPr>
+              <p:cNvSpPr txBox="1"/>
+              <p:nvPr/>
+            </p:nvSpPr>
+            <p:spPr>
+              <a:xfrm>
+                <a:off x="2692832" y="1391816"/>
+                <a:ext cx="343364" cy="369332"/>
+              </a:xfrm>
+              <a:prstGeom prst="rect">
+                <a:avLst/>
+              </a:prstGeom>
+              <a:noFill/>
+            </p:spPr>
+            <p:txBody>
+              <a:bodyPr wrap="none" rtlCol="0">
+                <a:spAutoFit/>
+              </a:bodyPr>
+              <a:lstStyle/>
+              <a:p>
+                <a:r>
+                  <a:rPr kumimoji="1" lang="en-US" altLang="zh-CN" dirty="0"/>
+                  <a:t>D</a:t>
+                </a:r>
+                <a:endParaRPr kumimoji="1" lang="zh-CN" altLang="en-US" dirty="0"/>
+              </a:p>
+            </p:txBody>
+          </p:sp>
+          <p:sp>
+            <p:nvSpPr>
+              <p:cNvPr id="21" name="文本框 65">
+                <a:extLst>
+                  <a:ext uri="{FF2B5EF4-FFF2-40B4-BE49-F238E27FC236}">
+                    <a16:creationId xmlns:a16="http://schemas.microsoft.com/office/drawing/2014/main" id="{50D64A92-AE20-D25D-9836-881B1EB03E4E}"/>
+                  </a:ext>
+                </a:extLst>
+              </p:cNvPr>
+              <p:cNvSpPr txBox="1"/>
+              <p:nvPr/>
+            </p:nvSpPr>
+            <p:spPr>
+              <a:xfrm>
+                <a:off x="2864514" y="1930189"/>
+                <a:ext cx="455574" cy="369332"/>
+              </a:xfrm>
+              <a:prstGeom prst="rect">
+                <a:avLst/>
+              </a:prstGeom>
+              <a:noFill/>
+            </p:spPr>
+            <p:txBody>
+              <a:bodyPr wrap="none" rtlCol="0">
+                <a:spAutoFit/>
+              </a:bodyPr>
+              <a:lstStyle/>
+              <a:p>
+                <a:r>
+                  <a:rPr kumimoji="1" lang="en-US" altLang="zh-CN" dirty="0"/>
+                  <a:t>CK</a:t>
+                </a:r>
+                <a:endParaRPr kumimoji="1" lang="zh-CN" altLang="en-US" dirty="0"/>
+              </a:p>
+            </p:txBody>
+          </p:sp>
+          <p:sp>
+            <p:nvSpPr>
+              <p:cNvPr id="22" name="文本框 66">
+                <a:extLst>
+                  <a:ext uri="{FF2B5EF4-FFF2-40B4-BE49-F238E27FC236}">
+                    <a16:creationId xmlns:a16="http://schemas.microsoft.com/office/drawing/2014/main" id="{62E5AECE-D300-F514-28A2-4C77C4D6F0CE}"/>
+                  </a:ext>
+                </a:extLst>
+              </p:cNvPr>
+              <p:cNvSpPr txBox="1"/>
+              <p:nvPr/>
+            </p:nvSpPr>
+            <p:spPr>
+              <a:xfrm>
+                <a:off x="3058191" y="1391816"/>
+                <a:ext cx="359394" cy="369332"/>
+              </a:xfrm>
+              <a:prstGeom prst="rect">
+                <a:avLst/>
+              </a:prstGeom>
+              <a:noFill/>
+            </p:spPr>
+            <p:txBody>
+              <a:bodyPr wrap="none" rtlCol="0">
+                <a:spAutoFit/>
+              </a:bodyPr>
+              <a:lstStyle/>
+              <a:p>
+                <a:r>
+                  <a:rPr kumimoji="1" lang="en-US" altLang="zh-CN" dirty="0"/>
+                  <a:t>Q</a:t>
+                </a:r>
+                <a:endParaRPr kumimoji="1" lang="zh-CN" altLang="en-US" dirty="0"/>
+              </a:p>
+            </p:txBody>
+          </p:sp>
+        </p:grpSp>
+        <p:cxnSp>
+          <p:nvCxnSpPr>
+            <p:cNvPr id="15" name="直线连接符 59">
+              <a:extLst>
+                <a:ext uri="{FF2B5EF4-FFF2-40B4-BE49-F238E27FC236}">
+                  <a16:creationId xmlns:a16="http://schemas.microsoft.com/office/drawing/2014/main" id="{EA161C6A-5BA6-6768-AB9C-2C55D876AECA}"/>
+                </a:ext>
+              </a:extLst>
+            </p:cNvPr>
+            <p:cNvCxnSpPr>
+              <a:cxnSpLocks/>
+            </p:cNvCxnSpPr>
+            <p:nvPr/>
+          </p:nvCxnSpPr>
+          <p:spPr>
+            <a:xfrm>
+              <a:off x="2459115" y="1576482"/>
+              <a:ext cx="305957" cy="0"/>
+            </a:xfrm>
+            <a:prstGeom prst="line">
+              <a:avLst/>
+            </a:prstGeom>
+          </p:spPr>
+          <p:style>
+            <a:lnRef idx="2">
+              <a:schemeClr val="accent1"/>
+            </a:lnRef>
+            <a:fillRef idx="0">
+              <a:schemeClr val="accent1"/>
+            </a:fillRef>
+            <a:effectRef idx="1">
+              <a:schemeClr val="accent1"/>
+            </a:effectRef>
+            <a:fontRef idx="minor">
+              <a:schemeClr val="tx1"/>
+            </a:fontRef>
+          </p:style>
+        </p:cxnSp>
+        <p:cxnSp>
+          <p:nvCxnSpPr>
+            <p:cNvPr id="16" name="直线连接符 60">
+              <a:extLst>
+                <a:ext uri="{FF2B5EF4-FFF2-40B4-BE49-F238E27FC236}">
+                  <a16:creationId xmlns:a16="http://schemas.microsoft.com/office/drawing/2014/main" id="{E9AA0865-8C67-C013-217A-C5EAA542EF74}"/>
+                </a:ext>
+              </a:extLst>
+            </p:cNvPr>
+            <p:cNvCxnSpPr>
+              <a:cxnSpLocks/>
+            </p:cNvCxnSpPr>
+            <p:nvPr/>
+          </p:nvCxnSpPr>
+          <p:spPr>
+            <a:xfrm>
+              <a:off x="3341025" y="1576482"/>
+              <a:ext cx="305957" cy="0"/>
+            </a:xfrm>
+            <a:prstGeom prst="line">
+              <a:avLst/>
+            </a:prstGeom>
+          </p:spPr>
+          <p:style>
+            <a:lnRef idx="2">
+              <a:schemeClr val="accent1"/>
+            </a:lnRef>
+            <a:fillRef idx="0">
+              <a:schemeClr val="accent1"/>
+            </a:fillRef>
+            <a:effectRef idx="1">
+              <a:schemeClr val="accent1"/>
+            </a:effectRef>
+            <a:fontRef idx="minor">
+              <a:schemeClr val="tx1"/>
+            </a:fontRef>
+          </p:style>
+        </p:cxnSp>
+        <p:cxnSp>
+          <p:nvCxnSpPr>
+            <p:cNvPr id="17" name="直线连接符 61">
+              <a:extLst>
+                <a:ext uri="{FF2B5EF4-FFF2-40B4-BE49-F238E27FC236}">
+                  <a16:creationId xmlns:a16="http://schemas.microsoft.com/office/drawing/2014/main" id="{589DF085-32D7-DF51-4A39-20F366F9B621}"/>
+                </a:ext>
+              </a:extLst>
+            </p:cNvPr>
+            <p:cNvCxnSpPr>
+              <a:cxnSpLocks/>
+            </p:cNvCxnSpPr>
+            <p:nvPr/>
+          </p:nvCxnSpPr>
+          <p:spPr>
+            <a:xfrm>
+              <a:off x="2459115" y="2103714"/>
+              <a:ext cx="305957" cy="0"/>
+            </a:xfrm>
+            <a:prstGeom prst="line">
+              <a:avLst/>
+            </a:prstGeom>
+          </p:spPr>
+          <p:style>
+            <a:lnRef idx="2">
+              <a:schemeClr val="accent1"/>
+            </a:lnRef>
+            <a:fillRef idx="0">
+              <a:schemeClr val="accent1"/>
+            </a:fillRef>
+            <a:effectRef idx="1">
+              <a:schemeClr val="accent1"/>
+            </a:effectRef>
+            <a:fontRef idx="minor">
+              <a:schemeClr val="tx1"/>
+            </a:fontRef>
+          </p:style>
+        </p:cxnSp>
+      </p:grpSp>
+      <p:cxnSp>
+        <p:nvCxnSpPr>
+          <p:cNvPr id="23" name="直线连接符 78">
+            <a:extLst>
+              <a:ext uri="{FF2B5EF4-FFF2-40B4-BE49-F238E27FC236}">
+                <a16:creationId xmlns:a16="http://schemas.microsoft.com/office/drawing/2014/main" id="{E3242472-3979-0B20-1D9A-A9D6A3276DA1}"/>
+              </a:ext>
+            </a:extLst>
+          </p:cNvPr>
+          <p:cNvCxnSpPr>
+            <a:cxnSpLocks/>
+          </p:cNvCxnSpPr>
+          <p:nvPr/>
+        </p:nvCxnSpPr>
+        <p:spPr>
+          <a:xfrm>
+            <a:off x="7150731" y="3029955"/>
+            <a:ext cx="0" cy="393327"/>
+          </a:xfrm>
+          <a:prstGeom prst="line">
+            <a:avLst/>
+          </a:prstGeom>
+        </p:spPr>
+        <p:style>
+          <a:lnRef idx="2">
+            <a:schemeClr val="accent1"/>
+          </a:lnRef>
+          <a:fillRef idx="0">
+            <a:schemeClr val="accent1"/>
+          </a:fillRef>
+          <a:effectRef idx="1">
+            <a:schemeClr val="accent1"/>
+          </a:effectRef>
+          <a:fontRef idx="minor">
+            <a:schemeClr val="tx1"/>
+          </a:fontRef>
+        </p:style>
+      </p:cxnSp>
+      <p:sp>
+        <p:nvSpPr>
+          <p:cNvPr id="24" name="椭圆 93">
+            <a:extLst>
+              <a:ext uri="{FF2B5EF4-FFF2-40B4-BE49-F238E27FC236}">
+                <a16:creationId xmlns:a16="http://schemas.microsoft.com/office/drawing/2014/main" id="{4E08C9EB-2F0D-DD7D-8BFC-7843009088F2}"/>
+              </a:ext>
+            </a:extLst>
+          </p:cNvPr>
+          <p:cNvSpPr/>
+          <p:nvPr/>
+        </p:nvSpPr>
+        <p:spPr>
+          <a:xfrm>
+            <a:off x="7127871" y="3396610"/>
+            <a:ext cx="45719" cy="45719"/>
+          </a:xfrm>
+          <a:prstGeom prst="ellipse">
+            <a:avLst/>
+          </a:prstGeom>
+        </p:spPr>
+        <p:style>
+          <a:lnRef idx="2">
+            <a:schemeClr val="accent1">
+              <a:shade val="15000"/>
+            </a:schemeClr>
+          </a:lnRef>
+          <a:fillRef idx="1">
+            <a:schemeClr val="accent1"/>
+          </a:fillRef>
+          <a:effectRef idx="0">
+            <a:schemeClr val="accent1"/>
+          </a:effectRef>
+          <a:fontRef idx="minor">
+            <a:schemeClr val="lt1"/>
+          </a:fontRef>
+        </p:style>
+        <p:txBody>
+          <a:bodyPr rtlCol="0" anchor="ctr"/>
+          <a:lstStyle/>
+          <a:p>
+            <a:pPr algn="ctr"/>
+            <a:endParaRPr kumimoji="1" lang="zh-CN" altLang="en-US"/>
+          </a:p>
+        </p:txBody>
+      </p:sp>
+      <p:sp>
+        <p:nvSpPr>
+          <p:cNvPr id="25" name="Flowchart: Delay 24">
+            <a:extLst>
+              <a:ext uri="{FF2B5EF4-FFF2-40B4-BE49-F238E27FC236}">
+                <a16:creationId xmlns:a16="http://schemas.microsoft.com/office/drawing/2014/main" id="{2F2D0BBE-5498-8018-9EAB-CAE5C4EC570E}"/>
+              </a:ext>
+            </a:extLst>
+          </p:cNvPr>
+          <p:cNvSpPr/>
+          <p:nvPr/>
+        </p:nvSpPr>
+        <p:spPr>
+          <a:xfrm>
+            <a:off x="5416868" y="3208915"/>
+            <a:ext cx="528637" cy="431564"/>
+          </a:xfrm>
+          <a:prstGeom prst="flowChartDelay">
+            <a:avLst/>
+          </a:prstGeom>
+        </p:spPr>
+        <p:style>
+          <a:lnRef idx="2">
+            <a:schemeClr val="accent6">
+              <a:shade val="15000"/>
+            </a:schemeClr>
+          </a:lnRef>
+          <a:fillRef idx="1">
+            <a:schemeClr val="accent6"/>
+          </a:fillRef>
+          <a:effectRef idx="0">
+            <a:schemeClr val="accent6"/>
+          </a:effectRef>
+          <a:fontRef idx="minor">
+            <a:schemeClr val="lt1"/>
+          </a:fontRef>
+        </p:style>
+        <p:txBody>
+          <a:bodyPr rtlCol="0" anchor="ctr"/>
+          <a:lstStyle/>
+          <a:p>
+            <a:pPr algn="ctr"/>
+            <a:endParaRPr lang="en-US" dirty="0"/>
+          </a:p>
+        </p:txBody>
+      </p:sp>
+      <p:grpSp>
+        <p:nvGrpSpPr>
+          <p:cNvPr id="26" name="组合 57">
+            <a:extLst>
+              <a:ext uri="{FF2B5EF4-FFF2-40B4-BE49-F238E27FC236}">
+                <a16:creationId xmlns:a16="http://schemas.microsoft.com/office/drawing/2014/main" id="{3FE76BE9-CD1E-A24E-EDF4-33537767DF3B}"/>
+              </a:ext>
+            </a:extLst>
+          </p:cNvPr>
+          <p:cNvGrpSpPr/>
+          <p:nvPr/>
+        </p:nvGrpSpPr>
+        <p:grpSpPr>
+          <a:xfrm>
+            <a:off x="3598948" y="2270161"/>
+            <a:ext cx="1187867" cy="1033153"/>
+            <a:chOff x="2459115" y="1343921"/>
+            <a:chExt cx="1187867" cy="1033153"/>
+          </a:xfrm>
+        </p:grpSpPr>
+        <p:grpSp>
+          <p:nvGrpSpPr>
+            <p:cNvPr id="27" name="组合 58">
+              <a:extLst>
+                <a:ext uri="{FF2B5EF4-FFF2-40B4-BE49-F238E27FC236}">
+                  <a16:creationId xmlns:a16="http://schemas.microsoft.com/office/drawing/2014/main" id="{0EA43BD6-2965-4596-452E-462A5CE88B7B}"/>
+                </a:ext>
+              </a:extLst>
+            </p:cNvPr>
+            <p:cNvGrpSpPr/>
+            <p:nvPr/>
+          </p:nvGrpSpPr>
+          <p:grpSpPr>
+            <a:xfrm>
+              <a:off x="2661581" y="1343921"/>
+              <a:ext cx="756004" cy="1033153"/>
+              <a:chOff x="2661581" y="1343921"/>
+              <a:chExt cx="756004" cy="1033153"/>
+            </a:xfrm>
+          </p:grpSpPr>
+          <p:sp>
+            <p:nvSpPr>
+              <p:cNvPr id="31" name="矩形 62">
+                <a:extLst>
+                  <a:ext uri="{FF2B5EF4-FFF2-40B4-BE49-F238E27FC236}">
+                    <a16:creationId xmlns:a16="http://schemas.microsoft.com/office/drawing/2014/main" id="{6386413D-C20E-E249-8E64-0311D910FD24}"/>
+                  </a:ext>
+                </a:extLst>
+              </p:cNvPr>
+              <p:cNvSpPr/>
+              <p:nvPr/>
+            </p:nvSpPr>
+            <p:spPr>
+              <a:xfrm>
+                <a:off x="2765072" y="1343921"/>
+                <a:ext cx="575953" cy="1033153"/>
+              </a:xfrm>
+              <a:prstGeom prst="rect">
+                <a:avLst/>
+              </a:prstGeom>
+              <a:noFill/>
+            </p:spPr>
+            <p:style>
+              <a:lnRef idx="2">
+                <a:schemeClr val="accent1">
+                  <a:shade val="50000"/>
+                </a:schemeClr>
+              </a:lnRef>
+              <a:fillRef idx="1">
+                <a:schemeClr val="accent1"/>
+              </a:fillRef>
+              <a:effectRef idx="0">
+                <a:schemeClr val="accent1"/>
+              </a:effectRef>
+              <a:fontRef idx="minor">
+                <a:schemeClr val="lt1"/>
+              </a:fontRef>
+            </p:style>
+            <p:txBody>
+              <a:bodyPr rtlCol="0" anchor="ctr"/>
+              <a:lstStyle/>
+              <a:p>
+                <a:pPr algn="ctr"/>
+                <a:endParaRPr lang="zh-CN" altLang="en-US" dirty="0">
+                  <a:solidFill>
+                    <a:schemeClr val="tx1"/>
+                  </a:solidFill>
+                </a:endParaRPr>
+              </a:p>
+            </p:txBody>
+          </p:sp>
+          <p:sp>
+            <p:nvSpPr>
+              <p:cNvPr id="32" name="直角三角形 63">
+                <a:extLst>
+                  <a:ext uri="{FF2B5EF4-FFF2-40B4-BE49-F238E27FC236}">
+                    <a16:creationId xmlns:a16="http://schemas.microsoft.com/office/drawing/2014/main" id="{AE488588-6E8C-BDBB-D757-AD5C3AF65EF6}"/>
+                  </a:ext>
+                </a:extLst>
+              </p:cNvPr>
+              <p:cNvSpPr/>
+              <p:nvPr/>
+            </p:nvSpPr>
+            <p:spPr>
+              <a:xfrm rot="13320000">
+                <a:off x="2661581" y="2001597"/>
+                <a:ext cx="206982" cy="226517"/>
+              </a:xfrm>
+              <a:prstGeom prst="rtTriangle">
+                <a:avLst/>
+              </a:prstGeom>
+              <a:noFill/>
+            </p:spPr>
+            <p:style>
+              <a:lnRef idx="2">
+                <a:schemeClr val="accent1">
+                  <a:shade val="50000"/>
+                </a:schemeClr>
+              </a:lnRef>
+              <a:fillRef idx="1">
+                <a:schemeClr val="accent1"/>
+              </a:fillRef>
+              <a:effectRef idx="0">
+                <a:schemeClr val="accent1"/>
+              </a:effectRef>
+              <a:fontRef idx="minor">
+                <a:schemeClr val="lt1"/>
+              </a:fontRef>
+            </p:style>
+            <p:txBody>
+              <a:bodyPr rtlCol="0" anchor="ctr"/>
+              <a:lstStyle/>
+              <a:p>
+                <a:pPr algn="ctr"/>
+                <a:endParaRPr lang="zh-CN" altLang="en-US"/>
+              </a:p>
+            </p:txBody>
+          </p:sp>
+          <p:sp>
+            <p:nvSpPr>
+              <p:cNvPr id="33" name="文本框 64">
+                <a:extLst>
+                  <a:ext uri="{FF2B5EF4-FFF2-40B4-BE49-F238E27FC236}">
+                    <a16:creationId xmlns:a16="http://schemas.microsoft.com/office/drawing/2014/main" id="{4077E94B-A993-F43C-E234-C83B8A888164}"/>
+                  </a:ext>
+                </a:extLst>
+              </p:cNvPr>
+              <p:cNvSpPr txBox="1"/>
+              <p:nvPr/>
+            </p:nvSpPr>
+            <p:spPr>
+              <a:xfrm>
+                <a:off x="2692832" y="1391816"/>
+                <a:ext cx="343364" cy="369332"/>
+              </a:xfrm>
+              <a:prstGeom prst="rect">
+                <a:avLst/>
+              </a:prstGeom>
+              <a:noFill/>
+            </p:spPr>
+            <p:txBody>
+              <a:bodyPr wrap="none" rtlCol="0">
+                <a:spAutoFit/>
+              </a:bodyPr>
+              <a:lstStyle/>
+              <a:p>
+                <a:r>
+                  <a:rPr kumimoji="1" lang="en-US" altLang="zh-CN" dirty="0"/>
+                  <a:t>D</a:t>
+                </a:r>
+                <a:endParaRPr kumimoji="1" lang="zh-CN" altLang="en-US" dirty="0"/>
+              </a:p>
+            </p:txBody>
+          </p:sp>
+          <p:sp>
+            <p:nvSpPr>
+              <p:cNvPr id="34" name="文本框 65">
+                <a:extLst>
+                  <a:ext uri="{FF2B5EF4-FFF2-40B4-BE49-F238E27FC236}">
+                    <a16:creationId xmlns:a16="http://schemas.microsoft.com/office/drawing/2014/main" id="{2AC85F0B-16F6-2F99-5678-9776D1C93594}"/>
+                  </a:ext>
+                </a:extLst>
+              </p:cNvPr>
+              <p:cNvSpPr txBox="1"/>
+              <p:nvPr/>
+            </p:nvSpPr>
+            <p:spPr>
+              <a:xfrm>
+                <a:off x="2864514" y="1930189"/>
+                <a:ext cx="455574" cy="369332"/>
+              </a:xfrm>
+              <a:prstGeom prst="rect">
+                <a:avLst/>
+              </a:prstGeom>
+              <a:noFill/>
+            </p:spPr>
+            <p:txBody>
+              <a:bodyPr wrap="none" rtlCol="0">
+                <a:spAutoFit/>
+              </a:bodyPr>
+              <a:lstStyle/>
+              <a:p>
+                <a:r>
+                  <a:rPr kumimoji="1" lang="en-US" altLang="zh-CN" dirty="0"/>
+                  <a:t>CK</a:t>
+                </a:r>
+                <a:endParaRPr kumimoji="1" lang="zh-CN" altLang="en-US" dirty="0"/>
+              </a:p>
+            </p:txBody>
+          </p:sp>
+          <p:sp>
+            <p:nvSpPr>
+              <p:cNvPr id="35" name="文本框 66">
+                <a:extLst>
+                  <a:ext uri="{FF2B5EF4-FFF2-40B4-BE49-F238E27FC236}">
+                    <a16:creationId xmlns:a16="http://schemas.microsoft.com/office/drawing/2014/main" id="{DCCFD5C2-3E39-EB5E-2F1F-A28F00A119F5}"/>
+                  </a:ext>
+                </a:extLst>
+              </p:cNvPr>
+              <p:cNvSpPr txBox="1"/>
+              <p:nvPr/>
+            </p:nvSpPr>
+            <p:spPr>
+              <a:xfrm>
+                <a:off x="3058191" y="1391816"/>
+                <a:ext cx="359394" cy="369332"/>
+              </a:xfrm>
+              <a:prstGeom prst="rect">
+                <a:avLst/>
+              </a:prstGeom>
+              <a:noFill/>
+            </p:spPr>
+            <p:txBody>
+              <a:bodyPr wrap="none" rtlCol="0">
+                <a:spAutoFit/>
+              </a:bodyPr>
+              <a:lstStyle/>
+              <a:p>
+                <a:r>
+                  <a:rPr kumimoji="1" lang="en-US" altLang="zh-CN" dirty="0"/>
+                  <a:t>Q</a:t>
+                </a:r>
+                <a:endParaRPr kumimoji="1" lang="zh-CN" altLang="en-US" dirty="0"/>
+              </a:p>
+            </p:txBody>
+          </p:sp>
+        </p:grpSp>
+        <p:cxnSp>
+          <p:nvCxnSpPr>
+            <p:cNvPr id="28" name="直线连接符 59">
+              <a:extLst>
+                <a:ext uri="{FF2B5EF4-FFF2-40B4-BE49-F238E27FC236}">
+                  <a16:creationId xmlns:a16="http://schemas.microsoft.com/office/drawing/2014/main" id="{300407A8-3C32-9EF0-8100-29B57E1EC357}"/>
+                </a:ext>
+              </a:extLst>
+            </p:cNvPr>
+            <p:cNvCxnSpPr>
+              <a:cxnSpLocks/>
+            </p:cNvCxnSpPr>
+            <p:nvPr/>
+          </p:nvCxnSpPr>
+          <p:spPr>
+            <a:xfrm>
+              <a:off x="2459115" y="1576482"/>
+              <a:ext cx="305957" cy="0"/>
+            </a:xfrm>
+            <a:prstGeom prst="line">
+              <a:avLst/>
+            </a:prstGeom>
+          </p:spPr>
+          <p:style>
+            <a:lnRef idx="2">
+              <a:schemeClr val="accent1"/>
+            </a:lnRef>
+            <a:fillRef idx="0">
+              <a:schemeClr val="accent1"/>
+            </a:fillRef>
+            <a:effectRef idx="1">
+              <a:schemeClr val="accent1"/>
+            </a:effectRef>
+            <a:fontRef idx="minor">
+              <a:schemeClr val="tx1"/>
+            </a:fontRef>
+          </p:style>
+        </p:cxnSp>
+        <p:cxnSp>
+          <p:nvCxnSpPr>
+            <p:cNvPr id="29" name="直线连接符 60">
+              <a:extLst>
+                <a:ext uri="{FF2B5EF4-FFF2-40B4-BE49-F238E27FC236}">
+                  <a16:creationId xmlns:a16="http://schemas.microsoft.com/office/drawing/2014/main" id="{40AADE55-9757-AAA1-1524-1D7190E5CA02}"/>
+                </a:ext>
+              </a:extLst>
+            </p:cNvPr>
+            <p:cNvCxnSpPr>
+              <a:cxnSpLocks/>
+            </p:cNvCxnSpPr>
+            <p:nvPr/>
+          </p:nvCxnSpPr>
+          <p:spPr>
+            <a:xfrm>
+              <a:off x="3341025" y="1576482"/>
+              <a:ext cx="305957" cy="0"/>
+            </a:xfrm>
+            <a:prstGeom prst="line">
+              <a:avLst/>
+            </a:prstGeom>
+          </p:spPr>
+          <p:style>
+            <a:lnRef idx="2">
+              <a:schemeClr val="accent1"/>
+            </a:lnRef>
+            <a:fillRef idx="0">
+              <a:schemeClr val="accent1"/>
+            </a:fillRef>
+            <a:effectRef idx="1">
+              <a:schemeClr val="accent1"/>
+            </a:effectRef>
+            <a:fontRef idx="minor">
+              <a:schemeClr val="tx1"/>
+            </a:fontRef>
+          </p:style>
+        </p:cxnSp>
+        <p:cxnSp>
+          <p:nvCxnSpPr>
+            <p:cNvPr id="30" name="直线连接符 61">
+              <a:extLst>
+                <a:ext uri="{FF2B5EF4-FFF2-40B4-BE49-F238E27FC236}">
+                  <a16:creationId xmlns:a16="http://schemas.microsoft.com/office/drawing/2014/main" id="{F9D4AC9A-128B-0AFE-493B-F268156FC009}"/>
+                </a:ext>
+              </a:extLst>
+            </p:cNvPr>
+            <p:cNvCxnSpPr>
+              <a:cxnSpLocks/>
+            </p:cNvCxnSpPr>
+            <p:nvPr/>
+          </p:nvCxnSpPr>
+          <p:spPr>
+            <a:xfrm>
+              <a:off x="2459115" y="2103714"/>
+              <a:ext cx="305957" cy="0"/>
+            </a:xfrm>
+            <a:prstGeom prst="line">
+              <a:avLst/>
+            </a:prstGeom>
+          </p:spPr>
+          <p:style>
+            <a:lnRef idx="2">
+              <a:schemeClr val="accent1"/>
+            </a:lnRef>
+            <a:fillRef idx="0">
+              <a:schemeClr val="accent1"/>
+            </a:fillRef>
+            <a:effectRef idx="1">
+              <a:schemeClr val="accent1"/>
+            </a:effectRef>
+            <a:fontRef idx="minor">
+              <a:schemeClr val="tx1"/>
+            </a:fontRef>
+          </p:style>
+        </p:cxnSp>
+      </p:grpSp>
+      <p:cxnSp>
+        <p:nvCxnSpPr>
+          <p:cNvPr id="36" name="Straight Connector 35">
+            <a:extLst>
+              <a:ext uri="{FF2B5EF4-FFF2-40B4-BE49-F238E27FC236}">
+                <a16:creationId xmlns:a16="http://schemas.microsoft.com/office/drawing/2014/main" id="{97A9E6D2-1D3A-EAB9-CEE7-2AD737C88634}"/>
+              </a:ext>
+            </a:extLst>
+          </p:cNvPr>
+          <p:cNvCxnSpPr>
+            <a:cxnSpLocks/>
+          </p:cNvCxnSpPr>
+          <p:nvPr/>
+        </p:nvCxnSpPr>
+        <p:spPr>
+          <a:xfrm>
+            <a:off x="4786815" y="2502722"/>
+            <a:ext cx="242235" cy="0"/>
+          </a:xfrm>
+          <a:prstGeom prst="line">
+            <a:avLst/>
+          </a:prstGeom>
+        </p:spPr>
+        <p:style>
+          <a:lnRef idx="2">
+            <a:schemeClr val="accent1"/>
+          </a:lnRef>
+          <a:fillRef idx="0">
+            <a:schemeClr val="accent1"/>
+          </a:fillRef>
+          <a:effectRef idx="1">
+            <a:schemeClr val="accent1"/>
+          </a:effectRef>
+          <a:fontRef idx="minor">
+            <a:schemeClr val="tx1"/>
+          </a:fontRef>
+        </p:style>
+      </p:cxnSp>
+      <p:cxnSp>
+        <p:nvCxnSpPr>
+          <p:cNvPr id="37" name="Straight Connector 36">
+            <a:extLst>
+              <a:ext uri="{FF2B5EF4-FFF2-40B4-BE49-F238E27FC236}">
+                <a16:creationId xmlns:a16="http://schemas.microsoft.com/office/drawing/2014/main" id="{B52C572E-1160-949F-9CF7-6BC67B479928}"/>
+              </a:ext>
+            </a:extLst>
+          </p:cNvPr>
+          <p:cNvCxnSpPr>
+            <a:cxnSpLocks/>
+          </p:cNvCxnSpPr>
+          <p:nvPr/>
+        </p:nvCxnSpPr>
+        <p:spPr>
+          <a:xfrm flipV="1">
+            <a:off x="5029050" y="2502722"/>
+            <a:ext cx="0" cy="800592"/>
+          </a:xfrm>
+          <a:prstGeom prst="line">
+            <a:avLst/>
+          </a:prstGeom>
+        </p:spPr>
+        <p:style>
+          <a:lnRef idx="2">
+            <a:schemeClr val="accent1"/>
+          </a:lnRef>
+          <a:fillRef idx="0">
+            <a:schemeClr val="accent1"/>
+          </a:fillRef>
+          <a:effectRef idx="1">
+            <a:schemeClr val="accent1"/>
+          </a:effectRef>
+          <a:fontRef idx="minor">
+            <a:schemeClr val="tx1"/>
+          </a:fontRef>
+        </p:style>
+      </p:cxnSp>
+      <p:cxnSp>
+        <p:nvCxnSpPr>
+          <p:cNvPr id="38" name="Straight Connector 37">
+            <a:extLst>
+              <a:ext uri="{FF2B5EF4-FFF2-40B4-BE49-F238E27FC236}">
+                <a16:creationId xmlns:a16="http://schemas.microsoft.com/office/drawing/2014/main" id="{42F7B96D-663B-E818-C77B-B8209F6A85EE}"/>
+              </a:ext>
+            </a:extLst>
+          </p:cNvPr>
+          <p:cNvCxnSpPr>
+            <a:cxnSpLocks/>
+          </p:cNvCxnSpPr>
+          <p:nvPr/>
+        </p:nvCxnSpPr>
+        <p:spPr>
+          <a:xfrm flipH="1">
+            <a:off x="5029050" y="3303314"/>
+            <a:ext cx="387818" cy="0"/>
+          </a:xfrm>
+          <a:prstGeom prst="line">
+            <a:avLst/>
+          </a:prstGeom>
+        </p:spPr>
+        <p:style>
+          <a:lnRef idx="2">
+            <a:schemeClr val="accent1"/>
+          </a:lnRef>
+          <a:fillRef idx="0">
+            <a:schemeClr val="accent1"/>
+          </a:fillRef>
+          <a:effectRef idx="1">
+            <a:schemeClr val="accent1"/>
+          </a:effectRef>
+          <a:fontRef idx="minor">
+            <a:schemeClr val="tx1"/>
+          </a:fontRef>
+        </p:style>
+      </p:cxnSp>
+      <p:sp>
+        <p:nvSpPr>
+          <p:cNvPr id="42" name="TextBox 41">
+            <a:extLst>
+              <a:ext uri="{FF2B5EF4-FFF2-40B4-BE49-F238E27FC236}">
+                <a16:creationId xmlns:a16="http://schemas.microsoft.com/office/drawing/2014/main" id="{93D679AA-59CF-5607-3FD9-F60D1FABFDBA}"/>
+              </a:ext>
+            </a:extLst>
+          </p:cNvPr>
+          <p:cNvSpPr txBox="1"/>
+          <p:nvPr/>
+        </p:nvSpPr>
+        <p:spPr>
+          <a:xfrm>
+            <a:off x="3805257" y="3444443"/>
+            <a:ext cx="1221809" cy="369332"/>
+          </a:xfrm>
+          <a:prstGeom prst="rect">
+            <a:avLst/>
+          </a:prstGeom>
+          <a:noFill/>
+        </p:spPr>
+        <p:txBody>
+          <a:bodyPr wrap="none" rtlCol="0">
+            <a:spAutoFit/>
+          </a:bodyPr>
+          <a:lstStyle/>
+          <a:p>
+            <a:r>
+              <a:rPr lang="en-US" dirty="0"/>
+              <a:t>UFF_CORE</a:t>
+            </a:r>
+          </a:p>
+        </p:txBody>
+      </p:sp>
+      <p:sp>
+        <p:nvSpPr>
+          <p:cNvPr id="43" name="TextBox 42">
+            <a:extLst>
+              <a:ext uri="{FF2B5EF4-FFF2-40B4-BE49-F238E27FC236}">
+                <a16:creationId xmlns:a16="http://schemas.microsoft.com/office/drawing/2014/main" id="{0BC280E8-3D5C-D263-A584-B6A62AB2B31D}"/>
+              </a:ext>
+            </a:extLst>
+          </p:cNvPr>
+          <p:cNvSpPr txBox="1"/>
+          <p:nvPr/>
+        </p:nvSpPr>
+        <p:spPr>
+          <a:xfrm>
+            <a:off x="4444305" y="2176927"/>
+            <a:ext cx="1023037" cy="369332"/>
+          </a:xfrm>
+          <a:prstGeom prst="rect">
+            <a:avLst/>
+          </a:prstGeom>
+          <a:noFill/>
+        </p:spPr>
+        <p:txBody>
+          <a:bodyPr wrap="none" rtlCol="0">
+            <a:spAutoFit/>
+          </a:bodyPr>
+          <a:lstStyle/>
+          <a:p>
+            <a:r>
+              <a:rPr lang="en-US" dirty="0"/>
+              <a:t>SYS_CLK</a:t>
+            </a:r>
+          </a:p>
+        </p:txBody>
+      </p:sp>
+      <p:sp>
+        <p:nvSpPr>
+          <p:cNvPr id="44" name="TextBox 43">
+            <a:extLst>
+              <a:ext uri="{FF2B5EF4-FFF2-40B4-BE49-F238E27FC236}">
+                <a16:creationId xmlns:a16="http://schemas.microsoft.com/office/drawing/2014/main" id="{E7E6F046-91B3-464A-3573-4B4244DF9862}"/>
+              </a:ext>
+            </a:extLst>
+          </p:cNvPr>
+          <p:cNvSpPr txBox="1"/>
+          <p:nvPr/>
+        </p:nvSpPr>
+        <p:spPr>
+          <a:xfrm>
+            <a:off x="5878017" y="3101008"/>
+            <a:ext cx="1233030" cy="369332"/>
+          </a:xfrm>
+          <a:prstGeom prst="rect">
+            <a:avLst/>
+          </a:prstGeom>
+          <a:noFill/>
+        </p:spPr>
+        <p:txBody>
+          <a:bodyPr wrap="none" rtlCol="0">
+            <a:spAutoFit/>
+          </a:bodyPr>
+          <a:lstStyle/>
+          <a:p>
+            <a:r>
+              <a:rPr lang="en-US" dirty="0"/>
+              <a:t>MAIN_CLK</a:t>
+            </a:r>
+          </a:p>
+        </p:txBody>
+      </p:sp>
+      <p:sp>
+        <p:nvSpPr>
+          <p:cNvPr id="45" name="TextBox 44">
+            <a:extLst>
+              <a:ext uri="{FF2B5EF4-FFF2-40B4-BE49-F238E27FC236}">
+                <a16:creationId xmlns:a16="http://schemas.microsoft.com/office/drawing/2014/main" id="{5E9EB599-8C20-1585-5C09-A8AF95B6B65C}"/>
+              </a:ext>
+            </a:extLst>
+          </p:cNvPr>
+          <p:cNvSpPr txBox="1"/>
+          <p:nvPr/>
+        </p:nvSpPr>
+        <p:spPr>
+          <a:xfrm>
+            <a:off x="5207962" y="3582273"/>
+            <a:ext cx="934871" cy="369332"/>
+          </a:xfrm>
+          <a:prstGeom prst="rect">
+            <a:avLst/>
+          </a:prstGeom>
+          <a:noFill/>
+        </p:spPr>
+        <p:txBody>
+          <a:bodyPr wrap="none" rtlCol="0">
+            <a:spAutoFit/>
+          </a:bodyPr>
+          <a:lstStyle/>
+          <a:p>
+            <a:r>
+              <a:rPr lang="en-US" dirty="0"/>
+              <a:t>UAND1</a:t>
+            </a:r>
+          </a:p>
+        </p:txBody>
+      </p:sp>
+      <p:grpSp>
+        <p:nvGrpSpPr>
+          <p:cNvPr id="46" name="组合 57">
+            <a:extLst>
+              <a:ext uri="{FF2B5EF4-FFF2-40B4-BE49-F238E27FC236}">
+                <a16:creationId xmlns:a16="http://schemas.microsoft.com/office/drawing/2014/main" id="{A82923A6-C9D5-E585-89A3-1D351026E507}"/>
+              </a:ext>
+            </a:extLst>
+          </p:cNvPr>
+          <p:cNvGrpSpPr/>
+          <p:nvPr/>
+        </p:nvGrpSpPr>
+        <p:grpSpPr>
+          <a:xfrm>
+            <a:off x="3598948" y="3787577"/>
+            <a:ext cx="1187867" cy="1033153"/>
+            <a:chOff x="2459115" y="1343921"/>
+            <a:chExt cx="1187867" cy="1033153"/>
+          </a:xfrm>
+        </p:grpSpPr>
+        <p:grpSp>
+          <p:nvGrpSpPr>
+            <p:cNvPr id="47" name="组合 58">
+              <a:extLst>
+                <a:ext uri="{FF2B5EF4-FFF2-40B4-BE49-F238E27FC236}">
+                  <a16:creationId xmlns:a16="http://schemas.microsoft.com/office/drawing/2014/main" id="{39992EBA-BAAF-B15B-7548-D4B763BC906A}"/>
+                </a:ext>
+              </a:extLst>
+            </p:cNvPr>
+            <p:cNvGrpSpPr/>
+            <p:nvPr/>
+          </p:nvGrpSpPr>
+          <p:grpSpPr>
+            <a:xfrm>
+              <a:off x="2661581" y="1343921"/>
+              <a:ext cx="756004" cy="1033153"/>
+              <a:chOff x="2661581" y="1343921"/>
+              <a:chExt cx="756004" cy="1033153"/>
+            </a:xfrm>
+          </p:grpSpPr>
+          <p:sp>
+            <p:nvSpPr>
+              <p:cNvPr id="51" name="矩形 62">
+                <a:extLst>
+                  <a:ext uri="{FF2B5EF4-FFF2-40B4-BE49-F238E27FC236}">
+                    <a16:creationId xmlns:a16="http://schemas.microsoft.com/office/drawing/2014/main" id="{B4EBED2F-0B02-67E0-748A-6628E27851C9}"/>
+                  </a:ext>
+                </a:extLst>
+              </p:cNvPr>
+              <p:cNvSpPr/>
+              <p:nvPr/>
+            </p:nvSpPr>
+            <p:spPr>
+              <a:xfrm>
+                <a:off x="2765072" y="1343921"/>
+                <a:ext cx="575953" cy="1033153"/>
+              </a:xfrm>
+              <a:prstGeom prst="rect">
+                <a:avLst/>
+              </a:prstGeom>
+              <a:noFill/>
+            </p:spPr>
+            <p:style>
+              <a:lnRef idx="2">
+                <a:schemeClr val="accent1">
+                  <a:shade val="50000"/>
+                </a:schemeClr>
+              </a:lnRef>
+              <a:fillRef idx="1">
+                <a:schemeClr val="accent1"/>
+              </a:fillRef>
+              <a:effectRef idx="0">
+                <a:schemeClr val="accent1"/>
+              </a:effectRef>
+              <a:fontRef idx="minor">
+                <a:schemeClr val="lt1"/>
+              </a:fontRef>
+            </p:style>
+            <p:txBody>
+              <a:bodyPr rtlCol="0" anchor="ctr"/>
+              <a:lstStyle/>
+              <a:p>
+                <a:pPr algn="ctr"/>
+                <a:endParaRPr lang="zh-CN" altLang="en-US" dirty="0">
+                  <a:solidFill>
+                    <a:schemeClr val="tx1"/>
+                  </a:solidFill>
+                </a:endParaRPr>
+              </a:p>
+            </p:txBody>
+          </p:sp>
+          <p:sp>
+            <p:nvSpPr>
+              <p:cNvPr id="52" name="直角三角形 63">
+                <a:extLst>
+                  <a:ext uri="{FF2B5EF4-FFF2-40B4-BE49-F238E27FC236}">
+                    <a16:creationId xmlns:a16="http://schemas.microsoft.com/office/drawing/2014/main" id="{469ABA29-95C5-80DE-9464-5FB5300F6AB3}"/>
+                  </a:ext>
+                </a:extLst>
+              </p:cNvPr>
+              <p:cNvSpPr/>
+              <p:nvPr/>
+            </p:nvSpPr>
+            <p:spPr>
+              <a:xfrm rot="13320000">
+                <a:off x="2661581" y="2001597"/>
+                <a:ext cx="206982" cy="226517"/>
+              </a:xfrm>
+              <a:prstGeom prst="rtTriangle">
+                <a:avLst/>
+              </a:prstGeom>
+              <a:noFill/>
+            </p:spPr>
+            <p:style>
+              <a:lnRef idx="2">
+                <a:schemeClr val="accent1">
+                  <a:shade val="50000"/>
+                </a:schemeClr>
+              </a:lnRef>
+              <a:fillRef idx="1">
+                <a:schemeClr val="accent1"/>
+              </a:fillRef>
+              <a:effectRef idx="0">
+                <a:schemeClr val="accent1"/>
+              </a:effectRef>
+              <a:fontRef idx="minor">
+                <a:schemeClr val="lt1"/>
+              </a:fontRef>
+            </p:style>
+            <p:txBody>
+              <a:bodyPr rtlCol="0" anchor="ctr"/>
+              <a:lstStyle/>
+              <a:p>
+                <a:pPr algn="ctr"/>
+                <a:endParaRPr lang="zh-CN" altLang="en-US"/>
+              </a:p>
+            </p:txBody>
+          </p:sp>
+          <p:sp>
+            <p:nvSpPr>
+              <p:cNvPr id="53" name="文本框 64">
+                <a:extLst>
+                  <a:ext uri="{FF2B5EF4-FFF2-40B4-BE49-F238E27FC236}">
+                    <a16:creationId xmlns:a16="http://schemas.microsoft.com/office/drawing/2014/main" id="{B5D5EFBD-C0D1-1E4B-81A1-0C5948F3A6EB}"/>
+                  </a:ext>
+                </a:extLst>
+              </p:cNvPr>
+              <p:cNvSpPr txBox="1"/>
+              <p:nvPr/>
+            </p:nvSpPr>
+            <p:spPr>
+              <a:xfrm>
+                <a:off x="2692832" y="1391816"/>
+                <a:ext cx="343364" cy="369332"/>
+              </a:xfrm>
+              <a:prstGeom prst="rect">
+                <a:avLst/>
+              </a:prstGeom>
+              <a:noFill/>
+            </p:spPr>
+            <p:txBody>
+              <a:bodyPr wrap="none" rtlCol="0">
+                <a:spAutoFit/>
+              </a:bodyPr>
+              <a:lstStyle/>
+              <a:p>
+                <a:r>
+                  <a:rPr kumimoji="1" lang="en-US" altLang="zh-CN" dirty="0"/>
+                  <a:t>D</a:t>
+                </a:r>
+                <a:endParaRPr kumimoji="1" lang="zh-CN" altLang="en-US" dirty="0"/>
+              </a:p>
+            </p:txBody>
+          </p:sp>
+          <p:sp>
+            <p:nvSpPr>
+              <p:cNvPr id="54" name="文本框 65">
+                <a:extLst>
+                  <a:ext uri="{FF2B5EF4-FFF2-40B4-BE49-F238E27FC236}">
+                    <a16:creationId xmlns:a16="http://schemas.microsoft.com/office/drawing/2014/main" id="{AB399D45-F208-057E-09D9-566F623BE782}"/>
+                  </a:ext>
+                </a:extLst>
+              </p:cNvPr>
+              <p:cNvSpPr txBox="1"/>
+              <p:nvPr/>
+            </p:nvSpPr>
+            <p:spPr>
+              <a:xfrm>
+                <a:off x="2864514" y="1930189"/>
+                <a:ext cx="455574" cy="369332"/>
+              </a:xfrm>
+              <a:prstGeom prst="rect">
+                <a:avLst/>
+              </a:prstGeom>
+              <a:noFill/>
+            </p:spPr>
+            <p:txBody>
+              <a:bodyPr wrap="none" rtlCol="0">
+                <a:spAutoFit/>
+              </a:bodyPr>
+              <a:lstStyle/>
+              <a:p>
+                <a:r>
+                  <a:rPr kumimoji="1" lang="en-US" altLang="zh-CN" dirty="0"/>
+                  <a:t>CK</a:t>
+                </a:r>
+                <a:endParaRPr kumimoji="1" lang="zh-CN" altLang="en-US" dirty="0"/>
+              </a:p>
+            </p:txBody>
+          </p:sp>
+          <p:sp>
+            <p:nvSpPr>
+              <p:cNvPr id="55" name="文本框 66">
+                <a:extLst>
+                  <a:ext uri="{FF2B5EF4-FFF2-40B4-BE49-F238E27FC236}">
+                    <a16:creationId xmlns:a16="http://schemas.microsoft.com/office/drawing/2014/main" id="{FB7F8364-4A86-AC7B-83A0-5A0F1F2AFF9A}"/>
+                  </a:ext>
+                </a:extLst>
+              </p:cNvPr>
+              <p:cNvSpPr txBox="1"/>
+              <p:nvPr/>
+            </p:nvSpPr>
+            <p:spPr>
+              <a:xfrm>
+                <a:off x="3058191" y="1391816"/>
+                <a:ext cx="359394" cy="369332"/>
+              </a:xfrm>
+              <a:prstGeom prst="rect">
+                <a:avLst/>
+              </a:prstGeom>
+              <a:noFill/>
+            </p:spPr>
+            <p:txBody>
+              <a:bodyPr wrap="none" rtlCol="0">
+                <a:spAutoFit/>
+              </a:bodyPr>
+              <a:lstStyle/>
+              <a:p>
+                <a:r>
+                  <a:rPr kumimoji="1" lang="en-US" altLang="zh-CN" dirty="0"/>
+                  <a:t>Q</a:t>
+                </a:r>
+                <a:endParaRPr kumimoji="1" lang="zh-CN" altLang="en-US" dirty="0"/>
+              </a:p>
+            </p:txBody>
+          </p:sp>
+        </p:grpSp>
+        <p:cxnSp>
+          <p:nvCxnSpPr>
+            <p:cNvPr id="48" name="直线连接符 59">
+              <a:extLst>
+                <a:ext uri="{FF2B5EF4-FFF2-40B4-BE49-F238E27FC236}">
+                  <a16:creationId xmlns:a16="http://schemas.microsoft.com/office/drawing/2014/main" id="{851165C8-6134-BFA9-E0C0-99964F5FB076}"/>
+                </a:ext>
+              </a:extLst>
+            </p:cNvPr>
+            <p:cNvCxnSpPr>
+              <a:cxnSpLocks/>
+            </p:cNvCxnSpPr>
+            <p:nvPr/>
+          </p:nvCxnSpPr>
+          <p:spPr>
+            <a:xfrm>
+              <a:off x="2459115" y="1576482"/>
+              <a:ext cx="305957" cy="0"/>
+            </a:xfrm>
+            <a:prstGeom prst="line">
+              <a:avLst/>
+            </a:prstGeom>
+          </p:spPr>
+          <p:style>
+            <a:lnRef idx="2">
+              <a:schemeClr val="accent1"/>
+            </a:lnRef>
+            <a:fillRef idx="0">
+              <a:schemeClr val="accent1"/>
+            </a:fillRef>
+            <a:effectRef idx="1">
+              <a:schemeClr val="accent1"/>
+            </a:effectRef>
+            <a:fontRef idx="minor">
+              <a:schemeClr val="tx1"/>
+            </a:fontRef>
+          </p:style>
+        </p:cxnSp>
+        <p:cxnSp>
+          <p:nvCxnSpPr>
+            <p:cNvPr id="49" name="直线连接符 60">
+              <a:extLst>
+                <a:ext uri="{FF2B5EF4-FFF2-40B4-BE49-F238E27FC236}">
+                  <a16:creationId xmlns:a16="http://schemas.microsoft.com/office/drawing/2014/main" id="{BBBEF0D0-48F4-28AE-C887-93F86F44C44D}"/>
+                </a:ext>
+              </a:extLst>
+            </p:cNvPr>
+            <p:cNvCxnSpPr>
+              <a:cxnSpLocks/>
+            </p:cNvCxnSpPr>
+            <p:nvPr/>
+          </p:nvCxnSpPr>
+          <p:spPr>
+            <a:xfrm>
+              <a:off x="3341025" y="1576482"/>
+              <a:ext cx="305957" cy="0"/>
+            </a:xfrm>
+            <a:prstGeom prst="line">
+              <a:avLst/>
+            </a:prstGeom>
+          </p:spPr>
+          <p:style>
+            <a:lnRef idx="2">
+              <a:schemeClr val="accent1"/>
+            </a:lnRef>
+            <a:fillRef idx="0">
+              <a:schemeClr val="accent1"/>
+            </a:fillRef>
+            <a:effectRef idx="1">
+              <a:schemeClr val="accent1"/>
+            </a:effectRef>
+            <a:fontRef idx="minor">
+              <a:schemeClr val="tx1"/>
+            </a:fontRef>
+          </p:style>
+        </p:cxnSp>
+        <p:cxnSp>
+          <p:nvCxnSpPr>
+            <p:cNvPr id="50" name="直线连接符 61">
+              <a:extLst>
+                <a:ext uri="{FF2B5EF4-FFF2-40B4-BE49-F238E27FC236}">
+                  <a16:creationId xmlns:a16="http://schemas.microsoft.com/office/drawing/2014/main" id="{FF22B2B5-A3AD-D50C-FC8E-091D16A3A7F8}"/>
+                </a:ext>
+              </a:extLst>
+            </p:cNvPr>
+            <p:cNvCxnSpPr>
+              <a:cxnSpLocks/>
+            </p:cNvCxnSpPr>
+            <p:nvPr/>
+          </p:nvCxnSpPr>
+          <p:spPr>
+            <a:xfrm>
+              <a:off x="2459115" y="2103714"/>
+              <a:ext cx="305957" cy="0"/>
+            </a:xfrm>
+            <a:prstGeom prst="line">
+              <a:avLst/>
+            </a:prstGeom>
+          </p:spPr>
+          <p:style>
+            <a:lnRef idx="2">
+              <a:schemeClr val="accent1"/>
+            </a:lnRef>
+            <a:fillRef idx="0">
+              <a:schemeClr val="accent1"/>
+            </a:fillRef>
+            <a:effectRef idx="1">
+              <a:schemeClr val="accent1"/>
+            </a:effectRef>
+            <a:fontRef idx="minor">
+              <a:schemeClr val="tx1"/>
+            </a:fontRef>
+          </p:style>
+        </p:cxnSp>
+      </p:grpSp>
+      <p:cxnSp>
+        <p:nvCxnSpPr>
+          <p:cNvPr id="57" name="Connector: Elbow 56">
+            <a:extLst>
+              <a:ext uri="{FF2B5EF4-FFF2-40B4-BE49-F238E27FC236}">
+                <a16:creationId xmlns:a16="http://schemas.microsoft.com/office/drawing/2014/main" id="{096897CD-B0AE-703C-6DD8-C4450DD8F045}"/>
+              </a:ext>
+            </a:extLst>
+          </p:cNvPr>
+          <p:cNvCxnSpPr>
+            <a:cxnSpLocks/>
+          </p:cNvCxnSpPr>
+          <p:nvPr/>
+        </p:nvCxnSpPr>
+        <p:spPr>
+          <a:xfrm flipV="1">
+            <a:off x="4786815" y="3541395"/>
+            <a:ext cx="630053" cy="478743"/>
+          </a:xfrm>
+          <a:prstGeom prst="bentConnector3">
+            <a:avLst>
+              <a:gd name="adj1" fmla="val 40173"/>
+            </a:avLst>
+          </a:prstGeom>
+        </p:spPr>
+        <p:style>
+          <a:lnRef idx="2">
+            <a:schemeClr val="accent1"/>
+          </a:lnRef>
+          <a:fillRef idx="0">
+            <a:schemeClr val="accent1"/>
+          </a:fillRef>
+          <a:effectRef idx="1">
+            <a:schemeClr val="accent1"/>
+          </a:effectRef>
+          <a:fontRef idx="minor">
+            <a:schemeClr val="tx1"/>
+          </a:fontRef>
+        </p:style>
+      </p:cxnSp>
+      <p:sp>
+        <p:nvSpPr>
+          <p:cNvPr id="60" name="TextBox 59">
+            <a:extLst>
+              <a:ext uri="{FF2B5EF4-FFF2-40B4-BE49-F238E27FC236}">
+                <a16:creationId xmlns:a16="http://schemas.microsoft.com/office/drawing/2014/main" id="{CC53E093-1196-3558-37D8-7E1876CFB45E}"/>
+              </a:ext>
+            </a:extLst>
+          </p:cNvPr>
+          <p:cNvSpPr txBox="1"/>
+          <p:nvPr/>
+        </p:nvSpPr>
+        <p:spPr>
+          <a:xfrm>
+            <a:off x="4444305" y="3969163"/>
+            <a:ext cx="1225015" cy="369332"/>
+          </a:xfrm>
+          <a:prstGeom prst="rect">
+            <a:avLst/>
+          </a:prstGeom>
+          <a:noFill/>
+        </p:spPr>
+        <p:txBody>
+          <a:bodyPr wrap="none" rtlCol="0">
+            <a:spAutoFit/>
+          </a:bodyPr>
+          <a:lstStyle/>
+          <a:p>
+            <a:r>
+              <a:rPr lang="en-US" dirty="0"/>
+              <a:t>CORE_CLK</a:t>
+            </a:r>
+          </a:p>
+        </p:txBody>
+      </p:sp>
+      <p:sp>
+        <p:nvSpPr>
+          <p:cNvPr id="61" name="TextBox 60">
+            <a:extLst>
+              <a:ext uri="{FF2B5EF4-FFF2-40B4-BE49-F238E27FC236}">
+                <a16:creationId xmlns:a16="http://schemas.microsoft.com/office/drawing/2014/main" id="{D35862A4-9E43-F8E9-8718-867BC721D066}"/>
+              </a:ext>
+            </a:extLst>
+          </p:cNvPr>
+          <p:cNvSpPr txBox="1"/>
+          <p:nvPr/>
+        </p:nvSpPr>
+        <p:spPr>
+          <a:xfrm>
+            <a:off x="3797281" y="1920868"/>
+            <a:ext cx="1019831" cy="369332"/>
+          </a:xfrm>
+          <a:prstGeom prst="rect">
+            <a:avLst/>
+          </a:prstGeom>
+          <a:noFill/>
+        </p:spPr>
+        <p:txBody>
+          <a:bodyPr wrap="none" rtlCol="0">
+            <a:spAutoFit/>
+          </a:bodyPr>
+          <a:lstStyle/>
+          <a:p>
+            <a:r>
+              <a:rPr lang="en-US" dirty="0"/>
+              <a:t>UFF_SYS</a:t>
+            </a:r>
+          </a:p>
+        </p:txBody>
+      </p:sp>
+    </p:spTree>
+    <p:extLst>
+      <p:ext uri="{BB962C8B-B14F-4D97-AF65-F5344CB8AC3E}">
+        <p14:creationId xmlns:p14="http://schemas.microsoft.com/office/powerpoint/2010/main" val="3270565089"/>
       </p:ext>
     </p:extLst>
   </p:cSld>

--- a/_posts/静态时序分析笔记/静态时序分析笔记pptx.pptx
+++ b/_posts/静态时序分析笔记/静态时序分析笔记pptx.pptx
@@ -18,6 +18,7 @@
     <p:sldId id="266" r:id="rId12"/>
     <p:sldId id="267" r:id="rId13"/>
     <p:sldId id="268" r:id="rId14"/>
+    <p:sldId id="269" r:id="rId15"/>
   </p:sldIdLst>
   <p:sldSz cx="12192000" cy="6858000"/>
   <p:notesSz cx="6858000" cy="9144000"/>
@@ -5668,7 +5669,7 @@
           <a:p>
             <a:fld id="{756B7610-9FAA-DC43-80F9-3155B1E839C7}" type="datetimeFigureOut">
               <a:rPr kumimoji="1" lang="zh-CN" altLang="en-US" smtClean="0"/>
-              <a:t>2025/1/17</a:t>
+              <a:t>2025/2/16</a:t>
             </a:fld>
             <a:endParaRPr kumimoji="1" lang="zh-CN" altLang="en-US"/>
           </a:p>
@@ -5866,7 +5867,7 @@
           <a:p>
             <a:fld id="{756B7610-9FAA-DC43-80F9-3155B1E839C7}" type="datetimeFigureOut">
               <a:rPr kumimoji="1" lang="zh-CN" altLang="en-US" smtClean="0"/>
-              <a:t>2025/1/17</a:t>
+              <a:t>2025/2/16</a:t>
             </a:fld>
             <a:endParaRPr kumimoji="1" lang="zh-CN" altLang="en-US"/>
           </a:p>
@@ -6074,7 +6075,7 @@
           <a:p>
             <a:fld id="{756B7610-9FAA-DC43-80F9-3155B1E839C7}" type="datetimeFigureOut">
               <a:rPr kumimoji="1" lang="zh-CN" altLang="en-US" smtClean="0"/>
-              <a:t>2025/1/17</a:t>
+              <a:t>2025/2/16</a:t>
             </a:fld>
             <a:endParaRPr kumimoji="1" lang="zh-CN" altLang="en-US"/>
           </a:p>
@@ -6272,7 +6273,7 @@
           <a:p>
             <a:fld id="{756B7610-9FAA-DC43-80F9-3155B1E839C7}" type="datetimeFigureOut">
               <a:rPr kumimoji="1" lang="zh-CN" altLang="en-US" smtClean="0"/>
-              <a:t>2025/1/17</a:t>
+              <a:t>2025/2/16</a:t>
             </a:fld>
             <a:endParaRPr kumimoji="1" lang="zh-CN" altLang="en-US"/>
           </a:p>
@@ -6547,7 +6548,7 @@
           <a:p>
             <a:fld id="{756B7610-9FAA-DC43-80F9-3155B1E839C7}" type="datetimeFigureOut">
               <a:rPr kumimoji="1" lang="zh-CN" altLang="en-US" smtClean="0"/>
-              <a:t>2025/1/17</a:t>
+              <a:t>2025/2/16</a:t>
             </a:fld>
             <a:endParaRPr kumimoji="1" lang="zh-CN" altLang="en-US"/>
           </a:p>
@@ -6812,7 +6813,7 @@
           <a:p>
             <a:fld id="{756B7610-9FAA-DC43-80F9-3155B1E839C7}" type="datetimeFigureOut">
               <a:rPr kumimoji="1" lang="zh-CN" altLang="en-US" smtClean="0"/>
-              <a:t>2025/1/17</a:t>
+              <a:t>2025/2/16</a:t>
             </a:fld>
             <a:endParaRPr kumimoji="1" lang="zh-CN" altLang="en-US"/>
           </a:p>
@@ -7224,7 +7225,7 @@
           <a:p>
             <a:fld id="{756B7610-9FAA-DC43-80F9-3155B1E839C7}" type="datetimeFigureOut">
               <a:rPr kumimoji="1" lang="zh-CN" altLang="en-US" smtClean="0"/>
-              <a:t>2025/1/17</a:t>
+              <a:t>2025/2/16</a:t>
             </a:fld>
             <a:endParaRPr kumimoji="1" lang="zh-CN" altLang="en-US"/>
           </a:p>
@@ -7365,7 +7366,7 @@
           <a:p>
             <a:fld id="{756B7610-9FAA-DC43-80F9-3155B1E839C7}" type="datetimeFigureOut">
               <a:rPr kumimoji="1" lang="zh-CN" altLang="en-US" smtClean="0"/>
-              <a:t>2025/1/17</a:t>
+              <a:t>2025/2/16</a:t>
             </a:fld>
             <a:endParaRPr kumimoji="1" lang="zh-CN" altLang="en-US"/>
           </a:p>
@@ -7478,7 +7479,7 @@
           <a:p>
             <a:fld id="{756B7610-9FAA-DC43-80F9-3155B1E839C7}" type="datetimeFigureOut">
               <a:rPr kumimoji="1" lang="zh-CN" altLang="en-US" smtClean="0"/>
-              <a:t>2025/1/17</a:t>
+              <a:t>2025/2/16</a:t>
             </a:fld>
             <a:endParaRPr kumimoji="1" lang="zh-CN" altLang="en-US"/>
           </a:p>
@@ -7789,7 +7790,7 @@
           <a:p>
             <a:fld id="{756B7610-9FAA-DC43-80F9-3155B1E839C7}" type="datetimeFigureOut">
               <a:rPr kumimoji="1" lang="zh-CN" altLang="en-US" smtClean="0"/>
-              <a:t>2025/1/17</a:t>
+              <a:t>2025/2/16</a:t>
             </a:fld>
             <a:endParaRPr kumimoji="1" lang="zh-CN" altLang="en-US"/>
           </a:p>
@@ -8077,7 +8078,7 @@
           <a:p>
             <a:fld id="{756B7610-9FAA-DC43-80F9-3155B1E839C7}" type="datetimeFigureOut">
               <a:rPr kumimoji="1" lang="zh-CN" altLang="en-US" smtClean="0"/>
-              <a:t>2025/1/17</a:t>
+              <a:t>2025/2/16</a:t>
             </a:fld>
             <a:endParaRPr kumimoji="1" lang="zh-CN" altLang="en-US"/>
           </a:p>
@@ -8318,7 +8319,7 @@
           <a:p>
             <a:fld id="{756B7610-9FAA-DC43-80F9-3155B1E839C7}" type="datetimeFigureOut">
               <a:rPr kumimoji="1" lang="zh-CN" altLang="en-US" smtClean="0"/>
-              <a:t>2025/1/17</a:t>
+              <a:t>2025/2/16</a:t>
             </a:fld>
             <a:endParaRPr kumimoji="1" lang="zh-CN" altLang="en-US"/>
           </a:p>
@@ -14998,7 +14999,7 @@
         </p:nvGrpSpPr>
         <p:grpSpPr>
           <a:xfrm>
-            <a:off x="8160699" y="2653343"/>
+            <a:off x="7576805" y="1022847"/>
             <a:ext cx="756004" cy="1033153"/>
             <a:chOff x="2661581" y="1343921"/>
             <a:chExt cx="756004" cy="1033153"/>
@@ -15227,7 +15228,7 @@
         </p:nvCxnSpPr>
         <p:spPr>
           <a:xfrm>
-            <a:off x="7958233" y="2885904"/>
+            <a:off x="7374339" y="1255408"/>
             <a:ext cx="305957" cy="0"/>
           </a:xfrm>
           <a:prstGeom prst="line">
@@ -15265,7 +15266,7 @@
         </p:nvCxnSpPr>
         <p:spPr>
           <a:xfrm>
-            <a:off x="8840143" y="2885904"/>
+            <a:off x="8256249" y="1255408"/>
             <a:ext cx="305957" cy="0"/>
           </a:xfrm>
           <a:prstGeom prst="line">
@@ -15304,7 +15305,7 @@
         </p:nvCxnSpPr>
         <p:spPr>
           <a:xfrm>
-            <a:off x="5956935" y="3424277"/>
+            <a:off x="5373041" y="1793781"/>
             <a:ext cx="2307255" cy="0"/>
           </a:xfrm>
           <a:prstGeom prst="line">
@@ -15340,7 +15341,7 @@
         </p:nvGrpSpPr>
         <p:grpSpPr>
           <a:xfrm>
-            <a:off x="7140045" y="2270162"/>
+            <a:off x="6556151" y="639666"/>
             <a:ext cx="1187867" cy="1033153"/>
             <a:chOff x="2459115" y="1343921"/>
             <a:chExt cx="1187867" cy="1033153"/>
@@ -15704,7 +15705,7 @@
         </p:nvCxnSpPr>
         <p:spPr>
           <a:xfrm>
-            <a:off x="7150731" y="3029955"/>
+            <a:off x="6566837" y="1399459"/>
             <a:ext cx="0" cy="393327"/>
           </a:xfrm>
           <a:prstGeom prst="line">
@@ -15740,7 +15741,7 @@
         </p:nvSpPr>
         <p:spPr>
           <a:xfrm>
-            <a:off x="7127871" y="3396610"/>
+            <a:off x="6543977" y="1766114"/>
             <a:ext cx="45719" cy="45719"/>
           </a:xfrm>
           <a:prstGeom prst="ellipse">
@@ -15786,7 +15787,7 @@
         </p:nvSpPr>
         <p:spPr>
           <a:xfrm>
-            <a:off x="5416868" y="3208915"/>
+            <a:off x="4832974" y="1578419"/>
             <a:ext cx="528637" cy="431564"/>
           </a:xfrm>
           <a:prstGeom prst="flowChartDelay">
@@ -15832,7 +15833,7 @@
         </p:nvGrpSpPr>
         <p:grpSpPr>
           <a:xfrm>
-            <a:off x="3598948" y="2270161"/>
+            <a:off x="3015054" y="639665"/>
             <a:ext cx="1187867" cy="1033153"/>
             <a:chOff x="2459115" y="1343921"/>
             <a:chExt cx="1187867" cy="1033153"/>
@@ -16196,7 +16197,7 @@
         </p:nvCxnSpPr>
         <p:spPr>
           <a:xfrm>
-            <a:off x="4786815" y="2502722"/>
+            <a:off x="4202921" y="872226"/>
             <a:ext cx="242235" cy="0"/>
           </a:xfrm>
           <a:prstGeom prst="line">
@@ -16234,7 +16235,7 @@
         </p:nvCxnSpPr>
         <p:spPr>
           <a:xfrm flipV="1">
-            <a:off x="5029050" y="2502722"/>
+            <a:off x="4445156" y="872226"/>
             <a:ext cx="0" cy="800592"/>
           </a:xfrm>
           <a:prstGeom prst="line">
@@ -16272,7 +16273,7 @@
         </p:nvCxnSpPr>
         <p:spPr>
           <a:xfrm flipH="1">
-            <a:off x="5029050" y="3303314"/>
+            <a:off x="4445156" y="1672818"/>
             <a:ext cx="387818" cy="0"/>
           </a:xfrm>
           <a:prstGeom prst="line">
@@ -16308,7 +16309,7 @@
         </p:nvSpPr>
         <p:spPr>
           <a:xfrm>
-            <a:off x="3805257" y="3444443"/>
+            <a:off x="3221363" y="1813947"/>
             <a:ext cx="1221809" cy="369332"/>
           </a:xfrm>
           <a:prstGeom prst="rect">
@@ -16343,7 +16344,7 @@
         </p:nvSpPr>
         <p:spPr>
           <a:xfrm>
-            <a:off x="4444305" y="2176927"/>
+            <a:off x="3860411" y="546431"/>
             <a:ext cx="1023037" cy="369332"/>
           </a:xfrm>
           <a:prstGeom prst="rect">
@@ -16378,7 +16379,7 @@
         </p:nvSpPr>
         <p:spPr>
           <a:xfrm>
-            <a:off x="5878017" y="3101008"/>
+            <a:off x="5294123" y="1470512"/>
             <a:ext cx="1233030" cy="369332"/>
           </a:xfrm>
           <a:prstGeom prst="rect">
@@ -16413,7 +16414,7 @@
         </p:nvSpPr>
         <p:spPr>
           <a:xfrm>
-            <a:off x="5207962" y="3582273"/>
+            <a:off x="4624068" y="1951777"/>
             <a:ext cx="934871" cy="369332"/>
           </a:xfrm>
           <a:prstGeom prst="rect">
@@ -16448,7 +16449,7 @@
         </p:nvGrpSpPr>
         <p:grpSpPr>
           <a:xfrm>
-            <a:off x="3598948" y="3787577"/>
+            <a:off x="3015054" y="2157081"/>
             <a:ext cx="1187867" cy="1033153"/>
             <a:chOff x="2459115" y="1343921"/>
             <a:chExt cx="1187867" cy="1033153"/>
@@ -16812,7 +16813,7 @@
         </p:nvCxnSpPr>
         <p:spPr>
           <a:xfrm flipV="1">
-            <a:off x="4786815" y="3541395"/>
+            <a:off x="4202921" y="1910899"/>
             <a:ext cx="630053" cy="478743"/>
           </a:xfrm>
           <a:prstGeom prst="bentConnector3">
@@ -16850,7 +16851,7 @@
         </p:nvSpPr>
         <p:spPr>
           <a:xfrm>
-            <a:off x="4444305" y="3969163"/>
+            <a:off x="3860411" y="2338667"/>
             <a:ext cx="1225015" cy="369332"/>
           </a:xfrm>
           <a:prstGeom prst="rect">
@@ -16885,7 +16886,7 @@
         </p:nvSpPr>
         <p:spPr>
           <a:xfrm>
-            <a:off x="3797281" y="1920868"/>
+            <a:off x="3213387" y="290372"/>
             <a:ext cx="1019831" cy="369332"/>
           </a:xfrm>
           <a:prstGeom prst="rect">
@@ -16906,10 +16907,2387 @@
           </a:p>
         </p:txBody>
       </p:sp>
+      <p:cxnSp>
+        <p:nvCxnSpPr>
+          <p:cNvPr id="72" name="直线连接符 71">
+            <a:extLst>
+              <a:ext uri="{FF2B5EF4-FFF2-40B4-BE49-F238E27FC236}">
+                <a16:creationId xmlns:a16="http://schemas.microsoft.com/office/drawing/2014/main" id="{F713D9A5-2521-BD0B-87D4-EABEE434B020}"/>
+              </a:ext>
+            </a:extLst>
+          </p:cNvPr>
+          <p:cNvCxnSpPr>
+            <a:cxnSpLocks/>
+          </p:cNvCxnSpPr>
+          <p:nvPr/>
+        </p:nvCxnSpPr>
+        <p:spPr>
+          <a:xfrm>
+            <a:off x="3574316" y="3744125"/>
+            <a:ext cx="0" cy="539827"/>
+          </a:xfrm>
+          <a:prstGeom prst="line">
+            <a:avLst/>
+          </a:prstGeom>
+        </p:spPr>
+        <p:style>
+          <a:lnRef idx="2">
+            <a:schemeClr val="accent1"/>
+          </a:lnRef>
+          <a:fillRef idx="0">
+            <a:schemeClr val="accent1"/>
+          </a:fillRef>
+          <a:effectRef idx="1">
+            <a:schemeClr val="accent1"/>
+          </a:effectRef>
+          <a:fontRef idx="minor">
+            <a:schemeClr val="tx1"/>
+          </a:fontRef>
+        </p:style>
+      </p:cxnSp>
+      <p:cxnSp>
+        <p:nvCxnSpPr>
+          <p:cNvPr id="73" name="直线连接符 72">
+            <a:extLst>
+              <a:ext uri="{FF2B5EF4-FFF2-40B4-BE49-F238E27FC236}">
+                <a16:creationId xmlns:a16="http://schemas.microsoft.com/office/drawing/2014/main" id="{F09AAD55-DBE2-F15F-A026-792CFF493A04}"/>
+              </a:ext>
+            </a:extLst>
+          </p:cNvPr>
+          <p:cNvCxnSpPr>
+            <a:cxnSpLocks/>
+          </p:cNvCxnSpPr>
+          <p:nvPr/>
+        </p:nvCxnSpPr>
+        <p:spPr>
+          <a:xfrm>
+            <a:off x="4006316" y="3744125"/>
+            <a:ext cx="0" cy="539827"/>
+          </a:xfrm>
+          <a:prstGeom prst="line">
+            <a:avLst/>
+          </a:prstGeom>
+        </p:spPr>
+        <p:style>
+          <a:lnRef idx="2">
+            <a:schemeClr val="accent1"/>
+          </a:lnRef>
+          <a:fillRef idx="0">
+            <a:schemeClr val="accent1"/>
+          </a:fillRef>
+          <a:effectRef idx="1">
+            <a:schemeClr val="accent1"/>
+          </a:effectRef>
+          <a:fontRef idx="minor">
+            <a:schemeClr val="tx1"/>
+          </a:fontRef>
+        </p:style>
+      </p:cxnSp>
+      <p:cxnSp>
+        <p:nvCxnSpPr>
+          <p:cNvPr id="74" name="直线连接符 73">
+            <a:extLst>
+              <a:ext uri="{FF2B5EF4-FFF2-40B4-BE49-F238E27FC236}">
+                <a16:creationId xmlns:a16="http://schemas.microsoft.com/office/drawing/2014/main" id="{C3E587A8-79CA-6C8B-2B67-3CC86E392CFE}"/>
+              </a:ext>
+            </a:extLst>
+          </p:cNvPr>
+          <p:cNvCxnSpPr>
+            <a:cxnSpLocks/>
+          </p:cNvCxnSpPr>
+          <p:nvPr/>
+        </p:nvCxnSpPr>
+        <p:spPr>
+          <a:xfrm>
+            <a:off x="4438316" y="3744125"/>
+            <a:ext cx="0" cy="539827"/>
+          </a:xfrm>
+          <a:prstGeom prst="line">
+            <a:avLst/>
+          </a:prstGeom>
+        </p:spPr>
+        <p:style>
+          <a:lnRef idx="2">
+            <a:schemeClr val="accent1"/>
+          </a:lnRef>
+          <a:fillRef idx="0">
+            <a:schemeClr val="accent1"/>
+          </a:fillRef>
+          <a:effectRef idx="1">
+            <a:schemeClr val="accent1"/>
+          </a:effectRef>
+          <a:fontRef idx="minor">
+            <a:schemeClr val="tx1"/>
+          </a:fontRef>
+        </p:style>
+      </p:cxnSp>
+      <p:cxnSp>
+        <p:nvCxnSpPr>
+          <p:cNvPr id="75" name="直线连接符 74">
+            <a:extLst>
+              <a:ext uri="{FF2B5EF4-FFF2-40B4-BE49-F238E27FC236}">
+                <a16:creationId xmlns:a16="http://schemas.microsoft.com/office/drawing/2014/main" id="{8F5A10B6-BBFD-A90E-0641-6DED33E898CD}"/>
+              </a:ext>
+            </a:extLst>
+          </p:cNvPr>
+          <p:cNvCxnSpPr>
+            <a:cxnSpLocks/>
+          </p:cNvCxnSpPr>
+          <p:nvPr/>
+        </p:nvCxnSpPr>
+        <p:spPr>
+          <a:xfrm>
+            <a:off x="4869011" y="3744125"/>
+            <a:ext cx="0" cy="539827"/>
+          </a:xfrm>
+          <a:prstGeom prst="line">
+            <a:avLst/>
+          </a:prstGeom>
+        </p:spPr>
+        <p:style>
+          <a:lnRef idx="2">
+            <a:schemeClr val="accent1"/>
+          </a:lnRef>
+          <a:fillRef idx="0">
+            <a:schemeClr val="accent1"/>
+          </a:fillRef>
+          <a:effectRef idx="1">
+            <a:schemeClr val="accent1"/>
+          </a:effectRef>
+          <a:fontRef idx="minor">
+            <a:schemeClr val="tx1"/>
+          </a:fontRef>
+        </p:style>
+      </p:cxnSp>
+      <p:cxnSp>
+        <p:nvCxnSpPr>
+          <p:cNvPr id="76" name="直线连接符 75">
+            <a:extLst>
+              <a:ext uri="{FF2B5EF4-FFF2-40B4-BE49-F238E27FC236}">
+                <a16:creationId xmlns:a16="http://schemas.microsoft.com/office/drawing/2014/main" id="{CFB6B0B0-C282-0018-32F4-7638F3CF41C1}"/>
+              </a:ext>
+            </a:extLst>
+          </p:cNvPr>
+          <p:cNvCxnSpPr>
+            <a:cxnSpLocks/>
+          </p:cNvCxnSpPr>
+          <p:nvPr/>
+        </p:nvCxnSpPr>
+        <p:spPr>
+          <a:xfrm>
+            <a:off x="5302316" y="3744125"/>
+            <a:ext cx="0" cy="539827"/>
+          </a:xfrm>
+          <a:prstGeom prst="line">
+            <a:avLst/>
+          </a:prstGeom>
+        </p:spPr>
+        <p:style>
+          <a:lnRef idx="2">
+            <a:schemeClr val="accent1"/>
+          </a:lnRef>
+          <a:fillRef idx="0">
+            <a:schemeClr val="accent1"/>
+          </a:fillRef>
+          <a:effectRef idx="1">
+            <a:schemeClr val="accent1"/>
+          </a:effectRef>
+          <a:fontRef idx="minor">
+            <a:schemeClr val="tx1"/>
+          </a:fontRef>
+        </p:style>
+      </p:cxnSp>
+      <p:cxnSp>
+        <p:nvCxnSpPr>
+          <p:cNvPr id="77" name="直线连接符 76">
+            <a:extLst>
+              <a:ext uri="{FF2B5EF4-FFF2-40B4-BE49-F238E27FC236}">
+                <a16:creationId xmlns:a16="http://schemas.microsoft.com/office/drawing/2014/main" id="{56AAD811-1835-470D-38F1-D71F83D175F3}"/>
+              </a:ext>
+            </a:extLst>
+          </p:cNvPr>
+          <p:cNvCxnSpPr>
+            <a:cxnSpLocks/>
+          </p:cNvCxnSpPr>
+          <p:nvPr/>
+        </p:nvCxnSpPr>
+        <p:spPr>
+          <a:xfrm>
+            <a:off x="5733575" y="3744125"/>
+            <a:ext cx="0" cy="539827"/>
+          </a:xfrm>
+          <a:prstGeom prst="line">
+            <a:avLst/>
+          </a:prstGeom>
+        </p:spPr>
+        <p:style>
+          <a:lnRef idx="2">
+            <a:schemeClr val="accent1"/>
+          </a:lnRef>
+          <a:fillRef idx="0">
+            <a:schemeClr val="accent1"/>
+          </a:fillRef>
+          <a:effectRef idx="1">
+            <a:schemeClr val="accent1"/>
+          </a:effectRef>
+          <a:fontRef idx="minor">
+            <a:schemeClr val="tx1"/>
+          </a:fontRef>
+        </p:style>
+      </p:cxnSp>
+      <p:cxnSp>
+        <p:nvCxnSpPr>
+          <p:cNvPr id="78" name="直线连接符 77">
+            <a:extLst>
+              <a:ext uri="{FF2B5EF4-FFF2-40B4-BE49-F238E27FC236}">
+                <a16:creationId xmlns:a16="http://schemas.microsoft.com/office/drawing/2014/main" id="{D1E52FBB-280B-08F4-1534-A29A36BD3C4B}"/>
+              </a:ext>
+            </a:extLst>
+          </p:cNvPr>
+          <p:cNvCxnSpPr>
+            <a:cxnSpLocks/>
+          </p:cNvCxnSpPr>
+          <p:nvPr/>
+        </p:nvCxnSpPr>
+        <p:spPr>
+          <a:xfrm>
+            <a:off x="6165116" y="3744125"/>
+            <a:ext cx="0" cy="539827"/>
+          </a:xfrm>
+          <a:prstGeom prst="line">
+            <a:avLst/>
+          </a:prstGeom>
+        </p:spPr>
+        <p:style>
+          <a:lnRef idx="2">
+            <a:schemeClr val="accent1"/>
+          </a:lnRef>
+          <a:fillRef idx="0">
+            <a:schemeClr val="accent1"/>
+          </a:fillRef>
+          <a:effectRef idx="1">
+            <a:schemeClr val="accent1"/>
+          </a:effectRef>
+          <a:fontRef idx="minor">
+            <a:schemeClr val="tx1"/>
+          </a:fontRef>
+        </p:style>
+      </p:cxnSp>
+      <p:cxnSp>
+        <p:nvCxnSpPr>
+          <p:cNvPr id="79" name="直线连接符 78">
+            <a:extLst>
+              <a:ext uri="{FF2B5EF4-FFF2-40B4-BE49-F238E27FC236}">
+                <a16:creationId xmlns:a16="http://schemas.microsoft.com/office/drawing/2014/main" id="{1D77DE66-6419-D82C-F240-4BF1F5833C74}"/>
+              </a:ext>
+            </a:extLst>
+          </p:cNvPr>
+          <p:cNvCxnSpPr>
+            <a:cxnSpLocks/>
+          </p:cNvCxnSpPr>
+          <p:nvPr/>
+        </p:nvCxnSpPr>
+        <p:spPr>
+          <a:xfrm>
+            <a:off x="6597116" y="3744125"/>
+            <a:ext cx="0" cy="539827"/>
+          </a:xfrm>
+          <a:prstGeom prst="line">
+            <a:avLst/>
+          </a:prstGeom>
+        </p:spPr>
+        <p:style>
+          <a:lnRef idx="2">
+            <a:schemeClr val="accent1"/>
+          </a:lnRef>
+          <a:fillRef idx="0">
+            <a:schemeClr val="accent1"/>
+          </a:fillRef>
+          <a:effectRef idx="1">
+            <a:schemeClr val="accent1"/>
+          </a:effectRef>
+          <a:fontRef idx="minor">
+            <a:schemeClr val="tx1"/>
+          </a:fontRef>
+        </p:style>
+      </p:cxnSp>
+      <p:cxnSp>
+        <p:nvCxnSpPr>
+          <p:cNvPr id="80" name="直线连接符 79">
+            <a:extLst>
+              <a:ext uri="{FF2B5EF4-FFF2-40B4-BE49-F238E27FC236}">
+                <a16:creationId xmlns:a16="http://schemas.microsoft.com/office/drawing/2014/main" id="{7FEBC379-26A1-66E7-979A-7FE94B5679D2}"/>
+              </a:ext>
+            </a:extLst>
+          </p:cNvPr>
+          <p:cNvCxnSpPr>
+            <a:cxnSpLocks/>
+          </p:cNvCxnSpPr>
+          <p:nvPr/>
+        </p:nvCxnSpPr>
+        <p:spPr>
+          <a:xfrm>
+            <a:off x="7029116" y="3744125"/>
+            <a:ext cx="0" cy="539827"/>
+          </a:xfrm>
+          <a:prstGeom prst="line">
+            <a:avLst/>
+          </a:prstGeom>
+        </p:spPr>
+        <p:style>
+          <a:lnRef idx="2">
+            <a:schemeClr val="accent1"/>
+          </a:lnRef>
+          <a:fillRef idx="0">
+            <a:schemeClr val="accent1"/>
+          </a:fillRef>
+          <a:effectRef idx="1">
+            <a:schemeClr val="accent1"/>
+          </a:effectRef>
+          <a:fontRef idx="minor">
+            <a:schemeClr val="tx1"/>
+          </a:fontRef>
+        </p:style>
+      </p:cxnSp>
+      <p:cxnSp>
+        <p:nvCxnSpPr>
+          <p:cNvPr id="81" name="直线连接符 80">
+            <a:extLst>
+              <a:ext uri="{FF2B5EF4-FFF2-40B4-BE49-F238E27FC236}">
+                <a16:creationId xmlns:a16="http://schemas.microsoft.com/office/drawing/2014/main" id="{C12952BC-96F3-EA4D-B445-3020D2FE0DA2}"/>
+              </a:ext>
+            </a:extLst>
+          </p:cNvPr>
+          <p:cNvCxnSpPr>
+            <a:cxnSpLocks/>
+          </p:cNvCxnSpPr>
+          <p:nvPr/>
+        </p:nvCxnSpPr>
+        <p:spPr>
+          <a:xfrm>
+            <a:off x="7459811" y="3744125"/>
+            <a:ext cx="0" cy="539827"/>
+          </a:xfrm>
+          <a:prstGeom prst="line">
+            <a:avLst/>
+          </a:prstGeom>
+        </p:spPr>
+        <p:style>
+          <a:lnRef idx="2">
+            <a:schemeClr val="accent1"/>
+          </a:lnRef>
+          <a:fillRef idx="0">
+            <a:schemeClr val="accent1"/>
+          </a:fillRef>
+          <a:effectRef idx="1">
+            <a:schemeClr val="accent1"/>
+          </a:effectRef>
+          <a:fontRef idx="minor">
+            <a:schemeClr val="tx1"/>
+          </a:fontRef>
+        </p:style>
+      </p:cxnSp>
+      <p:cxnSp>
+        <p:nvCxnSpPr>
+          <p:cNvPr id="82" name="直线连接符 81">
+            <a:extLst>
+              <a:ext uri="{FF2B5EF4-FFF2-40B4-BE49-F238E27FC236}">
+                <a16:creationId xmlns:a16="http://schemas.microsoft.com/office/drawing/2014/main" id="{43BF53C2-C3F9-8E59-D924-CFC9FFD85C93}"/>
+              </a:ext>
+            </a:extLst>
+          </p:cNvPr>
+          <p:cNvCxnSpPr>
+            <a:cxnSpLocks/>
+          </p:cNvCxnSpPr>
+          <p:nvPr/>
+        </p:nvCxnSpPr>
+        <p:spPr>
+          <a:xfrm>
+            <a:off x="7893116" y="3744125"/>
+            <a:ext cx="0" cy="539827"/>
+          </a:xfrm>
+          <a:prstGeom prst="line">
+            <a:avLst/>
+          </a:prstGeom>
+        </p:spPr>
+        <p:style>
+          <a:lnRef idx="2">
+            <a:schemeClr val="accent1"/>
+          </a:lnRef>
+          <a:fillRef idx="0">
+            <a:schemeClr val="accent1"/>
+          </a:fillRef>
+          <a:effectRef idx="1">
+            <a:schemeClr val="accent1"/>
+          </a:effectRef>
+          <a:fontRef idx="minor">
+            <a:schemeClr val="tx1"/>
+          </a:fontRef>
+        </p:style>
+      </p:cxnSp>
+      <p:cxnSp>
+        <p:nvCxnSpPr>
+          <p:cNvPr id="83" name="直线连接符 82">
+            <a:extLst>
+              <a:ext uri="{FF2B5EF4-FFF2-40B4-BE49-F238E27FC236}">
+                <a16:creationId xmlns:a16="http://schemas.microsoft.com/office/drawing/2014/main" id="{62483B73-4B5F-9CA9-4660-BCA239CF054E}"/>
+              </a:ext>
+            </a:extLst>
+          </p:cNvPr>
+          <p:cNvCxnSpPr>
+            <a:cxnSpLocks/>
+          </p:cNvCxnSpPr>
+          <p:nvPr/>
+        </p:nvCxnSpPr>
+        <p:spPr>
+          <a:xfrm>
+            <a:off x="8324375" y="3744125"/>
+            <a:ext cx="0" cy="539827"/>
+          </a:xfrm>
+          <a:prstGeom prst="line">
+            <a:avLst/>
+          </a:prstGeom>
+        </p:spPr>
+        <p:style>
+          <a:lnRef idx="2">
+            <a:schemeClr val="accent1"/>
+          </a:lnRef>
+          <a:fillRef idx="0">
+            <a:schemeClr val="accent1"/>
+          </a:fillRef>
+          <a:effectRef idx="1">
+            <a:schemeClr val="accent1"/>
+          </a:effectRef>
+          <a:fontRef idx="minor">
+            <a:schemeClr val="tx1"/>
+          </a:fontRef>
+        </p:style>
+      </p:cxnSp>
+      <p:cxnSp>
+        <p:nvCxnSpPr>
+          <p:cNvPr id="84" name="直线连接符 83">
+            <a:extLst>
+              <a:ext uri="{FF2B5EF4-FFF2-40B4-BE49-F238E27FC236}">
+                <a16:creationId xmlns:a16="http://schemas.microsoft.com/office/drawing/2014/main" id="{12B29CC7-7694-FA13-CCAB-A139E6A7F893}"/>
+              </a:ext>
+            </a:extLst>
+          </p:cNvPr>
+          <p:cNvCxnSpPr>
+            <a:cxnSpLocks/>
+          </p:cNvCxnSpPr>
+          <p:nvPr/>
+        </p:nvCxnSpPr>
+        <p:spPr>
+          <a:xfrm>
+            <a:off x="3570300" y="4700678"/>
+            <a:ext cx="0" cy="539827"/>
+          </a:xfrm>
+          <a:prstGeom prst="line">
+            <a:avLst/>
+          </a:prstGeom>
+        </p:spPr>
+        <p:style>
+          <a:lnRef idx="2">
+            <a:schemeClr val="accent1"/>
+          </a:lnRef>
+          <a:fillRef idx="0">
+            <a:schemeClr val="accent1"/>
+          </a:fillRef>
+          <a:effectRef idx="1">
+            <a:schemeClr val="accent1"/>
+          </a:effectRef>
+          <a:fontRef idx="minor">
+            <a:schemeClr val="tx1"/>
+          </a:fontRef>
+        </p:style>
+      </p:cxnSp>
+      <p:cxnSp>
+        <p:nvCxnSpPr>
+          <p:cNvPr id="86" name="直线连接符 85">
+            <a:extLst>
+              <a:ext uri="{FF2B5EF4-FFF2-40B4-BE49-F238E27FC236}">
+                <a16:creationId xmlns:a16="http://schemas.microsoft.com/office/drawing/2014/main" id="{8518FB8A-D04F-DA5B-9B4E-5C84306C141F}"/>
+              </a:ext>
+            </a:extLst>
+          </p:cNvPr>
+          <p:cNvCxnSpPr>
+            <a:cxnSpLocks/>
+          </p:cNvCxnSpPr>
+          <p:nvPr/>
+        </p:nvCxnSpPr>
+        <p:spPr>
+          <a:xfrm>
+            <a:off x="4434300" y="4700678"/>
+            <a:ext cx="0" cy="539827"/>
+          </a:xfrm>
+          <a:prstGeom prst="line">
+            <a:avLst/>
+          </a:prstGeom>
+        </p:spPr>
+        <p:style>
+          <a:lnRef idx="2">
+            <a:schemeClr val="accent1"/>
+          </a:lnRef>
+          <a:fillRef idx="0">
+            <a:schemeClr val="accent1"/>
+          </a:fillRef>
+          <a:effectRef idx="1">
+            <a:schemeClr val="accent1"/>
+          </a:effectRef>
+          <a:fontRef idx="minor">
+            <a:schemeClr val="tx1"/>
+          </a:fontRef>
+        </p:style>
+      </p:cxnSp>
+      <p:cxnSp>
+        <p:nvCxnSpPr>
+          <p:cNvPr id="90" name="直线连接符 89">
+            <a:extLst>
+              <a:ext uri="{FF2B5EF4-FFF2-40B4-BE49-F238E27FC236}">
+                <a16:creationId xmlns:a16="http://schemas.microsoft.com/office/drawing/2014/main" id="{42C1FF2C-7257-BB0E-DB6F-57ED4318144F}"/>
+              </a:ext>
+            </a:extLst>
+          </p:cNvPr>
+          <p:cNvCxnSpPr>
+            <a:cxnSpLocks/>
+          </p:cNvCxnSpPr>
+          <p:nvPr/>
+        </p:nvCxnSpPr>
+        <p:spPr>
+          <a:xfrm>
+            <a:off x="6161100" y="4700678"/>
+            <a:ext cx="0" cy="539827"/>
+          </a:xfrm>
+          <a:prstGeom prst="line">
+            <a:avLst/>
+          </a:prstGeom>
+        </p:spPr>
+        <p:style>
+          <a:lnRef idx="2">
+            <a:schemeClr val="accent1"/>
+          </a:lnRef>
+          <a:fillRef idx="0">
+            <a:schemeClr val="accent1"/>
+          </a:fillRef>
+          <a:effectRef idx="1">
+            <a:schemeClr val="accent1"/>
+          </a:effectRef>
+          <a:fontRef idx="minor">
+            <a:schemeClr val="tx1"/>
+          </a:fontRef>
+        </p:style>
+      </p:cxnSp>
+      <p:cxnSp>
+        <p:nvCxnSpPr>
+          <p:cNvPr id="92" name="直线连接符 91">
+            <a:extLst>
+              <a:ext uri="{FF2B5EF4-FFF2-40B4-BE49-F238E27FC236}">
+                <a16:creationId xmlns:a16="http://schemas.microsoft.com/office/drawing/2014/main" id="{FCAC86A3-5A6D-5BD6-9157-1F464F9C9F7D}"/>
+              </a:ext>
+            </a:extLst>
+          </p:cNvPr>
+          <p:cNvCxnSpPr>
+            <a:cxnSpLocks/>
+          </p:cNvCxnSpPr>
+          <p:nvPr/>
+        </p:nvCxnSpPr>
+        <p:spPr>
+          <a:xfrm>
+            <a:off x="7025100" y="4700678"/>
+            <a:ext cx="0" cy="539827"/>
+          </a:xfrm>
+          <a:prstGeom prst="line">
+            <a:avLst/>
+          </a:prstGeom>
+        </p:spPr>
+        <p:style>
+          <a:lnRef idx="2">
+            <a:schemeClr val="accent1"/>
+          </a:lnRef>
+          <a:fillRef idx="0">
+            <a:schemeClr val="accent1"/>
+          </a:fillRef>
+          <a:effectRef idx="1">
+            <a:schemeClr val="accent1"/>
+          </a:effectRef>
+          <a:fontRef idx="minor">
+            <a:schemeClr val="tx1"/>
+          </a:fontRef>
+        </p:style>
+      </p:cxnSp>
+      <p:cxnSp>
+        <p:nvCxnSpPr>
+          <p:cNvPr id="96" name="直线连接符 95">
+            <a:extLst>
+              <a:ext uri="{FF2B5EF4-FFF2-40B4-BE49-F238E27FC236}">
+                <a16:creationId xmlns:a16="http://schemas.microsoft.com/office/drawing/2014/main" id="{31A74420-642B-78E5-14F2-B91B361F70C6}"/>
+              </a:ext>
+            </a:extLst>
+          </p:cNvPr>
+          <p:cNvCxnSpPr>
+            <a:cxnSpLocks/>
+          </p:cNvCxnSpPr>
+          <p:nvPr/>
+        </p:nvCxnSpPr>
+        <p:spPr>
+          <a:xfrm>
+            <a:off x="3570300" y="5621564"/>
+            <a:ext cx="0" cy="539827"/>
+          </a:xfrm>
+          <a:prstGeom prst="line">
+            <a:avLst/>
+          </a:prstGeom>
+        </p:spPr>
+        <p:style>
+          <a:lnRef idx="2">
+            <a:schemeClr val="accent1"/>
+          </a:lnRef>
+          <a:fillRef idx="0">
+            <a:schemeClr val="accent1"/>
+          </a:fillRef>
+          <a:effectRef idx="1">
+            <a:schemeClr val="accent1"/>
+          </a:effectRef>
+          <a:fontRef idx="minor">
+            <a:schemeClr val="tx1"/>
+          </a:fontRef>
+        </p:style>
+      </p:cxnSp>
+      <p:cxnSp>
+        <p:nvCxnSpPr>
+          <p:cNvPr id="97" name="直线连接符 96">
+            <a:extLst>
+              <a:ext uri="{FF2B5EF4-FFF2-40B4-BE49-F238E27FC236}">
+                <a16:creationId xmlns:a16="http://schemas.microsoft.com/office/drawing/2014/main" id="{FFCAE480-B66A-BB04-4D40-D64CE99DD79D}"/>
+              </a:ext>
+            </a:extLst>
+          </p:cNvPr>
+          <p:cNvCxnSpPr>
+            <a:cxnSpLocks/>
+          </p:cNvCxnSpPr>
+          <p:nvPr/>
+        </p:nvCxnSpPr>
+        <p:spPr>
+          <a:xfrm>
+            <a:off x="4002300" y="5621564"/>
+            <a:ext cx="0" cy="539827"/>
+          </a:xfrm>
+          <a:prstGeom prst="line">
+            <a:avLst/>
+          </a:prstGeom>
+        </p:spPr>
+        <p:style>
+          <a:lnRef idx="2">
+            <a:schemeClr val="accent1"/>
+          </a:lnRef>
+          <a:fillRef idx="0">
+            <a:schemeClr val="accent1"/>
+          </a:fillRef>
+          <a:effectRef idx="1">
+            <a:schemeClr val="accent1"/>
+          </a:effectRef>
+          <a:fontRef idx="minor">
+            <a:schemeClr val="tx1"/>
+          </a:fontRef>
+        </p:style>
+      </p:cxnSp>
+      <p:cxnSp>
+        <p:nvCxnSpPr>
+          <p:cNvPr id="102" name="直线连接符 101">
+            <a:extLst>
+              <a:ext uri="{FF2B5EF4-FFF2-40B4-BE49-F238E27FC236}">
+                <a16:creationId xmlns:a16="http://schemas.microsoft.com/office/drawing/2014/main" id="{B80833C0-B48C-53F5-C4EA-E7058886726A}"/>
+              </a:ext>
+            </a:extLst>
+          </p:cNvPr>
+          <p:cNvCxnSpPr>
+            <a:cxnSpLocks/>
+          </p:cNvCxnSpPr>
+          <p:nvPr/>
+        </p:nvCxnSpPr>
+        <p:spPr>
+          <a:xfrm>
+            <a:off x="6161100" y="5621564"/>
+            <a:ext cx="0" cy="539827"/>
+          </a:xfrm>
+          <a:prstGeom prst="line">
+            <a:avLst/>
+          </a:prstGeom>
+        </p:spPr>
+        <p:style>
+          <a:lnRef idx="2">
+            <a:schemeClr val="accent1"/>
+          </a:lnRef>
+          <a:fillRef idx="0">
+            <a:schemeClr val="accent1"/>
+          </a:fillRef>
+          <a:effectRef idx="1">
+            <a:schemeClr val="accent1"/>
+          </a:effectRef>
+          <a:fontRef idx="minor">
+            <a:schemeClr val="tx1"/>
+          </a:fontRef>
+        </p:style>
+      </p:cxnSp>
+      <p:cxnSp>
+        <p:nvCxnSpPr>
+          <p:cNvPr id="103" name="直线连接符 102">
+            <a:extLst>
+              <a:ext uri="{FF2B5EF4-FFF2-40B4-BE49-F238E27FC236}">
+                <a16:creationId xmlns:a16="http://schemas.microsoft.com/office/drawing/2014/main" id="{7634BC9F-AEBD-FAD0-FB76-622FA2B7B2C2}"/>
+              </a:ext>
+            </a:extLst>
+          </p:cNvPr>
+          <p:cNvCxnSpPr>
+            <a:cxnSpLocks/>
+          </p:cNvCxnSpPr>
+          <p:nvPr/>
+        </p:nvCxnSpPr>
+        <p:spPr>
+          <a:xfrm>
+            <a:off x="6593100" y="5621564"/>
+            <a:ext cx="0" cy="539827"/>
+          </a:xfrm>
+          <a:prstGeom prst="line">
+            <a:avLst/>
+          </a:prstGeom>
+        </p:spPr>
+        <p:style>
+          <a:lnRef idx="2">
+            <a:schemeClr val="accent1"/>
+          </a:lnRef>
+          <a:fillRef idx="0">
+            <a:schemeClr val="accent1"/>
+          </a:fillRef>
+          <a:effectRef idx="1">
+            <a:schemeClr val="accent1"/>
+          </a:effectRef>
+          <a:fontRef idx="minor">
+            <a:schemeClr val="tx1"/>
+          </a:fontRef>
+        </p:style>
+      </p:cxnSp>
+      <p:cxnSp>
+        <p:nvCxnSpPr>
+          <p:cNvPr id="109" name="直线连接符 108">
+            <a:extLst>
+              <a:ext uri="{FF2B5EF4-FFF2-40B4-BE49-F238E27FC236}">
+                <a16:creationId xmlns:a16="http://schemas.microsoft.com/office/drawing/2014/main" id="{C04E421F-9A0D-9537-DD70-2449AE42F00E}"/>
+              </a:ext>
+            </a:extLst>
+          </p:cNvPr>
+          <p:cNvCxnSpPr>
+            <a:cxnSpLocks/>
+          </p:cNvCxnSpPr>
+          <p:nvPr/>
+        </p:nvCxnSpPr>
+        <p:spPr>
+          <a:xfrm>
+            <a:off x="3570300" y="3744125"/>
+            <a:ext cx="441566" cy="0"/>
+          </a:xfrm>
+          <a:prstGeom prst="line">
+            <a:avLst/>
+          </a:prstGeom>
+        </p:spPr>
+        <p:style>
+          <a:lnRef idx="2">
+            <a:schemeClr val="accent1"/>
+          </a:lnRef>
+          <a:fillRef idx="0">
+            <a:schemeClr val="accent1"/>
+          </a:fillRef>
+          <a:effectRef idx="1">
+            <a:schemeClr val="accent1"/>
+          </a:effectRef>
+          <a:fontRef idx="minor">
+            <a:schemeClr val="tx1"/>
+          </a:fontRef>
+        </p:style>
+      </p:cxnSp>
+      <p:cxnSp>
+        <p:nvCxnSpPr>
+          <p:cNvPr id="111" name="直线连接符 110">
+            <a:extLst>
+              <a:ext uri="{FF2B5EF4-FFF2-40B4-BE49-F238E27FC236}">
+                <a16:creationId xmlns:a16="http://schemas.microsoft.com/office/drawing/2014/main" id="{939AFD11-3CDE-2F87-D1BA-3CDA0083E355}"/>
+              </a:ext>
+            </a:extLst>
+          </p:cNvPr>
+          <p:cNvCxnSpPr>
+            <a:cxnSpLocks/>
+          </p:cNvCxnSpPr>
+          <p:nvPr/>
+        </p:nvCxnSpPr>
+        <p:spPr>
+          <a:xfrm>
+            <a:off x="4002300" y="4283952"/>
+            <a:ext cx="432000" cy="0"/>
+          </a:xfrm>
+          <a:prstGeom prst="line">
+            <a:avLst/>
+          </a:prstGeom>
+        </p:spPr>
+        <p:style>
+          <a:lnRef idx="2">
+            <a:schemeClr val="accent1"/>
+          </a:lnRef>
+          <a:fillRef idx="0">
+            <a:schemeClr val="accent1"/>
+          </a:fillRef>
+          <a:effectRef idx="1">
+            <a:schemeClr val="accent1"/>
+          </a:effectRef>
+          <a:fontRef idx="minor">
+            <a:schemeClr val="tx1"/>
+          </a:fontRef>
+        </p:style>
+      </p:cxnSp>
+      <p:cxnSp>
+        <p:nvCxnSpPr>
+          <p:cNvPr id="115" name="直线连接符 114">
+            <a:extLst>
+              <a:ext uri="{FF2B5EF4-FFF2-40B4-BE49-F238E27FC236}">
+                <a16:creationId xmlns:a16="http://schemas.microsoft.com/office/drawing/2014/main" id="{D9DEF65E-1AD7-459F-B782-425EBA7AACE0}"/>
+              </a:ext>
+            </a:extLst>
+          </p:cNvPr>
+          <p:cNvCxnSpPr>
+            <a:cxnSpLocks/>
+          </p:cNvCxnSpPr>
+          <p:nvPr/>
+        </p:nvCxnSpPr>
+        <p:spPr>
+          <a:xfrm>
+            <a:off x="4434300" y="3744125"/>
+            <a:ext cx="441566" cy="0"/>
+          </a:xfrm>
+          <a:prstGeom prst="line">
+            <a:avLst/>
+          </a:prstGeom>
+        </p:spPr>
+        <p:style>
+          <a:lnRef idx="2">
+            <a:schemeClr val="accent1"/>
+          </a:lnRef>
+          <a:fillRef idx="0">
+            <a:schemeClr val="accent1"/>
+          </a:fillRef>
+          <a:effectRef idx="1">
+            <a:schemeClr val="accent1"/>
+          </a:effectRef>
+          <a:fontRef idx="minor">
+            <a:schemeClr val="tx1"/>
+          </a:fontRef>
+        </p:style>
+      </p:cxnSp>
+      <p:cxnSp>
+        <p:nvCxnSpPr>
+          <p:cNvPr id="116" name="直线连接符 115">
+            <a:extLst>
+              <a:ext uri="{FF2B5EF4-FFF2-40B4-BE49-F238E27FC236}">
+                <a16:creationId xmlns:a16="http://schemas.microsoft.com/office/drawing/2014/main" id="{52CC8B35-9049-8E1B-C7A1-1BD04A4EC7CB}"/>
+              </a:ext>
+            </a:extLst>
+          </p:cNvPr>
+          <p:cNvCxnSpPr>
+            <a:cxnSpLocks/>
+          </p:cNvCxnSpPr>
+          <p:nvPr/>
+        </p:nvCxnSpPr>
+        <p:spPr>
+          <a:xfrm>
+            <a:off x="4866300" y="4283952"/>
+            <a:ext cx="432000" cy="0"/>
+          </a:xfrm>
+          <a:prstGeom prst="line">
+            <a:avLst/>
+          </a:prstGeom>
+        </p:spPr>
+        <p:style>
+          <a:lnRef idx="2">
+            <a:schemeClr val="accent1"/>
+          </a:lnRef>
+          <a:fillRef idx="0">
+            <a:schemeClr val="accent1"/>
+          </a:fillRef>
+          <a:effectRef idx="1">
+            <a:schemeClr val="accent1"/>
+          </a:effectRef>
+          <a:fontRef idx="minor">
+            <a:schemeClr val="tx1"/>
+          </a:fontRef>
+        </p:style>
+      </p:cxnSp>
+      <p:cxnSp>
+        <p:nvCxnSpPr>
+          <p:cNvPr id="117" name="直线连接符 116">
+            <a:extLst>
+              <a:ext uri="{FF2B5EF4-FFF2-40B4-BE49-F238E27FC236}">
+                <a16:creationId xmlns:a16="http://schemas.microsoft.com/office/drawing/2014/main" id="{4A9F4CD9-96C9-82F3-9FE2-5DBC90FD09FB}"/>
+              </a:ext>
+            </a:extLst>
+          </p:cNvPr>
+          <p:cNvCxnSpPr>
+            <a:cxnSpLocks/>
+          </p:cNvCxnSpPr>
+          <p:nvPr/>
+        </p:nvCxnSpPr>
+        <p:spPr>
+          <a:xfrm>
+            <a:off x="5297100" y="3744125"/>
+            <a:ext cx="441566" cy="0"/>
+          </a:xfrm>
+          <a:prstGeom prst="line">
+            <a:avLst/>
+          </a:prstGeom>
+        </p:spPr>
+        <p:style>
+          <a:lnRef idx="2">
+            <a:schemeClr val="accent1"/>
+          </a:lnRef>
+          <a:fillRef idx="0">
+            <a:schemeClr val="accent1"/>
+          </a:fillRef>
+          <a:effectRef idx="1">
+            <a:schemeClr val="accent1"/>
+          </a:effectRef>
+          <a:fontRef idx="minor">
+            <a:schemeClr val="tx1"/>
+          </a:fontRef>
+        </p:style>
+      </p:cxnSp>
+      <p:cxnSp>
+        <p:nvCxnSpPr>
+          <p:cNvPr id="118" name="直线连接符 117">
+            <a:extLst>
+              <a:ext uri="{FF2B5EF4-FFF2-40B4-BE49-F238E27FC236}">
+                <a16:creationId xmlns:a16="http://schemas.microsoft.com/office/drawing/2014/main" id="{0B480EA1-BFD9-13E5-B2D9-0FF8E587E219}"/>
+              </a:ext>
+            </a:extLst>
+          </p:cNvPr>
+          <p:cNvCxnSpPr>
+            <a:cxnSpLocks/>
+          </p:cNvCxnSpPr>
+          <p:nvPr/>
+        </p:nvCxnSpPr>
+        <p:spPr>
+          <a:xfrm>
+            <a:off x="5729100" y="4283952"/>
+            <a:ext cx="432000" cy="0"/>
+          </a:xfrm>
+          <a:prstGeom prst="line">
+            <a:avLst/>
+          </a:prstGeom>
+        </p:spPr>
+        <p:style>
+          <a:lnRef idx="2">
+            <a:schemeClr val="accent1"/>
+          </a:lnRef>
+          <a:fillRef idx="0">
+            <a:schemeClr val="accent1"/>
+          </a:fillRef>
+          <a:effectRef idx="1">
+            <a:schemeClr val="accent1"/>
+          </a:effectRef>
+          <a:fontRef idx="minor">
+            <a:schemeClr val="tx1"/>
+          </a:fontRef>
+        </p:style>
+      </p:cxnSp>
+      <p:cxnSp>
+        <p:nvCxnSpPr>
+          <p:cNvPr id="119" name="直线连接符 118">
+            <a:extLst>
+              <a:ext uri="{FF2B5EF4-FFF2-40B4-BE49-F238E27FC236}">
+                <a16:creationId xmlns:a16="http://schemas.microsoft.com/office/drawing/2014/main" id="{01E2B386-6151-A198-0BDF-6446DE35FF64}"/>
+              </a:ext>
+            </a:extLst>
+          </p:cNvPr>
+          <p:cNvCxnSpPr>
+            <a:cxnSpLocks/>
+          </p:cNvCxnSpPr>
+          <p:nvPr/>
+        </p:nvCxnSpPr>
+        <p:spPr>
+          <a:xfrm>
+            <a:off x="6161100" y="3744125"/>
+            <a:ext cx="441566" cy="0"/>
+          </a:xfrm>
+          <a:prstGeom prst="line">
+            <a:avLst/>
+          </a:prstGeom>
+        </p:spPr>
+        <p:style>
+          <a:lnRef idx="2">
+            <a:schemeClr val="accent1"/>
+          </a:lnRef>
+          <a:fillRef idx="0">
+            <a:schemeClr val="accent1"/>
+          </a:fillRef>
+          <a:effectRef idx="1">
+            <a:schemeClr val="accent1"/>
+          </a:effectRef>
+          <a:fontRef idx="minor">
+            <a:schemeClr val="tx1"/>
+          </a:fontRef>
+        </p:style>
+      </p:cxnSp>
+      <p:cxnSp>
+        <p:nvCxnSpPr>
+          <p:cNvPr id="120" name="直线连接符 119">
+            <a:extLst>
+              <a:ext uri="{FF2B5EF4-FFF2-40B4-BE49-F238E27FC236}">
+                <a16:creationId xmlns:a16="http://schemas.microsoft.com/office/drawing/2014/main" id="{86F4FED6-9A7E-86F0-5309-3D8571A1B6C7}"/>
+              </a:ext>
+            </a:extLst>
+          </p:cNvPr>
+          <p:cNvCxnSpPr>
+            <a:cxnSpLocks/>
+          </p:cNvCxnSpPr>
+          <p:nvPr/>
+        </p:nvCxnSpPr>
+        <p:spPr>
+          <a:xfrm>
+            <a:off x="6593100" y="4283952"/>
+            <a:ext cx="432000" cy="0"/>
+          </a:xfrm>
+          <a:prstGeom prst="line">
+            <a:avLst/>
+          </a:prstGeom>
+        </p:spPr>
+        <p:style>
+          <a:lnRef idx="2">
+            <a:schemeClr val="accent1"/>
+          </a:lnRef>
+          <a:fillRef idx="0">
+            <a:schemeClr val="accent1"/>
+          </a:fillRef>
+          <a:effectRef idx="1">
+            <a:schemeClr val="accent1"/>
+          </a:effectRef>
+          <a:fontRef idx="minor">
+            <a:schemeClr val="tx1"/>
+          </a:fontRef>
+        </p:style>
+      </p:cxnSp>
+      <p:cxnSp>
+        <p:nvCxnSpPr>
+          <p:cNvPr id="121" name="直线连接符 120">
+            <a:extLst>
+              <a:ext uri="{FF2B5EF4-FFF2-40B4-BE49-F238E27FC236}">
+                <a16:creationId xmlns:a16="http://schemas.microsoft.com/office/drawing/2014/main" id="{0CC13937-D3BB-73BF-A128-484F8F59F53B}"/>
+              </a:ext>
+            </a:extLst>
+          </p:cNvPr>
+          <p:cNvCxnSpPr>
+            <a:cxnSpLocks/>
+          </p:cNvCxnSpPr>
+          <p:nvPr/>
+        </p:nvCxnSpPr>
+        <p:spPr>
+          <a:xfrm>
+            <a:off x="7023795" y="3744125"/>
+            <a:ext cx="441566" cy="0"/>
+          </a:xfrm>
+          <a:prstGeom prst="line">
+            <a:avLst/>
+          </a:prstGeom>
+        </p:spPr>
+        <p:style>
+          <a:lnRef idx="2">
+            <a:schemeClr val="accent1"/>
+          </a:lnRef>
+          <a:fillRef idx="0">
+            <a:schemeClr val="accent1"/>
+          </a:fillRef>
+          <a:effectRef idx="1">
+            <a:schemeClr val="accent1"/>
+          </a:effectRef>
+          <a:fontRef idx="minor">
+            <a:schemeClr val="tx1"/>
+          </a:fontRef>
+        </p:style>
+      </p:cxnSp>
+      <p:cxnSp>
+        <p:nvCxnSpPr>
+          <p:cNvPr id="122" name="直线连接符 121">
+            <a:extLst>
+              <a:ext uri="{FF2B5EF4-FFF2-40B4-BE49-F238E27FC236}">
+                <a16:creationId xmlns:a16="http://schemas.microsoft.com/office/drawing/2014/main" id="{8F94DB63-9F5B-AEC2-C794-B1357935739A}"/>
+              </a:ext>
+            </a:extLst>
+          </p:cNvPr>
+          <p:cNvCxnSpPr>
+            <a:cxnSpLocks/>
+          </p:cNvCxnSpPr>
+          <p:nvPr/>
+        </p:nvCxnSpPr>
+        <p:spPr>
+          <a:xfrm>
+            <a:off x="7455795" y="4283952"/>
+            <a:ext cx="432000" cy="0"/>
+          </a:xfrm>
+          <a:prstGeom prst="line">
+            <a:avLst/>
+          </a:prstGeom>
+        </p:spPr>
+        <p:style>
+          <a:lnRef idx="2">
+            <a:schemeClr val="accent1"/>
+          </a:lnRef>
+          <a:fillRef idx="0">
+            <a:schemeClr val="accent1"/>
+          </a:fillRef>
+          <a:effectRef idx="1">
+            <a:schemeClr val="accent1"/>
+          </a:effectRef>
+          <a:fontRef idx="minor">
+            <a:schemeClr val="tx1"/>
+          </a:fontRef>
+        </p:style>
+      </p:cxnSp>
+      <p:cxnSp>
+        <p:nvCxnSpPr>
+          <p:cNvPr id="123" name="直线连接符 122">
+            <a:extLst>
+              <a:ext uri="{FF2B5EF4-FFF2-40B4-BE49-F238E27FC236}">
+                <a16:creationId xmlns:a16="http://schemas.microsoft.com/office/drawing/2014/main" id="{CDB0397C-228F-90DC-5FED-5D8DFD45D6D7}"/>
+              </a:ext>
+            </a:extLst>
+          </p:cNvPr>
+          <p:cNvCxnSpPr>
+            <a:cxnSpLocks/>
+          </p:cNvCxnSpPr>
+          <p:nvPr/>
+        </p:nvCxnSpPr>
+        <p:spPr>
+          <a:xfrm>
+            <a:off x="7888359" y="3744125"/>
+            <a:ext cx="441566" cy="0"/>
+          </a:xfrm>
+          <a:prstGeom prst="line">
+            <a:avLst/>
+          </a:prstGeom>
+        </p:spPr>
+        <p:style>
+          <a:lnRef idx="2">
+            <a:schemeClr val="accent1"/>
+          </a:lnRef>
+          <a:fillRef idx="0">
+            <a:schemeClr val="accent1"/>
+          </a:fillRef>
+          <a:effectRef idx="1">
+            <a:schemeClr val="accent1"/>
+          </a:effectRef>
+          <a:fontRef idx="minor">
+            <a:schemeClr val="tx1"/>
+          </a:fontRef>
+        </p:style>
+      </p:cxnSp>
+      <p:cxnSp>
+        <p:nvCxnSpPr>
+          <p:cNvPr id="130" name="直线连接符 129">
+            <a:extLst>
+              <a:ext uri="{FF2B5EF4-FFF2-40B4-BE49-F238E27FC236}">
+                <a16:creationId xmlns:a16="http://schemas.microsoft.com/office/drawing/2014/main" id="{C370480D-285B-A959-35B9-A9019E2EAE90}"/>
+              </a:ext>
+            </a:extLst>
+          </p:cNvPr>
+          <p:cNvCxnSpPr>
+            <a:cxnSpLocks/>
+          </p:cNvCxnSpPr>
+          <p:nvPr/>
+        </p:nvCxnSpPr>
+        <p:spPr>
+          <a:xfrm>
+            <a:off x="8762207" y="3744125"/>
+            <a:ext cx="0" cy="539827"/>
+          </a:xfrm>
+          <a:prstGeom prst="line">
+            <a:avLst/>
+          </a:prstGeom>
+        </p:spPr>
+        <p:style>
+          <a:lnRef idx="2">
+            <a:schemeClr val="accent1"/>
+          </a:lnRef>
+          <a:fillRef idx="0">
+            <a:schemeClr val="accent1"/>
+          </a:fillRef>
+          <a:effectRef idx="1">
+            <a:schemeClr val="accent1"/>
+          </a:effectRef>
+          <a:fontRef idx="minor">
+            <a:schemeClr val="tx1"/>
+          </a:fontRef>
+        </p:style>
+      </p:cxnSp>
+      <p:cxnSp>
+        <p:nvCxnSpPr>
+          <p:cNvPr id="131" name="直线连接符 130">
+            <a:extLst>
+              <a:ext uri="{FF2B5EF4-FFF2-40B4-BE49-F238E27FC236}">
+                <a16:creationId xmlns:a16="http://schemas.microsoft.com/office/drawing/2014/main" id="{3A6A51A6-8464-54C6-0C27-E363322ACBA3}"/>
+              </a:ext>
+            </a:extLst>
+          </p:cNvPr>
+          <p:cNvCxnSpPr>
+            <a:cxnSpLocks/>
+          </p:cNvCxnSpPr>
+          <p:nvPr/>
+        </p:nvCxnSpPr>
+        <p:spPr>
+          <a:xfrm>
+            <a:off x="9193466" y="3744125"/>
+            <a:ext cx="0" cy="539827"/>
+          </a:xfrm>
+          <a:prstGeom prst="line">
+            <a:avLst/>
+          </a:prstGeom>
+        </p:spPr>
+        <p:style>
+          <a:lnRef idx="2">
+            <a:schemeClr val="accent1"/>
+          </a:lnRef>
+          <a:fillRef idx="0">
+            <a:schemeClr val="accent1"/>
+          </a:fillRef>
+          <a:effectRef idx="1">
+            <a:schemeClr val="accent1"/>
+          </a:effectRef>
+          <a:fontRef idx="minor">
+            <a:schemeClr val="tx1"/>
+          </a:fontRef>
+        </p:style>
+      </p:cxnSp>
+      <p:cxnSp>
+        <p:nvCxnSpPr>
+          <p:cNvPr id="132" name="直线连接符 131">
+            <a:extLst>
+              <a:ext uri="{FF2B5EF4-FFF2-40B4-BE49-F238E27FC236}">
+                <a16:creationId xmlns:a16="http://schemas.microsoft.com/office/drawing/2014/main" id="{0D2326F6-8286-30FD-BC15-44DF3B7761ED}"/>
+              </a:ext>
+            </a:extLst>
+          </p:cNvPr>
+          <p:cNvCxnSpPr>
+            <a:cxnSpLocks/>
+          </p:cNvCxnSpPr>
+          <p:nvPr/>
+        </p:nvCxnSpPr>
+        <p:spPr>
+          <a:xfrm>
+            <a:off x="8324886" y="4283952"/>
+            <a:ext cx="432000" cy="0"/>
+          </a:xfrm>
+          <a:prstGeom prst="line">
+            <a:avLst/>
+          </a:prstGeom>
+        </p:spPr>
+        <p:style>
+          <a:lnRef idx="2">
+            <a:schemeClr val="accent1"/>
+          </a:lnRef>
+          <a:fillRef idx="0">
+            <a:schemeClr val="accent1"/>
+          </a:fillRef>
+          <a:effectRef idx="1">
+            <a:schemeClr val="accent1"/>
+          </a:effectRef>
+          <a:fontRef idx="minor">
+            <a:schemeClr val="tx1"/>
+          </a:fontRef>
+        </p:style>
+      </p:cxnSp>
+      <p:cxnSp>
+        <p:nvCxnSpPr>
+          <p:cNvPr id="133" name="直线连接符 132">
+            <a:extLst>
+              <a:ext uri="{FF2B5EF4-FFF2-40B4-BE49-F238E27FC236}">
+                <a16:creationId xmlns:a16="http://schemas.microsoft.com/office/drawing/2014/main" id="{5A094CDB-AD50-A362-7A0F-4F57F98B5792}"/>
+              </a:ext>
+            </a:extLst>
+          </p:cNvPr>
+          <p:cNvCxnSpPr>
+            <a:cxnSpLocks/>
+          </p:cNvCxnSpPr>
+          <p:nvPr/>
+        </p:nvCxnSpPr>
+        <p:spPr>
+          <a:xfrm>
+            <a:off x="8757450" y="3744125"/>
+            <a:ext cx="441566" cy="0"/>
+          </a:xfrm>
+          <a:prstGeom prst="line">
+            <a:avLst/>
+          </a:prstGeom>
+        </p:spPr>
+        <p:style>
+          <a:lnRef idx="2">
+            <a:schemeClr val="accent1"/>
+          </a:lnRef>
+          <a:fillRef idx="0">
+            <a:schemeClr val="accent1"/>
+          </a:fillRef>
+          <a:effectRef idx="1">
+            <a:schemeClr val="accent1"/>
+          </a:effectRef>
+          <a:fontRef idx="minor">
+            <a:schemeClr val="tx1"/>
+          </a:fontRef>
+        </p:style>
+      </p:cxnSp>
+      <p:cxnSp>
+        <p:nvCxnSpPr>
+          <p:cNvPr id="134" name="直线连接符 133">
+            <a:extLst>
+              <a:ext uri="{FF2B5EF4-FFF2-40B4-BE49-F238E27FC236}">
+                <a16:creationId xmlns:a16="http://schemas.microsoft.com/office/drawing/2014/main" id="{D9050C1E-2379-6D64-42A0-5EDFE59F68E7}"/>
+              </a:ext>
+            </a:extLst>
+          </p:cNvPr>
+          <p:cNvCxnSpPr>
+            <a:cxnSpLocks/>
+          </p:cNvCxnSpPr>
+          <p:nvPr/>
+        </p:nvCxnSpPr>
+        <p:spPr>
+          <a:xfrm>
+            <a:off x="8756886" y="4700678"/>
+            <a:ext cx="0" cy="539827"/>
+          </a:xfrm>
+          <a:prstGeom prst="line">
+            <a:avLst/>
+          </a:prstGeom>
+        </p:spPr>
+        <p:style>
+          <a:lnRef idx="2">
+            <a:schemeClr val="accent1"/>
+          </a:lnRef>
+          <a:fillRef idx="0">
+            <a:schemeClr val="accent1"/>
+          </a:fillRef>
+          <a:effectRef idx="1">
+            <a:schemeClr val="accent1"/>
+          </a:effectRef>
+          <a:fontRef idx="minor">
+            <a:schemeClr val="tx1"/>
+          </a:fontRef>
+        </p:style>
+      </p:cxnSp>
+      <p:cxnSp>
+        <p:nvCxnSpPr>
+          <p:cNvPr id="135" name="直线连接符 134">
+            <a:extLst>
+              <a:ext uri="{FF2B5EF4-FFF2-40B4-BE49-F238E27FC236}">
+                <a16:creationId xmlns:a16="http://schemas.microsoft.com/office/drawing/2014/main" id="{0BCA443A-38AF-425E-2AB6-FB16B6148F84}"/>
+              </a:ext>
+            </a:extLst>
+          </p:cNvPr>
+          <p:cNvCxnSpPr>
+            <a:cxnSpLocks/>
+          </p:cNvCxnSpPr>
+          <p:nvPr/>
+        </p:nvCxnSpPr>
+        <p:spPr>
+          <a:xfrm>
+            <a:off x="3570300" y="4700678"/>
+            <a:ext cx="864000" cy="0"/>
+          </a:xfrm>
+          <a:prstGeom prst="line">
+            <a:avLst/>
+          </a:prstGeom>
+        </p:spPr>
+        <p:style>
+          <a:lnRef idx="2">
+            <a:schemeClr val="accent1"/>
+          </a:lnRef>
+          <a:fillRef idx="0">
+            <a:schemeClr val="accent1"/>
+          </a:fillRef>
+          <a:effectRef idx="1">
+            <a:schemeClr val="accent1"/>
+          </a:effectRef>
+          <a:fontRef idx="minor">
+            <a:schemeClr val="tx1"/>
+          </a:fontRef>
+        </p:style>
+      </p:cxnSp>
+      <p:cxnSp>
+        <p:nvCxnSpPr>
+          <p:cNvPr id="137" name="直线连接符 136">
+            <a:extLst>
+              <a:ext uri="{FF2B5EF4-FFF2-40B4-BE49-F238E27FC236}">
+                <a16:creationId xmlns:a16="http://schemas.microsoft.com/office/drawing/2014/main" id="{652CCB57-6735-023A-B57A-21DEEA8D9589}"/>
+              </a:ext>
+            </a:extLst>
+          </p:cNvPr>
+          <p:cNvCxnSpPr>
+            <a:cxnSpLocks/>
+          </p:cNvCxnSpPr>
+          <p:nvPr/>
+        </p:nvCxnSpPr>
+        <p:spPr>
+          <a:xfrm>
+            <a:off x="4432995" y="5240505"/>
+            <a:ext cx="1728105" cy="0"/>
+          </a:xfrm>
+          <a:prstGeom prst="line">
+            <a:avLst/>
+          </a:prstGeom>
+        </p:spPr>
+        <p:style>
+          <a:lnRef idx="2">
+            <a:schemeClr val="accent1"/>
+          </a:lnRef>
+          <a:fillRef idx="0">
+            <a:schemeClr val="accent1"/>
+          </a:fillRef>
+          <a:effectRef idx="1">
+            <a:schemeClr val="accent1"/>
+          </a:effectRef>
+          <a:fontRef idx="minor">
+            <a:schemeClr val="tx1"/>
+          </a:fontRef>
+        </p:style>
+      </p:cxnSp>
+      <p:cxnSp>
+        <p:nvCxnSpPr>
+          <p:cNvPr id="139" name="直线连接符 138">
+            <a:extLst>
+              <a:ext uri="{FF2B5EF4-FFF2-40B4-BE49-F238E27FC236}">
+                <a16:creationId xmlns:a16="http://schemas.microsoft.com/office/drawing/2014/main" id="{5A9DBADD-F6E1-E738-38D5-22EDEC33858F}"/>
+              </a:ext>
+            </a:extLst>
+          </p:cNvPr>
+          <p:cNvCxnSpPr>
+            <a:cxnSpLocks/>
+          </p:cNvCxnSpPr>
+          <p:nvPr/>
+        </p:nvCxnSpPr>
+        <p:spPr>
+          <a:xfrm>
+            <a:off x="6166086" y="4700678"/>
+            <a:ext cx="864000" cy="0"/>
+          </a:xfrm>
+          <a:prstGeom prst="line">
+            <a:avLst/>
+          </a:prstGeom>
+        </p:spPr>
+        <p:style>
+          <a:lnRef idx="2">
+            <a:schemeClr val="accent1"/>
+          </a:lnRef>
+          <a:fillRef idx="0">
+            <a:schemeClr val="accent1"/>
+          </a:fillRef>
+          <a:effectRef idx="1">
+            <a:schemeClr val="accent1"/>
+          </a:effectRef>
+          <a:fontRef idx="minor">
+            <a:schemeClr val="tx1"/>
+          </a:fontRef>
+        </p:style>
+      </p:cxnSp>
+      <p:cxnSp>
+        <p:nvCxnSpPr>
+          <p:cNvPr id="140" name="直线连接符 139">
+            <a:extLst>
+              <a:ext uri="{FF2B5EF4-FFF2-40B4-BE49-F238E27FC236}">
+                <a16:creationId xmlns:a16="http://schemas.microsoft.com/office/drawing/2014/main" id="{180321D7-488C-1A63-3A5A-B9083C92B1B9}"/>
+              </a:ext>
+            </a:extLst>
+          </p:cNvPr>
+          <p:cNvCxnSpPr>
+            <a:cxnSpLocks/>
+          </p:cNvCxnSpPr>
+          <p:nvPr/>
+        </p:nvCxnSpPr>
+        <p:spPr>
+          <a:xfrm>
+            <a:off x="7028781" y="5240505"/>
+            <a:ext cx="1728105" cy="0"/>
+          </a:xfrm>
+          <a:prstGeom prst="line">
+            <a:avLst/>
+          </a:prstGeom>
+        </p:spPr>
+        <p:style>
+          <a:lnRef idx="2">
+            <a:schemeClr val="accent1"/>
+          </a:lnRef>
+          <a:fillRef idx="0">
+            <a:schemeClr val="accent1"/>
+          </a:fillRef>
+          <a:effectRef idx="1">
+            <a:schemeClr val="accent1"/>
+          </a:effectRef>
+          <a:fontRef idx="minor">
+            <a:schemeClr val="tx1"/>
+          </a:fontRef>
+        </p:style>
+      </p:cxnSp>
+      <p:cxnSp>
+        <p:nvCxnSpPr>
+          <p:cNvPr id="141" name="直线连接符 140">
+            <a:extLst>
+              <a:ext uri="{FF2B5EF4-FFF2-40B4-BE49-F238E27FC236}">
+                <a16:creationId xmlns:a16="http://schemas.microsoft.com/office/drawing/2014/main" id="{F4ADED90-D052-EA49-A0D7-B4F5D0DFA934}"/>
+              </a:ext>
+            </a:extLst>
+          </p:cNvPr>
+          <p:cNvCxnSpPr>
+            <a:cxnSpLocks/>
+          </p:cNvCxnSpPr>
+          <p:nvPr/>
+        </p:nvCxnSpPr>
+        <p:spPr>
+          <a:xfrm>
+            <a:off x="8756886" y="4700678"/>
+            <a:ext cx="441566" cy="0"/>
+          </a:xfrm>
+          <a:prstGeom prst="line">
+            <a:avLst/>
+          </a:prstGeom>
+        </p:spPr>
+        <p:style>
+          <a:lnRef idx="2">
+            <a:schemeClr val="accent1"/>
+          </a:lnRef>
+          <a:fillRef idx="0">
+            <a:schemeClr val="accent1"/>
+          </a:fillRef>
+          <a:effectRef idx="1">
+            <a:schemeClr val="accent1"/>
+          </a:effectRef>
+          <a:fontRef idx="minor">
+            <a:schemeClr val="tx1"/>
+          </a:fontRef>
+        </p:style>
+      </p:cxnSp>
+      <p:cxnSp>
+        <p:nvCxnSpPr>
+          <p:cNvPr id="142" name="直线连接符 141">
+            <a:extLst>
+              <a:ext uri="{FF2B5EF4-FFF2-40B4-BE49-F238E27FC236}">
+                <a16:creationId xmlns:a16="http://schemas.microsoft.com/office/drawing/2014/main" id="{BB499308-5D78-598C-56B5-9281DF73A1B0}"/>
+              </a:ext>
+            </a:extLst>
+          </p:cNvPr>
+          <p:cNvCxnSpPr>
+            <a:cxnSpLocks/>
+          </p:cNvCxnSpPr>
+          <p:nvPr/>
+        </p:nvCxnSpPr>
+        <p:spPr>
+          <a:xfrm>
+            <a:off x="3568995" y="5617760"/>
+            <a:ext cx="433305" cy="3804"/>
+          </a:xfrm>
+          <a:prstGeom prst="line">
+            <a:avLst/>
+          </a:prstGeom>
+        </p:spPr>
+        <p:style>
+          <a:lnRef idx="2">
+            <a:schemeClr val="accent1"/>
+          </a:lnRef>
+          <a:fillRef idx="0">
+            <a:schemeClr val="accent1"/>
+          </a:fillRef>
+          <a:effectRef idx="1">
+            <a:schemeClr val="accent1"/>
+          </a:effectRef>
+          <a:fontRef idx="minor">
+            <a:schemeClr val="tx1"/>
+          </a:fontRef>
+        </p:style>
+      </p:cxnSp>
+      <p:cxnSp>
+        <p:nvCxnSpPr>
+          <p:cNvPr id="145" name="直线连接符 144">
+            <a:extLst>
+              <a:ext uri="{FF2B5EF4-FFF2-40B4-BE49-F238E27FC236}">
+                <a16:creationId xmlns:a16="http://schemas.microsoft.com/office/drawing/2014/main" id="{989DE7F0-AEF6-D589-0246-1E60750BC94B}"/>
+              </a:ext>
+            </a:extLst>
+          </p:cNvPr>
+          <p:cNvCxnSpPr>
+            <a:cxnSpLocks/>
+          </p:cNvCxnSpPr>
+          <p:nvPr/>
+        </p:nvCxnSpPr>
+        <p:spPr>
+          <a:xfrm>
+            <a:off x="4002300" y="6161391"/>
+            <a:ext cx="2158800" cy="0"/>
+          </a:xfrm>
+          <a:prstGeom prst="line">
+            <a:avLst/>
+          </a:prstGeom>
+        </p:spPr>
+        <p:style>
+          <a:lnRef idx="2">
+            <a:schemeClr val="accent1"/>
+          </a:lnRef>
+          <a:fillRef idx="0">
+            <a:schemeClr val="accent1"/>
+          </a:fillRef>
+          <a:effectRef idx="1">
+            <a:schemeClr val="accent1"/>
+          </a:effectRef>
+          <a:fontRef idx="minor">
+            <a:schemeClr val="tx1"/>
+          </a:fontRef>
+        </p:style>
+      </p:cxnSp>
+      <p:cxnSp>
+        <p:nvCxnSpPr>
+          <p:cNvPr id="148" name="直线连接符 147">
+            <a:extLst>
+              <a:ext uri="{FF2B5EF4-FFF2-40B4-BE49-F238E27FC236}">
+                <a16:creationId xmlns:a16="http://schemas.microsoft.com/office/drawing/2014/main" id="{EE111E14-A616-CBC6-C031-6E0A129CC606}"/>
+              </a:ext>
+            </a:extLst>
+          </p:cNvPr>
+          <p:cNvCxnSpPr>
+            <a:cxnSpLocks/>
+          </p:cNvCxnSpPr>
+          <p:nvPr/>
+        </p:nvCxnSpPr>
+        <p:spPr>
+          <a:xfrm>
+            <a:off x="6159795" y="5617760"/>
+            <a:ext cx="433305" cy="3804"/>
+          </a:xfrm>
+          <a:prstGeom prst="line">
+            <a:avLst/>
+          </a:prstGeom>
+        </p:spPr>
+        <p:style>
+          <a:lnRef idx="2">
+            <a:schemeClr val="accent1"/>
+          </a:lnRef>
+          <a:fillRef idx="0">
+            <a:schemeClr val="accent1"/>
+          </a:fillRef>
+          <a:effectRef idx="1">
+            <a:schemeClr val="accent1"/>
+          </a:effectRef>
+          <a:fontRef idx="minor">
+            <a:schemeClr val="tx1"/>
+          </a:fontRef>
+        </p:style>
+      </p:cxnSp>
+      <p:cxnSp>
+        <p:nvCxnSpPr>
+          <p:cNvPr id="149" name="直线连接符 148">
+            <a:extLst>
+              <a:ext uri="{FF2B5EF4-FFF2-40B4-BE49-F238E27FC236}">
+                <a16:creationId xmlns:a16="http://schemas.microsoft.com/office/drawing/2014/main" id="{D2A1D14F-483E-178D-6C01-D1D0E88E997C}"/>
+              </a:ext>
+            </a:extLst>
+          </p:cNvPr>
+          <p:cNvCxnSpPr>
+            <a:cxnSpLocks/>
+          </p:cNvCxnSpPr>
+          <p:nvPr/>
+        </p:nvCxnSpPr>
+        <p:spPr>
+          <a:xfrm>
+            <a:off x="6593100" y="6161391"/>
+            <a:ext cx="2158800" cy="0"/>
+          </a:xfrm>
+          <a:prstGeom prst="line">
+            <a:avLst/>
+          </a:prstGeom>
+        </p:spPr>
+        <p:style>
+          <a:lnRef idx="2">
+            <a:schemeClr val="accent1"/>
+          </a:lnRef>
+          <a:fillRef idx="0">
+            <a:schemeClr val="accent1"/>
+          </a:fillRef>
+          <a:effectRef idx="1">
+            <a:schemeClr val="accent1"/>
+          </a:effectRef>
+          <a:fontRef idx="minor">
+            <a:schemeClr val="tx1"/>
+          </a:fontRef>
+        </p:style>
+      </p:cxnSp>
+      <p:cxnSp>
+        <p:nvCxnSpPr>
+          <p:cNvPr id="151" name="直线连接符 150">
+            <a:extLst>
+              <a:ext uri="{FF2B5EF4-FFF2-40B4-BE49-F238E27FC236}">
+                <a16:creationId xmlns:a16="http://schemas.microsoft.com/office/drawing/2014/main" id="{DE9168B8-4D4C-F2BD-8582-1FAE677E6BD1}"/>
+              </a:ext>
+            </a:extLst>
+          </p:cNvPr>
+          <p:cNvCxnSpPr>
+            <a:cxnSpLocks/>
+          </p:cNvCxnSpPr>
+          <p:nvPr/>
+        </p:nvCxnSpPr>
+        <p:spPr>
+          <a:xfrm>
+            <a:off x="8753205" y="5630612"/>
+            <a:ext cx="0" cy="539827"/>
+          </a:xfrm>
+          <a:prstGeom prst="line">
+            <a:avLst/>
+          </a:prstGeom>
+        </p:spPr>
+        <p:style>
+          <a:lnRef idx="2">
+            <a:schemeClr val="accent1"/>
+          </a:lnRef>
+          <a:fillRef idx="0">
+            <a:schemeClr val="accent1"/>
+          </a:fillRef>
+          <a:effectRef idx="1">
+            <a:schemeClr val="accent1"/>
+          </a:effectRef>
+          <a:fontRef idx="minor">
+            <a:schemeClr val="tx1"/>
+          </a:fontRef>
+        </p:style>
+      </p:cxnSp>
+      <p:cxnSp>
+        <p:nvCxnSpPr>
+          <p:cNvPr id="152" name="直线连接符 151">
+            <a:extLst>
+              <a:ext uri="{FF2B5EF4-FFF2-40B4-BE49-F238E27FC236}">
+                <a16:creationId xmlns:a16="http://schemas.microsoft.com/office/drawing/2014/main" id="{DF358EA9-B602-AD98-F5B4-35E2B2C9D7BB}"/>
+              </a:ext>
+            </a:extLst>
+          </p:cNvPr>
+          <p:cNvCxnSpPr>
+            <a:cxnSpLocks/>
+          </p:cNvCxnSpPr>
+          <p:nvPr/>
+        </p:nvCxnSpPr>
+        <p:spPr>
+          <a:xfrm>
+            <a:off x="8751900" y="5626808"/>
+            <a:ext cx="433305" cy="3804"/>
+          </a:xfrm>
+          <a:prstGeom prst="line">
+            <a:avLst/>
+          </a:prstGeom>
+        </p:spPr>
+        <p:style>
+          <a:lnRef idx="2">
+            <a:schemeClr val="accent1"/>
+          </a:lnRef>
+          <a:fillRef idx="0">
+            <a:schemeClr val="accent1"/>
+          </a:fillRef>
+          <a:effectRef idx="1">
+            <a:schemeClr val="accent1"/>
+          </a:effectRef>
+          <a:fontRef idx="minor">
+            <a:schemeClr val="tx1"/>
+          </a:fontRef>
+        </p:style>
+      </p:cxnSp>
+      <p:sp>
+        <p:nvSpPr>
+          <p:cNvPr id="153" name="TextBox 42">
+            <a:extLst>
+              <a:ext uri="{FF2B5EF4-FFF2-40B4-BE49-F238E27FC236}">
+                <a16:creationId xmlns:a16="http://schemas.microsoft.com/office/drawing/2014/main" id="{5101627F-8D4E-0673-86CF-19173D1D149A}"/>
+              </a:ext>
+            </a:extLst>
+          </p:cNvPr>
+          <p:cNvSpPr txBox="1"/>
+          <p:nvPr/>
+        </p:nvSpPr>
+        <p:spPr>
+          <a:xfrm>
+            <a:off x="2129504" y="3829372"/>
+            <a:ext cx="1023037" cy="369332"/>
+          </a:xfrm>
+          <a:prstGeom prst="rect">
+            <a:avLst/>
+          </a:prstGeom>
+          <a:noFill/>
+        </p:spPr>
+        <p:txBody>
+          <a:bodyPr wrap="none" rtlCol="0">
+            <a:spAutoFit/>
+          </a:bodyPr>
+          <a:lstStyle/>
+          <a:p>
+            <a:r>
+              <a:rPr lang="en-US" dirty="0"/>
+              <a:t>SYS_CLK</a:t>
+            </a:r>
+          </a:p>
+        </p:txBody>
+      </p:sp>
+      <p:sp>
+        <p:nvSpPr>
+          <p:cNvPr id="154" name="TextBox 59">
+            <a:extLst>
+              <a:ext uri="{FF2B5EF4-FFF2-40B4-BE49-F238E27FC236}">
+                <a16:creationId xmlns:a16="http://schemas.microsoft.com/office/drawing/2014/main" id="{1C07F642-8535-1975-00BD-20E1B9130C5C}"/>
+              </a:ext>
+            </a:extLst>
+          </p:cNvPr>
+          <p:cNvSpPr txBox="1"/>
+          <p:nvPr/>
+        </p:nvSpPr>
+        <p:spPr>
+          <a:xfrm>
+            <a:off x="2129504" y="4785925"/>
+            <a:ext cx="1225015" cy="369332"/>
+          </a:xfrm>
+          <a:prstGeom prst="rect">
+            <a:avLst/>
+          </a:prstGeom>
+          <a:noFill/>
+        </p:spPr>
+        <p:txBody>
+          <a:bodyPr wrap="none" rtlCol="0">
+            <a:spAutoFit/>
+          </a:bodyPr>
+          <a:lstStyle/>
+          <a:p>
+            <a:r>
+              <a:rPr lang="en-US" dirty="0"/>
+              <a:t>CORE_CLK</a:t>
+            </a:r>
+          </a:p>
+        </p:txBody>
+      </p:sp>
+      <p:sp>
+        <p:nvSpPr>
+          <p:cNvPr id="155" name="TextBox 43">
+            <a:extLst>
+              <a:ext uri="{FF2B5EF4-FFF2-40B4-BE49-F238E27FC236}">
+                <a16:creationId xmlns:a16="http://schemas.microsoft.com/office/drawing/2014/main" id="{B9D51519-F8E4-A0ED-E3C5-8C9AC197E65C}"/>
+              </a:ext>
+            </a:extLst>
+          </p:cNvPr>
+          <p:cNvSpPr txBox="1"/>
+          <p:nvPr/>
+        </p:nvSpPr>
+        <p:spPr>
+          <a:xfrm>
+            <a:off x="2129504" y="5706811"/>
+            <a:ext cx="1233030" cy="369332"/>
+          </a:xfrm>
+          <a:prstGeom prst="rect">
+            <a:avLst/>
+          </a:prstGeom>
+          <a:noFill/>
+        </p:spPr>
+        <p:txBody>
+          <a:bodyPr wrap="none" rtlCol="0">
+            <a:spAutoFit/>
+          </a:bodyPr>
+          <a:lstStyle/>
+          <a:p>
+            <a:r>
+              <a:rPr lang="en-US" dirty="0"/>
+              <a:t>MAIN_CLK</a:t>
+            </a:r>
+          </a:p>
+        </p:txBody>
+      </p:sp>
     </p:spTree>
     <p:extLst>
       <p:ext uri="{BB962C8B-B14F-4D97-AF65-F5344CB8AC3E}">
         <p14:creationId xmlns:p14="http://schemas.microsoft.com/office/powerpoint/2010/main" val="3270565089"/>
+      </p:ext>
+    </p:extLst>
+  </p:cSld>
+  <p:clrMapOvr>
+    <a:masterClrMapping/>
+  </p:clrMapOvr>
+</p:sld>
+</file>
+
+<file path=ppt/slides/slide14.xml><?xml version="1.0" encoding="utf-8"?>
+<p:sld xmlns:a="http://schemas.openxmlformats.org/drawingml/2006/main" xmlns:r="http://schemas.openxmlformats.org/officeDocument/2006/relationships" xmlns:p="http://schemas.openxmlformats.org/presentationml/2006/main">
+  <p:cSld>
+    <p:spTree>
+      <p:nvGrpSpPr>
+        <p:cNvPr id="1" name=""/>
+        <p:cNvGrpSpPr/>
+        <p:nvPr/>
+      </p:nvGrpSpPr>
+      <p:grpSpPr>
+        <a:xfrm>
+          <a:off x="0" y="0"/>
+          <a:ext cx="0" cy="0"/>
+          <a:chOff x="0" y="0"/>
+          <a:chExt cx="0" cy="0"/>
+        </a:xfrm>
+      </p:grpSpPr>
+      <p:cxnSp>
+        <p:nvCxnSpPr>
+          <p:cNvPr id="4" name="直线连接符 3">
+            <a:extLst>
+              <a:ext uri="{FF2B5EF4-FFF2-40B4-BE49-F238E27FC236}">
+                <a16:creationId xmlns:a16="http://schemas.microsoft.com/office/drawing/2014/main" id="{29F730AC-680D-5D73-185C-E405EB78F705}"/>
+              </a:ext>
+            </a:extLst>
+          </p:cNvPr>
+          <p:cNvCxnSpPr>
+            <a:cxnSpLocks/>
+          </p:cNvCxnSpPr>
+          <p:nvPr/>
+        </p:nvCxnSpPr>
+        <p:spPr>
+          <a:xfrm>
+            <a:off x="1800000" y="2880000"/>
+            <a:ext cx="0" cy="539827"/>
+          </a:xfrm>
+          <a:prstGeom prst="line">
+            <a:avLst/>
+          </a:prstGeom>
+        </p:spPr>
+        <p:style>
+          <a:lnRef idx="2">
+            <a:schemeClr val="accent1"/>
+          </a:lnRef>
+          <a:fillRef idx="0">
+            <a:schemeClr val="accent1"/>
+          </a:fillRef>
+          <a:effectRef idx="1">
+            <a:schemeClr val="accent1"/>
+          </a:effectRef>
+          <a:fontRef idx="minor">
+            <a:schemeClr val="tx1"/>
+          </a:fontRef>
+        </p:style>
+      </p:cxnSp>
+      <p:cxnSp>
+        <p:nvCxnSpPr>
+          <p:cNvPr id="5" name="直线连接符 4">
+            <a:extLst>
+              <a:ext uri="{FF2B5EF4-FFF2-40B4-BE49-F238E27FC236}">
+                <a16:creationId xmlns:a16="http://schemas.microsoft.com/office/drawing/2014/main" id="{45799954-15CB-0E77-6CFE-160EB61487B9}"/>
+              </a:ext>
+            </a:extLst>
+          </p:cNvPr>
+          <p:cNvCxnSpPr>
+            <a:cxnSpLocks/>
+          </p:cNvCxnSpPr>
+          <p:nvPr/>
+        </p:nvCxnSpPr>
+        <p:spPr>
+          <a:xfrm>
+            <a:off x="2232000" y="2880000"/>
+            <a:ext cx="0" cy="539827"/>
+          </a:xfrm>
+          <a:prstGeom prst="line">
+            <a:avLst/>
+          </a:prstGeom>
+        </p:spPr>
+        <p:style>
+          <a:lnRef idx="2">
+            <a:schemeClr val="accent1"/>
+          </a:lnRef>
+          <a:fillRef idx="0">
+            <a:schemeClr val="accent1"/>
+          </a:fillRef>
+          <a:effectRef idx="1">
+            <a:schemeClr val="accent1"/>
+          </a:effectRef>
+          <a:fontRef idx="minor">
+            <a:schemeClr val="tx1"/>
+          </a:fontRef>
+        </p:style>
+      </p:cxnSp>
+      <p:cxnSp>
+        <p:nvCxnSpPr>
+          <p:cNvPr id="36" name="直线连接符 35">
+            <a:extLst>
+              <a:ext uri="{FF2B5EF4-FFF2-40B4-BE49-F238E27FC236}">
+                <a16:creationId xmlns:a16="http://schemas.microsoft.com/office/drawing/2014/main" id="{4845718D-A061-F36B-4463-26EE66D6AC96}"/>
+              </a:ext>
+            </a:extLst>
+          </p:cNvPr>
+          <p:cNvCxnSpPr>
+            <a:cxnSpLocks/>
+          </p:cNvCxnSpPr>
+          <p:nvPr/>
+        </p:nvCxnSpPr>
+        <p:spPr>
+          <a:xfrm>
+            <a:off x="2664000" y="2880000"/>
+            <a:ext cx="0" cy="539827"/>
+          </a:xfrm>
+          <a:prstGeom prst="line">
+            <a:avLst/>
+          </a:prstGeom>
+        </p:spPr>
+        <p:style>
+          <a:lnRef idx="2">
+            <a:schemeClr val="accent1"/>
+          </a:lnRef>
+          <a:fillRef idx="0">
+            <a:schemeClr val="accent1"/>
+          </a:fillRef>
+          <a:effectRef idx="1">
+            <a:schemeClr val="accent1"/>
+          </a:effectRef>
+          <a:fontRef idx="minor">
+            <a:schemeClr val="tx1"/>
+          </a:fontRef>
+        </p:style>
+      </p:cxnSp>
+      <p:cxnSp>
+        <p:nvCxnSpPr>
+          <p:cNvPr id="37" name="直线连接符 36">
+            <a:extLst>
+              <a:ext uri="{FF2B5EF4-FFF2-40B4-BE49-F238E27FC236}">
+                <a16:creationId xmlns:a16="http://schemas.microsoft.com/office/drawing/2014/main" id="{11F56C36-765B-A5ED-AA58-A361378F23F9}"/>
+              </a:ext>
+            </a:extLst>
+          </p:cNvPr>
+          <p:cNvCxnSpPr>
+            <a:cxnSpLocks/>
+          </p:cNvCxnSpPr>
+          <p:nvPr/>
+        </p:nvCxnSpPr>
+        <p:spPr>
+          <a:xfrm>
+            <a:off x="3094695" y="2880000"/>
+            <a:ext cx="0" cy="539827"/>
+          </a:xfrm>
+          <a:prstGeom prst="line">
+            <a:avLst/>
+          </a:prstGeom>
+        </p:spPr>
+        <p:style>
+          <a:lnRef idx="2">
+            <a:schemeClr val="accent1"/>
+          </a:lnRef>
+          <a:fillRef idx="0">
+            <a:schemeClr val="accent1"/>
+          </a:fillRef>
+          <a:effectRef idx="1">
+            <a:schemeClr val="accent1"/>
+          </a:effectRef>
+          <a:fontRef idx="minor">
+            <a:schemeClr val="tx1"/>
+          </a:fontRef>
+        </p:style>
+      </p:cxnSp>
+      <p:cxnSp>
+        <p:nvCxnSpPr>
+          <p:cNvPr id="38" name="直线连接符 37">
+            <a:extLst>
+              <a:ext uri="{FF2B5EF4-FFF2-40B4-BE49-F238E27FC236}">
+                <a16:creationId xmlns:a16="http://schemas.microsoft.com/office/drawing/2014/main" id="{76AF302D-A751-140C-87FE-5469D3464961}"/>
+              </a:ext>
+            </a:extLst>
+          </p:cNvPr>
+          <p:cNvCxnSpPr>
+            <a:cxnSpLocks/>
+          </p:cNvCxnSpPr>
+          <p:nvPr/>
+        </p:nvCxnSpPr>
+        <p:spPr>
+          <a:xfrm>
+            <a:off x="3528000" y="2880000"/>
+            <a:ext cx="0" cy="539827"/>
+          </a:xfrm>
+          <a:prstGeom prst="line">
+            <a:avLst/>
+          </a:prstGeom>
+        </p:spPr>
+        <p:style>
+          <a:lnRef idx="2">
+            <a:schemeClr val="accent1"/>
+          </a:lnRef>
+          <a:fillRef idx="0">
+            <a:schemeClr val="accent1"/>
+          </a:fillRef>
+          <a:effectRef idx="1">
+            <a:schemeClr val="accent1"/>
+          </a:effectRef>
+          <a:fontRef idx="minor">
+            <a:schemeClr val="tx1"/>
+          </a:fontRef>
+        </p:style>
+      </p:cxnSp>
+      <p:cxnSp>
+        <p:nvCxnSpPr>
+          <p:cNvPr id="39" name="直线连接符 38">
+            <a:extLst>
+              <a:ext uri="{FF2B5EF4-FFF2-40B4-BE49-F238E27FC236}">
+                <a16:creationId xmlns:a16="http://schemas.microsoft.com/office/drawing/2014/main" id="{984DA619-1F0D-EF2D-66A1-89B96BA7BF8D}"/>
+              </a:ext>
+            </a:extLst>
+          </p:cNvPr>
+          <p:cNvCxnSpPr>
+            <a:cxnSpLocks/>
+          </p:cNvCxnSpPr>
+          <p:nvPr/>
+        </p:nvCxnSpPr>
+        <p:spPr>
+          <a:xfrm>
+            <a:off x="3959259" y="2880000"/>
+            <a:ext cx="0" cy="539827"/>
+          </a:xfrm>
+          <a:prstGeom prst="line">
+            <a:avLst/>
+          </a:prstGeom>
+        </p:spPr>
+        <p:style>
+          <a:lnRef idx="2">
+            <a:schemeClr val="accent1"/>
+          </a:lnRef>
+          <a:fillRef idx="0">
+            <a:schemeClr val="accent1"/>
+          </a:fillRef>
+          <a:effectRef idx="1">
+            <a:schemeClr val="accent1"/>
+          </a:effectRef>
+          <a:fontRef idx="minor">
+            <a:schemeClr val="tx1"/>
+          </a:fontRef>
+        </p:style>
+      </p:cxnSp>
+      <p:cxnSp>
+        <p:nvCxnSpPr>
+          <p:cNvPr id="46" name="直线连接符 45">
+            <a:extLst>
+              <a:ext uri="{FF2B5EF4-FFF2-40B4-BE49-F238E27FC236}">
+                <a16:creationId xmlns:a16="http://schemas.microsoft.com/office/drawing/2014/main" id="{2A08E073-1CE7-3E4D-3DAE-13FE1573E20D}"/>
+              </a:ext>
+            </a:extLst>
+          </p:cNvPr>
+          <p:cNvCxnSpPr>
+            <a:cxnSpLocks/>
+          </p:cNvCxnSpPr>
+          <p:nvPr/>
+        </p:nvCxnSpPr>
+        <p:spPr>
+          <a:xfrm>
+            <a:off x="4390800" y="2880000"/>
+            <a:ext cx="0" cy="539827"/>
+          </a:xfrm>
+          <a:prstGeom prst="line">
+            <a:avLst/>
+          </a:prstGeom>
+        </p:spPr>
+        <p:style>
+          <a:lnRef idx="2">
+            <a:schemeClr val="accent1"/>
+          </a:lnRef>
+          <a:fillRef idx="0">
+            <a:schemeClr val="accent1"/>
+          </a:fillRef>
+          <a:effectRef idx="1">
+            <a:schemeClr val="accent1"/>
+          </a:effectRef>
+          <a:fontRef idx="minor">
+            <a:schemeClr val="tx1"/>
+          </a:fontRef>
+        </p:style>
+      </p:cxnSp>
+      <p:cxnSp>
+        <p:nvCxnSpPr>
+          <p:cNvPr id="47" name="直线连接符 46">
+            <a:extLst>
+              <a:ext uri="{FF2B5EF4-FFF2-40B4-BE49-F238E27FC236}">
+                <a16:creationId xmlns:a16="http://schemas.microsoft.com/office/drawing/2014/main" id="{02119DA9-2302-5C1F-8998-47FF2E9332CF}"/>
+              </a:ext>
+            </a:extLst>
+          </p:cNvPr>
+          <p:cNvCxnSpPr>
+            <a:cxnSpLocks/>
+          </p:cNvCxnSpPr>
+          <p:nvPr/>
+        </p:nvCxnSpPr>
+        <p:spPr>
+          <a:xfrm>
+            <a:off x="4822800" y="2880000"/>
+            <a:ext cx="0" cy="539827"/>
+          </a:xfrm>
+          <a:prstGeom prst="line">
+            <a:avLst/>
+          </a:prstGeom>
+        </p:spPr>
+        <p:style>
+          <a:lnRef idx="2">
+            <a:schemeClr val="accent1"/>
+          </a:lnRef>
+          <a:fillRef idx="0">
+            <a:schemeClr val="accent1"/>
+          </a:fillRef>
+          <a:effectRef idx="1">
+            <a:schemeClr val="accent1"/>
+          </a:effectRef>
+          <a:fontRef idx="minor">
+            <a:schemeClr val="tx1"/>
+          </a:fontRef>
+        </p:style>
+      </p:cxnSp>
+      <p:cxnSp>
+        <p:nvCxnSpPr>
+          <p:cNvPr id="48" name="直线连接符 47">
+            <a:extLst>
+              <a:ext uri="{FF2B5EF4-FFF2-40B4-BE49-F238E27FC236}">
+                <a16:creationId xmlns:a16="http://schemas.microsoft.com/office/drawing/2014/main" id="{CE23316A-375B-1009-E7C8-8FC7DBFB2B4D}"/>
+              </a:ext>
+            </a:extLst>
+          </p:cNvPr>
+          <p:cNvCxnSpPr>
+            <a:cxnSpLocks/>
+          </p:cNvCxnSpPr>
+          <p:nvPr/>
+        </p:nvCxnSpPr>
+        <p:spPr>
+          <a:xfrm>
+            <a:off x="5254800" y="2880000"/>
+            <a:ext cx="0" cy="539827"/>
+          </a:xfrm>
+          <a:prstGeom prst="line">
+            <a:avLst/>
+          </a:prstGeom>
+        </p:spPr>
+        <p:style>
+          <a:lnRef idx="2">
+            <a:schemeClr val="accent1"/>
+          </a:lnRef>
+          <a:fillRef idx="0">
+            <a:schemeClr val="accent1"/>
+          </a:fillRef>
+          <a:effectRef idx="1">
+            <a:schemeClr val="accent1"/>
+          </a:effectRef>
+          <a:fontRef idx="minor">
+            <a:schemeClr val="tx1"/>
+          </a:fontRef>
+        </p:style>
+      </p:cxnSp>
+      <p:cxnSp>
+        <p:nvCxnSpPr>
+          <p:cNvPr id="49" name="直线连接符 48">
+            <a:extLst>
+              <a:ext uri="{FF2B5EF4-FFF2-40B4-BE49-F238E27FC236}">
+                <a16:creationId xmlns:a16="http://schemas.microsoft.com/office/drawing/2014/main" id="{44DDC797-64BA-D9FE-8870-B0ACFF34D9C9}"/>
+              </a:ext>
+            </a:extLst>
+          </p:cNvPr>
+          <p:cNvCxnSpPr>
+            <a:cxnSpLocks/>
+          </p:cNvCxnSpPr>
+          <p:nvPr/>
+        </p:nvCxnSpPr>
+        <p:spPr>
+          <a:xfrm>
+            <a:off x="5685495" y="2880000"/>
+            <a:ext cx="0" cy="539827"/>
+          </a:xfrm>
+          <a:prstGeom prst="line">
+            <a:avLst/>
+          </a:prstGeom>
+        </p:spPr>
+        <p:style>
+          <a:lnRef idx="2">
+            <a:schemeClr val="accent1"/>
+          </a:lnRef>
+          <a:fillRef idx="0">
+            <a:schemeClr val="accent1"/>
+          </a:fillRef>
+          <a:effectRef idx="1">
+            <a:schemeClr val="accent1"/>
+          </a:effectRef>
+          <a:fontRef idx="minor">
+            <a:schemeClr val="tx1"/>
+          </a:fontRef>
+        </p:style>
+      </p:cxnSp>
+      <p:cxnSp>
+        <p:nvCxnSpPr>
+          <p:cNvPr id="50" name="直线连接符 49">
+            <a:extLst>
+              <a:ext uri="{FF2B5EF4-FFF2-40B4-BE49-F238E27FC236}">
+                <a16:creationId xmlns:a16="http://schemas.microsoft.com/office/drawing/2014/main" id="{B00F388C-AA22-3861-B7A7-22454D12F881}"/>
+              </a:ext>
+            </a:extLst>
+          </p:cNvPr>
+          <p:cNvCxnSpPr>
+            <a:cxnSpLocks/>
+          </p:cNvCxnSpPr>
+          <p:nvPr/>
+        </p:nvCxnSpPr>
+        <p:spPr>
+          <a:xfrm>
+            <a:off x="6118800" y="2880000"/>
+            <a:ext cx="0" cy="539827"/>
+          </a:xfrm>
+          <a:prstGeom prst="line">
+            <a:avLst/>
+          </a:prstGeom>
+        </p:spPr>
+        <p:style>
+          <a:lnRef idx="2">
+            <a:schemeClr val="accent1"/>
+          </a:lnRef>
+          <a:fillRef idx="0">
+            <a:schemeClr val="accent1"/>
+          </a:fillRef>
+          <a:effectRef idx="1">
+            <a:schemeClr val="accent1"/>
+          </a:effectRef>
+          <a:fontRef idx="minor">
+            <a:schemeClr val="tx1"/>
+          </a:fontRef>
+        </p:style>
+      </p:cxnSp>
+      <p:cxnSp>
+        <p:nvCxnSpPr>
+          <p:cNvPr id="51" name="直线连接符 50">
+            <a:extLst>
+              <a:ext uri="{FF2B5EF4-FFF2-40B4-BE49-F238E27FC236}">
+                <a16:creationId xmlns:a16="http://schemas.microsoft.com/office/drawing/2014/main" id="{36AE2459-88C3-23F3-5FED-A60E4DFA635A}"/>
+              </a:ext>
+            </a:extLst>
+          </p:cNvPr>
+          <p:cNvCxnSpPr>
+            <a:cxnSpLocks/>
+          </p:cNvCxnSpPr>
+          <p:nvPr/>
+        </p:nvCxnSpPr>
+        <p:spPr>
+          <a:xfrm>
+            <a:off x="6550059" y="2880000"/>
+            <a:ext cx="0" cy="539827"/>
+          </a:xfrm>
+          <a:prstGeom prst="line">
+            <a:avLst/>
+          </a:prstGeom>
+        </p:spPr>
+        <p:style>
+          <a:lnRef idx="2">
+            <a:schemeClr val="accent1"/>
+          </a:lnRef>
+          <a:fillRef idx="0">
+            <a:schemeClr val="accent1"/>
+          </a:fillRef>
+          <a:effectRef idx="1">
+            <a:schemeClr val="accent1"/>
+          </a:effectRef>
+          <a:fontRef idx="minor">
+            <a:schemeClr val="tx1"/>
+          </a:fontRef>
+        </p:style>
+      </p:cxnSp>
+    </p:spTree>
+    <p:extLst>
+      <p:ext uri="{BB962C8B-B14F-4D97-AF65-F5344CB8AC3E}">
+        <p14:creationId xmlns:p14="http://schemas.microsoft.com/office/powerpoint/2010/main" val="2433470266"/>
       </p:ext>
     </p:extLst>
   </p:cSld>

--- a/_posts/静态时序分析笔记/静态时序分析笔记pptx.pptx
+++ b/_posts/静态时序分析笔记/静态时序分析笔记pptx.pptx
@@ -5669,7 +5669,7 @@
           <a:p>
             <a:fld id="{756B7610-9FAA-DC43-80F9-3155B1E839C7}" type="datetimeFigureOut">
               <a:rPr kumimoji="1" lang="zh-CN" altLang="en-US" smtClean="0"/>
-              <a:t>2025/2/16</a:t>
+              <a:t>2025/2/17</a:t>
             </a:fld>
             <a:endParaRPr kumimoji="1" lang="zh-CN" altLang="en-US"/>
           </a:p>
@@ -5867,7 +5867,7 @@
           <a:p>
             <a:fld id="{756B7610-9FAA-DC43-80F9-3155B1E839C7}" type="datetimeFigureOut">
               <a:rPr kumimoji="1" lang="zh-CN" altLang="en-US" smtClean="0"/>
-              <a:t>2025/2/16</a:t>
+              <a:t>2025/2/17</a:t>
             </a:fld>
             <a:endParaRPr kumimoji="1" lang="zh-CN" altLang="en-US"/>
           </a:p>
@@ -6075,7 +6075,7 @@
           <a:p>
             <a:fld id="{756B7610-9FAA-DC43-80F9-3155B1E839C7}" type="datetimeFigureOut">
               <a:rPr kumimoji="1" lang="zh-CN" altLang="en-US" smtClean="0"/>
-              <a:t>2025/2/16</a:t>
+              <a:t>2025/2/17</a:t>
             </a:fld>
             <a:endParaRPr kumimoji="1" lang="zh-CN" altLang="en-US"/>
           </a:p>
@@ -6273,7 +6273,7 @@
           <a:p>
             <a:fld id="{756B7610-9FAA-DC43-80F9-3155B1E839C7}" type="datetimeFigureOut">
               <a:rPr kumimoji="1" lang="zh-CN" altLang="en-US" smtClean="0"/>
-              <a:t>2025/2/16</a:t>
+              <a:t>2025/2/17</a:t>
             </a:fld>
             <a:endParaRPr kumimoji="1" lang="zh-CN" altLang="en-US"/>
           </a:p>
@@ -6548,7 +6548,7 @@
           <a:p>
             <a:fld id="{756B7610-9FAA-DC43-80F9-3155B1E839C7}" type="datetimeFigureOut">
               <a:rPr kumimoji="1" lang="zh-CN" altLang="en-US" smtClean="0"/>
-              <a:t>2025/2/16</a:t>
+              <a:t>2025/2/17</a:t>
             </a:fld>
             <a:endParaRPr kumimoji="1" lang="zh-CN" altLang="en-US"/>
           </a:p>
@@ -6813,7 +6813,7 @@
           <a:p>
             <a:fld id="{756B7610-9FAA-DC43-80F9-3155B1E839C7}" type="datetimeFigureOut">
               <a:rPr kumimoji="1" lang="zh-CN" altLang="en-US" smtClean="0"/>
-              <a:t>2025/2/16</a:t>
+              <a:t>2025/2/17</a:t>
             </a:fld>
             <a:endParaRPr kumimoji="1" lang="zh-CN" altLang="en-US"/>
           </a:p>
@@ -7225,7 +7225,7 @@
           <a:p>
             <a:fld id="{756B7610-9FAA-DC43-80F9-3155B1E839C7}" type="datetimeFigureOut">
               <a:rPr kumimoji="1" lang="zh-CN" altLang="en-US" smtClean="0"/>
-              <a:t>2025/2/16</a:t>
+              <a:t>2025/2/17</a:t>
             </a:fld>
             <a:endParaRPr kumimoji="1" lang="zh-CN" altLang="en-US"/>
           </a:p>
@@ -7366,7 +7366,7 @@
           <a:p>
             <a:fld id="{756B7610-9FAA-DC43-80F9-3155B1E839C7}" type="datetimeFigureOut">
               <a:rPr kumimoji="1" lang="zh-CN" altLang="en-US" smtClean="0"/>
-              <a:t>2025/2/16</a:t>
+              <a:t>2025/2/17</a:t>
             </a:fld>
             <a:endParaRPr kumimoji="1" lang="zh-CN" altLang="en-US"/>
           </a:p>
@@ -7479,7 +7479,7 @@
           <a:p>
             <a:fld id="{756B7610-9FAA-DC43-80F9-3155B1E839C7}" type="datetimeFigureOut">
               <a:rPr kumimoji="1" lang="zh-CN" altLang="en-US" smtClean="0"/>
-              <a:t>2025/2/16</a:t>
+              <a:t>2025/2/17</a:t>
             </a:fld>
             <a:endParaRPr kumimoji="1" lang="zh-CN" altLang="en-US"/>
           </a:p>
@@ -7790,7 +7790,7 @@
           <a:p>
             <a:fld id="{756B7610-9FAA-DC43-80F9-3155B1E839C7}" type="datetimeFigureOut">
               <a:rPr kumimoji="1" lang="zh-CN" altLang="en-US" smtClean="0"/>
-              <a:t>2025/2/16</a:t>
+              <a:t>2025/2/17</a:t>
             </a:fld>
             <a:endParaRPr kumimoji="1" lang="zh-CN" altLang="en-US"/>
           </a:p>
@@ -8078,7 +8078,7 @@
           <a:p>
             <a:fld id="{756B7610-9FAA-DC43-80F9-3155B1E839C7}" type="datetimeFigureOut">
               <a:rPr kumimoji="1" lang="zh-CN" altLang="en-US" smtClean="0"/>
-              <a:t>2025/2/16</a:t>
+              <a:t>2025/2/17</a:t>
             </a:fld>
             <a:endParaRPr kumimoji="1" lang="zh-CN" altLang="en-US"/>
           </a:p>
@@ -8319,7 +8319,7 @@
           <a:p>
             <a:fld id="{756B7610-9FAA-DC43-80F9-3155B1E839C7}" type="datetimeFigureOut">
               <a:rPr kumimoji="1" lang="zh-CN" altLang="en-US" smtClean="0"/>
-              <a:t>2025/2/16</a:t>
+              <a:t>2025/2/17</a:t>
             </a:fld>
             <a:endParaRPr kumimoji="1" lang="zh-CN" altLang="en-US"/>
           </a:p>
@@ -18828,12 +18828,452 @@
           <a:chExt cx="0" cy="0"/>
         </a:xfrm>
       </p:grpSpPr>
+      <p:grpSp>
+        <p:nvGrpSpPr>
+          <p:cNvPr id="3" name="组合 58">
+            <a:extLst>
+              <a:ext uri="{FF2B5EF4-FFF2-40B4-BE49-F238E27FC236}">
+                <a16:creationId xmlns:a16="http://schemas.microsoft.com/office/drawing/2014/main" id="{F6E2C122-FB9E-4750-CA77-5F754086ADB8}"/>
+              </a:ext>
+            </a:extLst>
+          </p:cNvPr>
+          <p:cNvGrpSpPr/>
+          <p:nvPr/>
+        </p:nvGrpSpPr>
+        <p:grpSpPr>
+          <a:xfrm>
+            <a:off x="4362458" y="1095389"/>
+            <a:ext cx="756004" cy="1033153"/>
+            <a:chOff x="2661581" y="1343921"/>
+            <a:chExt cx="756004" cy="1033153"/>
+          </a:xfrm>
+        </p:grpSpPr>
+        <p:sp>
+          <p:nvSpPr>
+            <p:cNvPr id="9" name="矩形 62">
+              <a:extLst>
+                <a:ext uri="{FF2B5EF4-FFF2-40B4-BE49-F238E27FC236}">
+                  <a16:creationId xmlns:a16="http://schemas.microsoft.com/office/drawing/2014/main" id="{131DEF51-51D1-A557-E078-84229AB59FC0}"/>
+                </a:ext>
+              </a:extLst>
+            </p:cNvPr>
+            <p:cNvSpPr/>
+            <p:nvPr/>
+          </p:nvSpPr>
+          <p:spPr>
+            <a:xfrm>
+              <a:off x="2765072" y="1343921"/>
+              <a:ext cx="575953" cy="1033153"/>
+            </a:xfrm>
+            <a:prstGeom prst="rect">
+              <a:avLst/>
+            </a:prstGeom>
+            <a:noFill/>
+          </p:spPr>
+          <p:style>
+            <a:lnRef idx="2">
+              <a:schemeClr val="accent1">
+                <a:shade val="50000"/>
+              </a:schemeClr>
+            </a:lnRef>
+            <a:fillRef idx="1">
+              <a:schemeClr val="accent1"/>
+            </a:fillRef>
+            <a:effectRef idx="0">
+              <a:schemeClr val="accent1"/>
+            </a:effectRef>
+            <a:fontRef idx="minor">
+              <a:schemeClr val="lt1"/>
+            </a:fontRef>
+          </p:style>
+          <p:txBody>
+            <a:bodyPr rtlCol="0" anchor="ctr"/>
+            <a:lstStyle/>
+            <a:p>
+              <a:pPr algn="ctr"/>
+              <a:endParaRPr lang="zh-CN" altLang="en-US" dirty="0">
+                <a:solidFill>
+                  <a:schemeClr val="tx1"/>
+                </a:solidFill>
+              </a:endParaRPr>
+            </a:p>
+          </p:txBody>
+        </p:sp>
+        <p:sp>
+          <p:nvSpPr>
+            <p:cNvPr id="10" name="直角三角形 63">
+              <a:extLst>
+                <a:ext uri="{FF2B5EF4-FFF2-40B4-BE49-F238E27FC236}">
+                  <a16:creationId xmlns:a16="http://schemas.microsoft.com/office/drawing/2014/main" id="{18699B88-2862-E1E9-A47B-8D973396735D}"/>
+                </a:ext>
+              </a:extLst>
+            </p:cNvPr>
+            <p:cNvSpPr/>
+            <p:nvPr/>
+          </p:nvSpPr>
+          <p:spPr>
+            <a:xfrm rot="13320000">
+              <a:off x="2661581" y="2001597"/>
+              <a:ext cx="206982" cy="226517"/>
+            </a:xfrm>
+            <a:prstGeom prst="rtTriangle">
+              <a:avLst/>
+            </a:prstGeom>
+            <a:noFill/>
+          </p:spPr>
+          <p:style>
+            <a:lnRef idx="2">
+              <a:schemeClr val="accent1">
+                <a:shade val="50000"/>
+              </a:schemeClr>
+            </a:lnRef>
+            <a:fillRef idx="1">
+              <a:schemeClr val="accent1"/>
+            </a:fillRef>
+            <a:effectRef idx="0">
+              <a:schemeClr val="accent1"/>
+            </a:effectRef>
+            <a:fontRef idx="minor">
+              <a:schemeClr val="lt1"/>
+            </a:fontRef>
+          </p:style>
+          <p:txBody>
+            <a:bodyPr rtlCol="0" anchor="ctr"/>
+            <a:lstStyle/>
+            <a:p>
+              <a:pPr algn="ctr"/>
+              <a:endParaRPr lang="zh-CN" altLang="en-US"/>
+            </a:p>
+          </p:txBody>
+        </p:sp>
+        <p:sp>
+          <p:nvSpPr>
+            <p:cNvPr id="11" name="文本框 64">
+              <a:extLst>
+                <a:ext uri="{FF2B5EF4-FFF2-40B4-BE49-F238E27FC236}">
+                  <a16:creationId xmlns:a16="http://schemas.microsoft.com/office/drawing/2014/main" id="{D9455EED-D051-0BD1-7706-41B4CE51EF86}"/>
+                </a:ext>
+              </a:extLst>
+            </p:cNvPr>
+            <p:cNvSpPr txBox="1"/>
+            <p:nvPr/>
+          </p:nvSpPr>
+          <p:spPr>
+            <a:xfrm>
+              <a:off x="2692832" y="1391816"/>
+              <a:ext cx="343364" cy="369332"/>
+            </a:xfrm>
+            <a:prstGeom prst="rect">
+              <a:avLst/>
+            </a:prstGeom>
+            <a:noFill/>
+          </p:spPr>
+          <p:txBody>
+            <a:bodyPr wrap="none" rtlCol="0">
+              <a:spAutoFit/>
+            </a:bodyPr>
+            <a:lstStyle/>
+            <a:p>
+              <a:r>
+                <a:rPr kumimoji="1" lang="en-US" altLang="zh-CN" dirty="0"/>
+                <a:t>D</a:t>
+              </a:r>
+              <a:endParaRPr kumimoji="1" lang="zh-CN" altLang="en-US" dirty="0"/>
+            </a:p>
+          </p:txBody>
+        </p:sp>
+        <p:sp>
+          <p:nvSpPr>
+            <p:cNvPr id="12" name="文本框 65">
+              <a:extLst>
+                <a:ext uri="{FF2B5EF4-FFF2-40B4-BE49-F238E27FC236}">
+                  <a16:creationId xmlns:a16="http://schemas.microsoft.com/office/drawing/2014/main" id="{AAF683D8-A96F-3701-BF2D-01ADFA875695}"/>
+                </a:ext>
+              </a:extLst>
+            </p:cNvPr>
+            <p:cNvSpPr txBox="1"/>
+            <p:nvPr/>
+          </p:nvSpPr>
+          <p:spPr>
+            <a:xfrm>
+              <a:off x="2864514" y="1930189"/>
+              <a:ext cx="455574" cy="369332"/>
+            </a:xfrm>
+            <a:prstGeom prst="rect">
+              <a:avLst/>
+            </a:prstGeom>
+            <a:noFill/>
+          </p:spPr>
+          <p:txBody>
+            <a:bodyPr wrap="none" rtlCol="0">
+              <a:spAutoFit/>
+            </a:bodyPr>
+            <a:lstStyle/>
+            <a:p>
+              <a:r>
+                <a:rPr kumimoji="1" lang="en-US" altLang="zh-CN" dirty="0"/>
+                <a:t>CK</a:t>
+              </a:r>
+              <a:endParaRPr kumimoji="1" lang="zh-CN" altLang="en-US" dirty="0"/>
+            </a:p>
+          </p:txBody>
+        </p:sp>
+        <p:sp>
+          <p:nvSpPr>
+            <p:cNvPr id="13" name="文本框 66">
+              <a:extLst>
+                <a:ext uri="{FF2B5EF4-FFF2-40B4-BE49-F238E27FC236}">
+                  <a16:creationId xmlns:a16="http://schemas.microsoft.com/office/drawing/2014/main" id="{854255CE-67EC-A88F-509D-87C48FCFA356}"/>
+                </a:ext>
+              </a:extLst>
+            </p:cNvPr>
+            <p:cNvSpPr txBox="1"/>
+            <p:nvPr/>
+          </p:nvSpPr>
+          <p:spPr>
+            <a:xfrm>
+              <a:off x="3058191" y="1391816"/>
+              <a:ext cx="359394" cy="369332"/>
+            </a:xfrm>
+            <a:prstGeom prst="rect">
+              <a:avLst/>
+            </a:prstGeom>
+            <a:noFill/>
+          </p:spPr>
+          <p:txBody>
+            <a:bodyPr wrap="none" rtlCol="0">
+              <a:spAutoFit/>
+            </a:bodyPr>
+            <a:lstStyle/>
+            <a:p>
+              <a:r>
+                <a:rPr kumimoji="1" lang="en-US" altLang="zh-CN" dirty="0"/>
+                <a:t>Q</a:t>
+              </a:r>
+              <a:endParaRPr kumimoji="1" lang="zh-CN" altLang="en-US" dirty="0"/>
+            </a:p>
+          </p:txBody>
+        </p:sp>
+      </p:grpSp>
       <p:cxnSp>
         <p:nvCxnSpPr>
-          <p:cNvPr id="4" name="直线连接符 3">
-            <a:extLst>
-              <a:ext uri="{FF2B5EF4-FFF2-40B4-BE49-F238E27FC236}">
-                <a16:creationId xmlns:a16="http://schemas.microsoft.com/office/drawing/2014/main" id="{29F730AC-680D-5D73-185C-E405EB78F705}"/>
+          <p:cNvPr id="7" name="直线连接符 60">
+            <a:extLst>
+              <a:ext uri="{FF2B5EF4-FFF2-40B4-BE49-F238E27FC236}">
+                <a16:creationId xmlns:a16="http://schemas.microsoft.com/office/drawing/2014/main" id="{AB6BE87F-0DCC-5EDB-FA58-B8AEA585BBFF}"/>
+              </a:ext>
+            </a:extLst>
+          </p:cNvPr>
+          <p:cNvCxnSpPr>
+            <a:cxnSpLocks/>
+            <a:endCxn id="16" idx="3"/>
+          </p:cNvCxnSpPr>
+          <p:nvPr/>
+        </p:nvCxnSpPr>
+        <p:spPr>
+          <a:xfrm>
+            <a:off x="5051360" y="1336247"/>
+            <a:ext cx="1812629" cy="0"/>
+          </a:xfrm>
+          <a:prstGeom prst="line">
+            <a:avLst/>
+          </a:prstGeom>
+        </p:spPr>
+        <p:style>
+          <a:lnRef idx="2">
+            <a:schemeClr val="accent1"/>
+          </a:lnRef>
+          <a:fillRef idx="0">
+            <a:schemeClr val="accent1"/>
+          </a:fillRef>
+          <a:effectRef idx="1">
+            <a:schemeClr val="accent1"/>
+          </a:effectRef>
+          <a:fontRef idx="minor">
+            <a:schemeClr val="tx1"/>
+          </a:fontRef>
+        </p:style>
+      </p:cxnSp>
+      <p:sp>
+        <p:nvSpPr>
+          <p:cNvPr id="14" name="Flowchart: Delay 24">
+            <a:extLst>
+              <a:ext uri="{FF2B5EF4-FFF2-40B4-BE49-F238E27FC236}">
+                <a16:creationId xmlns:a16="http://schemas.microsoft.com/office/drawing/2014/main" id="{E1D38DAF-166B-82C2-8BCC-504F2FE77FF2}"/>
+              </a:ext>
+            </a:extLst>
+          </p:cNvPr>
+          <p:cNvSpPr/>
+          <p:nvPr/>
+        </p:nvSpPr>
+        <p:spPr>
+          <a:xfrm>
+            <a:off x="6863989" y="313032"/>
+            <a:ext cx="528637" cy="431564"/>
+          </a:xfrm>
+          <a:prstGeom prst="flowChartDelay">
+            <a:avLst/>
+          </a:prstGeom>
+        </p:spPr>
+        <p:style>
+          <a:lnRef idx="2">
+            <a:schemeClr val="accent6">
+              <a:shade val="15000"/>
+            </a:schemeClr>
+          </a:lnRef>
+          <a:fillRef idx="1">
+            <a:schemeClr val="accent6"/>
+          </a:fillRef>
+          <a:effectRef idx="0">
+            <a:schemeClr val="accent6"/>
+          </a:effectRef>
+          <a:fontRef idx="minor">
+            <a:schemeClr val="lt1"/>
+          </a:fontRef>
+        </p:style>
+        <p:txBody>
+          <a:bodyPr rtlCol="0" anchor="ctr"/>
+          <a:lstStyle/>
+          <a:p>
+            <a:pPr algn="ctr"/>
+            <a:endParaRPr lang="en-US" dirty="0"/>
+          </a:p>
+        </p:txBody>
+      </p:sp>
+      <p:sp>
+        <p:nvSpPr>
+          <p:cNvPr id="15" name="Flowchart: Delay 24">
+            <a:extLst>
+              <a:ext uri="{FF2B5EF4-FFF2-40B4-BE49-F238E27FC236}">
+                <a16:creationId xmlns:a16="http://schemas.microsoft.com/office/drawing/2014/main" id="{3F15839C-2E4A-683D-1600-670860A8261B}"/>
+              </a:ext>
+            </a:extLst>
+          </p:cNvPr>
+          <p:cNvSpPr/>
+          <p:nvPr/>
+        </p:nvSpPr>
+        <p:spPr>
+          <a:xfrm>
+            <a:off x="6863989" y="1929002"/>
+            <a:ext cx="528637" cy="431564"/>
+          </a:xfrm>
+          <a:prstGeom prst="flowChartDelay">
+            <a:avLst/>
+          </a:prstGeom>
+        </p:spPr>
+        <p:style>
+          <a:lnRef idx="2">
+            <a:schemeClr val="accent6">
+              <a:shade val="15000"/>
+            </a:schemeClr>
+          </a:lnRef>
+          <a:fillRef idx="1">
+            <a:schemeClr val="accent6"/>
+          </a:fillRef>
+          <a:effectRef idx="0">
+            <a:schemeClr val="accent6"/>
+          </a:effectRef>
+          <a:fontRef idx="minor">
+            <a:schemeClr val="lt1"/>
+          </a:fontRef>
+        </p:style>
+        <p:txBody>
+          <a:bodyPr rtlCol="0" anchor="ctr"/>
+          <a:lstStyle/>
+          <a:p>
+            <a:pPr algn="ctr"/>
+            <a:endParaRPr lang="en-US" dirty="0"/>
+          </a:p>
+        </p:txBody>
+      </p:sp>
+      <p:sp>
+        <p:nvSpPr>
+          <p:cNvPr id="16" name="三角形 15">
+            <a:extLst>
+              <a:ext uri="{FF2B5EF4-FFF2-40B4-BE49-F238E27FC236}">
+                <a16:creationId xmlns:a16="http://schemas.microsoft.com/office/drawing/2014/main" id="{69D5CD45-0D1B-5329-7E4C-9341876B7B30}"/>
+              </a:ext>
+            </a:extLst>
+          </p:cNvPr>
+          <p:cNvSpPr/>
+          <p:nvPr/>
+        </p:nvSpPr>
+        <p:spPr>
+          <a:xfrm rot="5400000">
+            <a:off x="6858475" y="1100903"/>
+            <a:ext cx="481714" cy="470687"/>
+          </a:xfrm>
+          <a:prstGeom prst="triangle">
+            <a:avLst/>
+          </a:prstGeom>
+        </p:spPr>
+        <p:style>
+          <a:lnRef idx="2">
+            <a:schemeClr val="accent6">
+              <a:shade val="15000"/>
+            </a:schemeClr>
+          </a:lnRef>
+          <a:fillRef idx="1">
+            <a:schemeClr val="accent6"/>
+          </a:fillRef>
+          <a:effectRef idx="0">
+            <a:schemeClr val="accent6"/>
+          </a:effectRef>
+          <a:fontRef idx="minor">
+            <a:schemeClr val="lt1"/>
+          </a:fontRef>
+        </p:style>
+        <p:txBody>
+          <a:bodyPr rtlCol="0" anchor="ctr"/>
+          <a:lstStyle/>
+          <a:p>
+            <a:pPr algn="ctr"/>
+            <a:endParaRPr kumimoji="1" lang="zh-CN" altLang="en-US"/>
+          </a:p>
+        </p:txBody>
+      </p:sp>
+      <p:sp>
+        <p:nvSpPr>
+          <p:cNvPr id="17" name="文本框 66">
+            <a:extLst>
+              <a:ext uri="{FF2B5EF4-FFF2-40B4-BE49-F238E27FC236}">
+                <a16:creationId xmlns:a16="http://schemas.microsoft.com/office/drawing/2014/main" id="{5B805FFC-BC55-3EA7-4FD9-46F03DFA83EB}"/>
+              </a:ext>
+            </a:extLst>
+          </p:cNvPr>
+          <p:cNvSpPr txBox="1"/>
+          <p:nvPr/>
+        </p:nvSpPr>
+        <p:spPr>
+          <a:xfrm>
+            <a:off x="4587917" y="1425302"/>
+            <a:ext cx="530545" cy="369332"/>
+          </a:xfrm>
+          <a:prstGeom prst="rect">
+            <a:avLst/>
+          </a:prstGeom>
+          <a:noFill/>
+        </p:spPr>
+        <p:txBody>
+          <a:bodyPr wrap="square" rtlCol="0">
+            <a:spAutoFit/>
+          </a:bodyPr>
+          <a:lstStyle/>
+          <a:p>
+            <a:r>
+              <a:rPr kumimoji="1" lang="en-US" altLang="zh-CN" dirty="0"/>
+              <a:t>QN</a:t>
+            </a:r>
+            <a:endParaRPr kumimoji="1" lang="zh-CN" altLang="en-US" dirty="0"/>
+          </a:p>
+        </p:txBody>
+      </p:sp>
+      <p:cxnSp>
+        <p:nvCxnSpPr>
+          <p:cNvPr id="25" name="直线连接符 60">
+            <a:extLst>
+              <a:ext uri="{FF2B5EF4-FFF2-40B4-BE49-F238E27FC236}">
+                <a16:creationId xmlns:a16="http://schemas.microsoft.com/office/drawing/2014/main" id="{CA3ED623-0F05-6449-8F0F-C7A50B3D13EC}"/>
               </a:ext>
             </a:extLst>
           </p:cNvPr>
@@ -18844,8 +19284,8 @@
         </p:nvCxnSpPr>
         <p:spPr>
           <a:xfrm>
-            <a:off x="1800000" y="2880000"/>
-            <a:ext cx="0" cy="539827"/>
+            <a:off x="5914160" y="425089"/>
+            <a:ext cx="949828" cy="0"/>
           </a:xfrm>
           <a:prstGeom prst="line">
             <a:avLst/>
@@ -18868,10 +19308,10 @@
       </p:cxnSp>
       <p:cxnSp>
         <p:nvCxnSpPr>
-          <p:cNvPr id="5" name="直线连接符 4">
-            <a:extLst>
-              <a:ext uri="{FF2B5EF4-FFF2-40B4-BE49-F238E27FC236}">
-                <a16:creationId xmlns:a16="http://schemas.microsoft.com/office/drawing/2014/main" id="{45799954-15CB-0E77-6CFE-160EB61487B9}"/>
+          <p:cNvPr id="28" name="直线连接符 60">
+            <a:extLst>
+              <a:ext uri="{FF2B5EF4-FFF2-40B4-BE49-F238E27FC236}">
+                <a16:creationId xmlns:a16="http://schemas.microsoft.com/office/drawing/2014/main" id="{2AC87B48-E9F1-6CC0-8FF7-5F456DB0C44F}"/>
               </a:ext>
             </a:extLst>
           </p:cNvPr>
@@ -18882,8 +19322,8 @@
         </p:nvCxnSpPr>
         <p:spPr>
           <a:xfrm>
-            <a:off x="2232000" y="2880000"/>
-            <a:ext cx="0" cy="539827"/>
+            <a:off x="6432585" y="635855"/>
+            <a:ext cx="431403" cy="0"/>
           </a:xfrm>
           <a:prstGeom prst="line">
             <a:avLst/>
@@ -18906,10 +19346,10 @@
       </p:cxnSp>
       <p:cxnSp>
         <p:nvCxnSpPr>
-          <p:cNvPr id="36" name="直线连接符 35">
-            <a:extLst>
-              <a:ext uri="{FF2B5EF4-FFF2-40B4-BE49-F238E27FC236}">
-                <a16:creationId xmlns:a16="http://schemas.microsoft.com/office/drawing/2014/main" id="{4845718D-A061-F36B-4463-26EE66D6AC96}"/>
+          <p:cNvPr id="30" name="直线连接符 60">
+            <a:extLst>
+              <a:ext uri="{FF2B5EF4-FFF2-40B4-BE49-F238E27FC236}">
+                <a16:creationId xmlns:a16="http://schemas.microsoft.com/office/drawing/2014/main" id="{B309B61F-7C5B-F3E1-D01A-4D808BDF3800}"/>
               </a:ext>
             </a:extLst>
           </p:cNvPr>
@@ -18920,8 +19360,8 @@
         </p:nvCxnSpPr>
         <p:spPr>
           <a:xfrm>
-            <a:off x="2664000" y="2880000"/>
-            <a:ext cx="0" cy="539827"/>
+            <a:off x="5274850" y="2037140"/>
+            <a:ext cx="1589138" cy="5227"/>
           </a:xfrm>
           <a:prstGeom prst="line">
             <a:avLst/>
@@ -18944,10 +19384,10 @@
       </p:cxnSp>
       <p:cxnSp>
         <p:nvCxnSpPr>
-          <p:cNvPr id="37" name="直线连接符 36">
-            <a:extLst>
-              <a:ext uri="{FF2B5EF4-FFF2-40B4-BE49-F238E27FC236}">
-                <a16:creationId xmlns:a16="http://schemas.microsoft.com/office/drawing/2014/main" id="{11F56C36-765B-A5ED-AA58-A361378F23F9}"/>
+          <p:cNvPr id="31" name="直线连接符 60">
+            <a:extLst>
+              <a:ext uri="{FF2B5EF4-FFF2-40B4-BE49-F238E27FC236}">
+                <a16:creationId xmlns:a16="http://schemas.microsoft.com/office/drawing/2014/main" id="{1C64003A-8529-F02C-0FB5-F2C28FEC10F5}"/>
               </a:ext>
             </a:extLst>
           </p:cNvPr>
@@ -18958,8 +19398,8 @@
         </p:nvCxnSpPr>
         <p:spPr>
           <a:xfrm>
-            <a:off x="3094695" y="2880000"/>
-            <a:ext cx="0" cy="539827"/>
+            <a:off x="3215972" y="2247404"/>
+            <a:ext cx="3648016" cy="0"/>
           </a:xfrm>
           <a:prstGeom prst="line">
             <a:avLst/>
@@ -18982,10 +19422,10 @@
       </p:cxnSp>
       <p:cxnSp>
         <p:nvCxnSpPr>
-          <p:cNvPr id="38" name="直线连接符 37">
-            <a:extLst>
-              <a:ext uri="{FF2B5EF4-FFF2-40B4-BE49-F238E27FC236}">
-                <a16:creationId xmlns:a16="http://schemas.microsoft.com/office/drawing/2014/main" id="{76AF302D-A751-140C-87FE-5469D3464961}"/>
+          <p:cNvPr id="33" name="直线连接符 60">
+            <a:extLst>
+              <a:ext uri="{FF2B5EF4-FFF2-40B4-BE49-F238E27FC236}">
+                <a16:creationId xmlns:a16="http://schemas.microsoft.com/office/drawing/2014/main" id="{4CF182FA-0C98-9FFC-ABC8-180B8A000DBD}"/>
               </a:ext>
             </a:extLst>
           </p:cNvPr>
@@ -18996,8 +19436,8 @@
         </p:nvCxnSpPr>
         <p:spPr>
           <a:xfrm>
-            <a:off x="3528000" y="2880000"/>
-            <a:ext cx="0" cy="539827"/>
+            <a:off x="3987700" y="1864026"/>
+            <a:ext cx="478249" cy="0"/>
           </a:xfrm>
           <a:prstGeom prst="line">
             <a:avLst/>
@@ -19020,10 +19460,10 @@
       </p:cxnSp>
       <p:cxnSp>
         <p:nvCxnSpPr>
-          <p:cNvPr id="39" name="直线连接符 38">
-            <a:extLst>
-              <a:ext uri="{FF2B5EF4-FFF2-40B4-BE49-F238E27FC236}">
-                <a16:creationId xmlns:a16="http://schemas.microsoft.com/office/drawing/2014/main" id="{984DA619-1F0D-EF2D-66A1-89B96BA7BF8D}"/>
+          <p:cNvPr id="40" name="直线连接符 60">
+            <a:extLst>
+              <a:ext uri="{FF2B5EF4-FFF2-40B4-BE49-F238E27FC236}">
+                <a16:creationId xmlns:a16="http://schemas.microsoft.com/office/drawing/2014/main" id="{3496E856-847D-496A-C4D7-4EF9F5CD3194}"/>
               </a:ext>
             </a:extLst>
           </p:cNvPr>
@@ -19033,9 +19473,9 @@
           <p:nvPr/>
         </p:nvCxnSpPr>
         <p:spPr>
-          <a:xfrm>
-            <a:off x="3959259" y="2880000"/>
-            <a:ext cx="0" cy="539827"/>
+          <a:xfrm flipV="1">
+            <a:off x="3987700" y="1864026"/>
+            <a:ext cx="0" cy="387254"/>
           </a:xfrm>
           <a:prstGeom prst="line">
             <a:avLst/>
@@ -19058,10 +19498,10 @@
       </p:cxnSp>
       <p:cxnSp>
         <p:nvCxnSpPr>
-          <p:cNvPr id="46" name="直线连接符 45">
-            <a:extLst>
-              <a:ext uri="{FF2B5EF4-FFF2-40B4-BE49-F238E27FC236}">
-                <a16:creationId xmlns:a16="http://schemas.microsoft.com/office/drawing/2014/main" id="{2A08E073-1CE7-3E4D-3DAE-13FE1573E20D}"/>
+          <p:cNvPr id="43" name="直线连接符 60">
+            <a:extLst>
+              <a:ext uri="{FF2B5EF4-FFF2-40B4-BE49-F238E27FC236}">
+                <a16:creationId xmlns:a16="http://schemas.microsoft.com/office/drawing/2014/main" id="{469DCED9-27EA-52FE-3946-605031935413}"/>
               </a:ext>
             </a:extLst>
           </p:cNvPr>
@@ -19072,8 +19512,8 @@
         </p:nvCxnSpPr>
         <p:spPr>
           <a:xfrm>
-            <a:off x="4390800" y="2880000"/>
-            <a:ext cx="0" cy="539827"/>
+            <a:off x="4034546" y="1336247"/>
+            <a:ext cx="431403" cy="0"/>
           </a:xfrm>
           <a:prstGeom prst="line">
             <a:avLst/>
@@ -19096,10 +19536,10 @@
       </p:cxnSp>
       <p:cxnSp>
         <p:nvCxnSpPr>
-          <p:cNvPr id="47" name="直线连接符 46">
-            <a:extLst>
-              <a:ext uri="{FF2B5EF4-FFF2-40B4-BE49-F238E27FC236}">
-                <a16:creationId xmlns:a16="http://schemas.microsoft.com/office/drawing/2014/main" id="{02119DA9-2302-5C1F-8998-47FF2E9332CF}"/>
+          <p:cNvPr id="44" name="直线连接符 60">
+            <a:extLst>
+              <a:ext uri="{FF2B5EF4-FFF2-40B4-BE49-F238E27FC236}">
+                <a16:creationId xmlns:a16="http://schemas.microsoft.com/office/drawing/2014/main" id="{598B2259-FD78-EB5E-C032-C5399F2A0601}"/>
               </a:ext>
             </a:extLst>
           </p:cNvPr>
@@ -19109,9 +19549,9 @@
           <p:nvPr/>
         </p:nvCxnSpPr>
         <p:spPr>
-          <a:xfrm>
-            <a:off x="4822800" y="2880000"/>
-            <a:ext cx="0" cy="539827"/>
+          <a:xfrm flipV="1">
+            <a:off x="4034546" y="801636"/>
+            <a:ext cx="0" cy="534611"/>
           </a:xfrm>
           <a:prstGeom prst="line">
             <a:avLst/>
@@ -19134,10 +19574,10 @@
       </p:cxnSp>
       <p:cxnSp>
         <p:nvCxnSpPr>
-          <p:cNvPr id="48" name="直线连接符 47">
-            <a:extLst>
-              <a:ext uri="{FF2B5EF4-FFF2-40B4-BE49-F238E27FC236}">
-                <a16:creationId xmlns:a16="http://schemas.microsoft.com/office/drawing/2014/main" id="{CE23316A-375B-1009-E7C8-8FC7DBFB2B4D}"/>
+          <p:cNvPr id="53" name="直线连接符 60">
+            <a:extLst>
+              <a:ext uri="{FF2B5EF4-FFF2-40B4-BE49-F238E27FC236}">
+                <a16:creationId xmlns:a16="http://schemas.microsoft.com/office/drawing/2014/main" id="{F0B98C3A-350C-22B7-AC63-7DF2D57B9D09}"/>
               </a:ext>
             </a:extLst>
           </p:cNvPr>
@@ -19148,8 +19588,8 @@
         </p:nvCxnSpPr>
         <p:spPr>
           <a:xfrm>
-            <a:off x="5254800" y="2880000"/>
-            <a:ext cx="0" cy="539827"/>
+            <a:off x="4034546" y="801636"/>
+            <a:ext cx="1240304" cy="0"/>
           </a:xfrm>
           <a:prstGeom prst="line">
             <a:avLst/>
@@ -19172,10 +19612,10 @@
       </p:cxnSp>
       <p:cxnSp>
         <p:nvCxnSpPr>
-          <p:cNvPr id="49" name="直线连接符 48">
-            <a:extLst>
-              <a:ext uri="{FF2B5EF4-FFF2-40B4-BE49-F238E27FC236}">
-                <a16:creationId xmlns:a16="http://schemas.microsoft.com/office/drawing/2014/main" id="{44DDC797-64BA-D9FE-8870-B0ACFF34D9C9}"/>
+          <p:cNvPr id="56" name="直线连接符 60">
+            <a:extLst>
+              <a:ext uri="{FF2B5EF4-FFF2-40B4-BE49-F238E27FC236}">
+                <a16:creationId xmlns:a16="http://schemas.microsoft.com/office/drawing/2014/main" id="{D45583BA-F1A2-70FE-4BF6-46CB966C8D71}"/>
               </a:ext>
             </a:extLst>
           </p:cNvPr>
@@ -19186,8 +19626,8 @@
         </p:nvCxnSpPr>
         <p:spPr>
           <a:xfrm>
-            <a:off x="5685495" y="2880000"/>
-            <a:ext cx="0" cy="539827"/>
+            <a:off x="5274850" y="801636"/>
+            <a:ext cx="0" cy="1235504"/>
           </a:xfrm>
           <a:prstGeom prst="line">
             <a:avLst/>
@@ -19210,10 +19650,10 @@
       </p:cxnSp>
       <p:cxnSp>
         <p:nvCxnSpPr>
-          <p:cNvPr id="50" name="直线连接符 49">
-            <a:extLst>
-              <a:ext uri="{FF2B5EF4-FFF2-40B4-BE49-F238E27FC236}">
-                <a16:creationId xmlns:a16="http://schemas.microsoft.com/office/drawing/2014/main" id="{B00F388C-AA22-3861-B7A7-22454D12F881}"/>
+          <p:cNvPr id="61" name="直线连接符 60">
+            <a:extLst>
+              <a:ext uri="{FF2B5EF4-FFF2-40B4-BE49-F238E27FC236}">
+                <a16:creationId xmlns:a16="http://schemas.microsoft.com/office/drawing/2014/main" id="{DFF84A3D-9A17-98BF-703B-C7E83C6F1A58}"/>
               </a:ext>
             </a:extLst>
           </p:cNvPr>
@@ -19224,8 +19664,8 @@
         </p:nvCxnSpPr>
         <p:spPr>
           <a:xfrm>
-            <a:off x="6118800" y="2880000"/>
-            <a:ext cx="0" cy="539827"/>
+            <a:off x="6432585" y="635855"/>
+            <a:ext cx="0" cy="1615425"/>
           </a:xfrm>
           <a:prstGeom prst="line">
             <a:avLst/>
@@ -19248,10 +19688,10 @@
       </p:cxnSp>
       <p:cxnSp>
         <p:nvCxnSpPr>
-          <p:cNvPr id="51" name="直线连接符 50">
-            <a:extLst>
-              <a:ext uri="{FF2B5EF4-FFF2-40B4-BE49-F238E27FC236}">
-                <a16:creationId xmlns:a16="http://schemas.microsoft.com/office/drawing/2014/main" id="{36AE2459-88C3-23F3-5FED-A60E4DFA635A}"/>
+          <p:cNvPr id="65" name="直线连接符 60">
+            <a:extLst>
+              <a:ext uri="{FF2B5EF4-FFF2-40B4-BE49-F238E27FC236}">
+                <a16:creationId xmlns:a16="http://schemas.microsoft.com/office/drawing/2014/main" id="{296D596A-EEE7-4B84-AEBE-1AD42AEDBAC6}"/>
               </a:ext>
             </a:extLst>
           </p:cNvPr>
@@ -19262,8 +19702,8 @@
         </p:nvCxnSpPr>
         <p:spPr>
           <a:xfrm>
-            <a:off x="6550059" y="2880000"/>
-            <a:ext cx="0" cy="539827"/>
+            <a:off x="5914160" y="425089"/>
+            <a:ext cx="0" cy="907283"/>
           </a:xfrm>
           <a:prstGeom prst="line">
             <a:avLst/>
@@ -19284,6 +19724,3463 @@
           </a:fontRef>
         </p:style>
       </p:cxnSp>
+      <p:sp>
+        <p:nvSpPr>
+          <p:cNvPr id="68" name="椭圆 67">
+            <a:extLst>
+              <a:ext uri="{FF2B5EF4-FFF2-40B4-BE49-F238E27FC236}">
+                <a16:creationId xmlns:a16="http://schemas.microsoft.com/office/drawing/2014/main" id="{052C4E6A-C72E-FE0A-A236-C16EE8FC904E}"/>
+              </a:ext>
+            </a:extLst>
+          </p:cNvPr>
+          <p:cNvSpPr/>
+          <p:nvPr/>
+        </p:nvSpPr>
+        <p:spPr>
+          <a:xfrm>
+            <a:off x="5894807" y="1314549"/>
+            <a:ext cx="45719" cy="45719"/>
+          </a:xfrm>
+          <a:prstGeom prst="ellipse">
+            <a:avLst/>
+          </a:prstGeom>
+        </p:spPr>
+        <p:style>
+          <a:lnRef idx="2">
+            <a:schemeClr val="accent1">
+              <a:shade val="15000"/>
+            </a:schemeClr>
+          </a:lnRef>
+          <a:fillRef idx="1">
+            <a:schemeClr val="accent1"/>
+          </a:fillRef>
+          <a:effectRef idx="0">
+            <a:schemeClr val="accent1"/>
+          </a:effectRef>
+          <a:fontRef idx="minor">
+            <a:schemeClr val="lt1"/>
+          </a:fontRef>
+        </p:style>
+        <p:txBody>
+          <a:bodyPr rtlCol="0" anchor="ctr"/>
+          <a:lstStyle/>
+          <a:p>
+            <a:pPr algn="ctr"/>
+            <a:endParaRPr kumimoji="1" lang="zh-CN" altLang="en-US"/>
+          </a:p>
+        </p:txBody>
+      </p:sp>
+      <p:sp>
+        <p:nvSpPr>
+          <p:cNvPr id="69" name="椭圆 68">
+            <a:extLst>
+              <a:ext uri="{FF2B5EF4-FFF2-40B4-BE49-F238E27FC236}">
+                <a16:creationId xmlns:a16="http://schemas.microsoft.com/office/drawing/2014/main" id="{10FACE68-C20D-E9E0-50EC-9881C455C4FE}"/>
+              </a:ext>
+            </a:extLst>
+          </p:cNvPr>
+          <p:cNvSpPr/>
+          <p:nvPr/>
+        </p:nvSpPr>
+        <p:spPr>
+          <a:xfrm>
+            <a:off x="6409725" y="2217571"/>
+            <a:ext cx="45719" cy="45719"/>
+          </a:xfrm>
+          <a:prstGeom prst="ellipse">
+            <a:avLst/>
+          </a:prstGeom>
+        </p:spPr>
+        <p:style>
+          <a:lnRef idx="2">
+            <a:schemeClr val="accent1">
+              <a:shade val="15000"/>
+            </a:schemeClr>
+          </a:lnRef>
+          <a:fillRef idx="1">
+            <a:schemeClr val="accent1"/>
+          </a:fillRef>
+          <a:effectRef idx="0">
+            <a:schemeClr val="accent1"/>
+          </a:effectRef>
+          <a:fontRef idx="minor">
+            <a:schemeClr val="lt1"/>
+          </a:fontRef>
+        </p:style>
+        <p:txBody>
+          <a:bodyPr rtlCol="0" anchor="ctr"/>
+          <a:lstStyle/>
+          <a:p>
+            <a:pPr algn="ctr"/>
+            <a:endParaRPr kumimoji="1" lang="zh-CN" altLang="en-US"/>
+          </a:p>
+        </p:txBody>
+      </p:sp>
+      <p:cxnSp>
+        <p:nvCxnSpPr>
+          <p:cNvPr id="70" name="直线连接符 60">
+            <a:extLst>
+              <a:ext uri="{FF2B5EF4-FFF2-40B4-BE49-F238E27FC236}">
+                <a16:creationId xmlns:a16="http://schemas.microsoft.com/office/drawing/2014/main" id="{334A4A31-DFE6-9FB0-0A71-3B53708616E5}"/>
+              </a:ext>
+            </a:extLst>
+          </p:cNvPr>
+          <p:cNvCxnSpPr>
+            <a:cxnSpLocks/>
+          </p:cNvCxnSpPr>
+          <p:nvPr/>
+        </p:nvCxnSpPr>
+        <p:spPr>
+          <a:xfrm flipH="1">
+            <a:off x="5041902" y="1620601"/>
+            <a:ext cx="232948" cy="0"/>
+          </a:xfrm>
+          <a:prstGeom prst="line">
+            <a:avLst/>
+          </a:prstGeom>
+        </p:spPr>
+        <p:style>
+          <a:lnRef idx="2">
+            <a:schemeClr val="accent1"/>
+          </a:lnRef>
+          <a:fillRef idx="0">
+            <a:schemeClr val="accent1"/>
+          </a:fillRef>
+          <a:effectRef idx="1">
+            <a:schemeClr val="accent1"/>
+          </a:effectRef>
+          <a:fontRef idx="minor">
+            <a:schemeClr val="tx1"/>
+          </a:fontRef>
+        </p:style>
+      </p:cxnSp>
+      <p:sp>
+        <p:nvSpPr>
+          <p:cNvPr id="76" name="椭圆 75">
+            <a:extLst>
+              <a:ext uri="{FF2B5EF4-FFF2-40B4-BE49-F238E27FC236}">
+                <a16:creationId xmlns:a16="http://schemas.microsoft.com/office/drawing/2014/main" id="{9F6D9A64-1438-44C8-77D2-23FC61CE2B40}"/>
+              </a:ext>
+            </a:extLst>
+          </p:cNvPr>
+          <p:cNvSpPr/>
+          <p:nvPr/>
+        </p:nvSpPr>
+        <p:spPr>
+          <a:xfrm>
+            <a:off x="5245084" y="1597741"/>
+            <a:ext cx="45719" cy="45719"/>
+          </a:xfrm>
+          <a:prstGeom prst="ellipse">
+            <a:avLst/>
+          </a:prstGeom>
+        </p:spPr>
+        <p:style>
+          <a:lnRef idx="2">
+            <a:schemeClr val="accent1">
+              <a:shade val="15000"/>
+            </a:schemeClr>
+          </a:lnRef>
+          <a:fillRef idx="1">
+            <a:schemeClr val="accent1"/>
+          </a:fillRef>
+          <a:effectRef idx="0">
+            <a:schemeClr val="accent1"/>
+          </a:effectRef>
+          <a:fontRef idx="minor">
+            <a:schemeClr val="lt1"/>
+          </a:fontRef>
+        </p:style>
+        <p:txBody>
+          <a:bodyPr rtlCol="0" anchor="ctr"/>
+          <a:lstStyle/>
+          <a:p>
+            <a:pPr algn="ctr"/>
+            <a:endParaRPr kumimoji="1" lang="zh-CN" altLang="en-US"/>
+          </a:p>
+        </p:txBody>
+      </p:sp>
+      <p:sp>
+        <p:nvSpPr>
+          <p:cNvPr id="77" name="椭圆 76">
+            <a:extLst>
+              <a:ext uri="{FF2B5EF4-FFF2-40B4-BE49-F238E27FC236}">
+                <a16:creationId xmlns:a16="http://schemas.microsoft.com/office/drawing/2014/main" id="{2D30E1CB-19FE-91F7-0C51-92E8BBAF4BDD}"/>
+              </a:ext>
+            </a:extLst>
+          </p:cNvPr>
+          <p:cNvSpPr/>
+          <p:nvPr/>
+        </p:nvSpPr>
+        <p:spPr>
+          <a:xfrm>
+            <a:off x="3964840" y="2217570"/>
+            <a:ext cx="45719" cy="45719"/>
+          </a:xfrm>
+          <a:prstGeom prst="ellipse">
+            <a:avLst/>
+          </a:prstGeom>
+        </p:spPr>
+        <p:style>
+          <a:lnRef idx="2">
+            <a:schemeClr val="accent1">
+              <a:shade val="15000"/>
+            </a:schemeClr>
+          </a:lnRef>
+          <a:fillRef idx="1">
+            <a:schemeClr val="accent1"/>
+          </a:fillRef>
+          <a:effectRef idx="0">
+            <a:schemeClr val="accent1"/>
+          </a:effectRef>
+          <a:fontRef idx="minor">
+            <a:schemeClr val="lt1"/>
+          </a:fontRef>
+        </p:style>
+        <p:txBody>
+          <a:bodyPr rtlCol="0" anchor="ctr"/>
+          <a:lstStyle/>
+          <a:p>
+            <a:pPr algn="ctr"/>
+            <a:endParaRPr kumimoji="1" lang="zh-CN" altLang="en-US"/>
+          </a:p>
+        </p:txBody>
+      </p:sp>
+      <p:cxnSp>
+        <p:nvCxnSpPr>
+          <p:cNvPr id="78" name="直线连接符 60">
+            <a:extLst>
+              <a:ext uri="{FF2B5EF4-FFF2-40B4-BE49-F238E27FC236}">
+                <a16:creationId xmlns:a16="http://schemas.microsoft.com/office/drawing/2014/main" id="{F7790CEC-6A54-D952-1BA4-3B3AB211BE8C}"/>
+              </a:ext>
+            </a:extLst>
+          </p:cNvPr>
+          <p:cNvCxnSpPr>
+            <a:cxnSpLocks/>
+          </p:cNvCxnSpPr>
+          <p:nvPr/>
+        </p:nvCxnSpPr>
+        <p:spPr>
+          <a:xfrm>
+            <a:off x="7392626" y="528814"/>
+            <a:ext cx="249534" cy="0"/>
+          </a:xfrm>
+          <a:prstGeom prst="line">
+            <a:avLst/>
+          </a:prstGeom>
+        </p:spPr>
+        <p:style>
+          <a:lnRef idx="2">
+            <a:schemeClr val="accent1"/>
+          </a:lnRef>
+          <a:fillRef idx="0">
+            <a:schemeClr val="accent1"/>
+          </a:fillRef>
+          <a:effectRef idx="1">
+            <a:schemeClr val="accent1"/>
+          </a:effectRef>
+          <a:fontRef idx="minor">
+            <a:schemeClr val="tx1"/>
+          </a:fontRef>
+        </p:style>
+      </p:cxnSp>
+      <p:cxnSp>
+        <p:nvCxnSpPr>
+          <p:cNvPr id="81" name="直线连接符 60">
+            <a:extLst>
+              <a:ext uri="{FF2B5EF4-FFF2-40B4-BE49-F238E27FC236}">
+                <a16:creationId xmlns:a16="http://schemas.microsoft.com/office/drawing/2014/main" id="{13AF19A4-E209-1C19-E608-C0885D10930B}"/>
+              </a:ext>
+            </a:extLst>
+          </p:cNvPr>
+          <p:cNvCxnSpPr>
+            <a:cxnSpLocks/>
+          </p:cNvCxnSpPr>
+          <p:nvPr/>
+        </p:nvCxnSpPr>
+        <p:spPr>
+          <a:xfrm>
+            <a:off x="7334676" y="1336246"/>
+            <a:ext cx="249534" cy="0"/>
+          </a:xfrm>
+          <a:prstGeom prst="line">
+            <a:avLst/>
+          </a:prstGeom>
+        </p:spPr>
+        <p:style>
+          <a:lnRef idx="2">
+            <a:schemeClr val="accent1"/>
+          </a:lnRef>
+          <a:fillRef idx="0">
+            <a:schemeClr val="accent1"/>
+          </a:fillRef>
+          <a:effectRef idx="1">
+            <a:schemeClr val="accent1"/>
+          </a:effectRef>
+          <a:fontRef idx="minor">
+            <a:schemeClr val="tx1"/>
+          </a:fontRef>
+        </p:style>
+      </p:cxnSp>
+      <p:cxnSp>
+        <p:nvCxnSpPr>
+          <p:cNvPr id="82" name="直线连接符 60">
+            <a:extLst>
+              <a:ext uri="{FF2B5EF4-FFF2-40B4-BE49-F238E27FC236}">
+                <a16:creationId xmlns:a16="http://schemas.microsoft.com/office/drawing/2014/main" id="{B14B2E6B-C67C-5B35-5FE7-8624EF55B3E3}"/>
+              </a:ext>
+            </a:extLst>
+          </p:cNvPr>
+          <p:cNvCxnSpPr>
+            <a:cxnSpLocks/>
+          </p:cNvCxnSpPr>
+          <p:nvPr/>
+        </p:nvCxnSpPr>
+        <p:spPr>
+          <a:xfrm>
+            <a:off x="7392626" y="2144784"/>
+            <a:ext cx="249534" cy="0"/>
+          </a:xfrm>
+          <a:prstGeom prst="line">
+            <a:avLst/>
+          </a:prstGeom>
+        </p:spPr>
+        <p:style>
+          <a:lnRef idx="2">
+            <a:schemeClr val="accent1"/>
+          </a:lnRef>
+          <a:fillRef idx="0">
+            <a:schemeClr val="accent1"/>
+          </a:fillRef>
+          <a:effectRef idx="1">
+            <a:schemeClr val="accent1"/>
+          </a:effectRef>
+          <a:fontRef idx="minor">
+            <a:schemeClr val="tx1"/>
+          </a:fontRef>
+        </p:style>
+      </p:cxnSp>
+      <p:sp>
+        <p:nvSpPr>
+          <p:cNvPr id="83" name="TextBox 59">
+            <a:extLst>
+              <a:ext uri="{FF2B5EF4-FFF2-40B4-BE49-F238E27FC236}">
+                <a16:creationId xmlns:a16="http://schemas.microsoft.com/office/drawing/2014/main" id="{4D519DEC-C39F-0784-4E99-2DA810CDF9F4}"/>
+              </a:ext>
+            </a:extLst>
+          </p:cNvPr>
+          <p:cNvSpPr txBox="1"/>
+          <p:nvPr/>
+        </p:nvSpPr>
+        <p:spPr>
+          <a:xfrm>
+            <a:off x="7642160" y="344148"/>
+            <a:ext cx="971741" cy="369332"/>
+          </a:xfrm>
+          <a:prstGeom prst="rect">
+            <a:avLst/>
+          </a:prstGeom>
+          <a:noFill/>
+        </p:spPr>
+        <p:txBody>
+          <a:bodyPr wrap="none" rtlCol="0">
+            <a:spAutoFit/>
+          </a:bodyPr>
+          <a:lstStyle/>
+          <a:p>
+            <a:r>
+              <a:rPr lang="en-US" dirty="0"/>
+              <a:t>PH0CLK</a:t>
+            </a:r>
+          </a:p>
+        </p:txBody>
+      </p:sp>
+      <p:sp>
+        <p:nvSpPr>
+          <p:cNvPr id="84" name="TextBox 59">
+            <a:extLst>
+              <a:ext uri="{FF2B5EF4-FFF2-40B4-BE49-F238E27FC236}">
+                <a16:creationId xmlns:a16="http://schemas.microsoft.com/office/drawing/2014/main" id="{20E0B53D-263B-07BE-0A66-DACA294D2AF2}"/>
+              </a:ext>
+            </a:extLst>
+          </p:cNvPr>
+          <p:cNvSpPr txBox="1"/>
+          <p:nvPr/>
+        </p:nvSpPr>
+        <p:spPr>
+          <a:xfrm>
+            <a:off x="7584944" y="1152685"/>
+            <a:ext cx="1200970" cy="369332"/>
+          </a:xfrm>
+          <a:prstGeom prst="rect">
+            <a:avLst/>
+          </a:prstGeom>
+          <a:noFill/>
+        </p:spPr>
+        <p:txBody>
+          <a:bodyPr wrap="none" rtlCol="0">
+            <a:spAutoFit/>
+          </a:bodyPr>
+          <a:lstStyle/>
+          <a:p>
+            <a:r>
+              <a:rPr lang="en-US" dirty="0"/>
+              <a:t>DCLKDIV2</a:t>
+            </a:r>
+          </a:p>
+        </p:txBody>
+      </p:sp>
+      <p:sp>
+        <p:nvSpPr>
+          <p:cNvPr id="85" name="TextBox 59">
+            <a:extLst>
+              <a:ext uri="{FF2B5EF4-FFF2-40B4-BE49-F238E27FC236}">
+                <a16:creationId xmlns:a16="http://schemas.microsoft.com/office/drawing/2014/main" id="{AEF85F19-973A-5DF2-47D2-3CEFA0242C26}"/>
+              </a:ext>
+            </a:extLst>
+          </p:cNvPr>
+          <p:cNvSpPr txBox="1"/>
+          <p:nvPr/>
+        </p:nvSpPr>
+        <p:spPr>
+          <a:xfrm>
+            <a:off x="7642159" y="1960118"/>
+            <a:ext cx="971741" cy="369332"/>
+          </a:xfrm>
+          <a:prstGeom prst="rect">
+            <a:avLst/>
+          </a:prstGeom>
+          <a:noFill/>
+        </p:spPr>
+        <p:txBody>
+          <a:bodyPr wrap="none" rtlCol="0">
+            <a:spAutoFit/>
+          </a:bodyPr>
+          <a:lstStyle/>
+          <a:p>
+            <a:r>
+              <a:rPr lang="en-US" dirty="0"/>
+              <a:t>PH1CLK</a:t>
+            </a:r>
+          </a:p>
+        </p:txBody>
+      </p:sp>
+      <p:sp>
+        <p:nvSpPr>
+          <p:cNvPr id="86" name="TextBox 59">
+            <a:extLst>
+              <a:ext uri="{FF2B5EF4-FFF2-40B4-BE49-F238E27FC236}">
+                <a16:creationId xmlns:a16="http://schemas.microsoft.com/office/drawing/2014/main" id="{92E364FA-0F1B-70C9-EEE2-5F2AF5E05366}"/>
+              </a:ext>
+            </a:extLst>
+          </p:cNvPr>
+          <p:cNvSpPr txBox="1"/>
+          <p:nvPr/>
+        </p:nvSpPr>
+        <p:spPr>
+          <a:xfrm>
+            <a:off x="3125756" y="1929002"/>
+            <a:ext cx="721672" cy="369332"/>
+          </a:xfrm>
+          <a:prstGeom prst="rect">
+            <a:avLst/>
+          </a:prstGeom>
+          <a:noFill/>
+        </p:spPr>
+        <p:txBody>
+          <a:bodyPr wrap="none" rtlCol="0">
+            <a:spAutoFit/>
+          </a:bodyPr>
+          <a:lstStyle/>
+          <a:p>
+            <a:r>
+              <a:rPr lang="en-US" dirty="0"/>
+              <a:t>DCLK</a:t>
+            </a:r>
+          </a:p>
+        </p:txBody>
+      </p:sp>
+      <p:sp>
+        <p:nvSpPr>
+          <p:cNvPr id="87" name="TextBox 59">
+            <a:extLst>
+              <a:ext uri="{FF2B5EF4-FFF2-40B4-BE49-F238E27FC236}">
+                <a16:creationId xmlns:a16="http://schemas.microsoft.com/office/drawing/2014/main" id="{53CD9FD7-0ECF-060B-D1F2-22C1F2A5E548}"/>
+              </a:ext>
+            </a:extLst>
+          </p:cNvPr>
+          <p:cNvSpPr txBox="1"/>
+          <p:nvPr/>
+        </p:nvSpPr>
+        <p:spPr>
+          <a:xfrm>
+            <a:off x="6660871" y="715208"/>
+            <a:ext cx="934871" cy="369332"/>
+          </a:xfrm>
+          <a:prstGeom prst="rect">
+            <a:avLst/>
+          </a:prstGeom>
+          <a:noFill/>
+        </p:spPr>
+        <p:txBody>
+          <a:bodyPr wrap="none" rtlCol="0">
+            <a:spAutoFit/>
+          </a:bodyPr>
+          <a:lstStyle/>
+          <a:p>
+            <a:r>
+              <a:rPr lang="en-US" dirty="0"/>
+              <a:t>UAND0</a:t>
+            </a:r>
+          </a:p>
+        </p:txBody>
+      </p:sp>
+      <p:sp>
+        <p:nvSpPr>
+          <p:cNvPr id="88" name="TextBox 59">
+            <a:extLst>
+              <a:ext uri="{FF2B5EF4-FFF2-40B4-BE49-F238E27FC236}">
+                <a16:creationId xmlns:a16="http://schemas.microsoft.com/office/drawing/2014/main" id="{E5DB1CBD-1126-DC97-1B18-DA5D590B582E}"/>
+              </a:ext>
+            </a:extLst>
+          </p:cNvPr>
+          <p:cNvSpPr txBox="1"/>
+          <p:nvPr/>
+        </p:nvSpPr>
+        <p:spPr>
+          <a:xfrm>
+            <a:off x="6672772" y="1545050"/>
+            <a:ext cx="853119" cy="369332"/>
+          </a:xfrm>
+          <a:prstGeom prst="rect">
+            <a:avLst/>
+          </a:prstGeom>
+          <a:noFill/>
+        </p:spPr>
+        <p:txBody>
+          <a:bodyPr wrap="none" rtlCol="0">
+            <a:spAutoFit/>
+          </a:bodyPr>
+          <a:lstStyle/>
+          <a:p>
+            <a:r>
+              <a:rPr lang="en-US" dirty="0"/>
+              <a:t>UBUF0</a:t>
+            </a:r>
+          </a:p>
+        </p:txBody>
+      </p:sp>
+      <p:sp>
+        <p:nvSpPr>
+          <p:cNvPr id="89" name="TextBox 59">
+            <a:extLst>
+              <a:ext uri="{FF2B5EF4-FFF2-40B4-BE49-F238E27FC236}">
+                <a16:creationId xmlns:a16="http://schemas.microsoft.com/office/drawing/2014/main" id="{1281785C-B506-8CD5-4CDD-8BBB6DD17D84}"/>
+              </a:ext>
+            </a:extLst>
+          </p:cNvPr>
+          <p:cNvSpPr txBox="1"/>
+          <p:nvPr/>
+        </p:nvSpPr>
+        <p:spPr>
+          <a:xfrm>
+            <a:off x="6660871" y="2329450"/>
+            <a:ext cx="934871" cy="369332"/>
+          </a:xfrm>
+          <a:prstGeom prst="rect">
+            <a:avLst/>
+          </a:prstGeom>
+          <a:noFill/>
+        </p:spPr>
+        <p:txBody>
+          <a:bodyPr wrap="none" rtlCol="0">
+            <a:spAutoFit/>
+          </a:bodyPr>
+          <a:lstStyle/>
+          <a:p>
+            <a:r>
+              <a:rPr lang="en-US" dirty="0"/>
+              <a:t>UAND1</a:t>
+            </a:r>
+          </a:p>
+        </p:txBody>
+      </p:sp>
+      <p:cxnSp>
+        <p:nvCxnSpPr>
+          <p:cNvPr id="90" name="直线连接符 89">
+            <a:extLst>
+              <a:ext uri="{FF2B5EF4-FFF2-40B4-BE49-F238E27FC236}">
+                <a16:creationId xmlns:a16="http://schemas.microsoft.com/office/drawing/2014/main" id="{E087D4D3-D74A-3A7E-BED2-4C4B0428E35D}"/>
+              </a:ext>
+            </a:extLst>
+          </p:cNvPr>
+          <p:cNvCxnSpPr>
+            <a:cxnSpLocks/>
+          </p:cNvCxnSpPr>
+          <p:nvPr/>
+        </p:nvCxnSpPr>
+        <p:spPr>
+          <a:xfrm>
+            <a:off x="3626180" y="2889173"/>
+            <a:ext cx="0" cy="539827"/>
+          </a:xfrm>
+          <a:prstGeom prst="line">
+            <a:avLst/>
+          </a:prstGeom>
+        </p:spPr>
+        <p:style>
+          <a:lnRef idx="2">
+            <a:schemeClr val="accent1"/>
+          </a:lnRef>
+          <a:fillRef idx="0">
+            <a:schemeClr val="accent1"/>
+          </a:fillRef>
+          <a:effectRef idx="1">
+            <a:schemeClr val="accent1"/>
+          </a:effectRef>
+          <a:fontRef idx="minor">
+            <a:schemeClr val="tx1"/>
+          </a:fontRef>
+        </p:style>
+      </p:cxnSp>
+      <p:cxnSp>
+        <p:nvCxnSpPr>
+          <p:cNvPr id="91" name="直线连接符 90">
+            <a:extLst>
+              <a:ext uri="{FF2B5EF4-FFF2-40B4-BE49-F238E27FC236}">
+                <a16:creationId xmlns:a16="http://schemas.microsoft.com/office/drawing/2014/main" id="{86AE7666-7ABF-C4FA-4BFC-8323456BCD0F}"/>
+              </a:ext>
+            </a:extLst>
+          </p:cNvPr>
+          <p:cNvCxnSpPr>
+            <a:cxnSpLocks/>
+          </p:cNvCxnSpPr>
+          <p:nvPr/>
+        </p:nvCxnSpPr>
+        <p:spPr>
+          <a:xfrm>
+            <a:off x="4058180" y="2889173"/>
+            <a:ext cx="0" cy="539827"/>
+          </a:xfrm>
+          <a:prstGeom prst="line">
+            <a:avLst/>
+          </a:prstGeom>
+        </p:spPr>
+        <p:style>
+          <a:lnRef idx="2">
+            <a:schemeClr val="accent1"/>
+          </a:lnRef>
+          <a:fillRef idx="0">
+            <a:schemeClr val="accent1"/>
+          </a:fillRef>
+          <a:effectRef idx="1">
+            <a:schemeClr val="accent1"/>
+          </a:effectRef>
+          <a:fontRef idx="minor">
+            <a:schemeClr val="tx1"/>
+          </a:fontRef>
+        </p:style>
+      </p:cxnSp>
+      <p:cxnSp>
+        <p:nvCxnSpPr>
+          <p:cNvPr id="92" name="直线连接符 91">
+            <a:extLst>
+              <a:ext uri="{FF2B5EF4-FFF2-40B4-BE49-F238E27FC236}">
+                <a16:creationId xmlns:a16="http://schemas.microsoft.com/office/drawing/2014/main" id="{BC3B88F1-FCD6-79F7-84D6-9E3836CF7945}"/>
+              </a:ext>
+            </a:extLst>
+          </p:cNvPr>
+          <p:cNvCxnSpPr>
+            <a:cxnSpLocks/>
+          </p:cNvCxnSpPr>
+          <p:nvPr/>
+        </p:nvCxnSpPr>
+        <p:spPr>
+          <a:xfrm>
+            <a:off x="4490180" y="2889173"/>
+            <a:ext cx="0" cy="539827"/>
+          </a:xfrm>
+          <a:prstGeom prst="line">
+            <a:avLst/>
+          </a:prstGeom>
+        </p:spPr>
+        <p:style>
+          <a:lnRef idx="2">
+            <a:schemeClr val="accent1"/>
+          </a:lnRef>
+          <a:fillRef idx="0">
+            <a:schemeClr val="accent1"/>
+          </a:fillRef>
+          <a:effectRef idx="1">
+            <a:schemeClr val="accent1"/>
+          </a:effectRef>
+          <a:fontRef idx="minor">
+            <a:schemeClr val="tx1"/>
+          </a:fontRef>
+        </p:style>
+      </p:cxnSp>
+      <p:cxnSp>
+        <p:nvCxnSpPr>
+          <p:cNvPr id="93" name="直线连接符 92">
+            <a:extLst>
+              <a:ext uri="{FF2B5EF4-FFF2-40B4-BE49-F238E27FC236}">
+                <a16:creationId xmlns:a16="http://schemas.microsoft.com/office/drawing/2014/main" id="{918CF847-3821-F139-0FAC-C43F47140C24}"/>
+              </a:ext>
+            </a:extLst>
+          </p:cNvPr>
+          <p:cNvCxnSpPr>
+            <a:cxnSpLocks/>
+          </p:cNvCxnSpPr>
+          <p:nvPr/>
+        </p:nvCxnSpPr>
+        <p:spPr>
+          <a:xfrm>
+            <a:off x="4920875" y="2889173"/>
+            <a:ext cx="0" cy="539827"/>
+          </a:xfrm>
+          <a:prstGeom prst="line">
+            <a:avLst/>
+          </a:prstGeom>
+        </p:spPr>
+        <p:style>
+          <a:lnRef idx="2">
+            <a:schemeClr val="accent1"/>
+          </a:lnRef>
+          <a:fillRef idx="0">
+            <a:schemeClr val="accent1"/>
+          </a:fillRef>
+          <a:effectRef idx="1">
+            <a:schemeClr val="accent1"/>
+          </a:effectRef>
+          <a:fontRef idx="minor">
+            <a:schemeClr val="tx1"/>
+          </a:fontRef>
+        </p:style>
+      </p:cxnSp>
+      <p:cxnSp>
+        <p:nvCxnSpPr>
+          <p:cNvPr id="94" name="直线连接符 93">
+            <a:extLst>
+              <a:ext uri="{FF2B5EF4-FFF2-40B4-BE49-F238E27FC236}">
+                <a16:creationId xmlns:a16="http://schemas.microsoft.com/office/drawing/2014/main" id="{822600B8-6175-C3EE-F909-60BB3F507A73}"/>
+              </a:ext>
+            </a:extLst>
+          </p:cNvPr>
+          <p:cNvCxnSpPr>
+            <a:cxnSpLocks/>
+          </p:cNvCxnSpPr>
+          <p:nvPr/>
+        </p:nvCxnSpPr>
+        <p:spPr>
+          <a:xfrm>
+            <a:off x="5354180" y="2889173"/>
+            <a:ext cx="0" cy="539827"/>
+          </a:xfrm>
+          <a:prstGeom prst="line">
+            <a:avLst/>
+          </a:prstGeom>
+        </p:spPr>
+        <p:style>
+          <a:lnRef idx="2">
+            <a:schemeClr val="accent1"/>
+          </a:lnRef>
+          <a:fillRef idx="0">
+            <a:schemeClr val="accent1"/>
+          </a:fillRef>
+          <a:effectRef idx="1">
+            <a:schemeClr val="accent1"/>
+          </a:effectRef>
+          <a:fontRef idx="minor">
+            <a:schemeClr val="tx1"/>
+          </a:fontRef>
+        </p:style>
+      </p:cxnSp>
+      <p:cxnSp>
+        <p:nvCxnSpPr>
+          <p:cNvPr id="95" name="直线连接符 94">
+            <a:extLst>
+              <a:ext uri="{FF2B5EF4-FFF2-40B4-BE49-F238E27FC236}">
+                <a16:creationId xmlns:a16="http://schemas.microsoft.com/office/drawing/2014/main" id="{5BAA86C0-EF97-D792-F1F4-EC9B4119E384}"/>
+              </a:ext>
+            </a:extLst>
+          </p:cNvPr>
+          <p:cNvCxnSpPr>
+            <a:cxnSpLocks/>
+          </p:cNvCxnSpPr>
+          <p:nvPr/>
+        </p:nvCxnSpPr>
+        <p:spPr>
+          <a:xfrm>
+            <a:off x="5785439" y="2889173"/>
+            <a:ext cx="0" cy="539827"/>
+          </a:xfrm>
+          <a:prstGeom prst="line">
+            <a:avLst/>
+          </a:prstGeom>
+        </p:spPr>
+        <p:style>
+          <a:lnRef idx="2">
+            <a:schemeClr val="accent1"/>
+          </a:lnRef>
+          <a:fillRef idx="0">
+            <a:schemeClr val="accent1"/>
+          </a:fillRef>
+          <a:effectRef idx="1">
+            <a:schemeClr val="accent1"/>
+          </a:effectRef>
+          <a:fontRef idx="minor">
+            <a:schemeClr val="tx1"/>
+          </a:fontRef>
+        </p:style>
+      </p:cxnSp>
+      <p:cxnSp>
+        <p:nvCxnSpPr>
+          <p:cNvPr id="96" name="直线连接符 95">
+            <a:extLst>
+              <a:ext uri="{FF2B5EF4-FFF2-40B4-BE49-F238E27FC236}">
+                <a16:creationId xmlns:a16="http://schemas.microsoft.com/office/drawing/2014/main" id="{E0680B78-2A56-4705-442D-A8EFDF1D9A07}"/>
+              </a:ext>
+            </a:extLst>
+          </p:cNvPr>
+          <p:cNvCxnSpPr>
+            <a:cxnSpLocks/>
+          </p:cNvCxnSpPr>
+          <p:nvPr/>
+        </p:nvCxnSpPr>
+        <p:spPr>
+          <a:xfrm>
+            <a:off x="6216980" y="2889173"/>
+            <a:ext cx="0" cy="539827"/>
+          </a:xfrm>
+          <a:prstGeom prst="line">
+            <a:avLst/>
+          </a:prstGeom>
+        </p:spPr>
+        <p:style>
+          <a:lnRef idx="2">
+            <a:schemeClr val="accent1"/>
+          </a:lnRef>
+          <a:fillRef idx="0">
+            <a:schemeClr val="accent1"/>
+          </a:fillRef>
+          <a:effectRef idx="1">
+            <a:schemeClr val="accent1"/>
+          </a:effectRef>
+          <a:fontRef idx="minor">
+            <a:schemeClr val="tx1"/>
+          </a:fontRef>
+        </p:style>
+      </p:cxnSp>
+      <p:cxnSp>
+        <p:nvCxnSpPr>
+          <p:cNvPr id="97" name="直线连接符 96">
+            <a:extLst>
+              <a:ext uri="{FF2B5EF4-FFF2-40B4-BE49-F238E27FC236}">
+                <a16:creationId xmlns:a16="http://schemas.microsoft.com/office/drawing/2014/main" id="{F8D1780C-EB36-18F5-113F-71DB8DD75C71}"/>
+              </a:ext>
+            </a:extLst>
+          </p:cNvPr>
+          <p:cNvCxnSpPr>
+            <a:cxnSpLocks/>
+          </p:cNvCxnSpPr>
+          <p:nvPr/>
+        </p:nvCxnSpPr>
+        <p:spPr>
+          <a:xfrm>
+            <a:off x="6648980" y="2889173"/>
+            <a:ext cx="0" cy="539827"/>
+          </a:xfrm>
+          <a:prstGeom prst="line">
+            <a:avLst/>
+          </a:prstGeom>
+        </p:spPr>
+        <p:style>
+          <a:lnRef idx="2">
+            <a:schemeClr val="accent1"/>
+          </a:lnRef>
+          <a:fillRef idx="0">
+            <a:schemeClr val="accent1"/>
+          </a:fillRef>
+          <a:effectRef idx="1">
+            <a:schemeClr val="accent1"/>
+          </a:effectRef>
+          <a:fontRef idx="minor">
+            <a:schemeClr val="tx1"/>
+          </a:fontRef>
+        </p:style>
+      </p:cxnSp>
+      <p:cxnSp>
+        <p:nvCxnSpPr>
+          <p:cNvPr id="98" name="直线连接符 97">
+            <a:extLst>
+              <a:ext uri="{FF2B5EF4-FFF2-40B4-BE49-F238E27FC236}">
+                <a16:creationId xmlns:a16="http://schemas.microsoft.com/office/drawing/2014/main" id="{57E05F73-B602-E4FD-0B0A-48A623D982E0}"/>
+              </a:ext>
+            </a:extLst>
+          </p:cNvPr>
+          <p:cNvCxnSpPr>
+            <a:cxnSpLocks/>
+          </p:cNvCxnSpPr>
+          <p:nvPr/>
+        </p:nvCxnSpPr>
+        <p:spPr>
+          <a:xfrm>
+            <a:off x="7080980" y="2889173"/>
+            <a:ext cx="0" cy="539827"/>
+          </a:xfrm>
+          <a:prstGeom prst="line">
+            <a:avLst/>
+          </a:prstGeom>
+        </p:spPr>
+        <p:style>
+          <a:lnRef idx="2">
+            <a:schemeClr val="accent1"/>
+          </a:lnRef>
+          <a:fillRef idx="0">
+            <a:schemeClr val="accent1"/>
+          </a:fillRef>
+          <a:effectRef idx="1">
+            <a:schemeClr val="accent1"/>
+          </a:effectRef>
+          <a:fontRef idx="minor">
+            <a:schemeClr val="tx1"/>
+          </a:fontRef>
+        </p:style>
+      </p:cxnSp>
+      <p:cxnSp>
+        <p:nvCxnSpPr>
+          <p:cNvPr id="99" name="直线连接符 98">
+            <a:extLst>
+              <a:ext uri="{FF2B5EF4-FFF2-40B4-BE49-F238E27FC236}">
+                <a16:creationId xmlns:a16="http://schemas.microsoft.com/office/drawing/2014/main" id="{973C9E7C-E3C6-B017-1916-DA65CF55FEFC}"/>
+              </a:ext>
+            </a:extLst>
+          </p:cNvPr>
+          <p:cNvCxnSpPr>
+            <a:cxnSpLocks/>
+          </p:cNvCxnSpPr>
+          <p:nvPr/>
+        </p:nvCxnSpPr>
+        <p:spPr>
+          <a:xfrm>
+            <a:off x="7511675" y="2889173"/>
+            <a:ext cx="0" cy="539827"/>
+          </a:xfrm>
+          <a:prstGeom prst="line">
+            <a:avLst/>
+          </a:prstGeom>
+        </p:spPr>
+        <p:style>
+          <a:lnRef idx="2">
+            <a:schemeClr val="accent1"/>
+          </a:lnRef>
+          <a:fillRef idx="0">
+            <a:schemeClr val="accent1"/>
+          </a:fillRef>
+          <a:effectRef idx="1">
+            <a:schemeClr val="accent1"/>
+          </a:effectRef>
+          <a:fontRef idx="minor">
+            <a:schemeClr val="tx1"/>
+          </a:fontRef>
+        </p:style>
+      </p:cxnSp>
+      <p:cxnSp>
+        <p:nvCxnSpPr>
+          <p:cNvPr id="100" name="直线连接符 99">
+            <a:extLst>
+              <a:ext uri="{FF2B5EF4-FFF2-40B4-BE49-F238E27FC236}">
+                <a16:creationId xmlns:a16="http://schemas.microsoft.com/office/drawing/2014/main" id="{CD73A3CA-1627-7B75-DD61-174ABF557F37}"/>
+              </a:ext>
+            </a:extLst>
+          </p:cNvPr>
+          <p:cNvCxnSpPr>
+            <a:cxnSpLocks/>
+          </p:cNvCxnSpPr>
+          <p:nvPr/>
+        </p:nvCxnSpPr>
+        <p:spPr>
+          <a:xfrm>
+            <a:off x="7944980" y="2889173"/>
+            <a:ext cx="0" cy="539827"/>
+          </a:xfrm>
+          <a:prstGeom prst="line">
+            <a:avLst/>
+          </a:prstGeom>
+        </p:spPr>
+        <p:style>
+          <a:lnRef idx="2">
+            <a:schemeClr val="accent1"/>
+          </a:lnRef>
+          <a:fillRef idx="0">
+            <a:schemeClr val="accent1"/>
+          </a:fillRef>
+          <a:effectRef idx="1">
+            <a:schemeClr val="accent1"/>
+          </a:effectRef>
+          <a:fontRef idx="minor">
+            <a:schemeClr val="tx1"/>
+          </a:fontRef>
+        </p:style>
+      </p:cxnSp>
+      <p:cxnSp>
+        <p:nvCxnSpPr>
+          <p:cNvPr id="101" name="直线连接符 100">
+            <a:extLst>
+              <a:ext uri="{FF2B5EF4-FFF2-40B4-BE49-F238E27FC236}">
+                <a16:creationId xmlns:a16="http://schemas.microsoft.com/office/drawing/2014/main" id="{F803A92D-59AE-935D-181F-08064E3F54A1}"/>
+              </a:ext>
+            </a:extLst>
+          </p:cNvPr>
+          <p:cNvCxnSpPr>
+            <a:cxnSpLocks/>
+          </p:cNvCxnSpPr>
+          <p:nvPr/>
+        </p:nvCxnSpPr>
+        <p:spPr>
+          <a:xfrm>
+            <a:off x="8376239" y="2889173"/>
+            <a:ext cx="0" cy="539827"/>
+          </a:xfrm>
+          <a:prstGeom prst="line">
+            <a:avLst/>
+          </a:prstGeom>
+        </p:spPr>
+        <p:style>
+          <a:lnRef idx="2">
+            <a:schemeClr val="accent1"/>
+          </a:lnRef>
+          <a:fillRef idx="0">
+            <a:schemeClr val="accent1"/>
+          </a:fillRef>
+          <a:effectRef idx="1">
+            <a:schemeClr val="accent1"/>
+          </a:effectRef>
+          <a:fontRef idx="minor">
+            <a:schemeClr val="tx1"/>
+          </a:fontRef>
+        </p:style>
+      </p:cxnSp>
+      <p:cxnSp>
+        <p:nvCxnSpPr>
+          <p:cNvPr id="102" name="直线连接符 101">
+            <a:extLst>
+              <a:ext uri="{FF2B5EF4-FFF2-40B4-BE49-F238E27FC236}">
+                <a16:creationId xmlns:a16="http://schemas.microsoft.com/office/drawing/2014/main" id="{B940C607-2930-855B-9672-89D153AFC9A6}"/>
+              </a:ext>
+            </a:extLst>
+          </p:cNvPr>
+          <p:cNvCxnSpPr>
+            <a:cxnSpLocks/>
+          </p:cNvCxnSpPr>
+          <p:nvPr/>
+        </p:nvCxnSpPr>
+        <p:spPr>
+          <a:xfrm>
+            <a:off x="3622164" y="2889173"/>
+            <a:ext cx="441566" cy="0"/>
+          </a:xfrm>
+          <a:prstGeom prst="line">
+            <a:avLst/>
+          </a:prstGeom>
+        </p:spPr>
+        <p:style>
+          <a:lnRef idx="2">
+            <a:schemeClr val="accent1"/>
+          </a:lnRef>
+          <a:fillRef idx="0">
+            <a:schemeClr val="accent1"/>
+          </a:fillRef>
+          <a:effectRef idx="1">
+            <a:schemeClr val="accent1"/>
+          </a:effectRef>
+          <a:fontRef idx="minor">
+            <a:schemeClr val="tx1"/>
+          </a:fontRef>
+        </p:style>
+      </p:cxnSp>
+      <p:cxnSp>
+        <p:nvCxnSpPr>
+          <p:cNvPr id="103" name="直线连接符 102">
+            <a:extLst>
+              <a:ext uri="{FF2B5EF4-FFF2-40B4-BE49-F238E27FC236}">
+                <a16:creationId xmlns:a16="http://schemas.microsoft.com/office/drawing/2014/main" id="{9DA9AB13-A4FD-0587-7967-E01D639B2476}"/>
+              </a:ext>
+            </a:extLst>
+          </p:cNvPr>
+          <p:cNvCxnSpPr>
+            <a:cxnSpLocks/>
+          </p:cNvCxnSpPr>
+          <p:nvPr/>
+        </p:nvCxnSpPr>
+        <p:spPr>
+          <a:xfrm>
+            <a:off x="4054164" y="3429000"/>
+            <a:ext cx="432000" cy="0"/>
+          </a:xfrm>
+          <a:prstGeom prst="line">
+            <a:avLst/>
+          </a:prstGeom>
+        </p:spPr>
+        <p:style>
+          <a:lnRef idx="2">
+            <a:schemeClr val="accent1"/>
+          </a:lnRef>
+          <a:fillRef idx="0">
+            <a:schemeClr val="accent1"/>
+          </a:fillRef>
+          <a:effectRef idx="1">
+            <a:schemeClr val="accent1"/>
+          </a:effectRef>
+          <a:fontRef idx="minor">
+            <a:schemeClr val="tx1"/>
+          </a:fontRef>
+        </p:style>
+      </p:cxnSp>
+      <p:cxnSp>
+        <p:nvCxnSpPr>
+          <p:cNvPr id="104" name="直线连接符 103">
+            <a:extLst>
+              <a:ext uri="{FF2B5EF4-FFF2-40B4-BE49-F238E27FC236}">
+                <a16:creationId xmlns:a16="http://schemas.microsoft.com/office/drawing/2014/main" id="{39749084-07F4-FA1B-093B-201B6B5FBDA6}"/>
+              </a:ext>
+            </a:extLst>
+          </p:cNvPr>
+          <p:cNvCxnSpPr>
+            <a:cxnSpLocks/>
+          </p:cNvCxnSpPr>
+          <p:nvPr/>
+        </p:nvCxnSpPr>
+        <p:spPr>
+          <a:xfrm>
+            <a:off x="4486164" y="2889173"/>
+            <a:ext cx="441566" cy="0"/>
+          </a:xfrm>
+          <a:prstGeom prst="line">
+            <a:avLst/>
+          </a:prstGeom>
+        </p:spPr>
+        <p:style>
+          <a:lnRef idx="2">
+            <a:schemeClr val="accent1"/>
+          </a:lnRef>
+          <a:fillRef idx="0">
+            <a:schemeClr val="accent1"/>
+          </a:fillRef>
+          <a:effectRef idx="1">
+            <a:schemeClr val="accent1"/>
+          </a:effectRef>
+          <a:fontRef idx="minor">
+            <a:schemeClr val="tx1"/>
+          </a:fontRef>
+        </p:style>
+      </p:cxnSp>
+      <p:cxnSp>
+        <p:nvCxnSpPr>
+          <p:cNvPr id="105" name="直线连接符 104">
+            <a:extLst>
+              <a:ext uri="{FF2B5EF4-FFF2-40B4-BE49-F238E27FC236}">
+                <a16:creationId xmlns:a16="http://schemas.microsoft.com/office/drawing/2014/main" id="{0D1293ED-B410-E0C7-9675-A34968C700BD}"/>
+              </a:ext>
+            </a:extLst>
+          </p:cNvPr>
+          <p:cNvCxnSpPr>
+            <a:cxnSpLocks/>
+          </p:cNvCxnSpPr>
+          <p:nvPr/>
+        </p:nvCxnSpPr>
+        <p:spPr>
+          <a:xfrm>
+            <a:off x="4918164" y="3429000"/>
+            <a:ext cx="432000" cy="0"/>
+          </a:xfrm>
+          <a:prstGeom prst="line">
+            <a:avLst/>
+          </a:prstGeom>
+        </p:spPr>
+        <p:style>
+          <a:lnRef idx="2">
+            <a:schemeClr val="accent1"/>
+          </a:lnRef>
+          <a:fillRef idx="0">
+            <a:schemeClr val="accent1"/>
+          </a:fillRef>
+          <a:effectRef idx="1">
+            <a:schemeClr val="accent1"/>
+          </a:effectRef>
+          <a:fontRef idx="minor">
+            <a:schemeClr val="tx1"/>
+          </a:fontRef>
+        </p:style>
+      </p:cxnSp>
+      <p:cxnSp>
+        <p:nvCxnSpPr>
+          <p:cNvPr id="106" name="直线连接符 105">
+            <a:extLst>
+              <a:ext uri="{FF2B5EF4-FFF2-40B4-BE49-F238E27FC236}">
+                <a16:creationId xmlns:a16="http://schemas.microsoft.com/office/drawing/2014/main" id="{A8479536-12F3-D55E-CB36-58D93E733E36}"/>
+              </a:ext>
+            </a:extLst>
+          </p:cNvPr>
+          <p:cNvCxnSpPr>
+            <a:cxnSpLocks/>
+          </p:cNvCxnSpPr>
+          <p:nvPr/>
+        </p:nvCxnSpPr>
+        <p:spPr>
+          <a:xfrm>
+            <a:off x="5348964" y="2889173"/>
+            <a:ext cx="441566" cy="0"/>
+          </a:xfrm>
+          <a:prstGeom prst="line">
+            <a:avLst/>
+          </a:prstGeom>
+        </p:spPr>
+        <p:style>
+          <a:lnRef idx="2">
+            <a:schemeClr val="accent1"/>
+          </a:lnRef>
+          <a:fillRef idx="0">
+            <a:schemeClr val="accent1"/>
+          </a:fillRef>
+          <a:effectRef idx="1">
+            <a:schemeClr val="accent1"/>
+          </a:effectRef>
+          <a:fontRef idx="minor">
+            <a:schemeClr val="tx1"/>
+          </a:fontRef>
+        </p:style>
+      </p:cxnSp>
+      <p:cxnSp>
+        <p:nvCxnSpPr>
+          <p:cNvPr id="107" name="直线连接符 106">
+            <a:extLst>
+              <a:ext uri="{FF2B5EF4-FFF2-40B4-BE49-F238E27FC236}">
+                <a16:creationId xmlns:a16="http://schemas.microsoft.com/office/drawing/2014/main" id="{4FE841EC-0E49-9DBC-6054-6054CD74F6FB}"/>
+              </a:ext>
+            </a:extLst>
+          </p:cNvPr>
+          <p:cNvCxnSpPr>
+            <a:cxnSpLocks/>
+          </p:cNvCxnSpPr>
+          <p:nvPr/>
+        </p:nvCxnSpPr>
+        <p:spPr>
+          <a:xfrm>
+            <a:off x="5780964" y="3429000"/>
+            <a:ext cx="432000" cy="0"/>
+          </a:xfrm>
+          <a:prstGeom prst="line">
+            <a:avLst/>
+          </a:prstGeom>
+        </p:spPr>
+        <p:style>
+          <a:lnRef idx="2">
+            <a:schemeClr val="accent1"/>
+          </a:lnRef>
+          <a:fillRef idx="0">
+            <a:schemeClr val="accent1"/>
+          </a:fillRef>
+          <a:effectRef idx="1">
+            <a:schemeClr val="accent1"/>
+          </a:effectRef>
+          <a:fontRef idx="minor">
+            <a:schemeClr val="tx1"/>
+          </a:fontRef>
+        </p:style>
+      </p:cxnSp>
+      <p:cxnSp>
+        <p:nvCxnSpPr>
+          <p:cNvPr id="108" name="直线连接符 107">
+            <a:extLst>
+              <a:ext uri="{FF2B5EF4-FFF2-40B4-BE49-F238E27FC236}">
+                <a16:creationId xmlns:a16="http://schemas.microsoft.com/office/drawing/2014/main" id="{8DE9DD8C-29EC-8489-3CCC-0F50D1D9C174}"/>
+              </a:ext>
+            </a:extLst>
+          </p:cNvPr>
+          <p:cNvCxnSpPr>
+            <a:cxnSpLocks/>
+          </p:cNvCxnSpPr>
+          <p:nvPr/>
+        </p:nvCxnSpPr>
+        <p:spPr>
+          <a:xfrm>
+            <a:off x="6212964" y="2889173"/>
+            <a:ext cx="441566" cy="0"/>
+          </a:xfrm>
+          <a:prstGeom prst="line">
+            <a:avLst/>
+          </a:prstGeom>
+        </p:spPr>
+        <p:style>
+          <a:lnRef idx="2">
+            <a:schemeClr val="accent1"/>
+          </a:lnRef>
+          <a:fillRef idx="0">
+            <a:schemeClr val="accent1"/>
+          </a:fillRef>
+          <a:effectRef idx="1">
+            <a:schemeClr val="accent1"/>
+          </a:effectRef>
+          <a:fontRef idx="minor">
+            <a:schemeClr val="tx1"/>
+          </a:fontRef>
+        </p:style>
+      </p:cxnSp>
+      <p:cxnSp>
+        <p:nvCxnSpPr>
+          <p:cNvPr id="109" name="直线连接符 108">
+            <a:extLst>
+              <a:ext uri="{FF2B5EF4-FFF2-40B4-BE49-F238E27FC236}">
+                <a16:creationId xmlns:a16="http://schemas.microsoft.com/office/drawing/2014/main" id="{4B5842CD-9FC0-0A5E-D527-804EC29563F7}"/>
+              </a:ext>
+            </a:extLst>
+          </p:cNvPr>
+          <p:cNvCxnSpPr>
+            <a:cxnSpLocks/>
+          </p:cNvCxnSpPr>
+          <p:nvPr/>
+        </p:nvCxnSpPr>
+        <p:spPr>
+          <a:xfrm>
+            <a:off x="6644964" y="3429000"/>
+            <a:ext cx="432000" cy="0"/>
+          </a:xfrm>
+          <a:prstGeom prst="line">
+            <a:avLst/>
+          </a:prstGeom>
+        </p:spPr>
+        <p:style>
+          <a:lnRef idx="2">
+            <a:schemeClr val="accent1"/>
+          </a:lnRef>
+          <a:fillRef idx="0">
+            <a:schemeClr val="accent1"/>
+          </a:fillRef>
+          <a:effectRef idx="1">
+            <a:schemeClr val="accent1"/>
+          </a:effectRef>
+          <a:fontRef idx="minor">
+            <a:schemeClr val="tx1"/>
+          </a:fontRef>
+        </p:style>
+      </p:cxnSp>
+      <p:cxnSp>
+        <p:nvCxnSpPr>
+          <p:cNvPr id="110" name="直线连接符 109">
+            <a:extLst>
+              <a:ext uri="{FF2B5EF4-FFF2-40B4-BE49-F238E27FC236}">
+                <a16:creationId xmlns:a16="http://schemas.microsoft.com/office/drawing/2014/main" id="{F2647A25-2658-A5D2-77DC-40CAC2714A3F}"/>
+              </a:ext>
+            </a:extLst>
+          </p:cNvPr>
+          <p:cNvCxnSpPr>
+            <a:cxnSpLocks/>
+          </p:cNvCxnSpPr>
+          <p:nvPr/>
+        </p:nvCxnSpPr>
+        <p:spPr>
+          <a:xfrm>
+            <a:off x="7075659" y="2889173"/>
+            <a:ext cx="441566" cy="0"/>
+          </a:xfrm>
+          <a:prstGeom prst="line">
+            <a:avLst/>
+          </a:prstGeom>
+        </p:spPr>
+        <p:style>
+          <a:lnRef idx="2">
+            <a:schemeClr val="accent1"/>
+          </a:lnRef>
+          <a:fillRef idx="0">
+            <a:schemeClr val="accent1"/>
+          </a:fillRef>
+          <a:effectRef idx="1">
+            <a:schemeClr val="accent1"/>
+          </a:effectRef>
+          <a:fontRef idx="minor">
+            <a:schemeClr val="tx1"/>
+          </a:fontRef>
+        </p:style>
+      </p:cxnSp>
+      <p:cxnSp>
+        <p:nvCxnSpPr>
+          <p:cNvPr id="111" name="直线连接符 110">
+            <a:extLst>
+              <a:ext uri="{FF2B5EF4-FFF2-40B4-BE49-F238E27FC236}">
+                <a16:creationId xmlns:a16="http://schemas.microsoft.com/office/drawing/2014/main" id="{055754F3-C462-FBE5-3B3A-0D8D6C46EBE1}"/>
+              </a:ext>
+            </a:extLst>
+          </p:cNvPr>
+          <p:cNvCxnSpPr>
+            <a:cxnSpLocks/>
+          </p:cNvCxnSpPr>
+          <p:nvPr/>
+        </p:nvCxnSpPr>
+        <p:spPr>
+          <a:xfrm>
+            <a:off x="7507659" y="3429000"/>
+            <a:ext cx="432000" cy="0"/>
+          </a:xfrm>
+          <a:prstGeom prst="line">
+            <a:avLst/>
+          </a:prstGeom>
+        </p:spPr>
+        <p:style>
+          <a:lnRef idx="2">
+            <a:schemeClr val="accent1"/>
+          </a:lnRef>
+          <a:fillRef idx="0">
+            <a:schemeClr val="accent1"/>
+          </a:fillRef>
+          <a:effectRef idx="1">
+            <a:schemeClr val="accent1"/>
+          </a:effectRef>
+          <a:fontRef idx="minor">
+            <a:schemeClr val="tx1"/>
+          </a:fontRef>
+        </p:style>
+      </p:cxnSp>
+      <p:cxnSp>
+        <p:nvCxnSpPr>
+          <p:cNvPr id="112" name="直线连接符 111">
+            <a:extLst>
+              <a:ext uri="{FF2B5EF4-FFF2-40B4-BE49-F238E27FC236}">
+                <a16:creationId xmlns:a16="http://schemas.microsoft.com/office/drawing/2014/main" id="{6DC870CA-17C5-14E7-C730-D0CB8BB14B76}"/>
+              </a:ext>
+            </a:extLst>
+          </p:cNvPr>
+          <p:cNvCxnSpPr>
+            <a:cxnSpLocks/>
+          </p:cNvCxnSpPr>
+          <p:nvPr/>
+        </p:nvCxnSpPr>
+        <p:spPr>
+          <a:xfrm>
+            <a:off x="7940223" y="2889173"/>
+            <a:ext cx="441566" cy="0"/>
+          </a:xfrm>
+          <a:prstGeom prst="line">
+            <a:avLst/>
+          </a:prstGeom>
+        </p:spPr>
+        <p:style>
+          <a:lnRef idx="2">
+            <a:schemeClr val="accent1"/>
+          </a:lnRef>
+          <a:fillRef idx="0">
+            <a:schemeClr val="accent1"/>
+          </a:fillRef>
+          <a:effectRef idx="1">
+            <a:schemeClr val="accent1"/>
+          </a:effectRef>
+          <a:fontRef idx="minor">
+            <a:schemeClr val="tx1"/>
+          </a:fontRef>
+        </p:style>
+      </p:cxnSp>
+      <p:cxnSp>
+        <p:nvCxnSpPr>
+          <p:cNvPr id="113" name="直线连接符 112">
+            <a:extLst>
+              <a:ext uri="{FF2B5EF4-FFF2-40B4-BE49-F238E27FC236}">
+                <a16:creationId xmlns:a16="http://schemas.microsoft.com/office/drawing/2014/main" id="{B4859AA8-36A5-A735-4824-2DC75442B527}"/>
+              </a:ext>
+            </a:extLst>
+          </p:cNvPr>
+          <p:cNvCxnSpPr>
+            <a:cxnSpLocks/>
+          </p:cNvCxnSpPr>
+          <p:nvPr/>
+        </p:nvCxnSpPr>
+        <p:spPr>
+          <a:xfrm>
+            <a:off x="8814071" y="2889173"/>
+            <a:ext cx="0" cy="539827"/>
+          </a:xfrm>
+          <a:prstGeom prst="line">
+            <a:avLst/>
+          </a:prstGeom>
+        </p:spPr>
+        <p:style>
+          <a:lnRef idx="2">
+            <a:schemeClr val="accent1"/>
+          </a:lnRef>
+          <a:fillRef idx="0">
+            <a:schemeClr val="accent1"/>
+          </a:fillRef>
+          <a:effectRef idx="1">
+            <a:schemeClr val="accent1"/>
+          </a:effectRef>
+          <a:fontRef idx="minor">
+            <a:schemeClr val="tx1"/>
+          </a:fontRef>
+        </p:style>
+      </p:cxnSp>
+      <p:cxnSp>
+        <p:nvCxnSpPr>
+          <p:cNvPr id="114" name="直线连接符 113">
+            <a:extLst>
+              <a:ext uri="{FF2B5EF4-FFF2-40B4-BE49-F238E27FC236}">
+                <a16:creationId xmlns:a16="http://schemas.microsoft.com/office/drawing/2014/main" id="{2829316A-2BCE-BC68-F13B-E888D7EF055B}"/>
+              </a:ext>
+            </a:extLst>
+          </p:cNvPr>
+          <p:cNvCxnSpPr>
+            <a:cxnSpLocks/>
+          </p:cNvCxnSpPr>
+          <p:nvPr/>
+        </p:nvCxnSpPr>
+        <p:spPr>
+          <a:xfrm>
+            <a:off x="9245330" y="2889173"/>
+            <a:ext cx="0" cy="539827"/>
+          </a:xfrm>
+          <a:prstGeom prst="line">
+            <a:avLst/>
+          </a:prstGeom>
+        </p:spPr>
+        <p:style>
+          <a:lnRef idx="2">
+            <a:schemeClr val="accent1"/>
+          </a:lnRef>
+          <a:fillRef idx="0">
+            <a:schemeClr val="accent1"/>
+          </a:fillRef>
+          <a:effectRef idx="1">
+            <a:schemeClr val="accent1"/>
+          </a:effectRef>
+          <a:fontRef idx="minor">
+            <a:schemeClr val="tx1"/>
+          </a:fontRef>
+        </p:style>
+      </p:cxnSp>
+      <p:cxnSp>
+        <p:nvCxnSpPr>
+          <p:cNvPr id="115" name="直线连接符 114">
+            <a:extLst>
+              <a:ext uri="{FF2B5EF4-FFF2-40B4-BE49-F238E27FC236}">
+                <a16:creationId xmlns:a16="http://schemas.microsoft.com/office/drawing/2014/main" id="{C6A5A8F7-191B-2CF0-1803-325BA605E8BA}"/>
+              </a:ext>
+            </a:extLst>
+          </p:cNvPr>
+          <p:cNvCxnSpPr>
+            <a:cxnSpLocks/>
+          </p:cNvCxnSpPr>
+          <p:nvPr/>
+        </p:nvCxnSpPr>
+        <p:spPr>
+          <a:xfrm>
+            <a:off x="8376750" y="3429000"/>
+            <a:ext cx="432000" cy="0"/>
+          </a:xfrm>
+          <a:prstGeom prst="line">
+            <a:avLst/>
+          </a:prstGeom>
+        </p:spPr>
+        <p:style>
+          <a:lnRef idx="2">
+            <a:schemeClr val="accent1"/>
+          </a:lnRef>
+          <a:fillRef idx="0">
+            <a:schemeClr val="accent1"/>
+          </a:fillRef>
+          <a:effectRef idx="1">
+            <a:schemeClr val="accent1"/>
+          </a:effectRef>
+          <a:fontRef idx="minor">
+            <a:schemeClr val="tx1"/>
+          </a:fontRef>
+        </p:style>
+      </p:cxnSp>
+      <p:cxnSp>
+        <p:nvCxnSpPr>
+          <p:cNvPr id="116" name="直线连接符 115">
+            <a:extLst>
+              <a:ext uri="{FF2B5EF4-FFF2-40B4-BE49-F238E27FC236}">
+                <a16:creationId xmlns:a16="http://schemas.microsoft.com/office/drawing/2014/main" id="{BB4F9FF2-DFFA-0F1B-72AB-B57BB7B81AE4}"/>
+              </a:ext>
+            </a:extLst>
+          </p:cNvPr>
+          <p:cNvCxnSpPr>
+            <a:cxnSpLocks/>
+          </p:cNvCxnSpPr>
+          <p:nvPr/>
+        </p:nvCxnSpPr>
+        <p:spPr>
+          <a:xfrm>
+            <a:off x="8809314" y="2889173"/>
+            <a:ext cx="441566" cy="0"/>
+          </a:xfrm>
+          <a:prstGeom prst="line">
+            <a:avLst/>
+          </a:prstGeom>
+        </p:spPr>
+        <p:style>
+          <a:lnRef idx="2">
+            <a:schemeClr val="accent1"/>
+          </a:lnRef>
+          <a:fillRef idx="0">
+            <a:schemeClr val="accent1"/>
+          </a:fillRef>
+          <a:effectRef idx="1">
+            <a:schemeClr val="accent1"/>
+          </a:effectRef>
+          <a:fontRef idx="minor">
+            <a:schemeClr val="tx1"/>
+          </a:fontRef>
+        </p:style>
+      </p:cxnSp>
+      <p:sp>
+        <p:nvSpPr>
+          <p:cNvPr id="117" name="TextBox 42">
+            <a:extLst>
+              <a:ext uri="{FF2B5EF4-FFF2-40B4-BE49-F238E27FC236}">
+                <a16:creationId xmlns:a16="http://schemas.microsoft.com/office/drawing/2014/main" id="{A52586C8-D0A2-95C8-70E1-668DEE6E5ADF}"/>
+              </a:ext>
+            </a:extLst>
+          </p:cNvPr>
+          <p:cNvSpPr txBox="1"/>
+          <p:nvPr/>
+        </p:nvSpPr>
+        <p:spPr>
+          <a:xfrm>
+            <a:off x="2756757" y="2973895"/>
+            <a:ext cx="721672" cy="369332"/>
+          </a:xfrm>
+          <a:prstGeom prst="rect">
+            <a:avLst/>
+          </a:prstGeom>
+          <a:noFill/>
+        </p:spPr>
+        <p:txBody>
+          <a:bodyPr wrap="none" rtlCol="0">
+            <a:spAutoFit/>
+          </a:bodyPr>
+          <a:lstStyle/>
+          <a:p>
+            <a:r>
+              <a:rPr lang="en-US" dirty="0"/>
+              <a:t>DCLK</a:t>
+            </a:r>
+          </a:p>
+        </p:txBody>
+      </p:sp>
+      <p:cxnSp>
+        <p:nvCxnSpPr>
+          <p:cNvPr id="119" name="直线连接符 118">
+            <a:extLst>
+              <a:ext uri="{FF2B5EF4-FFF2-40B4-BE49-F238E27FC236}">
+                <a16:creationId xmlns:a16="http://schemas.microsoft.com/office/drawing/2014/main" id="{0962041B-3DCD-4EAE-4E07-733E21BC5B32}"/>
+              </a:ext>
+            </a:extLst>
+          </p:cNvPr>
+          <p:cNvCxnSpPr>
+            <a:cxnSpLocks/>
+          </p:cNvCxnSpPr>
+          <p:nvPr/>
+        </p:nvCxnSpPr>
+        <p:spPr>
+          <a:xfrm>
+            <a:off x="4058180" y="3668425"/>
+            <a:ext cx="0" cy="539827"/>
+          </a:xfrm>
+          <a:prstGeom prst="line">
+            <a:avLst/>
+          </a:prstGeom>
+        </p:spPr>
+        <p:style>
+          <a:lnRef idx="2">
+            <a:schemeClr val="accent1"/>
+          </a:lnRef>
+          <a:fillRef idx="0">
+            <a:schemeClr val="accent1"/>
+          </a:fillRef>
+          <a:effectRef idx="1">
+            <a:schemeClr val="accent1"/>
+          </a:effectRef>
+          <a:fontRef idx="minor">
+            <a:schemeClr val="tx1"/>
+          </a:fontRef>
+        </p:style>
+      </p:cxnSp>
+      <p:cxnSp>
+        <p:nvCxnSpPr>
+          <p:cNvPr id="121" name="直线连接符 120">
+            <a:extLst>
+              <a:ext uri="{FF2B5EF4-FFF2-40B4-BE49-F238E27FC236}">
+                <a16:creationId xmlns:a16="http://schemas.microsoft.com/office/drawing/2014/main" id="{E76ED708-A865-136D-E8D7-25A49642451C}"/>
+              </a:ext>
+            </a:extLst>
+          </p:cNvPr>
+          <p:cNvCxnSpPr>
+            <a:cxnSpLocks/>
+          </p:cNvCxnSpPr>
+          <p:nvPr/>
+        </p:nvCxnSpPr>
+        <p:spPr>
+          <a:xfrm>
+            <a:off x="4920875" y="3668425"/>
+            <a:ext cx="0" cy="539827"/>
+          </a:xfrm>
+          <a:prstGeom prst="line">
+            <a:avLst/>
+          </a:prstGeom>
+        </p:spPr>
+        <p:style>
+          <a:lnRef idx="2">
+            <a:schemeClr val="accent1"/>
+          </a:lnRef>
+          <a:fillRef idx="0">
+            <a:schemeClr val="accent1"/>
+          </a:fillRef>
+          <a:effectRef idx="1">
+            <a:schemeClr val="accent1"/>
+          </a:effectRef>
+          <a:fontRef idx="minor">
+            <a:schemeClr val="tx1"/>
+          </a:fontRef>
+        </p:style>
+      </p:cxnSp>
+      <p:cxnSp>
+        <p:nvCxnSpPr>
+          <p:cNvPr id="123" name="直线连接符 122">
+            <a:extLst>
+              <a:ext uri="{FF2B5EF4-FFF2-40B4-BE49-F238E27FC236}">
+                <a16:creationId xmlns:a16="http://schemas.microsoft.com/office/drawing/2014/main" id="{694D906A-D4CE-851F-0127-A63738BB02C5}"/>
+              </a:ext>
+            </a:extLst>
+          </p:cNvPr>
+          <p:cNvCxnSpPr>
+            <a:cxnSpLocks/>
+          </p:cNvCxnSpPr>
+          <p:nvPr/>
+        </p:nvCxnSpPr>
+        <p:spPr>
+          <a:xfrm>
+            <a:off x="5785439" y="3668425"/>
+            <a:ext cx="0" cy="539827"/>
+          </a:xfrm>
+          <a:prstGeom prst="line">
+            <a:avLst/>
+          </a:prstGeom>
+        </p:spPr>
+        <p:style>
+          <a:lnRef idx="2">
+            <a:schemeClr val="accent1"/>
+          </a:lnRef>
+          <a:fillRef idx="0">
+            <a:schemeClr val="accent1"/>
+          </a:fillRef>
+          <a:effectRef idx="1">
+            <a:schemeClr val="accent1"/>
+          </a:effectRef>
+          <a:fontRef idx="minor">
+            <a:schemeClr val="tx1"/>
+          </a:fontRef>
+        </p:style>
+      </p:cxnSp>
+      <p:cxnSp>
+        <p:nvCxnSpPr>
+          <p:cNvPr id="125" name="直线连接符 124">
+            <a:extLst>
+              <a:ext uri="{FF2B5EF4-FFF2-40B4-BE49-F238E27FC236}">
+                <a16:creationId xmlns:a16="http://schemas.microsoft.com/office/drawing/2014/main" id="{1C71FC4E-833D-453F-9CBE-929EE42251CE}"/>
+              </a:ext>
+            </a:extLst>
+          </p:cNvPr>
+          <p:cNvCxnSpPr>
+            <a:cxnSpLocks/>
+          </p:cNvCxnSpPr>
+          <p:nvPr/>
+        </p:nvCxnSpPr>
+        <p:spPr>
+          <a:xfrm>
+            <a:off x="6648980" y="3668425"/>
+            <a:ext cx="0" cy="539827"/>
+          </a:xfrm>
+          <a:prstGeom prst="line">
+            <a:avLst/>
+          </a:prstGeom>
+        </p:spPr>
+        <p:style>
+          <a:lnRef idx="2">
+            <a:schemeClr val="accent1"/>
+          </a:lnRef>
+          <a:fillRef idx="0">
+            <a:schemeClr val="accent1"/>
+          </a:fillRef>
+          <a:effectRef idx="1">
+            <a:schemeClr val="accent1"/>
+          </a:effectRef>
+          <a:fontRef idx="minor">
+            <a:schemeClr val="tx1"/>
+          </a:fontRef>
+        </p:style>
+      </p:cxnSp>
+      <p:cxnSp>
+        <p:nvCxnSpPr>
+          <p:cNvPr id="127" name="直线连接符 126">
+            <a:extLst>
+              <a:ext uri="{FF2B5EF4-FFF2-40B4-BE49-F238E27FC236}">
+                <a16:creationId xmlns:a16="http://schemas.microsoft.com/office/drawing/2014/main" id="{ECD64D7E-7607-76CE-B6B1-9E0B271B5ECB}"/>
+              </a:ext>
+            </a:extLst>
+          </p:cNvPr>
+          <p:cNvCxnSpPr>
+            <a:cxnSpLocks/>
+          </p:cNvCxnSpPr>
+          <p:nvPr/>
+        </p:nvCxnSpPr>
+        <p:spPr>
+          <a:xfrm>
+            <a:off x="7511675" y="3668425"/>
+            <a:ext cx="0" cy="539827"/>
+          </a:xfrm>
+          <a:prstGeom prst="line">
+            <a:avLst/>
+          </a:prstGeom>
+        </p:spPr>
+        <p:style>
+          <a:lnRef idx="2">
+            <a:schemeClr val="accent1"/>
+          </a:lnRef>
+          <a:fillRef idx="0">
+            <a:schemeClr val="accent1"/>
+          </a:fillRef>
+          <a:effectRef idx="1">
+            <a:schemeClr val="accent1"/>
+          </a:effectRef>
+          <a:fontRef idx="minor">
+            <a:schemeClr val="tx1"/>
+          </a:fontRef>
+        </p:style>
+      </p:cxnSp>
+      <p:cxnSp>
+        <p:nvCxnSpPr>
+          <p:cNvPr id="129" name="直线连接符 128">
+            <a:extLst>
+              <a:ext uri="{FF2B5EF4-FFF2-40B4-BE49-F238E27FC236}">
+                <a16:creationId xmlns:a16="http://schemas.microsoft.com/office/drawing/2014/main" id="{6C2278E3-23D6-060D-0DE9-1CBF32787E5D}"/>
+              </a:ext>
+            </a:extLst>
+          </p:cNvPr>
+          <p:cNvCxnSpPr>
+            <a:cxnSpLocks/>
+          </p:cNvCxnSpPr>
+          <p:nvPr/>
+        </p:nvCxnSpPr>
+        <p:spPr>
+          <a:xfrm>
+            <a:off x="8376239" y="3668425"/>
+            <a:ext cx="0" cy="539827"/>
+          </a:xfrm>
+          <a:prstGeom prst="line">
+            <a:avLst/>
+          </a:prstGeom>
+        </p:spPr>
+        <p:style>
+          <a:lnRef idx="2">
+            <a:schemeClr val="accent1"/>
+          </a:lnRef>
+          <a:fillRef idx="0">
+            <a:schemeClr val="accent1"/>
+          </a:fillRef>
+          <a:effectRef idx="1">
+            <a:schemeClr val="accent1"/>
+          </a:effectRef>
+          <a:fontRef idx="minor">
+            <a:schemeClr val="tx1"/>
+          </a:fontRef>
+        </p:style>
+      </p:cxnSp>
+      <p:cxnSp>
+        <p:nvCxnSpPr>
+          <p:cNvPr id="130" name="直线连接符 129">
+            <a:extLst>
+              <a:ext uri="{FF2B5EF4-FFF2-40B4-BE49-F238E27FC236}">
+                <a16:creationId xmlns:a16="http://schemas.microsoft.com/office/drawing/2014/main" id="{A9AB1186-F80A-932C-94F8-9B34F031CA68}"/>
+              </a:ext>
+            </a:extLst>
+          </p:cNvPr>
+          <p:cNvCxnSpPr>
+            <a:cxnSpLocks/>
+          </p:cNvCxnSpPr>
+          <p:nvPr/>
+        </p:nvCxnSpPr>
+        <p:spPr>
+          <a:xfrm>
+            <a:off x="3626645" y="4207575"/>
+            <a:ext cx="441566" cy="0"/>
+          </a:xfrm>
+          <a:prstGeom prst="line">
+            <a:avLst/>
+          </a:prstGeom>
+        </p:spPr>
+        <p:style>
+          <a:lnRef idx="2">
+            <a:schemeClr val="accent1"/>
+          </a:lnRef>
+          <a:fillRef idx="0">
+            <a:schemeClr val="accent1"/>
+          </a:fillRef>
+          <a:effectRef idx="1">
+            <a:schemeClr val="accent1"/>
+          </a:effectRef>
+          <a:fontRef idx="minor">
+            <a:schemeClr val="tx1"/>
+          </a:fontRef>
+        </p:style>
+      </p:cxnSp>
+      <p:cxnSp>
+        <p:nvCxnSpPr>
+          <p:cNvPr id="132" name="直线连接符 131">
+            <a:extLst>
+              <a:ext uri="{FF2B5EF4-FFF2-40B4-BE49-F238E27FC236}">
+                <a16:creationId xmlns:a16="http://schemas.microsoft.com/office/drawing/2014/main" id="{18B80CE1-4754-E4EC-17D1-3F731BED2836}"/>
+              </a:ext>
+            </a:extLst>
+          </p:cNvPr>
+          <p:cNvCxnSpPr>
+            <a:cxnSpLocks/>
+          </p:cNvCxnSpPr>
+          <p:nvPr/>
+        </p:nvCxnSpPr>
+        <p:spPr>
+          <a:xfrm>
+            <a:off x="4054164" y="3668425"/>
+            <a:ext cx="873566" cy="0"/>
+          </a:xfrm>
+          <a:prstGeom prst="line">
+            <a:avLst/>
+          </a:prstGeom>
+        </p:spPr>
+        <p:style>
+          <a:lnRef idx="2">
+            <a:schemeClr val="accent1"/>
+          </a:lnRef>
+          <a:fillRef idx="0">
+            <a:schemeClr val="accent1"/>
+          </a:fillRef>
+          <a:effectRef idx="1">
+            <a:schemeClr val="accent1"/>
+          </a:effectRef>
+          <a:fontRef idx="minor">
+            <a:schemeClr val="tx1"/>
+          </a:fontRef>
+        </p:style>
+      </p:cxnSp>
+      <p:cxnSp>
+        <p:nvCxnSpPr>
+          <p:cNvPr id="133" name="直线连接符 132">
+            <a:extLst>
+              <a:ext uri="{FF2B5EF4-FFF2-40B4-BE49-F238E27FC236}">
+                <a16:creationId xmlns:a16="http://schemas.microsoft.com/office/drawing/2014/main" id="{8CB472DC-568A-16AA-10FD-05645D44D8C3}"/>
+              </a:ext>
+            </a:extLst>
+          </p:cNvPr>
+          <p:cNvCxnSpPr>
+            <a:cxnSpLocks/>
+          </p:cNvCxnSpPr>
+          <p:nvPr/>
+        </p:nvCxnSpPr>
+        <p:spPr>
+          <a:xfrm>
+            <a:off x="4918164" y="4208252"/>
+            <a:ext cx="432000" cy="0"/>
+          </a:xfrm>
+          <a:prstGeom prst="line">
+            <a:avLst/>
+          </a:prstGeom>
+        </p:spPr>
+        <p:style>
+          <a:lnRef idx="2">
+            <a:schemeClr val="accent1"/>
+          </a:lnRef>
+          <a:fillRef idx="0">
+            <a:schemeClr val="accent1"/>
+          </a:fillRef>
+          <a:effectRef idx="1">
+            <a:schemeClr val="accent1"/>
+          </a:effectRef>
+          <a:fontRef idx="minor">
+            <a:schemeClr val="tx1"/>
+          </a:fontRef>
+        </p:style>
+      </p:cxnSp>
+      <p:cxnSp>
+        <p:nvCxnSpPr>
+          <p:cNvPr id="134" name="直线连接符 133">
+            <a:extLst>
+              <a:ext uri="{FF2B5EF4-FFF2-40B4-BE49-F238E27FC236}">
+                <a16:creationId xmlns:a16="http://schemas.microsoft.com/office/drawing/2014/main" id="{7D09FCEC-98B6-E8A1-3362-2E4067CB32C0}"/>
+              </a:ext>
+            </a:extLst>
+          </p:cNvPr>
+          <p:cNvCxnSpPr>
+            <a:cxnSpLocks/>
+          </p:cNvCxnSpPr>
+          <p:nvPr/>
+        </p:nvCxnSpPr>
+        <p:spPr>
+          <a:xfrm>
+            <a:off x="5339398" y="4207575"/>
+            <a:ext cx="441566" cy="0"/>
+          </a:xfrm>
+          <a:prstGeom prst="line">
+            <a:avLst/>
+          </a:prstGeom>
+        </p:spPr>
+        <p:style>
+          <a:lnRef idx="2">
+            <a:schemeClr val="accent1"/>
+          </a:lnRef>
+          <a:fillRef idx="0">
+            <a:schemeClr val="accent1"/>
+          </a:fillRef>
+          <a:effectRef idx="1">
+            <a:schemeClr val="accent1"/>
+          </a:effectRef>
+          <a:fontRef idx="minor">
+            <a:schemeClr val="tx1"/>
+          </a:fontRef>
+        </p:style>
+      </p:cxnSp>
+      <p:cxnSp>
+        <p:nvCxnSpPr>
+          <p:cNvPr id="135" name="直线连接符 134">
+            <a:extLst>
+              <a:ext uri="{FF2B5EF4-FFF2-40B4-BE49-F238E27FC236}">
+                <a16:creationId xmlns:a16="http://schemas.microsoft.com/office/drawing/2014/main" id="{290C9409-3852-9ED3-56AF-96CD76B8EB31}"/>
+              </a:ext>
+            </a:extLst>
+          </p:cNvPr>
+          <p:cNvCxnSpPr>
+            <a:cxnSpLocks/>
+          </p:cNvCxnSpPr>
+          <p:nvPr/>
+        </p:nvCxnSpPr>
+        <p:spPr>
+          <a:xfrm>
+            <a:off x="5790530" y="3668425"/>
+            <a:ext cx="432000" cy="0"/>
+          </a:xfrm>
+          <a:prstGeom prst="line">
+            <a:avLst/>
+          </a:prstGeom>
+        </p:spPr>
+        <p:style>
+          <a:lnRef idx="2">
+            <a:schemeClr val="accent1"/>
+          </a:lnRef>
+          <a:fillRef idx="0">
+            <a:schemeClr val="accent1"/>
+          </a:fillRef>
+          <a:effectRef idx="1">
+            <a:schemeClr val="accent1"/>
+          </a:effectRef>
+          <a:fontRef idx="minor">
+            <a:schemeClr val="tx1"/>
+          </a:fontRef>
+        </p:style>
+      </p:cxnSp>
+      <p:cxnSp>
+        <p:nvCxnSpPr>
+          <p:cNvPr id="136" name="直线连接符 135">
+            <a:extLst>
+              <a:ext uri="{FF2B5EF4-FFF2-40B4-BE49-F238E27FC236}">
+                <a16:creationId xmlns:a16="http://schemas.microsoft.com/office/drawing/2014/main" id="{C63AAD12-E376-76AB-B0AC-AF7A83800168}"/>
+              </a:ext>
+            </a:extLst>
+          </p:cNvPr>
+          <p:cNvCxnSpPr>
+            <a:cxnSpLocks/>
+          </p:cNvCxnSpPr>
+          <p:nvPr/>
+        </p:nvCxnSpPr>
+        <p:spPr>
+          <a:xfrm>
+            <a:off x="6212964" y="3668425"/>
+            <a:ext cx="441566" cy="0"/>
+          </a:xfrm>
+          <a:prstGeom prst="line">
+            <a:avLst/>
+          </a:prstGeom>
+        </p:spPr>
+        <p:style>
+          <a:lnRef idx="2">
+            <a:schemeClr val="accent1"/>
+          </a:lnRef>
+          <a:fillRef idx="0">
+            <a:schemeClr val="accent1"/>
+          </a:fillRef>
+          <a:effectRef idx="1">
+            <a:schemeClr val="accent1"/>
+          </a:effectRef>
+          <a:fontRef idx="minor">
+            <a:schemeClr val="tx1"/>
+          </a:fontRef>
+        </p:style>
+      </p:cxnSp>
+      <p:cxnSp>
+        <p:nvCxnSpPr>
+          <p:cNvPr id="137" name="直线连接符 136">
+            <a:extLst>
+              <a:ext uri="{FF2B5EF4-FFF2-40B4-BE49-F238E27FC236}">
+                <a16:creationId xmlns:a16="http://schemas.microsoft.com/office/drawing/2014/main" id="{689118EA-2659-7246-4DF7-15A685B5054B}"/>
+              </a:ext>
+            </a:extLst>
+          </p:cNvPr>
+          <p:cNvCxnSpPr>
+            <a:cxnSpLocks/>
+          </p:cNvCxnSpPr>
+          <p:nvPr/>
+        </p:nvCxnSpPr>
+        <p:spPr>
+          <a:xfrm flipV="1">
+            <a:off x="6644964" y="4207575"/>
+            <a:ext cx="872261" cy="677"/>
+          </a:xfrm>
+          <a:prstGeom prst="line">
+            <a:avLst/>
+          </a:prstGeom>
+        </p:spPr>
+        <p:style>
+          <a:lnRef idx="2">
+            <a:schemeClr val="accent1"/>
+          </a:lnRef>
+          <a:fillRef idx="0">
+            <a:schemeClr val="accent1"/>
+          </a:fillRef>
+          <a:effectRef idx="1">
+            <a:schemeClr val="accent1"/>
+          </a:effectRef>
+          <a:fontRef idx="minor">
+            <a:schemeClr val="tx1"/>
+          </a:fontRef>
+        </p:style>
+      </p:cxnSp>
+      <p:cxnSp>
+        <p:nvCxnSpPr>
+          <p:cNvPr id="139" name="直线连接符 138">
+            <a:extLst>
+              <a:ext uri="{FF2B5EF4-FFF2-40B4-BE49-F238E27FC236}">
+                <a16:creationId xmlns:a16="http://schemas.microsoft.com/office/drawing/2014/main" id="{C8625529-AB4A-7F2A-9E36-E0F8203C8D04}"/>
+              </a:ext>
+            </a:extLst>
+          </p:cNvPr>
+          <p:cNvCxnSpPr>
+            <a:cxnSpLocks/>
+          </p:cNvCxnSpPr>
+          <p:nvPr/>
+        </p:nvCxnSpPr>
+        <p:spPr>
+          <a:xfrm>
+            <a:off x="7507659" y="3668425"/>
+            <a:ext cx="432000" cy="0"/>
+          </a:xfrm>
+          <a:prstGeom prst="line">
+            <a:avLst/>
+          </a:prstGeom>
+        </p:spPr>
+        <p:style>
+          <a:lnRef idx="2">
+            <a:schemeClr val="accent1"/>
+          </a:lnRef>
+          <a:fillRef idx="0">
+            <a:schemeClr val="accent1"/>
+          </a:fillRef>
+          <a:effectRef idx="1">
+            <a:schemeClr val="accent1"/>
+          </a:effectRef>
+          <a:fontRef idx="minor">
+            <a:schemeClr val="tx1"/>
+          </a:fontRef>
+        </p:style>
+      </p:cxnSp>
+      <p:cxnSp>
+        <p:nvCxnSpPr>
+          <p:cNvPr id="140" name="直线连接符 139">
+            <a:extLst>
+              <a:ext uri="{FF2B5EF4-FFF2-40B4-BE49-F238E27FC236}">
+                <a16:creationId xmlns:a16="http://schemas.microsoft.com/office/drawing/2014/main" id="{00222A67-1366-18A9-5410-15F6EEBF2151}"/>
+              </a:ext>
+            </a:extLst>
+          </p:cNvPr>
+          <p:cNvCxnSpPr>
+            <a:cxnSpLocks/>
+          </p:cNvCxnSpPr>
+          <p:nvPr/>
+        </p:nvCxnSpPr>
+        <p:spPr>
+          <a:xfrm>
+            <a:off x="7940223" y="3668425"/>
+            <a:ext cx="441566" cy="0"/>
+          </a:xfrm>
+          <a:prstGeom prst="line">
+            <a:avLst/>
+          </a:prstGeom>
+        </p:spPr>
+        <p:style>
+          <a:lnRef idx="2">
+            <a:schemeClr val="accent1"/>
+          </a:lnRef>
+          <a:fillRef idx="0">
+            <a:schemeClr val="accent1"/>
+          </a:fillRef>
+          <a:effectRef idx="1">
+            <a:schemeClr val="accent1"/>
+          </a:effectRef>
+          <a:fontRef idx="minor">
+            <a:schemeClr val="tx1"/>
+          </a:fontRef>
+        </p:style>
+      </p:cxnSp>
+      <p:cxnSp>
+        <p:nvCxnSpPr>
+          <p:cNvPr id="142" name="直线连接符 141">
+            <a:extLst>
+              <a:ext uri="{FF2B5EF4-FFF2-40B4-BE49-F238E27FC236}">
+                <a16:creationId xmlns:a16="http://schemas.microsoft.com/office/drawing/2014/main" id="{206C9C18-3B33-ADE4-C383-35F9B30A1B8C}"/>
+              </a:ext>
+            </a:extLst>
+          </p:cNvPr>
+          <p:cNvCxnSpPr>
+            <a:cxnSpLocks/>
+          </p:cNvCxnSpPr>
+          <p:nvPr/>
+        </p:nvCxnSpPr>
+        <p:spPr>
+          <a:xfrm>
+            <a:off x="9245330" y="3668425"/>
+            <a:ext cx="0" cy="539827"/>
+          </a:xfrm>
+          <a:prstGeom prst="line">
+            <a:avLst/>
+          </a:prstGeom>
+        </p:spPr>
+        <p:style>
+          <a:lnRef idx="2">
+            <a:schemeClr val="accent1"/>
+          </a:lnRef>
+          <a:fillRef idx="0">
+            <a:schemeClr val="accent1"/>
+          </a:fillRef>
+          <a:effectRef idx="1">
+            <a:schemeClr val="accent1"/>
+          </a:effectRef>
+          <a:fontRef idx="minor">
+            <a:schemeClr val="tx1"/>
+          </a:fontRef>
+        </p:style>
+      </p:cxnSp>
+      <p:cxnSp>
+        <p:nvCxnSpPr>
+          <p:cNvPr id="143" name="直线连接符 142">
+            <a:extLst>
+              <a:ext uri="{FF2B5EF4-FFF2-40B4-BE49-F238E27FC236}">
+                <a16:creationId xmlns:a16="http://schemas.microsoft.com/office/drawing/2014/main" id="{4E458FF2-66DC-37D5-ADFF-36AE1576E861}"/>
+              </a:ext>
+            </a:extLst>
+          </p:cNvPr>
+          <p:cNvCxnSpPr>
+            <a:cxnSpLocks/>
+          </p:cNvCxnSpPr>
+          <p:nvPr/>
+        </p:nvCxnSpPr>
+        <p:spPr>
+          <a:xfrm>
+            <a:off x="8376750" y="4208252"/>
+            <a:ext cx="868580" cy="0"/>
+          </a:xfrm>
+          <a:prstGeom prst="line">
+            <a:avLst/>
+          </a:prstGeom>
+        </p:spPr>
+        <p:style>
+          <a:lnRef idx="2">
+            <a:schemeClr val="accent1"/>
+          </a:lnRef>
+          <a:fillRef idx="0">
+            <a:schemeClr val="accent1"/>
+          </a:fillRef>
+          <a:effectRef idx="1">
+            <a:schemeClr val="accent1"/>
+          </a:effectRef>
+          <a:fontRef idx="minor">
+            <a:schemeClr val="tx1"/>
+          </a:fontRef>
+        </p:style>
+      </p:cxnSp>
+      <p:cxnSp>
+        <p:nvCxnSpPr>
+          <p:cNvPr id="147" name="直线连接符 146">
+            <a:extLst>
+              <a:ext uri="{FF2B5EF4-FFF2-40B4-BE49-F238E27FC236}">
+                <a16:creationId xmlns:a16="http://schemas.microsoft.com/office/drawing/2014/main" id="{9F1A7255-724E-5192-230E-5653B5CD6502}"/>
+              </a:ext>
+            </a:extLst>
+          </p:cNvPr>
+          <p:cNvCxnSpPr>
+            <a:cxnSpLocks/>
+          </p:cNvCxnSpPr>
+          <p:nvPr/>
+        </p:nvCxnSpPr>
+        <p:spPr>
+          <a:xfrm>
+            <a:off x="4499746" y="4456305"/>
+            <a:ext cx="0" cy="539827"/>
+          </a:xfrm>
+          <a:prstGeom prst="line">
+            <a:avLst/>
+          </a:prstGeom>
+        </p:spPr>
+        <p:style>
+          <a:lnRef idx="2">
+            <a:schemeClr val="accent1"/>
+          </a:lnRef>
+          <a:fillRef idx="0">
+            <a:schemeClr val="accent1"/>
+          </a:fillRef>
+          <a:effectRef idx="1">
+            <a:schemeClr val="accent1"/>
+          </a:effectRef>
+          <a:fontRef idx="minor">
+            <a:schemeClr val="tx1"/>
+          </a:fontRef>
+        </p:style>
+      </p:cxnSp>
+      <p:cxnSp>
+        <p:nvCxnSpPr>
+          <p:cNvPr id="148" name="直线连接符 147">
+            <a:extLst>
+              <a:ext uri="{FF2B5EF4-FFF2-40B4-BE49-F238E27FC236}">
+                <a16:creationId xmlns:a16="http://schemas.microsoft.com/office/drawing/2014/main" id="{A8D5DA05-0BB6-DA8E-F55D-905523AAA909}"/>
+              </a:ext>
+            </a:extLst>
+          </p:cNvPr>
+          <p:cNvCxnSpPr>
+            <a:cxnSpLocks/>
+          </p:cNvCxnSpPr>
+          <p:nvPr/>
+        </p:nvCxnSpPr>
+        <p:spPr>
+          <a:xfrm>
+            <a:off x="4930441" y="4456305"/>
+            <a:ext cx="0" cy="539827"/>
+          </a:xfrm>
+          <a:prstGeom prst="line">
+            <a:avLst/>
+          </a:prstGeom>
+        </p:spPr>
+        <p:style>
+          <a:lnRef idx="2">
+            <a:schemeClr val="accent1"/>
+          </a:lnRef>
+          <a:fillRef idx="0">
+            <a:schemeClr val="accent1"/>
+          </a:fillRef>
+          <a:effectRef idx="1">
+            <a:schemeClr val="accent1"/>
+          </a:effectRef>
+          <a:fontRef idx="minor">
+            <a:schemeClr val="tx1"/>
+          </a:fontRef>
+        </p:style>
+      </p:cxnSp>
+      <p:cxnSp>
+        <p:nvCxnSpPr>
+          <p:cNvPr id="151" name="直线连接符 150">
+            <a:extLst>
+              <a:ext uri="{FF2B5EF4-FFF2-40B4-BE49-F238E27FC236}">
+                <a16:creationId xmlns:a16="http://schemas.microsoft.com/office/drawing/2014/main" id="{81BD65E6-A2C3-262D-8BDE-EBB90A410228}"/>
+              </a:ext>
+            </a:extLst>
+          </p:cNvPr>
+          <p:cNvCxnSpPr>
+            <a:cxnSpLocks/>
+          </p:cNvCxnSpPr>
+          <p:nvPr/>
+        </p:nvCxnSpPr>
+        <p:spPr>
+          <a:xfrm>
+            <a:off x="6226546" y="4456305"/>
+            <a:ext cx="0" cy="539827"/>
+          </a:xfrm>
+          <a:prstGeom prst="line">
+            <a:avLst/>
+          </a:prstGeom>
+        </p:spPr>
+        <p:style>
+          <a:lnRef idx="2">
+            <a:schemeClr val="accent1"/>
+          </a:lnRef>
+          <a:fillRef idx="0">
+            <a:schemeClr val="accent1"/>
+          </a:fillRef>
+          <a:effectRef idx="1">
+            <a:schemeClr val="accent1"/>
+          </a:effectRef>
+          <a:fontRef idx="minor">
+            <a:schemeClr val="tx1"/>
+          </a:fontRef>
+        </p:style>
+      </p:cxnSp>
+      <p:cxnSp>
+        <p:nvCxnSpPr>
+          <p:cNvPr id="152" name="直线连接符 151">
+            <a:extLst>
+              <a:ext uri="{FF2B5EF4-FFF2-40B4-BE49-F238E27FC236}">
+                <a16:creationId xmlns:a16="http://schemas.microsoft.com/office/drawing/2014/main" id="{5639E4ED-796D-6A96-A5CF-0238DF245C2B}"/>
+              </a:ext>
+            </a:extLst>
+          </p:cNvPr>
+          <p:cNvCxnSpPr>
+            <a:cxnSpLocks/>
+          </p:cNvCxnSpPr>
+          <p:nvPr/>
+        </p:nvCxnSpPr>
+        <p:spPr>
+          <a:xfrm>
+            <a:off x="6658546" y="4456305"/>
+            <a:ext cx="0" cy="539827"/>
+          </a:xfrm>
+          <a:prstGeom prst="line">
+            <a:avLst/>
+          </a:prstGeom>
+        </p:spPr>
+        <p:style>
+          <a:lnRef idx="2">
+            <a:schemeClr val="accent1"/>
+          </a:lnRef>
+          <a:fillRef idx="0">
+            <a:schemeClr val="accent1"/>
+          </a:fillRef>
+          <a:effectRef idx="1">
+            <a:schemeClr val="accent1"/>
+          </a:effectRef>
+          <a:fontRef idx="minor">
+            <a:schemeClr val="tx1"/>
+          </a:fontRef>
+        </p:style>
+      </p:cxnSp>
+      <p:cxnSp>
+        <p:nvCxnSpPr>
+          <p:cNvPr id="155" name="直线连接符 154">
+            <a:extLst>
+              <a:ext uri="{FF2B5EF4-FFF2-40B4-BE49-F238E27FC236}">
+                <a16:creationId xmlns:a16="http://schemas.microsoft.com/office/drawing/2014/main" id="{1E0283BC-B85C-74B4-EA95-29568627CB49}"/>
+              </a:ext>
+            </a:extLst>
+          </p:cNvPr>
+          <p:cNvCxnSpPr>
+            <a:cxnSpLocks/>
+          </p:cNvCxnSpPr>
+          <p:nvPr/>
+        </p:nvCxnSpPr>
+        <p:spPr>
+          <a:xfrm>
+            <a:off x="7954546" y="4456305"/>
+            <a:ext cx="0" cy="539827"/>
+          </a:xfrm>
+          <a:prstGeom prst="line">
+            <a:avLst/>
+          </a:prstGeom>
+        </p:spPr>
+        <p:style>
+          <a:lnRef idx="2">
+            <a:schemeClr val="accent1"/>
+          </a:lnRef>
+          <a:fillRef idx="0">
+            <a:schemeClr val="accent1"/>
+          </a:fillRef>
+          <a:effectRef idx="1">
+            <a:schemeClr val="accent1"/>
+          </a:effectRef>
+          <a:fontRef idx="minor">
+            <a:schemeClr val="tx1"/>
+          </a:fontRef>
+        </p:style>
+      </p:cxnSp>
+      <p:cxnSp>
+        <p:nvCxnSpPr>
+          <p:cNvPr id="156" name="直线连接符 155">
+            <a:extLst>
+              <a:ext uri="{FF2B5EF4-FFF2-40B4-BE49-F238E27FC236}">
+                <a16:creationId xmlns:a16="http://schemas.microsoft.com/office/drawing/2014/main" id="{6E58FEB1-7B6D-91D3-2E18-D74AF4BCA5D4}"/>
+              </a:ext>
+            </a:extLst>
+          </p:cNvPr>
+          <p:cNvCxnSpPr>
+            <a:cxnSpLocks/>
+          </p:cNvCxnSpPr>
+          <p:nvPr/>
+        </p:nvCxnSpPr>
+        <p:spPr>
+          <a:xfrm>
+            <a:off x="8385805" y="4456305"/>
+            <a:ext cx="0" cy="539827"/>
+          </a:xfrm>
+          <a:prstGeom prst="line">
+            <a:avLst/>
+          </a:prstGeom>
+        </p:spPr>
+        <p:style>
+          <a:lnRef idx="2">
+            <a:schemeClr val="accent1"/>
+          </a:lnRef>
+          <a:fillRef idx="0">
+            <a:schemeClr val="accent1"/>
+          </a:fillRef>
+          <a:effectRef idx="1">
+            <a:schemeClr val="accent1"/>
+          </a:effectRef>
+          <a:fontRef idx="minor">
+            <a:schemeClr val="tx1"/>
+          </a:fontRef>
+        </p:style>
+      </p:cxnSp>
+      <p:cxnSp>
+        <p:nvCxnSpPr>
+          <p:cNvPr id="158" name="直线连接符 157">
+            <a:extLst>
+              <a:ext uri="{FF2B5EF4-FFF2-40B4-BE49-F238E27FC236}">
+                <a16:creationId xmlns:a16="http://schemas.microsoft.com/office/drawing/2014/main" id="{46F1114E-0ABE-D21E-45F7-D818B3C9B161}"/>
+              </a:ext>
+            </a:extLst>
+          </p:cNvPr>
+          <p:cNvCxnSpPr>
+            <a:cxnSpLocks/>
+          </p:cNvCxnSpPr>
+          <p:nvPr/>
+        </p:nvCxnSpPr>
+        <p:spPr>
+          <a:xfrm>
+            <a:off x="3622164" y="4996132"/>
+            <a:ext cx="873566" cy="0"/>
+          </a:xfrm>
+          <a:prstGeom prst="line">
+            <a:avLst/>
+          </a:prstGeom>
+        </p:spPr>
+        <p:style>
+          <a:lnRef idx="2">
+            <a:schemeClr val="accent1"/>
+          </a:lnRef>
+          <a:fillRef idx="0">
+            <a:schemeClr val="accent1"/>
+          </a:fillRef>
+          <a:effectRef idx="1">
+            <a:schemeClr val="accent1"/>
+          </a:effectRef>
+          <a:fontRef idx="minor">
+            <a:schemeClr val="tx1"/>
+          </a:fontRef>
+        </p:style>
+      </p:cxnSp>
+      <p:cxnSp>
+        <p:nvCxnSpPr>
+          <p:cNvPr id="159" name="直线连接符 158">
+            <a:extLst>
+              <a:ext uri="{FF2B5EF4-FFF2-40B4-BE49-F238E27FC236}">
+                <a16:creationId xmlns:a16="http://schemas.microsoft.com/office/drawing/2014/main" id="{3FE3553B-2E81-E0BC-4440-F30C7934DD9E}"/>
+              </a:ext>
+            </a:extLst>
+          </p:cNvPr>
+          <p:cNvCxnSpPr>
+            <a:cxnSpLocks/>
+          </p:cNvCxnSpPr>
+          <p:nvPr/>
+        </p:nvCxnSpPr>
+        <p:spPr>
+          <a:xfrm>
+            <a:off x="4495730" y="4456305"/>
+            <a:ext cx="441566" cy="0"/>
+          </a:xfrm>
+          <a:prstGeom prst="line">
+            <a:avLst/>
+          </a:prstGeom>
+        </p:spPr>
+        <p:style>
+          <a:lnRef idx="2">
+            <a:schemeClr val="accent1"/>
+          </a:lnRef>
+          <a:fillRef idx="0">
+            <a:schemeClr val="accent1"/>
+          </a:fillRef>
+          <a:effectRef idx="1">
+            <a:schemeClr val="accent1"/>
+          </a:effectRef>
+          <a:fontRef idx="minor">
+            <a:schemeClr val="tx1"/>
+          </a:fontRef>
+        </p:style>
+      </p:cxnSp>
+      <p:cxnSp>
+        <p:nvCxnSpPr>
+          <p:cNvPr id="160" name="直线连接符 159">
+            <a:extLst>
+              <a:ext uri="{FF2B5EF4-FFF2-40B4-BE49-F238E27FC236}">
+                <a16:creationId xmlns:a16="http://schemas.microsoft.com/office/drawing/2014/main" id="{EE15AEAE-2316-2FF2-605A-27775CE56B9D}"/>
+              </a:ext>
+            </a:extLst>
+          </p:cNvPr>
+          <p:cNvCxnSpPr>
+            <a:cxnSpLocks/>
+          </p:cNvCxnSpPr>
+          <p:nvPr/>
+        </p:nvCxnSpPr>
+        <p:spPr>
+          <a:xfrm>
+            <a:off x="4927730" y="4996132"/>
+            <a:ext cx="1294800" cy="0"/>
+          </a:xfrm>
+          <a:prstGeom prst="line">
+            <a:avLst/>
+          </a:prstGeom>
+        </p:spPr>
+        <p:style>
+          <a:lnRef idx="2">
+            <a:schemeClr val="accent1"/>
+          </a:lnRef>
+          <a:fillRef idx="0">
+            <a:schemeClr val="accent1"/>
+          </a:fillRef>
+          <a:effectRef idx="1">
+            <a:schemeClr val="accent1"/>
+          </a:effectRef>
+          <a:fontRef idx="minor">
+            <a:schemeClr val="tx1"/>
+          </a:fontRef>
+        </p:style>
+      </p:cxnSp>
+      <p:cxnSp>
+        <p:nvCxnSpPr>
+          <p:cNvPr id="163" name="直线连接符 162">
+            <a:extLst>
+              <a:ext uri="{FF2B5EF4-FFF2-40B4-BE49-F238E27FC236}">
+                <a16:creationId xmlns:a16="http://schemas.microsoft.com/office/drawing/2014/main" id="{E6A252C7-A935-1924-54FB-DDD0A1722A11}"/>
+              </a:ext>
+            </a:extLst>
+          </p:cNvPr>
+          <p:cNvCxnSpPr>
+            <a:cxnSpLocks/>
+          </p:cNvCxnSpPr>
+          <p:nvPr/>
+        </p:nvCxnSpPr>
+        <p:spPr>
+          <a:xfrm>
+            <a:off x="6222530" y="4456305"/>
+            <a:ext cx="441566" cy="0"/>
+          </a:xfrm>
+          <a:prstGeom prst="line">
+            <a:avLst/>
+          </a:prstGeom>
+        </p:spPr>
+        <p:style>
+          <a:lnRef idx="2">
+            <a:schemeClr val="accent1"/>
+          </a:lnRef>
+          <a:fillRef idx="0">
+            <a:schemeClr val="accent1"/>
+          </a:fillRef>
+          <a:effectRef idx="1">
+            <a:schemeClr val="accent1"/>
+          </a:effectRef>
+          <a:fontRef idx="minor">
+            <a:schemeClr val="tx1"/>
+          </a:fontRef>
+        </p:style>
+      </p:cxnSp>
+      <p:cxnSp>
+        <p:nvCxnSpPr>
+          <p:cNvPr id="164" name="直线连接符 163">
+            <a:extLst>
+              <a:ext uri="{FF2B5EF4-FFF2-40B4-BE49-F238E27FC236}">
+                <a16:creationId xmlns:a16="http://schemas.microsoft.com/office/drawing/2014/main" id="{7D35D7E8-E0AA-33A4-697D-A97B6FA619BC}"/>
+              </a:ext>
+            </a:extLst>
+          </p:cNvPr>
+          <p:cNvCxnSpPr>
+            <a:cxnSpLocks/>
+          </p:cNvCxnSpPr>
+          <p:nvPr/>
+        </p:nvCxnSpPr>
+        <p:spPr>
+          <a:xfrm>
+            <a:off x="6654530" y="4996132"/>
+            <a:ext cx="1285129" cy="0"/>
+          </a:xfrm>
+          <a:prstGeom prst="line">
+            <a:avLst/>
+          </a:prstGeom>
+        </p:spPr>
+        <p:style>
+          <a:lnRef idx="2">
+            <a:schemeClr val="accent1"/>
+          </a:lnRef>
+          <a:fillRef idx="0">
+            <a:schemeClr val="accent1"/>
+          </a:fillRef>
+          <a:effectRef idx="1">
+            <a:schemeClr val="accent1"/>
+          </a:effectRef>
+          <a:fontRef idx="minor">
+            <a:schemeClr val="tx1"/>
+          </a:fontRef>
+        </p:style>
+      </p:cxnSp>
+      <p:cxnSp>
+        <p:nvCxnSpPr>
+          <p:cNvPr id="167" name="直线连接符 166">
+            <a:extLst>
+              <a:ext uri="{FF2B5EF4-FFF2-40B4-BE49-F238E27FC236}">
+                <a16:creationId xmlns:a16="http://schemas.microsoft.com/office/drawing/2014/main" id="{C3282918-CEE4-5368-BC1D-F1AD21252CF3}"/>
+              </a:ext>
+            </a:extLst>
+          </p:cNvPr>
+          <p:cNvCxnSpPr>
+            <a:cxnSpLocks/>
+          </p:cNvCxnSpPr>
+          <p:nvPr/>
+        </p:nvCxnSpPr>
+        <p:spPr>
+          <a:xfrm>
+            <a:off x="7949789" y="4456305"/>
+            <a:ext cx="441566" cy="0"/>
+          </a:xfrm>
+          <a:prstGeom prst="line">
+            <a:avLst/>
+          </a:prstGeom>
+        </p:spPr>
+        <p:style>
+          <a:lnRef idx="2">
+            <a:schemeClr val="accent1"/>
+          </a:lnRef>
+          <a:fillRef idx="0">
+            <a:schemeClr val="accent1"/>
+          </a:fillRef>
+          <a:effectRef idx="1">
+            <a:schemeClr val="accent1"/>
+          </a:effectRef>
+          <a:fontRef idx="minor">
+            <a:schemeClr val="tx1"/>
+          </a:fontRef>
+        </p:style>
+      </p:cxnSp>
+      <p:cxnSp>
+        <p:nvCxnSpPr>
+          <p:cNvPr id="170" name="直线连接符 169">
+            <a:extLst>
+              <a:ext uri="{FF2B5EF4-FFF2-40B4-BE49-F238E27FC236}">
+                <a16:creationId xmlns:a16="http://schemas.microsoft.com/office/drawing/2014/main" id="{F0F1A2E6-4947-5793-5310-85A9F947F84B}"/>
+              </a:ext>
+            </a:extLst>
+          </p:cNvPr>
+          <p:cNvCxnSpPr>
+            <a:cxnSpLocks/>
+          </p:cNvCxnSpPr>
+          <p:nvPr/>
+        </p:nvCxnSpPr>
+        <p:spPr>
+          <a:xfrm>
+            <a:off x="8386316" y="4996132"/>
+            <a:ext cx="859014" cy="0"/>
+          </a:xfrm>
+          <a:prstGeom prst="line">
+            <a:avLst/>
+          </a:prstGeom>
+        </p:spPr>
+        <p:style>
+          <a:lnRef idx="2">
+            <a:schemeClr val="accent1"/>
+          </a:lnRef>
+          <a:fillRef idx="0">
+            <a:schemeClr val="accent1"/>
+          </a:fillRef>
+          <a:effectRef idx="1">
+            <a:schemeClr val="accent1"/>
+          </a:effectRef>
+          <a:fontRef idx="minor">
+            <a:schemeClr val="tx1"/>
+          </a:fontRef>
+        </p:style>
+      </p:cxnSp>
+      <p:cxnSp>
+        <p:nvCxnSpPr>
+          <p:cNvPr id="172" name="直线连接符 171">
+            <a:extLst>
+              <a:ext uri="{FF2B5EF4-FFF2-40B4-BE49-F238E27FC236}">
+                <a16:creationId xmlns:a16="http://schemas.microsoft.com/office/drawing/2014/main" id="{8BE51666-3E5A-7695-1C8C-2F0FF99CC43F}"/>
+              </a:ext>
+            </a:extLst>
+          </p:cNvPr>
+          <p:cNvCxnSpPr>
+            <a:cxnSpLocks/>
+          </p:cNvCxnSpPr>
+          <p:nvPr/>
+        </p:nvCxnSpPr>
+        <p:spPr>
+          <a:xfrm>
+            <a:off x="3635746" y="5215429"/>
+            <a:ext cx="0" cy="539827"/>
+          </a:xfrm>
+          <a:prstGeom prst="line">
+            <a:avLst/>
+          </a:prstGeom>
+        </p:spPr>
+        <p:style>
+          <a:lnRef idx="2">
+            <a:schemeClr val="accent1"/>
+          </a:lnRef>
+          <a:fillRef idx="0">
+            <a:schemeClr val="accent1"/>
+          </a:fillRef>
+          <a:effectRef idx="1">
+            <a:schemeClr val="accent1"/>
+          </a:effectRef>
+          <a:fontRef idx="minor">
+            <a:schemeClr val="tx1"/>
+          </a:fontRef>
+        </p:style>
+      </p:cxnSp>
+      <p:cxnSp>
+        <p:nvCxnSpPr>
+          <p:cNvPr id="173" name="直线连接符 172">
+            <a:extLst>
+              <a:ext uri="{FF2B5EF4-FFF2-40B4-BE49-F238E27FC236}">
+                <a16:creationId xmlns:a16="http://schemas.microsoft.com/office/drawing/2014/main" id="{76A017E7-BE0A-3467-D852-C14979C87755}"/>
+              </a:ext>
+            </a:extLst>
+          </p:cNvPr>
+          <p:cNvCxnSpPr>
+            <a:cxnSpLocks/>
+          </p:cNvCxnSpPr>
+          <p:nvPr/>
+        </p:nvCxnSpPr>
+        <p:spPr>
+          <a:xfrm>
+            <a:off x="4067746" y="5215429"/>
+            <a:ext cx="0" cy="539827"/>
+          </a:xfrm>
+          <a:prstGeom prst="line">
+            <a:avLst/>
+          </a:prstGeom>
+        </p:spPr>
+        <p:style>
+          <a:lnRef idx="2">
+            <a:schemeClr val="accent1"/>
+          </a:lnRef>
+          <a:fillRef idx="0">
+            <a:schemeClr val="accent1"/>
+          </a:fillRef>
+          <a:effectRef idx="1">
+            <a:schemeClr val="accent1"/>
+          </a:effectRef>
+          <a:fontRef idx="minor">
+            <a:schemeClr val="tx1"/>
+          </a:fontRef>
+        </p:style>
+      </p:cxnSp>
+      <p:cxnSp>
+        <p:nvCxnSpPr>
+          <p:cNvPr id="176" name="直线连接符 175">
+            <a:extLst>
+              <a:ext uri="{FF2B5EF4-FFF2-40B4-BE49-F238E27FC236}">
+                <a16:creationId xmlns:a16="http://schemas.microsoft.com/office/drawing/2014/main" id="{1F0925BF-7776-DF16-E1BF-C41C750BF323}"/>
+              </a:ext>
+            </a:extLst>
+          </p:cNvPr>
+          <p:cNvCxnSpPr>
+            <a:cxnSpLocks/>
+          </p:cNvCxnSpPr>
+          <p:nvPr/>
+        </p:nvCxnSpPr>
+        <p:spPr>
+          <a:xfrm>
+            <a:off x="5363746" y="5215429"/>
+            <a:ext cx="0" cy="539827"/>
+          </a:xfrm>
+          <a:prstGeom prst="line">
+            <a:avLst/>
+          </a:prstGeom>
+        </p:spPr>
+        <p:style>
+          <a:lnRef idx="2">
+            <a:schemeClr val="accent1"/>
+          </a:lnRef>
+          <a:fillRef idx="0">
+            <a:schemeClr val="accent1"/>
+          </a:fillRef>
+          <a:effectRef idx="1">
+            <a:schemeClr val="accent1"/>
+          </a:effectRef>
+          <a:fontRef idx="minor">
+            <a:schemeClr val="tx1"/>
+          </a:fontRef>
+        </p:style>
+      </p:cxnSp>
+      <p:cxnSp>
+        <p:nvCxnSpPr>
+          <p:cNvPr id="177" name="直线连接符 176">
+            <a:extLst>
+              <a:ext uri="{FF2B5EF4-FFF2-40B4-BE49-F238E27FC236}">
+                <a16:creationId xmlns:a16="http://schemas.microsoft.com/office/drawing/2014/main" id="{2ACDEE25-0F7F-4BC0-6316-57C63EF9EA11}"/>
+              </a:ext>
+            </a:extLst>
+          </p:cNvPr>
+          <p:cNvCxnSpPr>
+            <a:cxnSpLocks/>
+          </p:cNvCxnSpPr>
+          <p:nvPr/>
+        </p:nvCxnSpPr>
+        <p:spPr>
+          <a:xfrm>
+            <a:off x="5795005" y="5215429"/>
+            <a:ext cx="0" cy="539827"/>
+          </a:xfrm>
+          <a:prstGeom prst="line">
+            <a:avLst/>
+          </a:prstGeom>
+        </p:spPr>
+        <p:style>
+          <a:lnRef idx="2">
+            <a:schemeClr val="accent1"/>
+          </a:lnRef>
+          <a:fillRef idx="0">
+            <a:schemeClr val="accent1"/>
+          </a:fillRef>
+          <a:effectRef idx="1">
+            <a:schemeClr val="accent1"/>
+          </a:effectRef>
+          <a:fontRef idx="minor">
+            <a:schemeClr val="tx1"/>
+          </a:fontRef>
+        </p:style>
+      </p:cxnSp>
+      <p:cxnSp>
+        <p:nvCxnSpPr>
+          <p:cNvPr id="180" name="直线连接符 179">
+            <a:extLst>
+              <a:ext uri="{FF2B5EF4-FFF2-40B4-BE49-F238E27FC236}">
+                <a16:creationId xmlns:a16="http://schemas.microsoft.com/office/drawing/2014/main" id="{CC957400-0A0C-7857-2335-ED84A246A97E}"/>
+              </a:ext>
+            </a:extLst>
+          </p:cNvPr>
+          <p:cNvCxnSpPr>
+            <a:cxnSpLocks/>
+          </p:cNvCxnSpPr>
+          <p:nvPr/>
+        </p:nvCxnSpPr>
+        <p:spPr>
+          <a:xfrm>
+            <a:off x="7090546" y="5215429"/>
+            <a:ext cx="0" cy="539827"/>
+          </a:xfrm>
+          <a:prstGeom prst="line">
+            <a:avLst/>
+          </a:prstGeom>
+        </p:spPr>
+        <p:style>
+          <a:lnRef idx="2">
+            <a:schemeClr val="accent1"/>
+          </a:lnRef>
+          <a:fillRef idx="0">
+            <a:schemeClr val="accent1"/>
+          </a:fillRef>
+          <a:effectRef idx="1">
+            <a:schemeClr val="accent1"/>
+          </a:effectRef>
+          <a:fontRef idx="minor">
+            <a:schemeClr val="tx1"/>
+          </a:fontRef>
+        </p:style>
+      </p:cxnSp>
+      <p:cxnSp>
+        <p:nvCxnSpPr>
+          <p:cNvPr id="181" name="直线连接符 180">
+            <a:extLst>
+              <a:ext uri="{FF2B5EF4-FFF2-40B4-BE49-F238E27FC236}">
+                <a16:creationId xmlns:a16="http://schemas.microsoft.com/office/drawing/2014/main" id="{E707E7E5-78E4-98CE-A5A1-7602F55F6ADC}"/>
+              </a:ext>
+            </a:extLst>
+          </p:cNvPr>
+          <p:cNvCxnSpPr>
+            <a:cxnSpLocks/>
+          </p:cNvCxnSpPr>
+          <p:nvPr/>
+        </p:nvCxnSpPr>
+        <p:spPr>
+          <a:xfrm>
+            <a:off x="7521241" y="5215429"/>
+            <a:ext cx="0" cy="539827"/>
+          </a:xfrm>
+          <a:prstGeom prst="line">
+            <a:avLst/>
+          </a:prstGeom>
+        </p:spPr>
+        <p:style>
+          <a:lnRef idx="2">
+            <a:schemeClr val="accent1"/>
+          </a:lnRef>
+          <a:fillRef idx="0">
+            <a:schemeClr val="accent1"/>
+          </a:fillRef>
+          <a:effectRef idx="1">
+            <a:schemeClr val="accent1"/>
+          </a:effectRef>
+          <a:fontRef idx="minor">
+            <a:schemeClr val="tx1"/>
+          </a:fontRef>
+        </p:style>
+      </p:cxnSp>
+      <p:cxnSp>
+        <p:nvCxnSpPr>
+          <p:cNvPr id="184" name="直线连接符 183">
+            <a:extLst>
+              <a:ext uri="{FF2B5EF4-FFF2-40B4-BE49-F238E27FC236}">
+                <a16:creationId xmlns:a16="http://schemas.microsoft.com/office/drawing/2014/main" id="{9D0303E3-58B5-F419-77B1-ACCB87BED5C8}"/>
+              </a:ext>
+            </a:extLst>
+          </p:cNvPr>
+          <p:cNvCxnSpPr>
+            <a:cxnSpLocks/>
+          </p:cNvCxnSpPr>
+          <p:nvPr/>
+        </p:nvCxnSpPr>
+        <p:spPr>
+          <a:xfrm>
+            <a:off x="3631730" y="5215429"/>
+            <a:ext cx="441566" cy="0"/>
+          </a:xfrm>
+          <a:prstGeom prst="line">
+            <a:avLst/>
+          </a:prstGeom>
+        </p:spPr>
+        <p:style>
+          <a:lnRef idx="2">
+            <a:schemeClr val="accent1"/>
+          </a:lnRef>
+          <a:fillRef idx="0">
+            <a:schemeClr val="accent1"/>
+          </a:fillRef>
+          <a:effectRef idx="1">
+            <a:schemeClr val="accent1"/>
+          </a:effectRef>
+          <a:fontRef idx="minor">
+            <a:schemeClr val="tx1"/>
+          </a:fontRef>
+        </p:style>
+      </p:cxnSp>
+      <p:cxnSp>
+        <p:nvCxnSpPr>
+          <p:cNvPr id="185" name="直线连接符 184">
+            <a:extLst>
+              <a:ext uri="{FF2B5EF4-FFF2-40B4-BE49-F238E27FC236}">
+                <a16:creationId xmlns:a16="http://schemas.microsoft.com/office/drawing/2014/main" id="{D007E4ED-FC31-21B6-EF04-A8DD661B7FB2}"/>
+              </a:ext>
+            </a:extLst>
+          </p:cNvPr>
+          <p:cNvCxnSpPr>
+            <a:cxnSpLocks/>
+          </p:cNvCxnSpPr>
+          <p:nvPr/>
+        </p:nvCxnSpPr>
+        <p:spPr>
+          <a:xfrm>
+            <a:off x="4063730" y="5755256"/>
+            <a:ext cx="1308370" cy="0"/>
+          </a:xfrm>
+          <a:prstGeom prst="line">
+            <a:avLst/>
+          </a:prstGeom>
+        </p:spPr>
+        <p:style>
+          <a:lnRef idx="2">
+            <a:schemeClr val="accent1"/>
+          </a:lnRef>
+          <a:fillRef idx="0">
+            <a:schemeClr val="accent1"/>
+          </a:fillRef>
+          <a:effectRef idx="1">
+            <a:schemeClr val="accent1"/>
+          </a:effectRef>
+          <a:fontRef idx="minor">
+            <a:schemeClr val="tx1"/>
+          </a:fontRef>
+        </p:style>
+      </p:cxnSp>
+      <p:cxnSp>
+        <p:nvCxnSpPr>
+          <p:cNvPr id="188" name="直线连接符 187">
+            <a:extLst>
+              <a:ext uri="{FF2B5EF4-FFF2-40B4-BE49-F238E27FC236}">
+                <a16:creationId xmlns:a16="http://schemas.microsoft.com/office/drawing/2014/main" id="{724CFE0C-8816-9530-98AE-D6F775A521D1}"/>
+              </a:ext>
+            </a:extLst>
+          </p:cNvPr>
+          <p:cNvCxnSpPr>
+            <a:cxnSpLocks/>
+          </p:cNvCxnSpPr>
+          <p:nvPr/>
+        </p:nvCxnSpPr>
+        <p:spPr>
+          <a:xfrm>
+            <a:off x="5358530" y="5215429"/>
+            <a:ext cx="441566" cy="0"/>
+          </a:xfrm>
+          <a:prstGeom prst="line">
+            <a:avLst/>
+          </a:prstGeom>
+        </p:spPr>
+        <p:style>
+          <a:lnRef idx="2">
+            <a:schemeClr val="accent1"/>
+          </a:lnRef>
+          <a:fillRef idx="0">
+            <a:schemeClr val="accent1"/>
+          </a:fillRef>
+          <a:effectRef idx="1">
+            <a:schemeClr val="accent1"/>
+          </a:effectRef>
+          <a:fontRef idx="minor">
+            <a:schemeClr val="tx1"/>
+          </a:fontRef>
+        </p:style>
+      </p:cxnSp>
+      <p:cxnSp>
+        <p:nvCxnSpPr>
+          <p:cNvPr id="189" name="直线连接符 188">
+            <a:extLst>
+              <a:ext uri="{FF2B5EF4-FFF2-40B4-BE49-F238E27FC236}">
+                <a16:creationId xmlns:a16="http://schemas.microsoft.com/office/drawing/2014/main" id="{F10434D1-5108-FA73-360B-1ABF5F9E413E}"/>
+              </a:ext>
+            </a:extLst>
+          </p:cNvPr>
+          <p:cNvCxnSpPr>
+            <a:cxnSpLocks/>
+          </p:cNvCxnSpPr>
+          <p:nvPr/>
+        </p:nvCxnSpPr>
+        <p:spPr>
+          <a:xfrm>
+            <a:off x="5790530" y="5755256"/>
+            <a:ext cx="1308770" cy="0"/>
+          </a:xfrm>
+          <a:prstGeom prst="line">
+            <a:avLst/>
+          </a:prstGeom>
+        </p:spPr>
+        <p:style>
+          <a:lnRef idx="2">
+            <a:schemeClr val="accent1"/>
+          </a:lnRef>
+          <a:fillRef idx="0">
+            <a:schemeClr val="accent1"/>
+          </a:fillRef>
+          <a:effectRef idx="1">
+            <a:schemeClr val="accent1"/>
+          </a:effectRef>
+          <a:fontRef idx="minor">
+            <a:schemeClr val="tx1"/>
+          </a:fontRef>
+        </p:style>
+      </p:cxnSp>
+      <p:cxnSp>
+        <p:nvCxnSpPr>
+          <p:cNvPr id="192" name="直线连接符 191">
+            <a:extLst>
+              <a:ext uri="{FF2B5EF4-FFF2-40B4-BE49-F238E27FC236}">
+                <a16:creationId xmlns:a16="http://schemas.microsoft.com/office/drawing/2014/main" id="{92B3774A-EAA5-7B2E-0165-15AAF5EE5138}"/>
+              </a:ext>
+            </a:extLst>
+          </p:cNvPr>
+          <p:cNvCxnSpPr>
+            <a:cxnSpLocks/>
+          </p:cNvCxnSpPr>
+          <p:nvPr/>
+        </p:nvCxnSpPr>
+        <p:spPr>
+          <a:xfrm>
+            <a:off x="7085225" y="5215429"/>
+            <a:ext cx="441566" cy="0"/>
+          </a:xfrm>
+          <a:prstGeom prst="line">
+            <a:avLst/>
+          </a:prstGeom>
+        </p:spPr>
+        <p:style>
+          <a:lnRef idx="2">
+            <a:schemeClr val="accent1"/>
+          </a:lnRef>
+          <a:fillRef idx="0">
+            <a:schemeClr val="accent1"/>
+          </a:fillRef>
+          <a:effectRef idx="1">
+            <a:schemeClr val="accent1"/>
+          </a:effectRef>
+          <a:fontRef idx="minor">
+            <a:schemeClr val="tx1"/>
+          </a:fontRef>
+        </p:style>
+      </p:cxnSp>
+      <p:cxnSp>
+        <p:nvCxnSpPr>
+          <p:cNvPr id="193" name="直线连接符 192">
+            <a:extLst>
+              <a:ext uri="{FF2B5EF4-FFF2-40B4-BE49-F238E27FC236}">
+                <a16:creationId xmlns:a16="http://schemas.microsoft.com/office/drawing/2014/main" id="{3E4AF6D8-E0F8-A298-1388-8E1BFC92403E}"/>
+              </a:ext>
+            </a:extLst>
+          </p:cNvPr>
+          <p:cNvCxnSpPr>
+            <a:cxnSpLocks/>
+          </p:cNvCxnSpPr>
+          <p:nvPr/>
+        </p:nvCxnSpPr>
+        <p:spPr>
+          <a:xfrm>
+            <a:off x="7517225" y="5755256"/>
+            <a:ext cx="1315625" cy="0"/>
+          </a:xfrm>
+          <a:prstGeom prst="line">
+            <a:avLst/>
+          </a:prstGeom>
+        </p:spPr>
+        <p:style>
+          <a:lnRef idx="2">
+            <a:schemeClr val="accent1"/>
+          </a:lnRef>
+          <a:fillRef idx="0">
+            <a:schemeClr val="accent1"/>
+          </a:fillRef>
+          <a:effectRef idx="1">
+            <a:schemeClr val="accent1"/>
+          </a:effectRef>
+          <a:fontRef idx="minor">
+            <a:schemeClr val="tx1"/>
+          </a:fontRef>
+        </p:style>
+      </p:cxnSp>
+      <p:cxnSp>
+        <p:nvCxnSpPr>
+          <p:cNvPr id="195" name="直线连接符 194">
+            <a:extLst>
+              <a:ext uri="{FF2B5EF4-FFF2-40B4-BE49-F238E27FC236}">
+                <a16:creationId xmlns:a16="http://schemas.microsoft.com/office/drawing/2014/main" id="{C30DBBF3-D2C6-FC5C-AD2F-DD17530728C9}"/>
+              </a:ext>
+            </a:extLst>
+          </p:cNvPr>
+          <p:cNvCxnSpPr>
+            <a:cxnSpLocks/>
+          </p:cNvCxnSpPr>
+          <p:nvPr/>
+        </p:nvCxnSpPr>
+        <p:spPr>
+          <a:xfrm>
+            <a:off x="8823637" y="5215429"/>
+            <a:ext cx="0" cy="539827"/>
+          </a:xfrm>
+          <a:prstGeom prst="line">
+            <a:avLst/>
+          </a:prstGeom>
+        </p:spPr>
+        <p:style>
+          <a:lnRef idx="2">
+            <a:schemeClr val="accent1"/>
+          </a:lnRef>
+          <a:fillRef idx="0">
+            <a:schemeClr val="accent1"/>
+          </a:fillRef>
+          <a:effectRef idx="1">
+            <a:schemeClr val="accent1"/>
+          </a:effectRef>
+          <a:fontRef idx="minor">
+            <a:schemeClr val="tx1"/>
+          </a:fontRef>
+        </p:style>
+      </p:cxnSp>
+      <p:cxnSp>
+        <p:nvCxnSpPr>
+          <p:cNvPr id="196" name="直线连接符 195">
+            <a:extLst>
+              <a:ext uri="{FF2B5EF4-FFF2-40B4-BE49-F238E27FC236}">
+                <a16:creationId xmlns:a16="http://schemas.microsoft.com/office/drawing/2014/main" id="{41DBF01E-A76D-AD07-B21F-87768691B679}"/>
+              </a:ext>
+            </a:extLst>
+          </p:cNvPr>
+          <p:cNvCxnSpPr>
+            <a:cxnSpLocks/>
+          </p:cNvCxnSpPr>
+          <p:nvPr/>
+        </p:nvCxnSpPr>
+        <p:spPr>
+          <a:xfrm>
+            <a:off x="9254896" y="5215429"/>
+            <a:ext cx="0" cy="539827"/>
+          </a:xfrm>
+          <a:prstGeom prst="line">
+            <a:avLst/>
+          </a:prstGeom>
+        </p:spPr>
+        <p:style>
+          <a:lnRef idx="2">
+            <a:schemeClr val="accent1"/>
+          </a:lnRef>
+          <a:fillRef idx="0">
+            <a:schemeClr val="accent1"/>
+          </a:fillRef>
+          <a:effectRef idx="1">
+            <a:schemeClr val="accent1"/>
+          </a:effectRef>
+          <a:fontRef idx="minor">
+            <a:schemeClr val="tx1"/>
+          </a:fontRef>
+        </p:style>
+      </p:cxnSp>
+      <p:cxnSp>
+        <p:nvCxnSpPr>
+          <p:cNvPr id="198" name="直线连接符 197">
+            <a:extLst>
+              <a:ext uri="{FF2B5EF4-FFF2-40B4-BE49-F238E27FC236}">
+                <a16:creationId xmlns:a16="http://schemas.microsoft.com/office/drawing/2014/main" id="{788FD296-89F9-4CE8-30BE-BC9A3FD36F16}"/>
+              </a:ext>
+            </a:extLst>
+          </p:cNvPr>
+          <p:cNvCxnSpPr>
+            <a:cxnSpLocks/>
+          </p:cNvCxnSpPr>
+          <p:nvPr/>
+        </p:nvCxnSpPr>
+        <p:spPr>
+          <a:xfrm>
+            <a:off x="8818880" y="5215429"/>
+            <a:ext cx="441566" cy="0"/>
+          </a:xfrm>
+          <a:prstGeom prst="line">
+            <a:avLst/>
+          </a:prstGeom>
+        </p:spPr>
+        <p:style>
+          <a:lnRef idx="2">
+            <a:schemeClr val="accent1"/>
+          </a:lnRef>
+          <a:fillRef idx="0">
+            <a:schemeClr val="accent1"/>
+          </a:fillRef>
+          <a:effectRef idx="1">
+            <a:schemeClr val="accent1"/>
+          </a:effectRef>
+          <a:fontRef idx="minor">
+            <a:schemeClr val="tx1"/>
+          </a:fontRef>
+        </p:style>
+      </p:cxnSp>
+      <p:sp>
+        <p:nvSpPr>
+          <p:cNvPr id="217" name="TextBox 59">
+            <a:extLst>
+              <a:ext uri="{FF2B5EF4-FFF2-40B4-BE49-F238E27FC236}">
+                <a16:creationId xmlns:a16="http://schemas.microsoft.com/office/drawing/2014/main" id="{1A0BC7EE-9112-207C-55E6-A807EFF0FD2F}"/>
+              </a:ext>
+            </a:extLst>
+          </p:cNvPr>
+          <p:cNvSpPr txBox="1"/>
+          <p:nvPr/>
+        </p:nvSpPr>
+        <p:spPr>
+          <a:xfrm>
+            <a:off x="2278840" y="3753672"/>
+            <a:ext cx="1200970" cy="369332"/>
+          </a:xfrm>
+          <a:prstGeom prst="rect">
+            <a:avLst/>
+          </a:prstGeom>
+          <a:noFill/>
+        </p:spPr>
+        <p:txBody>
+          <a:bodyPr wrap="none" rtlCol="0">
+            <a:spAutoFit/>
+          </a:bodyPr>
+          <a:lstStyle/>
+          <a:p>
+            <a:r>
+              <a:rPr lang="en-US" dirty="0"/>
+              <a:t>DCLKDIV2</a:t>
+            </a:r>
+          </a:p>
+        </p:txBody>
+      </p:sp>
+      <p:sp>
+        <p:nvSpPr>
+          <p:cNvPr id="218" name="TextBox 59">
+            <a:extLst>
+              <a:ext uri="{FF2B5EF4-FFF2-40B4-BE49-F238E27FC236}">
+                <a16:creationId xmlns:a16="http://schemas.microsoft.com/office/drawing/2014/main" id="{352F4686-2C9E-B28F-27B9-69F0E9868FE4}"/>
+              </a:ext>
+            </a:extLst>
+          </p:cNvPr>
+          <p:cNvSpPr txBox="1"/>
+          <p:nvPr/>
+        </p:nvSpPr>
+        <p:spPr>
+          <a:xfrm>
+            <a:off x="2514851" y="4523542"/>
+            <a:ext cx="971741" cy="369332"/>
+          </a:xfrm>
+          <a:prstGeom prst="rect">
+            <a:avLst/>
+          </a:prstGeom>
+          <a:noFill/>
+        </p:spPr>
+        <p:txBody>
+          <a:bodyPr wrap="none" rtlCol="0">
+            <a:spAutoFit/>
+          </a:bodyPr>
+          <a:lstStyle/>
+          <a:p>
+            <a:r>
+              <a:rPr lang="en-US" dirty="0"/>
+              <a:t>PH0CLK</a:t>
+            </a:r>
+          </a:p>
+        </p:txBody>
+      </p:sp>
+      <p:sp>
+        <p:nvSpPr>
+          <p:cNvPr id="219" name="TextBox 59">
+            <a:extLst>
+              <a:ext uri="{FF2B5EF4-FFF2-40B4-BE49-F238E27FC236}">
+                <a16:creationId xmlns:a16="http://schemas.microsoft.com/office/drawing/2014/main" id="{69F63954-EC49-3420-D9E4-DB6D6350F4CB}"/>
+              </a:ext>
+            </a:extLst>
+          </p:cNvPr>
+          <p:cNvSpPr txBox="1"/>
+          <p:nvPr/>
+        </p:nvSpPr>
+        <p:spPr>
+          <a:xfrm>
+            <a:off x="2506688" y="5315946"/>
+            <a:ext cx="971741" cy="369332"/>
+          </a:xfrm>
+          <a:prstGeom prst="rect">
+            <a:avLst/>
+          </a:prstGeom>
+          <a:noFill/>
+        </p:spPr>
+        <p:txBody>
+          <a:bodyPr wrap="none" rtlCol="0">
+            <a:spAutoFit/>
+          </a:bodyPr>
+          <a:lstStyle/>
+          <a:p>
+            <a:r>
+              <a:rPr lang="en-US" dirty="0"/>
+              <a:t>PH1CLK</a:t>
+            </a:r>
+          </a:p>
+        </p:txBody>
+      </p:sp>
     </p:spTree>
     <p:extLst>
       <p:ext uri="{BB962C8B-B14F-4D97-AF65-F5344CB8AC3E}">

--- a/_posts/静态时序分析笔记/静态时序分析笔记pptx.pptx
+++ b/_posts/静态时序分析笔记/静态时序分析笔记pptx.pptx
@@ -19,6 +19,7 @@
     <p:sldId id="267" r:id="rId13"/>
     <p:sldId id="268" r:id="rId14"/>
     <p:sldId id="269" r:id="rId15"/>
+    <p:sldId id="270" r:id="rId16"/>
   </p:sldIdLst>
   <p:sldSz cx="12192000" cy="6858000"/>
   <p:notesSz cx="6858000" cy="9144000"/>
@@ -128,7 +129,7 @@
 <file path=ppt/revisionInfo.xml><?xml version="1.0" encoding="utf-8"?>
 <p1510:revInfo xmlns:a="http://schemas.openxmlformats.org/drawingml/2006/main" xmlns:r="http://schemas.openxmlformats.org/officeDocument/2006/relationships" xmlns:p1510="http://schemas.microsoft.com/office/powerpoint/2015/10/main">
   <p1510:revLst>
-    <p1510:client id="{FF26C555-752D-4004-A979-9228B3A43E4C}" v="248" dt="2025-01-17T06:53:35.815"/>
+    <p1510:client id="{4D1E27EC-2E0F-4672-841A-DB5AE83D0870}" v="25" dt="2025-02-18T09:40:22.649"/>
   </p1510:revLst>
 </p1510:revInfo>
 </file>
@@ -148,28 +149,12 @@
           <pc:docMk/>
           <pc:sldMk cId="1423548731" sldId="261"/>
         </pc:sldMkLst>
-        <pc:spChg chg="del">
-          <ac:chgData name="Jinyin Yan" userId="7d7b1cac-fbbc-4678-8cfc-23ca66a374ce" providerId="ADAL" clId="{FF26C555-752D-4004-A979-9228B3A43E4C}" dt="2025-01-08T02:11:37.306" v="1" actId="478"/>
-          <ac:spMkLst>
-            <pc:docMk/>
-            <pc:sldMk cId="1423548731" sldId="261"/>
-            <ac:spMk id="2" creationId="{11487EA7-9D0F-448A-EDB2-EC66D9F8B85D}"/>
-          </ac:spMkLst>
-        </pc:spChg>
         <pc:spChg chg="add mod">
           <ac:chgData name="Jinyin Yan" userId="7d7b1cac-fbbc-4678-8cfc-23ca66a374ce" providerId="ADAL" clId="{FF26C555-752D-4004-A979-9228B3A43E4C}" dt="2025-01-09T09:19:57.173" v="680" actId="1076"/>
           <ac:spMkLst>
             <pc:docMk/>
             <pc:sldMk cId="1423548731" sldId="261"/>
             <ac:spMk id="2" creationId="{9568A496-D171-5617-CC3D-5D03AD4E14A2}"/>
-          </ac:spMkLst>
-        </pc:spChg>
-        <pc:spChg chg="del">
-          <ac:chgData name="Jinyin Yan" userId="7d7b1cac-fbbc-4678-8cfc-23ca66a374ce" providerId="ADAL" clId="{FF26C555-752D-4004-A979-9228B3A43E4C}" dt="2025-01-08T02:11:38.751" v="2" actId="478"/>
-          <ac:spMkLst>
-            <pc:docMk/>
-            <pc:sldMk cId="1423548731" sldId="261"/>
-            <ac:spMk id="3" creationId="{93506E59-FE24-D61D-2F00-0DF8B4630986}"/>
           </ac:spMkLst>
         </pc:spChg>
         <pc:spChg chg="mod">
@@ -340,14 +325,6 @@
             <ac:spMk id="68" creationId="{A5A6ED39-E358-01BF-B3E7-2D7974387B27}"/>
           </ac:spMkLst>
         </pc:spChg>
-        <pc:spChg chg="add del mod">
-          <ac:chgData name="Jinyin Yan" userId="7d7b1cac-fbbc-4678-8cfc-23ca66a374ce" providerId="ADAL" clId="{FF26C555-752D-4004-A979-9228B3A43E4C}" dt="2025-01-09T06:07:37.289" v="188" actId="478"/>
-          <ac:spMkLst>
-            <pc:docMk/>
-            <pc:sldMk cId="1423548731" sldId="261"/>
-            <ac:spMk id="80" creationId="{89B6DCDD-0307-CBF8-D934-6EB493952EC6}"/>
-          </ac:spMkLst>
-        </pc:spChg>
         <pc:spChg chg="add mod">
           <ac:chgData name="Jinyin Yan" userId="7d7b1cac-fbbc-4678-8cfc-23ca66a374ce" providerId="ADAL" clId="{FF26C555-752D-4004-A979-9228B3A43E4C}" dt="2025-01-09T09:19:57.173" v="680" actId="1076"/>
           <ac:spMkLst>
@@ -380,28 +357,12 @@
             <ac:spMk id="97" creationId="{ECD47E78-9DD2-FD19-EE02-0DA34BFBD010}"/>
           </ac:spMkLst>
         </pc:spChg>
-        <pc:spChg chg="add del mod">
-          <ac:chgData name="Jinyin Yan" userId="7d7b1cac-fbbc-4678-8cfc-23ca66a374ce" providerId="ADAL" clId="{FF26C555-752D-4004-A979-9228B3A43E4C}" dt="2025-01-09T07:55:49.637" v="468" actId="478"/>
-          <ac:spMkLst>
-            <pc:docMk/>
-            <pc:sldMk cId="1423548731" sldId="261"/>
-            <ac:spMk id="100" creationId="{4F97A145-DC4A-13B1-49DE-F396C5DC7836}"/>
-          </ac:spMkLst>
-        </pc:spChg>
         <pc:spChg chg="add mod">
           <ac:chgData name="Jinyin Yan" userId="7d7b1cac-fbbc-4678-8cfc-23ca66a374ce" providerId="ADAL" clId="{FF26C555-752D-4004-A979-9228B3A43E4C}" dt="2025-01-09T09:19:57.173" v="680" actId="1076"/>
           <ac:spMkLst>
             <pc:docMk/>
             <pc:sldMk cId="1423548731" sldId="261"/>
             <ac:spMk id="104" creationId="{D3DA1565-9246-AE82-9089-47441096CD89}"/>
-          </ac:spMkLst>
-        </pc:spChg>
-        <pc:spChg chg="add del mod">
-          <ac:chgData name="Jinyin Yan" userId="7d7b1cac-fbbc-4678-8cfc-23ca66a374ce" providerId="ADAL" clId="{FF26C555-752D-4004-A979-9228B3A43E4C}" dt="2025-01-09T07:49:04.133" v="467" actId="478"/>
-          <ac:spMkLst>
-            <pc:docMk/>
-            <pc:sldMk cId="1423548731" sldId="261"/>
-            <ac:spMk id="109" creationId="{C4BFB02C-1C7B-3A9B-57BD-AC4080FFC69D}"/>
           </ac:spMkLst>
         </pc:spChg>
         <pc:spChg chg="add mod">
@@ -436,14 +397,6 @@
             <ac:spMk id="119" creationId="{3C6A9C5F-0D15-3057-935C-A7106E343444}"/>
           </ac:spMkLst>
         </pc:spChg>
-        <pc:spChg chg="add del mod">
-          <ac:chgData name="Jinyin Yan" userId="7d7b1cac-fbbc-4678-8cfc-23ca66a374ce" providerId="ADAL" clId="{FF26C555-752D-4004-A979-9228B3A43E4C}" dt="2025-01-09T07:58:28.210" v="487" actId="478"/>
-          <ac:spMkLst>
-            <pc:docMk/>
-            <pc:sldMk cId="1423548731" sldId="261"/>
-            <ac:spMk id="124" creationId="{B109015C-FBAB-7ADC-8877-895B45613AD0}"/>
-          </ac:spMkLst>
-        </pc:spChg>
         <pc:spChg chg="add mod">
           <ac:chgData name="Jinyin Yan" userId="7d7b1cac-fbbc-4678-8cfc-23ca66a374ce" providerId="ADAL" clId="{FF26C555-752D-4004-A979-9228B3A43E4C}" dt="2025-01-09T09:19:57.173" v="680" actId="1076"/>
           <ac:spMkLst>
@@ -468,14 +421,6 @@
             <ac:spMk id="131" creationId="{3F79A87A-D3BD-6318-EF04-DAEA010F8C3A}"/>
           </ac:spMkLst>
         </pc:spChg>
-        <pc:spChg chg="add del mod">
-          <ac:chgData name="Jinyin Yan" userId="7d7b1cac-fbbc-4678-8cfc-23ca66a374ce" providerId="ADAL" clId="{FF26C555-752D-4004-A979-9228B3A43E4C}" dt="2025-01-09T06:35:06.181" v="293" actId="478"/>
-          <ac:spMkLst>
-            <pc:docMk/>
-            <pc:sldMk cId="1423548731" sldId="261"/>
-            <ac:spMk id="134" creationId="{D0F5875D-F3C5-3D31-313A-5E41623A0022}"/>
-          </ac:spMkLst>
-        </pc:spChg>
         <pc:spChg chg="add mod ord">
           <ac:chgData name="Jinyin Yan" userId="7d7b1cac-fbbc-4678-8cfc-23ca66a374ce" providerId="ADAL" clId="{FF26C555-752D-4004-A979-9228B3A43E4C}" dt="2025-01-09T09:19:57.173" v="680" actId="1076"/>
           <ac:spMkLst>
@@ -548,36 +493,12 @@
             <ac:spMk id="155" creationId="{EB15CB83-B91D-2715-A81C-F2823F2719FD}"/>
           </ac:spMkLst>
         </pc:spChg>
-        <pc:spChg chg="add del mod ord">
-          <ac:chgData name="Jinyin Yan" userId="7d7b1cac-fbbc-4678-8cfc-23ca66a374ce" providerId="ADAL" clId="{FF26C555-752D-4004-A979-9228B3A43E4C}" dt="2025-01-09T09:09:06.006" v="658" actId="478"/>
-          <ac:spMkLst>
-            <pc:docMk/>
-            <pc:sldMk cId="1423548731" sldId="261"/>
-            <ac:spMk id="158" creationId="{49FEAEC2-2BBB-0722-2624-70027BD6740C}"/>
-          </ac:spMkLst>
-        </pc:spChg>
-        <pc:spChg chg="add del mod">
-          <ac:chgData name="Jinyin Yan" userId="7d7b1cac-fbbc-4678-8cfc-23ca66a374ce" providerId="ADAL" clId="{FF26C555-752D-4004-A979-9228B3A43E4C}" dt="2025-01-09T09:05:09.496" v="642" actId="478"/>
-          <ac:spMkLst>
-            <pc:docMk/>
-            <pc:sldMk cId="1423548731" sldId="261"/>
-            <ac:spMk id="159" creationId="{71C9C7A4-44D0-C6D5-C731-F4023AF91352}"/>
-          </ac:spMkLst>
-        </pc:spChg>
         <pc:spChg chg="add mod ord">
           <ac:chgData name="Jinyin Yan" userId="7d7b1cac-fbbc-4678-8cfc-23ca66a374ce" providerId="ADAL" clId="{FF26C555-752D-4004-A979-9228B3A43E4C}" dt="2025-01-09T09:19:57.173" v="680" actId="1076"/>
           <ac:spMkLst>
             <pc:docMk/>
             <pc:sldMk cId="1423548731" sldId="261"/>
             <ac:spMk id="160" creationId="{CA7FBF03-AABC-A8A7-C7BD-BD74A113DC35}"/>
-          </ac:spMkLst>
-        </pc:spChg>
-        <pc:spChg chg="add del mod">
-          <ac:chgData name="Jinyin Yan" userId="7d7b1cac-fbbc-4678-8cfc-23ca66a374ce" providerId="ADAL" clId="{FF26C555-752D-4004-A979-9228B3A43E4C}" dt="2025-01-09T09:08:51.314" v="655" actId="478"/>
-          <ac:spMkLst>
-            <pc:docMk/>
-            <pc:sldMk cId="1423548731" sldId="261"/>
-            <ac:spMk id="161" creationId="{F657AC32-7E20-D51B-AF0C-74C48D0D0EFF}"/>
           </ac:spMkLst>
         </pc:spChg>
         <pc:spChg chg="add mod ord">
@@ -804,38 +725,6 @@
             <ac:cxnSpMk id="43" creationId="{799A14A5-A54F-2402-E8C9-73D31046A679}"/>
           </ac:cxnSpMkLst>
         </pc:cxnChg>
-        <pc:cxnChg chg="add del mod">
-          <ac:chgData name="Jinyin Yan" userId="7d7b1cac-fbbc-4678-8cfc-23ca66a374ce" providerId="ADAL" clId="{FF26C555-752D-4004-A979-9228B3A43E4C}" dt="2025-01-09T07:55:49.637" v="468" actId="478"/>
-          <ac:cxnSpMkLst>
-            <pc:docMk/>
-            <pc:sldMk cId="1423548731" sldId="261"/>
-            <ac:cxnSpMk id="44" creationId="{0B3909CD-A043-73ED-3814-59C42635F2D2}"/>
-          </ac:cxnSpMkLst>
-        </pc:cxnChg>
-        <pc:cxnChg chg="add del mod">
-          <ac:chgData name="Jinyin Yan" userId="7d7b1cac-fbbc-4678-8cfc-23ca66a374ce" providerId="ADAL" clId="{FF26C555-752D-4004-A979-9228B3A43E4C}" dt="2025-01-09T07:55:49.637" v="468" actId="478"/>
-          <ac:cxnSpMkLst>
-            <pc:docMk/>
-            <pc:sldMk cId="1423548731" sldId="261"/>
-            <ac:cxnSpMk id="45" creationId="{4F95D3B8-0C3F-2CAA-57F7-DFE70AA29781}"/>
-          </ac:cxnSpMkLst>
-        </pc:cxnChg>
-        <pc:cxnChg chg="add del mod">
-          <ac:chgData name="Jinyin Yan" userId="7d7b1cac-fbbc-4678-8cfc-23ca66a374ce" providerId="ADAL" clId="{FF26C555-752D-4004-A979-9228B3A43E4C}" dt="2025-01-08T08:13:51.020" v="64" actId="478"/>
-          <ac:cxnSpMkLst>
-            <pc:docMk/>
-            <pc:sldMk cId="1423548731" sldId="261"/>
-            <ac:cxnSpMk id="46" creationId="{CBD5D7A7-E03E-28AA-1457-666B062384CA}"/>
-          </ac:cxnSpMkLst>
-        </pc:cxnChg>
-        <pc:cxnChg chg="add del mod">
-          <ac:chgData name="Jinyin Yan" userId="7d7b1cac-fbbc-4678-8cfc-23ca66a374ce" providerId="ADAL" clId="{FF26C555-752D-4004-A979-9228B3A43E4C}" dt="2025-01-08T08:13:52.243" v="65" actId="478"/>
-          <ac:cxnSpMkLst>
-            <pc:docMk/>
-            <pc:sldMk cId="1423548731" sldId="261"/>
-            <ac:cxnSpMk id="47" creationId="{E5E042AA-4DDD-6335-2176-96639DAF4808}"/>
-          </ac:cxnSpMkLst>
-        </pc:cxnChg>
         <pc:cxnChg chg="add mod">
           <ac:chgData name="Jinyin Yan" userId="7d7b1cac-fbbc-4678-8cfc-23ca66a374ce" providerId="ADAL" clId="{FF26C555-752D-4004-A979-9228B3A43E4C}" dt="2025-01-09T09:19:57.173" v="680" actId="1076"/>
           <ac:cxnSpMkLst>
@@ -940,12 +829,12 @@
             <ac:cxnSpMk id="61" creationId="{87E5BBD7-57C4-EE6F-85D5-1C0482035CD7}"/>
           </ac:cxnSpMkLst>
         </pc:cxnChg>
-        <pc:cxnChg chg="add del mod">
-          <ac:chgData name="Jinyin Yan" userId="7d7b1cac-fbbc-4678-8cfc-23ca66a374ce" providerId="ADAL" clId="{FF26C555-752D-4004-A979-9228B3A43E4C}" dt="2025-01-09T06:07:37.289" v="188" actId="478"/>
+        <pc:cxnChg chg="add mod">
+          <ac:chgData name="Jinyin Yan" userId="7d7b1cac-fbbc-4678-8cfc-23ca66a374ce" providerId="ADAL" clId="{FF26C555-752D-4004-A979-9228B3A43E4C}" dt="2025-01-09T09:19:57.173" v="680" actId="1076"/>
           <ac:cxnSpMkLst>
             <pc:docMk/>
             <pc:sldMk cId="1423548731" sldId="261"/>
-            <ac:cxnSpMk id="61" creationId="{CC8984CC-E08D-E03F-DCDE-EE1DAE6C112F}"/>
+            <ac:cxnSpMk id="62" creationId="{0BB3FD72-F17B-6791-A68A-6AD67115090C}"/>
           </ac:cxnSpMkLst>
         </pc:cxnChg>
         <pc:cxnChg chg="add mod">
@@ -953,39 +842,7 @@
           <ac:cxnSpMkLst>
             <pc:docMk/>
             <pc:sldMk cId="1423548731" sldId="261"/>
-            <ac:cxnSpMk id="62" creationId="{0BB3FD72-F17B-6791-A68A-6AD67115090C}"/>
-          </ac:cxnSpMkLst>
-        </pc:cxnChg>
-        <pc:cxnChg chg="add del mod">
-          <ac:chgData name="Jinyin Yan" userId="7d7b1cac-fbbc-4678-8cfc-23ca66a374ce" providerId="ADAL" clId="{FF26C555-752D-4004-A979-9228B3A43E4C}" dt="2025-01-09T06:07:37.289" v="188" actId="478"/>
-          <ac:cxnSpMkLst>
-            <pc:docMk/>
-            <pc:sldMk cId="1423548731" sldId="261"/>
-            <ac:cxnSpMk id="62" creationId="{7D6909C0-DD90-8333-0384-6449BAC47ED2}"/>
-          </ac:cxnSpMkLst>
-        </pc:cxnChg>
-        <pc:cxnChg chg="add mod">
-          <ac:chgData name="Jinyin Yan" userId="7d7b1cac-fbbc-4678-8cfc-23ca66a374ce" providerId="ADAL" clId="{FF26C555-752D-4004-A979-9228B3A43E4C}" dt="2025-01-09T09:19:57.173" v="680" actId="1076"/>
-          <ac:cxnSpMkLst>
-            <pc:docMk/>
-            <pc:sldMk cId="1423548731" sldId="261"/>
             <ac:cxnSpMk id="63" creationId="{D7A1D342-261F-8F51-8CCC-A806123AC15E}"/>
-          </ac:cxnSpMkLst>
-        </pc:cxnChg>
-        <pc:cxnChg chg="add del mod">
-          <ac:chgData name="Jinyin Yan" userId="7d7b1cac-fbbc-4678-8cfc-23ca66a374ce" providerId="ADAL" clId="{FF26C555-752D-4004-A979-9228B3A43E4C}" dt="2025-01-09T07:55:49.637" v="468" actId="478"/>
-          <ac:cxnSpMkLst>
-            <pc:docMk/>
-            <pc:sldMk cId="1423548731" sldId="261"/>
-            <ac:cxnSpMk id="64" creationId="{ED70BA6F-00B8-F251-510B-F7F2FC142499}"/>
-          </ac:cxnSpMkLst>
-        </pc:cxnChg>
-        <pc:cxnChg chg="add del mod">
-          <ac:chgData name="Jinyin Yan" userId="7d7b1cac-fbbc-4678-8cfc-23ca66a374ce" providerId="ADAL" clId="{FF26C555-752D-4004-A979-9228B3A43E4C}" dt="2025-01-09T07:55:49.637" v="468" actId="478"/>
-          <ac:cxnSpMkLst>
-            <pc:docMk/>
-            <pc:sldMk cId="1423548731" sldId="261"/>
-            <ac:cxnSpMk id="65" creationId="{1CDD77D1-378A-BFB0-6D75-5A5CF5317435}"/>
           </ac:cxnSpMkLst>
         </pc:cxnChg>
         <pc:cxnChg chg="add mod">
@@ -1180,22 +1037,6 @@
             <ac:cxnSpMk id="95" creationId="{1F089EF7-D00D-5157-CEA6-D6BC476D01CB}"/>
           </ac:cxnSpMkLst>
         </pc:cxnChg>
-        <pc:cxnChg chg="add del mod">
-          <ac:chgData name="Jinyin Yan" userId="7d7b1cac-fbbc-4678-8cfc-23ca66a374ce" providerId="ADAL" clId="{FF26C555-752D-4004-A979-9228B3A43E4C}" dt="2025-01-09T07:55:49.637" v="468" actId="478"/>
-          <ac:cxnSpMkLst>
-            <pc:docMk/>
-            <pc:sldMk cId="1423548731" sldId="261"/>
-            <ac:cxnSpMk id="98" creationId="{92DA7609-FB7B-4DA1-F928-7DB6241B6CB8}"/>
-          </ac:cxnSpMkLst>
-        </pc:cxnChg>
-        <pc:cxnChg chg="add del mod">
-          <ac:chgData name="Jinyin Yan" userId="7d7b1cac-fbbc-4678-8cfc-23ca66a374ce" providerId="ADAL" clId="{FF26C555-752D-4004-A979-9228B3A43E4C}" dt="2025-01-09T07:55:49.637" v="468" actId="478"/>
-          <ac:cxnSpMkLst>
-            <pc:docMk/>
-            <pc:sldMk cId="1423548731" sldId="261"/>
-            <ac:cxnSpMk id="99" creationId="{05F80329-658F-B65B-B6D8-E5623D9BCAE3}"/>
-          </ac:cxnSpMkLst>
-        </pc:cxnChg>
         <pc:cxnChg chg="add mod">
           <ac:chgData name="Jinyin Yan" userId="7d7b1cac-fbbc-4678-8cfc-23ca66a374ce" providerId="ADAL" clId="{FF26C555-752D-4004-A979-9228B3A43E4C}" dt="2025-01-09T09:19:57.173" v="680" actId="1076"/>
           <ac:cxnSpMkLst>
@@ -1298,70 +1139,6 @@
             <pc:docMk/>
             <pc:sldMk cId="1423548731" sldId="261"/>
             <ac:cxnSpMk id="142" creationId="{16BC9BBA-A938-BB51-9B39-7A6DC6750488}"/>
-          </ac:cxnSpMkLst>
-        </pc:cxnChg>
-        <pc:cxnChg chg="add del mod">
-          <ac:chgData name="Jinyin Yan" userId="7d7b1cac-fbbc-4678-8cfc-23ca66a374ce" providerId="ADAL" clId="{FF26C555-752D-4004-A979-9228B3A43E4C}" dt="2025-01-09T06:57:34.928" v="335" actId="478"/>
-          <ac:cxnSpMkLst>
-            <pc:docMk/>
-            <pc:sldMk cId="1423548731" sldId="261"/>
-            <ac:cxnSpMk id="147" creationId="{7B350F6D-A739-D19D-4BD5-D16F0646B170}"/>
-          </ac:cxnSpMkLst>
-        </pc:cxnChg>
-        <pc:cxnChg chg="add del mod">
-          <ac:chgData name="Jinyin Yan" userId="7d7b1cac-fbbc-4678-8cfc-23ca66a374ce" providerId="ADAL" clId="{FF26C555-752D-4004-A979-9228B3A43E4C}" dt="2025-01-09T06:57:34.183" v="334" actId="478"/>
-          <ac:cxnSpMkLst>
-            <pc:docMk/>
-            <pc:sldMk cId="1423548731" sldId="261"/>
-            <ac:cxnSpMk id="148" creationId="{F8332DEB-10D4-AB9B-28CD-14C44B886353}"/>
-          </ac:cxnSpMkLst>
-        </pc:cxnChg>
-        <pc:cxnChg chg="add del mod">
-          <ac:chgData name="Jinyin Yan" userId="7d7b1cac-fbbc-4678-8cfc-23ca66a374ce" providerId="ADAL" clId="{FF26C555-752D-4004-A979-9228B3A43E4C}" dt="2025-01-09T06:57:32.648" v="332" actId="478"/>
-          <ac:cxnSpMkLst>
-            <pc:docMk/>
-            <pc:sldMk cId="1423548731" sldId="261"/>
-            <ac:cxnSpMk id="149" creationId="{A57CC81B-4205-A226-F876-43C00454040C}"/>
-          </ac:cxnSpMkLst>
-        </pc:cxnChg>
-        <pc:cxnChg chg="add del mod">
-          <ac:chgData name="Jinyin Yan" userId="7d7b1cac-fbbc-4678-8cfc-23ca66a374ce" providerId="ADAL" clId="{FF26C555-752D-4004-A979-9228B3A43E4C}" dt="2025-01-09T06:57:33.695" v="333" actId="478"/>
-          <ac:cxnSpMkLst>
-            <pc:docMk/>
-            <pc:sldMk cId="1423548731" sldId="261"/>
-            <ac:cxnSpMk id="150" creationId="{12279E0E-4592-5BD0-8F52-003B22189FD4}"/>
-          </ac:cxnSpMkLst>
-        </pc:cxnChg>
-        <pc:cxnChg chg="add del mod">
-          <ac:chgData name="Jinyin Yan" userId="7d7b1cac-fbbc-4678-8cfc-23ca66a374ce" providerId="ADAL" clId="{FF26C555-752D-4004-A979-9228B3A43E4C}" dt="2025-01-09T06:52:54.526" v="331" actId="478"/>
-          <ac:cxnSpMkLst>
-            <pc:docMk/>
-            <pc:sldMk cId="1423548731" sldId="261"/>
-            <ac:cxnSpMk id="151" creationId="{C4FB5B52-CDF8-AA29-F8E4-D8FF809B23C1}"/>
-          </ac:cxnSpMkLst>
-        </pc:cxnChg>
-        <pc:cxnChg chg="add del mod">
-          <ac:chgData name="Jinyin Yan" userId="7d7b1cac-fbbc-4678-8cfc-23ca66a374ce" providerId="ADAL" clId="{FF26C555-752D-4004-A979-9228B3A43E4C}" dt="2025-01-09T06:52:54.526" v="331" actId="478"/>
-          <ac:cxnSpMkLst>
-            <pc:docMk/>
-            <pc:sldMk cId="1423548731" sldId="261"/>
-            <ac:cxnSpMk id="152" creationId="{490AADCD-89FA-FAF8-0BAA-DFA48610050D}"/>
-          </ac:cxnSpMkLst>
-        </pc:cxnChg>
-        <pc:cxnChg chg="add del mod">
-          <ac:chgData name="Jinyin Yan" userId="7d7b1cac-fbbc-4678-8cfc-23ca66a374ce" providerId="ADAL" clId="{FF26C555-752D-4004-A979-9228B3A43E4C}" dt="2025-01-09T06:52:54.526" v="331" actId="478"/>
-          <ac:cxnSpMkLst>
-            <pc:docMk/>
-            <pc:sldMk cId="1423548731" sldId="261"/>
-            <ac:cxnSpMk id="153" creationId="{3F135567-329B-FEF4-FC02-41842935764C}"/>
-          </ac:cxnSpMkLst>
-        </pc:cxnChg>
-        <pc:cxnChg chg="add del mod">
-          <ac:chgData name="Jinyin Yan" userId="7d7b1cac-fbbc-4678-8cfc-23ca66a374ce" providerId="ADAL" clId="{FF26C555-752D-4004-A979-9228B3A43E4C}" dt="2025-01-09T06:52:54.526" v="331" actId="478"/>
-          <ac:cxnSpMkLst>
-            <pc:docMk/>
-            <pc:sldMk cId="1423548731" sldId="261"/>
-            <ac:cxnSpMk id="154" creationId="{D1AE49F2-A416-8E5B-DAE0-A877DD4EFC9D}"/>
           </ac:cxnSpMkLst>
         </pc:cxnChg>
         <pc:cxnChg chg="add mod">
@@ -1387,100 +1164,12 @@
           <pc:docMk/>
           <pc:sldMk cId="851681197" sldId="262"/>
         </pc:sldMkLst>
-        <pc:spChg chg="del">
-          <ac:chgData name="Jinyin Yan" userId="7d7b1cac-fbbc-4678-8cfc-23ca66a374ce" providerId="ADAL" clId="{FF26C555-752D-4004-A979-9228B3A43E4C}" dt="2025-01-09T07:25:29.155" v="375" actId="478"/>
-          <ac:spMkLst>
-            <pc:docMk/>
-            <pc:sldMk cId="851681197" sldId="262"/>
-            <ac:spMk id="2" creationId="{0BB25607-0EC7-4DC6-D4F9-ECADC9BEFAAB}"/>
-          </ac:spMkLst>
-        </pc:spChg>
-        <pc:spChg chg="del">
-          <ac:chgData name="Jinyin Yan" userId="7d7b1cac-fbbc-4678-8cfc-23ca66a374ce" providerId="ADAL" clId="{FF26C555-752D-4004-A979-9228B3A43E4C}" dt="2025-01-09T07:24:57.799" v="373" actId="478"/>
-          <ac:spMkLst>
-            <pc:docMk/>
-            <pc:sldMk cId="851681197" sldId="262"/>
-            <ac:spMk id="24" creationId="{FB6A53AF-33BE-CE4F-5710-7F1529F8F64C}"/>
-          </ac:spMkLst>
-        </pc:spChg>
-        <pc:spChg chg="del mod">
-          <ac:chgData name="Jinyin Yan" userId="7d7b1cac-fbbc-4678-8cfc-23ca66a374ce" providerId="ADAL" clId="{FF26C555-752D-4004-A979-9228B3A43E4C}" dt="2025-01-09T07:25:53.748" v="386" actId="478"/>
-          <ac:spMkLst>
-            <pc:docMk/>
-            <pc:sldMk cId="851681197" sldId="262"/>
-            <ac:spMk id="27" creationId="{A634D26B-8225-3E40-4A06-0ADC9DDC6A37}"/>
-          </ac:spMkLst>
-        </pc:spChg>
-        <pc:spChg chg="del">
-          <ac:chgData name="Jinyin Yan" userId="7d7b1cac-fbbc-4678-8cfc-23ca66a374ce" providerId="ADAL" clId="{FF26C555-752D-4004-A979-9228B3A43E4C}" dt="2025-01-09T07:24:56.272" v="372" actId="478"/>
-          <ac:spMkLst>
-            <pc:docMk/>
-            <pc:sldMk cId="851681197" sldId="262"/>
-            <ac:spMk id="41" creationId="{D4B9EC2F-AE35-8777-1171-A7EFEA1D76DC}"/>
-          </ac:spMkLst>
-        </pc:spChg>
-        <pc:spChg chg="del">
-          <ac:chgData name="Jinyin Yan" userId="7d7b1cac-fbbc-4678-8cfc-23ca66a374ce" providerId="ADAL" clId="{FF26C555-752D-4004-A979-9228B3A43E4C}" dt="2025-01-09T07:24:56.272" v="372" actId="478"/>
-          <ac:spMkLst>
-            <pc:docMk/>
-            <pc:sldMk cId="851681197" sldId="262"/>
-            <ac:spMk id="42" creationId="{D5F09953-5271-C262-6D3B-3E0025E775B1}"/>
-          </ac:spMkLst>
-        </pc:spChg>
-        <pc:spChg chg="del">
-          <ac:chgData name="Jinyin Yan" userId="7d7b1cac-fbbc-4678-8cfc-23ca66a374ce" providerId="ADAL" clId="{FF26C555-752D-4004-A979-9228B3A43E4C}" dt="2025-01-09T07:25:26.111" v="374" actId="478"/>
-          <ac:spMkLst>
-            <pc:docMk/>
-            <pc:sldMk cId="851681197" sldId="262"/>
-            <ac:spMk id="46" creationId="{0DBDC532-F3D3-137A-FE8A-E8DC93043750}"/>
-          </ac:spMkLst>
-        </pc:spChg>
-        <pc:spChg chg="del">
-          <ac:chgData name="Jinyin Yan" userId="7d7b1cac-fbbc-4678-8cfc-23ca66a374ce" providerId="ADAL" clId="{FF26C555-752D-4004-A979-9228B3A43E4C}" dt="2025-01-09T07:25:26.111" v="374" actId="478"/>
-          <ac:spMkLst>
-            <pc:docMk/>
-            <pc:sldMk cId="851681197" sldId="262"/>
-            <ac:spMk id="47" creationId="{A68E8CC2-40BE-B471-6648-F2093C4764F5}"/>
-          </ac:spMkLst>
-        </pc:spChg>
-        <pc:spChg chg="del">
-          <ac:chgData name="Jinyin Yan" userId="7d7b1cac-fbbc-4678-8cfc-23ca66a374ce" providerId="ADAL" clId="{FF26C555-752D-4004-A979-9228B3A43E4C}" dt="2025-01-09T07:25:26.111" v="374" actId="478"/>
-          <ac:spMkLst>
-            <pc:docMk/>
-            <pc:sldMk cId="851681197" sldId="262"/>
-            <ac:spMk id="48" creationId="{F60D16B5-800E-979A-7781-B517C64B77BA}"/>
-          </ac:spMkLst>
-        </pc:spChg>
         <pc:spChg chg="add mod">
           <ac:chgData name="Jinyin Yan" userId="7d7b1cac-fbbc-4678-8cfc-23ca66a374ce" providerId="ADAL" clId="{FF26C555-752D-4004-A979-9228B3A43E4C}" dt="2025-01-09T07:27:24.667" v="419" actId="1076"/>
           <ac:spMkLst>
             <pc:docMk/>
             <pc:sldMk cId="851681197" sldId="262"/>
             <ac:spMk id="62" creationId="{53D1550B-C339-E7FF-C740-67C490252D09}"/>
-          </ac:spMkLst>
-        </pc:spChg>
-        <pc:spChg chg="del">
-          <ac:chgData name="Jinyin Yan" userId="7d7b1cac-fbbc-4678-8cfc-23ca66a374ce" providerId="ADAL" clId="{FF26C555-752D-4004-A979-9228B3A43E4C}" dt="2025-01-09T07:24:56.272" v="372" actId="478"/>
-          <ac:spMkLst>
-            <pc:docMk/>
-            <pc:sldMk cId="851681197" sldId="262"/>
-            <ac:spMk id="66" creationId="{642BC8A0-B6D2-6D4F-5D6F-F984EB0CFC83}"/>
-          </ac:spMkLst>
-        </pc:spChg>
-        <pc:spChg chg="del">
-          <ac:chgData name="Jinyin Yan" userId="7d7b1cac-fbbc-4678-8cfc-23ca66a374ce" providerId="ADAL" clId="{FF26C555-752D-4004-A979-9228B3A43E4C}" dt="2025-01-09T07:24:56.272" v="372" actId="478"/>
-          <ac:spMkLst>
-            <pc:docMk/>
-            <pc:sldMk cId="851681197" sldId="262"/>
-            <ac:spMk id="67" creationId="{B0A6FFF0-22F5-1541-0E72-71A90505EA08}"/>
-          </ac:spMkLst>
-        </pc:spChg>
-        <pc:spChg chg="del">
-          <ac:chgData name="Jinyin Yan" userId="7d7b1cac-fbbc-4678-8cfc-23ca66a374ce" providerId="ADAL" clId="{FF26C555-752D-4004-A979-9228B3A43E4C}" dt="2025-01-09T07:24:56.272" v="372" actId="478"/>
-          <ac:spMkLst>
-            <pc:docMk/>
-            <pc:sldMk cId="851681197" sldId="262"/>
-            <ac:spMk id="68" creationId="{24EEF911-567E-B856-5ADF-C9C2F13B4A74}"/>
           </ac:spMkLst>
         </pc:spChg>
         <pc:spChg chg="add mod">
@@ -1499,22 +1188,6 @@
             <ac:spMk id="81" creationId="{AA685471-343C-7205-81C7-580768672032}"/>
           </ac:spMkLst>
         </pc:spChg>
-        <pc:spChg chg="del">
-          <ac:chgData name="Jinyin Yan" userId="7d7b1cac-fbbc-4678-8cfc-23ca66a374ce" providerId="ADAL" clId="{FF26C555-752D-4004-A979-9228B3A43E4C}" dt="2025-01-09T07:25:29.155" v="375" actId="478"/>
-          <ac:spMkLst>
-            <pc:docMk/>
-            <pc:sldMk cId="851681197" sldId="262"/>
-            <ac:spMk id="84" creationId="{493C4281-08D5-B2D1-8B2B-40BA14D1C84E}"/>
-          </ac:spMkLst>
-        </pc:spChg>
-        <pc:spChg chg="del">
-          <ac:chgData name="Jinyin Yan" userId="7d7b1cac-fbbc-4678-8cfc-23ca66a374ce" providerId="ADAL" clId="{FF26C555-752D-4004-A979-9228B3A43E4C}" dt="2025-01-09T07:25:29.155" v="375" actId="478"/>
-          <ac:spMkLst>
-            <pc:docMk/>
-            <pc:sldMk cId="851681197" sldId="262"/>
-            <ac:spMk id="96" creationId="{EDC39626-00B6-620B-C120-6002DED60639}"/>
-          </ac:spMkLst>
-        </pc:spChg>
         <pc:spChg chg="mod">
           <ac:chgData name="Jinyin Yan" userId="7d7b1cac-fbbc-4678-8cfc-23ca66a374ce" providerId="ADAL" clId="{FF26C555-752D-4004-A979-9228B3A43E4C}" dt="2025-01-09T07:26:29.402" v="402" actId="1076"/>
           <ac:spMkLst>
@@ -1523,156 +1196,12 @@
             <ac:spMk id="97" creationId="{14F20715-B819-388B-E737-DB8933E70657}"/>
           </ac:spMkLst>
         </pc:spChg>
-        <pc:spChg chg="del">
-          <ac:chgData name="Jinyin Yan" userId="7d7b1cac-fbbc-4678-8cfc-23ca66a374ce" providerId="ADAL" clId="{FF26C555-752D-4004-A979-9228B3A43E4C}" dt="2025-01-09T07:25:31.179" v="376" actId="478"/>
-          <ac:spMkLst>
-            <pc:docMk/>
-            <pc:sldMk cId="851681197" sldId="262"/>
-            <ac:spMk id="100" creationId="{0FA0B77F-F9A8-D41D-32DF-2A839000D4AB}"/>
-          </ac:spMkLst>
-        </pc:spChg>
-        <pc:spChg chg="del">
-          <ac:chgData name="Jinyin Yan" userId="7d7b1cac-fbbc-4678-8cfc-23ca66a374ce" providerId="ADAL" clId="{FF26C555-752D-4004-A979-9228B3A43E4C}" dt="2025-01-09T07:24:56.272" v="372" actId="478"/>
-          <ac:spMkLst>
-            <pc:docMk/>
-            <pc:sldMk cId="851681197" sldId="262"/>
-            <ac:spMk id="104" creationId="{8C8A94D2-A4A6-333A-1776-0315EBB264FB}"/>
-          </ac:spMkLst>
-        </pc:spChg>
-        <pc:spChg chg="del">
-          <ac:chgData name="Jinyin Yan" userId="7d7b1cac-fbbc-4678-8cfc-23ca66a374ce" providerId="ADAL" clId="{FF26C555-752D-4004-A979-9228B3A43E4C}" dt="2025-01-09T07:25:26.111" v="374" actId="478"/>
-          <ac:spMkLst>
-            <pc:docMk/>
-            <pc:sldMk cId="851681197" sldId="262"/>
-            <ac:spMk id="115" creationId="{EC745E9F-6B3E-AFB6-CED7-A950C87832C9}"/>
-          </ac:spMkLst>
-        </pc:spChg>
-        <pc:spChg chg="del">
-          <ac:chgData name="Jinyin Yan" userId="7d7b1cac-fbbc-4678-8cfc-23ca66a374ce" providerId="ADAL" clId="{FF26C555-752D-4004-A979-9228B3A43E4C}" dt="2025-01-09T07:25:47.291" v="379" actId="478"/>
-          <ac:spMkLst>
-            <pc:docMk/>
-            <pc:sldMk cId="851681197" sldId="262"/>
-            <ac:spMk id="119" creationId="{C88AF469-064F-4C28-D9A3-5EDB588BCB76}"/>
-          </ac:spMkLst>
-        </pc:spChg>
-        <pc:spChg chg="del mod">
-          <ac:chgData name="Jinyin Yan" userId="7d7b1cac-fbbc-4678-8cfc-23ca66a374ce" providerId="ADAL" clId="{FF26C555-752D-4004-A979-9228B3A43E4C}" dt="2025-01-09T07:25:56.561" v="388" actId="478"/>
-          <ac:spMkLst>
-            <pc:docMk/>
-            <pc:sldMk cId="851681197" sldId="262"/>
-            <ac:spMk id="130" creationId="{E5ABD80D-A81C-7179-3558-1DE69D87C4C0}"/>
-          </ac:spMkLst>
-        </pc:spChg>
-        <pc:spChg chg="del">
-          <ac:chgData name="Jinyin Yan" userId="7d7b1cac-fbbc-4678-8cfc-23ca66a374ce" providerId="ADAL" clId="{FF26C555-752D-4004-A979-9228B3A43E4C}" dt="2025-01-09T07:25:29.155" v="375" actId="478"/>
-          <ac:spMkLst>
-            <pc:docMk/>
-            <pc:sldMk cId="851681197" sldId="262"/>
-            <ac:spMk id="131" creationId="{F176E364-094B-F1F4-1408-DC80C0B31AE9}"/>
-          </ac:spMkLst>
-        </pc:spChg>
-        <pc:spChg chg="del">
-          <ac:chgData name="Jinyin Yan" userId="7d7b1cac-fbbc-4678-8cfc-23ca66a374ce" providerId="ADAL" clId="{FF26C555-752D-4004-A979-9228B3A43E4C}" dt="2025-01-09T07:25:29.155" v="375" actId="478"/>
-          <ac:spMkLst>
-            <pc:docMk/>
-            <pc:sldMk cId="851681197" sldId="262"/>
-            <ac:spMk id="135" creationId="{B5B3805B-FA64-4E0B-0E3F-96D752A6D6C7}"/>
-          </ac:spMkLst>
-        </pc:spChg>
-        <pc:spChg chg="del">
-          <ac:chgData name="Jinyin Yan" userId="7d7b1cac-fbbc-4678-8cfc-23ca66a374ce" providerId="ADAL" clId="{FF26C555-752D-4004-A979-9228B3A43E4C}" dt="2025-01-09T07:25:29.155" v="375" actId="478"/>
-          <ac:spMkLst>
-            <pc:docMk/>
-            <pc:sldMk cId="851681197" sldId="262"/>
-            <ac:spMk id="136" creationId="{FEF6D33D-C6A3-5BC9-3E37-6EA1A54AA155}"/>
-          </ac:spMkLst>
-        </pc:spChg>
-        <pc:grpChg chg="del">
-          <ac:chgData name="Jinyin Yan" userId="7d7b1cac-fbbc-4678-8cfc-23ca66a374ce" providerId="ADAL" clId="{FF26C555-752D-4004-A979-9228B3A43E4C}" dt="2025-01-09T07:24:56.272" v="372" actId="478"/>
-          <ac:grpSpMkLst>
-            <pc:docMk/>
-            <pc:sldMk cId="851681197" sldId="262"/>
-            <ac:grpSpMk id="4" creationId="{9A25A67F-9E7C-D494-A27A-AE504027A6B4}"/>
-          </ac:grpSpMkLst>
-        </pc:grpChg>
-        <pc:grpChg chg="del">
-          <ac:chgData name="Jinyin Yan" userId="7d7b1cac-fbbc-4678-8cfc-23ca66a374ce" providerId="ADAL" clId="{FF26C555-752D-4004-A979-9228B3A43E4C}" dt="2025-01-09T07:24:56.272" v="372" actId="478"/>
-          <ac:grpSpMkLst>
-            <pc:docMk/>
-            <pc:sldMk cId="851681197" sldId="262"/>
-            <ac:grpSpMk id="14" creationId="{998A2115-EEA6-5B7E-A5F0-4E29E757B347}"/>
-          </ac:grpSpMkLst>
-        </pc:grpChg>
-        <pc:cxnChg chg="del">
-          <ac:chgData name="Jinyin Yan" userId="7d7b1cac-fbbc-4678-8cfc-23ca66a374ce" providerId="ADAL" clId="{FF26C555-752D-4004-A979-9228B3A43E4C}" dt="2025-01-09T07:24:56.272" v="372" actId="478"/>
-          <ac:cxnSpMkLst>
-            <pc:docMk/>
-            <pc:sldMk cId="851681197" sldId="262"/>
-            <ac:cxnSpMk id="3" creationId="{07E610F6-ED62-9EA5-A2CC-638A9A5AAD7E}"/>
-          </ac:cxnSpMkLst>
-        </pc:cxnChg>
-        <pc:cxnChg chg="del mod">
-          <ac:chgData name="Jinyin Yan" userId="7d7b1cac-fbbc-4678-8cfc-23ca66a374ce" providerId="ADAL" clId="{FF26C555-752D-4004-A979-9228B3A43E4C}" dt="2025-01-09T07:24:56.272" v="372" actId="478"/>
-          <ac:cxnSpMkLst>
-            <pc:docMk/>
-            <pc:sldMk cId="851681197" sldId="262"/>
-            <ac:cxnSpMk id="26" creationId="{A3C6F55E-69F8-E25F-8075-C0CC89C5B19B}"/>
-          </ac:cxnSpMkLst>
-        </pc:cxnChg>
-        <pc:cxnChg chg="del">
-          <ac:chgData name="Jinyin Yan" userId="7d7b1cac-fbbc-4678-8cfc-23ca66a374ce" providerId="ADAL" clId="{FF26C555-752D-4004-A979-9228B3A43E4C}" dt="2025-01-09T07:25:29.155" v="375" actId="478"/>
-          <ac:cxnSpMkLst>
-            <pc:docMk/>
-            <pc:sldMk cId="851681197" sldId="262"/>
-            <ac:cxnSpMk id="28" creationId="{9D9CEA25-36F1-AA01-0FB0-C2E4A514FB2E}"/>
-          </ac:cxnSpMkLst>
-        </pc:cxnChg>
-        <pc:cxnChg chg="del">
-          <ac:chgData name="Jinyin Yan" userId="7d7b1cac-fbbc-4678-8cfc-23ca66a374ce" providerId="ADAL" clId="{FF26C555-752D-4004-A979-9228B3A43E4C}" dt="2025-01-09T07:24:56.272" v="372" actId="478"/>
-          <ac:cxnSpMkLst>
-            <pc:docMk/>
-            <pc:sldMk cId="851681197" sldId="262"/>
-            <ac:cxnSpMk id="29" creationId="{F2A92AD4-7AF7-EE40-AF60-A236A5581BEB}"/>
-          </ac:cxnSpMkLst>
-        </pc:cxnChg>
         <pc:cxnChg chg="add mod">
           <ac:chgData name="Jinyin Yan" userId="7d7b1cac-fbbc-4678-8cfc-23ca66a374ce" providerId="ADAL" clId="{FF26C555-752D-4004-A979-9228B3A43E4C}" dt="2025-01-09T07:26:49.323" v="404" actId="14100"/>
           <ac:cxnSpMkLst>
             <pc:docMk/>
             <pc:sldMk cId="851681197" sldId="262"/>
             <ac:cxnSpMk id="30" creationId="{DDC6214D-2FB6-8BC8-657E-32ED2EE11B9E}"/>
-          </ac:cxnSpMkLst>
-        </pc:cxnChg>
-        <pc:cxnChg chg="del">
-          <ac:chgData name="Jinyin Yan" userId="7d7b1cac-fbbc-4678-8cfc-23ca66a374ce" providerId="ADAL" clId="{FF26C555-752D-4004-A979-9228B3A43E4C}" dt="2025-01-09T07:24:56.272" v="372" actId="478"/>
-          <ac:cxnSpMkLst>
-            <pc:docMk/>
-            <pc:sldMk cId="851681197" sldId="262"/>
-            <ac:cxnSpMk id="31" creationId="{E96A728F-7936-AE0B-446F-D58C9B06ABD8}"/>
-          </ac:cxnSpMkLst>
-        </pc:cxnChg>
-        <pc:cxnChg chg="del">
-          <ac:chgData name="Jinyin Yan" userId="7d7b1cac-fbbc-4678-8cfc-23ca66a374ce" providerId="ADAL" clId="{FF26C555-752D-4004-A979-9228B3A43E4C}" dt="2025-01-09T07:24:56.272" v="372" actId="478"/>
-          <ac:cxnSpMkLst>
-            <pc:docMk/>
-            <pc:sldMk cId="851681197" sldId="262"/>
-            <ac:cxnSpMk id="33" creationId="{320355D5-9449-4416-0BCA-5F73E6B2C7B7}"/>
-          </ac:cxnSpMkLst>
-        </pc:cxnChg>
-        <pc:cxnChg chg="del">
-          <ac:chgData name="Jinyin Yan" userId="7d7b1cac-fbbc-4678-8cfc-23ca66a374ce" providerId="ADAL" clId="{FF26C555-752D-4004-A979-9228B3A43E4C}" dt="2025-01-09T07:25:29.155" v="375" actId="478"/>
-          <ac:cxnSpMkLst>
-            <pc:docMk/>
-            <pc:sldMk cId="851681197" sldId="262"/>
-            <ac:cxnSpMk id="34" creationId="{D546EEE7-3CDE-2DD1-7175-C5A2F85E5321}"/>
-          </ac:cxnSpMkLst>
-        </pc:cxnChg>
-        <pc:cxnChg chg="del">
-          <ac:chgData name="Jinyin Yan" userId="7d7b1cac-fbbc-4678-8cfc-23ca66a374ce" providerId="ADAL" clId="{FF26C555-752D-4004-A979-9228B3A43E4C}" dt="2025-01-09T07:24:56.272" v="372" actId="478"/>
-          <ac:cxnSpMkLst>
-            <pc:docMk/>
-            <pc:sldMk cId="851681197" sldId="262"/>
-            <ac:cxnSpMk id="35" creationId="{DA96482F-134F-64BB-1F61-DC26035F6243}"/>
           </ac:cxnSpMkLst>
         </pc:cxnChg>
         <pc:cxnChg chg="add mod">
@@ -1681,214 +1210,6 @@
             <pc:docMk/>
             <pc:sldMk cId="851681197" sldId="262"/>
             <ac:cxnSpMk id="36" creationId="{53180093-12DC-74EA-64A8-752DF340069B}"/>
-          </ac:cxnSpMkLst>
-        </pc:cxnChg>
-        <pc:cxnChg chg="del">
-          <ac:chgData name="Jinyin Yan" userId="7d7b1cac-fbbc-4678-8cfc-23ca66a374ce" providerId="ADAL" clId="{FF26C555-752D-4004-A979-9228B3A43E4C}" dt="2025-01-09T07:24:56.272" v="372" actId="478"/>
-          <ac:cxnSpMkLst>
-            <pc:docMk/>
-            <pc:sldMk cId="851681197" sldId="262"/>
-            <ac:cxnSpMk id="37" creationId="{397BDD27-A68B-A976-4B17-C0CA6B3E4EE0}"/>
-          </ac:cxnSpMkLst>
-        </pc:cxnChg>
-        <pc:cxnChg chg="del">
-          <ac:chgData name="Jinyin Yan" userId="7d7b1cac-fbbc-4678-8cfc-23ca66a374ce" providerId="ADAL" clId="{FF26C555-752D-4004-A979-9228B3A43E4C}" dt="2025-01-09T07:25:29.155" v="375" actId="478"/>
-          <ac:cxnSpMkLst>
-            <pc:docMk/>
-            <pc:sldMk cId="851681197" sldId="262"/>
-            <ac:cxnSpMk id="39" creationId="{1EBABEAF-2D9E-B742-1D06-DA787DEEA5AC}"/>
-          </ac:cxnSpMkLst>
-        </pc:cxnChg>
-        <pc:cxnChg chg="del">
-          <ac:chgData name="Jinyin Yan" userId="7d7b1cac-fbbc-4678-8cfc-23ca66a374ce" providerId="ADAL" clId="{FF26C555-752D-4004-A979-9228B3A43E4C}" dt="2025-01-09T07:25:29.155" v="375" actId="478"/>
-          <ac:cxnSpMkLst>
-            <pc:docMk/>
-            <pc:sldMk cId="851681197" sldId="262"/>
-            <ac:cxnSpMk id="40" creationId="{B70E5279-4707-FAC3-7417-17CC7D51D26B}"/>
-          </ac:cxnSpMkLst>
-        </pc:cxnChg>
-        <pc:cxnChg chg="del mod">
-          <ac:chgData name="Jinyin Yan" userId="7d7b1cac-fbbc-4678-8cfc-23ca66a374ce" providerId="ADAL" clId="{FF26C555-752D-4004-A979-9228B3A43E4C}" dt="2025-01-09T07:24:56.272" v="372" actId="478"/>
-          <ac:cxnSpMkLst>
-            <pc:docMk/>
-            <pc:sldMk cId="851681197" sldId="262"/>
-            <ac:cxnSpMk id="43" creationId="{8A9207FB-0794-628D-A9D4-E7C791E895C7}"/>
-          </ac:cxnSpMkLst>
-        </pc:cxnChg>
-        <pc:cxnChg chg="del">
-          <ac:chgData name="Jinyin Yan" userId="7d7b1cac-fbbc-4678-8cfc-23ca66a374ce" providerId="ADAL" clId="{FF26C555-752D-4004-A979-9228B3A43E4C}" dt="2025-01-09T07:25:31.179" v="376" actId="478"/>
-          <ac:cxnSpMkLst>
-            <pc:docMk/>
-            <pc:sldMk cId="851681197" sldId="262"/>
-            <ac:cxnSpMk id="44" creationId="{D0B915E0-894E-EC84-BD8F-D6F952EEE782}"/>
-          </ac:cxnSpMkLst>
-        </pc:cxnChg>
-        <pc:cxnChg chg="del">
-          <ac:chgData name="Jinyin Yan" userId="7d7b1cac-fbbc-4678-8cfc-23ca66a374ce" providerId="ADAL" clId="{FF26C555-752D-4004-A979-9228B3A43E4C}" dt="2025-01-09T07:25:31.179" v="376" actId="478"/>
-          <ac:cxnSpMkLst>
-            <pc:docMk/>
-            <pc:sldMk cId="851681197" sldId="262"/>
-            <ac:cxnSpMk id="45" creationId="{A3466721-97FE-C6B9-E608-390F25196A04}"/>
-          </ac:cxnSpMkLst>
-        </pc:cxnChg>
-        <pc:cxnChg chg="del">
-          <ac:chgData name="Jinyin Yan" userId="7d7b1cac-fbbc-4678-8cfc-23ca66a374ce" providerId="ADAL" clId="{FF26C555-752D-4004-A979-9228B3A43E4C}" dt="2025-01-09T07:25:29.155" v="375" actId="478"/>
-          <ac:cxnSpMkLst>
-            <pc:docMk/>
-            <pc:sldMk cId="851681197" sldId="262"/>
-            <ac:cxnSpMk id="49" creationId="{87AA176F-7893-AD0E-B050-A8D23FAB5CF1}"/>
-          </ac:cxnSpMkLst>
-        </pc:cxnChg>
-        <pc:cxnChg chg="del">
-          <ac:chgData name="Jinyin Yan" userId="7d7b1cac-fbbc-4678-8cfc-23ca66a374ce" providerId="ADAL" clId="{FF26C555-752D-4004-A979-9228B3A43E4C}" dt="2025-01-09T07:25:26.111" v="374" actId="478"/>
-          <ac:cxnSpMkLst>
-            <pc:docMk/>
-            <pc:sldMk cId="851681197" sldId="262"/>
-            <ac:cxnSpMk id="50" creationId="{9DB2ADC1-A850-E15F-3FCC-9886FB26D64E}"/>
-          </ac:cxnSpMkLst>
-        </pc:cxnChg>
-        <pc:cxnChg chg="del">
-          <ac:chgData name="Jinyin Yan" userId="7d7b1cac-fbbc-4678-8cfc-23ca66a374ce" providerId="ADAL" clId="{FF26C555-752D-4004-A979-9228B3A43E4C}" dt="2025-01-09T07:25:29.155" v="375" actId="478"/>
-          <ac:cxnSpMkLst>
-            <pc:docMk/>
-            <pc:sldMk cId="851681197" sldId="262"/>
-            <ac:cxnSpMk id="51" creationId="{A5048987-6553-4440-D35B-A7134747544F}"/>
-          </ac:cxnSpMkLst>
-        </pc:cxnChg>
-        <pc:cxnChg chg="del">
-          <ac:chgData name="Jinyin Yan" userId="7d7b1cac-fbbc-4678-8cfc-23ca66a374ce" providerId="ADAL" clId="{FF26C555-752D-4004-A979-9228B3A43E4C}" dt="2025-01-09T07:25:26.111" v="374" actId="478"/>
-          <ac:cxnSpMkLst>
-            <pc:docMk/>
-            <pc:sldMk cId="851681197" sldId="262"/>
-            <ac:cxnSpMk id="52" creationId="{3B15D3F3-7D20-6E3B-820D-1728CDC02AAE}"/>
-          </ac:cxnSpMkLst>
-        </pc:cxnChg>
-        <pc:cxnChg chg="del">
-          <ac:chgData name="Jinyin Yan" userId="7d7b1cac-fbbc-4678-8cfc-23ca66a374ce" providerId="ADAL" clId="{FF26C555-752D-4004-A979-9228B3A43E4C}" dt="2025-01-09T07:25:29.155" v="375" actId="478"/>
-          <ac:cxnSpMkLst>
-            <pc:docMk/>
-            <pc:sldMk cId="851681197" sldId="262"/>
-            <ac:cxnSpMk id="53" creationId="{64456349-D834-1DD7-4A4C-2A67C2055741}"/>
-          </ac:cxnSpMkLst>
-        </pc:cxnChg>
-        <pc:cxnChg chg="del">
-          <ac:chgData name="Jinyin Yan" userId="7d7b1cac-fbbc-4678-8cfc-23ca66a374ce" providerId="ADAL" clId="{FF26C555-752D-4004-A979-9228B3A43E4C}" dt="2025-01-09T07:25:26.111" v="374" actId="478"/>
-          <ac:cxnSpMkLst>
-            <pc:docMk/>
-            <pc:sldMk cId="851681197" sldId="262"/>
-            <ac:cxnSpMk id="54" creationId="{028427AE-3CB8-9FF6-3604-1CAE480C2DD1}"/>
-          </ac:cxnSpMkLst>
-        </pc:cxnChg>
-        <pc:cxnChg chg="del">
-          <ac:chgData name="Jinyin Yan" userId="7d7b1cac-fbbc-4678-8cfc-23ca66a374ce" providerId="ADAL" clId="{FF26C555-752D-4004-A979-9228B3A43E4C}" dt="2025-01-09T07:25:26.111" v="374" actId="478"/>
-          <ac:cxnSpMkLst>
-            <pc:docMk/>
-            <pc:sldMk cId="851681197" sldId="262"/>
-            <ac:cxnSpMk id="55" creationId="{7F187880-4B4A-D950-AF75-30E249501BD2}"/>
-          </ac:cxnSpMkLst>
-        </pc:cxnChg>
-        <pc:cxnChg chg="del">
-          <ac:chgData name="Jinyin Yan" userId="7d7b1cac-fbbc-4678-8cfc-23ca66a374ce" providerId="ADAL" clId="{FF26C555-752D-4004-A979-9228B3A43E4C}" dt="2025-01-09T07:25:26.111" v="374" actId="478"/>
-          <ac:cxnSpMkLst>
-            <pc:docMk/>
-            <pc:sldMk cId="851681197" sldId="262"/>
-            <ac:cxnSpMk id="56" creationId="{34654747-496F-D238-7BE5-9BDF458C6EA6}"/>
-          </ac:cxnSpMkLst>
-        </pc:cxnChg>
-        <pc:cxnChg chg="del">
-          <ac:chgData name="Jinyin Yan" userId="7d7b1cac-fbbc-4678-8cfc-23ca66a374ce" providerId="ADAL" clId="{FF26C555-752D-4004-A979-9228B3A43E4C}" dt="2025-01-09T07:25:26.111" v="374" actId="478"/>
-          <ac:cxnSpMkLst>
-            <pc:docMk/>
-            <pc:sldMk cId="851681197" sldId="262"/>
-            <ac:cxnSpMk id="57" creationId="{42900790-D6B5-4A90-B854-781EA91475C5}"/>
-          </ac:cxnSpMkLst>
-        </pc:cxnChg>
-        <pc:cxnChg chg="del">
-          <ac:chgData name="Jinyin Yan" userId="7d7b1cac-fbbc-4678-8cfc-23ca66a374ce" providerId="ADAL" clId="{FF26C555-752D-4004-A979-9228B3A43E4C}" dt="2025-01-09T07:25:26.111" v="374" actId="478"/>
-          <ac:cxnSpMkLst>
-            <pc:docMk/>
-            <pc:sldMk cId="851681197" sldId="262"/>
-            <ac:cxnSpMk id="58" creationId="{11416A94-1AE5-760F-635F-4CF60FC73204}"/>
-          </ac:cxnSpMkLst>
-        </pc:cxnChg>
-        <pc:cxnChg chg="del">
-          <ac:chgData name="Jinyin Yan" userId="7d7b1cac-fbbc-4678-8cfc-23ca66a374ce" providerId="ADAL" clId="{FF26C555-752D-4004-A979-9228B3A43E4C}" dt="2025-01-09T07:25:26.111" v="374" actId="478"/>
-          <ac:cxnSpMkLst>
-            <pc:docMk/>
-            <pc:sldMk cId="851681197" sldId="262"/>
-            <ac:cxnSpMk id="59" creationId="{31FFD36B-D38B-CF16-98A3-1A33E175B8EE}"/>
-          </ac:cxnSpMkLst>
-        </pc:cxnChg>
-        <pc:cxnChg chg="del">
-          <ac:chgData name="Jinyin Yan" userId="7d7b1cac-fbbc-4678-8cfc-23ca66a374ce" providerId="ADAL" clId="{FF26C555-752D-4004-A979-9228B3A43E4C}" dt="2025-01-09T07:25:26.111" v="374" actId="478"/>
-          <ac:cxnSpMkLst>
-            <pc:docMk/>
-            <pc:sldMk cId="851681197" sldId="262"/>
-            <ac:cxnSpMk id="60" creationId="{FAE9C30C-E476-213E-55A0-B0797E39D17B}"/>
-          </ac:cxnSpMkLst>
-        </pc:cxnChg>
-        <pc:cxnChg chg="del">
-          <ac:chgData name="Jinyin Yan" userId="7d7b1cac-fbbc-4678-8cfc-23ca66a374ce" providerId="ADAL" clId="{FF26C555-752D-4004-A979-9228B3A43E4C}" dt="2025-01-09T07:25:29.155" v="375" actId="478"/>
-          <ac:cxnSpMkLst>
-            <pc:docMk/>
-            <pc:sldMk cId="851681197" sldId="262"/>
-            <ac:cxnSpMk id="63" creationId="{6E5219B3-D8F6-2919-B999-1EFB1CF85A16}"/>
-          </ac:cxnSpMkLst>
-        </pc:cxnChg>
-        <pc:cxnChg chg="del">
-          <ac:chgData name="Jinyin Yan" userId="7d7b1cac-fbbc-4678-8cfc-23ca66a374ce" providerId="ADAL" clId="{FF26C555-752D-4004-A979-9228B3A43E4C}" dt="2025-01-09T07:25:31.179" v="376" actId="478"/>
-          <ac:cxnSpMkLst>
-            <pc:docMk/>
-            <pc:sldMk cId="851681197" sldId="262"/>
-            <ac:cxnSpMk id="64" creationId="{5B550C90-AFE8-7AF5-0DB7-ACD34D2CD1BB}"/>
-          </ac:cxnSpMkLst>
-        </pc:cxnChg>
-        <pc:cxnChg chg="del">
-          <ac:chgData name="Jinyin Yan" userId="7d7b1cac-fbbc-4678-8cfc-23ca66a374ce" providerId="ADAL" clId="{FF26C555-752D-4004-A979-9228B3A43E4C}" dt="2025-01-09T07:25:31.179" v="376" actId="478"/>
-          <ac:cxnSpMkLst>
-            <pc:docMk/>
-            <pc:sldMk cId="851681197" sldId="262"/>
-            <ac:cxnSpMk id="65" creationId="{FB8B64F5-1927-B0D3-906A-AC8F890B69E5}"/>
-          </ac:cxnSpMkLst>
-        </pc:cxnChg>
-        <pc:cxnChg chg="del">
-          <ac:chgData name="Jinyin Yan" userId="7d7b1cac-fbbc-4678-8cfc-23ca66a374ce" providerId="ADAL" clId="{FF26C555-752D-4004-A979-9228B3A43E4C}" dt="2025-01-09T07:24:56.272" v="372" actId="478"/>
-          <ac:cxnSpMkLst>
-            <pc:docMk/>
-            <pc:sldMk cId="851681197" sldId="262"/>
-            <ac:cxnSpMk id="79" creationId="{1FBE2EF4-E61B-CE60-41DD-4DB553C49869}"/>
-          </ac:cxnSpMkLst>
-        </pc:cxnChg>
-        <pc:cxnChg chg="del">
-          <ac:chgData name="Jinyin Yan" userId="7d7b1cac-fbbc-4678-8cfc-23ca66a374ce" providerId="ADAL" clId="{FF26C555-752D-4004-A979-9228B3A43E4C}" dt="2025-01-09T07:25:29.155" v="375" actId="478"/>
-          <ac:cxnSpMkLst>
-            <pc:docMk/>
-            <pc:sldMk cId="851681197" sldId="262"/>
-            <ac:cxnSpMk id="82" creationId="{E2E3760D-E610-D4A0-ABFD-0370DAF1CBA2}"/>
-          </ac:cxnSpMkLst>
-        </pc:cxnChg>
-        <pc:cxnChg chg="del">
-          <ac:chgData name="Jinyin Yan" userId="7d7b1cac-fbbc-4678-8cfc-23ca66a374ce" providerId="ADAL" clId="{FF26C555-752D-4004-A979-9228B3A43E4C}" dt="2025-01-09T07:25:29.155" v="375" actId="478"/>
-          <ac:cxnSpMkLst>
-            <pc:docMk/>
-            <pc:sldMk cId="851681197" sldId="262"/>
-            <ac:cxnSpMk id="83" creationId="{038D8260-3103-EDFF-227F-40BC1225DC6C}"/>
-          </ac:cxnSpMkLst>
-        </pc:cxnChg>
-        <pc:cxnChg chg="del">
-          <ac:chgData name="Jinyin Yan" userId="7d7b1cac-fbbc-4678-8cfc-23ca66a374ce" providerId="ADAL" clId="{FF26C555-752D-4004-A979-9228B3A43E4C}" dt="2025-01-09T07:25:29.155" v="375" actId="478"/>
-          <ac:cxnSpMkLst>
-            <pc:docMk/>
-            <pc:sldMk cId="851681197" sldId="262"/>
-            <ac:cxnSpMk id="85" creationId="{DF33E150-FC90-E50E-7367-7E0B53311A28}"/>
-          </ac:cxnSpMkLst>
-        </pc:cxnChg>
-        <pc:cxnChg chg="del">
-          <ac:chgData name="Jinyin Yan" userId="7d7b1cac-fbbc-4678-8cfc-23ca66a374ce" providerId="ADAL" clId="{FF26C555-752D-4004-A979-9228B3A43E4C}" dt="2025-01-09T07:25:29.155" v="375" actId="478"/>
-          <ac:cxnSpMkLst>
-            <pc:docMk/>
-            <pc:sldMk cId="851681197" sldId="262"/>
-            <ac:cxnSpMk id="86" creationId="{E7C1CE69-E1E7-C911-6CE3-6AC5761B4692}"/>
           </ac:cxnSpMkLst>
         </pc:cxnChg>
         <pc:cxnChg chg="mod">
@@ -1961,118 +1282,6 @@
             <pc:docMk/>
             <pc:sldMk cId="851681197" sldId="262"/>
             <ac:cxnSpMk id="95" creationId="{1CBC232A-9EE3-2832-FF31-A20918523285}"/>
-          </ac:cxnSpMkLst>
-        </pc:cxnChg>
-        <pc:cxnChg chg="del">
-          <ac:chgData name="Jinyin Yan" userId="7d7b1cac-fbbc-4678-8cfc-23ca66a374ce" providerId="ADAL" clId="{FF26C555-752D-4004-A979-9228B3A43E4C}" dt="2025-01-09T07:25:31.179" v="376" actId="478"/>
-          <ac:cxnSpMkLst>
-            <pc:docMk/>
-            <pc:sldMk cId="851681197" sldId="262"/>
-            <ac:cxnSpMk id="98" creationId="{D660AA1F-2E7E-B26D-C1E0-A9E9EFF08662}"/>
-          </ac:cxnSpMkLst>
-        </pc:cxnChg>
-        <pc:cxnChg chg="del">
-          <ac:chgData name="Jinyin Yan" userId="7d7b1cac-fbbc-4678-8cfc-23ca66a374ce" providerId="ADAL" clId="{FF26C555-752D-4004-A979-9228B3A43E4C}" dt="2025-01-09T07:25:31.179" v="376" actId="478"/>
-          <ac:cxnSpMkLst>
-            <pc:docMk/>
-            <pc:sldMk cId="851681197" sldId="262"/>
-            <ac:cxnSpMk id="99" creationId="{D17C73F2-A809-F45E-A535-FFAB2C046DA9}"/>
-          </ac:cxnSpMkLst>
-        </pc:cxnChg>
-        <pc:cxnChg chg="del mod">
-          <ac:chgData name="Jinyin Yan" userId="7d7b1cac-fbbc-4678-8cfc-23ca66a374ce" providerId="ADAL" clId="{FF26C555-752D-4004-A979-9228B3A43E4C}" dt="2025-01-09T07:24:56.272" v="372" actId="478"/>
-          <ac:cxnSpMkLst>
-            <pc:docMk/>
-            <pc:sldMk cId="851681197" sldId="262"/>
-            <ac:cxnSpMk id="102" creationId="{5DDF88AA-65D5-4577-4A23-B16A7FDD5276}"/>
-          </ac:cxnSpMkLst>
-        </pc:cxnChg>
-        <pc:cxnChg chg="del">
-          <ac:chgData name="Jinyin Yan" userId="7d7b1cac-fbbc-4678-8cfc-23ca66a374ce" providerId="ADAL" clId="{FF26C555-752D-4004-A979-9228B3A43E4C}" dt="2025-01-09T07:25:48.995" v="381" actId="478"/>
-          <ac:cxnSpMkLst>
-            <pc:docMk/>
-            <pc:sldMk cId="851681197" sldId="262"/>
-            <ac:cxnSpMk id="106" creationId="{00A7C5BB-B484-F4AD-2920-58ACD55D4476}"/>
-          </ac:cxnSpMkLst>
-        </pc:cxnChg>
-        <pc:cxnChg chg="del">
-          <ac:chgData name="Jinyin Yan" userId="7d7b1cac-fbbc-4678-8cfc-23ca66a374ce" providerId="ADAL" clId="{FF26C555-752D-4004-A979-9228B3A43E4C}" dt="2025-01-09T07:25:48.357" v="380" actId="478"/>
-          <ac:cxnSpMkLst>
-            <pc:docMk/>
-            <pc:sldMk cId="851681197" sldId="262"/>
-            <ac:cxnSpMk id="110" creationId="{40E3D24F-545E-A081-D778-0E54F2C1B115}"/>
-          </ac:cxnSpMkLst>
-        </pc:cxnChg>
-        <pc:cxnChg chg="del">
-          <ac:chgData name="Jinyin Yan" userId="7d7b1cac-fbbc-4678-8cfc-23ca66a374ce" providerId="ADAL" clId="{FF26C555-752D-4004-A979-9228B3A43E4C}" dt="2025-01-09T07:25:49.545" v="382" actId="478"/>
-          <ac:cxnSpMkLst>
-            <pc:docMk/>
-            <pc:sldMk cId="851681197" sldId="262"/>
-            <ac:cxnSpMk id="112" creationId="{1C0E1331-1795-3E37-3B79-9A759218CAB8}"/>
-          </ac:cxnSpMkLst>
-        </pc:cxnChg>
-        <pc:cxnChg chg="del">
-          <ac:chgData name="Jinyin Yan" userId="7d7b1cac-fbbc-4678-8cfc-23ca66a374ce" providerId="ADAL" clId="{FF26C555-752D-4004-A979-9228B3A43E4C}" dt="2025-01-09T07:25:52.346" v="385" actId="478"/>
-          <ac:cxnSpMkLst>
-            <pc:docMk/>
-            <pc:sldMk cId="851681197" sldId="262"/>
-            <ac:cxnSpMk id="116" creationId="{5BB5F2EA-9274-CC36-3973-8EC0B96159F8}"/>
-          </ac:cxnSpMkLst>
-        </pc:cxnChg>
-        <pc:cxnChg chg="del">
-          <ac:chgData name="Jinyin Yan" userId="7d7b1cac-fbbc-4678-8cfc-23ca66a374ce" providerId="ADAL" clId="{FF26C555-752D-4004-A979-9228B3A43E4C}" dt="2025-01-09T07:25:45.978" v="378" actId="478"/>
-          <ac:cxnSpMkLst>
-            <pc:docMk/>
-            <pc:sldMk cId="851681197" sldId="262"/>
-            <ac:cxnSpMk id="117" creationId="{46C9B41C-98A2-702A-2F94-CCD771737510}"/>
-          </ac:cxnSpMkLst>
-        </pc:cxnChg>
-        <pc:cxnChg chg="del">
-          <ac:chgData name="Jinyin Yan" userId="7d7b1cac-fbbc-4678-8cfc-23ca66a374ce" providerId="ADAL" clId="{FF26C555-752D-4004-A979-9228B3A43E4C}" dt="2025-01-09T07:25:29.155" v="375" actId="478"/>
-          <ac:cxnSpMkLst>
-            <pc:docMk/>
-            <pc:sldMk cId="851681197" sldId="262"/>
-            <ac:cxnSpMk id="120" creationId="{0DF20F6A-7223-DE4A-7B25-B62ECFEEC548}"/>
-          </ac:cxnSpMkLst>
-        </pc:cxnChg>
-        <pc:cxnChg chg="del">
-          <ac:chgData name="Jinyin Yan" userId="7d7b1cac-fbbc-4678-8cfc-23ca66a374ce" providerId="ADAL" clId="{FF26C555-752D-4004-A979-9228B3A43E4C}" dt="2025-01-09T07:25:29.155" v="375" actId="478"/>
-          <ac:cxnSpMkLst>
-            <pc:docMk/>
-            <pc:sldMk cId="851681197" sldId="262"/>
-            <ac:cxnSpMk id="123" creationId="{C65789D2-FCD7-41C6-7297-EDD7F7BC908D}"/>
-          </ac:cxnSpMkLst>
-        </pc:cxnChg>
-        <pc:cxnChg chg="del mod">
-          <ac:chgData name="Jinyin Yan" userId="7d7b1cac-fbbc-4678-8cfc-23ca66a374ce" providerId="ADAL" clId="{FF26C555-752D-4004-A979-9228B3A43E4C}" dt="2025-01-09T07:25:51.275" v="384" actId="478"/>
-          <ac:cxnSpMkLst>
-            <pc:docMk/>
-            <pc:sldMk cId="851681197" sldId="262"/>
-            <ac:cxnSpMk id="127" creationId="{0D628062-6D78-4BA3-7F94-C55C6F7868A8}"/>
-          </ac:cxnSpMkLst>
-        </pc:cxnChg>
-        <pc:cxnChg chg="del mod">
-          <ac:chgData name="Jinyin Yan" userId="7d7b1cac-fbbc-4678-8cfc-23ca66a374ce" providerId="ADAL" clId="{FF26C555-752D-4004-A979-9228B3A43E4C}" dt="2025-01-09T07:25:55.248" v="387" actId="478"/>
-          <ac:cxnSpMkLst>
-            <pc:docMk/>
-            <pc:sldMk cId="851681197" sldId="262"/>
-            <ac:cxnSpMk id="128" creationId="{4EE63093-A885-8EA6-F962-42FF01DA99F7}"/>
-          </ac:cxnSpMkLst>
-        </pc:cxnChg>
-        <pc:cxnChg chg="del">
-          <ac:chgData name="Jinyin Yan" userId="7d7b1cac-fbbc-4678-8cfc-23ca66a374ce" providerId="ADAL" clId="{FF26C555-752D-4004-A979-9228B3A43E4C}" dt="2025-01-09T07:25:29.155" v="375" actId="478"/>
-          <ac:cxnSpMkLst>
-            <pc:docMk/>
-            <pc:sldMk cId="851681197" sldId="262"/>
-            <ac:cxnSpMk id="132" creationId="{A170523A-F8C1-F577-DF77-4B27CD982964}"/>
-          </ac:cxnSpMkLst>
-        </pc:cxnChg>
-        <pc:cxnChg chg="del">
-          <ac:chgData name="Jinyin Yan" userId="7d7b1cac-fbbc-4678-8cfc-23ca66a374ce" providerId="ADAL" clId="{FF26C555-752D-4004-A979-9228B3A43E4C}" dt="2025-01-09T07:25:50.638" v="383" actId="478"/>
-          <ac:cxnSpMkLst>
-            <pc:docMk/>
-            <pc:sldMk cId="851681197" sldId="262"/>
-            <ac:cxnSpMk id="142" creationId="{964D6403-07D1-8437-FEE1-15DA10D6E979}"/>
           </ac:cxnSpMkLst>
         </pc:cxnChg>
       </pc:sldChg>
@@ -2082,14 +1291,6 @@
           <pc:docMk/>
           <pc:sldMk cId="3403091211" sldId="263"/>
         </pc:sldMkLst>
-        <pc:spChg chg="del">
-          <ac:chgData name="Jinyin Yan" userId="7d7b1cac-fbbc-4678-8cfc-23ca66a374ce" providerId="ADAL" clId="{FF26C555-752D-4004-A979-9228B3A43E4C}" dt="2025-01-09T09:38:46.161" v="682" actId="478"/>
-          <ac:spMkLst>
-            <pc:docMk/>
-            <pc:sldMk cId="3403091211" sldId="263"/>
-            <ac:spMk id="2" creationId="{0B47D55D-8A83-BDBC-4A09-52932EEC9ED5}"/>
-          </ac:spMkLst>
-        </pc:spChg>
         <pc:spChg chg="mod">
           <ac:chgData name="Jinyin Yan" userId="7d7b1cac-fbbc-4678-8cfc-23ca66a374ce" providerId="ADAL" clId="{FF26C555-752D-4004-A979-9228B3A43E4C}" dt="2025-01-09T09:40:22.882" v="704" actId="1076"/>
           <ac:spMkLst>
@@ -2106,28 +1307,12 @@
             <ac:spMk id="25" creationId="{43181863-2C03-C213-F95C-9C0C6A847E2A}"/>
           </ac:spMkLst>
         </pc:spChg>
-        <pc:spChg chg="del">
-          <ac:chgData name="Jinyin Yan" userId="7d7b1cac-fbbc-4678-8cfc-23ca66a374ce" providerId="ADAL" clId="{FF26C555-752D-4004-A979-9228B3A43E4C}" dt="2025-01-09T09:38:46.161" v="682" actId="478"/>
-          <ac:spMkLst>
-            <pc:docMk/>
-            <pc:sldMk cId="3403091211" sldId="263"/>
-            <ac:spMk id="27" creationId="{03FD8341-0B7F-306C-C0B0-A2770B8C8482}"/>
-          </ac:spMkLst>
-        </pc:spChg>
         <pc:spChg chg="add mod">
           <ac:chgData name="Jinyin Yan" userId="7d7b1cac-fbbc-4678-8cfc-23ca66a374ce" providerId="ADAL" clId="{FF26C555-752D-4004-A979-9228B3A43E4C}" dt="2025-01-09T09:40:22.882" v="704" actId="1076"/>
           <ac:spMkLst>
             <pc:docMk/>
             <pc:sldMk cId="3403091211" sldId="263"/>
             <ac:spMk id="30" creationId="{21774C65-1C77-AF36-5F3E-0B53D06E71F2}"/>
-          </ac:spMkLst>
-        </pc:spChg>
-        <pc:spChg chg="del">
-          <ac:chgData name="Jinyin Yan" userId="7d7b1cac-fbbc-4678-8cfc-23ca66a374ce" providerId="ADAL" clId="{FF26C555-752D-4004-A979-9228B3A43E4C}" dt="2025-01-09T09:38:46.161" v="682" actId="478"/>
-          <ac:spMkLst>
-            <pc:docMk/>
-            <pc:sldMk cId="3403091211" sldId="263"/>
-            <ac:spMk id="36" creationId="{08D84F86-E06A-8DEE-EF78-AD7C61DF0AB4}"/>
           </ac:spMkLst>
         </pc:spChg>
         <pc:spChg chg="add mod">
@@ -2138,28 +1323,12 @@
             <ac:spMk id="40" creationId="{A54ACA11-7556-0A40-D334-2E597F43051F}"/>
           </ac:spMkLst>
         </pc:spChg>
-        <pc:spChg chg="del mod">
-          <ac:chgData name="Jinyin Yan" userId="7d7b1cac-fbbc-4678-8cfc-23ca66a374ce" providerId="ADAL" clId="{FF26C555-752D-4004-A979-9228B3A43E4C}" dt="2025-01-09T09:40:35.586" v="707" actId="478"/>
-          <ac:spMkLst>
-            <pc:docMk/>
-            <pc:sldMk cId="3403091211" sldId="263"/>
-            <ac:spMk id="41" creationId="{15262B60-CC00-3959-414F-CC56124BDB64}"/>
-          </ac:spMkLst>
-        </pc:spChg>
         <pc:spChg chg="add mod">
           <ac:chgData name="Jinyin Yan" userId="7d7b1cac-fbbc-4678-8cfc-23ca66a374ce" providerId="ADAL" clId="{FF26C555-752D-4004-A979-9228B3A43E4C}" dt="2025-01-10T02:37:35.099" v="849" actId="208"/>
           <ac:spMkLst>
             <pc:docMk/>
             <pc:sldMk cId="3403091211" sldId="263"/>
             <ac:spMk id="41" creationId="{BF09C188-E907-F565-52EC-FA8B14E14B56}"/>
-          </ac:spMkLst>
-        </pc:spChg>
-        <pc:spChg chg="del mod">
-          <ac:chgData name="Jinyin Yan" userId="7d7b1cac-fbbc-4678-8cfc-23ca66a374ce" providerId="ADAL" clId="{FF26C555-752D-4004-A979-9228B3A43E4C}" dt="2025-01-09T09:40:35.586" v="707" actId="478"/>
-          <ac:spMkLst>
-            <pc:docMk/>
-            <pc:sldMk cId="3403091211" sldId="263"/>
-            <ac:spMk id="42" creationId="{63F868D6-EE4B-F9AE-B992-30480AB32D8E}"/>
           </ac:spMkLst>
         </pc:spChg>
         <pc:spChg chg="add mod">
@@ -2186,36 +1355,12 @@
             <ac:spMk id="46" creationId="{390B6311-9FC7-8A2D-A54C-D6D072987B80}"/>
           </ac:spMkLst>
         </pc:spChg>
-        <pc:spChg chg="del">
-          <ac:chgData name="Jinyin Yan" userId="7d7b1cac-fbbc-4678-8cfc-23ca66a374ce" providerId="ADAL" clId="{FF26C555-752D-4004-A979-9228B3A43E4C}" dt="2025-01-09T09:38:46.161" v="682" actId="478"/>
-          <ac:spMkLst>
-            <pc:docMk/>
-            <pc:sldMk cId="3403091211" sldId="263"/>
-            <ac:spMk id="46" creationId="{3F7F368C-1673-6672-DD7D-16E3C2D16009}"/>
-          </ac:spMkLst>
-        </pc:spChg>
-        <pc:spChg chg="del">
-          <ac:chgData name="Jinyin Yan" userId="7d7b1cac-fbbc-4678-8cfc-23ca66a374ce" providerId="ADAL" clId="{FF26C555-752D-4004-A979-9228B3A43E4C}" dt="2025-01-09T09:38:46.161" v="682" actId="478"/>
-          <ac:spMkLst>
-            <pc:docMk/>
-            <pc:sldMk cId="3403091211" sldId="263"/>
-            <ac:spMk id="47" creationId="{84DD92FD-EF36-6A66-0F53-7898C52C9820}"/>
-          </ac:spMkLst>
-        </pc:spChg>
         <pc:spChg chg="add mod">
           <ac:chgData name="Jinyin Yan" userId="7d7b1cac-fbbc-4678-8cfc-23ca66a374ce" providerId="ADAL" clId="{FF26C555-752D-4004-A979-9228B3A43E4C}" dt="2025-01-10T03:02:25.915" v="894" actId="207"/>
           <ac:spMkLst>
             <pc:docMk/>
             <pc:sldMk cId="3403091211" sldId="263"/>
             <ac:spMk id="47" creationId="{D4FB24B7-4D2E-8E4E-7FCF-9C1E1F53D00C}"/>
-          </ac:spMkLst>
-        </pc:spChg>
-        <pc:spChg chg="del">
-          <ac:chgData name="Jinyin Yan" userId="7d7b1cac-fbbc-4678-8cfc-23ca66a374ce" providerId="ADAL" clId="{FF26C555-752D-4004-A979-9228B3A43E4C}" dt="2025-01-09T09:38:46.161" v="682" actId="478"/>
-          <ac:spMkLst>
-            <pc:docMk/>
-            <pc:sldMk cId="3403091211" sldId="263"/>
-            <ac:spMk id="48" creationId="{41DA6E41-D5B3-6B53-684F-81166D6A325C}"/>
           </ac:spMkLst>
         </pc:spChg>
         <pc:spChg chg="add mod">
@@ -2250,62 +1395,6 @@
             <ac:spMk id="51" creationId="{16B0E410-09B3-EED9-F51B-81EA11B44475}"/>
           </ac:spMkLst>
         </pc:spChg>
-        <pc:spChg chg="del">
-          <ac:chgData name="Jinyin Yan" userId="7d7b1cac-fbbc-4678-8cfc-23ca66a374ce" providerId="ADAL" clId="{FF26C555-752D-4004-A979-9228B3A43E4C}" dt="2025-01-09T09:39:16.419" v="692" actId="478"/>
-          <ac:spMkLst>
-            <pc:docMk/>
-            <pc:sldMk cId="3403091211" sldId="263"/>
-            <ac:spMk id="66" creationId="{3FC6AAD9-91FD-04F4-A746-E78703DB6014}"/>
-          </ac:spMkLst>
-        </pc:spChg>
-        <pc:spChg chg="del">
-          <ac:chgData name="Jinyin Yan" userId="7d7b1cac-fbbc-4678-8cfc-23ca66a374ce" providerId="ADAL" clId="{FF26C555-752D-4004-A979-9228B3A43E4C}" dt="2025-01-09T09:39:08.519" v="689" actId="478"/>
-          <ac:spMkLst>
-            <pc:docMk/>
-            <pc:sldMk cId="3403091211" sldId="263"/>
-            <ac:spMk id="67" creationId="{2FF1A6E6-175E-1015-E4F9-E7CB2BE278CE}"/>
-          </ac:spMkLst>
-        </pc:spChg>
-        <pc:spChg chg="del">
-          <ac:chgData name="Jinyin Yan" userId="7d7b1cac-fbbc-4678-8cfc-23ca66a374ce" providerId="ADAL" clId="{FF26C555-752D-4004-A979-9228B3A43E4C}" dt="2025-01-09T09:39:02.688" v="684" actId="478"/>
-          <ac:spMkLst>
-            <pc:docMk/>
-            <pc:sldMk cId="3403091211" sldId="263"/>
-            <ac:spMk id="68" creationId="{7C09202A-E45A-2825-731D-4BE93EE536ED}"/>
-          </ac:spMkLst>
-        </pc:spChg>
-        <pc:spChg chg="del">
-          <ac:chgData name="Jinyin Yan" userId="7d7b1cac-fbbc-4678-8cfc-23ca66a374ce" providerId="ADAL" clId="{FF26C555-752D-4004-A979-9228B3A43E4C}" dt="2025-01-09T09:38:46.161" v="682" actId="478"/>
-          <ac:spMkLst>
-            <pc:docMk/>
-            <pc:sldMk cId="3403091211" sldId="263"/>
-            <ac:spMk id="81" creationId="{A84AC616-53A6-CCF3-9567-A684AB753E19}"/>
-          </ac:spMkLst>
-        </pc:spChg>
-        <pc:spChg chg="del">
-          <ac:chgData name="Jinyin Yan" userId="7d7b1cac-fbbc-4678-8cfc-23ca66a374ce" providerId="ADAL" clId="{FF26C555-752D-4004-A979-9228B3A43E4C}" dt="2025-01-09T09:38:46.161" v="682" actId="478"/>
-          <ac:spMkLst>
-            <pc:docMk/>
-            <pc:sldMk cId="3403091211" sldId="263"/>
-            <ac:spMk id="84" creationId="{37D5C93F-4599-19B7-B72F-216638EEF544}"/>
-          </ac:spMkLst>
-        </pc:spChg>
-        <pc:spChg chg="del">
-          <ac:chgData name="Jinyin Yan" userId="7d7b1cac-fbbc-4678-8cfc-23ca66a374ce" providerId="ADAL" clId="{FF26C555-752D-4004-A979-9228B3A43E4C}" dt="2025-01-09T09:38:46.161" v="682" actId="478"/>
-          <ac:spMkLst>
-            <pc:docMk/>
-            <pc:sldMk cId="3403091211" sldId="263"/>
-            <ac:spMk id="96" creationId="{3D5B8C36-4063-C14B-373C-70850168686D}"/>
-          </ac:spMkLst>
-        </pc:spChg>
-        <pc:spChg chg="del">
-          <ac:chgData name="Jinyin Yan" userId="7d7b1cac-fbbc-4678-8cfc-23ca66a374ce" providerId="ADAL" clId="{FF26C555-752D-4004-A979-9228B3A43E4C}" dt="2025-01-09T09:38:46.161" v="682" actId="478"/>
-          <ac:spMkLst>
-            <pc:docMk/>
-            <pc:sldMk cId="3403091211" sldId="263"/>
-            <ac:spMk id="97" creationId="{119D6E72-D5EB-FAF3-B207-CA149DCC0DD9}"/>
-          </ac:spMkLst>
-        </pc:spChg>
         <pc:spChg chg="mod">
           <ac:chgData name="Jinyin Yan" userId="7d7b1cac-fbbc-4678-8cfc-23ca66a374ce" providerId="ADAL" clId="{FF26C555-752D-4004-A979-9228B3A43E4C}" dt="2025-01-09T09:39:52.298" v="699"/>
           <ac:spMkLst>
@@ -2346,46 +1435,6 @@
             <ac:spMk id="103" creationId="{FFA7C22C-2726-204B-666C-3FD074826D45}"/>
           </ac:spMkLst>
         </pc:spChg>
-        <pc:spChg chg="del">
-          <ac:chgData name="Jinyin Yan" userId="7d7b1cac-fbbc-4678-8cfc-23ca66a374ce" providerId="ADAL" clId="{FF26C555-752D-4004-A979-9228B3A43E4C}" dt="2025-01-09T09:39:04.431" v="685" actId="478"/>
-          <ac:spMkLst>
-            <pc:docMk/>
-            <pc:sldMk cId="3403091211" sldId="263"/>
-            <ac:spMk id="104" creationId="{9B41EAB3-FEB9-F9D8-9C31-A7BA2D8770CF}"/>
-          </ac:spMkLst>
-        </pc:spChg>
-        <pc:spChg chg="del">
-          <ac:chgData name="Jinyin Yan" userId="7d7b1cac-fbbc-4678-8cfc-23ca66a374ce" providerId="ADAL" clId="{FF26C555-752D-4004-A979-9228B3A43E4C}" dt="2025-01-09T09:38:46.161" v="682" actId="478"/>
-          <ac:spMkLst>
-            <pc:docMk/>
-            <pc:sldMk cId="3403091211" sldId="263"/>
-            <ac:spMk id="111" creationId="{6C2A2242-AA21-05C9-84DD-0431B43129E9}"/>
-          </ac:spMkLst>
-        </pc:spChg>
-        <pc:spChg chg="del">
-          <ac:chgData name="Jinyin Yan" userId="7d7b1cac-fbbc-4678-8cfc-23ca66a374ce" providerId="ADAL" clId="{FF26C555-752D-4004-A979-9228B3A43E4C}" dt="2025-01-09T09:38:46.161" v="682" actId="478"/>
-          <ac:spMkLst>
-            <pc:docMk/>
-            <pc:sldMk cId="3403091211" sldId="263"/>
-            <ac:spMk id="115" creationId="{1B2E93DB-E2AD-AE9D-C5ED-5ABB23B3F0F4}"/>
-          </ac:spMkLst>
-        </pc:spChg>
-        <pc:spChg chg="del">
-          <ac:chgData name="Jinyin Yan" userId="7d7b1cac-fbbc-4678-8cfc-23ca66a374ce" providerId="ADAL" clId="{FF26C555-752D-4004-A979-9228B3A43E4C}" dt="2025-01-09T09:38:46.161" v="682" actId="478"/>
-          <ac:spMkLst>
-            <pc:docMk/>
-            <pc:sldMk cId="3403091211" sldId="263"/>
-            <ac:spMk id="118" creationId="{70EA89B2-3516-B5EA-8384-C310342A3EF7}"/>
-          </ac:spMkLst>
-        </pc:spChg>
-        <pc:spChg chg="del">
-          <ac:chgData name="Jinyin Yan" userId="7d7b1cac-fbbc-4678-8cfc-23ca66a374ce" providerId="ADAL" clId="{FF26C555-752D-4004-A979-9228B3A43E4C}" dt="2025-01-09T09:38:46.161" v="682" actId="478"/>
-          <ac:spMkLst>
-            <pc:docMk/>
-            <pc:sldMk cId="3403091211" sldId="263"/>
-            <ac:spMk id="119" creationId="{2086A413-8648-D6C2-C423-2C32E972A3C2}"/>
-          </ac:spMkLst>
-        </pc:spChg>
         <pc:spChg chg="mod">
           <ac:chgData name="Jinyin Yan" userId="7d7b1cac-fbbc-4678-8cfc-23ca66a374ce" providerId="ADAL" clId="{FF26C555-752D-4004-A979-9228B3A43E4C}" dt="2025-01-09T09:40:01.610" v="701"/>
           <ac:spMkLst>
@@ -2410,14 +1459,6 @@
             <ac:spMk id="124" creationId="{56DA0B42-7220-4BF2-DC77-2359F6B75AD5}"/>
           </ac:spMkLst>
         </pc:spChg>
-        <pc:spChg chg="del">
-          <ac:chgData name="Jinyin Yan" userId="7d7b1cac-fbbc-4678-8cfc-23ca66a374ce" providerId="ADAL" clId="{FF26C555-752D-4004-A979-9228B3A43E4C}" dt="2025-01-09T09:38:46.161" v="682" actId="478"/>
-          <ac:spMkLst>
-            <pc:docMk/>
-            <pc:sldMk cId="3403091211" sldId="263"/>
-            <ac:spMk id="125" creationId="{28701DC7-906D-D520-1852-63ADD494C234}"/>
-          </ac:spMkLst>
-        </pc:spChg>
         <pc:spChg chg="mod">
           <ac:chgData name="Jinyin Yan" userId="7d7b1cac-fbbc-4678-8cfc-23ca66a374ce" providerId="ADAL" clId="{FF26C555-752D-4004-A979-9228B3A43E4C}" dt="2025-01-09T09:40:01.610" v="701"/>
           <ac:spMkLst>
@@ -2434,148 +1475,12 @@
             <ac:spMk id="129" creationId="{1D991D38-EC41-470F-05B2-EC70F55CDD07}"/>
           </ac:spMkLst>
         </pc:spChg>
-        <pc:spChg chg="del">
-          <ac:chgData name="Jinyin Yan" userId="7d7b1cac-fbbc-4678-8cfc-23ca66a374ce" providerId="ADAL" clId="{FF26C555-752D-4004-A979-9228B3A43E4C}" dt="2025-01-09T09:38:46.161" v="682" actId="478"/>
-          <ac:spMkLst>
-            <pc:docMk/>
-            <pc:sldMk cId="3403091211" sldId="263"/>
-            <ac:spMk id="130" creationId="{299CDD81-7B41-B9AB-CDFB-83BD884CB107}"/>
-          </ac:spMkLst>
-        </pc:spChg>
-        <pc:spChg chg="del">
-          <ac:chgData name="Jinyin Yan" userId="7d7b1cac-fbbc-4678-8cfc-23ca66a374ce" providerId="ADAL" clId="{FF26C555-752D-4004-A979-9228B3A43E4C}" dt="2025-01-09T09:38:46.161" v="682" actId="478"/>
-          <ac:spMkLst>
-            <pc:docMk/>
-            <pc:sldMk cId="3403091211" sldId="263"/>
-            <ac:spMk id="131" creationId="{2CBB58FF-291A-CFB0-A4FC-232A7326A1C5}"/>
-          </ac:spMkLst>
-        </pc:spChg>
         <pc:spChg chg="add mod">
           <ac:chgData name="Jinyin Yan" userId="7d7b1cac-fbbc-4678-8cfc-23ca66a374ce" providerId="ADAL" clId="{FF26C555-752D-4004-A979-9228B3A43E4C}" dt="2025-01-09T09:41:17.277" v="714" actId="14100"/>
           <ac:spMkLst>
             <pc:docMk/>
             <pc:sldMk cId="3403091211" sldId="263"/>
             <ac:spMk id="133" creationId="{C525E765-B244-74AF-715E-E8E72948BBE6}"/>
-          </ac:spMkLst>
-        </pc:spChg>
-        <pc:spChg chg="del">
-          <ac:chgData name="Jinyin Yan" userId="7d7b1cac-fbbc-4678-8cfc-23ca66a374ce" providerId="ADAL" clId="{FF26C555-752D-4004-A979-9228B3A43E4C}" dt="2025-01-09T09:38:46.161" v="682" actId="478"/>
-          <ac:spMkLst>
-            <pc:docMk/>
-            <pc:sldMk cId="3403091211" sldId="263"/>
-            <ac:spMk id="135" creationId="{1BDDB62F-8CEA-5A03-DC4C-92EC5E3B412D}"/>
-          </ac:spMkLst>
-        </pc:spChg>
-        <pc:spChg chg="del">
-          <ac:chgData name="Jinyin Yan" userId="7d7b1cac-fbbc-4678-8cfc-23ca66a374ce" providerId="ADAL" clId="{FF26C555-752D-4004-A979-9228B3A43E4C}" dt="2025-01-09T09:38:46.161" v="682" actId="478"/>
-          <ac:spMkLst>
-            <pc:docMk/>
-            <pc:sldMk cId="3403091211" sldId="263"/>
-            <ac:spMk id="136" creationId="{EA4D9DE0-38B8-D9E5-8272-065D4477F098}"/>
-          </ac:spMkLst>
-        </pc:spChg>
-        <pc:spChg chg="add del mod">
-          <ac:chgData name="Jinyin Yan" userId="7d7b1cac-fbbc-4678-8cfc-23ca66a374ce" providerId="ADAL" clId="{FF26C555-752D-4004-A979-9228B3A43E4C}" dt="2025-01-09T09:44:28.875" v="746" actId="478"/>
-          <ac:spMkLst>
-            <pc:docMk/>
-            <pc:sldMk cId="3403091211" sldId="263"/>
-            <ac:spMk id="146" creationId="{7F8BEC4E-9A57-7E74-6EFC-BC586E0C3A7F}"/>
-          </ac:spMkLst>
-        </pc:spChg>
-        <pc:spChg chg="del">
-          <ac:chgData name="Jinyin Yan" userId="7d7b1cac-fbbc-4678-8cfc-23ca66a374ce" providerId="ADAL" clId="{FF26C555-752D-4004-A979-9228B3A43E4C}" dt="2025-01-09T09:38:46.161" v="682" actId="478"/>
-          <ac:spMkLst>
-            <pc:docMk/>
-            <pc:sldMk cId="3403091211" sldId="263"/>
-            <ac:spMk id="149" creationId="{171178FB-791C-DD06-89FA-C27502EF755F}"/>
-          </ac:spMkLst>
-        </pc:spChg>
-        <pc:spChg chg="del">
-          <ac:chgData name="Jinyin Yan" userId="7d7b1cac-fbbc-4678-8cfc-23ca66a374ce" providerId="ADAL" clId="{FF26C555-752D-4004-A979-9228B3A43E4C}" dt="2025-01-09T09:38:46.161" v="682" actId="478"/>
-          <ac:spMkLst>
-            <pc:docMk/>
-            <pc:sldMk cId="3403091211" sldId="263"/>
-            <ac:spMk id="150" creationId="{FE3290C7-DB2B-2029-F4DB-84E754389CB1}"/>
-          </ac:spMkLst>
-        </pc:spChg>
-        <pc:spChg chg="del">
-          <ac:chgData name="Jinyin Yan" userId="7d7b1cac-fbbc-4678-8cfc-23ca66a374ce" providerId="ADAL" clId="{FF26C555-752D-4004-A979-9228B3A43E4C}" dt="2025-01-09T09:38:46.161" v="682" actId="478"/>
-          <ac:spMkLst>
-            <pc:docMk/>
-            <pc:sldMk cId="3403091211" sldId="263"/>
-            <ac:spMk id="151" creationId="{99A0A9CE-F3BD-D5B6-3A3E-31FB6C88DAEB}"/>
-          </ac:spMkLst>
-        </pc:spChg>
-        <pc:spChg chg="del">
-          <ac:chgData name="Jinyin Yan" userId="7d7b1cac-fbbc-4678-8cfc-23ca66a374ce" providerId="ADAL" clId="{FF26C555-752D-4004-A979-9228B3A43E4C}" dt="2025-01-09T09:38:46.161" v="682" actId="478"/>
-          <ac:spMkLst>
-            <pc:docMk/>
-            <pc:sldMk cId="3403091211" sldId="263"/>
-            <ac:spMk id="152" creationId="{BAF38BEC-D680-A04D-B9DC-C528DBF6D3F2}"/>
-          </ac:spMkLst>
-        </pc:spChg>
-        <pc:spChg chg="del">
-          <ac:chgData name="Jinyin Yan" userId="7d7b1cac-fbbc-4678-8cfc-23ca66a374ce" providerId="ADAL" clId="{FF26C555-752D-4004-A979-9228B3A43E4C}" dt="2025-01-09T09:38:46.161" v="682" actId="478"/>
-          <ac:spMkLst>
-            <pc:docMk/>
-            <pc:sldMk cId="3403091211" sldId="263"/>
-            <ac:spMk id="153" creationId="{C8A64D95-8329-CD10-F185-080D02A0D850}"/>
-          </ac:spMkLst>
-        </pc:spChg>
-        <pc:spChg chg="del">
-          <ac:chgData name="Jinyin Yan" userId="7d7b1cac-fbbc-4678-8cfc-23ca66a374ce" providerId="ADAL" clId="{FF26C555-752D-4004-A979-9228B3A43E4C}" dt="2025-01-09T09:38:46.161" v="682" actId="478"/>
-          <ac:spMkLst>
-            <pc:docMk/>
-            <pc:sldMk cId="3403091211" sldId="263"/>
-            <ac:spMk id="154" creationId="{98EE74F6-9E33-A88A-101A-647598B2C7E7}"/>
-          </ac:spMkLst>
-        </pc:spChg>
-        <pc:spChg chg="del">
-          <ac:chgData name="Jinyin Yan" userId="7d7b1cac-fbbc-4678-8cfc-23ca66a374ce" providerId="ADAL" clId="{FF26C555-752D-4004-A979-9228B3A43E4C}" dt="2025-01-09T09:38:46.161" v="682" actId="478"/>
-          <ac:spMkLst>
-            <pc:docMk/>
-            <pc:sldMk cId="3403091211" sldId="263"/>
-            <ac:spMk id="155" creationId="{17D0D435-DD51-32B3-A769-18EA3C8A4981}"/>
-          </ac:spMkLst>
-        </pc:spChg>
-        <pc:spChg chg="del">
-          <ac:chgData name="Jinyin Yan" userId="7d7b1cac-fbbc-4678-8cfc-23ca66a374ce" providerId="ADAL" clId="{FF26C555-752D-4004-A979-9228B3A43E4C}" dt="2025-01-09T09:38:46.161" v="682" actId="478"/>
-          <ac:spMkLst>
-            <pc:docMk/>
-            <pc:sldMk cId="3403091211" sldId="263"/>
-            <ac:spMk id="160" creationId="{23777B39-A729-698C-BDFB-EC2E300E8F83}"/>
-          </ac:spMkLst>
-        </pc:spChg>
-        <pc:spChg chg="del">
-          <ac:chgData name="Jinyin Yan" userId="7d7b1cac-fbbc-4678-8cfc-23ca66a374ce" providerId="ADAL" clId="{FF26C555-752D-4004-A979-9228B3A43E4C}" dt="2025-01-09T09:38:46.161" v="682" actId="478"/>
-          <ac:spMkLst>
-            <pc:docMk/>
-            <pc:sldMk cId="3403091211" sldId="263"/>
-            <ac:spMk id="162" creationId="{8D720EBB-3B38-C0EA-0460-7F518A5B4BC7}"/>
-          </ac:spMkLst>
-        </pc:spChg>
-        <pc:spChg chg="del">
-          <ac:chgData name="Jinyin Yan" userId="7d7b1cac-fbbc-4678-8cfc-23ca66a374ce" providerId="ADAL" clId="{FF26C555-752D-4004-A979-9228B3A43E4C}" dt="2025-01-09T09:38:46.161" v="682" actId="478"/>
-          <ac:spMkLst>
-            <pc:docMk/>
-            <pc:sldMk cId="3403091211" sldId="263"/>
-            <ac:spMk id="163" creationId="{BE1D3899-2BEE-FC9F-C8C7-6C0FE511169E}"/>
-          </ac:spMkLst>
-        </pc:spChg>
-        <pc:spChg chg="del">
-          <ac:chgData name="Jinyin Yan" userId="7d7b1cac-fbbc-4678-8cfc-23ca66a374ce" providerId="ADAL" clId="{FF26C555-752D-4004-A979-9228B3A43E4C}" dt="2025-01-09T09:38:46.161" v="682" actId="478"/>
-          <ac:spMkLst>
-            <pc:docMk/>
-            <pc:sldMk cId="3403091211" sldId="263"/>
-            <ac:spMk id="164" creationId="{4CCA0035-26BE-82A7-919A-457D11E036E8}"/>
-          </ac:spMkLst>
-        </pc:spChg>
-        <pc:spChg chg="del">
-          <ac:chgData name="Jinyin Yan" userId="7d7b1cac-fbbc-4678-8cfc-23ca66a374ce" providerId="ADAL" clId="{FF26C555-752D-4004-A979-9228B3A43E4C}" dt="2025-01-09T09:38:46.161" v="682" actId="478"/>
-          <ac:spMkLst>
-            <pc:docMk/>
-            <pc:sldMk cId="3403091211" sldId="263"/>
-            <ac:spMk id="165" creationId="{D57A7CC8-E501-800D-70E5-6B979F8B84E7}"/>
           </ac:spMkLst>
         </pc:spChg>
         <pc:spChg chg="add mod">
@@ -2650,28 +1555,12 @@
             <ac:spMk id="185" creationId="{E18C5C0C-7141-E3DD-7535-48D064AE7EE0}"/>
           </ac:spMkLst>
         </pc:spChg>
-        <pc:spChg chg="add del mod">
-          <ac:chgData name="Jinyin Yan" userId="7d7b1cac-fbbc-4678-8cfc-23ca66a374ce" providerId="ADAL" clId="{FF26C555-752D-4004-A979-9228B3A43E4C}" dt="2025-01-09T09:57:40.384" v="792"/>
-          <ac:spMkLst>
-            <pc:docMk/>
-            <pc:sldMk cId="3403091211" sldId="263"/>
-            <ac:spMk id="186" creationId="{BA69917E-ACEE-8D2B-7187-CF1457330F82}"/>
-          </ac:spMkLst>
-        </pc:spChg>
         <pc:spChg chg="add mod">
           <ac:chgData name="Jinyin Yan" userId="7d7b1cac-fbbc-4678-8cfc-23ca66a374ce" providerId="ADAL" clId="{FF26C555-752D-4004-A979-9228B3A43E4C}" dt="2025-01-09T09:58:08.755" v="802" actId="1076"/>
           <ac:spMkLst>
             <pc:docMk/>
             <pc:sldMk cId="3403091211" sldId="263"/>
             <ac:spMk id="187" creationId="{AFFB24E4-3DF1-6121-EC70-C26EA579D78B}"/>
-          </ac:spMkLst>
-        </pc:spChg>
-        <pc:spChg chg="add del">
-          <ac:chgData name="Jinyin Yan" userId="7d7b1cac-fbbc-4678-8cfc-23ca66a374ce" providerId="ADAL" clId="{FF26C555-752D-4004-A979-9228B3A43E4C}" dt="2025-01-09T10:00:39.932" v="823" actId="478"/>
-          <ac:spMkLst>
-            <pc:docMk/>
-            <pc:sldMk cId="3403091211" sldId="263"/>
-            <ac:spMk id="201" creationId="{4368C150-3CB7-E860-AF16-CF0EED351CE6}"/>
           </ac:spMkLst>
         </pc:spChg>
         <pc:spChg chg="add mod">
@@ -2738,28 +1627,12 @@
             <ac:cxnSpMk id="2" creationId="{6637EB17-EA2D-D945-1AD3-9C85220588CF}"/>
           </ac:cxnSpMkLst>
         </pc:cxnChg>
-        <pc:cxnChg chg="del">
-          <ac:chgData name="Jinyin Yan" userId="7d7b1cac-fbbc-4678-8cfc-23ca66a374ce" providerId="ADAL" clId="{FF26C555-752D-4004-A979-9228B3A43E4C}" dt="2025-01-09T09:39:05.699" v="687" actId="478"/>
-          <ac:cxnSpMkLst>
-            <pc:docMk/>
-            <pc:sldMk cId="3403091211" sldId="263"/>
-            <ac:cxnSpMk id="3" creationId="{44893E58-88D6-0D3A-5776-1B998431D6AD}"/>
-          </ac:cxnSpMkLst>
-        </pc:cxnChg>
         <pc:cxnChg chg="mod">
           <ac:chgData name="Jinyin Yan" userId="7d7b1cac-fbbc-4678-8cfc-23ca66a374ce" providerId="ADAL" clId="{FF26C555-752D-4004-A979-9228B3A43E4C}" dt="2025-01-09T09:40:22.882" v="704" actId="1076"/>
           <ac:cxnSpMkLst>
             <pc:docMk/>
             <pc:sldMk cId="3403091211" sldId="263"/>
             <ac:cxnSpMk id="26" creationId="{6235CFAE-44D4-4BF1-9429-D13337DFC809}"/>
-          </ac:cxnSpMkLst>
-        </pc:cxnChg>
-        <pc:cxnChg chg="del">
-          <ac:chgData name="Jinyin Yan" userId="7d7b1cac-fbbc-4678-8cfc-23ca66a374ce" providerId="ADAL" clId="{FF26C555-752D-4004-A979-9228B3A43E4C}" dt="2025-01-09T09:38:46.161" v="682" actId="478"/>
-          <ac:cxnSpMkLst>
-            <pc:docMk/>
-            <pc:sldMk cId="3403091211" sldId="263"/>
-            <ac:cxnSpMk id="28" creationId="{B8C32F2E-F9F7-CB06-CD91-35FBEC20D8D6}"/>
           </ac:cxnSpMkLst>
         </pc:cxnChg>
         <pc:cxnChg chg="mod">
@@ -2778,20 +1651,12 @@
             <ac:cxnSpMk id="31" creationId="{BBA72449-1785-948D-1798-B91277B8907B}"/>
           </ac:cxnSpMkLst>
         </pc:cxnChg>
-        <pc:cxnChg chg="del">
-          <ac:chgData name="Jinyin Yan" userId="7d7b1cac-fbbc-4678-8cfc-23ca66a374ce" providerId="ADAL" clId="{FF26C555-752D-4004-A979-9228B3A43E4C}" dt="2025-01-09T09:38:46.161" v="682" actId="478"/>
+        <pc:cxnChg chg="mod">
+          <ac:chgData name="Jinyin Yan" userId="7d7b1cac-fbbc-4678-8cfc-23ca66a374ce" providerId="ADAL" clId="{FF26C555-752D-4004-A979-9228B3A43E4C}" dt="2025-01-09T09:40:22.882" v="704" actId="1076"/>
           <ac:cxnSpMkLst>
             <pc:docMk/>
             <pc:sldMk cId="3403091211" sldId="263"/>
-            <ac:cxnSpMk id="32" creationId="{61FBE97B-EA51-2892-4503-87F50D19BA3C}"/>
-          </ac:cxnSpMkLst>
-        </pc:cxnChg>
-        <pc:cxnChg chg="add del mod">
-          <ac:chgData name="Jinyin Yan" userId="7d7b1cac-fbbc-4678-8cfc-23ca66a374ce" providerId="ADAL" clId="{FF26C555-752D-4004-A979-9228B3A43E4C}" dt="2025-01-10T02:36:30.773" v="841" actId="478"/>
-          <ac:cxnSpMkLst>
-            <pc:docMk/>
-            <pc:sldMk cId="3403091211" sldId="263"/>
-            <ac:cxnSpMk id="32" creationId="{676CC441-61EC-66EB-278B-A7A0BB5BFDE3}"/>
+            <ac:cxnSpMk id="33" creationId="{C3BA80C1-E4B4-9848-A9FB-3512FDE533F1}"/>
           </ac:cxnSpMkLst>
         </pc:cxnChg>
         <pc:cxnChg chg="mod">
@@ -2799,183 +1664,7 @@
           <ac:cxnSpMkLst>
             <pc:docMk/>
             <pc:sldMk cId="3403091211" sldId="263"/>
-            <ac:cxnSpMk id="33" creationId="{C3BA80C1-E4B4-9848-A9FB-3512FDE533F1}"/>
-          </ac:cxnSpMkLst>
-        </pc:cxnChg>
-        <pc:cxnChg chg="del">
-          <ac:chgData name="Jinyin Yan" userId="7d7b1cac-fbbc-4678-8cfc-23ca66a374ce" providerId="ADAL" clId="{FF26C555-752D-4004-A979-9228B3A43E4C}" dt="2025-01-09T09:38:46.161" v="682" actId="478"/>
-          <ac:cxnSpMkLst>
-            <pc:docMk/>
-            <pc:sldMk cId="3403091211" sldId="263"/>
-            <ac:cxnSpMk id="34" creationId="{D03BF38E-B916-7C03-358A-1F99A6A35958}"/>
-          </ac:cxnSpMkLst>
-        </pc:cxnChg>
-        <pc:cxnChg chg="del">
-          <ac:chgData name="Jinyin Yan" userId="7d7b1cac-fbbc-4678-8cfc-23ca66a374ce" providerId="ADAL" clId="{FF26C555-752D-4004-A979-9228B3A43E4C}" dt="2025-01-09T09:39:07.029" v="688" actId="478"/>
-          <ac:cxnSpMkLst>
-            <pc:docMk/>
-            <pc:sldMk cId="3403091211" sldId="263"/>
-            <ac:cxnSpMk id="35" creationId="{AC46FF68-DB59-0B61-CD3C-23A717A7EF4A}"/>
-          </ac:cxnSpMkLst>
-        </pc:cxnChg>
-        <pc:cxnChg chg="mod">
-          <ac:chgData name="Jinyin Yan" userId="7d7b1cac-fbbc-4678-8cfc-23ca66a374ce" providerId="ADAL" clId="{FF26C555-752D-4004-A979-9228B3A43E4C}" dt="2025-01-09T09:40:22.882" v="704" actId="1076"/>
-          <ac:cxnSpMkLst>
-            <pc:docMk/>
-            <pc:sldMk cId="3403091211" sldId="263"/>
             <ac:cxnSpMk id="37" creationId="{AA27D928-D061-B5BF-EE07-51EE8CF06957}"/>
-          </ac:cxnSpMkLst>
-        </pc:cxnChg>
-        <pc:cxnChg chg="del">
-          <ac:chgData name="Jinyin Yan" userId="7d7b1cac-fbbc-4678-8cfc-23ca66a374ce" providerId="ADAL" clId="{FF26C555-752D-4004-A979-9228B3A43E4C}" dt="2025-01-09T09:38:46.161" v="682" actId="478"/>
-          <ac:cxnSpMkLst>
-            <pc:docMk/>
-            <pc:sldMk cId="3403091211" sldId="263"/>
-            <ac:cxnSpMk id="38" creationId="{A36ECAE2-D2D1-387D-CFF1-94C7780FC44C}"/>
-          </ac:cxnSpMkLst>
-        </pc:cxnChg>
-        <pc:cxnChg chg="del">
-          <ac:chgData name="Jinyin Yan" userId="7d7b1cac-fbbc-4678-8cfc-23ca66a374ce" providerId="ADAL" clId="{FF26C555-752D-4004-A979-9228B3A43E4C}" dt="2025-01-09T09:38:46.161" v="682" actId="478"/>
-          <ac:cxnSpMkLst>
-            <pc:docMk/>
-            <pc:sldMk cId="3403091211" sldId="263"/>
-            <ac:cxnSpMk id="39" creationId="{B4FD76C3-C8CA-216C-7191-33B9AF9AC01A}"/>
-          </ac:cxnSpMkLst>
-        </pc:cxnChg>
-        <pc:cxnChg chg="del">
-          <ac:chgData name="Jinyin Yan" userId="7d7b1cac-fbbc-4678-8cfc-23ca66a374ce" providerId="ADAL" clId="{FF26C555-752D-4004-A979-9228B3A43E4C}" dt="2025-01-09T09:38:46.161" v="682" actId="478"/>
-          <ac:cxnSpMkLst>
-            <pc:docMk/>
-            <pc:sldMk cId="3403091211" sldId="263"/>
-            <ac:cxnSpMk id="40" creationId="{87D25CDA-5A5B-459F-D4F7-01535C1DDAD6}"/>
-          </ac:cxnSpMkLst>
-        </pc:cxnChg>
-        <pc:cxnChg chg="del mod">
-          <ac:chgData name="Jinyin Yan" userId="7d7b1cac-fbbc-4678-8cfc-23ca66a374ce" providerId="ADAL" clId="{FF26C555-752D-4004-A979-9228B3A43E4C}" dt="2025-01-09T09:40:35.586" v="707" actId="478"/>
-          <ac:cxnSpMkLst>
-            <pc:docMk/>
-            <pc:sldMk cId="3403091211" sldId="263"/>
-            <ac:cxnSpMk id="43" creationId="{4D1E9924-5B82-6EA5-689D-E764321F88A6}"/>
-          </ac:cxnSpMkLst>
-        </pc:cxnChg>
-        <pc:cxnChg chg="del">
-          <ac:chgData name="Jinyin Yan" userId="7d7b1cac-fbbc-4678-8cfc-23ca66a374ce" providerId="ADAL" clId="{FF26C555-752D-4004-A979-9228B3A43E4C}" dt="2025-01-09T09:38:46.161" v="682" actId="478"/>
-          <ac:cxnSpMkLst>
-            <pc:docMk/>
-            <pc:sldMk cId="3403091211" sldId="263"/>
-            <ac:cxnSpMk id="49" creationId="{A5797B61-F90A-EF63-7539-83BDF13B1294}"/>
-          </ac:cxnSpMkLst>
-        </pc:cxnChg>
-        <pc:cxnChg chg="del">
-          <ac:chgData name="Jinyin Yan" userId="7d7b1cac-fbbc-4678-8cfc-23ca66a374ce" providerId="ADAL" clId="{FF26C555-752D-4004-A979-9228B3A43E4C}" dt="2025-01-09T09:38:46.161" v="682" actId="478"/>
-          <ac:cxnSpMkLst>
-            <pc:docMk/>
-            <pc:sldMk cId="3403091211" sldId="263"/>
-            <ac:cxnSpMk id="50" creationId="{7252838D-213D-1769-F1E5-8DAAB1A69DB1}"/>
-          </ac:cxnSpMkLst>
-        </pc:cxnChg>
-        <pc:cxnChg chg="del">
-          <ac:chgData name="Jinyin Yan" userId="7d7b1cac-fbbc-4678-8cfc-23ca66a374ce" providerId="ADAL" clId="{FF26C555-752D-4004-A979-9228B3A43E4C}" dt="2025-01-09T09:38:46.161" v="682" actId="478"/>
-          <ac:cxnSpMkLst>
-            <pc:docMk/>
-            <pc:sldMk cId="3403091211" sldId="263"/>
-            <ac:cxnSpMk id="51" creationId="{FE2EB4E9-6437-D1EC-AFFE-CE04438D7C2D}"/>
-          </ac:cxnSpMkLst>
-        </pc:cxnChg>
-        <pc:cxnChg chg="del">
-          <ac:chgData name="Jinyin Yan" userId="7d7b1cac-fbbc-4678-8cfc-23ca66a374ce" providerId="ADAL" clId="{FF26C555-752D-4004-A979-9228B3A43E4C}" dt="2025-01-09T09:38:46.161" v="682" actId="478"/>
-          <ac:cxnSpMkLst>
-            <pc:docMk/>
-            <pc:sldMk cId="3403091211" sldId="263"/>
-            <ac:cxnSpMk id="52" creationId="{2EEA66D5-ACFF-EBEE-4012-F5AD7E7F146E}"/>
-          </ac:cxnSpMkLst>
-        </pc:cxnChg>
-        <pc:cxnChg chg="del">
-          <ac:chgData name="Jinyin Yan" userId="7d7b1cac-fbbc-4678-8cfc-23ca66a374ce" providerId="ADAL" clId="{FF26C555-752D-4004-A979-9228B3A43E4C}" dt="2025-01-09T09:38:46.161" v="682" actId="478"/>
-          <ac:cxnSpMkLst>
-            <pc:docMk/>
-            <pc:sldMk cId="3403091211" sldId="263"/>
-            <ac:cxnSpMk id="53" creationId="{5C10C143-E7A0-F80B-557E-EA2A2B26DE0F}"/>
-          </ac:cxnSpMkLst>
-        </pc:cxnChg>
-        <pc:cxnChg chg="del">
-          <ac:chgData name="Jinyin Yan" userId="7d7b1cac-fbbc-4678-8cfc-23ca66a374ce" providerId="ADAL" clId="{FF26C555-752D-4004-A979-9228B3A43E4C}" dt="2025-01-09T09:38:46.161" v="682" actId="478"/>
-          <ac:cxnSpMkLst>
-            <pc:docMk/>
-            <pc:sldMk cId="3403091211" sldId="263"/>
-            <ac:cxnSpMk id="54" creationId="{7D2DB500-38E3-13F8-B81B-8CA82453F70C}"/>
-          </ac:cxnSpMkLst>
-        </pc:cxnChg>
-        <pc:cxnChg chg="del">
-          <ac:chgData name="Jinyin Yan" userId="7d7b1cac-fbbc-4678-8cfc-23ca66a374ce" providerId="ADAL" clId="{FF26C555-752D-4004-A979-9228B3A43E4C}" dt="2025-01-09T09:38:46.161" v="682" actId="478"/>
-          <ac:cxnSpMkLst>
-            <pc:docMk/>
-            <pc:sldMk cId="3403091211" sldId="263"/>
-            <ac:cxnSpMk id="55" creationId="{CE823D85-0968-D055-C597-70D1E7FDA856}"/>
-          </ac:cxnSpMkLst>
-        </pc:cxnChg>
-        <pc:cxnChg chg="del">
-          <ac:chgData name="Jinyin Yan" userId="7d7b1cac-fbbc-4678-8cfc-23ca66a374ce" providerId="ADAL" clId="{FF26C555-752D-4004-A979-9228B3A43E4C}" dt="2025-01-09T09:38:46.161" v="682" actId="478"/>
-          <ac:cxnSpMkLst>
-            <pc:docMk/>
-            <pc:sldMk cId="3403091211" sldId="263"/>
-            <ac:cxnSpMk id="56" creationId="{CA257237-3AFF-B08E-22DC-229E8FDE5890}"/>
-          </ac:cxnSpMkLst>
-        </pc:cxnChg>
-        <pc:cxnChg chg="del">
-          <ac:chgData name="Jinyin Yan" userId="7d7b1cac-fbbc-4678-8cfc-23ca66a374ce" providerId="ADAL" clId="{FF26C555-752D-4004-A979-9228B3A43E4C}" dt="2025-01-09T09:38:46.161" v="682" actId="478"/>
-          <ac:cxnSpMkLst>
-            <pc:docMk/>
-            <pc:sldMk cId="3403091211" sldId="263"/>
-            <ac:cxnSpMk id="57" creationId="{8D0214CD-2668-00A8-7E56-0A918F91A31B}"/>
-          </ac:cxnSpMkLst>
-        </pc:cxnChg>
-        <pc:cxnChg chg="del">
-          <ac:chgData name="Jinyin Yan" userId="7d7b1cac-fbbc-4678-8cfc-23ca66a374ce" providerId="ADAL" clId="{FF26C555-752D-4004-A979-9228B3A43E4C}" dt="2025-01-09T09:38:46.161" v="682" actId="478"/>
-          <ac:cxnSpMkLst>
-            <pc:docMk/>
-            <pc:sldMk cId="3403091211" sldId="263"/>
-            <ac:cxnSpMk id="58" creationId="{6D2E4ABA-DA63-0026-AC42-EE93DB2CF64C}"/>
-          </ac:cxnSpMkLst>
-        </pc:cxnChg>
-        <pc:cxnChg chg="del">
-          <ac:chgData name="Jinyin Yan" userId="7d7b1cac-fbbc-4678-8cfc-23ca66a374ce" providerId="ADAL" clId="{FF26C555-752D-4004-A979-9228B3A43E4C}" dt="2025-01-09T09:38:46.161" v="682" actId="478"/>
-          <ac:cxnSpMkLst>
-            <pc:docMk/>
-            <pc:sldMk cId="3403091211" sldId="263"/>
-            <ac:cxnSpMk id="59" creationId="{446AE911-FBE4-58BD-304F-9743C515CDC0}"/>
-          </ac:cxnSpMkLst>
-        </pc:cxnChg>
-        <pc:cxnChg chg="del">
-          <ac:chgData name="Jinyin Yan" userId="7d7b1cac-fbbc-4678-8cfc-23ca66a374ce" providerId="ADAL" clId="{FF26C555-752D-4004-A979-9228B3A43E4C}" dt="2025-01-09T09:38:46.161" v="682" actId="478"/>
-          <ac:cxnSpMkLst>
-            <pc:docMk/>
-            <pc:sldMk cId="3403091211" sldId="263"/>
-            <ac:cxnSpMk id="60" creationId="{058F70ED-44C1-0A96-8C74-EE10CEC8A2D9}"/>
-          </ac:cxnSpMkLst>
-        </pc:cxnChg>
-        <pc:cxnChg chg="del">
-          <ac:chgData name="Jinyin Yan" userId="7d7b1cac-fbbc-4678-8cfc-23ca66a374ce" providerId="ADAL" clId="{FF26C555-752D-4004-A979-9228B3A43E4C}" dt="2025-01-09T09:38:46.161" v="682" actId="478"/>
-          <ac:cxnSpMkLst>
-            <pc:docMk/>
-            <pc:sldMk cId="3403091211" sldId="263"/>
-            <ac:cxnSpMk id="61" creationId="{B20957A1-BB83-4A0D-7A2F-B60DA4BD0405}"/>
-          </ac:cxnSpMkLst>
-        </pc:cxnChg>
-        <pc:cxnChg chg="del">
-          <ac:chgData name="Jinyin Yan" userId="7d7b1cac-fbbc-4678-8cfc-23ca66a374ce" providerId="ADAL" clId="{FF26C555-752D-4004-A979-9228B3A43E4C}" dt="2025-01-09T09:38:46.161" v="682" actId="478"/>
-          <ac:cxnSpMkLst>
-            <pc:docMk/>
-            <pc:sldMk cId="3403091211" sldId="263"/>
-            <ac:cxnSpMk id="62" creationId="{FDB4DAD7-174F-956A-35F7-D0FA35056723}"/>
-          </ac:cxnSpMkLst>
-        </pc:cxnChg>
-        <pc:cxnChg chg="del">
-          <ac:chgData name="Jinyin Yan" userId="7d7b1cac-fbbc-4678-8cfc-23ca66a374ce" providerId="ADAL" clId="{FF26C555-752D-4004-A979-9228B3A43E4C}" dt="2025-01-09T09:38:46.161" v="682" actId="478"/>
-          <ac:cxnSpMkLst>
-            <pc:docMk/>
-            <pc:sldMk cId="3403091211" sldId="263"/>
-            <ac:cxnSpMk id="63" creationId="{BDD9AFEE-50DC-BB1E-CF2C-5367405EDCE1}"/>
           </ac:cxnSpMkLst>
         </pc:cxnChg>
         <pc:cxnChg chg="mod">
@@ -2994,228 +1683,12 @@
             <ac:cxnSpMk id="65" creationId="{D1D3C80B-A6D0-3785-233F-23E7E97207D0}"/>
           </ac:cxnSpMkLst>
         </pc:cxnChg>
-        <pc:cxnChg chg="del">
-          <ac:chgData name="Jinyin Yan" userId="7d7b1cac-fbbc-4678-8cfc-23ca66a374ce" providerId="ADAL" clId="{FF26C555-752D-4004-A979-9228B3A43E4C}" dt="2025-01-09T09:38:46.161" v="682" actId="478"/>
-          <ac:cxnSpMkLst>
-            <pc:docMk/>
-            <pc:sldMk cId="3403091211" sldId="263"/>
-            <ac:cxnSpMk id="69" creationId="{3D34C080-8F17-7AFA-A748-2D9FF290617F}"/>
-          </ac:cxnSpMkLst>
-        </pc:cxnChg>
-        <pc:cxnChg chg="del">
-          <ac:chgData name="Jinyin Yan" userId="7d7b1cac-fbbc-4678-8cfc-23ca66a374ce" providerId="ADAL" clId="{FF26C555-752D-4004-A979-9228B3A43E4C}" dt="2025-01-09T09:38:46.161" v="682" actId="478"/>
-          <ac:cxnSpMkLst>
-            <pc:docMk/>
-            <pc:sldMk cId="3403091211" sldId="263"/>
-            <ac:cxnSpMk id="70" creationId="{B4DDED07-9479-0437-274F-F3ED2C76F263}"/>
-          </ac:cxnSpMkLst>
-        </pc:cxnChg>
-        <pc:cxnChg chg="del">
-          <ac:chgData name="Jinyin Yan" userId="7d7b1cac-fbbc-4678-8cfc-23ca66a374ce" providerId="ADAL" clId="{FF26C555-752D-4004-A979-9228B3A43E4C}" dt="2025-01-09T09:38:46.161" v="682" actId="478"/>
-          <ac:cxnSpMkLst>
-            <pc:docMk/>
-            <pc:sldMk cId="3403091211" sldId="263"/>
-            <ac:cxnSpMk id="71" creationId="{3C9FC58E-4565-1A96-2F51-DA17EE665108}"/>
-          </ac:cxnSpMkLst>
-        </pc:cxnChg>
-        <pc:cxnChg chg="del">
-          <ac:chgData name="Jinyin Yan" userId="7d7b1cac-fbbc-4678-8cfc-23ca66a374ce" providerId="ADAL" clId="{FF26C555-752D-4004-A979-9228B3A43E4C}" dt="2025-01-09T09:38:46.161" v="682" actId="478"/>
-          <ac:cxnSpMkLst>
-            <pc:docMk/>
-            <pc:sldMk cId="3403091211" sldId="263"/>
-            <ac:cxnSpMk id="72" creationId="{36F46AD3-823A-0012-135C-12ADB5811014}"/>
-          </ac:cxnSpMkLst>
-        </pc:cxnChg>
-        <pc:cxnChg chg="del">
-          <ac:chgData name="Jinyin Yan" userId="7d7b1cac-fbbc-4678-8cfc-23ca66a374ce" providerId="ADAL" clId="{FF26C555-752D-4004-A979-9228B3A43E4C}" dt="2025-01-09T09:38:46.161" v="682" actId="478"/>
-          <ac:cxnSpMkLst>
-            <pc:docMk/>
-            <pc:sldMk cId="3403091211" sldId="263"/>
-            <ac:cxnSpMk id="73" creationId="{1E561F2A-BBCB-1D71-742A-694504A4DAD4}"/>
-          </ac:cxnSpMkLst>
-        </pc:cxnChg>
-        <pc:cxnChg chg="del">
-          <ac:chgData name="Jinyin Yan" userId="7d7b1cac-fbbc-4678-8cfc-23ca66a374ce" providerId="ADAL" clId="{FF26C555-752D-4004-A979-9228B3A43E4C}" dt="2025-01-09T09:38:46.161" v="682" actId="478"/>
-          <ac:cxnSpMkLst>
-            <pc:docMk/>
-            <pc:sldMk cId="3403091211" sldId="263"/>
-            <ac:cxnSpMk id="74" creationId="{728C7E35-0A58-ED1C-614E-7BD437951A04}"/>
-          </ac:cxnSpMkLst>
-        </pc:cxnChg>
-        <pc:cxnChg chg="del">
-          <ac:chgData name="Jinyin Yan" userId="7d7b1cac-fbbc-4678-8cfc-23ca66a374ce" providerId="ADAL" clId="{FF26C555-752D-4004-A979-9228B3A43E4C}" dt="2025-01-09T09:38:46.161" v="682" actId="478"/>
-          <ac:cxnSpMkLst>
-            <pc:docMk/>
-            <pc:sldMk cId="3403091211" sldId="263"/>
-            <ac:cxnSpMk id="75" creationId="{44817833-FA2F-661F-399C-74D6C6F5B785}"/>
-          </ac:cxnSpMkLst>
-        </pc:cxnChg>
-        <pc:cxnChg chg="del">
-          <ac:chgData name="Jinyin Yan" userId="7d7b1cac-fbbc-4678-8cfc-23ca66a374ce" providerId="ADAL" clId="{FF26C555-752D-4004-A979-9228B3A43E4C}" dt="2025-01-09T09:38:46.161" v="682" actId="478"/>
-          <ac:cxnSpMkLst>
-            <pc:docMk/>
-            <pc:sldMk cId="3403091211" sldId="263"/>
-            <ac:cxnSpMk id="76" creationId="{8F8CCFA9-45B4-3005-B755-D1B163FC70B6}"/>
-          </ac:cxnSpMkLst>
-        </pc:cxnChg>
-        <pc:cxnChg chg="del">
-          <ac:chgData name="Jinyin Yan" userId="7d7b1cac-fbbc-4678-8cfc-23ca66a374ce" providerId="ADAL" clId="{FF26C555-752D-4004-A979-9228B3A43E4C}" dt="2025-01-09T09:38:46.161" v="682" actId="478"/>
-          <ac:cxnSpMkLst>
-            <pc:docMk/>
-            <pc:sldMk cId="3403091211" sldId="263"/>
-            <ac:cxnSpMk id="77" creationId="{0E44333D-AF61-134B-3640-2A0D78DB84FB}"/>
-          </ac:cxnSpMkLst>
-        </pc:cxnChg>
         <pc:cxnChg chg="mod">
           <ac:chgData name="Jinyin Yan" userId="7d7b1cac-fbbc-4678-8cfc-23ca66a374ce" providerId="ADAL" clId="{FF26C555-752D-4004-A979-9228B3A43E4C}" dt="2025-01-09T09:39:52.298" v="699"/>
           <ac:cxnSpMkLst>
             <pc:docMk/>
             <pc:sldMk cId="3403091211" sldId="263"/>
             <ac:cxnSpMk id="78" creationId="{6A737B39-728C-F305-70DA-EE7EC6269F5E}"/>
-          </ac:cxnSpMkLst>
-        </pc:cxnChg>
-        <pc:cxnChg chg="del">
-          <ac:chgData name="Jinyin Yan" userId="7d7b1cac-fbbc-4678-8cfc-23ca66a374ce" providerId="ADAL" clId="{FF26C555-752D-4004-A979-9228B3A43E4C}" dt="2025-01-09T09:39:01.354" v="683" actId="478"/>
-          <ac:cxnSpMkLst>
-            <pc:docMk/>
-            <pc:sldMk cId="3403091211" sldId="263"/>
-            <ac:cxnSpMk id="79" creationId="{3F4A9EE6-D28B-4618-EA71-96111DF18E15}"/>
-          </ac:cxnSpMkLst>
-        </pc:cxnChg>
-        <pc:cxnChg chg="del">
-          <ac:chgData name="Jinyin Yan" userId="7d7b1cac-fbbc-4678-8cfc-23ca66a374ce" providerId="ADAL" clId="{FF26C555-752D-4004-A979-9228B3A43E4C}" dt="2025-01-09T09:38:46.161" v="682" actId="478"/>
-          <ac:cxnSpMkLst>
-            <pc:docMk/>
-            <pc:sldMk cId="3403091211" sldId="263"/>
-            <ac:cxnSpMk id="80" creationId="{2C2BE351-2610-2D73-0C19-27610C80C384}"/>
-          </ac:cxnSpMkLst>
-        </pc:cxnChg>
-        <pc:cxnChg chg="del">
-          <ac:chgData name="Jinyin Yan" userId="7d7b1cac-fbbc-4678-8cfc-23ca66a374ce" providerId="ADAL" clId="{FF26C555-752D-4004-A979-9228B3A43E4C}" dt="2025-01-09T09:38:46.161" v="682" actId="478"/>
-          <ac:cxnSpMkLst>
-            <pc:docMk/>
-            <pc:sldMk cId="3403091211" sldId="263"/>
-            <ac:cxnSpMk id="82" creationId="{40179E2F-F9F8-1587-1650-E76B0163D1B0}"/>
-          </ac:cxnSpMkLst>
-        </pc:cxnChg>
-        <pc:cxnChg chg="del">
-          <ac:chgData name="Jinyin Yan" userId="7d7b1cac-fbbc-4678-8cfc-23ca66a374ce" providerId="ADAL" clId="{FF26C555-752D-4004-A979-9228B3A43E4C}" dt="2025-01-09T09:38:46.161" v="682" actId="478"/>
-          <ac:cxnSpMkLst>
-            <pc:docMk/>
-            <pc:sldMk cId="3403091211" sldId="263"/>
-            <ac:cxnSpMk id="83" creationId="{C8C1A9F8-6F11-08CC-7293-40B29F0824B5}"/>
-          </ac:cxnSpMkLst>
-        </pc:cxnChg>
-        <pc:cxnChg chg="del">
-          <ac:chgData name="Jinyin Yan" userId="7d7b1cac-fbbc-4678-8cfc-23ca66a374ce" providerId="ADAL" clId="{FF26C555-752D-4004-A979-9228B3A43E4C}" dt="2025-01-09T09:38:46.161" v="682" actId="478"/>
-          <ac:cxnSpMkLst>
-            <pc:docMk/>
-            <pc:sldMk cId="3403091211" sldId="263"/>
-            <ac:cxnSpMk id="85" creationId="{4FC10080-C8DD-2B03-BFF3-B2FDCDAA8E10}"/>
-          </ac:cxnSpMkLst>
-        </pc:cxnChg>
-        <pc:cxnChg chg="del">
-          <ac:chgData name="Jinyin Yan" userId="7d7b1cac-fbbc-4678-8cfc-23ca66a374ce" providerId="ADAL" clId="{FF26C555-752D-4004-A979-9228B3A43E4C}" dt="2025-01-09T09:38:46.161" v="682" actId="478"/>
-          <ac:cxnSpMkLst>
-            <pc:docMk/>
-            <pc:sldMk cId="3403091211" sldId="263"/>
-            <ac:cxnSpMk id="86" creationId="{8877AE9E-A794-C137-D62A-FD22665B40BD}"/>
-          </ac:cxnSpMkLst>
-        </pc:cxnChg>
-        <pc:cxnChg chg="del">
-          <ac:chgData name="Jinyin Yan" userId="7d7b1cac-fbbc-4678-8cfc-23ca66a374ce" providerId="ADAL" clId="{FF26C555-752D-4004-A979-9228B3A43E4C}" dt="2025-01-09T09:38:46.161" v="682" actId="478"/>
-          <ac:cxnSpMkLst>
-            <pc:docMk/>
-            <pc:sldMk cId="3403091211" sldId="263"/>
-            <ac:cxnSpMk id="87" creationId="{91E0A760-39D8-8B39-F906-3B3AD680DB74}"/>
-          </ac:cxnSpMkLst>
-        </pc:cxnChg>
-        <pc:cxnChg chg="del">
-          <ac:chgData name="Jinyin Yan" userId="7d7b1cac-fbbc-4678-8cfc-23ca66a374ce" providerId="ADAL" clId="{FF26C555-752D-4004-A979-9228B3A43E4C}" dt="2025-01-09T09:38:46.161" v="682" actId="478"/>
-          <ac:cxnSpMkLst>
-            <pc:docMk/>
-            <pc:sldMk cId="3403091211" sldId="263"/>
-            <ac:cxnSpMk id="88" creationId="{70B9C846-3F8A-36BA-BEE6-232B070F0A31}"/>
-          </ac:cxnSpMkLst>
-        </pc:cxnChg>
-        <pc:cxnChg chg="del">
-          <ac:chgData name="Jinyin Yan" userId="7d7b1cac-fbbc-4678-8cfc-23ca66a374ce" providerId="ADAL" clId="{FF26C555-752D-4004-A979-9228B3A43E4C}" dt="2025-01-09T09:38:46.161" v="682" actId="478"/>
-          <ac:cxnSpMkLst>
-            <pc:docMk/>
-            <pc:sldMk cId="3403091211" sldId="263"/>
-            <ac:cxnSpMk id="89" creationId="{9B7578C6-9941-1C85-2237-6BC302D10103}"/>
-          </ac:cxnSpMkLst>
-        </pc:cxnChg>
-        <pc:cxnChg chg="del">
-          <ac:chgData name="Jinyin Yan" userId="7d7b1cac-fbbc-4678-8cfc-23ca66a374ce" providerId="ADAL" clId="{FF26C555-752D-4004-A979-9228B3A43E4C}" dt="2025-01-09T09:38:46.161" v="682" actId="478"/>
-          <ac:cxnSpMkLst>
-            <pc:docMk/>
-            <pc:sldMk cId="3403091211" sldId="263"/>
-            <ac:cxnSpMk id="90" creationId="{E7FE1ABA-4A2C-32CB-9B27-13E67CE4AC03}"/>
-          </ac:cxnSpMkLst>
-        </pc:cxnChg>
-        <pc:cxnChg chg="del">
-          <ac:chgData name="Jinyin Yan" userId="7d7b1cac-fbbc-4678-8cfc-23ca66a374ce" providerId="ADAL" clId="{FF26C555-752D-4004-A979-9228B3A43E4C}" dt="2025-01-09T09:38:46.161" v="682" actId="478"/>
-          <ac:cxnSpMkLst>
-            <pc:docMk/>
-            <pc:sldMk cId="3403091211" sldId="263"/>
-            <ac:cxnSpMk id="91" creationId="{FF3CEE37-EF64-66AC-5F3C-8A9CC9749E59}"/>
-          </ac:cxnSpMkLst>
-        </pc:cxnChg>
-        <pc:cxnChg chg="del">
-          <ac:chgData name="Jinyin Yan" userId="7d7b1cac-fbbc-4678-8cfc-23ca66a374ce" providerId="ADAL" clId="{FF26C555-752D-4004-A979-9228B3A43E4C}" dt="2025-01-09T09:38:46.161" v="682" actId="478"/>
-          <ac:cxnSpMkLst>
-            <pc:docMk/>
-            <pc:sldMk cId="3403091211" sldId="263"/>
-            <ac:cxnSpMk id="92" creationId="{AB8C3294-9A82-6B02-8FC6-4448B32B37A5}"/>
-          </ac:cxnSpMkLst>
-        </pc:cxnChg>
-        <pc:cxnChg chg="del">
-          <ac:chgData name="Jinyin Yan" userId="7d7b1cac-fbbc-4678-8cfc-23ca66a374ce" providerId="ADAL" clId="{FF26C555-752D-4004-A979-9228B3A43E4C}" dt="2025-01-09T09:38:46.161" v="682" actId="478"/>
-          <ac:cxnSpMkLst>
-            <pc:docMk/>
-            <pc:sldMk cId="3403091211" sldId="263"/>
-            <ac:cxnSpMk id="93" creationId="{08F2114D-1D03-C93C-8225-0537A41660D6}"/>
-          </ac:cxnSpMkLst>
-        </pc:cxnChg>
-        <pc:cxnChg chg="del">
-          <ac:chgData name="Jinyin Yan" userId="7d7b1cac-fbbc-4678-8cfc-23ca66a374ce" providerId="ADAL" clId="{FF26C555-752D-4004-A979-9228B3A43E4C}" dt="2025-01-09T09:38:46.161" v="682" actId="478"/>
-          <ac:cxnSpMkLst>
-            <pc:docMk/>
-            <pc:sldMk cId="3403091211" sldId="263"/>
-            <ac:cxnSpMk id="94" creationId="{231491CA-8E0A-839B-3A84-74CCF1B376FA}"/>
-          </ac:cxnSpMkLst>
-        </pc:cxnChg>
-        <pc:cxnChg chg="del">
-          <ac:chgData name="Jinyin Yan" userId="7d7b1cac-fbbc-4678-8cfc-23ca66a374ce" providerId="ADAL" clId="{FF26C555-752D-4004-A979-9228B3A43E4C}" dt="2025-01-09T09:38:46.161" v="682" actId="478"/>
-          <ac:cxnSpMkLst>
-            <pc:docMk/>
-            <pc:sldMk cId="3403091211" sldId="263"/>
-            <ac:cxnSpMk id="95" creationId="{5F2363D0-9021-7679-3D7F-7F599A8E3B26}"/>
-          </ac:cxnSpMkLst>
-        </pc:cxnChg>
-        <pc:cxnChg chg="del mod">
-          <ac:chgData name="Jinyin Yan" userId="7d7b1cac-fbbc-4678-8cfc-23ca66a374ce" providerId="ADAL" clId="{FF26C555-752D-4004-A979-9228B3A43E4C}" dt="2025-01-09T09:39:05.106" v="686" actId="478"/>
-          <ac:cxnSpMkLst>
-            <pc:docMk/>
-            <pc:sldMk cId="3403091211" sldId="263"/>
-            <ac:cxnSpMk id="102" creationId="{37EDBC57-6157-A34D-C18D-01CDE078B5CE}"/>
-          </ac:cxnSpMkLst>
-        </pc:cxnChg>
-        <pc:cxnChg chg="del">
-          <ac:chgData name="Jinyin Yan" userId="7d7b1cac-fbbc-4678-8cfc-23ca66a374ce" providerId="ADAL" clId="{FF26C555-752D-4004-A979-9228B3A43E4C}" dt="2025-01-09T09:38:46.161" v="682" actId="478"/>
-          <ac:cxnSpMkLst>
-            <pc:docMk/>
-            <pc:sldMk cId="3403091211" sldId="263"/>
-            <ac:cxnSpMk id="106" creationId="{8C35E98A-CDC6-315F-891B-26583B9F4736}"/>
-          </ac:cxnSpMkLst>
-        </pc:cxnChg>
-        <pc:cxnChg chg="del">
-          <ac:chgData name="Jinyin Yan" userId="7d7b1cac-fbbc-4678-8cfc-23ca66a374ce" providerId="ADAL" clId="{FF26C555-752D-4004-A979-9228B3A43E4C}" dt="2025-01-09T09:38:46.161" v="682" actId="478"/>
-          <ac:cxnSpMkLst>
-            <pc:docMk/>
-            <pc:sldMk cId="3403091211" sldId="263"/>
-            <ac:cxnSpMk id="107" creationId="{6938294A-02EF-3905-4BF7-A56837197B47}"/>
           </ac:cxnSpMkLst>
         </pc:cxnChg>
         <pc:cxnChg chg="mod">
@@ -3224,22 +1697,6 @@
             <pc:docMk/>
             <pc:sldMk cId="3403091211" sldId="263"/>
             <ac:cxnSpMk id="109" creationId="{065B3246-C40D-0695-817E-8E71142C34CF}"/>
-          </ac:cxnSpMkLst>
-        </pc:cxnChg>
-        <pc:cxnChg chg="del">
-          <ac:chgData name="Jinyin Yan" userId="7d7b1cac-fbbc-4678-8cfc-23ca66a374ce" providerId="ADAL" clId="{FF26C555-752D-4004-A979-9228B3A43E4C}" dt="2025-01-09T09:38:46.161" v="682" actId="478"/>
-          <ac:cxnSpMkLst>
-            <pc:docMk/>
-            <pc:sldMk cId="3403091211" sldId="263"/>
-            <ac:cxnSpMk id="110" creationId="{C3F770B2-B03B-978E-3EE5-E3324537962E}"/>
-          </ac:cxnSpMkLst>
-        </pc:cxnChg>
-        <pc:cxnChg chg="del">
-          <ac:chgData name="Jinyin Yan" userId="7d7b1cac-fbbc-4678-8cfc-23ca66a374ce" providerId="ADAL" clId="{FF26C555-752D-4004-A979-9228B3A43E4C}" dt="2025-01-09T09:38:46.161" v="682" actId="478"/>
-          <ac:cxnSpMkLst>
-            <pc:docMk/>
-            <pc:sldMk cId="3403091211" sldId="263"/>
-            <ac:cxnSpMk id="112" creationId="{AFC7DA37-44EE-8CD7-9537-F6534E2EB7B5}"/>
           </ac:cxnSpMkLst>
         </pc:cxnChg>
         <pc:cxnChg chg="mod">
@@ -3258,62 +1715,6 @@
             <ac:cxnSpMk id="114" creationId="{73618EDC-C29A-8029-AEFE-4F098406F4EF}"/>
           </ac:cxnSpMkLst>
         </pc:cxnChg>
-        <pc:cxnChg chg="del">
-          <ac:chgData name="Jinyin Yan" userId="7d7b1cac-fbbc-4678-8cfc-23ca66a374ce" providerId="ADAL" clId="{FF26C555-752D-4004-A979-9228B3A43E4C}" dt="2025-01-09T09:38:46.161" v="682" actId="478"/>
-          <ac:cxnSpMkLst>
-            <pc:docMk/>
-            <pc:sldMk cId="3403091211" sldId="263"/>
-            <ac:cxnSpMk id="116" creationId="{8A515100-F301-C21A-7E62-9F773C2E26EE}"/>
-          </ac:cxnSpMkLst>
-        </pc:cxnChg>
-        <pc:cxnChg chg="del">
-          <ac:chgData name="Jinyin Yan" userId="7d7b1cac-fbbc-4678-8cfc-23ca66a374ce" providerId="ADAL" clId="{FF26C555-752D-4004-A979-9228B3A43E4C}" dt="2025-01-09T09:38:46.161" v="682" actId="478"/>
-          <ac:cxnSpMkLst>
-            <pc:docMk/>
-            <pc:sldMk cId="3403091211" sldId="263"/>
-            <ac:cxnSpMk id="117" creationId="{0CA49E45-685B-9588-C767-809AEF03A808}"/>
-          </ac:cxnSpMkLst>
-        </pc:cxnChg>
-        <pc:cxnChg chg="del">
-          <ac:chgData name="Jinyin Yan" userId="7d7b1cac-fbbc-4678-8cfc-23ca66a374ce" providerId="ADAL" clId="{FF26C555-752D-4004-A979-9228B3A43E4C}" dt="2025-01-09T09:38:46.161" v="682" actId="478"/>
-          <ac:cxnSpMkLst>
-            <pc:docMk/>
-            <pc:sldMk cId="3403091211" sldId="263"/>
-            <ac:cxnSpMk id="120" creationId="{6F109F6D-5AD4-094D-3743-3BB0D87CD83C}"/>
-          </ac:cxnSpMkLst>
-        </pc:cxnChg>
-        <pc:cxnChg chg="del">
-          <ac:chgData name="Jinyin Yan" userId="7d7b1cac-fbbc-4678-8cfc-23ca66a374ce" providerId="ADAL" clId="{FF26C555-752D-4004-A979-9228B3A43E4C}" dt="2025-01-09T09:38:46.161" v="682" actId="478"/>
-          <ac:cxnSpMkLst>
-            <pc:docMk/>
-            <pc:sldMk cId="3403091211" sldId="263"/>
-            <ac:cxnSpMk id="123" creationId="{BF95581E-ED6A-FB36-098B-12E2353A7934}"/>
-          </ac:cxnSpMkLst>
-        </pc:cxnChg>
-        <pc:cxnChg chg="del">
-          <ac:chgData name="Jinyin Yan" userId="7d7b1cac-fbbc-4678-8cfc-23ca66a374ce" providerId="ADAL" clId="{FF26C555-752D-4004-A979-9228B3A43E4C}" dt="2025-01-09T09:38:46.161" v="682" actId="478"/>
-          <ac:cxnSpMkLst>
-            <pc:docMk/>
-            <pc:sldMk cId="3403091211" sldId="263"/>
-            <ac:cxnSpMk id="127" creationId="{422F33A0-FFAC-5297-EF66-CB215CF315BE}"/>
-          </ac:cxnSpMkLst>
-        </pc:cxnChg>
-        <pc:cxnChg chg="del">
-          <ac:chgData name="Jinyin Yan" userId="7d7b1cac-fbbc-4678-8cfc-23ca66a374ce" providerId="ADAL" clId="{FF26C555-752D-4004-A979-9228B3A43E4C}" dt="2025-01-09T09:38:46.161" v="682" actId="478"/>
-          <ac:cxnSpMkLst>
-            <pc:docMk/>
-            <pc:sldMk cId="3403091211" sldId="263"/>
-            <ac:cxnSpMk id="128" creationId="{AC6F5208-C00E-CA2C-2F28-B6B4177C05D1}"/>
-          </ac:cxnSpMkLst>
-        </pc:cxnChg>
-        <pc:cxnChg chg="del">
-          <ac:chgData name="Jinyin Yan" userId="7d7b1cac-fbbc-4678-8cfc-23ca66a374ce" providerId="ADAL" clId="{FF26C555-752D-4004-A979-9228B3A43E4C}" dt="2025-01-09T09:38:46.161" v="682" actId="478"/>
-          <ac:cxnSpMkLst>
-            <pc:docMk/>
-            <pc:sldMk cId="3403091211" sldId="263"/>
-            <ac:cxnSpMk id="132" creationId="{B4415E91-D975-6460-431F-872CFFB61DED}"/>
-          </ac:cxnSpMkLst>
-        </pc:cxnChg>
         <pc:cxnChg chg="add mod">
           <ac:chgData name="Jinyin Yan" userId="7d7b1cac-fbbc-4678-8cfc-23ca66a374ce" providerId="ADAL" clId="{FF26C555-752D-4004-A979-9228B3A43E4C}" dt="2025-01-09T09:41:34.926" v="718" actId="14100"/>
           <ac:cxnSpMkLst>
@@ -3330,38 +1731,6 @@
             <ac:cxnSpMk id="141" creationId="{207E179C-A456-B6FC-081F-DE4A94840493}"/>
           </ac:cxnSpMkLst>
         </pc:cxnChg>
-        <pc:cxnChg chg="del">
-          <ac:chgData name="Jinyin Yan" userId="7d7b1cac-fbbc-4678-8cfc-23ca66a374ce" providerId="ADAL" clId="{FF26C555-752D-4004-A979-9228B3A43E4C}" dt="2025-01-09T09:38:46.161" v="682" actId="478"/>
-          <ac:cxnSpMkLst>
-            <pc:docMk/>
-            <pc:sldMk cId="3403091211" sldId="263"/>
-            <ac:cxnSpMk id="142" creationId="{5683193E-C1AF-075A-B860-03D85C1AE363}"/>
-          </ac:cxnSpMkLst>
-        </pc:cxnChg>
-        <pc:cxnChg chg="add del mod">
-          <ac:chgData name="Jinyin Yan" userId="7d7b1cac-fbbc-4678-8cfc-23ca66a374ce" providerId="ADAL" clId="{FF26C555-752D-4004-A979-9228B3A43E4C}" dt="2025-01-09T09:43:03.323" v="737" actId="478"/>
-          <ac:cxnSpMkLst>
-            <pc:docMk/>
-            <pc:sldMk cId="3403091211" sldId="263"/>
-            <ac:cxnSpMk id="148" creationId="{FC0463DF-DE7A-CC0D-040F-980A6167B46D}"/>
-          </ac:cxnSpMkLst>
-        </pc:cxnChg>
-        <pc:cxnChg chg="del">
-          <ac:chgData name="Jinyin Yan" userId="7d7b1cac-fbbc-4678-8cfc-23ca66a374ce" providerId="ADAL" clId="{FF26C555-752D-4004-A979-9228B3A43E4C}" dt="2025-01-09T09:38:46.161" v="682" actId="478"/>
-          <ac:cxnSpMkLst>
-            <pc:docMk/>
-            <pc:sldMk cId="3403091211" sldId="263"/>
-            <ac:cxnSpMk id="156" creationId="{931F10BD-C553-21E1-6C7B-46F98BC6A2EA}"/>
-          </ac:cxnSpMkLst>
-        </pc:cxnChg>
-        <pc:cxnChg chg="del">
-          <ac:chgData name="Jinyin Yan" userId="7d7b1cac-fbbc-4678-8cfc-23ca66a374ce" providerId="ADAL" clId="{FF26C555-752D-4004-A979-9228B3A43E4C}" dt="2025-01-09T09:38:46.161" v="682" actId="478"/>
-          <ac:cxnSpMkLst>
-            <pc:docMk/>
-            <pc:sldMk cId="3403091211" sldId="263"/>
-            <ac:cxnSpMk id="157" creationId="{2D69FB08-979B-83A7-C827-2F01CB7A1431}"/>
-          </ac:cxnSpMkLst>
-        </pc:cxnChg>
         <pc:cxnChg chg="add mod">
           <ac:chgData name="Jinyin Yan" userId="7d7b1cac-fbbc-4678-8cfc-23ca66a374ce" providerId="ADAL" clId="{FF26C555-752D-4004-A979-9228B3A43E4C}" dt="2025-01-09T09:49:24.727" v="763" actId="13822"/>
           <ac:cxnSpMkLst>
@@ -3400,14 +1769,6 @@
             <pc:docMk/>
             <pc:sldMk cId="3403091211" sldId="263"/>
             <ac:cxnSpMk id="191" creationId="{4A71AFAB-9A0A-30D3-47E7-043F84498CBE}"/>
-          </ac:cxnSpMkLst>
-        </pc:cxnChg>
-        <pc:cxnChg chg="add del mod">
-          <ac:chgData name="Jinyin Yan" userId="7d7b1cac-fbbc-4678-8cfc-23ca66a374ce" providerId="ADAL" clId="{FF26C555-752D-4004-A979-9228B3A43E4C}" dt="2025-01-09T10:00:16.466" v="821" actId="478"/>
-          <ac:cxnSpMkLst>
-            <pc:docMk/>
-            <pc:sldMk cId="3403091211" sldId="263"/>
-            <ac:cxnSpMk id="195" creationId="{593F8F7A-95AB-552F-742E-08FAA399E7B5}"/>
           </ac:cxnSpMkLst>
         </pc:cxnChg>
       </pc:sldChg>
@@ -3417,158 +1778,6 @@
           <pc:docMk/>
           <pc:sldMk cId="3587743416" sldId="263"/>
         </pc:sldMkLst>
-        <pc:spChg chg="add mod">
-          <ac:chgData name="Jinyin Yan" userId="7d7b1cac-fbbc-4678-8cfc-23ca66a374ce" providerId="ADAL" clId="{FF26C555-752D-4004-A979-9228B3A43E4C}" dt="2025-01-09T08:56:29.702" v="590" actId="1076"/>
-          <ac:spMkLst>
-            <pc:docMk/>
-            <pc:sldMk cId="3587743416" sldId="263"/>
-            <ac:spMk id="25" creationId="{2641F604-8CD0-052D-DF5C-1496EDF5E18D}"/>
-          </ac:spMkLst>
-        </pc:spChg>
-        <pc:spChg chg="mod">
-          <ac:chgData name="Jinyin Yan" userId="7d7b1cac-fbbc-4678-8cfc-23ca66a374ce" providerId="ADAL" clId="{FF26C555-752D-4004-A979-9228B3A43E4C}" dt="2025-01-09T09:00:07.522" v="606" actId="1076"/>
-          <ac:spMkLst>
-            <pc:docMk/>
-            <pc:sldMk cId="3587743416" sldId="263"/>
-            <ac:spMk id="27" creationId="{EE1CE102-91A3-753F-61CD-6095BF16E0FD}"/>
-          </ac:spMkLst>
-        </pc:spChg>
-        <pc:spChg chg="del">
-          <ac:chgData name="Jinyin Yan" userId="7d7b1cac-fbbc-4678-8cfc-23ca66a374ce" providerId="ADAL" clId="{FF26C555-752D-4004-A979-9228B3A43E4C}" dt="2025-01-09T08:56:04.279" v="588" actId="478"/>
-          <ac:spMkLst>
-            <pc:docMk/>
-            <pc:sldMk cId="3587743416" sldId="263"/>
-            <ac:spMk id="36" creationId="{7705F344-1CC6-22E4-A8DD-48EF344DA1DF}"/>
-          </ac:spMkLst>
-        </pc:spChg>
-        <pc:spChg chg="add mod">
-          <ac:chgData name="Jinyin Yan" userId="7d7b1cac-fbbc-4678-8cfc-23ca66a374ce" providerId="ADAL" clId="{FF26C555-752D-4004-A979-9228B3A43E4C}" dt="2025-01-09T09:01:32.933" v="616" actId="1076"/>
-          <ac:spMkLst>
-            <pc:docMk/>
-            <pc:sldMk cId="3587743416" sldId="263"/>
-            <ac:spMk id="98" creationId="{156D50C8-4729-0FD7-4385-3A8382A6DA6F}"/>
-          </ac:spMkLst>
-        </pc:spChg>
-        <pc:spChg chg="mod">
-          <ac:chgData name="Jinyin Yan" userId="7d7b1cac-fbbc-4678-8cfc-23ca66a374ce" providerId="ADAL" clId="{FF26C555-752D-4004-A979-9228B3A43E4C}" dt="2025-01-09T09:01:32.481" v="615" actId="1076"/>
-          <ac:spMkLst>
-            <pc:docMk/>
-            <pc:sldMk cId="3587743416" sldId="263"/>
-            <ac:spMk id="125" creationId="{AC84B4F4-1663-42F6-E4BB-9DACBCE30FCB}"/>
-          </ac:spMkLst>
-        </pc:spChg>
-        <pc:spChg chg="mod">
-          <ac:chgData name="Jinyin Yan" userId="7d7b1cac-fbbc-4678-8cfc-23ca66a374ce" providerId="ADAL" clId="{FF26C555-752D-4004-A979-9228B3A43E4C}" dt="2025-01-09T09:00:30.638" v="608" actId="1076"/>
-          <ac:spMkLst>
-            <pc:docMk/>
-            <pc:sldMk cId="3587743416" sldId="263"/>
-            <ac:spMk id="149" creationId="{69203E5D-784A-F691-A004-BC0FDD480F2A}"/>
-          </ac:spMkLst>
-        </pc:spChg>
-        <pc:spChg chg="mod">
-          <ac:chgData name="Jinyin Yan" userId="7d7b1cac-fbbc-4678-8cfc-23ca66a374ce" providerId="ADAL" clId="{FF26C555-752D-4004-A979-9228B3A43E4C}" dt="2025-01-09T09:01:34.449" v="619" actId="1076"/>
-          <ac:spMkLst>
-            <pc:docMk/>
-            <pc:sldMk cId="3587743416" sldId="263"/>
-            <ac:spMk id="150" creationId="{903B4B8E-7BA4-7F74-CF95-B52B4E88E43B}"/>
-          </ac:spMkLst>
-        </pc:spChg>
-        <pc:spChg chg="mod">
-          <ac:chgData name="Jinyin Yan" userId="7d7b1cac-fbbc-4678-8cfc-23ca66a374ce" providerId="ADAL" clId="{FF26C555-752D-4004-A979-9228B3A43E4C}" dt="2025-01-09T08:57:37.622" v="596" actId="1076"/>
-          <ac:spMkLst>
-            <pc:docMk/>
-            <pc:sldMk cId="3587743416" sldId="263"/>
-            <ac:spMk id="152" creationId="{848F6375-258C-B9DC-3DAD-76F951F07D62}"/>
-          </ac:spMkLst>
-        </pc:spChg>
-        <pc:spChg chg="mod">
-          <ac:chgData name="Jinyin Yan" userId="7d7b1cac-fbbc-4678-8cfc-23ca66a374ce" providerId="ADAL" clId="{FF26C555-752D-4004-A979-9228B3A43E4C}" dt="2025-01-09T09:01:33.637" v="617" actId="1076"/>
-          <ac:spMkLst>
-            <pc:docMk/>
-            <pc:sldMk cId="3587743416" sldId="263"/>
-            <ac:spMk id="154" creationId="{D312EC81-0454-619F-631A-B56884F6D3A4}"/>
-          </ac:spMkLst>
-        </pc:spChg>
-        <pc:spChg chg="mod">
-          <ac:chgData name="Jinyin Yan" userId="7d7b1cac-fbbc-4678-8cfc-23ca66a374ce" providerId="ADAL" clId="{FF26C555-752D-4004-A979-9228B3A43E4C}" dt="2025-01-09T09:01:33.956" v="618" actId="1076"/>
-          <ac:spMkLst>
-            <pc:docMk/>
-            <pc:sldMk cId="3587743416" sldId="263"/>
-            <ac:spMk id="155" creationId="{1F415EBD-0F0C-1FC2-DAF4-D42E8C97C3A8}"/>
-          </ac:spMkLst>
-        </pc:spChg>
-        <pc:cxnChg chg="add mod">
-          <ac:chgData name="Jinyin Yan" userId="7d7b1cac-fbbc-4678-8cfc-23ca66a374ce" providerId="ADAL" clId="{FF26C555-752D-4004-A979-9228B3A43E4C}" dt="2025-01-09T08:56:29.702" v="590" actId="1076"/>
-          <ac:cxnSpMkLst>
-            <pc:docMk/>
-            <pc:sldMk cId="3587743416" sldId="263"/>
-            <ac:cxnSpMk id="30" creationId="{A6B2BD46-50A6-1CFE-21E0-4E58C7501843}"/>
-          </ac:cxnSpMkLst>
-        </pc:cxnChg>
-        <pc:cxnChg chg="del">
-          <ac:chgData name="Jinyin Yan" userId="7d7b1cac-fbbc-4678-8cfc-23ca66a374ce" providerId="ADAL" clId="{FF26C555-752D-4004-A979-9228B3A43E4C}" dt="2025-01-09T08:56:02.641" v="587" actId="478"/>
-          <ac:cxnSpMkLst>
-            <pc:docMk/>
-            <pc:sldMk cId="3587743416" sldId="263"/>
-            <ac:cxnSpMk id="32" creationId="{8A29C38C-A19E-6EF2-E1DC-97D1AC64ADD2}"/>
-          </ac:cxnSpMkLst>
-        </pc:cxnChg>
-        <pc:cxnChg chg="mod">
-          <ac:chgData name="Jinyin Yan" userId="7d7b1cac-fbbc-4678-8cfc-23ca66a374ce" providerId="ADAL" clId="{FF26C555-752D-4004-A979-9228B3A43E4C}" dt="2025-01-09T09:00:16.628" v="607" actId="1076"/>
-          <ac:cxnSpMkLst>
-            <pc:docMk/>
-            <pc:sldMk cId="3587743416" sldId="263"/>
-            <ac:cxnSpMk id="38" creationId="{84F7F1B7-3034-4AD8-9269-7634AB371FD8}"/>
-          </ac:cxnSpMkLst>
-        </pc:cxnChg>
-        <pc:cxnChg chg="add mod">
-          <ac:chgData name="Jinyin Yan" userId="7d7b1cac-fbbc-4678-8cfc-23ca66a374ce" providerId="ADAL" clId="{FF26C555-752D-4004-A979-9228B3A43E4C}" dt="2025-01-09T08:57:09.908" v="594" actId="1076"/>
-          <ac:cxnSpMkLst>
-            <pc:docMk/>
-            <pc:sldMk cId="3587743416" sldId="263"/>
-            <ac:cxnSpMk id="44" creationId="{4F74C2D6-BB36-BA5F-8A86-0FDDC0D5E27D}"/>
-          </ac:cxnSpMkLst>
-        </pc:cxnChg>
-        <pc:cxnChg chg="mod">
-          <ac:chgData name="Jinyin Yan" userId="7d7b1cac-fbbc-4678-8cfc-23ca66a374ce" providerId="ADAL" clId="{FF26C555-752D-4004-A979-9228B3A43E4C}" dt="2025-01-09T08:59:38.760" v="603" actId="1076"/>
-          <ac:cxnSpMkLst>
-            <pc:docMk/>
-            <pc:sldMk cId="3587743416" sldId="263"/>
-            <ac:cxnSpMk id="61" creationId="{3796222D-3B61-F5DB-929B-E92B4BD6AFEC}"/>
-          </ac:cxnSpMkLst>
-        </pc:cxnChg>
-        <pc:cxnChg chg="mod">
-          <ac:chgData name="Jinyin Yan" userId="7d7b1cac-fbbc-4678-8cfc-23ca66a374ce" providerId="ADAL" clId="{FF26C555-752D-4004-A979-9228B3A43E4C}" dt="2025-01-09T09:00:00.264" v="605" actId="1076"/>
-          <ac:cxnSpMkLst>
-            <pc:docMk/>
-            <pc:sldMk cId="3587743416" sldId="263"/>
-            <ac:cxnSpMk id="62" creationId="{72B87877-3104-2DF1-0A44-BF1BD2FF5572}"/>
-          </ac:cxnSpMkLst>
-        </pc:cxnChg>
-        <pc:cxnChg chg="mod">
-          <ac:chgData name="Jinyin Yan" userId="7d7b1cac-fbbc-4678-8cfc-23ca66a374ce" providerId="ADAL" clId="{FF26C555-752D-4004-A979-9228B3A43E4C}" dt="2025-01-09T08:57:00.362" v="593" actId="1076"/>
-          <ac:cxnSpMkLst>
-            <pc:docMk/>
-            <pc:sldMk cId="3587743416" sldId="263"/>
-            <ac:cxnSpMk id="110" creationId="{92B746D1-091F-3AC4-2721-EBDDE2CD4C54}"/>
-          </ac:cxnSpMkLst>
-        </pc:cxnChg>
-        <pc:cxnChg chg="mod">
-          <ac:chgData name="Jinyin Yan" userId="7d7b1cac-fbbc-4678-8cfc-23ca66a374ce" providerId="ADAL" clId="{FF26C555-752D-4004-A979-9228B3A43E4C}" dt="2025-01-09T08:58:55.004" v="601" actId="14100"/>
-          <ac:cxnSpMkLst>
-            <pc:docMk/>
-            <pc:sldMk cId="3587743416" sldId="263"/>
-            <ac:cxnSpMk id="128" creationId="{D2F458D5-AC5A-5C3B-EAF1-1BCA2780B173}"/>
-          </ac:cxnSpMkLst>
-        </pc:cxnChg>
-        <pc:cxnChg chg="mod">
-          <ac:chgData name="Jinyin Yan" userId="7d7b1cac-fbbc-4678-8cfc-23ca66a374ce" providerId="ADAL" clId="{FF26C555-752D-4004-A979-9228B3A43E4C}" dt="2025-01-09T08:58:52.817" v="600" actId="14100"/>
-          <ac:cxnSpMkLst>
-            <pc:docMk/>
-            <pc:sldMk cId="3587743416" sldId="263"/>
-            <ac:cxnSpMk id="142" creationId="{F0303996-80DE-0FA3-45A2-11D3DA045D95}"/>
-          </ac:cxnSpMkLst>
-        </pc:cxnChg>
       </pc:sldChg>
       <pc:sldChg chg="addSp delSp modSp new mod">
         <pc:chgData name="Jinyin Yan" userId="7d7b1cac-fbbc-4678-8cfc-23ca66a374ce" providerId="ADAL" clId="{FF26C555-752D-4004-A979-9228B3A43E4C}" dt="2025-01-15T07:01:17.313" v="1217" actId="14100"/>
@@ -3584,22 +1793,6 @@
             <ac:spMk id="2" creationId="{11A2B918-FC86-4FCD-B2FD-F4BA2905760F}"/>
           </ac:spMkLst>
         </pc:spChg>
-        <pc:spChg chg="del">
-          <ac:chgData name="Jinyin Yan" userId="7d7b1cac-fbbc-4678-8cfc-23ca66a374ce" providerId="ADAL" clId="{FF26C555-752D-4004-A979-9228B3A43E4C}" dt="2025-01-14T08:29:41.017" v="926" actId="478"/>
-          <ac:spMkLst>
-            <pc:docMk/>
-            <pc:sldMk cId="801923521" sldId="264"/>
-            <ac:spMk id="2" creationId="{ADA579F2-E9A0-9A3F-394F-0AD1D031F8D5}"/>
-          </ac:spMkLst>
-        </pc:spChg>
-        <pc:spChg chg="del">
-          <ac:chgData name="Jinyin Yan" userId="7d7b1cac-fbbc-4678-8cfc-23ca66a374ce" providerId="ADAL" clId="{FF26C555-752D-4004-A979-9228B3A43E4C}" dt="2025-01-14T08:29:39.970" v="925" actId="478"/>
-          <ac:spMkLst>
-            <pc:docMk/>
-            <pc:sldMk cId="801923521" sldId="264"/>
-            <ac:spMk id="3" creationId="{3E9C40FB-B3E5-C1FE-B699-EB7F35D6DAEB}"/>
-          </ac:spMkLst>
-        </pc:spChg>
         <pc:spChg chg="add mod">
           <ac:chgData name="Jinyin Yan" userId="7d7b1cac-fbbc-4678-8cfc-23ca66a374ce" providerId="ADAL" clId="{FF26C555-752D-4004-A979-9228B3A43E4C}" dt="2025-01-15T07:01:05.230" v="1214" actId="14100"/>
           <ac:spMkLst>
@@ -3760,22 +1953,6 @@
             <ac:spMk id="39" creationId="{8552F8E5-83EC-3B32-40F4-70E877A771D9}"/>
           </ac:spMkLst>
         </pc:spChg>
-        <pc:spChg chg="add del">
-          <ac:chgData name="Jinyin Yan" userId="7d7b1cac-fbbc-4678-8cfc-23ca66a374ce" providerId="ADAL" clId="{FF26C555-752D-4004-A979-9228B3A43E4C}" dt="2025-01-14T10:00:53.793" v="1025" actId="11529"/>
-          <ac:spMkLst>
-            <pc:docMk/>
-            <pc:sldMk cId="801923521" sldId="264"/>
-            <ac:spMk id="63" creationId="{87BDF5FB-AAFF-4D35-0499-2654BFB0A106}"/>
-          </ac:spMkLst>
-        </pc:spChg>
-        <pc:spChg chg="add del mod">
-          <ac:chgData name="Jinyin Yan" userId="7d7b1cac-fbbc-4678-8cfc-23ca66a374ce" providerId="ADAL" clId="{FF26C555-752D-4004-A979-9228B3A43E4C}" dt="2025-01-14T10:01:23.949" v="1049"/>
-          <ac:spMkLst>
-            <pc:docMk/>
-            <pc:sldMk cId="801923521" sldId="264"/>
-            <ac:spMk id="64" creationId="{BA12105B-CA48-722D-EF1E-02D841FFDB45}"/>
-          </ac:spMkLst>
-        </pc:spChg>
         <pc:spChg chg="add mod">
           <ac:chgData name="Jinyin Yan" userId="7d7b1cac-fbbc-4678-8cfc-23ca66a374ce" providerId="ADAL" clId="{FF26C555-752D-4004-A979-9228B3A43E4C}" dt="2025-01-14T10:03:56.362" v="1066" actId="1076"/>
           <ac:spMkLst>
@@ -3840,14 +2017,6 @@
             <ac:spMk id="72" creationId="{8167B6DB-51D4-DBB0-71E8-CF5E18C0F7B6}"/>
           </ac:spMkLst>
         </pc:spChg>
-        <pc:grpChg chg="add del mod">
-          <ac:chgData name="Jinyin Yan" userId="7d7b1cac-fbbc-4678-8cfc-23ca66a374ce" providerId="ADAL" clId="{FF26C555-752D-4004-A979-9228B3A43E4C}" dt="2025-01-14T09:43:49.966" v="945" actId="165"/>
-          <ac:grpSpMkLst>
-            <pc:docMk/>
-            <pc:sldMk cId="801923521" sldId="264"/>
-            <ac:grpSpMk id="4" creationId="{29A23B29-8B5C-5C14-3356-B17A48C57ACD}"/>
-          </ac:grpSpMkLst>
-        </pc:grpChg>
         <pc:grpChg chg="mod topLvl">
           <ac:chgData name="Jinyin Yan" userId="7d7b1cac-fbbc-4678-8cfc-23ca66a374ce" providerId="ADAL" clId="{FF26C555-752D-4004-A979-9228B3A43E4C}" dt="2025-01-14T10:03:56.362" v="1066" actId="1076"/>
           <ac:grpSpMkLst>
@@ -3888,28 +2057,12 @@
             <ac:cxnSpMk id="8" creationId="{DC05F367-1AF7-A6FA-E379-B791AE98B1AF}"/>
           </ac:cxnSpMkLst>
         </pc:cxnChg>
-        <pc:cxnChg chg="add del mod">
-          <ac:chgData name="Jinyin Yan" userId="7d7b1cac-fbbc-4678-8cfc-23ca66a374ce" providerId="ADAL" clId="{FF26C555-752D-4004-A979-9228B3A43E4C}" dt="2025-01-14T09:21:18.269" v="933" actId="478"/>
-          <ac:cxnSpMkLst>
-            <pc:docMk/>
-            <pc:sldMk cId="801923521" sldId="264"/>
-            <ac:cxnSpMk id="16" creationId="{09C00761-4E52-5C9F-7392-B2BB11822E2F}"/>
-          </ac:cxnSpMkLst>
-        </pc:cxnChg>
         <pc:cxnChg chg="add mod">
           <ac:chgData name="Jinyin Yan" userId="7d7b1cac-fbbc-4678-8cfc-23ca66a374ce" providerId="ADAL" clId="{FF26C555-752D-4004-A979-9228B3A43E4C}" dt="2025-01-14T10:03:56.362" v="1066" actId="1076"/>
           <ac:cxnSpMkLst>
             <pc:docMk/>
             <pc:sldMk cId="801923521" sldId="264"/>
             <ac:cxnSpMk id="18" creationId="{CE0A6AE0-1D81-DD79-986A-48E86267F404}"/>
-          </ac:cxnSpMkLst>
-        </pc:cxnChg>
-        <pc:cxnChg chg="add del mod">
-          <ac:chgData name="Jinyin Yan" userId="7d7b1cac-fbbc-4678-8cfc-23ca66a374ce" providerId="ADAL" clId="{FF26C555-752D-4004-A979-9228B3A43E4C}" dt="2025-01-14T09:43:52.490" v="946" actId="478"/>
-          <ac:cxnSpMkLst>
-            <pc:docMk/>
-            <pc:sldMk cId="801923521" sldId="264"/>
-            <ac:cxnSpMk id="20" creationId="{6E2C58E3-58C0-9861-2CF6-1C55E4F82F94}"/>
           </ac:cxnSpMkLst>
         </pc:cxnChg>
         <pc:cxnChg chg="add mod">
@@ -4039,22 +2192,6 @@
           <pc:docMk/>
           <pc:sldMk cId="3857928627" sldId="265"/>
         </pc:sldMkLst>
-        <pc:spChg chg="del">
-          <ac:chgData name="Jinyin Yan" userId="7d7b1cac-fbbc-4678-8cfc-23ca66a374ce" providerId="ADAL" clId="{FF26C555-752D-4004-A979-9228B3A43E4C}" dt="2025-01-15T09:17:45.687" v="1219" actId="478"/>
-          <ac:spMkLst>
-            <pc:docMk/>
-            <pc:sldMk cId="3857928627" sldId="265"/>
-            <ac:spMk id="2" creationId="{11B50D65-6EB3-A743-E056-E1E558A41C4A}"/>
-          </ac:spMkLst>
-        </pc:spChg>
-        <pc:spChg chg="del">
-          <ac:chgData name="Jinyin Yan" userId="7d7b1cac-fbbc-4678-8cfc-23ca66a374ce" providerId="ADAL" clId="{FF26C555-752D-4004-A979-9228B3A43E4C}" dt="2025-01-15T09:17:47.406" v="1220" actId="478"/>
-          <ac:spMkLst>
-            <pc:docMk/>
-            <pc:sldMk cId="3857928627" sldId="265"/>
-            <ac:spMk id="3" creationId="{5A4ECF61-6CEC-148B-334E-77038BF29204}"/>
-          </ac:spMkLst>
-        </pc:spChg>
         <pc:spChg chg="mod topLvl">
           <ac:chgData name="Jinyin Yan" userId="7d7b1cac-fbbc-4678-8cfc-23ca66a374ce" providerId="ADAL" clId="{FF26C555-752D-4004-A979-9228B3A43E4C}" dt="2025-01-17T05:49:04.926" v="1378" actId="1076"/>
           <ac:spMkLst>
@@ -4247,22 +2384,6 @@
             <ac:spMk id="55" creationId="{EFA23532-8609-7FF3-1E21-3F4DDD77B5D9}"/>
           </ac:spMkLst>
         </pc:spChg>
-        <pc:grpChg chg="add del mod">
-          <ac:chgData name="Jinyin Yan" userId="7d7b1cac-fbbc-4678-8cfc-23ca66a374ce" providerId="ADAL" clId="{FF26C555-752D-4004-A979-9228B3A43E4C}" dt="2025-01-15T09:27:37.155" v="1226" actId="165"/>
-          <ac:grpSpMkLst>
-            <pc:docMk/>
-            <pc:sldMk cId="3857928627" sldId="265"/>
-            <ac:grpSpMk id="4" creationId="{7F1B49C8-F55E-B1D3-07CE-8C5FA8A68305}"/>
-          </ac:grpSpMkLst>
-        </pc:grpChg>
-        <pc:grpChg chg="del mod topLvl">
-          <ac:chgData name="Jinyin Yan" userId="7d7b1cac-fbbc-4678-8cfc-23ca66a374ce" providerId="ADAL" clId="{FF26C555-752D-4004-A979-9228B3A43E4C}" dt="2025-01-17T02:51:39.365" v="1252" actId="165"/>
-          <ac:grpSpMkLst>
-            <pc:docMk/>
-            <pc:sldMk cId="3857928627" sldId="265"/>
-            <ac:grpSpMk id="5" creationId="{9BE2822E-ED5F-B7F9-C77F-67DFA04E798E}"/>
-          </ac:grpSpMkLst>
-        </pc:grpChg>
         <pc:grpChg chg="add mod">
           <ac:chgData name="Jinyin Yan" userId="7d7b1cac-fbbc-4678-8cfc-23ca66a374ce" providerId="ADAL" clId="{FF26C555-752D-4004-A979-9228B3A43E4C}" dt="2025-01-17T05:49:04.926" v="1378" actId="1076"/>
           <ac:grpSpMkLst>
@@ -4398,22 +2519,6 @@
           <pc:docMk/>
           <pc:sldMk cId="1937969014" sldId="266"/>
         </pc:sldMkLst>
-        <pc:spChg chg="del">
-          <ac:chgData name="Jinyin Yan" userId="7d7b1cac-fbbc-4678-8cfc-23ca66a374ce" providerId="ADAL" clId="{FF26C555-752D-4004-A979-9228B3A43E4C}" dt="2025-01-17T06:05:40.568" v="1380" actId="478"/>
-          <ac:spMkLst>
-            <pc:docMk/>
-            <pc:sldMk cId="1937969014" sldId="266"/>
-            <ac:spMk id="2" creationId="{7FE31128-2B62-8B99-8643-148AEE764564}"/>
-          </ac:spMkLst>
-        </pc:spChg>
-        <pc:spChg chg="del">
-          <ac:chgData name="Jinyin Yan" userId="7d7b1cac-fbbc-4678-8cfc-23ca66a374ce" providerId="ADAL" clId="{FF26C555-752D-4004-A979-9228B3A43E4C}" dt="2025-01-17T06:05:42.002" v="1381" actId="478"/>
-          <ac:spMkLst>
-            <pc:docMk/>
-            <pc:sldMk cId="1937969014" sldId="266"/>
-            <ac:spMk id="3" creationId="{555EE99C-AF8F-9E26-3F59-5369BD432F1A}"/>
-          </ac:spMkLst>
-        </pc:spChg>
         <pc:spChg chg="mod">
           <ac:chgData name="Jinyin Yan" userId="7d7b1cac-fbbc-4678-8cfc-23ca66a374ce" providerId="ADAL" clId="{FF26C555-752D-4004-A979-9228B3A43E4C}" dt="2025-01-17T06:07:44.491" v="1382"/>
           <ac:spMkLst>
@@ -4500,14 +2605,6 @@
             <pc:docMk/>
             <pc:sldMk cId="1937969014" sldId="266"/>
             <ac:spMk id="25" creationId="{925544FB-596A-77C9-C0BB-BAB4EFAC5C65}"/>
-          </ac:spMkLst>
-        </pc:spChg>
-        <pc:spChg chg="add del mod">
-          <ac:chgData name="Jinyin Yan" userId="7d7b1cac-fbbc-4678-8cfc-23ca66a374ce" providerId="ADAL" clId="{FF26C555-752D-4004-A979-9228B3A43E4C}" dt="2025-01-17T06:07:50.190" v="1384" actId="478"/>
-          <ac:spMkLst>
-            <pc:docMk/>
-            <pc:sldMk cId="1937969014" sldId="266"/>
-            <ac:spMk id="27" creationId="{83B5EBD5-3414-4820-BCC7-79AA94609D1C}"/>
           </ac:spMkLst>
         </pc:spChg>
         <pc:spChg chg="add mod">
@@ -4677,22 +2774,6 @@
           <pc:docMk/>
           <pc:sldMk cId="2374530566" sldId="267"/>
         </pc:sldMkLst>
-        <pc:spChg chg="del">
-          <ac:chgData name="Jinyin Yan" userId="7d7b1cac-fbbc-4678-8cfc-23ca66a374ce" providerId="ADAL" clId="{FF26C555-752D-4004-A979-9228B3A43E4C}" dt="2025-01-17T06:25:29.250" v="1430" actId="478"/>
-          <ac:spMkLst>
-            <pc:docMk/>
-            <pc:sldMk cId="2374530566" sldId="267"/>
-            <ac:spMk id="2" creationId="{4FB1D852-744E-FAE0-4473-91297619E6E8}"/>
-          </ac:spMkLst>
-        </pc:spChg>
-        <pc:spChg chg="del">
-          <ac:chgData name="Jinyin Yan" userId="7d7b1cac-fbbc-4678-8cfc-23ca66a374ce" providerId="ADAL" clId="{FF26C555-752D-4004-A979-9228B3A43E4C}" dt="2025-01-17T06:25:30.623" v="1431" actId="478"/>
-          <ac:spMkLst>
-            <pc:docMk/>
-            <pc:sldMk cId="2374530566" sldId="267"/>
-            <ac:spMk id="3" creationId="{E9EC273A-DBAE-7E77-9869-C1F563C0288D}"/>
-          </ac:spMkLst>
-        </pc:spChg>
         <pc:spChg chg="mod">
           <ac:chgData name="Jinyin Yan" userId="7d7b1cac-fbbc-4678-8cfc-23ca66a374ce" providerId="ADAL" clId="{FF26C555-752D-4004-A979-9228B3A43E4C}" dt="2025-01-17T06:26:08.761" v="1437" actId="165"/>
           <ac:spMkLst>
@@ -4781,14 +2862,6 @@
             <ac:spMk id="26" creationId="{1DEA0820-DEA1-435B-835E-6D551C6B3E49}"/>
           </ac:spMkLst>
         </pc:spChg>
-        <pc:spChg chg="add del mod">
-          <ac:chgData name="Jinyin Yan" userId="7d7b1cac-fbbc-4678-8cfc-23ca66a374ce" providerId="ADAL" clId="{FF26C555-752D-4004-A979-9228B3A43E4C}" dt="2025-01-17T06:25:39.903" v="1433" actId="478"/>
-          <ac:spMkLst>
-            <pc:docMk/>
-            <pc:sldMk cId="2374530566" sldId="267"/>
-            <ac:spMk id="27" creationId="{C672D6F9-5E68-C964-1A8B-C042FEA7B954}"/>
-          </ac:spMkLst>
-        </pc:spChg>
         <pc:spChg chg="add mod">
           <ac:chgData name="Jinyin Yan" userId="7d7b1cac-fbbc-4678-8cfc-23ca66a374ce" providerId="ADAL" clId="{FF26C555-752D-4004-A979-9228B3A43E4C}" dt="2025-01-17T06:35:19.194" v="1513" actId="20577"/>
           <ac:spMkLst>
@@ -4877,14 +2950,6 @@
             <ac:spMk id="67" creationId="{B50CF3A3-B707-F264-B6A1-19DCA20219BE}"/>
           </ac:spMkLst>
         </pc:spChg>
-        <pc:grpChg chg="add del mod">
-          <ac:chgData name="Jinyin Yan" userId="7d7b1cac-fbbc-4678-8cfc-23ca66a374ce" providerId="ADAL" clId="{FF26C555-752D-4004-A979-9228B3A43E4C}" dt="2025-01-17T06:26:08.761" v="1437" actId="165"/>
-          <ac:grpSpMkLst>
-            <pc:docMk/>
-            <pc:sldMk cId="2374530566" sldId="267"/>
-            <ac:grpSpMk id="4" creationId="{6A262A7C-6F6F-79DA-2FC2-90034141F8DA}"/>
-          </ac:grpSpMkLst>
-        </pc:grpChg>
         <pc:grpChg chg="mod topLvl">
           <ac:chgData name="Jinyin Yan" userId="7d7b1cac-fbbc-4678-8cfc-23ca66a374ce" providerId="ADAL" clId="{FF26C555-752D-4004-A979-9228B3A43E4C}" dt="2025-01-17T06:31:56.227" v="1501" actId="1076"/>
           <ac:grpSpMkLst>
@@ -4939,14 +3004,6 @@
             <pc:docMk/>
             <pc:sldMk cId="2374530566" sldId="267"/>
             <ac:cxnSpMk id="7" creationId="{EEE3DAF7-1922-487B-8B72-1E10A1906109}"/>
-          </ac:cxnSpMkLst>
-        </pc:cxnChg>
-        <pc:cxnChg chg="del mod topLvl">
-          <ac:chgData name="Jinyin Yan" userId="7d7b1cac-fbbc-4678-8cfc-23ca66a374ce" providerId="ADAL" clId="{FF26C555-752D-4004-A979-9228B3A43E4C}" dt="2025-01-17T06:26:12.724" v="1438" actId="478"/>
-          <ac:cxnSpMkLst>
-            <pc:docMk/>
-            <pc:sldMk cId="2374530566" sldId="267"/>
-            <ac:cxnSpMk id="8" creationId="{9CA4BE20-86E2-94AE-F02D-0F5DAA0A8D96}"/>
           </ac:cxnSpMkLst>
         </pc:cxnChg>
         <pc:cxnChg chg="add mod">
@@ -5060,22 +3117,6 @@
           <pc:docMk/>
           <pc:sldMk cId="3270565089" sldId="268"/>
         </pc:sldMkLst>
-        <pc:spChg chg="del">
-          <ac:chgData name="Jinyin Yan" userId="7d7b1cac-fbbc-4678-8cfc-23ca66a374ce" providerId="ADAL" clId="{FF26C555-752D-4004-A979-9228B3A43E4C}" dt="2025-01-17T06:49:11.415" v="1524" actId="478"/>
-          <ac:spMkLst>
-            <pc:docMk/>
-            <pc:sldMk cId="3270565089" sldId="268"/>
-            <ac:spMk id="2" creationId="{33318DEE-BBD9-DBAC-AC6D-3B9C5F68E118}"/>
-          </ac:spMkLst>
-        </pc:spChg>
-        <pc:spChg chg="del">
-          <ac:chgData name="Jinyin Yan" userId="7d7b1cac-fbbc-4678-8cfc-23ca66a374ce" providerId="ADAL" clId="{FF26C555-752D-4004-A979-9228B3A43E4C}" dt="2025-01-17T06:49:09.499" v="1523" actId="478"/>
-          <ac:spMkLst>
-            <pc:docMk/>
-            <pc:sldMk cId="3270565089" sldId="268"/>
-            <ac:spMk id="3" creationId="{D3E2F257-5A43-5CBB-F5CD-63B997BA47C9}"/>
-          </ac:spMkLst>
-        </pc:spChg>
         <pc:spChg chg="mod">
           <ac:chgData name="Jinyin Yan" userId="7d7b1cac-fbbc-4678-8cfc-23ca66a374ce" providerId="ADAL" clId="{FF26C555-752D-4004-A979-9228B3A43E4C}" dt="2025-01-17T06:49:29.818" v="1525"/>
           <ac:spMkLst>
@@ -5212,14 +3253,6 @@
             <ac:spMk id="35" creationId="{DCCFD5C2-3E39-EB5E-2F1F-A28F00A119F5}"/>
           </ac:spMkLst>
         </pc:spChg>
-        <pc:spChg chg="add del mod">
-          <ac:chgData name="Jinyin Yan" userId="7d7b1cac-fbbc-4678-8cfc-23ca66a374ce" providerId="ADAL" clId="{FF26C555-752D-4004-A979-9228B3A43E4C}" dt="2025-01-17T06:49:54.188" v="1528" actId="478"/>
-          <ac:spMkLst>
-            <pc:docMk/>
-            <pc:sldMk cId="3270565089" sldId="268"/>
-            <ac:spMk id="41" creationId="{11AB0AA4-7EC7-A469-1C16-CB16195A2395}"/>
-          </ac:spMkLst>
-        </pc:spChg>
         <pc:spChg chg="add mod">
           <ac:chgData name="Jinyin Yan" userId="7d7b1cac-fbbc-4678-8cfc-23ca66a374ce" providerId="ADAL" clId="{FF26C555-752D-4004-A979-9228B3A43E4C}" dt="2025-01-17T06:57:25.791" v="1567" actId="1076"/>
           <ac:spMkLst>
@@ -5468,22 +3501,6 @@
             <ac:cxnSpMk id="38" creationId="{42F7B96D-663B-E818-C77B-B8209F6A85EE}"/>
           </ac:cxnSpMkLst>
         </pc:cxnChg>
-        <pc:cxnChg chg="add del mod">
-          <ac:chgData name="Jinyin Yan" userId="7d7b1cac-fbbc-4678-8cfc-23ca66a374ce" providerId="ADAL" clId="{FF26C555-752D-4004-A979-9228B3A43E4C}" dt="2025-01-17T06:49:50.639" v="1526" actId="478"/>
-          <ac:cxnSpMkLst>
-            <pc:docMk/>
-            <pc:sldMk cId="3270565089" sldId="268"/>
-            <ac:cxnSpMk id="39" creationId="{1ABFBD50-919E-5B9F-AD61-6AD68D2E26A2}"/>
-          </ac:cxnSpMkLst>
-        </pc:cxnChg>
-        <pc:cxnChg chg="add del mod">
-          <ac:chgData name="Jinyin Yan" userId="7d7b1cac-fbbc-4678-8cfc-23ca66a374ce" providerId="ADAL" clId="{FF26C555-752D-4004-A979-9228B3A43E4C}" dt="2025-01-17T06:49:52.075" v="1527" actId="478"/>
-          <ac:cxnSpMkLst>
-            <pc:docMk/>
-            <pc:sldMk cId="3270565089" sldId="268"/>
-            <ac:cxnSpMk id="40" creationId="{D3B1137A-B83F-7DD4-07B0-0AAF58897E46}"/>
-          </ac:cxnSpMkLst>
-        </pc:cxnChg>
         <pc:cxnChg chg="mod">
           <ac:chgData name="Jinyin Yan" userId="7d7b1cac-fbbc-4678-8cfc-23ca66a374ce" providerId="ADAL" clId="{FF26C555-752D-4004-A979-9228B3A43E4C}" dt="2025-01-17T06:49:58.960" v="1529"/>
           <ac:cxnSpMkLst>
@@ -5514,6 +3531,997 @@
             <pc:docMk/>
             <pc:sldMk cId="3270565089" sldId="268"/>
             <ac:cxnSpMk id="57" creationId="{096897CD-B0AE-703C-6DD8-C4450DD8F045}"/>
+          </ac:cxnSpMkLst>
+        </pc:cxnChg>
+      </pc:sldChg>
+    </pc:docChg>
+  </pc:docChgLst>
+  <pc:docChgLst>
+    <pc:chgData name="Jinyin Yan" userId="7d7b1cac-fbbc-4678-8cfc-23ca66a374ce" providerId="ADAL" clId="{4D1E27EC-2E0F-4672-841A-DB5AE83D0870}"/>
+    <pc:docChg chg="undo custSel addSld modSld">
+      <pc:chgData name="Jinyin Yan" userId="7d7b1cac-fbbc-4678-8cfc-23ca66a374ce" providerId="ADAL" clId="{4D1E27EC-2E0F-4672-841A-DB5AE83D0870}" dt="2025-02-18T09:42:00.597" v="185" actId="1076"/>
+      <pc:docMkLst>
+        <pc:docMk/>
+      </pc:docMkLst>
+      <pc:sldChg chg="addSp delSp modSp mod">
+        <pc:chgData name="Jinyin Yan" userId="7d7b1cac-fbbc-4678-8cfc-23ca66a374ce" providerId="ADAL" clId="{4D1E27EC-2E0F-4672-841A-DB5AE83D0870}" dt="2025-02-18T09:01:56.468" v="111" actId="20577"/>
+        <pc:sldMkLst>
+          <pc:docMk/>
+          <pc:sldMk cId="2433470266" sldId="269"/>
+        </pc:sldMkLst>
+        <pc:spChg chg="add mod">
+          <ac:chgData name="Jinyin Yan" userId="7d7b1cac-fbbc-4678-8cfc-23ca66a374ce" providerId="ADAL" clId="{4D1E27EC-2E0F-4672-841A-DB5AE83D0870}" dt="2025-02-18T09:01:27.357" v="97" actId="1076"/>
+          <ac:spMkLst>
+            <pc:docMk/>
+            <pc:sldMk cId="2433470266" sldId="269"/>
+            <ac:spMk id="2" creationId="{260AE7FA-C5AA-C612-0054-66B08A3CB25B}"/>
+          </ac:spMkLst>
+        </pc:spChg>
+        <pc:spChg chg="add mod">
+          <ac:chgData name="Jinyin Yan" userId="7d7b1cac-fbbc-4678-8cfc-23ca66a374ce" providerId="ADAL" clId="{4D1E27EC-2E0F-4672-841A-DB5AE83D0870}" dt="2025-02-18T09:01:24.397" v="96" actId="1076"/>
+          <ac:spMkLst>
+            <pc:docMk/>
+            <pc:sldMk cId="2433470266" sldId="269"/>
+            <ac:spMk id="5" creationId="{E1BB83B3-3281-31FC-EA56-2F9CDA06A572}"/>
+          </ac:spMkLst>
+        </pc:spChg>
+        <pc:spChg chg="add mod">
+          <ac:chgData name="Jinyin Yan" userId="7d7b1cac-fbbc-4678-8cfc-23ca66a374ce" providerId="ADAL" clId="{4D1E27EC-2E0F-4672-841A-DB5AE83D0870}" dt="2025-02-18T09:01:21.110" v="95" actId="1076"/>
+          <ac:spMkLst>
+            <pc:docMk/>
+            <pc:sldMk cId="2433470266" sldId="269"/>
+            <ac:spMk id="6" creationId="{71DD869C-361D-3E76-7DA5-DC1AEE62D318}"/>
+          </ac:spMkLst>
+        </pc:spChg>
+        <pc:spChg chg="add mod">
+          <ac:chgData name="Jinyin Yan" userId="7d7b1cac-fbbc-4678-8cfc-23ca66a374ce" providerId="ADAL" clId="{4D1E27EC-2E0F-4672-841A-DB5AE83D0870}" dt="2025-02-18T09:01:17.195" v="94" actId="1076"/>
+          <ac:spMkLst>
+            <pc:docMk/>
+            <pc:sldMk cId="2433470266" sldId="269"/>
+            <ac:spMk id="8" creationId="{CC758FB3-CFEF-8E75-40FF-BA1D3A9D9E12}"/>
+          </ac:spMkLst>
+        </pc:spChg>
+        <pc:spChg chg="add mod">
+          <ac:chgData name="Jinyin Yan" userId="7d7b1cac-fbbc-4678-8cfc-23ca66a374ce" providerId="ADAL" clId="{4D1E27EC-2E0F-4672-841A-DB5AE83D0870}" dt="2025-02-18T09:01:31.176" v="98" actId="1076"/>
+          <ac:spMkLst>
+            <pc:docMk/>
+            <pc:sldMk cId="2433470266" sldId="269"/>
+            <ac:spMk id="18" creationId="{6077C86E-91CA-C0F0-42AC-6E2DA1471FEF}"/>
+          </ac:spMkLst>
+        </pc:spChg>
+        <pc:spChg chg="add mod">
+          <ac:chgData name="Jinyin Yan" userId="7d7b1cac-fbbc-4678-8cfc-23ca66a374ce" providerId="ADAL" clId="{4D1E27EC-2E0F-4672-841A-DB5AE83D0870}" dt="2025-02-18T09:01:33.240" v="99" actId="1076"/>
+          <ac:spMkLst>
+            <pc:docMk/>
+            <pc:sldMk cId="2433470266" sldId="269"/>
+            <ac:spMk id="29" creationId="{23480347-774C-0506-BB51-BFBCE84E9964}"/>
+          </ac:spMkLst>
+        </pc:spChg>
+        <pc:spChg chg="add mod">
+          <ac:chgData name="Jinyin Yan" userId="7d7b1cac-fbbc-4678-8cfc-23ca66a374ce" providerId="ADAL" clId="{4D1E27EC-2E0F-4672-841A-DB5AE83D0870}" dt="2025-02-18T09:01:38.595" v="103" actId="20577"/>
+          <ac:spMkLst>
+            <pc:docMk/>
+            <pc:sldMk cId="2433470266" sldId="269"/>
+            <ac:spMk id="38" creationId="{19985E33-E760-D2FB-03B7-2A8B651E562D}"/>
+          </ac:spMkLst>
+        </pc:spChg>
+        <pc:spChg chg="add mod">
+          <ac:chgData name="Jinyin Yan" userId="7d7b1cac-fbbc-4678-8cfc-23ca66a374ce" providerId="ADAL" clId="{4D1E27EC-2E0F-4672-841A-DB5AE83D0870}" dt="2025-02-18T08:56:23.218" v="60" actId="1076"/>
+          <ac:spMkLst>
+            <pc:docMk/>
+            <pc:sldMk cId="2433470266" sldId="269"/>
+            <ac:spMk id="39" creationId="{FF53D613-7E6D-CBAE-D80C-255AFDF696BC}"/>
+          </ac:spMkLst>
+        </pc:spChg>
+        <pc:spChg chg="add mod">
+          <ac:chgData name="Jinyin Yan" userId="7d7b1cac-fbbc-4678-8cfc-23ca66a374ce" providerId="ADAL" clId="{4D1E27EC-2E0F-4672-841A-DB5AE83D0870}" dt="2025-02-18T08:56:23.218" v="60" actId="1076"/>
+          <ac:spMkLst>
+            <pc:docMk/>
+            <pc:sldMk cId="2433470266" sldId="269"/>
+            <ac:spMk id="41" creationId="{01D846AD-0042-89CD-C822-E8F44AABD027}"/>
+          </ac:spMkLst>
+        </pc:spChg>
+        <pc:spChg chg="add mod">
+          <ac:chgData name="Jinyin Yan" userId="7d7b1cac-fbbc-4678-8cfc-23ca66a374ce" providerId="ADAL" clId="{4D1E27EC-2E0F-4672-841A-DB5AE83D0870}" dt="2025-02-18T08:56:23.218" v="60" actId="1076"/>
+          <ac:spMkLst>
+            <pc:docMk/>
+            <pc:sldMk cId="2433470266" sldId="269"/>
+            <ac:spMk id="42" creationId="{6EA40C9C-997C-C963-3E74-AA2E44455B83}"/>
+          </ac:spMkLst>
+        </pc:spChg>
+        <pc:spChg chg="add mod">
+          <ac:chgData name="Jinyin Yan" userId="7d7b1cac-fbbc-4678-8cfc-23ca66a374ce" providerId="ADAL" clId="{4D1E27EC-2E0F-4672-841A-DB5AE83D0870}" dt="2025-02-18T08:56:23.218" v="60" actId="1076"/>
+          <ac:spMkLst>
+            <pc:docMk/>
+            <pc:sldMk cId="2433470266" sldId="269"/>
+            <ac:spMk id="45" creationId="{90DE322C-362C-D4BF-67FD-ED215AEB7AC3}"/>
+          </ac:spMkLst>
+        </pc:spChg>
+        <pc:spChg chg="add mod">
+          <ac:chgData name="Jinyin Yan" userId="7d7b1cac-fbbc-4678-8cfc-23ca66a374ce" providerId="ADAL" clId="{4D1E27EC-2E0F-4672-841A-DB5AE83D0870}" dt="2025-02-18T08:56:23.218" v="60" actId="1076"/>
+          <ac:spMkLst>
+            <pc:docMk/>
+            <pc:sldMk cId="2433470266" sldId="269"/>
+            <ac:spMk id="46" creationId="{DD255145-CEB5-3637-B6C2-DC2BEF356E3D}"/>
+          </ac:spMkLst>
+        </pc:spChg>
+        <pc:spChg chg="add mod">
+          <ac:chgData name="Jinyin Yan" userId="7d7b1cac-fbbc-4678-8cfc-23ca66a374ce" providerId="ADAL" clId="{4D1E27EC-2E0F-4672-841A-DB5AE83D0870}" dt="2025-02-18T09:01:48.978" v="107" actId="20577"/>
+          <ac:spMkLst>
+            <pc:docMk/>
+            <pc:sldMk cId="2433470266" sldId="269"/>
+            <ac:spMk id="47" creationId="{2C723902-5F75-D844-5A43-7A2BBFCB0D8B}"/>
+          </ac:spMkLst>
+        </pc:spChg>
+        <pc:spChg chg="add mod">
+          <ac:chgData name="Jinyin Yan" userId="7d7b1cac-fbbc-4678-8cfc-23ca66a374ce" providerId="ADAL" clId="{4D1E27EC-2E0F-4672-841A-DB5AE83D0870}" dt="2025-02-18T09:01:56.468" v="111" actId="20577"/>
+          <ac:spMkLst>
+            <pc:docMk/>
+            <pc:sldMk cId="2433470266" sldId="269"/>
+            <ac:spMk id="48" creationId="{50304840-E4B3-6264-CBC3-05AB5D6EACE0}"/>
+          </ac:spMkLst>
+        </pc:spChg>
+        <pc:spChg chg="mod">
+          <ac:chgData name="Jinyin Yan" userId="7d7b1cac-fbbc-4678-8cfc-23ca66a374ce" providerId="ADAL" clId="{4D1E27EC-2E0F-4672-841A-DB5AE83D0870}" dt="2025-02-18T08:56:23.218" v="60" actId="1076"/>
+          <ac:spMkLst>
+            <pc:docMk/>
+            <pc:sldMk cId="2433470266" sldId="269"/>
+            <ac:spMk id="117" creationId="{A52586C8-D0A2-95C8-70E1-668DEE6E5ADF}"/>
+          </ac:spMkLst>
+        </pc:spChg>
+        <pc:spChg chg="mod">
+          <ac:chgData name="Jinyin Yan" userId="7d7b1cac-fbbc-4678-8cfc-23ca66a374ce" providerId="ADAL" clId="{4D1E27EC-2E0F-4672-841A-DB5AE83D0870}" dt="2025-02-18T08:56:14.883" v="59" actId="1076"/>
+          <ac:spMkLst>
+            <pc:docMk/>
+            <pc:sldMk cId="2433470266" sldId="269"/>
+            <ac:spMk id="217" creationId="{1A0BC7EE-9112-207C-55E6-A807EFF0FD2F}"/>
+          </ac:spMkLst>
+        </pc:spChg>
+        <pc:spChg chg="mod">
+          <ac:chgData name="Jinyin Yan" userId="7d7b1cac-fbbc-4678-8cfc-23ca66a374ce" providerId="ADAL" clId="{4D1E27EC-2E0F-4672-841A-DB5AE83D0870}" dt="2025-02-18T08:56:14.883" v="59" actId="1076"/>
+          <ac:spMkLst>
+            <pc:docMk/>
+            <pc:sldMk cId="2433470266" sldId="269"/>
+            <ac:spMk id="218" creationId="{352F4686-2C9E-B28F-27B9-69F0E9868FE4}"/>
+          </ac:spMkLst>
+        </pc:spChg>
+        <pc:spChg chg="mod">
+          <ac:chgData name="Jinyin Yan" userId="7d7b1cac-fbbc-4678-8cfc-23ca66a374ce" providerId="ADAL" clId="{4D1E27EC-2E0F-4672-841A-DB5AE83D0870}" dt="2025-02-18T08:56:14.883" v="59" actId="1076"/>
+          <ac:spMkLst>
+            <pc:docMk/>
+            <pc:sldMk cId="2433470266" sldId="269"/>
+            <ac:spMk id="219" creationId="{69F63954-EC49-3420-D9E4-DB6D6350F4CB}"/>
+          </ac:spMkLst>
+        </pc:spChg>
+        <pc:cxnChg chg="add mod">
+          <ac:chgData name="Jinyin Yan" userId="7d7b1cac-fbbc-4678-8cfc-23ca66a374ce" providerId="ADAL" clId="{4D1E27EC-2E0F-4672-841A-DB5AE83D0870}" dt="2025-02-18T08:09:45.390" v="7" actId="14100"/>
+          <ac:cxnSpMkLst>
+            <pc:docMk/>
+            <pc:sldMk cId="2433470266" sldId="269"/>
+            <ac:cxnSpMk id="4" creationId="{205A8D64-B239-919E-FC04-6DBD4A0F14BD}"/>
+          </ac:cxnSpMkLst>
+        </pc:cxnChg>
+        <pc:cxnChg chg="add mod">
+          <ac:chgData name="Jinyin Yan" userId="7d7b1cac-fbbc-4678-8cfc-23ca66a374ce" providerId="ADAL" clId="{4D1E27EC-2E0F-4672-841A-DB5AE83D0870}" dt="2025-02-18T08:09:55.448" v="9" actId="1076"/>
+          <ac:cxnSpMkLst>
+            <pc:docMk/>
+            <pc:sldMk cId="2433470266" sldId="269"/>
+            <ac:cxnSpMk id="19" creationId="{EC06F1B1-5F9F-4981-BB3E-0D906B4EA85F}"/>
+          </ac:cxnSpMkLst>
+        </pc:cxnChg>
+        <pc:cxnChg chg="add mod">
+          <ac:chgData name="Jinyin Yan" userId="7d7b1cac-fbbc-4678-8cfc-23ca66a374ce" providerId="ADAL" clId="{4D1E27EC-2E0F-4672-841A-DB5AE83D0870}" dt="2025-02-18T08:20:43.424" v="12" actId="1076"/>
+          <ac:cxnSpMkLst>
+            <pc:docMk/>
+            <pc:sldMk cId="2433470266" sldId="269"/>
+            <ac:cxnSpMk id="20" creationId="{880A587D-6EBF-0F23-2D7D-95D9EB22C1A9}"/>
+          </ac:cxnSpMkLst>
+        </pc:cxnChg>
+        <pc:cxnChg chg="add mod">
+          <ac:chgData name="Jinyin Yan" userId="7d7b1cac-fbbc-4678-8cfc-23ca66a374ce" providerId="ADAL" clId="{4D1E27EC-2E0F-4672-841A-DB5AE83D0870}" dt="2025-02-18T08:21:00.647" v="14" actId="1076"/>
+          <ac:cxnSpMkLst>
+            <pc:docMk/>
+            <pc:sldMk cId="2433470266" sldId="269"/>
+            <ac:cxnSpMk id="21" creationId="{74EBA1F5-362C-32C1-7B48-817FF4F6F175}"/>
+          </ac:cxnSpMkLst>
+        </pc:cxnChg>
+        <pc:cxnChg chg="add mod">
+          <ac:chgData name="Jinyin Yan" userId="7d7b1cac-fbbc-4678-8cfc-23ca66a374ce" providerId="ADAL" clId="{4D1E27EC-2E0F-4672-841A-DB5AE83D0870}" dt="2025-02-18T08:21:00.647" v="14" actId="1076"/>
+          <ac:cxnSpMkLst>
+            <pc:docMk/>
+            <pc:sldMk cId="2433470266" sldId="269"/>
+            <ac:cxnSpMk id="22" creationId="{ED599490-D1D4-E626-01F3-0F89DA0DF2D7}"/>
+          </ac:cxnSpMkLst>
+        </pc:cxnChg>
+        <pc:cxnChg chg="add mod">
+          <ac:chgData name="Jinyin Yan" userId="7d7b1cac-fbbc-4678-8cfc-23ca66a374ce" providerId="ADAL" clId="{4D1E27EC-2E0F-4672-841A-DB5AE83D0870}" dt="2025-02-18T08:21:00.647" v="14" actId="1076"/>
+          <ac:cxnSpMkLst>
+            <pc:docMk/>
+            <pc:sldMk cId="2433470266" sldId="269"/>
+            <ac:cxnSpMk id="23" creationId="{BEF4BAA7-236E-8EFA-07A1-27C8D1D9C157}"/>
+          </ac:cxnSpMkLst>
+        </pc:cxnChg>
+        <pc:cxnChg chg="add mod">
+          <ac:chgData name="Jinyin Yan" userId="7d7b1cac-fbbc-4678-8cfc-23ca66a374ce" providerId="ADAL" clId="{4D1E27EC-2E0F-4672-841A-DB5AE83D0870}" dt="2025-02-18T08:25:56.696" v="17" actId="1076"/>
+          <ac:cxnSpMkLst>
+            <pc:docMk/>
+            <pc:sldMk cId="2433470266" sldId="269"/>
+            <ac:cxnSpMk id="24" creationId="{9A26F139-C1DF-5235-3E09-B983A5DA302A}"/>
+          </ac:cxnSpMkLst>
+        </pc:cxnChg>
+        <pc:cxnChg chg="add mod">
+          <ac:chgData name="Jinyin Yan" userId="7d7b1cac-fbbc-4678-8cfc-23ca66a374ce" providerId="ADAL" clId="{4D1E27EC-2E0F-4672-841A-DB5AE83D0870}" dt="2025-02-18T08:25:56.696" v="17" actId="1076"/>
+          <ac:cxnSpMkLst>
+            <pc:docMk/>
+            <pc:sldMk cId="2433470266" sldId="269"/>
+            <ac:cxnSpMk id="26" creationId="{AEFD80B6-353F-6FAD-7869-085074F5224F}"/>
+          </ac:cxnSpMkLst>
+        </pc:cxnChg>
+        <pc:cxnChg chg="add mod">
+          <ac:chgData name="Jinyin Yan" userId="7d7b1cac-fbbc-4678-8cfc-23ca66a374ce" providerId="ADAL" clId="{4D1E27EC-2E0F-4672-841A-DB5AE83D0870}" dt="2025-02-18T08:25:56.696" v="17" actId="1076"/>
+          <ac:cxnSpMkLst>
+            <pc:docMk/>
+            <pc:sldMk cId="2433470266" sldId="269"/>
+            <ac:cxnSpMk id="27" creationId="{E8578E1F-4101-BA04-07F1-6F1671BD4295}"/>
+          </ac:cxnSpMkLst>
+        </pc:cxnChg>
+        <pc:cxnChg chg="add mod">
+          <ac:chgData name="Jinyin Yan" userId="7d7b1cac-fbbc-4678-8cfc-23ca66a374ce" providerId="ADAL" clId="{4D1E27EC-2E0F-4672-841A-DB5AE83D0870}" dt="2025-02-18T08:27:27.962" v="22" actId="1076"/>
+          <ac:cxnSpMkLst>
+            <pc:docMk/>
+            <pc:sldMk cId="2433470266" sldId="269"/>
+            <ac:cxnSpMk id="32" creationId="{8515EDE6-A0DE-5165-8C2A-9213270E2EA3}"/>
+          </ac:cxnSpMkLst>
+        </pc:cxnChg>
+        <pc:cxnChg chg="add mod">
+          <ac:chgData name="Jinyin Yan" userId="7d7b1cac-fbbc-4678-8cfc-23ca66a374ce" providerId="ADAL" clId="{4D1E27EC-2E0F-4672-841A-DB5AE83D0870}" dt="2025-02-18T08:40:24.236" v="55" actId="1076"/>
+          <ac:cxnSpMkLst>
+            <pc:docMk/>
+            <pc:sldMk cId="2433470266" sldId="269"/>
+            <ac:cxnSpMk id="34" creationId="{7453B8D2-FAB9-E952-D893-C61BA97FE2C2}"/>
+          </ac:cxnSpMkLst>
+        </pc:cxnChg>
+        <pc:cxnChg chg="add mod">
+          <ac:chgData name="Jinyin Yan" userId="7d7b1cac-fbbc-4678-8cfc-23ca66a374ce" providerId="ADAL" clId="{4D1E27EC-2E0F-4672-841A-DB5AE83D0870}" dt="2025-02-18T08:27:27.962" v="22" actId="1076"/>
+          <ac:cxnSpMkLst>
+            <pc:docMk/>
+            <pc:sldMk cId="2433470266" sldId="269"/>
+            <ac:cxnSpMk id="35" creationId="{557916BD-7F02-66F5-C3C7-E2040C3BD7DD}"/>
+          </ac:cxnSpMkLst>
+        </pc:cxnChg>
+        <pc:cxnChg chg="add mod">
+          <ac:chgData name="Jinyin Yan" userId="7d7b1cac-fbbc-4678-8cfc-23ca66a374ce" providerId="ADAL" clId="{4D1E27EC-2E0F-4672-841A-DB5AE83D0870}" dt="2025-02-18T08:27:37.643" v="24" actId="1076"/>
+          <ac:cxnSpMkLst>
+            <pc:docMk/>
+            <pc:sldMk cId="2433470266" sldId="269"/>
+            <ac:cxnSpMk id="36" creationId="{2F91FFD8-DF7E-72E6-45B7-EC3794D7206D}"/>
+          </ac:cxnSpMkLst>
+        </pc:cxnChg>
+        <pc:cxnChg chg="add mod">
+          <ac:chgData name="Jinyin Yan" userId="7d7b1cac-fbbc-4678-8cfc-23ca66a374ce" providerId="ADAL" clId="{4D1E27EC-2E0F-4672-841A-DB5AE83D0870}" dt="2025-02-18T08:27:37.643" v="24" actId="1076"/>
+          <ac:cxnSpMkLst>
+            <pc:docMk/>
+            <pc:sldMk cId="2433470266" sldId="269"/>
+            <ac:cxnSpMk id="37" creationId="{5398A053-DBCD-90D4-B41C-ED57DC6D8345}"/>
+          </ac:cxnSpMkLst>
+        </pc:cxnChg>
+        <pc:cxnChg chg="add del mod">
+          <ac:chgData name="Jinyin Yan" userId="7d7b1cac-fbbc-4678-8cfc-23ca66a374ce" providerId="ADAL" clId="{4D1E27EC-2E0F-4672-841A-DB5AE83D0870}" dt="2025-02-18T08:27:39.307" v="25" actId="478"/>
+          <ac:cxnSpMkLst>
+            <pc:docMk/>
+            <pc:sldMk cId="2433470266" sldId="269"/>
+            <ac:cxnSpMk id="38" creationId="{2657F742-4721-B205-D984-97F9062F8F03}"/>
+          </ac:cxnSpMkLst>
+        </pc:cxnChg>
+        <pc:cxnChg chg="mod">
+          <ac:chgData name="Jinyin Yan" userId="7d7b1cac-fbbc-4678-8cfc-23ca66a374ce" providerId="ADAL" clId="{4D1E27EC-2E0F-4672-841A-DB5AE83D0870}" dt="2025-02-18T08:40:24.236" v="55" actId="1076"/>
+          <ac:cxnSpMkLst>
+            <pc:docMk/>
+            <pc:sldMk cId="2433470266" sldId="269"/>
+            <ac:cxnSpMk id="94" creationId="{822600B8-6175-C3EE-F909-60BB3F507A73}"/>
+          </ac:cxnSpMkLst>
+        </pc:cxnChg>
+        <pc:cxnChg chg="mod">
+          <ac:chgData name="Jinyin Yan" userId="7d7b1cac-fbbc-4678-8cfc-23ca66a374ce" providerId="ADAL" clId="{4D1E27EC-2E0F-4672-841A-DB5AE83D0870}" dt="2025-02-18T08:56:23.218" v="60" actId="1076"/>
+          <ac:cxnSpMkLst>
+            <pc:docMk/>
+            <pc:sldMk cId="2433470266" sldId="269"/>
+            <ac:cxnSpMk id="97" creationId="{F8D1780C-EB36-18F5-113F-71DB8DD75C71}"/>
+          </ac:cxnSpMkLst>
+        </pc:cxnChg>
+        <pc:cxnChg chg="mod">
+          <ac:chgData name="Jinyin Yan" userId="7d7b1cac-fbbc-4678-8cfc-23ca66a374ce" providerId="ADAL" clId="{4D1E27EC-2E0F-4672-841A-DB5AE83D0870}" dt="2025-02-18T08:56:23.218" v="60" actId="1076"/>
+          <ac:cxnSpMkLst>
+            <pc:docMk/>
+            <pc:sldMk cId="2433470266" sldId="269"/>
+            <ac:cxnSpMk id="99" creationId="{973C9E7C-E3C6-B017-1916-DA65CF55FEFC}"/>
+          </ac:cxnSpMkLst>
+        </pc:cxnChg>
+        <pc:cxnChg chg="mod">
+          <ac:chgData name="Jinyin Yan" userId="7d7b1cac-fbbc-4678-8cfc-23ca66a374ce" providerId="ADAL" clId="{4D1E27EC-2E0F-4672-841A-DB5AE83D0870}" dt="2025-02-18T08:40:39.686" v="58" actId="1076"/>
+          <ac:cxnSpMkLst>
+            <pc:docMk/>
+            <pc:sldMk cId="2433470266" sldId="269"/>
+            <ac:cxnSpMk id="100" creationId="{CD73A3CA-1627-7B75-DD61-174ABF557F37}"/>
+          </ac:cxnSpMkLst>
+        </pc:cxnChg>
+        <pc:cxnChg chg="mod">
+          <ac:chgData name="Jinyin Yan" userId="7d7b1cac-fbbc-4678-8cfc-23ca66a374ce" providerId="ADAL" clId="{4D1E27EC-2E0F-4672-841A-DB5AE83D0870}" dt="2025-02-18T08:56:23.218" v="60" actId="1076"/>
+          <ac:cxnSpMkLst>
+            <pc:docMk/>
+            <pc:sldMk cId="2433470266" sldId="269"/>
+            <ac:cxnSpMk id="107" creationId="{4FE841EC-0E49-9DBC-6054-6054CD74F6FB}"/>
+          </ac:cxnSpMkLst>
+        </pc:cxnChg>
+        <pc:cxnChg chg="mod">
+          <ac:chgData name="Jinyin Yan" userId="7d7b1cac-fbbc-4678-8cfc-23ca66a374ce" providerId="ADAL" clId="{4D1E27EC-2E0F-4672-841A-DB5AE83D0870}" dt="2025-02-18T08:56:23.218" v="60" actId="1076"/>
+          <ac:cxnSpMkLst>
+            <pc:docMk/>
+            <pc:sldMk cId="2433470266" sldId="269"/>
+            <ac:cxnSpMk id="113" creationId="{B4859AA8-36A5-A735-4824-2DC75442B527}"/>
+          </ac:cxnSpMkLst>
+        </pc:cxnChg>
+        <pc:cxnChg chg="mod">
+          <ac:chgData name="Jinyin Yan" userId="7d7b1cac-fbbc-4678-8cfc-23ca66a374ce" providerId="ADAL" clId="{4D1E27EC-2E0F-4672-841A-DB5AE83D0870}" dt="2025-02-18T08:40:24.236" v="55" actId="1076"/>
+          <ac:cxnSpMkLst>
+            <pc:docMk/>
+            <pc:sldMk cId="2433470266" sldId="269"/>
+            <ac:cxnSpMk id="114" creationId="{2829316A-2BCE-BC68-F13B-E888D7EF055B}"/>
+          </ac:cxnSpMkLst>
+        </pc:cxnChg>
+        <pc:cxnChg chg="mod">
+          <ac:chgData name="Jinyin Yan" userId="7d7b1cac-fbbc-4678-8cfc-23ca66a374ce" providerId="ADAL" clId="{4D1E27EC-2E0F-4672-841A-DB5AE83D0870}" dt="2025-02-18T08:56:14.883" v="59" actId="1076"/>
+          <ac:cxnSpMkLst>
+            <pc:docMk/>
+            <pc:sldMk cId="2433470266" sldId="269"/>
+            <ac:cxnSpMk id="130" creationId="{A9AB1186-F80A-932C-94F8-9B34F031CA68}"/>
+          </ac:cxnSpMkLst>
+        </pc:cxnChg>
+        <pc:cxnChg chg="mod">
+          <ac:chgData name="Jinyin Yan" userId="7d7b1cac-fbbc-4678-8cfc-23ca66a374ce" providerId="ADAL" clId="{4D1E27EC-2E0F-4672-841A-DB5AE83D0870}" dt="2025-02-18T08:27:02.345" v="19" actId="14100"/>
+          <ac:cxnSpMkLst>
+            <pc:docMk/>
+            <pc:sldMk cId="2433470266" sldId="269"/>
+            <ac:cxnSpMk id="139" creationId="{C8625529-AB4A-7F2A-9E36-E0F8203C8D04}"/>
+          </ac:cxnSpMkLst>
+        </pc:cxnChg>
+        <pc:cxnChg chg="del">
+          <ac:chgData name="Jinyin Yan" userId="7d7b1cac-fbbc-4678-8cfc-23ca66a374ce" providerId="ADAL" clId="{4D1E27EC-2E0F-4672-841A-DB5AE83D0870}" dt="2025-02-18T08:26:59.394" v="18" actId="478"/>
+          <ac:cxnSpMkLst>
+            <pc:docMk/>
+            <pc:sldMk cId="2433470266" sldId="269"/>
+            <ac:cxnSpMk id="140" creationId="{00222A67-1366-18A9-5410-15F6EEBF2151}"/>
+          </ac:cxnSpMkLst>
+        </pc:cxnChg>
+        <pc:cxnChg chg="mod">
+          <ac:chgData name="Jinyin Yan" userId="7d7b1cac-fbbc-4678-8cfc-23ca66a374ce" providerId="ADAL" clId="{4D1E27EC-2E0F-4672-841A-DB5AE83D0870}" dt="2025-02-18T08:40:24.236" v="55" actId="1076"/>
+          <ac:cxnSpMkLst>
+            <pc:docMk/>
+            <pc:sldMk cId="2433470266" sldId="269"/>
+            <ac:cxnSpMk id="196" creationId="{41DBF01E-A76D-AD07-B21F-87768691B679}"/>
+          </ac:cxnSpMkLst>
+        </pc:cxnChg>
+        <pc:cxnChg chg="mod">
+          <ac:chgData name="Jinyin Yan" userId="7d7b1cac-fbbc-4678-8cfc-23ca66a374ce" providerId="ADAL" clId="{4D1E27EC-2E0F-4672-841A-DB5AE83D0870}" dt="2025-02-18T08:40:24.236" v="55" actId="1076"/>
+          <ac:cxnSpMkLst>
+            <pc:docMk/>
+            <pc:sldMk cId="2433470266" sldId="269"/>
+            <ac:cxnSpMk id="198" creationId="{788FD296-89F9-4CE8-30BE-BC9A3FD36F16}"/>
+          </ac:cxnSpMkLst>
+        </pc:cxnChg>
+      </pc:sldChg>
+      <pc:sldChg chg="addSp delSp modSp add mod">
+        <pc:chgData name="Jinyin Yan" userId="7d7b1cac-fbbc-4678-8cfc-23ca66a374ce" providerId="ADAL" clId="{4D1E27EC-2E0F-4672-841A-DB5AE83D0870}" dt="2025-02-18T09:42:00.597" v="185" actId="1076"/>
+        <pc:sldMkLst>
+          <pc:docMk/>
+          <pc:sldMk cId="545908055" sldId="270"/>
+        </pc:sldMkLst>
+        <pc:spChg chg="mod">
+          <ac:chgData name="Jinyin Yan" userId="7d7b1cac-fbbc-4678-8cfc-23ca66a374ce" providerId="ADAL" clId="{4D1E27EC-2E0F-4672-841A-DB5AE83D0870}" dt="2025-02-18T09:42:00.597" v="185" actId="1076"/>
+          <ac:spMkLst>
+            <pc:docMk/>
+            <pc:sldMk cId="545908055" sldId="270"/>
+            <ac:spMk id="5" creationId="{C653E827-BE64-2F9C-B236-CA7C3E625FC0}"/>
+          </ac:spMkLst>
+        </pc:spChg>
+        <pc:spChg chg="mod">
+          <ac:chgData name="Jinyin Yan" userId="7d7b1cac-fbbc-4678-8cfc-23ca66a374ce" providerId="ADAL" clId="{4D1E27EC-2E0F-4672-841A-DB5AE83D0870}" dt="2025-02-18T09:42:00.597" v="185" actId="1076"/>
+          <ac:spMkLst>
+            <pc:docMk/>
+            <pc:sldMk cId="545908055" sldId="270"/>
+            <ac:spMk id="8" creationId="{C65CF020-A375-6E07-670E-6FFCD374692A}"/>
+          </ac:spMkLst>
+        </pc:spChg>
+        <pc:spChg chg="del">
+          <ac:chgData name="Jinyin Yan" userId="7d7b1cac-fbbc-4678-8cfc-23ca66a374ce" providerId="ADAL" clId="{4D1E27EC-2E0F-4672-841A-DB5AE83D0870}" dt="2025-02-18T09:28:36.668" v="114" actId="478"/>
+          <ac:spMkLst>
+            <pc:docMk/>
+            <pc:sldMk cId="545908055" sldId="270"/>
+            <ac:spMk id="14" creationId="{EBF97888-6495-CAA6-F79D-33EB1BC57077}"/>
+          </ac:spMkLst>
+        </pc:spChg>
+        <pc:spChg chg="del">
+          <ac:chgData name="Jinyin Yan" userId="7d7b1cac-fbbc-4678-8cfc-23ca66a374ce" providerId="ADAL" clId="{4D1E27EC-2E0F-4672-841A-DB5AE83D0870}" dt="2025-02-18T09:25:15.944" v="113" actId="478"/>
+          <ac:spMkLst>
+            <pc:docMk/>
+            <pc:sldMk cId="545908055" sldId="270"/>
+            <ac:spMk id="15" creationId="{07484867-EC4E-0486-0938-FAB4B3E6EA87}"/>
+          </ac:spMkLst>
+        </pc:spChg>
+        <pc:spChg chg="del">
+          <ac:chgData name="Jinyin Yan" userId="7d7b1cac-fbbc-4678-8cfc-23ca66a374ce" providerId="ADAL" clId="{4D1E27EC-2E0F-4672-841A-DB5AE83D0870}" dt="2025-02-18T09:25:15.944" v="113" actId="478"/>
+          <ac:spMkLst>
+            <pc:docMk/>
+            <pc:sldMk cId="545908055" sldId="270"/>
+            <ac:spMk id="17" creationId="{C4A56F21-0F37-4FCE-BB1F-FB7108DAAC39}"/>
+          </ac:spMkLst>
+        </pc:spChg>
+        <pc:spChg chg="mod">
+          <ac:chgData name="Jinyin Yan" userId="7d7b1cac-fbbc-4678-8cfc-23ca66a374ce" providerId="ADAL" clId="{4D1E27EC-2E0F-4672-841A-DB5AE83D0870}" dt="2025-02-18T09:42:00.597" v="185" actId="1076"/>
+          <ac:spMkLst>
+            <pc:docMk/>
+            <pc:sldMk cId="545908055" sldId="270"/>
+            <ac:spMk id="18" creationId="{64F4A616-6CA5-805C-5CFB-B650A928E156}"/>
+          </ac:spMkLst>
+        </pc:spChg>
+        <pc:spChg chg="mod">
+          <ac:chgData name="Jinyin Yan" userId="7d7b1cac-fbbc-4678-8cfc-23ca66a374ce" providerId="ADAL" clId="{4D1E27EC-2E0F-4672-841A-DB5AE83D0870}" dt="2025-02-18T09:42:00.597" v="185" actId="1076"/>
+          <ac:spMkLst>
+            <pc:docMk/>
+            <pc:sldMk cId="545908055" sldId="270"/>
+            <ac:spMk id="41" creationId="{E1F65F96-DB6B-166B-B57A-6539E8B7486D}"/>
+          </ac:spMkLst>
+        </pc:spChg>
+        <pc:spChg chg="mod">
+          <ac:chgData name="Jinyin Yan" userId="7d7b1cac-fbbc-4678-8cfc-23ca66a374ce" providerId="ADAL" clId="{4D1E27EC-2E0F-4672-841A-DB5AE83D0870}" dt="2025-02-18T09:29:16.833" v="128" actId="20577"/>
+          <ac:spMkLst>
+            <pc:docMk/>
+            <pc:sldMk cId="545908055" sldId="270"/>
+            <ac:spMk id="42" creationId="{4B12F11A-2BC5-6CBB-34DB-D6DD91CEDFAA}"/>
+          </ac:spMkLst>
+        </pc:spChg>
+        <pc:spChg chg="mod">
+          <ac:chgData name="Jinyin Yan" userId="7d7b1cac-fbbc-4678-8cfc-23ca66a374ce" providerId="ADAL" clId="{4D1E27EC-2E0F-4672-841A-DB5AE83D0870}" dt="2025-02-18T09:42:00.597" v="185" actId="1076"/>
+          <ac:spMkLst>
+            <pc:docMk/>
+            <pc:sldMk cId="545908055" sldId="270"/>
+            <ac:spMk id="45" creationId="{0B12BB5A-9893-C433-0F6E-A5C942540A70}"/>
+          </ac:spMkLst>
+        </pc:spChg>
+        <pc:spChg chg="mod">
+          <ac:chgData name="Jinyin Yan" userId="7d7b1cac-fbbc-4678-8cfc-23ca66a374ce" providerId="ADAL" clId="{4D1E27EC-2E0F-4672-841A-DB5AE83D0870}" dt="2025-02-18T09:42:00.597" v="185" actId="1076"/>
+          <ac:spMkLst>
+            <pc:docMk/>
+            <pc:sldMk cId="545908055" sldId="270"/>
+            <ac:spMk id="46" creationId="{62261C3D-81B1-F40A-4178-B9E911C48A84}"/>
+          </ac:spMkLst>
+        </pc:spChg>
+        <pc:spChg chg="mod">
+          <ac:chgData name="Jinyin Yan" userId="7d7b1cac-fbbc-4678-8cfc-23ca66a374ce" providerId="ADAL" clId="{4D1E27EC-2E0F-4672-841A-DB5AE83D0870}" dt="2025-02-18T09:42:00.597" v="185" actId="1076"/>
+          <ac:spMkLst>
+            <pc:docMk/>
+            <pc:sldMk cId="545908055" sldId="270"/>
+            <ac:spMk id="47" creationId="{35D0A3BF-01C0-DB44-C4BA-24F95135AC2C}"/>
+          </ac:spMkLst>
+        </pc:spChg>
+        <pc:spChg chg="mod">
+          <ac:chgData name="Jinyin Yan" userId="7d7b1cac-fbbc-4678-8cfc-23ca66a374ce" providerId="ADAL" clId="{4D1E27EC-2E0F-4672-841A-DB5AE83D0870}" dt="2025-02-18T09:42:00.597" v="185" actId="1076"/>
+          <ac:spMkLst>
+            <pc:docMk/>
+            <pc:sldMk cId="545908055" sldId="270"/>
+            <ac:spMk id="48" creationId="{154900F3-9A63-59DA-66DB-0D0B2C2D1E78}"/>
+          </ac:spMkLst>
+        </pc:spChg>
+        <pc:spChg chg="del">
+          <ac:chgData name="Jinyin Yan" userId="7d7b1cac-fbbc-4678-8cfc-23ca66a374ce" providerId="ADAL" clId="{4D1E27EC-2E0F-4672-841A-DB5AE83D0870}" dt="2025-02-18T09:25:15.944" v="113" actId="478"/>
+          <ac:spMkLst>
+            <pc:docMk/>
+            <pc:sldMk cId="545908055" sldId="270"/>
+            <ac:spMk id="68" creationId="{6842FB8B-7669-B3C1-BF2A-25AE6866BF81}"/>
+          </ac:spMkLst>
+        </pc:spChg>
+        <pc:spChg chg="del">
+          <ac:chgData name="Jinyin Yan" userId="7d7b1cac-fbbc-4678-8cfc-23ca66a374ce" providerId="ADAL" clId="{4D1E27EC-2E0F-4672-841A-DB5AE83D0870}" dt="2025-02-18T09:25:15.944" v="113" actId="478"/>
+          <ac:spMkLst>
+            <pc:docMk/>
+            <pc:sldMk cId="545908055" sldId="270"/>
+            <ac:spMk id="69" creationId="{C3038674-1462-AC94-2CD6-B0470A52FD1B}"/>
+          </ac:spMkLst>
+        </pc:spChg>
+        <pc:spChg chg="del">
+          <ac:chgData name="Jinyin Yan" userId="7d7b1cac-fbbc-4678-8cfc-23ca66a374ce" providerId="ADAL" clId="{4D1E27EC-2E0F-4672-841A-DB5AE83D0870}" dt="2025-02-18T09:25:15.944" v="113" actId="478"/>
+          <ac:spMkLst>
+            <pc:docMk/>
+            <pc:sldMk cId="545908055" sldId="270"/>
+            <ac:spMk id="76" creationId="{017B39CF-627E-AFE8-CF19-676C8DE56EE3}"/>
+          </ac:spMkLst>
+        </pc:spChg>
+        <pc:spChg chg="del">
+          <ac:chgData name="Jinyin Yan" userId="7d7b1cac-fbbc-4678-8cfc-23ca66a374ce" providerId="ADAL" clId="{4D1E27EC-2E0F-4672-841A-DB5AE83D0870}" dt="2025-02-18T09:25:15.944" v="113" actId="478"/>
+          <ac:spMkLst>
+            <pc:docMk/>
+            <pc:sldMk cId="545908055" sldId="270"/>
+            <ac:spMk id="77" creationId="{4DC34733-50D9-E1D2-AE4F-4911164E2B30}"/>
+          </ac:spMkLst>
+        </pc:spChg>
+        <pc:spChg chg="del">
+          <ac:chgData name="Jinyin Yan" userId="7d7b1cac-fbbc-4678-8cfc-23ca66a374ce" providerId="ADAL" clId="{4D1E27EC-2E0F-4672-841A-DB5AE83D0870}" dt="2025-02-18T09:25:15.944" v="113" actId="478"/>
+          <ac:spMkLst>
+            <pc:docMk/>
+            <pc:sldMk cId="545908055" sldId="270"/>
+            <ac:spMk id="83" creationId="{A2D0195D-10FD-81BF-45C5-B8C9F87DC67B}"/>
+          </ac:spMkLst>
+        </pc:spChg>
+        <pc:spChg chg="del">
+          <ac:chgData name="Jinyin Yan" userId="7d7b1cac-fbbc-4678-8cfc-23ca66a374ce" providerId="ADAL" clId="{4D1E27EC-2E0F-4672-841A-DB5AE83D0870}" dt="2025-02-18T09:25:15.944" v="113" actId="478"/>
+          <ac:spMkLst>
+            <pc:docMk/>
+            <pc:sldMk cId="545908055" sldId="270"/>
+            <ac:spMk id="84" creationId="{EC7EC17D-49E5-5497-FA27-4F2F6389C3AC}"/>
+          </ac:spMkLst>
+        </pc:spChg>
+        <pc:spChg chg="del">
+          <ac:chgData name="Jinyin Yan" userId="7d7b1cac-fbbc-4678-8cfc-23ca66a374ce" providerId="ADAL" clId="{4D1E27EC-2E0F-4672-841A-DB5AE83D0870}" dt="2025-02-18T09:25:15.944" v="113" actId="478"/>
+          <ac:spMkLst>
+            <pc:docMk/>
+            <pc:sldMk cId="545908055" sldId="270"/>
+            <ac:spMk id="85" creationId="{0B85D0C3-19F8-70C0-0930-B549DF613C2C}"/>
+          </ac:spMkLst>
+        </pc:spChg>
+        <pc:spChg chg="del">
+          <ac:chgData name="Jinyin Yan" userId="7d7b1cac-fbbc-4678-8cfc-23ca66a374ce" providerId="ADAL" clId="{4D1E27EC-2E0F-4672-841A-DB5AE83D0870}" dt="2025-02-18T09:25:15.944" v="113" actId="478"/>
+          <ac:spMkLst>
+            <pc:docMk/>
+            <pc:sldMk cId="545908055" sldId="270"/>
+            <ac:spMk id="87" creationId="{881F14BA-0E8E-D06E-95D7-E33BF991496E}"/>
+          </ac:spMkLst>
+        </pc:spChg>
+        <pc:spChg chg="mod">
+          <ac:chgData name="Jinyin Yan" userId="7d7b1cac-fbbc-4678-8cfc-23ca66a374ce" providerId="ADAL" clId="{4D1E27EC-2E0F-4672-841A-DB5AE83D0870}" dt="2025-02-18T09:42:00.597" v="185" actId="1076"/>
+          <ac:spMkLst>
+            <pc:docMk/>
+            <pc:sldMk cId="545908055" sldId="270"/>
+            <ac:spMk id="117" creationId="{6E0D8D61-FC4C-5AC8-E696-9CAE340A77FD}"/>
+          </ac:spMkLst>
+        </pc:spChg>
+        <pc:spChg chg="mod">
+          <ac:chgData name="Jinyin Yan" userId="7d7b1cac-fbbc-4678-8cfc-23ca66a374ce" providerId="ADAL" clId="{4D1E27EC-2E0F-4672-841A-DB5AE83D0870}" dt="2025-02-18T09:42:00.597" v="185" actId="1076"/>
+          <ac:spMkLst>
+            <pc:docMk/>
+            <pc:sldMk cId="545908055" sldId="270"/>
+            <ac:spMk id="218" creationId="{321625A1-5EB6-0569-1B3D-D066B2E604A7}"/>
+          </ac:spMkLst>
+        </pc:spChg>
+        <pc:spChg chg="del">
+          <ac:chgData name="Jinyin Yan" userId="7d7b1cac-fbbc-4678-8cfc-23ca66a374ce" providerId="ADAL" clId="{4D1E27EC-2E0F-4672-841A-DB5AE83D0870}" dt="2025-02-18T09:40:32.332" v="173" actId="478"/>
+          <ac:spMkLst>
+            <pc:docMk/>
+            <pc:sldMk cId="545908055" sldId="270"/>
+            <ac:spMk id="219" creationId="{6202E38C-CA39-1C7B-802A-4A8161E402E2}"/>
+          </ac:spMkLst>
+        </pc:spChg>
+        <pc:cxnChg chg="mod">
+          <ac:chgData name="Jinyin Yan" userId="7d7b1cac-fbbc-4678-8cfc-23ca66a374ce" providerId="ADAL" clId="{4D1E27EC-2E0F-4672-841A-DB5AE83D0870}" dt="2025-02-18T09:40:40.964" v="175" actId="14100"/>
+          <ac:cxnSpMkLst>
+            <pc:docMk/>
+            <pc:sldMk cId="545908055" sldId="270"/>
+            <ac:cxnSpMk id="4" creationId="{CDB2A9A7-ED01-B659-00CD-9D41B29E6E56}"/>
+          </ac:cxnSpMkLst>
+        </pc:cxnChg>
+        <pc:cxnChg chg="add del mod">
+          <ac:chgData name="Jinyin Yan" userId="7d7b1cac-fbbc-4678-8cfc-23ca66a374ce" providerId="ADAL" clId="{4D1E27EC-2E0F-4672-841A-DB5AE83D0870}" dt="2025-02-18T09:41:31.185" v="178" actId="14100"/>
+          <ac:cxnSpMkLst>
+            <pc:docMk/>
+            <pc:sldMk cId="545908055" sldId="270"/>
+            <ac:cxnSpMk id="19" creationId="{4C485621-ADAC-4BEB-04A4-4673F1A40F05}"/>
+          </ac:cxnSpMkLst>
+        </pc:cxnChg>
+        <pc:cxnChg chg="mod">
+          <ac:chgData name="Jinyin Yan" userId="7d7b1cac-fbbc-4678-8cfc-23ca66a374ce" providerId="ADAL" clId="{4D1E27EC-2E0F-4672-841A-DB5AE83D0870}" dt="2025-02-18T09:41:31.185" v="178" actId="14100"/>
+          <ac:cxnSpMkLst>
+            <pc:docMk/>
+            <pc:sldMk cId="545908055" sldId="270"/>
+            <ac:cxnSpMk id="20" creationId="{D67A3AA6-4A0C-ED34-F6ED-BE7057ABBDCC}"/>
+          </ac:cxnSpMkLst>
+        </pc:cxnChg>
+        <pc:cxnChg chg="mod">
+          <ac:chgData name="Jinyin Yan" userId="7d7b1cac-fbbc-4678-8cfc-23ca66a374ce" providerId="ADAL" clId="{4D1E27EC-2E0F-4672-841A-DB5AE83D0870}" dt="2025-02-18T09:41:31.185" v="178" actId="14100"/>
+          <ac:cxnSpMkLst>
+            <pc:docMk/>
+            <pc:sldMk cId="545908055" sldId="270"/>
+            <ac:cxnSpMk id="21" creationId="{3E861AAC-2963-BB16-7DD6-EFC4604873EA}"/>
+          </ac:cxnSpMkLst>
+        </pc:cxnChg>
+        <pc:cxnChg chg="mod">
+          <ac:chgData name="Jinyin Yan" userId="7d7b1cac-fbbc-4678-8cfc-23ca66a374ce" providerId="ADAL" clId="{4D1E27EC-2E0F-4672-841A-DB5AE83D0870}" dt="2025-02-18T09:41:31.185" v="178" actId="14100"/>
+          <ac:cxnSpMkLst>
+            <pc:docMk/>
+            <pc:sldMk cId="545908055" sldId="270"/>
+            <ac:cxnSpMk id="22" creationId="{C7A56F62-A7CA-269C-676B-DEB82533B000}"/>
+          </ac:cxnSpMkLst>
+        </pc:cxnChg>
+        <pc:cxnChg chg="mod">
+          <ac:chgData name="Jinyin Yan" userId="7d7b1cac-fbbc-4678-8cfc-23ca66a374ce" providerId="ADAL" clId="{4D1E27EC-2E0F-4672-841A-DB5AE83D0870}" dt="2025-02-18T09:41:31.185" v="178" actId="14100"/>
+          <ac:cxnSpMkLst>
+            <pc:docMk/>
+            <pc:sldMk cId="545908055" sldId="270"/>
+            <ac:cxnSpMk id="23" creationId="{FD866BA2-1183-94FE-A818-1011C842D5A1}"/>
+          </ac:cxnSpMkLst>
+        </pc:cxnChg>
+        <pc:cxnChg chg="mod">
+          <ac:chgData name="Jinyin Yan" userId="7d7b1cac-fbbc-4678-8cfc-23ca66a374ce" providerId="ADAL" clId="{4D1E27EC-2E0F-4672-841A-DB5AE83D0870}" dt="2025-02-18T09:41:31.185" v="178" actId="14100"/>
+          <ac:cxnSpMkLst>
+            <pc:docMk/>
+            <pc:sldMk cId="545908055" sldId="270"/>
+            <ac:cxnSpMk id="24" creationId="{BFA6F6FB-D682-B693-67FF-442B82890A42}"/>
+          </ac:cxnSpMkLst>
+        </pc:cxnChg>
+        <pc:cxnChg chg="mod">
+          <ac:chgData name="Jinyin Yan" userId="7d7b1cac-fbbc-4678-8cfc-23ca66a374ce" providerId="ADAL" clId="{4D1E27EC-2E0F-4672-841A-DB5AE83D0870}" dt="2025-02-18T09:41:31.185" v="178" actId="14100"/>
+          <ac:cxnSpMkLst>
+            <pc:docMk/>
+            <pc:sldMk cId="545908055" sldId="270"/>
+            <ac:cxnSpMk id="26" creationId="{7463B48C-D88F-E408-C7BC-CAA064B7419B}"/>
+          </ac:cxnSpMkLst>
+        </pc:cxnChg>
+        <pc:cxnChg chg="mod">
+          <ac:chgData name="Jinyin Yan" userId="7d7b1cac-fbbc-4678-8cfc-23ca66a374ce" providerId="ADAL" clId="{4D1E27EC-2E0F-4672-841A-DB5AE83D0870}" dt="2025-02-18T09:41:31.185" v="178" actId="14100"/>
+          <ac:cxnSpMkLst>
+            <pc:docMk/>
+            <pc:sldMk cId="545908055" sldId="270"/>
+            <ac:cxnSpMk id="35" creationId="{2BA92EF1-F68A-2CEE-0C19-5AEB36BB7B79}"/>
+          </ac:cxnSpMkLst>
+        </pc:cxnChg>
+        <pc:cxnChg chg="mod">
+          <ac:chgData name="Jinyin Yan" userId="7d7b1cac-fbbc-4678-8cfc-23ca66a374ce" providerId="ADAL" clId="{4D1E27EC-2E0F-4672-841A-DB5AE83D0870}" dt="2025-02-18T09:41:31.185" v="178" actId="14100"/>
+          <ac:cxnSpMkLst>
+            <pc:docMk/>
+            <pc:sldMk cId="545908055" sldId="270"/>
+            <ac:cxnSpMk id="36" creationId="{FA3BA2EC-34E5-B9F4-1CBE-EB9CD899CA61}"/>
+          </ac:cxnSpMkLst>
+        </pc:cxnChg>
+        <pc:cxnChg chg="mod">
+          <ac:chgData name="Jinyin Yan" userId="7d7b1cac-fbbc-4678-8cfc-23ca66a374ce" providerId="ADAL" clId="{4D1E27EC-2E0F-4672-841A-DB5AE83D0870}" dt="2025-02-18T09:41:31.185" v="178" actId="14100"/>
+          <ac:cxnSpMkLst>
+            <pc:docMk/>
+            <pc:sldMk cId="545908055" sldId="270"/>
+            <ac:cxnSpMk id="37" creationId="{92004921-60F0-9122-B47E-770E09A22EC5}"/>
+          </ac:cxnSpMkLst>
+        </pc:cxnChg>
+        <pc:cxnChg chg="add mod">
+          <ac:chgData name="Jinyin Yan" userId="7d7b1cac-fbbc-4678-8cfc-23ca66a374ce" providerId="ADAL" clId="{4D1E27EC-2E0F-4672-841A-DB5AE83D0870}" dt="2025-02-18T09:29:46.726" v="140" actId="1076"/>
+          <ac:cxnSpMkLst>
+            <pc:docMk/>
+            <pc:sldMk cId="545908055" sldId="270"/>
+            <ac:cxnSpMk id="49" creationId="{5BEA95CE-D4F5-F9D3-A1AF-4CBF59B3DFC5}"/>
+          </ac:cxnSpMkLst>
+        </pc:cxnChg>
+        <pc:cxnChg chg="add mod">
+          <ac:chgData name="Jinyin Yan" userId="7d7b1cac-fbbc-4678-8cfc-23ca66a374ce" providerId="ADAL" clId="{4D1E27EC-2E0F-4672-841A-DB5AE83D0870}" dt="2025-02-18T09:39:31.735" v="163" actId="1076"/>
+          <ac:cxnSpMkLst>
+            <pc:docMk/>
+            <pc:sldMk cId="545908055" sldId="270"/>
+            <ac:cxnSpMk id="52" creationId="{E988C8BC-1EE4-C653-734E-EE678BC0D16B}"/>
+          </ac:cxnSpMkLst>
+        </pc:cxnChg>
+        <pc:cxnChg chg="add mod">
+          <ac:chgData name="Jinyin Yan" userId="7d7b1cac-fbbc-4678-8cfc-23ca66a374ce" providerId="ADAL" clId="{4D1E27EC-2E0F-4672-841A-DB5AE83D0870}" dt="2025-02-18T09:40:17.123" v="168" actId="1076"/>
+          <ac:cxnSpMkLst>
+            <pc:docMk/>
+            <pc:sldMk cId="545908055" sldId="270"/>
+            <ac:cxnSpMk id="55" creationId="{86DFC1D1-647B-9DAD-00CB-09F5F574B57F}"/>
+          </ac:cxnSpMkLst>
+        </pc:cxnChg>
+        <pc:cxnChg chg="add mod">
+          <ac:chgData name="Jinyin Yan" userId="7d7b1cac-fbbc-4678-8cfc-23ca66a374ce" providerId="ADAL" clId="{4D1E27EC-2E0F-4672-841A-DB5AE83D0870}" dt="2025-02-18T09:40:17.123" v="168" actId="1076"/>
+          <ac:cxnSpMkLst>
+            <pc:docMk/>
+            <pc:sldMk cId="545908055" sldId="270"/>
+            <ac:cxnSpMk id="57" creationId="{03364143-A1CA-8CBC-4759-DBCC3D9E3E7E}"/>
+          </ac:cxnSpMkLst>
+        </pc:cxnChg>
+        <pc:cxnChg chg="add mod">
+          <ac:chgData name="Jinyin Yan" userId="7d7b1cac-fbbc-4678-8cfc-23ca66a374ce" providerId="ADAL" clId="{4D1E27EC-2E0F-4672-841A-DB5AE83D0870}" dt="2025-02-18T09:40:17.123" v="168" actId="1076"/>
+          <ac:cxnSpMkLst>
+            <pc:docMk/>
+            <pc:sldMk cId="545908055" sldId="270"/>
+            <ac:cxnSpMk id="58" creationId="{7B4EB704-C1F1-E82F-4B6F-DEF654E8D7ED}"/>
+          </ac:cxnSpMkLst>
+        </pc:cxnChg>
+        <pc:cxnChg chg="add mod">
+          <ac:chgData name="Jinyin Yan" userId="7d7b1cac-fbbc-4678-8cfc-23ca66a374ce" providerId="ADAL" clId="{4D1E27EC-2E0F-4672-841A-DB5AE83D0870}" dt="2025-02-18T09:40:27.954" v="172" actId="14100"/>
+          <ac:cxnSpMkLst>
+            <pc:docMk/>
+            <pc:sldMk cId="545908055" sldId="270"/>
+            <ac:cxnSpMk id="60" creationId="{3D287A94-EE46-C89A-26E1-5CEB6E4AFB42}"/>
+          </ac:cxnSpMkLst>
+        </pc:cxnChg>
+        <pc:cxnChg chg="add del mod">
+          <ac:chgData name="Jinyin Yan" userId="7d7b1cac-fbbc-4678-8cfc-23ca66a374ce" providerId="ADAL" clId="{4D1E27EC-2E0F-4672-841A-DB5AE83D0870}" dt="2025-02-18T09:30:29.155" v="155" actId="1076"/>
+          <ac:cxnSpMkLst>
+            <pc:docMk/>
+            <pc:sldMk cId="545908055" sldId="270"/>
+            <ac:cxnSpMk id="119" creationId="{2EFD0AF8-8EAA-EAFD-7BE2-ED62A7A47810}"/>
+          </ac:cxnSpMkLst>
+        </pc:cxnChg>
+        <pc:cxnChg chg="del">
+          <ac:chgData name="Jinyin Yan" userId="7d7b1cac-fbbc-4678-8cfc-23ca66a374ce" providerId="ADAL" clId="{4D1E27EC-2E0F-4672-841A-DB5AE83D0870}" dt="2025-02-18T09:30:38.367" v="158" actId="478"/>
+          <ac:cxnSpMkLst>
+            <pc:docMk/>
+            <pc:sldMk cId="545908055" sldId="270"/>
+            <ac:cxnSpMk id="121" creationId="{DB75CE0A-A801-1FA2-2AEF-ED0A30ED1D84}"/>
+          </ac:cxnSpMkLst>
+        </pc:cxnChg>
+        <pc:cxnChg chg="mod">
+          <ac:chgData name="Jinyin Yan" userId="7d7b1cac-fbbc-4678-8cfc-23ca66a374ce" providerId="ADAL" clId="{4D1E27EC-2E0F-4672-841A-DB5AE83D0870}" dt="2025-02-18T09:39:24.421" v="161" actId="1076"/>
+          <ac:cxnSpMkLst>
+            <pc:docMk/>
+            <pc:sldMk cId="545908055" sldId="270"/>
+            <ac:cxnSpMk id="123" creationId="{1911C1DC-017E-2EEF-B45C-595A69AFA83B}"/>
+          </ac:cxnSpMkLst>
+        </pc:cxnChg>
+        <pc:cxnChg chg="mod">
+          <ac:chgData name="Jinyin Yan" userId="7d7b1cac-fbbc-4678-8cfc-23ca66a374ce" providerId="ADAL" clId="{4D1E27EC-2E0F-4672-841A-DB5AE83D0870}" dt="2025-02-18T09:39:24.421" v="161" actId="1076"/>
+          <ac:cxnSpMkLst>
+            <pc:docMk/>
+            <pc:sldMk cId="545908055" sldId="270"/>
+            <ac:cxnSpMk id="125" creationId="{E04E59C3-699F-BBE4-6FA7-5B6BB939FFC3}"/>
+          </ac:cxnSpMkLst>
+        </pc:cxnChg>
+        <pc:cxnChg chg="mod">
+          <ac:chgData name="Jinyin Yan" userId="7d7b1cac-fbbc-4678-8cfc-23ca66a374ce" providerId="ADAL" clId="{4D1E27EC-2E0F-4672-841A-DB5AE83D0870}" dt="2025-02-18T09:39:24.421" v="161" actId="1076"/>
+          <ac:cxnSpMkLst>
+            <pc:docMk/>
+            <pc:sldMk cId="545908055" sldId="270"/>
+            <ac:cxnSpMk id="127" creationId="{46C839A1-F72D-56AA-BEBB-97D1CF717D88}"/>
+          </ac:cxnSpMkLst>
+        </pc:cxnChg>
+        <pc:cxnChg chg="mod">
+          <ac:chgData name="Jinyin Yan" userId="7d7b1cac-fbbc-4678-8cfc-23ca66a374ce" providerId="ADAL" clId="{4D1E27EC-2E0F-4672-841A-DB5AE83D0870}" dt="2025-02-18T09:39:24.421" v="161" actId="1076"/>
+          <ac:cxnSpMkLst>
+            <pc:docMk/>
+            <pc:sldMk cId="545908055" sldId="270"/>
+            <ac:cxnSpMk id="129" creationId="{4443D4C7-4729-2C32-5EF5-3BB5DA8DF67C}"/>
+          </ac:cxnSpMkLst>
+        </pc:cxnChg>
+        <pc:cxnChg chg="mod">
+          <ac:chgData name="Jinyin Yan" userId="7d7b1cac-fbbc-4678-8cfc-23ca66a374ce" providerId="ADAL" clId="{4D1E27EC-2E0F-4672-841A-DB5AE83D0870}" dt="2025-02-18T09:30:33.587" v="157" actId="14100"/>
+          <ac:cxnSpMkLst>
+            <pc:docMk/>
+            <pc:sldMk cId="545908055" sldId="270"/>
+            <ac:cxnSpMk id="130" creationId="{18361B6F-F6AE-1165-A0FC-C6DA2E0AE85D}"/>
+          </ac:cxnSpMkLst>
+        </pc:cxnChg>
+        <pc:cxnChg chg="add del">
+          <ac:chgData name="Jinyin Yan" userId="7d7b1cac-fbbc-4678-8cfc-23ca66a374ce" providerId="ADAL" clId="{4D1E27EC-2E0F-4672-841A-DB5AE83D0870}" dt="2025-02-18T09:30:30.929" v="156" actId="478"/>
+          <ac:cxnSpMkLst>
+            <pc:docMk/>
+            <pc:sldMk cId="545908055" sldId="270"/>
+            <ac:cxnSpMk id="132" creationId="{BA3E9E61-3238-7162-55BA-5F14300151B4}"/>
+          </ac:cxnSpMkLst>
+        </pc:cxnChg>
+        <pc:cxnChg chg="mod">
+          <ac:chgData name="Jinyin Yan" userId="7d7b1cac-fbbc-4678-8cfc-23ca66a374ce" providerId="ADAL" clId="{4D1E27EC-2E0F-4672-841A-DB5AE83D0870}" dt="2025-02-18T09:30:41.502" v="159" actId="14100"/>
+          <ac:cxnSpMkLst>
+            <pc:docMk/>
+            <pc:sldMk cId="545908055" sldId="270"/>
+            <ac:cxnSpMk id="133" creationId="{B612233D-AF52-F385-004C-57963E296509}"/>
+          </ac:cxnSpMkLst>
+        </pc:cxnChg>
+        <pc:cxnChg chg="del">
+          <ac:chgData name="Jinyin Yan" userId="7d7b1cac-fbbc-4678-8cfc-23ca66a374ce" providerId="ADAL" clId="{4D1E27EC-2E0F-4672-841A-DB5AE83D0870}" dt="2025-02-18T09:39:09.239" v="160" actId="478"/>
+          <ac:cxnSpMkLst>
+            <pc:docMk/>
+            <pc:sldMk cId="545908055" sldId="270"/>
+            <ac:cxnSpMk id="134" creationId="{59940AE3-45FE-27EE-6150-C3A26B1294D0}"/>
+          </ac:cxnSpMkLst>
+        </pc:cxnChg>
+        <pc:cxnChg chg="mod">
+          <ac:chgData name="Jinyin Yan" userId="7d7b1cac-fbbc-4678-8cfc-23ca66a374ce" providerId="ADAL" clId="{4D1E27EC-2E0F-4672-841A-DB5AE83D0870}" dt="2025-02-18T09:39:24.421" v="161" actId="1076"/>
+          <ac:cxnSpMkLst>
+            <pc:docMk/>
+            <pc:sldMk cId="545908055" sldId="270"/>
+            <ac:cxnSpMk id="135" creationId="{A3903CB7-1364-4D45-F80D-E273BB98B9ED}"/>
+          </ac:cxnSpMkLst>
+        </pc:cxnChg>
+        <pc:cxnChg chg="mod">
+          <ac:chgData name="Jinyin Yan" userId="7d7b1cac-fbbc-4678-8cfc-23ca66a374ce" providerId="ADAL" clId="{4D1E27EC-2E0F-4672-841A-DB5AE83D0870}" dt="2025-02-18T09:39:24.421" v="161" actId="1076"/>
+          <ac:cxnSpMkLst>
+            <pc:docMk/>
+            <pc:sldMk cId="545908055" sldId="270"/>
+            <ac:cxnSpMk id="136" creationId="{B7971632-DDB9-BF56-9158-C4D32AA6947A}"/>
+          </ac:cxnSpMkLst>
+        </pc:cxnChg>
+        <pc:cxnChg chg="mod">
+          <ac:chgData name="Jinyin Yan" userId="7d7b1cac-fbbc-4678-8cfc-23ca66a374ce" providerId="ADAL" clId="{4D1E27EC-2E0F-4672-841A-DB5AE83D0870}" dt="2025-02-18T09:39:24.421" v="161" actId="1076"/>
+          <ac:cxnSpMkLst>
+            <pc:docMk/>
+            <pc:sldMk cId="545908055" sldId="270"/>
+            <ac:cxnSpMk id="137" creationId="{216321F5-5EC2-DFC7-628A-458C9E805A8A}"/>
+          </ac:cxnSpMkLst>
+        </pc:cxnChg>
+        <pc:cxnChg chg="mod">
+          <ac:chgData name="Jinyin Yan" userId="7d7b1cac-fbbc-4678-8cfc-23ca66a374ce" providerId="ADAL" clId="{4D1E27EC-2E0F-4672-841A-DB5AE83D0870}" dt="2025-02-18T09:39:24.421" v="161" actId="1076"/>
+          <ac:cxnSpMkLst>
+            <pc:docMk/>
+            <pc:sldMk cId="545908055" sldId="270"/>
+            <ac:cxnSpMk id="139" creationId="{1AB5A4B4-1B7E-7342-09D3-1898084A8FF0}"/>
+          </ac:cxnSpMkLst>
+        </pc:cxnChg>
+        <pc:cxnChg chg="mod">
+          <ac:chgData name="Jinyin Yan" userId="7d7b1cac-fbbc-4678-8cfc-23ca66a374ce" providerId="ADAL" clId="{4D1E27EC-2E0F-4672-841A-DB5AE83D0870}" dt="2025-02-18T09:39:24.421" v="161" actId="1076"/>
+          <ac:cxnSpMkLst>
+            <pc:docMk/>
+            <pc:sldMk cId="545908055" sldId="270"/>
+            <ac:cxnSpMk id="142" creationId="{470BE55E-D9D1-7A57-5210-C593B8ABE8F7}"/>
+          </ac:cxnSpMkLst>
+        </pc:cxnChg>
+        <pc:cxnChg chg="mod">
+          <ac:chgData name="Jinyin Yan" userId="7d7b1cac-fbbc-4678-8cfc-23ca66a374ce" providerId="ADAL" clId="{4D1E27EC-2E0F-4672-841A-DB5AE83D0870}" dt="2025-02-18T09:39:24.421" v="161" actId="1076"/>
+          <ac:cxnSpMkLst>
+            <pc:docMk/>
+            <pc:sldMk cId="545908055" sldId="270"/>
+            <ac:cxnSpMk id="143" creationId="{1DE7B88F-8B0C-4C82-4CEE-BE30CE4C9610}"/>
+          </ac:cxnSpMkLst>
+        </pc:cxnChg>
+        <pc:cxnChg chg="mod">
+          <ac:chgData name="Jinyin Yan" userId="7d7b1cac-fbbc-4678-8cfc-23ca66a374ce" providerId="ADAL" clId="{4D1E27EC-2E0F-4672-841A-DB5AE83D0870}" dt="2025-02-18T09:40:05.374" v="166" actId="1076"/>
+          <ac:cxnSpMkLst>
+            <pc:docMk/>
+            <pc:sldMk cId="545908055" sldId="270"/>
+            <ac:cxnSpMk id="147" creationId="{00472B37-4D73-ED06-2C5B-108DCFD84BA7}"/>
+          </ac:cxnSpMkLst>
+        </pc:cxnChg>
+        <pc:cxnChg chg="mod">
+          <ac:chgData name="Jinyin Yan" userId="7d7b1cac-fbbc-4678-8cfc-23ca66a374ce" providerId="ADAL" clId="{4D1E27EC-2E0F-4672-841A-DB5AE83D0870}" dt="2025-02-18T09:40:05.374" v="166" actId="1076"/>
+          <ac:cxnSpMkLst>
+            <pc:docMk/>
+            <pc:sldMk cId="545908055" sldId="270"/>
+            <ac:cxnSpMk id="148" creationId="{858E807D-1C71-955D-281E-3FF8B7723B66}"/>
+          </ac:cxnSpMkLst>
+        </pc:cxnChg>
+        <pc:cxnChg chg="mod">
+          <ac:chgData name="Jinyin Yan" userId="7d7b1cac-fbbc-4678-8cfc-23ca66a374ce" providerId="ADAL" clId="{4D1E27EC-2E0F-4672-841A-DB5AE83D0870}" dt="2025-02-18T09:40:05.374" v="166" actId="1076"/>
+          <ac:cxnSpMkLst>
+            <pc:docMk/>
+            <pc:sldMk cId="545908055" sldId="270"/>
+            <ac:cxnSpMk id="151" creationId="{70895806-CBFE-117B-C912-8CCF3920311E}"/>
+          </ac:cxnSpMkLst>
+        </pc:cxnChg>
+        <pc:cxnChg chg="mod">
+          <ac:chgData name="Jinyin Yan" userId="7d7b1cac-fbbc-4678-8cfc-23ca66a374ce" providerId="ADAL" clId="{4D1E27EC-2E0F-4672-841A-DB5AE83D0870}" dt="2025-02-18T09:40:05.374" v="166" actId="1076"/>
+          <ac:cxnSpMkLst>
+            <pc:docMk/>
+            <pc:sldMk cId="545908055" sldId="270"/>
+            <ac:cxnSpMk id="152" creationId="{F4AA2AA4-4C21-93B6-4E71-21EADD1193D6}"/>
+          </ac:cxnSpMkLst>
+        </pc:cxnChg>
+        <pc:cxnChg chg="mod">
+          <ac:chgData name="Jinyin Yan" userId="7d7b1cac-fbbc-4678-8cfc-23ca66a374ce" providerId="ADAL" clId="{4D1E27EC-2E0F-4672-841A-DB5AE83D0870}" dt="2025-02-18T09:40:05.374" v="166" actId="1076"/>
+          <ac:cxnSpMkLst>
+            <pc:docMk/>
+            <pc:sldMk cId="545908055" sldId="270"/>
+            <ac:cxnSpMk id="155" creationId="{88A93A0A-A7EF-AC00-03B4-A15BA5E46B48}"/>
+          </ac:cxnSpMkLst>
+        </pc:cxnChg>
+        <pc:cxnChg chg="del">
+          <ac:chgData name="Jinyin Yan" userId="7d7b1cac-fbbc-4678-8cfc-23ca66a374ce" providerId="ADAL" clId="{4D1E27EC-2E0F-4672-841A-DB5AE83D0870}" dt="2025-02-18T09:39:47.079" v="164" actId="478"/>
+          <ac:cxnSpMkLst>
+            <pc:docMk/>
+            <pc:sldMk cId="545908055" sldId="270"/>
+            <ac:cxnSpMk id="158" creationId="{A681557F-C2E9-DD09-F376-B253C80707C2}"/>
+          </ac:cxnSpMkLst>
+        </pc:cxnChg>
+        <pc:cxnChg chg="mod">
+          <ac:chgData name="Jinyin Yan" userId="7d7b1cac-fbbc-4678-8cfc-23ca66a374ce" providerId="ADAL" clId="{4D1E27EC-2E0F-4672-841A-DB5AE83D0870}" dt="2025-02-18T09:40:05.374" v="166" actId="1076"/>
+          <ac:cxnSpMkLst>
+            <pc:docMk/>
+            <pc:sldMk cId="545908055" sldId="270"/>
+            <ac:cxnSpMk id="159" creationId="{D4782467-1FE7-46CC-C8F9-258A2EEBE91E}"/>
+          </ac:cxnSpMkLst>
+        </pc:cxnChg>
+        <pc:cxnChg chg="mod">
+          <ac:chgData name="Jinyin Yan" userId="7d7b1cac-fbbc-4678-8cfc-23ca66a374ce" providerId="ADAL" clId="{4D1E27EC-2E0F-4672-841A-DB5AE83D0870}" dt="2025-02-18T09:40:05.374" v="166" actId="1076"/>
+          <ac:cxnSpMkLst>
+            <pc:docMk/>
+            <pc:sldMk cId="545908055" sldId="270"/>
+            <ac:cxnSpMk id="160" creationId="{C1A22AA9-C91C-4939-40E4-90D5EB9FB1C6}"/>
+          </ac:cxnSpMkLst>
+        </pc:cxnChg>
+        <pc:cxnChg chg="mod">
+          <ac:chgData name="Jinyin Yan" userId="7d7b1cac-fbbc-4678-8cfc-23ca66a374ce" providerId="ADAL" clId="{4D1E27EC-2E0F-4672-841A-DB5AE83D0870}" dt="2025-02-18T09:40:05.374" v="166" actId="1076"/>
+          <ac:cxnSpMkLst>
+            <pc:docMk/>
+            <pc:sldMk cId="545908055" sldId="270"/>
+            <ac:cxnSpMk id="163" creationId="{8EC69CAF-DA34-6C6E-5886-F4F74ECFFF96}"/>
+          </ac:cxnSpMkLst>
+        </pc:cxnChg>
+        <pc:cxnChg chg="mod">
+          <ac:chgData name="Jinyin Yan" userId="7d7b1cac-fbbc-4678-8cfc-23ca66a374ce" providerId="ADAL" clId="{4D1E27EC-2E0F-4672-841A-DB5AE83D0870}" dt="2025-02-18T09:40:05.374" v="166" actId="1076"/>
+          <ac:cxnSpMkLst>
+            <pc:docMk/>
+            <pc:sldMk cId="545908055" sldId="270"/>
+            <ac:cxnSpMk id="164" creationId="{2315A0AD-FDEC-A70F-73E8-DE50063023C9}"/>
+          </ac:cxnSpMkLst>
+        </pc:cxnChg>
+        <pc:cxnChg chg="mod">
+          <ac:chgData name="Jinyin Yan" userId="7d7b1cac-fbbc-4678-8cfc-23ca66a374ce" providerId="ADAL" clId="{4D1E27EC-2E0F-4672-841A-DB5AE83D0870}" dt="2025-02-18T09:40:20.554" v="169" actId="14100"/>
+          <ac:cxnSpMkLst>
+            <pc:docMk/>
+            <pc:sldMk cId="545908055" sldId="270"/>
+            <ac:cxnSpMk id="170" creationId="{4AC05605-985F-B171-23EF-2B35EB90BFB9}"/>
+          </ac:cxnSpMkLst>
+        </pc:cxnChg>
+        <pc:cxnChg chg="del">
+          <ac:chgData name="Jinyin Yan" userId="7d7b1cac-fbbc-4678-8cfc-23ca66a374ce" providerId="ADAL" clId="{4D1E27EC-2E0F-4672-841A-DB5AE83D0870}" dt="2025-02-18T09:40:32.332" v="173" actId="478"/>
+          <ac:cxnSpMkLst>
+            <pc:docMk/>
+            <pc:sldMk cId="545908055" sldId="270"/>
+            <ac:cxnSpMk id="172" creationId="{8603B3ED-3528-AEA0-27AC-208963424D41}"/>
+          </ac:cxnSpMkLst>
+        </pc:cxnChg>
+        <pc:cxnChg chg="del">
+          <ac:chgData name="Jinyin Yan" userId="7d7b1cac-fbbc-4678-8cfc-23ca66a374ce" providerId="ADAL" clId="{4D1E27EC-2E0F-4672-841A-DB5AE83D0870}" dt="2025-02-18T09:40:32.332" v="173" actId="478"/>
+          <ac:cxnSpMkLst>
+            <pc:docMk/>
+            <pc:sldMk cId="545908055" sldId="270"/>
+            <ac:cxnSpMk id="173" creationId="{BA0111FD-9135-1485-F14C-D83A8E53C846}"/>
+          </ac:cxnSpMkLst>
+        </pc:cxnChg>
+        <pc:cxnChg chg="del">
+          <ac:chgData name="Jinyin Yan" userId="7d7b1cac-fbbc-4678-8cfc-23ca66a374ce" providerId="ADAL" clId="{4D1E27EC-2E0F-4672-841A-DB5AE83D0870}" dt="2025-02-18T09:40:32.332" v="173" actId="478"/>
+          <ac:cxnSpMkLst>
+            <pc:docMk/>
+            <pc:sldMk cId="545908055" sldId="270"/>
+            <ac:cxnSpMk id="181" creationId="{409B36CD-C979-8A46-2DCB-AB3DC9856D00}"/>
+          </ac:cxnSpMkLst>
+        </pc:cxnChg>
+        <pc:cxnChg chg="del">
+          <ac:chgData name="Jinyin Yan" userId="7d7b1cac-fbbc-4678-8cfc-23ca66a374ce" providerId="ADAL" clId="{4D1E27EC-2E0F-4672-841A-DB5AE83D0870}" dt="2025-02-18T09:40:32.332" v="173" actId="478"/>
+          <ac:cxnSpMkLst>
+            <pc:docMk/>
+            <pc:sldMk cId="545908055" sldId="270"/>
+            <ac:cxnSpMk id="184" creationId="{21022C02-69E7-2F76-15D1-3B341A92FA32}"/>
+          </ac:cxnSpMkLst>
+        </pc:cxnChg>
+        <pc:cxnChg chg="del">
+          <ac:chgData name="Jinyin Yan" userId="7d7b1cac-fbbc-4678-8cfc-23ca66a374ce" providerId="ADAL" clId="{4D1E27EC-2E0F-4672-841A-DB5AE83D0870}" dt="2025-02-18T09:40:32.332" v="173" actId="478"/>
+          <ac:cxnSpMkLst>
+            <pc:docMk/>
+            <pc:sldMk cId="545908055" sldId="270"/>
+            <ac:cxnSpMk id="185" creationId="{ADABA51F-8332-2347-518A-F793204A65E8}"/>
+          </ac:cxnSpMkLst>
+        </pc:cxnChg>
+        <pc:cxnChg chg="del">
+          <ac:chgData name="Jinyin Yan" userId="7d7b1cac-fbbc-4678-8cfc-23ca66a374ce" providerId="ADAL" clId="{4D1E27EC-2E0F-4672-841A-DB5AE83D0870}" dt="2025-02-18T09:40:32.332" v="173" actId="478"/>
+          <ac:cxnSpMkLst>
+            <pc:docMk/>
+            <pc:sldMk cId="545908055" sldId="270"/>
+            <ac:cxnSpMk id="188" creationId="{0BFE6169-6DDC-79C7-C66A-8A77BBCFD711}"/>
+          </ac:cxnSpMkLst>
+        </pc:cxnChg>
+        <pc:cxnChg chg="del">
+          <ac:chgData name="Jinyin Yan" userId="7d7b1cac-fbbc-4678-8cfc-23ca66a374ce" providerId="ADAL" clId="{4D1E27EC-2E0F-4672-841A-DB5AE83D0870}" dt="2025-02-18T09:40:32.332" v="173" actId="478"/>
+          <ac:cxnSpMkLst>
+            <pc:docMk/>
+            <pc:sldMk cId="545908055" sldId="270"/>
+            <ac:cxnSpMk id="192" creationId="{A169A3D1-C9C4-A6F6-F831-EC8D2C85E3C1}"/>
+          </ac:cxnSpMkLst>
+        </pc:cxnChg>
+        <pc:cxnChg chg="del">
+          <ac:chgData name="Jinyin Yan" userId="7d7b1cac-fbbc-4678-8cfc-23ca66a374ce" providerId="ADAL" clId="{4D1E27EC-2E0F-4672-841A-DB5AE83D0870}" dt="2025-02-18T09:40:32.332" v="173" actId="478"/>
+          <ac:cxnSpMkLst>
+            <pc:docMk/>
+            <pc:sldMk cId="545908055" sldId="270"/>
+            <ac:cxnSpMk id="196" creationId="{3DC434D8-F360-C666-13E8-D02F987455E4}"/>
+          </ac:cxnSpMkLst>
+        </pc:cxnChg>
+        <pc:cxnChg chg="del">
+          <ac:chgData name="Jinyin Yan" userId="7d7b1cac-fbbc-4678-8cfc-23ca66a374ce" providerId="ADAL" clId="{4D1E27EC-2E0F-4672-841A-DB5AE83D0870}" dt="2025-02-18T09:40:32.332" v="173" actId="478"/>
+          <ac:cxnSpMkLst>
+            <pc:docMk/>
+            <pc:sldMk cId="545908055" sldId="270"/>
+            <ac:cxnSpMk id="198" creationId="{4A1AB0B2-EA94-45EB-E9A2-155F1818E663}"/>
           </ac:cxnSpMkLst>
         </pc:cxnChg>
       </pc:sldChg>
@@ -5669,7 +4677,7 @@
           <a:p>
             <a:fld id="{756B7610-9FAA-DC43-80F9-3155B1E839C7}" type="datetimeFigureOut">
               <a:rPr kumimoji="1" lang="zh-CN" altLang="en-US" smtClean="0"/>
-              <a:t>2025/2/17</a:t>
+              <a:t>2025/2/18</a:t>
             </a:fld>
             <a:endParaRPr kumimoji="1" lang="zh-CN" altLang="en-US"/>
           </a:p>
@@ -5867,7 +4875,7 @@
           <a:p>
             <a:fld id="{756B7610-9FAA-DC43-80F9-3155B1E839C7}" type="datetimeFigureOut">
               <a:rPr kumimoji="1" lang="zh-CN" altLang="en-US" smtClean="0"/>
-              <a:t>2025/2/17</a:t>
+              <a:t>2025/2/18</a:t>
             </a:fld>
             <a:endParaRPr kumimoji="1" lang="zh-CN" altLang="en-US"/>
           </a:p>
@@ -6075,7 +5083,7 @@
           <a:p>
             <a:fld id="{756B7610-9FAA-DC43-80F9-3155B1E839C7}" type="datetimeFigureOut">
               <a:rPr kumimoji="1" lang="zh-CN" altLang="en-US" smtClean="0"/>
-              <a:t>2025/2/17</a:t>
+              <a:t>2025/2/18</a:t>
             </a:fld>
             <a:endParaRPr kumimoji="1" lang="zh-CN" altLang="en-US"/>
           </a:p>
@@ -6273,7 +5281,7 @@
           <a:p>
             <a:fld id="{756B7610-9FAA-DC43-80F9-3155B1E839C7}" type="datetimeFigureOut">
               <a:rPr kumimoji="1" lang="zh-CN" altLang="en-US" smtClean="0"/>
-              <a:t>2025/2/17</a:t>
+              <a:t>2025/2/18</a:t>
             </a:fld>
             <a:endParaRPr kumimoji="1" lang="zh-CN" altLang="en-US"/>
           </a:p>
@@ -6548,7 +5556,7 @@
           <a:p>
             <a:fld id="{756B7610-9FAA-DC43-80F9-3155B1E839C7}" type="datetimeFigureOut">
               <a:rPr kumimoji="1" lang="zh-CN" altLang="en-US" smtClean="0"/>
-              <a:t>2025/2/17</a:t>
+              <a:t>2025/2/18</a:t>
             </a:fld>
             <a:endParaRPr kumimoji="1" lang="zh-CN" altLang="en-US"/>
           </a:p>
@@ -6813,7 +5821,7 @@
           <a:p>
             <a:fld id="{756B7610-9FAA-DC43-80F9-3155B1E839C7}" type="datetimeFigureOut">
               <a:rPr kumimoji="1" lang="zh-CN" altLang="en-US" smtClean="0"/>
-              <a:t>2025/2/17</a:t>
+              <a:t>2025/2/18</a:t>
             </a:fld>
             <a:endParaRPr kumimoji="1" lang="zh-CN" altLang="en-US"/>
           </a:p>
@@ -7225,7 +6233,7 @@
           <a:p>
             <a:fld id="{756B7610-9FAA-DC43-80F9-3155B1E839C7}" type="datetimeFigureOut">
               <a:rPr kumimoji="1" lang="zh-CN" altLang="en-US" smtClean="0"/>
-              <a:t>2025/2/17</a:t>
+              <a:t>2025/2/18</a:t>
             </a:fld>
             <a:endParaRPr kumimoji="1" lang="zh-CN" altLang="en-US"/>
           </a:p>
@@ -7366,7 +6374,7 @@
           <a:p>
             <a:fld id="{756B7610-9FAA-DC43-80F9-3155B1E839C7}" type="datetimeFigureOut">
               <a:rPr kumimoji="1" lang="zh-CN" altLang="en-US" smtClean="0"/>
-              <a:t>2025/2/17</a:t>
+              <a:t>2025/2/18</a:t>
             </a:fld>
             <a:endParaRPr kumimoji="1" lang="zh-CN" altLang="en-US"/>
           </a:p>
@@ -7479,7 +6487,7 @@
           <a:p>
             <a:fld id="{756B7610-9FAA-DC43-80F9-3155B1E839C7}" type="datetimeFigureOut">
               <a:rPr kumimoji="1" lang="zh-CN" altLang="en-US" smtClean="0"/>
-              <a:t>2025/2/17</a:t>
+              <a:t>2025/2/18</a:t>
             </a:fld>
             <a:endParaRPr kumimoji="1" lang="zh-CN" altLang="en-US"/>
           </a:p>
@@ -7790,7 +6798,7 @@
           <a:p>
             <a:fld id="{756B7610-9FAA-DC43-80F9-3155B1E839C7}" type="datetimeFigureOut">
               <a:rPr kumimoji="1" lang="zh-CN" altLang="en-US" smtClean="0"/>
-              <a:t>2025/2/17</a:t>
+              <a:t>2025/2/18</a:t>
             </a:fld>
             <a:endParaRPr kumimoji="1" lang="zh-CN" altLang="en-US"/>
           </a:p>
@@ -8078,7 +7086,7 @@
           <a:p>
             <a:fld id="{756B7610-9FAA-DC43-80F9-3155B1E839C7}" type="datetimeFigureOut">
               <a:rPr kumimoji="1" lang="zh-CN" altLang="en-US" smtClean="0"/>
-              <a:t>2025/2/17</a:t>
+              <a:t>2025/2/18</a:t>
             </a:fld>
             <a:endParaRPr kumimoji="1" lang="zh-CN" altLang="en-US"/>
           </a:p>
@@ -8319,7 +7327,7 @@
           <a:p>
             <a:fld id="{756B7610-9FAA-DC43-80F9-3155B1E839C7}" type="datetimeFigureOut">
               <a:rPr kumimoji="1" lang="zh-CN" altLang="en-US" smtClean="0"/>
-              <a:t>2025/2/17</a:t>
+              <a:t>2025/2/18</a:t>
             </a:fld>
             <a:endParaRPr kumimoji="1" lang="zh-CN" altLang="en-US"/>
           </a:p>
@@ -20321,7 +19329,7 @@
         </p:nvCxnSpPr>
         <p:spPr>
           <a:xfrm>
-            <a:off x="3626180" y="2889173"/>
+            <a:off x="3693165" y="3162037"/>
             <a:ext cx="0" cy="539827"/>
           </a:xfrm>
           <a:prstGeom prst="line">
@@ -20359,7 +19367,7 @@
         </p:nvCxnSpPr>
         <p:spPr>
           <a:xfrm>
-            <a:off x="4058180" y="2889173"/>
+            <a:off x="4125165" y="3162037"/>
             <a:ext cx="0" cy="539827"/>
           </a:xfrm>
           <a:prstGeom prst="line">
@@ -20397,7 +19405,7 @@
         </p:nvCxnSpPr>
         <p:spPr>
           <a:xfrm>
-            <a:off x="4490180" y="2889173"/>
+            <a:off x="4557165" y="3162037"/>
             <a:ext cx="0" cy="539827"/>
           </a:xfrm>
           <a:prstGeom prst="line">
@@ -20435,7 +19443,7 @@
         </p:nvCxnSpPr>
         <p:spPr>
           <a:xfrm>
-            <a:off x="4920875" y="2889173"/>
+            <a:off x="4987860" y="3162037"/>
             <a:ext cx="0" cy="539827"/>
           </a:xfrm>
           <a:prstGeom prst="line">
@@ -20473,7 +19481,7 @@
         </p:nvCxnSpPr>
         <p:spPr>
           <a:xfrm>
-            <a:off x="5354180" y="2889173"/>
+            <a:off x="5421165" y="3162037"/>
             <a:ext cx="0" cy="539827"/>
           </a:xfrm>
           <a:prstGeom prst="line">
@@ -20511,7 +19519,7 @@
         </p:nvCxnSpPr>
         <p:spPr>
           <a:xfrm>
-            <a:off x="5785439" y="2889173"/>
+            <a:off x="5852424" y="3162037"/>
             <a:ext cx="0" cy="539827"/>
           </a:xfrm>
           <a:prstGeom prst="line">
@@ -20549,7 +19557,7 @@
         </p:nvCxnSpPr>
         <p:spPr>
           <a:xfrm>
-            <a:off x="6216980" y="2889173"/>
+            <a:off x="6283965" y="3162037"/>
             <a:ext cx="0" cy="539827"/>
           </a:xfrm>
           <a:prstGeom prst="line">
@@ -20587,7 +19595,7 @@
         </p:nvCxnSpPr>
         <p:spPr>
           <a:xfrm>
-            <a:off x="6648980" y="2889173"/>
+            <a:off x="6715965" y="3162037"/>
             <a:ext cx="0" cy="539827"/>
           </a:xfrm>
           <a:prstGeom prst="line">
@@ -20625,7 +19633,7 @@
         </p:nvCxnSpPr>
         <p:spPr>
           <a:xfrm>
-            <a:off x="7080980" y="2889173"/>
+            <a:off x="7147965" y="3162037"/>
             <a:ext cx="0" cy="539827"/>
           </a:xfrm>
           <a:prstGeom prst="line">
@@ -20663,7 +19671,7 @@
         </p:nvCxnSpPr>
         <p:spPr>
           <a:xfrm>
-            <a:off x="7511675" y="2889173"/>
+            <a:off x="7578660" y="3162037"/>
             <a:ext cx="0" cy="539827"/>
           </a:xfrm>
           <a:prstGeom prst="line">
@@ -20701,7 +19709,7 @@
         </p:nvCxnSpPr>
         <p:spPr>
           <a:xfrm>
-            <a:off x="7944980" y="2889173"/>
+            <a:off x="8011965" y="3162037"/>
             <a:ext cx="0" cy="539827"/>
           </a:xfrm>
           <a:prstGeom prst="line">
@@ -20739,7 +19747,7 @@
         </p:nvCxnSpPr>
         <p:spPr>
           <a:xfrm>
-            <a:off x="8376239" y="2889173"/>
+            <a:off x="8443224" y="3162037"/>
             <a:ext cx="0" cy="539827"/>
           </a:xfrm>
           <a:prstGeom prst="line">
@@ -20777,7 +19785,7 @@
         </p:nvCxnSpPr>
         <p:spPr>
           <a:xfrm>
-            <a:off x="3622164" y="2889173"/>
+            <a:off x="3689149" y="3162037"/>
             <a:ext cx="441566" cy="0"/>
           </a:xfrm>
           <a:prstGeom prst="line">
@@ -20815,7 +19823,7 @@
         </p:nvCxnSpPr>
         <p:spPr>
           <a:xfrm>
-            <a:off x="4054164" y="3429000"/>
+            <a:off x="4121149" y="3701864"/>
             <a:ext cx="432000" cy="0"/>
           </a:xfrm>
           <a:prstGeom prst="line">
@@ -20853,7 +19861,7 @@
         </p:nvCxnSpPr>
         <p:spPr>
           <a:xfrm>
-            <a:off x="4486164" y="2889173"/>
+            <a:off x="4553149" y="3162037"/>
             <a:ext cx="441566" cy="0"/>
           </a:xfrm>
           <a:prstGeom prst="line">
@@ -20891,7 +19899,7 @@
         </p:nvCxnSpPr>
         <p:spPr>
           <a:xfrm>
-            <a:off x="4918164" y="3429000"/>
+            <a:off x="4985149" y="3701864"/>
             <a:ext cx="432000" cy="0"/>
           </a:xfrm>
           <a:prstGeom prst="line">
@@ -20929,7 +19937,7 @@
         </p:nvCxnSpPr>
         <p:spPr>
           <a:xfrm>
-            <a:off x="5348964" y="2889173"/>
+            <a:off x="5415949" y="3162037"/>
             <a:ext cx="441566" cy="0"/>
           </a:xfrm>
           <a:prstGeom prst="line">
@@ -20967,7 +19975,7 @@
         </p:nvCxnSpPr>
         <p:spPr>
           <a:xfrm>
-            <a:off x="5780964" y="3429000"/>
+            <a:off x="5847949" y="3701864"/>
             <a:ext cx="432000" cy="0"/>
           </a:xfrm>
           <a:prstGeom prst="line">
@@ -21005,7 +20013,7 @@
         </p:nvCxnSpPr>
         <p:spPr>
           <a:xfrm>
-            <a:off x="6212964" y="2889173"/>
+            <a:off x="6279949" y="3162037"/>
             <a:ext cx="441566" cy="0"/>
           </a:xfrm>
           <a:prstGeom prst="line">
@@ -21043,7 +20051,7 @@
         </p:nvCxnSpPr>
         <p:spPr>
           <a:xfrm>
-            <a:off x="6644964" y="3429000"/>
+            <a:off x="6711949" y="3701864"/>
             <a:ext cx="432000" cy="0"/>
           </a:xfrm>
           <a:prstGeom prst="line">
@@ -21081,7 +20089,7 @@
         </p:nvCxnSpPr>
         <p:spPr>
           <a:xfrm>
-            <a:off x="7075659" y="2889173"/>
+            <a:off x="7142644" y="3162037"/>
             <a:ext cx="441566" cy="0"/>
           </a:xfrm>
           <a:prstGeom prst="line">
@@ -21119,7 +20127,7 @@
         </p:nvCxnSpPr>
         <p:spPr>
           <a:xfrm>
-            <a:off x="7507659" y="3429000"/>
+            <a:off x="7574644" y="3701864"/>
             <a:ext cx="432000" cy="0"/>
           </a:xfrm>
           <a:prstGeom prst="line">
@@ -21157,7 +20165,7 @@
         </p:nvCxnSpPr>
         <p:spPr>
           <a:xfrm>
-            <a:off x="7940223" y="2889173"/>
+            <a:off x="8007208" y="3162037"/>
             <a:ext cx="441566" cy="0"/>
           </a:xfrm>
           <a:prstGeom prst="line">
@@ -21195,7 +20203,7 @@
         </p:nvCxnSpPr>
         <p:spPr>
           <a:xfrm>
-            <a:off x="8814071" y="2889173"/>
+            <a:off x="8881056" y="3162037"/>
             <a:ext cx="0" cy="539827"/>
           </a:xfrm>
           <a:prstGeom prst="line">
@@ -21233,7 +20241,7 @@
         </p:nvCxnSpPr>
         <p:spPr>
           <a:xfrm>
-            <a:off x="9245330" y="2889173"/>
+            <a:off x="9312315" y="3162037"/>
             <a:ext cx="0" cy="539827"/>
           </a:xfrm>
           <a:prstGeom prst="line">
@@ -21271,7 +20279,7 @@
         </p:nvCxnSpPr>
         <p:spPr>
           <a:xfrm>
-            <a:off x="8376750" y="3429000"/>
+            <a:off x="8443735" y="3701864"/>
             <a:ext cx="432000" cy="0"/>
           </a:xfrm>
           <a:prstGeom prst="line">
@@ -21309,7 +20317,7 @@
         </p:nvCxnSpPr>
         <p:spPr>
           <a:xfrm>
-            <a:off x="8809314" y="2889173"/>
+            <a:off x="8876299" y="3162037"/>
             <a:ext cx="441566" cy="0"/>
           </a:xfrm>
           <a:prstGeom prst="line">
@@ -21345,7 +20353,7 @@
         </p:nvSpPr>
         <p:spPr>
           <a:xfrm>
-            <a:off x="2756757" y="2973895"/>
+            <a:off x="2823742" y="3246759"/>
             <a:ext cx="721672" cy="369332"/>
           </a:xfrm>
           <a:prstGeom prst="rect">
@@ -21382,7 +20390,7 @@
         </p:nvCxnSpPr>
         <p:spPr>
           <a:xfrm>
-            <a:off x="4058180" y="3668425"/>
+            <a:off x="4125165" y="4169609"/>
             <a:ext cx="0" cy="539827"/>
           </a:xfrm>
           <a:prstGeom prst="line">
@@ -21420,7 +20428,7 @@
         </p:nvCxnSpPr>
         <p:spPr>
           <a:xfrm>
-            <a:off x="4920875" y="3668425"/>
+            <a:off x="4987860" y="4169609"/>
             <a:ext cx="0" cy="539827"/>
           </a:xfrm>
           <a:prstGeom prst="line">
@@ -21458,7 +20466,7 @@
         </p:nvCxnSpPr>
         <p:spPr>
           <a:xfrm>
-            <a:off x="5785439" y="3668425"/>
+            <a:off x="5852424" y="4169609"/>
             <a:ext cx="0" cy="539827"/>
           </a:xfrm>
           <a:prstGeom prst="line">
@@ -21496,7 +20504,7 @@
         </p:nvCxnSpPr>
         <p:spPr>
           <a:xfrm>
-            <a:off x="6648980" y="3668425"/>
+            <a:off x="6715965" y="4169609"/>
             <a:ext cx="0" cy="539827"/>
           </a:xfrm>
           <a:prstGeom prst="line">
@@ -21534,7 +20542,7 @@
         </p:nvCxnSpPr>
         <p:spPr>
           <a:xfrm>
-            <a:off x="7511675" y="3668425"/>
+            <a:off x="7578660" y="4169609"/>
             <a:ext cx="0" cy="539827"/>
           </a:xfrm>
           <a:prstGeom prst="line">
@@ -21572,7 +20580,7 @@
         </p:nvCxnSpPr>
         <p:spPr>
           <a:xfrm>
-            <a:off x="8376239" y="3668425"/>
+            <a:off x="8443224" y="4169609"/>
             <a:ext cx="0" cy="539827"/>
           </a:xfrm>
           <a:prstGeom prst="line">
@@ -21610,7 +20618,7 @@
         </p:nvCxnSpPr>
         <p:spPr>
           <a:xfrm>
-            <a:off x="3626645" y="4207575"/>
+            <a:off x="3693630" y="4708759"/>
             <a:ext cx="441566" cy="0"/>
           </a:xfrm>
           <a:prstGeom prst="line">
@@ -21648,7 +20656,7 @@
         </p:nvCxnSpPr>
         <p:spPr>
           <a:xfrm>
-            <a:off x="4054164" y="3668425"/>
+            <a:off x="4121149" y="4169609"/>
             <a:ext cx="873566" cy="0"/>
           </a:xfrm>
           <a:prstGeom prst="line">
@@ -21686,7 +20694,7 @@
         </p:nvCxnSpPr>
         <p:spPr>
           <a:xfrm>
-            <a:off x="4918164" y="4208252"/>
+            <a:off x="4985149" y="4709436"/>
             <a:ext cx="432000" cy="0"/>
           </a:xfrm>
           <a:prstGeom prst="line">
@@ -21724,7 +20732,7 @@
         </p:nvCxnSpPr>
         <p:spPr>
           <a:xfrm>
-            <a:off x="5339398" y="4207575"/>
+            <a:off x="5406383" y="4708759"/>
             <a:ext cx="441566" cy="0"/>
           </a:xfrm>
           <a:prstGeom prst="line">
@@ -21762,7 +20770,7 @@
         </p:nvCxnSpPr>
         <p:spPr>
           <a:xfrm>
-            <a:off x="5790530" y="3668425"/>
+            <a:off x="5857515" y="4169609"/>
             <a:ext cx="432000" cy="0"/>
           </a:xfrm>
           <a:prstGeom prst="line">
@@ -21800,7 +20808,7 @@
         </p:nvCxnSpPr>
         <p:spPr>
           <a:xfrm>
-            <a:off x="6212964" y="3668425"/>
+            <a:off x="6279949" y="4169609"/>
             <a:ext cx="441566" cy="0"/>
           </a:xfrm>
           <a:prstGeom prst="line">
@@ -21838,7 +20846,7 @@
         </p:nvCxnSpPr>
         <p:spPr>
           <a:xfrm flipV="1">
-            <a:off x="6644964" y="4207575"/>
+            <a:off x="6711949" y="4708759"/>
             <a:ext cx="872261" cy="677"/>
           </a:xfrm>
           <a:prstGeom prst="line">
@@ -21876,46 +20884,8 @@
         </p:nvCxnSpPr>
         <p:spPr>
           <a:xfrm>
-            <a:off x="7507659" y="3668425"/>
-            <a:ext cx="432000" cy="0"/>
-          </a:xfrm>
-          <a:prstGeom prst="line">
-            <a:avLst/>
-          </a:prstGeom>
-        </p:spPr>
-        <p:style>
-          <a:lnRef idx="2">
-            <a:schemeClr val="accent1"/>
-          </a:lnRef>
-          <a:fillRef idx="0">
-            <a:schemeClr val="accent1"/>
-          </a:fillRef>
-          <a:effectRef idx="1">
-            <a:schemeClr val="accent1"/>
-          </a:effectRef>
-          <a:fontRef idx="minor">
-            <a:schemeClr val="tx1"/>
-          </a:fontRef>
-        </p:style>
-      </p:cxnSp>
-      <p:cxnSp>
-        <p:nvCxnSpPr>
-          <p:cNvPr id="140" name="直线连接符 139">
-            <a:extLst>
-              <a:ext uri="{FF2B5EF4-FFF2-40B4-BE49-F238E27FC236}">
-                <a16:creationId xmlns:a16="http://schemas.microsoft.com/office/drawing/2014/main" id="{00222A67-1366-18A9-5410-15F6EEBF2151}"/>
-              </a:ext>
-            </a:extLst>
-          </p:cNvPr>
-          <p:cNvCxnSpPr>
-            <a:cxnSpLocks/>
-          </p:cNvCxnSpPr>
-          <p:nvPr/>
-        </p:nvCxnSpPr>
-        <p:spPr>
-          <a:xfrm>
-            <a:off x="7940223" y="3668425"/>
-            <a:ext cx="441566" cy="0"/>
+            <a:off x="7574644" y="4169609"/>
+            <a:ext cx="868580" cy="0"/>
           </a:xfrm>
           <a:prstGeom prst="line">
             <a:avLst/>
@@ -21952,7 +20922,7 @@
         </p:nvCxnSpPr>
         <p:spPr>
           <a:xfrm>
-            <a:off x="9245330" y="3668425"/>
+            <a:off x="9312315" y="4169609"/>
             <a:ext cx="0" cy="539827"/>
           </a:xfrm>
           <a:prstGeom prst="line">
@@ -21990,7 +20960,7 @@
         </p:nvCxnSpPr>
         <p:spPr>
           <a:xfrm>
-            <a:off x="8376750" y="4208252"/>
+            <a:off x="8443735" y="4709436"/>
             <a:ext cx="868580" cy="0"/>
           </a:xfrm>
           <a:prstGeom prst="line">
@@ -22028,7 +20998,7 @@
         </p:nvCxnSpPr>
         <p:spPr>
           <a:xfrm>
-            <a:off x="4499746" y="4456305"/>
+            <a:off x="4566731" y="4957489"/>
             <a:ext cx="0" cy="539827"/>
           </a:xfrm>
           <a:prstGeom prst="line">
@@ -22066,7 +21036,7 @@
         </p:nvCxnSpPr>
         <p:spPr>
           <a:xfrm>
-            <a:off x="4930441" y="4456305"/>
+            <a:off x="4997426" y="4957489"/>
             <a:ext cx="0" cy="539827"/>
           </a:xfrm>
           <a:prstGeom prst="line">
@@ -22104,7 +21074,7 @@
         </p:nvCxnSpPr>
         <p:spPr>
           <a:xfrm>
-            <a:off x="6226546" y="4456305"/>
+            <a:off x="6293531" y="4957489"/>
             <a:ext cx="0" cy="539827"/>
           </a:xfrm>
           <a:prstGeom prst="line">
@@ -22142,7 +21112,7 @@
         </p:nvCxnSpPr>
         <p:spPr>
           <a:xfrm>
-            <a:off x="6658546" y="4456305"/>
+            <a:off x="6725531" y="4957489"/>
             <a:ext cx="0" cy="539827"/>
           </a:xfrm>
           <a:prstGeom prst="line">
@@ -22180,7 +21150,7 @@
         </p:nvCxnSpPr>
         <p:spPr>
           <a:xfrm>
-            <a:off x="7954546" y="4456305"/>
+            <a:off x="8021531" y="4957489"/>
             <a:ext cx="0" cy="539827"/>
           </a:xfrm>
           <a:prstGeom prst="line">
@@ -22218,7 +21188,7 @@
         </p:nvCxnSpPr>
         <p:spPr>
           <a:xfrm>
-            <a:off x="8385805" y="4456305"/>
+            <a:off x="8452790" y="4957489"/>
             <a:ext cx="0" cy="539827"/>
           </a:xfrm>
           <a:prstGeom prst="line">
@@ -22256,7 +21226,7 @@
         </p:nvCxnSpPr>
         <p:spPr>
           <a:xfrm>
-            <a:off x="3622164" y="4996132"/>
+            <a:off x="3689149" y="5497316"/>
             <a:ext cx="873566" cy="0"/>
           </a:xfrm>
           <a:prstGeom prst="line">
@@ -22294,7 +21264,7 @@
         </p:nvCxnSpPr>
         <p:spPr>
           <a:xfrm>
-            <a:off x="4495730" y="4456305"/>
+            <a:off x="4562715" y="4957489"/>
             <a:ext cx="441566" cy="0"/>
           </a:xfrm>
           <a:prstGeom prst="line">
@@ -22332,7 +21302,7 @@
         </p:nvCxnSpPr>
         <p:spPr>
           <a:xfrm>
-            <a:off x="4927730" y="4996132"/>
+            <a:off x="4994715" y="5497316"/>
             <a:ext cx="1294800" cy="0"/>
           </a:xfrm>
           <a:prstGeom prst="line">
@@ -22370,7 +21340,7 @@
         </p:nvCxnSpPr>
         <p:spPr>
           <a:xfrm>
-            <a:off x="6222530" y="4456305"/>
+            <a:off x="6289515" y="4957489"/>
             <a:ext cx="441566" cy="0"/>
           </a:xfrm>
           <a:prstGeom prst="line">
@@ -22408,7 +21378,7 @@
         </p:nvCxnSpPr>
         <p:spPr>
           <a:xfrm>
-            <a:off x="6654530" y="4996132"/>
+            <a:off x="6721515" y="5497316"/>
             <a:ext cx="1285129" cy="0"/>
           </a:xfrm>
           <a:prstGeom prst="line">
@@ -22446,7 +21416,7 @@
         </p:nvCxnSpPr>
         <p:spPr>
           <a:xfrm>
-            <a:off x="7949789" y="4456305"/>
+            <a:off x="8016774" y="4957489"/>
             <a:ext cx="441566" cy="0"/>
           </a:xfrm>
           <a:prstGeom prst="line">
@@ -22484,7 +21454,7 @@
         </p:nvCxnSpPr>
         <p:spPr>
           <a:xfrm>
-            <a:off x="8386316" y="4996132"/>
+            <a:off x="8453301" y="5497316"/>
             <a:ext cx="859014" cy="0"/>
           </a:xfrm>
           <a:prstGeom prst="line">
@@ -22522,7 +21492,7 @@
         </p:nvCxnSpPr>
         <p:spPr>
           <a:xfrm>
-            <a:off x="3635746" y="5215429"/>
+            <a:off x="3702731" y="5716613"/>
             <a:ext cx="0" cy="539827"/>
           </a:xfrm>
           <a:prstGeom prst="line">
@@ -22560,7 +21530,7 @@
         </p:nvCxnSpPr>
         <p:spPr>
           <a:xfrm>
-            <a:off x="4067746" y="5215429"/>
+            <a:off x="4134731" y="5716613"/>
             <a:ext cx="0" cy="539827"/>
           </a:xfrm>
           <a:prstGeom prst="line">
@@ -22598,7 +21568,7 @@
         </p:nvCxnSpPr>
         <p:spPr>
           <a:xfrm>
-            <a:off x="5363746" y="5215429"/>
+            <a:off x="5430731" y="5716613"/>
             <a:ext cx="0" cy="539827"/>
           </a:xfrm>
           <a:prstGeom prst="line">
@@ -22636,7 +21606,7 @@
         </p:nvCxnSpPr>
         <p:spPr>
           <a:xfrm>
-            <a:off x="5795005" y="5215429"/>
+            <a:off x="5861990" y="5716613"/>
             <a:ext cx="0" cy="539827"/>
           </a:xfrm>
           <a:prstGeom prst="line">
@@ -22674,7 +21644,7 @@
         </p:nvCxnSpPr>
         <p:spPr>
           <a:xfrm>
-            <a:off x="7090546" y="5215429"/>
+            <a:off x="7157531" y="5716613"/>
             <a:ext cx="0" cy="539827"/>
           </a:xfrm>
           <a:prstGeom prst="line">
@@ -22712,7 +21682,7 @@
         </p:nvCxnSpPr>
         <p:spPr>
           <a:xfrm>
-            <a:off x="7521241" y="5215429"/>
+            <a:off x="7588226" y="5716613"/>
             <a:ext cx="0" cy="539827"/>
           </a:xfrm>
           <a:prstGeom prst="line">
@@ -22750,7 +21720,7 @@
         </p:nvCxnSpPr>
         <p:spPr>
           <a:xfrm>
-            <a:off x="3631730" y="5215429"/>
+            <a:off x="3698715" y="5716613"/>
             <a:ext cx="441566" cy="0"/>
           </a:xfrm>
           <a:prstGeom prst="line">
@@ -22788,7 +21758,7 @@
         </p:nvCxnSpPr>
         <p:spPr>
           <a:xfrm>
-            <a:off x="4063730" y="5755256"/>
+            <a:off x="4130715" y="6256440"/>
             <a:ext cx="1308370" cy="0"/>
           </a:xfrm>
           <a:prstGeom prst="line">
@@ -22826,7 +21796,7 @@
         </p:nvCxnSpPr>
         <p:spPr>
           <a:xfrm>
-            <a:off x="5358530" y="5215429"/>
+            <a:off x="5425515" y="5716613"/>
             <a:ext cx="441566" cy="0"/>
           </a:xfrm>
           <a:prstGeom prst="line">
@@ -22864,7 +21834,7 @@
         </p:nvCxnSpPr>
         <p:spPr>
           <a:xfrm>
-            <a:off x="5790530" y="5755256"/>
+            <a:off x="5857515" y="6256440"/>
             <a:ext cx="1308770" cy="0"/>
           </a:xfrm>
           <a:prstGeom prst="line">
@@ -22902,7 +21872,7 @@
         </p:nvCxnSpPr>
         <p:spPr>
           <a:xfrm>
-            <a:off x="7085225" y="5215429"/>
+            <a:off x="7152210" y="5716613"/>
             <a:ext cx="441566" cy="0"/>
           </a:xfrm>
           <a:prstGeom prst="line">
@@ -22940,7 +21910,7 @@
         </p:nvCxnSpPr>
         <p:spPr>
           <a:xfrm>
-            <a:off x="7517225" y="5755256"/>
+            <a:off x="7584210" y="6256440"/>
             <a:ext cx="1315625" cy="0"/>
           </a:xfrm>
           <a:prstGeom prst="line">
@@ -22978,7 +21948,7 @@
         </p:nvCxnSpPr>
         <p:spPr>
           <a:xfrm>
-            <a:off x="8823637" y="5215429"/>
+            <a:off x="8890622" y="5716613"/>
             <a:ext cx="0" cy="539827"/>
           </a:xfrm>
           <a:prstGeom prst="line">
@@ -23016,7 +21986,7 @@
         </p:nvCxnSpPr>
         <p:spPr>
           <a:xfrm>
-            <a:off x="9254896" y="5215429"/>
+            <a:off x="9321881" y="5716613"/>
             <a:ext cx="0" cy="539827"/>
           </a:xfrm>
           <a:prstGeom prst="line">
@@ -23054,7 +22024,7 @@
         </p:nvCxnSpPr>
         <p:spPr>
           <a:xfrm>
-            <a:off x="8818880" y="5215429"/>
+            <a:off x="8885865" y="5716613"/>
             <a:ext cx="441566" cy="0"/>
           </a:xfrm>
           <a:prstGeom prst="line">
@@ -23090,7 +22060,7 @@
         </p:nvSpPr>
         <p:spPr>
           <a:xfrm>
-            <a:off x="2278840" y="3753672"/>
+            <a:off x="2345825" y="4254856"/>
             <a:ext cx="1200970" cy="369332"/>
           </a:xfrm>
           <a:prstGeom prst="rect">
@@ -23125,7 +22095,7 @@
         </p:nvSpPr>
         <p:spPr>
           <a:xfrm>
-            <a:off x="2514851" y="4523542"/>
+            <a:off x="2581836" y="5024726"/>
             <a:ext cx="971741" cy="369332"/>
           </a:xfrm>
           <a:prstGeom prst="rect">
@@ -23160,7 +22130,7 @@
         </p:nvSpPr>
         <p:spPr>
           <a:xfrm>
-            <a:off x="2506688" y="5315946"/>
+            <a:off x="2573673" y="5817130"/>
             <a:ext cx="971741" cy="369332"/>
           </a:xfrm>
           <a:prstGeom prst="rect">
@@ -23181,10 +22151,4661 @@
           </a:p>
         </p:txBody>
       </p:sp>
+      <p:cxnSp>
+        <p:nvCxnSpPr>
+          <p:cNvPr id="4" name="Straight Connector 3">
+            <a:extLst>
+              <a:ext uri="{FF2B5EF4-FFF2-40B4-BE49-F238E27FC236}">
+                <a16:creationId xmlns:a16="http://schemas.microsoft.com/office/drawing/2014/main" id="{205A8D64-B239-919E-FC04-6DBD4A0F14BD}"/>
+              </a:ext>
+            </a:extLst>
+          </p:cNvPr>
+          <p:cNvCxnSpPr>
+            <a:cxnSpLocks/>
+          </p:cNvCxnSpPr>
+          <p:nvPr/>
+        </p:nvCxnSpPr>
+        <p:spPr>
+          <a:xfrm>
+            <a:off x="3698163" y="3631734"/>
+            <a:ext cx="0" cy="2463800"/>
+          </a:xfrm>
+          <a:prstGeom prst="line">
+            <a:avLst/>
+          </a:prstGeom>
+          <a:ln w="19050" cap="flat" cmpd="sng" algn="ctr">
+            <a:solidFill>
+              <a:schemeClr val="accent6"/>
+            </a:solidFill>
+            <a:prstDash val="dash"/>
+            <a:round/>
+            <a:headEnd type="none" w="med" len="med"/>
+            <a:tailEnd type="none" w="med" len="med"/>
+          </a:ln>
+        </p:spPr>
+        <p:style>
+          <a:lnRef idx="0">
+            <a:scrgbClr r="0" g="0" b="0"/>
+          </a:lnRef>
+          <a:fillRef idx="0">
+            <a:scrgbClr r="0" g="0" b="0"/>
+          </a:fillRef>
+          <a:effectRef idx="0">
+            <a:scrgbClr r="0" g="0" b="0"/>
+          </a:effectRef>
+          <a:fontRef idx="minor">
+            <a:schemeClr val="tx1"/>
+          </a:fontRef>
+        </p:style>
+      </p:cxnSp>
+      <p:cxnSp>
+        <p:nvCxnSpPr>
+          <p:cNvPr id="19" name="Straight Connector 18">
+            <a:extLst>
+              <a:ext uri="{FF2B5EF4-FFF2-40B4-BE49-F238E27FC236}">
+                <a16:creationId xmlns:a16="http://schemas.microsoft.com/office/drawing/2014/main" id="{EC06F1B1-5F9F-4981-BB3E-0D906B4EA85F}"/>
+              </a:ext>
+            </a:extLst>
+          </p:cNvPr>
+          <p:cNvCxnSpPr>
+            <a:cxnSpLocks/>
+          </p:cNvCxnSpPr>
+          <p:nvPr/>
+        </p:nvCxnSpPr>
+        <p:spPr>
+          <a:xfrm>
+            <a:off x="4130715" y="3619034"/>
+            <a:ext cx="0" cy="2463800"/>
+          </a:xfrm>
+          <a:prstGeom prst="line">
+            <a:avLst/>
+          </a:prstGeom>
+          <a:ln w="19050" cap="flat" cmpd="sng" algn="ctr">
+            <a:solidFill>
+              <a:schemeClr val="accent6"/>
+            </a:solidFill>
+            <a:prstDash val="dash"/>
+            <a:round/>
+            <a:headEnd type="none" w="med" len="med"/>
+            <a:tailEnd type="none" w="med" len="med"/>
+          </a:ln>
+        </p:spPr>
+        <p:style>
+          <a:lnRef idx="0">
+            <a:scrgbClr r="0" g="0" b="0"/>
+          </a:lnRef>
+          <a:fillRef idx="0">
+            <a:scrgbClr r="0" g="0" b="0"/>
+          </a:fillRef>
+          <a:effectRef idx="0">
+            <a:scrgbClr r="0" g="0" b="0"/>
+          </a:effectRef>
+          <a:fontRef idx="minor">
+            <a:schemeClr val="tx1"/>
+          </a:fontRef>
+        </p:style>
+      </p:cxnSp>
+      <p:cxnSp>
+        <p:nvCxnSpPr>
+          <p:cNvPr id="20" name="Straight Connector 19">
+            <a:extLst>
+              <a:ext uri="{FF2B5EF4-FFF2-40B4-BE49-F238E27FC236}">
+                <a16:creationId xmlns:a16="http://schemas.microsoft.com/office/drawing/2014/main" id="{880A587D-6EBF-0F23-2D7D-95D9EB22C1A9}"/>
+              </a:ext>
+            </a:extLst>
+          </p:cNvPr>
+          <p:cNvCxnSpPr>
+            <a:cxnSpLocks/>
+          </p:cNvCxnSpPr>
+          <p:nvPr/>
+        </p:nvCxnSpPr>
+        <p:spPr>
+          <a:xfrm>
+            <a:off x="4566726" y="3619034"/>
+            <a:ext cx="0" cy="2463800"/>
+          </a:xfrm>
+          <a:prstGeom prst="line">
+            <a:avLst/>
+          </a:prstGeom>
+          <a:ln w="19050" cap="flat" cmpd="sng" algn="ctr">
+            <a:solidFill>
+              <a:schemeClr val="accent6"/>
+            </a:solidFill>
+            <a:prstDash val="dash"/>
+            <a:round/>
+            <a:headEnd type="none" w="med" len="med"/>
+            <a:tailEnd type="none" w="med" len="med"/>
+          </a:ln>
+        </p:spPr>
+        <p:style>
+          <a:lnRef idx="0">
+            <a:scrgbClr r="0" g="0" b="0"/>
+          </a:lnRef>
+          <a:fillRef idx="0">
+            <a:scrgbClr r="0" g="0" b="0"/>
+          </a:fillRef>
+          <a:effectRef idx="0">
+            <a:scrgbClr r="0" g="0" b="0"/>
+          </a:effectRef>
+          <a:fontRef idx="minor">
+            <a:schemeClr val="tx1"/>
+          </a:fontRef>
+        </p:style>
+      </p:cxnSp>
+      <p:cxnSp>
+        <p:nvCxnSpPr>
+          <p:cNvPr id="21" name="Straight Connector 20">
+            <a:extLst>
+              <a:ext uri="{FF2B5EF4-FFF2-40B4-BE49-F238E27FC236}">
+                <a16:creationId xmlns:a16="http://schemas.microsoft.com/office/drawing/2014/main" id="{74EBA1F5-362C-32C1-7B48-817FF4F6F175}"/>
+              </a:ext>
+            </a:extLst>
+          </p:cNvPr>
+          <p:cNvCxnSpPr>
+            <a:cxnSpLocks/>
+          </p:cNvCxnSpPr>
+          <p:nvPr/>
+        </p:nvCxnSpPr>
+        <p:spPr>
+          <a:xfrm>
+            <a:off x="4988952" y="3635609"/>
+            <a:ext cx="0" cy="2463800"/>
+          </a:xfrm>
+          <a:prstGeom prst="line">
+            <a:avLst/>
+          </a:prstGeom>
+          <a:ln w="19050" cap="flat" cmpd="sng" algn="ctr">
+            <a:solidFill>
+              <a:schemeClr val="accent6"/>
+            </a:solidFill>
+            <a:prstDash val="dash"/>
+            <a:round/>
+            <a:headEnd type="none" w="med" len="med"/>
+            <a:tailEnd type="none" w="med" len="med"/>
+          </a:ln>
+        </p:spPr>
+        <p:style>
+          <a:lnRef idx="0">
+            <a:scrgbClr r="0" g="0" b="0"/>
+          </a:lnRef>
+          <a:fillRef idx="0">
+            <a:scrgbClr r="0" g="0" b="0"/>
+          </a:fillRef>
+          <a:effectRef idx="0">
+            <a:scrgbClr r="0" g="0" b="0"/>
+          </a:effectRef>
+          <a:fontRef idx="minor">
+            <a:schemeClr val="tx1"/>
+          </a:fontRef>
+        </p:style>
+      </p:cxnSp>
+      <p:cxnSp>
+        <p:nvCxnSpPr>
+          <p:cNvPr id="22" name="Straight Connector 21">
+            <a:extLst>
+              <a:ext uri="{FF2B5EF4-FFF2-40B4-BE49-F238E27FC236}">
+                <a16:creationId xmlns:a16="http://schemas.microsoft.com/office/drawing/2014/main" id="{ED599490-D1D4-E626-01F3-0F89DA0DF2D7}"/>
+              </a:ext>
+            </a:extLst>
+          </p:cNvPr>
+          <p:cNvCxnSpPr>
+            <a:cxnSpLocks/>
+          </p:cNvCxnSpPr>
+          <p:nvPr/>
+        </p:nvCxnSpPr>
+        <p:spPr>
+          <a:xfrm>
+            <a:off x="5421504" y="3622909"/>
+            <a:ext cx="0" cy="2463800"/>
+          </a:xfrm>
+          <a:prstGeom prst="line">
+            <a:avLst/>
+          </a:prstGeom>
+          <a:ln w="19050" cap="flat" cmpd="sng" algn="ctr">
+            <a:solidFill>
+              <a:schemeClr val="accent6"/>
+            </a:solidFill>
+            <a:prstDash val="dash"/>
+            <a:round/>
+            <a:headEnd type="none" w="med" len="med"/>
+            <a:tailEnd type="none" w="med" len="med"/>
+          </a:ln>
+        </p:spPr>
+        <p:style>
+          <a:lnRef idx="0">
+            <a:scrgbClr r="0" g="0" b="0"/>
+          </a:lnRef>
+          <a:fillRef idx="0">
+            <a:scrgbClr r="0" g="0" b="0"/>
+          </a:fillRef>
+          <a:effectRef idx="0">
+            <a:scrgbClr r="0" g="0" b="0"/>
+          </a:effectRef>
+          <a:fontRef idx="minor">
+            <a:schemeClr val="tx1"/>
+          </a:fontRef>
+        </p:style>
+      </p:cxnSp>
+      <p:cxnSp>
+        <p:nvCxnSpPr>
+          <p:cNvPr id="23" name="Straight Connector 22">
+            <a:extLst>
+              <a:ext uri="{FF2B5EF4-FFF2-40B4-BE49-F238E27FC236}">
+                <a16:creationId xmlns:a16="http://schemas.microsoft.com/office/drawing/2014/main" id="{BEF4BAA7-236E-8EFA-07A1-27C8D1D9C157}"/>
+              </a:ext>
+            </a:extLst>
+          </p:cNvPr>
+          <p:cNvCxnSpPr>
+            <a:cxnSpLocks/>
+          </p:cNvCxnSpPr>
+          <p:nvPr/>
+        </p:nvCxnSpPr>
+        <p:spPr>
+          <a:xfrm>
+            <a:off x="5857515" y="3622909"/>
+            <a:ext cx="0" cy="2463800"/>
+          </a:xfrm>
+          <a:prstGeom prst="line">
+            <a:avLst/>
+          </a:prstGeom>
+          <a:ln w="19050" cap="flat" cmpd="sng" algn="ctr">
+            <a:solidFill>
+              <a:schemeClr val="accent6"/>
+            </a:solidFill>
+            <a:prstDash val="dash"/>
+            <a:round/>
+            <a:headEnd type="none" w="med" len="med"/>
+            <a:tailEnd type="none" w="med" len="med"/>
+          </a:ln>
+        </p:spPr>
+        <p:style>
+          <a:lnRef idx="0">
+            <a:scrgbClr r="0" g="0" b="0"/>
+          </a:lnRef>
+          <a:fillRef idx="0">
+            <a:scrgbClr r="0" g="0" b="0"/>
+          </a:fillRef>
+          <a:effectRef idx="0">
+            <a:scrgbClr r="0" g="0" b="0"/>
+          </a:effectRef>
+          <a:fontRef idx="minor">
+            <a:schemeClr val="tx1"/>
+          </a:fontRef>
+        </p:style>
+      </p:cxnSp>
+      <p:cxnSp>
+        <p:nvCxnSpPr>
+          <p:cNvPr id="24" name="Straight Connector 23">
+            <a:extLst>
+              <a:ext uri="{FF2B5EF4-FFF2-40B4-BE49-F238E27FC236}">
+                <a16:creationId xmlns:a16="http://schemas.microsoft.com/office/drawing/2014/main" id="{9A26F139-C1DF-5235-3E09-B983A5DA302A}"/>
+              </a:ext>
+            </a:extLst>
+          </p:cNvPr>
+          <p:cNvCxnSpPr>
+            <a:cxnSpLocks/>
+          </p:cNvCxnSpPr>
+          <p:nvPr/>
+        </p:nvCxnSpPr>
+        <p:spPr>
+          <a:xfrm>
+            <a:off x="6288341" y="3623797"/>
+            <a:ext cx="0" cy="2463800"/>
+          </a:xfrm>
+          <a:prstGeom prst="line">
+            <a:avLst/>
+          </a:prstGeom>
+          <a:ln w="19050" cap="flat" cmpd="sng" algn="ctr">
+            <a:solidFill>
+              <a:schemeClr val="accent6"/>
+            </a:solidFill>
+            <a:prstDash val="dash"/>
+            <a:round/>
+            <a:headEnd type="none" w="med" len="med"/>
+            <a:tailEnd type="none" w="med" len="med"/>
+          </a:ln>
+        </p:spPr>
+        <p:style>
+          <a:lnRef idx="0">
+            <a:scrgbClr r="0" g="0" b="0"/>
+          </a:lnRef>
+          <a:fillRef idx="0">
+            <a:scrgbClr r="0" g="0" b="0"/>
+          </a:fillRef>
+          <a:effectRef idx="0">
+            <a:scrgbClr r="0" g="0" b="0"/>
+          </a:effectRef>
+          <a:fontRef idx="minor">
+            <a:schemeClr val="tx1"/>
+          </a:fontRef>
+        </p:style>
+      </p:cxnSp>
+      <p:cxnSp>
+        <p:nvCxnSpPr>
+          <p:cNvPr id="26" name="Straight Connector 25">
+            <a:extLst>
+              <a:ext uri="{FF2B5EF4-FFF2-40B4-BE49-F238E27FC236}">
+                <a16:creationId xmlns:a16="http://schemas.microsoft.com/office/drawing/2014/main" id="{AEFD80B6-353F-6FAD-7869-085074F5224F}"/>
+              </a:ext>
+            </a:extLst>
+          </p:cNvPr>
+          <p:cNvCxnSpPr>
+            <a:cxnSpLocks/>
+          </p:cNvCxnSpPr>
+          <p:nvPr/>
+        </p:nvCxnSpPr>
+        <p:spPr>
+          <a:xfrm>
+            <a:off x="6720893" y="3611097"/>
+            <a:ext cx="0" cy="2463800"/>
+          </a:xfrm>
+          <a:prstGeom prst="line">
+            <a:avLst/>
+          </a:prstGeom>
+          <a:ln w="19050" cap="flat" cmpd="sng" algn="ctr">
+            <a:solidFill>
+              <a:schemeClr val="accent6"/>
+            </a:solidFill>
+            <a:prstDash val="dash"/>
+            <a:round/>
+            <a:headEnd type="none" w="med" len="med"/>
+            <a:tailEnd type="none" w="med" len="med"/>
+          </a:ln>
+        </p:spPr>
+        <p:style>
+          <a:lnRef idx="0">
+            <a:scrgbClr r="0" g="0" b="0"/>
+          </a:lnRef>
+          <a:fillRef idx="0">
+            <a:scrgbClr r="0" g="0" b="0"/>
+          </a:fillRef>
+          <a:effectRef idx="0">
+            <a:scrgbClr r="0" g="0" b="0"/>
+          </a:effectRef>
+          <a:fontRef idx="minor">
+            <a:schemeClr val="tx1"/>
+          </a:fontRef>
+        </p:style>
+      </p:cxnSp>
+      <p:cxnSp>
+        <p:nvCxnSpPr>
+          <p:cNvPr id="27" name="Straight Connector 26">
+            <a:extLst>
+              <a:ext uri="{FF2B5EF4-FFF2-40B4-BE49-F238E27FC236}">
+                <a16:creationId xmlns:a16="http://schemas.microsoft.com/office/drawing/2014/main" id="{E8578E1F-4101-BA04-07F1-6F1671BD4295}"/>
+              </a:ext>
+            </a:extLst>
+          </p:cNvPr>
+          <p:cNvCxnSpPr>
+            <a:cxnSpLocks/>
+          </p:cNvCxnSpPr>
+          <p:nvPr/>
+        </p:nvCxnSpPr>
+        <p:spPr>
+          <a:xfrm>
+            <a:off x="7156904" y="3611097"/>
+            <a:ext cx="0" cy="2463800"/>
+          </a:xfrm>
+          <a:prstGeom prst="line">
+            <a:avLst/>
+          </a:prstGeom>
+          <a:ln w="19050" cap="flat" cmpd="sng" algn="ctr">
+            <a:solidFill>
+              <a:schemeClr val="accent6"/>
+            </a:solidFill>
+            <a:prstDash val="dash"/>
+            <a:round/>
+            <a:headEnd type="none" w="med" len="med"/>
+            <a:tailEnd type="none" w="med" len="med"/>
+          </a:ln>
+        </p:spPr>
+        <p:style>
+          <a:lnRef idx="0">
+            <a:scrgbClr r="0" g="0" b="0"/>
+          </a:lnRef>
+          <a:fillRef idx="0">
+            <a:scrgbClr r="0" g="0" b="0"/>
+          </a:fillRef>
+          <a:effectRef idx="0">
+            <a:scrgbClr r="0" g="0" b="0"/>
+          </a:effectRef>
+          <a:fontRef idx="minor">
+            <a:schemeClr val="tx1"/>
+          </a:fontRef>
+        </p:style>
+      </p:cxnSp>
+      <p:cxnSp>
+        <p:nvCxnSpPr>
+          <p:cNvPr id="32" name="Straight Connector 31">
+            <a:extLst>
+              <a:ext uri="{FF2B5EF4-FFF2-40B4-BE49-F238E27FC236}">
+                <a16:creationId xmlns:a16="http://schemas.microsoft.com/office/drawing/2014/main" id="{8515EDE6-A0DE-5165-8C2A-9213270E2EA3}"/>
+              </a:ext>
+            </a:extLst>
+          </p:cNvPr>
+          <p:cNvCxnSpPr>
+            <a:cxnSpLocks/>
+          </p:cNvCxnSpPr>
+          <p:nvPr/>
+        </p:nvCxnSpPr>
+        <p:spPr>
+          <a:xfrm>
+            <a:off x="7591330" y="3619034"/>
+            <a:ext cx="0" cy="2463800"/>
+          </a:xfrm>
+          <a:prstGeom prst="line">
+            <a:avLst/>
+          </a:prstGeom>
+          <a:ln w="19050" cap="flat" cmpd="sng" algn="ctr">
+            <a:solidFill>
+              <a:schemeClr val="accent6"/>
+            </a:solidFill>
+            <a:prstDash val="dash"/>
+            <a:round/>
+            <a:headEnd type="none" w="med" len="med"/>
+            <a:tailEnd type="none" w="med" len="med"/>
+          </a:ln>
+        </p:spPr>
+        <p:style>
+          <a:lnRef idx="0">
+            <a:scrgbClr r="0" g="0" b="0"/>
+          </a:lnRef>
+          <a:fillRef idx="0">
+            <a:scrgbClr r="0" g="0" b="0"/>
+          </a:fillRef>
+          <a:effectRef idx="0">
+            <a:scrgbClr r="0" g="0" b="0"/>
+          </a:effectRef>
+          <a:fontRef idx="minor">
+            <a:schemeClr val="tx1"/>
+          </a:fontRef>
+        </p:style>
+      </p:cxnSp>
+      <p:cxnSp>
+        <p:nvCxnSpPr>
+          <p:cNvPr id="34" name="Straight Connector 33">
+            <a:extLst>
+              <a:ext uri="{FF2B5EF4-FFF2-40B4-BE49-F238E27FC236}">
+                <a16:creationId xmlns:a16="http://schemas.microsoft.com/office/drawing/2014/main" id="{7453B8D2-FAB9-E952-D893-C61BA97FE2C2}"/>
+              </a:ext>
+            </a:extLst>
+          </p:cNvPr>
+          <p:cNvCxnSpPr>
+            <a:cxnSpLocks/>
+          </p:cNvCxnSpPr>
+          <p:nvPr/>
+        </p:nvCxnSpPr>
+        <p:spPr>
+          <a:xfrm>
+            <a:off x="8023882" y="3606334"/>
+            <a:ext cx="0" cy="2463800"/>
+          </a:xfrm>
+          <a:prstGeom prst="line">
+            <a:avLst/>
+          </a:prstGeom>
+          <a:ln w="19050" cap="flat" cmpd="sng" algn="ctr">
+            <a:solidFill>
+              <a:schemeClr val="accent6"/>
+            </a:solidFill>
+            <a:prstDash val="dash"/>
+            <a:round/>
+            <a:headEnd type="none" w="med" len="med"/>
+            <a:tailEnd type="none" w="med" len="med"/>
+          </a:ln>
+        </p:spPr>
+        <p:style>
+          <a:lnRef idx="0">
+            <a:scrgbClr r="0" g="0" b="0"/>
+          </a:lnRef>
+          <a:fillRef idx="0">
+            <a:scrgbClr r="0" g="0" b="0"/>
+          </a:fillRef>
+          <a:effectRef idx="0">
+            <a:scrgbClr r="0" g="0" b="0"/>
+          </a:effectRef>
+          <a:fontRef idx="minor">
+            <a:schemeClr val="tx1"/>
+          </a:fontRef>
+        </p:style>
+      </p:cxnSp>
+      <p:cxnSp>
+        <p:nvCxnSpPr>
+          <p:cNvPr id="35" name="Straight Connector 34">
+            <a:extLst>
+              <a:ext uri="{FF2B5EF4-FFF2-40B4-BE49-F238E27FC236}">
+                <a16:creationId xmlns:a16="http://schemas.microsoft.com/office/drawing/2014/main" id="{557916BD-7F02-66F5-C3C7-E2040C3BD7DD}"/>
+              </a:ext>
+            </a:extLst>
+          </p:cNvPr>
+          <p:cNvCxnSpPr>
+            <a:cxnSpLocks/>
+          </p:cNvCxnSpPr>
+          <p:nvPr/>
+        </p:nvCxnSpPr>
+        <p:spPr>
+          <a:xfrm>
+            <a:off x="8459893" y="3606334"/>
+            <a:ext cx="0" cy="2463800"/>
+          </a:xfrm>
+          <a:prstGeom prst="line">
+            <a:avLst/>
+          </a:prstGeom>
+          <a:ln w="19050" cap="flat" cmpd="sng" algn="ctr">
+            <a:solidFill>
+              <a:schemeClr val="accent6"/>
+            </a:solidFill>
+            <a:prstDash val="dash"/>
+            <a:round/>
+            <a:headEnd type="none" w="med" len="med"/>
+            <a:tailEnd type="none" w="med" len="med"/>
+          </a:ln>
+        </p:spPr>
+        <p:style>
+          <a:lnRef idx="0">
+            <a:scrgbClr r="0" g="0" b="0"/>
+          </a:lnRef>
+          <a:fillRef idx="0">
+            <a:scrgbClr r="0" g="0" b="0"/>
+          </a:fillRef>
+          <a:effectRef idx="0">
+            <a:scrgbClr r="0" g="0" b="0"/>
+          </a:effectRef>
+          <a:fontRef idx="minor">
+            <a:schemeClr val="tx1"/>
+          </a:fontRef>
+        </p:style>
+      </p:cxnSp>
+      <p:cxnSp>
+        <p:nvCxnSpPr>
+          <p:cNvPr id="36" name="Straight Connector 35">
+            <a:extLst>
+              <a:ext uri="{FF2B5EF4-FFF2-40B4-BE49-F238E27FC236}">
+                <a16:creationId xmlns:a16="http://schemas.microsoft.com/office/drawing/2014/main" id="{2F91FFD8-DF7E-72E6-45B7-EC3794D7206D}"/>
+              </a:ext>
+            </a:extLst>
+          </p:cNvPr>
+          <p:cNvCxnSpPr>
+            <a:cxnSpLocks/>
+          </p:cNvCxnSpPr>
+          <p:nvPr/>
+        </p:nvCxnSpPr>
+        <p:spPr>
+          <a:xfrm>
+            <a:off x="8886113" y="3603159"/>
+            <a:ext cx="0" cy="2463800"/>
+          </a:xfrm>
+          <a:prstGeom prst="line">
+            <a:avLst/>
+          </a:prstGeom>
+          <a:ln w="19050" cap="flat" cmpd="sng" algn="ctr">
+            <a:solidFill>
+              <a:schemeClr val="accent6"/>
+            </a:solidFill>
+            <a:prstDash val="dash"/>
+            <a:round/>
+            <a:headEnd type="none" w="med" len="med"/>
+            <a:tailEnd type="none" w="med" len="med"/>
+          </a:ln>
+        </p:spPr>
+        <p:style>
+          <a:lnRef idx="0">
+            <a:scrgbClr r="0" g="0" b="0"/>
+          </a:lnRef>
+          <a:fillRef idx="0">
+            <a:scrgbClr r="0" g="0" b="0"/>
+          </a:fillRef>
+          <a:effectRef idx="0">
+            <a:scrgbClr r="0" g="0" b="0"/>
+          </a:effectRef>
+          <a:fontRef idx="minor">
+            <a:schemeClr val="tx1"/>
+          </a:fontRef>
+        </p:style>
+      </p:cxnSp>
+      <p:cxnSp>
+        <p:nvCxnSpPr>
+          <p:cNvPr id="37" name="Straight Connector 36">
+            <a:extLst>
+              <a:ext uri="{FF2B5EF4-FFF2-40B4-BE49-F238E27FC236}">
+                <a16:creationId xmlns:a16="http://schemas.microsoft.com/office/drawing/2014/main" id="{5398A053-DBCD-90D4-B41C-ED57DC6D8345}"/>
+              </a:ext>
+            </a:extLst>
+          </p:cNvPr>
+          <p:cNvCxnSpPr>
+            <a:cxnSpLocks/>
+          </p:cNvCxnSpPr>
+          <p:nvPr/>
+        </p:nvCxnSpPr>
+        <p:spPr>
+          <a:xfrm>
+            <a:off x="9318665" y="3590459"/>
+            <a:ext cx="0" cy="2463800"/>
+          </a:xfrm>
+          <a:prstGeom prst="line">
+            <a:avLst/>
+          </a:prstGeom>
+          <a:ln w="19050" cap="flat" cmpd="sng" algn="ctr">
+            <a:solidFill>
+              <a:schemeClr val="accent6"/>
+            </a:solidFill>
+            <a:prstDash val="dash"/>
+            <a:round/>
+            <a:headEnd type="none" w="med" len="med"/>
+            <a:tailEnd type="none" w="med" len="med"/>
+          </a:ln>
+        </p:spPr>
+        <p:style>
+          <a:lnRef idx="0">
+            <a:scrgbClr r="0" g="0" b="0"/>
+          </a:lnRef>
+          <a:fillRef idx="0">
+            <a:scrgbClr r="0" g="0" b="0"/>
+          </a:fillRef>
+          <a:effectRef idx="0">
+            <a:scrgbClr r="0" g="0" b="0"/>
+          </a:effectRef>
+          <a:fontRef idx="minor">
+            <a:schemeClr val="tx1"/>
+          </a:fontRef>
+        </p:style>
+      </p:cxnSp>
+      <p:sp>
+        <p:nvSpPr>
+          <p:cNvPr id="39" name="TextBox 38">
+            <a:extLst>
+              <a:ext uri="{FF2B5EF4-FFF2-40B4-BE49-F238E27FC236}">
+                <a16:creationId xmlns:a16="http://schemas.microsoft.com/office/drawing/2014/main" id="{FF53D613-7E6D-CBAE-D80C-255AFDF696BC}"/>
+              </a:ext>
+            </a:extLst>
+          </p:cNvPr>
+          <p:cNvSpPr txBox="1"/>
+          <p:nvPr/>
+        </p:nvSpPr>
+        <p:spPr>
+          <a:xfrm>
+            <a:off x="3508165" y="2915774"/>
+            <a:ext cx="375424" cy="246221"/>
+          </a:xfrm>
+          <a:prstGeom prst="rect">
+            <a:avLst/>
+          </a:prstGeom>
+          <a:noFill/>
+        </p:spPr>
+        <p:txBody>
+          <a:bodyPr wrap="none" rtlCol="0">
+            <a:spAutoFit/>
+          </a:bodyPr>
+          <a:lstStyle/>
+          <a:p>
+            <a:r>
+              <a:rPr lang="en-US" sz="1000" dirty="0"/>
+              <a:t>0ns</a:t>
+            </a:r>
+          </a:p>
+        </p:txBody>
+      </p:sp>
+      <p:sp>
+        <p:nvSpPr>
+          <p:cNvPr id="41" name="TextBox 40">
+            <a:extLst>
+              <a:ext uri="{FF2B5EF4-FFF2-40B4-BE49-F238E27FC236}">
+                <a16:creationId xmlns:a16="http://schemas.microsoft.com/office/drawing/2014/main" id="{01D846AD-0042-89CD-C822-E8F44AABD027}"/>
+              </a:ext>
+            </a:extLst>
+          </p:cNvPr>
+          <p:cNvSpPr txBox="1"/>
+          <p:nvPr/>
+        </p:nvSpPr>
+        <p:spPr>
+          <a:xfrm>
+            <a:off x="4365437" y="2912419"/>
+            <a:ext cx="375424" cy="246221"/>
+          </a:xfrm>
+          <a:prstGeom prst="rect">
+            <a:avLst/>
+          </a:prstGeom>
+          <a:noFill/>
+        </p:spPr>
+        <p:txBody>
+          <a:bodyPr wrap="none" rtlCol="0">
+            <a:spAutoFit/>
+          </a:bodyPr>
+          <a:lstStyle/>
+          <a:p>
+            <a:r>
+              <a:rPr lang="en-US" sz="1000" dirty="0"/>
+              <a:t>2ns</a:t>
+            </a:r>
+          </a:p>
+        </p:txBody>
+      </p:sp>
+      <p:sp>
+        <p:nvSpPr>
+          <p:cNvPr id="42" name="TextBox 41">
+            <a:extLst>
+              <a:ext uri="{FF2B5EF4-FFF2-40B4-BE49-F238E27FC236}">
+                <a16:creationId xmlns:a16="http://schemas.microsoft.com/office/drawing/2014/main" id="{6EA40C9C-997C-C963-3E74-AA2E44455B83}"/>
+              </a:ext>
+            </a:extLst>
+          </p:cNvPr>
+          <p:cNvSpPr txBox="1"/>
+          <p:nvPr/>
+        </p:nvSpPr>
+        <p:spPr>
+          <a:xfrm>
+            <a:off x="5222691" y="2912419"/>
+            <a:ext cx="375424" cy="246221"/>
+          </a:xfrm>
+          <a:prstGeom prst="rect">
+            <a:avLst/>
+          </a:prstGeom>
+          <a:noFill/>
+        </p:spPr>
+        <p:txBody>
+          <a:bodyPr wrap="none" rtlCol="0">
+            <a:spAutoFit/>
+          </a:bodyPr>
+          <a:lstStyle/>
+          <a:p>
+            <a:r>
+              <a:rPr lang="en-US" sz="1000" dirty="0"/>
+              <a:t>4ns</a:t>
+            </a:r>
+          </a:p>
+        </p:txBody>
+      </p:sp>
+      <p:sp>
+        <p:nvSpPr>
+          <p:cNvPr id="45" name="TextBox 44">
+            <a:extLst>
+              <a:ext uri="{FF2B5EF4-FFF2-40B4-BE49-F238E27FC236}">
+                <a16:creationId xmlns:a16="http://schemas.microsoft.com/office/drawing/2014/main" id="{90DE322C-362C-D4BF-67FD-ED215AEB7AC3}"/>
+              </a:ext>
+            </a:extLst>
+          </p:cNvPr>
+          <p:cNvSpPr txBox="1"/>
+          <p:nvPr/>
+        </p:nvSpPr>
+        <p:spPr>
+          <a:xfrm>
+            <a:off x="6080635" y="2912419"/>
+            <a:ext cx="375424" cy="246221"/>
+          </a:xfrm>
+          <a:prstGeom prst="rect">
+            <a:avLst/>
+          </a:prstGeom>
+          <a:noFill/>
+        </p:spPr>
+        <p:txBody>
+          <a:bodyPr wrap="none" rtlCol="0">
+            <a:spAutoFit/>
+          </a:bodyPr>
+          <a:lstStyle/>
+          <a:p>
+            <a:r>
+              <a:rPr lang="en-US" sz="1000" dirty="0"/>
+              <a:t>6ns</a:t>
+            </a:r>
+          </a:p>
+        </p:txBody>
+      </p:sp>
+      <p:sp>
+        <p:nvSpPr>
+          <p:cNvPr id="46" name="TextBox 45">
+            <a:extLst>
+              <a:ext uri="{FF2B5EF4-FFF2-40B4-BE49-F238E27FC236}">
+                <a16:creationId xmlns:a16="http://schemas.microsoft.com/office/drawing/2014/main" id="{DD255145-CEB5-3637-B6C2-DC2BEF356E3D}"/>
+              </a:ext>
+            </a:extLst>
+          </p:cNvPr>
+          <p:cNvSpPr txBox="1"/>
+          <p:nvPr/>
+        </p:nvSpPr>
+        <p:spPr>
+          <a:xfrm>
+            <a:off x="6949383" y="2916987"/>
+            <a:ext cx="375424" cy="246221"/>
+          </a:xfrm>
+          <a:prstGeom prst="rect">
+            <a:avLst/>
+          </a:prstGeom>
+          <a:noFill/>
+        </p:spPr>
+        <p:txBody>
+          <a:bodyPr wrap="none" rtlCol="0">
+            <a:spAutoFit/>
+          </a:bodyPr>
+          <a:lstStyle/>
+          <a:p>
+            <a:r>
+              <a:rPr lang="en-US" sz="1000" dirty="0"/>
+              <a:t>8ns</a:t>
+            </a:r>
+          </a:p>
+        </p:txBody>
+      </p:sp>
+      <p:sp>
+        <p:nvSpPr>
+          <p:cNvPr id="2" name="TextBox 42">
+            <a:extLst>
+              <a:ext uri="{FF2B5EF4-FFF2-40B4-BE49-F238E27FC236}">
+                <a16:creationId xmlns:a16="http://schemas.microsoft.com/office/drawing/2014/main" id="{260AE7FA-C5AA-C612-0054-66B08A3CB25B}"/>
+              </a:ext>
+            </a:extLst>
+          </p:cNvPr>
+          <p:cNvSpPr txBox="1"/>
+          <p:nvPr/>
+        </p:nvSpPr>
+        <p:spPr>
+          <a:xfrm>
+            <a:off x="2823742" y="3724110"/>
+            <a:ext cx="684803" cy="369332"/>
+          </a:xfrm>
+          <a:prstGeom prst="rect">
+            <a:avLst/>
+          </a:prstGeom>
+          <a:noFill/>
+        </p:spPr>
+        <p:txBody>
+          <a:bodyPr wrap="none" rtlCol="0">
+            <a:spAutoFit/>
+          </a:bodyPr>
+          <a:lstStyle/>
+          <a:p>
+            <a:r>
+              <a:rPr lang="en-US" dirty="0"/>
+              <a:t>E</a:t>
+            </a:r>
+            <a:r>
+              <a:rPr lang="en-US" altLang="zh-CN" dirty="0"/>
+              <a:t>dge</a:t>
+            </a:r>
+            <a:endParaRPr lang="en-US" dirty="0"/>
+          </a:p>
+        </p:txBody>
+      </p:sp>
+      <p:sp>
+        <p:nvSpPr>
+          <p:cNvPr id="5" name="TextBox 4">
+            <a:extLst>
+              <a:ext uri="{FF2B5EF4-FFF2-40B4-BE49-F238E27FC236}">
+                <a16:creationId xmlns:a16="http://schemas.microsoft.com/office/drawing/2014/main" id="{E1BB83B3-3281-31FC-EA56-2F9CDA06A572}"/>
+              </a:ext>
+            </a:extLst>
+          </p:cNvPr>
+          <p:cNvSpPr txBox="1"/>
+          <p:nvPr/>
+        </p:nvSpPr>
+        <p:spPr>
+          <a:xfrm>
+            <a:off x="3657940" y="3814565"/>
+            <a:ext cx="251992" cy="246221"/>
+          </a:xfrm>
+          <a:prstGeom prst="rect">
+            <a:avLst/>
+          </a:prstGeom>
+          <a:noFill/>
+        </p:spPr>
+        <p:txBody>
+          <a:bodyPr wrap="none" rtlCol="0">
+            <a:spAutoFit/>
+          </a:bodyPr>
+          <a:lstStyle/>
+          <a:p>
+            <a:r>
+              <a:rPr lang="en-US" sz="1000" dirty="0"/>
+              <a:t>1</a:t>
+            </a:r>
+          </a:p>
+        </p:txBody>
+      </p:sp>
+      <p:sp>
+        <p:nvSpPr>
+          <p:cNvPr id="6" name="TextBox 5">
+            <a:extLst>
+              <a:ext uri="{FF2B5EF4-FFF2-40B4-BE49-F238E27FC236}">
+                <a16:creationId xmlns:a16="http://schemas.microsoft.com/office/drawing/2014/main" id="{71DD869C-361D-3E76-7DA5-DC1AEE62D318}"/>
+              </a:ext>
+            </a:extLst>
+          </p:cNvPr>
+          <p:cNvSpPr txBox="1"/>
+          <p:nvPr/>
+        </p:nvSpPr>
+        <p:spPr>
+          <a:xfrm>
+            <a:off x="4085157" y="3814565"/>
+            <a:ext cx="251992" cy="246221"/>
+          </a:xfrm>
+          <a:prstGeom prst="rect">
+            <a:avLst/>
+          </a:prstGeom>
+          <a:noFill/>
+        </p:spPr>
+        <p:txBody>
+          <a:bodyPr wrap="none" rtlCol="0">
+            <a:spAutoFit/>
+          </a:bodyPr>
+          <a:lstStyle/>
+          <a:p>
+            <a:r>
+              <a:rPr lang="en-US" sz="1000" dirty="0"/>
+              <a:t>2</a:t>
+            </a:r>
+          </a:p>
+        </p:txBody>
+      </p:sp>
+      <p:sp>
+        <p:nvSpPr>
+          <p:cNvPr id="8" name="TextBox 7">
+            <a:extLst>
+              <a:ext uri="{FF2B5EF4-FFF2-40B4-BE49-F238E27FC236}">
+                <a16:creationId xmlns:a16="http://schemas.microsoft.com/office/drawing/2014/main" id="{CC758FB3-CFEF-8E75-40FF-BA1D3A9D9E12}"/>
+              </a:ext>
+            </a:extLst>
+          </p:cNvPr>
+          <p:cNvSpPr txBox="1"/>
+          <p:nvPr/>
+        </p:nvSpPr>
+        <p:spPr>
+          <a:xfrm>
+            <a:off x="4521940" y="3812625"/>
+            <a:ext cx="251992" cy="246221"/>
+          </a:xfrm>
+          <a:prstGeom prst="rect">
+            <a:avLst/>
+          </a:prstGeom>
+          <a:noFill/>
+        </p:spPr>
+        <p:txBody>
+          <a:bodyPr wrap="none" rtlCol="0">
+            <a:spAutoFit/>
+          </a:bodyPr>
+          <a:lstStyle/>
+          <a:p>
+            <a:r>
+              <a:rPr lang="en-US" sz="1000" dirty="0"/>
+              <a:t>3</a:t>
+            </a:r>
+          </a:p>
+        </p:txBody>
+      </p:sp>
+      <p:sp>
+        <p:nvSpPr>
+          <p:cNvPr id="18" name="TextBox 17">
+            <a:extLst>
+              <a:ext uri="{FF2B5EF4-FFF2-40B4-BE49-F238E27FC236}">
+                <a16:creationId xmlns:a16="http://schemas.microsoft.com/office/drawing/2014/main" id="{6077C86E-91CA-C0F0-42AC-6E2DA1471FEF}"/>
+              </a:ext>
+            </a:extLst>
+          </p:cNvPr>
+          <p:cNvSpPr txBox="1"/>
+          <p:nvPr/>
+        </p:nvSpPr>
+        <p:spPr>
+          <a:xfrm>
+            <a:off x="4949157" y="3812625"/>
+            <a:ext cx="251992" cy="246221"/>
+          </a:xfrm>
+          <a:prstGeom prst="rect">
+            <a:avLst/>
+          </a:prstGeom>
+          <a:noFill/>
+        </p:spPr>
+        <p:txBody>
+          <a:bodyPr wrap="none" rtlCol="0">
+            <a:spAutoFit/>
+          </a:bodyPr>
+          <a:lstStyle/>
+          <a:p>
+            <a:r>
+              <a:rPr lang="en-US" sz="1000" dirty="0"/>
+              <a:t>4</a:t>
+            </a:r>
+          </a:p>
+        </p:txBody>
+      </p:sp>
+      <p:sp>
+        <p:nvSpPr>
+          <p:cNvPr id="29" name="TextBox 28">
+            <a:extLst>
+              <a:ext uri="{FF2B5EF4-FFF2-40B4-BE49-F238E27FC236}">
+                <a16:creationId xmlns:a16="http://schemas.microsoft.com/office/drawing/2014/main" id="{23480347-774C-0506-BB51-BFBCE84E9964}"/>
+              </a:ext>
+            </a:extLst>
+          </p:cNvPr>
+          <p:cNvSpPr txBox="1"/>
+          <p:nvPr/>
+        </p:nvSpPr>
+        <p:spPr>
+          <a:xfrm>
+            <a:off x="5375174" y="3812288"/>
+            <a:ext cx="251992" cy="246221"/>
+          </a:xfrm>
+          <a:prstGeom prst="rect">
+            <a:avLst/>
+          </a:prstGeom>
+          <a:noFill/>
+        </p:spPr>
+        <p:txBody>
+          <a:bodyPr wrap="none" rtlCol="0">
+            <a:spAutoFit/>
+          </a:bodyPr>
+          <a:lstStyle/>
+          <a:p>
+            <a:r>
+              <a:rPr lang="en-US" sz="1000" dirty="0"/>
+              <a:t>5</a:t>
+            </a:r>
+          </a:p>
+        </p:txBody>
+      </p:sp>
+      <p:sp>
+        <p:nvSpPr>
+          <p:cNvPr id="38" name="TextBox 37">
+            <a:extLst>
+              <a:ext uri="{FF2B5EF4-FFF2-40B4-BE49-F238E27FC236}">
+                <a16:creationId xmlns:a16="http://schemas.microsoft.com/office/drawing/2014/main" id="{19985E33-E760-D2FB-03B7-2A8B651E562D}"/>
+              </a:ext>
+            </a:extLst>
+          </p:cNvPr>
+          <p:cNvSpPr txBox="1"/>
+          <p:nvPr/>
+        </p:nvSpPr>
+        <p:spPr>
+          <a:xfrm>
+            <a:off x="5811957" y="3812288"/>
+            <a:ext cx="251992" cy="246221"/>
+          </a:xfrm>
+          <a:prstGeom prst="rect">
+            <a:avLst/>
+          </a:prstGeom>
+          <a:noFill/>
+        </p:spPr>
+        <p:txBody>
+          <a:bodyPr wrap="none" rtlCol="0">
+            <a:spAutoFit/>
+          </a:bodyPr>
+          <a:lstStyle/>
+          <a:p>
+            <a:r>
+              <a:rPr lang="en-US" sz="1000" dirty="0"/>
+              <a:t>6</a:t>
+            </a:r>
+          </a:p>
+        </p:txBody>
+      </p:sp>
+      <p:sp>
+        <p:nvSpPr>
+          <p:cNvPr id="47" name="TextBox 46">
+            <a:extLst>
+              <a:ext uri="{FF2B5EF4-FFF2-40B4-BE49-F238E27FC236}">
+                <a16:creationId xmlns:a16="http://schemas.microsoft.com/office/drawing/2014/main" id="{2C723902-5F75-D844-5A43-7A2BBFCB0D8B}"/>
+              </a:ext>
+            </a:extLst>
+          </p:cNvPr>
+          <p:cNvSpPr txBox="1"/>
+          <p:nvPr/>
+        </p:nvSpPr>
+        <p:spPr>
+          <a:xfrm>
+            <a:off x="6248740" y="3814564"/>
+            <a:ext cx="251992" cy="246221"/>
+          </a:xfrm>
+          <a:prstGeom prst="rect">
+            <a:avLst/>
+          </a:prstGeom>
+          <a:noFill/>
+        </p:spPr>
+        <p:txBody>
+          <a:bodyPr wrap="none" rtlCol="0">
+            <a:spAutoFit/>
+          </a:bodyPr>
+          <a:lstStyle/>
+          <a:p>
+            <a:r>
+              <a:rPr lang="en-US" sz="1000" dirty="0"/>
+              <a:t>7</a:t>
+            </a:r>
+          </a:p>
+        </p:txBody>
+      </p:sp>
+      <p:sp>
+        <p:nvSpPr>
+          <p:cNvPr id="48" name="TextBox 47">
+            <a:extLst>
+              <a:ext uri="{FF2B5EF4-FFF2-40B4-BE49-F238E27FC236}">
+                <a16:creationId xmlns:a16="http://schemas.microsoft.com/office/drawing/2014/main" id="{50304840-E4B3-6264-CBC3-05AB5D6EACE0}"/>
+              </a:ext>
+            </a:extLst>
+          </p:cNvPr>
+          <p:cNvSpPr txBox="1"/>
+          <p:nvPr/>
+        </p:nvSpPr>
+        <p:spPr>
+          <a:xfrm>
+            <a:off x="6675957" y="3814564"/>
+            <a:ext cx="251992" cy="246221"/>
+          </a:xfrm>
+          <a:prstGeom prst="rect">
+            <a:avLst/>
+          </a:prstGeom>
+          <a:noFill/>
+        </p:spPr>
+        <p:txBody>
+          <a:bodyPr wrap="none" rtlCol="0">
+            <a:spAutoFit/>
+          </a:bodyPr>
+          <a:lstStyle/>
+          <a:p>
+            <a:r>
+              <a:rPr lang="en-US" sz="1000" dirty="0"/>
+              <a:t>8</a:t>
+            </a:r>
+          </a:p>
+        </p:txBody>
+      </p:sp>
     </p:spTree>
     <p:extLst>
       <p:ext uri="{BB962C8B-B14F-4D97-AF65-F5344CB8AC3E}">
         <p14:creationId xmlns:p14="http://schemas.microsoft.com/office/powerpoint/2010/main" val="2433470266"/>
+      </p:ext>
+    </p:extLst>
+  </p:cSld>
+  <p:clrMapOvr>
+    <a:masterClrMapping/>
+  </p:clrMapOvr>
+</p:sld>
+</file>
+
+<file path=ppt/slides/slide15.xml><?xml version="1.0" encoding="utf-8"?>
+<p:sld xmlns:a="http://schemas.openxmlformats.org/drawingml/2006/main" xmlns:r="http://schemas.openxmlformats.org/officeDocument/2006/relationships" xmlns:p="http://schemas.openxmlformats.org/presentationml/2006/main">
+  <p:cSld>
+    <p:spTree>
+      <p:nvGrpSpPr>
+        <p:cNvPr id="1" name="">
+          <a:extLst>
+            <a:ext uri="{FF2B5EF4-FFF2-40B4-BE49-F238E27FC236}">
+              <a16:creationId xmlns:a16="http://schemas.microsoft.com/office/drawing/2014/main" id="{E9B78AD0-B407-221A-E6B0-D4081D1FA3CD}"/>
+            </a:ext>
+          </a:extLst>
+        </p:cNvPr>
+        <p:cNvGrpSpPr/>
+        <p:nvPr/>
+      </p:nvGrpSpPr>
+      <p:grpSpPr>
+        <a:xfrm>
+          <a:off x="0" y="0"/>
+          <a:ext cx="0" cy="0"/>
+          <a:chOff x="0" y="0"/>
+          <a:chExt cx="0" cy="0"/>
+        </a:xfrm>
+      </p:grpSpPr>
+      <p:cxnSp>
+        <p:nvCxnSpPr>
+          <p:cNvPr id="90" name="直线连接符 89">
+            <a:extLst>
+              <a:ext uri="{FF2B5EF4-FFF2-40B4-BE49-F238E27FC236}">
+                <a16:creationId xmlns:a16="http://schemas.microsoft.com/office/drawing/2014/main" id="{B367E3CB-DEB9-4358-CA62-3070466FCED7}"/>
+              </a:ext>
+            </a:extLst>
+          </p:cNvPr>
+          <p:cNvCxnSpPr>
+            <a:cxnSpLocks/>
+          </p:cNvCxnSpPr>
+          <p:nvPr/>
+        </p:nvCxnSpPr>
+        <p:spPr>
+          <a:xfrm>
+            <a:off x="3401065" y="2412737"/>
+            <a:ext cx="0" cy="539827"/>
+          </a:xfrm>
+          <a:prstGeom prst="line">
+            <a:avLst/>
+          </a:prstGeom>
+        </p:spPr>
+        <p:style>
+          <a:lnRef idx="2">
+            <a:schemeClr val="accent1"/>
+          </a:lnRef>
+          <a:fillRef idx="0">
+            <a:schemeClr val="accent1"/>
+          </a:fillRef>
+          <a:effectRef idx="1">
+            <a:schemeClr val="accent1"/>
+          </a:effectRef>
+          <a:fontRef idx="minor">
+            <a:schemeClr val="tx1"/>
+          </a:fontRef>
+        </p:style>
+      </p:cxnSp>
+      <p:cxnSp>
+        <p:nvCxnSpPr>
+          <p:cNvPr id="91" name="直线连接符 90">
+            <a:extLst>
+              <a:ext uri="{FF2B5EF4-FFF2-40B4-BE49-F238E27FC236}">
+                <a16:creationId xmlns:a16="http://schemas.microsoft.com/office/drawing/2014/main" id="{744A730A-0C00-F065-A957-99AE5E9CE635}"/>
+              </a:ext>
+            </a:extLst>
+          </p:cNvPr>
+          <p:cNvCxnSpPr>
+            <a:cxnSpLocks/>
+          </p:cNvCxnSpPr>
+          <p:nvPr/>
+        </p:nvCxnSpPr>
+        <p:spPr>
+          <a:xfrm>
+            <a:off x="3833065" y="2412737"/>
+            <a:ext cx="0" cy="539827"/>
+          </a:xfrm>
+          <a:prstGeom prst="line">
+            <a:avLst/>
+          </a:prstGeom>
+        </p:spPr>
+        <p:style>
+          <a:lnRef idx="2">
+            <a:schemeClr val="accent1"/>
+          </a:lnRef>
+          <a:fillRef idx="0">
+            <a:schemeClr val="accent1"/>
+          </a:fillRef>
+          <a:effectRef idx="1">
+            <a:schemeClr val="accent1"/>
+          </a:effectRef>
+          <a:fontRef idx="minor">
+            <a:schemeClr val="tx1"/>
+          </a:fontRef>
+        </p:style>
+      </p:cxnSp>
+      <p:cxnSp>
+        <p:nvCxnSpPr>
+          <p:cNvPr id="92" name="直线连接符 91">
+            <a:extLst>
+              <a:ext uri="{FF2B5EF4-FFF2-40B4-BE49-F238E27FC236}">
+                <a16:creationId xmlns:a16="http://schemas.microsoft.com/office/drawing/2014/main" id="{1775C7ED-BDA8-6AE3-AAFD-DDF47F6CEB58}"/>
+              </a:ext>
+            </a:extLst>
+          </p:cNvPr>
+          <p:cNvCxnSpPr>
+            <a:cxnSpLocks/>
+          </p:cNvCxnSpPr>
+          <p:nvPr/>
+        </p:nvCxnSpPr>
+        <p:spPr>
+          <a:xfrm>
+            <a:off x="4265065" y="2412737"/>
+            <a:ext cx="0" cy="539827"/>
+          </a:xfrm>
+          <a:prstGeom prst="line">
+            <a:avLst/>
+          </a:prstGeom>
+        </p:spPr>
+        <p:style>
+          <a:lnRef idx="2">
+            <a:schemeClr val="accent1"/>
+          </a:lnRef>
+          <a:fillRef idx="0">
+            <a:schemeClr val="accent1"/>
+          </a:fillRef>
+          <a:effectRef idx="1">
+            <a:schemeClr val="accent1"/>
+          </a:effectRef>
+          <a:fontRef idx="minor">
+            <a:schemeClr val="tx1"/>
+          </a:fontRef>
+        </p:style>
+      </p:cxnSp>
+      <p:cxnSp>
+        <p:nvCxnSpPr>
+          <p:cNvPr id="93" name="直线连接符 92">
+            <a:extLst>
+              <a:ext uri="{FF2B5EF4-FFF2-40B4-BE49-F238E27FC236}">
+                <a16:creationId xmlns:a16="http://schemas.microsoft.com/office/drawing/2014/main" id="{363A4EB4-B25F-DDFC-E934-87DD7774F967}"/>
+              </a:ext>
+            </a:extLst>
+          </p:cNvPr>
+          <p:cNvCxnSpPr>
+            <a:cxnSpLocks/>
+          </p:cNvCxnSpPr>
+          <p:nvPr/>
+        </p:nvCxnSpPr>
+        <p:spPr>
+          <a:xfrm>
+            <a:off x="4695760" y="2412737"/>
+            <a:ext cx="0" cy="539827"/>
+          </a:xfrm>
+          <a:prstGeom prst="line">
+            <a:avLst/>
+          </a:prstGeom>
+        </p:spPr>
+        <p:style>
+          <a:lnRef idx="2">
+            <a:schemeClr val="accent1"/>
+          </a:lnRef>
+          <a:fillRef idx="0">
+            <a:schemeClr val="accent1"/>
+          </a:fillRef>
+          <a:effectRef idx="1">
+            <a:schemeClr val="accent1"/>
+          </a:effectRef>
+          <a:fontRef idx="minor">
+            <a:schemeClr val="tx1"/>
+          </a:fontRef>
+        </p:style>
+      </p:cxnSp>
+      <p:cxnSp>
+        <p:nvCxnSpPr>
+          <p:cNvPr id="94" name="直线连接符 93">
+            <a:extLst>
+              <a:ext uri="{FF2B5EF4-FFF2-40B4-BE49-F238E27FC236}">
+                <a16:creationId xmlns:a16="http://schemas.microsoft.com/office/drawing/2014/main" id="{557F3313-2226-5BB1-6FF6-F961F4AEA7C5}"/>
+              </a:ext>
+            </a:extLst>
+          </p:cNvPr>
+          <p:cNvCxnSpPr>
+            <a:cxnSpLocks/>
+          </p:cNvCxnSpPr>
+          <p:nvPr/>
+        </p:nvCxnSpPr>
+        <p:spPr>
+          <a:xfrm>
+            <a:off x="5129065" y="2412737"/>
+            <a:ext cx="0" cy="539827"/>
+          </a:xfrm>
+          <a:prstGeom prst="line">
+            <a:avLst/>
+          </a:prstGeom>
+        </p:spPr>
+        <p:style>
+          <a:lnRef idx="2">
+            <a:schemeClr val="accent1"/>
+          </a:lnRef>
+          <a:fillRef idx="0">
+            <a:schemeClr val="accent1"/>
+          </a:fillRef>
+          <a:effectRef idx="1">
+            <a:schemeClr val="accent1"/>
+          </a:effectRef>
+          <a:fontRef idx="minor">
+            <a:schemeClr val="tx1"/>
+          </a:fontRef>
+        </p:style>
+      </p:cxnSp>
+      <p:cxnSp>
+        <p:nvCxnSpPr>
+          <p:cNvPr id="95" name="直线连接符 94">
+            <a:extLst>
+              <a:ext uri="{FF2B5EF4-FFF2-40B4-BE49-F238E27FC236}">
+                <a16:creationId xmlns:a16="http://schemas.microsoft.com/office/drawing/2014/main" id="{3361AEAD-518C-AFA4-1EFD-57D6496463DD}"/>
+              </a:ext>
+            </a:extLst>
+          </p:cNvPr>
+          <p:cNvCxnSpPr>
+            <a:cxnSpLocks/>
+          </p:cNvCxnSpPr>
+          <p:nvPr/>
+        </p:nvCxnSpPr>
+        <p:spPr>
+          <a:xfrm>
+            <a:off x="5560324" y="2412737"/>
+            <a:ext cx="0" cy="539827"/>
+          </a:xfrm>
+          <a:prstGeom prst="line">
+            <a:avLst/>
+          </a:prstGeom>
+        </p:spPr>
+        <p:style>
+          <a:lnRef idx="2">
+            <a:schemeClr val="accent1"/>
+          </a:lnRef>
+          <a:fillRef idx="0">
+            <a:schemeClr val="accent1"/>
+          </a:fillRef>
+          <a:effectRef idx="1">
+            <a:schemeClr val="accent1"/>
+          </a:effectRef>
+          <a:fontRef idx="minor">
+            <a:schemeClr val="tx1"/>
+          </a:fontRef>
+        </p:style>
+      </p:cxnSp>
+      <p:cxnSp>
+        <p:nvCxnSpPr>
+          <p:cNvPr id="96" name="直线连接符 95">
+            <a:extLst>
+              <a:ext uri="{FF2B5EF4-FFF2-40B4-BE49-F238E27FC236}">
+                <a16:creationId xmlns:a16="http://schemas.microsoft.com/office/drawing/2014/main" id="{720292FE-CFE1-C8BF-0136-0D859C050173}"/>
+              </a:ext>
+            </a:extLst>
+          </p:cNvPr>
+          <p:cNvCxnSpPr>
+            <a:cxnSpLocks/>
+          </p:cNvCxnSpPr>
+          <p:nvPr/>
+        </p:nvCxnSpPr>
+        <p:spPr>
+          <a:xfrm>
+            <a:off x="5991865" y="2412737"/>
+            <a:ext cx="0" cy="539827"/>
+          </a:xfrm>
+          <a:prstGeom prst="line">
+            <a:avLst/>
+          </a:prstGeom>
+        </p:spPr>
+        <p:style>
+          <a:lnRef idx="2">
+            <a:schemeClr val="accent1"/>
+          </a:lnRef>
+          <a:fillRef idx="0">
+            <a:schemeClr val="accent1"/>
+          </a:fillRef>
+          <a:effectRef idx="1">
+            <a:schemeClr val="accent1"/>
+          </a:effectRef>
+          <a:fontRef idx="minor">
+            <a:schemeClr val="tx1"/>
+          </a:fontRef>
+        </p:style>
+      </p:cxnSp>
+      <p:cxnSp>
+        <p:nvCxnSpPr>
+          <p:cNvPr id="97" name="直线连接符 96">
+            <a:extLst>
+              <a:ext uri="{FF2B5EF4-FFF2-40B4-BE49-F238E27FC236}">
+                <a16:creationId xmlns:a16="http://schemas.microsoft.com/office/drawing/2014/main" id="{95DBA671-E19A-647C-FCCA-699FEE4C5AE6}"/>
+              </a:ext>
+            </a:extLst>
+          </p:cNvPr>
+          <p:cNvCxnSpPr>
+            <a:cxnSpLocks/>
+          </p:cNvCxnSpPr>
+          <p:nvPr/>
+        </p:nvCxnSpPr>
+        <p:spPr>
+          <a:xfrm>
+            <a:off x="6423865" y="2412737"/>
+            <a:ext cx="0" cy="539827"/>
+          </a:xfrm>
+          <a:prstGeom prst="line">
+            <a:avLst/>
+          </a:prstGeom>
+        </p:spPr>
+        <p:style>
+          <a:lnRef idx="2">
+            <a:schemeClr val="accent1"/>
+          </a:lnRef>
+          <a:fillRef idx="0">
+            <a:schemeClr val="accent1"/>
+          </a:fillRef>
+          <a:effectRef idx="1">
+            <a:schemeClr val="accent1"/>
+          </a:effectRef>
+          <a:fontRef idx="minor">
+            <a:schemeClr val="tx1"/>
+          </a:fontRef>
+        </p:style>
+      </p:cxnSp>
+      <p:cxnSp>
+        <p:nvCxnSpPr>
+          <p:cNvPr id="98" name="直线连接符 97">
+            <a:extLst>
+              <a:ext uri="{FF2B5EF4-FFF2-40B4-BE49-F238E27FC236}">
+                <a16:creationId xmlns:a16="http://schemas.microsoft.com/office/drawing/2014/main" id="{FB22FB57-77B3-752A-64F8-3C30FC86BBE3}"/>
+              </a:ext>
+            </a:extLst>
+          </p:cNvPr>
+          <p:cNvCxnSpPr>
+            <a:cxnSpLocks/>
+          </p:cNvCxnSpPr>
+          <p:nvPr/>
+        </p:nvCxnSpPr>
+        <p:spPr>
+          <a:xfrm>
+            <a:off x="6855865" y="2412737"/>
+            <a:ext cx="0" cy="539827"/>
+          </a:xfrm>
+          <a:prstGeom prst="line">
+            <a:avLst/>
+          </a:prstGeom>
+        </p:spPr>
+        <p:style>
+          <a:lnRef idx="2">
+            <a:schemeClr val="accent1"/>
+          </a:lnRef>
+          <a:fillRef idx="0">
+            <a:schemeClr val="accent1"/>
+          </a:fillRef>
+          <a:effectRef idx="1">
+            <a:schemeClr val="accent1"/>
+          </a:effectRef>
+          <a:fontRef idx="minor">
+            <a:schemeClr val="tx1"/>
+          </a:fontRef>
+        </p:style>
+      </p:cxnSp>
+      <p:cxnSp>
+        <p:nvCxnSpPr>
+          <p:cNvPr id="99" name="直线连接符 98">
+            <a:extLst>
+              <a:ext uri="{FF2B5EF4-FFF2-40B4-BE49-F238E27FC236}">
+                <a16:creationId xmlns:a16="http://schemas.microsoft.com/office/drawing/2014/main" id="{79F71E3F-A42B-9ECC-8845-4A3680CDA38C}"/>
+              </a:ext>
+            </a:extLst>
+          </p:cNvPr>
+          <p:cNvCxnSpPr>
+            <a:cxnSpLocks/>
+          </p:cNvCxnSpPr>
+          <p:nvPr/>
+        </p:nvCxnSpPr>
+        <p:spPr>
+          <a:xfrm>
+            <a:off x="7286560" y="2412737"/>
+            <a:ext cx="0" cy="539827"/>
+          </a:xfrm>
+          <a:prstGeom prst="line">
+            <a:avLst/>
+          </a:prstGeom>
+        </p:spPr>
+        <p:style>
+          <a:lnRef idx="2">
+            <a:schemeClr val="accent1"/>
+          </a:lnRef>
+          <a:fillRef idx="0">
+            <a:schemeClr val="accent1"/>
+          </a:fillRef>
+          <a:effectRef idx="1">
+            <a:schemeClr val="accent1"/>
+          </a:effectRef>
+          <a:fontRef idx="minor">
+            <a:schemeClr val="tx1"/>
+          </a:fontRef>
+        </p:style>
+      </p:cxnSp>
+      <p:cxnSp>
+        <p:nvCxnSpPr>
+          <p:cNvPr id="100" name="直线连接符 99">
+            <a:extLst>
+              <a:ext uri="{FF2B5EF4-FFF2-40B4-BE49-F238E27FC236}">
+                <a16:creationId xmlns:a16="http://schemas.microsoft.com/office/drawing/2014/main" id="{444F6273-A186-11B8-5A8F-819CF5F549B7}"/>
+              </a:ext>
+            </a:extLst>
+          </p:cNvPr>
+          <p:cNvCxnSpPr>
+            <a:cxnSpLocks/>
+          </p:cNvCxnSpPr>
+          <p:nvPr/>
+        </p:nvCxnSpPr>
+        <p:spPr>
+          <a:xfrm>
+            <a:off x="7719865" y="2412737"/>
+            <a:ext cx="0" cy="539827"/>
+          </a:xfrm>
+          <a:prstGeom prst="line">
+            <a:avLst/>
+          </a:prstGeom>
+        </p:spPr>
+        <p:style>
+          <a:lnRef idx="2">
+            <a:schemeClr val="accent1"/>
+          </a:lnRef>
+          <a:fillRef idx="0">
+            <a:schemeClr val="accent1"/>
+          </a:fillRef>
+          <a:effectRef idx="1">
+            <a:schemeClr val="accent1"/>
+          </a:effectRef>
+          <a:fontRef idx="minor">
+            <a:schemeClr val="tx1"/>
+          </a:fontRef>
+        </p:style>
+      </p:cxnSp>
+      <p:cxnSp>
+        <p:nvCxnSpPr>
+          <p:cNvPr id="101" name="直线连接符 100">
+            <a:extLst>
+              <a:ext uri="{FF2B5EF4-FFF2-40B4-BE49-F238E27FC236}">
+                <a16:creationId xmlns:a16="http://schemas.microsoft.com/office/drawing/2014/main" id="{BDA1B94C-3E3F-CD97-1DAC-CA44151F1201}"/>
+              </a:ext>
+            </a:extLst>
+          </p:cNvPr>
+          <p:cNvCxnSpPr>
+            <a:cxnSpLocks/>
+          </p:cNvCxnSpPr>
+          <p:nvPr/>
+        </p:nvCxnSpPr>
+        <p:spPr>
+          <a:xfrm>
+            <a:off x="8151124" y="2412737"/>
+            <a:ext cx="0" cy="539827"/>
+          </a:xfrm>
+          <a:prstGeom prst="line">
+            <a:avLst/>
+          </a:prstGeom>
+        </p:spPr>
+        <p:style>
+          <a:lnRef idx="2">
+            <a:schemeClr val="accent1"/>
+          </a:lnRef>
+          <a:fillRef idx="0">
+            <a:schemeClr val="accent1"/>
+          </a:fillRef>
+          <a:effectRef idx="1">
+            <a:schemeClr val="accent1"/>
+          </a:effectRef>
+          <a:fontRef idx="minor">
+            <a:schemeClr val="tx1"/>
+          </a:fontRef>
+        </p:style>
+      </p:cxnSp>
+      <p:cxnSp>
+        <p:nvCxnSpPr>
+          <p:cNvPr id="102" name="直线连接符 101">
+            <a:extLst>
+              <a:ext uri="{FF2B5EF4-FFF2-40B4-BE49-F238E27FC236}">
+                <a16:creationId xmlns:a16="http://schemas.microsoft.com/office/drawing/2014/main" id="{1B92B287-8706-A28A-9EC4-3B2828A3C024}"/>
+              </a:ext>
+            </a:extLst>
+          </p:cNvPr>
+          <p:cNvCxnSpPr>
+            <a:cxnSpLocks/>
+          </p:cNvCxnSpPr>
+          <p:nvPr/>
+        </p:nvCxnSpPr>
+        <p:spPr>
+          <a:xfrm>
+            <a:off x="3397049" y="2412737"/>
+            <a:ext cx="441566" cy="0"/>
+          </a:xfrm>
+          <a:prstGeom prst="line">
+            <a:avLst/>
+          </a:prstGeom>
+        </p:spPr>
+        <p:style>
+          <a:lnRef idx="2">
+            <a:schemeClr val="accent1"/>
+          </a:lnRef>
+          <a:fillRef idx="0">
+            <a:schemeClr val="accent1"/>
+          </a:fillRef>
+          <a:effectRef idx="1">
+            <a:schemeClr val="accent1"/>
+          </a:effectRef>
+          <a:fontRef idx="minor">
+            <a:schemeClr val="tx1"/>
+          </a:fontRef>
+        </p:style>
+      </p:cxnSp>
+      <p:cxnSp>
+        <p:nvCxnSpPr>
+          <p:cNvPr id="103" name="直线连接符 102">
+            <a:extLst>
+              <a:ext uri="{FF2B5EF4-FFF2-40B4-BE49-F238E27FC236}">
+                <a16:creationId xmlns:a16="http://schemas.microsoft.com/office/drawing/2014/main" id="{3121CFBF-71BE-52CB-6857-B88ABF2F6EB5}"/>
+              </a:ext>
+            </a:extLst>
+          </p:cNvPr>
+          <p:cNvCxnSpPr>
+            <a:cxnSpLocks/>
+          </p:cNvCxnSpPr>
+          <p:nvPr/>
+        </p:nvCxnSpPr>
+        <p:spPr>
+          <a:xfrm>
+            <a:off x="3829049" y="2952564"/>
+            <a:ext cx="432000" cy="0"/>
+          </a:xfrm>
+          <a:prstGeom prst="line">
+            <a:avLst/>
+          </a:prstGeom>
+        </p:spPr>
+        <p:style>
+          <a:lnRef idx="2">
+            <a:schemeClr val="accent1"/>
+          </a:lnRef>
+          <a:fillRef idx="0">
+            <a:schemeClr val="accent1"/>
+          </a:fillRef>
+          <a:effectRef idx="1">
+            <a:schemeClr val="accent1"/>
+          </a:effectRef>
+          <a:fontRef idx="minor">
+            <a:schemeClr val="tx1"/>
+          </a:fontRef>
+        </p:style>
+      </p:cxnSp>
+      <p:cxnSp>
+        <p:nvCxnSpPr>
+          <p:cNvPr id="104" name="直线连接符 103">
+            <a:extLst>
+              <a:ext uri="{FF2B5EF4-FFF2-40B4-BE49-F238E27FC236}">
+                <a16:creationId xmlns:a16="http://schemas.microsoft.com/office/drawing/2014/main" id="{FA3A9CE2-56BC-322C-EC5C-4B0594089A35}"/>
+              </a:ext>
+            </a:extLst>
+          </p:cNvPr>
+          <p:cNvCxnSpPr>
+            <a:cxnSpLocks/>
+          </p:cNvCxnSpPr>
+          <p:nvPr/>
+        </p:nvCxnSpPr>
+        <p:spPr>
+          <a:xfrm>
+            <a:off x="4261049" y="2412737"/>
+            <a:ext cx="441566" cy="0"/>
+          </a:xfrm>
+          <a:prstGeom prst="line">
+            <a:avLst/>
+          </a:prstGeom>
+        </p:spPr>
+        <p:style>
+          <a:lnRef idx="2">
+            <a:schemeClr val="accent1"/>
+          </a:lnRef>
+          <a:fillRef idx="0">
+            <a:schemeClr val="accent1"/>
+          </a:fillRef>
+          <a:effectRef idx="1">
+            <a:schemeClr val="accent1"/>
+          </a:effectRef>
+          <a:fontRef idx="minor">
+            <a:schemeClr val="tx1"/>
+          </a:fontRef>
+        </p:style>
+      </p:cxnSp>
+      <p:cxnSp>
+        <p:nvCxnSpPr>
+          <p:cNvPr id="105" name="直线连接符 104">
+            <a:extLst>
+              <a:ext uri="{FF2B5EF4-FFF2-40B4-BE49-F238E27FC236}">
+                <a16:creationId xmlns:a16="http://schemas.microsoft.com/office/drawing/2014/main" id="{0D82D062-95F6-4CF6-F82A-5DCF499EA846}"/>
+              </a:ext>
+            </a:extLst>
+          </p:cNvPr>
+          <p:cNvCxnSpPr>
+            <a:cxnSpLocks/>
+          </p:cNvCxnSpPr>
+          <p:nvPr/>
+        </p:nvCxnSpPr>
+        <p:spPr>
+          <a:xfrm>
+            <a:off x="4693049" y="2952564"/>
+            <a:ext cx="432000" cy="0"/>
+          </a:xfrm>
+          <a:prstGeom prst="line">
+            <a:avLst/>
+          </a:prstGeom>
+        </p:spPr>
+        <p:style>
+          <a:lnRef idx="2">
+            <a:schemeClr val="accent1"/>
+          </a:lnRef>
+          <a:fillRef idx="0">
+            <a:schemeClr val="accent1"/>
+          </a:fillRef>
+          <a:effectRef idx="1">
+            <a:schemeClr val="accent1"/>
+          </a:effectRef>
+          <a:fontRef idx="minor">
+            <a:schemeClr val="tx1"/>
+          </a:fontRef>
+        </p:style>
+      </p:cxnSp>
+      <p:cxnSp>
+        <p:nvCxnSpPr>
+          <p:cNvPr id="106" name="直线连接符 105">
+            <a:extLst>
+              <a:ext uri="{FF2B5EF4-FFF2-40B4-BE49-F238E27FC236}">
+                <a16:creationId xmlns:a16="http://schemas.microsoft.com/office/drawing/2014/main" id="{5C0AA9D7-9AA1-3961-0F4C-F91AD3D6F2BF}"/>
+              </a:ext>
+            </a:extLst>
+          </p:cNvPr>
+          <p:cNvCxnSpPr>
+            <a:cxnSpLocks/>
+          </p:cNvCxnSpPr>
+          <p:nvPr/>
+        </p:nvCxnSpPr>
+        <p:spPr>
+          <a:xfrm>
+            <a:off x="5123849" y="2412737"/>
+            <a:ext cx="441566" cy="0"/>
+          </a:xfrm>
+          <a:prstGeom prst="line">
+            <a:avLst/>
+          </a:prstGeom>
+        </p:spPr>
+        <p:style>
+          <a:lnRef idx="2">
+            <a:schemeClr val="accent1"/>
+          </a:lnRef>
+          <a:fillRef idx="0">
+            <a:schemeClr val="accent1"/>
+          </a:fillRef>
+          <a:effectRef idx="1">
+            <a:schemeClr val="accent1"/>
+          </a:effectRef>
+          <a:fontRef idx="minor">
+            <a:schemeClr val="tx1"/>
+          </a:fontRef>
+        </p:style>
+      </p:cxnSp>
+      <p:cxnSp>
+        <p:nvCxnSpPr>
+          <p:cNvPr id="107" name="直线连接符 106">
+            <a:extLst>
+              <a:ext uri="{FF2B5EF4-FFF2-40B4-BE49-F238E27FC236}">
+                <a16:creationId xmlns:a16="http://schemas.microsoft.com/office/drawing/2014/main" id="{8698CDB4-082A-F52B-9F83-A1BF169D6C5E}"/>
+              </a:ext>
+            </a:extLst>
+          </p:cNvPr>
+          <p:cNvCxnSpPr>
+            <a:cxnSpLocks/>
+          </p:cNvCxnSpPr>
+          <p:nvPr/>
+        </p:nvCxnSpPr>
+        <p:spPr>
+          <a:xfrm>
+            <a:off x="5555849" y="2952564"/>
+            <a:ext cx="432000" cy="0"/>
+          </a:xfrm>
+          <a:prstGeom prst="line">
+            <a:avLst/>
+          </a:prstGeom>
+        </p:spPr>
+        <p:style>
+          <a:lnRef idx="2">
+            <a:schemeClr val="accent1"/>
+          </a:lnRef>
+          <a:fillRef idx="0">
+            <a:schemeClr val="accent1"/>
+          </a:fillRef>
+          <a:effectRef idx="1">
+            <a:schemeClr val="accent1"/>
+          </a:effectRef>
+          <a:fontRef idx="minor">
+            <a:schemeClr val="tx1"/>
+          </a:fontRef>
+        </p:style>
+      </p:cxnSp>
+      <p:cxnSp>
+        <p:nvCxnSpPr>
+          <p:cNvPr id="108" name="直线连接符 107">
+            <a:extLst>
+              <a:ext uri="{FF2B5EF4-FFF2-40B4-BE49-F238E27FC236}">
+                <a16:creationId xmlns:a16="http://schemas.microsoft.com/office/drawing/2014/main" id="{8EDBEC4A-BB9A-46E1-4879-1ECAF80E46C5}"/>
+              </a:ext>
+            </a:extLst>
+          </p:cNvPr>
+          <p:cNvCxnSpPr>
+            <a:cxnSpLocks/>
+          </p:cNvCxnSpPr>
+          <p:nvPr/>
+        </p:nvCxnSpPr>
+        <p:spPr>
+          <a:xfrm>
+            <a:off x="5987849" y="2412737"/>
+            <a:ext cx="441566" cy="0"/>
+          </a:xfrm>
+          <a:prstGeom prst="line">
+            <a:avLst/>
+          </a:prstGeom>
+        </p:spPr>
+        <p:style>
+          <a:lnRef idx="2">
+            <a:schemeClr val="accent1"/>
+          </a:lnRef>
+          <a:fillRef idx="0">
+            <a:schemeClr val="accent1"/>
+          </a:fillRef>
+          <a:effectRef idx="1">
+            <a:schemeClr val="accent1"/>
+          </a:effectRef>
+          <a:fontRef idx="minor">
+            <a:schemeClr val="tx1"/>
+          </a:fontRef>
+        </p:style>
+      </p:cxnSp>
+      <p:cxnSp>
+        <p:nvCxnSpPr>
+          <p:cNvPr id="109" name="直线连接符 108">
+            <a:extLst>
+              <a:ext uri="{FF2B5EF4-FFF2-40B4-BE49-F238E27FC236}">
+                <a16:creationId xmlns:a16="http://schemas.microsoft.com/office/drawing/2014/main" id="{EF96D87F-3474-EEEC-E41A-73E033F41B98}"/>
+              </a:ext>
+            </a:extLst>
+          </p:cNvPr>
+          <p:cNvCxnSpPr>
+            <a:cxnSpLocks/>
+          </p:cNvCxnSpPr>
+          <p:nvPr/>
+        </p:nvCxnSpPr>
+        <p:spPr>
+          <a:xfrm>
+            <a:off x="6419849" y="2952564"/>
+            <a:ext cx="432000" cy="0"/>
+          </a:xfrm>
+          <a:prstGeom prst="line">
+            <a:avLst/>
+          </a:prstGeom>
+        </p:spPr>
+        <p:style>
+          <a:lnRef idx="2">
+            <a:schemeClr val="accent1"/>
+          </a:lnRef>
+          <a:fillRef idx="0">
+            <a:schemeClr val="accent1"/>
+          </a:fillRef>
+          <a:effectRef idx="1">
+            <a:schemeClr val="accent1"/>
+          </a:effectRef>
+          <a:fontRef idx="minor">
+            <a:schemeClr val="tx1"/>
+          </a:fontRef>
+        </p:style>
+      </p:cxnSp>
+      <p:cxnSp>
+        <p:nvCxnSpPr>
+          <p:cNvPr id="110" name="直线连接符 109">
+            <a:extLst>
+              <a:ext uri="{FF2B5EF4-FFF2-40B4-BE49-F238E27FC236}">
+                <a16:creationId xmlns:a16="http://schemas.microsoft.com/office/drawing/2014/main" id="{857FD66B-F5C4-A07B-9A22-A5CD5642415B}"/>
+              </a:ext>
+            </a:extLst>
+          </p:cNvPr>
+          <p:cNvCxnSpPr>
+            <a:cxnSpLocks/>
+          </p:cNvCxnSpPr>
+          <p:nvPr/>
+        </p:nvCxnSpPr>
+        <p:spPr>
+          <a:xfrm>
+            <a:off x="6850544" y="2412737"/>
+            <a:ext cx="441566" cy="0"/>
+          </a:xfrm>
+          <a:prstGeom prst="line">
+            <a:avLst/>
+          </a:prstGeom>
+        </p:spPr>
+        <p:style>
+          <a:lnRef idx="2">
+            <a:schemeClr val="accent1"/>
+          </a:lnRef>
+          <a:fillRef idx="0">
+            <a:schemeClr val="accent1"/>
+          </a:fillRef>
+          <a:effectRef idx="1">
+            <a:schemeClr val="accent1"/>
+          </a:effectRef>
+          <a:fontRef idx="minor">
+            <a:schemeClr val="tx1"/>
+          </a:fontRef>
+        </p:style>
+      </p:cxnSp>
+      <p:cxnSp>
+        <p:nvCxnSpPr>
+          <p:cNvPr id="111" name="直线连接符 110">
+            <a:extLst>
+              <a:ext uri="{FF2B5EF4-FFF2-40B4-BE49-F238E27FC236}">
+                <a16:creationId xmlns:a16="http://schemas.microsoft.com/office/drawing/2014/main" id="{1041C163-909C-CB84-A758-EC56BA21CA21}"/>
+              </a:ext>
+            </a:extLst>
+          </p:cNvPr>
+          <p:cNvCxnSpPr>
+            <a:cxnSpLocks/>
+          </p:cNvCxnSpPr>
+          <p:nvPr/>
+        </p:nvCxnSpPr>
+        <p:spPr>
+          <a:xfrm>
+            <a:off x="7282544" y="2952564"/>
+            <a:ext cx="432000" cy="0"/>
+          </a:xfrm>
+          <a:prstGeom prst="line">
+            <a:avLst/>
+          </a:prstGeom>
+        </p:spPr>
+        <p:style>
+          <a:lnRef idx="2">
+            <a:schemeClr val="accent1"/>
+          </a:lnRef>
+          <a:fillRef idx="0">
+            <a:schemeClr val="accent1"/>
+          </a:fillRef>
+          <a:effectRef idx="1">
+            <a:schemeClr val="accent1"/>
+          </a:effectRef>
+          <a:fontRef idx="minor">
+            <a:schemeClr val="tx1"/>
+          </a:fontRef>
+        </p:style>
+      </p:cxnSp>
+      <p:cxnSp>
+        <p:nvCxnSpPr>
+          <p:cNvPr id="112" name="直线连接符 111">
+            <a:extLst>
+              <a:ext uri="{FF2B5EF4-FFF2-40B4-BE49-F238E27FC236}">
+                <a16:creationId xmlns:a16="http://schemas.microsoft.com/office/drawing/2014/main" id="{8D0A9360-BC76-9CB8-9AA8-CDDB4D429B79}"/>
+              </a:ext>
+            </a:extLst>
+          </p:cNvPr>
+          <p:cNvCxnSpPr>
+            <a:cxnSpLocks/>
+          </p:cNvCxnSpPr>
+          <p:nvPr/>
+        </p:nvCxnSpPr>
+        <p:spPr>
+          <a:xfrm>
+            <a:off x="7715108" y="2412737"/>
+            <a:ext cx="441566" cy="0"/>
+          </a:xfrm>
+          <a:prstGeom prst="line">
+            <a:avLst/>
+          </a:prstGeom>
+        </p:spPr>
+        <p:style>
+          <a:lnRef idx="2">
+            <a:schemeClr val="accent1"/>
+          </a:lnRef>
+          <a:fillRef idx="0">
+            <a:schemeClr val="accent1"/>
+          </a:fillRef>
+          <a:effectRef idx="1">
+            <a:schemeClr val="accent1"/>
+          </a:effectRef>
+          <a:fontRef idx="minor">
+            <a:schemeClr val="tx1"/>
+          </a:fontRef>
+        </p:style>
+      </p:cxnSp>
+      <p:cxnSp>
+        <p:nvCxnSpPr>
+          <p:cNvPr id="113" name="直线连接符 112">
+            <a:extLst>
+              <a:ext uri="{FF2B5EF4-FFF2-40B4-BE49-F238E27FC236}">
+                <a16:creationId xmlns:a16="http://schemas.microsoft.com/office/drawing/2014/main" id="{CBA70E9D-198E-CE14-41B6-A12244B25E6E}"/>
+              </a:ext>
+            </a:extLst>
+          </p:cNvPr>
+          <p:cNvCxnSpPr>
+            <a:cxnSpLocks/>
+          </p:cNvCxnSpPr>
+          <p:nvPr/>
+        </p:nvCxnSpPr>
+        <p:spPr>
+          <a:xfrm>
+            <a:off x="8588956" y="2412737"/>
+            <a:ext cx="0" cy="539827"/>
+          </a:xfrm>
+          <a:prstGeom prst="line">
+            <a:avLst/>
+          </a:prstGeom>
+        </p:spPr>
+        <p:style>
+          <a:lnRef idx="2">
+            <a:schemeClr val="accent1"/>
+          </a:lnRef>
+          <a:fillRef idx="0">
+            <a:schemeClr val="accent1"/>
+          </a:fillRef>
+          <a:effectRef idx="1">
+            <a:schemeClr val="accent1"/>
+          </a:effectRef>
+          <a:fontRef idx="minor">
+            <a:schemeClr val="tx1"/>
+          </a:fontRef>
+        </p:style>
+      </p:cxnSp>
+      <p:cxnSp>
+        <p:nvCxnSpPr>
+          <p:cNvPr id="114" name="直线连接符 113">
+            <a:extLst>
+              <a:ext uri="{FF2B5EF4-FFF2-40B4-BE49-F238E27FC236}">
+                <a16:creationId xmlns:a16="http://schemas.microsoft.com/office/drawing/2014/main" id="{2322D95A-45F0-4D74-9126-48BD3ABD8B5F}"/>
+              </a:ext>
+            </a:extLst>
+          </p:cNvPr>
+          <p:cNvCxnSpPr>
+            <a:cxnSpLocks/>
+          </p:cNvCxnSpPr>
+          <p:nvPr/>
+        </p:nvCxnSpPr>
+        <p:spPr>
+          <a:xfrm>
+            <a:off x="9020215" y="2412737"/>
+            <a:ext cx="0" cy="539827"/>
+          </a:xfrm>
+          <a:prstGeom prst="line">
+            <a:avLst/>
+          </a:prstGeom>
+        </p:spPr>
+        <p:style>
+          <a:lnRef idx="2">
+            <a:schemeClr val="accent1"/>
+          </a:lnRef>
+          <a:fillRef idx="0">
+            <a:schemeClr val="accent1"/>
+          </a:fillRef>
+          <a:effectRef idx="1">
+            <a:schemeClr val="accent1"/>
+          </a:effectRef>
+          <a:fontRef idx="minor">
+            <a:schemeClr val="tx1"/>
+          </a:fontRef>
+        </p:style>
+      </p:cxnSp>
+      <p:cxnSp>
+        <p:nvCxnSpPr>
+          <p:cNvPr id="115" name="直线连接符 114">
+            <a:extLst>
+              <a:ext uri="{FF2B5EF4-FFF2-40B4-BE49-F238E27FC236}">
+                <a16:creationId xmlns:a16="http://schemas.microsoft.com/office/drawing/2014/main" id="{949B004D-FF6B-A4B0-971B-E6430472F21B}"/>
+              </a:ext>
+            </a:extLst>
+          </p:cNvPr>
+          <p:cNvCxnSpPr>
+            <a:cxnSpLocks/>
+          </p:cNvCxnSpPr>
+          <p:nvPr/>
+        </p:nvCxnSpPr>
+        <p:spPr>
+          <a:xfrm>
+            <a:off x="8151635" y="2952564"/>
+            <a:ext cx="432000" cy="0"/>
+          </a:xfrm>
+          <a:prstGeom prst="line">
+            <a:avLst/>
+          </a:prstGeom>
+        </p:spPr>
+        <p:style>
+          <a:lnRef idx="2">
+            <a:schemeClr val="accent1"/>
+          </a:lnRef>
+          <a:fillRef idx="0">
+            <a:schemeClr val="accent1"/>
+          </a:fillRef>
+          <a:effectRef idx="1">
+            <a:schemeClr val="accent1"/>
+          </a:effectRef>
+          <a:fontRef idx="minor">
+            <a:schemeClr val="tx1"/>
+          </a:fontRef>
+        </p:style>
+      </p:cxnSp>
+      <p:cxnSp>
+        <p:nvCxnSpPr>
+          <p:cNvPr id="116" name="直线连接符 115">
+            <a:extLst>
+              <a:ext uri="{FF2B5EF4-FFF2-40B4-BE49-F238E27FC236}">
+                <a16:creationId xmlns:a16="http://schemas.microsoft.com/office/drawing/2014/main" id="{64533901-CFAE-6168-25E9-567463025335}"/>
+              </a:ext>
+            </a:extLst>
+          </p:cNvPr>
+          <p:cNvCxnSpPr>
+            <a:cxnSpLocks/>
+          </p:cNvCxnSpPr>
+          <p:nvPr/>
+        </p:nvCxnSpPr>
+        <p:spPr>
+          <a:xfrm>
+            <a:off x="8584199" y="2412737"/>
+            <a:ext cx="441566" cy="0"/>
+          </a:xfrm>
+          <a:prstGeom prst="line">
+            <a:avLst/>
+          </a:prstGeom>
+        </p:spPr>
+        <p:style>
+          <a:lnRef idx="2">
+            <a:schemeClr val="accent1"/>
+          </a:lnRef>
+          <a:fillRef idx="0">
+            <a:schemeClr val="accent1"/>
+          </a:fillRef>
+          <a:effectRef idx="1">
+            <a:schemeClr val="accent1"/>
+          </a:effectRef>
+          <a:fontRef idx="minor">
+            <a:schemeClr val="tx1"/>
+          </a:fontRef>
+        </p:style>
+      </p:cxnSp>
+      <p:sp>
+        <p:nvSpPr>
+          <p:cNvPr id="117" name="TextBox 42">
+            <a:extLst>
+              <a:ext uri="{FF2B5EF4-FFF2-40B4-BE49-F238E27FC236}">
+                <a16:creationId xmlns:a16="http://schemas.microsoft.com/office/drawing/2014/main" id="{6E0D8D61-FC4C-5AC8-E696-9CAE340A77FD}"/>
+              </a:ext>
+            </a:extLst>
+          </p:cNvPr>
+          <p:cNvSpPr txBox="1"/>
+          <p:nvPr/>
+        </p:nvSpPr>
+        <p:spPr>
+          <a:xfrm>
+            <a:off x="2531642" y="2497459"/>
+            <a:ext cx="721672" cy="369332"/>
+          </a:xfrm>
+          <a:prstGeom prst="rect">
+            <a:avLst/>
+          </a:prstGeom>
+          <a:noFill/>
+        </p:spPr>
+        <p:txBody>
+          <a:bodyPr wrap="none" rtlCol="0">
+            <a:spAutoFit/>
+          </a:bodyPr>
+          <a:lstStyle/>
+          <a:p>
+            <a:r>
+              <a:rPr lang="en-US" dirty="0"/>
+              <a:t>DCLK</a:t>
+            </a:r>
+          </a:p>
+        </p:txBody>
+      </p:sp>
+      <p:cxnSp>
+        <p:nvCxnSpPr>
+          <p:cNvPr id="119" name="直线连接符 118">
+            <a:extLst>
+              <a:ext uri="{FF2B5EF4-FFF2-40B4-BE49-F238E27FC236}">
+                <a16:creationId xmlns:a16="http://schemas.microsoft.com/office/drawing/2014/main" id="{2EFD0AF8-8EAA-EAFD-7BE2-ED62A7A47810}"/>
+              </a:ext>
+            </a:extLst>
+          </p:cNvPr>
+          <p:cNvCxnSpPr>
+            <a:cxnSpLocks/>
+          </p:cNvCxnSpPr>
+          <p:nvPr/>
+        </p:nvCxnSpPr>
+        <p:spPr>
+          <a:xfrm>
+            <a:off x="4270615" y="3420309"/>
+            <a:ext cx="0" cy="539827"/>
+          </a:xfrm>
+          <a:prstGeom prst="line">
+            <a:avLst/>
+          </a:prstGeom>
+        </p:spPr>
+        <p:style>
+          <a:lnRef idx="2">
+            <a:schemeClr val="accent1"/>
+          </a:lnRef>
+          <a:fillRef idx="0">
+            <a:schemeClr val="accent1"/>
+          </a:fillRef>
+          <a:effectRef idx="1">
+            <a:schemeClr val="accent1"/>
+          </a:effectRef>
+          <a:fontRef idx="minor">
+            <a:schemeClr val="tx1"/>
+          </a:fontRef>
+        </p:style>
+      </p:cxnSp>
+      <p:cxnSp>
+        <p:nvCxnSpPr>
+          <p:cNvPr id="123" name="直线连接符 122">
+            <a:extLst>
+              <a:ext uri="{FF2B5EF4-FFF2-40B4-BE49-F238E27FC236}">
+                <a16:creationId xmlns:a16="http://schemas.microsoft.com/office/drawing/2014/main" id="{1911C1DC-017E-2EEF-B45C-595A69AFA83B}"/>
+              </a:ext>
+            </a:extLst>
+          </p:cNvPr>
+          <p:cNvCxnSpPr>
+            <a:cxnSpLocks/>
+          </p:cNvCxnSpPr>
+          <p:nvPr/>
+        </p:nvCxnSpPr>
+        <p:spPr>
+          <a:xfrm>
+            <a:off x="5128324" y="3427853"/>
+            <a:ext cx="0" cy="539827"/>
+          </a:xfrm>
+          <a:prstGeom prst="line">
+            <a:avLst/>
+          </a:prstGeom>
+        </p:spPr>
+        <p:style>
+          <a:lnRef idx="2">
+            <a:schemeClr val="accent1"/>
+          </a:lnRef>
+          <a:fillRef idx="0">
+            <a:schemeClr val="accent1"/>
+          </a:fillRef>
+          <a:effectRef idx="1">
+            <a:schemeClr val="accent1"/>
+          </a:effectRef>
+          <a:fontRef idx="minor">
+            <a:schemeClr val="tx1"/>
+          </a:fontRef>
+        </p:style>
+      </p:cxnSp>
+      <p:cxnSp>
+        <p:nvCxnSpPr>
+          <p:cNvPr id="125" name="直线连接符 124">
+            <a:extLst>
+              <a:ext uri="{FF2B5EF4-FFF2-40B4-BE49-F238E27FC236}">
+                <a16:creationId xmlns:a16="http://schemas.microsoft.com/office/drawing/2014/main" id="{E04E59C3-699F-BBE4-6FA7-5B6BB939FFC3}"/>
+              </a:ext>
+            </a:extLst>
+          </p:cNvPr>
+          <p:cNvCxnSpPr>
+            <a:cxnSpLocks/>
+          </p:cNvCxnSpPr>
+          <p:nvPr/>
+        </p:nvCxnSpPr>
+        <p:spPr>
+          <a:xfrm>
+            <a:off x="5991865" y="3427853"/>
+            <a:ext cx="0" cy="539827"/>
+          </a:xfrm>
+          <a:prstGeom prst="line">
+            <a:avLst/>
+          </a:prstGeom>
+        </p:spPr>
+        <p:style>
+          <a:lnRef idx="2">
+            <a:schemeClr val="accent1"/>
+          </a:lnRef>
+          <a:fillRef idx="0">
+            <a:schemeClr val="accent1"/>
+          </a:fillRef>
+          <a:effectRef idx="1">
+            <a:schemeClr val="accent1"/>
+          </a:effectRef>
+          <a:fontRef idx="minor">
+            <a:schemeClr val="tx1"/>
+          </a:fontRef>
+        </p:style>
+      </p:cxnSp>
+      <p:cxnSp>
+        <p:nvCxnSpPr>
+          <p:cNvPr id="127" name="直线连接符 126">
+            <a:extLst>
+              <a:ext uri="{FF2B5EF4-FFF2-40B4-BE49-F238E27FC236}">
+                <a16:creationId xmlns:a16="http://schemas.microsoft.com/office/drawing/2014/main" id="{46C839A1-F72D-56AA-BEBB-97D1CF717D88}"/>
+              </a:ext>
+            </a:extLst>
+          </p:cNvPr>
+          <p:cNvCxnSpPr>
+            <a:cxnSpLocks/>
+          </p:cNvCxnSpPr>
+          <p:nvPr/>
+        </p:nvCxnSpPr>
+        <p:spPr>
+          <a:xfrm>
+            <a:off x="6854560" y="3427853"/>
+            <a:ext cx="0" cy="539827"/>
+          </a:xfrm>
+          <a:prstGeom prst="line">
+            <a:avLst/>
+          </a:prstGeom>
+        </p:spPr>
+        <p:style>
+          <a:lnRef idx="2">
+            <a:schemeClr val="accent1"/>
+          </a:lnRef>
+          <a:fillRef idx="0">
+            <a:schemeClr val="accent1"/>
+          </a:fillRef>
+          <a:effectRef idx="1">
+            <a:schemeClr val="accent1"/>
+          </a:effectRef>
+          <a:fontRef idx="minor">
+            <a:schemeClr val="tx1"/>
+          </a:fontRef>
+        </p:style>
+      </p:cxnSp>
+      <p:cxnSp>
+        <p:nvCxnSpPr>
+          <p:cNvPr id="129" name="直线连接符 128">
+            <a:extLst>
+              <a:ext uri="{FF2B5EF4-FFF2-40B4-BE49-F238E27FC236}">
+                <a16:creationId xmlns:a16="http://schemas.microsoft.com/office/drawing/2014/main" id="{4443D4C7-4729-2C32-5EF5-3BB5DA8DF67C}"/>
+              </a:ext>
+            </a:extLst>
+          </p:cNvPr>
+          <p:cNvCxnSpPr>
+            <a:cxnSpLocks/>
+          </p:cNvCxnSpPr>
+          <p:nvPr/>
+        </p:nvCxnSpPr>
+        <p:spPr>
+          <a:xfrm>
+            <a:off x="7719124" y="3427853"/>
+            <a:ext cx="0" cy="539827"/>
+          </a:xfrm>
+          <a:prstGeom prst="line">
+            <a:avLst/>
+          </a:prstGeom>
+        </p:spPr>
+        <p:style>
+          <a:lnRef idx="2">
+            <a:schemeClr val="accent1"/>
+          </a:lnRef>
+          <a:fillRef idx="0">
+            <a:schemeClr val="accent1"/>
+          </a:fillRef>
+          <a:effectRef idx="1">
+            <a:schemeClr val="accent1"/>
+          </a:effectRef>
+          <a:fontRef idx="minor">
+            <a:schemeClr val="tx1"/>
+          </a:fontRef>
+        </p:style>
+      </p:cxnSp>
+      <p:cxnSp>
+        <p:nvCxnSpPr>
+          <p:cNvPr id="130" name="直线连接符 129">
+            <a:extLst>
+              <a:ext uri="{FF2B5EF4-FFF2-40B4-BE49-F238E27FC236}">
+                <a16:creationId xmlns:a16="http://schemas.microsoft.com/office/drawing/2014/main" id="{18361B6F-F6AE-1165-A0FC-C6DA2E0AE85D}"/>
+              </a:ext>
+            </a:extLst>
+          </p:cNvPr>
+          <p:cNvCxnSpPr>
+            <a:cxnSpLocks/>
+          </p:cNvCxnSpPr>
+          <p:nvPr/>
+        </p:nvCxnSpPr>
+        <p:spPr>
+          <a:xfrm>
+            <a:off x="3406615" y="3420309"/>
+            <a:ext cx="864000" cy="0"/>
+          </a:xfrm>
+          <a:prstGeom prst="line">
+            <a:avLst/>
+          </a:prstGeom>
+        </p:spPr>
+        <p:style>
+          <a:lnRef idx="2">
+            <a:schemeClr val="accent1"/>
+          </a:lnRef>
+          <a:fillRef idx="0">
+            <a:schemeClr val="accent1"/>
+          </a:fillRef>
+          <a:effectRef idx="1">
+            <a:schemeClr val="accent1"/>
+          </a:effectRef>
+          <a:fontRef idx="minor">
+            <a:schemeClr val="tx1"/>
+          </a:fontRef>
+        </p:style>
+      </p:cxnSp>
+      <p:cxnSp>
+        <p:nvCxnSpPr>
+          <p:cNvPr id="133" name="直线连接符 132">
+            <a:extLst>
+              <a:ext uri="{FF2B5EF4-FFF2-40B4-BE49-F238E27FC236}">
+                <a16:creationId xmlns:a16="http://schemas.microsoft.com/office/drawing/2014/main" id="{B612233D-AF52-F385-004C-57963E296509}"/>
+              </a:ext>
+            </a:extLst>
+          </p:cNvPr>
+          <p:cNvCxnSpPr>
+            <a:cxnSpLocks/>
+          </p:cNvCxnSpPr>
+          <p:nvPr/>
+        </p:nvCxnSpPr>
+        <p:spPr>
+          <a:xfrm>
+            <a:off x="4270615" y="3959459"/>
+            <a:ext cx="854434" cy="677"/>
+          </a:xfrm>
+          <a:prstGeom prst="line">
+            <a:avLst/>
+          </a:prstGeom>
+        </p:spPr>
+        <p:style>
+          <a:lnRef idx="2">
+            <a:schemeClr val="accent1"/>
+          </a:lnRef>
+          <a:fillRef idx="0">
+            <a:schemeClr val="accent1"/>
+          </a:fillRef>
+          <a:effectRef idx="1">
+            <a:schemeClr val="accent1"/>
+          </a:effectRef>
+          <a:fontRef idx="minor">
+            <a:schemeClr val="tx1"/>
+          </a:fontRef>
+        </p:style>
+      </p:cxnSp>
+      <p:cxnSp>
+        <p:nvCxnSpPr>
+          <p:cNvPr id="135" name="直线连接符 134">
+            <a:extLst>
+              <a:ext uri="{FF2B5EF4-FFF2-40B4-BE49-F238E27FC236}">
+                <a16:creationId xmlns:a16="http://schemas.microsoft.com/office/drawing/2014/main" id="{A3903CB7-1364-4D45-F80D-E273BB98B9ED}"/>
+              </a:ext>
+            </a:extLst>
+          </p:cNvPr>
+          <p:cNvCxnSpPr>
+            <a:cxnSpLocks/>
+          </p:cNvCxnSpPr>
+          <p:nvPr/>
+        </p:nvCxnSpPr>
+        <p:spPr>
+          <a:xfrm>
+            <a:off x="5133415" y="3427853"/>
+            <a:ext cx="432000" cy="0"/>
+          </a:xfrm>
+          <a:prstGeom prst="line">
+            <a:avLst/>
+          </a:prstGeom>
+        </p:spPr>
+        <p:style>
+          <a:lnRef idx="2">
+            <a:schemeClr val="accent1"/>
+          </a:lnRef>
+          <a:fillRef idx="0">
+            <a:schemeClr val="accent1"/>
+          </a:fillRef>
+          <a:effectRef idx="1">
+            <a:schemeClr val="accent1"/>
+          </a:effectRef>
+          <a:fontRef idx="minor">
+            <a:schemeClr val="tx1"/>
+          </a:fontRef>
+        </p:style>
+      </p:cxnSp>
+      <p:cxnSp>
+        <p:nvCxnSpPr>
+          <p:cNvPr id="136" name="直线连接符 135">
+            <a:extLst>
+              <a:ext uri="{FF2B5EF4-FFF2-40B4-BE49-F238E27FC236}">
+                <a16:creationId xmlns:a16="http://schemas.microsoft.com/office/drawing/2014/main" id="{B7971632-DDB9-BF56-9158-C4D32AA6947A}"/>
+              </a:ext>
+            </a:extLst>
+          </p:cNvPr>
+          <p:cNvCxnSpPr>
+            <a:cxnSpLocks/>
+          </p:cNvCxnSpPr>
+          <p:nvPr/>
+        </p:nvCxnSpPr>
+        <p:spPr>
+          <a:xfrm>
+            <a:off x="5555849" y="3427853"/>
+            <a:ext cx="441566" cy="0"/>
+          </a:xfrm>
+          <a:prstGeom prst="line">
+            <a:avLst/>
+          </a:prstGeom>
+        </p:spPr>
+        <p:style>
+          <a:lnRef idx="2">
+            <a:schemeClr val="accent1"/>
+          </a:lnRef>
+          <a:fillRef idx="0">
+            <a:schemeClr val="accent1"/>
+          </a:fillRef>
+          <a:effectRef idx="1">
+            <a:schemeClr val="accent1"/>
+          </a:effectRef>
+          <a:fontRef idx="minor">
+            <a:schemeClr val="tx1"/>
+          </a:fontRef>
+        </p:style>
+      </p:cxnSp>
+      <p:cxnSp>
+        <p:nvCxnSpPr>
+          <p:cNvPr id="137" name="直线连接符 136">
+            <a:extLst>
+              <a:ext uri="{FF2B5EF4-FFF2-40B4-BE49-F238E27FC236}">
+                <a16:creationId xmlns:a16="http://schemas.microsoft.com/office/drawing/2014/main" id="{216321F5-5EC2-DFC7-628A-458C9E805A8A}"/>
+              </a:ext>
+            </a:extLst>
+          </p:cNvPr>
+          <p:cNvCxnSpPr>
+            <a:cxnSpLocks/>
+          </p:cNvCxnSpPr>
+          <p:nvPr/>
+        </p:nvCxnSpPr>
+        <p:spPr>
+          <a:xfrm flipV="1">
+            <a:off x="5987849" y="3967003"/>
+            <a:ext cx="872261" cy="677"/>
+          </a:xfrm>
+          <a:prstGeom prst="line">
+            <a:avLst/>
+          </a:prstGeom>
+        </p:spPr>
+        <p:style>
+          <a:lnRef idx="2">
+            <a:schemeClr val="accent1"/>
+          </a:lnRef>
+          <a:fillRef idx="0">
+            <a:schemeClr val="accent1"/>
+          </a:fillRef>
+          <a:effectRef idx="1">
+            <a:schemeClr val="accent1"/>
+          </a:effectRef>
+          <a:fontRef idx="minor">
+            <a:schemeClr val="tx1"/>
+          </a:fontRef>
+        </p:style>
+      </p:cxnSp>
+      <p:cxnSp>
+        <p:nvCxnSpPr>
+          <p:cNvPr id="139" name="直线连接符 138">
+            <a:extLst>
+              <a:ext uri="{FF2B5EF4-FFF2-40B4-BE49-F238E27FC236}">
+                <a16:creationId xmlns:a16="http://schemas.microsoft.com/office/drawing/2014/main" id="{1AB5A4B4-1B7E-7342-09D3-1898084A8FF0}"/>
+              </a:ext>
+            </a:extLst>
+          </p:cNvPr>
+          <p:cNvCxnSpPr>
+            <a:cxnSpLocks/>
+          </p:cNvCxnSpPr>
+          <p:nvPr/>
+        </p:nvCxnSpPr>
+        <p:spPr>
+          <a:xfrm>
+            <a:off x="6850544" y="3427853"/>
+            <a:ext cx="868580" cy="0"/>
+          </a:xfrm>
+          <a:prstGeom prst="line">
+            <a:avLst/>
+          </a:prstGeom>
+        </p:spPr>
+        <p:style>
+          <a:lnRef idx="2">
+            <a:schemeClr val="accent1"/>
+          </a:lnRef>
+          <a:fillRef idx="0">
+            <a:schemeClr val="accent1"/>
+          </a:fillRef>
+          <a:effectRef idx="1">
+            <a:schemeClr val="accent1"/>
+          </a:effectRef>
+          <a:fontRef idx="minor">
+            <a:schemeClr val="tx1"/>
+          </a:fontRef>
+        </p:style>
+      </p:cxnSp>
+      <p:cxnSp>
+        <p:nvCxnSpPr>
+          <p:cNvPr id="142" name="直线连接符 141">
+            <a:extLst>
+              <a:ext uri="{FF2B5EF4-FFF2-40B4-BE49-F238E27FC236}">
+                <a16:creationId xmlns:a16="http://schemas.microsoft.com/office/drawing/2014/main" id="{470BE55E-D9D1-7A57-5210-C593B8ABE8F7}"/>
+              </a:ext>
+            </a:extLst>
+          </p:cNvPr>
+          <p:cNvCxnSpPr>
+            <a:cxnSpLocks/>
+          </p:cNvCxnSpPr>
+          <p:nvPr/>
+        </p:nvCxnSpPr>
+        <p:spPr>
+          <a:xfrm>
+            <a:off x="8588215" y="3427853"/>
+            <a:ext cx="0" cy="539827"/>
+          </a:xfrm>
+          <a:prstGeom prst="line">
+            <a:avLst/>
+          </a:prstGeom>
+        </p:spPr>
+        <p:style>
+          <a:lnRef idx="2">
+            <a:schemeClr val="accent1"/>
+          </a:lnRef>
+          <a:fillRef idx="0">
+            <a:schemeClr val="accent1"/>
+          </a:fillRef>
+          <a:effectRef idx="1">
+            <a:schemeClr val="accent1"/>
+          </a:effectRef>
+          <a:fontRef idx="minor">
+            <a:schemeClr val="tx1"/>
+          </a:fontRef>
+        </p:style>
+      </p:cxnSp>
+      <p:cxnSp>
+        <p:nvCxnSpPr>
+          <p:cNvPr id="143" name="直线连接符 142">
+            <a:extLst>
+              <a:ext uri="{FF2B5EF4-FFF2-40B4-BE49-F238E27FC236}">
+                <a16:creationId xmlns:a16="http://schemas.microsoft.com/office/drawing/2014/main" id="{1DE7B88F-8B0C-4C82-4CEE-BE30CE4C9610}"/>
+              </a:ext>
+            </a:extLst>
+          </p:cNvPr>
+          <p:cNvCxnSpPr>
+            <a:cxnSpLocks/>
+          </p:cNvCxnSpPr>
+          <p:nvPr/>
+        </p:nvCxnSpPr>
+        <p:spPr>
+          <a:xfrm>
+            <a:off x="7719635" y="3967680"/>
+            <a:ext cx="868580" cy="0"/>
+          </a:xfrm>
+          <a:prstGeom prst="line">
+            <a:avLst/>
+          </a:prstGeom>
+        </p:spPr>
+        <p:style>
+          <a:lnRef idx="2">
+            <a:schemeClr val="accent1"/>
+          </a:lnRef>
+          <a:fillRef idx="0">
+            <a:schemeClr val="accent1"/>
+          </a:fillRef>
+          <a:effectRef idx="1">
+            <a:schemeClr val="accent1"/>
+          </a:effectRef>
+          <a:fontRef idx="minor">
+            <a:schemeClr val="tx1"/>
+          </a:fontRef>
+        </p:style>
+      </p:cxnSp>
+      <p:cxnSp>
+        <p:nvCxnSpPr>
+          <p:cNvPr id="147" name="直线连接符 146">
+            <a:extLst>
+              <a:ext uri="{FF2B5EF4-FFF2-40B4-BE49-F238E27FC236}">
+                <a16:creationId xmlns:a16="http://schemas.microsoft.com/office/drawing/2014/main" id="{00472B37-4D73-ED06-2C5B-108DCFD84BA7}"/>
+              </a:ext>
+            </a:extLst>
+          </p:cNvPr>
+          <p:cNvCxnSpPr>
+            <a:cxnSpLocks/>
+          </p:cNvCxnSpPr>
+          <p:nvPr/>
+        </p:nvCxnSpPr>
+        <p:spPr>
+          <a:xfrm>
+            <a:off x="3401065" y="4208189"/>
+            <a:ext cx="0" cy="539827"/>
+          </a:xfrm>
+          <a:prstGeom prst="line">
+            <a:avLst/>
+          </a:prstGeom>
+        </p:spPr>
+        <p:style>
+          <a:lnRef idx="2">
+            <a:schemeClr val="accent1"/>
+          </a:lnRef>
+          <a:fillRef idx="0">
+            <a:schemeClr val="accent1"/>
+          </a:fillRef>
+          <a:effectRef idx="1">
+            <a:schemeClr val="accent1"/>
+          </a:effectRef>
+          <a:fontRef idx="minor">
+            <a:schemeClr val="tx1"/>
+          </a:fontRef>
+        </p:style>
+      </p:cxnSp>
+      <p:cxnSp>
+        <p:nvCxnSpPr>
+          <p:cNvPr id="148" name="直线连接符 147">
+            <a:extLst>
+              <a:ext uri="{FF2B5EF4-FFF2-40B4-BE49-F238E27FC236}">
+                <a16:creationId xmlns:a16="http://schemas.microsoft.com/office/drawing/2014/main" id="{858E807D-1C71-955D-281E-3FF8B7723B66}"/>
+              </a:ext>
+            </a:extLst>
+          </p:cNvPr>
+          <p:cNvCxnSpPr>
+            <a:cxnSpLocks/>
+          </p:cNvCxnSpPr>
+          <p:nvPr/>
+        </p:nvCxnSpPr>
+        <p:spPr>
+          <a:xfrm>
+            <a:off x="3831760" y="4208189"/>
+            <a:ext cx="0" cy="539827"/>
+          </a:xfrm>
+          <a:prstGeom prst="line">
+            <a:avLst/>
+          </a:prstGeom>
+        </p:spPr>
+        <p:style>
+          <a:lnRef idx="2">
+            <a:schemeClr val="accent1"/>
+          </a:lnRef>
+          <a:fillRef idx="0">
+            <a:schemeClr val="accent1"/>
+          </a:fillRef>
+          <a:effectRef idx="1">
+            <a:schemeClr val="accent1"/>
+          </a:effectRef>
+          <a:fontRef idx="minor">
+            <a:schemeClr val="tx1"/>
+          </a:fontRef>
+        </p:style>
+      </p:cxnSp>
+      <p:cxnSp>
+        <p:nvCxnSpPr>
+          <p:cNvPr id="151" name="直线连接符 150">
+            <a:extLst>
+              <a:ext uri="{FF2B5EF4-FFF2-40B4-BE49-F238E27FC236}">
+                <a16:creationId xmlns:a16="http://schemas.microsoft.com/office/drawing/2014/main" id="{70895806-CBFE-117B-C912-8CCF3920311E}"/>
+              </a:ext>
+            </a:extLst>
+          </p:cNvPr>
+          <p:cNvCxnSpPr>
+            <a:cxnSpLocks/>
+          </p:cNvCxnSpPr>
+          <p:nvPr/>
+        </p:nvCxnSpPr>
+        <p:spPr>
+          <a:xfrm>
+            <a:off x="5127865" y="4208189"/>
+            <a:ext cx="0" cy="539827"/>
+          </a:xfrm>
+          <a:prstGeom prst="line">
+            <a:avLst/>
+          </a:prstGeom>
+        </p:spPr>
+        <p:style>
+          <a:lnRef idx="2">
+            <a:schemeClr val="accent1"/>
+          </a:lnRef>
+          <a:fillRef idx="0">
+            <a:schemeClr val="accent1"/>
+          </a:fillRef>
+          <a:effectRef idx="1">
+            <a:schemeClr val="accent1"/>
+          </a:effectRef>
+          <a:fontRef idx="minor">
+            <a:schemeClr val="tx1"/>
+          </a:fontRef>
+        </p:style>
+      </p:cxnSp>
+      <p:cxnSp>
+        <p:nvCxnSpPr>
+          <p:cNvPr id="152" name="直线连接符 151">
+            <a:extLst>
+              <a:ext uri="{FF2B5EF4-FFF2-40B4-BE49-F238E27FC236}">
+                <a16:creationId xmlns:a16="http://schemas.microsoft.com/office/drawing/2014/main" id="{F4AA2AA4-4C21-93B6-4E71-21EADD1193D6}"/>
+              </a:ext>
+            </a:extLst>
+          </p:cNvPr>
+          <p:cNvCxnSpPr>
+            <a:cxnSpLocks/>
+          </p:cNvCxnSpPr>
+          <p:nvPr/>
+        </p:nvCxnSpPr>
+        <p:spPr>
+          <a:xfrm>
+            <a:off x="5559865" y="4208189"/>
+            <a:ext cx="0" cy="539827"/>
+          </a:xfrm>
+          <a:prstGeom prst="line">
+            <a:avLst/>
+          </a:prstGeom>
+        </p:spPr>
+        <p:style>
+          <a:lnRef idx="2">
+            <a:schemeClr val="accent1"/>
+          </a:lnRef>
+          <a:fillRef idx="0">
+            <a:schemeClr val="accent1"/>
+          </a:fillRef>
+          <a:effectRef idx="1">
+            <a:schemeClr val="accent1"/>
+          </a:effectRef>
+          <a:fontRef idx="minor">
+            <a:schemeClr val="tx1"/>
+          </a:fontRef>
+        </p:style>
+      </p:cxnSp>
+      <p:cxnSp>
+        <p:nvCxnSpPr>
+          <p:cNvPr id="155" name="直线连接符 154">
+            <a:extLst>
+              <a:ext uri="{FF2B5EF4-FFF2-40B4-BE49-F238E27FC236}">
+                <a16:creationId xmlns:a16="http://schemas.microsoft.com/office/drawing/2014/main" id="{88A93A0A-A7EF-AC00-03B4-A15BA5E46B48}"/>
+              </a:ext>
+            </a:extLst>
+          </p:cNvPr>
+          <p:cNvCxnSpPr>
+            <a:cxnSpLocks/>
+          </p:cNvCxnSpPr>
+          <p:nvPr/>
+        </p:nvCxnSpPr>
+        <p:spPr>
+          <a:xfrm>
+            <a:off x="6855865" y="4208189"/>
+            <a:ext cx="0" cy="539827"/>
+          </a:xfrm>
+          <a:prstGeom prst="line">
+            <a:avLst/>
+          </a:prstGeom>
+        </p:spPr>
+        <p:style>
+          <a:lnRef idx="2">
+            <a:schemeClr val="accent1"/>
+          </a:lnRef>
+          <a:fillRef idx="0">
+            <a:schemeClr val="accent1"/>
+          </a:fillRef>
+          <a:effectRef idx="1">
+            <a:schemeClr val="accent1"/>
+          </a:effectRef>
+          <a:fontRef idx="minor">
+            <a:schemeClr val="tx1"/>
+          </a:fontRef>
+        </p:style>
+      </p:cxnSp>
+      <p:cxnSp>
+        <p:nvCxnSpPr>
+          <p:cNvPr id="156" name="直线连接符 155">
+            <a:extLst>
+              <a:ext uri="{FF2B5EF4-FFF2-40B4-BE49-F238E27FC236}">
+                <a16:creationId xmlns:a16="http://schemas.microsoft.com/office/drawing/2014/main" id="{3DCB387B-1980-62AF-7B46-70A0EC663E1A}"/>
+              </a:ext>
+            </a:extLst>
+          </p:cNvPr>
+          <p:cNvCxnSpPr>
+            <a:cxnSpLocks/>
+          </p:cNvCxnSpPr>
+          <p:nvPr/>
+        </p:nvCxnSpPr>
+        <p:spPr>
+          <a:xfrm>
+            <a:off x="7287124" y="4208189"/>
+            <a:ext cx="0" cy="539827"/>
+          </a:xfrm>
+          <a:prstGeom prst="line">
+            <a:avLst/>
+          </a:prstGeom>
+        </p:spPr>
+        <p:style>
+          <a:lnRef idx="2">
+            <a:schemeClr val="accent1"/>
+          </a:lnRef>
+          <a:fillRef idx="0">
+            <a:schemeClr val="accent1"/>
+          </a:fillRef>
+          <a:effectRef idx="1">
+            <a:schemeClr val="accent1"/>
+          </a:effectRef>
+          <a:fontRef idx="minor">
+            <a:schemeClr val="tx1"/>
+          </a:fontRef>
+        </p:style>
+      </p:cxnSp>
+      <p:cxnSp>
+        <p:nvCxnSpPr>
+          <p:cNvPr id="159" name="直线连接符 158">
+            <a:extLst>
+              <a:ext uri="{FF2B5EF4-FFF2-40B4-BE49-F238E27FC236}">
+                <a16:creationId xmlns:a16="http://schemas.microsoft.com/office/drawing/2014/main" id="{D4782467-1FE7-46CC-C8F9-258A2EEBE91E}"/>
+              </a:ext>
+            </a:extLst>
+          </p:cNvPr>
+          <p:cNvCxnSpPr>
+            <a:cxnSpLocks/>
+          </p:cNvCxnSpPr>
+          <p:nvPr/>
+        </p:nvCxnSpPr>
+        <p:spPr>
+          <a:xfrm>
+            <a:off x="3397049" y="4208189"/>
+            <a:ext cx="441566" cy="0"/>
+          </a:xfrm>
+          <a:prstGeom prst="line">
+            <a:avLst/>
+          </a:prstGeom>
+        </p:spPr>
+        <p:style>
+          <a:lnRef idx="2">
+            <a:schemeClr val="accent1"/>
+          </a:lnRef>
+          <a:fillRef idx="0">
+            <a:schemeClr val="accent1"/>
+          </a:fillRef>
+          <a:effectRef idx="1">
+            <a:schemeClr val="accent1"/>
+          </a:effectRef>
+          <a:fontRef idx="minor">
+            <a:schemeClr val="tx1"/>
+          </a:fontRef>
+        </p:style>
+      </p:cxnSp>
+      <p:cxnSp>
+        <p:nvCxnSpPr>
+          <p:cNvPr id="160" name="直线连接符 159">
+            <a:extLst>
+              <a:ext uri="{FF2B5EF4-FFF2-40B4-BE49-F238E27FC236}">
+                <a16:creationId xmlns:a16="http://schemas.microsoft.com/office/drawing/2014/main" id="{C1A22AA9-C91C-4939-40E4-90D5EB9FB1C6}"/>
+              </a:ext>
+            </a:extLst>
+          </p:cNvPr>
+          <p:cNvCxnSpPr>
+            <a:cxnSpLocks/>
+          </p:cNvCxnSpPr>
+          <p:nvPr/>
+        </p:nvCxnSpPr>
+        <p:spPr>
+          <a:xfrm>
+            <a:off x="3829049" y="4748016"/>
+            <a:ext cx="1294800" cy="0"/>
+          </a:xfrm>
+          <a:prstGeom prst="line">
+            <a:avLst/>
+          </a:prstGeom>
+        </p:spPr>
+        <p:style>
+          <a:lnRef idx="2">
+            <a:schemeClr val="accent1"/>
+          </a:lnRef>
+          <a:fillRef idx="0">
+            <a:schemeClr val="accent1"/>
+          </a:fillRef>
+          <a:effectRef idx="1">
+            <a:schemeClr val="accent1"/>
+          </a:effectRef>
+          <a:fontRef idx="minor">
+            <a:schemeClr val="tx1"/>
+          </a:fontRef>
+        </p:style>
+      </p:cxnSp>
+      <p:cxnSp>
+        <p:nvCxnSpPr>
+          <p:cNvPr id="163" name="直线连接符 162">
+            <a:extLst>
+              <a:ext uri="{FF2B5EF4-FFF2-40B4-BE49-F238E27FC236}">
+                <a16:creationId xmlns:a16="http://schemas.microsoft.com/office/drawing/2014/main" id="{8EC69CAF-DA34-6C6E-5886-F4F74ECFFF96}"/>
+              </a:ext>
+            </a:extLst>
+          </p:cNvPr>
+          <p:cNvCxnSpPr>
+            <a:cxnSpLocks/>
+          </p:cNvCxnSpPr>
+          <p:nvPr/>
+        </p:nvCxnSpPr>
+        <p:spPr>
+          <a:xfrm>
+            <a:off x="5123849" y="4208189"/>
+            <a:ext cx="441566" cy="0"/>
+          </a:xfrm>
+          <a:prstGeom prst="line">
+            <a:avLst/>
+          </a:prstGeom>
+        </p:spPr>
+        <p:style>
+          <a:lnRef idx="2">
+            <a:schemeClr val="accent1"/>
+          </a:lnRef>
+          <a:fillRef idx="0">
+            <a:schemeClr val="accent1"/>
+          </a:fillRef>
+          <a:effectRef idx="1">
+            <a:schemeClr val="accent1"/>
+          </a:effectRef>
+          <a:fontRef idx="minor">
+            <a:schemeClr val="tx1"/>
+          </a:fontRef>
+        </p:style>
+      </p:cxnSp>
+      <p:cxnSp>
+        <p:nvCxnSpPr>
+          <p:cNvPr id="164" name="直线连接符 163">
+            <a:extLst>
+              <a:ext uri="{FF2B5EF4-FFF2-40B4-BE49-F238E27FC236}">
+                <a16:creationId xmlns:a16="http://schemas.microsoft.com/office/drawing/2014/main" id="{2315A0AD-FDEC-A70F-73E8-DE50063023C9}"/>
+              </a:ext>
+            </a:extLst>
+          </p:cNvPr>
+          <p:cNvCxnSpPr>
+            <a:cxnSpLocks/>
+          </p:cNvCxnSpPr>
+          <p:nvPr/>
+        </p:nvCxnSpPr>
+        <p:spPr>
+          <a:xfrm>
+            <a:off x="5555849" y="4748016"/>
+            <a:ext cx="1295259" cy="0"/>
+          </a:xfrm>
+          <a:prstGeom prst="line">
+            <a:avLst/>
+          </a:prstGeom>
+        </p:spPr>
+        <p:style>
+          <a:lnRef idx="2">
+            <a:schemeClr val="accent1"/>
+          </a:lnRef>
+          <a:fillRef idx="0">
+            <a:schemeClr val="accent1"/>
+          </a:fillRef>
+          <a:effectRef idx="1">
+            <a:schemeClr val="accent1"/>
+          </a:effectRef>
+          <a:fontRef idx="minor">
+            <a:schemeClr val="tx1"/>
+          </a:fontRef>
+        </p:style>
+      </p:cxnSp>
+      <p:cxnSp>
+        <p:nvCxnSpPr>
+          <p:cNvPr id="167" name="直线连接符 166">
+            <a:extLst>
+              <a:ext uri="{FF2B5EF4-FFF2-40B4-BE49-F238E27FC236}">
+                <a16:creationId xmlns:a16="http://schemas.microsoft.com/office/drawing/2014/main" id="{36919E2C-2627-DC90-A3ED-081803141D6E}"/>
+              </a:ext>
+            </a:extLst>
+          </p:cNvPr>
+          <p:cNvCxnSpPr>
+            <a:cxnSpLocks/>
+          </p:cNvCxnSpPr>
+          <p:nvPr/>
+        </p:nvCxnSpPr>
+        <p:spPr>
+          <a:xfrm>
+            <a:off x="6851108" y="4208189"/>
+            <a:ext cx="441566" cy="0"/>
+          </a:xfrm>
+          <a:prstGeom prst="line">
+            <a:avLst/>
+          </a:prstGeom>
+        </p:spPr>
+        <p:style>
+          <a:lnRef idx="2">
+            <a:schemeClr val="accent1"/>
+          </a:lnRef>
+          <a:fillRef idx="0">
+            <a:schemeClr val="accent1"/>
+          </a:fillRef>
+          <a:effectRef idx="1">
+            <a:schemeClr val="accent1"/>
+          </a:effectRef>
+          <a:fontRef idx="minor">
+            <a:schemeClr val="tx1"/>
+          </a:fontRef>
+        </p:style>
+      </p:cxnSp>
+      <p:cxnSp>
+        <p:nvCxnSpPr>
+          <p:cNvPr id="170" name="直线连接符 169">
+            <a:extLst>
+              <a:ext uri="{FF2B5EF4-FFF2-40B4-BE49-F238E27FC236}">
+                <a16:creationId xmlns:a16="http://schemas.microsoft.com/office/drawing/2014/main" id="{4AC05605-985F-B171-23EF-2B35EB90BFB9}"/>
+              </a:ext>
+            </a:extLst>
+          </p:cNvPr>
+          <p:cNvCxnSpPr>
+            <a:cxnSpLocks/>
+          </p:cNvCxnSpPr>
+          <p:nvPr/>
+        </p:nvCxnSpPr>
+        <p:spPr>
+          <a:xfrm>
+            <a:off x="7287635" y="4748016"/>
+            <a:ext cx="883228" cy="0"/>
+          </a:xfrm>
+          <a:prstGeom prst="line">
+            <a:avLst/>
+          </a:prstGeom>
+        </p:spPr>
+        <p:style>
+          <a:lnRef idx="2">
+            <a:schemeClr val="accent1"/>
+          </a:lnRef>
+          <a:fillRef idx="0">
+            <a:schemeClr val="accent1"/>
+          </a:fillRef>
+          <a:effectRef idx="1">
+            <a:schemeClr val="accent1"/>
+          </a:effectRef>
+          <a:fontRef idx="minor">
+            <a:schemeClr val="tx1"/>
+          </a:fontRef>
+        </p:style>
+      </p:cxnSp>
+      <p:sp>
+        <p:nvSpPr>
+          <p:cNvPr id="217" name="TextBox 59">
+            <a:extLst>
+              <a:ext uri="{FF2B5EF4-FFF2-40B4-BE49-F238E27FC236}">
+                <a16:creationId xmlns:a16="http://schemas.microsoft.com/office/drawing/2014/main" id="{1ABB0BA8-D3E0-0A04-08C7-2253182D26ED}"/>
+              </a:ext>
+            </a:extLst>
+          </p:cNvPr>
+          <p:cNvSpPr txBox="1"/>
+          <p:nvPr/>
+        </p:nvSpPr>
+        <p:spPr>
+          <a:xfrm>
+            <a:off x="2053725" y="3505556"/>
+            <a:ext cx="1200970" cy="369332"/>
+          </a:xfrm>
+          <a:prstGeom prst="rect">
+            <a:avLst/>
+          </a:prstGeom>
+          <a:noFill/>
+        </p:spPr>
+        <p:txBody>
+          <a:bodyPr wrap="none" rtlCol="0">
+            <a:spAutoFit/>
+          </a:bodyPr>
+          <a:lstStyle/>
+          <a:p>
+            <a:r>
+              <a:rPr lang="en-US" dirty="0"/>
+              <a:t>DCLKDIV2</a:t>
+            </a:r>
+          </a:p>
+        </p:txBody>
+      </p:sp>
+      <p:sp>
+        <p:nvSpPr>
+          <p:cNvPr id="218" name="TextBox 59">
+            <a:extLst>
+              <a:ext uri="{FF2B5EF4-FFF2-40B4-BE49-F238E27FC236}">
+                <a16:creationId xmlns:a16="http://schemas.microsoft.com/office/drawing/2014/main" id="{321625A1-5EB6-0569-1B3D-D066B2E604A7}"/>
+              </a:ext>
+            </a:extLst>
+          </p:cNvPr>
+          <p:cNvSpPr txBox="1"/>
+          <p:nvPr/>
+        </p:nvSpPr>
+        <p:spPr>
+          <a:xfrm>
+            <a:off x="2387532" y="4252337"/>
+            <a:ext cx="822661" cy="369332"/>
+          </a:xfrm>
+          <a:prstGeom prst="rect">
+            <a:avLst/>
+          </a:prstGeom>
+          <a:noFill/>
+        </p:spPr>
+        <p:txBody>
+          <a:bodyPr wrap="none" rtlCol="0">
+            <a:spAutoFit/>
+          </a:bodyPr>
+          <a:lstStyle/>
+          <a:p>
+            <a:r>
+              <a:rPr lang="en-US" dirty="0"/>
+              <a:t>DDIV2</a:t>
+            </a:r>
+          </a:p>
+        </p:txBody>
+      </p:sp>
+      <p:cxnSp>
+        <p:nvCxnSpPr>
+          <p:cNvPr id="4" name="Straight Connector 3">
+            <a:extLst>
+              <a:ext uri="{FF2B5EF4-FFF2-40B4-BE49-F238E27FC236}">
+                <a16:creationId xmlns:a16="http://schemas.microsoft.com/office/drawing/2014/main" id="{CDB2A9A7-ED01-B659-00CD-9D41B29E6E56}"/>
+              </a:ext>
+            </a:extLst>
+          </p:cNvPr>
+          <p:cNvCxnSpPr>
+            <a:cxnSpLocks/>
+          </p:cNvCxnSpPr>
+          <p:nvPr/>
+        </p:nvCxnSpPr>
+        <p:spPr>
+          <a:xfrm>
+            <a:off x="3406063" y="2882434"/>
+            <a:ext cx="0" cy="1692000"/>
+          </a:xfrm>
+          <a:prstGeom prst="line">
+            <a:avLst/>
+          </a:prstGeom>
+          <a:ln w="19050" cap="flat" cmpd="sng" algn="ctr">
+            <a:solidFill>
+              <a:schemeClr val="accent6"/>
+            </a:solidFill>
+            <a:prstDash val="dash"/>
+            <a:round/>
+            <a:headEnd type="none" w="med" len="med"/>
+            <a:tailEnd type="none" w="med" len="med"/>
+          </a:ln>
+        </p:spPr>
+        <p:style>
+          <a:lnRef idx="0">
+            <a:scrgbClr r="0" g="0" b="0"/>
+          </a:lnRef>
+          <a:fillRef idx="0">
+            <a:scrgbClr r="0" g="0" b="0"/>
+          </a:fillRef>
+          <a:effectRef idx="0">
+            <a:scrgbClr r="0" g="0" b="0"/>
+          </a:effectRef>
+          <a:fontRef idx="minor">
+            <a:schemeClr val="tx1"/>
+          </a:fontRef>
+        </p:style>
+      </p:cxnSp>
+      <p:cxnSp>
+        <p:nvCxnSpPr>
+          <p:cNvPr id="19" name="Straight Connector 18">
+            <a:extLst>
+              <a:ext uri="{FF2B5EF4-FFF2-40B4-BE49-F238E27FC236}">
+                <a16:creationId xmlns:a16="http://schemas.microsoft.com/office/drawing/2014/main" id="{4C485621-ADAC-4BEB-04A4-4673F1A40F05}"/>
+              </a:ext>
+            </a:extLst>
+          </p:cNvPr>
+          <p:cNvCxnSpPr>
+            <a:cxnSpLocks/>
+          </p:cNvCxnSpPr>
+          <p:nvPr/>
+        </p:nvCxnSpPr>
+        <p:spPr>
+          <a:xfrm>
+            <a:off x="3838615" y="2869734"/>
+            <a:ext cx="0" cy="1692000"/>
+          </a:xfrm>
+          <a:prstGeom prst="line">
+            <a:avLst/>
+          </a:prstGeom>
+          <a:ln w="19050" cap="flat" cmpd="sng" algn="ctr">
+            <a:solidFill>
+              <a:schemeClr val="accent6"/>
+            </a:solidFill>
+            <a:prstDash val="dash"/>
+            <a:round/>
+            <a:headEnd type="none" w="med" len="med"/>
+            <a:tailEnd type="none" w="med" len="med"/>
+          </a:ln>
+        </p:spPr>
+        <p:style>
+          <a:lnRef idx="0">
+            <a:scrgbClr r="0" g="0" b="0"/>
+          </a:lnRef>
+          <a:fillRef idx="0">
+            <a:scrgbClr r="0" g="0" b="0"/>
+          </a:fillRef>
+          <a:effectRef idx="0">
+            <a:scrgbClr r="0" g="0" b="0"/>
+          </a:effectRef>
+          <a:fontRef idx="minor">
+            <a:schemeClr val="tx1"/>
+          </a:fontRef>
+        </p:style>
+      </p:cxnSp>
+      <p:cxnSp>
+        <p:nvCxnSpPr>
+          <p:cNvPr id="20" name="Straight Connector 19">
+            <a:extLst>
+              <a:ext uri="{FF2B5EF4-FFF2-40B4-BE49-F238E27FC236}">
+                <a16:creationId xmlns:a16="http://schemas.microsoft.com/office/drawing/2014/main" id="{D67A3AA6-4A0C-ED34-F6ED-BE7057ABBDCC}"/>
+              </a:ext>
+            </a:extLst>
+          </p:cNvPr>
+          <p:cNvCxnSpPr>
+            <a:cxnSpLocks/>
+          </p:cNvCxnSpPr>
+          <p:nvPr/>
+        </p:nvCxnSpPr>
+        <p:spPr>
+          <a:xfrm>
+            <a:off x="4274626" y="2869734"/>
+            <a:ext cx="0" cy="1692000"/>
+          </a:xfrm>
+          <a:prstGeom prst="line">
+            <a:avLst/>
+          </a:prstGeom>
+          <a:ln w="19050" cap="flat" cmpd="sng" algn="ctr">
+            <a:solidFill>
+              <a:schemeClr val="accent6"/>
+            </a:solidFill>
+            <a:prstDash val="dash"/>
+            <a:round/>
+            <a:headEnd type="none" w="med" len="med"/>
+            <a:tailEnd type="none" w="med" len="med"/>
+          </a:ln>
+        </p:spPr>
+        <p:style>
+          <a:lnRef idx="0">
+            <a:scrgbClr r="0" g="0" b="0"/>
+          </a:lnRef>
+          <a:fillRef idx="0">
+            <a:scrgbClr r="0" g="0" b="0"/>
+          </a:fillRef>
+          <a:effectRef idx="0">
+            <a:scrgbClr r="0" g="0" b="0"/>
+          </a:effectRef>
+          <a:fontRef idx="minor">
+            <a:schemeClr val="tx1"/>
+          </a:fontRef>
+        </p:style>
+      </p:cxnSp>
+      <p:cxnSp>
+        <p:nvCxnSpPr>
+          <p:cNvPr id="21" name="Straight Connector 20">
+            <a:extLst>
+              <a:ext uri="{FF2B5EF4-FFF2-40B4-BE49-F238E27FC236}">
+                <a16:creationId xmlns:a16="http://schemas.microsoft.com/office/drawing/2014/main" id="{3E861AAC-2963-BB16-7DD6-EFC4604873EA}"/>
+              </a:ext>
+            </a:extLst>
+          </p:cNvPr>
+          <p:cNvCxnSpPr>
+            <a:cxnSpLocks/>
+          </p:cNvCxnSpPr>
+          <p:nvPr/>
+        </p:nvCxnSpPr>
+        <p:spPr>
+          <a:xfrm>
+            <a:off x="4696852" y="2886309"/>
+            <a:ext cx="0" cy="1692000"/>
+          </a:xfrm>
+          <a:prstGeom prst="line">
+            <a:avLst/>
+          </a:prstGeom>
+          <a:ln w="19050" cap="flat" cmpd="sng" algn="ctr">
+            <a:solidFill>
+              <a:schemeClr val="accent6"/>
+            </a:solidFill>
+            <a:prstDash val="dash"/>
+            <a:round/>
+            <a:headEnd type="none" w="med" len="med"/>
+            <a:tailEnd type="none" w="med" len="med"/>
+          </a:ln>
+        </p:spPr>
+        <p:style>
+          <a:lnRef idx="0">
+            <a:scrgbClr r="0" g="0" b="0"/>
+          </a:lnRef>
+          <a:fillRef idx="0">
+            <a:scrgbClr r="0" g="0" b="0"/>
+          </a:fillRef>
+          <a:effectRef idx="0">
+            <a:scrgbClr r="0" g="0" b="0"/>
+          </a:effectRef>
+          <a:fontRef idx="minor">
+            <a:schemeClr val="tx1"/>
+          </a:fontRef>
+        </p:style>
+      </p:cxnSp>
+      <p:cxnSp>
+        <p:nvCxnSpPr>
+          <p:cNvPr id="22" name="Straight Connector 21">
+            <a:extLst>
+              <a:ext uri="{FF2B5EF4-FFF2-40B4-BE49-F238E27FC236}">
+                <a16:creationId xmlns:a16="http://schemas.microsoft.com/office/drawing/2014/main" id="{C7A56F62-A7CA-269C-676B-DEB82533B000}"/>
+              </a:ext>
+            </a:extLst>
+          </p:cNvPr>
+          <p:cNvCxnSpPr>
+            <a:cxnSpLocks/>
+          </p:cNvCxnSpPr>
+          <p:nvPr/>
+        </p:nvCxnSpPr>
+        <p:spPr>
+          <a:xfrm>
+            <a:off x="5129404" y="2873609"/>
+            <a:ext cx="0" cy="1692000"/>
+          </a:xfrm>
+          <a:prstGeom prst="line">
+            <a:avLst/>
+          </a:prstGeom>
+          <a:ln w="19050" cap="flat" cmpd="sng" algn="ctr">
+            <a:solidFill>
+              <a:schemeClr val="accent6"/>
+            </a:solidFill>
+            <a:prstDash val="dash"/>
+            <a:round/>
+            <a:headEnd type="none" w="med" len="med"/>
+            <a:tailEnd type="none" w="med" len="med"/>
+          </a:ln>
+        </p:spPr>
+        <p:style>
+          <a:lnRef idx="0">
+            <a:scrgbClr r="0" g="0" b="0"/>
+          </a:lnRef>
+          <a:fillRef idx="0">
+            <a:scrgbClr r="0" g="0" b="0"/>
+          </a:fillRef>
+          <a:effectRef idx="0">
+            <a:scrgbClr r="0" g="0" b="0"/>
+          </a:effectRef>
+          <a:fontRef idx="minor">
+            <a:schemeClr val="tx1"/>
+          </a:fontRef>
+        </p:style>
+      </p:cxnSp>
+      <p:cxnSp>
+        <p:nvCxnSpPr>
+          <p:cNvPr id="23" name="Straight Connector 22">
+            <a:extLst>
+              <a:ext uri="{FF2B5EF4-FFF2-40B4-BE49-F238E27FC236}">
+                <a16:creationId xmlns:a16="http://schemas.microsoft.com/office/drawing/2014/main" id="{FD866BA2-1183-94FE-A818-1011C842D5A1}"/>
+              </a:ext>
+            </a:extLst>
+          </p:cNvPr>
+          <p:cNvCxnSpPr>
+            <a:cxnSpLocks/>
+          </p:cNvCxnSpPr>
+          <p:nvPr/>
+        </p:nvCxnSpPr>
+        <p:spPr>
+          <a:xfrm>
+            <a:off x="5565415" y="2873609"/>
+            <a:ext cx="0" cy="1692000"/>
+          </a:xfrm>
+          <a:prstGeom prst="line">
+            <a:avLst/>
+          </a:prstGeom>
+          <a:ln w="19050" cap="flat" cmpd="sng" algn="ctr">
+            <a:solidFill>
+              <a:schemeClr val="accent6"/>
+            </a:solidFill>
+            <a:prstDash val="dash"/>
+            <a:round/>
+            <a:headEnd type="none" w="med" len="med"/>
+            <a:tailEnd type="none" w="med" len="med"/>
+          </a:ln>
+        </p:spPr>
+        <p:style>
+          <a:lnRef idx="0">
+            <a:scrgbClr r="0" g="0" b="0"/>
+          </a:lnRef>
+          <a:fillRef idx="0">
+            <a:scrgbClr r="0" g="0" b="0"/>
+          </a:fillRef>
+          <a:effectRef idx="0">
+            <a:scrgbClr r="0" g="0" b="0"/>
+          </a:effectRef>
+          <a:fontRef idx="minor">
+            <a:schemeClr val="tx1"/>
+          </a:fontRef>
+        </p:style>
+      </p:cxnSp>
+      <p:cxnSp>
+        <p:nvCxnSpPr>
+          <p:cNvPr id="24" name="Straight Connector 23">
+            <a:extLst>
+              <a:ext uri="{FF2B5EF4-FFF2-40B4-BE49-F238E27FC236}">
+                <a16:creationId xmlns:a16="http://schemas.microsoft.com/office/drawing/2014/main" id="{BFA6F6FB-D682-B693-67FF-442B82890A42}"/>
+              </a:ext>
+            </a:extLst>
+          </p:cNvPr>
+          <p:cNvCxnSpPr>
+            <a:cxnSpLocks/>
+          </p:cNvCxnSpPr>
+          <p:nvPr/>
+        </p:nvCxnSpPr>
+        <p:spPr>
+          <a:xfrm>
+            <a:off x="5996241" y="2874497"/>
+            <a:ext cx="0" cy="1692000"/>
+          </a:xfrm>
+          <a:prstGeom prst="line">
+            <a:avLst/>
+          </a:prstGeom>
+          <a:ln w="19050" cap="flat" cmpd="sng" algn="ctr">
+            <a:solidFill>
+              <a:schemeClr val="accent6"/>
+            </a:solidFill>
+            <a:prstDash val="dash"/>
+            <a:round/>
+            <a:headEnd type="none" w="med" len="med"/>
+            <a:tailEnd type="none" w="med" len="med"/>
+          </a:ln>
+        </p:spPr>
+        <p:style>
+          <a:lnRef idx="0">
+            <a:scrgbClr r="0" g="0" b="0"/>
+          </a:lnRef>
+          <a:fillRef idx="0">
+            <a:scrgbClr r="0" g="0" b="0"/>
+          </a:fillRef>
+          <a:effectRef idx="0">
+            <a:scrgbClr r="0" g="0" b="0"/>
+          </a:effectRef>
+          <a:fontRef idx="minor">
+            <a:schemeClr val="tx1"/>
+          </a:fontRef>
+        </p:style>
+      </p:cxnSp>
+      <p:cxnSp>
+        <p:nvCxnSpPr>
+          <p:cNvPr id="26" name="Straight Connector 25">
+            <a:extLst>
+              <a:ext uri="{FF2B5EF4-FFF2-40B4-BE49-F238E27FC236}">
+                <a16:creationId xmlns:a16="http://schemas.microsoft.com/office/drawing/2014/main" id="{7463B48C-D88F-E408-C7BC-CAA064B7419B}"/>
+              </a:ext>
+            </a:extLst>
+          </p:cNvPr>
+          <p:cNvCxnSpPr>
+            <a:cxnSpLocks/>
+          </p:cNvCxnSpPr>
+          <p:nvPr/>
+        </p:nvCxnSpPr>
+        <p:spPr>
+          <a:xfrm>
+            <a:off x="6428793" y="2861797"/>
+            <a:ext cx="0" cy="1692000"/>
+          </a:xfrm>
+          <a:prstGeom prst="line">
+            <a:avLst/>
+          </a:prstGeom>
+          <a:ln w="19050" cap="flat" cmpd="sng" algn="ctr">
+            <a:solidFill>
+              <a:schemeClr val="accent6"/>
+            </a:solidFill>
+            <a:prstDash val="dash"/>
+            <a:round/>
+            <a:headEnd type="none" w="med" len="med"/>
+            <a:tailEnd type="none" w="med" len="med"/>
+          </a:ln>
+        </p:spPr>
+        <p:style>
+          <a:lnRef idx="0">
+            <a:scrgbClr r="0" g="0" b="0"/>
+          </a:lnRef>
+          <a:fillRef idx="0">
+            <a:scrgbClr r="0" g="0" b="0"/>
+          </a:fillRef>
+          <a:effectRef idx="0">
+            <a:scrgbClr r="0" g="0" b="0"/>
+          </a:effectRef>
+          <a:fontRef idx="minor">
+            <a:schemeClr val="tx1"/>
+          </a:fontRef>
+        </p:style>
+      </p:cxnSp>
+      <p:cxnSp>
+        <p:nvCxnSpPr>
+          <p:cNvPr id="27" name="Straight Connector 26">
+            <a:extLst>
+              <a:ext uri="{FF2B5EF4-FFF2-40B4-BE49-F238E27FC236}">
+                <a16:creationId xmlns:a16="http://schemas.microsoft.com/office/drawing/2014/main" id="{7EA5829A-84B9-4CC1-1A56-4AD0B569EF32}"/>
+              </a:ext>
+            </a:extLst>
+          </p:cNvPr>
+          <p:cNvCxnSpPr>
+            <a:cxnSpLocks/>
+          </p:cNvCxnSpPr>
+          <p:nvPr/>
+        </p:nvCxnSpPr>
+        <p:spPr>
+          <a:xfrm>
+            <a:off x="6864804" y="2861797"/>
+            <a:ext cx="0" cy="1692000"/>
+          </a:xfrm>
+          <a:prstGeom prst="line">
+            <a:avLst/>
+          </a:prstGeom>
+          <a:ln w="19050" cap="flat" cmpd="sng" algn="ctr">
+            <a:solidFill>
+              <a:schemeClr val="accent6"/>
+            </a:solidFill>
+            <a:prstDash val="dash"/>
+            <a:round/>
+            <a:headEnd type="none" w="med" len="med"/>
+            <a:tailEnd type="none" w="med" len="med"/>
+          </a:ln>
+        </p:spPr>
+        <p:style>
+          <a:lnRef idx="0">
+            <a:scrgbClr r="0" g="0" b="0"/>
+          </a:lnRef>
+          <a:fillRef idx="0">
+            <a:scrgbClr r="0" g="0" b="0"/>
+          </a:fillRef>
+          <a:effectRef idx="0">
+            <a:scrgbClr r="0" g="0" b="0"/>
+          </a:effectRef>
+          <a:fontRef idx="minor">
+            <a:schemeClr val="tx1"/>
+          </a:fontRef>
+        </p:style>
+      </p:cxnSp>
+      <p:cxnSp>
+        <p:nvCxnSpPr>
+          <p:cNvPr id="32" name="Straight Connector 31">
+            <a:extLst>
+              <a:ext uri="{FF2B5EF4-FFF2-40B4-BE49-F238E27FC236}">
+                <a16:creationId xmlns:a16="http://schemas.microsoft.com/office/drawing/2014/main" id="{B9BEFF27-0877-AEDF-C194-12DEEDB6594B}"/>
+              </a:ext>
+            </a:extLst>
+          </p:cNvPr>
+          <p:cNvCxnSpPr>
+            <a:cxnSpLocks/>
+          </p:cNvCxnSpPr>
+          <p:nvPr/>
+        </p:nvCxnSpPr>
+        <p:spPr>
+          <a:xfrm>
+            <a:off x="7299230" y="2869734"/>
+            <a:ext cx="0" cy="1692000"/>
+          </a:xfrm>
+          <a:prstGeom prst="line">
+            <a:avLst/>
+          </a:prstGeom>
+          <a:ln w="19050" cap="flat" cmpd="sng" algn="ctr">
+            <a:solidFill>
+              <a:schemeClr val="accent6"/>
+            </a:solidFill>
+            <a:prstDash val="dash"/>
+            <a:round/>
+            <a:headEnd type="none" w="med" len="med"/>
+            <a:tailEnd type="none" w="med" len="med"/>
+          </a:ln>
+        </p:spPr>
+        <p:style>
+          <a:lnRef idx="0">
+            <a:scrgbClr r="0" g="0" b="0"/>
+          </a:lnRef>
+          <a:fillRef idx="0">
+            <a:scrgbClr r="0" g="0" b="0"/>
+          </a:fillRef>
+          <a:effectRef idx="0">
+            <a:scrgbClr r="0" g="0" b="0"/>
+          </a:effectRef>
+          <a:fontRef idx="minor">
+            <a:schemeClr val="tx1"/>
+          </a:fontRef>
+        </p:style>
+      </p:cxnSp>
+      <p:cxnSp>
+        <p:nvCxnSpPr>
+          <p:cNvPr id="34" name="Straight Connector 33">
+            <a:extLst>
+              <a:ext uri="{FF2B5EF4-FFF2-40B4-BE49-F238E27FC236}">
+                <a16:creationId xmlns:a16="http://schemas.microsoft.com/office/drawing/2014/main" id="{40EA5747-00CD-E478-9415-AD64298CC228}"/>
+              </a:ext>
+            </a:extLst>
+          </p:cNvPr>
+          <p:cNvCxnSpPr>
+            <a:cxnSpLocks/>
+          </p:cNvCxnSpPr>
+          <p:nvPr/>
+        </p:nvCxnSpPr>
+        <p:spPr>
+          <a:xfrm>
+            <a:off x="7731782" y="2857034"/>
+            <a:ext cx="0" cy="1692000"/>
+          </a:xfrm>
+          <a:prstGeom prst="line">
+            <a:avLst/>
+          </a:prstGeom>
+          <a:ln w="19050" cap="flat" cmpd="sng" algn="ctr">
+            <a:solidFill>
+              <a:schemeClr val="accent6"/>
+            </a:solidFill>
+            <a:prstDash val="dash"/>
+            <a:round/>
+            <a:headEnd type="none" w="med" len="med"/>
+            <a:tailEnd type="none" w="med" len="med"/>
+          </a:ln>
+        </p:spPr>
+        <p:style>
+          <a:lnRef idx="0">
+            <a:scrgbClr r="0" g="0" b="0"/>
+          </a:lnRef>
+          <a:fillRef idx="0">
+            <a:scrgbClr r="0" g="0" b="0"/>
+          </a:fillRef>
+          <a:effectRef idx="0">
+            <a:scrgbClr r="0" g="0" b="0"/>
+          </a:effectRef>
+          <a:fontRef idx="minor">
+            <a:schemeClr val="tx1"/>
+          </a:fontRef>
+        </p:style>
+      </p:cxnSp>
+      <p:cxnSp>
+        <p:nvCxnSpPr>
+          <p:cNvPr id="35" name="Straight Connector 34">
+            <a:extLst>
+              <a:ext uri="{FF2B5EF4-FFF2-40B4-BE49-F238E27FC236}">
+                <a16:creationId xmlns:a16="http://schemas.microsoft.com/office/drawing/2014/main" id="{2BA92EF1-F68A-2CEE-0C19-5AEB36BB7B79}"/>
+              </a:ext>
+            </a:extLst>
+          </p:cNvPr>
+          <p:cNvCxnSpPr>
+            <a:cxnSpLocks/>
+          </p:cNvCxnSpPr>
+          <p:nvPr/>
+        </p:nvCxnSpPr>
+        <p:spPr>
+          <a:xfrm>
+            <a:off x="8167793" y="2857034"/>
+            <a:ext cx="0" cy="1692000"/>
+          </a:xfrm>
+          <a:prstGeom prst="line">
+            <a:avLst/>
+          </a:prstGeom>
+          <a:ln w="19050" cap="flat" cmpd="sng" algn="ctr">
+            <a:solidFill>
+              <a:schemeClr val="accent6"/>
+            </a:solidFill>
+            <a:prstDash val="dash"/>
+            <a:round/>
+            <a:headEnd type="none" w="med" len="med"/>
+            <a:tailEnd type="none" w="med" len="med"/>
+          </a:ln>
+        </p:spPr>
+        <p:style>
+          <a:lnRef idx="0">
+            <a:scrgbClr r="0" g="0" b="0"/>
+          </a:lnRef>
+          <a:fillRef idx="0">
+            <a:scrgbClr r="0" g="0" b="0"/>
+          </a:fillRef>
+          <a:effectRef idx="0">
+            <a:scrgbClr r="0" g="0" b="0"/>
+          </a:effectRef>
+          <a:fontRef idx="minor">
+            <a:schemeClr val="tx1"/>
+          </a:fontRef>
+        </p:style>
+      </p:cxnSp>
+      <p:cxnSp>
+        <p:nvCxnSpPr>
+          <p:cNvPr id="36" name="Straight Connector 35">
+            <a:extLst>
+              <a:ext uri="{FF2B5EF4-FFF2-40B4-BE49-F238E27FC236}">
+                <a16:creationId xmlns:a16="http://schemas.microsoft.com/office/drawing/2014/main" id="{FA3BA2EC-34E5-B9F4-1CBE-EB9CD899CA61}"/>
+              </a:ext>
+            </a:extLst>
+          </p:cNvPr>
+          <p:cNvCxnSpPr>
+            <a:cxnSpLocks/>
+          </p:cNvCxnSpPr>
+          <p:nvPr/>
+        </p:nvCxnSpPr>
+        <p:spPr>
+          <a:xfrm>
+            <a:off x="8594013" y="2853859"/>
+            <a:ext cx="0" cy="1692000"/>
+          </a:xfrm>
+          <a:prstGeom prst="line">
+            <a:avLst/>
+          </a:prstGeom>
+          <a:ln w="19050" cap="flat" cmpd="sng" algn="ctr">
+            <a:solidFill>
+              <a:schemeClr val="accent6"/>
+            </a:solidFill>
+            <a:prstDash val="dash"/>
+            <a:round/>
+            <a:headEnd type="none" w="med" len="med"/>
+            <a:tailEnd type="none" w="med" len="med"/>
+          </a:ln>
+        </p:spPr>
+        <p:style>
+          <a:lnRef idx="0">
+            <a:scrgbClr r="0" g="0" b="0"/>
+          </a:lnRef>
+          <a:fillRef idx="0">
+            <a:scrgbClr r="0" g="0" b="0"/>
+          </a:fillRef>
+          <a:effectRef idx="0">
+            <a:scrgbClr r="0" g="0" b="0"/>
+          </a:effectRef>
+          <a:fontRef idx="minor">
+            <a:schemeClr val="tx1"/>
+          </a:fontRef>
+        </p:style>
+      </p:cxnSp>
+      <p:cxnSp>
+        <p:nvCxnSpPr>
+          <p:cNvPr id="37" name="Straight Connector 36">
+            <a:extLst>
+              <a:ext uri="{FF2B5EF4-FFF2-40B4-BE49-F238E27FC236}">
+                <a16:creationId xmlns:a16="http://schemas.microsoft.com/office/drawing/2014/main" id="{92004921-60F0-9122-B47E-770E09A22EC5}"/>
+              </a:ext>
+            </a:extLst>
+          </p:cNvPr>
+          <p:cNvCxnSpPr>
+            <a:cxnSpLocks/>
+          </p:cNvCxnSpPr>
+          <p:nvPr/>
+        </p:nvCxnSpPr>
+        <p:spPr>
+          <a:xfrm>
+            <a:off x="9026565" y="2841159"/>
+            <a:ext cx="0" cy="1692000"/>
+          </a:xfrm>
+          <a:prstGeom prst="line">
+            <a:avLst/>
+          </a:prstGeom>
+          <a:ln w="19050" cap="flat" cmpd="sng" algn="ctr">
+            <a:solidFill>
+              <a:schemeClr val="accent6"/>
+            </a:solidFill>
+            <a:prstDash val="dash"/>
+            <a:round/>
+            <a:headEnd type="none" w="med" len="med"/>
+            <a:tailEnd type="none" w="med" len="med"/>
+          </a:ln>
+        </p:spPr>
+        <p:style>
+          <a:lnRef idx="0">
+            <a:scrgbClr r="0" g="0" b="0"/>
+          </a:lnRef>
+          <a:fillRef idx="0">
+            <a:scrgbClr r="0" g="0" b="0"/>
+          </a:fillRef>
+          <a:effectRef idx="0">
+            <a:scrgbClr r="0" g="0" b="0"/>
+          </a:effectRef>
+          <a:fontRef idx="minor">
+            <a:schemeClr val="tx1"/>
+          </a:fontRef>
+        </p:style>
+      </p:cxnSp>
+      <p:sp>
+        <p:nvSpPr>
+          <p:cNvPr id="39" name="TextBox 38">
+            <a:extLst>
+              <a:ext uri="{FF2B5EF4-FFF2-40B4-BE49-F238E27FC236}">
+                <a16:creationId xmlns:a16="http://schemas.microsoft.com/office/drawing/2014/main" id="{A6409DF0-2872-E959-0591-09B720960855}"/>
+              </a:ext>
+            </a:extLst>
+          </p:cNvPr>
+          <p:cNvSpPr txBox="1"/>
+          <p:nvPr/>
+        </p:nvSpPr>
+        <p:spPr>
+          <a:xfrm>
+            <a:off x="3216065" y="2166474"/>
+            <a:ext cx="375424" cy="246221"/>
+          </a:xfrm>
+          <a:prstGeom prst="rect">
+            <a:avLst/>
+          </a:prstGeom>
+          <a:noFill/>
+        </p:spPr>
+        <p:txBody>
+          <a:bodyPr wrap="none" rtlCol="0">
+            <a:spAutoFit/>
+          </a:bodyPr>
+          <a:lstStyle/>
+          <a:p>
+            <a:r>
+              <a:rPr lang="en-US" sz="1000" dirty="0"/>
+              <a:t>0ns</a:t>
+            </a:r>
+          </a:p>
+        </p:txBody>
+      </p:sp>
+      <p:sp>
+        <p:nvSpPr>
+          <p:cNvPr id="41" name="TextBox 40">
+            <a:extLst>
+              <a:ext uri="{FF2B5EF4-FFF2-40B4-BE49-F238E27FC236}">
+                <a16:creationId xmlns:a16="http://schemas.microsoft.com/office/drawing/2014/main" id="{E1F65F96-DB6B-166B-B57A-6539E8B7486D}"/>
+              </a:ext>
+            </a:extLst>
+          </p:cNvPr>
+          <p:cNvSpPr txBox="1"/>
+          <p:nvPr/>
+        </p:nvSpPr>
+        <p:spPr>
+          <a:xfrm>
+            <a:off x="4073337" y="2163119"/>
+            <a:ext cx="442750" cy="246221"/>
+          </a:xfrm>
+          <a:prstGeom prst="rect">
+            <a:avLst/>
+          </a:prstGeom>
+          <a:noFill/>
+        </p:spPr>
+        <p:txBody>
+          <a:bodyPr wrap="none" rtlCol="0">
+            <a:spAutoFit/>
+          </a:bodyPr>
+          <a:lstStyle/>
+          <a:p>
+            <a:r>
+              <a:rPr lang="en-US" sz="1000" dirty="0"/>
+              <a:t>10ns</a:t>
+            </a:r>
+          </a:p>
+        </p:txBody>
+      </p:sp>
+      <p:sp>
+        <p:nvSpPr>
+          <p:cNvPr id="42" name="TextBox 41">
+            <a:extLst>
+              <a:ext uri="{FF2B5EF4-FFF2-40B4-BE49-F238E27FC236}">
+                <a16:creationId xmlns:a16="http://schemas.microsoft.com/office/drawing/2014/main" id="{4B12F11A-2BC5-6CBB-34DB-D6DD91CEDFAA}"/>
+              </a:ext>
+            </a:extLst>
+          </p:cNvPr>
+          <p:cNvSpPr txBox="1"/>
+          <p:nvPr/>
+        </p:nvSpPr>
+        <p:spPr>
+          <a:xfrm>
+            <a:off x="4930591" y="2163119"/>
+            <a:ext cx="442750" cy="246221"/>
+          </a:xfrm>
+          <a:prstGeom prst="rect">
+            <a:avLst/>
+          </a:prstGeom>
+          <a:noFill/>
+        </p:spPr>
+        <p:txBody>
+          <a:bodyPr wrap="none" rtlCol="0">
+            <a:spAutoFit/>
+          </a:bodyPr>
+          <a:lstStyle/>
+          <a:p>
+            <a:r>
+              <a:rPr lang="en-US" sz="1000" dirty="0"/>
+              <a:t>20ns</a:t>
+            </a:r>
+          </a:p>
+        </p:txBody>
+      </p:sp>
+      <p:sp>
+        <p:nvSpPr>
+          <p:cNvPr id="45" name="TextBox 44">
+            <a:extLst>
+              <a:ext uri="{FF2B5EF4-FFF2-40B4-BE49-F238E27FC236}">
+                <a16:creationId xmlns:a16="http://schemas.microsoft.com/office/drawing/2014/main" id="{0B12BB5A-9893-C433-0F6E-A5C942540A70}"/>
+              </a:ext>
+            </a:extLst>
+          </p:cNvPr>
+          <p:cNvSpPr txBox="1"/>
+          <p:nvPr/>
+        </p:nvSpPr>
+        <p:spPr>
+          <a:xfrm>
+            <a:off x="5788535" y="2163119"/>
+            <a:ext cx="442750" cy="246221"/>
+          </a:xfrm>
+          <a:prstGeom prst="rect">
+            <a:avLst/>
+          </a:prstGeom>
+          <a:noFill/>
+        </p:spPr>
+        <p:txBody>
+          <a:bodyPr wrap="none" rtlCol="0">
+            <a:spAutoFit/>
+          </a:bodyPr>
+          <a:lstStyle/>
+          <a:p>
+            <a:r>
+              <a:rPr lang="en-US" sz="1000" dirty="0"/>
+              <a:t>30ns</a:t>
+            </a:r>
+          </a:p>
+        </p:txBody>
+      </p:sp>
+      <p:sp>
+        <p:nvSpPr>
+          <p:cNvPr id="46" name="TextBox 45">
+            <a:extLst>
+              <a:ext uri="{FF2B5EF4-FFF2-40B4-BE49-F238E27FC236}">
+                <a16:creationId xmlns:a16="http://schemas.microsoft.com/office/drawing/2014/main" id="{62261C3D-81B1-F40A-4178-B9E911C48A84}"/>
+              </a:ext>
+            </a:extLst>
+          </p:cNvPr>
+          <p:cNvSpPr txBox="1"/>
+          <p:nvPr/>
+        </p:nvSpPr>
+        <p:spPr>
+          <a:xfrm>
+            <a:off x="6657283" y="2167687"/>
+            <a:ext cx="442750" cy="246221"/>
+          </a:xfrm>
+          <a:prstGeom prst="rect">
+            <a:avLst/>
+          </a:prstGeom>
+          <a:noFill/>
+        </p:spPr>
+        <p:txBody>
+          <a:bodyPr wrap="none" rtlCol="0">
+            <a:spAutoFit/>
+          </a:bodyPr>
+          <a:lstStyle/>
+          <a:p>
+            <a:r>
+              <a:rPr lang="en-US" sz="1000" dirty="0"/>
+              <a:t>40ns</a:t>
+            </a:r>
+          </a:p>
+        </p:txBody>
+      </p:sp>
+      <p:sp>
+        <p:nvSpPr>
+          <p:cNvPr id="2" name="TextBox 42">
+            <a:extLst>
+              <a:ext uri="{FF2B5EF4-FFF2-40B4-BE49-F238E27FC236}">
+                <a16:creationId xmlns:a16="http://schemas.microsoft.com/office/drawing/2014/main" id="{5962C4F1-6E34-BBF5-DD70-1CF5FD28EA61}"/>
+              </a:ext>
+            </a:extLst>
+          </p:cNvPr>
+          <p:cNvSpPr txBox="1"/>
+          <p:nvPr/>
+        </p:nvSpPr>
+        <p:spPr>
+          <a:xfrm>
+            <a:off x="2531642" y="2974810"/>
+            <a:ext cx="684803" cy="369332"/>
+          </a:xfrm>
+          <a:prstGeom prst="rect">
+            <a:avLst/>
+          </a:prstGeom>
+          <a:noFill/>
+        </p:spPr>
+        <p:txBody>
+          <a:bodyPr wrap="none" rtlCol="0">
+            <a:spAutoFit/>
+          </a:bodyPr>
+          <a:lstStyle/>
+          <a:p>
+            <a:r>
+              <a:rPr lang="en-US" dirty="0"/>
+              <a:t>E</a:t>
+            </a:r>
+            <a:r>
+              <a:rPr lang="en-US" altLang="zh-CN" dirty="0"/>
+              <a:t>dge</a:t>
+            </a:r>
+            <a:endParaRPr lang="en-US" dirty="0"/>
+          </a:p>
+        </p:txBody>
+      </p:sp>
+      <p:sp>
+        <p:nvSpPr>
+          <p:cNvPr id="5" name="TextBox 4">
+            <a:extLst>
+              <a:ext uri="{FF2B5EF4-FFF2-40B4-BE49-F238E27FC236}">
+                <a16:creationId xmlns:a16="http://schemas.microsoft.com/office/drawing/2014/main" id="{C653E827-BE64-2F9C-B236-CA7C3E625FC0}"/>
+              </a:ext>
+            </a:extLst>
+          </p:cNvPr>
+          <p:cNvSpPr txBox="1"/>
+          <p:nvPr/>
+        </p:nvSpPr>
+        <p:spPr>
+          <a:xfrm>
+            <a:off x="3365840" y="3065265"/>
+            <a:ext cx="251992" cy="246221"/>
+          </a:xfrm>
+          <a:prstGeom prst="rect">
+            <a:avLst/>
+          </a:prstGeom>
+          <a:noFill/>
+        </p:spPr>
+        <p:txBody>
+          <a:bodyPr wrap="none" rtlCol="0">
+            <a:spAutoFit/>
+          </a:bodyPr>
+          <a:lstStyle/>
+          <a:p>
+            <a:r>
+              <a:rPr lang="en-US" sz="1000" dirty="0"/>
+              <a:t>1</a:t>
+            </a:r>
+          </a:p>
+        </p:txBody>
+      </p:sp>
+      <p:sp>
+        <p:nvSpPr>
+          <p:cNvPr id="6" name="TextBox 5">
+            <a:extLst>
+              <a:ext uri="{FF2B5EF4-FFF2-40B4-BE49-F238E27FC236}">
+                <a16:creationId xmlns:a16="http://schemas.microsoft.com/office/drawing/2014/main" id="{4301AF76-D04A-6F15-D8A0-FAF8CDA2039C}"/>
+              </a:ext>
+            </a:extLst>
+          </p:cNvPr>
+          <p:cNvSpPr txBox="1"/>
+          <p:nvPr/>
+        </p:nvSpPr>
+        <p:spPr>
+          <a:xfrm>
+            <a:off x="3793057" y="3065265"/>
+            <a:ext cx="251992" cy="246221"/>
+          </a:xfrm>
+          <a:prstGeom prst="rect">
+            <a:avLst/>
+          </a:prstGeom>
+          <a:noFill/>
+        </p:spPr>
+        <p:txBody>
+          <a:bodyPr wrap="none" rtlCol="0">
+            <a:spAutoFit/>
+          </a:bodyPr>
+          <a:lstStyle/>
+          <a:p>
+            <a:r>
+              <a:rPr lang="en-US" sz="1000" dirty="0"/>
+              <a:t>2</a:t>
+            </a:r>
+          </a:p>
+        </p:txBody>
+      </p:sp>
+      <p:sp>
+        <p:nvSpPr>
+          <p:cNvPr id="8" name="TextBox 7">
+            <a:extLst>
+              <a:ext uri="{FF2B5EF4-FFF2-40B4-BE49-F238E27FC236}">
+                <a16:creationId xmlns:a16="http://schemas.microsoft.com/office/drawing/2014/main" id="{C65CF020-A375-6E07-670E-6FFCD374692A}"/>
+              </a:ext>
+            </a:extLst>
+          </p:cNvPr>
+          <p:cNvSpPr txBox="1"/>
+          <p:nvPr/>
+        </p:nvSpPr>
+        <p:spPr>
+          <a:xfrm>
+            <a:off x="4229840" y="3063325"/>
+            <a:ext cx="251992" cy="246221"/>
+          </a:xfrm>
+          <a:prstGeom prst="rect">
+            <a:avLst/>
+          </a:prstGeom>
+          <a:noFill/>
+        </p:spPr>
+        <p:txBody>
+          <a:bodyPr wrap="none" rtlCol="0">
+            <a:spAutoFit/>
+          </a:bodyPr>
+          <a:lstStyle/>
+          <a:p>
+            <a:r>
+              <a:rPr lang="en-US" sz="1000" dirty="0"/>
+              <a:t>3</a:t>
+            </a:r>
+          </a:p>
+        </p:txBody>
+      </p:sp>
+      <p:sp>
+        <p:nvSpPr>
+          <p:cNvPr id="18" name="TextBox 17">
+            <a:extLst>
+              <a:ext uri="{FF2B5EF4-FFF2-40B4-BE49-F238E27FC236}">
+                <a16:creationId xmlns:a16="http://schemas.microsoft.com/office/drawing/2014/main" id="{64F4A616-6CA5-805C-5CFB-B650A928E156}"/>
+              </a:ext>
+            </a:extLst>
+          </p:cNvPr>
+          <p:cNvSpPr txBox="1"/>
+          <p:nvPr/>
+        </p:nvSpPr>
+        <p:spPr>
+          <a:xfrm>
+            <a:off x="4657057" y="3063325"/>
+            <a:ext cx="251992" cy="246221"/>
+          </a:xfrm>
+          <a:prstGeom prst="rect">
+            <a:avLst/>
+          </a:prstGeom>
+          <a:noFill/>
+        </p:spPr>
+        <p:txBody>
+          <a:bodyPr wrap="none" rtlCol="0">
+            <a:spAutoFit/>
+          </a:bodyPr>
+          <a:lstStyle/>
+          <a:p>
+            <a:r>
+              <a:rPr lang="en-US" sz="1000" dirty="0"/>
+              <a:t>4</a:t>
+            </a:r>
+          </a:p>
+        </p:txBody>
+      </p:sp>
+      <p:sp>
+        <p:nvSpPr>
+          <p:cNvPr id="29" name="TextBox 28">
+            <a:extLst>
+              <a:ext uri="{FF2B5EF4-FFF2-40B4-BE49-F238E27FC236}">
+                <a16:creationId xmlns:a16="http://schemas.microsoft.com/office/drawing/2014/main" id="{C77265AB-4623-EE38-F627-D22D5C2CC4D5}"/>
+              </a:ext>
+            </a:extLst>
+          </p:cNvPr>
+          <p:cNvSpPr txBox="1"/>
+          <p:nvPr/>
+        </p:nvSpPr>
+        <p:spPr>
+          <a:xfrm>
+            <a:off x="5083074" y="3062988"/>
+            <a:ext cx="251992" cy="246221"/>
+          </a:xfrm>
+          <a:prstGeom prst="rect">
+            <a:avLst/>
+          </a:prstGeom>
+          <a:noFill/>
+        </p:spPr>
+        <p:txBody>
+          <a:bodyPr wrap="none" rtlCol="0">
+            <a:spAutoFit/>
+          </a:bodyPr>
+          <a:lstStyle/>
+          <a:p>
+            <a:r>
+              <a:rPr lang="en-US" sz="1000" dirty="0"/>
+              <a:t>5</a:t>
+            </a:r>
+          </a:p>
+        </p:txBody>
+      </p:sp>
+      <p:sp>
+        <p:nvSpPr>
+          <p:cNvPr id="38" name="TextBox 37">
+            <a:extLst>
+              <a:ext uri="{FF2B5EF4-FFF2-40B4-BE49-F238E27FC236}">
+                <a16:creationId xmlns:a16="http://schemas.microsoft.com/office/drawing/2014/main" id="{764DA331-F384-C30B-9D33-2C29F84B2C5F}"/>
+              </a:ext>
+            </a:extLst>
+          </p:cNvPr>
+          <p:cNvSpPr txBox="1"/>
+          <p:nvPr/>
+        </p:nvSpPr>
+        <p:spPr>
+          <a:xfrm>
+            <a:off x="5519857" y="3062988"/>
+            <a:ext cx="251992" cy="246221"/>
+          </a:xfrm>
+          <a:prstGeom prst="rect">
+            <a:avLst/>
+          </a:prstGeom>
+          <a:noFill/>
+        </p:spPr>
+        <p:txBody>
+          <a:bodyPr wrap="none" rtlCol="0">
+            <a:spAutoFit/>
+          </a:bodyPr>
+          <a:lstStyle/>
+          <a:p>
+            <a:r>
+              <a:rPr lang="en-US" sz="1000" dirty="0"/>
+              <a:t>6</a:t>
+            </a:r>
+          </a:p>
+        </p:txBody>
+      </p:sp>
+      <p:sp>
+        <p:nvSpPr>
+          <p:cNvPr id="47" name="TextBox 46">
+            <a:extLst>
+              <a:ext uri="{FF2B5EF4-FFF2-40B4-BE49-F238E27FC236}">
+                <a16:creationId xmlns:a16="http://schemas.microsoft.com/office/drawing/2014/main" id="{35D0A3BF-01C0-DB44-C4BA-24F95135AC2C}"/>
+              </a:ext>
+            </a:extLst>
+          </p:cNvPr>
+          <p:cNvSpPr txBox="1"/>
+          <p:nvPr/>
+        </p:nvSpPr>
+        <p:spPr>
+          <a:xfrm>
+            <a:off x="5956640" y="3065264"/>
+            <a:ext cx="251992" cy="246221"/>
+          </a:xfrm>
+          <a:prstGeom prst="rect">
+            <a:avLst/>
+          </a:prstGeom>
+          <a:noFill/>
+        </p:spPr>
+        <p:txBody>
+          <a:bodyPr wrap="none" rtlCol="0">
+            <a:spAutoFit/>
+          </a:bodyPr>
+          <a:lstStyle/>
+          <a:p>
+            <a:r>
+              <a:rPr lang="en-US" sz="1000" dirty="0"/>
+              <a:t>7</a:t>
+            </a:r>
+          </a:p>
+        </p:txBody>
+      </p:sp>
+      <p:sp>
+        <p:nvSpPr>
+          <p:cNvPr id="48" name="TextBox 47">
+            <a:extLst>
+              <a:ext uri="{FF2B5EF4-FFF2-40B4-BE49-F238E27FC236}">
+                <a16:creationId xmlns:a16="http://schemas.microsoft.com/office/drawing/2014/main" id="{154900F3-9A63-59DA-66DB-0D0B2C2D1E78}"/>
+              </a:ext>
+            </a:extLst>
+          </p:cNvPr>
+          <p:cNvSpPr txBox="1"/>
+          <p:nvPr/>
+        </p:nvSpPr>
+        <p:spPr>
+          <a:xfrm>
+            <a:off x="6383857" y="3065264"/>
+            <a:ext cx="251992" cy="246221"/>
+          </a:xfrm>
+          <a:prstGeom prst="rect">
+            <a:avLst/>
+          </a:prstGeom>
+          <a:noFill/>
+        </p:spPr>
+        <p:txBody>
+          <a:bodyPr wrap="none" rtlCol="0">
+            <a:spAutoFit/>
+          </a:bodyPr>
+          <a:lstStyle/>
+          <a:p>
+            <a:r>
+              <a:rPr lang="en-US" sz="1000" dirty="0"/>
+              <a:t>8</a:t>
+            </a:r>
+          </a:p>
+        </p:txBody>
+      </p:sp>
+      <p:cxnSp>
+        <p:nvCxnSpPr>
+          <p:cNvPr id="49" name="直线连接符 89">
+            <a:extLst>
+              <a:ext uri="{FF2B5EF4-FFF2-40B4-BE49-F238E27FC236}">
+                <a16:creationId xmlns:a16="http://schemas.microsoft.com/office/drawing/2014/main" id="{5BEA95CE-D4F5-F9D3-A1AF-4CBF59B3DFC5}"/>
+              </a:ext>
+            </a:extLst>
+          </p:cNvPr>
+          <p:cNvCxnSpPr>
+            <a:cxnSpLocks/>
+          </p:cNvCxnSpPr>
+          <p:nvPr/>
+        </p:nvCxnSpPr>
+        <p:spPr>
+          <a:xfrm>
+            <a:off x="3413053" y="3420309"/>
+            <a:ext cx="0" cy="539827"/>
+          </a:xfrm>
+          <a:prstGeom prst="line">
+            <a:avLst/>
+          </a:prstGeom>
+        </p:spPr>
+        <p:style>
+          <a:lnRef idx="2">
+            <a:schemeClr val="accent1"/>
+          </a:lnRef>
+          <a:fillRef idx="0">
+            <a:schemeClr val="accent1"/>
+          </a:fillRef>
+          <a:effectRef idx="1">
+            <a:schemeClr val="accent1"/>
+          </a:effectRef>
+          <a:fontRef idx="minor">
+            <a:schemeClr val="tx1"/>
+          </a:fontRef>
+        </p:style>
+      </p:cxnSp>
+      <p:cxnSp>
+        <p:nvCxnSpPr>
+          <p:cNvPr id="52" name="直线连接符 115">
+            <a:extLst>
+              <a:ext uri="{FF2B5EF4-FFF2-40B4-BE49-F238E27FC236}">
+                <a16:creationId xmlns:a16="http://schemas.microsoft.com/office/drawing/2014/main" id="{E988C8BC-1EE4-C653-734E-EE678BC0D16B}"/>
+              </a:ext>
+            </a:extLst>
+          </p:cNvPr>
+          <p:cNvCxnSpPr>
+            <a:cxnSpLocks/>
+          </p:cNvCxnSpPr>
+          <p:nvPr/>
+        </p:nvCxnSpPr>
+        <p:spPr>
+          <a:xfrm>
+            <a:off x="8583635" y="3427853"/>
+            <a:ext cx="441566" cy="0"/>
+          </a:xfrm>
+          <a:prstGeom prst="line">
+            <a:avLst/>
+          </a:prstGeom>
+        </p:spPr>
+        <p:style>
+          <a:lnRef idx="2">
+            <a:schemeClr val="accent1"/>
+          </a:lnRef>
+          <a:fillRef idx="0">
+            <a:schemeClr val="accent1"/>
+          </a:fillRef>
+          <a:effectRef idx="1">
+            <a:schemeClr val="accent1"/>
+          </a:effectRef>
+          <a:fontRef idx="minor">
+            <a:schemeClr val="tx1"/>
+          </a:fontRef>
+        </p:style>
+      </p:cxnSp>
+      <p:cxnSp>
+        <p:nvCxnSpPr>
+          <p:cNvPr id="55" name="直线连接符 154">
+            <a:extLst>
+              <a:ext uri="{FF2B5EF4-FFF2-40B4-BE49-F238E27FC236}">
+                <a16:creationId xmlns:a16="http://schemas.microsoft.com/office/drawing/2014/main" id="{86DFC1D1-647B-9DAD-00CB-09F5F574B57F}"/>
+              </a:ext>
+            </a:extLst>
+          </p:cNvPr>
+          <p:cNvCxnSpPr>
+            <a:cxnSpLocks/>
+          </p:cNvCxnSpPr>
+          <p:nvPr/>
+        </p:nvCxnSpPr>
+        <p:spPr>
+          <a:xfrm>
+            <a:off x="8163987" y="4208189"/>
+            <a:ext cx="0" cy="539827"/>
+          </a:xfrm>
+          <a:prstGeom prst="line">
+            <a:avLst/>
+          </a:prstGeom>
+        </p:spPr>
+        <p:style>
+          <a:lnRef idx="2">
+            <a:schemeClr val="accent1"/>
+          </a:lnRef>
+          <a:fillRef idx="0">
+            <a:schemeClr val="accent1"/>
+          </a:fillRef>
+          <a:effectRef idx="1">
+            <a:schemeClr val="accent1"/>
+          </a:effectRef>
+          <a:fontRef idx="minor">
+            <a:schemeClr val="tx1"/>
+          </a:fontRef>
+        </p:style>
+      </p:cxnSp>
+      <p:cxnSp>
+        <p:nvCxnSpPr>
+          <p:cNvPr id="57" name="直线连接符 155">
+            <a:extLst>
+              <a:ext uri="{FF2B5EF4-FFF2-40B4-BE49-F238E27FC236}">
+                <a16:creationId xmlns:a16="http://schemas.microsoft.com/office/drawing/2014/main" id="{03364143-A1CA-8CBC-4759-DBCC3D9E3E7E}"/>
+              </a:ext>
+            </a:extLst>
+          </p:cNvPr>
+          <p:cNvCxnSpPr>
+            <a:cxnSpLocks/>
+          </p:cNvCxnSpPr>
+          <p:nvPr/>
+        </p:nvCxnSpPr>
+        <p:spPr>
+          <a:xfrm>
+            <a:off x="8595246" y="4208189"/>
+            <a:ext cx="0" cy="539827"/>
+          </a:xfrm>
+          <a:prstGeom prst="line">
+            <a:avLst/>
+          </a:prstGeom>
+        </p:spPr>
+        <p:style>
+          <a:lnRef idx="2">
+            <a:schemeClr val="accent1"/>
+          </a:lnRef>
+          <a:fillRef idx="0">
+            <a:schemeClr val="accent1"/>
+          </a:fillRef>
+          <a:effectRef idx="1">
+            <a:schemeClr val="accent1"/>
+          </a:effectRef>
+          <a:fontRef idx="minor">
+            <a:schemeClr val="tx1"/>
+          </a:fontRef>
+        </p:style>
+      </p:cxnSp>
+      <p:cxnSp>
+        <p:nvCxnSpPr>
+          <p:cNvPr id="58" name="直线连接符 166">
+            <a:extLst>
+              <a:ext uri="{FF2B5EF4-FFF2-40B4-BE49-F238E27FC236}">
+                <a16:creationId xmlns:a16="http://schemas.microsoft.com/office/drawing/2014/main" id="{7B4EB704-C1F1-E82F-4B6F-DEF654E8D7ED}"/>
+              </a:ext>
+            </a:extLst>
+          </p:cNvPr>
+          <p:cNvCxnSpPr>
+            <a:cxnSpLocks/>
+          </p:cNvCxnSpPr>
+          <p:nvPr/>
+        </p:nvCxnSpPr>
+        <p:spPr>
+          <a:xfrm>
+            <a:off x="8159230" y="4208189"/>
+            <a:ext cx="441566" cy="0"/>
+          </a:xfrm>
+          <a:prstGeom prst="line">
+            <a:avLst/>
+          </a:prstGeom>
+        </p:spPr>
+        <p:style>
+          <a:lnRef idx="2">
+            <a:schemeClr val="accent1"/>
+          </a:lnRef>
+          <a:fillRef idx="0">
+            <a:schemeClr val="accent1"/>
+          </a:fillRef>
+          <a:effectRef idx="1">
+            <a:schemeClr val="accent1"/>
+          </a:effectRef>
+          <a:fontRef idx="minor">
+            <a:schemeClr val="tx1"/>
+          </a:fontRef>
+        </p:style>
+      </p:cxnSp>
+      <p:cxnSp>
+        <p:nvCxnSpPr>
+          <p:cNvPr id="60" name="直线连接符 169">
+            <a:extLst>
+              <a:ext uri="{FF2B5EF4-FFF2-40B4-BE49-F238E27FC236}">
+                <a16:creationId xmlns:a16="http://schemas.microsoft.com/office/drawing/2014/main" id="{3D287A94-EE46-C89A-26E1-5CEB6E4AFB42}"/>
+              </a:ext>
+            </a:extLst>
+          </p:cNvPr>
+          <p:cNvCxnSpPr>
+            <a:cxnSpLocks/>
+          </p:cNvCxnSpPr>
+          <p:nvPr/>
+        </p:nvCxnSpPr>
+        <p:spPr>
+          <a:xfrm>
+            <a:off x="8593765" y="4742263"/>
+            <a:ext cx="426450" cy="0"/>
+          </a:xfrm>
+          <a:prstGeom prst="line">
+            <a:avLst/>
+          </a:prstGeom>
+        </p:spPr>
+        <p:style>
+          <a:lnRef idx="2">
+            <a:schemeClr val="accent1"/>
+          </a:lnRef>
+          <a:fillRef idx="0">
+            <a:schemeClr val="accent1"/>
+          </a:fillRef>
+          <a:effectRef idx="1">
+            <a:schemeClr val="accent1"/>
+          </a:effectRef>
+          <a:fontRef idx="minor">
+            <a:schemeClr val="tx1"/>
+          </a:fontRef>
+        </p:style>
+      </p:cxnSp>
+    </p:spTree>
+    <p:extLst>
+      <p:ext uri="{BB962C8B-B14F-4D97-AF65-F5344CB8AC3E}">
+        <p14:creationId xmlns:p14="http://schemas.microsoft.com/office/powerpoint/2010/main" val="545908055"/>
       </p:ext>
     </p:extLst>
   </p:cSld>

--- a/_posts/静态时序分析笔记/静态时序分析笔记pptx.pptx
+++ b/_posts/静态时序分析笔记/静态时序分析笔记pptx.pptx
@@ -20,6 +20,8 @@
     <p:sldId id="268" r:id="rId14"/>
     <p:sldId id="269" r:id="rId15"/>
     <p:sldId id="270" r:id="rId16"/>
+    <p:sldId id="271" r:id="rId17"/>
+    <p:sldId id="272" r:id="rId18"/>
   </p:sldIdLst>
   <p:sldSz cx="12192000" cy="6858000"/>
   <p:notesSz cx="6858000" cy="9144000"/>
@@ -129,7 +131,7 @@
 <file path=ppt/revisionInfo.xml><?xml version="1.0" encoding="utf-8"?>
 <p1510:revInfo xmlns:a="http://schemas.openxmlformats.org/drawingml/2006/main" xmlns:r="http://schemas.openxmlformats.org/officeDocument/2006/relationships" xmlns:p1510="http://schemas.microsoft.com/office/powerpoint/2015/10/main">
   <p1510:revLst>
-    <p1510:client id="{4D1E27EC-2E0F-4672-841A-DB5AE83D0870}" v="25" dt="2025-02-18T09:40:22.649"/>
+    <p1510:client id="{4D1E27EC-2E0F-4672-841A-DB5AE83D0870}" v="38" dt="2025-02-20T09:47:06.654"/>
   </p1510:revLst>
 </p1510:revInfo>
 </file>
@@ -3539,7 +3541,7 @@
   <pc:docChgLst>
     <pc:chgData name="Jinyin Yan" userId="7d7b1cac-fbbc-4678-8cfc-23ca66a374ce" providerId="ADAL" clId="{4D1E27EC-2E0F-4672-841A-DB5AE83D0870}"/>
     <pc:docChg chg="undo custSel addSld modSld">
-      <pc:chgData name="Jinyin Yan" userId="7d7b1cac-fbbc-4678-8cfc-23ca66a374ce" providerId="ADAL" clId="{4D1E27EC-2E0F-4672-841A-DB5AE83D0870}" dt="2025-02-18T09:42:00.597" v="185" actId="1076"/>
+      <pc:chgData name="Jinyin Yan" userId="7d7b1cac-fbbc-4678-8cfc-23ca66a374ce" providerId="ADAL" clId="{4D1E27EC-2E0F-4672-841A-DB5AE83D0870}" dt="2025-02-20T09:47:37.240" v="303" actId="14100"/>
       <pc:docMkLst>
         <pc:docMk/>
       </pc:docMkLst>
@@ -3805,14 +3807,6 @@
             <ac:cxnSpMk id="37" creationId="{5398A053-DBCD-90D4-B41C-ED57DC6D8345}"/>
           </ac:cxnSpMkLst>
         </pc:cxnChg>
-        <pc:cxnChg chg="add del mod">
-          <ac:chgData name="Jinyin Yan" userId="7d7b1cac-fbbc-4678-8cfc-23ca66a374ce" providerId="ADAL" clId="{4D1E27EC-2E0F-4672-841A-DB5AE83D0870}" dt="2025-02-18T08:27:39.307" v="25" actId="478"/>
-          <ac:cxnSpMkLst>
-            <pc:docMk/>
-            <pc:sldMk cId="2433470266" sldId="269"/>
-            <ac:cxnSpMk id="38" creationId="{2657F742-4721-B205-D984-97F9062F8F03}"/>
-          </ac:cxnSpMkLst>
-        </pc:cxnChg>
         <pc:cxnChg chg="mod">
           <ac:chgData name="Jinyin Yan" userId="7d7b1cac-fbbc-4678-8cfc-23ca66a374ce" providerId="ADAL" clId="{4D1E27EC-2E0F-4672-841A-DB5AE83D0870}" dt="2025-02-18T08:40:24.236" v="55" actId="1076"/>
           <ac:cxnSpMkLst>
@@ -3883,14 +3877,6 @@
             <pc:docMk/>
             <pc:sldMk cId="2433470266" sldId="269"/>
             <ac:cxnSpMk id="139" creationId="{C8625529-AB4A-7F2A-9E36-E0F8203C8D04}"/>
-          </ac:cxnSpMkLst>
-        </pc:cxnChg>
-        <pc:cxnChg chg="del">
-          <ac:chgData name="Jinyin Yan" userId="7d7b1cac-fbbc-4678-8cfc-23ca66a374ce" providerId="ADAL" clId="{4D1E27EC-2E0F-4672-841A-DB5AE83D0870}" dt="2025-02-18T08:26:59.394" v="18" actId="478"/>
-          <ac:cxnSpMkLst>
-            <pc:docMk/>
-            <pc:sldMk cId="2433470266" sldId="269"/>
-            <ac:cxnSpMk id="140" creationId="{00222A67-1366-18A9-5410-15F6EEBF2151}"/>
           </ac:cxnSpMkLst>
         </pc:cxnChg>
         <pc:cxnChg chg="mod">
@@ -3932,30 +3918,6 @@
             <ac:spMk id="8" creationId="{C65CF020-A375-6E07-670E-6FFCD374692A}"/>
           </ac:spMkLst>
         </pc:spChg>
-        <pc:spChg chg="del">
-          <ac:chgData name="Jinyin Yan" userId="7d7b1cac-fbbc-4678-8cfc-23ca66a374ce" providerId="ADAL" clId="{4D1E27EC-2E0F-4672-841A-DB5AE83D0870}" dt="2025-02-18T09:28:36.668" v="114" actId="478"/>
-          <ac:spMkLst>
-            <pc:docMk/>
-            <pc:sldMk cId="545908055" sldId="270"/>
-            <ac:spMk id="14" creationId="{EBF97888-6495-CAA6-F79D-33EB1BC57077}"/>
-          </ac:spMkLst>
-        </pc:spChg>
-        <pc:spChg chg="del">
-          <ac:chgData name="Jinyin Yan" userId="7d7b1cac-fbbc-4678-8cfc-23ca66a374ce" providerId="ADAL" clId="{4D1E27EC-2E0F-4672-841A-DB5AE83D0870}" dt="2025-02-18T09:25:15.944" v="113" actId="478"/>
-          <ac:spMkLst>
-            <pc:docMk/>
-            <pc:sldMk cId="545908055" sldId="270"/>
-            <ac:spMk id="15" creationId="{07484867-EC4E-0486-0938-FAB4B3E6EA87}"/>
-          </ac:spMkLst>
-        </pc:spChg>
-        <pc:spChg chg="del">
-          <ac:chgData name="Jinyin Yan" userId="7d7b1cac-fbbc-4678-8cfc-23ca66a374ce" providerId="ADAL" clId="{4D1E27EC-2E0F-4672-841A-DB5AE83D0870}" dt="2025-02-18T09:25:15.944" v="113" actId="478"/>
-          <ac:spMkLst>
-            <pc:docMk/>
-            <pc:sldMk cId="545908055" sldId="270"/>
-            <ac:spMk id="17" creationId="{C4A56F21-0F37-4FCE-BB1F-FB7108DAAC39}"/>
-          </ac:spMkLst>
-        </pc:spChg>
         <pc:spChg chg="mod">
           <ac:chgData name="Jinyin Yan" userId="7d7b1cac-fbbc-4678-8cfc-23ca66a374ce" providerId="ADAL" clId="{4D1E27EC-2E0F-4672-841A-DB5AE83D0870}" dt="2025-02-18T09:42:00.597" v="185" actId="1076"/>
           <ac:spMkLst>
@@ -4012,70 +3974,6 @@
             <ac:spMk id="48" creationId="{154900F3-9A63-59DA-66DB-0D0B2C2D1E78}"/>
           </ac:spMkLst>
         </pc:spChg>
-        <pc:spChg chg="del">
-          <ac:chgData name="Jinyin Yan" userId="7d7b1cac-fbbc-4678-8cfc-23ca66a374ce" providerId="ADAL" clId="{4D1E27EC-2E0F-4672-841A-DB5AE83D0870}" dt="2025-02-18T09:25:15.944" v="113" actId="478"/>
-          <ac:spMkLst>
-            <pc:docMk/>
-            <pc:sldMk cId="545908055" sldId="270"/>
-            <ac:spMk id="68" creationId="{6842FB8B-7669-B3C1-BF2A-25AE6866BF81}"/>
-          </ac:spMkLst>
-        </pc:spChg>
-        <pc:spChg chg="del">
-          <ac:chgData name="Jinyin Yan" userId="7d7b1cac-fbbc-4678-8cfc-23ca66a374ce" providerId="ADAL" clId="{4D1E27EC-2E0F-4672-841A-DB5AE83D0870}" dt="2025-02-18T09:25:15.944" v="113" actId="478"/>
-          <ac:spMkLst>
-            <pc:docMk/>
-            <pc:sldMk cId="545908055" sldId="270"/>
-            <ac:spMk id="69" creationId="{C3038674-1462-AC94-2CD6-B0470A52FD1B}"/>
-          </ac:spMkLst>
-        </pc:spChg>
-        <pc:spChg chg="del">
-          <ac:chgData name="Jinyin Yan" userId="7d7b1cac-fbbc-4678-8cfc-23ca66a374ce" providerId="ADAL" clId="{4D1E27EC-2E0F-4672-841A-DB5AE83D0870}" dt="2025-02-18T09:25:15.944" v="113" actId="478"/>
-          <ac:spMkLst>
-            <pc:docMk/>
-            <pc:sldMk cId="545908055" sldId="270"/>
-            <ac:spMk id="76" creationId="{017B39CF-627E-AFE8-CF19-676C8DE56EE3}"/>
-          </ac:spMkLst>
-        </pc:spChg>
-        <pc:spChg chg="del">
-          <ac:chgData name="Jinyin Yan" userId="7d7b1cac-fbbc-4678-8cfc-23ca66a374ce" providerId="ADAL" clId="{4D1E27EC-2E0F-4672-841A-DB5AE83D0870}" dt="2025-02-18T09:25:15.944" v="113" actId="478"/>
-          <ac:spMkLst>
-            <pc:docMk/>
-            <pc:sldMk cId="545908055" sldId="270"/>
-            <ac:spMk id="77" creationId="{4DC34733-50D9-E1D2-AE4F-4911164E2B30}"/>
-          </ac:spMkLst>
-        </pc:spChg>
-        <pc:spChg chg="del">
-          <ac:chgData name="Jinyin Yan" userId="7d7b1cac-fbbc-4678-8cfc-23ca66a374ce" providerId="ADAL" clId="{4D1E27EC-2E0F-4672-841A-DB5AE83D0870}" dt="2025-02-18T09:25:15.944" v="113" actId="478"/>
-          <ac:spMkLst>
-            <pc:docMk/>
-            <pc:sldMk cId="545908055" sldId="270"/>
-            <ac:spMk id="83" creationId="{A2D0195D-10FD-81BF-45C5-B8C9F87DC67B}"/>
-          </ac:spMkLst>
-        </pc:spChg>
-        <pc:spChg chg="del">
-          <ac:chgData name="Jinyin Yan" userId="7d7b1cac-fbbc-4678-8cfc-23ca66a374ce" providerId="ADAL" clId="{4D1E27EC-2E0F-4672-841A-DB5AE83D0870}" dt="2025-02-18T09:25:15.944" v="113" actId="478"/>
-          <ac:spMkLst>
-            <pc:docMk/>
-            <pc:sldMk cId="545908055" sldId="270"/>
-            <ac:spMk id="84" creationId="{EC7EC17D-49E5-5497-FA27-4F2F6389C3AC}"/>
-          </ac:spMkLst>
-        </pc:spChg>
-        <pc:spChg chg="del">
-          <ac:chgData name="Jinyin Yan" userId="7d7b1cac-fbbc-4678-8cfc-23ca66a374ce" providerId="ADAL" clId="{4D1E27EC-2E0F-4672-841A-DB5AE83D0870}" dt="2025-02-18T09:25:15.944" v="113" actId="478"/>
-          <ac:spMkLst>
-            <pc:docMk/>
-            <pc:sldMk cId="545908055" sldId="270"/>
-            <ac:spMk id="85" creationId="{0B85D0C3-19F8-70C0-0930-B549DF613C2C}"/>
-          </ac:spMkLst>
-        </pc:spChg>
-        <pc:spChg chg="del">
-          <ac:chgData name="Jinyin Yan" userId="7d7b1cac-fbbc-4678-8cfc-23ca66a374ce" providerId="ADAL" clId="{4D1E27EC-2E0F-4672-841A-DB5AE83D0870}" dt="2025-02-18T09:25:15.944" v="113" actId="478"/>
-          <ac:spMkLst>
-            <pc:docMk/>
-            <pc:sldMk cId="545908055" sldId="270"/>
-            <ac:spMk id="87" creationId="{881F14BA-0E8E-D06E-95D7-E33BF991496E}"/>
-          </ac:spMkLst>
-        </pc:spChg>
         <pc:spChg chg="mod">
           <ac:chgData name="Jinyin Yan" userId="7d7b1cac-fbbc-4678-8cfc-23ca66a374ce" providerId="ADAL" clId="{4D1E27EC-2E0F-4672-841A-DB5AE83D0870}" dt="2025-02-18T09:42:00.597" v="185" actId="1076"/>
           <ac:spMkLst>
@@ -4092,14 +3990,6 @@
             <ac:spMk id="218" creationId="{321625A1-5EB6-0569-1B3D-D066B2E604A7}"/>
           </ac:spMkLst>
         </pc:spChg>
-        <pc:spChg chg="del">
-          <ac:chgData name="Jinyin Yan" userId="7d7b1cac-fbbc-4678-8cfc-23ca66a374ce" providerId="ADAL" clId="{4D1E27EC-2E0F-4672-841A-DB5AE83D0870}" dt="2025-02-18T09:40:32.332" v="173" actId="478"/>
-          <ac:spMkLst>
-            <pc:docMk/>
-            <pc:sldMk cId="545908055" sldId="270"/>
-            <ac:spMk id="219" creationId="{6202E38C-CA39-1C7B-802A-4A8161E402E2}"/>
-          </ac:spMkLst>
-        </pc:spChg>
         <pc:cxnChg chg="mod">
           <ac:chgData name="Jinyin Yan" userId="7d7b1cac-fbbc-4678-8cfc-23ca66a374ce" providerId="ADAL" clId="{4D1E27EC-2E0F-4672-841A-DB5AE83D0870}" dt="2025-02-18T09:40:40.964" v="175" actId="14100"/>
           <ac:cxnSpMkLst>
@@ -4244,14 +4134,6 @@
             <ac:cxnSpMk id="119" creationId="{2EFD0AF8-8EAA-EAFD-7BE2-ED62A7A47810}"/>
           </ac:cxnSpMkLst>
         </pc:cxnChg>
-        <pc:cxnChg chg="del">
-          <ac:chgData name="Jinyin Yan" userId="7d7b1cac-fbbc-4678-8cfc-23ca66a374ce" providerId="ADAL" clId="{4D1E27EC-2E0F-4672-841A-DB5AE83D0870}" dt="2025-02-18T09:30:38.367" v="158" actId="478"/>
-          <ac:cxnSpMkLst>
-            <pc:docMk/>
-            <pc:sldMk cId="545908055" sldId="270"/>
-            <ac:cxnSpMk id="121" creationId="{DB75CE0A-A801-1FA2-2AEF-ED0A30ED1D84}"/>
-          </ac:cxnSpMkLst>
-        </pc:cxnChg>
         <pc:cxnChg chg="mod">
           <ac:chgData name="Jinyin Yan" userId="7d7b1cac-fbbc-4678-8cfc-23ca66a374ce" providerId="ADAL" clId="{4D1E27EC-2E0F-4672-841A-DB5AE83D0870}" dt="2025-02-18T09:39:24.421" v="161" actId="1076"/>
           <ac:cxnSpMkLst>
@@ -4292,28 +4174,12 @@
             <ac:cxnSpMk id="130" creationId="{18361B6F-F6AE-1165-A0FC-C6DA2E0AE85D}"/>
           </ac:cxnSpMkLst>
         </pc:cxnChg>
-        <pc:cxnChg chg="add del">
-          <ac:chgData name="Jinyin Yan" userId="7d7b1cac-fbbc-4678-8cfc-23ca66a374ce" providerId="ADAL" clId="{4D1E27EC-2E0F-4672-841A-DB5AE83D0870}" dt="2025-02-18T09:30:30.929" v="156" actId="478"/>
-          <ac:cxnSpMkLst>
-            <pc:docMk/>
-            <pc:sldMk cId="545908055" sldId="270"/>
-            <ac:cxnSpMk id="132" creationId="{BA3E9E61-3238-7162-55BA-5F14300151B4}"/>
-          </ac:cxnSpMkLst>
-        </pc:cxnChg>
         <pc:cxnChg chg="mod">
           <ac:chgData name="Jinyin Yan" userId="7d7b1cac-fbbc-4678-8cfc-23ca66a374ce" providerId="ADAL" clId="{4D1E27EC-2E0F-4672-841A-DB5AE83D0870}" dt="2025-02-18T09:30:41.502" v="159" actId="14100"/>
           <ac:cxnSpMkLst>
             <pc:docMk/>
             <pc:sldMk cId="545908055" sldId="270"/>
             <ac:cxnSpMk id="133" creationId="{B612233D-AF52-F385-004C-57963E296509}"/>
-          </ac:cxnSpMkLst>
-        </pc:cxnChg>
-        <pc:cxnChg chg="del">
-          <ac:chgData name="Jinyin Yan" userId="7d7b1cac-fbbc-4678-8cfc-23ca66a374ce" providerId="ADAL" clId="{4D1E27EC-2E0F-4672-841A-DB5AE83D0870}" dt="2025-02-18T09:39:09.239" v="160" actId="478"/>
-          <ac:cxnSpMkLst>
-            <pc:docMk/>
-            <pc:sldMk cId="545908055" sldId="270"/>
-            <ac:cxnSpMk id="134" creationId="{59940AE3-45FE-27EE-6150-C3A26B1294D0}"/>
           </ac:cxnSpMkLst>
         </pc:cxnChg>
         <pc:cxnChg chg="mod">
@@ -4404,14 +4270,6 @@
             <ac:cxnSpMk id="155" creationId="{88A93A0A-A7EF-AC00-03B4-A15BA5E46B48}"/>
           </ac:cxnSpMkLst>
         </pc:cxnChg>
-        <pc:cxnChg chg="del">
-          <ac:chgData name="Jinyin Yan" userId="7d7b1cac-fbbc-4678-8cfc-23ca66a374ce" providerId="ADAL" clId="{4D1E27EC-2E0F-4672-841A-DB5AE83D0870}" dt="2025-02-18T09:39:47.079" v="164" actId="478"/>
-          <ac:cxnSpMkLst>
-            <pc:docMk/>
-            <pc:sldMk cId="545908055" sldId="270"/>
-            <ac:cxnSpMk id="158" creationId="{A681557F-C2E9-DD09-F376-B253C80707C2}"/>
-          </ac:cxnSpMkLst>
-        </pc:cxnChg>
         <pc:cxnChg chg="mod">
           <ac:chgData name="Jinyin Yan" userId="7d7b1cac-fbbc-4678-8cfc-23ca66a374ce" providerId="ADAL" clId="{4D1E27EC-2E0F-4672-841A-DB5AE83D0870}" dt="2025-02-18T09:40:05.374" v="166" actId="1076"/>
           <ac:cxnSpMkLst>
@@ -4452,76 +4310,466 @@
             <ac:cxnSpMk id="170" creationId="{4AC05605-985F-B171-23EF-2B35EB90BFB9}"/>
           </ac:cxnSpMkLst>
         </pc:cxnChg>
-        <pc:cxnChg chg="del">
-          <ac:chgData name="Jinyin Yan" userId="7d7b1cac-fbbc-4678-8cfc-23ca66a374ce" providerId="ADAL" clId="{4D1E27EC-2E0F-4672-841A-DB5AE83D0870}" dt="2025-02-18T09:40:32.332" v="173" actId="478"/>
+      </pc:sldChg>
+      <pc:sldChg chg="addSp delSp modSp new mod">
+        <pc:chgData name="Jinyin Yan" userId="7d7b1cac-fbbc-4678-8cfc-23ca66a374ce" providerId="ADAL" clId="{4D1E27EC-2E0F-4672-841A-DB5AE83D0870}" dt="2025-02-20T08:33:15.584" v="255" actId="20577"/>
+        <pc:sldMkLst>
+          <pc:docMk/>
+          <pc:sldMk cId="455221363" sldId="271"/>
+        </pc:sldMkLst>
+        <pc:spChg chg="del">
+          <ac:chgData name="Jinyin Yan" userId="7d7b1cac-fbbc-4678-8cfc-23ca66a374ce" providerId="ADAL" clId="{4D1E27EC-2E0F-4672-841A-DB5AE83D0870}" dt="2025-02-20T08:16:17.651" v="187" actId="478"/>
+          <ac:spMkLst>
+            <pc:docMk/>
+            <pc:sldMk cId="455221363" sldId="271"/>
+            <ac:spMk id="2" creationId="{40511152-6B59-EA43-03A8-53E404E09CBC}"/>
+          </ac:spMkLst>
+        </pc:spChg>
+        <pc:spChg chg="del">
+          <ac:chgData name="Jinyin Yan" userId="7d7b1cac-fbbc-4678-8cfc-23ca66a374ce" providerId="ADAL" clId="{4D1E27EC-2E0F-4672-841A-DB5AE83D0870}" dt="2025-02-20T08:16:18.672" v="188" actId="478"/>
+          <ac:spMkLst>
+            <pc:docMk/>
+            <pc:sldMk cId="455221363" sldId="271"/>
+            <ac:spMk id="3" creationId="{CC309E23-0B97-5D1E-065C-3A7AF318015B}"/>
+          </ac:spMkLst>
+        </pc:spChg>
+        <pc:spChg chg="mod">
+          <ac:chgData name="Jinyin Yan" userId="7d7b1cac-fbbc-4678-8cfc-23ca66a374ce" providerId="ADAL" clId="{4D1E27EC-2E0F-4672-841A-DB5AE83D0870}" dt="2025-02-20T08:16:40.914" v="189"/>
+          <ac:spMkLst>
+            <pc:docMk/>
+            <pc:sldMk cId="455221363" sldId="271"/>
+            <ac:spMk id="5" creationId="{1E80E4B0-FCD5-DEBA-400D-0968DDE27D82}"/>
+          </ac:spMkLst>
+        </pc:spChg>
+        <pc:spChg chg="mod">
+          <ac:chgData name="Jinyin Yan" userId="7d7b1cac-fbbc-4678-8cfc-23ca66a374ce" providerId="ADAL" clId="{4D1E27EC-2E0F-4672-841A-DB5AE83D0870}" dt="2025-02-20T08:16:40.914" v="189"/>
+          <ac:spMkLst>
+            <pc:docMk/>
+            <pc:sldMk cId="455221363" sldId="271"/>
+            <ac:spMk id="6" creationId="{9563A8EE-FAD2-1A89-7512-8000D4FAC000}"/>
+          </ac:spMkLst>
+        </pc:spChg>
+        <pc:spChg chg="mod">
+          <ac:chgData name="Jinyin Yan" userId="7d7b1cac-fbbc-4678-8cfc-23ca66a374ce" providerId="ADAL" clId="{4D1E27EC-2E0F-4672-841A-DB5AE83D0870}" dt="2025-02-20T08:16:40.914" v="189"/>
+          <ac:spMkLst>
+            <pc:docMk/>
+            <pc:sldMk cId="455221363" sldId="271"/>
+            <ac:spMk id="7" creationId="{BA335E11-4D8E-5969-E556-15BE1F999BB6}"/>
+          </ac:spMkLst>
+        </pc:spChg>
+        <pc:spChg chg="mod">
+          <ac:chgData name="Jinyin Yan" userId="7d7b1cac-fbbc-4678-8cfc-23ca66a374ce" providerId="ADAL" clId="{4D1E27EC-2E0F-4672-841A-DB5AE83D0870}" dt="2025-02-20T08:16:40.914" v="189"/>
+          <ac:spMkLst>
+            <pc:docMk/>
+            <pc:sldMk cId="455221363" sldId="271"/>
+            <ac:spMk id="8" creationId="{829F4224-BA46-22BB-F647-BCA4D719FC62}"/>
+          </ac:spMkLst>
+        </pc:spChg>
+        <pc:spChg chg="mod">
+          <ac:chgData name="Jinyin Yan" userId="7d7b1cac-fbbc-4678-8cfc-23ca66a374ce" providerId="ADAL" clId="{4D1E27EC-2E0F-4672-841A-DB5AE83D0870}" dt="2025-02-20T08:16:40.914" v="189"/>
+          <ac:spMkLst>
+            <pc:docMk/>
+            <pc:sldMk cId="455221363" sldId="271"/>
+            <ac:spMk id="9" creationId="{5BECCC71-A86E-6EBF-BF1D-495608FA34E9}"/>
+          </ac:spMkLst>
+        </pc:spChg>
+        <pc:spChg chg="add mod">
+          <ac:chgData name="Jinyin Yan" userId="7d7b1cac-fbbc-4678-8cfc-23ca66a374ce" providerId="ADAL" clId="{4D1E27EC-2E0F-4672-841A-DB5AE83D0870}" dt="2025-02-20T08:18:20.113" v="210" actId="1076"/>
+          <ac:spMkLst>
+            <pc:docMk/>
+            <pc:sldMk cId="455221363" sldId="271"/>
+            <ac:spMk id="10" creationId="{32157F55-BAE9-99DB-6DAC-43FCAF6D6DF3}"/>
+          </ac:spMkLst>
+        </pc:spChg>
+        <pc:spChg chg="add del mod">
+          <ac:chgData name="Jinyin Yan" userId="7d7b1cac-fbbc-4678-8cfc-23ca66a374ce" providerId="ADAL" clId="{4D1E27EC-2E0F-4672-841A-DB5AE83D0870}" dt="2025-02-20T08:16:52.535" v="196" actId="6549"/>
+          <ac:spMkLst>
+            <pc:docMk/>
+            <pc:sldMk cId="455221363" sldId="271"/>
+            <ac:spMk id="11" creationId="{F9247F95-F05A-16CF-271D-D3189B174218}"/>
+          </ac:spMkLst>
+        </pc:spChg>
+        <pc:spChg chg="add del mod">
+          <ac:chgData name="Jinyin Yan" userId="7d7b1cac-fbbc-4678-8cfc-23ca66a374ce" providerId="ADAL" clId="{4D1E27EC-2E0F-4672-841A-DB5AE83D0870}" dt="2025-02-20T08:16:57.723" v="199" actId="478"/>
+          <ac:spMkLst>
+            <pc:docMk/>
+            <pc:sldMk cId="455221363" sldId="271"/>
+            <ac:spMk id="19" creationId="{BB6B32C2-7898-C770-7379-7A2F366CC7DA}"/>
+          </ac:spMkLst>
+        </pc:spChg>
+        <pc:spChg chg="add mod">
+          <ac:chgData name="Jinyin Yan" userId="7d7b1cac-fbbc-4678-8cfc-23ca66a374ce" providerId="ADAL" clId="{4D1E27EC-2E0F-4672-841A-DB5AE83D0870}" dt="2025-02-20T08:21:45.285" v="216" actId="1076"/>
+          <ac:spMkLst>
+            <pc:docMk/>
+            <pc:sldMk cId="455221363" sldId="271"/>
+            <ac:spMk id="20" creationId="{ACC72AC1-10D2-D542-755D-E95335C74D6A}"/>
+          </ac:spMkLst>
+        </pc:spChg>
+        <pc:spChg chg="add mod">
+          <ac:chgData name="Jinyin Yan" userId="7d7b1cac-fbbc-4678-8cfc-23ca66a374ce" providerId="ADAL" clId="{4D1E27EC-2E0F-4672-841A-DB5AE83D0870}" dt="2025-02-20T08:22:10.758" v="223" actId="20577"/>
+          <ac:spMkLst>
+            <pc:docMk/>
+            <pc:sldMk cId="455221363" sldId="271"/>
+            <ac:spMk id="21" creationId="{E8BAE1FF-B53C-7E7C-43FE-88381B16825C}"/>
+          </ac:spMkLst>
+        </pc:spChg>
+        <pc:spChg chg="mod">
+          <ac:chgData name="Jinyin Yan" userId="7d7b1cac-fbbc-4678-8cfc-23ca66a374ce" providerId="ADAL" clId="{4D1E27EC-2E0F-4672-841A-DB5AE83D0870}" dt="2025-02-20T08:17:47.469" v="202"/>
+          <ac:spMkLst>
+            <pc:docMk/>
+            <pc:sldMk cId="455221363" sldId="271"/>
+            <ac:spMk id="26" creationId="{AFD6493B-3621-E4FC-D5C4-3A8DBF256CBB}"/>
+          </ac:spMkLst>
+        </pc:spChg>
+        <pc:spChg chg="mod">
+          <ac:chgData name="Jinyin Yan" userId="7d7b1cac-fbbc-4678-8cfc-23ca66a374ce" providerId="ADAL" clId="{4D1E27EC-2E0F-4672-841A-DB5AE83D0870}" dt="2025-02-20T08:17:47.469" v="202"/>
+          <ac:spMkLst>
+            <pc:docMk/>
+            <pc:sldMk cId="455221363" sldId="271"/>
+            <ac:spMk id="27" creationId="{34B6772E-A1F1-9B64-08DD-49B2C8EDE17C}"/>
+          </ac:spMkLst>
+        </pc:spChg>
+        <pc:spChg chg="mod">
+          <ac:chgData name="Jinyin Yan" userId="7d7b1cac-fbbc-4678-8cfc-23ca66a374ce" providerId="ADAL" clId="{4D1E27EC-2E0F-4672-841A-DB5AE83D0870}" dt="2025-02-20T08:17:47.469" v="202"/>
+          <ac:spMkLst>
+            <pc:docMk/>
+            <pc:sldMk cId="455221363" sldId="271"/>
+            <ac:spMk id="28" creationId="{E12874AC-7659-4F3E-CA9B-D9E7250DA258}"/>
+          </ac:spMkLst>
+        </pc:spChg>
+        <pc:spChg chg="mod">
+          <ac:chgData name="Jinyin Yan" userId="7d7b1cac-fbbc-4678-8cfc-23ca66a374ce" providerId="ADAL" clId="{4D1E27EC-2E0F-4672-841A-DB5AE83D0870}" dt="2025-02-20T08:17:47.469" v="202"/>
+          <ac:spMkLst>
+            <pc:docMk/>
+            <pc:sldMk cId="455221363" sldId="271"/>
+            <ac:spMk id="29" creationId="{A48E5A04-7379-7F4C-1E01-D37701DAEABD}"/>
+          </ac:spMkLst>
+        </pc:spChg>
+        <pc:spChg chg="mod">
+          <ac:chgData name="Jinyin Yan" userId="7d7b1cac-fbbc-4678-8cfc-23ca66a374ce" providerId="ADAL" clId="{4D1E27EC-2E0F-4672-841A-DB5AE83D0870}" dt="2025-02-20T08:17:47.469" v="202"/>
+          <ac:spMkLst>
+            <pc:docMk/>
+            <pc:sldMk cId="455221363" sldId="271"/>
+            <ac:spMk id="30" creationId="{23B7D02A-5617-928E-22CE-5F6E4776194A}"/>
+          </ac:spMkLst>
+        </pc:spChg>
+        <pc:spChg chg="add mod">
+          <ac:chgData name="Jinyin Yan" userId="7d7b1cac-fbbc-4678-8cfc-23ca66a374ce" providerId="ADAL" clId="{4D1E27EC-2E0F-4672-841A-DB5AE83D0870}" dt="2025-02-20T08:17:47.469" v="202"/>
+          <ac:spMkLst>
+            <pc:docMk/>
+            <pc:sldMk cId="455221363" sldId="271"/>
+            <ac:spMk id="31" creationId="{DAC821B7-7076-9D92-66E1-97D5F507556B}"/>
+          </ac:spMkLst>
+        </pc:spChg>
+        <pc:spChg chg="add mod">
+          <ac:chgData name="Jinyin Yan" userId="7d7b1cac-fbbc-4678-8cfc-23ca66a374ce" providerId="ADAL" clId="{4D1E27EC-2E0F-4672-841A-DB5AE83D0870}" dt="2025-02-20T08:17:47.469" v="202"/>
+          <ac:spMkLst>
+            <pc:docMk/>
+            <pc:sldMk cId="455221363" sldId="271"/>
+            <ac:spMk id="32" creationId="{FC19FE70-25E0-EF96-DB66-A391295F1043}"/>
+          </ac:spMkLst>
+        </pc:spChg>
+        <pc:spChg chg="add mod">
+          <ac:chgData name="Jinyin Yan" userId="7d7b1cac-fbbc-4678-8cfc-23ca66a374ce" providerId="ADAL" clId="{4D1E27EC-2E0F-4672-841A-DB5AE83D0870}" dt="2025-02-20T08:17:47.469" v="202"/>
+          <ac:spMkLst>
+            <pc:docMk/>
+            <pc:sldMk cId="455221363" sldId="271"/>
+            <ac:spMk id="40" creationId="{008A9D28-8A46-4662-7E79-9B1640DB3976}"/>
+          </ac:spMkLst>
+        </pc:spChg>
+        <pc:spChg chg="add mod">
+          <ac:chgData name="Jinyin Yan" userId="7d7b1cac-fbbc-4678-8cfc-23ca66a374ce" providerId="ADAL" clId="{4D1E27EC-2E0F-4672-841A-DB5AE83D0870}" dt="2025-02-20T08:17:47.469" v="202"/>
+          <ac:spMkLst>
+            <pc:docMk/>
+            <pc:sldMk cId="455221363" sldId="271"/>
+            <ac:spMk id="41" creationId="{5D526E93-623B-F915-C89F-F5FD6BE4F0E8}"/>
+          </ac:spMkLst>
+        </pc:spChg>
+        <pc:spChg chg="add mod">
+          <ac:chgData name="Jinyin Yan" userId="7d7b1cac-fbbc-4678-8cfc-23ca66a374ce" providerId="ADAL" clId="{4D1E27EC-2E0F-4672-841A-DB5AE83D0870}" dt="2025-02-20T08:17:47.469" v="202"/>
+          <ac:spMkLst>
+            <pc:docMk/>
+            <pc:sldMk cId="455221363" sldId="271"/>
+            <ac:spMk id="42" creationId="{5B1E0A67-A4DC-60F2-758B-CE10AC1BD72E}"/>
+          </ac:spMkLst>
+        </pc:spChg>
+        <pc:spChg chg="add mod">
+          <ac:chgData name="Jinyin Yan" userId="7d7b1cac-fbbc-4678-8cfc-23ca66a374ce" providerId="ADAL" clId="{4D1E27EC-2E0F-4672-841A-DB5AE83D0870}" dt="2025-02-20T08:22:36.530" v="230" actId="20577"/>
+          <ac:spMkLst>
+            <pc:docMk/>
+            <pc:sldMk cId="455221363" sldId="271"/>
+            <ac:spMk id="51" creationId="{BDCF487C-4EED-F9DE-96DC-07ECD580346F}"/>
+          </ac:spMkLst>
+        </pc:spChg>
+        <pc:spChg chg="add mod">
+          <ac:chgData name="Jinyin Yan" userId="7d7b1cac-fbbc-4678-8cfc-23ca66a374ce" providerId="ADAL" clId="{4D1E27EC-2E0F-4672-841A-DB5AE83D0870}" dt="2025-02-20T08:32:50.720" v="240" actId="1076"/>
+          <ac:spMkLst>
+            <pc:docMk/>
+            <pc:sldMk cId="455221363" sldId="271"/>
+            <ac:spMk id="52" creationId="{E4B95641-3ECD-8E27-E723-9A7ABAE7F703}"/>
+          </ac:spMkLst>
+        </pc:spChg>
+        <pc:spChg chg="add mod">
+          <ac:chgData name="Jinyin Yan" userId="7d7b1cac-fbbc-4678-8cfc-23ca66a374ce" providerId="ADAL" clId="{4D1E27EC-2E0F-4672-841A-DB5AE83D0870}" dt="2025-02-20T08:33:15.584" v="255" actId="20577"/>
+          <ac:spMkLst>
+            <pc:docMk/>
+            <pc:sldMk cId="455221363" sldId="271"/>
+            <ac:spMk id="53" creationId="{DCF958E6-AD19-E1B8-3C37-B28166F27C95}"/>
+          </ac:spMkLst>
+        </pc:spChg>
+        <pc:cxnChg chg="mod">
+          <ac:chgData name="Jinyin Yan" userId="7d7b1cac-fbbc-4678-8cfc-23ca66a374ce" providerId="ADAL" clId="{4D1E27EC-2E0F-4672-841A-DB5AE83D0870}" dt="2025-02-20T08:22:03.444" v="221" actId="14100"/>
           <ac:cxnSpMkLst>
             <pc:docMk/>
-            <pc:sldMk cId="545908055" sldId="270"/>
-            <ac:cxnSpMk id="172" creationId="{8603B3ED-3528-AEA0-27AC-208963424D41}"/>
+            <pc:sldMk cId="455221363" sldId="271"/>
+            <ac:cxnSpMk id="12" creationId="{1BB43396-941B-126B-2CC8-30964F0875A5}"/>
           </ac:cxnSpMkLst>
         </pc:cxnChg>
         <pc:cxnChg chg="del">
-          <ac:chgData name="Jinyin Yan" userId="7d7b1cac-fbbc-4678-8cfc-23ca66a374ce" providerId="ADAL" clId="{4D1E27EC-2E0F-4672-841A-DB5AE83D0870}" dt="2025-02-18T09:40:32.332" v="173" actId="478"/>
+          <ac:chgData name="Jinyin Yan" userId="7d7b1cac-fbbc-4678-8cfc-23ca66a374ce" providerId="ADAL" clId="{4D1E27EC-2E0F-4672-841A-DB5AE83D0870}" dt="2025-02-20T08:21:57.593" v="220" actId="478"/>
           <ac:cxnSpMkLst>
             <pc:docMk/>
-            <pc:sldMk cId="545908055" sldId="270"/>
-            <ac:cxnSpMk id="173" creationId="{BA0111FD-9135-1485-F14C-D83A8E53C846}"/>
+            <pc:sldMk cId="455221363" sldId="271"/>
+            <ac:cxnSpMk id="13" creationId="{E097C9A5-FC5E-BBAD-EE4B-DB1EDD2C7E08}"/>
           </ac:cxnSpMkLst>
         </pc:cxnChg>
         <pc:cxnChg chg="del">
-          <ac:chgData name="Jinyin Yan" userId="7d7b1cac-fbbc-4678-8cfc-23ca66a374ce" providerId="ADAL" clId="{4D1E27EC-2E0F-4672-841A-DB5AE83D0870}" dt="2025-02-18T09:40:32.332" v="173" actId="478"/>
+          <ac:chgData name="Jinyin Yan" userId="7d7b1cac-fbbc-4678-8cfc-23ca66a374ce" providerId="ADAL" clId="{4D1E27EC-2E0F-4672-841A-DB5AE83D0870}" dt="2025-02-20T08:16:44.270" v="190" actId="478"/>
           <ac:cxnSpMkLst>
             <pc:docMk/>
-            <pc:sldMk cId="545908055" sldId="270"/>
-            <ac:cxnSpMk id="181" creationId="{409B36CD-C979-8A46-2DCB-AB3DC9856D00}"/>
+            <pc:sldMk cId="455221363" sldId="271"/>
+            <ac:cxnSpMk id="17" creationId="{BB6A016F-2129-7138-4B94-D0F670CAD164}"/>
           </ac:cxnSpMkLst>
         </pc:cxnChg>
-        <pc:cxnChg chg="del">
-          <ac:chgData name="Jinyin Yan" userId="7d7b1cac-fbbc-4678-8cfc-23ca66a374ce" providerId="ADAL" clId="{4D1E27EC-2E0F-4672-841A-DB5AE83D0870}" dt="2025-02-18T09:40:32.332" v="173" actId="478"/>
+        <pc:cxnChg chg="add del">
+          <ac:chgData name="Jinyin Yan" userId="7d7b1cac-fbbc-4678-8cfc-23ca66a374ce" providerId="ADAL" clId="{4D1E27EC-2E0F-4672-841A-DB5AE83D0870}" dt="2025-02-20T08:16:53.770" v="198" actId="478"/>
           <ac:cxnSpMkLst>
             <pc:docMk/>
-            <pc:sldMk cId="545908055" sldId="270"/>
-            <ac:cxnSpMk id="184" creationId="{21022C02-69E7-2F76-15D1-3B341A92FA32}"/>
+            <pc:sldMk cId="455221363" sldId="271"/>
+            <ac:cxnSpMk id="18" creationId="{E58E4A63-6D01-4883-64A0-29CA462F08A6}"/>
           </ac:cxnSpMkLst>
         </pc:cxnChg>
-        <pc:cxnChg chg="del">
-          <ac:chgData name="Jinyin Yan" userId="7d7b1cac-fbbc-4678-8cfc-23ca66a374ce" providerId="ADAL" clId="{4D1E27EC-2E0F-4672-841A-DB5AE83D0870}" dt="2025-02-18T09:40:32.332" v="173" actId="478"/>
+        <pc:cxnChg chg="add mod">
+          <ac:chgData name="Jinyin Yan" userId="7d7b1cac-fbbc-4678-8cfc-23ca66a374ce" providerId="ADAL" clId="{4D1E27EC-2E0F-4672-841A-DB5AE83D0870}" dt="2025-02-20T08:17:37.581" v="201" actId="14100"/>
           <ac:cxnSpMkLst>
             <pc:docMk/>
-            <pc:sldMk cId="545908055" sldId="270"/>
-            <ac:cxnSpMk id="185" creationId="{ADABA51F-8332-2347-518A-F793204A65E8}"/>
+            <pc:sldMk cId="455221363" sldId="271"/>
+            <ac:cxnSpMk id="23" creationId="{25ACB8E7-ABA1-719C-50B4-12FFC5341456}"/>
           </ac:cxnSpMkLst>
         </pc:cxnChg>
-        <pc:cxnChg chg="del">
-          <ac:chgData name="Jinyin Yan" userId="7d7b1cac-fbbc-4678-8cfc-23ca66a374ce" providerId="ADAL" clId="{4D1E27EC-2E0F-4672-841A-DB5AE83D0870}" dt="2025-02-18T09:40:32.332" v="173" actId="478"/>
+        <pc:cxnChg chg="add mod">
+          <ac:chgData name="Jinyin Yan" userId="7d7b1cac-fbbc-4678-8cfc-23ca66a374ce" providerId="ADAL" clId="{4D1E27EC-2E0F-4672-841A-DB5AE83D0870}" dt="2025-02-20T08:18:14.248" v="209" actId="1076"/>
           <ac:cxnSpMkLst>
             <pc:docMk/>
-            <pc:sldMk cId="545908055" sldId="270"/>
-            <ac:cxnSpMk id="188" creationId="{0BFE6169-6DDC-79C7-C66A-8A77BBCFD711}"/>
+            <pc:sldMk cId="455221363" sldId="271"/>
+            <ac:cxnSpMk id="43" creationId="{A2ADC805-AF82-37A0-E04E-7FAB6CA44220}"/>
           </ac:cxnSpMkLst>
         </pc:cxnChg>
-        <pc:cxnChg chg="del">
-          <ac:chgData name="Jinyin Yan" userId="7d7b1cac-fbbc-4678-8cfc-23ca66a374ce" providerId="ADAL" clId="{4D1E27EC-2E0F-4672-841A-DB5AE83D0870}" dt="2025-02-18T09:40:32.332" v="173" actId="478"/>
+        <pc:cxnChg chg="add mod">
+          <ac:chgData name="Jinyin Yan" userId="7d7b1cac-fbbc-4678-8cfc-23ca66a374ce" providerId="ADAL" clId="{4D1E27EC-2E0F-4672-841A-DB5AE83D0870}" dt="2025-02-20T08:21:54.781" v="219" actId="14100"/>
           <ac:cxnSpMkLst>
             <pc:docMk/>
-            <pc:sldMk cId="545908055" sldId="270"/>
-            <ac:cxnSpMk id="192" creationId="{A169A3D1-C9C4-A6F6-F831-EC8D2C85E3C1}"/>
+            <pc:sldMk cId="455221363" sldId="271"/>
+            <ac:cxnSpMk id="48" creationId="{891373C9-FB3A-94F0-47E4-45B3C1C95808}"/>
           </ac:cxnSpMkLst>
         </pc:cxnChg>
-        <pc:cxnChg chg="del">
-          <ac:chgData name="Jinyin Yan" userId="7d7b1cac-fbbc-4678-8cfc-23ca66a374ce" providerId="ADAL" clId="{4D1E27EC-2E0F-4672-841A-DB5AE83D0870}" dt="2025-02-18T09:40:32.332" v="173" actId="478"/>
+      </pc:sldChg>
+      <pc:sldChg chg="addSp delSp modSp new mod">
+        <pc:chgData name="Jinyin Yan" userId="7d7b1cac-fbbc-4678-8cfc-23ca66a374ce" providerId="ADAL" clId="{4D1E27EC-2E0F-4672-841A-DB5AE83D0870}" dt="2025-02-20T09:47:37.240" v="303" actId="14100"/>
+        <pc:sldMkLst>
+          <pc:docMk/>
+          <pc:sldMk cId="2007485750" sldId="272"/>
+        </pc:sldMkLst>
+        <pc:spChg chg="del">
+          <ac:chgData name="Jinyin Yan" userId="7d7b1cac-fbbc-4678-8cfc-23ca66a374ce" providerId="ADAL" clId="{4D1E27EC-2E0F-4672-841A-DB5AE83D0870}" dt="2025-02-20T09:17:41.537" v="257" actId="478"/>
+          <ac:spMkLst>
+            <pc:docMk/>
+            <pc:sldMk cId="2007485750" sldId="272"/>
+            <ac:spMk id="2" creationId="{EA900CEB-F6BB-1718-070A-B79BB566C610}"/>
+          </ac:spMkLst>
+        </pc:spChg>
+        <pc:spChg chg="del">
+          <ac:chgData name="Jinyin Yan" userId="7d7b1cac-fbbc-4678-8cfc-23ca66a374ce" providerId="ADAL" clId="{4D1E27EC-2E0F-4672-841A-DB5AE83D0870}" dt="2025-02-20T09:17:42.824" v="258" actId="478"/>
+          <ac:spMkLst>
+            <pc:docMk/>
+            <pc:sldMk cId="2007485750" sldId="272"/>
+            <ac:spMk id="3" creationId="{8DE4C59F-1C8B-30D0-6480-AED0E57BEA4C}"/>
+          </ac:spMkLst>
+        </pc:spChg>
+        <pc:spChg chg="mod">
+          <ac:chgData name="Jinyin Yan" userId="7d7b1cac-fbbc-4678-8cfc-23ca66a374ce" providerId="ADAL" clId="{4D1E27EC-2E0F-4672-841A-DB5AE83D0870}" dt="2025-02-20T09:17:45.565" v="259"/>
+          <ac:spMkLst>
+            <pc:docMk/>
+            <pc:sldMk cId="2007485750" sldId="272"/>
+            <ac:spMk id="5" creationId="{49863C13-7585-3E00-25E1-0F6E8E69EF6F}"/>
+          </ac:spMkLst>
+        </pc:spChg>
+        <pc:spChg chg="mod">
+          <ac:chgData name="Jinyin Yan" userId="7d7b1cac-fbbc-4678-8cfc-23ca66a374ce" providerId="ADAL" clId="{4D1E27EC-2E0F-4672-841A-DB5AE83D0870}" dt="2025-02-20T09:17:45.565" v="259"/>
+          <ac:spMkLst>
+            <pc:docMk/>
+            <pc:sldMk cId="2007485750" sldId="272"/>
+            <ac:spMk id="6" creationId="{A6C878A9-0195-36F6-FE0C-5509E41BF6F1}"/>
+          </ac:spMkLst>
+        </pc:spChg>
+        <pc:spChg chg="mod">
+          <ac:chgData name="Jinyin Yan" userId="7d7b1cac-fbbc-4678-8cfc-23ca66a374ce" providerId="ADAL" clId="{4D1E27EC-2E0F-4672-841A-DB5AE83D0870}" dt="2025-02-20T09:17:45.565" v="259"/>
+          <ac:spMkLst>
+            <pc:docMk/>
+            <pc:sldMk cId="2007485750" sldId="272"/>
+            <ac:spMk id="7" creationId="{9F598ABC-4468-871B-1580-F9586F42F877}"/>
+          </ac:spMkLst>
+        </pc:spChg>
+        <pc:spChg chg="mod">
+          <ac:chgData name="Jinyin Yan" userId="7d7b1cac-fbbc-4678-8cfc-23ca66a374ce" providerId="ADAL" clId="{4D1E27EC-2E0F-4672-841A-DB5AE83D0870}" dt="2025-02-20T09:17:45.565" v="259"/>
+          <ac:spMkLst>
+            <pc:docMk/>
+            <pc:sldMk cId="2007485750" sldId="272"/>
+            <ac:spMk id="8" creationId="{56E2FA5C-0335-C3FA-3910-0BCD290D3DCA}"/>
+          </ac:spMkLst>
+        </pc:spChg>
+        <pc:spChg chg="mod">
+          <ac:chgData name="Jinyin Yan" userId="7d7b1cac-fbbc-4678-8cfc-23ca66a374ce" providerId="ADAL" clId="{4D1E27EC-2E0F-4672-841A-DB5AE83D0870}" dt="2025-02-20T09:17:45.565" v="259"/>
+          <ac:spMkLst>
+            <pc:docMk/>
+            <pc:sldMk cId="2007485750" sldId="272"/>
+            <ac:spMk id="9" creationId="{CB794B71-5996-19A5-CA92-E789B92DBD25}"/>
+          </ac:spMkLst>
+        </pc:spChg>
+        <pc:spChg chg="add mod">
+          <ac:chgData name="Jinyin Yan" userId="7d7b1cac-fbbc-4678-8cfc-23ca66a374ce" providerId="ADAL" clId="{4D1E27EC-2E0F-4672-841A-DB5AE83D0870}" dt="2025-02-20T09:17:48.428" v="260" actId="1076"/>
+          <ac:spMkLst>
+            <pc:docMk/>
+            <pc:sldMk cId="2007485750" sldId="272"/>
+            <ac:spMk id="13" creationId="{7EFF4C50-6485-DBD1-1266-478557314FC7}"/>
+          </ac:spMkLst>
+        </pc:spChg>
+        <pc:spChg chg="add mod">
+          <ac:chgData name="Jinyin Yan" userId="7d7b1cac-fbbc-4678-8cfc-23ca66a374ce" providerId="ADAL" clId="{4D1E27EC-2E0F-4672-841A-DB5AE83D0870}" dt="2025-02-20T09:17:48.428" v="260" actId="1076"/>
+          <ac:spMkLst>
+            <pc:docMk/>
+            <pc:sldMk cId="2007485750" sldId="272"/>
+            <ac:spMk id="15" creationId="{0171C3B9-4966-45EC-BAEA-F870FC4D10FC}"/>
+          </ac:spMkLst>
+        </pc:spChg>
+        <pc:spChg chg="add mod">
+          <ac:chgData name="Jinyin Yan" userId="7d7b1cac-fbbc-4678-8cfc-23ca66a374ce" providerId="ADAL" clId="{4D1E27EC-2E0F-4672-841A-DB5AE83D0870}" dt="2025-02-20T09:17:48.428" v="260" actId="1076"/>
+          <ac:spMkLst>
+            <pc:docMk/>
+            <pc:sldMk cId="2007485750" sldId="272"/>
+            <ac:spMk id="21" creationId="{C6C1C86A-D518-536C-77A5-F2678B7A8499}"/>
+          </ac:spMkLst>
+        </pc:spChg>
+        <pc:spChg chg="mod">
+          <ac:chgData name="Jinyin Yan" userId="7d7b1cac-fbbc-4678-8cfc-23ca66a374ce" providerId="ADAL" clId="{4D1E27EC-2E0F-4672-841A-DB5AE83D0870}" dt="2025-02-20T09:17:48.428" v="260" actId="1076"/>
+          <ac:spMkLst>
+            <pc:docMk/>
+            <pc:sldMk cId="2007485750" sldId="272"/>
+            <ac:spMk id="22" creationId="{FF8033F9-4A8C-5FC6-E75D-B35DA6777832}"/>
+          </ac:spMkLst>
+        </pc:spChg>
+        <pc:spChg chg="add mod">
+          <ac:chgData name="Jinyin Yan" userId="7d7b1cac-fbbc-4678-8cfc-23ca66a374ce" providerId="ADAL" clId="{4D1E27EC-2E0F-4672-841A-DB5AE83D0870}" dt="2025-02-20T09:17:48.428" v="260" actId="1076"/>
+          <ac:spMkLst>
+            <pc:docMk/>
+            <pc:sldMk cId="2007485750" sldId="272"/>
+            <ac:spMk id="23" creationId="{D116E129-B2B2-383D-78C5-796D6D71B2AF}"/>
+          </ac:spMkLst>
+        </pc:spChg>
+        <pc:spChg chg="add mod">
+          <ac:chgData name="Jinyin Yan" userId="7d7b1cac-fbbc-4678-8cfc-23ca66a374ce" providerId="ADAL" clId="{4D1E27EC-2E0F-4672-841A-DB5AE83D0870}" dt="2025-02-20T09:47:25.128" v="298" actId="1076"/>
+          <ac:spMkLst>
+            <pc:docMk/>
+            <pc:sldMk cId="2007485750" sldId="272"/>
+            <ac:spMk id="24" creationId="{24942997-F2AE-4E91-3793-A92022AB2A56}"/>
+          </ac:spMkLst>
+        </pc:spChg>
+        <pc:spChg chg="add mod">
+          <ac:chgData name="Jinyin Yan" userId="7d7b1cac-fbbc-4678-8cfc-23ca66a374ce" providerId="ADAL" clId="{4D1E27EC-2E0F-4672-841A-DB5AE83D0870}" dt="2025-02-20T09:23:18.627" v="281" actId="1076"/>
+          <ac:spMkLst>
+            <pc:docMk/>
+            <pc:sldMk cId="2007485750" sldId="272"/>
+            <ac:spMk id="27" creationId="{B6AA3178-A036-4BA1-512D-C5019A4F1B59}"/>
+          </ac:spMkLst>
+        </pc:spChg>
+        <pc:spChg chg="add mod">
+          <ac:chgData name="Jinyin Yan" userId="7d7b1cac-fbbc-4678-8cfc-23ca66a374ce" providerId="ADAL" clId="{4D1E27EC-2E0F-4672-841A-DB5AE83D0870}" dt="2025-02-20T09:23:10.676" v="278" actId="1076"/>
+          <ac:spMkLst>
+            <pc:docMk/>
+            <pc:sldMk cId="2007485750" sldId="272"/>
+            <ac:spMk id="29" creationId="{08DA1D38-6FBA-43A2-DC5B-617BC7F6E5F1}"/>
+          </ac:spMkLst>
+        </pc:spChg>
+        <pc:spChg chg="add mod">
+          <ac:chgData name="Jinyin Yan" userId="7d7b1cac-fbbc-4678-8cfc-23ca66a374ce" providerId="ADAL" clId="{4D1E27EC-2E0F-4672-841A-DB5AE83D0870}" dt="2025-02-20T09:47:37.240" v="303" actId="14100"/>
+          <ac:spMkLst>
+            <pc:docMk/>
+            <pc:sldMk cId="2007485750" sldId="272"/>
+            <ac:spMk id="38" creationId="{390B0AAE-055A-0B46-AD2F-E56F1F122BB5}"/>
+          </ac:spMkLst>
+        </pc:spChg>
+        <pc:grpChg chg="mod">
+          <ac:chgData name="Jinyin Yan" userId="7d7b1cac-fbbc-4678-8cfc-23ca66a374ce" providerId="ADAL" clId="{4D1E27EC-2E0F-4672-841A-DB5AE83D0870}" dt="2025-02-20T09:24:00.673" v="289" actId="1076"/>
+          <ac:grpSpMkLst>
+            <pc:docMk/>
+            <pc:sldMk cId="2007485750" sldId="272"/>
+            <ac:grpSpMk id="4" creationId="{C5698826-EC79-6E50-1053-E5A78AFBAD97}"/>
+          </ac:grpSpMkLst>
+        </pc:grpChg>
+        <pc:cxnChg chg="mod">
+          <ac:chgData name="Jinyin Yan" userId="7d7b1cac-fbbc-4678-8cfc-23ca66a374ce" providerId="ADAL" clId="{4D1E27EC-2E0F-4672-841A-DB5AE83D0870}" dt="2025-02-20T09:24:00.673" v="289" actId="1076"/>
           <ac:cxnSpMkLst>
             <pc:docMk/>
-            <pc:sldMk cId="545908055" sldId="270"/>
-            <ac:cxnSpMk id="196" creationId="{3DC434D8-F360-C666-13E8-D02F987455E4}"/>
+            <pc:sldMk cId="2007485750" sldId="272"/>
+            <ac:cxnSpMk id="10" creationId="{C1B4E280-409D-2C32-C724-2E628D2C2F84}"/>
           </ac:cxnSpMkLst>
         </pc:cxnChg>
-        <pc:cxnChg chg="del">
-          <ac:chgData name="Jinyin Yan" userId="7d7b1cac-fbbc-4678-8cfc-23ca66a374ce" providerId="ADAL" clId="{4D1E27EC-2E0F-4672-841A-DB5AE83D0870}" dt="2025-02-18T09:40:32.332" v="173" actId="478"/>
+        <pc:cxnChg chg="mod">
+          <ac:chgData name="Jinyin Yan" userId="7d7b1cac-fbbc-4678-8cfc-23ca66a374ce" providerId="ADAL" clId="{4D1E27EC-2E0F-4672-841A-DB5AE83D0870}" dt="2025-02-20T09:24:00.673" v="289" actId="1076"/>
           <ac:cxnSpMkLst>
             <pc:docMk/>
-            <pc:sldMk cId="545908055" sldId="270"/>
-            <ac:cxnSpMk id="198" creationId="{4A1AB0B2-EA94-45EB-E9A2-155F1818E663}"/>
+            <pc:sldMk cId="2007485750" sldId="272"/>
+            <ac:cxnSpMk id="11" creationId="{E499A25A-85EC-F2AC-81DC-76CF9446707C}"/>
+          </ac:cxnSpMkLst>
+        </pc:cxnChg>
+        <pc:cxnChg chg="mod">
+          <ac:chgData name="Jinyin Yan" userId="7d7b1cac-fbbc-4678-8cfc-23ca66a374ce" providerId="ADAL" clId="{4D1E27EC-2E0F-4672-841A-DB5AE83D0870}" dt="2025-02-20T09:23:12.645" v="279" actId="14100"/>
+          <ac:cxnSpMkLst>
+            <pc:docMk/>
+            <pc:sldMk cId="2007485750" sldId="272"/>
+            <ac:cxnSpMk id="12" creationId="{C3507B38-AADF-1366-4FE5-E1527D94A1F5}"/>
+          </ac:cxnSpMkLst>
+        </pc:cxnChg>
+        <pc:cxnChg chg="mod">
+          <ac:chgData name="Jinyin Yan" userId="7d7b1cac-fbbc-4678-8cfc-23ca66a374ce" providerId="ADAL" clId="{4D1E27EC-2E0F-4672-841A-DB5AE83D0870}" dt="2025-02-20T09:17:48.428" v="260" actId="1076"/>
+          <ac:cxnSpMkLst>
+            <pc:docMk/>
+            <pc:sldMk cId="2007485750" sldId="272"/>
+            <ac:cxnSpMk id="18" creationId="{63371645-4F01-DC5B-7B37-870DC3F7B9C9}"/>
+          </ac:cxnSpMkLst>
+        </pc:cxnChg>
+        <pc:cxnChg chg="mod">
+          <ac:chgData name="Jinyin Yan" userId="7d7b1cac-fbbc-4678-8cfc-23ca66a374ce" providerId="ADAL" clId="{4D1E27EC-2E0F-4672-841A-DB5AE83D0870}" dt="2025-02-20T09:17:48.428" v="260" actId="1076"/>
+          <ac:cxnSpMkLst>
+            <pc:docMk/>
+            <pc:sldMk cId="2007485750" sldId="272"/>
+            <ac:cxnSpMk id="19" creationId="{6F33942C-1416-BC7F-A956-D24CBF08348C}"/>
+          </ac:cxnSpMkLst>
+        </pc:cxnChg>
+        <pc:cxnChg chg="add mod">
+          <ac:chgData name="Jinyin Yan" userId="7d7b1cac-fbbc-4678-8cfc-23ca66a374ce" providerId="ADAL" clId="{4D1E27EC-2E0F-4672-841A-DB5AE83D0870}" dt="2025-02-20T09:23:16.026" v="280" actId="1076"/>
+          <ac:cxnSpMkLst>
+            <pc:docMk/>
+            <pc:sldMk cId="2007485750" sldId="272"/>
+            <ac:cxnSpMk id="30" creationId="{82ACB4CA-9C96-8BC8-1B89-2CC20BF2A0AA}"/>
+          </ac:cxnSpMkLst>
+        </pc:cxnChg>
+        <pc:cxnChg chg="add mod">
+          <ac:chgData name="Jinyin Yan" userId="7d7b1cac-fbbc-4678-8cfc-23ca66a374ce" providerId="ADAL" clId="{4D1E27EC-2E0F-4672-841A-DB5AE83D0870}" dt="2025-02-20T09:23:56.113" v="288" actId="14100"/>
+          <ac:cxnSpMkLst>
+            <pc:docMk/>
+            <pc:sldMk cId="2007485750" sldId="272"/>
+            <ac:cxnSpMk id="34" creationId="{DB8D0DCA-560F-E339-A689-3BD7298E9AC4}"/>
           </ac:cxnSpMkLst>
         </pc:cxnChg>
       </pc:sldChg>
@@ -4677,7 +4925,7 @@
           <a:p>
             <a:fld id="{756B7610-9FAA-DC43-80F9-3155B1E839C7}" type="datetimeFigureOut">
               <a:rPr kumimoji="1" lang="zh-CN" altLang="en-US" smtClean="0"/>
-              <a:t>2025/2/18</a:t>
+              <a:t>2025/2/20</a:t>
             </a:fld>
             <a:endParaRPr kumimoji="1" lang="zh-CN" altLang="en-US"/>
           </a:p>
@@ -4875,7 +5123,7 @@
           <a:p>
             <a:fld id="{756B7610-9FAA-DC43-80F9-3155B1E839C7}" type="datetimeFigureOut">
               <a:rPr kumimoji="1" lang="zh-CN" altLang="en-US" smtClean="0"/>
-              <a:t>2025/2/18</a:t>
+              <a:t>2025/2/20</a:t>
             </a:fld>
             <a:endParaRPr kumimoji="1" lang="zh-CN" altLang="en-US"/>
           </a:p>
@@ -5083,7 +5331,7 @@
           <a:p>
             <a:fld id="{756B7610-9FAA-DC43-80F9-3155B1E839C7}" type="datetimeFigureOut">
               <a:rPr kumimoji="1" lang="zh-CN" altLang="en-US" smtClean="0"/>
-              <a:t>2025/2/18</a:t>
+              <a:t>2025/2/20</a:t>
             </a:fld>
             <a:endParaRPr kumimoji="1" lang="zh-CN" altLang="en-US"/>
           </a:p>
@@ -5281,7 +5529,7 @@
           <a:p>
             <a:fld id="{756B7610-9FAA-DC43-80F9-3155B1E839C7}" type="datetimeFigureOut">
               <a:rPr kumimoji="1" lang="zh-CN" altLang="en-US" smtClean="0"/>
-              <a:t>2025/2/18</a:t>
+              <a:t>2025/2/20</a:t>
             </a:fld>
             <a:endParaRPr kumimoji="1" lang="zh-CN" altLang="en-US"/>
           </a:p>
@@ -5556,7 +5804,7 @@
           <a:p>
             <a:fld id="{756B7610-9FAA-DC43-80F9-3155B1E839C7}" type="datetimeFigureOut">
               <a:rPr kumimoji="1" lang="zh-CN" altLang="en-US" smtClean="0"/>
-              <a:t>2025/2/18</a:t>
+              <a:t>2025/2/20</a:t>
             </a:fld>
             <a:endParaRPr kumimoji="1" lang="zh-CN" altLang="en-US"/>
           </a:p>
@@ -5821,7 +6069,7 @@
           <a:p>
             <a:fld id="{756B7610-9FAA-DC43-80F9-3155B1E839C7}" type="datetimeFigureOut">
               <a:rPr kumimoji="1" lang="zh-CN" altLang="en-US" smtClean="0"/>
-              <a:t>2025/2/18</a:t>
+              <a:t>2025/2/20</a:t>
             </a:fld>
             <a:endParaRPr kumimoji="1" lang="zh-CN" altLang="en-US"/>
           </a:p>
@@ -6233,7 +6481,7 @@
           <a:p>
             <a:fld id="{756B7610-9FAA-DC43-80F9-3155B1E839C7}" type="datetimeFigureOut">
               <a:rPr kumimoji="1" lang="zh-CN" altLang="en-US" smtClean="0"/>
-              <a:t>2025/2/18</a:t>
+              <a:t>2025/2/20</a:t>
             </a:fld>
             <a:endParaRPr kumimoji="1" lang="zh-CN" altLang="en-US"/>
           </a:p>
@@ -6374,7 +6622,7 @@
           <a:p>
             <a:fld id="{756B7610-9FAA-DC43-80F9-3155B1E839C7}" type="datetimeFigureOut">
               <a:rPr kumimoji="1" lang="zh-CN" altLang="en-US" smtClean="0"/>
-              <a:t>2025/2/18</a:t>
+              <a:t>2025/2/20</a:t>
             </a:fld>
             <a:endParaRPr kumimoji="1" lang="zh-CN" altLang="en-US"/>
           </a:p>
@@ -6487,7 +6735,7 @@
           <a:p>
             <a:fld id="{756B7610-9FAA-DC43-80F9-3155B1E839C7}" type="datetimeFigureOut">
               <a:rPr kumimoji="1" lang="zh-CN" altLang="en-US" smtClean="0"/>
-              <a:t>2025/2/18</a:t>
+              <a:t>2025/2/20</a:t>
             </a:fld>
             <a:endParaRPr kumimoji="1" lang="zh-CN" altLang="en-US"/>
           </a:p>
@@ -6798,7 +7046,7 @@
           <a:p>
             <a:fld id="{756B7610-9FAA-DC43-80F9-3155B1E839C7}" type="datetimeFigureOut">
               <a:rPr kumimoji="1" lang="zh-CN" altLang="en-US" smtClean="0"/>
-              <a:t>2025/2/18</a:t>
+              <a:t>2025/2/20</a:t>
             </a:fld>
             <a:endParaRPr kumimoji="1" lang="zh-CN" altLang="en-US"/>
           </a:p>
@@ -7086,7 +7334,7 @@
           <a:p>
             <a:fld id="{756B7610-9FAA-DC43-80F9-3155B1E839C7}" type="datetimeFigureOut">
               <a:rPr kumimoji="1" lang="zh-CN" altLang="en-US" smtClean="0"/>
-              <a:t>2025/2/18</a:t>
+              <a:t>2025/2/20</a:t>
             </a:fld>
             <a:endParaRPr kumimoji="1" lang="zh-CN" altLang="en-US"/>
           </a:p>
@@ -7327,7 +7575,7 @@
           <a:p>
             <a:fld id="{756B7610-9FAA-DC43-80F9-3155B1E839C7}" type="datetimeFigureOut">
               <a:rPr kumimoji="1" lang="zh-CN" altLang="en-US" smtClean="0"/>
-              <a:t>2025/2/18</a:t>
+              <a:t>2025/2/20</a:t>
             </a:fld>
             <a:endParaRPr kumimoji="1" lang="zh-CN" altLang="en-US"/>
           </a:p>
@@ -26806,6 +27054,1961 @@
     <p:extLst>
       <p:ext uri="{BB962C8B-B14F-4D97-AF65-F5344CB8AC3E}">
         <p14:creationId xmlns:p14="http://schemas.microsoft.com/office/powerpoint/2010/main" val="545908055"/>
+      </p:ext>
+    </p:extLst>
+  </p:cSld>
+  <p:clrMapOvr>
+    <a:masterClrMapping/>
+  </p:clrMapOvr>
+</p:sld>
+</file>
+
+<file path=ppt/slides/slide16.xml><?xml version="1.0" encoding="utf-8"?>
+<p:sld xmlns:a="http://schemas.openxmlformats.org/drawingml/2006/main" xmlns:r="http://schemas.openxmlformats.org/officeDocument/2006/relationships" xmlns:p="http://schemas.openxmlformats.org/presentationml/2006/main">
+  <p:cSld>
+    <p:spTree>
+      <p:nvGrpSpPr>
+        <p:cNvPr id="1" name=""/>
+        <p:cNvGrpSpPr/>
+        <p:nvPr/>
+      </p:nvGrpSpPr>
+      <p:grpSpPr>
+        <a:xfrm>
+          <a:off x="0" y="0"/>
+          <a:ext cx="0" cy="0"/>
+          <a:chOff x="0" y="0"/>
+          <a:chExt cx="0" cy="0"/>
+        </a:xfrm>
+      </p:grpSpPr>
+      <p:grpSp>
+        <p:nvGrpSpPr>
+          <p:cNvPr id="4" name="组合 58">
+            <a:extLst>
+              <a:ext uri="{FF2B5EF4-FFF2-40B4-BE49-F238E27FC236}">
+                <a16:creationId xmlns:a16="http://schemas.microsoft.com/office/drawing/2014/main" id="{4B815697-C355-BDB8-C2BD-08CE7D02CF9B}"/>
+              </a:ext>
+            </a:extLst>
+          </p:cNvPr>
+          <p:cNvGrpSpPr/>
+          <p:nvPr/>
+        </p:nvGrpSpPr>
+        <p:grpSpPr>
+          <a:xfrm>
+            <a:off x="4362458" y="1095389"/>
+            <a:ext cx="756004" cy="1033153"/>
+            <a:chOff x="2661581" y="1343921"/>
+            <a:chExt cx="756004" cy="1033153"/>
+          </a:xfrm>
+        </p:grpSpPr>
+        <p:sp>
+          <p:nvSpPr>
+            <p:cNvPr id="5" name="矩形 62">
+              <a:extLst>
+                <a:ext uri="{FF2B5EF4-FFF2-40B4-BE49-F238E27FC236}">
+                  <a16:creationId xmlns:a16="http://schemas.microsoft.com/office/drawing/2014/main" id="{1E80E4B0-FCD5-DEBA-400D-0968DDE27D82}"/>
+                </a:ext>
+              </a:extLst>
+            </p:cNvPr>
+            <p:cNvSpPr/>
+            <p:nvPr/>
+          </p:nvSpPr>
+          <p:spPr>
+            <a:xfrm>
+              <a:off x="2765072" y="1343921"/>
+              <a:ext cx="575953" cy="1033153"/>
+            </a:xfrm>
+            <a:prstGeom prst="rect">
+              <a:avLst/>
+            </a:prstGeom>
+            <a:noFill/>
+          </p:spPr>
+          <p:style>
+            <a:lnRef idx="2">
+              <a:schemeClr val="accent1">
+                <a:shade val="50000"/>
+              </a:schemeClr>
+            </a:lnRef>
+            <a:fillRef idx="1">
+              <a:schemeClr val="accent1"/>
+            </a:fillRef>
+            <a:effectRef idx="0">
+              <a:schemeClr val="accent1"/>
+            </a:effectRef>
+            <a:fontRef idx="minor">
+              <a:schemeClr val="lt1"/>
+            </a:fontRef>
+          </p:style>
+          <p:txBody>
+            <a:bodyPr rtlCol="0" anchor="ctr"/>
+            <a:lstStyle/>
+            <a:p>
+              <a:pPr algn="ctr"/>
+              <a:endParaRPr lang="zh-CN" altLang="en-US" dirty="0">
+                <a:solidFill>
+                  <a:schemeClr val="tx1"/>
+                </a:solidFill>
+              </a:endParaRPr>
+            </a:p>
+          </p:txBody>
+        </p:sp>
+        <p:sp>
+          <p:nvSpPr>
+            <p:cNvPr id="6" name="直角三角形 63">
+              <a:extLst>
+                <a:ext uri="{FF2B5EF4-FFF2-40B4-BE49-F238E27FC236}">
+                  <a16:creationId xmlns:a16="http://schemas.microsoft.com/office/drawing/2014/main" id="{9563A8EE-FAD2-1A89-7512-8000D4FAC000}"/>
+                </a:ext>
+              </a:extLst>
+            </p:cNvPr>
+            <p:cNvSpPr/>
+            <p:nvPr/>
+          </p:nvSpPr>
+          <p:spPr>
+            <a:xfrm rot="13320000">
+              <a:off x="2661581" y="2001597"/>
+              <a:ext cx="206982" cy="226517"/>
+            </a:xfrm>
+            <a:prstGeom prst="rtTriangle">
+              <a:avLst/>
+            </a:prstGeom>
+            <a:noFill/>
+          </p:spPr>
+          <p:style>
+            <a:lnRef idx="2">
+              <a:schemeClr val="accent1">
+                <a:shade val="50000"/>
+              </a:schemeClr>
+            </a:lnRef>
+            <a:fillRef idx="1">
+              <a:schemeClr val="accent1"/>
+            </a:fillRef>
+            <a:effectRef idx="0">
+              <a:schemeClr val="accent1"/>
+            </a:effectRef>
+            <a:fontRef idx="minor">
+              <a:schemeClr val="lt1"/>
+            </a:fontRef>
+          </p:style>
+          <p:txBody>
+            <a:bodyPr rtlCol="0" anchor="ctr"/>
+            <a:lstStyle/>
+            <a:p>
+              <a:pPr algn="ctr"/>
+              <a:endParaRPr lang="zh-CN" altLang="en-US"/>
+            </a:p>
+          </p:txBody>
+        </p:sp>
+        <p:sp>
+          <p:nvSpPr>
+            <p:cNvPr id="7" name="文本框 64">
+              <a:extLst>
+                <a:ext uri="{FF2B5EF4-FFF2-40B4-BE49-F238E27FC236}">
+                  <a16:creationId xmlns:a16="http://schemas.microsoft.com/office/drawing/2014/main" id="{BA335E11-4D8E-5969-E556-15BE1F999BB6}"/>
+                </a:ext>
+              </a:extLst>
+            </p:cNvPr>
+            <p:cNvSpPr txBox="1"/>
+            <p:nvPr/>
+          </p:nvSpPr>
+          <p:spPr>
+            <a:xfrm>
+              <a:off x="2692832" y="1391816"/>
+              <a:ext cx="343364" cy="369332"/>
+            </a:xfrm>
+            <a:prstGeom prst="rect">
+              <a:avLst/>
+            </a:prstGeom>
+            <a:noFill/>
+          </p:spPr>
+          <p:txBody>
+            <a:bodyPr wrap="none" rtlCol="0">
+              <a:spAutoFit/>
+            </a:bodyPr>
+            <a:lstStyle/>
+            <a:p>
+              <a:r>
+                <a:rPr kumimoji="1" lang="en-US" altLang="zh-CN" dirty="0"/>
+                <a:t>D</a:t>
+              </a:r>
+              <a:endParaRPr kumimoji="1" lang="zh-CN" altLang="en-US" dirty="0"/>
+            </a:p>
+          </p:txBody>
+        </p:sp>
+        <p:sp>
+          <p:nvSpPr>
+            <p:cNvPr id="8" name="文本框 65">
+              <a:extLst>
+                <a:ext uri="{FF2B5EF4-FFF2-40B4-BE49-F238E27FC236}">
+                  <a16:creationId xmlns:a16="http://schemas.microsoft.com/office/drawing/2014/main" id="{829F4224-BA46-22BB-F647-BCA4D719FC62}"/>
+                </a:ext>
+              </a:extLst>
+            </p:cNvPr>
+            <p:cNvSpPr txBox="1"/>
+            <p:nvPr/>
+          </p:nvSpPr>
+          <p:spPr>
+            <a:xfrm>
+              <a:off x="2864514" y="1930189"/>
+              <a:ext cx="455574" cy="369332"/>
+            </a:xfrm>
+            <a:prstGeom prst="rect">
+              <a:avLst/>
+            </a:prstGeom>
+            <a:noFill/>
+          </p:spPr>
+          <p:txBody>
+            <a:bodyPr wrap="none" rtlCol="0">
+              <a:spAutoFit/>
+            </a:bodyPr>
+            <a:lstStyle/>
+            <a:p>
+              <a:r>
+                <a:rPr kumimoji="1" lang="en-US" altLang="zh-CN" dirty="0"/>
+                <a:t>CK</a:t>
+              </a:r>
+              <a:endParaRPr kumimoji="1" lang="zh-CN" altLang="en-US" dirty="0"/>
+            </a:p>
+          </p:txBody>
+        </p:sp>
+        <p:sp>
+          <p:nvSpPr>
+            <p:cNvPr id="9" name="文本框 66">
+              <a:extLst>
+                <a:ext uri="{FF2B5EF4-FFF2-40B4-BE49-F238E27FC236}">
+                  <a16:creationId xmlns:a16="http://schemas.microsoft.com/office/drawing/2014/main" id="{5BECCC71-A86E-6EBF-BF1D-495608FA34E9}"/>
+                </a:ext>
+              </a:extLst>
+            </p:cNvPr>
+            <p:cNvSpPr txBox="1"/>
+            <p:nvPr/>
+          </p:nvSpPr>
+          <p:spPr>
+            <a:xfrm>
+              <a:off x="3058191" y="1391816"/>
+              <a:ext cx="359394" cy="369332"/>
+            </a:xfrm>
+            <a:prstGeom prst="rect">
+              <a:avLst/>
+            </a:prstGeom>
+            <a:noFill/>
+          </p:spPr>
+          <p:txBody>
+            <a:bodyPr wrap="none" rtlCol="0">
+              <a:spAutoFit/>
+            </a:bodyPr>
+            <a:lstStyle/>
+            <a:p>
+              <a:r>
+                <a:rPr kumimoji="1" lang="en-US" altLang="zh-CN" dirty="0"/>
+                <a:t>Q</a:t>
+              </a:r>
+              <a:endParaRPr kumimoji="1" lang="zh-CN" altLang="en-US" dirty="0"/>
+            </a:p>
+          </p:txBody>
+        </p:sp>
+      </p:grpSp>
+      <p:sp>
+        <p:nvSpPr>
+          <p:cNvPr id="10" name="三角形 15">
+            <a:extLst>
+              <a:ext uri="{FF2B5EF4-FFF2-40B4-BE49-F238E27FC236}">
+                <a16:creationId xmlns:a16="http://schemas.microsoft.com/office/drawing/2014/main" id="{32157F55-BAE9-99DB-6DAC-43FCAF6D6DF3}"/>
+              </a:ext>
+            </a:extLst>
+          </p:cNvPr>
+          <p:cNvSpPr/>
+          <p:nvPr/>
+        </p:nvSpPr>
+        <p:spPr>
+          <a:xfrm rot="5400000">
+            <a:off x="6147276" y="1100904"/>
+            <a:ext cx="481714" cy="470687"/>
+          </a:xfrm>
+          <a:prstGeom prst="triangle">
+            <a:avLst/>
+          </a:prstGeom>
+        </p:spPr>
+        <p:style>
+          <a:lnRef idx="2">
+            <a:schemeClr val="accent6">
+              <a:shade val="15000"/>
+            </a:schemeClr>
+          </a:lnRef>
+          <a:fillRef idx="1">
+            <a:schemeClr val="accent6"/>
+          </a:fillRef>
+          <a:effectRef idx="0">
+            <a:schemeClr val="accent6"/>
+          </a:effectRef>
+          <a:fontRef idx="minor">
+            <a:schemeClr val="lt1"/>
+          </a:fontRef>
+        </p:style>
+        <p:txBody>
+          <a:bodyPr rtlCol="0" anchor="ctr"/>
+          <a:lstStyle/>
+          <a:p>
+            <a:pPr algn="ctr"/>
+            <a:endParaRPr kumimoji="1" lang="zh-CN" altLang="en-US"/>
+          </a:p>
+        </p:txBody>
+      </p:sp>
+      <p:sp>
+        <p:nvSpPr>
+          <p:cNvPr id="11" name="文本框 66">
+            <a:extLst>
+              <a:ext uri="{FF2B5EF4-FFF2-40B4-BE49-F238E27FC236}">
+                <a16:creationId xmlns:a16="http://schemas.microsoft.com/office/drawing/2014/main" id="{F9247F95-F05A-16CF-271D-D3189B174218}"/>
+              </a:ext>
+            </a:extLst>
+          </p:cNvPr>
+          <p:cNvSpPr txBox="1"/>
+          <p:nvPr/>
+        </p:nvSpPr>
+        <p:spPr>
+          <a:xfrm>
+            <a:off x="4587917" y="1425302"/>
+            <a:ext cx="530545" cy="369332"/>
+          </a:xfrm>
+          <a:prstGeom prst="rect">
+            <a:avLst/>
+          </a:prstGeom>
+          <a:noFill/>
+        </p:spPr>
+        <p:txBody>
+          <a:bodyPr wrap="square" rtlCol="0">
+            <a:spAutoFit/>
+          </a:bodyPr>
+          <a:lstStyle/>
+          <a:p>
+            <a:r>
+              <a:rPr kumimoji="1" lang="en-US" altLang="zh-CN" dirty="0"/>
+              <a:t>QN</a:t>
+            </a:r>
+            <a:endParaRPr kumimoji="1" lang="zh-CN" altLang="en-US" dirty="0"/>
+          </a:p>
+        </p:txBody>
+      </p:sp>
+      <p:cxnSp>
+        <p:nvCxnSpPr>
+          <p:cNvPr id="12" name="直线连接符 60">
+            <a:extLst>
+              <a:ext uri="{FF2B5EF4-FFF2-40B4-BE49-F238E27FC236}">
+                <a16:creationId xmlns:a16="http://schemas.microsoft.com/office/drawing/2014/main" id="{1BB43396-941B-126B-2CC8-30964F0875A5}"/>
+              </a:ext>
+            </a:extLst>
+          </p:cNvPr>
+          <p:cNvCxnSpPr>
+            <a:cxnSpLocks/>
+          </p:cNvCxnSpPr>
+          <p:nvPr/>
+        </p:nvCxnSpPr>
+        <p:spPr>
+          <a:xfrm flipV="1">
+            <a:off x="3244850" y="1864026"/>
+            <a:ext cx="1221099" cy="2297"/>
+          </a:xfrm>
+          <a:prstGeom prst="line">
+            <a:avLst/>
+          </a:prstGeom>
+        </p:spPr>
+        <p:style>
+          <a:lnRef idx="2">
+            <a:schemeClr val="accent1"/>
+          </a:lnRef>
+          <a:fillRef idx="0">
+            <a:schemeClr val="accent1"/>
+          </a:fillRef>
+          <a:effectRef idx="1">
+            <a:schemeClr val="accent1"/>
+          </a:effectRef>
+          <a:fontRef idx="minor">
+            <a:schemeClr val="tx1"/>
+          </a:fontRef>
+        </p:style>
+      </p:cxnSp>
+      <p:cxnSp>
+        <p:nvCxnSpPr>
+          <p:cNvPr id="14" name="直线连接符 60">
+            <a:extLst>
+              <a:ext uri="{FF2B5EF4-FFF2-40B4-BE49-F238E27FC236}">
+                <a16:creationId xmlns:a16="http://schemas.microsoft.com/office/drawing/2014/main" id="{E3FAC091-0B8A-329A-E602-E15F3F27C0B9}"/>
+              </a:ext>
+            </a:extLst>
+          </p:cNvPr>
+          <p:cNvCxnSpPr>
+            <a:cxnSpLocks/>
+          </p:cNvCxnSpPr>
+          <p:nvPr/>
+        </p:nvCxnSpPr>
+        <p:spPr>
+          <a:xfrm>
+            <a:off x="4034546" y="1336247"/>
+            <a:ext cx="431403" cy="0"/>
+          </a:xfrm>
+          <a:prstGeom prst="line">
+            <a:avLst/>
+          </a:prstGeom>
+        </p:spPr>
+        <p:style>
+          <a:lnRef idx="2">
+            <a:schemeClr val="accent1"/>
+          </a:lnRef>
+          <a:fillRef idx="0">
+            <a:schemeClr val="accent1"/>
+          </a:fillRef>
+          <a:effectRef idx="1">
+            <a:schemeClr val="accent1"/>
+          </a:effectRef>
+          <a:fontRef idx="minor">
+            <a:schemeClr val="tx1"/>
+          </a:fontRef>
+        </p:style>
+      </p:cxnSp>
+      <p:cxnSp>
+        <p:nvCxnSpPr>
+          <p:cNvPr id="15" name="直线连接符 60">
+            <a:extLst>
+              <a:ext uri="{FF2B5EF4-FFF2-40B4-BE49-F238E27FC236}">
+                <a16:creationId xmlns:a16="http://schemas.microsoft.com/office/drawing/2014/main" id="{575E3B9B-1923-617C-8AAA-CE0DB159C964}"/>
+              </a:ext>
+            </a:extLst>
+          </p:cNvPr>
+          <p:cNvCxnSpPr>
+            <a:cxnSpLocks/>
+          </p:cNvCxnSpPr>
+          <p:nvPr/>
+        </p:nvCxnSpPr>
+        <p:spPr>
+          <a:xfrm flipV="1">
+            <a:off x="4034546" y="801636"/>
+            <a:ext cx="0" cy="534611"/>
+          </a:xfrm>
+          <a:prstGeom prst="line">
+            <a:avLst/>
+          </a:prstGeom>
+        </p:spPr>
+        <p:style>
+          <a:lnRef idx="2">
+            <a:schemeClr val="accent1"/>
+          </a:lnRef>
+          <a:fillRef idx="0">
+            <a:schemeClr val="accent1"/>
+          </a:fillRef>
+          <a:effectRef idx="1">
+            <a:schemeClr val="accent1"/>
+          </a:effectRef>
+          <a:fontRef idx="minor">
+            <a:schemeClr val="tx1"/>
+          </a:fontRef>
+        </p:style>
+      </p:cxnSp>
+      <p:cxnSp>
+        <p:nvCxnSpPr>
+          <p:cNvPr id="16" name="直线连接符 60">
+            <a:extLst>
+              <a:ext uri="{FF2B5EF4-FFF2-40B4-BE49-F238E27FC236}">
+                <a16:creationId xmlns:a16="http://schemas.microsoft.com/office/drawing/2014/main" id="{2AE8DCEA-944B-9681-9146-C98E8B30E702}"/>
+              </a:ext>
+            </a:extLst>
+          </p:cNvPr>
+          <p:cNvCxnSpPr>
+            <a:cxnSpLocks/>
+          </p:cNvCxnSpPr>
+          <p:nvPr/>
+        </p:nvCxnSpPr>
+        <p:spPr>
+          <a:xfrm>
+            <a:off x="4034546" y="801636"/>
+            <a:ext cx="1240304" cy="0"/>
+          </a:xfrm>
+          <a:prstGeom prst="line">
+            <a:avLst/>
+          </a:prstGeom>
+        </p:spPr>
+        <p:style>
+          <a:lnRef idx="2">
+            <a:schemeClr val="accent1"/>
+          </a:lnRef>
+          <a:fillRef idx="0">
+            <a:schemeClr val="accent1"/>
+          </a:fillRef>
+          <a:effectRef idx="1">
+            <a:schemeClr val="accent1"/>
+          </a:effectRef>
+          <a:fontRef idx="minor">
+            <a:schemeClr val="tx1"/>
+          </a:fontRef>
+        </p:style>
+      </p:cxnSp>
+      <p:cxnSp>
+        <p:nvCxnSpPr>
+          <p:cNvPr id="18" name="直线连接符 60">
+            <a:extLst>
+              <a:ext uri="{FF2B5EF4-FFF2-40B4-BE49-F238E27FC236}">
+                <a16:creationId xmlns:a16="http://schemas.microsoft.com/office/drawing/2014/main" id="{E58E4A63-6D01-4883-64A0-29CA462F08A6}"/>
+              </a:ext>
+            </a:extLst>
+          </p:cNvPr>
+          <p:cNvCxnSpPr>
+            <a:cxnSpLocks/>
+          </p:cNvCxnSpPr>
+          <p:nvPr/>
+        </p:nvCxnSpPr>
+        <p:spPr>
+          <a:xfrm flipH="1">
+            <a:off x="5041902" y="1620601"/>
+            <a:ext cx="232948" cy="0"/>
+          </a:xfrm>
+          <a:prstGeom prst="line">
+            <a:avLst/>
+          </a:prstGeom>
+        </p:spPr>
+        <p:style>
+          <a:lnRef idx="2">
+            <a:schemeClr val="accent1"/>
+          </a:lnRef>
+          <a:fillRef idx="0">
+            <a:schemeClr val="accent1"/>
+          </a:fillRef>
+          <a:effectRef idx="1">
+            <a:schemeClr val="accent1"/>
+          </a:effectRef>
+          <a:fontRef idx="minor">
+            <a:schemeClr val="tx1"/>
+          </a:fontRef>
+        </p:style>
+      </p:cxnSp>
+      <p:sp>
+        <p:nvSpPr>
+          <p:cNvPr id="20" name="椭圆 76">
+            <a:extLst>
+              <a:ext uri="{FF2B5EF4-FFF2-40B4-BE49-F238E27FC236}">
+                <a16:creationId xmlns:a16="http://schemas.microsoft.com/office/drawing/2014/main" id="{ACC72AC1-10D2-D542-755D-E95335C74D6A}"/>
+              </a:ext>
+            </a:extLst>
+          </p:cNvPr>
+          <p:cNvSpPr/>
+          <p:nvPr/>
+        </p:nvSpPr>
+        <p:spPr>
+          <a:xfrm flipV="1">
+            <a:off x="6623477" y="1273950"/>
+            <a:ext cx="108000" cy="108000"/>
+          </a:xfrm>
+          <a:prstGeom prst="ellipse">
+            <a:avLst/>
+          </a:prstGeom>
+        </p:spPr>
+        <p:style>
+          <a:lnRef idx="2">
+            <a:schemeClr val="accent6">
+              <a:shade val="15000"/>
+            </a:schemeClr>
+          </a:lnRef>
+          <a:fillRef idx="1">
+            <a:schemeClr val="accent6"/>
+          </a:fillRef>
+          <a:effectRef idx="0">
+            <a:schemeClr val="accent6"/>
+          </a:effectRef>
+          <a:fontRef idx="minor">
+            <a:schemeClr val="lt1"/>
+          </a:fontRef>
+        </p:style>
+        <p:txBody>
+          <a:bodyPr rtlCol="0" anchor="ctr"/>
+          <a:lstStyle/>
+          <a:p>
+            <a:pPr algn="ctr"/>
+            <a:endParaRPr kumimoji="1" lang="zh-CN" altLang="en-US" dirty="0"/>
+          </a:p>
+        </p:txBody>
+      </p:sp>
+      <p:sp>
+        <p:nvSpPr>
+          <p:cNvPr id="21" name="TextBox 59">
+            <a:extLst>
+              <a:ext uri="{FF2B5EF4-FFF2-40B4-BE49-F238E27FC236}">
+                <a16:creationId xmlns:a16="http://schemas.microsoft.com/office/drawing/2014/main" id="{E8BAE1FF-B53C-7E7C-43FE-88381B16825C}"/>
+              </a:ext>
+            </a:extLst>
+          </p:cNvPr>
+          <p:cNvSpPr txBox="1"/>
+          <p:nvPr/>
+        </p:nvSpPr>
+        <p:spPr>
+          <a:xfrm>
+            <a:off x="3145408" y="1528241"/>
+            <a:ext cx="562975" cy="369332"/>
+          </a:xfrm>
+          <a:prstGeom prst="rect">
+            <a:avLst/>
+          </a:prstGeom>
+          <a:noFill/>
+        </p:spPr>
+        <p:txBody>
+          <a:bodyPr wrap="none" rtlCol="0">
+            <a:spAutoFit/>
+          </a:bodyPr>
+          <a:lstStyle/>
+          <a:p>
+            <a:r>
+              <a:rPr lang="en-US" dirty="0"/>
+              <a:t>CLK</a:t>
+            </a:r>
+          </a:p>
+        </p:txBody>
+      </p:sp>
+      <p:cxnSp>
+        <p:nvCxnSpPr>
+          <p:cNvPr id="23" name="Straight Connector 22">
+            <a:extLst>
+              <a:ext uri="{FF2B5EF4-FFF2-40B4-BE49-F238E27FC236}">
+                <a16:creationId xmlns:a16="http://schemas.microsoft.com/office/drawing/2014/main" id="{25ACB8E7-ABA1-719C-50B4-12FFC5341456}"/>
+              </a:ext>
+            </a:extLst>
+          </p:cNvPr>
+          <p:cNvCxnSpPr>
+            <a:cxnSpLocks/>
+          </p:cNvCxnSpPr>
+          <p:nvPr/>
+        </p:nvCxnSpPr>
+        <p:spPr>
+          <a:xfrm flipV="1">
+            <a:off x="5274850" y="801636"/>
+            <a:ext cx="0" cy="818965"/>
+          </a:xfrm>
+          <a:prstGeom prst="line">
+            <a:avLst/>
+          </a:prstGeom>
+        </p:spPr>
+        <p:style>
+          <a:lnRef idx="2">
+            <a:schemeClr val="accent1"/>
+          </a:lnRef>
+          <a:fillRef idx="0">
+            <a:schemeClr val="accent1"/>
+          </a:fillRef>
+          <a:effectRef idx="1">
+            <a:schemeClr val="accent1"/>
+          </a:effectRef>
+          <a:fontRef idx="minor">
+            <a:schemeClr val="tx1"/>
+          </a:fontRef>
+        </p:style>
+      </p:cxnSp>
+      <p:cxnSp>
+        <p:nvCxnSpPr>
+          <p:cNvPr id="43" name="Straight Connector 42">
+            <a:extLst>
+              <a:ext uri="{FF2B5EF4-FFF2-40B4-BE49-F238E27FC236}">
+                <a16:creationId xmlns:a16="http://schemas.microsoft.com/office/drawing/2014/main" id="{A2ADC805-AF82-37A0-E04E-7FAB6CA44220}"/>
+              </a:ext>
+            </a:extLst>
+          </p:cNvPr>
+          <p:cNvCxnSpPr>
+            <a:cxnSpLocks/>
+          </p:cNvCxnSpPr>
+          <p:nvPr/>
+        </p:nvCxnSpPr>
+        <p:spPr>
+          <a:xfrm flipH="1">
+            <a:off x="5041902" y="1327950"/>
+            <a:ext cx="1110888" cy="0"/>
+          </a:xfrm>
+          <a:prstGeom prst="line">
+            <a:avLst/>
+          </a:prstGeom>
+        </p:spPr>
+        <p:style>
+          <a:lnRef idx="2">
+            <a:schemeClr val="accent1"/>
+          </a:lnRef>
+          <a:fillRef idx="0">
+            <a:schemeClr val="accent1"/>
+          </a:fillRef>
+          <a:effectRef idx="1">
+            <a:schemeClr val="accent1"/>
+          </a:effectRef>
+          <a:fontRef idx="minor">
+            <a:schemeClr val="tx1"/>
+          </a:fontRef>
+        </p:style>
+      </p:cxnSp>
+      <p:cxnSp>
+        <p:nvCxnSpPr>
+          <p:cNvPr id="48" name="Straight Connector 47">
+            <a:extLst>
+              <a:ext uri="{FF2B5EF4-FFF2-40B4-BE49-F238E27FC236}">
+                <a16:creationId xmlns:a16="http://schemas.microsoft.com/office/drawing/2014/main" id="{891373C9-FB3A-94F0-47E4-45B3C1C95808}"/>
+              </a:ext>
+            </a:extLst>
+          </p:cNvPr>
+          <p:cNvCxnSpPr>
+            <a:cxnSpLocks/>
+          </p:cNvCxnSpPr>
+          <p:nvPr/>
+        </p:nvCxnSpPr>
+        <p:spPr>
+          <a:xfrm flipH="1">
+            <a:off x="6731477" y="1327950"/>
+            <a:ext cx="228123" cy="0"/>
+          </a:xfrm>
+          <a:prstGeom prst="line">
+            <a:avLst/>
+          </a:prstGeom>
+        </p:spPr>
+        <p:style>
+          <a:lnRef idx="2">
+            <a:schemeClr val="accent1"/>
+          </a:lnRef>
+          <a:fillRef idx="0">
+            <a:schemeClr val="accent1"/>
+          </a:fillRef>
+          <a:effectRef idx="1">
+            <a:schemeClr val="accent1"/>
+          </a:effectRef>
+          <a:fontRef idx="minor">
+            <a:schemeClr val="tx1"/>
+          </a:fontRef>
+        </p:style>
+      </p:cxnSp>
+      <p:sp>
+        <p:nvSpPr>
+          <p:cNvPr id="51" name="TextBox 59">
+            <a:extLst>
+              <a:ext uri="{FF2B5EF4-FFF2-40B4-BE49-F238E27FC236}">
+                <a16:creationId xmlns:a16="http://schemas.microsoft.com/office/drawing/2014/main" id="{BDCF487C-4EED-F9DE-96DC-07ECD580346F}"/>
+              </a:ext>
+            </a:extLst>
+          </p:cNvPr>
+          <p:cNvSpPr txBox="1"/>
+          <p:nvPr/>
+        </p:nvSpPr>
+        <p:spPr>
+          <a:xfrm>
+            <a:off x="7012627" y="1143284"/>
+            <a:ext cx="1210588" cy="369332"/>
+          </a:xfrm>
+          <a:prstGeom prst="rect">
+            <a:avLst/>
+          </a:prstGeom>
+          <a:noFill/>
+        </p:spPr>
+        <p:txBody>
+          <a:bodyPr wrap="none" rtlCol="0">
+            <a:spAutoFit/>
+          </a:bodyPr>
+          <a:lstStyle/>
+          <a:p>
+            <a:r>
+              <a:rPr lang="en-US" dirty="0"/>
+              <a:t>NCLKDIV2</a:t>
+            </a:r>
+          </a:p>
+        </p:txBody>
+      </p:sp>
+      <p:sp>
+        <p:nvSpPr>
+          <p:cNvPr id="52" name="TextBox 59">
+            <a:extLst>
+              <a:ext uri="{FF2B5EF4-FFF2-40B4-BE49-F238E27FC236}">
+                <a16:creationId xmlns:a16="http://schemas.microsoft.com/office/drawing/2014/main" id="{E4B95641-3ECD-8E27-E723-9A7ABAE7F703}"/>
+              </a:ext>
+            </a:extLst>
+          </p:cNvPr>
+          <p:cNvSpPr txBox="1"/>
+          <p:nvPr/>
+        </p:nvSpPr>
+        <p:spPr>
+          <a:xfrm>
+            <a:off x="4355971" y="2105227"/>
+            <a:ext cx="1135247" cy="369332"/>
+          </a:xfrm>
+          <a:prstGeom prst="rect">
+            <a:avLst/>
+          </a:prstGeom>
+          <a:noFill/>
+        </p:spPr>
+        <p:txBody>
+          <a:bodyPr wrap="none" rtlCol="0">
+            <a:spAutoFit/>
+          </a:bodyPr>
+          <a:lstStyle/>
+          <a:p>
+            <a:r>
+              <a:rPr lang="en-US" dirty="0"/>
+              <a:t>UCKREG0</a:t>
+            </a:r>
+          </a:p>
+        </p:txBody>
+      </p:sp>
+      <p:sp>
+        <p:nvSpPr>
+          <p:cNvPr id="53" name="TextBox 59">
+            <a:extLst>
+              <a:ext uri="{FF2B5EF4-FFF2-40B4-BE49-F238E27FC236}">
+                <a16:creationId xmlns:a16="http://schemas.microsoft.com/office/drawing/2014/main" id="{DCF958E6-AD19-E1B8-3C37-B28166F27C95}"/>
+              </a:ext>
+            </a:extLst>
+          </p:cNvPr>
+          <p:cNvSpPr txBox="1"/>
+          <p:nvPr/>
+        </p:nvSpPr>
+        <p:spPr>
+          <a:xfrm>
+            <a:off x="6014853" y="1552186"/>
+            <a:ext cx="880369" cy="369332"/>
+          </a:xfrm>
+          <a:prstGeom prst="rect">
+            <a:avLst/>
+          </a:prstGeom>
+          <a:noFill/>
+        </p:spPr>
+        <p:txBody>
+          <a:bodyPr wrap="none" rtlCol="0">
+            <a:spAutoFit/>
+          </a:bodyPr>
+          <a:lstStyle/>
+          <a:p>
+            <a:r>
+              <a:rPr lang="en-US" dirty="0"/>
+              <a:t>UINVQ</a:t>
+            </a:r>
+          </a:p>
+        </p:txBody>
+      </p:sp>
+    </p:spTree>
+    <p:extLst>
+      <p:ext uri="{BB962C8B-B14F-4D97-AF65-F5344CB8AC3E}">
+        <p14:creationId xmlns:p14="http://schemas.microsoft.com/office/powerpoint/2010/main" val="455221363"/>
+      </p:ext>
+    </p:extLst>
+  </p:cSld>
+  <p:clrMapOvr>
+    <a:masterClrMapping/>
+  </p:clrMapOvr>
+</p:sld>
+</file>
+
+<file path=ppt/slides/slide17.xml><?xml version="1.0" encoding="utf-8"?>
+<p:sld xmlns:a="http://schemas.openxmlformats.org/drawingml/2006/main" xmlns:r="http://schemas.openxmlformats.org/officeDocument/2006/relationships" xmlns:p="http://schemas.openxmlformats.org/presentationml/2006/main">
+  <p:cSld>
+    <p:spTree>
+      <p:nvGrpSpPr>
+        <p:cNvPr id="1" name=""/>
+        <p:cNvGrpSpPr/>
+        <p:nvPr/>
+      </p:nvGrpSpPr>
+      <p:grpSpPr>
+        <a:xfrm>
+          <a:off x="0" y="0"/>
+          <a:ext cx="0" cy="0"/>
+          <a:chOff x="0" y="0"/>
+          <a:chExt cx="0" cy="0"/>
+        </a:xfrm>
+      </p:grpSpPr>
+      <p:grpSp>
+        <p:nvGrpSpPr>
+          <p:cNvPr id="4" name="组合 9">
+            <a:extLst>
+              <a:ext uri="{FF2B5EF4-FFF2-40B4-BE49-F238E27FC236}">
+                <a16:creationId xmlns:a16="http://schemas.microsoft.com/office/drawing/2014/main" id="{C5698826-EC79-6E50-1053-E5A78AFBAD97}"/>
+              </a:ext>
+            </a:extLst>
+          </p:cNvPr>
+          <p:cNvGrpSpPr/>
+          <p:nvPr/>
+        </p:nvGrpSpPr>
+        <p:grpSpPr>
+          <a:xfrm>
+            <a:off x="9559120" y="2090657"/>
+            <a:ext cx="756004" cy="1033153"/>
+            <a:chOff x="2661581" y="1343921"/>
+            <a:chExt cx="756004" cy="1033153"/>
+          </a:xfrm>
+        </p:grpSpPr>
+        <p:sp>
+          <p:nvSpPr>
+            <p:cNvPr id="5" name="矩形 4">
+              <a:extLst>
+                <a:ext uri="{FF2B5EF4-FFF2-40B4-BE49-F238E27FC236}">
+                  <a16:creationId xmlns:a16="http://schemas.microsoft.com/office/drawing/2014/main" id="{49863C13-7585-3E00-25E1-0F6E8E69EF6F}"/>
+                </a:ext>
+              </a:extLst>
+            </p:cNvPr>
+            <p:cNvSpPr/>
+            <p:nvPr/>
+          </p:nvSpPr>
+          <p:spPr>
+            <a:xfrm>
+              <a:off x="2765072" y="1343921"/>
+              <a:ext cx="575953" cy="1033153"/>
+            </a:xfrm>
+            <a:prstGeom prst="rect">
+              <a:avLst/>
+            </a:prstGeom>
+            <a:noFill/>
+          </p:spPr>
+          <p:style>
+            <a:lnRef idx="2">
+              <a:schemeClr val="accent1">
+                <a:shade val="50000"/>
+              </a:schemeClr>
+            </a:lnRef>
+            <a:fillRef idx="1">
+              <a:schemeClr val="accent1"/>
+            </a:fillRef>
+            <a:effectRef idx="0">
+              <a:schemeClr val="accent1"/>
+            </a:effectRef>
+            <a:fontRef idx="minor">
+              <a:schemeClr val="lt1"/>
+            </a:fontRef>
+          </p:style>
+          <p:txBody>
+            <a:bodyPr rtlCol="0" anchor="ctr"/>
+            <a:lstStyle/>
+            <a:p>
+              <a:pPr algn="ctr"/>
+              <a:endParaRPr lang="zh-CN" altLang="en-US" dirty="0">
+                <a:solidFill>
+                  <a:schemeClr val="tx1"/>
+                </a:solidFill>
+              </a:endParaRPr>
+            </a:p>
+          </p:txBody>
+        </p:sp>
+        <p:sp>
+          <p:nvSpPr>
+            <p:cNvPr id="6" name="直角三角形 5">
+              <a:extLst>
+                <a:ext uri="{FF2B5EF4-FFF2-40B4-BE49-F238E27FC236}">
+                  <a16:creationId xmlns:a16="http://schemas.microsoft.com/office/drawing/2014/main" id="{A6C878A9-0195-36F6-FE0C-5509E41BF6F1}"/>
+                </a:ext>
+              </a:extLst>
+            </p:cNvPr>
+            <p:cNvSpPr/>
+            <p:nvPr/>
+          </p:nvSpPr>
+          <p:spPr>
+            <a:xfrm rot="13320000">
+              <a:off x="2661581" y="2001597"/>
+              <a:ext cx="206982" cy="226517"/>
+            </a:xfrm>
+            <a:prstGeom prst="rtTriangle">
+              <a:avLst/>
+            </a:prstGeom>
+            <a:noFill/>
+          </p:spPr>
+          <p:style>
+            <a:lnRef idx="2">
+              <a:schemeClr val="accent1">
+                <a:shade val="50000"/>
+              </a:schemeClr>
+            </a:lnRef>
+            <a:fillRef idx="1">
+              <a:schemeClr val="accent1"/>
+            </a:fillRef>
+            <a:effectRef idx="0">
+              <a:schemeClr val="accent1"/>
+            </a:effectRef>
+            <a:fontRef idx="minor">
+              <a:schemeClr val="lt1"/>
+            </a:fontRef>
+          </p:style>
+          <p:txBody>
+            <a:bodyPr rtlCol="0" anchor="ctr"/>
+            <a:lstStyle/>
+            <a:p>
+              <a:pPr algn="ctr"/>
+              <a:endParaRPr lang="zh-CN" altLang="en-US"/>
+            </a:p>
+          </p:txBody>
+        </p:sp>
+        <p:sp>
+          <p:nvSpPr>
+            <p:cNvPr id="7" name="文本框 6">
+              <a:extLst>
+                <a:ext uri="{FF2B5EF4-FFF2-40B4-BE49-F238E27FC236}">
+                  <a16:creationId xmlns:a16="http://schemas.microsoft.com/office/drawing/2014/main" id="{9F598ABC-4468-871B-1580-F9586F42F877}"/>
+                </a:ext>
+              </a:extLst>
+            </p:cNvPr>
+            <p:cNvSpPr txBox="1"/>
+            <p:nvPr/>
+          </p:nvSpPr>
+          <p:spPr>
+            <a:xfrm>
+              <a:off x="2692832" y="1391816"/>
+              <a:ext cx="343364" cy="369332"/>
+            </a:xfrm>
+            <a:prstGeom prst="rect">
+              <a:avLst/>
+            </a:prstGeom>
+            <a:noFill/>
+          </p:spPr>
+          <p:txBody>
+            <a:bodyPr wrap="none" rtlCol="0">
+              <a:spAutoFit/>
+            </a:bodyPr>
+            <a:lstStyle/>
+            <a:p>
+              <a:r>
+                <a:rPr kumimoji="1" lang="en-US" altLang="zh-CN" dirty="0"/>
+                <a:t>D</a:t>
+              </a:r>
+              <a:endParaRPr kumimoji="1" lang="zh-CN" altLang="en-US" dirty="0"/>
+            </a:p>
+          </p:txBody>
+        </p:sp>
+        <p:sp>
+          <p:nvSpPr>
+            <p:cNvPr id="8" name="文本框 7">
+              <a:extLst>
+                <a:ext uri="{FF2B5EF4-FFF2-40B4-BE49-F238E27FC236}">
+                  <a16:creationId xmlns:a16="http://schemas.microsoft.com/office/drawing/2014/main" id="{56E2FA5C-0335-C3FA-3910-0BCD290D3DCA}"/>
+                </a:ext>
+              </a:extLst>
+            </p:cNvPr>
+            <p:cNvSpPr txBox="1"/>
+            <p:nvPr/>
+          </p:nvSpPr>
+          <p:spPr>
+            <a:xfrm>
+              <a:off x="2864514" y="1930189"/>
+              <a:ext cx="455574" cy="369332"/>
+            </a:xfrm>
+            <a:prstGeom prst="rect">
+              <a:avLst/>
+            </a:prstGeom>
+            <a:noFill/>
+          </p:spPr>
+          <p:txBody>
+            <a:bodyPr wrap="none" rtlCol="0">
+              <a:spAutoFit/>
+            </a:bodyPr>
+            <a:lstStyle/>
+            <a:p>
+              <a:r>
+                <a:rPr kumimoji="1" lang="en-US" altLang="zh-CN" dirty="0"/>
+                <a:t>CK</a:t>
+              </a:r>
+              <a:endParaRPr kumimoji="1" lang="zh-CN" altLang="en-US" dirty="0"/>
+            </a:p>
+          </p:txBody>
+        </p:sp>
+        <p:sp>
+          <p:nvSpPr>
+            <p:cNvPr id="9" name="文本框 8">
+              <a:extLst>
+                <a:ext uri="{FF2B5EF4-FFF2-40B4-BE49-F238E27FC236}">
+                  <a16:creationId xmlns:a16="http://schemas.microsoft.com/office/drawing/2014/main" id="{CB794B71-5996-19A5-CA92-E789B92DBD25}"/>
+                </a:ext>
+              </a:extLst>
+            </p:cNvPr>
+            <p:cNvSpPr txBox="1"/>
+            <p:nvPr/>
+          </p:nvSpPr>
+          <p:spPr>
+            <a:xfrm>
+              <a:off x="3058191" y="1391816"/>
+              <a:ext cx="359394" cy="369332"/>
+            </a:xfrm>
+            <a:prstGeom prst="rect">
+              <a:avLst/>
+            </a:prstGeom>
+            <a:noFill/>
+          </p:spPr>
+          <p:txBody>
+            <a:bodyPr wrap="none" rtlCol="0">
+              <a:spAutoFit/>
+            </a:bodyPr>
+            <a:lstStyle/>
+            <a:p>
+              <a:r>
+                <a:rPr kumimoji="1" lang="en-US" altLang="zh-CN" dirty="0"/>
+                <a:t>Q</a:t>
+              </a:r>
+              <a:endParaRPr kumimoji="1" lang="zh-CN" altLang="en-US" dirty="0"/>
+            </a:p>
+          </p:txBody>
+        </p:sp>
+      </p:grpSp>
+      <p:cxnSp>
+        <p:nvCxnSpPr>
+          <p:cNvPr id="10" name="直线连接符 17">
+            <a:extLst>
+              <a:ext uri="{FF2B5EF4-FFF2-40B4-BE49-F238E27FC236}">
+                <a16:creationId xmlns:a16="http://schemas.microsoft.com/office/drawing/2014/main" id="{C1B4E280-409D-2C32-C724-2E628D2C2F84}"/>
+              </a:ext>
+            </a:extLst>
+          </p:cNvPr>
+          <p:cNvCxnSpPr>
+            <a:cxnSpLocks/>
+          </p:cNvCxnSpPr>
+          <p:nvPr/>
+        </p:nvCxnSpPr>
+        <p:spPr>
+          <a:xfrm>
+            <a:off x="9356654" y="2323218"/>
+            <a:ext cx="305957" cy="0"/>
+          </a:xfrm>
+          <a:prstGeom prst="line">
+            <a:avLst/>
+          </a:prstGeom>
+        </p:spPr>
+        <p:style>
+          <a:lnRef idx="2">
+            <a:schemeClr val="accent1"/>
+          </a:lnRef>
+          <a:fillRef idx="0">
+            <a:schemeClr val="accent1"/>
+          </a:fillRef>
+          <a:effectRef idx="1">
+            <a:schemeClr val="accent1"/>
+          </a:effectRef>
+          <a:fontRef idx="minor">
+            <a:schemeClr val="tx1"/>
+          </a:fontRef>
+        </p:style>
+      </p:cxnSp>
+      <p:cxnSp>
+        <p:nvCxnSpPr>
+          <p:cNvPr id="11" name="直线连接符 19">
+            <a:extLst>
+              <a:ext uri="{FF2B5EF4-FFF2-40B4-BE49-F238E27FC236}">
+                <a16:creationId xmlns:a16="http://schemas.microsoft.com/office/drawing/2014/main" id="{E499A25A-85EC-F2AC-81DC-76CF9446707C}"/>
+              </a:ext>
+            </a:extLst>
+          </p:cNvPr>
+          <p:cNvCxnSpPr>
+            <a:cxnSpLocks/>
+          </p:cNvCxnSpPr>
+          <p:nvPr/>
+        </p:nvCxnSpPr>
+        <p:spPr>
+          <a:xfrm>
+            <a:off x="10238564" y="2323218"/>
+            <a:ext cx="305957" cy="0"/>
+          </a:xfrm>
+          <a:prstGeom prst="line">
+            <a:avLst/>
+          </a:prstGeom>
+        </p:spPr>
+        <p:style>
+          <a:lnRef idx="2">
+            <a:schemeClr val="accent1"/>
+          </a:lnRef>
+          <a:fillRef idx="0">
+            <a:schemeClr val="accent1"/>
+          </a:fillRef>
+          <a:effectRef idx="1">
+            <a:schemeClr val="accent1"/>
+          </a:effectRef>
+          <a:fontRef idx="minor">
+            <a:schemeClr val="tx1"/>
+          </a:fontRef>
+        </p:style>
+      </p:cxnSp>
+      <p:cxnSp>
+        <p:nvCxnSpPr>
+          <p:cNvPr id="12" name="直线连接符 20">
+            <a:extLst>
+              <a:ext uri="{FF2B5EF4-FFF2-40B4-BE49-F238E27FC236}">
+                <a16:creationId xmlns:a16="http://schemas.microsoft.com/office/drawing/2014/main" id="{C3507B38-AADF-1366-4FE5-E1527D94A1F5}"/>
+              </a:ext>
+            </a:extLst>
+          </p:cNvPr>
+          <p:cNvCxnSpPr>
+            <a:cxnSpLocks/>
+            <a:stCxn id="13" idx="0"/>
+            <a:endCxn id="29" idx="2"/>
+          </p:cNvCxnSpPr>
+          <p:nvPr/>
+        </p:nvCxnSpPr>
+        <p:spPr>
+          <a:xfrm flipV="1">
+            <a:off x="5602690" y="2856239"/>
+            <a:ext cx="658742" cy="1"/>
+          </a:xfrm>
+          <a:prstGeom prst="line">
+            <a:avLst/>
+          </a:prstGeom>
+        </p:spPr>
+        <p:style>
+          <a:lnRef idx="2">
+            <a:schemeClr val="accent1"/>
+          </a:lnRef>
+          <a:fillRef idx="0">
+            <a:schemeClr val="accent1"/>
+          </a:fillRef>
+          <a:effectRef idx="1">
+            <a:schemeClr val="accent1"/>
+          </a:effectRef>
+          <a:fontRef idx="minor">
+            <a:schemeClr val="tx1"/>
+          </a:fontRef>
+        </p:style>
+      </p:cxnSp>
+      <p:sp>
+        <p:nvSpPr>
+          <p:cNvPr id="13" name="Isosceles Triangle 12">
+            <a:extLst>
+              <a:ext uri="{FF2B5EF4-FFF2-40B4-BE49-F238E27FC236}">
+                <a16:creationId xmlns:a16="http://schemas.microsoft.com/office/drawing/2014/main" id="{7EFF4C50-6485-DBD1-1266-478557314FC7}"/>
+              </a:ext>
+            </a:extLst>
+          </p:cNvPr>
+          <p:cNvSpPr/>
+          <p:nvPr/>
+        </p:nvSpPr>
+        <p:spPr>
+          <a:xfrm rot="5400000">
+            <a:off x="5193014" y="2684558"/>
+            <a:ext cx="475988" cy="343364"/>
+          </a:xfrm>
+          <a:prstGeom prst="triangle">
+            <a:avLst/>
+          </a:prstGeom>
+          <a:solidFill>
+            <a:schemeClr val="bg1"/>
+          </a:solidFill>
+        </p:spPr>
+        <p:style>
+          <a:lnRef idx="2">
+            <a:schemeClr val="accent1">
+              <a:shade val="15000"/>
+            </a:schemeClr>
+          </a:lnRef>
+          <a:fillRef idx="1">
+            <a:schemeClr val="accent1"/>
+          </a:fillRef>
+          <a:effectRef idx="0">
+            <a:schemeClr val="accent1"/>
+          </a:effectRef>
+          <a:fontRef idx="minor">
+            <a:schemeClr val="lt1"/>
+          </a:fontRef>
+        </p:style>
+        <p:txBody>
+          <a:bodyPr rtlCol="0" anchor="ctr"/>
+          <a:lstStyle/>
+          <a:p>
+            <a:pPr algn="ctr"/>
+            <a:endParaRPr lang="en-US"/>
+          </a:p>
+        </p:txBody>
+      </p:sp>
+      <p:cxnSp>
+        <p:nvCxnSpPr>
+          <p:cNvPr id="14" name="直线连接符 20">
+            <a:extLst>
+              <a:ext uri="{FF2B5EF4-FFF2-40B4-BE49-F238E27FC236}">
+                <a16:creationId xmlns:a16="http://schemas.microsoft.com/office/drawing/2014/main" id="{FB216364-88B9-2FC5-06D2-B4B013C260E4}"/>
+              </a:ext>
+            </a:extLst>
+          </p:cNvPr>
+          <p:cNvCxnSpPr>
+            <a:cxnSpLocks/>
+            <a:stCxn id="15" idx="3"/>
+            <a:endCxn id="13" idx="3"/>
+          </p:cNvCxnSpPr>
+          <p:nvPr/>
+        </p:nvCxnSpPr>
+        <p:spPr>
+          <a:xfrm>
+            <a:off x="3009516" y="2856240"/>
+            <a:ext cx="2249810" cy="0"/>
+          </a:xfrm>
+          <a:prstGeom prst="line">
+            <a:avLst/>
+          </a:prstGeom>
+        </p:spPr>
+        <p:style>
+          <a:lnRef idx="2">
+            <a:schemeClr val="accent1"/>
+          </a:lnRef>
+          <a:fillRef idx="0">
+            <a:schemeClr val="accent1"/>
+          </a:fillRef>
+          <a:effectRef idx="1">
+            <a:schemeClr val="accent1"/>
+          </a:effectRef>
+          <a:fontRef idx="minor">
+            <a:schemeClr val="tx1"/>
+          </a:fontRef>
+        </p:style>
+      </p:cxnSp>
+      <p:sp>
+        <p:nvSpPr>
+          <p:cNvPr id="15" name="Rectangle 14">
+            <a:extLst>
+              <a:ext uri="{FF2B5EF4-FFF2-40B4-BE49-F238E27FC236}">
+                <a16:creationId xmlns:a16="http://schemas.microsoft.com/office/drawing/2014/main" id="{0171C3B9-4966-45EC-BAEA-F870FC4D10FC}"/>
+              </a:ext>
+            </a:extLst>
+          </p:cNvPr>
+          <p:cNvSpPr/>
+          <p:nvPr/>
+        </p:nvSpPr>
+        <p:spPr>
+          <a:xfrm>
+            <a:off x="2095116" y="2618245"/>
+            <a:ext cx="914400" cy="475989"/>
+          </a:xfrm>
+          <a:prstGeom prst="rect">
+            <a:avLst/>
+          </a:prstGeom>
+        </p:spPr>
+        <p:style>
+          <a:lnRef idx="2">
+            <a:schemeClr val="accent6">
+              <a:shade val="15000"/>
+            </a:schemeClr>
+          </a:lnRef>
+          <a:fillRef idx="1">
+            <a:schemeClr val="accent6"/>
+          </a:fillRef>
+          <a:effectRef idx="0">
+            <a:schemeClr val="accent6"/>
+          </a:effectRef>
+          <a:fontRef idx="minor">
+            <a:schemeClr val="lt1"/>
+          </a:fontRef>
+        </p:style>
+        <p:txBody>
+          <a:bodyPr rtlCol="0" anchor="ctr"/>
+          <a:lstStyle/>
+          <a:p>
+            <a:pPr algn="ctr"/>
+            <a:r>
+              <a:rPr lang="en-US" dirty="0"/>
+              <a:t>PLL</a:t>
+            </a:r>
+          </a:p>
+        </p:txBody>
+      </p:sp>
+      <p:cxnSp>
+        <p:nvCxnSpPr>
+          <p:cNvPr id="16" name="Straight Connector 15">
+            <a:extLst>
+              <a:ext uri="{FF2B5EF4-FFF2-40B4-BE49-F238E27FC236}">
+                <a16:creationId xmlns:a16="http://schemas.microsoft.com/office/drawing/2014/main" id="{2E10E896-D023-FA9E-9920-29A78326DFDA}"/>
+              </a:ext>
+            </a:extLst>
+          </p:cNvPr>
+          <p:cNvCxnSpPr>
+            <a:cxnSpLocks/>
+          </p:cNvCxnSpPr>
+          <p:nvPr/>
+        </p:nvCxnSpPr>
+        <p:spPr>
+          <a:xfrm>
+            <a:off x="3009516" y="3179764"/>
+            <a:ext cx="0" cy="525780"/>
+          </a:xfrm>
+          <a:prstGeom prst="line">
+            <a:avLst/>
+          </a:prstGeom>
+          <a:ln>
+            <a:prstDash val="dash"/>
+          </a:ln>
+        </p:spPr>
+        <p:style>
+          <a:lnRef idx="2">
+            <a:schemeClr val="accent1"/>
+          </a:lnRef>
+          <a:fillRef idx="0">
+            <a:schemeClr val="accent1"/>
+          </a:fillRef>
+          <a:effectRef idx="1">
+            <a:schemeClr val="accent1"/>
+          </a:effectRef>
+          <a:fontRef idx="minor">
+            <a:schemeClr val="tx1"/>
+          </a:fontRef>
+        </p:style>
+      </p:cxnSp>
+      <p:cxnSp>
+        <p:nvCxnSpPr>
+          <p:cNvPr id="17" name="Straight Connector 16">
+            <a:extLst>
+              <a:ext uri="{FF2B5EF4-FFF2-40B4-BE49-F238E27FC236}">
+                <a16:creationId xmlns:a16="http://schemas.microsoft.com/office/drawing/2014/main" id="{5F5814E4-2FDA-CA5E-B6C4-AAE4A014DD06}"/>
+              </a:ext>
+            </a:extLst>
+          </p:cNvPr>
+          <p:cNvCxnSpPr>
+            <a:cxnSpLocks/>
+          </p:cNvCxnSpPr>
+          <p:nvPr/>
+        </p:nvCxnSpPr>
+        <p:spPr>
+          <a:xfrm>
+            <a:off x="5602690" y="3179764"/>
+            <a:ext cx="0" cy="525780"/>
+          </a:xfrm>
+          <a:prstGeom prst="line">
+            <a:avLst/>
+          </a:prstGeom>
+          <a:ln>
+            <a:prstDash val="dash"/>
+          </a:ln>
+        </p:spPr>
+        <p:style>
+          <a:lnRef idx="2">
+            <a:schemeClr val="accent1"/>
+          </a:lnRef>
+          <a:fillRef idx="0">
+            <a:schemeClr val="accent1"/>
+          </a:fillRef>
+          <a:effectRef idx="1">
+            <a:schemeClr val="accent1"/>
+          </a:effectRef>
+          <a:fontRef idx="minor">
+            <a:schemeClr val="tx1"/>
+          </a:fontRef>
+        </p:style>
+      </p:cxnSp>
+      <p:cxnSp>
+        <p:nvCxnSpPr>
+          <p:cNvPr id="18" name="Straight Connector 17">
+            <a:extLst>
+              <a:ext uri="{FF2B5EF4-FFF2-40B4-BE49-F238E27FC236}">
+                <a16:creationId xmlns:a16="http://schemas.microsoft.com/office/drawing/2014/main" id="{63371645-4F01-DC5B-7B37-870DC3F7B9C9}"/>
+              </a:ext>
+            </a:extLst>
+          </p:cNvPr>
+          <p:cNvCxnSpPr>
+            <a:cxnSpLocks/>
+          </p:cNvCxnSpPr>
+          <p:nvPr/>
+        </p:nvCxnSpPr>
+        <p:spPr>
+          <a:xfrm>
+            <a:off x="6695060" y="3179764"/>
+            <a:ext cx="0" cy="525780"/>
+          </a:xfrm>
+          <a:prstGeom prst="line">
+            <a:avLst/>
+          </a:prstGeom>
+          <a:ln>
+            <a:prstDash val="dash"/>
+          </a:ln>
+        </p:spPr>
+        <p:style>
+          <a:lnRef idx="2">
+            <a:schemeClr val="accent1"/>
+          </a:lnRef>
+          <a:fillRef idx="0">
+            <a:schemeClr val="accent1"/>
+          </a:fillRef>
+          <a:effectRef idx="1">
+            <a:schemeClr val="accent1"/>
+          </a:effectRef>
+          <a:fontRef idx="minor">
+            <a:schemeClr val="tx1"/>
+          </a:fontRef>
+        </p:style>
+      </p:cxnSp>
+      <p:cxnSp>
+        <p:nvCxnSpPr>
+          <p:cNvPr id="19" name="Straight Arrow Connector 18">
+            <a:extLst>
+              <a:ext uri="{FF2B5EF4-FFF2-40B4-BE49-F238E27FC236}">
+                <a16:creationId xmlns:a16="http://schemas.microsoft.com/office/drawing/2014/main" id="{6F33942C-1416-BC7F-A956-D24CBF08348C}"/>
+              </a:ext>
+            </a:extLst>
+          </p:cNvPr>
+          <p:cNvCxnSpPr>
+            <a:cxnSpLocks/>
+          </p:cNvCxnSpPr>
+          <p:nvPr/>
+        </p:nvCxnSpPr>
+        <p:spPr>
+          <a:xfrm>
+            <a:off x="3009516" y="3454084"/>
+            <a:ext cx="2593174" cy="0"/>
+          </a:xfrm>
+          <a:prstGeom prst="straightConnector1">
+            <a:avLst/>
+          </a:prstGeom>
+          <a:ln>
+            <a:headEnd type="triangle"/>
+            <a:tailEnd type="triangle"/>
+          </a:ln>
+        </p:spPr>
+        <p:style>
+          <a:lnRef idx="2">
+            <a:schemeClr val="accent1"/>
+          </a:lnRef>
+          <a:fillRef idx="0">
+            <a:schemeClr val="accent1"/>
+          </a:fillRef>
+          <a:effectRef idx="1">
+            <a:schemeClr val="accent1"/>
+          </a:effectRef>
+          <a:fontRef idx="minor">
+            <a:schemeClr val="tx1"/>
+          </a:fontRef>
+        </p:style>
+      </p:cxnSp>
+      <p:cxnSp>
+        <p:nvCxnSpPr>
+          <p:cNvPr id="20" name="Straight Arrow Connector 19">
+            <a:extLst>
+              <a:ext uri="{FF2B5EF4-FFF2-40B4-BE49-F238E27FC236}">
+                <a16:creationId xmlns:a16="http://schemas.microsoft.com/office/drawing/2014/main" id="{68331528-EE2D-05E7-CE69-EDBE3B55AF4D}"/>
+              </a:ext>
+            </a:extLst>
+          </p:cNvPr>
+          <p:cNvCxnSpPr>
+            <a:cxnSpLocks/>
+          </p:cNvCxnSpPr>
+          <p:nvPr/>
+        </p:nvCxnSpPr>
+        <p:spPr>
+          <a:xfrm>
+            <a:off x="5602690" y="3454084"/>
+            <a:ext cx="1092370" cy="0"/>
+          </a:xfrm>
+          <a:prstGeom prst="straightConnector1">
+            <a:avLst/>
+          </a:prstGeom>
+          <a:ln>
+            <a:headEnd type="triangle"/>
+            <a:tailEnd type="triangle"/>
+          </a:ln>
+        </p:spPr>
+        <p:style>
+          <a:lnRef idx="2">
+            <a:schemeClr val="accent1"/>
+          </a:lnRef>
+          <a:fillRef idx="0">
+            <a:schemeClr val="accent1"/>
+          </a:fillRef>
+          <a:effectRef idx="1">
+            <a:schemeClr val="accent1"/>
+          </a:effectRef>
+          <a:fontRef idx="minor">
+            <a:schemeClr val="tx1"/>
+          </a:fontRef>
+        </p:style>
+      </p:cxnSp>
+      <p:sp>
+        <p:nvSpPr>
+          <p:cNvPr id="21" name="TextBox 20">
+            <a:extLst>
+              <a:ext uri="{FF2B5EF4-FFF2-40B4-BE49-F238E27FC236}">
+                <a16:creationId xmlns:a16="http://schemas.microsoft.com/office/drawing/2014/main" id="{C6C1C86A-D518-536C-77A5-F2678B7A8499}"/>
+              </a:ext>
+            </a:extLst>
+          </p:cNvPr>
+          <p:cNvSpPr txBox="1"/>
+          <p:nvPr/>
+        </p:nvSpPr>
+        <p:spPr>
+          <a:xfrm>
+            <a:off x="3465969" y="3605434"/>
+            <a:ext cx="1680268" cy="369332"/>
+          </a:xfrm>
+          <a:prstGeom prst="rect">
+            <a:avLst/>
+          </a:prstGeom>
+          <a:noFill/>
+        </p:spPr>
+        <p:txBody>
+          <a:bodyPr wrap="none" rtlCol="0">
+            <a:spAutoFit/>
+          </a:bodyPr>
+          <a:lstStyle/>
+          <a:p>
+            <a:r>
+              <a:rPr lang="en-US" dirty="0"/>
+              <a:t>S</a:t>
+            </a:r>
+            <a:r>
+              <a:rPr lang="en-US" altLang="zh-CN" dirty="0"/>
+              <a:t>ource Latency</a:t>
+            </a:r>
+            <a:endParaRPr lang="en-US" dirty="0"/>
+          </a:p>
+        </p:txBody>
+      </p:sp>
+      <p:sp>
+        <p:nvSpPr>
+          <p:cNvPr id="22" name="TextBox 21">
+            <a:extLst>
+              <a:ext uri="{FF2B5EF4-FFF2-40B4-BE49-F238E27FC236}">
+                <a16:creationId xmlns:a16="http://schemas.microsoft.com/office/drawing/2014/main" id="{FF8033F9-4A8C-5FC6-E75D-B35DA6777832}"/>
+              </a:ext>
+            </a:extLst>
+          </p:cNvPr>
+          <p:cNvSpPr txBox="1"/>
+          <p:nvPr/>
+        </p:nvSpPr>
+        <p:spPr>
+          <a:xfrm>
+            <a:off x="5259326" y="3605434"/>
+            <a:ext cx="1843774" cy="369332"/>
+          </a:xfrm>
+          <a:prstGeom prst="rect">
+            <a:avLst/>
+          </a:prstGeom>
+          <a:noFill/>
+        </p:spPr>
+        <p:txBody>
+          <a:bodyPr wrap="none" rtlCol="0">
+            <a:spAutoFit/>
+          </a:bodyPr>
+          <a:lstStyle/>
+          <a:p>
+            <a:r>
+              <a:rPr lang="en-US" dirty="0"/>
+              <a:t>N</a:t>
+            </a:r>
+            <a:r>
+              <a:rPr lang="en-US" altLang="zh-CN" dirty="0"/>
+              <a:t>etwork Latency</a:t>
+            </a:r>
+            <a:endParaRPr lang="en-US" dirty="0"/>
+          </a:p>
+        </p:txBody>
+      </p:sp>
+      <p:sp>
+        <p:nvSpPr>
+          <p:cNvPr id="23" name="Speech Bubble: Rectangle 22">
+            <a:extLst>
+              <a:ext uri="{FF2B5EF4-FFF2-40B4-BE49-F238E27FC236}">
+                <a16:creationId xmlns:a16="http://schemas.microsoft.com/office/drawing/2014/main" id="{D116E129-B2B2-383D-78C5-796D6D71B2AF}"/>
+              </a:ext>
+            </a:extLst>
+          </p:cNvPr>
+          <p:cNvSpPr/>
+          <p:nvPr/>
+        </p:nvSpPr>
+        <p:spPr>
+          <a:xfrm>
+            <a:off x="3629425" y="1890829"/>
+            <a:ext cx="994003" cy="612648"/>
+          </a:xfrm>
+          <a:prstGeom prst="wedgeRectCallout">
+            <a:avLst>
+              <a:gd name="adj1" fmla="val -110466"/>
+              <a:gd name="adj2" fmla="val 103322"/>
+            </a:avLst>
+          </a:prstGeom>
+        </p:spPr>
+        <p:style>
+          <a:lnRef idx="2">
+            <a:schemeClr val="accent1">
+              <a:shade val="15000"/>
+            </a:schemeClr>
+          </a:lnRef>
+          <a:fillRef idx="1">
+            <a:schemeClr val="accent1"/>
+          </a:fillRef>
+          <a:effectRef idx="0">
+            <a:schemeClr val="accent1"/>
+          </a:effectRef>
+          <a:fontRef idx="minor">
+            <a:schemeClr val="lt1"/>
+          </a:fontRef>
+        </p:style>
+        <p:txBody>
+          <a:bodyPr rtlCol="0" anchor="ctr"/>
+          <a:lstStyle/>
+          <a:p>
+            <a:pPr algn="ctr"/>
+            <a:r>
+              <a:rPr lang="zh-CN" altLang="en-US" dirty="0"/>
+              <a:t>时钟源</a:t>
+            </a:r>
+            <a:endParaRPr lang="en-US" dirty="0"/>
+          </a:p>
+        </p:txBody>
+      </p:sp>
+      <p:sp>
+        <p:nvSpPr>
+          <p:cNvPr id="24" name="Speech Bubble: Rectangle 23">
+            <a:extLst>
+              <a:ext uri="{FF2B5EF4-FFF2-40B4-BE49-F238E27FC236}">
+                <a16:creationId xmlns:a16="http://schemas.microsoft.com/office/drawing/2014/main" id="{24942997-F2AE-4E91-3793-A92022AB2A56}"/>
+              </a:ext>
+            </a:extLst>
+          </p:cNvPr>
+          <p:cNvSpPr/>
+          <p:nvPr/>
+        </p:nvSpPr>
+        <p:spPr>
+          <a:xfrm>
+            <a:off x="4831961" y="1890829"/>
+            <a:ext cx="1563883" cy="612648"/>
+          </a:xfrm>
+          <a:prstGeom prst="wedgeRectCallout">
+            <a:avLst>
+              <a:gd name="adj1" fmla="val 1219"/>
+              <a:gd name="adj2" fmla="val 103560"/>
+            </a:avLst>
+          </a:prstGeom>
+        </p:spPr>
+        <p:style>
+          <a:lnRef idx="2">
+            <a:schemeClr val="accent1">
+              <a:shade val="15000"/>
+            </a:schemeClr>
+          </a:lnRef>
+          <a:fillRef idx="1">
+            <a:schemeClr val="accent1"/>
+          </a:fillRef>
+          <a:effectRef idx="0">
+            <a:schemeClr val="accent1"/>
+          </a:effectRef>
+          <a:fontRef idx="minor">
+            <a:schemeClr val="lt1"/>
+          </a:fontRef>
+        </p:style>
+        <p:txBody>
+          <a:bodyPr rtlCol="0" anchor="ctr"/>
+          <a:lstStyle/>
+          <a:p>
+            <a:pPr algn="ctr"/>
+            <a:r>
+              <a:rPr lang="zh-CN" altLang="en-US" dirty="0"/>
+              <a:t>主时钟定义点</a:t>
+            </a:r>
+            <a:endParaRPr lang="en-US" dirty="0"/>
+          </a:p>
+        </p:txBody>
+      </p:sp>
+      <p:sp>
+        <p:nvSpPr>
+          <p:cNvPr id="27" name="Isosceles Triangle 26">
+            <a:extLst>
+              <a:ext uri="{FF2B5EF4-FFF2-40B4-BE49-F238E27FC236}">
+                <a16:creationId xmlns:a16="http://schemas.microsoft.com/office/drawing/2014/main" id="{B6AA3178-A036-4BA1-512D-C5019A4F1B59}"/>
+              </a:ext>
+            </a:extLst>
+          </p:cNvPr>
+          <p:cNvSpPr/>
+          <p:nvPr/>
+        </p:nvSpPr>
+        <p:spPr>
+          <a:xfrm rot="5400000">
+            <a:off x="7744538" y="2673546"/>
+            <a:ext cx="475988" cy="343364"/>
+          </a:xfrm>
+          <a:prstGeom prst="triangle">
+            <a:avLst/>
+          </a:prstGeom>
+          <a:solidFill>
+            <a:schemeClr val="bg1"/>
+          </a:solidFill>
+        </p:spPr>
+        <p:style>
+          <a:lnRef idx="2">
+            <a:schemeClr val="accent1">
+              <a:shade val="15000"/>
+            </a:schemeClr>
+          </a:lnRef>
+          <a:fillRef idx="1">
+            <a:schemeClr val="accent1"/>
+          </a:fillRef>
+          <a:effectRef idx="0">
+            <a:schemeClr val="accent1"/>
+          </a:effectRef>
+          <a:fontRef idx="minor">
+            <a:schemeClr val="lt1"/>
+          </a:fontRef>
+        </p:style>
+        <p:txBody>
+          <a:bodyPr rtlCol="0" anchor="ctr"/>
+          <a:lstStyle/>
+          <a:p>
+            <a:pPr algn="ctr"/>
+            <a:endParaRPr lang="en-US"/>
+          </a:p>
+        </p:txBody>
+      </p:sp>
+      <p:sp>
+        <p:nvSpPr>
+          <p:cNvPr id="29" name="Oval 28">
+            <a:extLst>
+              <a:ext uri="{FF2B5EF4-FFF2-40B4-BE49-F238E27FC236}">
+                <a16:creationId xmlns:a16="http://schemas.microsoft.com/office/drawing/2014/main" id="{08DA1D38-6FBA-43A2-DC5B-617BC7F6E5F1}"/>
+              </a:ext>
+            </a:extLst>
+          </p:cNvPr>
+          <p:cNvSpPr/>
+          <p:nvPr/>
+        </p:nvSpPr>
+        <p:spPr>
+          <a:xfrm>
+            <a:off x="6261432" y="2758039"/>
+            <a:ext cx="914400" cy="196399"/>
+          </a:xfrm>
+          <a:prstGeom prst="ellipse">
+            <a:avLst/>
+          </a:prstGeom>
+        </p:spPr>
+        <p:style>
+          <a:lnRef idx="2">
+            <a:schemeClr val="accent1"/>
+          </a:lnRef>
+          <a:fillRef idx="1">
+            <a:schemeClr val="lt1"/>
+          </a:fillRef>
+          <a:effectRef idx="0">
+            <a:schemeClr val="accent1"/>
+          </a:effectRef>
+          <a:fontRef idx="minor">
+            <a:schemeClr val="dk1"/>
+          </a:fontRef>
+        </p:style>
+        <p:txBody>
+          <a:bodyPr rtlCol="0" anchor="ctr"/>
+          <a:lstStyle/>
+          <a:p>
+            <a:pPr algn="ctr"/>
+            <a:endParaRPr lang="en-US"/>
+          </a:p>
+        </p:txBody>
+      </p:sp>
+      <p:cxnSp>
+        <p:nvCxnSpPr>
+          <p:cNvPr id="30" name="直线连接符 20">
+            <a:extLst>
+              <a:ext uri="{FF2B5EF4-FFF2-40B4-BE49-F238E27FC236}">
+                <a16:creationId xmlns:a16="http://schemas.microsoft.com/office/drawing/2014/main" id="{82ACB4CA-9C96-8BC8-1B89-2CC20BF2A0AA}"/>
+              </a:ext>
+            </a:extLst>
+          </p:cNvPr>
+          <p:cNvCxnSpPr>
+            <a:cxnSpLocks/>
+          </p:cNvCxnSpPr>
+          <p:nvPr/>
+        </p:nvCxnSpPr>
+        <p:spPr>
+          <a:xfrm>
+            <a:off x="7175832" y="2856238"/>
+            <a:ext cx="635018" cy="0"/>
+          </a:xfrm>
+          <a:prstGeom prst="line">
+            <a:avLst/>
+          </a:prstGeom>
+        </p:spPr>
+        <p:style>
+          <a:lnRef idx="2">
+            <a:schemeClr val="accent1"/>
+          </a:lnRef>
+          <a:fillRef idx="0">
+            <a:schemeClr val="accent1"/>
+          </a:fillRef>
+          <a:effectRef idx="1">
+            <a:schemeClr val="accent1"/>
+          </a:effectRef>
+          <a:fontRef idx="minor">
+            <a:schemeClr val="tx1"/>
+          </a:fontRef>
+        </p:style>
+      </p:cxnSp>
+      <p:cxnSp>
+        <p:nvCxnSpPr>
+          <p:cNvPr id="34" name="直线连接符 20">
+            <a:extLst>
+              <a:ext uri="{FF2B5EF4-FFF2-40B4-BE49-F238E27FC236}">
+                <a16:creationId xmlns:a16="http://schemas.microsoft.com/office/drawing/2014/main" id="{DB8D0DCA-560F-E339-A689-3BD7298E9AC4}"/>
+              </a:ext>
+            </a:extLst>
+          </p:cNvPr>
+          <p:cNvCxnSpPr>
+            <a:cxnSpLocks/>
+          </p:cNvCxnSpPr>
+          <p:nvPr/>
+        </p:nvCxnSpPr>
+        <p:spPr>
+          <a:xfrm>
+            <a:off x="8154214" y="2842276"/>
+            <a:ext cx="1500961" cy="13962"/>
+          </a:xfrm>
+          <a:prstGeom prst="line">
+            <a:avLst/>
+          </a:prstGeom>
+        </p:spPr>
+        <p:style>
+          <a:lnRef idx="2">
+            <a:schemeClr val="accent1"/>
+          </a:lnRef>
+          <a:fillRef idx="0">
+            <a:schemeClr val="accent1"/>
+          </a:fillRef>
+          <a:effectRef idx="1">
+            <a:schemeClr val="accent1"/>
+          </a:effectRef>
+          <a:fontRef idx="minor">
+            <a:schemeClr val="tx1"/>
+          </a:fontRef>
+        </p:style>
+      </p:cxnSp>
+      <p:sp>
+        <p:nvSpPr>
+          <p:cNvPr id="38" name="Speech Bubble: Rectangle 37">
+            <a:extLst>
+              <a:ext uri="{FF2B5EF4-FFF2-40B4-BE49-F238E27FC236}">
+                <a16:creationId xmlns:a16="http://schemas.microsoft.com/office/drawing/2014/main" id="{390B0AAE-055A-0B46-AD2F-E56F1F122BB5}"/>
+              </a:ext>
+            </a:extLst>
+          </p:cNvPr>
+          <p:cNvSpPr/>
+          <p:nvPr/>
+        </p:nvSpPr>
+        <p:spPr>
+          <a:xfrm>
+            <a:off x="7023101" y="1877065"/>
+            <a:ext cx="1800946" cy="612648"/>
+          </a:xfrm>
+          <a:prstGeom prst="wedgeRectCallout">
+            <a:avLst>
+              <a:gd name="adj1" fmla="val 14179"/>
+              <a:gd name="adj2" fmla="val 104597"/>
+            </a:avLst>
+          </a:prstGeom>
+        </p:spPr>
+        <p:style>
+          <a:lnRef idx="2">
+            <a:schemeClr val="accent1">
+              <a:shade val="15000"/>
+            </a:schemeClr>
+          </a:lnRef>
+          <a:fillRef idx="1">
+            <a:schemeClr val="accent1"/>
+          </a:fillRef>
+          <a:effectRef idx="0">
+            <a:schemeClr val="accent1"/>
+          </a:effectRef>
+          <a:fontRef idx="minor">
+            <a:schemeClr val="lt1"/>
+          </a:fontRef>
+        </p:style>
+        <p:txBody>
+          <a:bodyPr rtlCol="0" anchor="ctr"/>
+          <a:lstStyle/>
+          <a:p>
+            <a:pPr algn="ctr"/>
+            <a:r>
+              <a:rPr lang="zh-CN" altLang="en-US" dirty="0"/>
+              <a:t>生成时钟定义点</a:t>
+            </a:r>
+            <a:endParaRPr lang="en-US" dirty="0"/>
+          </a:p>
+        </p:txBody>
+      </p:sp>
+    </p:spTree>
+    <p:extLst>
+      <p:ext uri="{BB962C8B-B14F-4D97-AF65-F5344CB8AC3E}">
+        <p14:creationId xmlns:p14="http://schemas.microsoft.com/office/powerpoint/2010/main" val="2007485750"/>
       </p:ext>
     </p:extLst>
   </p:cSld>

--- a/_posts/静态时序分析笔记/静态时序分析笔记pptx.pptx
+++ b/_posts/静态时序分析笔记/静态时序分析笔记pptx.pptx
@@ -28488,7 +28488,7 @@
         </p:nvCxnSpPr>
         <p:spPr>
           <a:xfrm>
-            <a:off x="6695060" y="3179764"/>
+            <a:off x="8154214" y="3191194"/>
             <a:ext cx="0" cy="525780"/>
           </a:xfrm>
           <a:prstGeom prst="line">
@@ -28572,7 +28572,7 @@
         <p:spPr>
           <a:xfrm>
             <a:off x="5602690" y="3454084"/>
-            <a:ext cx="1092370" cy="0"/>
+            <a:ext cx="2551524" cy="0"/>
           </a:xfrm>
           <a:prstGeom prst="straightConnector1">
             <a:avLst/>
@@ -28611,8 +28611,8 @@
         </p:nvSpPr>
         <p:spPr>
           <a:xfrm>
-            <a:off x="3465969" y="3605434"/>
-            <a:ext cx="1680268" cy="369332"/>
+            <a:off x="2792707" y="3701085"/>
+            <a:ext cx="3026791" cy="369332"/>
           </a:xfrm>
           <a:prstGeom prst="rect">
             <a:avLst/>
@@ -28627,7 +28627,7 @@
           <a:p>
             <a:r>
               <a:rPr lang="en-US" dirty="0"/>
-              <a:t>S</a:t>
+              <a:t>Master Clock S</a:t>
             </a:r>
             <a:r>
               <a:rPr lang="en-US" altLang="zh-CN" dirty="0"/>
@@ -28651,8 +28651,8 @@
         </p:nvSpPr>
         <p:spPr>
           <a:xfrm>
-            <a:off x="5259326" y="3605434"/>
-            <a:ext cx="1843774" cy="369332"/>
+            <a:off x="5104569" y="4029068"/>
+            <a:ext cx="3384260" cy="369332"/>
           </a:xfrm>
           <a:prstGeom prst="rect">
             <a:avLst/>
@@ -28667,11 +28667,11 @@
           <a:p>
             <a:r>
               <a:rPr lang="en-US" dirty="0"/>
-              <a:t>N</a:t>
+              <a:t>Generated Clock Source</a:t>
             </a:r>
             <a:r>
               <a:rPr lang="en-US" altLang="zh-CN" dirty="0"/>
-              <a:t>etwork Latency</a:t>
+              <a:t> Latency</a:t>
             </a:r>
             <a:endParaRPr lang="en-US" dirty="0"/>
           </a:p>
@@ -29005,6 +29005,253 @@
           </a:p>
         </p:txBody>
       </p:sp>
+      <p:sp>
+        <p:nvSpPr>
+          <p:cNvPr id="26" name="TextBox 21">
+            <a:extLst>
+              <a:ext uri="{FF2B5EF4-FFF2-40B4-BE49-F238E27FC236}">
+                <a16:creationId xmlns:a16="http://schemas.microsoft.com/office/drawing/2014/main" id="{BC09280F-EB21-C5A8-FCDB-8AB464220F66}"/>
+              </a:ext>
+            </a:extLst>
+          </p:cNvPr>
+          <p:cNvSpPr txBox="1"/>
+          <p:nvPr/>
+        </p:nvSpPr>
+        <p:spPr>
+          <a:xfrm>
+            <a:off x="7408601" y="3716974"/>
+            <a:ext cx="3547766" cy="369332"/>
+          </a:xfrm>
+          <a:prstGeom prst="rect">
+            <a:avLst/>
+          </a:prstGeom>
+          <a:noFill/>
+        </p:spPr>
+        <p:txBody>
+          <a:bodyPr wrap="none" rtlCol="0">
+            <a:spAutoFit/>
+          </a:bodyPr>
+          <a:lstStyle/>
+          <a:p>
+            <a:r>
+              <a:rPr lang="en-US" dirty="0"/>
+              <a:t>Generated Clock N</a:t>
+            </a:r>
+            <a:r>
+              <a:rPr lang="en-US" altLang="zh-CN" dirty="0"/>
+              <a:t>etwork Latency</a:t>
+            </a:r>
+            <a:endParaRPr lang="en-US" dirty="0"/>
+          </a:p>
+        </p:txBody>
+      </p:sp>
+      <p:cxnSp>
+        <p:nvCxnSpPr>
+          <p:cNvPr id="28" name="Straight Connector 17">
+            <a:extLst>
+              <a:ext uri="{FF2B5EF4-FFF2-40B4-BE49-F238E27FC236}">
+                <a16:creationId xmlns:a16="http://schemas.microsoft.com/office/drawing/2014/main" id="{7349277B-5D2E-CAC5-D7AA-66700210452B}"/>
+              </a:ext>
+            </a:extLst>
+          </p:cNvPr>
+          <p:cNvCxnSpPr>
+            <a:cxnSpLocks/>
+          </p:cNvCxnSpPr>
+          <p:nvPr/>
+        </p:nvCxnSpPr>
+        <p:spPr>
+          <a:xfrm>
+            <a:off x="9645103" y="3191194"/>
+            <a:ext cx="0" cy="525780"/>
+          </a:xfrm>
+          <a:prstGeom prst="line">
+            <a:avLst/>
+          </a:prstGeom>
+          <a:ln>
+            <a:prstDash val="dash"/>
+          </a:ln>
+        </p:spPr>
+        <p:style>
+          <a:lnRef idx="2">
+            <a:schemeClr val="accent1"/>
+          </a:lnRef>
+          <a:fillRef idx="0">
+            <a:schemeClr val="accent1"/>
+          </a:fillRef>
+          <a:effectRef idx="1">
+            <a:schemeClr val="accent1"/>
+          </a:effectRef>
+          <a:fontRef idx="minor">
+            <a:schemeClr val="tx1"/>
+          </a:fontRef>
+        </p:style>
+      </p:cxnSp>
+      <p:cxnSp>
+        <p:nvCxnSpPr>
+          <p:cNvPr id="31" name="Straight Arrow Connector 19">
+            <a:extLst>
+              <a:ext uri="{FF2B5EF4-FFF2-40B4-BE49-F238E27FC236}">
+                <a16:creationId xmlns:a16="http://schemas.microsoft.com/office/drawing/2014/main" id="{4DB7CA0C-F18C-1419-B765-B694DB689BBD}"/>
+              </a:ext>
+            </a:extLst>
+          </p:cNvPr>
+          <p:cNvCxnSpPr>
+            <a:cxnSpLocks/>
+          </p:cNvCxnSpPr>
+          <p:nvPr/>
+        </p:nvCxnSpPr>
+        <p:spPr>
+          <a:xfrm>
+            <a:off x="8154214" y="3454084"/>
+            <a:ext cx="1508397" cy="0"/>
+          </a:xfrm>
+          <a:prstGeom prst="straightConnector1">
+            <a:avLst/>
+          </a:prstGeom>
+          <a:ln>
+            <a:headEnd type="triangle"/>
+            <a:tailEnd type="triangle"/>
+          </a:ln>
+        </p:spPr>
+        <p:style>
+          <a:lnRef idx="2">
+            <a:schemeClr val="accent1"/>
+          </a:lnRef>
+          <a:fillRef idx="0">
+            <a:schemeClr val="accent1"/>
+          </a:fillRef>
+          <a:effectRef idx="1">
+            <a:schemeClr val="accent1"/>
+          </a:effectRef>
+          <a:fontRef idx="minor">
+            <a:schemeClr val="tx1"/>
+          </a:fontRef>
+        </p:style>
+      </p:cxnSp>
+      <p:cxnSp>
+        <p:nvCxnSpPr>
+          <p:cNvPr id="35" name="直线箭头连接符 34">
+            <a:extLst>
+              <a:ext uri="{FF2B5EF4-FFF2-40B4-BE49-F238E27FC236}">
+                <a16:creationId xmlns:a16="http://schemas.microsoft.com/office/drawing/2014/main" id="{D8C1BE20-3A85-1E57-A9EF-DFB653F9492E}"/>
+              </a:ext>
+            </a:extLst>
+          </p:cNvPr>
+          <p:cNvCxnSpPr>
+            <a:cxnSpLocks/>
+            <a:stCxn id="21" idx="0"/>
+          </p:cNvCxnSpPr>
+          <p:nvPr/>
+        </p:nvCxnSpPr>
+        <p:spPr>
+          <a:xfrm flipH="1" flipV="1">
+            <a:off x="4306102" y="3454084"/>
+            <a:ext cx="1" cy="247001"/>
+          </a:xfrm>
+          <a:prstGeom prst="straightConnector1">
+            <a:avLst/>
+          </a:prstGeom>
+          <a:ln>
+            <a:tailEnd type="triangle"/>
+          </a:ln>
+        </p:spPr>
+        <p:style>
+          <a:lnRef idx="1">
+            <a:schemeClr val="accent6"/>
+          </a:lnRef>
+          <a:fillRef idx="0">
+            <a:schemeClr val="accent6"/>
+          </a:fillRef>
+          <a:effectRef idx="0">
+            <a:schemeClr val="accent6"/>
+          </a:effectRef>
+          <a:fontRef idx="minor">
+            <a:schemeClr val="tx1"/>
+          </a:fontRef>
+        </p:style>
+      </p:cxnSp>
+      <p:cxnSp>
+        <p:nvCxnSpPr>
+          <p:cNvPr id="37" name="直线箭头连接符 36">
+            <a:extLst>
+              <a:ext uri="{FF2B5EF4-FFF2-40B4-BE49-F238E27FC236}">
+                <a16:creationId xmlns:a16="http://schemas.microsoft.com/office/drawing/2014/main" id="{AFA3E072-EB0C-31E8-14E8-1723BA9A9EB4}"/>
+              </a:ext>
+            </a:extLst>
+          </p:cNvPr>
+          <p:cNvCxnSpPr>
+            <a:cxnSpLocks/>
+          </p:cNvCxnSpPr>
+          <p:nvPr/>
+        </p:nvCxnSpPr>
+        <p:spPr>
+          <a:xfrm flipV="1">
+            <a:off x="6770463" y="3462029"/>
+            <a:ext cx="0" cy="567039"/>
+          </a:xfrm>
+          <a:prstGeom prst="straightConnector1">
+            <a:avLst/>
+          </a:prstGeom>
+          <a:ln>
+            <a:tailEnd type="triangle"/>
+          </a:ln>
+        </p:spPr>
+        <p:style>
+          <a:lnRef idx="1">
+            <a:schemeClr val="accent6"/>
+          </a:lnRef>
+          <a:fillRef idx="0">
+            <a:schemeClr val="accent6"/>
+          </a:fillRef>
+          <a:effectRef idx="0">
+            <a:schemeClr val="accent6"/>
+          </a:effectRef>
+          <a:fontRef idx="minor">
+            <a:schemeClr val="tx1"/>
+          </a:fontRef>
+        </p:style>
+      </p:cxnSp>
+      <p:cxnSp>
+        <p:nvCxnSpPr>
+          <p:cNvPr id="40" name="直线箭头连接符 39">
+            <a:extLst>
+              <a:ext uri="{FF2B5EF4-FFF2-40B4-BE49-F238E27FC236}">
+                <a16:creationId xmlns:a16="http://schemas.microsoft.com/office/drawing/2014/main" id="{20BB586D-F9E1-F9E8-E519-711D934B31A3}"/>
+              </a:ext>
+            </a:extLst>
+          </p:cNvPr>
+          <p:cNvCxnSpPr>
+            <a:cxnSpLocks/>
+          </p:cNvCxnSpPr>
+          <p:nvPr/>
+        </p:nvCxnSpPr>
+        <p:spPr>
+          <a:xfrm flipH="1" flipV="1">
+            <a:off x="8986959" y="3462891"/>
+            <a:ext cx="1" cy="247001"/>
+          </a:xfrm>
+          <a:prstGeom prst="straightConnector1">
+            <a:avLst/>
+          </a:prstGeom>
+          <a:ln>
+            <a:tailEnd type="triangle"/>
+          </a:ln>
+        </p:spPr>
+        <p:style>
+          <a:lnRef idx="1">
+            <a:schemeClr val="accent6"/>
+          </a:lnRef>
+          <a:fillRef idx="0">
+            <a:schemeClr val="accent6"/>
+          </a:fillRef>
+          <a:effectRef idx="0">
+            <a:schemeClr val="accent6"/>
+          </a:effectRef>
+          <a:fontRef idx="minor">
+            <a:schemeClr val="tx1"/>
+          </a:fontRef>
+        </p:style>
+      </p:cxnSp>
     </p:spTree>
     <p:extLst>
       <p:ext uri="{BB962C8B-B14F-4D97-AF65-F5344CB8AC3E}">

--- a/_posts/静态时序分析笔记/静态时序分析笔记pptx.pptx
+++ b/_posts/静态时序分析笔记/静态时序分析笔记pptx.pptx
@@ -22,6 +22,7 @@
     <p:sldId id="270" r:id="rId16"/>
     <p:sldId id="271" r:id="rId17"/>
     <p:sldId id="272" r:id="rId18"/>
+    <p:sldId id="273" r:id="rId19"/>
   </p:sldIdLst>
   <p:sldSz cx="12192000" cy="6858000"/>
   <p:notesSz cx="6858000" cy="9144000"/>
@@ -29256,6 +29257,1253 @@
     <p:extLst>
       <p:ext uri="{BB962C8B-B14F-4D97-AF65-F5344CB8AC3E}">
         <p14:creationId xmlns:p14="http://schemas.microsoft.com/office/powerpoint/2010/main" val="2007485750"/>
+      </p:ext>
+    </p:extLst>
+  </p:cSld>
+  <p:clrMapOvr>
+    <a:masterClrMapping/>
+  </p:clrMapOvr>
+</p:sld>
+</file>
+
+<file path=ppt/slides/slide18.xml><?xml version="1.0" encoding="utf-8"?>
+<p:sld xmlns:a="http://schemas.openxmlformats.org/drawingml/2006/main" xmlns:r="http://schemas.openxmlformats.org/officeDocument/2006/relationships" xmlns:p="http://schemas.openxmlformats.org/presentationml/2006/main">
+  <p:cSld>
+    <p:spTree>
+      <p:nvGrpSpPr>
+        <p:cNvPr id="1" name=""/>
+        <p:cNvGrpSpPr/>
+        <p:nvPr/>
+      </p:nvGrpSpPr>
+      <p:grpSpPr>
+        <a:xfrm>
+          <a:off x="0" y="0"/>
+          <a:ext cx="0" cy="0"/>
+          <a:chOff x="0" y="0"/>
+          <a:chExt cx="0" cy="0"/>
+        </a:xfrm>
+      </p:grpSpPr>
+      <p:sp>
+        <p:nvSpPr>
+          <p:cNvPr id="6" name="Rectangle 20">
+            <a:extLst>
+              <a:ext uri="{FF2B5EF4-FFF2-40B4-BE49-F238E27FC236}">
+                <a16:creationId xmlns:a16="http://schemas.microsoft.com/office/drawing/2014/main" id="{CB2EF36E-FF1B-019D-51C4-9733F97D6059}"/>
+              </a:ext>
+            </a:extLst>
+          </p:cNvPr>
+          <p:cNvSpPr/>
+          <p:nvPr/>
+        </p:nvSpPr>
+        <p:spPr>
+          <a:xfrm>
+            <a:off x="3767336" y="2981581"/>
+            <a:ext cx="914400" cy="475989"/>
+          </a:xfrm>
+          <a:prstGeom prst="rect">
+            <a:avLst/>
+          </a:prstGeom>
+        </p:spPr>
+        <p:style>
+          <a:lnRef idx="2">
+            <a:schemeClr val="accent6">
+              <a:shade val="15000"/>
+            </a:schemeClr>
+          </a:lnRef>
+          <a:fillRef idx="1">
+            <a:schemeClr val="accent6"/>
+          </a:fillRef>
+          <a:effectRef idx="0">
+            <a:schemeClr val="accent6"/>
+          </a:effectRef>
+          <a:fontRef idx="minor">
+            <a:schemeClr val="lt1"/>
+          </a:fontRef>
+        </p:style>
+        <p:txBody>
+          <a:bodyPr rtlCol="0" anchor="ctr"/>
+          <a:lstStyle/>
+          <a:p>
+            <a:pPr algn="ctr"/>
+            <a:r>
+              <a:rPr lang="en-US" dirty="0"/>
+              <a:t>PLL</a:t>
+            </a:r>
+          </a:p>
+        </p:txBody>
+      </p:sp>
+      <p:sp>
+        <p:nvSpPr>
+          <p:cNvPr id="7" name="Rectangle 32">
+            <a:extLst>
+              <a:ext uri="{FF2B5EF4-FFF2-40B4-BE49-F238E27FC236}">
+                <a16:creationId xmlns:a16="http://schemas.microsoft.com/office/drawing/2014/main" id="{7CBE596C-B8EA-F164-DE5E-285CB0DF1987}"/>
+              </a:ext>
+            </a:extLst>
+          </p:cNvPr>
+          <p:cNvSpPr/>
+          <p:nvPr/>
+        </p:nvSpPr>
+        <p:spPr>
+          <a:xfrm>
+            <a:off x="2911809" y="1225109"/>
+            <a:ext cx="7636447" cy="4153716"/>
+          </a:xfrm>
+          <a:prstGeom prst="rect">
+            <a:avLst/>
+          </a:prstGeom>
+          <a:noFill/>
+          <a:ln>
+            <a:prstDash val="dash"/>
+          </a:ln>
+        </p:spPr>
+        <p:style>
+          <a:lnRef idx="2">
+            <a:schemeClr val="accent1">
+              <a:shade val="15000"/>
+            </a:schemeClr>
+          </a:lnRef>
+          <a:fillRef idx="1">
+            <a:schemeClr val="accent1"/>
+          </a:fillRef>
+          <a:effectRef idx="0">
+            <a:schemeClr val="accent1"/>
+          </a:effectRef>
+          <a:fontRef idx="minor">
+            <a:schemeClr val="lt1"/>
+          </a:fontRef>
+        </p:style>
+        <p:txBody>
+          <a:bodyPr rtlCol="0" anchor="ctr"/>
+          <a:lstStyle/>
+          <a:p>
+            <a:pPr algn="ctr"/>
+            <a:endParaRPr lang="en-US"/>
+          </a:p>
+        </p:txBody>
+      </p:sp>
+      <p:sp>
+        <p:nvSpPr>
+          <p:cNvPr id="12" name="梯形 11">
+            <a:extLst>
+              <a:ext uri="{FF2B5EF4-FFF2-40B4-BE49-F238E27FC236}">
+                <a16:creationId xmlns:a16="http://schemas.microsoft.com/office/drawing/2014/main" id="{8F86A08B-9E1D-4B9B-2A9F-68676FFEB27B}"/>
+              </a:ext>
+            </a:extLst>
+          </p:cNvPr>
+          <p:cNvSpPr/>
+          <p:nvPr/>
+        </p:nvSpPr>
+        <p:spPr>
+          <a:xfrm rot="5400000">
+            <a:off x="4749088" y="2773515"/>
+            <a:ext cx="967606" cy="343365"/>
+          </a:xfrm>
+          <a:prstGeom prst="trapezoid">
+            <a:avLst>
+              <a:gd name="adj" fmla="val 77469"/>
+            </a:avLst>
+          </a:prstGeom>
+          <a:noFill/>
+          <a:ln w="9525" cap="flat" cmpd="sng" algn="ctr">
+            <a:solidFill>
+              <a:schemeClr val="dk1"/>
+            </a:solidFill>
+            <a:prstDash val="solid"/>
+            <a:round/>
+            <a:headEnd type="none" w="med" len="med"/>
+            <a:tailEnd type="none" w="med" len="med"/>
+          </a:ln>
+        </p:spPr>
+        <p:style>
+          <a:lnRef idx="0">
+            <a:scrgbClr r="0" g="0" b="0"/>
+          </a:lnRef>
+          <a:fillRef idx="0">
+            <a:scrgbClr r="0" g="0" b="0"/>
+          </a:fillRef>
+          <a:effectRef idx="0">
+            <a:scrgbClr r="0" g="0" b="0"/>
+          </a:effectRef>
+          <a:fontRef idx="minor">
+            <a:schemeClr val="dk1"/>
+          </a:fontRef>
+        </p:style>
+        <p:txBody>
+          <a:bodyPr rtlCol="0" anchor="ctr"/>
+          <a:lstStyle/>
+          <a:p>
+            <a:pPr algn="ctr"/>
+            <a:endParaRPr kumimoji="1" lang="zh-CN" altLang="en-US"/>
+          </a:p>
+        </p:txBody>
+      </p:sp>
+      <p:cxnSp>
+        <p:nvCxnSpPr>
+          <p:cNvPr id="13" name="直线连接符 12">
+            <a:extLst>
+              <a:ext uri="{FF2B5EF4-FFF2-40B4-BE49-F238E27FC236}">
+                <a16:creationId xmlns:a16="http://schemas.microsoft.com/office/drawing/2014/main" id="{1D265451-6237-8860-72B6-FC11C421DBF1}"/>
+              </a:ext>
+            </a:extLst>
+          </p:cNvPr>
+          <p:cNvCxnSpPr>
+            <a:cxnSpLocks/>
+          </p:cNvCxnSpPr>
+          <p:nvPr/>
+        </p:nvCxnSpPr>
+        <p:spPr>
+          <a:xfrm>
+            <a:off x="3418114" y="2702999"/>
+            <a:ext cx="1643094" cy="0"/>
+          </a:xfrm>
+          <a:prstGeom prst="line">
+            <a:avLst/>
+          </a:prstGeom>
+        </p:spPr>
+        <p:style>
+          <a:lnRef idx="2">
+            <a:schemeClr val="accent1"/>
+          </a:lnRef>
+          <a:fillRef idx="0">
+            <a:schemeClr val="accent1"/>
+          </a:fillRef>
+          <a:effectRef idx="1">
+            <a:schemeClr val="accent1"/>
+          </a:effectRef>
+          <a:fontRef idx="minor">
+            <a:schemeClr val="tx1"/>
+          </a:fontRef>
+        </p:style>
+      </p:cxnSp>
+      <p:cxnSp>
+        <p:nvCxnSpPr>
+          <p:cNvPr id="14" name="直线连接符 13">
+            <a:extLst>
+              <a:ext uri="{FF2B5EF4-FFF2-40B4-BE49-F238E27FC236}">
+                <a16:creationId xmlns:a16="http://schemas.microsoft.com/office/drawing/2014/main" id="{7AE7F5FE-643C-EE2A-AF42-2E56EE602CF1}"/>
+              </a:ext>
+            </a:extLst>
+          </p:cNvPr>
+          <p:cNvCxnSpPr>
+            <a:cxnSpLocks/>
+          </p:cNvCxnSpPr>
+          <p:nvPr/>
+        </p:nvCxnSpPr>
+        <p:spPr>
+          <a:xfrm>
+            <a:off x="4696920" y="3219576"/>
+            <a:ext cx="364288" cy="0"/>
+          </a:xfrm>
+          <a:prstGeom prst="line">
+            <a:avLst/>
+          </a:prstGeom>
+        </p:spPr>
+        <p:style>
+          <a:lnRef idx="2">
+            <a:schemeClr val="accent1"/>
+          </a:lnRef>
+          <a:fillRef idx="0">
+            <a:schemeClr val="accent1"/>
+          </a:fillRef>
+          <a:effectRef idx="1">
+            <a:schemeClr val="accent1"/>
+          </a:effectRef>
+          <a:fontRef idx="minor">
+            <a:schemeClr val="tx1"/>
+          </a:fontRef>
+        </p:style>
+      </p:cxnSp>
+      <p:cxnSp>
+        <p:nvCxnSpPr>
+          <p:cNvPr id="15" name="直线连接符 14">
+            <a:extLst>
+              <a:ext uri="{FF2B5EF4-FFF2-40B4-BE49-F238E27FC236}">
+                <a16:creationId xmlns:a16="http://schemas.microsoft.com/office/drawing/2014/main" id="{9F4394B1-60D4-C5C3-0488-7504C6D9660E}"/>
+              </a:ext>
+            </a:extLst>
+          </p:cNvPr>
+          <p:cNvCxnSpPr>
+            <a:cxnSpLocks/>
+            <a:endCxn id="12" idx="3"/>
+          </p:cNvCxnSpPr>
+          <p:nvPr/>
+        </p:nvCxnSpPr>
+        <p:spPr>
+          <a:xfrm flipV="1">
+            <a:off x="5232891" y="3296000"/>
+            <a:ext cx="0" cy="274414"/>
+          </a:xfrm>
+          <a:prstGeom prst="line">
+            <a:avLst/>
+          </a:prstGeom>
+        </p:spPr>
+        <p:style>
+          <a:lnRef idx="2">
+            <a:schemeClr val="accent1"/>
+          </a:lnRef>
+          <a:fillRef idx="0">
+            <a:schemeClr val="accent1"/>
+          </a:fillRef>
+          <a:effectRef idx="1">
+            <a:schemeClr val="accent1"/>
+          </a:effectRef>
+          <a:fontRef idx="minor">
+            <a:schemeClr val="tx1"/>
+          </a:fontRef>
+        </p:style>
+      </p:cxnSp>
+      <p:sp>
+        <p:nvSpPr>
+          <p:cNvPr id="16" name="Rectangle 20">
+            <a:extLst>
+              <a:ext uri="{FF2B5EF4-FFF2-40B4-BE49-F238E27FC236}">
+                <a16:creationId xmlns:a16="http://schemas.microsoft.com/office/drawing/2014/main" id="{A2FAD626-C351-93BC-5B4D-02FC77666DAB}"/>
+              </a:ext>
+            </a:extLst>
+          </p:cNvPr>
+          <p:cNvSpPr/>
+          <p:nvPr/>
+        </p:nvSpPr>
+        <p:spPr>
+          <a:xfrm>
+            <a:off x="1350473" y="2981581"/>
+            <a:ext cx="914400" cy="475989"/>
+          </a:xfrm>
+          <a:prstGeom prst="rect">
+            <a:avLst/>
+          </a:prstGeom>
+        </p:spPr>
+        <p:style>
+          <a:lnRef idx="2">
+            <a:schemeClr val="accent6">
+              <a:shade val="15000"/>
+            </a:schemeClr>
+          </a:lnRef>
+          <a:fillRef idx="1">
+            <a:schemeClr val="accent6"/>
+          </a:fillRef>
+          <a:effectRef idx="0">
+            <a:schemeClr val="accent6"/>
+          </a:effectRef>
+          <a:fontRef idx="minor">
+            <a:schemeClr val="lt1"/>
+          </a:fontRef>
+        </p:style>
+        <p:txBody>
+          <a:bodyPr rtlCol="0" anchor="ctr"/>
+          <a:lstStyle/>
+          <a:p>
+            <a:pPr algn="ctr"/>
+            <a:r>
+              <a:rPr lang="en-US" dirty="0"/>
+              <a:t>PLL</a:t>
+            </a:r>
+          </a:p>
+        </p:txBody>
+      </p:sp>
+      <p:cxnSp>
+        <p:nvCxnSpPr>
+          <p:cNvPr id="19" name="直线连接符 18">
+            <a:extLst>
+              <a:ext uri="{FF2B5EF4-FFF2-40B4-BE49-F238E27FC236}">
+                <a16:creationId xmlns:a16="http://schemas.microsoft.com/office/drawing/2014/main" id="{73915E9B-709B-999C-C64D-0F5C10C6F1A2}"/>
+              </a:ext>
+            </a:extLst>
+          </p:cNvPr>
+          <p:cNvCxnSpPr>
+            <a:cxnSpLocks/>
+            <a:stCxn id="16" idx="3"/>
+            <a:endCxn id="6" idx="1"/>
+          </p:cNvCxnSpPr>
+          <p:nvPr/>
+        </p:nvCxnSpPr>
+        <p:spPr>
+          <a:xfrm>
+            <a:off x="2264873" y="3219576"/>
+            <a:ext cx="1502463" cy="0"/>
+          </a:xfrm>
+          <a:prstGeom prst="line">
+            <a:avLst/>
+          </a:prstGeom>
+        </p:spPr>
+        <p:style>
+          <a:lnRef idx="2">
+            <a:schemeClr val="accent1"/>
+          </a:lnRef>
+          <a:fillRef idx="0">
+            <a:schemeClr val="accent1"/>
+          </a:fillRef>
+          <a:effectRef idx="1">
+            <a:schemeClr val="accent1"/>
+          </a:effectRef>
+          <a:fontRef idx="minor">
+            <a:schemeClr val="tx1"/>
+          </a:fontRef>
+        </p:style>
+      </p:cxnSp>
+      <p:sp>
+        <p:nvSpPr>
+          <p:cNvPr id="17" name="Flowchart: Summing Junction 167">
+            <a:extLst>
+              <a:ext uri="{FF2B5EF4-FFF2-40B4-BE49-F238E27FC236}">
+                <a16:creationId xmlns:a16="http://schemas.microsoft.com/office/drawing/2014/main" id="{C2F35C7E-B7F8-FFB2-2C22-C4D4F3F19AE9}"/>
+              </a:ext>
+            </a:extLst>
+          </p:cNvPr>
+          <p:cNvSpPr/>
+          <p:nvPr/>
+        </p:nvSpPr>
+        <p:spPr>
+          <a:xfrm>
+            <a:off x="2839809" y="3147575"/>
+            <a:ext cx="144000" cy="144000"/>
+          </a:xfrm>
+          <a:prstGeom prst="flowChartSummingJunction">
+            <a:avLst/>
+          </a:prstGeom>
+          <a:solidFill>
+            <a:schemeClr val="bg1"/>
+          </a:solidFill>
+        </p:spPr>
+        <p:style>
+          <a:lnRef idx="2">
+            <a:schemeClr val="accent1">
+              <a:shade val="15000"/>
+            </a:schemeClr>
+          </a:lnRef>
+          <a:fillRef idx="1">
+            <a:schemeClr val="accent1"/>
+          </a:fillRef>
+          <a:effectRef idx="0">
+            <a:schemeClr val="accent1"/>
+          </a:effectRef>
+          <a:fontRef idx="minor">
+            <a:schemeClr val="lt1"/>
+          </a:fontRef>
+        </p:style>
+        <p:txBody>
+          <a:bodyPr rtlCol="0" anchor="ctr"/>
+          <a:lstStyle/>
+          <a:p>
+            <a:pPr algn="ctr"/>
+            <a:endParaRPr lang="en-US"/>
+          </a:p>
+        </p:txBody>
+      </p:sp>
+      <p:cxnSp>
+        <p:nvCxnSpPr>
+          <p:cNvPr id="22" name="直线连接符 21">
+            <a:extLst>
+              <a:ext uri="{FF2B5EF4-FFF2-40B4-BE49-F238E27FC236}">
+                <a16:creationId xmlns:a16="http://schemas.microsoft.com/office/drawing/2014/main" id="{208197F6-904A-CBE6-CCC3-9AEFFD3C91BF}"/>
+              </a:ext>
+            </a:extLst>
+          </p:cNvPr>
+          <p:cNvCxnSpPr>
+            <a:cxnSpLocks/>
+          </p:cNvCxnSpPr>
+          <p:nvPr/>
+        </p:nvCxnSpPr>
+        <p:spPr>
+          <a:xfrm>
+            <a:off x="3418114" y="2702999"/>
+            <a:ext cx="0" cy="511085"/>
+          </a:xfrm>
+          <a:prstGeom prst="line">
+            <a:avLst/>
+          </a:prstGeom>
+        </p:spPr>
+        <p:style>
+          <a:lnRef idx="2">
+            <a:schemeClr val="accent1"/>
+          </a:lnRef>
+          <a:fillRef idx="0">
+            <a:schemeClr val="accent1"/>
+          </a:fillRef>
+          <a:effectRef idx="1">
+            <a:schemeClr val="accent1"/>
+          </a:effectRef>
+          <a:fontRef idx="minor">
+            <a:schemeClr val="tx1"/>
+          </a:fontRef>
+        </p:style>
+      </p:cxnSp>
+      <p:sp>
+        <p:nvSpPr>
+          <p:cNvPr id="25" name="椭圆 24">
+            <a:extLst>
+              <a:ext uri="{FF2B5EF4-FFF2-40B4-BE49-F238E27FC236}">
+                <a16:creationId xmlns:a16="http://schemas.microsoft.com/office/drawing/2014/main" id="{0E38F38F-7F7B-AFD3-5AA5-BBDD0102116A}"/>
+              </a:ext>
+            </a:extLst>
+          </p:cNvPr>
+          <p:cNvSpPr/>
+          <p:nvPr/>
+        </p:nvSpPr>
+        <p:spPr>
+          <a:xfrm>
+            <a:off x="3395254" y="3196506"/>
+            <a:ext cx="45719" cy="45719"/>
+          </a:xfrm>
+          <a:prstGeom prst="ellipse">
+            <a:avLst/>
+          </a:prstGeom>
+        </p:spPr>
+        <p:style>
+          <a:lnRef idx="2">
+            <a:schemeClr val="accent1">
+              <a:shade val="15000"/>
+            </a:schemeClr>
+          </a:lnRef>
+          <a:fillRef idx="1">
+            <a:schemeClr val="accent1"/>
+          </a:fillRef>
+          <a:effectRef idx="0">
+            <a:schemeClr val="accent1"/>
+          </a:effectRef>
+          <a:fontRef idx="minor">
+            <a:schemeClr val="lt1"/>
+          </a:fontRef>
+        </p:style>
+        <p:txBody>
+          <a:bodyPr rtlCol="0" anchor="ctr"/>
+          <a:lstStyle/>
+          <a:p>
+            <a:pPr algn="ctr"/>
+            <a:endParaRPr kumimoji="1" lang="zh-CN" altLang="en-US"/>
+          </a:p>
+        </p:txBody>
+      </p:sp>
+      <p:sp>
+        <p:nvSpPr>
+          <p:cNvPr id="26" name="矩形 25">
+            <a:extLst>
+              <a:ext uri="{FF2B5EF4-FFF2-40B4-BE49-F238E27FC236}">
+                <a16:creationId xmlns:a16="http://schemas.microsoft.com/office/drawing/2014/main" id="{1EC8091E-00E1-0FC1-2BBD-15695C5B6A54}"/>
+              </a:ext>
+            </a:extLst>
+          </p:cNvPr>
+          <p:cNvSpPr/>
+          <p:nvPr/>
+        </p:nvSpPr>
+        <p:spPr>
+          <a:xfrm>
+            <a:off x="6096000" y="1690138"/>
+            <a:ext cx="914400" cy="2510118"/>
+          </a:xfrm>
+          <a:prstGeom prst="rect">
+            <a:avLst/>
+          </a:prstGeom>
+        </p:spPr>
+        <p:style>
+          <a:lnRef idx="2">
+            <a:schemeClr val="accent1">
+              <a:shade val="15000"/>
+            </a:schemeClr>
+          </a:lnRef>
+          <a:fillRef idx="1">
+            <a:schemeClr val="accent1"/>
+          </a:fillRef>
+          <a:effectRef idx="0">
+            <a:schemeClr val="accent1"/>
+          </a:effectRef>
+          <a:fontRef idx="minor">
+            <a:schemeClr val="lt1"/>
+          </a:fontRef>
+        </p:style>
+        <p:txBody>
+          <a:bodyPr rtlCol="0" anchor="ctr"/>
+          <a:lstStyle/>
+          <a:p>
+            <a:pPr algn="ctr"/>
+            <a:r>
+              <a:rPr kumimoji="1" lang="zh-CN" altLang="en-US" dirty="0"/>
+              <a:t>时钟</a:t>
+            </a:r>
+            <a:endParaRPr kumimoji="1" lang="en-US" altLang="zh-CN" dirty="0"/>
+          </a:p>
+          <a:p>
+            <a:pPr algn="ctr"/>
+            <a:r>
+              <a:rPr kumimoji="1" lang="zh-CN" altLang="en-US" dirty="0"/>
+              <a:t>分频</a:t>
+            </a:r>
+            <a:endParaRPr kumimoji="1" lang="en-US" altLang="zh-CN" dirty="0"/>
+          </a:p>
+          <a:p>
+            <a:pPr algn="ctr"/>
+            <a:r>
+              <a:rPr kumimoji="1" lang="zh-CN" altLang="en-US" dirty="0"/>
+              <a:t>逻辑</a:t>
+            </a:r>
+          </a:p>
+        </p:txBody>
+      </p:sp>
+      <p:sp>
+        <p:nvSpPr>
+          <p:cNvPr id="27" name="圆角矩形 26">
+            <a:extLst>
+              <a:ext uri="{FF2B5EF4-FFF2-40B4-BE49-F238E27FC236}">
+                <a16:creationId xmlns:a16="http://schemas.microsoft.com/office/drawing/2014/main" id="{0B310C3D-ABF5-D5B6-F534-98B717A22853}"/>
+              </a:ext>
+            </a:extLst>
+          </p:cNvPr>
+          <p:cNvSpPr/>
+          <p:nvPr/>
+        </p:nvSpPr>
+        <p:spPr>
+          <a:xfrm>
+            <a:off x="9170892" y="1690138"/>
+            <a:ext cx="851647" cy="537883"/>
+          </a:xfrm>
+          <a:prstGeom prst="roundRect">
+            <a:avLst/>
+          </a:prstGeom>
+        </p:spPr>
+        <p:style>
+          <a:lnRef idx="2">
+            <a:schemeClr val="accent5">
+              <a:shade val="15000"/>
+            </a:schemeClr>
+          </a:lnRef>
+          <a:fillRef idx="1">
+            <a:schemeClr val="accent5"/>
+          </a:fillRef>
+          <a:effectRef idx="0">
+            <a:schemeClr val="accent5"/>
+          </a:effectRef>
+          <a:fontRef idx="minor">
+            <a:schemeClr val="lt1"/>
+          </a:fontRef>
+        </p:style>
+        <p:txBody>
+          <a:bodyPr rtlCol="0" anchor="ctr"/>
+          <a:lstStyle/>
+          <a:p>
+            <a:pPr algn="ctr"/>
+            <a:r>
+              <a:rPr kumimoji="1" lang="zh-CN" altLang="en-US" dirty="0"/>
+              <a:t>模块</a:t>
+            </a:r>
+            <a:r>
+              <a:rPr kumimoji="1" lang="en-US" altLang="zh-CN" dirty="0"/>
+              <a:t>A</a:t>
+            </a:r>
+            <a:endParaRPr kumimoji="1" lang="zh-CN" altLang="en-US" dirty="0"/>
+          </a:p>
+        </p:txBody>
+      </p:sp>
+      <p:sp>
+        <p:nvSpPr>
+          <p:cNvPr id="28" name="圆角矩形 27">
+            <a:extLst>
+              <a:ext uri="{FF2B5EF4-FFF2-40B4-BE49-F238E27FC236}">
+                <a16:creationId xmlns:a16="http://schemas.microsoft.com/office/drawing/2014/main" id="{4FFEBAE4-2295-A588-51A4-20A1280BB874}"/>
+              </a:ext>
+            </a:extLst>
+          </p:cNvPr>
+          <p:cNvSpPr/>
+          <p:nvPr/>
+        </p:nvSpPr>
+        <p:spPr>
+          <a:xfrm>
+            <a:off x="9170892" y="2376319"/>
+            <a:ext cx="851647" cy="537883"/>
+          </a:xfrm>
+          <a:prstGeom prst="roundRect">
+            <a:avLst/>
+          </a:prstGeom>
+        </p:spPr>
+        <p:style>
+          <a:lnRef idx="2">
+            <a:schemeClr val="accent5">
+              <a:shade val="15000"/>
+            </a:schemeClr>
+          </a:lnRef>
+          <a:fillRef idx="1">
+            <a:schemeClr val="accent5"/>
+          </a:fillRef>
+          <a:effectRef idx="0">
+            <a:schemeClr val="accent5"/>
+          </a:effectRef>
+          <a:fontRef idx="minor">
+            <a:schemeClr val="lt1"/>
+          </a:fontRef>
+        </p:style>
+        <p:txBody>
+          <a:bodyPr rtlCol="0" anchor="ctr"/>
+          <a:lstStyle/>
+          <a:p>
+            <a:pPr algn="ctr"/>
+            <a:r>
+              <a:rPr kumimoji="1" lang="zh-CN" altLang="en-US" dirty="0"/>
+              <a:t>模块</a:t>
+            </a:r>
+            <a:r>
+              <a:rPr kumimoji="1" lang="en-US" altLang="zh-CN" dirty="0"/>
+              <a:t>B</a:t>
+            </a:r>
+            <a:endParaRPr kumimoji="1" lang="zh-CN" altLang="en-US" dirty="0"/>
+          </a:p>
+        </p:txBody>
+      </p:sp>
+      <p:sp>
+        <p:nvSpPr>
+          <p:cNvPr id="30" name="圆角矩形 29">
+            <a:extLst>
+              <a:ext uri="{FF2B5EF4-FFF2-40B4-BE49-F238E27FC236}">
+                <a16:creationId xmlns:a16="http://schemas.microsoft.com/office/drawing/2014/main" id="{86C8C6FD-F76A-C0E9-1C04-4A6025AAF268}"/>
+              </a:ext>
+            </a:extLst>
+          </p:cNvPr>
+          <p:cNvSpPr/>
+          <p:nvPr/>
+        </p:nvSpPr>
+        <p:spPr>
+          <a:xfrm>
+            <a:off x="9170892" y="3662373"/>
+            <a:ext cx="851647" cy="537883"/>
+          </a:xfrm>
+          <a:prstGeom prst="roundRect">
+            <a:avLst/>
+          </a:prstGeom>
+        </p:spPr>
+        <p:style>
+          <a:lnRef idx="2">
+            <a:schemeClr val="accent5">
+              <a:shade val="15000"/>
+            </a:schemeClr>
+          </a:lnRef>
+          <a:fillRef idx="1">
+            <a:schemeClr val="accent5"/>
+          </a:fillRef>
+          <a:effectRef idx="0">
+            <a:schemeClr val="accent5"/>
+          </a:effectRef>
+          <a:fontRef idx="minor">
+            <a:schemeClr val="lt1"/>
+          </a:fontRef>
+        </p:style>
+        <p:txBody>
+          <a:bodyPr rtlCol="0" anchor="ctr"/>
+          <a:lstStyle/>
+          <a:p>
+            <a:pPr algn="ctr"/>
+            <a:r>
+              <a:rPr kumimoji="1" lang="zh-CN" altLang="en-US" dirty="0"/>
+              <a:t>模块</a:t>
+            </a:r>
+            <a:r>
+              <a:rPr kumimoji="1" lang="en-US" altLang="zh-CN" dirty="0"/>
+              <a:t>A</a:t>
+            </a:r>
+            <a:endParaRPr kumimoji="1" lang="zh-CN" altLang="en-US" dirty="0"/>
+          </a:p>
+        </p:txBody>
+      </p:sp>
+      <p:sp>
+        <p:nvSpPr>
+          <p:cNvPr id="31" name="椭圆 30">
+            <a:extLst>
+              <a:ext uri="{FF2B5EF4-FFF2-40B4-BE49-F238E27FC236}">
+                <a16:creationId xmlns:a16="http://schemas.microsoft.com/office/drawing/2014/main" id="{5184D1DD-2F8A-6DBA-90C8-300A8C5454EF}"/>
+              </a:ext>
+            </a:extLst>
+          </p:cNvPr>
+          <p:cNvSpPr/>
+          <p:nvPr/>
+        </p:nvSpPr>
+        <p:spPr>
+          <a:xfrm>
+            <a:off x="7994678" y="1690138"/>
+            <a:ext cx="540000" cy="540000"/>
+          </a:xfrm>
+          <a:prstGeom prst="ellipse">
+            <a:avLst/>
+          </a:prstGeom>
+        </p:spPr>
+        <p:style>
+          <a:lnRef idx="2">
+            <a:schemeClr val="accent4">
+              <a:shade val="15000"/>
+            </a:schemeClr>
+          </a:lnRef>
+          <a:fillRef idx="1">
+            <a:schemeClr val="accent4"/>
+          </a:fillRef>
+          <a:effectRef idx="0">
+            <a:schemeClr val="accent4"/>
+          </a:effectRef>
+          <a:fontRef idx="minor">
+            <a:schemeClr val="lt1"/>
+          </a:fontRef>
+        </p:style>
+        <p:txBody>
+          <a:bodyPr rtlCol="0" anchor="ctr"/>
+          <a:lstStyle/>
+          <a:p>
+            <a:pPr algn="ctr"/>
+            <a:endParaRPr kumimoji="1" lang="zh-CN" altLang="en-US" sz="1200" dirty="0"/>
+          </a:p>
+        </p:txBody>
+      </p:sp>
+      <p:sp>
+        <p:nvSpPr>
+          <p:cNvPr id="32" name="文本框 31">
+            <a:extLst>
+              <a:ext uri="{FF2B5EF4-FFF2-40B4-BE49-F238E27FC236}">
+                <a16:creationId xmlns:a16="http://schemas.microsoft.com/office/drawing/2014/main" id="{16F1111A-CB0E-BBFD-CCDB-084CC360EE4F}"/>
+              </a:ext>
+            </a:extLst>
+          </p:cNvPr>
+          <p:cNvSpPr txBox="1"/>
+          <p:nvPr/>
+        </p:nvSpPr>
+        <p:spPr>
+          <a:xfrm>
+            <a:off x="7951932" y="1766629"/>
+            <a:ext cx="625492" cy="369332"/>
+          </a:xfrm>
+          <a:prstGeom prst="rect">
+            <a:avLst/>
+          </a:prstGeom>
+          <a:noFill/>
+        </p:spPr>
+        <p:txBody>
+          <a:bodyPr wrap="none" rtlCol="0">
+            <a:spAutoFit/>
+          </a:bodyPr>
+          <a:lstStyle/>
+          <a:p>
+            <a:r>
+              <a:rPr kumimoji="1" lang="en-US" altLang="zh-CN" dirty="0">
+                <a:solidFill>
+                  <a:schemeClr val="bg1"/>
+                </a:solidFill>
+              </a:rPr>
+              <a:t>CGC</a:t>
+            </a:r>
+            <a:endParaRPr kumimoji="1" lang="zh-CN" altLang="en-US" dirty="0">
+              <a:solidFill>
+                <a:schemeClr val="bg1"/>
+              </a:solidFill>
+            </a:endParaRPr>
+          </a:p>
+        </p:txBody>
+      </p:sp>
+      <p:sp>
+        <p:nvSpPr>
+          <p:cNvPr id="33" name="椭圆 32">
+            <a:extLst>
+              <a:ext uri="{FF2B5EF4-FFF2-40B4-BE49-F238E27FC236}">
+                <a16:creationId xmlns:a16="http://schemas.microsoft.com/office/drawing/2014/main" id="{ECAD8674-12BF-A2D8-4728-775BF157B1A4}"/>
+              </a:ext>
+            </a:extLst>
+          </p:cNvPr>
+          <p:cNvSpPr/>
+          <p:nvPr/>
+        </p:nvSpPr>
+        <p:spPr>
+          <a:xfrm>
+            <a:off x="7994678" y="3661514"/>
+            <a:ext cx="540000" cy="540000"/>
+          </a:xfrm>
+          <a:prstGeom prst="ellipse">
+            <a:avLst/>
+          </a:prstGeom>
+        </p:spPr>
+        <p:style>
+          <a:lnRef idx="2">
+            <a:schemeClr val="accent4">
+              <a:shade val="15000"/>
+            </a:schemeClr>
+          </a:lnRef>
+          <a:fillRef idx="1">
+            <a:schemeClr val="accent4"/>
+          </a:fillRef>
+          <a:effectRef idx="0">
+            <a:schemeClr val="accent4"/>
+          </a:effectRef>
+          <a:fontRef idx="minor">
+            <a:schemeClr val="lt1"/>
+          </a:fontRef>
+        </p:style>
+        <p:txBody>
+          <a:bodyPr rtlCol="0" anchor="ctr"/>
+          <a:lstStyle/>
+          <a:p>
+            <a:pPr algn="ctr"/>
+            <a:endParaRPr kumimoji="1" lang="zh-CN" altLang="en-US" sz="1200" dirty="0"/>
+          </a:p>
+        </p:txBody>
+      </p:sp>
+      <p:sp>
+        <p:nvSpPr>
+          <p:cNvPr id="34" name="文本框 33">
+            <a:extLst>
+              <a:ext uri="{FF2B5EF4-FFF2-40B4-BE49-F238E27FC236}">
+                <a16:creationId xmlns:a16="http://schemas.microsoft.com/office/drawing/2014/main" id="{A370DEAB-9749-18F0-18E2-BB6A56346B63}"/>
+              </a:ext>
+            </a:extLst>
+          </p:cNvPr>
+          <p:cNvSpPr txBox="1"/>
+          <p:nvPr/>
+        </p:nvSpPr>
+        <p:spPr>
+          <a:xfrm>
+            <a:off x="7951932" y="3745790"/>
+            <a:ext cx="625492" cy="369332"/>
+          </a:xfrm>
+          <a:prstGeom prst="rect">
+            <a:avLst/>
+          </a:prstGeom>
+          <a:noFill/>
+        </p:spPr>
+        <p:txBody>
+          <a:bodyPr wrap="none" rtlCol="0">
+            <a:spAutoFit/>
+          </a:bodyPr>
+          <a:lstStyle/>
+          <a:p>
+            <a:r>
+              <a:rPr kumimoji="1" lang="en-US" altLang="zh-CN" dirty="0">
+                <a:solidFill>
+                  <a:schemeClr val="bg1"/>
+                </a:solidFill>
+              </a:rPr>
+              <a:t>CGC</a:t>
+            </a:r>
+            <a:endParaRPr kumimoji="1" lang="zh-CN" altLang="en-US" dirty="0">
+              <a:solidFill>
+                <a:schemeClr val="bg1"/>
+              </a:solidFill>
+            </a:endParaRPr>
+          </a:p>
+        </p:txBody>
+      </p:sp>
+      <p:cxnSp>
+        <p:nvCxnSpPr>
+          <p:cNvPr id="36" name="直线箭头连接符 35">
+            <a:extLst>
+              <a:ext uri="{FF2B5EF4-FFF2-40B4-BE49-F238E27FC236}">
+                <a16:creationId xmlns:a16="http://schemas.microsoft.com/office/drawing/2014/main" id="{E7050415-6EE5-A9B5-2415-B453DBE73814}"/>
+              </a:ext>
+            </a:extLst>
+          </p:cNvPr>
+          <p:cNvCxnSpPr>
+            <a:cxnSpLocks/>
+            <a:stCxn id="31" idx="6"/>
+            <a:endCxn id="27" idx="1"/>
+          </p:cNvCxnSpPr>
+          <p:nvPr/>
+        </p:nvCxnSpPr>
+        <p:spPr>
+          <a:xfrm flipV="1">
+            <a:off x="8534678" y="1959080"/>
+            <a:ext cx="636214" cy="1058"/>
+          </a:xfrm>
+          <a:prstGeom prst="straightConnector1">
+            <a:avLst/>
+          </a:prstGeom>
+          <a:ln>
+            <a:tailEnd type="triangle"/>
+          </a:ln>
+        </p:spPr>
+        <p:style>
+          <a:lnRef idx="2">
+            <a:schemeClr val="accent1"/>
+          </a:lnRef>
+          <a:fillRef idx="0">
+            <a:schemeClr val="accent1"/>
+          </a:fillRef>
+          <a:effectRef idx="1">
+            <a:schemeClr val="accent1"/>
+          </a:effectRef>
+          <a:fontRef idx="minor">
+            <a:schemeClr val="tx1"/>
+          </a:fontRef>
+        </p:style>
+      </p:cxnSp>
+      <p:cxnSp>
+        <p:nvCxnSpPr>
+          <p:cNvPr id="41" name="直线箭头连接符 40">
+            <a:extLst>
+              <a:ext uri="{FF2B5EF4-FFF2-40B4-BE49-F238E27FC236}">
+                <a16:creationId xmlns:a16="http://schemas.microsoft.com/office/drawing/2014/main" id="{FF7358E1-3116-B38D-DDBD-9BDEC4A6525F}"/>
+              </a:ext>
+            </a:extLst>
+          </p:cNvPr>
+          <p:cNvCxnSpPr>
+            <a:cxnSpLocks/>
+          </p:cNvCxnSpPr>
+          <p:nvPr/>
+        </p:nvCxnSpPr>
+        <p:spPr>
+          <a:xfrm flipV="1">
+            <a:off x="8542742" y="3921614"/>
+            <a:ext cx="636214" cy="1058"/>
+          </a:xfrm>
+          <a:prstGeom prst="straightConnector1">
+            <a:avLst/>
+          </a:prstGeom>
+          <a:ln>
+            <a:tailEnd type="triangle"/>
+          </a:ln>
+        </p:spPr>
+        <p:style>
+          <a:lnRef idx="2">
+            <a:schemeClr val="accent1"/>
+          </a:lnRef>
+          <a:fillRef idx="0">
+            <a:schemeClr val="accent1"/>
+          </a:fillRef>
+          <a:effectRef idx="1">
+            <a:schemeClr val="accent1"/>
+          </a:effectRef>
+          <a:fontRef idx="minor">
+            <a:schemeClr val="tx1"/>
+          </a:fontRef>
+        </p:style>
+      </p:cxnSp>
+      <p:cxnSp>
+        <p:nvCxnSpPr>
+          <p:cNvPr id="42" name="直线连接符 41">
+            <a:extLst>
+              <a:ext uri="{FF2B5EF4-FFF2-40B4-BE49-F238E27FC236}">
+                <a16:creationId xmlns:a16="http://schemas.microsoft.com/office/drawing/2014/main" id="{0DB6AA4B-DF38-DF01-20D0-7EE786B39512}"/>
+              </a:ext>
+            </a:extLst>
+          </p:cNvPr>
+          <p:cNvCxnSpPr>
+            <a:cxnSpLocks/>
+            <a:endCxn id="31" idx="2"/>
+          </p:cNvCxnSpPr>
+          <p:nvPr/>
+        </p:nvCxnSpPr>
+        <p:spPr>
+          <a:xfrm>
+            <a:off x="7010400" y="1959079"/>
+            <a:ext cx="984278" cy="1059"/>
+          </a:xfrm>
+          <a:prstGeom prst="line">
+            <a:avLst/>
+          </a:prstGeom>
+        </p:spPr>
+        <p:style>
+          <a:lnRef idx="2">
+            <a:schemeClr val="accent1"/>
+          </a:lnRef>
+          <a:fillRef idx="0">
+            <a:schemeClr val="accent1"/>
+          </a:fillRef>
+          <a:effectRef idx="1">
+            <a:schemeClr val="accent1"/>
+          </a:effectRef>
+          <a:fontRef idx="minor">
+            <a:schemeClr val="tx1"/>
+          </a:fontRef>
+        </p:style>
+      </p:cxnSp>
+      <p:cxnSp>
+        <p:nvCxnSpPr>
+          <p:cNvPr id="45" name="直线连接符 44">
+            <a:extLst>
+              <a:ext uri="{FF2B5EF4-FFF2-40B4-BE49-F238E27FC236}">
+                <a16:creationId xmlns:a16="http://schemas.microsoft.com/office/drawing/2014/main" id="{119E51C4-4D97-B8E4-A2F0-AE0CF01990C0}"/>
+              </a:ext>
+            </a:extLst>
+          </p:cNvPr>
+          <p:cNvCxnSpPr>
+            <a:cxnSpLocks/>
+          </p:cNvCxnSpPr>
+          <p:nvPr/>
+        </p:nvCxnSpPr>
+        <p:spPr>
+          <a:xfrm>
+            <a:off x="7002336" y="3930456"/>
+            <a:ext cx="984278" cy="1059"/>
+          </a:xfrm>
+          <a:prstGeom prst="line">
+            <a:avLst/>
+          </a:prstGeom>
+        </p:spPr>
+        <p:style>
+          <a:lnRef idx="2">
+            <a:schemeClr val="accent1"/>
+          </a:lnRef>
+          <a:fillRef idx="0">
+            <a:schemeClr val="accent1"/>
+          </a:fillRef>
+          <a:effectRef idx="1">
+            <a:schemeClr val="accent1"/>
+          </a:effectRef>
+          <a:fontRef idx="minor">
+            <a:schemeClr val="tx1"/>
+          </a:fontRef>
+        </p:style>
+      </p:cxnSp>
+      <p:cxnSp>
+        <p:nvCxnSpPr>
+          <p:cNvPr id="46" name="直线箭头连接符 45">
+            <a:extLst>
+              <a:ext uri="{FF2B5EF4-FFF2-40B4-BE49-F238E27FC236}">
+                <a16:creationId xmlns:a16="http://schemas.microsoft.com/office/drawing/2014/main" id="{543DCB49-BE57-A289-3AE6-7F14D508C6E5}"/>
+              </a:ext>
+            </a:extLst>
+          </p:cNvPr>
+          <p:cNvCxnSpPr>
+            <a:cxnSpLocks/>
+          </p:cNvCxnSpPr>
+          <p:nvPr/>
+        </p:nvCxnSpPr>
+        <p:spPr>
+          <a:xfrm flipV="1">
+            <a:off x="7010400" y="2644202"/>
+            <a:ext cx="2160492" cy="1058"/>
+          </a:xfrm>
+          <a:prstGeom prst="straightConnector1">
+            <a:avLst/>
+          </a:prstGeom>
+          <a:ln>
+            <a:tailEnd type="triangle"/>
+          </a:ln>
+        </p:spPr>
+        <p:style>
+          <a:lnRef idx="2">
+            <a:schemeClr val="accent1"/>
+          </a:lnRef>
+          <a:fillRef idx="0">
+            <a:schemeClr val="accent1"/>
+          </a:fillRef>
+          <a:effectRef idx="1">
+            <a:schemeClr val="accent1"/>
+          </a:effectRef>
+          <a:fontRef idx="minor">
+            <a:schemeClr val="tx1"/>
+          </a:fontRef>
+        </p:style>
+      </p:cxnSp>
+      <p:cxnSp>
+        <p:nvCxnSpPr>
+          <p:cNvPr id="49" name="直线连接符 48">
+            <a:extLst>
+              <a:ext uri="{FF2B5EF4-FFF2-40B4-BE49-F238E27FC236}">
+                <a16:creationId xmlns:a16="http://schemas.microsoft.com/office/drawing/2014/main" id="{BA38BAC7-241A-A19B-7627-A3971292AA7D}"/>
+              </a:ext>
+            </a:extLst>
+          </p:cNvPr>
+          <p:cNvCxnSpPr>
+            <a:cxnSpLocks/>
+            <a:stCxn id="12" idx="0"/>
+            <a:endCxn id="26" idx="1"/>
+          </p:cNvCxnSpPr>
+          <p:nvPr/>
+        </p:nvCxnSpPr>
+        <p:spPr>
+          <a:xfrm flipV="1">
+            <a:off x="5404574" y="2945197"/>
+            <a:ext cx="691426" cy="1"/>
+          </a:xfrm>
+          <a:prstGeom prst="line">
+            <a:avLst/>
+          </a:prstGeom>
+        </p:spPr>
+        <p:style>
+          <a:lnRef idx="2">
+            <a:schemeClr val="accent1"/>
+          </a:lnRef>
+          <a:fillRef idx="0">
+            <a:schemeClr val="accent1"/>
+          </a:fillRef>
+          <a:effectRef idx="1">
+            <a:schemeClr val="accent1"/>
+          </a:effectRef>
+          <a:fontRef idx="minor">
+            <a:schemeClr val="tx1"/>
+          </a:fontRef>
+        </p:style>
+      </p:cxnSp>
+      <p:cxnSp>
+        <p:nvCxnSpPr>
+          <p:cNvPr id="52" name="直线箭头连接符 51">
+            <a:extLst>
+              <a:ext uri="{FF2B5EF4-FFF2-40B4-BE49-F238E27FC236}">
+                <a16:creationId xmlns:a16="http://schemas.microsoft.com/office/drawing/2014/main" id="{AAFD9DC9-9750-FD16-83C0-942CFB773CC4}"/>
+              </a:ext>
+            </a:extLst>
+          </p:cNvPr>
+          <p:cNvCxnSpPr>
+            <a:cxnSpLocks/>
+          </p:cNvCxnSpPr>
+          <p:nvPr/>
+        </p:nvCxnSpPr>
+        <p:spPr>
+          <a:xfrm flipV="1">
+            <a:off x="7010400" y="3296000"/>
+            <a:ext cx="2160492" cy="1058"/>
+          </a:xfrm>
+          <a:prstGeom prst="straightConnector1">
+            <a:avLst/>
+          </a:prstGeom>
+          <a:ln>
+            <a:tailEnd type="triangle"/>
+          </a:ln>
+        </p:spPr>
+        <p:style>
+          <a:lnRef idx="2">
+            <a:schemeClr val="accent1"/>
+          </a:lnRef>
+          <a:fillRef idx="0">
+            <a:schemeClr val="accent1"/>
+          </a:fillRef>
+          <a:effectRef idx="1">
+            <a:schemeClr val="accent1"/>
+          </a:effectRef>
+          <a:fontRef idx="minor">
+            <a:schemeClr val="tx1"/>
+          </a:fontRef>
+        </p:style>
+      </p:cxnSp>
+      <p:sp>
+        <p:nvSpPr>
+          <p:cNvPr id="53" name="TextBox 68">
+            <a:extLst>
+              <a:ext uri="{FF2B5EF4-FFF2-40B4-BE49-F238E27FC236}">
+                <a16:creationId xmlns:a16="http://schemas.microsoft.com/office/drawing/2014/main" id="{354711DA-5A11-D824-8C65-5B60BFEB0696}"/>
+              </a:ext>
+            </a:extLst>
+          </p:cNvPr>
+          <p:cNvSpPr txBox="1"/>
+          <p:nvPr/>
+        </p:nvSpPr>
+        <p:spPr>
+          <a:xfrm>
+            <a:off x="9930779" y="1246657"/>
+            <a:ext cx="617477" cy="369332"/>
+          </a:xfrm>
+          <a:prstGeom prst="rect">
+            <a:avLst/>
+          </a:prstGeom>
+          <a:noFill/>
+        </p:spPr>
+        <p:txBody>
+          <a:bodyPr wrap="none" rtlCol="0">
+            <a:spAutoFit/>
+          </a:bodyPr>
+          <a:lstStyle/>
+          <a:p>
+            <a:r>
+              <a:rPr lang="en-US" dirty="0"/>
+              <a:t>DUT</a:t>
+            </a:r>
+          </a:p>
+        </p:txBody>
+      </p:sp>
+    </p:spTree>
+    <p:extLst>
+      <p:ext uri="{BB962C8B-B14F-4D97-AF65-F5344CB8AC3E}">
+        <p14:creationId xmlns:p14="http://schemas.microsoft.com/office/powerpoint/2010/main" val="4287004451"/>
       </p:ext>
     </p:extLst>
   </p:cSld>

--- a/_posts/静态时序分析笔记/静态时序分析笔记pptx.pptx
+++ b/_posts/静态时序分析笔记/静态时序分析笔记pptx.pptx
@@ -23,6 +23,7 @@
     <p:sldId id="271" r:id="rId17"/>
     <p:sldId id="272" r:id="rId18"/>
     <p:sldId id="273" r:id="rId19"/>
+    <p:sldId id="274" r:id="rId20"/>
   </p:sldIdLst>
   <p:sldSz cx="12192000" cy="6858000"/>
   <p:notesSz cx="6858000" cy="9144000"/>
@@ -4926,7 +4927,7 @@
           <a:p>
             <a:fld id="{756B7610-9FAA-DC43-80F9-3155B1E839C7}" type="datetimeFigureOut">
               <a:rPr kumimoji="1" lang="zh-CN" altLang="en-US" smtClean="0"/>
-              <a:t>2025/2/20</a:t>
+              <a:t>2025/2/23</a:t>
             </a:fld>
             <a:endParaRPr kumimoji="1" lang="zh-CN" altLang="en-US"/>
           </a:p>
@@ -5124,7 +5125,7 @@
           <a:p>
             <a:fld id="{756B7610-9FAA-DC43-80F9-3155B1E839C7}" type="datetimeFigureOut">
               <a:rPr kumimoji="1" lang="zh-CN" altLang="en-US" smtClean="0"/>
-              <a:t>2025/2/20</a:t>
+              <a:t>2025/2/23</a:t>
             </a:fld>
             <a:endParaRPr kumimoji="1" lang="zh-CN" altLang="en-US"/>
           </a:p>
@@ -5332,7 +5333,7 @@
           <a:p>
             <a:fld id="{756B7610-9FAA-DC43-80F9-3155B1E839C7}" type="datetimeFigureOut">
               <a:rPr kumimoji="1" lang="zh-CN" altLang="en-US" smtClean="0"/>
-              <a:t>2025/2/20</a:t>
+              <a:t>2025/2/23</a:t>
             </a:fld>
             <a:endParaRPr kumimoji="1" lang="zh-CN" altLang="en-US"/>
           </a:p>
@@ -5530,7 +5531,7 @@
           <a:p>
             <a:fld id="{756B7610-9FAA-DC43-80F9-3155B1E839C7}" type="datetimeFigureOut">
               <a:rPr kumimoji="1" lang="zh-CN" altLang="en-US" smtClean="0"/>
-              <a:t>2025/2/20</a:t>
+              <a:t>2025/2/23</a:t>
             </a:fld>
             <a:endParaRPr kumimoji="1" lang="zh-CN" altLang="en-US"/>
           </a:p>
@@ -5805,7 +5806,7 @@
           <a:p>
             <a:fld id="{756B7610-9FAA-DC43-80F9-3155B1E839C7}" type="datetimeFigureOut">
               <a:rPr kumimoji="1" lang="zh-CN" altLang="en-US" smtClean="0"/>
-              <a:t>2025/2/20</a:t>
+              <a:t>2025/2/23</a:t>
             </a:fld>
             <a:endParaRPr kumimoji="1" lang="zh-CN" altLang="en-US"/>
           </a:p>
@@ -6070,7 +6071,7 @@
           <a:p>
             <a:fld id="{756B7610-9FAA-DC43-80F9-3155B1E839C7}" type="datetimeFigureOut">
               <a:rPr kumimoji="1" lang="zh-CN" altLang="en-US" smtClean="0"/>
-              <a:t>2025/2/20</a:t>
+              <a:t>2025/2/23</a:t>
             </a:fld>
             <a:endParaRPr kumimoji="1" lang="zh-CN" altLang="en-US"/>
           </a:p>
@@ -6482,7 +6483,7 @@
           <a:p>
             <a:fld id="{756B7610-9FAA-DC43-80F9-3155B1E839C7}" type="datetimeFigureOut">
               <a:rPr kumimoji="1" lang="zh-CN" altLang="en-US" smtClean="0"/>
-              <a:t>2025/2/20</a:t>
+              <a:t>2025/2/23</a:t>
             </a:fld>
             <a:endParaRPr kumimoji="1" lang="zh-CN" altLang="en-US"/>
           </a:p>
@@ -6623,7 +6624,7 @@
           <a:p>
             <a:fld id="{756B7610-9FAA-DC43-80F9-3155B1E839C7}" type="datetimeFigureOut">
               <a:rPr kumimoji="1" lang="zh-CN" altLang="en-US" smtClean="0"/>
-              <a:t>2025/2/20</a:t>
+              <a:t>2025/2/23</a:t>
             </a:fld>
             <a:endParaRPr kumimoji="1" lang="zh-CN" altLang="en-US"/>
           </a:p>
@@ -6736,7 +6737,7 @@
           <a:p>
             <a:fld id="{756B7610-9FAA-DC43-80F9-3155B1E839C7}" type="datetimeFigureOut">
               <a:rPr kumimoji="1" lang="zh-CN" altLang="en-US" smtClean="0"/>
-              <a:t>2025/2/20</a:t>
+              <a:t>2025/2/23</a:t>
             </a:fld>
             <a:endParaRPr kumimoji="1" lang="zh-CN" altLang="en-US"/>
           </a:p>
@@ -7047,7 +7048,7 @@
           <a:p>
             <a:fld id="{756B7610-9FAA-DC43-80F9-3155B1E839C7}" type="datetimeFigureOut">
               <a:rPr kumimoji="1" lang="zh-CN" altLang="en-US" smtClean="0"/>
-              <a:t>2025/2/20</a:t>
+              <a:t>2025/2/23</a:t>
             </a:fld>
             <a:endParaRPr kumimoji="1" lang="zh-CN" altLang="en-US"/>
           </a:p>
@@ -7335,7 +7336,7 @@
           <a:p>
             <a:fld id="{756B7610-9FAA-DC43-80F9-3155B1E839C7}" type="datetimeFigureOut">
               <a:rPr kumimoji="1" lang="zh-CN" altLang="en-US" smtClean="0"/>
-              <a:t>2025/2/20</a:t>
+              <a:t>2025/2/23</a:t>
             </a:fld>
             <a:endParaRPr kumimoji="1" lang="zh-CN" altLang="en-US"/>
           </a:p>
@@ -7576,7 +7577,7 @@
           <a:p>
             <a:fld id="{756B7610-9FAA-DC43-80F9-3155B1E839C7}" type="datetimeFigureOut">
               <a:rPr kumimoji="1" lang="zh-CN" altLang="en-US" smtClean="0"/>
-              <a:t>2025/2/20</a:t>
+              <a:t>2025/2/23</a:t>
             </a:fld>
             <a:endParaRPr kumimoji="1" lang="zh-CN" altLang="en-US"/>
           </a:p>
@@ -29596,9 +29597,10 @@
           <a:p>
             <a:pPr algn="ctr"/>
             <a:r>
-              <a:rPr lang="en-US" dirty="0"/>
-              <a:t>PLL</a:t>
+              <a:rPr lang="en-US" dirty="0" err="1"/>
+              <a:t>晶振</a:t>
             </a:r>
+            <a:endParaRPr lang="en-US" dirty="0"/>
           </a:p>
         </p:txBody>
       </p:sp>
@@ -29996,7 +29998,7 @@
             </a:r>
             <a:r>
               <a:rPr kumimoji="1" lang="en-US" altLang="zh-CN" dirty="0"/>
-              <a:t>A</a:t>
+              <a:t>C</a:t>
             </a:r>
             <a:endParaRPr kumimoji="1" lang="zh-CN" altLang="en-US" dirty="0"/>
           </a:p>
@@ -30500,10 +30502,2354 @@
           </a:p>
         </p:txBody>
       </p:sp>
+      <p:sp>
+        <p:nvSpPr>
+          <p:cNvPr id="2" name="TextBox 20">
+            <a:extLst>
+              <a:ext uri="{FF2B5EF4-FFF2-40B4-BE49-F238E27FC236}">
+                <a16:creationId xmlns:a16="http://schemas.microsoft.com/office/drawing/2014/main" id="{F25AF98D-F77C-5FFA-3242-7FE33A4BFE05}"/>
+              </a:ext>
+            </a:extLst>
+          </p:cNvPr>
+          <p:cNvSpPr txBox="1"/>
+          <p:nvPr/>
+        </p:nvSpPr>
+        <p:spPr>
+          <a:xfrm>
+            <a:off x="7016366" y="1612729"/>
+            <a:ext cx="609462" cy="369332"/>
+          </a:xfrm>
+          <a:prstGeom prst="rect">
+            <a:avLst/>
+          </a:prstGeom>
+          <a:noFill/>
+        </p:spPr>
+        <p:txBody>
+          <a:bodyPr wrap="none" rtlCol="0">
+            <a:spAutoFit/>
+          </a:bodyPr>
+          <a:lstStyle/>
+          <a:p>
+            <a:r>
+              <a:rPr lang="en-US" dirty="0"/>
+              <a:t>Clk1</a:t>
+            </a:r>
+          </a:p>
+        </p:txBody>
+      </p:sp>
+      <p:sp>
+        <p:nvSpPr>
+          <p:cNvPr id="3" name="TextBox 20">
+            <a:extLst>
+              <a:ext uri="{FF2B5EF4-FFF2-40B4-BE49-F238E27FC236}">
+                <a16:creationId xmlns:a16="http://schemas.microsoft.com/office/drawing/2014/main" id="{8BAA07B0-A6B7-B5CD-FB62-B78FB5474B50}"/>
+              </a:ext>
+            </a:extLst>
+          </p:cNvPr>
+          <p:cNvSpPr txBox="1"/>
+          <p:nvPr/>
+        </p:nvSpPr>
+        <p:spPr>
+          <a:xfrm>
+            <a:off x="7018453" y="2298480"/>
+            <a:ext cx="609462" cy="369332"/>
+          </a:xfrm>
+          <a:prstGeom prst="rect">
+            <a:avLst/>
+          </a:prstGeom>
+          <a:noFill/>
+        </p:spPr>
+        <p:txBody>
+          <a:bodyPr wrap="none" rtlCol="0">
+            <a:spAutoFit/>
+          </a:bodyPr>
+          <a:lstStyle/>
+          <a:p>
+            <a:r>
+              <a:rPr lang="en-US" dirty="0"/>
+              <a:t>Clk2</a:t>
+            </a:r>
+          </a:p>
+        </p:txBody>
+      </p:sp>
+      <p:sp>
+        <p:nvSpPr>
+          <p:cNvPr id="4" name="TextBox 20">
+            <a:extLst>
+              <a:ext uri="{FF2B5EF4-FFF2-40B4-BE49-F238E27FC236}">
+                <a16:creationId xmlns:a16="http://schemas.microsoft.com/office/drawing/2014/main" id="{3F8EAB45-1DF4-91D9-2F75-C5102494B75C}"/>
+              </a:ext>
+            </a:extLst>
+          </p:cNvPr>
+          <p:cNvSpPr txBox="1"/>
+          <p:nvPr/>
+        </p:nvSpPr>
+        <p:spPr>
+          <a:xfrm>
+            <a:off x="7016366" y="2909326"/>
+            <a:ext cx="609462" cy="369332"/>
+          </a:xfrm>
+          <a:prstGeom prst="rect">
+            <a:avLst/>
+          </a:prstGeom>
+          <a:noFill/>
+        </p:spPr>
+        <p:txBody>
+          <a:bodyPr wrap="none" rtlCol="0">
+            <a:spAutoFit/>
+          </a:bodyPr>
+          <a:lstStyle/>
+          <a:p>
+            <a:r>
+              <a:rPr lang="en-US" dirty="0"/>
+              <a:t>Clk3</a:t>
+            </a:r>
+          </a:p>
+        </p:txBody>
+      </p:sp>
+      <p:sp>
+        <p:nvSpPr>
+          <p:cNvPr id="5" name="TextBox 20">
+            <a:extLst>
+              <a:ext uri="{FF2B5EF4-FFF2-40B4-BE49-F238E27FC236}">
+                <a16:creationId xmlns:a16="http://schemas.microsoft.com/office/drawing/2014/main" id="{98D5FBF9-82F5-5EF4-80AB-29D470EB95FE}"/>
+              </a:ext>
+            </a:extLst>
+          </p:cNvPr>
+          <p:cNvSpPr txBox="1"/>
+          <p:nvPr/>
+        </p:nvSpPr>
+        <p:spPr>
+          <a:xfrm>
+            <a:off x="7004423" y="3573557"/>
+            <a:ext cx="609462" cy="369332"/>
+          </a:xfrm>
+          <a:prstGeom prst="rect">
+            <a:avLst/>
+          </a:prstGeom>
+          <a:noFill/>
+        </p:spPr>
+        <p:txBody>
+          <a:bodyPr wrap="none" rtlCol="0">
+            <a:spAutoFit/>
+          </a:bodyPr>
+          <a:lstStyle/>
+          <a:p>
+            <a:r>
+              <a:rPr lang="en-US" dirty="0"/>
+              <a:t>Clk4</a:t>
+            </a:r>
+          </a:p>
+        </p:txBody>
+      </p:sp>
+      <p:sp>
+        <p:nvSpPr>
+          <p:cNvPr id="8" name="TextBox 20">
+            <a:extLst>
+              <a:ext uri="{FF2B5EF4-FFF2-40B4-BE49-F238E27FC236}">
+                <a16:creationId xmlns:a16="http://schemas.microsoft.com/office/drawing/2014/main" id="{38FF48F5-BD87-C809-A7C4-A561D249DEDC}"/>
+              </a:ext>
+            </a:extLst>
+          </p:cNvPr>
+          <p:cNvSpPr txBox="1"/>
+          <p:nvPr/>
+        </p:nvSpPr>
+        <p:spPr>
+          <a:xfrm>
+            <a:off x="6120570" y="4798530"/>
+            <a:ext cx="2659702" cy="369332"/>
+          </a:xfrm>
+          <a:prstGeom prst="rect">
+            <a:avLst/>
+          </a:prstGeom>
+          <a:noFill/>
+        </p:spPr>
+        <p:txBody>
+          <a:bodyPr wrap="none" rtlCol="0">
+            <a:spAutoFit/>
+          </a:bodyPr>
+          <a:lstStyle/>
+          <a:p>
+            <a:r>
+              <a:rPr lang="en-US" dirty="0" err="1"/>
+              <a:t>在所有Clk</a:t>
+            </a:r>
+            <a:r>
+              <a:rPr lang="zh-CN" altLang="en-US" dirty="0"/>
+              <a:t>*上的生成时钟</a:t>
+            </a:r>
+            <a:endParaRPr lang="en-US" dirty="0"/>
+          </a:p>
+        </p:txBody>
+      </p:sp>
+      <p:sp>
+        <p:nvSpPr>
+          <p:cNvPr id="9" name="TextBox 20">
+            <a:extLst>
+              <a:ext uri="{FF2B5EF4-FFF2-40B4-BE49-F238E27FC236}">
+                <a16:creationId xmlns:a16="http://schemas.microsoft.com/office/drawing/2014/main" id="{D43C5FB7-7D3C-E895-14ED-DB64A1FEEDFD}"/>
+              </a:ext>
+            </a:extLst>
+          </p:cNvPr>
+          <p:cNvSpPr txBox="1"/>
+          <p:nvPr/>
+        </p:nvSpPr>
+        <p:spPr>
+          <a:xfrm>
+            <a:off x="3090585" y="4200256"/>
+            <a:ext cx="1569660" cy="369332"/>
+          </a:xfrm>
+          <a:prstGeom prst="rect">
+            <a:avLst/>
+          </a:prstGeom>
+          <a:noFill/>
+        </p:spPr>
+        <p:txBody>
+          <a:bodyPr wrap="none" rtlCol="0">
+            <a:spAutoFit/>
+          </a:bodyPr>
+          <a:lstStyle/>
+          <a:p>
+            <a:r>
+              <a:rPr lang="zh-CN" altLang="en-US" dirty="0"/>
+              <a:t>主时钟在这里</a:t>
+            </a:r>
+            <a:endParaRPr lang="en-US" dirty="0"/>
+          </a:p>
+        </p:txBody>
+      </p:sp>
+      <p:sp>
+        <p:nvSpPr>
+          <p:cNvPr id="11" name="任意形状 10">
+            <a:extLst>
+              <a:ext uri="{FF2B5EF4-FFF2-40B4-BE49-F238E27FC236}">
+                <a16:creationId xmlns:a16="http://schemas.microsoft.com/office/drawing/2014/main" id="{B857D312-A763-D340-E33F-51EBB858A84E}"/>
+              </a:ext>
+            </a:extLst>
+          </p:cNvPr>
+          <p:cNvSpPr/>
+          <p:nvPr/>
+        </p:nvSpPr>
+        <p:spPr>
+          <a:xfrm>
+            <a:off x="2362200" y="3287486"/>
+            <a:ext cx="1360714" cy="881743"/>
+          </a:xfrm>
+          <a:custGeom>
+            <a:avLst/>
+            <a:gdLst>
+              <a:gd name="connsiteX0" fmla="*/ 1360714 w 1360714"/>
+              <a:gd name="connsiteY0" fmla="*/ 881743 h 881743"/>
+              <a:gd name="connsiteX1" fmla="*/ 1251857 w 1360714"/>
+              <a:gd name="connsiteY1" fmla="*/ 609600 h 881743"/>
+              <a:gd name="connsiteX2" fmla="*/ 1023257 w 1360714"/>
+              <a:gd name="connsiteY2" fmla="*/ 457200 h 881743"/>
+              <a:gd name="connsiteX3" fmla="*/ 0 w 1360714"/>
+              <a:gd name="connsiteY3" fmla="*/ 0 h 881743"/>
+            </a:gdLst>
+            <a:ahLst/>
+            <a:cxnLst>
+              <a:cxn ang="0">
+                <a:pos x="connsiteX0" y="connsiteY0"/>
+              </a:cxn>
+              <a:cxn ang="0">
+                <a:pos x="connsiteX1" y="connsiteY1"/>
+              </a:cxn>
+              <a:cxn ang="0">
+                <a:pos x="connsiteX2" y="connsiteY2"/>
+              </a:cxn>
+              <a:cxn ang="0">
+                <a:pos x="connsiteX3" y="connsiteY3"/>
+              </a:cxn>
+            </a:cxnLst>
+            <a:rect l="l" t="t" r="r" b="b"/>
+            <a:pathLst>
+              <a:path w="1360714" h="881743">
+                <a:moveTo>
+                  <a:pt x="1360714" y="881743"/>
+                </a:moveTo>
+                <a:cubicBezTo>
+                  <a:pt x="1334407" y="781050"/>
+                  <a:pt x="1308100" y="680357"/>
+                  <a:pt x="1251857" y="609600"/>
+                </a:cubicBezTo>
+                <a:cubicBezTo>
+                  <a:pt x="1195614" y="538843"/>
+                  <a:pt x="1231900" y="558800"/>
+                  <a:pt x="1023257" y="457200"/>
+                </a:cubicBezTo>
+                <a:cubicBezTo>
+                  <a:pt x="814614" y="355600"/>
+                  <a:pt x="407307" y="177800"/>
+                  <a:pt x="0" y="0"/>
+                </a:cubicBezTo>
+              </a:path>
+            </a:pathLst>
+          </a:custGeom>
+          <a:ln w="19050" cap="flat" cmpd="sng" algn="ctr">
+            <a:solidFill>
+              <a:schemeClr val="accent4"/>
+            </a:solidFill>
+            <a:prstDash val="solid"/>
+            <a:round/>
+            <a:headEnd type="none" w="med" len="med"/>
+            <a:tailEnd type="arrow" w="med" len="med"/>
+          </a:ln>
+        </p:spPr>
+        <p:style>
+          <a:lnRef idx="0">
+            <a:scrgbClr r="0" g="0" b="0"/>
+          </a:lnRef>
+          <a:fillRef idx="0">
+            <a:scrgbClr r="0" g="0" b="0"/>
+          </a:fillRef>
+          <a:effectRef idx="0">
+            <a:scrgbClr r="0" g="0" b="0"/>
+          </a:effectRef>
+          <a:fontRef idx="minor">
+            <a:schemeClr val="tx1"/>
+          </a:fontRef>
+        </p:style>
+        <p:txBody>
+          <a:bodyPr rtlCol="0" anchor="ctr"/>
+          <a:lstStyle/>
+          <a:p>
+            <a:pPr algn="ctr"/>
+            <a:endParaRPr kumimoji="1" lang="zh-CN" altLang="en-US"/>
+          </a:p>
+        </p:txBody>
+      </p:sp>
+      <p:sp>
+        <p:nvSpPr>
+          <p:cNvPr id="18" name="任意形状 17">
+            <a:extLst>
+              <a:ext uri="{FF2B5EF4-FFF2-40B4-BE49-F238E27FC236}">
+                <a16:creationId xmlns:a16="http://schemas.microsoft.com/office/drawing/2014/main" id="{20A11375-7126-AAEE-E283-C98F4AFBA0B5}"/>
+              </a:ext>
+            </a:extLst>
+          </p:cNvPr>
+          <p:cNvSpPr/>
+          <p:nvPr/>
+        </p:nvSpPr>
+        <p:spPr>
+          <a:xfrm>
+            <a:off x="3951514" y="3309257"/>
+            <a:ext cx="947057" cy="849086"/>
+          </a:xfrm>
+          <a:custGeom>
+            <a:avLst/>
+            <a:gdLst>
+              <a:gd name="connsiteX0" fmla="*/ 0 w 947057"/>
+              <a:gd name="connsiteY0" fmla="*/ 849086 h 849086"/>
+              <a:gd name="connsiteX1" fmla="*/ 152400 w 947057"/>
+              <a:gd name="connsiteY1" fmla="*/ 642257 h 849086"/>
+              <a:gd name="connsiteX2" fmla="*/ 500743 w 947057"/>
+              <a:gd name="connsiteY2" fmla="*/ 489857 h 849086"/>
+              <a:gd name="connsiteX3" fmla="*/ 838200 w 947057"/>
+              <a:gd name="connsiteY3" fmla="*/ 272143 h 849086"/>
+              <a:gd name="connsiteX4" fmla="*/ 947057 w 947057"/>
+              <a:gd name="connsiteY4" fmla="*/ 0 h 849086"/>
+            </a:gdLst>
+            <a:ahLst/>
+            <a:cxnLst>
+              <a:cxn ang="0">
+                <a:pos x="connsiteX0" y="connsiteY0"/>
+              </a:cxn>
+              <a:cxn ang="0">
+                <a:pos x="connsiteX1" y="connsiteY1"/>
+              </a:cxn>
+              <a:cxn ang="0">
+                <a:pos x="connsiteX2" y="connsiteY2"/>
+              </a:cxn>
+              <a:cxn ang="0">
+                <a:pos x="connsiteX3" y="connsiteY3"/>
+              </a:cxn>
+              <a:cxn ang="0">
+                <a:pos x="connsiteX4" y="connsiteY4"/>
+              </a:cxn>
+            </a:cxnLst>
+            <a:rect l="l" t="t" r="r" b="b"/>
+            <a:pathLst>
+              <a:path w="947057" h="849086">
+                <a:moveTo>
+                  <a:pt x="0" y="849086"/>
+                </a:moveTo>
+                <a:cubicBezTo>
+                  <a:pt x="34471" y="775607"/>
+                  <a:pt x="68943" y="702128"/>
+                  <a:pt x="152400" y="642257"/>
+                </a:cubicBezTo>
+                <a:cubicBezTo>
+                  <a:pt x="235857" y="582385"/>
+                  <a:pt x="386443" y="551543"/>
+                  <a:pt x="500743" y="489857"/>
+                </a:cubicBezTo>
+                <a:cubicBezTo>
+                  <a:pt x="615043" y="428171"/>
+                  <a:pt x="763814" y="353786"/>
+                  <a:pt x="838200" y="272143"/>
+                </a:cubicBezTo>
+                <a:cubicBezTo>
+                  <a:pt x="912586" y="190500"/>
+                  <a:pt x="929821" y="95250"/>
+                  <a:pt x="947057" y="0"/>
+                </a:cubicBezTo>
+              </a:path>
+            </a:pathLst>
+          </a:custGeom>
+          <a:ln w="19050" cap="flat" cmpd="sng" algn="ctr">
+            <a:solidFill>
+              <a:schemeClr val="accent4"/>
+            </a:solidFill>
+            <a:prstDash val="solid"/>
+            <a:round/>
+            <a:headEnd type="none" w="med" len="med"/>
+            <a:tailEnd type="arrow" w="med" len="med"/>
+          </a:ln>
+        </p:spPr>
+        <p:style>
+          <a:lnRef idx="0">
+            <a:scrgbClr r="0" g="0" b="0"/>
+          </a:lnRef>
+          <a:fillRef idx="0">
+            <a:scrgbClr r="0" g="0" b="0"/>
+          </a:fillRef>
+          <a:effectRef idx="0">
+            <a:scrgbClr r="0" g="0" b="0"/>
+          </a:effectRef>
+          <a:fontRef idx="minor">
+            <a:schemeClr val="tx1"/>
+          </a:fontRef>
+        </p:style>
+        <p:txBody>
+          <a:bodyPr rtlCol="0" anchor="ctr"/>
+          <a:lstStyle/>
+          <a:p>
+            <a:pPr algn="ctr"/>
+            <a:endParaRPr kumimoji="1" lang="zh-CN" altLang="en-US"/>
+          </a:p>
+        </p:txBody>
+      </p:sp>
+      <p:sp>
+        <p:nvSpPr>
+          <p:cNvPr id="20" name="任意形状 19">
+            <a:extLst>
+              <a:ext uri="{FF2B5EF4-FFF2-40B4-BE49-F238E27FC236}">
+                <a16:creationId xmlns:a16="http://schemas.microsoft.com/office/drawing/2014/main" id="{5C5A715E-A15B-CD15-E70D-983D8859E9DA}"/>
+              </a:ext>
+            </a:extLst>
+          </p:cNvPr>
+          <p:cNvSpPr/>
+          <p:nvPr/>
+        </p:nvSpPr>
+        <p:spPr>
+          <a:xfrm>
+            <a:off x="7113408" y="4016829"/>
+            <a:ext cx="354192" cy="762000"/>
+          </a:xfrm>
+          <a:custGeom>
+            <a:avLst/>
+            <a:gdLst>
+              <a:gd name="connsiteX0" fmla="*/ 354192 w 354192"/>
+              <a:gd name="connsiteY0" fmla="*/ 762000 h 762000"/>
+              <a:gd name="connsiteX1" fmla="*/ 299763 w 354192"/>
+              <a:gd name="connsiteY1" fmla="*/ 620485 h 762000"/>
+              <a:gd name="connsiteX2" fmla="*/ 147363 w 354192"/>
+              <a:gd name="connsiteY2" fmla="*/ 533400 h 762000"/>
+              <a:gd name="connsiteX3" fmla="*/ 16735 w 354192"/>
+              <a:gd name="connsiteY3" fmla="*/ 283028 h 762000"/>
+              <a:gd name="connsiteX4" fmla="*/ 5849 w 354192"/>
+              <a:gd name="connsiteY4" fmla="*/ 0 h 762000"/>
+            </a:gdLst>
+            <a:ahLst/>
+            <a:cxnLst>
+              <a:cxn ang="0">
+                <a:pos x="connsiteX0" y="connsiteY0"/>
+              </a:cxn>
+              <a:cxn ang="0">
+                <a:pos x="connsiteX1" y="connsiteY1"/>
+              </a:cxn>
+              <a:cxn ang="0">
+                <a:pos x="connsiteX2" y="connsiteY2"/>
+              </a:cxn>
+              <a:cxn ang="0">
+                <a:pos x="connsiteX3" y="connsiteY3"/>
+              </a:cxn>
+              <a:cxn ang="0">
+                <a:pos x="connsiteX4" y="connsiteY4"/>
+              </a:cxn>
+            </a:cxnLst>
+            <a:rect l="l" t="t" r="r" b="b"/>
+            <a:pathLst>
+              <a:path w="354192" h="762000">
+                <a:moveTo>
+                  <a:pt x="354192" y="762000"/>
+                </a:moveTo>
+                <a:cubicBezTo>
+                  <a:pt x="344213" y="710292"/>
+                  <a:pt x="334234" y="658585"/>
+                  <a:pt x="299763" y="620485"/>
+                </a:cubicBezTo>
+                <a:cubicBezTo>
+                  <a:pt x="265291" y="582385"/>
+                  <a:pt x="194534" y="589643"/>
+                  <a:pt x="147363" y="533400"/>
+                </a:cubicBezTo>
+                <a:cubicBezTo>
+                  <a:pt x="100192" y="477157"/>
+                  <a:pt x="40321" y="371928"/>
+                  <a:pt x="16735" y="283028"/>
+                </a:cubicBezTo>
+                <a:cubicBezTo>
+                  <a:pt x="-6851" y="194128"/>
+                  <a:pt x="-501" y="97064"/>
+                  <a:pt x="5849" y="0"/>
+                </a:cubicBezTo>
+              </a:path>
+            </a:pathLst>
+          </a:custGeom>
+          <a:ln w="19050" cap="flat" cmpd="sng" algn="ctr">
+            <a:solidFill>
+              <a:schemeClr val="accent4"/>
+            </a:solidFill>
+            <a:prstDash val="solid"/>
+            <a:round/>
+            <a:headEnd type="none" w="med" len="med"/>
+            <a:tailEnd type="arrow" w="med" len="med"/>
+          </a:ln>
+        </p:spPr>
+        <p:style>
+          <a:lnRef idx="0">
+            <a:scrgbClr r="0" g="0" b="0"/>
+          </a:lnRef>
+          <a:fillRef idx="0">
+            <a:scrgbClr r="0" g="0" b="0"/>
+          </a:fillRef>
+          <a:effectRef idx="0">
+            <a:scrgbClr r="0" g="0" b="0"/>
+          </a:effectRef>
+          <a:fontRef idx="minor">
+            <a:schemeClr val="tx1"/>
+          </a:fontRef>
+        </p:style>
+        <p:txBody>
+          <a:bodyPr rtlCol="0" anchor="ctr"/>
+          <a:lstStyle/>
+          <a:p>
+            <a:pPr algn="ctr"/>
+            <a:endParaRPr kumimoji="1" lang="zh-CN" altLang="en-US"/>
+          </a:p>
+        </p:txBody>
+      </p:sp>
+      <p:sp>
+        <p:nvSpPr>
+          <p:cNvPr id="21" name="TextBox 20">
+            <a:extLst>
+              <a:ext uri="{FF2B5EF4-FFF2-40B4-BE49-F238E27FC236}">
+                <a16:creationId xmlns:a16="http://schemas.microsoft.com/office/drawing/2014/main" id="{6F69B7BA-ED82-18B8-FDFF-33D403128A24}"/>
+              </a:ext>
+            </a:extLst>
+          </p:cNvPr>
+          <p:cNvSpPr txBox="1"/>
+          <p:nvPr/>
+        </p:nvSpPr>
+        <p:spPr>
+          <a:xfrm>
+            <a:off x="4739005" y="3576245"/>
+            <a:ext cx="987771" cy="369332"/>
+          </a:xfrm>
+          <a:prstGeom prst="rect">
+            <a:avLst/>
+          </a:prstGeom>
+          <a:noFill/>
+        </p:spPr>
+        <p:txBody>
+          <a:bodyPr wrap="none" rtlCol="0">
+            <a:spAutoFit/>
+          </a:bodyPr>
+          <a:lstStyle/>
+          <a:p>
+            <a:r>
+              <a:rPr lang="en-US" altLang="zh-CN" dirty="0"/>
+              <a:t>PLL</a:t>
+            </a:r>
+            <a:r>
+              <a:rPr lang="zh-CN" altLang="en-US" dirty="0"/>
+              <a:t>旁路</a:t>
+            </a:r>
+            <a:endParaRPr lang="en-US" dirty="0"/>
+          </a:p>
+        </p:txBody>
+      </p:sp>
     </p:spTree>
     <p:extLst>
       <p:ext uri="{BB962C8B-B14F-4D97-AF65-F5344CB8AC3E}">
         <p14:creationId xmlns:p14="http://schemas.microsoft.com/office/powerpoint/2010/main" val="4287004451"/>
+      </p:ext>
+    </p:extLst>
+  </p:cSld>
+  <p:clrMapOvr>
+    <a:masterClrMapping/>
+  </p:clrMapOvr>
+</p:sld>
+</file>
+
+<file path=ppt/slides/slide19.xml><?xml version="1.0" encoding="utf-8"?>
+<p:sld xmlns:a="http://schemas.openxmlformats.org/drawingml/2006/main" xmlns:r="http://schemas.openxmlformats.org/officeDocument/2006/relationships" xmlns:p="http://schemas.openxmlformats.org/presentationml/2006/main">
+  <p:cSld>
+    <p:spTree>
+      <p:nvGrpSpPr>
+        <p:cNvPr id="1" name=""/>
+        <p:cNvGrpSpPr/>
+        <p:nvPr/>
+      </p:nvGrpSpPr>
+      <p:grpSpPr>
+        <a:xfrm>
+          <a:off x="0" y="0"/>
+          <a:ext cx="0" cy="0"/>
+          <a:chOff x="0" y="0"/>
+          <a:chExt cx="0" cy="0"/>
+        </a:xfrm>
+      </p:grpSpPr>
+      <p:sp>
+        <p:nvSpPr>
+          <p:cNvPr id="24" name="文档 23">
+            <a:extLst>
+              <a:ext uri="{FF2B5EF4-FFF2-40B4-BE49-F238E27FC236}">
+                <a16:creationId xmlns:a16="http://schemas.microsoft.com/office/drawing/2014/main" id="{7F0176FC-53E5-9A0E-B11B-DCA93D6D58FB}"/>
+              </a:ext>
+            </a:extLst>
+          </p:cNvPr>
+          <p:cNvSpPr/>
+          <p:nvPr/>
+        </p:nvSpPr>
+        <p:spPr>
+          <a:xfrm rot="16200000">
+            <a:off x="7126277" y="364518"/>
+            <a:ext cx="2774811" cy="5030553"/>
+          </a:xfrm>
+          <a:prstGeom prst="flowChartDocument">
+            <a:avLst/>
+          </a:prstGeom>
+        </p:spPr>
+        <p:style>
+          <a:lnRef idx="2">
+            <a:schemeClr val="accent6">
+              <a:shade val="15000"/>
+            </a:schemeClr>
+          </a:lnRef>
+          <a:fillRef idx="1">
+            <a:schemeClr val="accent6"/>
+          </a:fillRef>
+          <a:effectRef idx="0">
+            <a:schemeClr val="accent6"/>
+          </a:effectRef>
+          <a:fontRef idx="minor">
+            <a:schemeClr val="lt1"/>
+          </a:fontRef>
+        </p:style>
+        <p:txBody>
+          <a:bodyPr rtlCol="0" anchor="ctr"/>
+          <a:lstStyle/>
+          <a:p>
+            <a:pPr algn="ctr"/>
+            <a:endParaRPr kumimoji="1" lang="zh-CN" altLang="en-US" dirty="0"/>
+          </a:p>
+        </p:txBody>
+      </p:sp>
+      <p:cxnSp>
+        <p:nvCxnSpPr>
+          <p:cNvPr id="28" name="直线连接符 27">
+            <a:extLst>
+              <a:ext uri="{FF2B5EF4-FFF2-40B4-BE49-F238E27FC236}">
+                <a16:creationId xmlns:a16="http://schemas.microsoft.com/office/drawing/2014/main" id="{22A56D75-F469-4E03-FA39-9258F90F168D}"/>
+              </a:ext>
+            </a:extLst>
+          </p:cNvPr>
+          <p:cNvCxnSpPr>
+            <a:cxnSpLocks/>
+          </p:cNvCxnSpPr>
+          <p:nvPr/>
+        </p:nvCxnSpPr>
+        <p:spPr>
+          <a:xfrm>
+            <a:off x="3543036" y="2236558"/>
+            <a:ext cx="4561912" cy="0"/>
+          </a:xfrm>
+          <a:prstGeom prst="line">
+            <a:avLst/>
+          </a:prstGeom>
+        </p:spPr>
+        <p:style>
+          <a:lnRef idx="2">
+            <a:schemeClr val="accent1"/>
+          </a:lnRef>
+          <a:fillRef idx="0">
+            <a:schemeClr val="accent1"/>
+          </a:fillRef>
+          <a:effectRef idx="1">
+            <a:schemeClr val="accent1"/>
+          </a:effectRef>
+          <a:fontRef idx="minor">
+            <a:schemeClr val="tx1"/>
+          </a:fontRef>
+        </p:style>
+      </p:cxnSp>
+      <p:grpSp>
+        <p:nvGrpSpPr>
+          <p:cNvPr id="4" name="组合 22">
+            <a:extLst>
+              <a:ext uri="{FF2B5EF4-FFF2-40B4-BE49-F238E27FC236}">
+                <a16:creationId xmlns:a16="http://schemas.microsoft.com/office/drawing/2014/main" id="{5CBBC9A2-628B-6FB1-1317-25D8930861E8}"/>
+              </a:ext>
+            </a:extLst>
+          </p:cNvPr>
+          <p:cNvGrpSpPr/>
+          <p:nvPr/>
+        </p:nvGrpSpPr>
+        <p:grpSpPr>
+          <a:xfrm>
+            <a:off x="2355169" y="2003997"/>
+            <a:ext cx="1187867" cy="1033153"/>
+            <a:chOff x="2459115" y="1343921"/>
+            <a:chExt cx="1187867" cy="1033153"/>
+          </a:xfrm>
+        </p:grpSpPr>
+        <p:grpSp>
+          <p:nvGrpSpPr>
+            <p:cNvPr id="5" name="组合 9">
+              <a:extLst>
+                <a:ext uri="{FF2B5EF4-FFF2-40B4-BE49-F238E27FC236}">
+                  <a16:creationId xmlns:a16="http://schemas.microsoft.com/office/drawing/2014/main" id="{3C61A5CF-B0E3-4DA1-EEAA-84C46569FB59}"/>
+                </a:ext>
+              </a:extLst>
+            </p:cNvPr>
+            <p:cNvGrpSpPr/>
+            <p:nvPr/>
+          </p:nvGrpSpPr>
+          <p:grpSpPr>
+            <a:xfrm>
+              <a:off x="2661581" y="1343921"/>
+              <a:ext cx="756004" cy="1033153"/>
+              <a:chOff x="2661581" y="1343921"/>
+              <a:chExt cx="756004" cy="1033153"/>
+            </a:xfrm>
+          </p:grpSpPr>
+          <p:sp>
+            <p:nvSpPr>
+              <p:cNvPr id="9" name="矩形 4">
+                <a:extLst>
+                  <a:ext uri="{FF2B5EF4-FFF2-40B4-BE49-F238E27FC236}">
+                    <a16:creationId xmlns:a16="http://schemas.microsoft.com/office/drawing/2014/main" id="{F9A687C8-EBF7-A8B7-4E43-1405C340F46A}"/>
+                  </a:ext>
+                </a:extLst>
+              </p:cNvPr>
+              <p:cNvSpPr/>
+              <p:nvPr/>
+            </p:nvSpPr>
+            <p:spPr>
+              <a:xfrm>
+                <a:off x="2765072" y="1343921"/>
+                <a:ext cx="575953" cy="1033153"/>
+              </a:xfrm>
+              <a:prstGeom prst="rect">
+                <a:avLst/>
+              </a:prstGeom>
+              <a:noFill/>
+            </p:spPr>
+            <p:style>
+              <a:lnRef idx="2">
+                <a:schemeClr val="accent1">
+                  <a:shade val="50000"/>
+                </a:schemeClr>
+              </a:lnRef>
+              <a:fillRef idx="1">
+                <a:schemeClr val="accent1"/>
+              </a:fillRef>
+              <a:effectRef idx="0">
+                <a:schemeClr val="accent1"/>
+              </a:effectRef>
+              <a:fontRef idx="minor">
+                <a:schemeClr val="lt1"/>
+              </a:fontRef>
+            </p:style>
+            <p:txBody>
+              <a:bodyPr rtlCol="0" anchor="ctr"/>
+              <a:lstStyle/>
+              <a:p>
+                <a:pPr algn="ctr"/>
+                <a:endParaRPr lang="zh-CN" altLang="en-US" dirty="0">
+                  <a:solidFill>
+                    <a:schemeClr val="tx1"/>
+                  </a:solidFill>
+                </a:endParaRPr>
+              </a:p>
+            </p:txBody>
+          </p:sp>
+          <p:sp>
+            <p:nvSpPr>
+              <p:cNvPr id="10" name="直角三角形 5">
+                <a:extLst>
+                  <a:ext uri="{FF2B5EF4-FFF2-40B4-BE49-F238E27FC236}">
+                    <a16:creationId xmlns:a16="http://schemas.microsoft.com/office/drawing/2014/main" id="{6B6C8810-5B76-CABE-562C-C047519219BB}"/>
+                  </a:ext>
+                </a:extLst>
+              </p:cNvPr>
+              <p:cNvSpPr/>
+              <p:nvPr/>
+            </p:nvSpPr>
+            <p:spPr>
+              <a:xfrm rot="13320000">
+                <a:off x="2661581" y="2001597"/>
+                <a:ext cx="206982" cy="226517"/>
+              </a:xfrm>
+              <a:prstGeom prst="rtTriangle">
+                <a:avLst/>
+              </a:prstGeom>
+              <a:noFill/>
+            </p:spPr>
+            <p:style>
+              <a:lnRef idx="2">
+                <a:schemeClr val="accent1">
+                  <a:shade val="50000"/>
+                </a:schemeClr>
+              </a:lnRef>
+              <a:fillRef idx="1">
+                <a:schemeClr val="accent1"/>
+              </a:fillRef>
+              <a:effectRef idx="0">
+                <a:schemeClr val="accent1"/>
+              </a:effectRef>
+              <a:fontRef idx="minor">
+                <a:schemeClr val="lt1"/>
+              </a:fontRef>
+            </p:style>
+            <p:txBody>
+              <a:bodyPr rtlCol="0" anchor="ctr"/>
+              <a:lstStyle/>
+              <a:p>
+                <a:pPr algn="ctr"/>
+                <a:endParaRPr lang="zh-CN" altLang="en-US"/>
+              </a:p>
+            </p:txBody>
+          </p:sp>
+          <p:sp>
+            <p:nvSpPr>
+              <p:cNvPr id="11" name="文本框 6">
+                <a:extLst>
+                  <a:ext uri="{FF2B5EF4-FFF2-40B4-BE49-F238E27FC236}">
+                    <a16:creationId xmlns:a16="http://schemas.microsoft.com/office/drawing/2014/main" id="{EDF993FF-315D-44DF-5F5E-FD8124F26B3E}"/>
+                  </a:ext>
+                </a:extLst>
+              </p:cNvPr>
+              <p:cNvSpPr txBox="1"/>
+              <p:nvPr/>
+            </p:nvSpPr>
+            <p:spPr>
+              <a:xfrm>
+                <a:off x="2692832" y="1391816"/>
+                <a:ext cx="343364" cy="369332"/>
+              </a:xfrm>
+              <a:prstGeom prst="rect">
+                <a:avLst/>
+              </a:prstGeom>
+              <a:noFill/>
+            </p:spPr>
+            <p:txBody>
+              <a:bodyPr wrap="none" rtlCol="0">
+                <a:spAutoFit/>
+              </a:bodyPr>
+              <a:lstStyle/>
+              <a:p>
+                <a:r>
+                  <a:rPr kumimoji="1" lang="en-US" altLang="zh-CN" dirty="0"/>
+                  <a:t>D</a:t>
+                </a:r>
+                <a:endParaRPr kumimoji="1" lang="zh-CN" altLang="en-US" dirty="0"/>
+              </a:p>
+            </p:txBody>
+          </p:sp>
+          <p:sp>
+            <p:nvSpPr>
+              <p:cNvPr id="12" name="文本框 7">
+                <a:extLst>
+                  <a:ext uri="{FF2B5EF4-FFF2-40B4-BE49-F238E27FC236}">
+                    <a16:creationId xmlns:a16="http://schemas.microsoft.com/office/drawing/2014/main" id="{E59142EB-FBC3-BABE-1EAF-C065B7471F1E}"/>
+                  </a:ext>
+                </a:extLst>
+              </p:cNvPr>
+              <p:cNvSpPr txBox="1"/>
+              <p:nvPr/>
+            </p:nvSpPr>
+            <p:spPr>
+              <a:xfrm>
+                <a:off x="2864514" y="1930189"/>
+                <a:ext cx="455574" cy="369332"/>
+              </a:xfrm>
+              <a:prstGeom prst="rect">
+                <a:avLst/>
+              </a:prstGeom>
+              <a:noFill/>
+            </p:spPr>
+            <p:txBody>
+              <a:bodyPr wrap="none" rtlCol="0">
+                <a:spAutoFit/>
+              </a:bodyPr>
+              <a:lstStyle/>
+              <a:p>
+                <a:r>
+                  <a:rPr kumimoji="1" lang="en-US" altLang="zh-CN" dirty="0"/>
+                  <a:t>CK</a:t>
+                </a:r>
+                <a:endParaRPr kumimoji="1" lang="zh-CN" altLang="en-US" dirty="0"/>
+              </a:p>
+            </p:txBody>
+          </p:sp>
+          <p:sp>
+            <p:nvSpPr>
+              <p:cNvPr id="13" name="文本框 8">
+                <a:extLst>
+                  <a:ext uri="{FF2B5EF4-FFF2-40B4-BE49-F238E27FC236}">
+                    <a16:creationId xmlns:a16="http://schemas.microsoft.com/office/drawing/2014/main" id="{F03A22C6-09C3-363D-EC26-EF6052DAB888}"/>
+                  </a:ext>
+                </a:extLst>
+              </p:cNvPr>
+              <p:cNvSpPr txBox="1"/>
+              <p:nvPr/>
+            </p:nvSpPr>
+            <p:spPr>
+              <a:xfrm>
+                <a:off x="3058191" y="1391816"/>
+                <a:ext cx="359394" cy="369332"/>
+              </a:xfrm>
+              <a:prstGeom prst="rect">
+                <a:avLst/>
+              </a:prstGeom>
+              <a:noFill/>
+            </p:spPr>
+            <p:txBody>
+              <a:bodyPr wrap="none" rtlCol="0">
+                <a:spAutoFit/>
+              </a:bodyPr>
+              <a:lstStyle/>
+              <a:p>
+                <a:r>
+                  <a:rPr kumimoji="1" lang="en-US" altLang="zh-CN" dirty="0"/>
+                  <a:t>Q</a:t>
+                </a:r>
+                <a:endParaRPr kumimoji="1" lang="zh-CN" altLang="en-US" dirty="0"/>
+              </a:p>
+            </p:txBody>
+          </p:sp>
+        </p:grpSp>
+        <p:cxnSp>
+          <p:nvCxnSpPr>
+            <p:cNvPr id="6" name="直线连接符 17">
+              <a:extLst>
+                <a:ext uri="{FF2B5EF4-FFF2-40B4-BE49-F238E27FC236}">
+                  <a16:creationId xmlns:a16="http://schemas.microsoft.com/office/drawing/2014/main" id="{AFA4D48F-28F8-ED8E-10EA-7ED86875E882}"/>
+                </a:ext>
+              </a:extLst>
+            </p:cNvPr>
+            <p:cNvCxnSpPr>
+              <a:cxnSpLocks/>
+            </p:cNvCxnSpPr>
+            <p:nvPr/>
+          </p:nvCxnSpPr>
+          <p:spPr>
+            <a:xfrm>
+              <a:off x="2459115" y="1576482"/>
+              <a:ext cx="305957" cy="0"/>
+            </a:xfrm>
+            <a:prstGeom prst="line">
+              <a:avLst/>
+            </a:prstGeom>
+          </p:spPr>
+          <p:style>
+            <a:lnRef idx="2">
+              <a:schemeClr val="accent1"/>
+            </a:lnRef>
+            <a:fillRef idx="0">
+              <a:schemeClr val="accent1"/>
+            </a:fillRef>
+            <a:effectRef idx="1">
+              <a:schemeClr val="accent1"/>
+            </a:effectRef>
+            <a:fontRef idx="minor">
+              <a:schemeClr val="tx1"/>
+            </a:fontRef>
+          </p:style>
+        </p:cxnSp>
+        <p:cxnSp>
+          <p:nvCxnSpPr>
+            <p:cNvPr id="7" name="直线连接符 19">
+              <a:extLst>
+                <a:ext uri="{FF2B5EF4-FFF2-40B4-BE49-F238E27FC236}">
+                  <a16:creationId xmlns:a16="http://schemas.microsoft.com/office/drawing/2014/main" id="{505A3C26-6549-FE20-2474-6DEE00E6BB8F}"/>
+                </a:ext>
+              </a:extLst>
+            </p:cNvPr>
+            <p:cNvCxnSpPr>
+              <a:cxnSpLocks/>
+            </p:cNvCxnSpPr>
+            <p:nvPr/>
+          </p:nvCxnSpPr>
+          <p:spPr>
+            <a:xfrm>
+              <a:off x="3341025" y="1576482"/>
+              <a:ext cx="305957" cy="0"/>
+            </a:xfrm>
+            <a:prstGeom prst="line">
+              <a:avLst/>
+            </a:prstGeom>
+          </p:spPr>
+          <p:style>
+            <a:lnRef idx="2">
+              <a:schemeClr val="accent1"/>
+            </a:lnRef>
+            <a:fillRef idx="0">
+              <a:schemeClr val="accent1"/>
+            </a:fillRef>
+            <a:effectRef idx="1">
+              <a:schemeClr val="accent1"/>
+            </a:effectRef>
+            <a:fontRef idx="minor">
+              <a:schemeClr val="tx1"/>
+            </a:fontRef>
+          </p:style>
+        </p:cxnSp>
+        <p:cxnSp>
+          <p:nvCxnSpPr>
+            <p:cNvPr id="8" name="直线连接符 20">
+              <a:extLst>
+                <a:ext uri="{FF2B5EF4-FFF2-40B4-BE49-F238E27FC236}">
+                  <a16:creationId xmlns:a16="http://schemas.microsoft.com/office/drawing/2014/main" id="{FED3EEAA-35B2-69A0-CF04-9F01902D6B00}"/>
+                </a:ext>
+              </a:extLst>
+            </p:cNvPr>
+            <p:cNvCxnSpPr>
+              <a:cxnSpLocks/>
+            </p:cNvCxnSpPr>
+            <p:nvPr/>
+          </p:nvCxnSpPr>
+          <p:spPr>
+            <a:xfrm>
+              <a:off x="2459115" y="2103714"/>
+              <a:ext cx="305957" cy="0"/>
+            </a:xfrm>
+            <a:prstGeom prst="line">
+              <a:avLst/>
+            </a:prstGeom>
+          </p:spPr>
+          <p:style>
+            <a:lnRef idx="2">
+              <a:schemeClr val="accent1"/>
+            </a:lnRef>
+            <a:fillRef idx="0">
+              <a:schemeClr val="accent1"/>
+            </a:fillRef>
+            <a:effectRef idx="1">
+              <a:schemeClr val="accent1"/>
+            </a:effectRef>
+            <a:fontRef idx="minor">
+              <a:schemeClr val="tx1"/>
+            </a:fontRef>
+          </p:style>
+        </p:cxnSp>
+      </p:grpSp>
+      <p:grpSp>
+        <p:nvGrpSpPr>
+          <p:cNvPr id="14" name="组合 22">
+            <a:extLst>
+              <a:ext uri="{FF2B5EF4-FFF2-40B4-BE49-F238E27FC236}">
+                <a16:creationId xmlns:a16="http://schemas.microsoft.com/office/drawing/2014/main" id="{A309E643-ECB2-5C09-2AF4-E351DEA85943}"/>
+              </a:ext>
+            </a:extLst>
+          </p:cNvPr>
+          <p:cNvGrpSpPr/>
+          <p:nvPr/>
+        </p:nvGrpSpPr>
+        <p:grpSpPr>
+          <a:xfrm>
+            <a:off x="8055030" y="2003998"/>
+            <a:ext cx="1187867" cy="1033153"/>
+            <a:chOff x="2459115" y="1343921"/>
+            <a:chExt cx="1187867" cy="1033153"/>
+          </a:xfrm>
+        </p:grpSpPr>
+        <p:grpSp>
+          <p:nvGrpSpPr>
+            <p:cNvPr id="15" name="组合 9">
+              <a:extLst>
+                <a:ext uri="{FF2B5EF4-FFF2-40B4-BE49-F238E27FC236}">
+                  <a16:creationId xmlns:a16="http://schemas.microsoft.com/office/drawing/2014/main" id="{F4FDE5C1-4DFC-1F49-F5AC-31671E05122F}"/>
+                </a:ext>
+              </a:extLst>
+            </p:cNvPr>
+            <p:cNvGrpSpPr/>
+            <p:nvPr/>
+          </p:nvGrpSpPr>
+          <p:grpSpPr>
+            <a:xfrm>
+              <a:off x="2661581" y="1343921"/>
+              <a:ext cx="756004" cy="1033153"/>
+              <a:chOff x="2661581" y="1343921"/>
+              <a:chExt cx="756004" cy="1033153"/>
+            </a:xfrm>
+          </p:grpSpPr>
+          <p:sp>
+            <p:nvSpPr>
+              <p:cNvPr id="19" name="矩形 4">
+                <a:extLst>
+                  <a:ext uri="{FF2B5EF4-FFF2-40B4-BE49-F238E27FC236}">
+                    <a16:creationId xmlns:a16="http://schemas.microsoft.com/office/drawing/2014/main" id="{FDB16C07-108D-8F8C-447D-3DAFD81C8B7F}"/>
+                  </a:ext>
+                </a:extLst>
+              </p:cNvPr>
+              <p:cNvSpPr/>
+              <p:nvPr/>
+            </p:nvSpPr>
+            <p:spPr>
+              <a:xfrm>
+                <a:off x="2765072" y="1343921"/>
+                <a:ext cx="575953" cy="1033153"/>
+              </a:xfrm>
+              <a:prstGeom prst="rect">
+                <a:avLst/>
+              </a:prstGeom>
+              <a:noFill/>
+            </p:spPr>
+            <p:style>
+              <a:lnRef idx="2">
+                <a:schemeClr val="accent1">
+                  <a:shade val="50000"/>
+                </a:schemeClr>
+              </a:lnRef>
+              <a:fillRef idx="1">
+                <a:schemeClr val="accent1"/>
+              </a:fillRef>
+              <a:effectRef idx="0">
+                <a:schemeClr val="accent1"/>
+              </a:effectRef>
+              <a:fontRef idx="minor">
+                <a:schemeClr val="lt1"/>
+              </a:fontRef>
+            </p:style>
+            <p:txBody>
+              <a:bodyPr rtlCol="0" anchor="ctr"/>
+              <a:lstStyle/>
+              <a:p>
+                <a:pPr algn="ctr"/>
+                <a:endParaRPr lang="zh-CN" altLang="en-US" dirty="0">
+                  <a:solidFill>
+                    <a:schemeClr val="tx1"/>
+                  </a:solidFill>
+                </a:endParaRPr>
+              </a:p>
+            </p:txBody>
+          </p:sp>
+          <p:sp>
+            <p:nvSpPr>
+              <p:cNvPr id="20" name="直角三角形 5">
+                <a:extLst>
+                  <a:ext uri="{FF2B5EF4-FFF2-40B4-BE49-F238E27FC236}">
+                    <a16:creationId xmlns:a16="http://schemas.microsoft.com/office/drawing/2014/main" id="{5F160BEE-9EEA-E674-EDDE-F4C3527605C5}"/>
+                  </a:ext>
+                </a:extLst>
+              </p:cNvPr>
+              <p:cNvSpPr/>
+              <p:nvPr/>
+            </p:nvSpPr>
+            <p:spPr>
+              <a:xfrm rot="13320000">
+                <a:off x="2661581" y="2001597"/>
+                <a:ext cx="206982" cy="226517"/>
+              </a:xfrm>
+              <a:prstGeom prst="rtTriangle">
+                <a:avLst/>
+              </a:prstGeom>
+              <a:noFill/>
+            </p:spPr>
+            <p:style>
+              <a:lnRef idx="2">
+                <a:schemeClr val="accent1">
+                  <a:shade val="50000"/>
+                </a:schemeClr>
+              </a:lnRef>
+              <a:fillRef idx="1">
+                <a:schemeClr val="accent1"/>
+              </a:fillRef>
+              <a:effectRef idx="0">
+                <a:schemeClr val="accent1"/>
+              </a:effectRef>
+              <a:fontRef idx="minor">
+                <a:schemeClr val="lt1"/>
+              </a:fontRef>
+            </p:style>
+            <p:txBody>
+              <a:bodyPr rtlCol="0" anchor="ctr"/>
+              <a:lstStyle/>
+              <a:p>
+                <a:pPr algn="ctr"/>
+                <a:endParaRPr lang="zh-CN" altLang="en-US"/>
+              </a:p>
+            </p:txBody>
+          </p:sp>
+          <p:sp>
+            <p:nvSpPr>
+              <p:cNvPr id="21" name="文本框 6">
+                <a:extLst>
+                  <a:ext uri="{FF2B5EF4-FFF2-40B4-BE49-F238E27FC236}">
+                    <a16:creationId xmlns:a16="http://schemas.microsoft.com/office/drawing/2014/main" id="{1680BFF5-7233-FAEB-E4F0-612783625E5B}"/>
+                  </a:ext>
+                </a:extLst>
+              </p:cNvPr>
+              <p:cNvSpPr txBox="1"/>
+              <p:nvPr/>
+            </p:nvSpPr>
+            <p:spPr>
+              <a:xfrm>
+                <a:off x="2692832" y="1391816"/>
+                <a:ext cx="343364" cy="369332"/>
+              </a:xfrm>
+              <a:prstGeom prst="rect">
+                <a:avLst/>
+              </a:prstGeom>
+              <a:noFill/>
+            </p:spPr>
+            <p:txBody>
+              <a:bodyPr wrap="none" rtlCol="0">
+                <a:spAutoFit/>
+              </a:bodyPr>
+              <a:lstStyle/>
+              <a:p>
+                <a:r>
+                  <a:rPr kumimoji="1" lang="en-US" altLang="zh-CN" dirty="0"/>
+                  <a:t>D</a:t>
+                </a:r>
+                <a:endParaRPr kumimoji="1" lang="zh-CN" altLang="en-US" dirty="0"/>
+              </a:p>
+            </p:txBody>
+          </p:sp>
+          <p:sp>
+            <p:nvSpPr>
+              <p:cNvPr id="22" name="文本框 7">
+                <a:extLst>
+                  <a:ext uri="{FF2B5EF4-FFF2-40B4-BE49-F238E27FC236}">
+                    <a16:creationId xmlns:a16="http://schemas.microsoft.com/office/drawing/2014/main" id="{ECFA8AB6-7C13-D35C-3C7B-B10AA7C26C22}"/>
+                  </a:ext>
+                </a:extLst>
+              </p:cNvPr>
+              <p:cNvSpPr txBox="1"/>
+              <p:nvPr/>
+            </p:nvSpPr>
+            <p:spPr>
+              <a:xfrm>
+                <a:off x="2864514" y="1930189"/>
+                <a:ext cx="455574" cy="369332"/>
+              </a:xfrm>
+              <a:prstGeom prst="rect">
+                <a:avLst/>
+              </a:prstGeom>
+              <a:noFill/>
+            </p:spPr>
+            <p:txBody>
+              <a:bodyPr wrap="none" rtlCol="0">
+                <a:spAutoFit/>
+              </a:bodyPr>
+              <a:lstStyle/>
+              <a:p>
+                <a:r>
+                  <a:rPr kumimoji="1" lang="en-US" altLang="zh-CN" dirty="0"/>
+                  <a:t>CK</a:t>
+                </a:r>
+                <a:endParaRPr kumimoji="1" lang="zh-CN" altLang="en-US" dirty="0"/>
+              </a:p>
+            </p:txBody>
+          </p:sp>
+          <p:sp>
+            <p:nvSpPr>
+              <p:cNvPr id="23" name="文本框 8">
+                <a:extLst>
+                  <a:ext uri="{FF2B5EF4-FFF2-40B4-BE49-F238E27FC236}">
+                    <a16:creationId xmlns:a16="http://schemas.microsoft.com/office/drawing/2014/main" id="{C6899B9C-191D-CE1A-315B-64509362090B}"/>
+                  </a:ext>
+                </a:extLst>
+              </p:cNvPr>
+              <p:cNvSpPr txBox="1"/>
+              <p:nvPr/>
+            </p:nvSpPr>
+            <p:spPr>
+              <a:xfrm>
+                <a:off x="3058191" y="1391816"/>
+                <a:ext cx="359394" cy="369332"/>
+              </a:xfrm>
+              <a:prstGeom prst="rect">
+                <a:avLst/>
+              </a:prstGeom>
+              <a:noFill/>
+            </p:spPr>
+            <p:txBody>
+              <a:bodyPr wrap="none" rtlCol="0">
+                <a:spAutoFit/>
+              </a:bodyPr>
+              <a:lstStyle/>
+              <a:p>
+                <a:r>
+                  <a:rPr kumimoji="1" lang="en-US" altLang="zh-CN" dirty="0"/>
+                  <a:t>Q</a:t>
+                </a:r>
+                <a:endParaRPr kumimoji="1" lang="zh-CN" altLang="en-US" dirty="0"/>
+              </a:p>
+            </p:txBody>
+          </p:sp>
+        </p:grpSp>
+        <p:cxnSp>
+          <p:nvCxnSpPr>
+            <p:cNvPr id="16" name="直线连接符 17">
+              <a:extLst>
+                <a:ext uri="{FF2B5EF4-FFF2-40B4-BE49-F238E27FC236}">
+                  <a16:creationId xmlns:a16="http://schemas.microsoft.com/office/drawing/2014/main" id="{956B560A-1BFD-19CB-4806-8A68B433E96A}"/>
+                </a:ext>
+              </a:extLst>
+            </p:cNvPr>
+            <p:cNvCxnSpPr>
+              <a:cxnSpLocks/>
+            </p:cNvCxnSpPr>
+            <p:nvPr/>
+          </p:nvCxnSpPr>
+          <p:spPr>
+            <a:xfrm>
+              <a:off x="2459115" y="1576482"/>
+              <a:ext cx="305957" cy="0"/>
+            </a:xfrm>
+            <a:prstGeom prst="line">
+              <a:avLst/>
+            </a:prstGeom>
+          </p:spPr>
+          <p:style>
+            <a:lnRef idx="2">
+              <a:schemeClr val="accent1"/>
+            </a:lnRef>
+            <a:fillRef idx="0">
+              <a:schemeClr val="accent1"/>
+            </a:fillRef>
+            <a:effectRef idx="1">
+              <a:schemeClr val="accent1"/>
+            </a:effectRef>
+            <a:fontRef idx="minor">
+              <a:schemeClr val="tx1"/>
+            </a:fontRef>
+          </p:style>
+        </p:cxnSp>
+        <p:cxnSp>
+          <p:nvCxnSpPr>
+            <p:cNvPr id="17" name="直线连接符 19">
+              <a:extLst>
+                <a:ext uri="{FF2B5EF4-FFF2-40B4-BE49-F238E27FC236}">
+                  <a16:creationId xmlns:a16="http://schemas.microsoft.com/office/drawing/2014/main" id="{DF4C1911-B520-A174-9238-2B0F6F323019}"/>
+                </a:ext>
+              </a:extLst>
+            </p:cNvPr>
+            <p:cNvCxnSpPr>
+              <a:cxnSpLocks/>
+            </p:cNvCxnSpPr>
+            <p:nvPr/>
+          </p:nvCxnSpPr>
+          <p:spPr>
+            <a:xfrm>
+              <a:off x="3341025" y="1576482"/>
+              <a:ext cx="305957" cy="0"/>
+            </a:xfrm>
+            <a:prstGeom prst="line">
+              <a:avLst/>
+            </a:prstGeom>
+          </p:spPr>
+          <p:style>
+            <a:lnRef idx="2">
+              <a:schemeClr val="accent1"/>
+            </a:lnRef>
+            <a:fillRef idx="0">
+              <a:schemeClr val="accent1"/>
+            </a:fillRef>
+            <a:effectRef idx="1">
+              <a:schemeClr val="accent1"/>
+            </a:effectRef>
+            <a:fontRef idx="minor">
+              <a:schemeClr val="tx1"/>
+            </a:fontRef>
+          </p:style>
+        </p:cxnSp>
+        <p:cxnSp>
+          <p:nvCxnSpPr>
+            <p:cNvPr id="18" name="直线连接符 20">
+              <a:extLst>
+                <a:ext uri="{FF2B5EF4-FFF2-40B4-BE49-F238E27FC236}">
+                  <a16:creationId xmlns:a16="http://schemas.microsoft.com/office/drawing/2014/main" id="{314A110C-A281-D30A-F8A8-404FB304D163}"/>
+                </a:ext>
+              </a:extLst>
+            </p:cNvPr>
+            <p:cNvCxnSpPr>
+              <a:cxnSpLocks/>
+            </p:cNvCxnSpPr>
+            <p:nvPr/>
+          </p:nvCxnSpPr>
+          <p:spPr>
+            <a:xfrm>
+              <a:off x="2459115" y="2103714"/>
+              <a:ext cx="305957" cy="0"/>
+            </a:xfrm>
+            <a:prstGeom prst="line">
+              <a:avLst/>
+            </a:prstGeom>
+          </p:spPr>
+          <p:style>
+            <a:lnRef idx="2">
+              <a:schemeClr val="accent1"/>
+            </a:lnRef>
+            <a:fillRef idx="0">
+              <a:schemeClr val="accent1"/>
+            </a:fillRef>
+            <a:effectRef idx="1">
+              <a:schemeClr val="accent1"/>
+            </a:effectRef>
+            <a:fontRef idx="minor">
+              <a:schemeClr val="tx1"/>
+            </a:fontRef>
+          </p:style>
+        </p:cxnSp>
+      </p:grpSp>
+      <p:sp>
+        <p:nvSpPr>
+          <p:cNvPr id="25" name="Cloud 29">
+            <a:extLst>
+              <a:ext uri="{FF2B5EF4-FFF2-40B4-BE49-F238E27FC236}">
+                <a16:creationId xmlns:a16="http://schemas.microsoft.com/office/drawing/2014/main" id="{3F339BC2-FE8C-81F7-1FAB-576FE744FBA7}"/>
+              </a:ext>
+            </a:extLst>
+          </p:cNvPr>
+          <p:cNvSpPr/>
+          <p:nvPr/>
+        </p:nvSpPr>
+        <p:spPr>
+          <a:xfrm>
+            <a:off x="6464801" y="1865607"/>
+            <a:ext cx="1602075" cy="914400"/>
+          </a:xfrm>
+          <a:prstGeom prst="cloud">
+            <a:avLst/>
+          </a:prstGeom>
+          <a:solidFill>
+            <a:schemeClr val="bg1"/>
+          </a:solidFill>
+          <a:ln>
+            <a:solidFill>
+              <a:schemeClr val="tx1"/>
+            </a:solidFill>
+          </a:ln>
+        </p:spPr>
+        <p:style>
+          <a:lnRef idx="2">
+            <a:schemeClr val="accent6">
+              <a:shade val="15000"/>
+            </a:schemeClr>
+          </a:lnRef>
+          <a:fillRef idx="1">
+            <a:schemeClr val="accent6"/>
+          </a:fillRef>
+          <a:effectRef idx="0">
+            <a:schemeClr val="accent6"/>
+          </a:effectRef>
+          <a:fontRef idx="minor">
+            <a:schemeClr val="lt1"/>
+          </a:fontRef>
+        </p:style>
+        <p:txBody>
+          <a:bodyPr rtlCol="0" anchor="ctr"/>
+          <a:lstStyle/>
+          <a:p>
+            <a:pPr algn="ctr"/>
+            <a:r>
+              <a:rPr lang="en-US" dirty="0">
+                <a:solidFill>
+                  <a:schemeClr val="tx1"/>
+                </a:solidFill>
+              </a:rPr>
+              <a:t>C</a:t>
+            </a:r>
+            <a:r>
+              <a:rPr lang="en-US" altLang="zh-CN" dirty="0">
+                <a:solidFill>
+                  <a:schemeClr val="tx1"/>
+                </a:solidFill>
+              </a:rPr>
+              <a:t>omb Logic</a:t>
+            </a:r>
+            <a:endParaRPr lang="en-US" dirty="0">
+              <a:solidFill>
+                <a:schemeClr val="tx1"/>
+              </a:solidFill>
+            </a:endParaRPr>
+          </a:p>
+        </p:txBody>
+      </p:sp>
+      <p:sp>
+        <p:nvSpPr>
+          <p:cNvPr id="26" name="Cloud 29">
+            <a:extLst>
+              <a:ext uri="{FF2B5EF4-FFF2-40B4-BE49-F238E27FC236}">
+                <a16:creationId xmlns:a16="http://schemas.microsoft.com/office/drawing/2014/main" id="{8F9DB2C5-2072-C12B-481B-B88BBE1CEDD9}"/>
+              </a:ext>
+            </a:extLst>
+          </p:cNvPr>
+          <p:cNvSpPr/>
+          <p:nvPr/>
+        </p:nvSpPr>
+        <p:spPr>
+          <a:xfrm>
+            <a:off x="3523495" y="1865607"/>
+            <a:ext cx="1602075" cy="914400"/>
+          </a:xfrm>
+          <a:prstGeom prst="cloud">
+            <a:avLst/>
+          </a:prstGeom>
+          <a:solidFill>
+            <a:schemeClr val="bg1"/>
+          </a:solidFill>
+          <a:ln>
+            <a:solidFill>
+              <a:schemeClr val="tx1"/>
+            </a:solidFill>
+          </a:ln>
+        </p:spPr>
+        <p:style>
+          <a:lnRef idx="2">
+            <a:schemeClr val="accent6">
+              <a:shade val="15000"/>
+            </a:schemeClr>
+          </a:lnRef>
+          <a:fillRef idx="1">
+            <a:schemeClr val="accent6"/>
+          </a:fillRef>
+          <a:effectRef idx="0">
+            <a:schemeClr val="accent6"/>
+          </a:effectRef>
+          <a:fontRef idx="minor">
+            <a:schemeClr val="lt1"/>
+          </a:fontRef>
+        </p:style>
+        <p:txBody>
+          <a:bodyPr rtlCol="0" anchor="ctr"/>
+          <a:lstStyle/>
+          <a:p>
+            <a:pPr algn="ctr"/>
+            <a:r>
+              <a:rPr lang="en-US" dirty="0">
+                <a:solidFill>
+                  <a:schemeClr val="tx1"/>
+                </a:solidFill>
+              </a:rPr>
+              <a:t>C</a:t>
+            </a:r>
+            <a:r>
+              <a:rPr lang="en-US" altLang="zh-CN" dirty="0">
+                <a:solidFill>
+                  <a:schemeClr val="tx1"/>
+                </a:solidFill>
+              </a:rPr>
+              <a:t>omb Logic</a:t>
+            </a:r>
+            <a:endParaRPr lang="en-US" dirty="0">
+              <a:solidFill>
+                <a:schemeClr val="tx1"/>
+              </a:solidFill>
+            </a:endParaRPr>
+          </a:p>
+        </p:txBody>
+      </p:sp>
+      <p:cxnSp>
+        <p:nvCxnSpPr>
+          <p:cNvPr id="32" name="直线连接符 31">
+            <a:extLst>
+              <a:ext uri="{FF2B5EF4-FFF2-40B4-BE49-F238E27FC236}">
+                <a16:creationId xmlns:a16="http://schemas.microsoft.com/office/drawing/2014/main" id="{C652FAF6-0710-CE93-D891-35DBA781B1EA}"/>
+              </a:ext>
+            </a:extLst>
+          </p:cNvPr>
+          <p:cNvCxnSpPr>
+            <a:cxnSpLocks/>
+          </p:cNvCxnSpPr>
+          <p:nvPr/>
+        </p:nvCxnSpPr>
+        <p:spPr>
+          <a:xfrm>
+            <a:off x="1001486" y="3733800"/>
+            <a:ext cx="7053544" cy="0"/>
+          </a:xfrm>
+          <a:prstGeom prst="line">
+            <a:avLst/>
+          </a:prstGeom>
+        </p:spPr>
+        <p:style>
+          <a:lnRef idx="2">
+            <a:schemeClr val="accent1"/>
+          </a:lnRef>
+          <a:fillRef idx="0">
+            <a:schemeClr val="accent1"/>
+          </a:fillRef>
+          <a:effectRef idx="1">
+            <a:schemeClr val="accent1"/>
+          </a:effectRef>
+          <a:fontRef idx="minor">
+            <a:schemeClr val="tx1"/>
+          </a:fontRef>
+        </p:style>
+      </p:cxnSp>
+      <p:cxnSp>
+        <p:nvCxnSpPr>
+          <p:cNvPr id="34" name="直线连接符 33">
+            <a:extLst>
+              <a:ext uri="{FF2B5EF4-FFF2-40B4-BE49-F238E27FC236}">
+                <a16:creationId xmlns:a16="http://schemas.microsoft.com/office/drawing/2014/main" id="{DF53F218-9996-F27B-DE15-DEB977970C54}"/>
+              </a:ext>
+            </a:extLst>
+          </p:cNvPr>
+          <p:cNvCxnSpPr>
+            <a:cxnSpLocks/>
+          </p:cNvCxnSpPr>
+          <p:nvPr/>
+        </p:nvCxnSpPr>
+        <p:spPr>
+          <a:xfrm>
+            <a:off x="8066876" y="2763790"/>
+            <a:ext cx="0" cy="970010"/>
+          </a:xfrm>
+          <a:prstGeom prst="line">
+            <a:avLst/>
+          </a:prstGeom>
+        </p:spPr>
+        <p:style>
+          <a:lnRef idx="2">
+            <a:schemeClr val="accent1"/>
+          </a:lnRef>
+          <a:fillRef idx="0">
+            <a:schemeClr val="accent1"/>
+          </a:fillRef>
+          <a:effectRef idx="1">
+            <a:schemeClr val="accent1"/>
+          </a:effectRef>
+          <a:fontRef idx="minor">
+            <a:schemeClr val="tx1"/>
+          </a:fontRef>
+        </p:style>
+      </p:cxnSp>
+      <p:cxnSp>
+        <p:nvCxnSpPr>
+          <p:cNvPr id="40" name="直线连接符 39">
+            <a:extLst>
+              <a:ext uri="{FF2B5EF4-FFF2-40B4-BE49-F238E27FC236}">
+                <a16:creationId xmlns:a16="http://schemas.microsoft.com/office/drawing/2014/main" id="{584D3A43-AAED-151B-3729-E61F91171E8D}"/>
+              </a:ext>
+            </a:extLst>
+          </p:cNvPr>
+          <p:cNvCxnSpPr>
+            <a:cxnSpLocks/>
+          </p:cNvCxnSpPr>
+          <p:nvPr/>
+        </p:nvCxnSpPr>
+        <p:spPr>
+          <a:xfrm>
+            <a:off x="2355169" y="2763790"/>
+            <a:ext cx="0" cy="970010"/>
+          </a:xfrm>
+          <a:prstGeom prst="line">
+            <a:avLst/>
+          </a:prstGeom>
+        </p:spPr>
+        <p:style>
+          <a:lnRef idx="2">
+            <a:schemeClr val="accent1"/>
+          </a:lnRef>
+          <a:fillRef idx="0">
+            <a:schemeClr val="accent1"/>
+          </a:fillRef>
+          <a:effectRef idx="1">
+            <a:schemeClr val="accent1"/>
+          </a:effectRef>
+          <a:fontRef idx="minor">
+            <a:schemeClr val="tx1"/>
+          </a:fontRef>
+        </p:style>
+      </p:cxnSp>
+      <p:sp>
+        <p:nvSpPr>
+          <p:cNvPr id="41" name="Flowchart: Summing Junction 167">
+            <a:extLst>
+              <a:ext uri="{FF2B5EF4-FFF2-40B4-BE49-F238E27FC236}">
+                <a16:creationId xmlns:a16="http://schemas.microsoft.com/office/drawing/2014/main" id="{533D6ABD-323C-CF26-1CA8-CC74121D9FEA}"/>
+              </a:ext>
+            </a:extLst>
+          </p:cNvPr>
+          <p:cNvSpPr/>
+          <p:nvPr/>
+        </p:nvSpPr>
+        <p:spPr>
+          <a:xfrm>
+            <a:off x="5933821" y="2164558"/>
+            <a:ext cx="144000" cy="144000"/>
+          </a:xfrm>
+          <a:prstGeom prst="flowChartSummingJunction">
+            <a:avLst/>
+          </a:prstGeom>
+          <a:solidFill>
+            <a:schemeClr val="bg1"/>
+          </a:solidFill>
+        </p:spPr>
+        <p:style>
+          <a:lnRef idx="2">
+            <a:schemeClr val="accent1">
+              <a:shade val="15000"/>
+            </a:schemeClr>
+          </a:lnRef>
+          <a:fillRef idx="1">
+            <a:schemeClr val="accent1"/>
+          </a:fillRef>
+          <a:effectRef idx="0">
+            <a:schemeClr val="accent1"/>
+          </a:effectRef>
+          <a:fontRef idx="minor">
+            <a:schemeClr val="lt1"/>
+          </a:fontRef>
+        </p:style>
+        <p:txBody>
+          <a:bodyPr rtlCol="0" anchor="ctr"/>
+          <a:lstStyle/>
+          <a:p>
+            <a:pPr algn="ctr"/>
+            <a:endParaRPr lang="en-US"/>
+          </a:p>
+        </p:txBody>
+      </p:sp>
+      <p:sp>
+        <p:nvSpPr>
+          <p:cNvPr id="42" name="Flowchart: Summing Junction 167">
+            <a:extLst>
+              <a:ext uri="{FF2B5EF4-FFF2-40B4-BE49-F238E27FC236}">
+                <a16:creationId xmlns:a16="http://schemas.microsoft.com/office/drawing/2014/main" id="{3C24EEA5-2B39-73F9-3318-5AC80F4B3081}"/>
+              </a:ext>
+            </a:extLst>
+          </p:cNvPr>
+          <p:cNvSpPr/>
+          <p:nvPr/>
+        </p:nvSpPr>
+        <p:spPr>
+          <a:xfrm>
+            <a:off x="5926406" y="3661800"/>
+            <a:ext cx="144000" cy="144000"/>
+          </a:xfrm>
+          <a:prstGeom prst="flowChartSummingJunction">
+            <a:avLst/>
+          </a:prstGeom>
+          <a:solidFill>
+            <a:schemeClr val="bg1"/>
+          </a:solidFill>
+        </p:spPr>
+        <p:style>
+          <a:lnRef idx="2">
+            <a:schemeClr val="accent1">
+              <a:shade val="15000"/>
+            </a:schemeClr>
+          </a:lnRef>
+          <a:fillRef idx="1">
+            <a:schemeClr val="accent1"/>
+          </a:fillRef>
+          <a:effectRef idx="0">
+            <a:schemeClr val="accent1"/>
+          </a:effectRef>
+          <a:fontRef idx="minor">
+            <a:schemeClr val="lt1"/>
+          </a:fontRef>
+        </p:style>
+        <p:txBody>
+          <a:bodyPr rtlCol="0" anchor="ctr"/>
+          <a:lstStyle/>
+          <a:p>
+            <a:pPr algn="ctr"/>
+            <a:endParaRPr lang="en-US"/>
+          </a:p>
+        </p:txBody>
+      </p:sp>
+      <p:sp>
+        <p:nvSpPr>
+          <p:cNvPr id="43" name="文本框 42">
+            <a:extLst>
+              <a:ext uri="{FF2B5EF4-FFF2-40B4-BE49-F238E27FC236}">
+                <a16:creationId xmlns:a16="http://schemas.microsoft.com/office/drawing/2014/main" id="{5A73E954-EE2E-D3DF-317A-71BF1CDBD262}"/>
+              </a:ext>
+            </a:extLst>
+          </p:cNvPr>
+          <p:cNvSpPr txBox="1"/>
+          <p:nvPr/>
+        </p:nvSpPr>
+        <p:spPr>
+          <a:xfrm>
+            <a:off x="965709" y="3371879"/>
+            <a:ext cx="710451" cy="369332"/>
+          </a:xfrm>
+          <a:prstGeom prst="rect">
+            <a:avLst/>
+          </a:prstGeom>
+          <a:noFill/>
+        </p:spPr>
+        <p:txBody>
+          <a:bodyPr wrap="none" rtlCol="0">
+            <a:spAutoFit/>
+          </a:bodyPr>
+          <a:lstStyle/>
+          <a:p>
+            <a:r>
+              <a:rPr kumimoji="1" lang="en-US" altLang="zh-CN" dirty="0"/>
+              <a:t>CLKA</a:t>
+            </a:r>
+            <a:endParaRPr kumimoji="1" lang="zh-CN" altLang="en-US" dirty="0"/>
+          </a:p>
+        </p:txBody>
+      </p:sp>
+      <p:sp>
+        <p:nvSpPr>
+          <p:cNvPr id="45" name="文本框 44">
+            <a:extLst>
+              <a:ext uri="{FF2B5EF4-FFF2-40B4-BE49-F238E27FC236}">
+                <a16:creationId xmlns:a16="http://schemas.microsoft.com/office/drawing/2014/main" id="{93879B60-0869-E60D-4D5B-F171EF0AB61C}"/>
+              </a:ext>
+            </a:extLst>
+          </p:cNvPr>
+          <p:cNvSpPr txBox="1"/>
+          <p:nvPr/>
+        </p:nvSpPr>
+        <p:spPr>
+          <a:xfrm>
+            <a:off x="5333526" y="1880308"/>
+            <a:ext cx="659155" cy="369332"/>
+          </a:xfrm>
+          <a:prstGeom prst="rect">
+            <a:avLst/>
+          </a:prstGeom>
+          <a:noFill/>
+        </p:spPr>
+        <p:txBody>
+          <a:bodyPr wrap="none" rtlCol="0">
+            <a:spAutoFit/>
+          </a:bodyPr>
+          <a:lstStyle/>
+          <a:p>
+            <a:r>
+              <a:rPr kumimoji="1" lang="en-US" altLang="zh-CN" dirty="0"/>
+              <a:t>INP1</a:t>
+            </a:r>
+            <a:endParaRPr kumimoji="1" lang="zh-CN" altLang="en-US" dirty="0"/>
+          </a:p>
+        </p:txBody>
+      </p:sp>
+      <p:cxnSp>
+        <p:nvCxnSpPr>
+          <p:cNvPr id="48" name="Connector: Curved 101">
+            <a:extLst>
+              <a:ext uri="{FF2B5EF4-FFF2-40B4-BE49-F238E27FC236}">
+                <a16:creationId xmlns:a16="http://schemas.microsoft.com/office/drawing/2014/main" id="{82566A99-5C64-D2B3-CFBB-ED67A20B539F}"/>
+              </a:ext>
+            </a:extLst>
+          </p:cNvPr>
+          <p:cNvCxnSpPr>
+            <a:cxnSpLocks/>
+          </p:cNvCxnSpPr>
+          <p:nvPr/>
+        </p:nvCxnSpPr>
+        <p:spPr>
+          <a:xfrm flipV="1">
+            <a:off x="2787357" y="2430473"/>
+            <a:ext cx="401996" cy="200290"/>
+          </a:xfrm>
+          <a:prstGeom prst="curvedConnector2">
+            <a:avLst/>
+          </a:prstGeom>
+          <a:ln>
+            <a:solidFill>
+              <a:srgbClr val="FF0000"/>
+            </a:solidFill>
+            <a:tailEnd type="triangle"/>
+          </a:ln>
+        </p:spPr>
+        <p:style>
+          <a:lnRef idx="2">
+            <a:schemeClr val="accent1"/>
+          </a:lnRef>
+          <a:fillRef idx="0">
+            <a:schemeClr val="accent1"/>
+          </a:fillRef>
+          <a:effectRef idx="1">
+            <a:schemeClr val="accent1"/>
+          </a:effectRef>
+          <a:fontRef idx="minor">
+            <a:schemeClr val="tx1"/>
+          </a:fontRef>
+        </p:style>
+      </p:cxnSp>
+      <mc:AlternateContent xmlns:mc="http://schemas.openxmlformats.org/markup-compatibility/2006">
+        <mc:Choice xmlns:a14="http://schemas.microsoft.com/office/drawing/2010/main" Requires="a14">
+          <p:sp>
+            <p:nvSpPr>
+              <p:cNvPr id="49" name="TextBox 103">
+                <a:extLst>
+                  <a:ext uri="{FF2B5EF4-FFF2-40B4-BE49-F238E27FC236}">
+                    <a16:creationId xmlns:a16="http://schemas.microsoft.com/office/drawing/2014/main" id="{26AFF474-8E6B-4373-3F7A-F7710D0CA236}"/>
+                  </a:ext>
+                </a:extLst>
+              </p:cNvPr>
+              <p:cNvSpPr txBox="1"/>
+              <p:nvPr/>
+            </p:nvSpPr>
+            <p:spPr>
+              <a:xfrm>
+                <a:off x="3156950" y="2469119"/>
+                <a:ext cx="538096" cy="258084"/>
+              </a:xfrm>
+              <a:prstGeom prst="rect">
+                <a:avLst/>
+              </a:prstGeom>
+              <a:noFill/>
+            </p:spPr>
+            <p:txBody>
+              <a:bodyPr wrap="none" rtlCol="0">
+                <a:spAutoFit/>
+              </a:bodyPr>
+              <a:lstStyle/>
+              <a:p>
+                <a:pPr/>
+                <a14:m>
+                  <m:oMathPara xmlns:m="http://schemas.openxmlformats.org/officeDocument/2006/math">
+                    <m:oMathParaPr>
+                      <m:jc m:val="centerGroup"/>
+                    </m:oMathParaPr>
+                    <m:oMath xmlns:m="http://schemas.openxmlformats.org/officeDocument/2006/math">
+                      <m:sSub>
+                        <m:sSubPr>
+                          <m:ctrlPr>
+                            <a:rPr lang="en-US" sz="1000" i="1" smtClean="0">
+                              <a:solidFill>
+                                <a:srgbClr val="FF0000"/>
+                              </a:solidFill>
+                              <a:latin typeface="Cambria Math" panose="02040503050406030204" pitchFamily="18" charset="0"/>
+                            </a:rPr>
+                          </m:ctrlPr>
+                        </m:sSubPr>
+                        <m:e>
+                          <m:r>
+                            <a:rPr lang="en-US" sz="1000" b="0" i="1" smtClean="0">
+                              <a:solidFill>
+                                <a:srgbClr val="FF0000"/>
+                              </a:solidFill>
+                              <a:latin typeface="Cambria Math" panose="02040503050406030204" pitchFamily="18" charset="0"/>
+                            </a:rPr>
+                            <m:t>𝑇</m:t>
+                          </m:r>
+                        </m:e>
+                        <m:sub>
+                          <m:r>
+                            <a:rPr lang="en-US" sz="1000" b="0" i="1" smtClean="0">
+                              <a:solidFill>
+                                <a:srgbClr val="FF0000"/>
+                              </a:solidFill>
+                              <a:latin typeface="Cambria Math" panose="02040503050406030204" pitchFamily="18" charset="0"/>
+                            </a:rPr>
+                            <m:t>𝑐𝑙𝑘</m:t>
+                          </m:r>
+                          <m:r>
+                            <a:rPr lang="en-US" sz="1000" b="0" i="1" smtClean="0">
+                              <a:solidFill>
+                                <a:srgbClr val="FF0000"/>
+                              </a:solidFill>
+                              <a:latin typeface="Cambria Math" panose="02040503050406030204" pitchFamily="18" charset="0"/>
+                            </a:rPr>
+                            <m:t>2</m:t>
+                          </m:r>
+                          <m:r>
+                            <a:rPr lang="en-US" sz="1000" b="0" i="1" smtClean="0">
+                              <a:solidFill>
+                                <a:srgbClr val="FF0000"/>
+                              </a:solidFill>
+                              <a:latin typeface="Cambria Math" panose="02040503050406030204" pitchFamily="18" charset="0"/>
+                            </a:rPr>
+                            <m:t>𝑞</m:t>
+                          </m:r>
+                        </m:sub>
+                      </m:sSub>
+                    </m:oMath>
+                  </m:oMathPara>
+                </a14:m>
+                <a:endParaRPr lang="en-US" sz="1000" dirty="0">
+                  <a:solidFill>
+                    <a:srgbClr val="FF0000"/>
+                  </a:solidFill>
+                </a:endParaRPr>
+              </a:p>
+            </p:txBody>
+          </p:sp>
+        </mc:Choice>
+        <mc:Fallback>
+          <p:sp>
+            <p:nvSpPr>
+              <p:cNvPr id="49" name="TextBox 103">
+                <a:extLst>
+                  <a:ext uri="{FF2B5EF4-FFF2-40B4-BE49-F238E27FC236}">
+                    <a16:creationId xmlns:a16="http://schemas.microsoft.com/office/drawing/2014/main" id="{26AFF474-8E6B-4373-3F7A-F7710D0CA236}"/>
+                  </a:ext>
+                </a:extLst>
+              </p:cNvPr>
+              <p:cNvSpPr txBox="1">
+                <a:spLocks noRot="1" noChangeAspect="1" noMove="1" noResize="1" noEditPoints="1" noAdjustHandles="1" noChangeArrowheads="1" noChangeShapeType="1" noTextEdit="1"/>
+              </p:cNvSpPr>
+              <p:nvPr/>
+            </p:nvSpPr>
+            <p:spPr>
+              <a:xfrm>
+                <a:off x="3156950" y="2469119"/>
+                <a:ext cx="538096" cy="258084"/>
+              </a:xfrm>
+              <a:prstGeom prst="rect">
+                <a:avLst/>
+              </a:prstGeom>
+              <a:blipFill>
+                <a:blip r:embed="rId2"/>
+                <a:stretch>
+                  <a:fillRect/>
+                </a:stretch>
+              </a:blipFill>
+            </p:spPr>
+            <p:txBody>
+              <a:bodyPr/>
+              <a:lstStyle/>
+              <a:p>
+                <a:r>
+                  <a:rPr lang="zh-CN" altLang="en-US">
+                    <a:noFill/>
+                  </a:rPr>
+                  <a:t> </a:t>
+                </a:r>
+              </a:p>
+            </p:txBody>
+          </p:sp>
+        </mc:Fallback>
+      </mc:AlternateContent>
+      <mc:AlternateContent xmlns:mc="htt